--- a/visio/patterns.pptx
+++ b/visio/patterns.pptx
@@ -2974,14 +2974,14 @@
             <p:ph idx="1"/>
             <p:extLst>
               <p:ext uri="{D42A27DB-BD31-4B8C-83A1-F6EECF244321}">
-                <p14:modId xmlns:p14="http://schemas.microsoft.com/office/powerpoint/2010/main" val="472540530"/>
+                <p14:modId xmlns:p14="http://schemas.microsoft.com/office/powerpoint/2010/main" val="2198298649"/>
               </p:ext>
             </p:extLst>
           </p:nvPr>
         </p:nvGraphicFramePr>
         <p:xfrm>
           <a:off x="0" y="8255"/>
-          <a:ext cx="12192000" cy="6581161"/>
+          <a:ext cx="12192000" cy="6825917"/>
         </p:xfrm>
         <a:graphic>
           <a:graphicData uri="http://schemas.openxmlformats.org/drawingml/2006/table">
@@ -3026,7 +3026,7 @@
                   </a:extLst>
                 </a:gridCol>
               </a:tblGrid>
-              <a:tr h="288925">
+              <a:tr h="272717">
                 <a:tc>
                   <a:txBody>
                     <a:bodyPr/>
@@ -3118,7 +3118,7 @@
                   </a:ext>
                 </a:extLst>
               </a:tr>
-              <a:tr h="987920">
+              <a:tr h="932499">
                 <a:tc>
                   <a:txBody>
                     <a:bodyPr/>
@@ -3791,7 +3791,7 @@
                   </a:ext>
                 </a:extLst>
               </a:tr>
-              <a:tr h="2561116">
+              <a:tr h="2417440">
                 <a:tc>
                   <a:txBody>
                     <a:bodyPr/>
@@ -5069,7 +5069,7 @@
                   </a:ext>
                 </a:extLst>
               </a:tr>
-              <a:tr h="1565114">
+              <a:tr h="1582355">
                 <a:tc>
                   <a:txBody>
                     <a:bodyPr/>
@@ -5966,7 +5966,7 @@
                   </a:ext>
                 </a:extLst>
               </a:tr>
-              <a:tr h="951510">
+              <a:tr h="930608">
                 <a:tc>
                   <a:txBody>
                     <a:bodyPr/>
@@ -6274,13 +6274,6 @@
                         <a:t> }</a:t>
                       </a:r>
                     </a:p>
-                    <a:p>
-                      <a:pPr marR="0" algn="l" rtl="0"/>
-                      <a:endParaRPr lang="zh-CN" altLang="en-US" sz="800" dirty="0">
-                        <a:latin typeface="Courier New" panose="02070309020205020404" pitchFamily="49" charset="0"/>
-                        <a:cs typeface="Courier New" panose="02070309020205020404" pitchFamily="49" charset="0"/>
-                      </a:endParaRPr>
-                    </a:p>
                   </a:txBody>
                   <a:tcPr/>
                 </a:tc>
@@ -6403,6 +6396,308 @@
                 <a:extLst>
                   <a:ext uri="{0D108BD9-81ED-4DB2-BD59-A6C34878D82A}">
                     <a16:rowId xmlns:a16="http://schemas.microsoft.com/office/drawing/2014/main" val="3985160712"/>
+                  </a:ext>
+                </a:extLst>
+              </a:tr>
+              <a:tr h="419100">
+                <a:tc>
+                  <a:txBody>
+                    <a:bodyPr/>
+                    <a:lstStyle/>
+                    <a:p>
+                      <a:pPr marR="0" algn="ctr" rtl="0"/>
+                      <a:r>
+                        <a:rPr lang="en-US" altLang="zh-CN" sz="800" dirty="0">
+                          <a:latin typeface="Courier New" panose="02070309020205020404" pitchFamily="49" charset="0"/>
+                          <a:cs typeface="Courier New" panose="02070309020205020404" pitchFamily="49" charset="0"/>
+                        </a:rPr>
+                        <a:t>5</a:t>
+                      </a:r>
+                      <a:endParaRPr lang="zh-CN" altLang="en-US" sz="800" dirty="0">
+                        <a:latin typeface="Courier New" panose="02070309020205020404" pitchFamily="49" charset="0"/>
+                        <a:cs typeface="Courier New" panose="02070309020205020404" pitchFamily="49" charset="0"/>
+                      </a:endParaRPr>
+                    </a:p>
+                  </a:txBody>
+                  <a:tcPr anchor="ctr"/>
+                </a:tc>
+                <a:tc>
+                  <a:txBody>
+                    <a:bodyPr/>
+                    <a:lstStyle/>
+                    <a:p>
+                      <a:pPr marR="0" algn="l" rtl="0"/>
+                      <a:r>
+                        <a:rPr lang="en-US" altLang="zh-CN" sz="800" dirty="0">
+                          <a:solidFill>
+                            <a:srgbClr val="C00000"/>
+                          </a:solidFill>
+                          <a:latin typeface="Courier New" panose="02070309020205020404" pitchFamily="49" charset="0"/>
+                          <a:cs typeface="Courier New" panose="02070309020205020404" pitchFamily="49" charset="0"/>
+                        </a:rPr>
+                        <a:t>-public </a:t>
+                      </a:r>
+                      <a:r>
+                        <a:rPr lang="en-US" altLang="zh-CN" sz="800" dirty="0" err="1">
+                          <a:solidFill>
+                            <a:srgbClr val="C00000"/>
+                          </a:solidFill>
+                          <a:latin typeface="Courier New" panose="02070309020205020404" pitchFamily="49" charset="0"/>
+                          <a:cs typeface="Courier New" panose="02070309020205020404" pitchFamily="49" charset="0"/>
+                        </a:rPr>
+                        <a:t>boolean</a:t>
+                      </a:r>
+                      <a:r>
+                        <a:rPr lang="en-US" altLang="zh-CN" sz="800" dirty="0">
+                          <a:solidFill>
+                            <a:srgbClr val="C00000"/>
+                          </a:solidFill>
+                          <a:latin typeface="Courier New" panose="02070309020205020404" pitchFamily="49" charset="0"/>
+                          <a:cs typeface="Courier New" panose="02070309020205020404" pitchFamily="49" charset="0"/>
+                        </a:rPr>
+                        <a:t> </a:t>
+                      </a:r>
+                      <a:r>
+                        <a:rPr lang="en-US" altLang="zh-CN" sz="800" dirty="0" err="1">
+                          <a:solidFill>
+                            <a:srgbClr val="C00000"/>
+                          </a:solidFill>
+                          <a:latin typeface="Courier New" panose="02070309020205020404" pitchFamily="49" charset="0"/>
+                          <a:cs typeface="Courier New" panose="02070309020205020404" pitchFamily="49" charset="0"/>
+                        </a:rPr>
+                        <a:t>isAccessed</a:t>
+                      </a:r>
+                      <a:r>
+                        <a:rPr lang="en-US" altLang="zh-CN" sz="800" dirty="0">
+                          <a:solidFill>
+                            <a:srgbClr val="C00000"/>
+                          </a:solidFill>
+                          <a:latin typeface="Courier New" panose="02070309020205020404" pitchFamily="49" charset="0"/>
+                          <a:cs typeface="Courier New" panose="02070309020205020404" pitchFamily="49" charset="0"/>
+                        </a:rPr>
+                        <a:t>() {</a:t>
+                      </a:r>
+                    </a:p>
+                    <a:p>
+                      <a:pPr marR="0" algn="l" rtl="0"/>
+                      <a:r>
+                        <a:rPr lang="en-US" altLang="zh-CN" sz="800" dirty="0">
+                          <a:latin typeface="Courier New" panose="02070309020205020404" pitchFamily="49" charset="0"/>
+                          <a:cs typeface="Courier New" panose="02070309020205020404" pitchFamily="49" charset="0"/>
+                        </a:rPr>
+                        <a:t>   return </a:t>
+                      </a:r>
+                      <a:r>
+                        <a:rPr lang="en-US" altLang="zh-CN" sz="800" dirty="0" err="1">
+                          <a:latin typeface="Courier New" panose="02070309020205020404" pitchFamily="49" charset="0"/>
+                          <a:cs typeface="Courier New" panose="02070309020205020404" pitchFamily="49" charset="0"/>
+                        </a:rPr>
+                        <a:t>this.accessed</a:t>
+                      </a:r>
+                      <a:r>
+                        <a:rPr lang="en-US" altLang="zh-CN" sz="800" dirty="0">
+                          <a:latin typeface="Courier New" panose="02070309020205020404" pitchFamily="49" charset="0"/>
+                          <a:cs typeface="Courier New" panose="02070309020205020404" pitchFamily="49" charset="0"/>
+                        </a:rPr>
+                        <a:t>;</a:t>
+                      </a:r>
+                    </a:p>
+                    <a:p>
+                      <a:pPr marR="0" algn="l" rtl="0"/>
+                      <a:r>
+                        <a:rPr lang="en-US" altLang="zh-CN" sz="800" dirty="0">
+                          <a:latin typeface="Courier New" panose="02070309020205020404" pitchFamily="49" charset="0"/>
+                          <a:cs typeface="Courier New" panose="02070309020205020404" pitchFamily="49" charset="0"/>
+                        </a:rPr>
+                        <a:t> }</a:t>
+                      </a:r>
+                    </a:p>
+                  </a:txBody>
+                  <a:tcPr/>
+                </a:tc>
+                <a:tc>
+                  <a:txBody>
+                    <a:bodyPr/>
+                    <a:lstStyle/>
+                    <a:p>
+                      <a:pPr marR="0" algn="l" rtl="0"/>
+                      <a:r>
+                        <a:rPr lang="en-US" altLang="zh-CN" sz="800" dirty="0">
+                          <a:solidFill>
+                            <a:srgbClr val="0070C0"/>
+                          </a:solidFill>
+                          <a:latin typeface="Courier New" panose="02070309020205020404" pitchFamily="49" charset="0"/>
+                          <a:cs typeface="Courier New" panose="02070309020205020404" pitchFamily="49" charset="0"/>
+                        </a:rPr>
+                        <a:t>+public synchronized </a:t>
+                      </a:r>
+                      <a:r>
+                        <a:rPr lang="en-US" altLang="zh-CN" sz="800" dirty="0" err="1">
+                          <a:solidFill>
+                            <a:srgbClr val="0070C0"/>
+                          </a:solidFill>
+                          <a:latin typeface="Courier New" panose="02070309020205020404" pitchFamily="49" charset="0"/>
+                          <a:cs typeface="Courier New" panose="02070309020205020404" pitchFamily="49" charset="0"/>
+                        </a:rPr>
+                        <a:t>boolean</a:t>
+                      </a:r>
+                      <a:r>
+                        <a:rPr lang="en-US" altLang="zh-CN" sz="800" dirty="0">
+                          <a:solidFill>
+                            <a:srgbClr val="0070C0"/>
+                          </a:solidFill>
+                          <a:latin typeface="Courier New" panose="02070309020205020404" pitchFamily="49" charset="0"/>
+                          <a:cs typeface="Courier New" panose="02070309020205020404" pitchFamily="49" charset="0"/>
+                        </a:rPr>
+                        <a:t> </a:t>
+                      </a:r>
+                      <a:r>
+                        <a:rPr lang="en-US" altLang="zh-CN" sz="800" dirty="0" err="1">
+                          <a:solidFill>
+                            <a:srgbClr val="0070C0"/>
+                          </a:solidFill>
+                          <a:latin typeface="Courier New" panose="02070309020205020404" pitchFamily="49" charset="0"/>
+                          <a:cs typeface="Courier New" panose="02070309020205020404" pitchFamily="49" charset="0"/>
+                        </a:rPr>
+                        <a:t>isAccessed</a:t>
+                      </a:r>
+                      <a:r>
+                        <a:rPr lang="en-US" altLang="zh-CN" sz="800" dirty="0">
+                          <a:solidFill>
+                            <a:srgbClr val="0070C0"/>
+                          </a:solidFill>
+                          <a:latin typeface="Courier New" panose="02070309020205020404" pitchFamily="49" charset="0"/>
+                          <a:cs typeface="Courier New" panose="02070309020205020404" pitchFamily="49" charset="0"/>
+                        </a:rPr>
+                        <a:t>() {</a:t>
+                      </a:r>
+                    </a:p>
+                    <a:p>
+                      <a:pPr marR="0" algn="l" rtl="0"/>
+                      <a:r>
+                        <a:rPr lang="en-US" altLang="zh-CN" sz="800" dirty="0">
+                          <a:latin typeface="Courier New" panose="02070309020205020404" pitchFamily="49" charset="0"/>
+                          <a:cs typeface="Courier New" panose="02070309020205020404" pitchFamily="49" charset="0"/>
+                        </a:rPr>
+                        <a:t>   return </a:t>
+                      </a:r>
+                      <a:r>
+                        <a:rPr lang="en-US" altLang="zh-CN" sz="800" dirty="0" err="1">
+                          <a:latin typeface="Courier New" panose="02070309020205020404" pitchFamily="49" charset="0"/>
+                          <a:cs typeface="Courier New" panose="02070309020205020404" pitchFamily="49" charset="0"/>
+                        </a:rPr>
+                        <a:t>this.accessed</a:t>
+                      </a:r>
+                      <a:r>
+                        <a:rPr lang="en-US" altLang="zh-CN" sz="800" dirty="0">
+                          <a:latin typeface="Courier New" panose="02070309020205020404" pitchFamily="49" charset="0"/>
+                          <a:cs typeface="Courier New" panose="02070309020205020404" pitchFamily="49" charset="0"/>
+                        </a:rPr>
+                        <a:t>;</a:t>
+                      </a:r>
+                    </a:p>
+                    <a:p>
+                      <a:pPr marR="0" algn="l" rtl="0"/>
+                      <a:r>
+                        <a:rPr lang="en-US" altLang="zh-CN" sz="800" dirty="0">
+                          <a:latin typeface="Courier New" panose="02070309020205020404" pitchFamily="49" charset="0"/>
+                          <a:cs typeface="Courier New" panose="02070309020205020404" pitchFamily="49" charset="0"/>
+                        </a:rPr>
+                        <a:t> }</a:t>
+                      </a:r>
+                      <a:endParaRPr lang="zh-CN" altLang="en-US" sz="800" dirty="0">
+                        <a:latin typeface="Courier New" panose="02070309020205020404" pitchFamily="49" charset="0"/>
+                        <a:cs typeface="Courier New" panose="02070309020205020404" pitchFamily="49" charset="0"/>
+                      </a:endParaRPr>
+                    </a:p>
+                  </a:txBody>
+                  <a:tcPr/>
+                </a:tc>
+                <a:tc>
+                  <a:txBody>
+                    <a:bodyPr/>
+                    <a:lstStyle/>
+                    <a:p>
+                      <a:pPr marR="0" algn="l" rtl="0"/>
+                      <a:r>
+                        <a:rPr lang="en-US" altLang="zh-CN" sz="800" dirty="0">
+                          <a:latin typeface="Courier New" panose="02070309020205020404" pitchFamily="49" charset="0"/>
+                          <a:cs typeface="Courier New" panose="02070309020205020404" pitchFamily="49" charset="0"/>
+                        </a:rPr>
+                        <a:t>void foo() {</a:t>
+                      </a:r>
+                    </a:p>
+                    <a:p>
+                      <a:pPr marR="0" algn="l" rtl="0"/>
+                      <a:r>
+                        <a:rPr lang="en-US" altLang="zh-CN" sz="800" dirty="0">
+                          <a:latin typeface="Courier New" panose="02070309020205020404" pitchFamily="49" charset="0"/>
+                          <a:cs typeface="Courier New" panose="02070309020205020404" pitchFamily="49" charset="0"/>
+                        </a:rPr>
+                        <a:t>  ...</a:t>
+                      </a:r>
+                    </a:p>
+                    <a:p>
+                      <a:pPr marR="0" algn="l" rtl="0"/>
+                      <a:r>
+                        <a:rPr lang="en-US" altLang="zh-CN" sz="800" dirty="0">
+                          <a:latin typeface="Courier New" panose="02070309020205020404" pitchFamily="49" charset="0"/>
+                          <a:cs typeface="Courier New" panose="02070309020205020404" pitchFamily="49" charset="0"/>
+                        </a:rPr>
+                        <a:t>}</a:t>
+                      </a:r>
+                      <a:endParaRPr lang="zh-CN" altLang="en-US" sz="800" dirty="0">
+                        <a:latin typeface="Courier New" panose="02070309020205020404" pitchFamily="49" charset="0"/>
+                        <a:cs typeface="Courier New" panose="02070309020205020404" pitchFamily="49" charset="0"/>
+                      </a:endParaRPr>
+                    </a:p>
+                  </a:txBody>
+                  <a:tcPr anchor="ctr"/>
+                </a:tc>
+                <a:tc>
+                  <a:txBody>
+                    <a:bodyPr/>
+                    <a:lstStyle/>
+                    <a:p>
+                      <a:pPr marR="0" algn="l" rtl="0"/>
+                      <a:r>
+                        <a:rPr lang="en-US" altLang="zh-CN" sz="800" dirty="0">
+                          <a:latin typeface="Courier New" panose="02070309020205020404" pitchFamily="49" charset="0"/>
+                          <a:cs typeface="Courier New" panose="02070309020205020404" pitchFamily="49" charset="0"/>
+                        </a:rPr>
+                        <a:t>synchronized void foo() {</a:t>
+                      </a:r>
+                    </a:p>
+                    <a:p>
+                      <a:pPr marR="0" algn="l" rtl="0"/>
+                      <a:r>
+                        <a:rPr lang="en-US" altLang="zh-CN" sz="800" dirty="0">
+                          <a:latin typeface="Courier New" panose="02070309020205020404" pitchFamily="49" charset="0"/>
+                          <a:cs typeface="Courier New" panose="02070309020205020404" pitchFamily="49" charset="0"/>
+                        </a:rPr>
+                        <a:t>  ...</a:t>
+                      </a:r>
+                    </a:p>
+                    <a:p>
+                      <a:pPr marR="0" algn="l" rtl="0"/>
+                      <a:r>
+                        <a:rPr lang="en-US" altLang="zh-CN" sz="800" dirty="0">
+                          <a:latin typeface="Courier New" panose="02070309020205020404" pitchFamily="49" charset="0"/>
+                          <a:cs typeface="Courier New" panose="02070309020205020404" pitchFamily="49" charset="0"/>
+                        </a:rPr>
+                        <a:t>}</a:t>
+                      </a:r>
+                      <a:endParaRPr lang="zh-CN" altLang="en-US" sz="800" dirty="0">
+                        <a:latin typeface="Courier New" panose="02070309020205020404" pitchFamily="49" charset="0"/>
+                        <a:cs typeface="Courier New" panose="02070309020205020404" pitchFamily="49" charset="0"/>
+                      </a:endParaRPr>
+                    </a:p>
+                  </a:txBody>
+                  <a:tcPr anchor="ctr"/>
+                </a:tc>
+                <a:extLst>
+                  <a:ext uri="{0D108BD9-81ED-4DB2-BD59-A6C34878D82A}">
+                    <a16:rowId xmlns:a16="http://schemas.microsoft.com/office/drawing/2014/main" val="2999866162"/>
                   </a:ext>
                 </a:extLst>
               </a:tr>

--- a/visio/patterns.pptx
+++ b/visio/patterns.pptx
@@ -2,18 +2,18 @@
 <file path=ppt/presentation.xml><?xml version="1.0" encoding="utf-8"?>
 <p:presentation xmlns:a="http://schemas.openxmlformats.org/drawingml/2006/main" xmlns:r="http://schemas.openxmlformats.org/officeDocument/2006/relationships" xmlns:p="http://schemas.openxmlformats.org/presentationml/2006/main" saveSubsetFonts="1">
   <p:sldMasterIdLst>
-    <p:sldMasterId id="2147483648" r:id="rId1"/>
+    <p:sldMasterId id="2147483672" r:id="rId1"/>
   </p:sldMasterIdLst>
   <p:sldIdLst>
     <p:sldId id="257" r:id="rId2"/>
   </p:sldIdLst>
-  <p:sldSz cx="12192000" cy="6858000"/>
+  <p:sldSz cx="12192000" cy="12420600"/>
   <p:notesSz cx="6858000" cy="9144000"/>
   <p:defaultTextStyle>
     <a:defPPr>
-      <a:defRPr lang="zh-CN"/>
+      <a:defRPr lang="en-US"/>
     </a:defPPr>
-    <a:lvl1pPr marL="0" algn="l" defTabSz="914400" rtl="0" eaLnBrk="1" latinLnBrk="0" hangingPunct="1">
+    <a:lvl1pPr marL="0" algn="l" defTabSz="457200" rtl="0" eaLnBrk="1" latinLnBrk="0" hangingPunct="1">
       <a:defRPr sz="1800" kern="1200">
         <a:solidFill>
           <a:schemeClr val="tx1"/>
@@ -23,7 +23,7 @@
         <a:cs typeface="+mn-cs"/>
       </a:defRPr>
     </a:lvl1pPr>
-    <a:lvl2pPr marL="457200" algn="l" defTabSz="914400" rtl="0" eaLnBrk="1" latinLnBrk="0" hangingPunct="1">
+    <a:lvl2pPr marL="457200" algn="l" defTabSz="457200" rtl="0" eaLnBrk="1" latinLnBrk="0" hangingPunct="1">
       <a:defRPr sz="1800" kern="1200">
         <a:solidFill>
           <a:schemeClr val="tx1"/>
@@ -33,7 +33,7 @@
         <a:cs typeface="+mn-cs"/>
       </a:defRPr>
     </a:lvl2pPr>
-    <a:lvl3pPr marL="914400" algn="l" defTabSz="914400" rtl="0" eaLnBrk="1" latinLnBrk="0" hangingPunct="1">
+    <a:lvl3pPr marL="914400" algn="l" defTabSz="457200" rtl="0" eaLnBrk="1" latinLnBrk="0" hangingPunct="1">
       <a:defRPr sz="1800" kern="1200">
         <a:solidFill>
           <a:schemeClr val="tx1"/>
@@ -43,7 +43,7 @@
         <a:cs typeface="+mn-cs"/>
       </a:defRPr>
     </a:lvl3pPr>
-    <a:lvl4pPr marL="1371600" algn="l" defTabSz="914400" rtl="0" eaLnBrk="1" latinLnBrk="0" hangingPunct="1">
+    <a:lvl4pPr marL="1371600" algn="l" defTabSz="457200" rtl="0" eaLnBrk="1" latinLnBrk="0" hangingPunct="1">
       <a:defRPr sz="1800" kern="1200">
         <a:solidFill>
           <a:schemeClr val="tx1"/>
@@ -53,7 +53,7 @@
         <a:cs typeface="+mn-cs"/>
       </a:defRPr>
     </a:lvl4pPr>
-    <a:lvl5pPr marL="1828800" algn="l" defTabSz="914400" rtl="0" eaLnBrk="1" latinLnBrk="0" hangingPunct="1">
+    <a:lvl5pPr marL="1828800" algn="l" defTabSz="457200" rtl="0" eaLnBrk="1" latinLnBrk="0" hangingPunct="1">
       <a:defRPr sz="1800" kern="1200">
         <a:solidFill>
           <a:schemeClr val="tx1"/>
@@ -63,7 +63,7 @@
         <a:cs typeface="+mn-cs"/>
       </a:defRPr>
     </a:lvl5pPr>
-    <a:lvl6pPr marL="2286000" algn="l" defTabSz="914400" rtl="0" eaLnBrk="1" latinLnBrk="0" hangingPunct="1">
+    <a:lvl6pPr marL="2286000" algn="l" defTabSz="457200" rtl="0" eaLnBrk="1" latinLnBrk="0" hangingPunct="1">
       <a:defRPr sz="1800" kern="1200">
         <a:solidFill>
           <a:schemeClr val="tx1"/>
@@ -73,7 +73,7 @@
         <a:cs typeface="+mn-cs"/>
       </a:defRPr>
     </a:lvl6pPr>
-    <a:lvl7pPr marL="2743200" algn="l" defTabSz="914400" rtl="0" eaLnBrk="1" latinLnBrk="0" hangingPunct="1">
+    <a:lvl7pPr marL="2743200" algn="l" defTabSz="457200" rtl="0" eaLnBrk="1" latinLnBrk="0" hangingPunct="1">
       <a:defRPr sz="1800" kern="1200">
         <a:solidFill>
           <a:schemeClr val="tx1"/>
@@ -83,7 +83,7 @@
         <a:cs typeface="+mn-cs"/>
       </a:defRPr>
     </a:lvl7pPr>
-    <a:lvl8pPr marL="3200400" algn="l" defTabSz="914400" rtl="0" eaLnBrk="1" latinLnBrk="0" hangingPunct="1">
+    <a:lvl8pPr marL="3200400" algn="l" defTabSz="457200" rtl="0" eaLnBrk="1" latinLnBrk="0" hangingPunct="1">
       <a:defRPr sz="1800" kern="1200">
         <a:solidFill>
           <a:schemeClr val="tx1"/>
@@ -93,7 +93,7 @@
         <a:cs typeface="+mn-cs"/>
       </a:defRPr>
     </a:lvl8pPr>
-    <a:lvl9pPr marL="3657600" algn="l" defTabSz="914400" rtl="0" eaLnBrk="1" latinLnBrk="0" hangingPunct="1">
+    <a:lvl9pPr marL="3657600" algn="l" defTabSz="457200" rtl="0" eaLnBrk="1" latinLnBrk="0" hangingPunct="1">
       <a:defRPr sz="1800" kern="1200">
         <a:solidFill>
           <a:schemeClr val="tx1"/>
@@ -126,7 +126,7 @@
       </p:grpSpPr>
       <p:sp>
         <p:nvSpPr>
-          <p:cNvPr id="2" name="标题 1"/>
+          <p:cNvPr id="2" name="Title 1"/>
           <p:cNvSpPr>
             <a:spLocks noGrp="1"/>
           </p:cNvSpPr>
@@ -136,15 +136,15 @@
         </p:nvSpPr>
         <p:spPr>
           <a:xfrm>
-            <a:off x="1524000" y="1122363"/>
-            <a:ext cx="9144000" cy="2387600"/>
+            <a:off x="914400" y="2032724"/>
+            <a:ext cx="10363200" cy="4324209"/>
           </a:xfrm>
         </p:spPr>
         <p:txBody>
           <a:bodyPr anchor="b"/>
           <a:lstStyle>
             <a:lvl1pPr algn="ctr">
-              <a:defRPr sz="6000"/>
+              <a:defRPr sz="8000"/>
             </a:lvl1pPr>
           </a:lstStyle>
           <a:p>
@@ -152,13 +152,13 @@
               <a:rPr lang="zh-CN" altLang="en-US"/>
               <a:t>单击此处编辑母版标题样式</a:t>
             </a:r>
-            <a:endParaRPr lang="zh-CN" altLang="en-US"/>
+            <a:endParaRPr lang="en-US" dirty="0"/>
           </a:p>
         </p:txBody>
       </p:sp>
       <p:sp>
         <p:nvSpPr>
-          <p:cNvPr id="3" name="副标题 2"/>
+          <p:cNvPr id="3" name="Subtitle 2"/>
           <p:cNvSpPr>
             <a:spLocks noGrp="1"/>
           </p:cNvSpPr>
@@ -168,8 +168,8 @@
         </p:nvSpPr>
         <p:spPr>
           <a:xfrm>
-            <a:off x="1524000" y="3602038"/>
-            <a:ext cx="9144000" cy="1655762"/>
+            <a:off x="1524000" y="6523691"/>
+            <a:ext cx="9144000" cy="2998769"/>
           </a:xfrm>
         </p:spPr>
         <p:txBody>
@@ -177,39 +177,39 @@
           <a:lstStyle>
             <a:lvl1pPr marL="0" indent="0" algn="ctr">
               <a:buNone/>
+              <a:defRPr sz="3200"/>
+            </a:lvl1pPr>
+            <a:lvl2pPr marL="609585" indent="0" algn="ctr">
+              <a:buNone/>
+              <a:defRPr sz="2667"/>
+            </a:lvl2pPr>
+            <a:lvl3pPr marL="1219170" indent="0" algn="ctr">
+              <a:buNone/>
               <a:defRPr sz="2400"/>
-            </a:lvl1pPr>
-            <a:lvl2pPr marL="457200" indent="0" algn="ctr">
+            </a:lvl3pPr>
+            <a:lvl4pPr marL="1828754" indent="0" algn="ctr">
               <a:buNone/>
-              <a:defRPr sz="2000"/>
-            </a:lvl2pPr>
-            <a:lvl3pPr marL="914400" indent="0" algn="ctr">
+              <a:defRPr sz="2133"/>
+            </a:lvl4pPr>
+            <a:lvl5pPr marL="2438339" indent="0" algn="ctr">
               <a:buNone/>
-              <a:defRPr sz="1800"/>
-            </a:lvl3pPr>
-            <a:lvl4pPr marL="1371600" indent="0" algn="ctr">
+              <a:defRPr sz="2133"/>
+            </a:lvl5pPr>
+            <a:lvl6pPr marL="3047924" indent="0" algn="ctr">
               <a:buNone/>
-              <a:defRPr sz="1600"/>
-            </a:lvl4pPr>
-            <a:lvl5pPr marL="1828800" indent="0" algn="ctr">
+              <a:defRPr sz="2133"/>
+            </a:lvl6pPr>
+            <a:lvl7pPr marL="3657509" indent="0" algn="ctr">
               <a:buNone/>
-              <a:defRPr sz="1600"/>
-            </a:lvl5pPr>
-            <a:lvl6pPr marL="2286000" indent="0" algn="ctr">
+              <a:defRPr sz="2133"/>
+            </a:lvl7pPr>
+            <a:lvl8pPr marL="4267093" indent="0" algn="ctr">
               <a:buNone/>
-              <a:defRPr sz="1600"/>
-            </a:lvl6pPr>
-            <a:lvl7pPr marL="2743200" indent="0" algn="ctr">
+              <a:defRPr sz="2133"/>
+            </a:lvl8pPr>
+            <a:lvl9pPr marL="4876678" indent="0" algn="ctr">
               <a:buNone/>
-              <a:defRPr sz="1600"/>
-            </a:lvl7pPr>
-            <a:lvl8pPr marL="3200400" indent="0" algn="ctr">
-              <a:buNone/>
-              <a:defRPr sz="1600"/>
-            </a:lvl8pPr>
-            <a:lvl9pPr marL="3657600" indent="0" algn="ctr">
-              <a:buNone/>
-              <a:defRPr sz="1600"/>
+              <a:defRPr sz="2133"/>
             </a:lvl9pPr>
           </a:lstStyle>
           <a:p>
@@ -217,13 +217,13 @@
               <a:rPr lang="zh-CN" altLang="en-US"/>
               <a:t>单击以编辑母版副标题样式</a:t>
             </a:r>
-            <a:endParaRPr lang="zh-CN" altLang="en-US"/>
+            <a:endParaRPr lang="en-US" dirty="0"/>
           </a:p>
         </p:txBody>
       </p:sp>
       <p:sp>
         <p:nvSpPr>
-          <p:cNvPr id="4" name="日期占位符 3"/>
+          <p:cNvPr id="4" name="Date Placeholder 3"/>
           <p:cNvSpPr>
             <a:spLocks noGrp="1"/>
           </p:cNvSpPr>
@@ -246,7 +246,7 @@
       </p:sp>
       <p:sp>
         <p:nvSpPr>
-          <p:cNvPr id="5" name="页脚占位符 4"/>
+          <p:cNvPr id="5" name="Footer Placeholder 4"/>
           <p:cNvSpPr>
             <a:spLocks noGrp="1"/>
           </p:cNvSpPr>
@@ -265,7 +265,7 @@
       </p:sp>
       <p:sp>
         <p:nvSpPr>
-          <p:cNvPr id="6" name="灯片编号占位符 5"/>
+          <p:cNvPr id="6" name="Slide Number Placeholder 5"/>
           <p:cNvSpPr>
             <a:spLocks noGrp="1"/>
           </p:cNvSpPr>
@@ -289,7 +289,7 @@
     </p:spTree>
     <p:extLst>
       <p:ext uri="{BB962C8B-B14F-4D97-AF65-F5344CB8AC3E}">
-        <p14:creationId xmlns:p14="http://schemas.microsoft.com/office/powerpoint/2010/main" val="1214099894"/>
+        <p14:creationId xmlns:p14="http://schemas.microsoft.com/office/powerpoint/2010/main" val="4174236577"/>
       </p:ext>
     </p:extLst>
   </p:cSld>
@@ -318,7 +318,7 @@
       </p:grpSpPr>
       <p:sp>
         <p:nvSpPr>
-          <p:cNvPr id="2" name="标题 1"/>
+          <p:cNvPr id="2" name="Title 1"/>
           <p:cNvSpPr>
             <a:spLocks noGrp="1"/>
           </p:cNvSpPr>
@@ -335,13 +335,13 @@
               <a:rPr lang="zh-CN" altLang="en-US"/>
               <a:t>单击此处编辑母版标题样式</a:t>
             </a:r>
-            <a:endParaRPr lang="zh-CN" altLang="en-US"/>
+            <a:endParaRPr lang="en-US" dirty="0"/>
           </a:p>
         </p:txBody>
       </p:sp>
       <p:sp>
         <p:nvSpPr>
-          <p:cNvPr id="3" name="竖排文字占位符 2"/>
+          <p:cNvPr id="3" name="Vertical Text Placeholder 2"/>
           <p:cNvSpPr>
             <a:spLocks noGrp="1"/>
           </p:cNvSpPr>
@@ -387,13 +387,13 @@
               <a:rPr lang="zh-CN" altLang="en-US"/>
               <a:t>第五级</a:t>
             </a:r>
-            <a:endParaRPr lang="zh-CN" altLang="en-US"/>
+            <a:endParaRPr lang="en-US" dirty="0"/>
           </a:p>
         </p:txBody>
       </p:sp>
       <p:sp>
         <p:nvSpPr>
-          <p:cNvPr id="4" name="日期占位符 3"/>
+          <p:cNvPr id="4" name="Date Placeholder 3"/>
           <p:cNvSpPr>
             <a:spLocks noGrp="1"/>
           </p:cNvSpPr>
@@ -416,7 +416,7 @@
       </p:sp>
       <p:sp>
         <p:nvSpPr>
-          <p:cNvPr id="5" name="页脚占位符 4"/>
+          <p:cNvPr id="5" name="Footer Placeholder 4"/>
           <p:cNvSpPr>
             <a:spLocks noGrp="1"/>
           </p:cNvSpPr>
@@ -435,7 +435,7 @@
       </p:sp>
       <p:sp>
         <p:nvSpPr>
-          <p:cNvPr id="6" name="灯片编号占位符 5"/>
+          <p:cNvPr id="6" name="Slide Number Placeholder 5"/>
           <p:cNvSpPr>
             <a:spLocks noGrp="1"/>
           </p:cNvSpPr>
@@ -459,7 +459,7 @@
     </p:spTree>
     <p:extLst>
       <p:ext uri="{BB962C8B-B14F-4D97-AF65-F5344CB8AC3E}">
-        <p14:creationId xmlns:p14="http://schemas.microsoft.com/office/powerpoint/2010/main" val="844928735"/>
+        <p14:creationId xmlns:p14="http://schemas.microsoft.com/office/powerpoint/2010/main" val="2936244928"/>
       </p:ext>
     </p:extLst>
   </p:cSld>
@@ -488,7 +488,7 @@
       </p:grpSpPr>
       <p:sp>
         <p:nvSpPr>
-          <p:cNvPr id="2" name="竖排标题 1"/>
+          <p:cNvPr id="2" name="Vertical Title 1"/>
           <p:cNvSpPr>
             <a:spLocks noGrp="1"/>
           </p:cNvSpPr>
@@ -498,8 +498,8 @@
         </p:nvSpPr>
         <p:spPr>
           <a:xfrm>
-            <a:off x="8724900" y="365125"/>
-            <a:ext cx="2628900" cy="5811838"/>
+            <a:off x="8724901" y="661282"/>
+            <a:ext cx="2628900" cy="10525884"/>
           </a:xfrm>
         </p:spPr>
         <p:txBody>
@@ -510,13 +510,13 @@
               <a:rPr lang="zh-CN" altLang="en-US"/>
               <a:t>单击此处编辑母版标题样式</a:t>
             </a:r>
-            <a:endParaRPr lang="zh-CN" altLang="en-US"/>
+            <a:endParaRPr lang="en-US" dirty="0"/>
           </a:p>
         </p:txBody>
       </p:sp>
       <p:sp>
         <p:nvSpPr>
-          <p:cNvPr id="3" name="竖排文字占位符 2"/>
+          <p:cNvPr id="3" name="Vertical Text Placeholder 2"/>
           <p:cNvSpPr>
             <a:spLocks noGrp="1"/>
           </p:cNvSpPr>
@@ -526,8 +526,8 @@
         </p:nvSpPr>
         <p:spPr>
           <a:xfrm>
-            <a:off x="838200" y="365125"/>
-            <a:ext cx="7734300" cy="5811838"/>
+            <a:off x="838201" y="661282"/>
+            <a:ext cx="7734300" cy="10525884"/>
           </a:xfrm>
         </p:spPr>
         <p:txBody>
@@ -567,13 +567,13 @@
               <a:rPr lang="zh-CN" altLang="en-US"/>
               <a:t>第五级</a:t>
             </a:r>
-            <a:endParaRPr lang="zh-CN" altLang="en-US"/>
+            <a:endParaRPr lang="en-US" dirty="0"/>
           </a:p>
         </p:txBody>
       </p:sp>
       <p:sp>
         <p:nvSpPr>
-          <p:cNvPr id="4" name="日期占位符 3"/>
+          <p:cNvPr id="4" name="Date Placeholder 3"/>
           <p:cNvSpPr>
             <a:spLocks noGrp="1"/>
           </p:cNvSpPr>
@@ -596,7 +596,7 @@
       </p:sp>
       <p:sp>
         <p:nvSpPr>
-          <p:cNvPr id="5" name="页脚占位符 4"/>
+          <p:cNvPr id="5" name="Footer Placeholder 4"/>
           <p:cNvSpPr>
             <a:spLocks noGrp="1"/>
           </p:cNvSpPr>
@@ -615,7 +615,7 @@
       </p:sp>
       <p:sp>
         <p:nvSpPr>
-          <p:cNvPr id="6" name="灯片编号占位符 5"/>
+          <p:cNvPr id="6" name="Slide Number Placeholder 5"/>
           <p:cNvSpPr>
             <a:spLocks noGrp="1"/>
           </p:cNvSpPr>
@@ -639,7 +639,7 @@
     </p:spTree>
     <p:extLst>
       <p:ext uri="{BB962C8B-B14F-4D97-AF65-F5344CB8AC3E}">
-        <p14:creationId xmlns:p14="http://schemas.microsoft.com/office/powerpoint/2010/main" val="271742677"/>
+        <p14:creationId xmlns:p14="http://schemas.microsoft.com/office/powerpoint/2010/main" val="3203223012"/>
       </p:ext>
     </p:extLst>
   </p:cSld>
@@ -668,7 +668,7 @@
       </p:grpSpPr>
       <p:sp>
         <p:nvSpPr>
-          <p:cNvPr id="2" name="标题 1"/>
+          <p:cNvPr id="2" name="Title 1"/>
           <p:cNvSpPr>
             <a:spLocks noGrp="1"/>
           </p:cNvSpPr>
@@ -685,13 +685,13 @@
               <a:rPr lang="zh-CN" altLang="en-US"/>
               <a:t>单击此处编辑母版标题样式</a:t>
             </a:r>
-            <a:endParaRPr lang="zh-CN" altLang="en-US"/>
+            <a:endParaRPr lang="en-US" dirty="0"/>
           </a:p>
         </p:txBody>
       </p:sp>
       <p:sp>
         <p:nvSpPr>
-          <p:cNvPr id="3" name="内容占位符 2"/>
+          <p:cNvPr id="3" name="Content Placeholder 2"/>
           <p:cNvSpPr>
             <a:spLocks noGrp="1"/>
           </p:cNvSpPr>
@@ -737,13 +737,13 @@
               <a:rPr lang="zh-CN" altLang="en-US"/>
               <a:t>第五级</a:t>
             </a:r>
-            <a:endParaRPr lang="zh-CN" altLang="en-US"/>
+            <a:endParaRPr lang="en-US" dirty="0"/>
           </a:p>
         </p:txBody>
       </p:sp>
       <p:sp>
         <p:nvSpPr>
-          <p:cNvPr id="4" name="日期占位符 3"/>
+          <p:cNvPr id="4" name="Date Placeholder 3"/>
           <p:cNvSpPr>
             <a:spLocks noGrp="1"/>
           </p:cNvSpPr>
@@ -766,7 +766,7 @@
       </p:sp>
       <p:sp>
         <p:nvSpPr>
-          <p:cNvPr id="5" name="页脚占位符 4"/>
+          <p:cNvPr id="5" name="Footer Placeholder 4"/>
           <p:cNvSpPr>
             <a:spLocks noGrp="1"/>
           </p:cNvSpPr>
@@ -785,7 +785,7 @@
       </p:sp>
       <p:sp>
         <p:nvSpPr>
-          <p:cNvPr id="6" name="灯片编号占位符 5"/>
+          <p:cNvPr id="6" name="Slide Number Placeholder 5"/>
           <p:cNvSpPr>
             <a:spLocks noGrp="1"/>
           </p:cNvSpPr>
@@ -809,7 +809,7 @@
     </p:spTree>
     <p:extLst>
       <p:ext uri="{BB962C8B-B14F-4D97-AF65-F5344CB8AC3E}">
-        <p14:creationId xmlns:p14="http://schemas.microsoft.com/office/powerpoint/2010/main" val="3679104337"/>
+        <p14:creationId xmlns:p14="http://schemas.microsoft.com/office/powerpoint/2010/main" val="3041803990"/>
       </p:ext>
     </p:extLst>
   </p:cSld>
@@ -838,7 +838,7 @@
       </p:grpSpPr>
       <p:sp>
         <p:nvSpPr>
-          <p:cNvPr id="2" name="标题 1"/>
+          <p:cNvPr id="2" name="Title 1"/>
           <p:cNvSpPr>
             <a:spLocks noGrp="1"/>
           </p:cNvSpPr>
@@ -848,15 +848,15 @@
         </p:nvSpPr>
         <p:spPr>
           <a:xfrm>
-            <a:off x="831850" y="1709738"/>
-            <a:ext cx="10515600" cy="2852737"/>
+            <a:off x="831851" y="3096528"/>
+            <a:ext cx="10515600" cy="5166624"/>
           </a:xfrm>
         </p:spPr>
         <p:txBody>
           <a:bodyPr anchor="b"/>
           <a:lstStyle>
             <a:lvl1pPr>
-              <a:defRPr sz="6000"/>
+              <a:defRPr sz="8000"/>
             </a:lvl1pPr>
           </a:lstStyle>
           <a:p>
@@ -864,13 +864,13 @@
               <a:rPr lang="zh-CN" altLang="en-US"/>
               <a:t>单击此处编辑母版标题样式</a:t>
             </a:r>
-            <a:endParaRPr lang="zh-CN" altLang="en-US"/>
+            <a:endParaRPr lang="en-US" dirty="0"/>
           </a:p>
         </p:txBody>
       </p:sp>
       <p:sp>
         <p:nvSpPr>
-          <p:cNvPr id="3" name="文本占位符 2"/>
+          <p:cNvPr id="3" name="Text Placeholder 2"/>
           <p:cNvSpPr>
             <a:spLocks noGrp="1"/>
           </p:cNvSpPr>
@@ -880,14 +880,32 @@
         </p:nvSpPr>
         <p:spPr>
           <a:xfrm>
-            <a:off x="831850" y="4589463"/>
-            <a:ext cx="10515600" cy="1500187"/>
+            <a:off x="831851" y="8312030"/>
+            <a:ext cx="10515600" cy="2717005"/>
           </a:xfrm>
         </p:spPr>
         <p:txBody>
           <a:bodyPr/>
           <a:lstStyle>
             <a:lvl1pPr marL="0" indent="0">
+              <a:buNone/>
+              <a:defRPr sz="3200">
+                <a:solidFill>
+                  <a:schemeClr val="tx1"/>
+                </a:solidFill>
+              </a:defRPr>
+            </a:lvl1pPr>
+            <a:lvl2pPr marL="609585" indent="0">
+              <a:buNone/>
+              <a:defRPr sz="2667">
+                <a:solidFill>
+                  <a:schemeClr val="tx1">
+                    <a:tint val="75000"/>
+                  </a:schemeClr>
+                </a:solidFill>
+              </a:defRPr>
+            </a:lvl2pPr>
+            <a:lvl3pPr marL="1219170" indent="0">
               <a:buNone/>
               <a:defRPr sz="2400">
                 <a:solidFill>
@@ -896,30 +914,10 @@
                   </a:schemeClr>
                 </a:solidFill>
               </a:defRPr>
-            </a:lvl1pPr>
-            <a:lvl2pPr marL="457200" indent="0">
+            </a:lvl3pPr>
+            <a:lvl4pPr marL="1828754" indent="0">
               <a:buNone/>
-              <a:defRPr sz="2000">
-                <a:solidFill>
-                  <a:schemeClr val="tx1">
-                    <a:tint val="75000"/>
-                  </a:schemeClr>
-                </a:solidFill>
-              </a:defRPr>
-            </a:lvl2pPr>
-            <a:lvl3pPr marL="914400" indent="0">
-              <a:buNone/>
-              <a:defRPr sz="1800">
-                <a:solidFill>
-                  <a:schemeClr val="tx1">
-                    <a:tint val="75000"/>
-                  </a:schemeClr>
-                </a:solidFill>
-              </a:defRPr>
-            </a:lvl3pPr>
-            <a:lvl4pPr marL="1371600" indent="0">
-              <a:buNone/>
-              <a:defRPr sz="1600">
+              <a:defRPr sz="2133">
                 <a:solidFill>
                   <a:schemeClr val="tx1">
                     <a:tint val="75000"/>
@@ -927,9 +925,9 @@
                 </a:solidFill>
               </a:defRPr>
             </a:lvl4pPr>
-            <a:lvl5pPr marL="1828800" indent="0">
+            <a:lvl5pPr marL="2438339" indent="0">
               <a:buNone/>
-              <a:defRPr sz="1600">
+              <a:defRPr sz="2133">
                 <a:solidFill>
                   <a:schemeClr val="tx1">
                     <a:tint val="75000"/>
@@ -937,9 +935,9 @@
                 </a:solidFill>
               </a:defRPr>
             </a:lvl5pPr>
-            <a:lvl6pPr marL="2286000" indent="0">
+            <a:lvl6pPr marL="3047924" indent="0">
               <a:buNone/>
-              <a:defRPr sz="1600">
+              <a:defRPr sz="2133">
                 <a:solidFill>
                   <a:schemeClr val="tx1">
                     <a:tint val="75000"/>
@@ -947,9 +945,9 @@
                 </a:solidFill>
               </a:defRPr>
             </a:lvl6pPr>
-            <a:lvl7pPr marL="2743200" indent="0">
+            <a:lvl7pPr marL="3657509" indent="0">
               <a:buNone/>
-              <a:defRPr sz="1600">
+              <a:defRPr sz="2133">
                 <a:solidFill>
                   <a:schemeClr val="tx1">
                     <a:tint val="75000"/>
@@ -957,9 +955,9 @@
                 </a:solidFill>
               </a:defRPr>
             </a:lvl7pPr>
-            <a:lvl8pPr marL="3200400" indent="0">
+            <a:lvl8pPr marL="4267093" indent="0">
               <a:buNone/>
-              <a:defRPr sz="1600">
+              <a:defRPr sz="2133">
                 <a:solidFill>
                   <a:schemeClr val="tx1">
                     <a:tint val="75000"/>
@@ -967,9 +965,9 @@
                 </a:solidFill>
               </a:defRPr>
             </a:lvl8pPr>
-            <a:lvl9pPr marL="3657600" indent="0">
+            <a:lvl9pPr marL="4876678" indent="0">
               <a:buNone/>
-              <a:defRPr sz="1600">
+              <a:defRPr sz="2133">
                 <a:solidFill>
                   <a:schemeClr val="tx1">
                     <a:tint val="75000"/>
@@ -989,7 +987,7 @@
       </p:sp>
       <p:sp>
         <p:nvSpPr>
-          <p:cNvPr id="4" name="日期占位符 3"/>
+          <p:cNvPr id="4" name="Date Placeholder 3"/>
           <p:cNvSpPr>
             <a:spLocks noGrp="1"/>
           </p:cNvSpPr>
@@ -1012,7 +1010,7 @@
       </p:sp>
       <p:sp>
         <p:nvSpPr>
-          <p:cNvPr id="5" name="页脚占位符 4"/>
+          <p:cNvPr id="5" name="Footer Placeholder 4"/>
           <p:cNvSpPr>
             <a:spLocks noGrp="1"/>
           </p:cNvSpPr>
@@ -1031,7 +1029,7 @@
       </p:sp>
       <p:sp>
         <p:nvSpPr>
-          <p:cNvPr id="6" name="灯片编号占位符 5"/>
+          <p:cNvPr id="6" name="Slide Number Placeholder 5"/>
           <p:cNvSpPr>
             <a:spLocks noGrp="1"/>
           </p:cNvSpPr>
@@ -1055,7 +1053,7 @@
     </p:spTree>
     <p:extLst>
       <p:ext uri="{BB962C8B-B14F-4D97-AF65-F5344CB8AC3E}">
-        <p14:creationId xmlns:p14="http://schemas.microsoft.com/office/powerpoint/2010/main" val="2386067362"/>
+        <p14:creationId xmlns:p14="http://schemas.microsoft.com/office/powerpoint/2010/main" val="380996407"/>
       </p:ext>
     </p:extLst>
   </p:cSld>
@@ -1084,7 +1082,7 @@
       </p:grpSpPr>
       <p:sp>
         <p:nvSpPr>
-          <p:cNvPr id="2" name="标题 1"/>
+          <p:cNvPr id="2" name="Title 1"/>
           <p:cNvSpPr>
             <a:spLocks noGrp="1"/>
           </p:cNvSpPr>
@@ -1101,13 +1099,13 @@
               <a:rPr lang="zh-CN" altLang="en-US"/>
               <a:t>单击此处编辑母版标题样式</a:t>
             </a:r>
-            <a:endParaRPr lang="zh-CN" altLang="en-US"/>
+            <a:endParaRPr lang="en-US" dirty="0"/>
           </a:p>
         </p:txBody>
       </p:sp>
       <p:sp>
         <p:nvSpPr>
-          <p:cNvPr id="3" name="内容占位符 2"/>
+          <p:cNvPr id="3" name="Content Placeholder 2"/>
           <p:cNvSpPr>
             <a:spLocks noGrp="1"/>
           </p:cNvSpPr>
@@ -1117,8 +1115,8 @@
         </p:nvSpPr>
         <p:spPr>
           <a:xfrm>
-            <a:off x="838200" y="1825625"/>
-            <a:ext cx="5181600" cy="4351338"/>
+            <a:off x="838200" y="3306410"/>
+            <a:ext cx="5181600" cy="7880757"/>
           </a:xfrm>
         </p:spPr>
         <p:txBody>
@@ -1158,13 +1156,13 @@
               <a:rPr lang="zh-CN" altLang="en-US"/>
               <a:t>第五级</a:t>
             </a:r>
-            <a:endParaRPr lang="zh-CN" altLang="en-US"/>
+            <a:endParaRPr lang="en-US" dirty="0"/>
           </a:p>
         </p:txBody>
       </p:sp>
       <p:sp>
         <p:nvSpPr>
-          <p:cNvPr id="4" name="内容占位符 3"/>
+          <p:cNvPr id="4" name="Content Placeholder 3"/>
           <p:cNvSpPr>
             <a:spLocks noGrp="1"/>
           </p:cNvSpPr>
@@ -1174,8 +1172,8 @@
         </p:nvSpPr>
         <p:spPr>
           <a:xfrm>
-            <a:off x="6172200" y="1825625"/>
-            <a:ext cx="5181600" cy="4351338"/>
+            <a:off x="6172200" y="3306410"/>
+            <a:ext cx="5181600" cy="7880757"/>
           </a:xfrm>
         </p:spPr>
         <p:txBody>
@@ -1215,13 +1213,13 @@
               <a:rPr lang="zh-CN" altLang="en-US"/>
               <a:t>第五级</a:t>
             </a:r>
-            <a:endParaRPr lang="zh-CN" altLang="en-US"/>
+            <a:endParaRPr lang="en-US" dirty="0"/>
           </a:p>
         </p:txBody>
       </p:sp>
       <p:sp>
         <p:nvSpPr>
-          <p:cNvPr id="5" name="日期占位符 4"/>
+          <p:cNvPr id="5" name="Date Placeholder 4"/>
           <p:cNvSpPr>
             <a:spLocks noGrp="1"/>
           </p:cNvSpPr>
@@ -1244,7 +1242,7 @@
       </p:sp>
       <p:sp>
         <p:nvSpPr>
-          <p:cNvPr id="6" name="页脚占位符 5"/>
+          <p:cNvPr id="6" name="Footer Placeholder 5"/>
           <p:cNvSpPr>
             <a:spLocks noGrp="1"/>
           </p:cNvSpPr>
@@ -1263,7 +1261,7 @@
       </p:sp>
       <p:sp>
         <p:nvSpPr>
-          <p:cNvPr id="7" name="灯片编号占位符 6"/>
+          <p:cNvPr id="7" name="Slide Number Placeholder 6"/>
           <p:cNvSpPr>
             <a:spLocks noGrp="1"/>
           </p:cNvSpPr>
@@ -1287,7 +1285,7 @@
     </p:spTree>
     <p:extLst>
       <p:ext uri="{BB962C8B-B14F-4D97-AF65-F5344CB8AC3E}">
-        <p14:creationId xmlns:p14="http://schemas.microsoft.com/office/powerpoint/2010/main" val="3609254330"/>
+        <p14:creationId xmlns:p14="http://schemas.microsoft.com/office/powerpoint/2010/main" val="696481110"/>
       </p:ext>
     </p:extLst>
   </p:cSld>
@@ -1316,7 +1314,7 @@
       </p:grpSpPr>
       <p:sp>
         <p:nvSpPr>
-          <p:cNvPr id="2" name="标题 1"/>
+          <p:cNvPr id="2" name="Title 1"/>
           <p:cNvSpPr>
             <a:spLocks noGrp="1"/>
           </p:cNvSpPr>
@@ -1326,8 +1324,8 @@
         </p:nvSpPr>
         <p:spPr>
           <a:xfrm>
-            <a:off x="839788" y="365125"/>
-            <a:ext cx="10515600" cy="1325563"/>
+            <a:off x="839788" y="661285"/>
+            <a:ext cx="10515600" cy="2400742"/>
           </a:xfrm>
         </p:spPr>
         <p:txBody>
@@ -1338,13 +1336,13 @@
               <a:rPr lang="zh-CN" altLang="en-US"/>
               <a:t>单击此处编辑母版标题样式</a:t>
             </a:r>
-            <a:endParaRPr lang="zh-CN" altLang="en-US"/>
+            <a:endParaRPr lang="en-US" dirty="0"/>
           </a:p>
         </p:txBody>
       </p:sp>
       <p:sp>
         <p:nvSpPr>
-          <p:cNvPr id="3" name="文本占位符 2"/>
+          <p:cNvPr id="3" name="Text Placeholder 2"/>
           <p:cNvSpPr>
             <a:spLocks noGrp="1"/>
           </p:cNvSpPr>
@@ -1354,8 +1352,8 @@
         </p:nvSpPr>
         <p:spPr>
           <a:xfrm>
-            <a:off x="839788" y="1681163"/>
-            <a:ext cx="5157787" cy="823912"/>
+            <a:off x="839789" y="3044773"/>
+            <a:ext cx="5157787" cy="1492196"/>
           </a:xfrm>
         </p:spPr>
         <p:txBody>
@@ -1363,39 +1361,39 @@
           <a:lstStyle>
             <a:lvl1pPr marL="0" indent="0">
               <a:buNone/>
+              <a:defRPr sz="3200" b="1"/>
+            </a:lvl1pPr>
+            <a:lvl2pPr marL="609585" indent="0">
+              <a:buNone/>
+              <a:defRPr sz="2667" b="1"/>
+            </a:lvl2pPr>
+            <a:lvl3pPr marL="1219170" indent="0">
+              <a:buNone/>
               <a:defRPr sz="2400" b="1"/>
-            </a:lvl1pPr>
-            <a:lvl2pPr marL="457200" indent="0">
+            </a:lvl3pPr>
+            <a:lvl4pPr marL="1828754" indent="0">
               <a:buNone/>
-              <a:defRPr sz="2000" b="1"/>
-            </a:lvl2pPr>
-            <a:lvl3pPr marL="914400" indent="0">
+              <a:defRPr sz="2133" b="1"/>
+            </a:lvl4pPr>
+            <a:lvl5pPr marL="2438339" indent="0">
               <a:buNone/>
-              <a:defRPr sz="1800" b="1"/>
-            </a:lvl3pPr>
-            <a:lvl4pPr marL="1371600" indent="0">
+              <a:defRPr sz="2133" b="1"/>
+            </a:lvl5pPr>
+            <a:lvl6pPr marL="3047924" indent="0">
               <a:buNone/>
-              <a:defRPr sz="1600" b="1"/>
-            </a:lvl4pPr>
-            <a:lvl5pPr marL="1828800" indent="0">
+              <a:defRPr sz="2133" b="1"/>
+            </a:lvl6pPr>
+            <a:lvl7pPr marL="3657509" indent="0">
               <a:buNone/>
-              <a:defRPr sz="1600" b="1"/>
-            </a:lvl5pPr>
-            <a:lvl6pPr marL="2286000" indent="0">
+              <a:defRPr sz="2133" b="1"/>
+            </a:lvl7pPr>
+            <a:lvl8pPr marL="4267093" indent="0">
               <a:buNone/>
-              <a:defRPr sz="1600" b="1"/>
-            </a:lvl6pPr>
-            <a:lvl7pPr marL="2743200" indent="0">
+              <a:defRPr sz="2133" b="1"/>
+            </a:lvl8pPr>
+            <a:lvl9pPr marL="4876678" indent="0">
               <a:buNone/>
-              <a:defRPr sz="1600" b="1"/>
-            </a:lvl7pPr>
-            <a:lvl8pPr marL="3200400" indent="0">
-              <a:buNone/>
-              <a:defRPr sz="1600" b="1"/>
-            </a:lvl8pPr>
-            <a:lvl9pPr marL="3657600" indent="0">
-              <a:buNone/>
-              <a:defRPr sz="1600" b="1"/>
+              <a:defRPr sz="2133" b="1"/>
             </a:lvl9pPr>
           </a:lstStyle>
           <a:p>
@@ -1409,7 +1407,7 @@
       </p:sp>
       <p:sp>
         <p:nvSpPr>
-          <p:cNvPr id="4" name="内容占位符 3"/>
+          <p:cNvPr id="4" name="Content Placeholder 3"/>
           <p:cNvSpPr>
             <a:spLocks noGrp="1"/>
           </p:cNvSpPr>
@@ -1419,8 +1417,8 @@
         </p:nvSpPr>
         <p:spPr>
           <a:xfrm>
-            <a:off x="839788" y="2505075"/>
-            <a:ext cx="5157787" cy="3684588"/>
+            <a:off x="839789" y="4536969"/>
+            <a:ext cx="5157787" cy="6673198"/>
           </a:xfrm>
         </p:spPr>
         <p:txBody>
@@ -1460,13 +1458,13 @@
               <a:rPr lang="zh-CN" altLang="en-US"/>
               <a:t>第五级</a:t>
             </a:r>
-            <a:endParaRPr lang="zh-CN" altLang="en-US"/>
+            <a:endParaRPr lang="en-US" dirty="0"/>
           </a:p>
         </p:txBody>
       </p:sp>
       <p:sp>
         <p:nvSpPr>
-          <p:cNvPr id="5" name="文本占位符 4"/>
+          <p:cNvPr id="5" name="Text Placeholder 4"/>
           <p:cNvSpPr>
             <a:spLocks noGrp="1"/>
           </p:cNvSpPr>
@@ -1476,8 +1474,8 @@
         </p:nvSpPr>
         <p:spPr>
           <a:xfrm>
-            <a:off x="6172200" y="1681163"/>
-            <a:ext cx="5183188" cy="823912"/>
+            <a:off x="6172201" y="3044773"/>
+            <a:ext cx="5183188" cy="1492196"/>
           </a:xfrm>
         </p:spPr>
         <p:txBody>
@@ -1485,39 +1483,39 @@
           <a:lstStyle>
             <a:lvl1pPr marL="0" indent="0">
               <a:buNone/>
+              <a:defRPr sz="3200" b="1"/>
+            </a:lvl1pPr>
+            <a:lvl2pPr marL="609585" indent="0">
+              <a:buNone/>
+              <a:defRPr sz="2667" b="1"/>
+            </a:lvl2pPr>
+            <a:lvl3pPr marL="1219170" indent="0">
+              <a:buNone/>
               <a:defRPr sz="2400" b="1"/>
-            </a:lvl1pPr>
-            <a:lvl2pPr marL="457200" indent="0">
+            </a:lvl3pPr>
+            <a:lvl4pPr marL="1828754" indent="0">
               <a:buNone/>
-              <a:defRPr sz="2000" b="1"/>
-            </a:lvl2pPr>
-            <a:lvl3pPr marL="914400" indent="0">
+              <a:defRPr sz="2133" b="1"/>
+            </a:lvl4pPr>
+            <a:lvl5pPr marL="2438339" indent="0">
               <a:buNone/>
-              <a:defRPr sz="1800" b="1"/>
-            </a:lvl3pPr>
-            <a:lvl4pPr marL="1371600" indent="0">
+              <a:defRPr sz="2133" b="1"/>
+            </a:lvl5pPr>
+            <a:lvl6pPr marL="3047924" indent="0">
               <a:buNone/>
-              <a:defRPr sz="1600" b="1"/>
-            </a:lvl4pPr>
-            <a:lvl5pPr marL="1828800" indent="0">
+              <a:defRPr sz="2133" b="1"/>
+            </a:lvl6pPr>
+            <a:lvl7pPr marL="3657509" indent="0">
               <a:buNone/>
-              <a:defRPr sz="1600" b="1"/>
-            </a:lvl5pPr>
-            <a:lvl6pPr marL="2286000" indent="0">
+              <a:defRPr sz="2133" b="1"/>
+            </a:lvl7pPr>
+            <a:lvl8pPr marL="4267093" indent="0">
               <a:buNone/>
-              <a:defRPr sz="1600" b="1"/>
-            </a:lvl6pPr>
-            <a:lvl7pPr marL="2743200" indent="0">
+              <a:defRPr sz="2133" b="1"/>
+            </a:lvl8pPr>
+            <a:lvl9pPr marL="4876678" indent="0">
               <a:buNone/>
-              <a:defRPr sz="1600" b="1"/>
-            </a:lvl7pPr>
-            <a:lvl8pPr marL="3200400" indent="0">
-              <a:buNone/>
-              <a:defRPr sz="1600" b="1"/>
-            </a:lvl8pPr>
-            <a:lvl9pPr marL="3657600" indent="0">
-              <a:buNone/>
-              <a:defRPr sz="1600" b="1"/>
+              <a:defRPr sz="2133" b="1"/>
             </a:lvl9pPr>
           </a:lstStyle>
           <a:p>
@@ -1531,7 +1529,7 @@
       </p:sp>
       <p:sp>
         <p:nvSpPr>
-          <p:cNvPr id="6" name="内容占位符 5"/>
+          <p:cNvPr id="6" name="Content Placeholder 5"/>
           <p:cNvSpPr>
             <a:spLocks noGrp="1"/>
           </p:cNvSpPr>
@@ -1541,8 +1539,8 @@
         </p:nvSpPr>
         <p:spPr>
           <a:xfrm>
-            <a:off x="6172200" y="2505075"/>
-            <a:ext cx="5183188" cy="3684588"/>
+            <a:off x="6172201" y="4536969"/>
+            <a:ext cx="5183188" cy="6673198"/>
           </a:xfrm>
         </p:spPr>
         <p:txBody>
@@ -1582,13 +1580,13 @@
               <a:rPr lang="zh-CN" altLang="en-US"/>
               <a:t>第五级</a:t>
             </a:r>
-            <a:endParaRPr lang="zh-CN" altLang="en-US"/>
+            <a:endParaRPr lang="en-US" dirty="0"/>
           </a:p>
         </p:txBody>
       </p:sp>
       <p:sp>
         <p:nvSpPr>
-          <p:cNvPr id="7" name="日期占位符 6"/>
+          <p:cNvPr id="7" name="Date Placeholder 6"/>
           <p:cNvSpPr>
             <a:spLocks noGrp="1"/>
           </p:cNvSpPr>
@@ -1611,7 +1609,7 @@
       </p:sp>
       <p:sp>
         <p:nvSpPr>
-          <p:cNvPr id="8" name="页脚占位符 7"/>
+          <p:cNvPr id="8" name="Footer Placeholder 7"/>
           <p:cNvSpPr>
             <a:spLocks noGrp="1"/>
           </p:cNvSpPr>
@@ -1630,7 +1628,7 @@
       </p:sp>
       <p:sp>
         <p:nvSpPr>
-          <p:cNvPr id="9" name="灯片编号占位符 8"/>
+          <p:cNvPr id="9" name="Slide Number Placeholder 8"/>
           <p:cNvSpPr>
             <a:spLocks noGrp="1"/>
           </p:cNvSpPr>
@@ -1654,7 +1652,7 @@
     </p:spTree>
     <p:extLst>
       <p:ext uri="{BB962C8B-B14F-4D97-AF65-F5344CB8AC3E}">
-        <p14:creationId xmlns:p14="http://schemas.microsoft.com/office/powerpoint/2010/main" val="4191135743"/>
+        <p14:creationId xmlns:p14="http://schemas.microsoft.com/office/powerpoint/2010/main" val="2675786540"/>
       </p:ext>
     </p:extLst>
   </p:cSld>
@@ -1683,7 +1681,7 @@
       </p:grpSpPr>
       <p:sp>
         <p:nvSpPr>
-          <p:cNvPr id="2" name="标题 1"/>
+          <p:cNvPr id="2" name="Title 1"/>
           <p:cNvSpPr>
             <a:spLocks noGrp="1"/>
           </p:cNvSpPr>
@@ -1700,13 +1698,13 @@
               <a:rPr lang="zh-CN" altLang="en-US"/>
               <a:t>单击此处编辑母版标题样式</a:t>
             </a:r>
-            <a:endParaRPr lang="zh-CN" altLang="en-US"/>
+            <a:endParaRPr lang="en-US" dirty="0"/>
           </a:p>
         </p:txBody>
       </p:sp>
       <p:sp>
         <p:nvSpPr>
-          <p:cNvPr id="3" name="日期占位符 2"/>
+          <p:cNvPr id="3" name="Date Placeholder 2"/>
           <p:cNvSpPr>
             <a:spLocks noGrp="1"/>
           </p:cNvSpPr>
@@ -1729,7 +1727,7 @@
       </p:sp>
       <p:sp>
         <p:nvSpPr>
-          <p:cNvPr id="4" name="页脚占位符 3"/>
+          <p:cNvPr id="4" name="Footer Placeholder 3"/>
           <p:cNvSpPr>
             <a:spLocks noGrp="1"/>
           </p:cNvSpPr>
@@ -1748,7 +1746,7 @@
       </p:sp>
       <p:sp>
         <p:nvSpPr>
-          <p:cNvPr id="5" name="灯片编号占位符 4"/>
+          <p:cNvPr id="5" name="Slide Number Placeholder 4"/>
           <p:cNvSpPr>
             <a:spLocks noGrp="1"/>
           </p:cNvSpPr>
@@ -1772,7 +1770,7 @@
     </p:spTree>
     <p:extLst>
       <p:ext uri="{BB962C8B-B14F-4D97-AF65-F5344CB8AC3E}">
-        <p14:creationId xmlns:p14="http://schemas.microsoft.com/office/powerpoint/2010/main" val="2225208473"/>
+        <p14:creationId xmlns:p14="http://schemas.microsoft.com/office/powerpoint/2010/main" val="4190171747"/>
       </p:ext>
     </p:extLst>
   </p:cSld>
@@ -1801,7 +1799,7 @@
       </p:grpSpPr>
       <p:sp>
         <p:nvSpPr>
-          <p:cNvPr id="2" name="日期占位符 1"/>
+          <p:cNvPr id="2" name="Date Placeholder 1"/>
           <p:cNvSpPr>
             <a:spLocks noGrp="1"/>
           </p:cNvSpPr>
@@ -1824,7 +1822,7 @@
       </p:sp>
       <p:sp>
         <p:nvSpPr>
-          <p:cNvPr id="3" name="页脚占位符 2"/>
+          <p:cNvPr id="3" name="Footer Placeholder 2"/>
           <p:cNvSpPr>
             <a:spLocks noGrp="1"/>
           </p:cNvSpPr>
@@ -1843,7 +1841,7 @@
       </p:sp>
       <p:sp>
         <p:nvSpPr>
-          <p:cNvPr id="4" name="灯片编号占位符 3"/>
+          <p:cNvPr id="4" name="Slide Number Placeholder 3"/>
           <p:cNvSpPr>
             <a:spLocks noGrp="1"/>
           </p:cNvSpPr>
@@ -1867,7 +1865,7 @@
     </p:spTree>
     <p:extLst>
       <p:ext uri="{BB962C8B-B14F-4D97-AF65-F5344CB8AC3E}">
-        <p14:creationId xmlns:p14="http://schemas.microsoft.com/office/powerpoint/2010/main" val="3608773417"/>
+        <p14:creationId xmlns:p14="http://schemas.microsoft.com/office/powerpoint/2010/main" val="1789139440"/>
       </p:ext>
     </p:extLst>
   </p:cSld>
@@ -1896,7 +1894,7 @@
       </p:grpSpPr>
       <p:sp>
         <p:nvSpPr>
-          <p:cNvPr id="2" name="标题 1"/>
+          <p:cNvPr id="2" name="Title 1"/>
           <p:cNvSpPr>
             <a:spLocks noGrp="1"/>
           </p:cNvSpPr>
@@ -1906,15 +1904,15 @@
         </p:nvSpPr>
         <p:spPr>
           <a:xfrm>
-            <a:off x="839788" y="457200"/>
-            <a:ext cx="3932237" cy="1600200"/>
+            <a:off x="839788" y="828040"/>
+            <a:ext cx="3932237" cy="2898140"/>
           </a:xfrm>
         </p:spPr>
         <p:txBody>
           <a:bodyPr anchor="b"/>
           <a:lstStyle>
             <a:lvl1pPr>
-              <a:defRPr sz="3200"/>
+              <a:defRPr sz="4267"/>
             </a:lvl1pPr>
           </a:lstStyle>
           <a:p>
@@ -1922,13 +1920,13 @@
               <a:rPr lang="zh-CN" altLang="en-US"/>
               <a:t>单击此处编辑母版标题样式</a:t>
             </a:r>
-            <a:endParaRPr lang="zh-CN" altLang="en-US"/>
+            <a:endParaRPr lang="en-US" dirty="0"/>
           </a:p>
         </p:txBody>
       </p:sp>
       <p:sp>
         <p:nvSpPr>
-          <p:cNvPr id="3" name="内容占位符 2"/>
+          <p:cNvPr id="3" name="Content Placeholder 2"/>
           <p:cNvSpPr>
             <a:spLocks noGrp="1"/>
           </p:cNvSpPr>
@@ -1938,39 +1936,39 @@
         </p:nvSpPr>
         <p:spPr>
           <a:xfrm>
-            <a:off x="5183188" y="987425"/>
-            <a:ext cx="6172200" cy="4873625"/>
+            <a:off x="5183188" y="1788339"/>
+            <a:ext cx="6172200" cy="8826676"/>
           </a:xfrm>
         </p:spPr>
         <p:txBody>
           <a:bodyPr/>
           <a:lstStyle>
             <a:lvl1pPr>
-              <a:defRPr sz="3200"/>
+              <a:defRPr sz="4267"/>
             </a:lvl1pPr>
             <a:lvl2pPr>
-              <a:defRPr sz="2800"/>
+              <a:defRPr sz="3733"/>
             </a:lvl2pPr>
             <a:lvl3pPr>
-              <a:defRPr sz="2400"/>
+              <a:defRPr sz="3200"/>
             </a:lvl3pPr>
             <a:lvl4pPr>
-              <a:defRPr sz="2000"/>
+              <a:defRPr sz="2667"/>
             </a:lvl4pPr>
             <a:lvl5pPr>
-              <a:defRPr sz="2000"/>
+              <a:defRPr sz="2667"/>
             </a:lvl5pPr>
             <a:lvl6pPr>
-              <a:defRPr sz="2000"/>
+              <a:defRPr sz="2667"/>
             </a:lvl6pPr>
             <a:lvl7pPr>
-              <a:defRPr sz="2000"/>
+              <a:defRPr sz="2667"/>
             </a:lvl7pPr>
             <a:lvl8pPr>
-              <a:defRPr sz="2000"/>
+              <a:defRPr sz="2667"/>
             </a:lvl8pPr>
             <a:lvl9pPr>
-              <a:defRPr sz="2000"/>
+              <a:defRPr sz="2667"/>
             </a:lvl9pPr>
           </a:lstStyle>
           <a:p>
@@ -2007,13 +2005,13 @@
               <a:rPr lang="zh-CN" altLang="en-US"/>
               <a:t>第五级</a:t>
             </a:r>
-            <a:endParaRPr lang="zh-CN" altLang="en-US"/>
+            <a:endParaRPr lang="en-US" dirty="0"/>
           </a:p>
         </p:txBody>
       </p:sp>
       <p:sp>
         <p:nvSpPr>
-          <p:cNvPr id="4" name="文本占位符 3"/>
+          <p:cNvPr id="4" name="Text Placeholder 3"/>
           <p:cNvSpPr>
             <a:spLocks noGrp="1"/>
           </p:cNvSpPr>
@@ -2023,8 +2021,8 @@
         </p:nvSpPr>
         <p:spPr>
           <a:xfrm>
-            <a:off x="839788" y="2057400"/>
-            <a:ext cx="3932237" cy="3811588"/>
+            <a:off x="839788" y="3726180"/>
+            <a:ext cx="3932237" cy="6903209"/>
           </a:xfrm>
         </p:spPr>
         <p:txBody>
@@ -2032,39 +2030,39 @@
           <a:lstStyle>
             <a:lvl1pPr marL="0" indent="0">
               <a:buNone/>
+              <a:defRPr sz="2133"/>
+            </a:lvl1pPr>
+            <a:lvl2pPr marL="609585" indent="0">
+              <a:buNone/>
+              <a:defRPr sz="1867"/>
+            </a:lvl2pPr>
+            <a:lvl3pPr marL="1219170" indent="0">
+              <a:buNone/>
               <a:defRPr sz="1600"/>
-            </a:lvl1pPr>
-            <a:lvl2pPr marL="457200" indent="0">
+            </a:lvl3pPr>
+            <a:lvl4pPr marL="1828754" indent="0">
               <a:buNone/>
-              <a:defRPr sz="1400"/>
-            </a:lvl2pPr>
-            <a:lvl3pPr marL="914400" indent="0">
+              <a:defRPr sz="1333"/>
+            </a:lvl4pPr>
+            <a:lvl5pPr marL="2438339" indent="0">
               <a:buNone/>
-              <a:defRPr sz="1200"/>
-            </a:lvl3pPr>
-            <a:lvl4pPr marL="1371600" indent="0">
+              <a:defRPr sz="1333"/>
+            </a:lvl5pPr>
+            <a:lvl6pPr marL="3047924" indent="0">
               <a:buNone/>
-              <a:defRPr sz="1000"/>
-            </a:lvl4pPr>
-            <a:lvl5pPr marL="1828800" indent="0">
+              <a:defRPr sz="1333"/>
+            </a:lvl6pPr>
+            <a:lvl7pPr marL="3657509" indent="0">
               <a:buNone/>
-              <a:defRPr sz="1000"/>
-            </a:lvl5pPr>
-            <a:lvl6pPr marL="2286000" indent="0">
+              <a:defRPr sz="1333"/>
+            </a:lvl7pPr>
+            <a:lvl8pPr marL="4267093" indent="0">
               <a:buNone/>
-              <a:defRPr sz="1000"/>
-            </a:lvl6pPr>
-            <a:lvl7pPr marL="2743200" indent="0">
+              <a:defRPr sz="1333"/>
+            </a:lvl8pPr>
+            <a:lvl9pPr marL="4876678" indent="0">
               <a:buNone/>
-              <a:defRPr sz="1000"/>
-            </a:lvl7pPr>
-            <a:lvl8pPr marL="3200400" indent="0">
-              <a:buNone/>
-              <a:defRPr sz="1000"/>
-            </a:lvl8pPr>
-            <a:lvl9pPr marL="3657600" indent="0">
-              <a:buNone/>
-              <a:defRPr sz="1000"/>
+              <a:defRPr sz="1333"/>
             </a:lvl9pPr>
           </a:lstStyle>
           <a:p>
@@ -2078,7 +2076,7 @@
       </p:sp>
       <p:sp>
         <p:nvSpPr>
-          <p:cNvPr id="5" name="日期占位符 4"/>
+          <p:cNvPr id="5" name="Date Placeholder 4"/>
           <p:cNvSpPr>
             <a:spLocks noGrp="1"/>
           </p:cNvSpPr>
@@ -2101,7 +2099,7 @@
       </p:sp>
       <p:sp>
         <p:nvSpPr>
-          <p:cNvPr id="6" name="页脚占位符 5"/>
+          <p:cNvPr id="6" name="Footer Placeholder 5"/>
           <p:cNvSpPr>
             <a:spLocks noGrp="1"/>
           </p:cNvSpPr>
@@ -2120,7 +2118,7 @@
       </p:sp>
       <p:sp>
         <p:nvSpPr>
-          <p:cNvPr id="7" name="灯片编号占位符 6"/>
+          <p:cNvPr id="7" name="Slide Number Placeholder 6"/>
           <p:cNvSpPr>
             <a:spLocks noGrp="1"/>
           </p:cNvSpPr>
@@ -2144,7 +2142,7 @@
     </p:spTree>
     <p:extLst>
       <p:ext uri="{BB962C8B-B14F-4D97-AF65-F5344CB8AC3E}">
-        <p14:creationId xmlns:p14="http://schemas.microsoft.com/office/powerpoint/2010/main" val="2795231153"/>
+        <p14:creationId xmlns:p14="http://schemas.microsoft.com/office/powerpoint/2010/main" val="960384304"/>
       </p:ext>
     </p:extLst>
   </p:cSld>
@@ -2173,7 +2171,7 @@
       </p:grpSpPr>
       <p:sp>
         <p:nvSpPr>
-          <p:cNvPr id="2" name="标题 1"/>
+          <p:cNvPr id="2" name="Title 1"/>
           <p:cNvSpPr>
             <a:spLocks noGrp="1"/>
           </p:cNvSpPr>
@@ -2183,15 +2181,15 @@
         </p:nvSpPr>
         <p:spPr>
           <a:xfrm>
-            <a:off x="839788" y="457200"/>
-            <a:ext cx="3932237" cy="1600200"/>
+            <a:off x="839788" y="828040"/>
+            <a:ext cx="3932237" cy="2898140"/>
           </a:xfrm>
         </p:spPr>
         <p:txBody>
           <a:bodyPr anchor="b"/>
           <a:lstStyle>
             <a:lvl1pPr>
-              <a:defRPr sz="3200"/>
+              <a:defRPr sz="4267"/>
             </a:lvl1pPr>
           </a:lstStyle>
           <a:p>
@@ -2199,15 +2197,15 @@
               <a:rPr lang="zh-CN" altLang="en-US"/>
               <a:t>单击此处编辑母版标题样式</a:t>
             </a:r>
-            <a:endParaRPr lang="zh-CN" altLang="en-US"/>
+            <a:endParaRPr lang="en-US" dirty="0"/>
           </a:p>
         </p:txBody>
       </p:sp>
       <p:sp>
         <p:nvSpPr>
-          <p:cNvPr id="3" name="图片占位符 2"/>
+          <p:cNvPr id="3" name="Picture Placeholder 2"/>
           <p:cNvSpPr>
-            <a:spLocks noGrp="1"/>
+            <a:spLocks noGrp="1" noChangeAspect="1"/>
           </p:cNvSpPr>
           <p:nvPr>
             <p:ph type="pic" idx="1"/>
@@ -2215,58 +2213,62 @@
         </p:nvSpPr>
         <p:spPr>
           <a:xfrm>
-            <a:off x="5183188" y="987425"/>
-            <a:ext cx="6172200" cy="4873625"/>
+            <a:off x="5183188" y="1788339"/>
+            <a:ext cx="6172200" cy="8826676"/>
           </a:xfrm>
         </p:spPr>
         <p:txBody>
-          <a:bodyPr/>
+          <a:bodyPr anchor="t"/>
           <a:lstStyle>
             <a:lvl1pPr marL="0" indent="0">
               <a:buNone/>
+              <a:defRPr sz="4267"/>
+            </a:lvl1pPr>
+            <a:lvl2pPr marL="609585" indent="0">
+              <a:buNone/>
+              <a:defRPr sz="3733"/>
+            </a:lvl2pPr>
+            <a:lvl3pPr marL="1219170" indent="0">
+              <a:buNone/>
               <a:defRPr sz="3200"/>
-            </a:lvl1pPr>
-            <a:lvl2pPr marL="457200" indent="0">
+            </a:lvl3pPr>
+            <a:lvl4pPr marL="1828754" indent="0">
               <a:buNone/>
-              <a:defRPr sz="2800"/>
-            </a:lvl2pPr>
-            <a:lvl3pPr marL="914400" indent="0">
+              <a:defRPr sz="2667"/>
+            </a:lvl4pPr>
+            <a:lvl5pPr marL="2438339" indent="0">
               <a:buNone/>
-              <a:defRPr sz="2400"/>
-            </a:lvl3pPr>
-            <a:lvl4pPr marL="1371600" indent="0">
+              <a:defRPr sz="2667"/>
+            </a:lvl5pPr>
+            <a:lvl6pPr marL="3047924" indent="0">
               <a:buNone/>
-              <a:defRPr sz="2000"/>
-            </a:lvl4pPr>
-            <a:lvl5pPr marL="1828800" indent="0">
+              <a:defRPr sz="2667"/>
+            </a:lvl6pPr>
+            <a:lvl7pPr marL="3657509" indent="0">
               <a:buNone/>
-              <a:defRPr sz="2000"/>
-            </a:lvl5pPr>
-            <a:lvl6pPr marL="2286000" indent="0">
+              <a:defRPr sz="2667"/>
+            </a:lvl7pPr>
+            <a:lvl8pPr marL="4267093" indent="0">
               <a:buNone/>
-              <a:defRPr sz="2000"/>
-            </a:lvl6pPr>
-            <a:lvl7pPr marL="2743200" indent="0">
+              <a:defRPr sz="2667"/>
+            </a:lvl8pPr>
+            <a:lvl9pPr marL="4876678" indent="0">
               <a:buNone/>
-              <a:defRPr sz="2000"/>
-            </a:lvl7pPr>
-            <a:lvl8pPr marL="3200400" indent="0">
-              <a:buNone/>
-              <a:defRPr sz="2000"/>
-            </a:lvl8pPr>
-            <a:lvl9pPr marL="3657600" indent="0">
-              <a:buNone/>
-              <a:defRPr sz="2000"/>
+              <a:defRPr sz="2667"/>
             </a:lvl9pPr>
           </a:lstStyle>
           <a:p>
-            <a:endParaRPr lang="zh-CN" altLang="en-US"/>
+            <a:r>
+              <a:rPr lang="zh-CN" altLang="en-US"/>
+              <a:t>单击图标添加图片</a:t>
+            </a:r>
+            <a:endParaRPr lang="en-US" dirty="0"/>
           </a:p>
         </p:txBody>
       </p:sp>
       <p:sp>
         <p:nvSpPr>
-          <p:cNvPr id="4" name="文本占位符 3"/>
+          <p:cNvPr id="4" name="Text Placeholder 3"/>
           <p:cNvSpPr>
             <a:spLocks noGrp="1"/>
           </p:cNvSpPr>
@@ -2276,8 +2278,8 @@
         </p:nvSpPr>
         <p:spPr>
           <a:xfrm>
-            <a:off x="839788" y="2057400"/>
-            <a:ext cx="3932237" cy="3811588"/>
+            <a:off x="839788" y="3726180"/>
+            <a:ext cx="3932237" cy="6903209"/>
           </a:xfrm>
         </p:spPr>
         <p:txBody>
@@ -2285,39 +2287,39 @@
           <a:lstStyle>
             <a:lvl1pPr marL="0" indent="0">
               <a:buNone/>
+              <a:defRPr sz="2133"/>
+            </a:lvl1pPr>
+            <a:lvl2pPr marL="609585" indent="0">
+              <a:buNone/>
+              <a:defRPr sz="1867"/>
+            </a:lvl2pPr>
+            <a:lvl3pPr marL="1219170" indent="0">
+              <a:buNone/>
               <a:defRPr sz="1600"/>
-            </a:lvl1pPr>
-            <a:lvl2pPr marL="457200" indent="0">
+            </a:lvl3pPr>
+            <a:lvl4pPr marL="1828754" indent="0">
               <a:buNone/>
-              <a:defRPr sz="1400"/>
-            </a:lvl2pPr>
-            <a:lvl3pPr marL="914400" indent="0">
+              <a:defRPr sz="1333"/>
+            </a:lvl4pPr>
+            <a:lvl5pPr marL="2438339" indent="0">
               <a:buNone/>
-              <a:defRPr sz="1200"/>
-            </a:lvl3pPr>
-            <a:lvl4pPr marL="1371600" indent="0">
+              <a:defRPr sz="1333"/>
+            </a:lvl5pPr>
+            <a:lvl6pPr marL="3047924" indent="0">
               <a:buNone/>
-              <a:defRPr sz="1000"/>
-            </a:lvl4pPr>
-            <a:lvl5pPr marL="1828800" indent="0">
+              <a:defRPr sz="1333"/>
+            </a:lvl6pPr>
+            <a:lvl7pPr marL="3657509" indent="0">
               <a:buNone/>
-              <a:defRPr sz="1000"/>
-            </a:lvl5pPr>
-            <a:lvl6pPr marL="2286000" indent="0">
+              <a:defRPr sz="1333"/>
+            </a:lvl7pPr>
+            <a:lvl8pPr marL="4267093" indent="0">
               <a:buNone/>
-              <a:defRPr sz="1000"/>
-            </a:lvl6pPr>
-            <a:lvl7pPr marL="2743200" indent="0">
+              <a:defRPr sz="1333"/>
+            </a:lvl8pPr>
+            <a:lvl9pPr marL="4876678" indent="0">
               <a:buNone/>
-              <a:defRPr sz="1000"/>
-            </a:lvl7pPr>
-            <a:lvl8pPr marL="3200400" indent="0">
-              <a:buNone/>
-              <a:defRPr sz="1000"/>
-            </a:lvl8pPr>
-            <a:lvl9pPr marL="3657600" indent="0">
-              <a:buNone/>
-              <a:defRPr sz="1000"/>
+              <a:defRPr sz="1333"/>
             </a:lvl9pPr>
           </a:lstStyle>
           <a:p>
@@ -2331,7 +2333,7 @@
       </p:sp>
       <p:sp>
         <p:nvSpPr>
-          <p:cNvPr id="5" name="日期占位符 4"/>
+          <p:cNvPr id="5" name="Date Placeholder 4"/>
           <p:cNvSpPr>
             <a:spLocks noGrp="1"/>
           </p:cNvSpPr>
@@ -2354,7 +2356,7 @@
       </p:sp>
       <p:sp>
         <p:nvSpPr>
-          <p:cNvPr id="6" name="页脚占位符 5"/>
+          <p:cNvPr id="6" name="Footer Placeholder 5"/>
           <p:cNvSpPr>
             <a:spLocks noGrp="1"/>
           </p:cNvSpPr>
@@ -2373,7 +2375,7 @@
       </p:sp>
       <p:sp>
         <p:nvSpPr>
-          <p:cNvPr id="7" name="灯片编号占位符 6"/>
+          <p:cNvPr id="7" name="Slide Number Placeholder 6"/>
           <p:cNvSpPr>
             <a:spLocks noGrp="1"/>
           </p:cNvSpPr>
@@ -2397,7 +2399,7 @@
     </p:spTree>
     <p:extLst>
       <p:ext uri="{BB962C8B-B14F-4D97-AF65-F5344CB8AC3E}">
-        <p14:creationId xmlns:p14="http://schemas.microsoft.com/office/powerpoint/2010/main" val="2597926042"/>
+        <p14:creationId xmlns:p14="http://schemas.microsoft.com/office/powerpoint/2010/main" val="1879055722"/>
       </p:ext>
     </p:extLst>
   </p:cSld>
@@ -2431,7 +2433,7 @@
       </p:grpSpPr>
       <p:sp>
         <p:nvSpPr>
-          <p:cNvPr id="2" name="标题占位符 1"/>
+          <p:cNvPr id="2" name="Title Placeholder 1"/>
           <p:cNvSpPr>
             <a:spLocks noGrp="1"/>
           </p:cNvSpPr>
@@ -2441,8 +2443,8 @@
         </p:nvSpPr>
         <p:spPr>
           <a:xfrm>
-            <a:off x="838200" y="365125"/>
-            <a:ext cx="10515600" cy="1325563"/>
+            <a:off x="838200" y="661285"/>
+            <a:ext cx="10515600" cy="2400742"/>
           </a:xfrm>
           <a:prstGeom prst="rect">
             <a:avLst/>
@@ -2458,13 +2460,13 @@
               <a:rPr lang="zh-CN" altLang="en-US"/>
               <a:t>单击此处编辑母版标题样式</a:t>
             </a:r>
-            <a:endParaRPr lang="zh-CN" altLang="en-US"/>
+            <a:endParaRPr lang="en-US" dirty="0"/>
           </a:p>
         </p:txBody>
       </p:sp>
       <p:sp>
         <p:nvSpPr>
-          <p:cNvPr id="3" name="文本占位符 2"/>
+          <p:cNvPr id="3" name="Text Placeholder 2"/>
           <p:cNvSpPr>
             <a:spLocks noGrp="1"/>
           </p:cNvSpPr>
@@ -2474,8 +2476,8 @@
         </p:nvSpPr>
         <p:spPr>
           <a:xfrm>
-            <a:off x="838200" y="1825625"/>
-            <a:ext cx="10515600" cy="4351338"/>
+            <a:off x="838200" y="3306410"/>
+            <a:ext cx="10515600" cy="7880757"/>
           </a:xfrm>
           <a:prstGeom prst="rect">
             <a:avLst/>
@@ -2520,13 +2522,13 @@
               <a:rPr lang="zh-CN" altLang="en-US"/>
               <a:t>第五级</a:t>
             </a:r>
-            <a:endParaRPr lang="zh-CN" altLang="en-US"/>
+            <a:endParaRPr lang="en-US" dirty="0"/>
           </a:p>
         </p:txBody>
       </p:sp>
       <p:sp>
         <p:nvSpPr>
-          <p:cNvPr id="4" name="日期占位符 3"/>
+          <p:cNvPr id="4" name="Date Placeholder 3"/>
           <p:cNvSpPr>
             <a:spLocks noGrp="1"/>
           </p:cNvSpPr>
@@ -2536,8 +2538,8 @@
         </p:nvSpPr>
         <p:spPr>
           <a:xfrm>
-            <a:off x="838200" y="6356350"/>
-            <a:ext cx="2743200" cy="365125"/>
+            <a:off x="838200" y="11512059"/>
+            <a:ext cx="2743200" cy="661282"/>
           </a:xfrm>
           <a:prstGeom prst="rect">
             <a:avLst/>
@@ -2547,7 +2549,7 @@
           <a:bodyPr vert="horz" lIns="91440" tIns="45720" rIns="91440" bIns="45720" rtlCol="0" anchor="ctr"/>
           <a:lstStyle>
             <a:lvl1pPr algn="l">
-              <a:defRPr sz="1200">
+              <a:defRPr sz="1600">
                 <a:solidFill>
                   <a:schemeClr val="tx1">
                     <a:tint val="75000"/>
@@ -2567,7 +2569,7 @@
       </p:sp>
       <p:sp>
         <p:nvSpPr>
-          <p:cNvPr id="5" name="页脚占位符 4"/>
+          <p:cNvPr id="5" name="Footer Placeholder 4"/>
           <p:cNvSpPr>
             <a:spLocks noGrp="1"/>
           </p:cNvSpPr>
@@ -2577,8 +2579,8 @@
         </p:nvSpPr>
         <p:spPr>
           <a:xfrm>
-            <a:off x="4038600" y="6356350"/>
-            <a:ext cx="4114800" cy="365125"/>
+            <a:off x="4038600" y="11512059"/>
+            <a:ext cx="4114800" cy="661282"/>
           </a:xfrm>
           <a:prstGeom prst="rect">
             <a:avLst/>
@@ -2588,7 +2590,7 @@
           <a:bodyPr vert="horz" lIns="91440" tIns="45720" rIns="91440" bIns="45720" rtlCol="0" anchor="ctr"/>
           <a:lstStyle>
             <a:lvl1pPr algn="ctr">
-              <a:defRPr sz="1200">
+              <a:defRPr sz="1600">
                 <a:solidFill>
                   <a:schemeClr val="tx1">
                     <a:tint val="75000"/>
@@ -2604,7 +2606,7 @@
       </p:sp>
       <p:sp>
         <p:nvSpPr>
-          <p:cNvPr id="6" name="灯片编号占位符 5"/>
+          <p:cNvPr id="6" name="Slide Number Placeholder 5"/>
           <p:cNvSpPr>
             <a:spLocks noGrp="1"/>
           </p:cNvSpPr>
@@ -2614,8 +2616,8 @@
         </p:nvSpPr>
         <p:spPr>
           <a:xfrm>
-            <a:off x="8610600" y="6356350"/>
-            <a:ext cx="2743200" cy="365125"/>
+            <a:off x="8610600" y="11512059"/>
+            <a:ext cx="2743200" cy="661282"/>
           </a:xfrm>
           <a:prstGeom prst="rect">
             <a:avLst/>
@@ -2625,7 +2627,7 @@
           <a:bodyPr vert="horz" lIns="91440" tIns="45720" rIns="91440" bIns="45720" rtlCol="0" anchor="ctr"/>
           <a:lstStyle>
             <a:lvl1pPr algn="r">
-              <a:defRPr sz="1200">
+              <a:defRPr sz="1600">
                 <a:solidFill>
                   <a:schemeClr val="tx1">
                     <a:tint val="75000"/>
@@ -2646,27 +2648,27 @@
     </p:spTree>
     <p:extLst>
       <p:ext uri="{BB962C8B-B14F-4D97-AF65-F5344CB8AC3E}">
-        <p14:creationId xmlns:p14="http://schemas.microsoft.com/office/powerpoint/2010/main" val="1142016305"/>
+        <p14:creationId xmlns:p14="http://schemas.microsoft.com/office/powerpoint/2010/main" val="2737865537"/>
       </p:ext>
     </p:extLst>
   </p:cSld>
   <p:clrMap bg1="lt1" tx1="dk1" bg2="lt2" tx2="dk2" accent1="accent1" accent2="accent2" accent3="accent3" accent4="accent4" accent5="accent5" accent6="accent6" hlink="hlink" folHlink="folHlink"/>
   <p:sldLayoutIdLst>
-    <p:sldLayoutId id="2147483649" r:id="rId1"/>
-    <p:sldLayoutId id="2147483650" r:id="rId2"/>
-    <p:sldLayoutId id="2147483651" r:id="rId3"/>
-    <p:sldLayoutId id="2147483652" r:id="rId4"/>
-    <p:sldLayoutId id="2147483653" r:id="rId5"/>
-    <p:sldLayoutId id="2147483654" r:id="rId6"/>
-    <p:sldLayoutId id="2147483655" r:id="rId7"/>
-    <p:sldLayoutId id="2147483656" r:id="rId8"/>
-    <p:sldLayoutId id="2147483657" r:id="rId9"/>
-    <p:sldLayoutId id="2147483658" r:id="rId10"/>
-    <p:sldLayoutId id="2147483659" r:id="rId11"/>
+    <p:sldLayoutId id="2147483673" r:id="rId1"/>
+    <p:sldLayoutId id="2147483674" r:id="rId2"/>
+    <p:sldLayoutId id="2147483675" r:id="rId3"/>
+    <p:sldLayoutId id="2147483676" r:id="rId4"/>
+    <p:sldLayoutId id="2147483677" r:id="rId5"/>
+    <p:sldLayoutId id="2147483678" r:id="rId6"/>
+    <p:sldLayoutId id="2147483679" r:id="rId7"/>
+    <p:sldLayoutId id="2147483680" r:id="rId8"/>
+    <p:sldLayoutId id="2147483681" r:id="rId9"/>
+    <p:sldLayoutId id="2147483682" r:id="rId10"/>
+    <p:sldLayoutId id="2147483683" r:id="rId11"/>
   </p:sldLayoutIdLst>
   <p:txStyles>
     <p:titleStyle>
-      <a:lvl1pPr algn="l" defTabSz="914400" rtl="0" eaLnBrk="1" latinLnBrk="0" hangingPunct="1">
+      <a:lvl1pPr algn="l" defTabSz="1219170" rtl="0" eaLnBrk="1" latinLnBrk="0" hangingPunct="1">
         <a:lnSpc>
           <a:spcPct val="90000"/>
         </a:lnSpc>
@@ -2674,7 +2676,7 @@
           <a:spcPct val="0"/>
         </a:spcBef>
         <a:buNone/>
-        <a:defRPr sz="4400" kern="1200">
+        <a:defRPr sz="5867" kern="1200">
           <a:solidFill>
             <a:schemeClr val="tx1"/>
           </a:solidFill>
@@ -2685,16 +2687,16 @@
       </a:lvl1pPr>
     </p:titleStyle>
     <p:bodyStyle>
-      <a:lvl1pPr marL="228600" indent="-228600" algn="l" defTabSz="914400" rtl="0" eaLnBrk="1" latinLnBrk="0" hangingPunct="1">
+      <a:lvl1pPr marL="304792" indent="-304792" algn="l" defTabSz="1219170" rtl="0" eaLnBrk="1" latinLnBrk="0" hangingPunct="1">
         <a:lnSpc>
           <a:spcPct val="90000"/>
         </a:lnSpc>
         <a:spcBef>
-          <a:spcPts val="1000"/>
+          <a:spcPts val="1333"/>
         </a:spcBef>
         <a:buFont typeface="Arial" panose="020B0604020202020204" pitchFamily="34" charset="0"/>
         <a:buChar char="•"/>
-        <a:defRPr sz="2800" kern="1200">
+        <a:defRPr sz="3733" kern="1200">
           <a:solidFill>
             <a:schemeClr val="tx1"/>
           </a:solidFill>
@@ -2703,12 +2705,48 @@
           <a:cs typeface="+mn-cs"/>
         </a:defRPr>
       </a:lvl1pPr>
-      <a:lvl2pPr marL="685800" indent="-228600" algn="l" defTabSz="914400" rtl="0" eaLnBrk="1" latinLnBrk="0" hangingPunct="1">
+      <a:lvl2pPr marL="914377" indent="-304792" algn="l" defTabSz="1219170" rtl="0" eaLnBrk="1" latinLnBrk="0" hangingPunct="1">
         <a:lnSpc>
           <a:spcPct val="90000"/>
         </a:lnSpc>
         <a:spcBef>
-          <a:spcPts val="500"/>
+          <a:spcPts val="667"/>
+        </a:spcBef>
+        <a:buFont typeface="Arial" panose="020B0604020202020204" pitchFamily="34" charset="0"/>
+        <a:buChar char="•"/>
+        <a:defRPr sz="3200" kern="1200">
+          <a:solidFill>
+            <a:schemeClr val="tx1"/>
+          </a:solidFill>
+          <a:latin typeface="+mn-lt"/>
+          <a:ea typeface="+mn-ea"/>
+          <a:cs typeface="+mn-cs"/>
+        </a:defRPr>
+      </a:lvl2pPr>
+      <a:lvl3pPr marL="1523962" indent="-304792" algn="l" defTabSz="1219170" rtl="0" eaLnBrk="1" latinLnBrk="0" hangingPunct="1">
+        <a:lnSpc>
+          <a:spcPct val="90000"/>
+        </a:lnSpc>
+        <a:spcBef>
+          <a:spcPts val="667"/>
+        </a:spcBef>
+        <a:buFont typeface="Arial" panose="020B0604020202020204" pitchFamily="34" charset="0"/>
+        <a:buChar char="•"/>
+        <a:defRPr sz="2667" kern="1200">
+          <a:solidFill>
+            <a:schemeClr val="tx1"/>
+          </a:solidFill>
+          <a:latin typeface="+mn-lt"/>
+          <a:ea typeface="+mn-ea"/>
+          <a:cs typeface="+mn-cs"/>
+        </a:defRPr>
+      </a:lvl3pPr>
+      <a:lvl4pPr marL="2133547" indent="-304792" algn="l" defTabSz="1219170" rtl="0" eaLnBrk="1" latinLnBrk="0" hangingPunct="1">
+        <a:lnSpc>
+          <a:spcPct val="90000"/>
+        </a:lnSpc>
+        <a:spcBef>
+          <a:spcPts val="667"/>
         </a:spcBef>
         <a:buFont typeface="Arial" panose="020B0604020202020204" pitchFamily="34" charset="0"/>
         <a:buChar char="•"/>
@@ -2720,53 +2758,17 @@
           <a:ea typeface="+mn-ea"/>
           <a:cs typeface="+mn-cs"/>
         </a:defRPr>
-      </a:lvl2pPr>
-      <a:lvl3pPr marL="1143000" indent="-228600" algn="l" defTabSz="914400" rtl="0" eaLnBrk="1" latinLnBrk="0" hangingPunct="1">
+      </a:lvl4pPr>
+      <a:lvl5pPr marL="2743131" indent="-304792" algn="l" defTabSz="1219170" rtl="0" eaLnBrk="1" latinLnBrk="0" hangingPunct="1">
         <a:lnSpc>
           <a:spcPct val="90000"/>
         </a:lnSpc>
         <a:spcBef>
-          <a:spcPts val="500"/>
+          <a:spcPts val="667"/>
         </a:spcBef>
         <a:buFont typeface="Arial" panose="020B0604020202020204" pitchFamily="34" charset="0"/>
         <a:buChar char="•"/>
-        <a:defRPr sz="2000" kern="1200">
-          <a:solidFill>
-            <a:schemeClr val="tx1"/>
-          </a:solidFill>
-          <a:latin typeface="+mn-lt"/>
-          <a:ea typeface="+mn-ea"/>
-          <a:cs typeface="+mn-cs"/>
-        </a:defRPr>
-      </a:lvl3pPr>
-      <a:lvl4pPr marL="1600200" indent="-228600" algn="l" defTabSz="914400" rtl="0" eaLnBrk="1" latinLnBrk="0" hangingPunct="1">
-        <a:lnSpc>
-          <a:spcPct val="90000"/>
-        </a:lnSpc>
-        <a:spcBef>
-          <a:spcPts val="500"/>
-        </a:spcBef>
-        <a:buFont typeface="Arial" panose="020B0604020202020204" pitchFamily="34" charset="0"/>
-        <a:buChar char="•"/>
-        <a:defRPr sz="1800" kern="1200">
-          <a:solidFill>
-            <a:schemeClr val="tx1"/>
-          </a:solidFill>
-          <a:latin typeface="+mn-lt"/>
-          <a:ea typeface="+mn-ea"/>
-          <a:cs typeface="+mn-cs"/>
-        </a:defRPr>
-      </a:lvl4pPr>
-      <a:lvl5pPr marL="2057400" indent="-228600" algn="l" defTabSz="914400" rtl="0" eaLnBrk="1" latinLnBrk="0" hangingPunct="1">
-        <a:lnSpc>
-          <a:spcPct val="90000"/>
-        </a:lnSpc>
-        <a:spcBef>
-          <a:spcPts val="500"/>
-        </a:spcBef>
-        <a:buFont typeface="Arial" panose="020B0604020202020204" pitchFamily="34" charset="0"/>
-        <a:buChar char="•"/>
-        <a:defRPr sz="1800" kern="1200">
+        <a:defRPr sz="2400" kern="1200">
           <a:solidFill>
             <a:schemeClr val="tx1"/>
           </a:solidFill>
@@ -2775,16 +2777,16 @@
           <a:cs typeface="+mn-cs"/>
         </a:defRPr>
       </a:lvl5pPr>
-      <a:lvl6pPr marL="2514600" indent="-228600" algn="l" defTabSz="914400" rtl="0" eaLnBrk="1" latinLnBrk="0" hangingPunct="1">
+      <a:lvl6pPr marL="3352716" indent="-304792" algn="l" defTabSz="1219170" rtl="0" eaLnBrk="1" latinLnBrk="0" hangingPunct="1">
         <a:lnSpc>
           <a:spcPct val="90000"/>
         </a:lnSpc>
         <a:spcBef>
-          <a:spcPts val="500"/>
+          <a:spcPts val="667"/>
         </a:spcBef>
         <a:buFont typeface="Arial" panose="020B0604020202020204" pitchFamily="34" charset="0"/>
         <a:buChar char="•"/>
-        <a:defRPr sz="1800" kern="1200">
+        <a:defRPr sz="2400" kern="1200">
           <a:solidFill>
             <a:schemeClr val="tx1"/>
           </a:solidFill>
@@ -2793,16 +2795,16 @@
           <a:cs typeface="+mn-cs"/>
         </a:defRPr>
       </a:lvl6pPr>
-      <a:lvl7pPr marL="2971800" indent="-228600" algn="l" defTabSz="914400" rtl="0" eaLnBrk="1" latinLnBrk="0" hangingPunct="1">
+      <a:lvl7pPr marL="3962301" indent="-304792" algn="l" defTabSz="1219170" rtl="0" eaLnBrk="1" latinLnBrk="0" hangingPunct="1">
         <a:lnSpc>
           <a:spcPct val="90000"/>
         </a:lnSpc>
         <a:spcBef>
-          <a:spcPts val="500"/>
+          <a:spcPts val="667"/>
         </a:spcBef>
         <a:buFont typeface="Arial" panose="020B0604020202020204" pitchFamily="34" charset="0"/>
         <a:buChar char="•"/>
-        <a:defRPr sz="1800" kern="1200">
+        <a:defRPr sz="2400" kern="1200">
           <a:solidFill>
             <a:schemeClr val="tx1"/>
           </a:solidFill>
@@ -2811,16 +2813,16 @@
           <a:cs typeface="+mn-cs"/>
         </a:defRPr>
       </a:lvl7pPr>
-      <a:lvl8pPr marL="3429000" indent="-228600" algn="l" defTabSz="914400" rtl="0" eaLnBrk="1" latinLnBrk="0" hangingPunct="1">
+      <a:lvl8pPr marL="4571886" indent="-304792" algn="l" defTabSz="1219170" rtl="0" eaLnBrk="1" latinLnBrk="0" hangingPunct="1">
         <a:lnSpc>
           <a:spcPct val="90000"/>
         </a:lnSpc>
         <a:spcBef>
-          <a:spcPts val="500"/>
+          <a:spcPts val="667"/>
         </a:spcBef>
         <a:buFont typeface="Arial" panose="020B0604020202020204" pitchFamily="34" charset="0"/>
         <a:buChar char="•"/>
-        <a:defRPr sz="1800" kern="1200">
+        <a:defRPr sz="2400" kern="1200">
           <a:solidFill>
             <a:schemeClr val="tx1"/>
           </a:solidFill>
@@ -2829,16 +2831,16 @@
           <a:cs typeface="+mn-cs"/>
         </a:defRPr>
       </a:lvl8pPr>
-      <a:lvl9pPr marL="3886200" indent="-228600" algn="l" defTabSz="914400" rtl="0" eaLnBrk="1" latinLnBrk="0" hangingPunct="1">
+      <a:lvl9pPr marL="5181470" indent="-304792" algn="l" defTabSz="1219170" rtl="0" eaLnBrk="1" latinLnBrk="0" hangingPunct="1">
         <a:lnSpc>
           <a:spcPct val="90000"/>
         </a:lnSpc>
         <a:spcBef>
-          <a:spcPts val="500"/>
+          <a:spcPts val="667"/>
         </a:spcBef>
         <a:buFont typeface="Arial" panose="020B0604020202020204" pitchFamily="34" charset="0"/>
         <a:buChar char="•"/>
-        <a:defRPr sz="1800" kern="1200">
+        <a:defRPr sz="2400" kern="1200">
           <a:solidFill>
             <a:schemeClr val="tx1"/>
           </a:solidFill>
@@ -2850,10 +2852,10 @@
     </p:bodyStyle>
     <p:otherStyle>
       <a:defPPr>
-        <a:defRPr lang="zh-CN"/>
+        <a:defRPr lang="en-US"/>
       </a:defPPr>
-      <a:lvl1pPr marL="0" algn="l" defTabSz="914400" rtl="0" eaLnBrk="1" latinLnBrk="0" hangingPunct="1">
-        <a:defRPr sz="1800" kern="1200">
+      <a:lvl1pPr marL="0" algn="l" defTabSz="1219170" rtl="0" eaLnBrk="1" latinLnBrk="0" hangingPunct="1">
+        <a:defRPr sz="2400" kern="1200">
           <a:solidFill>
             <a:schemeClr val="tx1"/>
           </a:solidFill>
@@ -2862,8 +2864,8 @@
           <a:cs typeface="+mn-cs"/>
         </a:defRPr>
       </a:lvl1pPr>
-      <a:lvl2pPr marL="457200" algn="l" defTabSz="914400" rtl="0" eaLnBrk="1" latinLnBrk="0" hangingPunct="1">
-        <a:defRPr sz="1800" kern="1200">
+      <a:lvl2pPr marL="609585" algn="l" defTabSz="1219170" rtl="0" eaLnBrk="1" latinLnBrk="0" hangingPunct="1">
+        <a:defRPr sz="2400" kern="1200">
           <a:solidFill>
             <a:schemeClr val="tx1"/>
           </a:solidFill>
@@ -2872,8 +2874,8 @@
           <a:cs typeface="+mn-cs"/>
         </a:defRPr>
       </a:lvl2pPr>
-      <a:lvl3pPr marL="914400" algn="l" defTabSz="914400" rtl="0" eaLnBrk="1" latinLnBrk="0" hangingPunct="1">
-        <a:defRPr sz="1800" kern="1200">
+      <a:lvl3pPr marL="1219170" algn="l" defTabSz="1219170" rtl="0" eaLnBrk="1" latinLnBrk="0" hangingPunct="1">
+        <a:defRPr sz="2400" kern="1200">
           <a:solidFill>
             <a:schemeClr val="tx1"/>
           </a:solidFill>
@@ -2882,8 +2884,8 @@
           <a:cs typeface="+mn-cs"/>
         </a:defRPr>
       </a:lvl3pPr>
-      <a:lvl4pPr marL="1371600" algn="l" defTabSz="914400" rtl="0" eaLnBrk="1" latinLnBrk="0" hangingPunct="1">
-        <a:defRPr sz="1800" kern="1200">
+      <a:lvl4pPr marL="1828754" algn="l" defTabSz="1219170" rtl="0" eaLnBrk="1" latinLnBrk="0" hangingPunct="1">
+        <a:defRPr sz="2400" kern="1200">
           <a:solidFill>
             <a:schemeClr val="tx1"/>
           </a:solidFill>
@@ -2892,8 +2894,8 @@
           <a:cs typeface="+mn-cs"/>
         </a:defRPr>
       </a:lvl4pPr>
-      <a:lvl5pPr marL="1828800" algn="l" defTabSz="914400" rtl="0" eaLnBrk="1" latinLnBrk="0" hangingPunct="1">
-        <a:defRPr sz="1800" kern="1200">
+      <a:lvl5pPr marL="2438339" algn="l" defTabSz="1219170" rtl="0" eaLnBrk="1" latinLnBrk="0" hangingPunct="1">
+        <a:defRPr sz="2400" kern="1200">
           <a:solidFill>
             <a:schemeClr val="tx1"/>
           </a:solidFill>
@@ -2902,8 +2904,8 @@
           <a:cs typeface="+mn-cs"/>
         </a:defRPr>
       </a:lvl5pPr>
-      <a:lvl6pPr marL="2286000" algn="l" defTabSz="914400" rtl="0" eaLnBrk="1" latinLnBrk="0" hangingPunct="1">
-        <a:defRPr sz="1800" kern="1200">
+      <a:lvl6pPr marL="3047924" algn="l" defTabSz="1219170" rtl="0" eaLnBrk="1" latinLnBrk="0" hangingPunct="1">
+        <a:defRPr sz="2400" kern="1200">
           <a:solidFill>
             <a:schemeClr val="tx1"/>
           </a:solidFill>
@@ -2912,8 +2914,8 @@
           <a:cs typeface="+mn-cs"/>
         </a:defRPr>
       </a:lvl6pPr>
-      <a:lvl7pPr marL="2743200" algn="l" defTabSz="914400" rtl="0" eaLnBrk="1" latinLnBrk="0" hangingPunct="1">
-        <a:defRPr sz="1800" kern="1200">
+      <a:lvl7pPr marL="3657509" algn="l" defTabSz="1219170" rtl="0" eaLnBrk="1" latinLnBrk="0" hangingPunct="1">
+        <a:defRPr sz="2400" kern="1200">
           <a:solidFill>
             <a:schemeClr val="tx1"/>
           </a:solidFill>
@@ -2922,8 +2924,8 @@
           <a:cs typeface="+mn-cs"/>
         </a:defRPr>
       </a:lvl7pPr>
-      <a:lvl8pPr marL="3200400" algn="l" defTabSz="914400" rtl="0" eaLnBrk="1" latinLnBrk="0" hangingPunct="1">
-        <a:defRPr sz="1800" kern="1200">
+      <a:lvl8pPr marL="4267093" algn="l" defTabSz="1219170" rtl="0" eaLnBrk="1" latinLnBrk="0" hangingPunct="1">
+        <a:defRPr sz="2400" kern="1200">
           <a:solidFill>
             <a:schemeClr val="tx1"/>
           </a:solidFill>
@@ -2932,8 +2934,8 @@
           <a:cs typeface="+mn-cs"/>
         </a:defRPr>
       </a:lvl8pPr>
-      <a:lvl9pPr marL="3657600" algn="l" defTabSz="914400" rtl="0" eaLnBrk="1" latinLnBrk="0" hangingPunct="1">
-        <a:defRPr sz="1800" kern="1200">
+      <a:lvl9pPr marL="4876678" algn="l" defTabSz="1219170" rtl="0" eaLnBrk="1" latinLnBrk="0" hangingPunct="1">
+        <a:defRPr sz="2400" kern="1200">
           <a:solidFill>
             <a:schemeClr val="tx1"/>
           </a:solidFill>
@@ -2974,14 +2976,14 @@
             <p:ph idx="1"/>
             <p:extLst>
               <p:ext uri="{D42A27DB-BD31-4B8C-83A1-F6EECF244321}">
-                <p14:modId xmlns:p14="http://schemas.microsoft.com/office/powerpoint/2010/main" val="2198298649"/>
+                <p14:modId xmlns:p14="http://schemas.microsoft.com/office/powerpoint/2010/main" val="1066012990"/>
               </p:ext>
             </p:extLst>
           </p:nvPr>
         </p:nvGraphicFramePr>
         <p:xfrm>
-          <a:off x="0" y="8255"/>
-          <a:ext cx="12192000" cy="6825917"/>
+          <a:off x="0" y="1907"/>
+          <a:ext cx="12192000" cy="11952603"/>
         </p:xfrm>
         <a:graphic>
           <a:graphicData uri="http://schemas.openxmlformats.org/drawingml/2006/table">
@@ -2990,35 +2992,35 @@
                 <a:tableStyleId>{5940675A-B579-460E-94D1-54222C63F5DA}</a:tableStyleId>
               </a:tblPr>
               <a:tblGrid>
-                <a:gridCol w="266047">
+                <a:gridCol w="371794">
                   <a:extLst>
                     <a:ext uri="{9D8B030D-6E8A-4147-A177-3AD203B41FA5}">
                       <a16:colId xmlns:a16="http://schemas.microsoft.com/office/drawing/2014/main" val="1495994520"/>
                     </a:ext>
                   </a:extLst>
                 </a:gridCol>
-                <a:gridCol w="4334070">
+                <a:gridCol w="4284026">
                   <a:extLst>
                     <a:ext uri="{9D8B030D-6E8A-4147-A177-3AD203B41FA5}">
                       <a16:colId xmlns:a16="http://schemas.microsoft.com/office/drawing/2014/main" val="1129046455"/>
                     </a:ext>
                   </a:extLst>
                 </a:gridCol>
-                <a:gridCol w="3941058">
+                <a:gridCol w="4030980">
                   <a:extLst>
                     <a:ext uri="{9D8B030D-6E8A-4147-A177-3AD203B41FA5}">
                       <a16:colId xmlns:a16="http://schemas.microsoft.com/office/drawing/2014/main" val="2369603338"/>
                     </a:ext>
                   </a:extLst>
                 </a:gridCol>
-                <a:gridCol w="1959072">
+                <a:gridCol w="1739900">
                   <a:extLst>
                     <a:ext uri="{9D8B030D-6E8A-4147-A177-3AD203B41FA5}">
                       <a16:colId xmlns:a16="http://schemas.microsoft.com/office/drawing/2014/main" val="2935269635"/>
                     </a:ext>
                   </a:extLst>
                 </a:gridCol>
-                <a:gridCol w="1691753">
+                <a:gridCol w="1765300">
                   <a:extLst>
                     <a:ext uri="{9D8B030D-6E8A-4147-A177-3AD203B41FA5}">
                       <a16:colId xmlns:a16="http://schemas.microsoft.com/office/drawing/2014/main" val="3987723325"/>
@@ -5457,743 +5459,6 @@
                     <a:bodyPr/>
                     <a:lstStyle/>
                     <a:p>
-                      <a:pPr marR="0" algn="l" rtl="0"/>
-                      <a:endParaRPr lang="en-US" altLang="zh-CN" sz="800" b="0" i="0" u="none" strike="noStrike" baseline="0" dirty="0">
-                        <a:solidFill>
-                          <a:srgbClr val="0070C0"/>
-                        </a:solidFill>
-                        <a:latin typeface="Courier New" panose="02070309020205020404" pitchFamily="49" charset="0"/>
-                        <a:cs typeface="Courier New" panose="02070309020205020404" pitchFamily="49" charset="0"/>
-                      </a:endParaRPr>
-                    </a:p>
-                    <a:p>
-                      <a:pPr marR="0" algn="l" rtl="0"/>
-                      <a:endParaRPr lang="en-US" altLang="zh-CN" sz="800" b="0" i="0" u="none" strike="noStrike" baseline="0" dirty="0">
-                        <a:solidFill>
-                          <a:srgbClr val="0070C0"/>
-                        </a:solidFill>
-                        <a:latin typeface="Courier New" panose="02070309020205020404" pitchFamily="49" charset="0"/>
-                        <a:cs typeface="Courier New" panose="02070309020205020404" pitchFamily="49" charset="0"/>
-                      </a:endParaRPr>
-                    </a:p>
-                    <a:p>
-                      <a:pPr marR="0" algn="l" rtl="0"/>
-                      <a:r>
-                        <a:rPr lang="en-US" altLang="zh-CN" sz="800" b="0" i="0" u="none" strike="noStrike" baseline="0" dirty="0">
-                          <a:solidFill>
-                            <a:srgbClr val="0070C0"/>
-                          </a:solidFill>
-                          <a:latin typeface="Courier New" panose="02070309020205020404" pitchFamily="49" charset="0"/>
-                          <a:cs typeface="Courier New" panose="02070309020205020404" pitchFamily="49" charset="0"/>
-                        </a:rPr>
-                        <a:t>+synchronized(lock)</a:t>
-                      </a:r>
-                    </a:p>
-                    <a:p>
-                      <a:pPr marR="0" algn="l" rtl="0"/>
-                      <a:r>
-                        <a:rPr lang="en-US" altLang="zh-CN" sz="800" b="0" i="0" u="none" strike="noStrike" baseline="0" dirty="0">
-                          <a:solidFill>
-                            <a:srgbClr val="0070C0"/>
-                          </a:solidFill>
-                          <a:latin typeface="Courier New" panose="02070309020205020404" pitchFamily="49" charset="0"/>
-                          <a:cs typeface="Courier New" panose="02070309020205020404" pitchFamily="49" charset="0"/>
-                        </a:rPr>
-                        <a:t>+  if (!</a:t>
-                      </a:r>
-                      <a:r>
-                        <a:rPr lang="en-US" altLang="zh-CN" sz="800" b="0" i="0" u="none" strike="noStrike" baseline="0" dirty="0" err="1">
-                          <a:solidFill>
-                            <a:srgbClr val="0070C0"/>
-                          </a:solidFill>
-                          <a:latin typeface="Courier New" panose="02070309020205020404" pitchFamily="49" charset="0"/>
-                          <a:cs typeface="Courier New" panose="02070309020205020404" pitchFamily="49" charset="0"/>
-                        </a:rPr>
-                        <a:t>jobCounts.containsKey</a:t>
-                      </a:r>
-                      <a:r>
-                        <a:rPr lang="en-US" altLang="zh-CN" sz="800" b="0" i="0" u="none" strike="noStrike" baseline="0" dirty="0">
-                          <a:solidFill>
-                            <a:srgbClr val="0070C0"/>
-                          </a:solidFill>
-                          <a:latin typeface="Courier New" panose="02070309020205020404" pitchFamily="49" charset="0"/>
-                          <a:cs typeface="Courier New" panose="02070309020205020404" pitchFamily="49" charset="0"/>
-                        </a:rPr>
-                        <a:t>(</a:t>
-                      </a:r>
-                      <a:r>
-                        <a:rPr lang="en-US" altLang="zh-CN" sz="800" b="0" i="0" u="none" strike="noStrike" baseline="0" dirty="0" err="1">
-                          <a:solidFill>
-                            <a:srgbClr val="0070C0"/>
-                          </a:solidFill>
-                          <a:latin typeface="Courier New" panose="02070309020205020404" pitchFamily="49" charset="0"/>
-                          <a:cs typeface="Courier New" panose="02070309020205020404" pitchFamily="49" charset="0"/>
-                        </a:rPr>
-                        <a:t>jobID</a:t>
-                      </a:r>
-                      <a:r>
-                        <a:rPr lang="en-US" altLang="zh-CN" sz="800" b="0" i="0" u="none" strike="noStrike" baseline="0" dirty="0">
-                          <a:solidFill>
-                            <a:srgbClr val="0070C0"/>
-                          </a:solidFill>
-                          <a:latin typeface="Courier New" panose="02070309020205020404" pitchFamily="49" charset="0"/>
-                          <a:cs typeface="Courier New" panose="02070309020205020404" pitchFamily="49" charset="0"/>
-                        </a:rPr>
-                        <a:t>)) {</a:t>
-                      </a:r>
-                    </a:p>
-                    <a:p>
-                      <a:pPr marR="0" algn="l" rtl="0"/>
-                      <a:r>
-                        <a:rPr lang="en-US" altLang="zh-CN" sz="800" b="0" i="0" u="none" strike="noStrike" baseline="0" dirty="0">
-                          <a:solidFill>
-                            <a:srgbClr val="0070C0"/>
-                          </a:solidFill>
-                          <a:latin typeface="Courier New" panose="02070309020205020404" pitchFamily="49" charset="0"/>
-                          <a:cs typeface="Courier New" panose="02070309020205020404" pitchFamily="49" charset="0"/>
-                        </a:rPr>
-                        <a:t>+    </a:t>
-                      </a:r>
-                      <a:r>
-                        <a:rPr lang="en-US" altLang="zh-CN" sz="800" b="0" i="0" u="none" strike="noStrike" baseline="0" dirty="0" err="1">
-                          <a:solidFill>
-                            <a:srgbClr val="0070C0"/>
-                          </a:solidFill>
-                          <a:latin typeface="Courier New" panose="02070309020205020404" pitchFamily="49" charset="0"/>
-                          <a:cs typeface="Courier New" panose="02070309020205020404" pitchFamily="49" charset="0"/>
-                        </a:rPr>
-                        <a:t>jobCounts.put</a:t>
-                      </a:r>
-                      <a:r>
-                        <a:rPr lang="en-US" altLang="zh-CN" sz="800" b="0" i="0" u="none" strike="noStrike" baseline="0" dirty="0">
-                          <a:solidFill>
-                            <a:srgbClr val="0070C0"/>
-                          </a:solidFill>
-                          <a:latin typeface="Courier New" panose="02070309020205020404" pitchFamily="49" charset="0"/>
-                          <a:cs typeface="Courier New" panose="02070309020205020404" pitchFamily="49" charset="0"/>
-                        </a:rPr>
-                        <a:t>(</a:t>
-                      </a:r>
-                      <a:r>
-                        <a:rPr lang="en-US" altLang="zh-CN" sz="800" b="0" i="0" u="none" strike="noStrike" baseline="0" dirty="0" err="1">
-                          <a:solidFill>
-                            <a:srgbClr val="0070C0"/>
-                          </a:solidFill>
-                          <a:latin typeface="Courier New" panose="02070309020205020404" pitchFamily="49" charset="0"/>
-                          <a:cs typeface="Courier New" panose="02070309020205020404" pitchFamily="49" charset="0"/>
-                        </a:rPr>
-                        <a:t>jobID</a:t>
-                      </a:r>
-                      <a:r>
-                        <a:rPr lang="en-US" altLang="zh-CN" sz="800" b="0" i="0" u="none" strike="noStrike" baseline="0" dirty="0">
-                          <a:solidFill>
-                            <a:srgbClr val="0070C0"/>
-                          </a:solidFill>
-                          <a:latin typeface="Courier New" panose="02070309020205020404" pitchFamily="49" charset="0"/>
-                          <a:cs typeface="Courier New" panose="02070309020205020404" pitchFamily="49" charset="0"/>
-                        </a:rPr>
-                        <a:t>, new </a:t>
-                      </a:r>
-                      <a:r>
-                        <a:rPr lang="en-US" altLang="zh-CN" sz="800" b="0" i="0" u="none" strike="noStrike" baseline="0" dirty="0" err="1">
-                          <a:solidFill>
-                            <a:srgbClr val="0070C0"/>
-                          </a:solidFill>
-                          <a:latin typeface="Courier New" panose="02070309020205020404" pitchFamily="49" charset="0"/>
-                          <a:cs typeface="Courier New" panose="02070309020205020404" pitchFamily="49" charset="0"/>
-                        </a:rPr>
-                        <a:t>HashMap</a:t>
-                      </a:r>
-                      <a:r>
-                        <a:rPr lang="en-US" altLang="zh-CN" sz="800" b="0" i="0" u="none" strike="noStrike" baseline="0" dirty="0">
-                          <a:solidFill>
-                            <a:srgbClr val="0070C0"/>
-                          </a:solidFill>
-                          <a:latin typeface="Courier New" panose="02070309020205020404" pitchFamily="49" charset="0"/>
-                          <a:cs typeface="Courier New" panose="02070309020205020404" pitchFamily="49" charset="0"/>
-                        </a:rPr>
-                        <a:t>&lt;&gt;());</a:t>
-                      </a:r>
-                    </a:p>
-                    <a:p>
-                      <a:pPr marR="0" algn="l" rtl="0"/>
-                      <a:r>
-                        <a:rPr lang="en-US" altLang="zh-CN" sz="800" b="0" i="0" u="none" strike="noStrike" baseline="0" dirty="0">
-                          <a:solidFill>
-                            <a:srgbClr val="0070C0"/>
-                          </a:solidFill>
-                          <a:latin typeface="Courier New" panose="02070309020205020404" pitchFamily="49" charset="0"/>
-                          <a:cs typeface="Courier New" panose="02070309020205020404" pitchFamily="49" charset="0"/>
-                        </a:rPr>
-                        <a:t>+  }</a:t>
-                      </a:r>
-                    </a:p>
-                    <a:p>
-                      <a:pPr marR="0" algn="l" rtl="0"/>
-                      <a:r>
-                        <a:rPr lang="en-US" altLang="zh-CN" sz="800" b="0" i="0" u="none" strike="noStrike" baseline="0" dirty="0">
-                          <a:solidFill>
-                            <a:srgbClr val="0070C0"/>
-                          </a:solidFill>
-                          <a:latin typeface="Courier New" panose="02070309020205020404" pitchFamily="49" charset="0"/>
-                          <a:cs typeface="Courier New" panose="02070309020205020404" pitchFamily="49" charset="0"/>
-                        </a:rPr>
-                        <a:t>+  Map&lt;String, Integer&gt; count = </a:t>
-                      </a:r>
-                      <a:r>
-                        <a:rPr lang="en-US" altLang="zh-CN" sz="800" b="0" i="0" u="none" strike="noStrike" baseline="0" dirty="0" err="1">
-                          <a:solidFill>
-                            <a:srgbClr val="0070C0"/>
-                          </a:solidFill>
-                          <a:latin typeface="Courier New" panose="02070309020205020404" pitchFamily="49" charset="0"/>
-                          <a:cs typeface="Courier New" panose="02070309020205020404" pitchFamily="49" charset="0"/>
-                        </a:rPr>
-                        <a:t>jobCounts.get</a:t>
-                      </a:r>
-                      <a:r>
-                        <a:rPr lang="en-US" altLang="zh-CN" sz="800" b="0" i="0" u="none" strike="noStrike" baseline="0" dirty="0">
-                          <a:solidFill>
-                            <a:srgbClr val="0070C0"/>
-                          </a:solidFill>
-                          <a:latin typeface="Courier New" panose="02070309020205020404" pitchFamily="49" charset="0"/>
-                          <a:cs typeface="Courier New" panose="02070309020205020404" pitchFamily="49" charset="0"/>
-                        </a:rPr>
-                        <a:t>(</a:t>
-                      </a:r>
-                      <a:r>
-                        <a:rPr lang="en-US" altLang="zh-CN" sz="800" b="0" i="0" u="none" strike="noStrike" baseline="0" dirty="0" err="1">
-                          <a:solidFill>
-                            <a:srgbClr val="0070C0"/>
-                          </a:solidFill>
-                          <a:latin typeface="Courier New" panose="02070309020205020404" pitchFamily="49" charset="0"/>
-                          <a:cs typeface="Courier New" panose="02070309020205020404" pitchFamily="49" charset="0"/>
-                        </a:rPr>
-                        <a:t>jobID</a:t>
-                      </a:r>
-                      <a:r>
-                        <a:rPr lang="en-US" altLang="zh-CN" sz="800" b="0" i="0" u="none" strike="noStrike" baseline="0" dirty="0">
-                          <a:solidFill>
-                            <a:srgbClr val="0070C0"/>
-                          </a:solidFill>
-                          <a:latin typeface="Courier New" panose="02070309020205020404" pitchFamily="49" charset="0"/>
-                          <a:cs typeface="Courier New" panose="02070309020205020404" pitchFamily="49" charset="0"/>
-                        </a:rPr>
-                        <a:t>);</a:t>
-                      </a:r>
-                    </a:p>
-                    <a:p>
-                      <a:pPr marR="0" algn="l" rtl="0"/>
-                      <a:r>
-                        <a:rPr lang="en-US" altLang="zh-CN" sz="800" b="0" i="0" u="none" strike="noStrike" baseline="0" dirty="0">
-                          <a:solidFill>
-                            <a:srgbClr val="0070C0"/>
-                          </a:solidFill>
-                          <a:latin typeface="Courier New" panose="02070309020205020404" pitchFamily="49" charset="0"/>
-                          <a:cs typeface="Courier New" panose="02070309020205020404" pitchFamily="49" charset="0"/>
-                        </a:rPr>
-                        <a:t>+  if (</a:t>
-                      </a:r>
-                      <a:r>
-                        <a:rPr lang="en-US" altLang="zh-CN" sz="800" b="0" i="0" u="none" strike="noStrike" baseline="0" dirty="0" err="1">
-                          <a:solidFill>
-                            <a:srgbClr val="0070C0"/>
-                          </a:solidFill>
-                          <a:latin typeface="Courier New" panose="02070309020205020404" pitchFamily="49" charset="0"/>
-                          <a:cs typeface="Courier New" panose="02070309020205020404" pitchFamily="49" charset="0"/>
-                        </a:rPr>
-                        <a:t>count.containsKey</a:t>
-                      </a:r>
-                      <a:r>
-                        <a:rPr lang="en-US" altLang="zh-CN" sz="800" b="0" i="0" u="none" strike="noStrike" baseline="0" dirty="0">
-                          <a:solidFill>
-                            <a:srgbClr val="0070C0"/>
-                          </a:solidFill>
-                          <a:latin typeface="Courier New" panose="02070309020205020404" pitchFamily="49" charset="0"/>
-                          <a:cs typeface="Courier New" panose="02070309020205020404" pitchFamily="49" charset="0"/>
-                        </a:rPr>
-                        <a:t>(name)) {</a:t>
-                      </a:r>
-                    </a:p>
-                    <a:p>
-                      <a:pPr marR="0" algn="l" rtl="0"/>
-                      <a:r>
-                        <a:rPr lang="en-US" altLang="zh-CN" sz="800" b="0" i="0" u="none" strike="noStrike" baseline="0" dirty="0">
-                          <a:solidFill>
-                            <a:srgbClr val="0070C0"/>
-                          </a:solidFill>
-                          <a:latin typeface="Courier New" panose="02070309020205020404" pitchFamily="49" charset="0"/>
-                          <a:cs typeface="Courier New" panose="02070309020205020404" pitchFamily="49" charset="0"/>
-                        </a:rPr>
-                        <a:t>+    </a:t>
-                      </a:r>
-                      <a:r>
-                        <a:rPr lang="en-US" altLang="zh-CN" sz="800" b="0" i="0" u="none" strike="noStrike" baseline="0" dirty="0" err="1">
-                          <a:solidFill>
-                            <a:srgbClr val="0070C0"/>
-                          </a:solidFill>
-                          <a:latin typeface="Courier New" panose="02070309020205020404" pitchFamily="49" charset="0"/>
-                          <a:cs typeface="Courier New" panose="02070309020205020404" pitchFamily="49" charset="0"/>
-                        </a:rPr>
-                        <a:t>count.put</a:t>
-                      </a:r>
-                      <a:r>
-                        <a:rPr lang="en-US" altLang="zh-CN" sz="800" b="0" i="0" u="none" strike="noStrike" baseline="0" dirty="0">
-                          <a:solidFill>
-                            <a:srgbClr val="0070C0"/>
-                          </a:solidFill>
-                          <a:latin typeface="Courier New" panose="02070309020205020404" pitchFamily="49" charset="0"/>
-                          <a:cs typeface="Courier New" panose="02070309020205020404" pitchFamily="49" charset="0"/>
-                        </a:rPr>
-                        <a:t>(name, </a:t>
-                      </a:r>
-                      <a:r>
-                        <a:rPr lang="en-US" altLang="zh-CN" sz="800" b="0" i="0" u="none" strike="noStrike" baseline="0" dirty="0" err="1">
-                          <a:solidFill>
-                            <a:srgbClr val="0070C0"/>
-                          </a:solidFill>
-                          <a:latin typeface="Courier New" panose="02070309020205020404" pitchFamily="49" charset="0"/>
-                          <a:cs typeface="Courier New" panose="02070309020205020404" pitchFamily="49" charset="0"/>
-                        </a:rPr>
-                        <a:t>count.get</a:t>
-                      </a:r>
-                      <a:r>
-                        <a:rPr lang="en-US" altLang="zh-CN" sz="800" b="0" i="0" u="none" strike="noStrike" baseline="0" dirty="0">
-                          <a:solidFill>
-                            <a:srgbClr val="0070C0"/>
-                          </a:solidFill>
-                          <a:latin typeface="Courier New" panose="02070309020205020404" pitchFamily="49" charset="0"/>
-                          <a:cs typeface="Courier New" panose="02070309020205020404" pitchFamily="49" charset="0"/>
-                        </a:rPr>
-                        <a:t>(name) + 1);</a:t>
-                      </a:r>
-                      <a:endParaRPr lang="en-US" altLang="zh-CN" sz="800" b="0" i="0" u="none" strike="noStrike" baseline="0" dirty="0">
-                        <a:solidFill>
-                          <a:srgbClr val="000000"/>
-                        </a:solidFill>
-                        <a:latin typeface="Courier New" panose="02070309020205020404" pitchFamily="49" charset="0"/>
-                        <a:cs typeface="Courier New" panose="02070309020205020404" pitchFamily="49" charset="0"/>
-                      </a:endParaRPr>
-                    </a:p>
-                    <a:p>
-                      <a:pPr marR="0" algn="l" rtl="0"/>
-                      <a:r>
-                        <a:rPr lang="en-US" altLang="zh-CN" sz="800" b="0" i="0" u="none" strike="noStrike" baseline="0" dirty="0">
-                          <a:solidFill>
-                            <a:srgbClr val="000000"/>
-                          </a:solidFill>
-                          <a:latin typeface="Courier New" panose="02070309020205020404" pitchFamily="49" charset="0"/>
-                          <a:cs typeface="Courier New" panose="02070309020205020404" pitchFamily="49" charset="0"/>
-                        </a:rPr>
-                        <a:t>   } else {</a:t>
-                      </a:r>
-                    </a:p>
-                    <a:p>
-                      <a:pPr marR="0" algn="l" rtl="0"/>
-                      <a:r>
-                        <a:rPr lang="en-US" altLang="zh-CN" sz="800" b="0" i="0" u="none" strike="noStrike" baseline="0" dirty="0">
-                          <a:solidFill>
-                            <a:srgbClr val="0070C0"/>
-                          </a:solidFill>
-                          <a:latin typeface="Courier New" panose="02070309020205020404" pitchFamily="49" charset="0"/>
-                          <a:cs typeface="Courier New" panose="02070309020205020404" pitchFamily="49" charset="0"/>
-                        </a:rPr>
-                        <a:t>+    </a:t>
-                      </a:r>
-                      <a:r>
-                        <a:rPr lang="en-US" altLang="zh-CN" sz="800" b="0" i="0" u="none" strike="noStrike" baseline="0" dirty="0" err="1">
-                          <a:solidFill>
-                            <a:srgbClr val="0070C0"/>
-                          </a:solidFill>
-                          <a:latin typeface="Courier New" panose="02070309020205020404" pitchFamily="49" charset="0"/>
-                          <a:cs typeface="Courier New" panose="02070309020205020404" pitchFamily="49" charset="0"/>
-                        </a:rPr>
-                        <a:t>count.put</a:t>
-                      </a:r>
-                      <a:r>
-                        <a:rPr lang="en-US" altLang="zh-CN" sz="800" b="0" i="0" u="none" strike="noStrike" baseline="0" dirty="0">
-                          <a:solidFill>
-                            <a:srgbClr val="0070C0"/>
-                          </a:solidFill>
-                          <a:latin typeface="Courier New" panose="02070309020205020404" pitchFamily="49" charset="0"/>
-                          <a:cs typeface="Courier New" panose="02070309020205020404" pitchFamily="49" charset="0"/>
-                        </a:rPr>
-                        <a:t>(name, 1);</a:t>
-                      </a:r>
-                      <a:endParaRPr lang="en-US" altLang="zh-CN" sz="800" b="0" i="0" u="none" strike="noStrike" baseline="0" dirty="0">
-                        <a:solidFill>
-                          <a:srgbClr val="000000"/>
-                        </a:solidFill>
-                        <a:latin typeface="Courier New" panose="02070309020205020404" pitchFamily="49" charset="0"/>
-                        <a:cs typeface="Courier New" panose="02070309020205020404" pitchFamily="49" charset="0"/>
-                      </a:endParaRPr>
-                    </a:p>
-                    <a:p>
-                      <a:pPr marR="0" algn="l" rtl="0"/>
-                      <a:r>
-                        <a:rPr lang="en-US" altLang="zh-CN" sz="800" b="0" i="0" u="none" strike="noStrike" baseline="0" dirty="0">
-                          <a:solidFill>
-                            <a:srgbClr val="000000"/>
-                          </a:solidFill>
-                          <a:latin typeface="Courier New" panose="02070309020205020404" pitchFamily="49" charset="0"/>
-                          <a:cs typeface="Courier New" panose="02070309020205020404" pitchFamily="49" charset="0"/>
-                        </a:rPr>
-                        <a:t>   }</a:t>
-                      </a:r>
-                    </a:p>
-                    <a:p>
-                      <a:pPr marR="0" algn="l" rtl="0"/>
-                      <a:r>
-                        <a:rPr lang="en-US" altLang="zh-CN" sz="800" b="0" i="0" u="none" strike="noStrike" baseline="0" dirty="0">
-                          <a:solidFill>
-                            <a:srgbClr val="000000"/>
-                          </a:solidFill>
-                          <a:latin typeface="Courier New" panose="02070309020205020404" pitchFamily="49" charset="0"/>
-                          <a:cs typeface="Courier New" panose="02070309020205020404" pitchFamily="49" charset="0"/>
-                        </a:rPr>
-                        <a:t> }</a:t>
-                      </a:r>
-                      <a:endParaRPr lang="zh-CN" altLang="en-US" sz="800" dirty="0">
-                        <a:latin typeface="Courier New" panose="02070309020205020404" pitchFamily="49" charset="0"/>
-                        <a:cs typeface="Courier New" panose="02070309020205020404" pitchFamily="49" charset="0"/>
-                      </a:endParaRPr>
-                    </a:p>
-                  </a:txBody>
-                  <a:tcPr/>
-                </a:tc>
-                <a:tc>
-                  <a:txBody>
-                    <a:bodyPr/>
-                    <a:lstStyle/>
-                    <a:p>
-                      <a:pPr marR="0" algn="l" rtl="0"/>
-                      <a:r>
-                        <a:rPr lang="en-US" altLang="zh-CN" sz="800" b="0" i="0" u="none" strike="noStrike" baseline="0" dirty="0">
-                          <a:solidFill>
-                            <a:srgbClr val="000000"/>
-                          </a:solidFill>
-                          <a:latin typeface="Courier New" panose="02070309020205020404" pitchFamily="49" charset="0"/>
-                          <a:cs typeface="Courier New" panose="02070309020205020404" pitchFamily="49" charset="0"/>
-                        </a:rPr>
-                        <a:t>synchronized (obj1) {</a:t>
-                      </a:r>
-                    </a:p>
-                    <a:p>
-                      <a:pPr marR="0" algn="l" rtl="0"/>
-                      <a:r>
-                        <a:rPr lang="en-US" altLang="zh-CN" sz="800" b="0" i="0" u="none" strike="noStrike" baseline="0" dirty="0">
-                          <a:solidFill>
-                            <a:srgbClr val="000000"/>
-                          </a:solidFill>
-                          <a:latin typeface="Courier New" panose="02070309020205020404" pitchFamily="49" charset="0"/>
-                          <a:cs typeface="Courier New" panose="02070309020205020404" pitchFamily="49" charset="0"/>
-                        </a:rPr>
-                        <a:t>  ...</a:t>
-                      </a:r>
-                    </a:p>
-                    <a:p>
-                      <a:pPr marR="0" algn="l" rtl="0"/>
-                      <a:r>
-                        <a:rPr lang="en-US" altLang="zh-CN" sz="800" b="0" i="0" u="none" strike="noStrike" baseline="0" dirty="0">
-                          <a:solidFill>
-                            <a:srgbClr val="000000"/>
-                          </a:solidFill>
-                          <a:latin typeface="Courier New" panose="02070309020205020404" pitchFamily="49" charset="0"/>
-                          <a:cs typeface="Courier New" panose="02070309020205020404" pitchFamily="49" charset="0"/>
-                        </a:rPr>
-                        <a:t>}</a:t>
-                      </a:r>
-                      <a:endParaRPr lang="zh-CN" altLang="en-US" sz="800" dirty="0">
-                        <a:latin typeface="Courier New" panose="02070309020205020404" pitchFamily="49" charset="0"/>
-                        <a:cs typeface="Courier New" panose="02070309020205020404" pitchFamily="49" charset="0"/>
-                      </a:endParaRPr>
-                    </a:p>
-                  </a:txBody>
-                  <a:tcPr anchor="ctr"/>
-                </a:tc>
-                <a:tc>
-                  <a:txBody>
-                    <a:bodyPr/>
-                    <a:lstStyle/>
-                    <a:p>
-                      <a:pPr marR="0" algn="l" rtl="0"/>
-                      <a:r>
-                        <a:rPr lang="en-US" altLang="zh-CN" sz="800" b="0" i="0" u="none" strike="noStrike" baseline="0" dirty="0">
-                          <a:solidFill>
-                            <a:srgbClr val="000000"/>
-                          </a:solidFill>
-                          <a:latin typeface="Courier New" panose="02070309020205020404" pitchFamily="49" charset="0"/>
-                          <a:cs typeface="Courier New" panose="02070309020205020404" pitchFamily="49" charset="0"/>
-                        </a:rPr>
-                        <a:t>synchronized (obj2) {</a:t>
-                      </a:r>
-                    </a:p>
-                    <a:p>
-                      <a:pPr marR="0" algn="l" rtl="0"/>
-                      <a:r>
-                        <a:rPr lang="en-US" altLang="zh-CN" sz="800" b="0" i="0" u="none" strike="noStrike" baseline="0" dirty="0">
-                          <a:solidFill>
-                            <a:srgbClr val="000000"/>
-                          </a:solidFill>
-                          <a:latin typeface="Courier New" panose="02070309020205020404" pitchFamily="49" charset="0"/>
-                          <a:cs typeface="Courier New" panose="02070309020205020404" pitchFamily="49" charset="0"/>
-                        </a:rPr>
-                        <a:t>  ...</a:t>
-                      </a:r>
-                    </a:p>
-                    <a:p>
-                      <a:pPr marR="0" algn="l" rtl="0"/>
-                      <a:r>
-                        <a:rPr lang="en-US" altLang="zh-CN" sz="800" b="0" i="0" u="none" strike="noStrike" baseline="0" dirty="0">
-                          <a:solidFill>
-                            <a:srgbClr val="000000"/>
-                          </a:solidFill>
-                          <a:latin typeface="Courier New" panose="02070309020205020404" pitchFamily="49" charset="0"/>
-                          <a:cs typeface="Courier New" panose="02070309020205020404" pitchFamily="49" charset="0"/>
-                        </a:rPr>
-                        <a:t>}</a:t>
-                      </a:r>
-                      <a:endParaRPr lang="zh-CN" altLang="en-US" sz="800" dirty="0">
-                        <a:latin typeface="Courier New" panose="02070309020205020404" pitchFamily="49" charset="0"/>
-                        <a:cs typeface="Courier New" panose="02070309020205020404" pitchFamily="49" charset="0"/>
-                      </a:endParaRPr>
-                    </a:p>
-                  </a:txBody>
-                  <a:tcPr anchor="ctr"/>
-                </a:tc>
-                <a:extLst>
-                  <a:ext uri="{0D108BD9-81ED-4DB2-BD59-A6C34878D82A}">
-                    <a16:rowId xmlns:a16="http://schemas.microsoft.com/office/drawing/2014/main" val="1325939187"/>
-                  </a:ext>
-                </a:extLst>
-              </a:tr>
-              <a:tr h="930608">
-                <a:tc>
-                  <a:txBody>
-                    <a:bodyPr/>
-                    <a:lstStyle/>
-                    <a:p>
-                      <a:pPr marR="0" algn="ctr" rtl="0"/>
-                      <a:r>
-                        <a:rPr lang="en-US" altLang="zh-CN" sz="800" dirty="0">
-                          <a:latin typeface="Courier New" panose="02070309020205020404" pitchFamily="49" charset="0"/>
-                          <a:cs typeface="Courier New" panose="02070309020205020404" pitchFamily="49" charset="0"/>
-                        </a:rPr>
-                        <a:t>4</a:t>
-                      </a:r>
-                      <a:endParaRPr lang="zh-CN" altLang="en-US" sz="800" dirty="0">
-                        <a:latin typeface="Courier New" panose="02070309020205020404" pitchFamily="49" charset="0"/>
-                        <a:cs typeface="Courier New" panose="02070309020205020404" pitchFamily="49" charset="0"/>
-                      </a:endParaRPr>
-                    </a:p>
-                  </a:txBody>
-                  <a:tcPr anchor="ctr"/>
-                </a:tc>
-                <a:tc>
-                  <a:txBody>
-                    <a:bodyPr/>
-                    <a:lstStyle/>
-                    <a:p>
-                      <a:pPr marR="0" algn="l" rtl="0"/>
-                      <a:endParaRPr lang="en-US" altLang="zh-CN" sz="800" dirty="0">
-                        <a:solidFill>
-                          <a:srgbClr val="FF0000"/>
-                        </a:solidFill>
-                        <a:latin typeface="Courier New" panose="02070309020205020404" pitchFamily="49" charset="0"/>
-                        <a:cs typeface="Courier New" panose="02070309020205020404" pitchFamily="49" charset="0"/>
-                      </a:endParaRPr>
-                    </a:p>
-                    <a:p>
-                      <a:pPr marR="0" algn="l" rtl="0"/>
-                      <a:r>
-                        <a:rPr lang="en-US" altLang="zh-CN" sz="800" dirty="0">
-                          <a:solidFill>
-                            <a:srgbClr val="FF0000"/>
-                          </a:solidFill>
-                          <a:latin typeface="Courier New" panose="02070309020205020404" pitchFamily="49" charset="0"/>
-                          <a:cs typeface="Courier New" panose="02070309020205020404" pitchFamily="49" charset="0"/>
-                        </a:rPr>
-                        <a:t>-public synchronized void reset() {</a:t>
-                      </a:r>
-                    </a:p>
-                    <a:p>
-                      <a:pPr marR="0" algn="l" rtl="0"/>
-                      <a:endParaRPr lang="en-US" altLang="zh-CN" sz="800" dirty="0">
-                        <a:solidFill>
-                          <a:srgbClr val="FF0000"/>
-                        </a:solidFill>
-                        <a:latin typeface="Courier New" panose="02070309020205020404" pitchFamily="49" charset="0"/>
-                        <a:cs typeface="Courier New" panose="02070309020205020404" pitchFamily="49" charset="0"/>
-                      </a:endParaRPr>
-                    </a:p>
-                    <a:p>
-                      <a:pPr marR="0" algn="l" rtl="0"/>
-                      <a:r>
-                        <a:rPr lang="en-US" altLang="zh-CN" sz="800" dirty="0">
-                          <a:latin typeface="Courier New" panose="02070309020205020404" pitchFamily="49" charset="0"/>
-                          <a:cs typeface="Courier New" panose="02070309020205020404" pitchFamily="49" charset="0"/>
-                        </a:rPr>
-                        <a:t>   </a:t>
-                      </a:r>
-                      <a:r>
-                        <a:rPr lang="en-US" altLang="zh-CN" sz="800" dirty="0" err="1">
-                          <a:latin typeface="Courier New" panose="02070309020205020404" pitchFamily="49" charset="0"/>
-                          <a:cs typeface="Courier New" panose="02070309020205020404" pitchFamily="49" charset="0"/>
-                        </a:rPr>
-                        <a:t>map.clear</a:t>
-                      </a:r>
-                      <a:r>
-                        <a:rPr lang="en-US" altLang="zh-CN" sz="800" dirty="0">
-                          <a:latin typeface="Courier New" panose="02070309020205020404" pitchFamily="49" charset="0"/>
-                          <a:cs typeface="Courier New" panose="02070309020205020404" pitchFamily="49" charset="0"/>
-                        </a:rPr>
-                        <a:t>();</a:t>
-                      </a:r>
-                    </a:p>
-                    <a:p>
-                      <a:pPr marR="0" algn="l" rtl="0"/>
-                      <a:r>
-                        <a:rPr lang="en-US" altLang="zh-CN" sz="800" dirty="0">
-                          <a:latin typeface="Courier New" panose="02070309020205020404" pitchFamily="49" charset="0"/>
-                          <a:cs typeface="Courier New" panose="02070309020205020404" pitchFamily="49" charset="0"/>
-                        </a:rPr>
-                        <a:t>   members = EMPTY_MEMBERS;</a:t>
-                      </a:r>
-                    </a:p>
-                    <a:p>
-                      <a:pPr marR="0" algn="l" rtl="0"/>
-                      <a:endParaRPr lang="en-US" altLang="zh-CN" sz="800" dirty="0">
-                        <a:latin typeface="Courier New" panose="02070309020205020404" pitchFamily="49" charset="0"/>
-                        <a:cs typeface="Courier New" panose="02070309020205020404" pitchFamily="49" charset="0"/>
-                      </a:endParaRPr>
-                    </a:p>
-                    <a:p>
-                      <a:pPr marR="0" algn="l" rtl="0"/>
-                      <a:r>
-                        <a:rPr lang="en-US" altLang="zh-CN" sz="800" dirty="0">
-                          <a:latin typeface="Courier New" panose="02070309020205020404" pitchFamily="49" charset="0"/>
-                          <a:cs typeface="Courier New" panose="02070309020205020404" pitchFamily="49" charset="0"/>
-                        </a:rPr>
-                        <a:t> }</a:t>
-                      </a:r>
-                    </a:p>
-                  </a:txBody>
-                  <a:tcPr/>
-                </a:tc>
-                <a:tc>
-                  <a:txBody>
-                    <a:bodyPr/>
-                    <a:lstStyle/>
-                    <a:p>
-                      <a:pPr marR="0" algn="l" rtl="0"/>
-                      <a:r>
-                        <a:rPr lang="en-US" altLang="zh-CN" sz="800" dirty="0">
-                          <a:solidFill>
-                            <a:srgbClr val="0070C0"/>
-                          </a:solidFill>
-                          <a:latin typeface="Courier New" panose="02070309020205020404" pitchFamily="49" charset="0"/>
-                          <a:cs typeface="Courier New" panose="02070309020205020404" pitchFamily="49" charset="0"/>
-                        </a:rPr>
-                        <a:t>+private final Object </a:t>
-                      </a:r>
-                      <a:r>
-                        <a:rPr lang="en-US" altLang="zh-CN" sz="800" dirty="0" err="1">
-                          <a:solidFill>
-                            <a:srgbClr val="0070C0"/>
-                          </a:solidFill>
-                          <a:latin typeface="Courier New" panose="02070309020205020404" pitchFamily="49" charset="0"/>
-                          <a:cs typeface="Courier New" panose="02070309020205020404" pitchFamily="49" charset="0"/>
-                        </a:rPr>
-                        <a:t>membersLock</a:t>
-                      </a:r>
-                      <a:r>
-                        <a:rPr lang="en-US" altLang="zh-CN" sz="800" dirty="0">
-                          <a:solidFill>
-                            <a:srgbClr val="0070C0"/>
-                          </a:solidFill>
-                          <a:latin typeface="Courier New" panose="02070309020205020404" pitchFamily="49" charset="0"/>
-                          <a:cs typeface="Courier New" panose="02070309020205020404" pitchFamily="49" charset="0"/>
-                        </a:rPr>
-                        <a:t> = new Object();</a:t>
-                      </a:r>
-                      <a:endParaRPr lang="en-US" altLang="zh-CN" sz="800" dirty="0">
-                        <a:solidFill>
-                          <a:srgbClr val="0070C0"/>
-                        </a:solidFill>
-                        <a:latin typeface="Courier New" panose="02070309020205020404" pitchFamily="49" charset="0"/>
-                        <a:cs typeface="Courier New" panose="02070309020205020404" pitchFamily="49" charset="0"/>
-                      </a:endParaRPr>
-                    </a:p>
-                    <a:p>
-                      <a:pPr marR="0" algn="l" rtl="0"/>
-                      <a:r>
-                        <a:rPr lang="en-US" altLang="zh-CN" sz="800" dirty="0">
-                          <a:solidFill>
-                            <a:srgbClr val="0070C0"/>
-                          </a:solidFill>
-                          <a:latin typeface="Courier New" panose="02070309020205020404" pitchFamily="49" charset="0"/>
-                          <a:cs typeface="Courier New" panose="02070309020205020404" pitchFamily="49" charset="0"/>
-                        </a:rPr>
-                        <a:t>+public void reset() {</a:t>
-                      </a:r>
-                    </a:p>
-                    <a:p>
-                      <a:pPr marR="0" algn="l" rtl="0"/>
-                      <a:r>
-                        <a:rPr lang="en-US" altLang="zh-CN" sz="800" dirty="0">
-                          <a:solidFill>
-                            <a:srgbClr val="0070C0"/>
-                          </a:solidFill>
-                          <a:latin typeface="Courier New" panose="02070309020205020404" pitchFamily="49" charset="0"/>
-                          <a:cs typeface="Courier New" panose="02070309020205020404" pitchFamily="49" charset="0"/>
-                        </a:rPr>
-                        <a:t>+  synchronized (</a:t>
-                      </a:r>
-                      <a:r>
-                        <a:rPr lang="en-US" altLang="zh-CN" sz="800" dirty="0" err="1">
-                          <a:solidFill>
-                            <a:srgbClr val="0070C0"/>
-                          </a:solidFill>
-                          <a:latin typeface="Courier New" panose="02070309020205020404" pitchFamily="49" charset="0"/>
-                          <a:cs typeface="Courier New" panose="02070309020205020404" pitchFamily="49" charset="0"/>
-                        </a:rPr>
-                        <a:t>membersLock</a:t>
-                      </a:r>
-                      <a:r>
-                        <a:rPr lang="en-US" altLang="zh-CN" sz="800" dirty="0">
-                          <a:solidFill>
-                            <a:srgbClr val="0070C0"/>
-                          </a:solidFill>
-                          <a:latin typeface="Courier New" panose="02070309020205020404" pitchFamily="49" charset="0"/>
-                          <a:cs typeface="Courier New" panose="02070309020205020404" pitchFamily="49" charset="0"/>
-                        </a:rPr>
-                        <a:t>) {</a:t>
-                      </a:r>
-                    </a:p>
-                    <a:p>
-                      <a:pPr marR="0" algn="l" rtl="0"/>
-                      <a:r>
-                        <a:rPr lang="en-US" altLang="zh-CN" sz="800" dirty="0">
-                          <a:latin typeface="Courier New" panose="02070309020205020404" pitchFamily="49" charset="0"/>
-                          <a:cs typeface="Courier New" panose="02070309020205020404" pitchFamily="49" charset="0"/>
-                        </a:rPr>
-                        <a:t>     </a:t>
-                      </a:r>
-                      <a:r>
-                        <a:rPr lang="en-US" altLang="zh-CN" sz="800" dirty="0" err="1">
-                          <a:latin typeface="Courier New" panose="02070309020205020404" pitchFamily="49" charset="0"/>
-                          <a:cs typeface="Courier New" panose="02070309020205020404" pitchFamily="49" charset="0"/>
-                        </a:rPr>
-                        <a:t>map.clear</a:t>
-                      </a:r>
-                      <a:r>
-                        <a:rPr lang="en-US" altLang="zh-CN" sz="800" dirty="0">
-                          <a:latin typeface="Courier New" panose="02070309020205020404" pitchFamily="49" charset="0"/>
-                          <a:cs typeface="Courier New" panose="02070309020205020404" pitchFamily="49" charset="0"/>
-                        </a:rPr>
-                        <a:t>();</a:t>
-                      </a:r>
-                    </a:p>
-                    <a:p>
                       <a:pPr marL="0" marR="0" lvl="0" indent="0" algn="l" defTabSz="914400" rtl="0" eaLnBrk="1" fontAlgn="auto" latinLnBrk="0" hangingPunct="1">
                         <a:lnSpc>
                           <a:spcPct val="100000"/>
@@ -6212,11 +5477,764 @@
                         <a:defRPr/>
                       </a:pPr>
                       <a:r>
-                        <a:rPr lang="en-US" altLang="zh-CN" sz="800" dirty="0">
-                          <a:latin typeface="Courier New" panose="02070309020205020404" pitchFamily="49" charset="0"/>
-                          <a:cs typeface="Courier New" panose="02070309020205020404" pitchFamily="49" charset="0"/>
-                        </a:rPr>
-                        <a:t>     members = EMPTY_MEMBERS;</a:t>
+                        <a:rPr lang="en-US" altLang="zh-CN" sz="800" b="0" i="0" u="none" strike="noStrike" baseline="0" dirty="0">
+                          <a:solidFill>
+                            <a:srgbClr val="000000"/>
+                          </a:solidFill>
+                          <a:latin typeface="Courier New" panose="02070309020205020404" pitchFamily="49" charset="0"/>
+                          <a:cs typeface="Courier New" panose="02070309020205020404" pitchFamily="49" charset="0"/>
+                        </a:rPr>
+                        <a:t> private static final Object lock = new Object(); </a:t>
+                      </a:r>
+                    </a:p>
+                    <a:p>
+                      <a:pPr marR="0" algn="l" rtl="0"/>
+                      <a:r>
+                        <a:rPr lang="en-US" altLang="zh-CN" sz="800" b="0" i="0" u="none" strike="noStrike" baseline="0" dirty="0">
+                          <a:solidFill>
+                            <a:srgbClr val="000000"/>
+                          </a:solidFill>
+                          <a:latin typeface="Courier New" panose="02070309020205020404" pitchFamily="49" charset="0"/>
+                          <a:cs typeface="Courier New" panose="02070309020205020404" pitchFamily="49" charset="0"/>
+                        </a:rPr>
+                        <a:t> private Map&lt;...&gt; count = new </a:t>
+                      </a:r>
+                      <a:r>
+                        <a:rPr lang="en-US" altLang="zh-CN" sz="800" b="0" i="0" u="none" strike="noStrike" baseline="0" dirty="0" err="1">
+                          <a:solidFill>
+                            <a:srgbClr val="000000"/>
+                          </a:solidFill>
+                          <a:latin typeface="Courier New" panose="02070309020205020404" pitchFamily="49" charset="0"/>
+                          <a:cs typeface="Courier New" panose="02070309020205020404" pitchFamily="49" charset="0"/>
+                        </a:rPr>
+                        <a:t>HashMap</a:t>
+                      </a:r>
+                      <a:r>
+                        <a:rPr lang="en-US" altLang="zh-CN" sz="800" b="0" i="0" u="none" strike="noStrike" baseline="0" dirty="0">
+                          <a:solidFill>
+                            <a:srgbClr val="000000"/>
+                          </a:solidFill>
+                          <a:latin typeface="Courier New" panose="02070309020205020404" pitchFamily="49" charset="0"/>
+                          <a:cs typeface="Courier New" panose="02070309020205020404" pitchFamily="49" charset="0"/>
+                        </a:rPr>
+                        <a:t>&lt;&gt;();</a:t>
+                      </a:r>
+                    </a:p>
+                    <a:p>
+                      <a:pPr marR="0" algn="l" rtl="0"/>
+                      <a:r>
+                        <a:rPr lang="en-US" altLang="zh-CN" sz="800" b="0" i="0" u="none" strike="noStrike" baseline="0" dirty="0">
+                          <a:solidFill>
+                            <a:srgbClr val="0070C0"/>
+                          </a:solidFill>
+                          <a:latin typeface="Courier New" panose="02070309020205020404" pitchFamily="49" charset="0"/>
+                          <a:cs typeface="Courier New" panose="02070309020205020404" pitchFamily="49" charset="0"/>
+                        </a:rPr>
+                        <a:t>+synchronized(lock)</a:t>
+                      </a:r>
+                    </a:p>
+                    <a:p>
+                      <a:pPr marR="0" algn="l" rtl="0"/>
+                      <a:r>
+                        <a:rPr lang="en-US" altLang="zh-CN" sz="800" b="0" i="0" u="none" strike="noStrike" baseline="0" dirty="0">
+                          <a:solidFill>
+                            <a:srgbClr val="0070C0"/>
+                          </a:solidFill>
+                          <a:latin typeface="Courier New" panose="02070309020205020404" pitchFamily="49" charset="0"/>
+                          <a:cs typeface="Courier New" panose="02070309020205020404" pitchFamily="49" charset="0"/>
+                        </a:rPr>
+                        <a:t>+  if (!</a:t>
+                      </a:r>
+                      <a:r>
+                        <a:rPr lang="en-US" altLang="zh-CN" sz="800" b="0" i="0" u="none" strike="noStrike" baseline="0" dirty="0" err="1">
+                          <a:solidFill>
+                            <a:srgbClr val="0070C0"/>
+                          </a:solidFill>
+                          <a:latin typeface="Courier New" panose="02070309020205020404" pitchFamily="49" charset="0"/>
+                          <a:cs typeface="Courier New" panose="02070309020205020404" pitchFamily="49" charset="0"/>
+                        </a:rPr>
+                        <a:t>jobCounts.containsKey</a:t>
+                      </a:r>
+                      <a:r>
+                        <a:rPr lang="en-US" altLang="zh-CN" sz="800" b="0" i="0" u="none" strike="noStrike" baseline="0" dirty="0">
+                          <a:solidFill>
+                            <a:srgbClr val="0070C0"/>
+                          </a:solidFill>
+                          <a:latin typeface="Courier New" panose="02070309020205020404" pitchFamily="49" charset="0"/>
+                          <a:cs typeface="Courier New" panose="02070309020205020404" pitchFamily="49" charset="0"/>
+                        </a:rPr>
+                        <a:t>(</a:t>
+                      </a:r>
+                      <a:r>
+                        <a:rPr lang="en-US" altLang="zh-CN" sz="800" b="0" i="0" u="none" strike="noStrike" baseline="0" dirty="0" err="1">
+                          <a:solidFill>
+                            <a:srgbClr val="0070C0"/>
+                          </a:solidFill>
+                          <a:latin typeface="Courier New" panose="02070309020205020404" pitchFamily="49" charset="0"/>
+                          <a:cs typeface="Courier New" panose="02070309020205020404" pitchFamily="49" charset="0"/>
+                        </a:rPr>
+                        <a:t>jobID</a:t>
+                      </a:r>
+                      <a:r>
+                        <a:rPr lang="en-US" altLang="zh-CN" sz="800" b="0" i="0" u="none" strike="noStrike" baseline="0" dirty="0">
+                          <a:solidFill>
+                            <a:srgbClr val="0070C0"/>
+                          </a:solidFill>
+                          <a:latin typeface="Courier New" panose="02070309020205020404" pitchFamily="49" charset="0"/>
+                          <a:cs typeface="Courier New" panose="02070309020205020404" pitchFamily="49" charset="0"/>
+                        </a:rPr>
+                        <a:t>)) {</a:t>
+                      </a:r>
+                    </a:p>
+                    <a:p>
+                      <a:pPr marR="0" algn="l" rtl="0"/>
+                      <a:r>
+                        <a:rPr lang="en-US" altLang="zh-CN" sz="800" b="0" i="0" u="none" strike="noStrike" baseline="0" dirty="0">
+                          <a:solidFill>
+                            <a:srgbClr val="0070C0"/>
+                          </a:solidFill>
+                          <a:latin typeface="Courier New" panose="02070309020205020404" pitchFamily="49" charset="0"/>
+                          <a:cs typeface="Courier New" panose="02070309020205020404" pitchFamily="49" charset="0"/>
+                        </a:rPr>
+                        <a:t>+    </a:t>
+                      </a:r>
+                      <a:r>
+                        <a:rPr lang="en-US" altLang="zh-CN" sz="800" b="0" i="0" u="none" strike="noStrike" baseline="0" dirty="0" err="1">
+                          <a:solidFill>
+                            <a:srgbClr val="0070C0"/>
+                          </a:solidFill>
+                          <a:latin typeface="Courier New" panose="02070309020205020404" pitchFamily="49" charset="0"/>
+                          <a:cs typeface="Courier New" panose="02070309020205020404" pitchFamily="49" charset="0"/>
+                        </a:rPr>
+                        <a:t>jobCounts.put</a:t>
+                      </a:r>
+                      <a:r>
+                        <a:rPr lang="en-US" altLang="zh-CN" sz="800" b="0" i="0" u="none" strike="noStrike" baseline="0" dirty="0">
+                          <a:solidFill>
+                            <a:srgbClr val="0070C0"/>
+                          </a:solidFill>
+                          <a:latin typeface="Courier New" panose="02070309020205020404" pitchFamily="49" charset="0"/>
+                          <a:cs typeface="Courier New" panose="02070309020205020404" pitchFamily="49" charset="0"/>
+                        </a:rPr>
+                        <a:t>(</a:t>
+                      </a:r>
+                      <a:r>
+                        <a:rPr lang="en-US" altLang="zh-CN" sz="800" b="0" i="0" u="none" strike="noStrike" baseline="0" dirty="0" err="1">
+                          <a:solidFill>
+                            <a:srgbClr val="0070C0"/>
+                          </a:solidFill>
+                          <a:latin typeface="Courier New" panose="02070309020205020404" pitchFamily="49" charset="0"/>
+                          <a:cs typeface="Courier New" panose="02070309020205020404" pitchFamily="49" charset="0"/>
+                        </a:rPr>
+                        <a:t>jobID</a:t>
+                      </a:r>
+                      <a:r>
+                        <a:rPr lang="en-US" altLang="zh-CN" sz="800" b="0" i="0" u="none" strike="noStrike" baseline="0" dirty="0">
+                          <a:solidFill>
+                            <a:srgbClr val="0070C0"/>
+                          </a:solidFill>
+                          <a:latin typeface="Courier New" panose="02070309020205020404" pitchFamily="49" charset="0"/>
+                          <a:cs typeface="Courier New" panose="02070309020205020404" pitchFamily="49" charset="0"/>
+                        </a:rPr>
+                        <a:t>, new </a:t>
+                      </a:r>
+                      <a:r>
+                        <a:rPr lang="en-US" altLang="zh-CN" sz="800" b="0" i="0" u="none" strike="noStrike" baseline="0" dirty="0" err="1">
+                          <a:solidFill>
+                            <a:srgbClr val="0070C0"/>
+                          </a:solidFill>
+                          <a:latin typeface="Courier New" panose="02070309020205020404" pitchFamily="49" charset="0"/>
+                          <a:cs typeface="Courier New" panose="02070309020205020404" pitchFamily="49" charset="0"/>
+                        </a:rPr>
+                        <a:t>HashMap</a:t>
+                      </a:r>
+                      <a:r>
+                        <a:rPr lang="en-US" altLang="zh-CN" sz="800" b="0" i="0" u="none" strike="noStrike" baseline="0" dirty="0">
+                          <a:solidFill>
+                            <a:srgbClr val="0070C0"/>
+                          </a:solidFill>
+                          <a:latin typeface="Courier New" panose="02070309020205020404" pitchFamily="49" charset="0"/>
+                          <a:cs typeface="Courier New" panose="02070309020205020404" pitchFamily="49" charset="0"/>
+                        </a:rPr>
+                        <a:t>&lt;&gt;());</a:t>
+                      </a:r>
+                    </a:p>
+                    <a:p>
+                      <a:pPr marR="0" algn="l" rtl="0"/>
+                      <a:r>
+                        <a:rPr lang="en-US" altLang="zh-CN" sz="800" b="0" i="0" u="none" strike="noStrike" baseline="0" dirty="0">
+                          <a:solidFill>
+                            <a:srgbClr val="0070C0"/>
+                          </a:solidFill>
+                          <a:latin typeface="Courier New" panose="02070309020205020404" pitchFamily="49" charset="0"/>
+                          <a:cs typeface="Courier New" panose="02070309020205020404" pitchFamily="49" charset="0"/>
+                        </a:rPr>
+                        <a:t>+  }</a:t>
+                      </a:r>
+                    </a:p>
+                    <a:p>
+                      <a:pPr marR="0" algn="l" rtl="0"/>
+                      <a:r>
+                        <a:rPr lang="en-US" altLang="zh-CN" sz="800" b="0" i="0" u="none" strike="noStrike" baseline="0" dirty="0">
+                          <a:solidFill>
+                            <a:srgbClr val="0070C0"/>
+                          </a:solidFill>
+                          <a:latin typeface="Courier New" panose="02070309020205020404" pitchFamily="49" charset="0"/>
+                          <a:cs typeface="Courier New" panose="02070309020205020404" pitchFamily="49" charset="0"/>
+                        </a:rPr>
+                        <a:t>+  Map&lt;String, Integer&gt; count = </a:t>
+                      </a:r>
+                      <a:r>
+                        <a:rPr lang="en-US" altLang="zh-CN" sz="800" b="0" i="0" u="none" strike="noStrike" baseline="0" dirty="0" err="1">
+                          <a:solidFill>
+                            <a:srgbClr val="0070C0"/>
+                          </a:solidFill>
+                          <a:latin typeface="Courier New" panose="02070309020205020404" pitchFamily="49" charset="0"/>
+                          <a:cs typeface="Courier New" panose="02070309020205020404" pitchFamily="49" charset="0"/>
+                        </a:rPr>
+                        <a:t>jobCounts.get</a:t>
+                      </a:r>
+                      <a:r>
+                        <a:rPr lang="en-US" altLang="zh-CN" sz="800" b="0" i="0" u="none" strike="noStrike" baseline="0" dirty="0">
+                          <a:solidFill>
+                            <a:srgbClr val="0070C0"/>
+                          </a:solidFill>
+                          <a:latin typeface="Courier New" panose="02070309020205020404" pitchFamily="49" charset="0"/>
+                          <a:cs typeface="Courier New" panose="02070309020205020404" pitchFamily="49" charset="0"/>
+                        </a:rPr>
+                        <a:t>(</a:t>
+                      </a:r>
+                      <a:r>
+                        <a:rPr lang="en-US" altLang="zh-CN" sz="800" b="0" i="0" u="none" strike="noStrike" baseline="0" dirty="0" err="1">
+                          <a:solidFill>
+                            <a:srgbClr val="0070C0"/>
+                          </a:solidFill>
+                          <a:latin typeface="Courier New" panose="02070309020205020404" pitchFamily="49" charset="0"/>
+                          <a:cs typeface="Courier New" panose="02070309020205020404" pitchFamily="49" charset="0"/>
+                        </a:rPr>
+                        <a:t>jobID</a:t>
+                      </a:r>
+                      <a:r>
+                        <a:rPr lang="en-US" altLang="zh-CN" sz="800" b="0" i="0" u="none" strike="noStrike" baseline="0" dirty="0">
+                          <a:solidFill>
+                            <a:srgbClr val="0070C0"/>
+                          </a:solidFill>
+                          <a:latin typeface="Courier New" panose="02070309020205020404" pitchFamily="49" charset="0"/>
+                          <a:cs typeface="Courier New" panose="02070309020205020404" pitchFamily="49" charset="0"/>
+                        </a:rPr>
+                        <a:t>);</a:t>
+                      </a:r>
+                    </a:p>
+                    <a:p>
+                      <a:pPr marR="0" algn="l" rtl="0"/>
+                      <a:r>
+                        <a:rPr lang="en-US" altLang="zh-CN" sz="800" b="0" i="0" u="none" strike="noStrike" baseline="0" dirty="0">
+                          <a:solidFill>
+                            <a:srgbClr val="0070C0"/>
+                          </a:solidFill>
+                          <a:latin typeface="Courier New" panose="02070309020205020404" pitchFamily="49" charset="0"/>
+                          <a:cs typeface="Courier New" panose="02070309020205020404" pitchFamily="49" charset="0"/>
+                        </a:rPr>
+                        <a:t>+  if (</a:t>
+                      </a:r>
+                      <a:r>
+                        <a:rPr lang="en-US" altLang="zh-CN" sz="800" b="0" i="0" u="none" strike="noStrike" baseline="0" dirty="0" err="1">
+                          <a:solidFill>
+                            <a:srgbClr val="0070C0"/>
+                          </a:solidFill>
+                          <a:latin typeface="Courier New" panose="02070309020205020404" pitchFamily="49" charset="0"/>
+                          <a:cs typeface="Courier New" panose="02070309020205020404" pitchFamily="49" charset="0"/>
+                        </a:rPr>
+                        <a:t>count.containsKey</a:t>
+                      </a:r>
+                      <a:r>
+                        <a:rPr lang="en-US" altLang="zh-CN" sz="800" b="0" i="0" u="none" strike="noStrike" baseline="0" dirty="0">
+                          <a:solidFill>
+                            <a:srgbClr val="0070C0"/>
+                          </a:solidFill>
+                          <a:latin typeface="Courier New" panose="02070309020205020404" pitchFamily="49" charset="0"/>
+                          <a:cs typeface="Courier New" panose="02070309020205020404" pitchFamily="49" charset="0"/>
+                        </a:rPr>
+                        <a:t>(name)) {</a:t>
+                      </a:r>
+                    </a:p>
+                    <a:p>
+                      <a:pPr marR="0" algn="l" rtl="0"/>
+                      <a:r>
+                        <a:rPr lang="en-US" altLang="zh-CN" sz="800" b="0" i="0" u="none" strike="noStrike" baseline="0" dirty="0">
+                          <a:solidFill>
+                            <a:srgbClr val="0070C0"/>
+                          </a:solidFill>
+                          <a:latin typeface="Courier New" panose="02070309020205020404" pitchFamily="49" charset="0"/>
+                          <a:cs typeface="Courier New" panose="02070309020205020404" pitchFamily="49" charset="0"/>
+                        </a:rPr>
+                        <a:t>+    </a:t>
+                      </a:r>
+                      <a:r>
+                        <a:rPr lang="en-US" altLang="zh-CN" sz="800" b="0" i="0" u="none" strike="noStrike" baseline="0" dirty="0" err="1">
+                          <a:solidFill>
+                            <a:srgbClr val="0070C0"/>
+                          </a:solidFill>
+                          <a:latin typeface="Courier New" panose="02070309020205020404" pitchFamily="49" charset="0"/>
+                          <a:cs typeface="Courier New" panose="02070309020205020404" pitchFamily="49" charset="0"/>
+                        </a:rPr>
+                        <a:t>count.put</a:t>
+                      </a:r>
+                      <a:r>
+                        <a:rPr lang="en-US" altLang="zh-CN" sz="800" b="0" i="0" u="none" strike="noStrike" baseline="0" dirty="0">
+                          <a:solidFill>
+                            <a:srgbClr val="0070C0"/>
+                          </a:solidFill>
+                          <a:latin typeface="Courier New" panose="02070309020205020404" pitchFamily="49" charset="0"/>
+                          <a:cs typeface="Courier New" panose="02070309020205020404" pitchFamily="49" charset="0"/>
+                        </a:rPr>
+                        <a:t>(name, </a:t>
+                      </a:r>
+                      <a:r>
+                        <a:rPr lang="en-US" altLang="zh-CN" sz="800" b="0" i="0" u="none" strike="noStrike" baseline="0" dirty="0" err="1">
+                          <a:solidFill>
+                            <a:srgbClr val="0070C0"/>
+                          </a:solidFill>
+                          <a:latin typeface="Courier New" panose="02070309020205020404" pitchFamily="49" charset="0"/>
+                          <a:cs typeface="Courier New" panose="02070309020205020404" pitchFamily="49" charset="0"/>
+                        </a:rPr>
+                        <a:t>count.get</a:t>
+                      </a:r>
+                      <a:r>
+                        <a:rPr lang="en-US" altLang="zh-CN" sz="800" b="0" i="0" u="none" strike="noStrike" baseline="0" dirty="0">
+                          <a:solidFill>
+                            <a:srgbClr val="0070C0"/>
+                          </a:solidFill>
+                          <a:latin typeface="Courier New" panose="02070309020205020404" pitchFamily="49" charset="0"/>
+                          <a:cs typeface="Courier New" panose="02070309020205020404" pitchFamily="49" charset="0"/>
+                        </a:rPr>
+                        <a:t>(name) + 1);</a:t>
+                      </a:r>
+                      <a:endParaRPr lang="en-US" altLang="zh-CN" sz="800" b="0" i="0" u="none" strike="noStrike" baseline="0" dirty="0">
+                        <a:solidFill>
+                          <a:srgbClr val="000000"/>
+                        </a:solidFill>
+                        <a:latin typeface="Courier New" panose="02070309020205020404" pitchFamily="49" charset="0"/>
+                        <a:cs typeface="Courier New" panose="02070309020205020404" pitchFamily="49" charset="0"/>
+                      </a:endParaRPr>
+                    </a:p>
+                    <a:p>
+                      <a:pPr marR="0" algn="l" rtl="0"/>
+                      <a:r>
+                        <a:rPr lang="en-US" altLang="zh-CN" sz="800" b="0" i="0" u="none" strike="noStrike" baseline="0" dirty="0">
+                          <a:solidFill>
+                            <a:srgbClr val="000000"/>
+                          </a:solidFill>
+                          <a:latin typeface="Courier New" panose="02070309020205020404" pitchFamily="49" charset="0"/>
+                          <a:cs typeface="Courier New" panose="02070309020205020404" pitchFamily="49" charset="0"/>
+                        </a:rPr>
+                        <a:t>   } else {</a:t>
+                      </a:r>
+                    </a:p>
+                    <a:p>
+                      <a:pPr marR="0" algn="l" rtl="0"/>
+                      <a:r>
+                        <a:rPr lang="en-US" altLang="zh-CN" sz="800" b="0" i="0" u="none" strike="noStrike" baseline="0" dirty="0">
+                          <a:solidFill>
+                            <a:srgbClr val="0070C0"/>
+                          </a:solidFill>
+                          <a:latin typeface="Courier New" panose="02070309020205020404" pitchFamily="49" charset="0"/>
+                          <a:cs typeface="Courier New" panose="02070309020205020404" pitchFamily="49" charset="0"/>
+                        </a:rPr>
+                        <a:t>+    </a:t>
+                      </a:r>
+                      <a:r>
+                        <a:rPr lang="en-US" altLang="zh-CN" sz="800" b="0" i="0" u="none" strike="noStrike" baseline="0" dirty="0" err="1">
+                          <a:solidFill>
+                            <a:srgbClr val="0070C0"/>
+                          </a:solidFill>
+                          <a:latin typeface="Courier New" panose="02070309020205020404" pitchFamily="49" charset="0"/>
+                          <a:cs typeface="Courier New" panose="02070309020205020404" pitchFamily="49" charset="0"/>
+                        </a:rPr>
+                        <a:t>count.put</a:t>
+                      </a:r>
+                      <a:r>
+                        <a:rPr lang="en-US" altLang="zh-CN" sz="800" b="0" i="0" u="none" strike="noStrike" baseline="0" dirty="0">
+                          <a:solidFill>
+                            <a:srgbClr val="0070C0"/>
+                          </a:solidFill>
+                          <a:latin typeface="Courier New" panose="02070309020205020404" pitchFamily="49" charset="0"/>
+                          <a:cs typeface="Courier New" panose="02070309020205020404" pitchFamily="49" charset="0"/>
+                        </a:rPr>
+                        <a:t>(name, 1);</a:t>
+                      </a:r>
+                      <a:endParaRPr lang="en-US" altLang="zh-CN" sz="800" b="0" i="0" u="none" strike="noStrike" baseline="0" dirty="0">
+                        <a:solidFill>
+                          <a:srgbClr val="000000"/>
+                        </a:solidFill>
+                        <a:latin typeface="Courier New" panose="02070309020205020404" pitchFamily="49" charset="0"/>
+                        <a:cs typeface="Courier New" panose="02070309020205020404" pitchFamily="49" charset="0"/>
+                      </a:endParaRPr>
+                    </a:p>
+                    <a:p>
+                      <a:pPr marR="0" algn="l" rtl="0"/>
+                      <a:r>
+                        <a:rPr lang="en-US" altLang="zh-CN" sz="800" b="0" i="0" u="none" strike="noStrike" baseline="0" dirty="0">
+                          <a:solidFill>
+                            <a:srgbClr val="000000"/>
+                          </a:solidFill>
+                          <a:latin typeface="Courier New" panose="02070309020205020404" pitchFamily="49" charset="0"/>
+                          <a:cs typeface="Courier New" panose="02070309020205020404" pitchFamily="49" charset="0"/>
+                        </a:rPr>
+                        <a:t>   }</a:t>
+                      </a:r>
+                    </a:p>
+                    <a:p>
+                      <a:pPr marR="0" algn="l" rtl="0"/>
+                      <a:r>
+                        <a:rPr lang="en-US" altLang="zh-CN" sz="800" b="0" i="0" u="none" strike="noStrike" baseline="0" dirty="0">
+                          <a:solidFill>
+                            <a:srgbClr val="000000"/>
+                          </a:solidFill>
+                          <a:latin typeface="Courier New" panose="02070309020205020404" pitchFamily="49" charset="0"/>
+                          <a:cs typeface="Courier New" panose="02070309020205020404" pitchFamily="49" charset="0"/>
+                        </a:rPr>
+                        <a:t> }</a:t>
+                      </a:r>
+                      <a:endParaRPr lang="zh-CN" altLang="en-US" sz="800" dirty="0">
+                        <a:latin typeface="Courier New" panose="02070309020205020404" pitchFamily="49" charset="0"/>
+                        <a:cs typeface="Courier New" panose="02070309020205020404" pitchFamily="49" charset="0"/>
+                      </a:endParaRPr>
+                    </a:p>
+                  </a:txBody>
+                  <a:tcPr/>
+                </a:tc>
+                <a:tc>
+                  <a:txBody>
+                    <a:bodyPr/>
+                    <a:lstStyle/>
+                    <a:p>
+                      <a:pPr marR="0" algn="l" rtl="0"/>
+                      <a:r>
+                        <a:rPr lang="en-US" altLang="zh-CN" sz="800" b="0" i="0" u="none" strike="noStrike" baseline="0" dirty="0">
+                          <a:solidFill>
+                            <a:srgbClr val="000000"/>
+                          </a:solidFill>
+                          <a:latin typeface="Courier New" panose="02070309020205020404" pitchFamily="49" charset="0"/>
+                          <a:cs typeface="Courier New" panose="02070309020205020404" pitchFamily="49" charset="0"/>
+                        </a:rPr>
+                        <a:t>synchronized (obj1) {</a:t>
+                      </a:r>
+                    </a:p>
+                    <a:p>
+                      <a:pPr marR="0" algn="l" rtl="0"/>
+                      <a:r>
+                        <a:rPr lang="en-US" altLang="zh-CN" sz="800" b="0" i="0" u="none" strike="noStrike" baseline="0" dirty="0">
+                          <a:solidFill>
+                            <a:srgbClr val="000000"/>
+                          </a:solidFill>
+                          <a:latin typeface="Courier New" panose="02070309020205020404" pitchFamily="49" charset="0"/>
+                          <a:cs typeface="Courier New" panose="02070309020205020404" pitchFamily="49" charset="0"/>
+                        </a:rPr>
+                        <a:t>  ...</a:t>
+                      </a:r>
+                    </a:p>
+                    <a:p>
+                      <a:pPr marR="0" algn="l" rtl="0"/>
+                      <a:r>
+                        <a:rPr lang="en-US" altLang="zh-CN" sz="800" b="0" i="0" u="none" strike="noStrike" baseline="0" dirty="0">
+                          <a:solidFill>
+                            <a:srgbClr val="000000"/>
+                          </a:solidFill>
+                          <a:latin typeface="Courier New" panose="02070309020205020404" pitchFamily="49" charset="0"/>
+                          <a:cs typeface="Courier New" panose="02070309020205020404" pitchFamily="49" charset="0"/>
+                        </a:rPr>
+                        <a:t>}</a:t>
+                      </a:r>
+                      <a:endParaRPr lang="zh-CN" altLang="en-US" sz="800" dirty="0">
+                        <a:latin typeface="Courier New" panose="02070309020205020404" pitchFamily="49" charset="0"/>
+                        <a:cs typeface="Courier New" panose="02070309020205020404" pitchFamily="49" charset="0"/>
+                      </a:endParaRPr>
+                    </a:p>
+                  </a:txBody>
+                  <a:tcPr anchor="ctr"/>
+                </a:tc>
+                <a:tc>
+                  <a:txBody>
+                    <a:bodyPr/>
+                    <a:lstStyle/>
+                    <a:p>
+                      <a:pPr marR="0" algn="l" rtl="0"/>
+                      <a:r>
+                        <a:rPr lang="en-US" altLang="zh-CN" sz="800" b="0" i="0" u="none" strike="noStrike" baseline="0" dirty="0">
+                          <a:solidFill>
+                            <a:srgbClr val="000000"/>
+                          </a:solidFill>
+                          <a:latin typeface="Courier New" panose="02070309020205020404" pitchFamily="49" charset="0"/>
+                          <a:cs typeface="Courier New" panose="02070309020205020404" pitchFamily="49" charset="0"/>
+                        </a:rPr>
+                        <a:t>synchronized (obj2) {</a:t>
+                      </a:r>
+                    </a:p>
+                    <a:p>
+                      <a:pPr marR="0" algn="l" rtl="0"/>
+                      <a:r>
+                        <a:rPr lang="en-US" altLang="zh-CN" sz="800" b="0" i="0" u="none" strike="noStrike" baseline="0" dirty="0">
+                          <a:solidFill>
+                            <a:srgbClr val="000000"/>
+                          </a:solidFill>
+                          <a:latin typeface="Courier New" panose="02070309020205020404" pitchFamily="49" charset="0"/>
+                          <a:cs typeface="Courier New" panose="02070309020205020404" pitchFamily="49" charset="0"/>
+                        </a:rPr>
+                        <a:t>  ...</a:t>
+                      </a:r>
+                    </a:p>
+                    <a:p>
+                      <a:pPr marR="0" algn="l" rtl="0"/>
+                      <a:r>
+                        <a:rPr lang="en-US" altLang="zh-CN" sz="800" b="0" i="0" u="none" strike="noStrike" baseline="0" dirty="0">
+                          <a:solidFill>
+                            <a:srgbClr val="000000"/>
+                          </a:solidFill>
+                          <a:latin typeface="Courier New" panose="02070309020205020404" pitchFamily="49" charset="0"/>
+                          <a:cs typeface="Courier New" panose="02070309020205020404" pitchFamily="49" charset="0"/>
+                        </a:rPr>
+                        <a:t>}</a:t>
+                      </a:r>
+                      <a:endParaRPr lang="zh-CN" altLang="en-US" sz="800" dirty="0">
+                        <a:latin typeface="Courier New" panose="02070309020205020404" pitchFamily="49" charset="0"/>
+                        <a:cs typeface="Courier New" panose="02070309020205020404" pitchFamily="49" charset="0"/>
+                      </a:endParaRPr>
+                    </a:p>
+                  </a:txBody>
+                  <a:tcPr anchor="ctr"/>
+                </a:tc>
+                <a:extLst>
+                  <a:ext uri="{0D108BD9-81ED-4DB2-BD59-A6C34878D82A}">
+                    <a16:rowId xmlns:a16="http://schemas.microsoft.com/office/drawing/2014/main" val="1325939187"/>
+                  </a:ext>
+                </a:extLst>
+              </a:tr>
+              <a:tr h="930608">
+                <a:tc>
+                  <a:txBody>
+                    <a:bodyPr/>
+                    <a:lstStyle/>
+                    <a:p>
+                      <a:pPr marR="0" algn="ctr" rtl="0"/>
+                      <a:r>
+                        <a:rPr lang="en-US" altLang="zh-CN" sz="800" dirty="0">
+                          <a:latin typeface="Courier New" panose="02070309020205020404" pitchFamily="49" charset="0"/>
+                          <a:cs typeface="Courier New" panose="02070309020205020404" pitchFamily="49" charset="0"/>
+                        </a:rPr>
+                        <a:t>4</a:t>
+                      </a:r>
+                      <a:endParaRPr lang="zh-CN" altLang="en-US" sz="800" dirty="0">
+                        <a:latin typeface="Courier New" panose="02070309020205020404" pitchFamily="49" charset="0"/>
+                        <a:cs typeface="Courier New" panose="02070309020205020404" pitchFamily="49" charset="0"/>
+                      </a:endParaRPr>
+                    </a:p>
+                  </a:txBody>
+                  <a:tcPr anchor="ctr"/>
+                </a:tc>
+                <a:tc>
+                  <a:txBody>
+                    <a:bodyPr/>
+                    <a:lstStyle/>
+                    <a:p>
+                      <a:pPr marR="0" algn="l" rtl="0"/>
+                      <a:endParaRPr lang="en-US" altLang="zh-CN" sz="800" dirty="0">
+                        <a:solidFill>
+                          <a:srgbClr val="FF0000"/>
+                        </a:solidFill>
+                        <a:latin typeface="Courier New" panose="02070309020205020404" pitchFamily="49" charset="0"/>
+                        <a:cs typeface="Courier New" panose="02070309020205020404" pitchFamily="49" charset="0"/>
+                      </a:endParaRPr>
+                    </a:p>
+                    <a:p>
+                      <a:pPr marR="0" algn="l" rtl="0"/>
+                      <a:r>
+                        <a:rPr lang="en-US" altLang="zh-CN" sz="800" dirty="0">
+                          <a:solidFill>
+                            <a:srgbClr val="FF0000"/>
+                          </a:solidFill>
+                          <a:latin typeface="Courier New" panose="02070309020205020404" pitchFamily="49" charset="0"/>
+                          <a:cs typeface="Courier New" panose="02070309020205020404" pitchFamily="49" charset="0"/>
+                        </a:rPr>
+                        <a:t>-public synchronized void reset() {</a:t>
+                      </a:r>
+                    </a:p>
+                    <a:p>
+                      <a:pPr marR="0" algn="l" rtl="0"/>
+                      <a:endParaRPr lang="en-US" altLang="zh-CN" sz="800" dirty="0">
+                        <a:solidFill>
+                          <a:srgbClr val="FF0000"/>
+                        </a:solidFill>
+                        <a:latin typeface="Courier New" panose="02070309020205020404" pitchFamily="49" charset="0"/>
+                        <a:cs typeface="Courier New" panose="02070309020205020404" pitchFamily="49" charset="0"/>
+                      </a:endParaRPr>
+                    </a:p>
+                    <a:p>
+                      <a:pPr marR="0" algn="l" rtl="0"/>
+                      <a:r>
+                        <a:rPr lang="en-US" altLang="zh-CN" sz="800" dirty="0">
+                          <a:latin typeface="Courier New" panose="02070309020205020404" pitchFamily="49" charset="0"/>
+                          <a:cs typeface="Courier New" panose="02070309020205020404" pitchFamily="49" charset="0"/>
+                        </a:rPr>
+                        <a:t>   </a:t>
+                      </a:r>
+                      <a:r>
+                        <a:rPr lang="en-US" altLang="zh-CN" sz="800" dirty="0" err="1">
+                          <a:latin typeface="Courier New" panose="02070309020205020404" pitchFamily="49" charset="0"/>
+                          <a:cs typeface="Courier New" panose="02070309020205020404" pitchFamily="49" charset="0"/>
+                        </a:rPr>
+                        <a:t>map.clear</a:t>
+                      </a:r>
+                      <a:r>
+                        <a:rPr lang="en-US" altLang="zh-CN" sz="800" dirty="0">
+                          <a:latin typeface="Courier New" panose="02070309020205020404" pitchFamily="49" charset="0"/>
+                          <a:cs typeface="Courier New" panose="02070309020205020404" pitchFamily="49" charset="0"/>
+                        </a:rPr>
+                        <a:t>();</a:t>
+                      </a:r>
+                    </a:p>
+                    <a:p>
+                      <a:pPr marR="0" algn="l" rtl="0"/>
+                      <a:r>
+                        <a:rPr lang="en-US" altLang="zh-CN" sz="800" dirty="0">
+                          <a:latin typeface="Courier New" panose="02070309020205020404" pitchFamily="49" charset="0"/>
+                          <a:cs typeface="Courier New" panose="02070309020205020404" pitchFamily="49" charset="0"/>
+                        </a:rPr>
+                        <a:t>   members = EMPTY_MEMBERS;</a:t>
+                      </a:r>
+                    </a:p>
+                    <a:p>
+                      <a:pPr marR="0" algn="l" rtl="0"/>
+                      <a:endParaRPr lang="en-US" altLang="zh-CN" sz="800" dirty="0">
+                        <a:latin typeface="Courier New" panose="02070309020205020404" pitchFamily="49" charset="0"/>
+                        <a:cs typeface="Courier New" panose="02070309020205020404" pitchFamily="49" charset="0"/>
+                      </a:endParaRPr>
+                    </a:p>
+                    <a:p>
+                      <a:pPr marR="0" algn="l" rtl="0"/>
+                      <a:r>
+                        <a:rPr lang="en-US" altLang="zh-CN" sz="800" dirty="0">
+                          <a:latin typeface="Courier New" panose="02070309020205020404" pitchFamily="49" charset="0"/>
+                          <a:cs typeface="Courier New" panose="02070309020205020404" pitchFamily="49" charset="0"/>
+                        </a:rPr>
+                        <a:t> }</a:t>
+                      </a:r>
+                    </a:p>
+                  </a:txBody>
+                  <a:tcPr/>
+                </a:tc>
+                <a:tc>
+                  <a:txBody>
+                    <a:bodyPr/>
+                    <a:lstStyle/>
+                    <a:p>
+                      <a:pPr marR="0" algn="l" rtl="0"/>
+                      <a:r>
+                        <a:rPr lang="en-US" altLang="zh-CN" sz="800" dirty="0">
+                          <a:solidFill>
+                            <a:srgbClr val="0070C0"/>
+                          </a:solidFill>
+                          <a:latin typeface="Courier New" panose="02070309020205020404" pitchFamily="49" charset="0"/>
+                          <a:cs typeface="Courier New" panose="02070309020205020404" pitchFamily="49" charset="0"/>
+                        </a:rPr>
+                        <a:t>+private final Object </a:t>
+                      </a:r>
+                      <a:r>
+                        <a:rPr lang="en-US" altLang="zh-CN" sz="800" dirty="0" err="1">
+                          <a:solidFill>
+                            <a:srgbClr val="0070C0"/>
+                          </a:solidFill>
+                          <a:latin typeface="Courier New" panose="02070309020205020404" pitchFamily="49" charset="0"/>
+                          <a:cs typeface="Courier New" panose="02070309020205020404" pitchFamily="49" charset="0"/>
+                        </a:rPr>
+                        <a:t>membersLock</a:t>
+                      </a:r>
+                      <a:r>
+                        <a:rPr lang="en-US" altLang="zh-CN" sz="800" dirty="0">
+                          <a:solidFill>
+                            <a:srgbClr val="0070C0"/>
+                          </a:solidFill>
+                          <a:latin typeface="Courier New" panose="02070309020205020404" pitchFamily="49" charset="0"/>
+                          <a:cs typeface="Courier New" panose="02070309020205020404" pitchFamily="49" charset="0"/>
+                        </a:rPr>
+                        <a:t> = new Object();</a:t>
+                      </a:r>
+                      <a:endParaRPr lang="en-US" altLang="zh-CN" sz="800" dirty="0">
+                        <a:solidFill>
+                          <a:srgbClr val="0070C0"/>
+                        </a:solidFill>
+                        <a:latin typeface="Courier New" panose="02070309020205020404" pitchFamily="49" charset="0"/>
+                        <a:cs typeface="Courier New" panose="02070309020205020404" pitchFamily="49" charset="0"/>
+                      </a:endParaRPr>
+                    </a:p>
+                    <a:p>
+                      <a:pPr marR="0" algn="l" rtl="0"/>
+                      <a:r>
+                        <a:rPr lang="en-US" altLang="zh-CN" sz="800" dirty="0">
+                          <a:solidFill>
+                            <a:srgbClr val="0070C0"/>
+                          </a:solidFill>
+                          <a:latin typeface="Courier New" panose="02070309020205020404" pitchFamily="49" charset="0"/>
+                          <a:cs typeface="Courier New" panose="02070309020205020404" pitchFamily="49" charset="0"/>
+                        </a:rPr>
+                        <a:t>+public void reset() {</a:t>
+                      </a:r>
+                    </a:p>
+                    <a:p>
+                      <a:pPr marR="0" algn="l" rtl="0"/>
+                      <a:r>
+                        <a:rPr lang="en-US" altLang="zh-CN" sz="800" dirty="0">
+                          <a:solidFill>
+                            <a:srgbClr val="0070C0"/>
+                          </a:solidFill>
+                          <a:latin typeface="Courier New" panose="02070309020205020404" pitchFamily="49" charset="0"/>
+                          <a:cs typeface="Courier New" panose="02070309020205020404" pitchFamily="49" charset="0"/>
+                        </a:rPr>
+                        <a:t>+  synchronized (</a:t>
+                      </a:r>
+                      <a:r>
+                        <a:rPr lang="en-US" altLang="zh-CN" sz="800" dirty="0" err="1">
+                          <a:solidFill>
+                            <a:srgbClr val="0070C0"/>
+                          </a:solidFill>
+                          <a:latin typeface="Courier New" panose="02070309020205020404" pitchFamily="49" charset="0"/>
+                          <a:cs typeface="Courier New" panose="02070309020205020404" pitchFamily="49" charset="0"/>
+                        </a:rPr>
+                        <a:t>membersLock</a:t>
+                      </a:r>
+                      <a:r>
+                        <a:rPr lang="en-US" altLang="zh-CN" sz="800" dirty="0">
+                          <a:solidFill>
+                            <a:srgbClr val="0070C0"/>
+                          </a:solidFill>
+                          <a:latin typeface="Courier New" panose="02070309020205020404" pitchFamily="49" charset="0"/>
+                          <a:cs typeface="Courier New" panose="02070309020205020404" pitchFamily="49" charset="0"/>
+                        </a:rPr>
+                        <a:t>) {</a:t>
+                      </a:r>
+                    </a:p>
+                    <a:p>
+                      <a:pPr marR="0" algn="l" rtl="0"/>
+                      <a:r>
+                        <a:rPr lang="en-US" altLang="zh-CN" sz="800" dirty="0">
+                          <a:latin typeface="Courier New" panose="02070309020205020404" pitchFamily="49" charset="0"/>
+                          <a:cs typeface="Courier New" panose="02070309020205020404" pitchFamily="49" charset="0"/>
+                        </a:rPr>
+                        <a:t>     </a:t>
+                      </a:r>
+                      <a:r>
+                        <a:rPr lang="en-US" altLang="zh-CN" sz="800" dirty="0" err="1">
+                          <a:latin typeface="Courier New" panose="02070309020205020404" pitchFamily="49" charset="0"/>
+                          <a:cs typeface="Courier New" panose="02070309020205020404" pitchFamily="49" charset="0"/>
+                        </a:rPr>
+                        <a:t>map.clear</a:t>
+                      </a:r>
+                      <a:r>
+                        <a:rPr lang="en-US" altLang="zh-CN" sz="800" dirty="0">
+                          <a:latin typeface="Courier New" panose="02070309020205020404" pitchFamily="49" charset="0"/>
+                          <a:cs typeface="Courier New" panose="02070309020205020404" pitchFamily="49" charset="0"/>
+                        </a:rPr>
+                        <a:t>();</a:t>
                       </a:r>
                     </a:p>
                     <a:p>
@@ -6239,13 +6257,10 @@
                       </a:pPr>
                       <a:r>
                         <a:rPr lang="en-US" altLang="zh-CN" sz="800" dirty="0">
-                          <a:solidFill>
-                            <a:srgbClr val="0070C0"/>
-                          </a:solidFill>
-                          <a:latin typeface="Courier New" panose="02070309020205020404" pitchFamily="49" charset="0"/>
-                          <a:cs typeface="Courier New" panose="02070309020205020404" pitchFamily="49" charset="0"/>
-                        </a:rPr>
-                        <a:t>+  }</a:t>
+                          <a:latin typeface="Courier New" panose="02070309020205020404" pitchFamily="49" charset="0"/>
+                          <a:cs typeface="Courier New" panose="02070309020205020404" pitchFamily="49" charset="0"/>
+                        </a:rPr>
+                        <a:t>     members = EMPTY_MEMBERS;</a:t>
                       </a:r>
                     </a:p>
                     <a:p>
@@ -6268,6 +6283,35 @@
                       </a:pPr>
                       <a:r>
                         <a:rPr lang="en-US" altLang="zh-CN" sz="800" dirty="0">
+                          <a:solidFill>
+                            <a:srgbClr val="0070C0"/>
+                          </a:solidFill>
+                          <a:latin typeface="Courier New" panose="02070309020205020404" pitchFamily="49" charset="0"/>
+                          <a:cs typeface="Courier New" panose="02070309020205020404" pitchFamily="49" charset="0"/>
+                        </a:rPr>
+                        <a:t>+  }</a:t>
+                      </a:r>
+                    </a:p>
+                    <a:p>
+                      <a:pPr marL="0" marR="0" lvl="0" indent="0" algn="l" defTabSz="914400" rtl="0" eaLnBrk="1" fontAlgn="auto" latinLnBrk="0" hangingPunct="1">
+                        <a:lnSpc>
+                          <a:spcPct val="100000"/>
+                        </a:lnSpc>
+                        <a:spcBef>
+                          <a:spcPts val="0"/>
+                        </a:spcBef>
+                        <a:spcAft>
+                          <a:spcPts val="0"/>
+                        </a:spcAft>
+                        <a:buClrTx/>
+                        <a:buSzTx/>
+                        <a:buFontTx/>
+                        <a:buNone/>
+                        <a:tabLst/>
+                        <a:defRPr/>
+                      </a:pPr>
+                      <a:r>
+                        <a:rPr lang="en-US" altLang="zh-CN" sz="800" dirty="0">
                           <a:latin typeface="Courier New" panose="02070309020205020404" pitchFamily="49" charset="0"/>
                           <a:cs typeface="Courier New" panose="02070309020205020404" pitchFamily="49" charset="0"/>
                         </a:rPr>
@@ -6698,6 +6742,2407 @@
                 <a:extLst>
                   <a:ext uri="{0D108BD9-81ED-4DB2-BD59-A6C34878D82A}">
                     <a16:rowId xmlns:a16="http://schemas.microsoft.com/office/drawing/2014/main" val="2999866162"/>
+                  </a:ext>
+                </a:extLst>
+              </a:tr>
+              <a:tr h="419100">
+                <a:tc>
+                  <a:txBody>
+                    <a:bodyPr/>
+                    <a:lstStyle/>
+                    <a:p>
+                      <a:pPr marR="0" algn="ctr" rtl="0"/>
+                      <a:r>
+                        <a:rPr lang="en-US" altLang="zh-CN" sz="800" dirty="0">
+                          <a:latin typeface="Courier New" panose="02070309020205020404" pitchFamily="49" charset="0"/>
+                          <a:cs typeface="Courier New" panose="02070309020205020404" pitchFamily="49" charset="0"/>
+                        </a:rPr>
+                        <a:t>6</a:t>
+                      </a:r>
+                      <a:endParaRPr lang="zh-CN" altLang="en-US" sz="800" dirty="0">
+                        <a:latin typeface="Courier New" panose="02070309020205020404" pitchFamily="49" charset="0"/>
+                        <a:cs typeface="Courier New" panose="02070309020205020404" pitchFamily="49" charset="0"/>
+                      </a:endParaRPr>
+                    </a:p>
+                  </a:txBody>
+                  <a:tcPr anchor="ctr"/>
+                </a:tc>
+                <a:tc>
+                  <a:txBody>
+                    <a:bodyPr/>
+                    <a:lstStyle/>
+                    <a:p>
+                      <a:pPr marR="0" algn="l" rtl="0"/>
+                      <a:r>
+                        <a:rPr lang="en-US" altLang="zh-CN" sz="800" dirty="0">
+                          <a:solidFill>
+                            <a:srgbClr val="C00000"/>
+                          </a:solidFill>
+                          <a:latin typeface="Courier New" panose="02070309020205020404" pitchFamily="49" charset="0"/>
+                          <a:cs typeface="Courier New" panose="02070309020205020404" pitchFamily="49" charset="0"/>
+                        </a:rPr>
+                        <a:t>-synchronized (</a:t>
+                      </a:r>
+                      <a:r>
+                        <a:rPr lang="en-US" altLang="zh-CN" sz="800" dirty="0" err="1">
+                          <a:solidFill>
+                            <a:srgbClr val="C00000"/>
+                          </a:solidFill>
+                          <a:latin typeface="Courier New" panose="02070309020205020404" pitchFamily="49" charset="0"/>
+                          <a:cs typeface="Courier New" panose="02070309020205020404" pitchFamily="49" charset="0"/>
+                        </a:rPr>
+                        <a:t>this.channelLookup</a:t>
+                      </a:r>
+                      <a:r>
+                        <a:rPr lang="en-US" altLang="zh-CN" sz="800" dirty="0">
+                          <a:solidFill>
+                            <a:srgbClr val="C00000"/>
+                          </a:solidFill>
+                          <a:latin typeface="Courier New" panose="02070309020205020404" pitchFamily="49" charset="0"/>
+                          <a:cs typeface="Courier New" panose="02070309020205020404" pitchFamily="49" charset="0"/>
+                        </a:rPr>
+                        <a:t>) {</a:t>
+                      </a:r>
+                    </a:p>
+                    <a:p>
+                      <a:pPr marR="0" algn="l" rtl="0"/>
+                      <a:r>
+                        <a:rPr lang="en-US" altLang="zh-CN" sz="800" dirty="0">
+                          <a:solidFill>
+                            <a:srgbClr val="C00000"/>
+                          </a:solidFill>
+                          <a:latin typeface="Courier New" panose="02070309020205020404" pitchFamily="49" charset="0"/>
+                          <a:cs typeface="Courier New" panose="02070309020205020404" pitchFamily="49" charset="0"/>
+                        </a:rPr>
+                        <a:t>-  try{</a:t>
+                      </a:r>
+                    </a:p>
+                    <a:p>
+                      <a:pPr marL="0" marR="0" indent="0" algn="l" rtl="0">
+                        <a:buFontTx/>
+                        <a:buNone/>
+                      </a:pPr>
+                      <a:r>
+                        <a:rPr lang="en-US" altLang="zh-CN" sz="800" dirty="0">
+                          <a:latin typeface="Courier New" panose="02070309020205020404" pitchFamily="49" charset="0"/>
+                          <a:cs typeface="Courier New" panose="02070309020205020404" pitchFamily="49" charset="0"/>
+                        </a:rPr>
+                        <a:t>     </a:t>
+                      </a:r>
+                      <a:r>
+                        <a:rPr lang="en-US" altLang="zh-CN" sz="800" dirty="0" err="1">
+                          <a:latin typeface="Courier New" panose="02070309020205020404" pitchFamily="49" charset="0"/>
+                          <a:cs typeface="Courier New" panose="02070309020205020404" pitchFamily="49" charset="0"/>
+                        </a:rPr>
+                        <a:t>lookupResponse</a:t>
+                      </a:r>
+                      <a:r>
+                        <a:rPr lang="en-US" altLang="zh-CN" sz="800" dirty="0">
+                          <a:latin typeface="Courier New" panose="02070309020205020404" pitchFamily="49" charset="0"/>
+                          <a:cs typeface="Courier New" panose="02070309020205020404" pitchFamily="49" charset="0"/>
+                        </a:rPr>
+                        <a:t> = </a:t>
+                      </a:r>
+                      <a:r>
+                        <a:rPr lang="en-US" altLang="zh-CN" sz="800" dirty="0" err="1">
+                          <a:latin typeface="Courier New" panose="02070309020205020404" pitchFamily="49" charset="0"/>
+                          <a:cs typeface="Courier New" panose="02070309020205020404" pitchFamily="49" charset="0"/>
+                        </a:rPr>
+                        <a:t>A</a:t>
+                      </a:r>
+                      <a:r>
+                        <a:rPr lang="en-US" altLang="zh-CN" sz="800" dirty="0" err="1">
+                          <a:latin typeface="Courier New" panose="02070309020205020404" pitchFamily="49" charset="0"/>
+                          <a:cs typeface="Courier New" panose="02070309020205020404" pitchFamily="49" charset="0"/>
+                        </a:rPr>
+                        <a:t>kkaUtils</a:t>
+                      </a:r>
+                      <a:r>
+                        <a:rPr lang="en-US" altLang="zh-CN" sz="800" dirty="0">
+                          <a:latin typeface="Courier New" panose="02070309020205020404" pitchFamily="49" charset="0"/>
+                          <a:cs typeface="Courier New" panose="02070309020205020404" pitchFamily="49" charset="0"/>
+                        </a:rPr>
+                        <a:t>.</a:t>
+                      </a:r>
+                    </a:p>
+                    <a:p>
+                      <a:pPr marL="0" marR="0" indent="0" algn="l" rtl="0">
+                        <a:buFontTx/>
+                        <a:buNone/>
+                      </a:pPr>
+                      <a:r>
+                        <a:rPr lang="en-US" altLang="zh-CN" sz="800" dirty="0">
+                          <a:latin typeface="Courier New" panose="02070309020205020404" pitchFamily="49" charset="0"/>
+                          <a:cs typeface="Courier New" panose="02070309020205020404" pitchFamily="49" charset="0"/>
+                        </a:rPr>
+                        <a:t>       &lt;</a:t>
+                      </a:r>
+                      <a:r>
+                        <a:rPr lang="en-US" altLang="zh-CN" sz="800" dirty="0" err="1">
+                          <a:latin typeface="Courier New" panose="02070309020205020404" pitchFamily="49" charset="0"/>
+                          <a:cs typeface="Courier New" panose="02070309020205020404" pitchFamily="49" charset="0"/>
+                        </a:rPr>
+                        <a:t>JobManagerMessages.ConnectionInformation</a:t>
+                      </a:r>
+                      <a:r>
+                        <a:rPr lang="en-US" altLang="zh-CN" sz="800" dirty="0">
+                          <a:latin typeface="Courier New" panose="02070309020205020404" pitchFamily="49" charset="0"/>
+                          <a:cs typeface="Courier New" panose="02070309020205020404" pitchFamily="49" charset="0"/>
+                        </a:rPr>
+                        <a:t>&gt;ask(</a:t>
+                      </a:r>
+                      <a:r>
+                        <a:rPr lang="en-US" altLang="zh-CN" sz="800" dirty="0" err="1">
+                          <a:latin typeface="Courier New" panose="02070309020205020404" pitchFamily="49" charset="0"/>
+                          <a:cs typeface="Courier New" panose="02070309020205020404" pitchFamily="49" charset="0"/>
+                        </a:rPr>
+                        <a:t>channelLookup</a:t>
+                      </a:r>
+                      <a:r>
+                        <a:rPr lang="en-US" altLang="zh-CN" sz="800" dirty="0">
+                          <a:latin typeface="Courier New" panose="02070309020205020404" pitchFamily="49" charset="0"/>
+                          <a:cs typeface="Courier New" panose="02070309020205020404" pitchFamily="49" charset="0"/>
+                        </a:rPr>
+                        <a:t>,</a:t>
+                      </a:r>
+                    </a:p>
+                    <a:p>
+                      <a:pPr marL="0" marR="0" indent="0" algn="l" rtl="0">
+                        <a:buFontTx/>
+                        <a:buNone/>
+                      </a:pPr>
+                      <a:r>
+                        <a:rPr lang="en-US" altLang="zh-CN" sz="800" dirty="0">
+                          <a:latin typeface="Courier New" panose="02070309020205020404" pitchFamily="49" charset="0"/>
+                          <a:cs typeface="Courier New" panose="02070309020205020404" pitchFamily="49" charset="0"/>
+                        </a:rPr>
+                        <a:t>       new </a:t>
+                      </a:r>
+                      <a:r>
+                        <a:rPr lang="en-US" altLang="zh-CN" sz="800" dirty="0" err="1">
+                          <a:latin typeface="Courier New" panose="02070309020205020404" pitchFamily="49" charset="0"/>
+                          <a:cs typeface="Courier New" panose="02070309020205020404" pitchFamily="49" charset="0"/>
+                        </a:rPr>
+                        <a:t>JobManagerMessages.LookupConnectionInformation</a:t>
+                      </a:r>
+                      <a:r>
+                        <a:rPr lang="en-US" altLang="zh-CN" sz="800" dirty="0">
+                          <a:latin typeface="Courier New" panose="02070309020205020404" pitchFamily="49" charset="0"/>
+                          <a:cs typeface="Courier New" panose="02070309020205020404" pitchFamily="49" charset="0"/>
+                        </a:rPr>
+                        <a:t>(</a:t>
+                      </a:r>
+                    </a:p>
+                    <a:p>
+                      <a:pPr marL="0" marR="0" indent="0" algn="l" rtl="0">
+                        <a:buFontTx/>
+                        <a:buNone/>
+                      </a:pPr>
+                      <a:r>
+                        <a:rPr lang="en-US" altLang="zh-CN" sz="800" dirty="0">
+                          <a:latin typeface="Courier New" panose="02070309020205020404" pitchFamily="49" charset="0"/>
+                          <a:cs typeface="Courier New" panose="02070309020205020404" pitchFamily="49" charset="0"/>
+                        </a:rPr>
+                        <a:t>       </a:t>
+                      </a:r>
+                      <a:r>
+                        <a:rPr lang="en-US" altLang="zh-CN" sz="800" dirty="0" err="1">
+                          <a:latin typeface="Courier New" panose="02070309020205020404" pitchFamily="49" charset="0"/>
+                          <a:cs typeface="Courier New" panose="02070309020205020404" pitchFamily="49" charset="0"/>
+                        </a:rPr>
+                        <a:t>connectionInfo</a:t>
+                      </a:r>
+                      <a:r>
+                        <a:rPr lang="en-US" altLang="zh-CN" sz="800" dirty="0">
+                          <a:latin typeface="Courier New" panose="02070309020205020404" pitchFamily="49" charset="0"/>
+                          <a:cs typeface="Courier New" panose="02070309020205020404" pitchFamily="49" charset="0"/>
+                        </a:rPr>
+                        <a:t>, </a:t>
+                      </a:r>
+                      <a:r>
+                        <a:rPr lang="en-US" altLang="zh-CN" sz="800" dirty="0" err="1">
+                          <a:latin typeface="Courier New" panose="02070309020205020404" pitchFamily="49" charset="0"/>
+                          <a:cs typeface="Courier New" panose="02070309020205020404" pitchFamily="49" charset="0"/>
+                        </a:rPr>
+                        <a:t>jobID</a:t>
+                      </a:r>
+                      <a:r>
+                        <a:rPr lang="en-US" altLang="zh-CN" sz="800" dirty="0">
+                          <a:latin typeface="Courier New" panose="02070309020205020404" pitchFamily="49" charset="0"/>
+                          <a:cs typeface="Courier New" panose="02070309020205020404" pitchFamily="49" charset="0"/>
+                        </a:rPr>
+                        <a:t>, </a:t>
+                      </a:r>
+                      <a:r>
+                        <a:rPr lang="en-US" altLang="zh-CN" sz="800" dirty="0" err="1">
+                          <a:latin typeface="Courier New" panose="02070309020205020404" pitchFamily="49" charset="0"/>
+                          <a:cs typeface="Courier New" panose="02070309020205020404" pitchFamily="49" charset="0"/>
+                        </a:rPr>
+                        <a:t>sourceChannelID</a:t>
+                      </a:r>
+                      <a:r>
+                        <a:rPr lang="en-US" altLang="zh-CN" sz="800" dirty="0">
+                          <a:latin typeface="Courier New" panose="02070309020205020404" pitchFamily="49" charset="0"/>
+                          <a:cs typeface="Courier New" panose="02070309020205020404" pitchFamily="49" charset="0"/>
+                        </a:rPr>
+                        <a:t>), timeout).response();</a:t>
+                      </a:r>
+                    </a:p>
+                    <a:p>
+                      <a:pPr marR="0" algn="l" rtl="0"/>
+                      <a:r>
+                        <a:rPr lang="en-US" altLang="zh-CN" sz="800" dirty="0">
+                          <a:solidFill>
+                            <a:srgbClr val="C00000"/>
+                          </a:solidFill>
+                          <a:latin typeface="Courier New" panose="02070309020205020404" pitchFamily="49" charset="0"/>
+                          <a:cs typeface="Courier New" panose="02070309020205020404" pitchFamily="49" charset="0"/>
+                        </a:rPr>
+                        <a:t>-  }catch(</a:t>
+                      </a:r>
+                      <a:r>
+                        <a:rPr lang="en-US" altLang="zh-CN" sz="800" dirty="0" err="1">
+                          <a:solidFill>
+                            <a:srgbClr val="C00000"/>
+                          </a:solidFill>
+                          <a:latin typeface="Courier New" panose="02070309020205020404" pitchFamily="49" charset="0"/>
+                          <a:cs typeface="Courier New" panose="02070309020205020404" pitchFamily="49" charset="0"/>
+                        </a:rPr>
+                        <a:t>IOException</a:t>
+                      </a:r>
+                      <a:r>
+                        <a:rPr lang="en-US" altLang="zh-CN" sz="800" dirty="0">
+                          <a:solidFill>
+                            <a:srgbClr val="C00000"/>
+                          </a:solidFill>
+                          <a:latin typeface="Courier New" panose="02070309020205020404" pitchFamily="49" charset="0"/>
+                          <a:cs typeface="Courier New" panose="02070309020205020404" pitchFamily="49" charset="0"/>
+                        </a:rPr>
+                        <a:t> </a:t>
+                      </a:r>
+                      <a:r>
+                        <a:rPr lang="en-US" altLang="zh-CN" sz="800" dirty="0" err="1">
+                          <a:solidFill>
+                            <a:srgbClr val="C00000"/>
+                          </a:solidFill>
+                          <a:latin typeface="Courier New" panose="02070309020205020404" pitchFamily="49" charset="0"/>
+                          <a:cs typeface="Courier New" panose="02070309020205020404" pitchFamily="49" charset="0"/>
+                        </a:rPr>
+                        <a:t>ioe</a:t>
+                      </a:r>
+                      <a:r>
+                        <a:rPr lang="en-US" altLang="zh-CN" sz="800" dirty="0">
+                          <a:solidFill>
+                            <a:srgbClr val="C00000"/>
+                          </a:solidFill>
+                          <a:latin typeface="Courier New" panose="02070309020205020404" pitchFamily="49" charset="0"/>
+                          <a:cs typeface="Courier New" panose="02070309020205020404" pitchFamily="49" charset="0"/>
+                        </a:rPr>
+                        <a:t>) {</a:t>
+                      </a:r>
+                    </a:p>
+                    <a:p>
+                      <a:pPr marR="0" algn="l" rtl="0"/>
+                      <a:r>
+                        <a:rPr lang="en-US" altLang="zh-CN" sz="800" dirty="0">
+                          <a:solidFill>
+                            <a:srgbClr val="C00000"/>
+                          </a:solidFill>
+                          <a:latin typeface="Courier New" panose="02070309020205020404" pitchFamily="49" charset="0"/>
+                          <a:cs typeface="Courier New" panose="02070309020205020404" pitchFamily="49" charset="0"/>
+                        </a:rPr>
+                        <a:t>-    throw </a:t>
+                      </a:r>
+                      <a:r>
+                        <a:rPr lang="en-US" altLang="zh-CN" sz="800" dirty="0" err="1">
+                          <a:solidFill>
+                            <a:srgbClr val="C00000"/>
+                          </a:solidFill>
+                          <a:latin typeface="Courier New" panose="02070309020205020404" pitchFamily="49" charset="0"/>
+                          <a:cs typeface="Courier New" panose="02070309020205020404" pitchFamily="49" charset="0"/>
+                        </a:rPr>
+                        <a:t>ioe</a:t>
+                      </a:r>
+                      <a:r>
+                        <a:rPr lang="en-US" altLang="zh-CN" sz="800" dirty="0">
+                          <a:solidFill>
+                            <a:srgbClr val="C00000"/>
+                          </a:solidFill>
+                          <a:latin typeface="Courier New" panose="02070309020205020404" pitchFamily="49" charset="0"/>
+                          <a:cs typeface="Courier New" panose="02070309020205020404" pitchFamily="49" charset="0"/>
+                        </a:rPr>
+                        <a:t>;</a:t>
+                      </a:r>
+                    </a:p>
+                    <a:p>
+                      <a:pPr marR="0" algn="l" rtl="0"/>
+                      <a:r>
+                        <a:rPr lang="en-US" altLang="zh-CN" sz="800" dirty="0">
+                          <a:solidFill>
+                            <a:srgbClr val="C00000"/>
+                          </a:solidFill>
+                          <a:latin typeface="Courier New" panose="02070309020205020404" pitchFamily="49" charset="0"/>
+                          <a:cs typeface="Courier New" panose="02070309020205020404" pitchFamily="49" charset="0"/>
+                        </a:rPr>
+                        <a:t>-  }</a:t>
+                      </a:r>
+                    </a:p>
+                    <a:p>
+                      <a:pPr marR="0" algn="l" rtl="0"/>
+                      <a:r>
+                        <a:rPr lang="en-US" altLang="zh-CN" sz="800" dirty="0">
+                          <a:solidFill>
+                            <a:srgbClr val="C00000"/>
+                          </a:solidFill>
+                          <a:latin typeface="Courier New" panose="02070309020205020404" pitchFamily="49" charset="0"/>
+                          <a:cs typeface="Courier New" panose="02070309020205020404" pitchFamily="49" charset="0"/>
+                        </a:rPr>
+                        <a:t>-}</a:t>
+                      </a:r>
+                      <a:endParaRPr lang="en-US" altLang="zh-CN" sz="800" dirty="0">
+                        <a:solidFill>
+                          <a:srgbClr val="C00000"/>
+                        </a:solidFill>
+                        <a:latin typeface="Courier New" panose="02070309020205020404" pitchFamily="49" charset="0"/>
+                        <a:cs typeface="Courier New" panose="02070309020205020404" pitchFamily="49" charset="0"/>
+                      </a:endParaRPr>
+                    </a:p>
+                  </a:txBody>
+                  <a:tcPr/>
+                </a:tc>
+                <a:tc>
+                  <a:txBody>
+                    <a:bodyPr/>
+                    <a:lstStyle/>
+                    <a:p>
+                      <a:pPr marL="0" marR="0" indent="0" algn="l" rtl="0">
+                        <a:buFontTx/>
+                        <a:buNone/>
+                      </a:pPr>
+                      <a:endParaRPr lang="en-US" altLang="zh-CN" sz="800" dirty="0">
+                        <a:latin typeface="Courier New" panose="02070309020205020404" pitchFamily="49" charset="0"/>
+                        <a:cs typeface="Courier New" panose="02070309020205020404" pitchFamily="49" charset="0"/>
+                      </a:endParaRPr>
+                    </a:p>
+                    <a:p>
+                      <a:pPr marL="0" marR="0" indent="0" algn="l" rtl="0">
+                        <a:buFontTx/>
+                        <a:buNone/>
+                      </a:pPr>
+                      <a:endParaRPr lang="en-US" altLang="zh-CN" sz="800" dirty="0">
+                        <a:latin typeface="Courier New" panose="02070309020205020404" pitchFamily="49" charset="0"/>
+                        <a:cs typeface="Courier New" panose="02070309020205020404" pitchFamily="49" charset="0"/>
+                      </a:endParaRPr>
+                    </a:p>
+                    <a:p>
+                      <a:pPr marL="0" marR="0" indent="0" algn="l" rtl="0">
+                        <a:buFontTx/>
+                        <a:buNone/>
+                      </a:pPr>
+                      <a:r>
+                        <a:rPr lang="en-US" altLang="zh-CN" sz="800" dirty="0" err="1">
+                          <a:latin typeface="Courier New" panose="02070309020205020404" pitchFamily="49" charset="0"/>
+                          <a:cs typeface="Courier New" panose="02070309020205020404" pitchFamily="49" charset="0"/>
+                        </a:rPr>
+                        <a:t>lookupResponse</a:t>
+                      </a:r>
+                      <a:r>
+                        <a:rPr lang="en-US" altLang="zh-CN" sz="800" dirty="0">
+                          <a:latin typeface="Courier New" panose="02070309020205020404" pitchFamily="49" charset="0"/>
+                          <a:cs typeface="Courier New" panose="02070309020205020404" pitchFamily="49" charset="0"/>
+                        </a:rPr>
+                        <a:t> = </a:t>
+                      </a:r>
+                      <a:r>
+                        <a:rPr lang="en-US" altLang="zh-CN" sz="800" dirty="0" err="1">
+                          <a:latin typeface="Courier New" panose="02070309020205020404" pitchFamily="49" charset="0"/>
+                          <a:cs typeface="Courier New" panose="02070309020205020404" pitchFamily="49" charset="0"/>
+                        </a:rPr>
+                        <a:t>AkkaUtils</a:t>
+                      </a:r>
+                      <a:r>
+                        <a:rPr lang="en-US" altLang="zh-CN" sz="800" dirty="0">
+                          <a:latin typeface="Courier New" panose="02070309020205020404" pitchFamily="49" charset="0"/>
+                          <a:cs typeface="Courier New" panose="02070309020205020404" pitchFamily="49" charset="0"/>
+                        </a:rPr>
+                        <a:t>.</a:t>
+                      </a:r>
+                    </a:p>
+                    <a:p>
+                      <a:pPr marL="0" marR="0" indent="0" algn="l" rtl="0">
+                        <a:buFontTx/>
+                        <a:buNone/>
+                      </a:pPr>
+                      <a:r>
+                        <a:rPr lang="en-US" altLang="zh-CN" sz="800" dirty="0">
+                          <a:latin typeface="Courier New" panose="02070309020205020404" pitchFamily="49" charset="0"/>
+                          <a:cs typeface="Courier New" panose="02070309020205020404" pitchFamily="49" charset="0"/>
+                        </a:rPr>
+                        <a:t>  &lt;</a:t>
+                      </a:r>
+                      <a:r>
+                        <a:rPr lang="en-US" altLang="zh-CN" sz="800" dirty="0" err="1">
+                          <a:latin typeface="Courier New" panose="02070309020205020404" pitchFamily="49" charset="0"/>
+                          <a:cs typeface="Courier New" panose="02070309020205020404" pitchFamily="49" charset="0"/>
+                        </a:rPr>
+                        <a:t>JobManagerMessages.ConnectionInformation</a:t>
+                      </a:r>
+                      <a:r>
+                        <a:rPr lang="en-US" altLang="zh-CN" sz="800" dirty="0">
+                          <a:latin typeface="Courier New" panose="02070309020205020404" pitchFamily="49" charset="0"/>
+                          <a:cs typeface="Courier New" panose="02070309020205020404" pitchFamily="49" charset="0"/>
+                        </a:rPr>
+                        <a:t>&gt;ask(</a:t>
+                      </a:r>
+                      <a:r>
+                        <a:rPr lang="en-US" altLang="zh-CN" sz="800" dirty="0" err="1">
+                          <a:latin typeface="Courier New" panose="02070309020205020404" pitchFamily="49" charset="0"/>
+                          <a:cs typeface="Courier New" panose="02070309020205020404" pitchFamily="49" charset="0"/>
+                        </a:rPr>
+                        <a:t>channelLookup</a:t>
+                      </a:r>
+                      <a:r>
+                        <a:rPr lang="en-US" altLang="zh-CN" sz="800" dirty="0">
+                          <a:latin typeface="Courier New" panose="02070309020205020404" pitchFamily="49" charset="0"/>
+                          <a:cs typeface="Courier New" panose="02070309020205020404" pitchFamily="49" charset="0"/>
+                        </a:rPr>
+                        <a:t>,</a:t>
+                      </a:r>
+                    </a:p>
+                    <a:p>
+                      <a:pPr marL="0" marR="0" indent="0" algn="l" rtl="0">
+                        <a:buFontTx/>
+                        <a:buNone/>
+                      </a:pPr>
+                      <a:r>
+                        <a:rPr lang="en-US" altLang="zh-CN" sz="800" dirty="0">
+                          <a:latin typeface="Courier New" panose="02070309020205020404" pitchFamily="49" charset="0"/>
+                          <a:cs typeface="Courier New" panose="02070309020205020404" pitchFamily="49" charset="0"/>
+                        </a:rPr>
+                        <a:t>  new </a:t>
+                      </a:r>
+                      <a:r>
+                        <a:rPr lang="en-US" altLang="zh-CN" sz="800" dirty="0" err="1">
+                          <a:latin typeface="Courier New" panose="02070309020205020404" pitchFamily="49" charset="0"/>
+                          <a:cs typeface="Courier New" panose="02070309020205020404" pitchFamily="49" charset="0"/>
+                        </a:rPr>
+                        <a:t>JobManagerMessages.LookupConnectionInformation</a:t>
+                      </a:r>
+                      <a:r>
+                        <a:rPr lang="en-US" altLang="zh-CN" sz="800" dirty="0">
+                          <a:latin typeface="Courier New" panose="02070309020205020404" pitchFamily="49" charset="0"/>
+                          <a:cs typeface="Courier New" panose="02070309020205020404" pitchFamily="49" charset="0"/>
+                        </a:rPr>
+                        <a:t>(</a:t>
+                      </a:r>
+                    </a:p>
+                    <a:p>
+                      <a:pPr marL="0" marR="0" indent="0" algn="l" rtl="0">
+                        <a:buFontTx/>
+                        <a:buNone/>
+                      </a:pPr>
+                      <a:r>
+                        <a:rPr lang="en-US" altLang="zh-CN" sz="800" dirty="0">
+                          <a:latin typeface="Courier New" panose="02070309020205020404" pitchFamily="49" charset="0"/>
+                          <a:cs typeface="Courier New" panose="02070309020205020404" pitchFamily="49" charset="0"/>
+                        </a:rPr>
+                        <a:t>  </a:t>
+                      </a:r>
+                      <a:r>
+                        <a:rPr lang="en-US" altLang="zh-CN" sz="800" dirty="0" err="1">
+                          <a:latin typeface="Courier New" panose="02070309020205020404" pitchFamily="49" charset="0"/>
+                          <a:cs typeface="Courier New" panose="02070309020205020404" pitchFamily="49" charset="0"/>
+                        </a:rPr>
+                        <a:t>connectionInfo</a:t>
+                      </a:r>
+                      <a:r>
+                        <a:rPr lang="en-US" altLang="zh-CN" sz="800" dirty="0">
+                          <a:latin typeface="Courier New" panose="02070309020205020404" pitchFamily="49" charset="0"/>
+                          <a:cs typeface="Courier New" panose="02070309020205020404" pitchFamily="49" charset="0"/>
+                        </a:rPr>
+                        <a:t>, </a:t>
+                      </a:r>
+                      <a:r>
+                        <a:rPr lang="en-US" altLang="zh-CN" sz="800" dirty="0" err="1">
+                          <a:latin typeface="Courier New" panose="02070309020205020404" pitchFamily="49" charset="0"/>
+                          <a:cs typeface="Courier New" panose="02070309020205020404" pitchFamily="49" charset="0"/>
+                        </a:rPr>
+                        <a:t>jobID</a:t>
+                      </a:r>
+                      <a:r>
+                        <a:rPr lang="en-US" altLang="zh-CN" sz="800" dirty="0">
+                          <a:latin typeface="Courier New" panose="02070309020205020404" pitchFamily="49" charset="0"/>
+                          <a:cs typeface="Courier New" panose="02070309020205020404" pitchFamily="49" charset="0"/>
+                        </a:rPr>
+                        <a:t>, </a:t>
+                      </a:r>
+                      <a:r>
+                        <a:rPr lang="en-US" altLang="zh-CN" sz="800" dirty="0" err="1">
+                          <a:latin typeface="Courier New" panose="02070309020205020404" pitchFamily="49" charset="0"/>
+                          <a:cs typeface="Courier New" panose="02070309020205020404" pitchFamily="49" charset="0"/>
+                        </a:rPr>
+                        <a:t>sourceChannelID</a:t>
+                      </a:r>
+                      <a:r>
+                        <a:rPr lang="en-US" altLang="zh-CN" sz="800" dirty="0">
+                          <a:latin typeface="Courier New" panose="02070309020205020404" pitchFamily="49" charset="0"/>
+                          <a:cs typeface="Courier New" panose="02070309020205020404" pitchFamily="49" charset="0"/>
+                        </a:rPr>
+                        <a:t>), timeout).response();</a:t>
+                      </a:r>
+                    </a:p>
+                    <a:p>
+                      <a:pPr marR="0" algn="l" rtl="0"/>
+                      <a:endParaRPr lang="zh-CN" altLang="en-US" sz="800" dirty="0">
+                        <a:latin typeface="Courier New" panose="02070309020205020404" pitchFamily="49" charset="0"/>
+                        <a:cs typeface="Courier New" panose="02070309020205020404" pitchFamily="49" charset="0"/>
+                      </a:endParaRPr>
+                    </a:p>
+                  </a:txBody>
+                  <a:tcPr/>
+                </a:tc>
+                <a:tc>
+                  <a:txBody>
+                    <a:bodyPr/>
+                    <a:lstStyle/>
+                    <a:p>
+                      <a:pPr marR="0" algn="l" rtl="0"/>
+                      <a:r>
+                        <a:rPr lang="en-US" altLang="zh-CN" sz="800" dirty="0">
+                          <a:latin typeface="Courier New" panose="02070309020205020404" pitchFamily="49" charset="0"/>
+                          <a:cs typeface="Courier New" panose="02070309020205020404" pitchFamily="49" charset="0"/>
+                        </a:rPr>
+                        <a:t>synchronized (</a:t>
+                      </a:r>
+                      <a:r>
+                        <a:rPr lang="en-US" altLang="zh-CN" sz="800" dirty="0" err="1">
+                          <a:latin typeface="Courier New" panose="02070309020205020404" pitchFamily="49" charset="0"/>
+                          <a:cs typeface="Courier New" panose="02070309020205020404" pitchFamily="49" charset="0"/>
+                        </a:rPr>
+                        <a:t>obj</a:t>
+                      </a:r>
+                      <a:r>
+                        <a:rPr lang="en-US" altLang="zh-CN" sz="800" dirty="0">
+                          <a:latin typeface="Courier New" panose="02070309020205020404" pitchFamily="49" charset="0"/>
+                          <a:cs typeface="Courier New" panose="02070309020205020404" pitchFamily="49" charset="0"/>
+                        </a:rPr>
+                        <a:t>) {</a:t>
+                      </a:r>
+                    </a:p>
+                    <a:p>
+                      <a:pPr marR="0" algn="l" rtl="0"/>
+                      <a:r>
+                        <a:rPr lang="en-US" altLang="zh-CN" sz="800" dirty="0">
+                          <a:latin typeface="Courier New" panose="02070309020205020404" pitchFamily="49" charset="0"/>
+                          <a:cs typeface="Courier New" panose="02070309020205020404" pitchFamily="49" charset="0"/>
+                        </a:rPr>
+                        <a:t>  ...</a:t>
+                      </a:r>
+                    </a:p>
+                    <a:p>
+                      <a:pPr marR="0" algn="l" rtl="0"/>
+                      <a:r>
+                        <a:rPr lang="en-US" altLang="zh-CN" sz="800" dirty="0">
+                          <a:latin typeface="Courier New" panose="02070309020205020404" pitchFamily="49" charset="0"/>
+                          <a:cs typeface="Courier New" panose="02070309020205020404" pitchFamily="49" charset="0"/>
+                        </a:rPr>
+                        <a:t>}</a:t>
+                      </a:r>
+                      <a:endParaRPr lang="zh-CN" altLang="en-US" sz="800" dirty="0">
+                        <a:latin typeface="Courier New" panose="02070309020205020404" pitchFamily="49" charset="0"/>
+                        <a:cs typeface="Courier New" panose="02070309020205020404" pitchFamily="49" charset="0"/>
+                      </a:endParaRPr>
+                    </a:p>
+                  </a:txBody>
+                  <a:tcPr anchor="ctr"/>
+                </a:tc>
+                <a:tc>
+                  <a:txBody>
+                    <a:bodyPr/>
+                    <a:lstStyle/>
+                    <a:p>
+                      <a:pPr marR="0" algn="l" rtl="0"/>
+                      <a:r>
+                        <a:rPr lang="en-US" altLang="zh-CN" sz="800" dirty="0">
+                          <a:latin typeface="Courier New" panose="02070309020205020404" pitchFamily="49" charset="0"/>
+                          <a:cs typeface="Courier New" panose="02070309020205020404" pitchFamily="49" charset="0"/>
+                        </a:rPr>
+                        <a:t>...</a:t>
+                      </a:r>
+                      <a:endParaRPr lang="zh-CN" altLang="en-US" sz="800" dirty="0">
+                        <a:latin typeface="Courier New" panose="02070309020205020404" pitchFamily="49" charset="0"/>
+                        <a:cs typeface="Courier New" panose="02070309020205020404" pitchFamily="49" charset="0"/>
+                      </a:endParaRPr>
+                    </a:p>
+                  </a:txBody>
+                  <a:tcPr anchor="ctr"/>
+                </a:tc>
+                <a:extLst>
+                  <a:ext uri="{0D108BD9-81ED-4DB2-BD59-A6C34878D82A}">
+                    <a16:rowId xmlns:a16="http://schemas.microsoft.com/office/drawing/2014/main" val="1148156286"/>
+                  </a:ext>
+                </a:extLst>
+              </a:tr>
+              <a:tr h="419100">
+                <a:tc>
+                  <a:txBody>
+                    <a:bodyPr/>
+                    <a:lstStyle/>
+                    <a:p>
+                      <a:pPr marR="0" algn="ctr" rtl="0"/>
+                      <a:r>
+                        <a:rPr lang="en-US" altLang="zh-CN" sz="800" dirty="0">
+                          <a:latin typeface="Courier New" panose="02070309020205020404" pitchFamily="49" charset="0"/>
+                          <a:cs typeface="Courier New" panose="02070309020205020404" pitchFamily="49" charset="0"/>
+                        </a:rPr>
+                        <a:t>7</a:t>
+                      </a:r>
+                      <a:endParaRPr lang="zh-CN" altLang="en-US" sz="800" dirty="0">
+                        <a:latin typeface="Courier New" panose="02070309020205020404" pitchFamily="49" charset="0"/>
+                        <a:cs typeface="Courier New" panose="02070309020205020404" pitchFamily="49" charset="0"/>
+                      </a:endParaRPr>
+                    </a:p>
+                  </a:txBody>
+                  <a:tcPr anchor="ctr"/>
+                </a:tc>
+                <a:tc>
+                  <a:txBody>
+                    <a:bodyPr/>
+                    <a:lstStyle/>
+                    <a:p>
+                      <a:pPr marR="0" algn="l" rtl="0"/>
+                      <a:endParaRPr lang="en-US" altLang="zh-CN" sz="800" dirty="0">
+                        <a:solidFill>
+                          <a:schemeClr val="tx1"/>
+                        </a:solidFill>
+                        <a:latin typeface="Courier New" panose="02070309020205020404" pitchFamily="49" charset="0"/>
+                        <a:cs typeface="Courier New" panose="02070309020205020404" pitchFamily="49" charset="0"/>
+                      </a:endParaRPr>
+                    </a:p>
+                  </a:txBody>
+                  <a:tcPr/>
+                </a:tc>
+                <a:tc>
+                  <a:txBody>
+                    <a:bodyPr/>
+                    <a:lstStyle/>
+                    <a:p>
+                      <a:pPr marR="0" algn="l" rtl="0"/>
+                      <a:endParaRPr lang="zh-CN" altLang="en-US" sz="800" dirty="0">
+                        <a:latin typeface="Courier New" panose="02070309020205020404" pitchFamily="49" charset="0"/>
+                        <a:cs typeface="Courier New" panose="02070309020205020404" pitchFamily="49" charset="0"/>
+                      </a:endParaRPr>
+                    </a:p>
+                  </a:txBody>
+                  <a:tcPr/>
+                </a:tc>
+                <a:tc>
+                  <a:txBody>
+                    <a:bodyPr/>
+                    <a:lstStyle/>
+                    <a:p>
+                      <a:pPr marR="0" algn="l" rtl="0"/>
+                      <a:endParaRPr lang="zh-CN" altLang="en-US" sz="800" dirty="0">
+                        <a:latin typeface="Courier New" panose="02070309020205020404" pitchFamily="49" charset="0"/>
+                        <a:cs typeface="Courier New" panose="02070309020205020404" pitchFamily="49" charset="0"/>
+                      </a:endParaRPr>
+                    </a:p>
+                  </a:txBody>
+                  <a:tcPr anchor="ctr"/>
+                </a:tc>
+                <a:tc>
+                  <a:txBody>
+                    <a:bodyPr/>
+                    <a:lstStyle/>
+                    <a:p>
+                      <a:pPr marR="0" algn="l" rtl="0"/>
+                      <a:endParaRPr lang="zh-CN" altLang="en-US" sz="800" dirty="0">
+                        <a:latin typeface="Courier New" panose="02070309020205020404" pitchFamily="49" charset="0"/>
+                        <a:cs typeface="Courier New" panose="02070309020205020404" pitchFamily="49" charset="0"/>
+                      </a:endParaRPr>
+                    </a:p>
+                  </a:txBody>
+                  <a:tcPr anchor="ctr"/>
+                </a:tc>
+                <a:extLst>
+                  <a:ext uri="{0D108BD9-81ED-4DB2-BD59-A6C34878D82A}">
+                    <a16:rowId xmlns:a16="http://schemas.microsoft.com/office/drawing/2014/main" val="2079679044"/>
+                  </a:ext>
+                </a:extLst>
+              </a:tr>
+              <a:tr h="318466">
+                <a:tc>
+                  <a:txBody>
+                    <a:bodyPr/>
+                    <a:lstStyle/>
+                    <a:p>
+                      <a:pPr marR="0" algn="ctr" rtl="0"/>
+                      <a:r>
+                        <a:rPr lang="en-US" altLang="zh-CN" sz="800" dirty="0">
+                          <a:latin typeface="Courier New" panose="02070309020205020404" pitchFamily="49" charset="0"/>
+                          <a:cs typeface="Courier New" panose="02070309020205020404" pitchFamily="49" charset="0"/>
+                        </a:rPr>
+                        <a:t>8</a:t>
+                      </a:r>
+                      <a:endParaRPr lang="zh-CN" altLang="en-US" sz="800" dirty="0">
+                        <a:latin typeface="Courier New" panose="02070309020205020404" pitchFamily="49" charset="0"/>
+                        <a:cs typeface="Courier New" panose="02070309020205020404" pitchFamily="49" charset="0"/>
+                      </a:endParaRPr>
+                    </a:p>
+                  </a:txBody>
+                  <a:tcPr anchor="ctr"/>
+                </a:tc>
+                <a:tc>
+                  <a:txBody>
+                    <a:bodyPr/>
+                    <a:lstStyle/>
+                    <a:p>
+                      <a:pPr marR="0" algn="l" rtl="0"/>
+                      <a:r>
+                        <a:rPr lang="en-US" altLang="zh-CN" sz="800" dirty="0">
+                          <a:solidFill>
+                            <a:schemeClr val="tx1"/>
+                          </a:solidFill>
+                          <a:latin typeface="Courier New" panose="02070309020205020404" pitchFamily="49" charset="0"/>
+                          <a:cs typeface="Courier New" panose="02070309020205020404" pitchFamily="49" charset="0"/>
+                        </a:rPr>
+                        <a:t> synchronized (buffers) {</a:t>
+                      </a:r>
+                    </a:p>
+                    <a:p>
+                      <a:pPr marR="0" algn="l" rtl="0"/>
+                      <a:r>
+                        <a:rPr lang="en-US" altLang="zh-CN" sz="800" dirty="0">
+                          <a:solidFill>
+                            <a:schemeClr val="tx1"/>
+                          </a:solidFill>
+                          <a:latin typeface="Courier New" panose="02070309020205020404" pitchFamily="49" charset="0"/>
+                          <a:cs typeface="Courier New" panose="02070309020205020404" pitchFamily="49" charset="0"/>
+                        </a:rPr>
+                        <a:t>   if (...) {</a:t>
+                      </a:r>
+                    </a:p>
+                    <a:p>
+                      <a:pPr marR="0" algn="l" rtl="0"/>
+                      <a:r>
+                        <a:rPr lang="en-US" altLang="zh-CN" sz="800" dirty="0">
+                          <a:solidFill>
+                            <a:srgbClr val="C00000"/>
+                          </a:solidFill>
+                          <a:latin typeface="Courier New" panose="02070309020205020404" pitchFamily="49" charset="0"/>
+                          <a:cs typeface="Courier New" panose="02070309020205020404" pitchFamily="49" charset="0"/>
+                        </a:rPr>
+                        <a:t>-    if (</a:t>
+                      </a:r>
+                      <a:r>
+                        <a:rPr lang="en-US" altLang="zh-CN" sz="800" dirty="0" err="1">
+                          <a:solidFill>
+                            <a:srgbClr val="C00000"/>
+                          </a:solidFill>
+                          <a:latin typeface="Courier New" panose="02070309020205020404" pitchFamily="49" charset="0"/>
+                          <a:cs typeface="Courier New" panose="02070309020205020404" pitchFamily="49" charset="0"/>
+                        </a:rPr>
+                        <a:t>spillWriter</a:t>
+                      </a:r>
+                      <a:r>
+                        <a:rPr lang="en-US" altLang="zh-CN" sz="800" dirty="0">
+                          <a:solidFill>
+                            <a:srgbClr val="C00000"/>
+                          </a:solidFill>
+                          <a:latin typeface="Courier New" panose="02070309020205020404" pitchFamily="49" charset="0"/>
+                          <a:cs typeface="Courier New" panose="02070309020205020404" pitchFamily="49" charset="0"/>
+                        </a:rPr>
+                        <a:t> != null) {</a:t>
+                      </a:r>
+                    </a:p>
+                    <a:p>
+                      <a:pPr marR="0" algn="l" rtl="0"/>
+                      <a:r>
+                        <a:rPr lang="en-US" altLang="zh-CN" sz="800" dirty="0">
+                          <a:solidFill>
+                            <a:srgbClr val="C00000"/>
+                          </a:solidFill>
+                          <a:latin typeface="Courier New" panose="02070309020205020404" pitchFamily="49" charset="0"/>
+                          <a:cs typeface="Courier New" panose="02070309020205020404" pitchFamily="49" charset="0"/>
+                        </a:rPr>
+                        <a:t>-      </a:t>
+                      </a:r>
+                      <a:r>
+                        <a:rPr lang="en-US" altLang="zh-CN" sz="800" dirty="0" err="1">
+                          <a:solidFill>
+                            <a:srgbClr val="C00000"/>
+                          </a:solidFill>
+                          <a:latin typeface="Courier New" panose="02070309020205020404" pitchFamily="49" charset="0"/>
+                          <a:cs typeface="Courier New" panose="02070309020205020404" pitchFamily="49" charset="0"/>
+                        </a:rPr>
+                        <a:t>spillWriter.close</a:t>
+                      </a:r>
+                      <a:r>
+                        <a:rPr lang="en-US" altLang="zh-CN" sz="800" dirty="0">
+                          <a:solidFill>
+                            <a:srgbClr val="C00000"/>
+                          </a:solidFill>
+                          <a:latin typeface="Courier New" panose="02070309020205020404" pitchFamily="49" charset="0"/>
+                          <a:cs typeface="Courier New" panose="02070309020205020404" pitchFamily="49" charset="0"/>
+                        </a:rPr>
+                        <a:t>();</a:t>
+                      </a:r>
+                    </a:p>
+                    <a:p>
+                      <a:pPr marR="0" algn="l" rtl="0"/>
+                      <a:r>
+                        <a:rPr lang="en-US" altLang="zh-CN" sz="800" dirty="0">
+                          <a:solidFill>
+                            <a:srgbClr val="C00000"/>
+                          </a:solidFill>
+                          <a:latin typeface="Courier New" panose="02070309020205020404" pitchFamily="49" charset="0"/>
+                          <a:cs typeface="Courier New" panose="02070309020205020404" pitchFamily="49" charset="0"/>
+                        </a:rPr>
+                        <a:t>-    }</a:t>
+                      </a:r>
+                    </a:p>
+                    <a:p>
+                      <a:pPr marR="0" algn="l" rtl="0"/>
+                      <a:r>
+                        <a:rPr lang="en-US" altLang="zh-CN" sz="800" dirty="0">
+                          <a:solidFill>
+                            <a:schemeClr val="tx1"/>
+                          </a:solidFill>
+                          <a:latin typeface="Courier New" panose="02070309020205020404" pitchFamily="49" charset="0"/>
+                          <a:cs typeface="Courier New" panose="02070309020205020404" pitchFamily="49" charset="0"/>
+                        </a:rPr>
+                        <a:t>     </a:t>
+                      </a:r>
+                      <a:r>
+                        <a:rPr lang="en-US" altLang="zh-CN" sz="800" dirty="0" err="1">
+                          <a:solidFill>
+                            <a:schemeClr val="tx1"/>
+                          </a:solidFill>
+                          <a:latin typeface="Courier New" panose="02070309020205020404" pitchFamily="49" charset="0"/>
+                          <a:cs typeface="Courier New" panose="02070309020205020404" pitchFamily="49" charset="0"/>
+                        </a:rPr>
+                        <a:t>isFinished</a:t>
+                      </a:r>
+                      <a:r>
+                        <a:rPr lang="en-US" altLang="zh-CN" sz="800" dirty="0">
+                          <a:solidFill>
+                            <a:schemeClr val="tx1"/>
+                          </a:solidFill>
+                          <a:latin typeface="Courier New" panose="02070309020205020404" pitchFamily="49" charset="0"/>
+                          <a:cs typeface="Courier New" panose="02070309020205020404" pitchFamily="49" charset="0"/>
+                        </a:rPr>
+                        <a:t> = true;</a:t>
+                      </a:r>
+                    </a:p>
+                    <a:p>
+                      <a:pPr marR="0" algn="l" rtl="0"/>
+                      <a:r>
+                        <a:rPr lang="en-US" altLang="zh-CN" sz="800" dirty="0">
+                          <a:solidFill>
+                            <a:schemeClr val="tx1"/>
+                          </a:solidFill>
+                          <a:latin typeface="Courier New" panose="02070309020205020404" pitchFamily="49" charset="0"/>
+                          <a:cs typeface="Courier New" panose="02070309020205020404" pitchFamily="49" charset="0"/>
+                        </a:rPr>
+                        <a:t>   }</a:t>
+                      </a:r>
+                    </a:p>
+                    <a:p>
+                      <a:pPr marR="0" algn="l" rtl="0"/>
+                      <a:r>
+                        <a:rPr lang="en-US" altLang="zh-CN" sz="800" dirty="0">
+                          <a:solidFill>
+                            <a:schemeClr val="tx1"/>
+                          </a:solidFill>
+                          <a:latin typeface="Courier New" panose="02070309020205020404" pitchFamily="49" charset="0"/>
+                          <a:cs typeface="Courier New" panose="02070309020205020404" pitchFamily="49" charset="0"/>
+                        </a:rPr>
+                        <a:t> }</a:t>
+                      </a:r>
+                      <a:endParaRPr lang="en-US" altLang="zh-CN" sz="800" dirty="0">
+                        <a:solidFill>
+                          <a:schemeClr val="tx1"/>
+                        </a:solidFill>
+                        <a:latin typeface="Courier New" panose="02070309020205020404" pitchFamily="49" charset="0"/>
+                        <a:cs typeface="Courier New" panose="02070309020205020404" pitchFamily="49" charset="0"/>
+                      </a:endParaRPr>
+                    </a:p>
+                  </a:txBody>
+                  <a:tcPr/>
+                </a:tc>
+                <a:tc>
+                  <a:txBody>
+                    <a:bodyPr/>
+                    <a:lstStyle/>
+                    <a:p>
+                      <a:pPr marR="0" algn="l" rtl="0"/>
+                      <a:r>
+                        <a:rPr lang="en-US" altLang="zh-CN" sz="800" dirty="0">
+                          <a:latin typeface="Courier New" panose="02070309020205020404" pitchFamily="49" charset="0"/>
+                          <a:cs typeface="Courier New" panose="02070309020205020404" pitchFamily="49" charset="0"/>
+                        </a:rPr>
+                        <a:t> synchronized (buffers) {</a:t>
+                      </a:r>
+                    </a:p>
+                    <a:p>
+                      <a:pPr marR="0" algn="l" rtl="0"/>
+                      <a:r>
+                        <a:rPr lang="en-US" altLang="zh-CN" sz="800" dirty="0">
+                          <a:latin typeface="Courier New" panose="02070309020205020404" pitchFamily="49" charset="0"/>
+                          <a:cs typeface="Courier New" panose="02070309020205020404" pitchFamily="49" charset="0"/>
+                        </a:rPr>
+                        <a:t>   if (...) {</a:t>
+                      </a:r>
+                    </a:p>
+                    <a:p>
+                      <a:pPr marR="0" algn="l" rtl="0"/>
+                      <a:r>
+                        <a:rPr lang="en-US" altLang="zh-CN" sz="800" dirty="0">
+                          <a:latin typeface="Courier New" panose="02070309020205020404" pitchFamily="49" charset="0"/>
+                          <a:cs typeface="Courier New" panose="02070309020205020404" pitchFamily="49" charset="0"/>
+                        </a:rPr>
+                        <a:t>     </a:t>
+                      </a:r>
+                      <a:r>
+                        <a:rPr lang="en-US" altLang="zh-CN" sz="800" dirty="0" err="1">
+                          <a:latin typeface="Courier New" panose="02070309020205020404" pitchFamily="49" charset="0"/>
+                          <a:cs typeface="Courier New" panose="02070309020205020404" pitchFamily="49" charset="0"/>
+                        </a:rPr>
+                        <a:t>isFinished</a:t>
+                      </a:r>
+                      <a:r>
+                        <a:rPr lang="en-US" altLang="zh-CN" sz="800" dirty="0">
+                          <a:latin typeface="Courier New" panose="02070309020205020404" pitchFamily="49" charset="0"/>
+                          <a:cs typeface="Courier New" panose="02070309020205020404" pitchFamily="49" charset="0"/>
+                        </a:rPr>
+                        <a:t> = true;</a:t>
+                      </a:r>
+                    </a:p>
+                    <a:p>
+                      <a:pPr marR="0" algn="l" rtl="0"/>
+                      <a:r>
+                        <a:rPr lang="en-US" altLang="zh-CN" sz="800" dirty="0">
+                          <a:latin typeface="Courier New" panose="02070309020205020404" pitchFamily="49" charset="0"/>
+                          <a:cs typeface="Courier New" panose="02070309020205020404" pitchFamily="49" charset="0"/>
+                        </a:rPr>
+                        <a:t>   }</a:t>
+                      </a:r>
+                    </a:p>
+                    <a:p>
+                      <a:pPr marR="0" algn="l" rtl="0"/>
+                      <a:r>
+                        <a:rPr lang="en-US" altLang="zh-CN" sz="800" dirty="0">
+                          <a:latin typeface="Courier New" panose="02070309020205020404" pitchFamily="49" charset="0"/>
+                          <a:cs typeface="Courier New" panose="02070309020205020404" pitchFamily="49" charset="0"/>
+                        </a:rPr>
+                        <a:t> }</a:t>
+                      </a:r>
+                    </a:p>
+                    <a:p>
+                      <a:pPr marR="0" algn="l" rtl="0"/>
+                      <a:r>
+                        <a:rPr lang="en-US" altLang="zh-CN" sz="800" dirty="0">
+                          <a:solidFill>
+                            <a:srgbClr val="0070C0"/>
+                          </a:solidFill>
+                          <a:latin typeface="Courier New" panose="02070309020205020404" pitchFamily="49" charset="0"/>
+                          <a:cs typeface="Courier New" panose="02070309020205020404" pitchFamily="49" charset="0"/>
+                        </a:rPr>
+                        <a:t>+if (</a:t>
+                      </a:r>
+                      <a:r>
+                        <a:rPr lang="en-US" altLang="zh-CN" sz="800" dirty="0" err="1">
+                          <a:solidFill>
+                            <a:srgbClr val="0070C0"/>
+                          </a:solidFill>
+                          <a:latin typeface="Courier New" panose="02070309020205020404" pitchFamily="49" charset="0"/>
+                          <a:cs typeface="Courier New" panose="02070309020205020404" pitchFamily="49" charset="0"/>
+                        </a:rPr>
+                        <a:t>spillWriter</a:t>
+                      </a:r>
+                      <a:r>
+                        <a:rPr lang="en-US" altLang="zh-CN" sz="800" dirty="0">
+                          <a:solidFill>
+                            <a:srgbClr val="0070C0"/>
+                          </a:solidFill>
+                          <a:latin typeface="Courier New" panose="02070309020205020404" pitchFamily="49" charset="0"/>
+                          <a:cs typeface="Courier New" panose="02070309020205020404" pitchFamily="49" charset="0"/>
+                        </a:rPr>
+                        <a:t> != null) {</a:t>
+                      </a:r>
+                    </a:p>
+                    <a:p>
+                      <a:pPr marR="0" algn="l" rtl="0"/>
+                      <a:r>
+                        <a:rPr lang="en-US" altLang="zh-CN" sz="800" dirty="0">
+                          <a:solidFill>
+                            <a:srgbClr val="0070C0"/>
+                          </a:solidFill>
+                          <a:latin typeface="Courier New" panose="02070309020205020404" pitchFamily="49" charset="0"/>
+                          <a:cs typeface="Courier New" panose="02070309020205020404" pitchFamily="49" charset="0"/>
+                        </a:rPr>
+                        <a:t>+  </a:t>
+                      </a:r>
+                      <a:r>
+                        <a:rPr lang="en-US" altLang="zh-CN" sz="800" dirty="0" err="1">
+                          <a:solidFill>
+                            <a:srgbClr val="0070C0"/>
+                          </a:solidFill>
+                          <a:latin typeface="Courier New" panose="02070309020205020404" pitchFamily="49" charset="0"/>
+                          <a:cs typeface="Courier New" panose="02070309020205020404" pitchFamily="49" charset="0"/>
+                        </a:rPr>
+                        <a:t>spillWriter.close</a:t>
+                      </a:r>
+                      <a:r>
+                        <a:rPr lang="en-US" altLang="zh-CN" sz="800" dirty="0">
+                          <a:solidFill>
+                            <a:srgbClr val="0070C0"/>
+                          </a:solidFill>
+                          <a:latin typeface="Courier New" panose="02070309020205020404" pitchFamily="49" charset="0"/>
+                          <a:cs typeface="Courier New" panose="02070309020205020404" pitchFamily="49" charset="0"/>
+                        </a:rPr>
+                        <a:t>();</a:t>
+                      </a:r>
+                    </a:p>
+                    <a:p>
+                      <a:pPr marR="0" algn="l" rtl="0"/>
+                      <a:r>
+                        <a:rPr lang="en-US" altLang="zh-CN" sz="800" dirty="0">
+                          <a:solidFill>
+                            <a:srgbClr val="0070C0"/>
+                          </a:solidFill>
+                          <a:latin typeface="Courier New" panose="02070309020205020404" pitchFamily="49" charset="0"/>
+                          <a:cs typeface="Courier New" panose="02070309020205020404" pitchFamily="49" charset="0"/>
+                        </a:rPr>
+                        <a:t>+}</a:t>
+                      </a:r>
+                    </a:p>
+                  </a:txBody>
+                  <a:tcPr/>
+                </a:tc>
+                <a:tc>
+                  <a:txBody>
+                    <a:bodyPr/>
+                    <a:lstStyle/>
+                    <a:p>
+                      <a:pPr marR="0" algn="l" rtl="0"/>
+                      <a:r>
+                        <a:rPr lang="en-US" altLang="zh-CN" sz="800" dirty="0">
+                          <a:latin typeface="Courier New" panose="02070309020205020404" pitchFamily="49" charset="0"/>
+                          <a:cs typeface="Courier New" panose="02070309020205020404" pitchFamily="49" charset="0"/>
+                        </a:rPr>
+                        <a:t>synchronized (</a:t>
+                      </a:r>
+                      <a:r>
+                        <a:rPr lang="en-US" altLang="zh-CN" sz="800" dirty="0" err="1">
+                          <a:latin typeface="Courier New" panose="02070309020205020404" pitchFamily="49" charset="0"/>
+                          <a:cs typeface="Courier New" panose="02070309020205020404" pitchFamily="49" charset="0"/>
+                        </a:rPr>
+                        <a:t>obj</a:t>
+                      </a:r>
+                      <a:r>
+                        <a:rPr lang="en-US" altLang="zh-CN" sz="800" dirty="0">
+                          <a:latin typeface="Courier New" panose="02070309020205020404" pitchFamily="49" charset="0"/>
+                          <a:cs typeface="Courier New" panose="02070309020205020404" pitchFamily="49" charset="0"/>
+                        </a:rPr>
+                        <a:t>) {</a:t>
+                      </a:r>
+                    </a:p>
+                    <a:p>
+                      <a:pPr marR="0" algn="l" rtl="0"/>
+                      <a:r>
+                        <a:rPr lang="en-US" altLang="zh-CN" sz="800" dirty="0">
+                          <a:latin typeface="Courier New" panose="02070309020205020404" pitchFamily="49" charset="0"/>
+                          <a:cs typeface="Courier New" panose="02070309020205020404" pitchFamily="49" charset="0"/>
+                        </a:rPr>
+                        <a:t>  statements1</a:t>
+                      </a:r>
+                    </a:p>
+                    <a:p>
+                      <a:pPr marR="0" algn="l" rtl="0"/>
+                      <a:r>
+                        <a:rPr lang="en-US" altLang="zh-CN" sz="800" dirty="0">
+                          <a:latin typeface="Courier New" panose="02070309020205020404" pitchFamily="49" charset="0"/>
+                          <a:cs typeface="Courier New" panose="02070309020205020404" pitchFamily="49" charset="0"/>
+                        </a:rPr>
+                        <a:t>  statements2</a:t>
+                      </a:r>
+                    </a:p>
+                    <a:p>
+                      <a:pPr marR="0" algn="l" rtl="0"/>
+                      <a:r>
+                        <a:rPr lang="en-US" altLang="zh-CN" sz="800" dirty="0">
+                          <a:latin typeface="Courier New" panose="02070309020205020404" pitchFamily="49" charset="0"/>
+                          <a:cs typeface="Courier New" panose="02070309020205020404" pitchFamily="49" charset="0"/>
+                        </a:rPr>
+                        <a:t>}</a:t>
+                      </a:r>
+                      <a:endParaRPr lang="zh-CN" altLang="en-US" sz="800" dirty="0">
+                        <a:latin typeface="Courier New" panose="02070309020205020404" pitchFamily="49" charset="0"/>
+                        <a:cs typeface="Courier New" panose="02070309020205020404" pitchFamily="49" charset="0"/>
+                      </a:endParaRPr>
+                    </a:p>
+                  </a:txBody>
+                  <a:tcPr anchor="ctr"/>
+                </a:tc>
+                <a:tc>
+                  <a:txBody>
+                    <a:bodyPr/>
+                    <a:lstStyle/>
+                    <a:p>
+                      <a:pPr marR="0" algn="l" rtl="0"/>
+                      <a:r>
+                        <a:rPr lang="en-US" altLang="zh-CN" sz="800" dirty="0">
+                          <a:latin typeface="Courier New" panose="02070309020205020404" pitchFamily="49" charset="0"/>
+                          <a:cs typeface="Courier New" panose="02070309020205020404" pitchFamily="49" charset="0"/>
+                        </a:rPr>
+                        <a:t>synchronized (</a:t>
+                      </a:r>
+                      <a:r>
+                        <a:rPr lang="en-US" altLang="zh-CN" sz="800" dirty="0" err="1">
+                          <a:latin typeface="Courier New" panose="02070309020205020404" pitchFamily="49" charset="0"/>
+                          <a:cs typeface="Courier New" panose="02070309020205020404" pitchFamily="49" charset="0"/>
+                        </a:rPr>
+                        <a:t>obj</a:t>
+                      </a:r>
+                      <a:r>
+                        <a:rPr lang="en-US" altLang="zh-CN" sz="800" dirty="0">
+                          <a:latin typeface="Courier New" panose="02070309020205020404" pitchFamily="49" charset="0"/>
+                          <a:cs typeface="Courier New" panose="02070309020205020404" pitchFamily="49" charset="0"/>
+                        </a:rPr>
+                        <a:t>) {</a:t>
+                      </a:r>
+                    </a:p>
+                    <a:p>
+                      <a:pPr marR="0" algn="l" rtl="0"/>
+                      <a:r>
+                        <a:rPr lang="en-US" altLang="zh-CN" sz="800" dirty="0">
+                          <a:latin typeface="Courier New" panose="02070309020205020404" pitchFamily="49" charset="0"/>
+                          <a:cs typeface="Courier New" panose="02070309020205020404" pitchFamily="49" charset="0"/>
+                        </a:rPr>
+                        <a:t>  statements1</a:t>
+                      </a:r>
+                    </a:p>
+                    <a:p>
+                      <a:pPr marR="0" algn="l" rtl="0"/>
+                      <a:r>
+                        <a:rPr lang="en-US" altLang="zh-CN" sz="800" dirty="0">
+                          <a:latin typeface="Courier New" panose="02070309020205020404" pitchFamily="49" charset="0"/>
+                          <a:cs typeface="Courier New" panose="02070309020205020404" pitchFamily="49" charset="0"/>
+                        </a:rPr>
+                        <a:t>}</a:t>
+                      </a:r>
+                    </a:p>
+                    <a:p>
+                      <a:pPr marR="0" algn="l" rtl="0"/>
+                      <a:r>
+                        <a:rPr lang="en-US" altLang="zh-CN" sz="800" dirty="0">
+                          <a:latin typeface="Courier New" panose="02070309020205020404" pitchFamily="49" charset="0"/>
+                          <a:cs typeface="Courier New" panose="02070309020205020404" pitchFamily="49" charset="0"/>
+                        </a:rPr>
+                        <a:t>statements2</a:t>
+                      </a:r>
+                      <a:endParaRPr lang="zh-CN" altLang="en-US" sz="800" dirty="0">
+                        <a:latin typeface="Courier New" panose="02070309020205020404" pitchFamily="49" charset="0"/>
+                        <a:cs typeface="Courier New" panose="02070309020205020404" pitchFamily="49" charset="0"/>
+                      </a:endParaRPr>
+                    </a:p>
+                  </a:txBody>
+                  <a:tcPr anchor="ctr"/>
+                </a:tc>
+                <a:extLst>
+                  <a:ext uri="{0D108BD9-81ED-4DB2-BD59-A6C34878D82A}">
+                    <a16:rowId xmlns:a16="http://schemas.microsoft.com/office/drawing/2014/main" val="601023897"/>
+                  </a:ext>
+                </a:extLst>
+              </a:tr>
+              <a:tr h="318466">
+                <a:tc>
+                  <a:txBody>
+                    <a:bodyPr/>
+                    <a:lstStyle/>
+                    <a:p>
+                      <a:pPr marR="0" algn="ctr" rtl="0"/>
+                      <a:r>
+                        <a:rPr lang="en-US" altLang="zh-CN" sz="800" dirty="0">
+                          <a:latin typeface="Courier New" panose="02070309020205020404" pitchFamily="49" charset="0"/>
+                          <a:cs typeface="Courier New" panose="02070309020205020404" pitchFamily="49" charset="0"/>
+                        </a:rPr>
+                        <a:t>9</a:t>
+                      </a:r>
+                      <a:endParaRPr lang="zh-CN" altLang="en-US" sz="800" dirty="0">
+                        <a:latin typeface="Courier New" panose="02070309020205020404" pitchFamily="49" charset="0"/>
+                        <a:cs typeface="Courier New" panose="02070309020205020404" pitchFamily="49" charset="0"/>
+                      </a:endParaRPr>
+                    </a:p>
+                  </a:txBody>
+                  <a:tcPr anchor="ctr"/>
+                </a:tc>
+                <a:tc>
+                  <a:txBody>
+                    <a:bodyPr/>
+                    <a:lstStyle/>
+                    <a:p>
+                      <a:pPr marR="0" algn="l" rtl="0"/>
+                      <a:endParaRPr lang="en-US" altLang="zh-CN" sz="800" dirty="0">
+                        <a:solidFill>
+                          <a:schemeClr val="tx1"/>
+                        </a:solidFill>
+                        <a:latin typeface="Courier New" panose="02070309020205020404" pitchFamily="49" charset="0"/>
+                        <a:cs typeface="Courier New" panose="02070309020205020404" pitchFamily="49" charset="0"/>
+                      </a:endParaRPr>
+                    </a:p>
+                  </a:txBody>
+                  <a:tcPr/>
+                </a:tc>
+                <a:tc>
+                  <a:txBody>
+                    <a:bodyPr/>
+                    <a:lstStyle/>
+                    <a:p>
+                      <a:pPr marR="0" algn="l" rtl="0"/>
+                      <a:endParaRPr lang="en-US" altLang="zh-CN" sz="800" dirty="0">
+                        <a:latin typeface="Courier New" panose="02070309020205020404" pitchFamily="49" charset="0"/>
+                        <a:cs typeface="Courier New" panose="02070309020205020404" pitchFamily="49" charset="0"/>
+                      </a:endParaRPr>
+                    </a:p>
+                  </a:txBody>
+                  <a:tcPr/>
+                </a:tc>
+                <a:tc>
+                  <a:txBody>
+                    <a:bodyPr/>
+                    <a:lstStyle/>
+                    <a:p>
+                      <a:pPr marR="0" algn="l" rtl="0"/>
+                      <a:endParaRPr lang="zh-CN" altLang="en-US" sz="800" dirty="0">
+                        <a:latin typeface="Courier New" panose="02070309020205020404" pitchFamily="49" charset="0"/>
+                        <a:cs typeface="Courier New" panose="02070309020205020404" pitchFamily="49" charset="0"/>
+                      </a:endParaRPr>
+                    </a:p>
+                  </a:txBody>
+                  <a:tcPr anchor="ctr"/>
+                </a:tc>
+                <a:tc>
+                  <a:txBody>
+                    <a:bodyPr/>
+                    <a:lstStyle/>
+                    <a:p>
+                      <a:pPr marR="0" algn="l" rtl="0"/>
+                      <a:endParaRPr lang="zh-CN" altLang="en-US" sz="800" dirty="0">
+                        <a:latin typeface="Courier New" panose="02070309020205020404" pitchFamily="49" charset="0"/>
+                        <a:cs typeface="Courier New" panose="02070309020205020404" pitchFamily="49" charset="0"/>
+                      </a:endParaRPr>
+                    </a:p>
+                  </a:txBody>
+                  <a:tcPr anchor="ctr"/>
+                </a:tc>
+                <a:extLst>
+                  <a:ext uri="{0D108BD9-81ED-4DB2-BD59-A6C34878D82A}">
+                    <a16:rowId xmlns:a16="http://schemas.microsoft.com/office/drawing/2014/main" val="1089536710"/>
+                  </a:ext>
+                </a:extLst>
+              </a:tr>
+              <a:tr h="210820">
+                <a:tc>
+                  <a:txBody>
+                    <a:bodyPr/>
+                    <a:lstStyle/>
+                    <a:p>
+                      <a:pPr marR="0" algn="ctr" rtl="0"/>
+                      <a:r>
+                        <a:rPr lang="en-US" altLang="zh-CN" sz="800" dirty="0">
+                          <a:latin typeface="Courier New" panose="02070309020205020404" pitchFamily="49" charset="0"/>
+                          <a:cs typeface="Courier New" panose="02070309020205020404" pitchFamily="49" charset="0"/>
+                        </a:rPr>
+                        <a:t>10</a:t>
+                      </a:r>
+                      <a:endParaRPr lang="zh-CN" altLang="en-US" sz="800" dirty="0">
+                        <a:latin typeface="Courier New" panose="02070309020205020404" pitchFamily="49" charset="0"/>
+                        <a:cs typeface="Courier New" panose="02070309020205020404" pitchFamily="49" charset="0"/>
+                      </a:endParaRPr>
+                    </a:p>
+                  </a:txBody>
+                  <a:tcPr anchor="ctr"/>
+                </a:tc>
+                <a:tc>
+                  <a:txBody>
+                    <a:bodyPr/>
+                    <a:lstStyle/>
+                    <a:p>
+                      <a:pPr marR="0" algn="l" rtl="0"/>
+                      <a:r>
+                        <a:rPr lang="en-US" altLang="zh-CN" sz="800" dirty="0">
+                          <a:solidFill>
+                            <a:srgbClr val="C00000"/>
+                          </a:solidFill>
+                          <a:latin typeface="Courier New" panose="02070309020205020404" pitchFamily="49" charset="0"/>
+                          <a:cs typeface="Courier New" panose="02070309020205020404" pitchFamily="49" charset="0"/>
+                        </a:rPr>
+                        <a:t>-protected Membership </a:t>
+                      </a:r>
+                      <a:r>
+                        <a:rPr lang="en-US" altLang="zh-CN" sz="800" dirty="0" err="1">
+                          <a:solidFill>
+                            <a:srgbClr val="C00000"/>
+                          </a:solidFill>
+                          <a:latin typeface="Courier New" panose="02070309020205020404" pitchFamily="49" charset="0"/>
+                          <a:cs typeface="Courier New" panose="02070309020205020404" pitchFamily="49" charset="0"/>
+                        </a:rPr>
+                        <a:t>membership</a:t>
+                      </a:r>
+                      <a:r>
+                        <a:rPr lang="en-US" altLang="zh-CN" sz="800" dirty="0">
+                          <a:solidFill>
+                            <a:srgbClr val="C00000"/>
+                          </a:solidFill>
+                          <a:latin typeface="Courier New" panose="02070309020205020404" pitchFamily="49" charset="0"/>
+                          <a:cs typeface="Courier New" panose="02070309020205020404" pitchFamily="49" charset="0"/>
+                        </a:rPr>
+                        <a:t> = null;</a:t>
+                      </a:r>
+                    </a:p>
+                    <a:p>
+                      <a:pPr marR="0" algn="l" rtl="0"/>
+                      <a:r>
+                        <a:rPr lang="en-US" altLang="zh-CN" sz="800" dirty="0">
+                          <a:solidFill>
+                            <a:srgbClr val="C00000"/>
+                          </a:solidFill>
+                          <a:latin typeface="Courier New" panose="02070309020205020404" pitchFamily="49" charset="0"/>
+                          <a:cs typeface="Courier New" panose="02070309020205020404" pitchFamily="49" charset="0"/>
+                        </a:rPr>
+                        <a:t> </a:t>
+                      </a:r>
+                      <a:r>
+                        <a:rPr lang="en-US" altLang="zh-CN" sz="800" dirty="0">
+                          <a:solidFill>
+                            <a:schemeClr val="tx1"/>
+                          </a:solidFill>
+                          <a:latin typeface="Courier New" panose="02070309020205020404" pitchFamily="49" charset="0"/>
+                          <a:cs typeface="Courier New" panose="02070309020205020404" pitchFamily="49" charset="0"/>
+                        </a:rPr>
+                        <a:t>public </a:t>
+                      </a:r>
+                      <a:r>
+                        <a:rPr lang="en-US" altLang="zh-CN" sz="800" dirty="0" err="1">
+                          <a:solidFill>
+                            <a:schemeClr val="tx1"/>
+                          </a:solidFill>
+                          <a:latin typeface="Courier New" panose="02070309020205020404" pitchFamily="49" charset="0"/>
+                          <a:cs typeface="Courier New" panose="02070309020205020404" pitchFamily="49" charset="0"/>
+                        </a:rPr>
+                        <a:t>boolean</a:t>
+                      </a:r>
+                      <a:r>
+                        <a:rPr lang="en-US" altLang="zh-CN" sz="800" dirty="0">
+                          <a:solidFill>
+                            <a:schemeClr val="tx1"/>
+                          </a:solidFill>
+                          <a:latin typeface="Courier New" panose="02070309020205020404" pitchFamily="49" charset="0"/>
+                          <a:cs typeface="Courier New" panose="02070309020205020404" pitchFamily="49" charset="0"/>
+                        </a:rPr>
+                        <a:t> </a:t>
+                      </a:r>
+                      <a:r>
+                        <a:rPr lang="en-US" altLang="zh-CN" sz="800" dirty="0" err="1">
+                          <a:solidFill>
+                            <a:schemeClr val="tx1"/>
+                          </a:solidFill>
+                          <a:latin typeface="Courier New" panose="02070309020205020404" pitchFamily="49" charset="0"/>
+                          <a:cs typeface="Courier New" panose="02070309020205020404" pitchFamily="49" charset="0"/>
+                        </a:rPr>
+                        <a:t>hasMembers</a:t>
+                      </a:r>
+                      <a:r>
+                        <a:rPr lang="en-US" altLang="zh-CN" sz="800" dirty="0">
+                          <a:solidFill>
+                            <a:schemeClr val="tx1"/>
+                          </a:solidFill>
+                          <a:latin typeface="Courier New" panose="02070309020205020404" pitchFamily="49" charset="0"/>
+                          <a:cs typeface="Courier New" panose="02070309020205020404" pitchFamily="49" charset="0"/>
+                        </a:rPr>
+                        <a:t>() {</a:t>
+                      </a:r>
+                    </a:p>
+                    <a:p>
+                      <a:pPr marR="0" algn="l" rtl="0"/>
+                      <a:r>
+                        <a:rPr lang="en-US" altLang="zh-CN" sz="800" dirty="0">
+                          <a:solidFill>
+                            <a:schemeClr val="tx1"/>
+                          </a:solidFill>
+                          <a:latin typeface="Courier New" panose="02070309020205020404" pitchFamily="49" charset="0"/>
+                          <a:cs typeface="Courier New" panose="02070309020205020404" pitchFamily="49" charset="0"/>
+                        </a:rPr>
+                        <a:t>   if (membership == null) </a:t>
+                      </a:r>
+                      <a:r>
+                        <a:rPr lang="en-US" altLang="zh-CN" sz="800" dirty="0" err="1">
+                          <a:solidFill>
+                            <a:schemeClr val="tx1"/>
+                          </a:solidFill>
+                          <a:latin typeface="Courier New" panose="02070309020205020404" pitchFamily="49" charset="0"/>
+                          <a:cs typeface="Courier New" panose="02070309020205020404" pitchFamily="49" charset="0"/>
+                        </a:rPr>
+                        <a:t>setupMembership</a:t>
+                      </a:r>
+                      <a:r>
+                        <a:rPr lang="en-US" altLang="zh-CN" sz="800" dirty="0">
+                          <a:solidFill>
+                            <a:schemeClr val="tx1"/>
+                          </a:solidFill>
+                          <a:latin typeface="Courier New" panose="02070309020205020404" pitchFamily="49" charset="0"/>
+                          <a:cs typeface="Courier New" panose="02070309020205020404" pitchFamily="49" charset="0"/>
+                        </a:rPr>
+                        <a:t>();</a:t>
+                      </a:r>
+                    </a:p>
+                    <a:p>
+                      <a:pPr marR="0" algn="l" rtl="0"/>
+                      <a:r>
+                        <a:rPr lang="en-US" altLang="zh-CN" sz="800" dirty="0">
+                          <a:solidFill>
+                            <a:schemeClr val="tx1"/>
+                          </a:solidFill>
+                          <a:latin typeface="Courier New" panose="02070309020205020404" pitchFamily="49" charset="0"/>
+                          <a:cs typeface="Courier New" panose="02070309020205020404" pitchFamily="49" charset="0"/>
+                        </a:rPr>
+                        <a:t>   return </a:t>
+                      </a:r>
+                      <a:r>
+                        <a:rPr lang="en-US" altLang="zh-CN" sz="800" dirty="0" err="1">
+                          <a:solidFill>
+                            <a:schemeClr val="tx1"/>
+                          </a:solidFill>
+                          <a:latin typeface="Courier New" panose="02070309020205020404" pitchFamily="49" charset="0"/>
+                          <a:cs typeface="Courier New" panose="02070309020205020404" pitchFamily="49" charset="0"/>
+                        </a:rPr>
+                        <a:t>membership.hasMembers</a:t>
+                      </a:r>
+                      <a:r>
+                        <a:rPr lang="en-US" altLang="zh-CN" sz="800" dirty="0">
+                          <a:solidFill>
+                            <a:schemeClr val="tx1"/>
+                          </a:solidFill>
+                          <a:latin typeface="Courier New" panose="02070309020205020404" pitchFamily="49" charset="0"/>
+                          <a:cs typeface="Courier New" panose="02070309020205020404" pitchFamily="49" charset="0"/>
+                        </a:rPr>
+                        <a:t>();</a:t>
+                      </a:r>
+                    </a:p>
+                    <a:p>
+                      <a:pPr marR="0" algn="l" rtl="0"/>
+                      <a:r>
+                        <a:rPr lang="en-US" altLang="zh-CN" sz="800" dirty="0">
+                          <a:solidFill>
+                            <a:schemeClr val="tx1"/>
+                          </a:solidFill>
+                          <a:latin typeface="Courier New" panose="02070309020205020404" pitchFamily="49" charset="0"/>
+                          <a:cs typeface="Courier New" panose="02070309020205020404" pitchFamily="49" charset="0"/>
+                        </a:rPr>
+                        <a:t> }</a:t>
+                      </a:r>
+                    </a:p>
+                    <a:p>
+                      <a:pPr marR="0" algn="l" rtl="0"/>
+                      <a:r>
+                        <a:rPr lang="en-US" altLang="zh-CN" sz="800" dirty="0">
+                          <a:solidFill>
+                            <a:schemeClr val="tx1"/>
+                          </a:solidFill>
+                          <a:latin typeface="Courier New" panose="02070309020205020404" pitchFamily="49" charset="0"/>
+                          <a:cs typeface="Courier New" panose="02070309020205020404" pitchFamily="49" charset="0"/>
+                        </a:rPr>
+                        <a:t> protected synchronized void </a:t>
+                      </a:r>
+                      <a:r>
+                        <a:rPr lang="en-US" altLang="zh-CN" sz="800" dirty="0" err="1">
+                          <a:solidFill>
+                            <a:schemeClr val="tx1"/>
+                          </a:solidFill>
+                          <a:latin typeface="Courier New" panose="02070309020205020404" pitchFamily="49" charset="0"/>
+                          <a:cs typeface="Courier New" panose="02070309020205020404" pitchFamily="49" charset="0"/>
+                        </a:rPr>
+                        <a:t>setupMembership</a:t>
+                      </a:r>
+                      <a:r>
+                        <a:rPr lang="en-US" altLang="zh-CN" sz="800" dirty="0">
+                          <a:solidFill>
+                            <a:schemeClr val="tx1"/>
+                          </a:solidFill>
+                          <a:latin typeface="Courier New" panose="02070309020205020404" pitchFamily="49" charset="0"/>
+                          <a:cs typeface="Courier New" panose="02070309020205020404" pitchFamily="49" charset="0"/>
+                        </a:rPr>
+                        <a:t>() {</a:t>
+                      </a:r>
+                    </a:p>
+                    <a:p>
+                      <a:pPr marR="0" algn="l" rtl="0"/>
+                      <a:r>
+                        <a:rPr lang="en-US" altLang="zh-CN" sz="800" dirty="0">
+                          <a:solidFill>
+                            <a:schemeClr val="tx1"/>
+                          </a:solidFill>
+                          <a:latin typeface="Courier New" panose="02070309020205020404" pitchFamily="49" charset="0"/>
+                          <a:cs typeface="Courier New" panose="02070309020205020404" pitchFamily="49" charset="0"/>
+                        </a:rPr>
+                        <a:t>   if ( membership == null ) {</a:t>
+                      </a:r>
+                    </a:p>
+                    <a:p>
+                      <a:pPr marR="0" algn="l" rtl="0"/>
+                      <a:r>
+                        <a:rPr lang="en-US" altLang="zh-CN" sz="800" dirty="0">
+                          <a:solidFill>
+                            <a:schemeClr val="tx1"/>
+                          </a:solidFill>
+                          <a:latin typeface="Courier New" panose="02070309020205020404" pitchFamily="49" charset="0"/>
+                          <a:cs typeface="Courier New" panose="02070309020205020404" pitchFamily="49" charset="0"/>
+                        </a:rPr>
+                        <a:t>     membership = new Membership(</a:t>
+                      </a:r>
+                      <a:r>
+                        <a:rPr lang="en-US" altLang="zh-CN" sz="800" dirty="0" err="1">
+                          <a:solidFill>
+                            <a:schemeClr val="tx1"/>
+                          </a:solidFill>
+                          <a:latin typeface="Courier New" panose="02070309020205020404" pitchFamily="49" charset="0"/>
+                          <a:cs typeface="Courier New" panose="02070309020205020404" pitchFamily="49" charset="0"/>
+                        </a:rPr>
+                        <a:t>super.getLocalMember</a:t>
+                      </a:r>
+                      <a:r>
+                        <a:rPr lang="en-US" altLang="zh-CN" sz="800" dirty="0">
+                          <a:solidFill>
+                            <a:schemeClr val="tx1"/>
+                          </a:solidFill>
+                          <a:latin typeface="Courier New" panose="02070309020205020404" pitchFamily="49" charset="0"/>
+                          <a:cs typeface="Courier New" panose="02070309020205020404" pitchFamily="49" charset="0"/>
+                        </a:rPr>
+                        <a:t>(true));</a:t>
+                      </a:r>
+                    </a:p>
+                    <a:p>
+                      <a:pPr marR="0" algn="l" rtl="0"/>
+                      <a:r>
+                        <a:rPr lang="en-US" altLang="zh-CN" sz="800" dirty="0">
+                          <a:solidFill>
+                            <a:schemeClr val="tx1"/>
+                          </a:solidFill>
+                          <a:latin typeface="Courier New" panose="02070309020205020404" pitchFamily="49" charset="0"/>
+                          <a:cs typeface="Courier New" panose="02070309020205020404" pitchFamily="49" charset="0"/>
+                        </a:rPr>
+                        <a:t>   }</a:t>
+                      </a:r>
+                    </a:p>
+                    <a:p>
+                      <a:pPr marR="0" algn="l" rtl="0"/>
+                      <a:r>
+                        <a:rPr lang="en-US" altLang="zh-CN" sz="800" dirty="0">
+                          <a:solidFill>
+                            <a:schemeClr val="tx1"/>
+                          </a:solidFill>
+                          <a:latin typeface="Courier New" panose="02070309020205020404" pitchFamily="49" charset="0"/>
+                          <a:cs typeface="Courier New" panose="02070309020205020404" pitchFamily="49" charset="0"/>
+                        </a:rPr>
+                        <a:t> }</a:t>
+                      </a:r>
+                      <a:endParaRPr lang="en-US" altLang="zh-CN" sz="800" dirty="0">
+                        <a:solidFill>
+                          <a:schemeClr val="tx1"/>
+                        </a:solidFill>
+                        <a:latin typeface="Courier New" panose="02070309020205020404" pitchFamily="49" charset="0"/>
+                        <a:cs typeface="Courier New" panose="02070309020205020404" pitchFamily="49" charset="0"/>
+                      </a:endParaRPr>
+                    </a:p>
+                  </a:txBody>
+                  <a:tcPr/>
+                </a:tc>
+                <a:tc>
+                  <a:txBody>
+                    <a:bodyPr/>
+                    <a:lstStyle/>
+                    <a:p>
+                      <a:pPr marR="0" algn="l" rtl="0"/>
+                      <a:r>
+                        <a:rPr lang="en-US" altLang="zh-CN" sz="800" dirty="0">
+                          <a:solidFill>
+                            <a:srgbClr val="0070C0"/>
+                          </a:solidFill>
+                          <a:latin typeface="Courier New" panose="02070309020205020404" pitchFamily="49" charset="0"/>
+                          <a:cs typeface="Courier New" panose="02070309020205020404" pitchFamily="49" charset="0"/>
+                        </a:rPr>
+                        <a:t>+protected volatile Membership </a:t>
+                      </a:r>
+                      <a:r>
+                        <a:rPr lang="en-US" altLang="zh-CN" sz="800" dirty="0" err="1">
+                          <a:solidFill>
+                            <a:srgbClr val="0070C0"/>
+                          </a:solidFill>
+                          <a:latin typeface="Courier New" panose="02070309020205020404" pitchFamily="49" charset="0"/>
+                          <a:cs typeface="Courier New" panose="02070309020205020404" pitchFamily="49" charset="0"/>
+                        </a:rPr>
+                        <a:t>membership</a:t>
+                      </a:r>
+                      <a:r>
+                        <a:rPr lang="en-US" altLang="zh-CN" sz="800" dirty="0">
+                          <a:solidFill>
+                            <a:srgbClr val="0070C0"/>
+                          </a:solidFill>
+                          <a:latin typeface="Courier New" panose="02070309020205020404" pitchFamily="49" charset="0"/>
+                          <a:cs typeface="Courier New" panose="02070309020205020404" pitchFamily="49" charset="0"/>
+                        </a:rPr>
+                        <a:t> = null;</a:t>
+                      </a:r>
+                    </a:p>
+                    <a:p>
+                      <a:pPr marR="0" algn="l" rtl="0"/>
+                      <a:r>
+                        <a:rPr lang="en-US" altLang="zh-CN" sz="800" dirty="0">
+                          <a:solidFill>
+                            <a:srgbClr val="0070C0"/>
+                          </a:solidFill>
+                          <a:latin typeface="Courier New" panose="02070309020205020404" pitchFamily="49" charset="0"/>
+                          <a:cs typeface="Courier New" panose="02070309020205020404" pitchFamily="49" charset="0"/>
+                        </a:rPr>
+                        <a:t> </a:t>
+                      </a:r>
+                      <a:r>
+                        <a:rPr lang="en-US" altLang="zh-CN" sz="800" dirty="0">
+                          <a:solidFill>
+                            <a:schemeClr val="tx1"/>
+                          </a:solidFill>
+                          <a:latin typeface="Courier New" panose="02070309020205020404" pitchFamily="49" charset="0"/>
+                          <a:cs typeface="Courier New" panose="02070309020205020404" pitchFamily="49" charset="0"/>
+                        </a:rPr>
+                        <a:t>public </a:t>
+                      </a:r>
+                      <a:r>
+                        <a:rPr lang="en-US" altLang="zh-CN" sz="800" dirty="0" err="1">
+                          <a:solidFill>
+                            <a:schemeClr val="tx1"/>
+                          </a:solidFill>
+                          <a:latin typeface="Courier New" panose="02070309020205020404" pitchFamily="49" charset="0"/>
+                          <a:cs typeface="Courier New" panose="02070309020205020404" pitchFamily="49" charset="0"/>
+                        </a:rPr>
+                        <a:t>boolean</a:t>
+                      </a:r>
+                      <a:r>
+                        <a:rPr lang="en-US" altLang="zh-CN" sz="800" dirty="0">
+                          <a:solidFill>
+                            <a:schemeClr val="tx1"/>
+                          </a:solidFill>
+                          <a:latin typeface="Courier New" panose="02070309020205020404" pitchFamily="49" charset="0"/>
+                          <a:cs typeface="Courier New" panose="02070309020205020404" pitchFamily="49" charset="0"/>
+                        </a:rPr>
+                        <a:t> </a:t>
+                      </a:r>
+                      <a:r>
+                        <a:rPr lang="en-US" altLang="zh-CN" sz="800" dirty="0" err="1">
+                          <a:solidFill>
+                            <a:schemeClr val="tx1"/>
+                          </a:solidFill>
+                          <a:latin typeface="Courier New" panose="02070309020205020404" pitchFamily="49" charset="0"/>
+                          <a:cs typeface="Courier New" panose="02070309020205020404" pitchFamily="49" charset="0"/>
+                        </a:rPr>
+                        <a:t>hasMembers</a:t>
+                      </a:r>
+                      <a:r>
+                        <a:rPr lang="en-US" altLang="zh-CN" sz="800" dirty="0">
+                          <a:solidFill>
+                            <a:schemeClr val="tx1"/>
+                          </a:solidFill>
+                          <a:latin typeface="Courier New" panose="02070309020205020404" pitchFamily="49" charset="0"/>
+                          <a:cs typeface="Courier New" panose="02070309020205020404" pitchFamily="49" charset="0"/>
+                        </a:rPr>
+                        <a:t>() {</a:t>
+                      </a:r>
+                    </a:p>
+                    <a:p>
+                      <a:pPr marR="0" algn="l" rtl="0"/>
+                      <a:r>
+                        <a:rPr lang="en-US" altLang="zh-CN" sz="800" dirty="0">
+                          <a:solidFill>
+                            <a:schemeClr val="tx1"/>
+                          </a:solidFill>
+                          <a:latin typeface="Courier New" panose="02070309020205020404" pitchFamily="49" charset="0"/>
+                          <a:cs typeface="Courier New" panose="02070309020205020404" pitchFamily="49" charset="0"/>
+                        </a:rPr>
+                        <a:t>   if (membership == null) </a:t>
+                      </a:r>
+                      <a:r>
+                        <a:rPr lang="en-US" altLang="zh-CN" sz="800" dirty="0" err="1">
+                          <a:solidFill>
+                            <a:schemeClr val="tx1"/>
+                          </a:solidFill>
+                          <a:latin typeface="Courier New" panose="02070309020205020404" pitchFamily="49" charset="0"/>
+                          <a:cs typeface="Courier New" panose="02070309020205020404" pitchFamily="49" charset="0"/>
+                        </a:rPr>
+                        <a:t>setupMembership</a:t>
+                      </a:r>
+                      <a:r>
+                        <a:rPr lang="en-US" altLang="zh-CN" sz="800" dirty="0">
+                          <a:solidFill>
+                            <a:schemeClr val="tx1"/>
+                          </a:solidFill>
+                          <a:latin typeface="Courier New" panose="02070309020205020404" pitchFamily="49" charset="0"/>
+                          <a:cs typeface="Courier New" panose="02070309020205020404" pitchFamily="49" charset="0"/>
+                        </a:rPr>
+                        <a:t>();</a:t>
+                      </a:r>
+                    </a:p>
+                    <a:p>
+                      <a:pPr marR="0" algn="l" rtl="0"/>
+                      <a:r>
+                        <a:rPr lang="en-US" altLang="zh-CN" sz="800" dirty="0">
+                          <a:solidFill>
+                            <a:schemeClr val="tx1"/>
+                          </a:solidFill>
+                          <a:latin typeface="Courier New" panose="02070309020205020404" pitchFamily="49" charset="0"/>
+                          <a:cs typeface="Courier New" panose="02070309020205020404" pitchFamily="49" charset="0"/>
+                        </a:rPr>
+                        <a:t>   return </a:t>
+                      </a:r>
+                      <a:r>
+                        <a:rPr lang="en-US" altLang="zh-CN" sz="800" dirty="0" err="1">
+                          <a:solidFill>
+                            <a:schemeClr val="tx1"/>
+                          </a:solidFill>
+                          <a:latin typeface="Courier New" panose="02070309020205020404" pitchFamily="49" charset="0"/>
+                          <a:cs typeface="Courier New" panose="02070309020205020404" pitchFamily="49" charset="0"/>
+                        </a:rPr>
+                        <a:t>membership.hasMembers</a:t>
+                      </a:r>
+                      <a:r>
+                        <a:rPr lang="en-US" altLang="zh-CN" sz="800" dirty="0">
+                          <a:solidFill>
+                            <a:schemeClr val="tx1"/>
+                          </a:solidFill>
+                          <a:latin typeface="Courier New" panose="02070309020205020404" pitchFamily="49" charset="0"/>
+                          <a:cs typeface="Courier New" panose="02070309020205020404" pitchFamily="49" charset="0"/>
+                        </a:rPr>
+                        <a:t>();</a:t>
+                      </a:r>
+                    </a:p>
+                    <a:p>
+                      <a:pPr marR="0" algn="l" rtl="0"/>
+                      <a:r>
+                        <a:rPr lang="en-US" altLang="zh-CN" sz="800" dirty="0">
+                          <a:solidFill>
+                            <a:schemeClr val="tx1"/>
+                          </a:solidFill>
+                          <a:latin typeface="Courier New" panose="02070309020205020404" pitchFamily="49" charset="0"/>
+                          <a:cs typeface="Courier New" panose="02070309020205020404" pitchFamily="49" charset="0"/>
+                        </a:rPr>
+                        <a:t> }</a:t>
+                      </a:r>
+                    </a:p>
+                    <a:p>
+                      <a:pPr marR="0" algn="l" rtl="0"/>
+                      <a:r>
+                        <a:rPr lang="en-US" altLang="zh-CN" sz="800" dirty="0">
+                          <a:solidFill>
+                            <a:schemeClr val="tx1"/>
+                          </a:solidFill>
+                          <a:latin typeface="Courier New" panose="02070309020205020404" pitchFamily="49" charset="0"/>
+                          <a:cs typeface="Courier New" panose="02070309020205020404" pitchFamily="49" charset="0"/>
+                        </a:rPr>
+                        <a:t> protected synchronized void </a:t>
+                      </a:r>
+                      <a:r>
+                        <a:rPr lang="en-US" altLang="zh-CN" sz="800" dirty="0" err="1">
+                          <a:solidFill>
+                            <a:schemeClr val="tx1"/>
+                          </a:solidFill>
+                          <a:latin typeface="Courier New" panose="02070309020205020404" pitchFamily="49" charset="0"/>
+                          <a:cs typeface="Courier New" panose="02070309020205020404" pitchFamily="49" charset="0"/>
+                        </a:rPr>
+                        <a:t>setupMembership</a:t>
+                      </a:r>
+                      <a:r>
+                        <a:rPr lang="en-US" altLang="zh-CN" sz="800" dirty="0">
+                          <a:solidFill>
+                            <a:schemeClr val="tx1"/>
+                          </a:solidFill>
+                          <a:latin typeface="Courier New" panose="02070309020205020404" pitchFamily="49" charset="0"/>
+                          <a:cs typeface="Courier New" panose="02070309020205020404" pitchFamily="49" charset="0"/>
+                        </a:rPr>
+                        <a:t>() {</a:t>
+                      </a:r>
+                    </a:p>
+                    <a:p>
+                      <a:pPr marR="0" algn="l" rtl="0"/>
+                      <a:r>
+                        <a:rPr lang="en-US" altLang="zh-CN" sz="800" dirty="0">
+                          <a:solidFill>
+                            <a:schemeClr val="tx1"/>
+                          </a:solidFill>
+                          <a:latin typeface="Courier New" panose="02070309020205020404" pitchFamily="49" charset="0"/>
+                          <a:cs typeface="Courier New" panose="02070309020205020404" pitchFamily="49" charset="0"/>
+                        </a:rPr>
+                        <a:t>   if ( membership == null ) {</a:t>
+                      </a:r>
+                    </a:p>
+                    <a:p>
+                      <a:pPr marR="0" algn="l" rtl="0"/>
+                      <a:r>
+                        <a:rPr lang="en-US" altLang="zh-CN" sz="800" dirty="0">
+                          <a:solidFill>
+                            <a:schemeClr val="tx1"/>
+                          </a:solidFill>
+                          <a:latin typeface="Courier New" panose="02070309020205020404" pitchFamily="49" charset="0"/>
+                          <a:cs typeface="Courier New" panose="02070309020205020404" pitchFamily="49" charset="0"/>
+                        </a:rPr>
+                        <a:t>     membership = new Membership(</a:t>
+                      </a:r>
+                      <a:r>
+                        <a:rPr lang="en-US" altLang="zh-CN" sz="800" dirty="0" err="1">
+                          <a:solidFill>
+                            <a:schemeClr val="tx1"/>
+                          </a:solidFill>
+                          <a:latin typeface="Courier New" panose="02070309020205020404" pitchFamily="49" charset="0"/>
+                          <a:cs typeface="Courier New" panose="02070309020205020404" pitchFamily="49" charset="0"/>
+                        </a:rPr>
+                        <a:t>super.getLocalMember</a:t>
+                      </a:r>
+                      <a:r>
+                        <a:rPr lang="en-US" altLang="zh-CN" sz="800" dirty="0">
+                          <a:solidFill>
+                            <a:schemeClr val="tx1"/>
+                          </a:solidFill>
+                          <a:latin typeface="Courier New" panose="02070309020205020404" pitchFamily="49" charset="0"/>
+                          <a:cs typeface="Courier New" panose="02070309020205020404" pitchFamily="49" charset="0"/>
+                        </a:rPr>
+                        <a:t>(true));</a:t>
+                      </a:r>
+                    </a:p>
+                    <a:p>
+                      <a:pPr marR="0" algn="l" rtl="0"/>
+                      <a:r>
+                        <a:rPr lang="en-US" altLang="zh-CN" sz="800" dirty="0">
+                          <a:solidFill>
+                            <a:schemeClr val="tx1"/>
+                          </a:solidFill>
+                          <a:latin typeface="Courier New" panose="02070309020205020404" pitchFamily="49" charset="0"/>
+                          <a:cs typeface="Courier New" panose="02070309020205020404" pitchFamily="49" charset="0"/>
+                        </a:rPr>
+                        <a:t>   }</a:t>
+                      </a:r>
+                    </a:p>
+                    <a:p>
+                      <a:pPr marR="0" algn="l" rtl="0"/>
+                      <a:r>
+                        <a:rPr lang="en-US" altLang="zh-CN" sz="800" dirty="0">
+                          <a:solidFill>
+                            <a:schemeClr val="tx1"/>
+                          </a:solidFill>
+                          <a:latin typeface="Courier New" panose="02070309020205020404" pitchFamily="49" charset="0"/>
+                          <a:cs typeface="Courier New" panose="02070309020205020404" pitchFamily="49" charset="0"/>
+                        </a:rPr>
+                        <a:t> }</a:t>
+                      </a:r>
+                    </a:p>
+                  </a:txBody>
+                  <a:tcPr/>
+                </a:tc>
+                <a:tc>
+                  <a:txBody>
+                    <a:bodyPr/>
+                    <a:lstStyle/>
+                    <a:p>
+                      <a:pPr marR="0" algn="l" rtl="0"/>
+                      <a:r>
+                        <a:rPr lang="en-US" altLang="zh-CN" sz="800" dirty="0">
+                          <a:latin typeface="Courier New" panose="02070309020205020404" pitchFamily="49" charset="0"/>
+                          <a:cs typeface="Courier New" panose="02070309020205020404" pitchFamily="49" charset="0"/>
+                        </a:rPr>
+                        <a:t>T foo;</a:t>
+                      </a:r>
+                      <a:endParaRPr lang="zh-CN" altLang="en-US" sz="800" dirty="0">
+                        <a:latin typeface="Courier New" panose="02070309020205020404" pitchFamily="49" charset="0"/>
+                        <a:cs typeface="Courier New" panose="02070309020205020404" pitchFamily="49" charset="0"/>
+                      </a:endParaRPr>
+                    </a:p>
+                  </a:txBody>
+                  <a:tcPr anchor="ctr"/>
+                </a:tc>
+                <a:tc>
+                  <a:txBody>
+                    <a:bodyPr/>
+                    <a:lstStyle/>
+                    <a:p>
+                      <a:pPr marR="0" algn="l" rtl="0"/>
+                      <a:r>
+                        <a:rPr lang="en-US" altLang="zh-CN" sz="800" dirty="0">
+                          <a:latin typeface="Courier New" panose="02070309020205020404" pitchFamily="49" charset="0"/>
+                          <a:cs typeface="Courier New" panose="02070309020205020404" pitchFamily="49" charset="0"/>
+                        </a:rPr>
+                        <a:t>volatile T foo;</a:t>
+                      </a:r>
+                      <a:endParaRPr lang="zh-CN" altLang="en-US" sz="800" dirty="0">
+                        <a:latin typeface="Courier New" panose="02070309020205020404" pitchFamily="49" charset="0"/>
+                        <a:cs typeface="Courier New" panose="02070309020205020404" pitchFamily="49" charset="0"/>
+                      </a:endParaRPr>
+                    </a:p>
+                  </a:txBody>
+                  <a:tcPr anchor="ctr"/>
+                </a:tc>
+                <a:extLst>
+                  <a:ext uri="{0D108BD9-81ED-4DB2-BD59-A6C34878D82A}">
+                    <a16:rowId xmlns:a16="http://schemas.microsoft.com/office/drawing/2014/main" val="2734072075"/>
+                  </a:ext>
+                </a:extLst>
+              </a:tr>
+              <a:tr h="210820">
+                <a:tc>
+                  <a:txBody>
+                    <a:bodyPr/>
+                    <a:lstStyle/>
+                    <a:p>
+                      <a:pPr marR="0" algn="ctr" rtl="0"/>
+                      <a:r>
+                        <a:rPr lang="en-US" altLang="zh-CN" sz="800" dirty="0">
+                          <a:latin typeface="Courier New" panose="02070309020205020404" pitchFamily="49" charset="0"/>
+                          <a:cs typeface="Courier New" panose="02070309020205020404" pitchFamily="49" charset="0"/>
+                        </a:rPr>
+                        <a:t>11</a:t>
+                      </a:r>
+                      <a:endParaRPr lang="zh-CN" altLang="en-US" sz="800" dirty="0">
+                        <a:latin typeface="Courier New" panose="02070309020205020404" pitchFamily="49" charset="0"/>
+                        <a:cs typeface="Courier New" panose="02070309020205020404" pitchFamily="49" charset="0"/>
+                      </a:endParaRPr>
+                    </a:p>
+                  </a:txBody>
+                  <a:tcPr anchor="ctr"/>
+                </a:tc>
+                <a:tc>
+                  <a:txBody>
+                    <a:bodyPr/>
+                    <a:lstStyle/>
+                    <a:p>
+                      <a:pPr marR="0" algn="l" rtl="0"/>
+                      <a:r>
+                        <a:rPr lang="en-US" altLang="zh-CN" sz="800" dirty="0">
+                          <a:solidFill>
+                            <a:srgbClr val="C00000"/>
+                          </a:solidFill>
+                          <a:latin typeface="Courier New" panose="02070309020205020404" pitchFamily="49" charset="0"/>
+                          <a:cs typeface="Courier New" panose="02070309020205020404" pitchFamily="49" charset="0"/>
+                        </a:rPr>
+                        <a:t>-private volatile </a:t>
+                      </a:r>
+                      <a:r>
+                        <a:rPr lang="en-US" altLang="zh-CN" sz="800" dirty="0" err="1">
+                          <a:solidFill>
+                            <a:srgbClr val="C00000"/>
+                          </a:solidFill>
+                          <a:latin typeface="Courier New" panose="02070309020205020404" pitchFamily="49" charset="0"/>
+                          <a:cs typeface="Courier New" panose="02070309020205020404" pitchFamily="49" charset="0"/>
+                        </a:rPr>
+                        <a:t>int</a:t>
+                      </a:r>
+                      <a:r>
+                        <a:rPr lang="en-US" altLang="zh-CN" sz="800" dirty="0">
+                          <a:solidFill>
+                            <a:srgbClr val="C00000"/>
+                          </a:solidFill>
+                          <a:latin typeface="Courier New" panose="02070309020205020404" pitchFamily="49" charset="0"/>
+                          <a:cs typeface="Courier New" panose="02070309020205020404" pitchFamily="49" charset="0"/>
+                        </a:rPr>
+                        <a:t> </a:t>
+                      </a:r>
+                      <a:r>
+                        <a:rPr lang="en-US" altLang="zh-CN" sz="800" dirty="0" err="1">
+                          <a:solidFill>
+                            <a:srgbClr val="C00000"/>
+                          </a:solidFill>
+                          <a:latin typeface="Courier New" panose="02070309020205020404" pitchFamily="49" charset="0"/>
+                          <a:cs typeface="Courier New" panose="02070309020205020404" pitchFamily="49" charset="0"/>
+                        </a:rPr>
+                        <a:t>requestCount</a:t>
+                      </a:r>
+                      <a:r>
+                        <a:rPr lang="en-US" altLang="zh-CN" sz="800" dirty="0">
+                          <a:solidFill>
+                            <a:srgbClr val="C00000"/>
+                          </a:solidFill>
+                          <a:latin typeface="Courier New" panose="02070309020205020404" pitchFamily="49" charset="0"/>
+                          <a:cs typeface="Courier New" panose="02070309020205020404" pitchFamily="49" charset="0"/>
+                        </a:rPr>
+                        <a:t>;</a:t>
+                      </a:r>
+                    </a:p>
+                    <a:p>
+                      <a:pPr marR="0" algn="l" rtl="0"/>
+                      <a:endParaRPr lang="en-US" altLang="zh-CN" sz="800" dirty="0">
+                        <a:solidFill>
+                          <a:srgbClr val="C00000"/>
+                        </a:solidFill>
+                        <a:latin typeface="Courier New" panose="02070309020205020404" pitchFamily="49" charset="0"/>
+                        <a:cs typeface="Courier New" panose="02070309020205020404" pitchFamily="49" charset="0"/>
+                      </a:endParaRPr>
+                    </a:p>
+                    <a:p>
+                      <a:pPr marR="0" algn="l" rtl="0"/>
+                      <a:r>
+                        <a:rPr lang="en-US" altLang="zh-CN" sz="800" dirty="0">
+                          <a:solidFill>
+                            <a:srgbClr val="C00000"/>
+                          </a:solidFill>
+                          <a:latin typeface="Courier New" panose="02070309020205020404" pitchFamily="49" charset="0"/>
+                          <a:cs typeface="Courier New" panose="02070309020205020404" pitchFamily="49" charset="0"/>
+                        </a:rPr>
+                        <a:t>-private volatile </a:t>
+                      </a:r>
+                      <a:r>
+                        <a:rPr lang="en-US" altLang="zh-CN" sz="800" dirty="0" err="1">
+                          <a:solidFill>
+                            <a:srgbClr val="C00000"/>
+                          </a:solidFill>
+                          <a:latin typeface="Courier New" panose="02070309020205020404" pitchFamily="49" charset="0"/>
+                          <a:cs typeface="Courier New" panose="02070309020205020404" pitchFamily="49" charset="0"/>
+                        </a:rPr>
+                        <a:t>int</a:t>
+                      </a:r>
+                      <a:r>
+                        <a:rPr lang="en-US" altLang="zh-CN" sz="800" dirty="0">
+                          <a:solidFill>
+                            <a:srgbClr val="C00000"/>
+                          </a:solidFill>
+                          <a:latin typeface="Courier New" panose="02070309020205020404" pitchFamily="49" charset="0"/>
+                          <a:cs typeface="Courier New" panose="02070309020205020404" pitchFamily="49" charset="0"/>
+                        </a:rPr>
+                        <a:t> </a:t>
+                      </a:r>
+                      <a:r>
+                        <a:rPr lang="en-US" altLang="zh-CN" sz="800" dirty="0" err="1">
+                          <a:solidFill>
+                            <a:srgbClr val="C00000"/>
+                          </a:solidFill>
+                          <a:latin typeface="Courier New" panose="02070309020205020404" pitchFamily="49" charset="0"/>
+                          <a:cs typeface="Courier New" panose="02070309020205020404" pitchFamily="49" charset="0"/>
+                        </a:rPr>
+                        <a:t>errorCount</a:t>
+                      </a:r>
+                      <a:r>
+                        <a:rPr lang="en-US" altLang="zh-CN" sz="800" dirty="0">
+                          <a:solidFill>
+                            <a:srgbClr val="C00000"/>
+                          </a:solidFill>
+                          <a:latin typeface="Courier New" panose="02070309020205020404" pitchFamily="49" charset="0"/>
+                          <a:cs typeface="Courier New" panose="02070309020205020404" pitchFamily="49" charset="0"/>
+                        </a:rPr>
+                        <a:t>;</a:t>
+                      </a:r>
+                    </a:p>
+                    <a:p>
+                      <a:pPr marR="0" algn="l" rtl="0"/>
+                      <a:endParaRPr lang="en-US" altLang="zh-CN" sz="800" dirty="0">
+                        <a:solidFill>
+                          <a:srgbClr val="C00000"/>
+                        </a:solidFill>
+                        <a:latin typeface="Courier New" panose="02070309020205020404" pitchFamily="49" charset="0"/>
+                        <a:cs typeface="Courier New" panose="02070309020205020404" pitchFamily="49" charset="0"/>
+                      </a:endParaRPr>
+                    </a:p>
+                    <a:p>
+                      <a:pPr marR="0" algn="l" rtl="0"/>
+                      <a:r>
+                        <a:rPr lang="en-US" altLang="zh-CN" sz="800" dirty="0">
+                          <a:solidFill>
+                            <a:srgbClr val="C00000"/>
+                          </a:solidFill>
+                          <a:latin typeface="Courier New" panose="02070309020205020404" pitchFamily="49" charset="0"/>
+                          <a:cs typeface="Courier New" panose="02070309020205020404" pitchFamily="49" charset="0"/>
+                        </a:rPr>
+                        <a:t>-  </a:t>
+                      </a:r>
+                      <a:r>
+                        <a:rPr lang="en-US" altLang="zh-CN" sz="800" dirty="0" err="1">
+                          <a:solidFill>
+                            <a:srgbClr val="C00000"/>
+                          </a:solidFill>
+                          <a:latin typeface="Courier New" panose="02070309020205020404" pitchFamily="49" charset="0"/>
+                          <a:cs typeface="Courier New" panose="02070309020205020404" pitchFamily="49" charset="0"/>
+                        </a:rPr>
+                        <a:t>requestCount</a:t>
+                      </a:r>
+                      <a:r>
+                        <a:rPr lang="en-US" altLang="zh-CN" sz="800" dirty="0">
+                          <a:solidFill>
+                            <a:srgbClr val="C00000"/>
+                          </a:solidFill>
+                          <a:latin typeface="Courier New" panose="02070309020205020404" pitchFamily="49" charset="0"/>
+                          <a:cs typeface="Courier New" panose="02070309020205020404" pitchFamily="49" charset="0"/>
+                        </a:rPr>
+                        <a:t>++;</a:t>
+                      </a:r>
+                      <a:endParaRPr lang="en-US" altLang="zh-CN" sz="800" dirty="0">
+                        <a:solidFill>
+                          <a:srgbClr val="C00000"/>
+                        </a:solidFill>
+                        <a:latin typeface="Courier New" panose="02070309020205020404" pitchFamily="49" charset="0"/>
+                        <a:cs typeface="Courier New" panose="02070309020205020404" pitchFamily="49" charset="0"/>
+                      </a:endParaRPr>
+                    </a:p>
+                  </a:txBody>
+                  <a:tcPr/>
+                </a:tc>
+                <a:tc>
+                  <a:txBody>
+                    <a:bodyPr/>
+                    <a:lstStyle/>
+                    <a:p>
+                      <a:pPr marR="0" algn="l" rtl="0"/>
+                      <a:r>
+                        <a:rPr lang="en-US" altLang="zh-CN" sz="800" dirty="0">
+                          <a:solidFill>
+                            <a:srgbClr val="0070C0"/>
+                          </a:solidFill>
+                          <a:latin typeface="Courier New" panose="02070309020205020404" pitchFamily="49" charset="0"/>
+                          <a:cs typeface="Courier New" panose="02070309020205020404" pitchFamily="49" charset="0"/>
+                        </a:rPr>
+                        <a:t>+private final </a:t>
+                      </a:r>
+                      <a:r>
+                        <a:rPr lang="en-US" altLang="zh-CN" sz="800" dirty="0" err="1">
+                          <a:solidFill>
+                            <a:srgbClr val="0070C0"/>
+                          </a:solidFill>
+                          <a:latin typeface="Courier New" panose="02070309020205020404" pitchFamily="49" charset="0"/>
+                          <a:cs typeface="Courier New" panose="02070309020205020404" pitchFamily="49" charset="0"/>
+                        </a:rPr>
+                        <a:t>AtomicInteger</a:t>
+                      </a:r>
+                      <a:r>
+                        <a:rPr lang="en-US" altLang="zh-CN" sz="800" dirty="0">
+                          <a:solidFill>
+                            <a:srgbClr val="0070C0"/>
+                          </a:solidFill>
+                          <a:latin typeface="Courier New" panose="02070309020205020404" pitchFamily="49" charset="0"/>
+                          <a:cs typeface="Courier New" panose="02070309020205020404" pitchFamily="49" charset="0"/>
+                        </a:rPr>
+                        <a:t> </a:t>
+                      </a:r>
+                      <a:r>
+                        <a:rPr lang="en-US" altLang="zh-CN" sz="800" dirty="0" err="1">
+                          <a:solidFill>
+                            <a:srgbClr val="0070C0"/>
+                          </a:solidFill>
+                          <a:latin typeface="Courier New" panose="02070309020205020404" pitchFamily="49" charset="0"/>
+                          <a:cs typeface="Courier New" panose="02070309020205020404" pitchFamily="49" charset="0"/>
+                        </a:rPr>
+                        <a:t>requestCount</a:t>
+                      </a:r>
+                      <a:r>
+                        <a:rPr lang="en-US" altLang="zh-CN" sz="800" dirty="0">
+                          <a:solidFill>
+                            <a:srgbClr val="0070C0"/>
+                          </a:solidFill>
+                          <a:latin typeface="Courier New" panose="02070309020205020404" pitchFamily="49" charset="0"/>
+                          <a:cs typeface="Courier New" panose="02070309020205020404" pitchFamily="49" charset="0"/>
+                        </a:rPr>
+                        <a:t> =</a:t>
+                      </a:r>
+                    </a:p>
+                    <a:p>
+                      <a:pPr marR="0" algn="l" rtl="0"/>
+                      <a:r>
+                        <a:rPr lang="en-US" altLang="zh-CN" sz="800" dirty="0">
+                          <a:solidFill>
+                            <a:srgbClr val="0070C0"/>
+                          </a:solidFill>
+                          <a:latin typeface="Courier New" panose="02070309020205020404" pitchFamily="49" charset="0"/>
+                          <a:cs typeface="Courier New" panose="02070309020205020404" pitchFamily="49" charset="0"/>
+                        </a:rPr>
+                        <a:t>+  new </a:t>
+                      </a:r>
+                      <a:r>
+                        <a:rPr lang="en-US" altLang="zh-CN" sz="800" dirty="0" err="1">
+                          <a:solidFill>
+                            <a:srgbClr val="0070C0"/>
+                          </a:solidFill>
+                          <a:latin typeface="Courier New" panose="02070309020205020404" pitchFamily="49" charset="0"/>
+                          <a:cs typeface="Courier New" panose="02070309020205020404" pitchFamily="49" charset="0"/>
+                        </a:rPr>
+                        <a:t>AtomicInteger</a:t>
+                      </a:r>
+                      <a:r>
+                        <a:rPr lang="en-US" altLang="zh-CN" sz="800" dirty="0">
+                          <a:solidFill>
+                            <a:srgbClr val="0070C0"/>
+                          </a:solidFill>
+                          <a:latin typeface="Courier New" panose="02070309020205020404" pitchFamily="49" charset="0"/>
+                          <a:cs typeface="Courier New" panose="02070309020205020404" pitchFamily="49" charset="0"/>
+                        </a:rPr>
+                        <a:t>(0);</a:t>
+                      </a:r>
+                    </a:p>
+                    <a:p>
+                      <a:pPr marR="0" algn="l" rtl="0"/>
+                      <a:r>
+                        <a:rPr lang="en-US" altLang="zh-CN" sz="800" dirty="0">
+                          <a:solidFill>
+                            <a:srgbClr val="0070C0"/>
+                          </a:solidFill>
+                          <a:latin typeface="Courier New" panose="02070309020205020404" pitchFamily="49" charset="0"/>
+                          <a:cs typeface="Courier New" panose="02070309020205020404" pitchFamily="49" charset="0"/>
+                        </a:rPr>
+                        <a:t>+private final </a:t>
+                      </a:r>
+                      <a:r>
+                        <a:rPr lang="en-US" altLang="zh-CN" sz="800" dirty="0" err="1">
+                          <a:solidFill>
+                            <a:srgbClr val="0070C0"/>
+                          </a:solidFill>
+                          <a:latin typeface="Courier New" panose="02070309020205020404" pitchFamily="49" charset="0"/>
+                          <a:cs typeface="Courier New" panose="02070309020205020404" pitchFamily="49" charset="0"/>
+                        </a:rPr>
+                        <a:t>AtomicInteger</a:t>
+                      </a:r>
+                      <a:r>
+                        <a:rPr lang="en-US" altLang="zh-CN" sz="800" dirty="0">
+                          <a:solidFill>
+                            <a:srgbClr val="0070C0"/>
+                          </a:solidFill>
+                          <a:latin typeface="Courier New" panose="02070309020205020404" pitchFamily="49" charset="0"/>
+                          <a:cs typeface="Courier New" panose="02070309020205020404" pitchFamily="49" charset="0"/>
+                        </a:rPr>
+                        <a:t> </a:t>
+                      </a:r>
+                      <a:r>
+                        <a:rPr lang="en-US" altLang="zh-CN" sz="800" dirty="0" err="1">
+                          <a:solidFill>
+                            <a:srgbClr val="0070C0"/>
+                          </a:solidFill>
+                          <a:latin typeface="Courier New" panose="02070309020205020404" pitchFamily="49" charset="0"/>
+                          <a:cs typeface="Courier New" panose="02070309020205020404" pitchFamily="49" charset="0"/>
+                        </a:rPr>
+                        <a:t>errorCount</a:t>
+                      </a:r>
+                      <a:r>
+                        <a:rPr lang="en-US" altLang="zh-CN" sz="800" dirty="0">
+                          <a:solidFill>
+                            <a:srgbClr val="0070C0"/>
+                          </a:solidFill>
+                          <a:latin typeface="Courier New" panose="02070309020205020404" pitchFamily="49" charset="0"/>
+                          <a:cs typeface="Courier New" panose="02070309020205020404" pitchFamily="49" charset="0"/>
+                        </a:rPr>
+                        <a:t> = new </a:t>
+                      </a:r>
+                      <a:r>
+                        <a:rPr lang="en-US" altLang="zh-CN" sz="800" dirty="0" err="1">
+                          <a:solidFill>
+                            <a:srgbClr val="0070C0"/>
+                          </a:solidFill>
+                          <a:latin typeface="Courier New" panose="02070309020205020404" pitchFamily="49" charset="0"/>
+                          <a:cs typeface="Courier New" panose="02070309020205020404" pitchFamily="49" charset="0"/>
+                        </a:rPr>
+                        <a:t>AtomicInteger</a:t>
+                      </a:r>
+                      <a:r>
+                        <a:rPr lang="en-US" altLang="zh-CN" sz="800" dirty="0">
+                          <a:solidFill>
+                            <a:srgbClr val="0070C0"/>
+                          </a:solidFill>
+                          <a:latin typeface="Courier New" panose="02070309020205020404" pitchFamily="49" charset="0"/>
+                          <a:cs typeface="Courier New" panose="02070309020205020404" pitchFamily="49" charset="0"/>
+                        </a:rPr>
+                        <a:t>(0);</a:t>
+                      </a:r>
+                    </a:p>
+                    <a:p>
+                      <a:pPr marR="0" algn="l" rtl="0"/>
+                      <a:endParaRPr lang="en-US" altLang="zh-CN" sz="800" dirty="0">
+                        <a:solidFill>
+                          <a:srgbClr val="0070C0"/>
+                        </a:solidFill>
+                        <a:latin typeface="Courier New" panose="02070309020205020404" pitchFamily="49" charset="0"/>
+                        <a:cs typeface="Courier New" panose="02070309020205020404" pitchFamily="49" charset="0"/>
+                      </a:endParaRPr>
+                    </a:p>
+                    <a:p>
+                      <a:pPr marR="0" algn="l" rtl="0"/>
+                      <a:r>
+                        <a:rPr lang="en-US" altLang="zh-CN" sz="800" dirty="0">
+                          <a:solidFill>
+                            <a:srgbClr val="0070C0"/>
+                          </a:solidFill>
+                          <a:latin typeface="Courier New" panose="02070309020205020404" pitchFamily="49" charset="0"/>
+                          <a:cs typeface="Courier New" panose="02070309020205020404" pitchFamily="49" charset="0"/>
+                        </a:rPr>
+                        <a:t>+  </a:t>
+                      </a:r>
+                      <a:r>
+                        <a:rPr lang="en-US" altLang="zh-CN" sz="800" dirty="0" err="1">
+                          <a:solidFill>
+                            <a:srgbClr val="0070C0"/>
+                          </a:solidFill>
+                          <a:latin typeface="Courier New" panose="02070309020205020404" pitchFamily="49" charset="0"/>
+                          <a:cs typeface="Courier New" panose="02070309020205020404" pitchFamily="49" charset="0"/>
+                        </a:rPr>
+                        <a:t>requestCount.incrementAndGet</a:t>
+                      </a:r>
+                      <a:r>
+                        <a:rPr lang="en-US" altLang="zh-CN" sz="800" dirty="0">
+                          <a:solidFill>
+                            <a:srgbClr val="0070C0"/>
+                          </a:solidFill>
+                          <a:latin typeface="Courier New" panose="02070309020205020404" pitchFamily="49" charset="0"/>
+                          <a:cs typeface="Courier New" panose="02070309020205020404" pitchFamily="49" charset="0"/>
+                        </a:rPr>
+                        <a:t>();</a:t>
+                      </a:r>
+                    </a:p>
+                  </a:txBody>
+                  <a:tcPr/>
+                </a:tc>
+                <a:tc>
+                  <a:txBody>
+                    <a:bodyPr/>
+                    <a:lstStyle/>
+                    <a:p>
+                      <a:pPr marR="0" algn="l" rtl="0"/>
+                      <a:r>
+                        <a:rPr lang="en-US" altLang="zh-CN" sz="800" dirty="0">
+                          <a:latin typeface="Courier New" panose="02070309020205020404" pitchFamily="49" charset="0"/>
+                          <a:cs typeface="Courier New" panose="02070309020205020404" pitchFamily="49" charset="0"/>
+                        </a:rPr>
+                        <a:t>volatile T foo;</a:t>
+                      </a:r>
+                      <a:endParaRPr lang="zh-CN" altLang="en-US" sz="800" dirty="0">
+                        <a:latin typeface="Courier New" panose="02070309020205020404" pitchFamily="49" charset="0"/>
+                        <a:cs typeface="Courier New" panose="02070309020205020404" pitchFamily="49" charset="0"/>
+                      </a:endParaRPr>
+                    </a:p>
+                  </a:txBody>
+                  <a:tcPr anchor="ctr"/>
+                </a:tc>
+                <a:tc>
+                  <a:txBody>
+                    <a:bodyPr/>
+                    <a:lstStyle/>
+                    <a:p>
+                      <a:pPr marR="0" algn="l" rtl="0"/>
+                      <a:r>
+                        <a:rPr lang="en-US" altLang="zh-CN" sz="800" dirty="0">
+                          <a:latin typeface="Courier New" panose="02070309020205020404" pitchFamily="49" charset="0"/>
+                          <a:cs typeface="Courier New" panose="02070309020205020404" pitchFamily="49" charset="0"/>
+                        </a:rPr>
+                        <a:t>TT foo;</a:t>
+                      </a:r>
+                      <a:endParaRPr lang="zh-CN" altLang="en-US" sz="800" dirty="0">
+                        <a:latin typeface="Courier New" panose="02070309020205020404" pitchFamily="49" charset="0"/>
+                        <a:cs typeface="Courier New" panose="02070309020205020404" pitchFamily="49" charset="0"/>
+                      </a:endParaRPr>
+                    </a:p>
+                  </a:txBody>
+                  <a:tcPr anchor="ctr"/>
+                </a:tc>
+                <a:extLst>
+                  <a:ext uri="{0D108BD9-81ED-4DB2-BD59-A6C34878D82A}">
+                    <a16:rowId xmlns:a16="http://schemas.microsoft.com/office/drawing/2014/main" val="2138862068"/>
                   </a:ext>
                 </a:extLst>
               </a:tr>
@@ -6721,7 +9166,7 @@
 <file path=ppt/theme/theme1.xml><?xml version="1.0" encoding="utf-8"?>
 <a:theme xmlns:a="http://schemas.openxmlformats.org/drawingml/2006/main" name="Office 主题​​">
   <a:themeElements>
-    <a:clrScheme name="Office">
+    <a:clrScheme name="Office 主题​​">
       <a:dk1>
         <a:sysClr val="windowText" lastClr="000000"/>
       </a:dk1>
@@ -6759,9 +9204,9 @@
         <a:srgbClr val="954F72"/>
       </a:folHlink>
     </a:clrScheme>
-    <a:fontScheme name="Office">
+    <a:fontScheme name="Office 主题​​">
       <a:majorFont>
-        <a:latin typeface="等线 Light" panose="020F0302020204030204"/>
+        <a:latin typeface="Calibri Light" panose="020F0302020204030204"/>
         <a:ea typeface=""/>
         <a:cs typeface=""/>
         <a:font script="Jpan" typeface="游ゴシック Light"/>
@@ -6794,26 +9239,9 @@
         <a:font script="Viet" typeface="Times New Roman"/>
         <a:font script="Uigh" typeface="Microsoft Uighur"/>
         <a:font script="Geor" typeface="Sylfaen"/>
-        <a:font script="Armn" typeface="Arial"/>
-        <a:font script="Bugi" typeface="Leelawadee UI"/>
-        <a:font script="Bopo" typeface="Microsoft JhengHei"/>
-        <a:font script="Java" typeface="Javanese Text"/>
-        <a:font script="Lisu" typeface="Segoe UI"/>
-        <a:font script="Mymr" typeface="Myanmar Text"/>
-        <a:font script="Nkoo" typeface="Ebrima"/>
-        <a:font script="Olck" typeface="Nirmala UI"/>
-        <a:font script="Osma" typeface="Ebrima"/>
-        <a:font script="Phag" typeface="Phagspa"/>
-        <a:font script="Syrn" typeface="Estrangelo Edessa"/>
-        <a:font script="Syrj" typeface="Estrangelo Edessa"/>
-        <a:font script="Syre" typeface="Estrangelo Edessa"/>
-        <a:font script="Sora" typeface="Nirmala UI"/>
-        <a:font script="Tale" typeface="Microsoft Tai Le"/>
-        <a:font script="Talu" typeface="Microsoft New Tai Lue"/>
-        <a:font script="Tfng" typeface="Ebrima"/>
       </a:majorFont>
       <a:minorFont>
-        <a:latin typeface="等线" panose="020F0502020204030204"/>
+        <a:latin typeface="Calibri" panose="020F0502020204030204"/>
         <a:ea typeface=""/>
         <a:cs typeface=""/>
         <a:font script="Jpan" typeface="游ゴシック"/>
@@ -6846,26 +9274,9 @@
         <a:font script="Viet" typeface="Arial"/>
         <a:font script="Uigh" typeface="Microsoft Uighur"/>
         <a:font script="Geor" typeface="Sylfaen"/>
-        <a:font script="Armn" typeface="Arial"/>
-        <a:font script="Bugi" typeface="Leelawadee UI"/>
-        <a:font script="Bopo" typeface="Microsoft JhengHei"/>
-        <a:font script="Java" typeface="Javanese Text"/>
-        <a:font script="Lisu" typeface="Segoe UI"/>
-        <a:font script="Mymr" typeface="Myanmar Text"/>
-        <a:font script="Nkoo" typeface="Ebrima"/>
-        <a:font script="Olck" typeface="Nirmala UI"/>
-        <a:font script="Osma" typeface="Ebrima"/>
-        <a:font script="Phag" typeface="Phagspa"/>
-        <a:font script="Syrn" typeface="Estrangelo Edessa"/>
-        <a:font script="Syrj" typeface="Estrangelo Edessa"/>
-        <a:font script="Syre" typeface="Estrangelo Edessa"/>
-        <a:font script="Sora" typeface="Nirmala UI"/>
-        <a:font script="Tale" typeface="Microsoft Tai Le"/>
-        <a:font script="Talu" typeface="Microsoft New Tai Lue"/>
-        <a:font script="Tfng" typeface="Ebrima"/>
       </a:minorFont>
     </a:fontScheme>
-    <a:fmtScheme name="Office">
+    <a:fmtScheme name="Office 主题​​">
       <a:fillStyleLst>
         <a:solidFill>
           <a:schemeClr val="phClr"/>

--- a/visio/patterns.pptx
+++ b/visio/patterns.pptx
@@ -2,12 +2,12 @@
 <file path=ppt/presentation.xml><?xml version="1.0" encoding="utf-8"?>
 <p:presentation xmlns:a="http://schemas.openxmlformats.org/drawingml/2006/main" xmlns:r="http://schemas.openxmlformats.org/officeDocument/2006/relationships" xmlns:p="http://schemas.openxmlformats.org/presentationml/2006/main" saveSubsetFonts="1">
   <p:sldMasterIdLst>
-    <p:sldMasterId id="2147483672" r:id="rId1"/>
+    <p:sldMasterId id="2147483684" r:id="rId1"/>
   </p:sldMasterIdLst>
   <p:sldIdLst>
     <p:sldId id="257" r:id="rId2"/>
   </p:sldIdLst>
-  <p:sldSz cx="12192000" cy="12420600"/>
+  <p:sldSz cx="12192000" cy="13716000"/>
   <p:notesSz cx="6858000" cy="9144000"/>
   <p:defaultTextStyle>
     <a:defPPr>
@@ -104,6 +104,11 @@
       </a:defRPr>
     </a:lvl9pPr>
   </p:defaultTextStyle>
+  <p:extLst>
+    <p:ext uri="{EFAFB233-063F-42B5-8137-9DF3F51BA10A}">
+      <p15:sldGuideLst xmlns:p15="http://schemas.microsoft.com/office/powerpoint/2012/main"/>
+    </p:ext>
+  </p:extLst>
 </p:presentation>
 </file>
 
@@ -136,8 +141,8 @@
         </p:nvSpPr>
         <p:spPr>
           <a:xfrm>
-            <a:off x="914400" y="2032724"/>
-            <a:ext cx="10363200" cy="4324209"/>
+            <a:off x="914400" y="2244726"/>
+            <a:ext cx="10363200" cy="4775200"/>
           </a:xfrm>
         </p:spPr>
         <p:txBody>
@@ -168,8 +173,8 @@
         </p:nvSpPr>
         <p:spPr>
           <a:xfrm>
-            <a:off x="1524000" y="6523691"/>
-            <a:ext cx="9144000" cy="2998769"/>
+            <a:off x="1524000" y="7204076"/>
+            <a:ext cx="9144000" cy="3311524"/>
           </a:xfrm>
         </p:spPr>
         <p:txBody>
@@ -238,7 +243,7 @@
           <a:p>
             <a:fld id="{9A9588F4-A4CE-45D6-BF9E-2ECB20C17A22}" type="datetimeFigureOut">
               <a:rPr lang="zh-CN" altLang="en-US" smtClean="0"/>
-              <a:t>2017/4/2</a:t>
+              <a:t>2017/4/4</a:t>
             </a:fld>
             <a:endParaRPr lang="zh-CN" altLang="en-US"/>
           </a:p>
@@ -289,7 +294,7 @@
     </p:spTree>
     <p:extLst>
       <p:ext uri="{BB962C8B-B14F-4D97-AF65-F5344CB8AC3E}">
-        <p14:creationId xmlns:p14="http://schemas.microsoft.com/office/powerpoint/2010/main" val="4174236577"/>
+        <p14:creationId xmlns:p14="http://schemas.microsoft.com/office/powerpoint/2010/main" val="2720782387"/>
       </p:ext>
     </p:extLst>
   </p:cSld>
@@ -408,7 +413,7 @@
           <a:p>
             <a:fld id="{9A9588F4-A4CE-45D6-BF9E-2ECB20C17A22}" type="datetimeFigureOut">
               <a:rPr lang="zh-CN" altLang="en-US" smtClean="0"/>
-              <a:t>2017/4/2</a:t>
+              <a:t>2017/4/4</a:t>
             </a:fld>
             <a:endParaRPr lang="zh-CN" altLang="en-US"/>
           </a:p>
@@ -459,7 +464,7 @@
     </p:spTree>
     <p:extLst>
       <p:ext uri="{BB962C8B-B14F-4D97-AF65-F5344CB8AC3E}">
-        <p14:creationId xmlns:p14="http://schemas.microsoft.com/office/powerpoint/2010/main" val="2936244928"/>
+        <p14:creationId xmlns:p14="http://schemas.microsoft.com/office/powerpoint/2010/main" val="2233686393"/>
       </p:ext>
     </p:extLst>
   </p:cSld>
@@ -498,8 +503,8 @@
         </p:nvSpPr>
         <p:spPr>
           <a:xfrm>
-            <a:off x="8724901" y="661282"/>
-            <a:ext cx="2628900" cy="10525884"/>
+            <a:off x="8724901" y="730250"/>
+            <a:ext cx="2628900" cy="11623676"/>
           </a:xfrm>
         </p:spPr>
         <p:txBody>
@@ -526,8 +531,8 @@
         </p:nvSpPr>
         <p:spPr>
           <a:xfrm>
-            <a:off x="838201" y="661282"/>
-            <a:ext cx="7734300" cy="10525884"/>
+            <a:off x="838201" y="730250"/>
+            <a:ext cx="7734300" cy="11623676"/>
           </a:xfrm>
         </p:spPr>
         <p:txBody>
@@ -588,7 +593,7 @@
           <a:p>
             <a:fld id="{9A9588F4-A4CE-45D6-BF9E-2ECB20C17A22}" type="datetimeFigureOut">
               <a:rPr lang="zh-CN" altLang="en-US" smtClean="0"/>
-              <a:t>2017/4/2</a:t>
+              <a:t>2017/4/4</a:t>
             </a:fld>
             <a:endParaRPr lang="zh-CN" altLang="en-US"/>
           </a:p>
@@ -639,7 +644,7 @@
     </p:spTree>
     <p:extLst>
       <p:ext uri="{BB962C8B-B14F-4D97-AF65-F5344CB8AC3E}">
-        <p14:creationId xmlns:p14="http://schemas.microsoft.com/office/powerpoint/2010/main" val="3203223012"/>
+        <p14:creationId xmlns:p14="http://schemas.microsoft.com/office/powerpoint/2010/main" val="184070001"/>
       </p:ext>
     </p:extLst>
   </p:cSld>
@@ -758,7 +763,7 @@
           <a:p>
             <a:fld id="{9A9588F4-A4CE-45D6-BF9E-2ECB20C17A22}" type="datetimeFigureOut">
               <a:rPr lang="zh-CN" altLang="en-US" smtClean="0"/>
-              <a:t>2017/4/2</a:t>
+              <a:t>2017/4/4</a:t>
             </a:fld>
             <a:endParaRPr lang="zh-CN" altLang="en-US"/>
           </a:p>
@@ -809,7 +814,7 @@
     </p:spTree>
     <p:extLst>
       <p:ext uri="{BB962C8B-B14F-4D97-AF65-F5344CB8AC3E}">
-        <p14:creationId xmlns:p14="http://schemas.microsoft.com/office/powerpoint/2010/main" val="3041803990"/>
+        <p14:creationId xmlns:p14="http://schemas.microsoft.com/office/powerpoint/2010/main" val="2878548476"/>
       </p:ext>
     </p:extLst>
   </p:cSld>
@@ -848,8 +853,8 @@
         </p:nvSpPr>
         <p:spPr>
           <a:xfrm>
-            <a:off x="831851" y="3096528"/>
-            <a:ext cx="10515600" cy="5166624"/>
+            <a:off x="831851" y="3419479"/>
+            <a:ext cx="10515600" cy="5705474"/>
           </a:xfrm>
         </p:spPr>
         <p:txBody>
@@ -880,8 +885,8 @@
         </p:nvSpPr>
         <p:spPr>
           <a:xfrm>
-            <a:off x="831851" y="8312030"/>
-            <a:ext cx="10515600" cy="2717005"/>
+            <a:off x="831851" y="9178929"/>
+            <a:ext cx="10515600" cy="3000374"/>
           </a:xfrm>
         </p:spPr>
         <p:txBody>
@@ -1002,7 +1007,7 @@
           <a:p>
             <a:fld id="{9A9588F4-A4CE-45D6-BF9E-2ECB20C17A22}" type="datetimeFigureOut">
               <a:rPr lang="zh-CN" altLang="en-US" smtClean="0"/>
-              <a:t>2017/4/2</a:t>
+              <a:t>2017/4/4</a:t>
             </a:fld>
             <a:endParaRPr lang="zh-CN" altLang="en-US"/>
           </a:p>
@@ -1053,7 +1058,7 @@
     </p:spTree>
     <p:extLst>
       <p:ext uri="{BB962C8B-B14F-4D97-AF65-F5344CB8AC3E}">
-        <p14:creationId xmlns:p14="http://schemas.microsoft.com/office/powerpoint/2010/main" val="380996407"/>
+        <p14:creationId xmlns:p14="http://schemas.microsoft.com/office/powerpoint/2010/main" val="2724291492"/>
       </p:ext>
     </p:extLst>
   </p:cSld>
@@ -1115,8 +1120,8 @@
         </p:nvSpPr>
         <p:spPr>
           <a:xfrm>
-            <a:off x="838200" y="3306410"/>
-            <a:ext cx="5181600" cy="7880757"/>
+            <a:off x="838200" y="3651250"/>
+            <a:ext cx="5181600" cy="8702676"/>
           </a:xfrm>
         </p:spPr>
         <p:txBody>
@@ -1172,8 +1177,8 @@
         </p:nvSpPr>
         <p:spPr>
           <a:xfrm>
-            <a:off x="6172200" y="3306410"/>
-            <a:ext cx="5181600" cy="7880757"/>
+            <a:off x="6172200" y="3651250"/>
+            <a:ext cx="5181600" cy="8702676"/>
           </a:xfrm>
         </p:spPr>
         <p:txBody>
@@ -1234,7 +1239,7 @@
           <a:p>
             <a:fld id="{9A9588F4-A4CE-45D6-BF9E-2ECB20C17A22}" type="datetimeFigureOut">
               <a:rPr lang="zh-CN" altLang="en-US" smtClean="0"/>
-              <a:t>2017/4/2</a:t>
+              <a:t>2017/4/4</a:t>
             </a:fld>
             <a:endParaRPr lang="zh-CN" altLang="en-US"/>
           </a:p>
@@ -1285,7 +1290,7 @@
     </p:spTree>
     <p:extLst>
       <p:ext uri="{BB962C8B-B14F-4D97-AF65-F5344CB8AC3E}">
-        <p14:creationId xmlns:p14="http://schemas.microsoft.com/office/powerpoint/2010/main" val="696481110"/>
+        <p14:creationId xmlns:p14="http://schemas.microsoft.com/office/powerpoint/2010/main" val="309250834"/>
       </p:ext>
     </p:extLst>
   </p:cSld>
@@ -1324,8 +1329,8 @@
         </p:nvSpPr>
         <p:spPr>
           <a:xfrm>
-            <a:off x="839788" y="661285"/>
-            <a:ext cx="10515600" cy="2400742"/>
+            <a:off x="839788" y="730253"/>
+            <a:ext cx="10515600" cy="2651126"/>
           </a:xfrm>
         </p:spPr>
         <p:txBody>
@@ -1352,8 +1357,8 @@
         </p:nvSpPr>
         <p:spPr>
           <a:xfrm>
-            <a:off x="839789" y="3044773"/>
-            <a:ext cx="5157787" cy="1492196"/>
+            <a:off x="839789" y="3362326"/>
+            <a:ext cx="5157787" cy="1647824"/>
           </a:xfrm>
         </p:spPr>
         <p:txBody>
@@ -1417,8 +1422,8 @@
         </p:nvSpPr>
         <p:spPr>
           <a:xfrm>
-            <a:off x="839789" y="4536969"/>
-            <a:ext cx="5157787" cy="6673198"/>
+            <a:off x="839789" y="5010150"/>
+            <a:ext cx="5157787" cy="7369176"/>
           </a:xfrm>
         </p:spPr>
         <p:txBody>
@@ -1474,8 +1479,8 @@
         </p:nvSpPr>
         <p:spPr>
           <a:xfrm>
-            <a:off x="6172201" y="3044773"/>
-            <a:ext cx="5183188" cy="1492196"/>
+            <a:off x="6172201" y="3362326"/>
+            <a:ext cx="5183188" cy="1647824"/>
           </a:xfrm>
         </p:spPr>
         <p:txBody>
@@ -1539,8 +1544,8 @@
         </p:nvSpPr>
         <p:spPr>
           <a:xfrm>
-            <a:off x="6172201" y="4536969"/>
-            <a:ext cx="5183188" cy="6673198"/>
+            <a:off x="6172201" y="5010150"/>
+            <a:ext cx="5183188" cy="7369176"/>
           </a:xfrm>
         </p:spPr>
         <p:txBody>
@@ -1601,7 +1606,7 @@
           <a:p>
             <a:fld id="{9A9588F4-A4CE-45D6-BF9E-2ECB20C17A22}" type="datetimeFigureOut">
               <a:rPr lang="zh-CN" altLang="en-US" smtClean="0"/>
-              <a:t>2017/4/2</a:t>
+              <a:t>2017/4/4</a:t>
             </a:fld>
             <a:endParaRPr lang="zh-CN" altLang="en-US"/>
           </a:p>
@@ -1652,7 +1657,7 @@
     </p:spTree>
     <p:extLst>
       <p:ext uri="{BB962C8B-B14F-4D97-AF65-F5344CB8AC3E}">
-        <p14:creationId xmlns:p14="http://schemas.microsoft.com/office/powerpoint/2010/main" val="2675786540"/>
+        <p14:creationId xmlns:p14="http://schemas.microsoft.com/office/powerpoint/2010/main" val="269984974"/>
       </p:ext>
     </p:extLst>
   </p:cSld>
@@ -1719,7 +1724,7 @@
           <a:p>
             <a:fld id="{9A9588F4-A4CE-45D6-BF9E-2ECB20C17A22}" type="datetimeFigureOut">
               <a:rPr lang="zh-CN" altLang="en-US" smtClean="0"/>
-              <a:t>2017/4/2</a:t>
+              <a:t>2017/4/4</a:t>
             </a:fld>
             <a:endParaRPr lang="zh-CN" altLang="en-US"/>
           </a:p>
@@ -1770,7 +1775,7 @@
     </p:spTree>
     <p:extLst>
       <p:ext uri="{BB962C8B-B14F-4D97-AF65-F5344CB8AC3E}">
-        <p14:creationId xmlns:p14="http://schemas.microsoft.com/office/powerpoint/2010/main" val="4190171747"/>
+        <p14:creationId xmlns:p14="http://schemas.microsoft.com/office/powerpoint/2010/main" val="398035292"/>
       </p:ext>
     </p:extLst>
   </p:cSld>
@@ -1814,7 +1819,7 @@
           <a:p>
             <a:fld id="{9A9588F4-A4CE-45D6-BF9E-2ECB20C17A22}" type="datetimeFigureOut">
               <a:rPr lang="zh-CN" altLang="en-US" smtClean="0"/>
-              <a:t>2017/4/2</a:t>
+              <a:t>2017/4/4</a:t>
             </a:fld>
             <a:endParaRPr lang="zh-CN" altLang="en-US"/>
           </a:p>
@@ -1865,7 +1870,7 @@
     </p:spTree>
     <p:extLst>
       <p:ext uri="{BB962C8B-B14F-4D97-AF65-F5344CB8AC3E}">
-        <p14:creationId xmlns:p14="http://schemas.microsoft.com/office/powerpoint/2010/main" val="1789139440"/>
+        <p14:creationId xmlns:p14="http://schemas.microsoft.com/office/powerpoint/2010/main" val="1148231567"/>
       </p:ext>
     </p:extLst>
   </p:cSld>
@@ -1904,8 +1909,8 @@
         </p:nvSpPr>
         <p:spPr>
           <a:xfrm>
-            <a:off x="839788" y="828040"/>
-            <a:ext cx="3932237" cy="2898140"/>
+            <a:off x="839788" y="914400"/>
+            <a:ext cx="3932237" cy="3200400"/>
           </a:xfrm>
         </p:spPr>
         <p:txBody>
@@ -1936,8 +1941,8 @@
         </p:nvSpPr>
         <p:spPr>
           <a:xfrm>
-            <a:off x="5183188" y="1788339"/>
-            <a:ext cx="6172200" cy="8826676"/>
+            <a:off x="5183188" y="1974853"/>
+            <a:ext cx="6172200" cy="9747250"/>
           </a:xfrm>
         </p:spPr>
         <p:txBody>
@@ -2021,8 +2026,8 @@
         </p:nvSpPr>
         <p:spPr>
           <a:xfrm>
-            <a:off x="839788" y="3726180"/>
-            <a:ext cx="3932237" cy="6903209"/>
+            <a:off x="839788" y="4114800"/>
+            <a:ext cx="3932237" cy="7623176"/>
           </a:xfrm>
         </p:spPr>
         <p:txBody>
@@ -2091,7 +2096,7 @@
           <a:p>
             <a:fld id="{9A9588F4-A4CE-45D6-BF9E-2ECB20C17A22}" type="datetimeFigureOut">
               <a:rPr lang="zh-CN" altLang="en-US" smtClean="0"/>
-              <a:t>2017/4/2</a:t>
+              <a:t>2017/4/4</a:t>
             </a:fld>
             <a:endParaRPr lang="zh-CN" altLang="en-US"/>
           </a:p>
@@ -2142,7 +2147,7 @@
     </p:spTree>
     <p:extLst>
       <p:ext uri="{BB962C8B-B14F-4D97-AF65-F5344CB8AC3E}">
-        <p14:creationId xmlns:p14="http://schemas.microsoft.com/office/powerpoint/2010/main" val="960384304"/>
+        <p14:creationId xmlns:p14="http://schemas.microsoft.com/office/powerpoint/2010/main" val="1583055769"/>
       </p:ext>
     </p:extLst>
   </p:cSld>
@@ -2181,8 +2186,8 @@
         </p:nvSpPr>
         <p:spPr>
           <a:xfrm>
-            <a:off x="839788" y="828040"/>
-            <a:ext cx="3932237" cy="2898140"/>
+            <a:off x="839788" y="914400"/>
+            <a:ext cx="3932237" cy="3200400"/>
           </a:xfrm>
         </p:spPr>
         <p:txBody>
@@ -2213,8 +2218,8 @@
         </p:nvSpPr>
         <p:spPr>
           <a:xfrm>
-            <a:off x="5183188" y="1788339"/>
-            <a:ext cx="6172200" cy="8826676"/>
+            <a:off x="5183188" y="1974853"/>
+            <a:ext cx="6172200" cy="9747250"/>
           </a:xfrm>
         </p:spPr>
         <p:txBody>
@@ -2278,8 +2283,8 @@
         </p:nvSpPr>
         <p:spPr>
           <a:xfrm>
-            <a:off x="839788" y="3726180"/>
-            <a:ext cx="3932237" cy="6903209"/>
+            <a:off x="839788" y="4114800"/>
+            <a:ext cx="3932237" cy="7623176"/>
           </a:xfrm>
         </p:spPr>
         <p:txBody>
@@ -2348,7 +2353,7 @@
           <a:p>
             <a:fld id="{9A9588F4-A4CE-45D6-BF9E-2ECB20C17A22}" type="datetimeFigureOut">
               <a:rPr lang="zh-CN" altLang="en-US" smtClean="0"/>
-              <a:t>2017/4/2</a:t>
+              <a:t>2017/4/4</a:t>
             </a:fld>
             <a:endParaRPr lang="zh-CN" altLang="en-US"/>
           </a:p>
@@ -2399,7 +2404,7 @@
     </p:spTree>
     <p:extLst>
       <p:ext uri="{BB962C8B-B14F-4D97-AF65-F5344CB8AC3E}">
-        <p14:creationId xmlns:p14="http://schemas.microsoft.com/office/powerpoint/2010/main" val="1879055722"/>
+        <p14:creationId xmlns:p14="http://schemas.microsoft.com/office/powerpoint/2010/main" val="1444507875"/>
       </p:ext>
     </p:extLst>
   </p:cSld>
@@ -2443,8 +2448,8 @@
         </p:nvSpPr>
         <p:spPr>
           <a:xfrm>
-            <a:off x="838200" y="661285"/>
-            <a:ext cx="10515600" cy="2400742"/>
+            <a:off x="838200" y="730253"/>
+            <a:ext cx="10515600" cy="2651126"/>
           </a:xfrm>
           <a:prstGeom prst="rect">
             <a:avLst/>
@@ -2476,8 +2481,8 @@
         </p:nvSpPr>
         <p:spPr>
           <a:xfrm>
-            <a:off x="838200" y="3306410"/>
-            <a:ext cx="10515600" cy="7880757"/>
+            <a:off x="838200" y="3651250"/>
+            <a:ext cx="10515600" cy="8702676"/>
           </a:xfrm>
           <a:prstGeom prst="rect">
             <a:avLst/>
@@ -2538,8 +2543,8 @@
         </p:nvSpPr>
         <p:spPr>
           <a:xfrm>
-            <a:off x="838200" y="11512059"/>
-            <a:ext cx="2743200" cy="661282"/>
+            <a:off x="838200" y="12712703"/>
+            <a:ext cx="2743200" cy="730250"/>
           </a:xfrm>
           <a:prstGeom prst="rect">
             <a:avLst/>
@@ -2561,7 +2566,7 @@
           <a:p>
             <a:fld id="{9A9588F4-A4CE-45D6-BF9E-2ECB20C17A22}" type="datetimeFigureOut">
               <a:rPr lang="zh-CN" altLang="en-US" smtClean="0"/>
-              <a:t>2017/4/2</a:t>
+              <a:t>2017/4/4</a:t>
             </a:fld>
             <a:endParaRPr lang="zh-CN" altLang="en-US"/>
           </a:p>
@@ -2579,8 +2584,8 @@
         </p:nvSpPr>
         <p:spPr>
           <a:xfrm>
-            <a:off x="4038600" y="11512059"/>
-            <a:ext cx="4114800" cy="661282"/>
+            <a:off x="4038600" y="12712703"/>
+            <a:ext cx="4114800" cy="730250"/>
           </a:xfrm>
           <a:prstGeom prst="rect">
             <a:avLst/>
@@ -2616,8 +2621,8 @@
         </p:nvSpPr>
         <p:spPr>
           <a:xfrm>
-            <a:off x="8610600" y="11512059"/>
-            <a:ext cx="2743200" cy="661282"/>
+            <a:off x="8610600" y="12712703"/>
+            <a:ext cx="2743200" cy="730250"/>
           </a:xfrm>
           <a:prstGeom prst="rect">
             <a:avLst/>
@@ -2648,23 +2653,23 @@
     </p:spTree>
     <p:extLst>
       <p:ext uri="{BB962C8B-B14F-4D97-AF65-F5344CB8AC3E}">
-        <p14:creationId xmlns:p14="http://schemas.microsoft.com/office/powerpoint/2010/main" val="2737865537"/>
+        <p14:creationId xmlns:p14="http://schemas.microsoft.com/office/powerpoint/2010/main" val="4270185750"/>
       </p:ext>
     </p:extLst>
   </p:cSld>
   <p:clrMap bg1="lt1" tx1="dk1" bg2="lt2" tx2="dk2" accent1="accent1" accent2="accent2" accent3="accent3" accent4="accent4" accent5="accent5" accent6="accent6" hlink="hlink" folHlink="folHlink"/>
   <p:sldLayoutIdLst>
-    <p:sldLayoutId id="2147483673" r:id="rId1"/>
-    <p:sldLayoutId id="2147483674" r:id="rId2"/>
-    <p:sldLayoutId id="2147483675" r:id="rId3"/>
-    <p:sldLayoutId id="2147483676" r:id="rId4"/>
-    <p:sldLayoutId id="2147483677" r:id="rId5"/>
-    <p:sldLayoutId id="2147483678" r:id="rId6"/>
-    <p:sldLayoutId id="2147483679" r:id="rId7"/>
-    <p:sldLayoutId id="2147483680" r:id="rId8"/>
-    <p:sldLayoutId id="2147483681" r:id="rId9"/>
-    <p:sldLayoutId id="2147483682" r:id="rId10"/>
-    <p:sldLayoutId id="2147483683" r:id="rId11"/>
+    <p:sldLayoutId id="2147483685" r:id="rId1"/>
+    <p:sldLayoutId id="2147483686" r:id="rId2"/>
+    <p:sldLayoutId id="2147483687" r:id="rId3"/>
+    <p:sldLayoutId id="2147483688" r:id="rId4"/>
+    <p:sldLayoutId id="2147483689" r:id="rId5"/>
+    <p:sldLayoutId id="2147483690" r:id="rId6"/>
+    <p:sldLayoutId id="2147483691" r:id="rId7"/>
+    <p:sldLayoutId id="2147483692" r:id="rId8"/>
+    <p:sldLayoutId id="2147483693" r:id="rId9"/>
+    <p:sldLayoutId id="2147483694" r:id="rId10"/>
+    <p:sldLayoutId id="2147483695" r:id="rId11"/>
   </p:sldLayoutIdLst>
   <p:txStyles>
     <p:titleStyle>
@@ -2976,14 +2981,14 @@
             <p:ph idx="1"/>
             <p:extLst>
               <p:ext uri="{D42A27DB-BD31-4B8C-83A1-F6EECF244321}">
-                <p14:modId xmlns:p14="http://schemas.microsoft.com/office/powerpoint/2010/main" val="1066012990"/>
+                <p14:modId xmlns:p14="http://schemas.microsoft.com/office/powerpoint/2010/main" val="1789477583"/>
               </p:ext>
             </p:extLst>
           </p:nvPr>
         </p:nvGraphicFramePr>
         <p:xfrm>
-          <a:off x="0" y="1907"/>
-          <a:ext cx="12192000" cy="11952603"/>
+          <a:off x="0" y="1909"/>
+          <a:ext cx="12192000" cy="19862163"/>
         </p:xfrm>
         <a:graphic>
           <a:graphicData uri="http://schemas.openxmlformats.org/drawingml/2006/table">
@@ -2999,14 +3004,14 @@
                     </a:ext>
                   </a:extLst>
                 </a:gridCol>
-                <a:gridCol w="4284026">
+                <a:gridCol w="4171631">
                   <a:extLst>
                     <a:ext uri="{9D8B030D-6E8A-4147-A177-3AD203B41FA5}">
                       <a16:colId xmlns:a16="http://schemas.microsoft.com/office/drawing/2014/main" val="1129046455"/>
                     </a:ext>
                   </a:extLst>
                 </a:gridCol>
-                <a:gridCol w="4030980">
+                <a:gridCol w="4143375">
                   <a:extLst>
                     <a:ext uri="{9D8B030D-6E8A-4147-A177-3AD203B41FA5}">
                       <a16:colId xmlns:a16="http://schemas.microsoft.com/office/drawing/2014/main" val="2369603338"/>
@@ -3036,13 +3041,13 @@
                     <a:p>
                       <a:pPr algn="ctr"/>
                       <a:r>
-                        <a:rPr lang="en-US" altLang="zh-CN" sz="800" dirty="0">
+                        <a:rPr lang="en-US" altLang="zh-CN" sz="1100" dirty="0">
                           <a:latin typeface="Courier New" panose="02070309020205020404" pitchFamily="49" charset="0"/>
                           <a:cs typeface="Courier New" panose="02070309020205020404" pitchFamily="49" charset="0"/>
                         </a:rPr>
                         <a:t>#</a:t>
                       </a:r>
-                      <a:endParaRPr lang="zh-CN" altLang="en-US" sz="800" dirty="0">
+                      <a:endParaRPr lang="zh-CN" altLang="en-US" sz="1100" dirty="0">
                         <a:latin typeface="Courier New" panose="02070309020205020404" pitchFamily="49" charset="0"/>
                         <a:cs typeface="Courier New" panose="02070309020205020404" pitchFamily="49" charset="0"/>
                       </a:endParaRPr>
@@ -3057,13 +3062,13 @@
                     <a:p>
                       <a:pPr algn="ctr"/>
                       <a:r>
-                        <a:rPr lang="en-US" altLang="zh-CN" sz="800" dirty="0">
+                        <a:rPr lang="en-US" altLang="zh-CN" sz="1100" dirty="0">
                           <a:latin typeface="Courier New" panose="02070309020205020404" pitchFamily="49" charset="0"/>
                           <a:cs typeface="Courier New" panose="02070309020205020404" pitchFamily="49" charset="0"/>
                         </a:rPr>
                         <a:t>Source</a:t>
                       </a:r>
-                      <a:endParaRPr lang="zh-CN" altLang="en-US" sz="800" dirty="0">
+                      <a:endParaRPr lang="zh-CN" altLang="en-US" sz="1100" dirty="0">
                         <a:latin typeface="Courier New" panose="02070309020205020404" pitchFamily="49" charset="0"/>
                         <a:cs typeface="Courier New" panose="02070309020205020404" pitchFamily="49" charset="0"/>
                       </a:endParaRPr>
@@ -3089,13 +3094,13 @@
                     <a:p>
                       <a:pPr marR="0" algn="ctr" rtl="0"/>
                       <a:r>
-                        <a:rPr lang="en-US" altLang="zh-CN" sz="800" dirty="0">
+                        <a:rPr lang="en-US" altLang="zh-CN" sz="1100" dirty="0">
                           <a:latin typeface="Courier New" panose="02070309020205020404" pitchFamily="49" charset="0"/>
                           <a:cs typeface="Courier New" panose="02070309020205020404" pitchFamily="49" charset="0"/>
                         </a:rPr>
                         <a:t>Pattern</a:t>
                       </a:r>
-                      <a:endParaRPr lang="zh-CN" altLang="en-US" sz="800" dirty="0">
+                      <a:endParaRPr lang="zh-CN" altLang="en-US" sz="1100" dirty="0">
                         <a:latin typeface="Courier New" panose="02070309020205020404" pitchFamily="49" charset="0"/>
                         <a:cs typeface="Courier New" panose="02070309020205020404" pitchFamily="49" charset="0"/>
                       </a:endParaRPr>
@@ -3120,7 +3125,7 @@
                   </a:ext>
                 </a:extLst>
               </a:tr>
-              <a:tr h="932499">
+              <a:tr h="1264920">
                 <a:tc>
                   <a:txBody>
                     <a:bodyPr/>
@@ -3128,13 +3133,13 @@
                     <a:p>
                       <a:pPr algn="ctr"/>
                       <a:r>
-                        <a:rPr lang="en-US" altLang="zh-CN" sz="800" dirty="0">
+                        <a:rPr lang="en-US" altLang="zh-CN" sz="1100" dirty="0">
                           <a:latin typeface="Courier New" panose="02070309020205020404" pitchFamily="49" charset="0"/>
                           <a:cs typeface="Courier New" panose="02070309020205020404" pitchFamily="49" charset="0"/>
                         </a:rPr>
                         <a:t>1</a:t>
                       </a:r>
-                      <a:endParaRPr lang="zh-CN" altLang="en-US" sz="800" dirty="0">
+                      <a:endParaRPr lang="zh-CN" altLang="en-US" sz="1100" dirty="0">
                         <a:latin typeface="Courier New" panose="02070309020205020404" pitchFamily="49" charset="0"/>
                         <a:cs typeface="Courier New" panose="02070309020205020404" pitchFamily="49" charset="0"/>
                       </a:endParaRPr>
@@ -3153,7 +3158,7 @@
                         </a:spcAft>
                       </a:pPr>
                       <a:r>
-                        <a:rPr lang="en-US" altLang="zh-CN" sz="800" kern="0" dirty="0">
+                        <a:rPr lang="en-US" altLang="zh-CN" sz="1100" kern="0" dirty="0">
                           <a:solidFill>
                             <a:srgbClr val="000000"/>
                           </a:solidFill>
@@ -3165,7 +3170,7 @@
                         <a:t> </a:t>
                       </a:r>
                       <a:r>
-                        <a:rPr lang="en-US" altLang="zh-CN" sz="800" kern="0" dirty="0" err="1">
+                        <a:rPr lang="en-US" altLang="zh-CN" sz="1100" kern="0" dirty="0" err="1">
                           <a:solidFill>
                             <a:srgbClr val="000000"/>
                           </a:solidFill>
@@ -3177,7 +3182,7 @@
                         <a:t>LeafQueue</a:t>
                       </a:r>
                       <a:r>
-                        <a:rPr lang="en-US" altLang="zh-CN" sz="800" kern="0" dirty="0">
+                        <a:rPr lang="en-US" altLang="zh-CN" sz="1100" kern="0" dirty="0">
                           <a:solidFill>
                             <a:srgbClr val="000000"/>
                           </a:solidFill>
@@ -3189,7 +3194,7 @@
                         <a:t> </a:t>
                       </a:r>
                       <a:r>
-                        <a:rPr lang="en-US" altLang="zh-CN" sz="800" kern="0" dirty="0" err="1">
+                        <a:rPr lang="en-US" altLang="zh-CN" sz="1100" kern="0" dirty="0" err="1">
                           <a:solidFill>
                             <a:srgbClr val="000000"/>
                           </a:solidFill>
@@ -3201,7 +3206,7 @@
                         <a:t>leafQueue</a:t>
                       </a:r>
                       <a:r>
-                        <a:rPr lang="en-US" altLang="zh-CN" sz="800" kern="0" dirty="0">
+                        <a:rPr lang="en-US" altLang="zh-CN" sz="1100" kern="0" dirty="0">
                           <a:solidFill>
                             <a:srgbClr val="000000"/>
                           </a:solidFill>
@@ -3212,7 +3217,7 @@
                         </a:rPr>
                         <a:t> = ...;</a:t>
                       </a:r>
-                      <a:endParaRPr lang="zh-CN" altLang="zh-CN" sz="800" kern="100" dirty="0">
+                      <a:endParaRPr lang="zh-CN" altLang="zh-CN" sz="1100" kern="100" dirty="0">
                         <a:effectLst/>
                         <a:latin typeface="Courier New" panose="02070309020205020404" pitchFamily="49" charset="0"/>
                         <a:ea typeface="+mn-ea"/>
@@ -3226,7 +3231,7 @@
                         </a:spcAft>
                       </a:pPr>
                       <a:r>
-                        <a:rPr lang="en-US" altLang="zh-CN" sz="800" kern="0" dirty="0">
+                        <a:rPr lang="en-US" altLang="zh-CN" sz="1100" kern="0" dirty="0">
                           <a:solidFill>
                             <a:srgbClr val="C00000"/>
                           </a:solidFill>
@@ -3238,7 +3243,7 @@
                         <a:t>-synchronized (</a:t>
                       </a:r>
                       <a:r>
-                        <a:rPr lang="en-US" altLang="zh-CN" sz="800" kern="0" dirty="0" err="1">
+                        <a:rPr lang="en-US" altLang="zh-CN" sz="1100" kern="0" dirty="0" err="1">
                           <a:solidFill>
                             <a:srgbClr val="C00000"/>
                           </a:solidFill>
@@ -3250,7 +3255,7 @@
                         <a:t>leafQueue</a:t>
                       </a:r>
                       <a:r>
-                        <a:rPr lang="en-US" altLang="zh-CN" sz="800" kern="0" dirty="0">
+                        <a:rPr lang="en-US" altLang="zh-CN" sz="1100" kern="0" dirty="0">
                           <a:solidFill>
                             <a:srgbClr val="C00000"/>
                           </a:solidFill>
@@ -3261,7 +3266,7 @@
                         </a:rPr>
                         <a:t>) {</a:t>
                       </a:r>
-                      <a:endParaRPr lang="zh-CN" altLang="zh-CN" sz="800" kern="100" dirty="0">
+                      <a:endParaRPr lang="zh-CN" altLang="zh-CN" sz="1100" kern="100" dirty="0">
                         <a:effectLst/>
                         <a:latin typeface="Courier New" panose="02070309020205020404" pitchFamily="49" charset="0"/>
                         <a:ea typeface="+mn-ea"/>
@@ -3275,7 +3280,7 @@
                         </a:spcAft>
                       </a:pPr>
                       <a:r>
-                        <a:rPr lang="en-US" altLang="zh-CN" sz="800" kern="0" dirty="0">
+                        <a:rPr lang="en-US" altLang="zh-CN" sz="1100" kern="0" dirty="0">
                           <a:solidFill>
                             <a:srgbClr val="000000"/>
                           </a:solidFill>
@@ -3286,7 +3291,7 @@
                         </a:rPr>
                         <a:t> </a:t>
                       </a:r>
-                      <a:endParaRPr lang="zh-CN" altLang="zh-CN" sz="800" kern="100" dirty="0">
+                      <a:endParaRPr lang="zh-CN" altLang="zh-CN" sz="1100" kern="100" dirty="0">
                         <a:effectLst/>
                         <a:latin typeface="Courier New" panose="02070309020205020404" pitchFamily="49" charset="0"/>
                         <a:ea typeface="+mn-ea"/>
@@ -3300,7 +3305,7 @@
                         </a:spcAft>
                       </a:pPr>
                       <a:r>
-                        <a:rPr lang="en-US" altLang="zh-CN" sz="800" kern="0" dirty="0">
+                        <a:rPr lang="en-US" altLang="zh-CN" sz="1100" kern="0" dirty="0">
                           <a:solidFill>
                             <a:srgbClr val="000000"/>
                           </a:solidFill>
@@ -3311,7 +3316,7 @@
                         </a:rPr>
                         <a:t>   57 LOC</a:t>
                       </a:r>
-                      <a:endParaRPr lang="zh-CN" altLang="zh-CN" sz="800" kern="100" dirty="0">
+                      <a:endParaRPr lang="zh-CN" altLang="zh-CN" sz="1100" kern="100" dirty="0">
                         <a:effectLst/>
                         <a:latin typeface="Courier New" panose="02070309020205020404" pitchFamily="49" charset="0"/>
                         <a:ea typeface="+mn-ea"/>
@@ -3325,7 +3330,7 @@
                         </a:spcAft>
                       </a:pPr>
                       <a:r>
-                        <a:rPr lang="en-US" altLang="zh-CN" sz="800" kern="0" dirty="0">
+                        <a:rPr lang="en-US" altLang="zh-CN" sz="1100" kern="0" dirty="0">
                           <a:solidFill>
                             <a:srgbClr val="000000"/>
                           </a:solidFill>
@@ -3336,7 +3341,7 @@
                         </a:rPr>
                         <a:t> </a:t>
                       </a:r>
-                      <a:endParaRPr lang="zh-CN" altLang="zh-CN" sz="800" kern="100" dirty="0">
+                      <a:endParaRPr lang="zh-CN" altLang="zh-CN" sz="1100" kern="100" dirty="0">
                         <a:effectLst/>
                         <a:latin typeface="Courier New" panose="02070309020205020404" pitchFamily="49" charset="0"/>
                         <a:ea typeface="+mn-ea"/>
@@ -3350,7 +3355,7 @@
                         </a:spcAft>
                       </a:pPr>
                       <a:r>
-                        <a:rPr lang="en-US" altLang="zh-CN" sz="800" kern="0" dirty="0">
+                        <a:rPr lang="en-US" altLang="zh-CN" sz="1100" kern="0" dirty="0">
                           <a:solidFill>
                             <a:srgbClr val="000000"/>
                           </a:solidFill>
@@ -3361,7 +3366,7 @@
                         </a:rPr>
                         <a:t> </a:t>
                       </a:r>
-                      <a:endParaRPr lang="zh-CN" altLang="zh-CN" sz="800" kern="100" dirty="0">
+                      <a:endParaRPr lang="zh-CN" altLang="zh-CN" sz="1100" kern="100" dirty="0">
                         <a:effectLst/>
                         <a:latin typeface="Courier New" panose="02070309020205020404" pitchFamily="49" charset="0"/>
                         <a:ea typeface="+mn-ea"/>
@@ -3370,7 +3375,7 @@
                     </a:p>
                     <a:p>
                       <a:r>
-                        <a:rPr lang="en-US" altLang="zh-CN" sz="800" kern="0" dirty="0">
+                        <a:rPr lang="en-US" altLang="zh-CN" sz="1100" kern="0" dirty="0">
                           <a:solidFill>
                             <a:srgbClr val="000000"/>
                           </a:solidFill>
@@ -3381,7 +3386,7 @@
                         </a:rPr>
                         <a:t> }</a:t>
                       </a:r>
-                      <a:endParaRPr lang="zh-CN" altLang="en-US" sz="800" dirty="0">
+                      <a:endParaRPr lang="zh-CN" altLang="en-US" sz="1100" dirty="0">
                         <a:latin typeface="Courier New" panose="02070309020205020404" pitchFamily="49" charset="0"/>
                         <a:cs typeface="Courier New" panose="02070309020205020404" pitchFamily="49" charset="0"/>
                       </a:endParaRPr>
@@ -3396,7 +3401,7 @@
                     <a:p>
                       <a:pPr marR="0" algn="l" rtl="0"/>
                       <a:r>
-                        <a:rPr lang="en-US" altLang="zh-CN" sz="800" b="0" i="0" u="none" strike="noStrike" baseline="0" dirty="0">
+                        <a:rPr lang="en-US" altLang="zh-CN" sz="1100" b="0" i="0" u="none" strike="noStrike" baseline="0" dirty="0">
                           <a:solidFill>
                             <a:srgbClr val="0070C0"/>
                           </a:solidFill>
@@ -3406,7 +3411,7 @@
                         <a:t> </a:t>
                       </a:r>
                       <a:r>
-                        <a:rPr lang="en-US" altLang="zh-CN" sz="800" b="0" i="0" u="none" strike="noStrike" baseline="0" dirty="0" err="1">
+                        <a:rPr lang="en-US" altLang="zh-CN" sz="1100" b="0" i="0" u="none" strike="noStrike" baseline="0" dirty="0" err="1">
                           <a:solidFill>
                             <a:srgbClr val="000000"/>
                           </a:solidFill>
@@ -3416,7 +3421,7 @@
                         <a:t>LeafQueue</a:t>
                       </a:r>
                       <a:r>
-                        <a:rPr lang="en-US" altLang="zh-CN" sz="800" b="0" i="0" u="none" strike="noStrike" baseline="0" dirty="0">
+                        <a:rPr lang="en-US" altLang="zh-CN" sz="1100" b="0" i="0" u="none" strike="noStrike" baseline="0" dirty="0">
                           <a:solidFill>
                             <a:srgbClr val="000000"/>
                           </a:solidFill>
@@ -3426,7 +3431,7 @@
                         <a:t> </a:t>
                       </a:r>
                       <a:r>
-                        <a:rPr lang="en-US" altLang="zh-CN" sz="800" b="0" i="0" u="none" strike="noStrike" baseline="0" dirty="0" err="1">
+                        <a:rPr lang="en-US" altLang="zh-CN" sz="1100" b="0" i="0" u="none" strike="noStrike" baseline="0" dirty="0" err="1">
                           <a:solidFill>
                             <a:srgbClr val="000000"/>
                           </a:solidFill>
@@ -3436,7 +3441,7 @@
                         <a:t>leafQueue</a:t>
                       </a:r>
                       <a:r>
-                        <a:rPr lang="en-US" altLang="zh-CN" sz="800" b="0" i="0" u="none" strike="noStrike" baseline="0" dirty="0">
+                        <a:rPr lang="en-US" altLang="zh-CN" sz="1100" b="0" i="0" u="none" strike="noStrike" baseline="0" dirty="0">
                           <a:solidFill>
                             <a:srgbClr val="000000"/>
                           </a:solidFill>
@@ -3445,7 +3450,7 @@
                         </a:rPr>
                         <a:t> = ...;</a:t>
                       </a:r>
-                      <a:endParaRPr lang="en-US" altLang="zh-CN" sz="800" b="0" i="0" u="none" strike="noStrike" baseline="0" dirty="0">
+                      <a:endParaRPr lang="en-US" altLang="zh-CN" sz="1100" b="0" i="0" u="none" strike="noStrike" baseline="0" dirty="0">
                         <a:solidFill>
                           <a:srgbClr val="0070C0"/>
                         </a:solidFill>
@@ -3456,7 +3461,7 @@
                     <a:p>
                       <a:pPr marR="0" algn="l" rtl="0"/>
                       <a:r>
-                        <a:rPr lang="en-US" altLang="zh-CN" sz="800" b="0" i="0" u="none" strike="noStrike" baseline="0" dirty="0">
+                        <a:rPr lang="en-US" altLang="zh-CN" sz="1100" b="0" i="0" u="none" strike="noStrike" baseline="0" dirty="0">
                           <a:solidFill>
                             <a:srgbClr val="0070C0"/>
                           </a:solidFill>
@@ -3469,7 +3474,7 @@
                     <a:p>
                       <a:pPr marR="0" algn="l" rtl="0"/>
                       <a:r>
-                        <a:rPr lang="en-US" altLang="zh-CN" sz="800" b="0" i="0" u="none" strike="noStrike" baseline="0" dirty="0">
+                        <a:rPr lang="en-US" altLang="zh-CN" sz="1100" b="0" i="0" u="none" strike="noStrike" baseline="0" dirty="0">
                           <a:solidFill>
                             <a:srgbClr val="0070C0"/>
                           </a:solidFill>
@@ -3479,7 +3484,7 @@
                         <a:t>+  </a:t>
                       </a:r>
                       <a:r>
-                        <a:rPr lang="en-US" altLang="zh-CN" sz="800" b="0" i="0" u="none" strike="noStrike" baseline="0" dirty="0" err="1">
+                        <a:rPr lang="en-US" altLang="zh-CN" sz="1100" b="0" i="0" u="none" strike="noStrike" baseline="0" dirty="0" err="1">
                           <a:solidFill>
                             <a:srgbClr val="0070C0"/>
                           </a:solidFill>
@@ -3489,7 +3494,7 @@
                         <a:t>leafQueue.getReadLock</a:t>
                       </a:r>
                       <a:r>
-                        <a:rPr lang="en-US" altLang="zh-CN" sz="800" b="0" i="0" u="none" strike="noStrike" baseline="0" dirty="0">
+                        <a:rPr lang="en-US" altLang="zh-CN" sz="1100" b="0" i="0" u="none" strike="noStrike" baseline="0" dirty="0">
                           <a:solidFill>
                             <a:srgbClr val="0070C0"/>
                           </a:solidFill>
@@ -3502,7 +3507,7 @@
                     <a:p>
                       <a:pPr marR="0" algn="l" rtl="0"/>
                       <a:r>
-                        <a:rPr lang="en-US" altLang="zh-CN" sz="800" b="0" i="0" u="none" strike="noStrike" baseline="0" dirty="0">
+                        <a:rPr lang="en-US" altLang="zh-CN" sz="1100" b="0" i="0" u="none" strike="noStrike" baseline="0" dirty="0">
                           <a:solidFill>
                             <a:srgbClr val="000000"/>
                           </a:solidFill>
@@ -3515,7 +3520,7 @@
                     <a:p>
                       <a:pPr marR="0" algn="l" rtl="0"/>
                       <a:r>
-                        <a:rPr lang="en-US" altLang="zh-CN" sz="800" b="0" i="0" u="none" strike="noStrike" baseline="0" dirty="0">
+                        <a:rPr lang="en-US" altLang="zh-CN" sz="1100" b="0" i="0" u="none" strike="noStrike" baseline="0" dirty="0">
                           <a:solidFill>
                             <a:srgbClr val="0070C0"/>
                           </a:solidFill>
@@ -3528,7 +3533,7 @@
                     <a:p>
                       <a:pPr marR="0" algn="l" rtl="0"/>
                       <a:r>
-                        <a:rPr lang="en-US" altLang="zh-CN" sz="800" b="0" i="0" u="none" strike="noStrike" baseline="0" dirty="0">
+                        <a:rPr lang="en-US" altLang="zh-CN" sz="1100" b="0" i="0" u="none" strike="noStrike" baseline="0" dirty="0">
                           <a:solidFill>
                             <a:srgbClr val="0070C0"/>
                           </a:solidFill>
@@ -3538,7 +3543,7 @@
                         <a:t>+  </a:t>
                       </a:r>
                       <a:r>
-                        <a:rPr lang="en-US" altLang="zh-CN" sz="800" b="0" i="0" u="none" strike="noStrike" baseline="0" dirty="0" err="1">
+                        <a:rPr lang="en-US" altLang="zh-CN" sz="1100" b="0" i="0" u="none" strike="noStrike" baseline="0" dirty="0" err="1">
                           <a:solidFill>
                             <a:srgbClr val="0070C0"/>
                           </a:solidFill>
@@ -3548,7 +3553,7 @@
                         <a:t>leafQueue.getReadLock</a:t>
                       </a:r>
                       <a:r>
-                        <a:rPr lang="en-US" altLang="zh-CN" sz="800" b="0" i="0" u="none" strike="noStrike" baseline="0" dirty="0">
+                        <a:rPr lang="en-US" altLang="zh-CN" sz="1100" b="0" i="0" u="none" strike="noStrike" baseline="0" dirty="0">
                           <a:solidFill>
                             <a:srgbClr val="0070C0"/>
                           </a:solidFill>
@@ -3558,7 +3563,7 @@
                         <a:t>().unlock(); </a:t>
                       </a:r>
                       <a:r>
-                        <a:rPr lang="en-US" altLang="zh-CN" sz="800" b="0" i="0" u="none" strike="noStrike" baseline="0" dirty="0">
+                        <a:rPr lang="en-US" altLang="zh-CN" sz="1100" b="0" i="0" u="none" strike="noStrike" baseline="0" dirty="0">
                           <a:solidFill>
                             <a:srgbClr val="000000"/>
                           </a:solidFill>
@@ -3571,7 +3576,7 @@
                     <a:p>
                       <a:pPr marR="0" algn="l" rtl="0"/>
                       <a:r>
-                        <a:rPr lang="en-US" altLang="zh-CN" sz="800" b="0" i="0" u="none" strike="noStrike" baseline="0" dirty="0">
+                        <a:rPr lang="en-US" altLang="zh-CN" sz="1100" b="0" i="0" u="none" strike="noStrike" baseline="0" dirty="0">
                           <a:solidFill>
                             <a:srgbClr val="000000"/>
                           </a:solidFill>
@@ -3580,7 +3585,7 @@
                         </a:rPr>
                         <a:t> }</a:t>
                       </a:r>
-                      <a:endParaRPr lang="zh-CN" altLang="en-US" sz="800" dirty="0">
+                      <a:endParaRPr lang="zh-CN" altLang="en-US" sz="1100" dirty="0">
                         <a:latin typeface="Courier New" panose="02070309020205020404" pitchFamily="49" charset="0"/>
                         <a:cs typeface="Courier New" panose="02070309020205020404" pitchFamily="49" charset="0"/>
                       </a:endParaRPr>
@@ -3595,7 +3600,7 @@
                     <a:p>
                       <a:pPr marR="0" algn="l" rtl="0"/>
                       <a:r>
-                        <a:rPr lang="en-US" altLang="zh-CN" sz="800" b="0" i="0" u="none" strike="noStrike" baseline="0" dirty="0">
+                        <a:rPr lang="en-US" altLang="zh-CN" sz="1100" b="0" i="0" u="none" strike="noStrike" baseline="0" dirty="0">
                           <a:solidFill>
                             <a:srgbClr val="000000"/>
                           </a:solidFill>
@@ -3605,7 +3610,7 @@
                         <a:t>synchronized (</a:t>
                       </a:r>
                       <a:r>
-                        <a:rPr lang="en-US" altLang="zh-CN" sz="800" b="0" i="0" u="none" strike="noStrike" baseline="0" dirty="0" err="1">
+                        <a:rPr lang="en-US" altLang="zh-CN" sz="1100" b="0" i="0" u="none" strike="noStrike" baseline="0" dirty="0" err="1">
                           <a:solidFill>
                             <a:srgbClr val="000000"/>
                           </a:solidFill>
@@ -3615,7 +3620,7 @@
                         <a:t>obj</a:t>
                       </a:r>
                       <a:r>
-                        <a:rPr lang="en-US" altLang="zh-CN" sz="800" b="0" i="0" u="none" strike="noStrike" baseline="0" dirty="0">
+                        <a:rPr lang="en-US" altLang="zh-CN" sz="1100" b="0" i="0" u="none" strike="noStrike" baseline="0" dirty="0">
                           <a:solidFill>
                             <a:srgbClr val="000000"/>
                           </a:solidFill>
@@ -3628,7 +3633,7 @@
                     <a:p>
                       <a:pPr marR="0" algn="l" rtl="0"/>
                       <a:r>
-                        <a:rPr lang="en-US" altLang="zh-CN" sz="800" b="0" i="0" u="none" strike="noStrike" baseline="0" dirty="0">
+                        <a:rPr lang="en-US" altLang="zh-CN" sz="1100" b="0" i="0" u="none" strike="noStrike" baseline="0" dirty="0">
                           <a:solidFill>
                             <a:srgbClr val="000000"/>
                           </a:solidFill>
@@ -3641,7 +3646,7 @@
                     <a:p>
                       <a:pPr marR="0" algn="l" rtl="0"/>
                       <a:r>
-                        <a:rPr lang="en-US" altLang="zh-CN" sz="800" b="0" i="0" u="none" strike="noStrike" baseline="0" dirty="0">
+                        <a:rPr lang="en-US" altLang="zh-CN" sz="1100" b="0" i="0" u="none" strike="noStrike" baseline="0" dirty="0">
                           <a:solidFill>
                             <a:srgbClr val="000000"/>
                           </a:solidFill>
@@ -3650,7 +3655,7 @@
                         </a:rPr>
                         <a:t>}</a:t>
                       </a:r>
-                      <a:endParaRPr lang="zh-CN" altLang="en-US" sz="800" dirty="0">
+                      <a:endParaRPr lang="zh-CN" altLang="en-US" sz="1100" dirty="0">
                         <a:latin typeface="Courier New" panose="02070309020205020404" pitchFamily="49" charset="0"/>
                         <a:cs typeface="Courier New" panose="02070309020205020404" pitchFamily="49" charset="0"/>
                       </a:endParaRPr>
@@ -3665,7 +3670,7 @@
                     <a:p>
                       <a:pPr marR="0" algn="l" rtl="0"/>
                       <a:r>
-                        <a:rPr lang="en-US" altLang="zh-CN" sz="800" b="0" i="0" u="none" strike="noStrike" baseline="0" dirty="0">
+                        <a:rPr lang="en-US" altLang="zh-CN" sz="1100" b="0" i="0" u="none" strike="noStrike" baseline="0" dirty="0">
                           <a:solidFill>
                             <a:srgbClr val="000000"/>
                           </a:solidFill>
@@ -3678,7 +3683,7 @@
                     <a:p>
                       <a:pPr marR="0" algn="l" rtl="0"/>
                       <a:r>
-                        <a:rPr lang="en-US" altLang="zh-CN" sz="800" b="0" i="0" u="none" strike="noStrike" baseline="0" dirty="0">
+                        <a:rPr lang="en-US" altLang="zh-CN" sz="1100" b="0" i="0" u="none" strike="noStrike" baseline="0" dirty="0">
                           <a:solidFill>
                             <a:srgbClr val="000000"/>
                           </a:solidFill>
@@ -3688,7 +3693,7 @@
                         <a:t>  </a:t>
                       </a:r>
                       <a:r>
-                        <a:rPr lang="en-US" altLang="zh-CN" sz="800" b="0" i="0" u="none" strike="noStrike" baseline="0" dirty="0" err="1">
+                        <a:rPr lang="en-US" altLang="zh-CN" sz="1100" b="0" i="0" u="none" strike="noStrike" baseline="0" dirty="0" err="1">
                           <a:solidFill>
                             <a:srgbClr val="000000"/>
                           </a:solidFill>
@@ -3698,7 +3703,7 @@
                         <a:t>lock.lock</a:t>
                       </a:r>
                       <a:r>
-                        <a:rPr lang="en-US" altLang="zh-CN" sz="800" b="0" i="0" u="none" strike="noStrike" baseline="0" dirty="0">
+                        <a:rPr lang="en-US" altLang="zh-CN" sz="1100" b="0" i="0" u="none" strike="noStrike" baseline="0" dirty="0">
                           <a:solidFill>
                             <a:srgbClr val="000000"/>
                           </a:solidFill>
@@ -3711,7 +3716,7 @@
                     <a:p>
                       <a:pPr marR="0" algn="l" rtl="0"/>
                       <a:r>
-                        <a:rPr lang="en-US" altLang="zh-CN" sz="800" b="0" i="0" u="none" strike="noStrike" baseline="0" dirty="0">
+                        <a:rPr lang="en-US" altLang="zh-CN" sz="1100" b="0" i="0" u="none" strike="noStrike" baseline="0" dirty="0">
                           <a:solidFill>
                             <a:srgbClr val="000000"/>
                           </a:solidFill>
@@ -3724,7 +3729,7 @@
                     <a:p>
                       <a:pPr marR="0" algn="l" rtl="0"/>
                       <a:r>
-                        <a:rPr lang="en-US" altLang="zh-CN" sz="800" b="0" i="0" u="none" strike="noStrike" baseline="0" dirty="0">
+                        <a:rPr lang="en-US" altLang="zh-CN" sz="1100" b="0" i="0" u="none" strike="noStrike" baseline="0" dirty="0">
                           <a:solidFill>
                             <a:srgbClr val="000000"/>
                           </a:solidFill>
@@ -3737,7 +3742,7 @@
                     <a:p>
                       <a:pPr marR="0" algn="l" rtl="0"/>
                       <a:r>
-                        <a:rPr lang="en-US" altLang="zh-CN" sz="800" b="0" i="0" u="none" strike="noStrike" baseline="0" dirty="0">
+                        <a:rPr lang="en-US" altLang="zh-CN" sz="1100" b="0" i="0" u="none" strike="noStrike" baseline="0" dirty="0">
                           <a:solidFill>
                             <a:srgbClr val="000000"/>
                           </a:solidFill>
@@ -3747,7 +3752,7 @@
                         <a:t>  </a:t>
                       </a:r>
                       <a:r>
-                        <a:rPr lang="en-US" altLang="zh-CN" sz="800" b="0" i="0" u="none" strike="noStrike" baseline="0" dirty="0" err="1">
+                        <a:rPr lang="en-US" altLang="zh-CN" sz="1100" b="0" i="0" u="none" strike="noStrike" baseline="0" dirty="0" err="1">
                           <a:solidFill>
                             <a:srgbClr val="000000"/>
                           </a:solidFill>
@@ -3757,7 +3762,7 @@
                         <a:t>lock.unlock</a:t>
                       </a:r>
                       <a:r>
-                        <a:rPr lang="en-US" altLang="zh-CN" sz="800" b="0" i="0" u="none" strike="noStrike" baseline="0" dirty="0">
+                        <a:rPr lang="en-US" altLang="zh-CN" sz="1100" b="0" i="0" u="none" strike="noStrike" baseline="0" dirty="0">
                           <a:solidFill>
                             <a:srgbClr val="000000"/>
                           </a:solidFill>
@@ -3770,7 +3775,7 @@
                     <a:p>
                       <a:pPr marR="0" algn="l" rtl="0"/>
                       <a:r>
-                        <a:rPr lang="en-US" altLang="zh-CN" sz="800" b="0" i="0" u="none" strike="noStrike" baseline="0" dirty="0">
+                        <a:rPr lang="en-US" altLang="zh-CN" sz="1100" b="0" i="0" u="none" strike="noStrike" baseline="0" dirty="0">
                           <a:solidFill>
                             <a:srgbClr val="000000"/>
                           </a:solidFill>
@@ -3779,7 +3784,7 @@
                         </a:rPr>
                         <a:t>}</a:t>
                       </a:r>
-                      <a:endParaRPr lang="zh-CN" altLang="en-US" sz="800" dirty="0">
+                      <a:endParaRPr lang="zh-CN" altLang="en-US" sz="1100" dirty="0">
                         <a:latin typeface="Courier New" panose="02070309020205020404" pitchFamily="49" charset="0"/>
                         <a:cs typeface="Courier New" panose="02070309020205020404" pitchFamily="49" charset="0"/>
                       </a:endParaRPr>
@@ -3793,7 +3798,7 @@
                   </a:ext>
                 </a:extLst>
               </a:tr>
-              <a:tr h="2417440">
+              <a:tr h="3779520">
                 <a:tc>
                   <a:txBody>
                     <a:bodyPr/>
@@ -3801,13 +3806,13 @@
                     <a:p>
                       <a:pPr marR="0" algn="ctr" rtl="0"/>
                       <a:r>
-                        <a:rPr lang="en-US" altLang="zh-CN" sz="800" dirty="0">
+                        <a:rPr lang="en-US" altLang="zh-CN" sz="1100" dirty="0">
                           <a:latin typeface="Courier New" panose="02070309020205020404" pitchFamily="49" charset="0"/>
                           <a:cs typeface="Courier New" panose="02070309020205020404" pitchFamily="49" charset="0"/>
                         </a:rPr>
                         <a:t>2</a:t>
                       </a:r>
-                      <a:endParaRPr lang="zh-CN" altLang="en-US" sz="800" dirty="0">
+                      <a:endParaRPr lang="zh-CN" altLang="en-US" sz="1100" dirty="0">
                         <a:latin typeface="Courier New" panose="02070309020205020404" pitchFamily="49" charset="0"/>
                         <a:cs typeface="Courier New" panose="02070309020205020404" pitchFamily="49" charset="0"/>
                       </a:endParaRPr>
@@ -3822,7 +3827,7 @@
                     <a:p>
                       <a:pPr marR="0" algn="l" rtl="0"/>
                       <a:r>
-                        <a:rPr lang="en-US" altLang="zh-CN" sz="800" b="0" i="0" u="none" strike="noStrike" baseline="0" dirty="0">
+                        <a:rPr lang="en-US" altLang="zh-CN" sz="1100" b="0" i="0" u="none" strike="noStrike" baseline="0" dirty="0">
                           <a:solidFill>
                             <a:srgbClr val="C00000"/>
                           </a:solidFill>
@@ -3832,7 +3837,7 @@
                         <a:t>-Lock </a:t>
                       </a:r>
                       <a:r>
-                        <a:rPr lang="en-US" altLang="zh-CN" sz="800" b="0" i="0" u="none" strike="noStrike" baseline="0" dirty="0" err="1">
+                        <a:rPr lang="en-US" altLang="zh-CN" sz="1100" b="0" i="0" u="none" strike="noStrike" baseline="0" dirty="0" err="1">
                           <a:solidFill>
                             <a:srgbClr val="C00000"/>
                           </a:solidFill>
@@ -3842,17 +3847,30 @@
                         <a:t>readlock</a:t>
                       </a:r>
                       <a:r>
-                        <a:rPr lang="en-US" altLang="zh-CN" sz="800" b="0" i="0" u="none" strike="noStrike" baseline="0" dirty="0">
-                          <a:solidFill>
-                            <a:srgbClr val="C00000"/>
-                          </a:solidFill>
-                          <a:latin typeface="Courier New" panose="02070309020205020404" pitchFamily="49" charset="0"/>
-                          <a:cs typeface="Courier New" panose="02070309020205020404" pitchFamily="49" charset="0"/>
-                        </a:rPr>
-                        <a:t> = </a:t>
-                      </a:r>
-                      <a:r>
-                        <a:rPr lang="en-US" altLang="zh-CN" sz="800" b="0" i="0" u="none" strike="noStrike" baseline="0" dirty="0" err="1">
+                        <a:rPr lang="en-US" altLang="zh-CN" sz="1100" b="0" i="0" u="none" strike="noStrike" baseline="0" dirty="0">
+                          <a:solidFill>
+                            <a:srgbClr val="C00000"/>
+                          </a:solidFill>
+                          <a:latin typeface="Courier New" panose="02070309020205020404" pitchFamily="49" charset="0"/>
+                          <a:cs typeface="Courier New" panose="02070309020205020404" pitchFamily="49" charset="0"/>
+                        </a:rPr>
+                        <a:t> =</a:t>
+                      </a:r>
+                    </a:p>
+                    <a:p>
+                      <a:pPr marR="0" algn="l" rtl="0"/>
+                      <a:r>
+                        <a:rPr lang="en-US" altLang="zh-CN" sz="1100" b="0" i="0" u="none" strike="noStrike" baseline="0" dirty="0">
+                          <a:solidFill>
+                            <a:srgbClr val="C00000"/>
+                          </a:solidFill>
+                          <a:latin typeface="Courier New" panose="02070309020205020404" pitchFamily="49" charset="0"/>
+                          <a:cs typeface="Courier New" panose="02070309020205020404" pitchFamily="49" charset="0"/>
+                        </a:rPr>
+                        <a:t>-  </a:t>
+                      </a:r>
+                      <a:r>
+                        <a:rPr lang="en-US" altLang="zh-CN" sz="1100" b="0" i="0" u="none" strike="noStrike" baseline="0" dirty="0" err="1">
                           <a:solidFill>
                             <a:srgbClr val="C00000"/>
                           </a:solidFill>
@@ -3862,7 +3880,7 @@
                         <a:t>classLoaderContainerMapLock.readLock</a:t>
                       </a:r>
                       <a:r>
-                        <a:rPr lang="en-US" altLang="zh-CN" sz="800" b="0" i="0" u="none" strike="noStrike" baseline="0" dirty="0">
+                        <a:rPr lang="en-US" altLang="zh-CN" sz="1100" b="0" i="0" u="none" strike="noStrike" baseline="0" dirty="0">
                           <a:solidFill>
                             <a:srgbClr val="C00000"/>
                           </a:solidFill>
@@ -3875,7 +3893,7 @@
                     <a:p>
                       <a:pPr marR="0" algn="l" rtl="0"/>
                       <a:r>
-                        <a:rPr lang="en-US" altLang="zh-CN" sz="800" b="0" i="0" u="none" strike="noStrike" baseline="0" dirty="0">
+                        <a:rPr lang="en-US" altLang="zh-CN" sz="1100" b="0" i="0" u="none" strike="noStrike" baseline="0" dirty="0">
                           <a:solidFill>
                             <a:srgbClr val="C00000"/>
                           </a:solidFill>
@@ -3888,7 +3906,7 @@
                     <a:p>
                       <a:pPr marR="0" algn="l" rtl="0"/>
                       <a:r>
-                        <a:rPr lang="en-US" altLang="zh-CN" sz="800" b="0" i="0" u="none" strike="noStrike" baseline="0" dirty="0">
+                        <a:rPr lang="en-US" altLang="zh-CN" sz="1100" b="0" i="0" u="none" strike="noStrike" baseline="0" dirty="0">
                           <a:solidFill>
                             <a:srgbClr val="C00000"/>
                           </a:solidFill>
@@ -3898,7 +3916,7 @@
                         <a:t>-  </a:t>
                       </a:r>
                       <a:r>
-                        <a:rPr lang="en-US" altLang="zh-CN" sz="800" b="0" i="0" u="none" strike="noStrike" baseline="0" dirty="0" err="1">
+                        <a:rPr lang="en-US" altLang="zh-CN" sz="1100" b="0" i="0" u="none" strike="noStrike" baseline="0" dirty="0" err="1">
                           <a:solidFill>
                             <a:srgbClr val="C00000"/>
                           </a:solidFill>
@@ -3908,7 +3926,7 @@
                         <a:t>readlock.lock</a:t>
                       </a:r>
                       <a:r>
-                        <a:rPr lang="en-US" altLang="zh-CN" sz="800" b="0" i="0" u="none" strike="noStrike" baseline="0" dirty="0">
+                        <a:rPr lang="en-US" altLang="zh-CN" sz="1100" b="0" i="0" u="none" strike="noStrike" baseline="0" dirty="0">
                           <a:solidFill>
                             <a:srgbClr val="C00000"/>
                           </a:solidFill>
@@ -3921,7 +3939,7 @@
                     <a:p>
                       <a:pPr marR="0" algn="l" rtl="0"/>
                       <a:r>
-                        <a:rPr lang="en-US" altLang="zh-CN" sz="800" b="0" i="0" u="none" strike="noStrike" baseline="0" dirty="0">
+                        <a:rPr lang="en-US" altLang="zh-CN" sz="1100" b="0" i="0" u="none" strike="noStrike" baseline="0" dirty="0">
                           <a:solidFill>
                             <a:srgbClr val="C00000"/>
                           </a:solidFill>
@@ -3931,7 +3949,7 @@
                         <a:t>-  result = </a:t>
                       </a:r>
                       <a:r>
-                        <a:rPr lang="en-US" altLang="zh-CN" sz="800" b="0" i="0" u="none" strike="noStrike" baseline="0" dirty="0" err="1">
+                        <a:rPr lang="en-US" altLang="zh-CN" sz="1100" b="0" i="0" u="none" strike="noStrike" baseline="0" dirty="0" err="1">
                           <a:solidFill>
                             <a:srgbClr val="C00000"/>
                           </a:solidFill>
@@ -3941,7 +3959,7 @@
                         <a:t>classLoaderContainerMap.get</a:t>
                       </a:r>
                       <a:r>
-                        <a:rPr lang="en-US" altLang="zh-CN" sz="800" b="0" i="0" u="none" strike="noStrike" baseline="0" dirty="0">
+                        <a:rPr lang="en-US" altLang="zh-CN" sz="1100" b="0" i="0" u="none" strike="noStrike" baseline="0" dirty="0">
                           <a:solidFill>
                             <a:srgbClr val="C00000"/>
                           </a:solidFill>
@@ -3951,7 +3969,7 @@
                         <a:t>(</a:t>
                       </a:r>
                       <a:r>
-                        <a:rPr lang="en-US" altLang="zh-CN" sz="800" b="0" i="0" u="none" strike="noStrike" baseline="0" dirty="0" err="1">
+                        <a:rPr lang="en-US" altLang="zh-CN" sz="1100" b="0" i="0" u="none" strike="noStrike" baseline="0" dirty="0" err="1">
                           <a:solidFill>
                             <a:srgbClr val="C00000"/>
                           </a:solidFill>
@@ -3961,7 +3979,7 @@
                         <a:t>tccl</a:t>
                       </a:r>
                       <a:r>
-                        <a:rPr lang="en-US" altLang="zh-CN" sz="800" b="0" i="0" u="none" strike="noStrike" baseline="0" dirty="0">
+                        <a:rPr lang="en-US" altLang="zh-CN" sz="1100" b="0" i="0" u="none" strike="noStrike" baseline="0" dirty="0">
                           <a:solidFill>
                             <a:srgbClr val="C00000"/>
                           </a:solidFill>
@@ -3970,7 +3988,7 @@
                         </a:rPr>
                         <a:t>);</a:t>
                       </a:r>
-                      <a:endParaRPr lang="en-US" altLang="zh-CN" sz="800" b="0" i="0" u="none" strike="noStrike" baseline="0" dirty="0">
+                      <a:endParaRPr lang="en-US" altLang="zh-CN" sz="1100" b="0" i="0" u="none" strike="noStrike" baseline="0" dirty="0">
                         <a:solidFill>
                           <a:srgbClr val="000000"/>
                         </a:solidFill>
@@ -3981,7 +3999,7 @@
                     <a:p>
                       <a:pPr marR="0" algn="l" rtl="0"/>
                       <a:r>
-                        <a:rPr lang="en-US" altLang="zh-CN" sz="800" b="0" i="0" u="none" strike="noStrike" baseline="0" dirty="0">
+                        <a:rPr lang="en-US" altLang="zh-CN" sz="1100" b="0" i="0" u="none" strike="noStrike" baseline="0" dirty="0">
                           <a:solidFill>
                             <a:srgbClr val="C00000"/>
                           </a:solidFill>
@@ -3994,7 +4012,7 @@
                     <a:p>
                       <a:pPr marR="0" algn="l" rtl="0"/>
                       <a:r>
-                        <a:rPr lang="en-US" altLang="zh-CN" sz="800" b="0" i="0" u="none" strike="noStrike" baseline="0" dirty="0">
+                        <a:rPr lang="en-US" altLang="zh-CN" sz="1100" b="0" i="0" u="none" strike="noStrike" baseline="0" dirty="0">
                           <a:solidFill>
                             <a:srgbClr val="C00000"/>
                           </a:solidFill>
@@ -4004,7 +4022,7 @@
                         <a:t>-  </a:t>
                       </a:r>
                       <a:r>
-                        <a:rPr lang="en-US" altLang="zh-CN" sz="800" b="0" i="0" u="none" strike="noStrike" baseline="0" dirty="0" err="1">
+                        <a:rPr lang="en-US" altLang="zh-CN" sz="1100" b="0" i="0" u="none" strike="noStrike" baseline="0" dirty="0" err="1">
                           <a:solidFill>
                             <a:srgbClr val="C00000"/>
                           </a:solidFill>
@@ -4014,7 +4032,7 @@
                         <a:t>readlock.unlock</a:t>
                       </a:r>
                       <a:r>
-                        <a:rPr lang="en-US" altLang="zh-CN" sz="800" b="0" i="0" u="none" strike="noStrike" baseline="0" dirty="0">
+                        <a:rPr lang="en-US" altLang="zh-CN" sz="1100" b="0" i="0" u="none" strike="noStrike" baseline="0" dirty="0">
                           <a:solidFill>
                             <a:srgbClr val="C00000"/>
                           </a:solidFill>
@@ -4023,7 +4041,7 @@
                         </a:rPr>
                         <a:t>();</a:t>
                       </a:r>
-                      <a:endParaRPr lang="en-US" altLang="zh-CN" sz="800" b="0" i="0" u="none" strike="noStrike" baseline="0" dirty="0">
+                      <a:endParaRPr lang="en-US" altLang="zh-CN" sz="1100" b="0" i="0" u="none" strike="noStrike" baseline="0" dirty="0">
                         <a:solidFill>
                           <a:srgbClr val="0070C0"/>
                         </a:solidFill>
@@ -4034,7 +4052,7 @@
                     <a:p>
                       <a:pPr marR="0" algn="l" rtl="0"/>
                       <a:r>
-                        <a:rPr lang="en-US" altLang="zh-CN" sz="800" b="0" i="0" u="none" strike="noStrike" baseline="0" dirty="0">
+                        <a:rPr lang="en-US" altLang="zh-CN" sz="1100" b="0" i="0" u="none" strike="noStrike" baseline="0" dirty="0">
                           <a:solidFill>
                             <a:srgbClr val="C00000"/>
                           </a:solidFill>
@@ -4047,7 +4065,7 @@
                     <a:p>
                       <a:pPr marR="0" algn="l" rtl="0"/>
                       <a:r>
-                        <a:rPr lang="en-US" altLang="zh-CN" sz="800" b="0" i="0" u="none" strike="noStrike" baseline="0" dirty="0">
+                        <a:rPr lang="en-US" altLang="zh-CN" sz="1100" b="0" i="0" u="none" strike="noStrike" baseline="0" dirty="0">
                           <a:solidFill>
                             <a:srgbClr val="C00000"/>
                           </a:solidFill>
@@ -4058,19 +4076,22 @@
                       </a:r>
                     </a:p>
                     <a:p>
-                      <a:pPr marR="0" algn="l" rtl="0"/>
-                      <a:r>
-                        <a:rPr lang="en-US" altLang="zh-CN" sz="800" b="0" i="0" u="none" strike="noStrike" baseline="0" dirty="0">
-                          <a:solidFill>
-                            <a:srgbClr val="C00000"/>
-                          </a:solidFill>
-                          <a:latin typeface="Courier New" panose="02070309020205020404" pitchFamily="49" charset="0"/>
-                          <a:cs typeface="Courier New" panose="02070309020205020404" pitchFamily="49" charset="0"/>
-                        </a:rPr>
-                        <a:t>-  Lock </a:t>
-                      </a:r>
-                      <a:r>
-                        <a:rPr lang="en-US" altLang="zh-CN" sz="800" b="0" i="0" u="none" strike="noStrike" baseline="0" dirty="0" err="1">
+                      <a:pPr marL="171450" marR="0" indent="-171450" algn="l" rtl="0">
+                        <a:buFontTx/>
+                        <a:buChar char="-"/>
+                      </a:pPr>
+                      <a:r>
+                        <a:rPr lang="en-US" altLang="zh-CN" sz="1100" b="0" i="0" u="none" strike="noStrike" baseline="0" dirty="0">
+                          <a:solidFill>
+                            <a:srgbClr val="C00000"/>
+                          </a:solidFill>
+                          <a:latin typeface="Courier New" panose="02070309020205020404" pitchFamily="49" charset="0"/>
+                          <a:cs typeface="Courier New" panose="02070309020205020404" pitchFamily="49" charset="0"/>
+                        </a:rPr>
+                        <a:t> Lock </a:t>
+                      </a:r>
+                      <a:r>
+                        <a:rPr lang="en-US" altLang="zh-CN" sz="1100" b="0" i="0" u="none" strike="noStrike" baseline="0" dirty="0" err="1">
                           <a:solidFill>
                             <a:srgbClr val="C00000"/>
                           </a:solidFill>
@@ -4080,17 +4101,33 @@
                         <a:t>writelock</a:t>
                       </a:r>
                       <a:r>
-                        <a:rPr lang="en-US" altLang="zh-CN" sz="800" b="0" i="0" u="none" strike="noStrike" baseline="0" dirty="0">
-                          <a:solidFill>
-                            <a:srgbClr val="C00000"/>
-                          </a:solidFill>
-                          <a:latin typeface="Courier New" panose="02070309020205020404" pitchFamily="49" charset="0"/>
-                          <a:cs typeface="Courier New" panose="02070309020205020404" pitchFamily="49" charset="0"/>
-                        </a:rPr>
-                        <a:t> = </a:t>
-                      </a:r>
-                      <a:r>
-                        <a:rPr lang="en-US" altLang="zh-CN" sz="800" b="0" i="0" u="none" strike="noStrike" baseline="0" dirty="0" err="1">
+                        <a:rPr lang="en-US" altLang="zh-CN" sz="1100" b="0" i="0" u="none" strike="noStrike" baseline="0" dirty="0">
+                          <a:solidFill>
+                            <a:srgbClr val="C00000"/>
+                          </a:solidFill>
+                          <a:latin typeface="Courier New" panose="02070309020205020404" pitchFamily="49" charset="0"/>
+                          <a:cs typeface="Courier New" panose="02070309020205020404" pitchFamily="49" charset="0"/>
+                        </a:rPr>
+                        <a:t> =</a:t>
+                      </a:r>
+                    </a:p>
+                    <a:p>
+                      <a:pPr marL="171450" marR="0" indent="-171450" algn="l" rtl="0">
+                        <a:buFontTx/>
+                        <a:buChar char="-"/>
+                      </a:pPr>
+                      <a:r>
+                        <a:rPr lang="en-US" altLang="zh-CN" sz="1100" b="0" i="0" u="none" strike="noStrike" baseline="0" dirty="0">
+                          <a:solidFill>
+                            <a:srgbClr val="C00000"/>
+                          </a:solidFill>
+                          <a:latin typeface="Courier New" panose="02070309020205020404" pitchFamily="49" charset="0"/>
+                          <a:cs typeface="Courier New" panose="02070309020205020404" pitchFamily="49" charset="0"/>
+                        </a:rPr>
+                        <a:t>  </a:t>
+                      </a:r>
+                      <a:r>
+                        <a:rPr lang="en-US" altLang="zh-CN" sz="1100" b="0" i="0" u="none" strike="noStrike" baseline="0" dirty="0" err="1">
                           <a:solidFill>
                             <a:srgbClr val="C00000"/>
                           </a:solidFill>
@@ -4100,7 +4137,7 @@
                         <a:t>classLoaderContainerMapLock.writeLock</a:t>
                       </a:r>
                       <a:r>
-                        <a:rPr lang="en-US" altLang="zh-CN" sz="800" b="0" i="0" u="none" strike="noStrike" baseline="0" dirty="0">
+                        <a:rPr lang="en-US" altLang="zh-CN" sz="1100" b="0" i="0" u="none" strike="noStrike" baseline="0" dirty="0">
                           <a:solidFill>
                             <a:srgbClr val="C00000"/>
                           </a:solidFill>
@@ -4113,7 +4150,7 @@
                     <a:p>
                       <a:pPr marR="0" algn="l" rtl="0"/>
                       <a:r>
-                        <a:rPr lang="en-US" altLang="zh-CN" sz="800" b="0" i="0" u="none" strike="noStrike" baseline="0" dirty="0">
+                        <a:rPr lang="en-US" altLang="zh-CN" sz="1100" b="0" i="0" u="none" strike="noStrike" baseline="0" dirty="0">
                           <a:solidFill>
                             <a:srgbClr val="C00000"/>
                           </a:solidFill>
@@ -4126,7 +4163,7 @@
                     <a:p>
                       <a:pPr marR="0" algn="l" rtl="0"/>
                       <a:r>
-                        <a:rPr lang="en-US" altLang="zh-CN" sz="800" b="0" i="0" u="none" strike="noStrike" baseline="0" dirty="0">
+                        <a:rPr lang="en-US" altLang="zh-CN" sz="1100" b="0" i="0" u="none" strike="noStrike" baseline="0" dirty="0">
                           <a:solidFill>
                             <a:srgbClr val="C00000"/>
                           </a:solidFill>
@@ -4136,7 +4173,7 @@
                         <a:t>-    </a:t>
                       </a:r>
                       <a:r>
-                        <a:rPr lang="en-US" altLang="zh-CN" sz="800" b="0" i="0" u="none" strike="noStrike" baseline="0" dirty="0" err="1">
+                        <a:rPr lang="en-US" altLang="zh-CN" sz="1100" b="0" i="0" u="none" strike="noStrike" baseline="0" dirty="0" err="1">
                           <a:solidFill>
                             <a:srgbClr val="C00000"/>
                           </a:solidFill>
@@ -4146,7 +4183,7 @@
                         <a:t>writeLock.lock</a:t>
                       </a:r>
                       <a:r>
-                        <a:rPr lang="en-US" altLang="zh-CN" sz="800" b="0" i="0" u="none" strike="noStrike" baseline="0" dirty="0">
+                        <a:rPr lang="en-US" altLang="zh-CN" sz="1100" b="0" i="0" u="none" strike="noStrike" baseline="0" dirty="0">
                           <a:solidFill>
                             <a:srgbClr val="C00000"/>
                           </a:solidFill>
@@ -4159,7 +4196,7 @@
                     <a:p>
                       <a:pPr marR="0" algn="l" rtl="0"/>
                       <a:r>
-                        <a:rPr lang="en-US" altLang="zh-CN" sz="800" b="0" i="0" u="none" strike="noStrike" baseline="0" dirty="0">
+                        <a:rPr lang="en-US" altLang="zh-CN" sz="1100" b="0" i="0" u="none" strike="noStrike" baseline="0" dirty="0">
                           <a:solidFill>
                             <a:srgbClr val="000000"/>
                           </a:solidFill>
@@ -4169,7 +4206,7 @@
                         <a:t>     result = </a:t>
                       </a:r>
                       <a:r>
-                        <a:rPr lang="en-US" altLang="zh-CN" sz="800" b="0" i="0" u="none" strike="noStrike" baseline="0" dirty="0" err="1">
+                        <a:rPr lang="en-US" altLang="zh-CN" sz="1100" b="0" i="0" u="none" strike="noStrike" baseline="0" dirty="0" err="1">
                           <a:solidFill>
                             <a:srgbClr val="000000"/>
                           </a:solidFill>
@@ -4179,7 +4216,7 @@
                         <a:t>classLoaderContainerMap.get</a:t>
                       </a:r>
                       <a:r>
-                        <a:rPr lang="en-US" altLang="zh-CN" sz="800" b="0" i="0" u="none" strike="noStrike" baseline="0" dirty="0">
+                        <a:rPr lang="en-US" altLang="zh-CN" sz="1100" b="0" i="0" u="none" strike="noStrike" baseline="0" dirty="0">
                           <a:solidFill>
                             <a:srgbClr val="000000"/>
                           </a:solidFill>
@@ -4189,7 +4226,7 @@
                         <a:t>(</a:t>
                       </a:r>
                       <a:r>
-                        <a:rPr lang="en-US" altLang="zh-CN" sz="800" b="0" i="0" u="none" strike="noStrike" baseline="0" dirty="0" err="1">
+                        <a:rPr lang="en-US" altLang="zh-CN" sz="1100" b="0" i="0" u="none" strike="noStrike" baseline="0" dirty="0" err="1">
                           <a:solidFill>
                             <a:srgbClr val="000000"/>
                           </a:solidFill>
@@ -4199,7 +4236,7 @@
                         <a:t>tccl</a:t>
                       </a:r>
                       <a:r>
-                        <a:rPr lang="en-US" altLang="zh-CN" sz="800" b="0" i="0" u="none" strike="noStrike" baseline="0" dirty="0">
+                        <a:rPr lang="en-US" altLang="zh-CN" sz="1100" b="0" i="0" u="none" strike="noStrike" baseline="0" dirty="0">
                           <a:solidFill>
                             <a:srgbClr val="000000"/>
                           </a:solidFill>
@@ -4212,7 +4249,7 @@
                     <a:p>
                       <a:pPr marR="0" algn="l" rtl="0"/>
                       <a:r>
-                        <a:rPr lang="en-US" altLang="zh-CN" sz="800" b="0" i="0" u="none" strike="noStrike" baseline="0" dirty="0">
+                        <a:rPr lang="en-US" altLang="zh-CN" sz="1100" b="0" i="0" u="none" strike="noStrike" baseline="0" dirty="0">
                           <a:solidFill>
                             <a:srgbClr val="000000"/>
                           </a:solidFill>
@@ -4225,7 +4262,7 @@
                     <a:p>
                       <a:pPr marR="0" algn="l" rtl="0"/>
                       <a:r>
-                        <a:rPr lang="en-US" altLang="zh-CN" sz="800" b="0" i="0" u="none" strike="noStrike" baseline="0" dirty="0">
+                        <a:rPr lang="en-US" altLang="zh-CN" sz="1100" b="0" i="0" u="none" strike="noStrike" baseline="0" dirty="0">
                           <a:solidFill>
                             <a:srgbClr val="000000"/>
                           </a:solidFill>
@@ -4235,7 +4272,7 @@
                         <a:t>       result = new </a:t>
                       </a:r>
                       <a:r>
-                        <a:rPr lang="en-US" altLang="zh-CN" sz="800" b="0" i="0" u="none" strike="noStrike" baseline="0" dirty="0" err="1">
+                        <a:rPr lang="en-US" altLang="zh-CN" sz="1100" b="0" i="0" u="none" strike="noStrike" baseline="0" dirty="0" err="1">
                           <a:solidFill>
                             <a:srgbClr val="000000"/>
                           </a:solidFill>
@@ -4245,7 +4282,7 @@
                         <a:t>ServerContainerImpl</a:t>
                       </a:r>
                       <a:r>
-                        <a:rPr lang="en-US" altLang="zh-CN" sz="800" b="0" i="0" u="none" strike="noStrike" baseline="0" dirty="0">
+                        <a:rPr lang="en-US" altLang="zh-CN" sz="1100" b="0" i="0" u="none" strike="noStrike" baseline="0" dirty="0">
                           <a:solidFill>
                             <a:srgbClr val="000000"/>
                           </a:solidFill>
@@ -4258,7 +4295,7 @@
                     <a:p>
                       <a:pPr marR="0" algn="l" rtl="0"/>
                       <a:r>
-                        <a:rPr lang="en-US" altLang="zh-CN" sz="800" b="0" i="0" u="none" strike="noStrike" baseline="0" dirty="0">
+                        <a:rPr lang="en-US" altLang="zh-CN" sz="1100" b="0" i="0" u="none" strike="noStrike" baseline="0" dirty="0">
                           <a:solidFill>
                             <a:srgbClr val="000000"/>
                           </a:solidFill>
@@ -4268,7 +4305,7 @@
                         <a:t>       </a:t>
                       </a:r>
                       <a:r>
-                        <a:rPr lang="en-US" altLang="zh-CN" sz="800" b="0" i="0" u="none" strike="noStrike" baseline="0" dirty="0" err="1">
+                        <a:rPr lang="en-US" altLang="zh-CN" sz="1100" b="0" i="0" u="none" strike="noStrike" baseline="0" dirty="0" err="1">
                           <a:solidFill>
                             <a:srgbClr val="000000"/>
                           </a:solidFill>
@@ -4278,7 +4315,7 @@
                         <a:t>classLoaderContainerMap.put</a:t>
                       </a:r>
                       <a:r>
-                        <a:rPr lang="en-US" altLang="zh-CN" sz="800" b="0" i="0" u="none" strike="noStrike" baseline="0" dirty="0">
+                        <a:rPr lang="en-US" altLang="zh-CN" sz="1100" b="0" i="0" u="none" strike="noStrike" baseline="0" dirty="0">
                           <a:solidFill>
                             <a:srgbClr val="000000"/>
                           </a:solidFill>
@@ -4288,30 +4325,30 @@
                         <a:t>(</a:t>
                       </a:r>
                       <a:r>
-                        <a:rPr lang="en-US" altLang="zh-CN" sz="800" b="0" i="0" u="none" strike="noStrike" baseline="0" dirty="0" err="1">
-                          <a:solidFill>
-                            <a:srgbClr val="000000"/>
-                          </a:solidFill>
-                          <a:latin typeface="Courier New" panose="02070309020205020404" pitchFamily="49" charset="0"/>
-                          <a:cs typeface="Courier New" panose="02070309020205020404" pitchFamily="49" charset="0"/>
-                        </a:rPr>
-                        <a:t>tccl</a:t>
-                      </a:r>
-                      <a:r>
-                        <a:rPr lang="en-US" altLang="zh-CN" sz="800" b="0" i="0" u="none" strike="noStrike" baseline="0" dirty="0">
-                          <a:solidFill>
-                            <a:srgbClr val="000000"/>
-                          </a:solidFill>
-                          <a:latin typeface="Courier New" panose="02070309020205020404" pitchFamily="49" charset="0"/>
-                          <a:cs typeface="Courier New" panose="02070309020205020404" pitchFamily="49" charset="0"/>
-                        </a:rPr>
-                        <a:t>, result);</a:t>
-                      </a:r>
-                    </a:p>
-                    <a:p>
-                      <a:pPr marR="0" algn="l" rtl="0"/>
-                      <a:r>
-                        <a:rPr lang="en-US" altLang="zh-CN" sz="800" b="0" i="0" u="none" strike="noStrike" baseline="0" dirty="0">
+                        <a:rPr lang="en-US" altLang="zh-CN" sz="1100" b="0" i="0" u="none" strike="noStrike" baseline="0" dirty="0" err="1">
+                          <a:solidFill>
+                            <a:srgbClr val="000000"/>
+                          </a:solidFill>
+                          <a:latin typeface="Courier New" panose="02070309020205020404" pitchFamily="49" charset="0"/>
+                          <a:cs typeface="Courier New" panose="02070309020205020404" pitchFamily="49" charset="0"/>
+                        </a:rPr>
+                        <a:t>tccl,result</a:t>
+                      </a:r>
+                      <a:r>
+                        <a:rPr lang="en-US" altLang="zh-CN" sz="1100" b="0" i="0" u="none" strike="noStrike" baseline="0" dirty="0">
+                          <a:solidFill>
+                            <a:srgbClr val="000000"/>
+                          </a:solidFill>
+                          <a:latin typeface="Courier New" panose="02070309020205020404" pitchFamily="49" charset="0"/>
+                          <a:cs typeface="Courier New" panose="02070309020205020404" pitchFamily="49" charset="0"/>
+                        </a:rPr>
+                        <a:t>);</a:t>
+                      </a:r>
+                    </a:p>
+                    <a:p>
+                      <a:pPr marR="0" algn="l" rtl="0"/>
+                      <a:r>
+                        <a:rPr lang="en-US" altLang="zh-CN" sz="1100" b="0" i="0" u="none" strike="noStrike" baseline="0" dirty="0">
                           <a:solidFill>
                             <a:srgbClr val="000000"/>
                           </a:solidFill>
@@ -4324,7 +4361,7 @@
                     <a:p>
                       <a:pPr marR="0" algn="l" rtl="0"/>
                       <a:r>
-                        <a:rPr lang="en-US" altLang="zh-CN" sz="800" b="0" i="0" u="none" strike="noStrike" baseline="0" dirty="0">
+                        <a:rPr lang="en-US" altLang="zh-CN" sz="1100" b="0" i="0" u="none" strike="noStrike" baseline="0" dirty="0">
                           <a:solidFill>
                             <a:srgbClr val="C00000"/>
                           </a:solidFill>
@@ -4337,7 +4374,7 @@
                     <a:p>
                       <a:pPr marR="0" algn="l" rtl="0"/>
                       <a:r>
-                        <a:rPr lang="en-US" altLang="zh-CN" sz="800" b="0" i="0" u="none" strike="noStrike" baseline="0" dirty="0">
+                        <a:rPr lang="en-US" altLang="zh-CN" sz="1100" b="0" i="0" u="none" strike="noStrike" baseline="0" dirty="0">
                           <a:solidFill>
                             <a:srgbClr val="C00000"/>
                           </a:solidFill>
@@ -4347,7 +4384,7 @@
                         <a:t>-    </a:t>
                       </a:r>
                       <a:r>
-                        <a:rPr lang="en-US" altLang="zh-CN" sz="800" b="0" i="0" u="none" strike="noStrike" baseline="0" dirty="0" err="1">
+                        <a:rPr lang="en-US" altLang="zh-CN" sz="1100" b="0" i="0" u="none" strike="noStrike" baseline="0" dirty="0" err="1">
                           <a:solidFill>
                             <a:srgbClr val="C00000"/>
                           </a:solidFill>
@@ -4357,7 +4394,7 @@
                         <a:t>writeLock.unlock</a:t>
                       </a:r>
                       <a:r>
-                        <a:rPr lang="en-US" altLang="zh-CN" sz="800" b="0" i="0" u="none" strike="noStrike" baseline="0" dirty="0">
+                        <a:rPr lang="en-US" altLang="zh-CN" sz="1100" b="0" i="0" u="none" strike="noStrike" baseline="0" dirty="0">
                           <a:solidFill>
                             <a:srgbClr val="C00000"/>
                           </a:solidFill>
@@ -4366,7 +4403,7 @@
                         </a:rPr>
                         <a:t>();</a:t>
                       </a:r>
-                      <a:endParaRPr lang="en-US" altLang="zh-CN" sz="800" b="0" i="0" u="none" strike="noStrike" baseline="0" dirty="0">
+                      <a:endParaRPr lang="en-US" altLang="zh-CN" sz="1100" b="0" i="0" u="none" strike="noStrike" baseline="0" dirty="0">
                         <a:solidFill>
                           <a:srgbClr val="000000"/>
                         </a:solidFill>
@@ -4377,7 +4414,7 @@
                     <a:p>
                       <a:pPr marR="0" algn="l" rtl="0"/>
                       <a:r>
-                        <a:rPr lang="en-US" altLang="zh-CN" sz="800" b="0" i="0" u="none" strike="noStrike" baseline="0" dirty="0">
+                        <a:rPr lang="en-US" altLang="zh-CN" sz="1100" b="0" i="0" u="none" strike="noStrike" baseline="0" dirty="0">
                           <a:solidFill>
                             <a:srgbClr val="C00000"/>
                           </a:solidFill>
@@ -4386,7 +4423,7 @@
                         </a:rPr>
                         <a:t>-  }</a:t>
                       </a:r>
-                      <a:endParaRPr lang="en-US" altLang="zh-CN" sz="800" b="0" i="0" u="none" strike="noStrike" baseline="0" dirty="0">
+                      <a:endParaRPr lang="en-US" altLang="zh-CN" sz="1100" b="0" i="0" u="none" strike="noStrike" baseline="0" dirty="0">
                         <a:solidFill>
                           <a:srgbClr val="000000"/>
                         </a:solidFill>
@@ -4397,7 +4434,7 @@
                     <a:p>
                       <a:pPr marR="0" algn="l" rtl="0"/>
                       <a:r>
-                        <a:rPr lang="en-US" altLang="zh-CN" sz="800" b="0" i="0" u="none" strike="noStrike" baseline="0" dirty="0">
+                        <a:rPr lang="en-US" altLang="zh-CN" sz="1100" b="0" i="0" u="none" strike="noStrike" baseline="0" dirty="0">
                           <a:solidFill>
                             <a:srgbClr val="000000"/>
                           </a:solidFill>
@@ -4406,7 +4443,7 @@
                         </a:rPr>
                         <a:t> }</a:t>
                       </a:r>
-                      <a:endParaRPr lang="zh-CN" altLang="en-US" sz="800" dirty="0">
+                      <a:endParaRPr lang="zh-CN" altLang="en-US" sz="1100" dirty="0">
                         <a:latin typeface="Courier New" panose="02070309020205020404" pitchFamily="49" charset="0"/>
                         <a:cs typeface="Courier New" panose="02070309020205020404" pitchFamily="49" charset="0"/>
                       </a:endParaRPr>
@@ -4421,7 +4458,7 @@
                     <a:p>
                       <a:pPr marR="0" algn="l" rtl="0"/>
                       <a:r>
-                        <a:rPr lang="en-US" altLang="zh-CN" sz="800" b="0" i="0" u="none" strike="noStrike" baseline="0" dirty="0">
+                        <a:rPr lang="en-US" altLang="zh-CN" sz="1100" b="0" i="0" u="none" strike="noStrike" baseline="0" dirty="0">
                           <a:solidFill>
                             <a:srgbClr val="0070C0"/>
                           </a:solidFill>
@@ -4431,7 +4468,7 @@
                         <a:t>+synchronized (</a:t>
                       </a:r>
                       <a:r>
-                        <a:rPr lang="en-US" altLang="zh-CN" sz="800" b="0" i="0" u="none" strike="noStrike" baseline="0" dirty="0" err="1">
+                        <a:rPr lang="en-US" altLang="zh-CN" sz="1100" b="0" i="0" u="none" strike="noStrike" baseline="0" dirty="0" err="1">
                           <a:solidFill>
                             <a:srgbClr val="0070C0"/>
                           </a:solidFill>
@@ -4441,7 +4478,7 @@
                         <a:t>classLoaderContainerMapLock</a:t>
                       </a:r>
                       <a:r>
-                        <a:rPr lang="en-US" altLang="zh-CN" sz="800" b="0" i="0" u="none" strike="noStrike" baseline="0" dirty="0">
+                        <a:rPr lang="en-US" altLang="zh-CN" sz="1100" b="0" i="0" u="none" strike="noStrike" baseline="0" dirty="0">
                           <a:solidFill>
                             <a:srgbClr val="0070C0"/>
                           </a:solidFill>
@@ -4453,7 +4490,7 @@
                     </a:p>
                     <a:p>
                       <a:pPr marR="0" algn="l" rtl="0"/>
-                      <a:endParaRPr lang="en-US" altLang="zh-CN" sz="800" b="0" i="0" u="none" strike="noStrike" baseline="0" dirty="0">
+                      <a:endParaRPr lang="en-US" altLang="zh-CN" sz="1100" b="0" i="0" u="none" strike="noStrike" baseline="0" dirty="0">
                         <a:solidFill>
                           <a:srgbClr val="000000"/>
                         </a:solidFill>
@@ -4463,7 +4500,7 @@
                     </a:p>
                     <a:p>
                       <a:pPr marR="0" algn="l" rtl="0"/>
-                      <a:endParaRPr lang="en-US" altLang="zh-CN" sz="800" b="0" i="0" u="none" strike="noStrike" baseline="0" dirty="0">
+                      <a:endParaRPr lang="en-US" altLang="zh-CN" sz="1100" b="0" i="0" u="none" strike="noStrike" baseline="0" dirty="0">
                         <a:solidFill>
                           <a:srgbClr val="000000"/>
                         </a:solidFill>
@@ -4473,7 +4510,7 @@
                     </a:p>
                     <a:p>
                       <a:pPr marR="0" algn="l" rtl="0"/>
-                      <a:endParaRPr lang="en-US" altLang="zh-CN" sz="800" b="0" i="0" u="none" strike="noStrike" baseline="0" dirty="0">
+                      <a:endParaRPr lang="en-US" altLang="zh-CN" sz="1100" b="0" i="0" u="none" strike="noStrike" baseline="0" dirty="0">
                         <a:solidFill>
                           <a:srgbClr val="000000"/>
                         </a:solidFill>
@@ -4483,7 +4520,7 @@
                     </a:p>
                     <a:p>
                       <a:pPr marR="0" algn="l" rtl="0"/>
-                      <a:endParaRPr lang="en-US" altLang="zh-CN" sz="800" b="0" i="0" u="none" strike="noStrike" baseline="0" dirty="0">
+                      <a:endParaRPr lang="en-US" altLang="zh-CN" sz="1100" b="0" i="0" u="none" strike="noStrike" baseline="0" dirty="0">
                         <a:solidFill>
                           <a:srgbClr val="000000"/>
                         </a:solidFill>
@@ -4493,7 +4530,7 @@
                     </a:p>
                     <a:p>
                       <a:pPr marR="0" algn="l" rtl="0"/>
-                      <a:endParaRPr lang="en-US" altLang="zh-CN" sz="800" b="0" i="0" u="none" strike="noStrike" baseline="0" dirty="0">
+                      <a:endParaRPr lang="en-US" altLang="zh-CN" sz="1100" b="0" i="0" u="none" strike="noStrike" baseline="0" dirty="0">
                         <a:solidFill>
                           <a:srgbClr val="000000"/>
                         </a:solidFill>
@@ -4503,7 +4540,7 @@
                     </a:p>
                     <a:p>
                       <a:pPr marR="0" algn="l" rtl="0"/>
-                      <a:endParaRPr lang="en-US" altLang="zh-CN" sz="800" b="0" i="0" u="none" strike="noStrike" baseline="0" dirty="0">
+                      <a:endParaRPr lang="en-US" altLang="zh-CN" sz="1100" b="0" i="0" u="none" strike="noStrike" baseline="0" dirty="0">
                         <a:solidFill>
                           <a:srgbClr val="000000"/>
                         </a:solidFill>
@@ -4513,7 +4550,7 @@
                     </a:p>
                     <a:p>
                       <a:pPr marR="0" algn="l" rtl="0"/>
-                      <a:endParaRPr lang="en-US" altLang="zh-CN" sz="800" b="0" i="0" u="none" strike="noStrike" baseline="0" dirty="0">
+                      <a:endParaRPr lang="en-US" altLang="zh-CN" sz="1100" b="0" i="0" u="none" strike="noStrike" baseline="0" dirty="0">
                         <a:solidFill>
                           <a:srgbClr val="000000"/>
                         </a:solidFill>
@@ -4523,7 +4560,7 @@
                     </a:p>
                     <a:p>
                       <a:pPr marR="0" algn="l" rtl="0"/>
-                      <a:endParaRPr lang="en-US" altLang="zh-CN" sz="800" b="0" i="0" u="none" strike="noStrike" baseline="0" dirty="0">
+                      <a:endParaRPr lang="en-US" altLang="zh-CN" sz="1100" b="0" i="0" u="none" strike="noStrike" baseline="0" dirty="0">
                         <a:solidFill>
                           <a:srgbClr val="000000"/>
                         </a:solidFill>
@@ -4533,7 +4570,7 @@
                     </a:p>
                     <a:p>
                       <a:pPr marR="0" algn="l" rtl="0"/>
-                      <a:endParaRPr lang="en-US" altLang="zh-CN" sz="800" b="0" i="0" u="none" strike="noStrike" baseline="0" dirty="0">
+                      <a:endParaRPr lang="en-US" altLang="zh-CN" sz="1100" b="0" i="0" u="none" strike="noStrike" baseline="0" dirty="0">
                         <a:solidFill>
                           <a:srgbClr val="000000"/>
                         </a:solidFill>
@@ -4543,7 +4580,7 @@
                     </a:p>
                     <a:p>
                       <a:pPr marR="0" algn="l" rtl="0"/>
-                      <a:endParaRPr lang="en-US" altLang="zh-CN" sz="800" b="0" i="0" u="none" strike="noStrike" baseline="0" dirty="0">
+                      <a:endParaRPr lang="en-US" altLang="zh-CN" sz="1100" b="0" i="0" u="none" strike="noStrike" baseline="0" dirty="0">
                         <a:solidFill>
                           <a:srgbClr val="000000"/>
                         </a:solidFill>
@@ -4553,7 +4590,7 @@
                     </a:p>
                     <a:p>
                       <a:pPr marR="0" algn="l" rtl="0"/>
-                      <a:endParaRPr lang="en-US" altLang="zh-CN" sz="800" b="0" i="0" u="none" strike="noStrike" baseline="0" dirty="0">
+                      <a:endParaRPr lang="en-US" altLang="zh-CN" sz="1100" b="0" i="0" u="none" strike="noStrike" baseline="0" dirty="0">
                         <a:solidFill>
                           <a:srgbClr val="000000"/>
                         </a:solidFill>
@@ -4563,172 +4600,7 @@
                     </a:p>
                     <a:p>
                       <a:pPr marR="0" algn="l" rtl="0"/>
-                      <a:r>
-                        <a:rPr lang="en-US" altLang="zh-CN" sz="800" b="0" i="0" u="none" strike="noStrike" baseline="0" dirty="0">
-                          <a:solidFill>
-                            <a:srgbClr val="000000"/>
-                          </a:solidFill>
-                          <a:latin typeface="Courier New" panose="02070309020205020404" pitchFamily="49" charset="0"/>
-                          <a:cs typeface="Courier New" panose="02070309020205020404" pitchFamily="49" charset="0"/>
-                        </a:rPr>
-                        <a:t>   result = </a:t>
-                      </a:r>
-                      <a:r>
-                        <a:rPr lang="en-US" altLang="zh-CN" sz="800" b="0" i="0" u="none" strike="noStrike" baseline="0" dirty="0" err="1">
-                          <a:solidFill>
-                            <a:srgbClr val="000000"/>
-                          </a:solidFill>
-                          <a:latin typeface="Courier New" panose="02070309020205020404" pitchFamily="49" charset="0"/>
-                          <a:cs typeface="Courier New" panose="02070309020205020404" pitchFamily="49" charset="0"/>
-                        </a:rPr>
-                        <a:t>classLoaderContainerMap.get</a:t>
-                      </a:r>
-                      <a:r>
-                        <a:rPr lang="en-US" altLang="zh-CN" sz="800" b="0" i="0" u="none" strike="noStrike" baseline="0" dirty="0">
-                          <a:solidFill>
-                            <a:srgbClr val="000000"/>
-                          </a:solidFill>
-                          <a:latin typeface="Courier New" panose="02070309020205020404" pitchFamily="49" charset="0"/>
-                          <a:cs typeface="Courier New" panose="02070309020205020404" pitchFamily="49" charset="0"/>
-                        </a:rPr>
-                        <a:t>(</a:t>
-                      </a:r>
-                      <a:r>
-                        <a:rPr lang="en-US" altLang="zh-CN" sz="800" b="0" i="0" u="none" strike="noStrike" baseline="0" dirty="0" err="1">
-                          <a:solidFill>
-                            <a:srgbClr val="000000"/>
-                          </a:solidFill>
-                          <a:latin typeface="Courier New" panose="02070309020205020404" pitchFamily="49" charset="0"/>
-                          <a:cs typeface="Courier New" panose="02070309020205020404" pitchFamily="49" charset="0"/>
-                        </a:rPr>
-                        <a:t>tccl</a:t>
-                      </a:r>
-                      <a:r>
-                        <a:rPr lang="en-US" altLang="zh-CN" sz="800" b="0" i="0" u="none" strike="noStrike" baseline="0" dirty="0">
-                          <a:solidFill>
-                            <a:srgbClr val="000000"/>
-                          </a:solidFill>
-                          <a:latin typeface="Courier New" panose="02070309020205020404" pitchFamily="49" charset="0"/>
-                          <a:cs typeface="Courier New" panose="02070309020205020404" pitchFamily="49" charset="0"/>
-                        </a:rPr>
-                        <a:t>);</a:t>
-                      </a:r>
-                    </a:p>
-                    <a:p>
-                      <a:pPr marR="0" algn="l" rtl="0"/>
-                      <a:r>
-                        <a:rPr lang="en-US" altLang="zh-CN" sz="800" b="0" i="0" u="none" strike="noStrike" baseline="0" dirty="0">
-                          <a:solidFill>
-                            <a:srgbClr val="000000"/>
-                          </a:solidFill>
-                          <a:latin typeface="Courier New" panose="02070309020205020404" pitchFamily="49" charset="0"/>
-                          <a:cs typeface="Courier New" panose="02070309020205020404" pitchFamily="49" charset="0"/>
-                        </a:rPr>
-                        <a:t>   if (result == null) {</a:t>
-                      </a:r>
-                    </a:p>
-                    <a:p>
-                      <a:pPr marR="0" algn="l" rtl="0"/>
-                      <a:r>
-                        <a:rPr lang="en-US" altLang="zh-CN" sz="800" b="0" i="0" u="none" strike="noStrike" baseline="0" dirty="0">
-                          <a:solidFill>
-                            <a:srgbClr val="000000"/>
-                          </a:solidFill>
-                          <a:latin typeface="Courier New" panose="02070309020205020404" pitchFamily="49" charset="0"/>
-                          <a:cs typeface="Courier New" panose="02070309020205020404" pitchFamily="49" charset="0"/>
-                        </a:rPr>
-                        <a:t>     result = new </a:t>
-                      </a:r>
-                      <a:r>
-                        <a:rPr lang="en-US" altLang="zh-CN" sz="800" b="0" i="0" u="none" strike="noStrike" baseline="0" dirty="0" err="1">
-                          <a:solidFill>
-                            <a:srgbClr val="000000"/>
-                          </a:solidFill>
-                          <a:latin typeface="Courier New" panose="02070309020205020404" pitchFamily="49" charset="0"/>
-                          <a:cs typeface="Courier New" panose="02070309020205020404" pitchFamily="49" charset="0"/>
-                        </a:rPr>
-                        <a:t>ServerContainerImpl</a:t>
-                      </a:r>
-                      <a:r>
-                        <a:rPr lang="en-US" altLang="zh-CN" sz="800" b="0" i="0" u="none" strike="noStrike" baseline="0" dirty="0">
-                          <a:solidFill>
-                            <a:srgbClr val="000000"/>
-                          </a:solidFill>
-                          <a:latin typeface="Courier New" panose="02070309020205020404" pitchFamily="49" charset="0"/>
-                          <a:cs typeface="Courier New" panose="02070309020205020404" pitchFamily="49" charset="0"/>
-                        </a:rPr>
-                        <a:t>();</a:t>
-                      </a:r>
-                    </a:p>
-                    <a:p>
-                      <a:pPr marR="0" algn="l" rtl="0"/>
-                      <a:r>
-                        <a:rPr lang="en-US" altLang="zh-CN" sz="800" b="0" i="0" u="none" strike="noStrike" baseline="0" dirty="0">
-                          <a:solidFill>
-                            <a:srgbClr val="000000"/>
-                          </a:solidFill>
-                          <a:latin typeface="Courier New" panose="02070309020205020404" pitchFamily="49" charset="0"/>
-                          <a:cs typeface="Courier New" panose="02070309020205020404" pitchFamily="49" charset="0"/>
-                        </a:rPr>
-                        <a:t>     </a:t>
-                      </a:r>
-                      <a:r>
-                        <a:rPr lang="en-US" altLang="zh-CN" sz="800" b="0" i="0" u="none" strike="noStrike" baseline="0" dirty="0" err="1">
-                          <a:solidFill>
-                            <a:srgbClr val="000000"/>
-                          </a:solidFill>
-                          <a:latin typeface="Courier New" panose="02070309020205020404" pitchFamily="49" charset="0"/>
-                          <a:cs typeface="Courier New" panose="02070309020205020404" pitchFamily="49" charset="0"/>
-                        </a:rPr>
-                        <a:t>classLoaderContainerMap.put</a:t>
-                      </a:r>
-                      <a:r>
-                        <a:rPr lang="en-US" altLang="zh-CN" sz="800" b="0" i="0" u="none" strike="noStrike" baseline="0" dirty="0">
-                          <a:solidFill>
-                            <a:srgbClr val="000000"/>
-                          </a:solidFill>
-                          <a:latin typeface="Courier New" panose="02070309020205020404" pitchFamily="49" charset="0"/>
-                          <a:cs typeface="Courier New" panose="02070309020205020404" pitchFamily="49" charset="0"/>
-                        </a:rPr>
-                        <a:t>(</a:t>
-                      </a:r>
-                      <a:r>
-                        <a:rPr lang="en-US" altLang="zh-CN" sz="800" b="0" i="0" u="none" strike="noStrike" baseline="0" dirty="0" err="1">
-                          <a:solidFill>
-                            <a:srgbClr val="000000"/>
-                          </a:solidFill>
-                          <a:latin typeface="Courier New" panose="02070309020205020404" pitchFamily="49" charset="0"/>
-                          <a:cs typeface="Courier New" panose="02070309020205020404" pitchFamily="49" charset="0"/>
-                        </a:rPr>
-                        <a:t>tccl</a:t>
-                      </a:r>
-                      <a:r>
-                        <a:rPr lang="en-US" altLang="zh-CN" sz="800" b="0" i="0" u="none" strike="noStrike" baseline="0" dirty="0">
-                          <a:solidFill>
-                            <a:srgbClr val="000000"/>
-                          </a:solidFill>
-                          <a:latin typeface="Courier New" panose="02070309020205020404" pitchFamily="49" charset="0"/>
-                          <a:cs typeface="Courier New" panose="02070309020205020404" pitchFamily="49" charset="0"/>
-                        </a:rPr>
-                        <a:t>, result);</a:t>
-                      </a:r>
-                    </a:p>
-                    <a:p>
-                      <a:pPr marR="0" algn="l" rtl="0"/>
-                      <a:r>
-                        <a:rPr lang="en-US" altLang="zh-CN" sz="800" b="0" i="0" u="none" strike="noStrike" baseline="0" dirty="0">
-                          <a:solidFill>
-                            <a:srgbClr val="000000"/>
-                          </a:solidFill>
-                          <a:latin typeface="Courier New" panose="02070309020205020404" pitchFamily="49" charset="0"/>
-                          <a:cs typeface="Courier New" panose="02070309020205020404" pitchFamily="49" charset="0"/>
-                        </a:rPr>
-                        <a:t>   }</a:t>
-                      </a:r>
-                    </a:p>
-                    <a:p>
-                      <a:pPr marR="0" algn="l" rtl="0"/>
-                      <a:endParaRPr lang="en-US" altLang="zh-CN" sz="800" b="0" i="0" u="none" strike="noStrike" baseline="0" dirty="0">
+                      <a:endParaRPr lang="en-US" altLang="zh-CN" sz="1100" b="0" i="0" u="none" strike="noStrike" baseline="0" dirty="0">
                         <a:solidFill>
                           <a:srgbClr val="000000"/>
                         </a:solidFill>
@@ -4738,7 +4610,172 @@
                     </a:p>
                     <a:p>
                       <a:pPr marR="0" algn="l" rtl="0"/>
-                      <a:endParaRPr lang="en-US" altLang="zh-CN" sz="800" b="0" i="0" u="none" strike="noStrike" baseline="0" dirty="0">
+                      <a:r>
+                        <a:rPr lang="en-US" altLang="zh-CN" sz="1100" b="0" i="0" u="none" strike="noStrike" baseline="0" dirty="0">
+                          <a:solidFill>
+                            <a:srgbClr val="000000"/>
+                          </a:solidFill>
+                          <a:latin typeface="Courier New" panose="02070309020205020404" pitchFamily="49" charset="0"/>
+                          <a:cs typeface="Courier New" panose="02070309020205020404" pitchFamily="49" charset="0"/>
+                        </a:rPr>
+                        <a:t>   result = </a:t>
+                      </a:r>
+                      <a:r>
+                        <a:rPr lang="en-US" altLang="zh-CN" sz="1100" b="0" i="0" u="none" strike="noStrike" baseline="0" dirty="0" err="1">
+                          <a:solidFill>
+                            <a:srgbClr val="000000"/>
+                          </a:solidFill>
+                          <a:latin typeface="Courier New" panose="02070309020205020404" pitchFamily="49" charset="0"/>
+                          <a:cs typeface="Courier New" panose="02070309020205020404" pitchFamily="49" charset="0"/>
+                        </a:rPr>
+                        <a:t>classLoaderContainerMap.get</a:t>
+                      </a:r>
+                      <a:r>
+                        <a:rPr lang="en-US" altLang="zh-CN" sz="1100" b="0" i="0" u="none" strike="noStrike" baseline="0" dirty="0">
+                          <a:solidFill>
+                            <a:srgbClr val="000000"/>
+                          </a:solidFill>
+                          <a:latin typeface="Courier New" panose="02070309020205020404" pitchFamily="49" charset="0"/>
+                          <a:cs typeface="Courier New" panose="02070309020205020404" pitchFamily="49" charset="0"/>
+                        </a:rPr>
+                        <a:t>(</a:t>
+                      </a:r>
+                      <a:r>
+                        <a:rPr lang="en-US" altLang="zh-CN" sz="1100" b="0" i="0" u="none" strike="noStrike" baseline="0" dirty="0" err="1">
+                          <a:solidFill>
+                            <a:srgbClr val="000000"/>
+                          </a:solidFill>
+                          <a:latin typeface="Courier New" panose="02070309020205020404" pitchFamily="49" charset="0"/>
+                          <a:cs typeface="Courier New" panose="02070309020205020404" pitchFamily="49" charset="0"/>
+                        </a:rPr>
+                        <a:t>tccl</a:t>
+                      </a:r>
+                      <a:r>
+                        <a:rPr lang="en-US" altLang="zh-CN" sz="1100" b="0" i="0" u="none" strike="noStrike" baseline="0" dirty="0">
+                          <a:solidFill>
+                            <a:srgbClr val="000000"/>
+                          </a:solidFill>
+                          <a:latin typeface="Courier New" panose="02070309020205020404" pitchFamily="49" charset="0"/>
+                          <a:cs typeface="Courier New" panose="02070309020205020404" pitchFamily="49" charset="0"/>
+                        </a:rPr>
+                        <a:t>);</a:t>
+                      </a:r>
+                    </a:p>
+                    <a:p>
+                      <a:pPr marR="0" algn="l" rtl="0"/>
+                      <a:r>
+                        <a:rPr lang="en-US" altLang="zh-CN" sz="1100" b="0" i="0" u="none" strike="noStrike" baseline="0" dirty="0">
+                          <a:solidFill>
+                            <a:srgbClr val="000000"/>
+                          </a:solidFill>
+                          <a:latin typeface="Courier New" panose="02070309020205020404" pitchFamily="49" charset="0"/>
+                          <a:cs typeface="Courier New" panose="02070309020205020404" pitchFamily="49" charset="0"/>
+                        </a:rPr>
+                        <a:t>   if (result == null) {</a:t>
+                      </a:r>
+                    </a:p>
+                    <a:p>
+                      <a:pPr marR="0" algn="l" rtl="0"/>
+                      <a:r>
+                        <a:rPr lang="en-US" altLang="zh-CN" sz="1100" b="0" i="0" u="none" strike="noStrike" baseline="0" dirty="0">
+                          <a:solidFill>
+                            <a:srgbClr val="000000"/>
+                          </a:solidFill>
+                          <a:latin typeface="Courier New" panose="02070309020205020404" pitchFamily="49" charset="0"/>
+                          <a:cs typeface="Courier New" panose="02070309020205020404" pitchFamily="49" charset="0"/>
+                        </a:rPr>
+                        <a:t>     result = new </a:t>
+                      </a:r>
+                      <a:r>
+                        <a:rPr lang="en-US" altLang="zh-CN" sz="1100" b="0" i="0" u="none" strike="noStrike" baseline="0" dirty="0" err="1">
+                          <a:solidFill>
+                            <a:srgbClr val="000000"/>
+                          </a:solidFill>
+                          <a:latin typeface="Courier New" panose="02070309020205020404" pitchFamily="49" charset="0"/>
+                          <a:cs typeface="Courier New" panose="02070309020205020404" pitchFamily="49" charset="0"/>
+                        </a:rPr>
+                        <a:t>ServerContainerImpl</a:t>
+                      </a:r>
+                      <a:r>
+                        <a:rPr lang="en-US" altLang="zh-CN" sz="1100" b="0" i="0" u="none" strike="noStrike" baseline="0" dirty="0">
+                          <a:solidFill>
+                            <a:srgbClr val="000000"/>
+                          </a:solidFill>
+                          <a:latin typeface="Courier New" panose="02070309020205020404" pitchFamily="49" charset="0"/>
+                          <a:cs typeface="Courier New" panose="02070309020205020404" pitchFamily="49" charset="0"/>
+                        </a:rPr>
+                        <a:t>();</a:t>
+                      </a:r>
+                    </a:p>
+                    <a:p>
+                      <a:pPr marR="0" algn="l" rtl="0"/>
+                      <a:r>
+                        <a:rPr lang="en-US" altLang="zh-CN" sz="1100" b="0" i="0" u="none" strike="noStrike" baseline="0" dirty="0">
+                          <a:solidFill>
+                            <a:srgbClr val="000000"/>
+                          </a:solidFill>
+                          <a:latin typeface="Courier New" panose="02070309020205020404" pitchFamily="49" charset="0"/>
+                          <a:cs typeface="Courier New" panose="02070309020205020404" pitchFamily="49" charset="0"/>
+                        </a:rPr>
+                        <a:t>     </a:t>
+                      </a:r>
+                      <a:r>
+                        <a:rPr lang="en-US" altLang="zh-CN" sz="1100" b="0" i="0" u="none" strike="noStrike" baseline="0" dirty="0" err="1">
+                          <a:solidFill>
+                            <a:srgbClr val="000000"/>
+                          </a:solidFill>
+                          <a:latin typeface="Courier New" panose="02070309020205020404" pitchFamily="49" charset="0"/>
+                          <a:cs typeface="Courier New" panose="02070309020205020404" pitchFamily="49" charset="0"/>
+                        </a:rPr>
+                        <a:t>classLoaderContainerMap.put</a:t>
+                      </a:r>
+                      <a:r>
+                        <a:rPr lang="en-US" altLang="zh-CN" sz="1100" b="0" i="0" u="none" strike="noStrike" baseline="0" dirty="0">
+                          <a:solidFill>
+                            <a:srgbClr val="000000"/>
+                          </a:solidFill>
+                          <a:latin typeface="Courier New" panose="02070309020205020404" pitchFamily="49" charset="0"/>
+                          <a:cs typeface="Courier New" panose="02070309020205020404" pitchFamily="49" charset="0"/>
+                        </a:rPr>
+                        <a:t>(</a:t>
+                      </a:r>
+                      <a:r>
+                        <a:rPr lang="en-US" altLang="zh-CN" sz="1100" b="0" i="0" u="none" strike="noStrike" baseline="0" dirty="0" err="1">
+                          <a:solidFill>
+                            <a:srgbClr val="000000"/>
+                          </a:solidFill>
+                          <a:latin typeface="Courier New" panose="02070309020205020404" pitchFamily="49" charset="0"/>
+                          <a:cs typeface="Courier New" panose="02070309020205020404" pitchFamily="49" charset="0"/>
+                        </a:rPr>
+                        <a:t>tccl,result</a:t>
+                      </a:r>
+                      <a:r>
+                        <a:rPr lang="en-US" altLang="zh-CN" sz="1100" b="0" i="0" u="none" strike="noStrike" baseline="0" dirty="0">
+                          <a:solidFill>
+                            <a:srgbClr val="000000"/>
+                          </a:solidFill>
+                          <a:latin typeface="Courier New" panose="02070309020205020404" pitchFamily="49" charset="0"/>
+                          <a:cs typeface="Courier New" panose="02070309020205020404" pitchFamily="49" charset="0"/>
+                        </a:rPr>
+                        <a:t>);</a:t>
+                      </a:r>
+                    </a:p>
+                    <a:p>
+                      <a:pPr marR="0" algn="l" rtl="0"/>
+                      <a:r>
+                        <a:rPr lang="en-US" altLang="zh-CN" sz="1100" b="0" i="0" u="none" strike="noStrike" baseline="0" dirty="0">
+                          <a:solidFill>
+                            <a:srgbClr val="000000"/>
+                          </a:solidFill>
+                          <a:latin typeface="Courier New" panose="02070309020205020404" pitchFamily="49" charset="0"/>
+                          <a:cs typeface="Courier New" panose="02070309020205020404" pitchFamily="49" charset="0"/>
+                        </a:rPr>
+                        <a:t>   }</a:t>
+                      </a:r>
+                    </a:p>
+                    <a:p>
+                      <a:pPr marR="0" algn="l" rtl="0"/>
+                      <a:endParaRPr lang="en-US" altLang="zh-CN" sz="1100" b="0" i="0" u="none" strike="noStrike" baseline="0" dirty="0">
                         <a:solidFill>
                           <a:srgbClr val="000000"/>
                         </a:solidFill>
@@ -4748,17 +4785,37 @@
                     </a:p>
                     <a:p>
                       <a:pPr marR="0" algn="l" rtl="0"/>
-                      <a:r>
-                        <a:rPr lang="en-US" altLang="zh-CN" sz="800" b="0" i="0" u="none" strike="noStrike" baseline="0" dirty="0">
-                          <a:solidFill>
-                            <a:srgbClr val="000000"/>
-                          </a:solidFill>
-                          <a:latin typeface="Courier New" panose="02070309020205020404" pitchFamily="49" charset="0"/>
-                          <a:cs typeface="Courier New" panose="02070309020205020404" pitchFamily="49" charset="0"/>
-                        </a:rPr>
-                        <a:t> }</a:t>
-                      </a:r>
-                      <a:endParaRPr lang="zh-CN" altLang="en-US" sz="800" dirty="0">
+                      <a:endParaRPr lang="en-US" altLang="zh-CN" sz="1100" b="0" i="0" u="none" strike="noStrike" baseline="0" dirty="0">
+                        <a:solidFill>
+                          <a:srgbClr val="000000"/>
+                        </a:solidFill>
+                        <a:latin typeface="Courier New" panose="02070309020205020404" pitchFamily="49" charset="0"/>
+                        <a:cs typeface="Courier New" panose="02070309020205020404" pitchFamily="49" charset="0"/>
+                      </a:endParaRPr>
+                    </a:p>
+                    <a:p>
+                      <a:pPr marR="0" algn="l" rtl="0"/>
+                      <a:endParaRPr lang="en-US" altLang="zh-CN" sz="1100" b="0" i="0" u="none" strike="noStrike" baseline="0" dirty="0">
+                        <a:solidFill>
+                          <a:srgbClr val="000000"/>
+                        </a:solidFill>
+                        <a:latin typeface="Courier New" panose="02070309020205020404" pitchFamily="49" charset="0"/>
+                        <a:cs typeface="Courier New" panose="02070309020205020404" pitchFamily="49" charset="0"/>
+                      </a:endParaRPr>
+                    </a:p>
+                    <a:p>
+                      <a:pPr marR="0" algn="l" rtl="0"/>
+                      <a:r>
+                        <a:rPr lang="en-US" altLang="zh-CN" sz="1100" b="0" i="0" u="none" strike="noStrike" baseline="0" dirty="0">
+                          <a:solidFill>
+                            <a:srgbClr val="000000"/>
+                          </a:solidFill>
+                          <a:latin typeface="Courier New" panose="02070309020205020404" pitchFamily="49" charset="0"/>
+                          <a:cs typeface="Courier New" panose="02070309020205020404" pitchFamily="49" charset="0"/>
+                        </a:rPr>
+                        <a:t>}</a:t>
+                      </a:r>
+                      <a:endParaRPr lang="zh-CN" altLang="en-US" sz="1100" dirty="0">
                         <a:latin typeface="Courier New" panose="02070309020205020404" pitchFamily="49" charset="0"/>
                         <a:cs typeface="Courier New" panose="02070309020205020404" pitchFamily="49" charset="0"/>
                       </a:endParaRPr>
@@ -4773,7 +4830,7 @@
                     <a:p>
                       <a:pPr marR="0" algn="l" rtl="0"/>
                       <a:r>
-                        <a:rPr lang="en-US" altLang="zh-CN" sz="800" b="0" i="0" u="none" strike="noStrike" baseline="0" dirty="0">
+                        <a:rPr lang="en-US" altLang="zh-CN" sz="1100" b="0" i="0" u="none" strike="noStrike" baseline="0" dirty="0">
                           <a:solidFill>
                             <a:srgbClr val="000000"/>
                           </a:solidFill>
@@ -4786,7 +4843,7 @@
                     <a:p>
                       <a:pPr marR="0" algn="l" rtl="0"/>
                       <a:r>
-                        <a:rPr lang="en-US" altLang="zh-CN" sz="800" b="0" i="0" u="none" strike="noStrike" baseline="0" dirty="0">
+                        <a:rPr lang="en-US" altLang="zh-CN" sz="1100" b="0" i="0" u="none" strike="noStrike" baseline="0" dirty="0">
                           <a:solidFill>
                             <a:srgbClr val="000000"/>
                           </a:solidFill>
@@ -4796,7 +4853,7 @@
                         <a:t>  </a:t>
                       </a:r>
                       <a:r>
-                        <a:rPr lang="en-US" altLang="zh-CN" sz="800" b="0" i="0" u="none" strike="noStrike" baseline="0" dirty="0" err="1">
+                        <a:rPr lang="en-US" altLang="zh-CN" sz="1100" b="0" i="0" u="none" strike="noStrike" baseline="0" dirty="0" err="1">
                           <a:solidFill>
                             <a:srgbClr val="000000"/>
                           </a:solidFill>
@@ -4806,7 +4863,7 @@
                         <a:t>readLock.lock</a:t>
                       </a:r>
                       <a:r>
-                        <a:rPr lang="en-US" altLang="zh-CN" sz="800" b="0" i="0" u="none" strike="noStrike" baseline="0" dirty="0">
+                        <a:rPr lang="en-US" altLang="zh-CN" sz="1100" b="0" i="0" u="none" strike="noStrike" baseline="0" dirty="0">
                           <a:solidFill>
                             <a:srgbClr val="000000"/>
                           </a:solidFill>
@@ -4819,7 +4876,7 @@
                     <a:p>
                       <a:pPr marR="0" algn="l" rtl="0"/>
                       <a:r>
-                        <a:rPr lang="en-US" altLang="zh-CN" sz="800" b="0" i="0" u="none" strike="noStrike" baseline="0" dirty="0">
+                        <a:rPr lang="en-US" altLang="zh-CN" sz="1100" b="0" i="0" u="none" strike="noStrike" baseline="0" dirty="0">
                           <a:solidFill>
                             <a:srgbClr val="000000"/>
                           </a:solidFill>
@@ -4832,7 +4889,7 @@
                     <a:p>
                       <a:pPr marR="0" algn="l" rtl="0"/>
                       <a:r>
-                        <a:rPr lang="en-US" altLang="zh-CN" sz="800" b="0" i="0" u="none" strike="noStrike" baseline="0" dirty="0">
+                        <a:rPr lang="en-US" altLang="zh-CN" sz="1100" b="0" i="0" u="none" strike="noStrike" baseline="0" dirty="0">
                           <a:solidFill>
                             <a:srgbClr val="000000"/>
                           </a:solidFill>
@@ -4845,7 +4902,7 @@
                     <a:p>
                       <a:pPr marR="0" algn="l" rtl="0"/>
                       <a:r>
-                        <a:rPr lang="en-US" altLang="zh-CN" sz="800" b="0" i="0" u="none" strike="noStrike" baseline="0" dirty="0">
+                        <a:rPr lang="en-US" altLang="zh-CN" sz="1100" b="0" i="0" u="none" strike="noStrike" baseline="0" dirty="0">
                           <a:solidFill>
                             <a:srgbClr val="000000"/>
                           </a:solidFill>
@@ -4855,7 +4912,7 @@
                         <a:t>  </a:t>
                       </a:r>
                       <a:r>
-                        <a:rPr lang="en-US" altLang="zh-CN" sz="800" b="0" i="0" u="none" strike="noStrike" baseline="0" dirty="0" err="1">
+                        <a:rPr lang="en-US" altLang="zh-CN" sz="1100" b="0" i="0" u="none" strike="noStrike" baseline="0" dirty="0" err="1">
                           <a:solidFill>
                             <a:srgbClr val="000000"/>
                           </a:solidFill>
@@ -4865,7 +4922,7 @@
                         <a:t>readLock.unlock</a:t>
                       </a:r>
                       <a:r>
-                        <a:rPr lang="en-US" altLang="zh-CN" sz="800" b="0" i="0" u="none" strike="noStrike" baseline="0" dirty="0">
+                        <a:rPr lang="en-US" altLang="zh-CN" sz="1100" b="0" i="0" u="none" strike="noStrike" baseline="0" dirty="0">
                           <a:solidFill>
                             <a:srgbClr val="000000"/>
                           </a:solidFill>
@@ -4878,7 +4935,7 @@
                     <a:p>
                       <a:pPr marR="0" algn="l" rtl="0"/>
                       <a:r>
-                        <a:rPr lang="en-US" altLang="zh-CN" sz="800" b="0" i="0" u="none" strike="noStrike" baseline="0" dirty="0">
+                        <a:rPr lang="en-US" altLang="zh-CN" sz="1100" b="0" i="0" u="none" strike="noStrike" baseline="0" dirty="0">
                           <a:solidFill>
                             <a:srgbClr val="000000"/>
                           </a:solidFill>
@@ -4891,7 +4948,7 @@
                     <a:p>
                       <a:pPr marR="0" algn="l" rtl="0"/>
                       <a:r>
-                        <a:rPr lang="en-US" altLang="zh-CN" sz="800" b="0" i="0" u="none" strike="noStrike" baseline="0" dirty="0">
+                        <a:rPr lang="en-US" altLang="zh-CN" sz="1100" b="0" i="0" u="none" strike="noStrike" baseline="0" dirty="0">
                           <a:solidFill>
                             <a:srgbClr val="000000"/>
                           </a:solidFill>
@@ -4904,7 +4961,7 @@
                     <a:p>
                       <a:pPr marR="0" algn="l" rtl="0"/>
                       <a:r>
-                        <a:rPr lang="en-US" altLang="zh-CN" sz="800" b="0" i="0" u="none" strike="noStrike" baseline="0" dirty="0">
+                        <a:rPr lang="en-US" altLang="zh-CN" sz="1100" b="0" i="0" u="none" strike="noStrike" baseline="0" dirty="0">
                           <a:solidFill>
                             <a:srgbClr val="000000"/>
                           </a:solidFill>
@@ -4914,7 +4971,7 @@
                         <a:t>  </a:t>
                       </a:r>
                       <a:r>
-                        <a:rPr lang="en-US" altLang="zh-CN" sz="800" b="0" i="0" u="none" strike="noStrike" baseline="0" dirty="0" err="1">
+                        <a:rPr lang="en-US" altLang="zh-CN" sz="1100" b="0" i="0" u="none" strike="noStrike" baseline="0" dirty="0" err="1">
                           <a:solidFill>
                             <a:srgbClr val="000000"/>
                           </a:solidFill>
@@ -4924,7 +4981,7 @@
                         <a:t>writeLock.lock</a:t>
                       </a:r>
                       <a:r>
-                        <a:rPr lang="en-US" altLang="zh-CN" sz="800" b="0" i="0" u="none" strike="noStrike" baseline="0" dirty="0">
+                        <a:rPr lang="en-US" altLang="zh-CN" sz="1100" b="0" i="0" u="none" strike="noStrike" baseline="0" dirty="0">
                           <a:solidFill>
                             <a:srgbClr val="000000"/>
                           </a:solidFill>
@@ -4937,7 +4994,7 @@
                     <a:p>
                       <a:pPr marR="0" algn="l" rtl="0"/>
                       <a:r>
-                        <a:rPr lang="en-US" altLang="zh-CN" sz="800" b="0" i="0" u="none" strike="noStrike" baseline="0" dirty="0">
+                        <a:rPr lang="en-US" altLang="zh-CN" sz="1100" b="0" i="0" u="none" strike="noStrike" baseline="0" dirty="0">
                           <a:solidFill>
                             <a:srgbClr val="000000"/>
                           </a:solidFill>
@@ -4950,7 +5007,7 @@
                     <a:p>
                       <a:pPr marR="0" algn="l" rtl="0"/>
                       <a:r>
-                        <a:rPr lang="en-US" altLang="zh-CN" sz="800" b="0" i="0" u="none" strike="noStrike" baseline="0" dirty="0">
+                        <a:rPr lang="en-US" altLang="zh-CN" sz="1100" b="0" i="0" u="none" strike="noStrike" baseline="0" dirty="0">
                           <a:solidFill>
                             <a:srgbClr val="000000"/>
                           </a:solidFill>
@@ -4963,7 +5020,7 @@
                     <a:p>
                       <a:pPr marR="0" algn="l" rtl="0"/>
                       <a:r>
-                        <a:rPr lang="en-US" altLang="zh-CN" sz="800" b="0" i="0" u="none" strike="noStrike" baseline="0" dirty="0">
+                        <a:rPr lang="en-US" altLang="zh-CN" sz="1100" b="0" i="0" u="none" strike="noStrike" baseline="0" dirty="0">
                           <a:solidFill>
                             <a:srgbClr val="000000"/>
                           </a:solidFill>
@@ -4973,7 +5030,7 @@
                         <a:t>  </a:t>
                       </a:r>
                       <a:r>
-                        <a:rPr lang="en-US" altLang="zh-CN" sz="800" b="0" i="0" u="none" strike="noStrike" baseline="0" dirty="0" err="1">
+                        <a:rPr lang="en-US" altLang="zh-CN" sz="1100" b="0" i="0" u="none" strike="noStrike" baseline="0" dirty="0" err="1">
                           <a:solidFill>
                             <a:srgbClr val="000000"/>
                           </a:solidFill>
@@ -4983,7 +5040,7 @@
                         <a:t>writeLock.unlock</a:t>
                       </a:r>
                       <a:r>
-                        <a:rPr lang="en-US" altLang="zh-CN" sz="800" b="0" i="0" u="none" strike="noStrike" baseline="0" dirty="0">
+                        <a:rPr lang="en-US" altLang="zh-CN" sz="1100" b="0" i="0" u="none" strike="noStrike" baseline="0" dirty="0">
                           <a:solidFill>
                             <a:srgbClr val="000000"/>
                           </a:solidFill>
@@ -4996,7 +5053,7 @@
                     <a:p>
                       <a:pPr marR="0" algn="l" rtl="0"/>
                       <a:r>
-                        <a:rPr lang="en-US" altLang="zh-CN" sz="800" b="0" i="0" u="none" strike="noStrike" baseline="0" dirty="0">
+                        <a:rPr lang="en-US" altLang="zh-CN" sz="1100" b="0" i="0" u="none" strike="noStrike" baseline="0" dirty="0">
                           <a:solidFill>
                             <a:srgbClr val="000000"/>
                           </a:solidFill>
@@ -5007,7 +5064,7 @@
                       </a:r>
                     </a:p>
                     <a:p>
-                      <a:endParaRPr lang="zh-CN" altLang="en-US" sz="800" dirty="0">
+                      <a:endParaRPr lang="zh-CN" altLang="en-US" sz="1100" dirty="0">
                         <a:latin typeface="Courier New" panose="02070309020205020404" pitchFamily="49" charset="0"/>
                         <a:cs typeface="Courier New" panose="02070309020205020404" pitchFamily="49" charset="0"/>
                       </a:endParaRPr>
@@ -5022,7 +5079,7 @@
                     <a:p>
                       <a:pPr marR="0" algn="l" rtl="0"/>
                       <a:r>
-                        <a:rPr lang="en-US" altLang="zh-CN" sz="800" b="0" i="0" u="none" strike="noStrike" baseline="0" dirty="0">
+                        <a:rPr lang="en-US" altLang="zh-CN" sz="1100" b="0" i="0" u="none" strike="noStrike" baseline="0" dirty="0">
                           <a:solidFill>
                             <a:srgbClr val="000000"/>
                           </a:solidFill>
@@ -5035,7 +5092,7 @@
                     <a:p>
                       <a:pPr marR="0" algn="l" rtl="0"/>
                       <a:r>
-                        <a:rPr lang="en-US" altLang="zh-CN" sz="800" b="0" i="0" u="none" strike="noStrike" baseline="0" dirty="0">
+                        <a:rPr lang="en-US" altLang="zh-CN" sz="1100" b="0" i="0" u="none" strike="noStrike" baseline="0" dirty="0">
                           <a:solidFill>
                             <a:srgbClr val="000000"/>
                           </a:solidFill>
@@ -5048,7 +5105,7 @@
                     <a:p>
                       <a:pPr marR="0" algn="l" rtl="0"/>
                       <a:r>
-                        <a:rPr lang="en-US" altLang="zh-CN" sz="800" b="0" i="0" u="none" strike="noStrike" baseline="0" dirty="0">
+                        <a:rPr lang="en-US" altLang="zh-CN" sz="1100" b="0" i="0" u="none" strike="noStrike" baseline="0" dirty="0">
                           <a:solidFill>
                             <a:srgbClr val="000000"/>
                           </a:solidFill>
@@ -5057,7 +5114,7 @@
                         </a:rPr>
                         <a:t>}</a:t>
                       </a:r>
-                      <a:endParaRPr lang="zh-CN" altLang="en-US" sz="800" dirty="0">
+                      <a:endParaRPr lang="zh-CN" altLang="en-US" sz="1100" dirty="0">
                         <a:latin typeface="Courier New" panose="02070309020205020404" pitchFamily="49" charset="0"/>
                         <a:cs typeface="Courier New" panose="02070309020205020404" pitchFamily="49" charset="0"/>
                       </a:endParaRPr>
@@ -5071,7 +5128,7 @@
                   </a:ext>
                 </a:extLst>
               </a:tr>
-              <a:tr h="1582355">
+              <a:tr h="2606040">
                 <a:tc>
                   <a:txBody>
                     <a:bodyPr/>
@@ -5079,13 +5136,13 @@
                     <a:p>
                       <a:pPr marR="0" algn="ctr" rtl="0"/>
                       <a:r>
-                        <a:rPr lang="en-US" altLang="zh-CN" sz="800" dirty="0">
+                        <a:rPr lang="en-US" altLang="zh-CN" sz="1100" dirty="0">
                           <a:latin typeface="Courier New" panose="02070309020205020404" pitchFamily="49" charset="0"/>
                           <a:cs typeface="Courier New" panose="02070309020205020404" pitchFamily="49" charset="0"/>
                         </a:rPr>
                         <a:t>3</a:t>
                       </a:r>
-                      <a:endParaRPr lang="zh-CN" altLang="en-US" sz="800" dirty="0">
+                      <a:endParaRPr lang="zh-CN" altLang="en-US" sz="1100" dirty="0">
                         <a:latin typeface="Courier New" panose="02070309020205020404" pitchFamily="49" charset="0"/>
                         <a:cs typeface="Courier New" panose="02070309020205020404" pitchFamily="49" charset="0"/>
                       </a:endParaRPr>
@@ -5116,348 +5173,16 @@
                         <a:defRPr/>
                       </a:pPr>
                       <a:r>
-                        <a:rPr lang="en-US" altLang="zh-CN" sz="800" b="0" i="0" u="none" strike="noStrike" baseline="0" dirty="0">
-                          <a:solidFill>
-                            <a:srgbClr val="000000"/>
-                          </a:solidFill>
-                          <a:latin typeface="Courier New" panose="02070309020205020404" pitchFamily="49" charset="0"/>
-                          <a:cs typeface="Courier New" panose="02070309020205020404" pitchFamily="49" charset="0"/>
-                        </a:rPr>
-                        <a:t> private static final Object lock = new Object();</a:t>
-                      </a:r>
-                      <a:r>
-                        <a:rPr lang="en-US" altLang="zh-CN" sz="800" b="0" i="0" u="none" strike="noStrike" baseline="0" dirty="0">
-                          <a:solidFill>
-                            <a:srgbClr val="000000"/>
-                          </a:solidFill>
-                          <a:latin typeface="Courier New" panose="02070309020205020404" pitchFamily="49" charset="0"/>
-                          <a:cs typeface="Courier New" panose="02070309020205020404" pitchFamily="49" charset="0"/>
-                        </a:rPr>
-                        <a:t> </a:t>
-                      </a:r>
-                    </a:p>
-                    <a:p>
-                      <a:pPr marR="0" algn="l" rtl="0"/>
-                      <a:r>
-                        <a:rPr lang="en-US" altLang="zh-CN" sz="800" b="0" i="0" u="none" strike="noStrike" baseline="0" dirty="0">
-                          <a:solidFill>
-                            <a:srgbClr val="000000"/>
-                          </a:solidFill>
-                          <a:latin typeface="Courier New" panose="02070309020205020404" pitchFamily="49" charset="0"/>
-                          <a:cs typeface="Courier New" panose="02070309020205020404" pitchFamily="49" charset="0"/>
-                        </a:rPr>
-                        <a:t> private Map&lt;...&gt; count = new </a:t>
-                      </a:r>
-                      <a:r>
-                        <a:rPr lang="en-US" altLang="zh-CN" sz="800" b="0" i="0" u="none" strike="noStrike" baseline="0" dirty="0" err="1">
-                          <a:solidFill>
-                            <a:srgbClr val="000000"/>
-                          </a:solidFill>
-                          <a:latin typeface="Courier New" panose="02070309020205020404" pitchFamily="49" charset="0"/>
-                          <a:cs typeface="Courier New" panose="02070309020205020404" pitchFamily="49" charset="0"/>
-                        </a:rPr>
-                        <a:t>HashMap</a:t>
-                      </a:r>
-                      <a:r>
-                        <a:rPr lang="en-US" altLang="zh-CN" sz="800" b="0" i="0" u="none" strike="noStrike" baseline="0" dirty="0">
-                          <a:solidFill>
-                            <a:srgbClr val="000000"/>
-                          </a:solidFill>
-                          <a:latin typeface="Courier New" panose="02070309020205020404" pitchFamily="49" charset="0"/>
-                          <a:cs typeface="Courier New" panose="02070309020205020404" pitchFamily="49" charset="0"/>
-                        </a:rPr>
-                        <a:t>&lt;&gt;();</a:t>
-                      </a:r>
-                    </a:p>
-                    <a:p>
-                      <a:pPr marR="0" algn="l" rtl="0"/>
-                      <a:r>
-                        <a:rPr lang="en-US" altLang="zh-CN" sz="800" b="0" i="0" u="none" strike="noStrike" baseline="0" dirty="0">
-                          <a:solidFill>
-                            <a:srgbClr val="C00000"/>
-                          </a:solidFill>
-                          <a:latin typeface="Courier New" panose="02070309020205020404" pitchFamily="49" charset="0"/>
-                          <a:cs typeface="Courier New" panose="02070309020205020404" pitchFamily="49" charset="0"/>
-                        </a:rPr>
-                        <a:t>-synchronized (count) {</a:t>
-                      </a:r>
-                    </a:p>
-                    <a:p>
-                      <a:pPr marR="0" algn="l" rtl="0"/>
-                      <a:r>
-                        <a:rPr lang="en-US" altLang="zh-CN" sz="800" b="0" i="0" u="none" strike="noStrike" baseline="0" dirty="0">
-                          <a:solidFill>
-                            <a:srgbClr val="C00000"/>
-                          </a:solidFill>
-                          <a:latin typeface="Courier New" panose="02070309020205020404" pitchFamily="49" charset="0"/>
-                          <a:cs typeface="Courier New" panose="02070309020205020404" pitchFamily="49" charset="0"/>
-                        </a:rPr>
-                        <a:t>-  Pair&lt;Job, String&gt; key =</a:t>
-                      </a:r>
-                    </a:p>
-                    <a:p>
-                      <a:pPr marR="0" algn="l" rtl="0"/>
-                      <a:r>
-                        <a:rPr lang="en-US" altLang="zh-CN" sz="800" b="0" i="0" u="none" strike="noStrike" baseline="0" dirty="0">
-                          <a:solidFill>
-                            <a:srgbClr val="C00000"/>
-                          </a:solidFill>
-                          <a:latin typeface="Courier New" panose="02070309020205020404" pitchFamily="49" charset="0"/>
-                          <a:cs typeface="Courier New" panose="02070309020205020404" pitchFamily="49" charset="0"/>
-                        </a:rPr>
-                        <a:t>-    new </a:t>
-                      </a:r>
-                      <a:r>
-                        <a:rPr lang="en-US" altLang="zh-CN" sz="800" b="0" i="0" u="none" strike="noStrike" baseline="0" dirty="0" err="1">
-                          <a:solidFill>
-                            <a:srgbClr val="C00000"/>
-                          </a:solidFill>
-                          <a:latin typeface="Courier New" panose="02070309020205020404" pitchFamily="49" charset="0"/>
-                          <a:cs typeface="Courier New" panose="02070309020205020404" pitchFamily="49" charset="0"/>
-                        </a:rPr>
-                        <a:t>ImmutablePair</a:t>
-                      </a:r>
-                      <a:r>
-                        <a:rPr lang="en-US" altLang="zh-CN" sz="800" b="0" i="0" u="none" strike="noStrike" baseline="0" dirty="0">
-                          <a:solidFill>
-                            <a:srgbClr val="C00000"/>
-                          </a:solidFill>
-                          <a:latin typeface="Courier New" panose="02070309020205020404" pitchFamily="49" charset="0"/>
-                          <a:cs typeface="Courier New" panose="02070309020205020404" pitchFamily="49" charset="0"/>
-                        </a:rPr>
-                        <a:t>&lt;&gt;(</a:t>
-                      </a:r>
-                      <a:r>
-                        <a:rPr lang="en-US" altLang="zh-CN" sz="800" b="0" i="0" u="none" strike="noStrike" baseline="0" dirty="0" err="1">
-                          <a:solidFill>
-                            <a:srgbClr val="C00000"/>
-                          </a:solidFill>
-                          <a:latin typeface="Courier New" panose="02070309020205020404" pitchFamily="49" charset="0"/>
-                          <a:cs typeface="Courier New" panose="02070309020205020404" pitchFamily="49" charset="0"/>
-                        </a:rPr>
-                        <a:t>jobID</a:t>
-                      </a:r>
-                      <a:r>
-                        <a:rPr lang="en-US" altLang="zh-CN" sz="800" b="0" i="0" u="none" strike="noStrike" baseline="0" dirty="0">
-                          <a:solidFill>
-                            <a:srgbClr val="C00000"/>
-                          </a:solidFill>
-                          <a:latin typeface="Courier New" panose="02070309020205020404" pitchFamily="49" charset="0"/>
-                          <a:cs typeface="Courier New" panose="02070309020205020404" pitchFamily="49" charset="0"/>
-                        </a:rPr>
-                        <a:t>, name);</a:t>
-                      </a:r>
-                    </a:p>
-                    <a:p>
-                      <a:pPr marR="0" algn="l" rtl="0"/>
-                      <a:endParaRPr lang="en-US" altLang="zh-CN" sz="800" b="0" i="0" u="none" strike="noStrike" baseline="0" dirty="0">
-                        <a:solidFill>
-                          <a:srgbClr val="000000"/>
-                        </a:solidFill>
-                        <a:latin typeface="Courier New" panose="02070309020205020404" pitchFamily="49" charset="0"/>
-                        <a:cs typeface="Courier New" panose="02070309020205020404" pitchFamily="49" charset="0"/>
-                      </a:endParaRPr>
-                    </a:p>
-                    <a:p>
-                      <a:pPr marR="0" algn="l" rtl="0"/>
-                      <a:endParaRPr lang="en-US" altLang="zh-CN" sz="800" b="0" i="0" u="none" strike="noStrike" baseline="0" dirty="0">
-                        <a:solidFill>
-                          <a:srgbClr val="000000"/>
-                        </a:solidFill>
-                        <a:latin typeface="Courier New" panose="02070309020205020404" pitchFamily="49" charset="0"/>
-                        <a:cs typeface="Courier New" panose="02070309020205020404" pitchFamily="49" charset="0"/>
-                      </a:endParaRPr>
-                    </a:p>
-                    <a:p>
-                      <a:pPr marR="0" algn="l" rtl="0"/>
-                      <a:r>
-                        <a:rPr lang="en-US" altLang="zh-CN" sz="800" b="0" i="0" u="none" strike="noStrike" baseline="0" dirty="0">
-                          <a:solidFill>
-                            <a:srgbClr val="C00000"/>
-                          </a:solidFill>
-                          <a:latin typeface="Courier New" panose="02070309020205020404" pitchFamily="49" charset="0"/>
-                          <a:cs typeface="Courier New" panose="02070309020205020404" pitchFamily="49" charset="0"/>
-                        </a:rPr>
-                        <a:t>-  if (</a:t>
-                      </a:r>
-                      <a:r>
-                        <a:rPr lang="en-US" altLang="zh-CN" sz="800" b="0" i="0" u="none" strike="noStrike" baseline="0" dirty="0" err="1">
-                          <a:solidFill>
-                            <a:srgbClr val="C00000"/>
-                          </a:solidFill>
-                          <a:latin typeface="Courier New" panose="02070309020205020404" pitchFamily="49" charset="0"/>
-                          <a:cs typeface="Courier New" panose="02070309020205020404" pitchFamily="49" charset="0"/>
-                        </a:rPr>
-                        <a:t>count.containsKey</a:t>
-                      </a:r>
-                      <a:r>
-                        <a:rPr lang="en-US" altLang="zh-CN" sz="800" b="0" i="0" u="none" strike="noStrike" baseline="0" dirty="0">
-                          <a:solidFill>
-                            <a:srgbClr val="C00000"/>
-                          </a:solidFill>
-                          <a:latin typeface="Courier New" panose="02070309020205020404" pitchFamily="49" charset="0"/>
-                          <a:cs typeface="Courier New" panose="02070309020205020404" pitchFamily="49" charset="0"/>
-                        </a:rPr>
-                        <a:t>(key)) {</a:t>
-                      </a:r>
-                      <a:endParaRPr lang="en-US" altLang="zh-CN" sz="800" b="0" i="0" u="none" strike="noStrike" baseline="0" dirty="0">
-                        <a:solidFill>
-                          <a:srgbClr val="000000"/>
-                        </a:solidFill>
-                        <a:latin typeface="Courier New" panose="02070309020205020404" pitchFamily="49" charset="0"/>
-                        <a:cs typeface="Courier New" panose="02070309020205020404" pitchFamily="49" charset="0"/>
-                      </a:endParaRPr>
-                    </a:p>
-                    <a:p>
-                      <a:pPr marR="0" algn="l" rtl="0"/>
-                      <a:r>
-                        <a:rPr lang="en-US" altLang="zh-CN" sz="800" b="0" i="0" u="none" strike="noStrike" baseline="0" dirty="0">
-                          <a:solidFill>
-                            <a:srgbClr val="C00000"/>
-                          </a:solidFill>
-                          <a:latin typeface="Courier New" panose="02070309020205020404" pitchFamily="49" charset="0"/>
-                          <a:cs typeface="Courier New" panose="02070309020205020404" pitchFamily="49" charset="0"/>
-                        </a:rPr>
-                        <a:t>-    </a:t>
-                      </a:r>
-                      <a:r>
-                        <a:rPr lang="en-US" altLang="zh-CN" sz="800" b="0" i="0" u="none" strike="noStrike" baseline="0" dirty="0" err="1">
-                          <a:solidFill>
-                            <a:srgbClr val="C00000"/>
-                          </a:solidFill>
-                          <a:latin typeface="Courier New" panose="02070309020205020404" pitchFamily="49" charset="0"/>
-                          <a:cs typeface="Courier New" panose="02070309020205020404" pitchFamily="49" charset="0"/>
-                        </a:rPr>
-                        <a:t>count.put</a:t>
-                      </a:r>
-                      <a:r>
-                        <a:rPr lang="en-US" altLang="zh-CN" sz="800" b="0" i="0" u="none" strike="noStrike" baseline="0" dirty="0">
-                          <a:solidFill>
-                            <a:srgbClr val="C00000"/>
-                          </a:solidFill>
-                          <a:latin typeface="Courier New" panose="02070309020205020404" pitchFamily="49" charset="0"/>
-                          <a:cs typeface="Courier New" panose="02070309020205020404" pitchFamily="49" charset="0"/>
-                        </a:rPr>
-                        <a:t>(key, </a:t>
-                      </a:r>
-                      <a:r>
-                        <a:rPr lang="en-US" altLang="zh-CN" sz="800" b="0" i="0" u="none" strike="noStrike" baseline="0" dirty="0" err="1">
-                          <a:solidFill>
-                            <a:srgbClr val="C00000"/>
-                          </a:solidFill>
-                          <a:latin typeface="Courier New" panose="02070309020205020404" pitchFamily="49" charset="0"/>
-                          <a:cs typeface="Courier New" panose="02070309020205020404" pitchFamily="49" charset="0"/>
-                        </a:rPr>
-                        <a:t>count.get</a:t>
-                      </a:r>
-                      <a:r>
-                        <a:rPr lang="en-US" altLang="zh-CN" sz="800" b="0" i="0" u="none" strike="noStrike" baseline="0" dirty="0">
-                          <a:solidFill>
-                            <a:srgbClr val="C00000"/>
-                          </a:solidFill>
-                          <a:latin typeface="Courier New" panose="02070309020205020404" pitchFamily="49" charset="0"/>
-                          <a:cs typeface="Courier New" panose="02070309020205020404" pitchFamily="49" charset="0"/>
-                        </a:rPr>
-                        <a:t>(key) + 1);</a:t>
-                      </a:r>
-                      <a:endParaRPr lang="en-US" altLang="zh-CN" sz="800" b="0" i="0" u="none" strike="noStrike" baseline="0" dirty="0">
-                        <a:solidFill>
-                          <a:srgbClr val="000000"/>
-                        </a:solidFill>
-                        <a:latin typeface="Courier New" panose="02070309020205020404" pitchFamily="49" charset="0"/>
-                        <a:cs typeface="Courier New" panose="02070309020205020404" pitchFamily="49" charset="0"/>
-                      </a:endParaRPr>
-                    </a:p>
-                    <a:p>
-                      <a:pPr marR="0" algn="l" rtl="0"/>
-                      <a:r>
-                        <a:rPr lang="en-US" altLang="zh-CN" sz="800" b="0" i="0" u="none" strike="noStrike" baseline="0" dirty="0">
-                          <a:solidFill>
-                            <a:srgbClr val="000000"/>
-                          </a:solidFill>
-                          <a:latin typeface="Courier New" panose="02070309020205020404" pitchFamily="49" charset="0"/>
-                          <a:cs typeface="Courier New" panose="02070309020205020404" pitchFamily="49" charset="0"/>
-                        </a:rPr>
-                        <a:t>   } else {</a:t>
-                      </a:r>
-                    </a:p>
-                    <a:p>
-                      <a:pPr marR="0" algn="l" rtl="0"/>
-                      <a:r>
-                        <a:rPr lang="en-US" altLang="zh-CN" sz="800" b="0" i="0" u="none" strike="noStrike" baseline="0" dirty="0">
-                          <a:solidFill>
-                            <a:srgbClr val="C00000"/>
-                          </a:solidFill>
-                          <a:latin typeface="Courier New" panose="02070309020205020404" pitchFamily="49" charset="0"/>
-                          <a:cs typeface="Courier New" panose="02070309020205020404" pitchFamily="49" charset="0"/>
-                        </a:rPr>
-                        <a:t>-    </a:t>
-                      </a:r>
-                      <a:r>
-                        <a:rPr lang="en-US" altLang="zh-CN" sz="800" b="0" i="0" u="none" strike="noStrike" baseline="0" dirty="0" err="1">
-                          <a:solidFill>
-                            <a:srgbClr val="C00000"/>
-                          </a:solidFill>
-                          <a:latin typeface="Courier New" panose="02070309020205020404" pitchFamily="49" charset="0"/>
-                          <a:cs typeface="Courier New" panose="02070309020205020404" pitchFamily="49" charset="0"/>
-                        </a:rPr>
-                        <a:t>count.put</a:t>
-                      </a:r>
-                      <a:r>
-                        <a:rPr lang="en-US" altLang="zh-CN" sz="800" b="0" i="0" u="none" strike="noStrike" baseline="0" dirty="0">
-                          <a:solidFill>
-                            <a:srgbClr val="C00000"/>
-                          </a:solidFill>
-                          <a:latin typeface="Courier New" panose="02070309020205020404" pitchFamily="49" charset="0"/>
-                          <a:cs typeface="Courier New" panose="02070309020205020404" pitchFamily="49" charset="0"/>
-                        </a:rPr>
-                        <a:t>(key, 1);</a:t>
-                      </a:r>
-                      <a:endParaRPr lang="en-US" altLang="zh-CN" sz="800" b="0" i="0" u="none" strike="noStrike" baseline="0" dirty="0">
-                        <a:solidFill>
-                          <a:srgbClr val="000000"/>
-                        </a:solidFill>
-                        <a:latin typeface="Courier New" panose="02070309020205020404" pitchFamily="49" charset="0"/>
-                        <a:cs typeface="Courier New" panose="02070309020205020404" pitchFamily="49" charset="0"/>
-                      </a:endParaRPr>
-                    </a:p>
-                    <a:p>
-                      <a:pPr marR="0" algn="l" rtl="0"/>
-                      <a:r>
-                        <a:rPr lang="en-US" altLang="zh-CN" sz="800" b="0" i="0" u="none" strike="noStrike" baseline="0" dirty="0">
-                          <a:solidFill>
-                            <a:srgbClr val="000000"/>
-                          </a:solidFill>
-                          <a:latin typeface="Courier New" panose="02070309020205020404" pitchFamily="49" charset="0"/>
-                          <a:cs typeface="Courier New" panose="02070309020205020404" pitchFamily="49" charset="0"/>
-                        </a:rPr>
-                        <a:t>   }</a:t>
-                      </a:r>
-                    </a:p>
-                    <a:p>
-                      <a:pPr marR="0" algn="l" rtl="0"/>
-                      <a:r>
-                        <a:rPr lang="en-US" altLang="zh-CN" sz="800" b="0" i="0" u="none" strike="noStrike" baseline="0" dirty="0">
-                          <a:solidFill>
-                            <a:srgbClr val="000000"/>
-                          </a:solidFill>
-                          <a:latin typeface="Courier New" panose="02070309020205020404" pitchFamily="49" charset="0"/>
-                          <a:cs typeface="Courier New" panose="02070309020205020404" pitchFamily="49" charset="0"/>
-                        </a:rPr>
-                        <a:t> }</a:t>
-                      </a:r>
-                      <a:endParaRPr lang="zh-CN" altLang="en-US" sz="800" dirty="0">
-                        <a:latin typeface="Courier New" panose="02070309020205020404" pitchFamily="49" charset="0"/>
-                        <a:cs typeface="Courier New" panose="02070309020205020404" pitchFamily="49" charset="0"/>
-                      </a:endParaRPr>
-                    </a:p>
-                  </a:txBody>
-                  <a:tcPr/>
-                </a:tc>
-                <a:tc>
-                  <a:txBody>
-                    <a:bodyPr/>
-                    <a:lstStyle/>
+                        <a:rPr lang="en-US" altLang="zh-CN" sz="1100" b="0" i="0" u="none" strike="noStrike" baseline="0" dirty="0">
+                          <a:solidFill>
+                            <a:srgbClr val="000000"/>
+                          </a:solidFill>
+                          <a:latin typeface="Courier New" panose="02070309020205020404" pitchFamily="49" charset="0"/>
+                          <a:cs typeface="Courier New" panose="02070309020205020404" pitchFamily="49" charset="0"/>
+                        </a:rPr>
+                        <a:t> private static final Object lock = new</a:t>
+                      </a:r>
+                    </a:p>
                     <a:p>
                       <a:pPr marL="0" marR="0" lvl="0" indent="0" algn="l" defTabSz="914400" rtl="0" eaLnBrk="1" fontAlgn="auto" latinLnBrk="0" hangingPunct="1">
                         <a:lnSpc>
@@ -5477,20 +5202,20 @@
                         <a:defRPr/>
                       </a:pPr>
                       <a:r>
-                        <a:rPr lang="en-US" altLang="zh-CN" sz="800" b="0" i="0" u="none" strike="noStrike" baseline="0" dirty="0">
-                          <a:solidFill>
-                            <a:srgbClr val="000000"/>
-                          </a:solidFill>
-                          <a:latin typeface="Courier New" panose="02070309020205020404" pitchFamily="49" charset="0"/>
-                          <a:cs typeface="Courier New" panose="02070309020205020404" pitchFamily="49" charset="0"/>
-                        </a:rPr>
-                        <a:t> private static final Object lock = new Object(); </a:t>
-                      </a:r>
-                    </a:p>
-                    <a:p>
-                      <a:pPr marR="0" algn="l" rtl="0"/>
-                      <a:r>
-                        <a:rPr lang="en-US" altLang="zh-CN" sz="800" b="0" i="0" u="none" strike="noStrike" baseline="0" dirty="0">
+                        <a:rPr lang="en-US" altLang="zh-CN" sz="1100" b="0" i="0" u="none" strike="noStrike" baseline="0" dirty="0">
+                          <a:solidFill>
+                            <a:srgbClr val="000000"/>
+                          </a:solidFill>
+                          <a:latin typeface="Courier New" panose="02070309020205020404" pitchFamily="49" charset="0"/>
+                          <a:cs typeface="Courier New" panose="02070309020205020404" pitchFamily="49" charset="0"/>
+                        </a:rPr>
+                        <a:t>   Object();</a:t>
+                      </a:r>
+                    </a:p>
+                    <a:p>
+                      <a:pPr marR="0" algn="l" rtl="0"/>
+                      <a:r>
+                        <a:rPr lang="en-US" altLang="zh-CN" sz="1100" b="0" i="0" u="none" strike="noStrike" baseline="0" dirty="0">
                           <a:solidFill>
                             <a:srgbClr val="000000"/>
                           </a:solidFill>
@@ -5500,7 +5225,7 @@
                         <a:t> private Map&lt;...&gt; count = new </a:t>
                       </a:r>
                       <a:r>
-                        <a:rPr lang="en-US" altLang="zh-CN" sz="800" b="0" i="0" u="none" strike="noStrike" baseline="0" dirty="0" err="1">
+                        <a:rPr lang="en-US" altLang="zh-CN" sz="1100" b="0" i="0" u="none" strike="noStrike" baseline="0" dirty="0" err="1">
                           <a:solidFill>
                             <a:srgbClr val="000000"/>
                           </a:solidFill>
@@ -5510,7 +5235,7 @@
                         <a:t>HashMap</a:t>
                       </a:r>
                       <a:r>
-                        <a:rPr lang="en-US" altLang="zh-CN" sz="800" b="0" i="0" u="none" strike="noStrike" baseline="0" dirty="0">
+                        <a:rPr lang="en-US" altLang="zh-CN" sz="1100" b="0" i="0" u="none" strike="noStrike" baseline="0" dirty="0">
                           <a:solidFill>
                             <a:srgbClr val="000000"/>
                           </a:solidFill>
@@ -5523,52 +5248,65 @@
                     <a:p>
                       <a:pPr marR="0" algn="l" rtl="0"/>
                       <a:r>
-                        <a:rPr lang="en-US" altLang="zh-CN" sz="800" b="0" i="0" u="none" strike="noStrike" baseline="0" dirty="0">
-                          <a:solidFill>
-                            <a:srgbClr val="0070C0"/>
-                          </a:solidFill>
-                          <a:latin typeface="Courier New" panose="02070309020205020404" pitchFamily="49" charset="0"/>
-                          <a:cs typeface="Courier New" panose="02070309020205020404" pitchFamily="49" charset="0"/>
-                        </a:rPr>
-                        <a:t>+synchronized(lock)</a:t>
-                      </a:r>
-                    </a:p>
-                    <a:p>
-                      <a:pPr marR="0" algn="l" rtl="0"/>
-                      <a:r>
-                        <a:rPr lang="en-US" altLang="zh-CN" sz="800" b="0" i="0" u="none" strike="noStrike" baseline="0" dirty="0">
-                          <a:solidFill>
-                            <a:srgbClr val="0070C0"/>
-                          </a:solidFill>
-                          <a:latin typeface="Courier New" panose="02070309020205020404" pitchFamily="49" charset="0"/>
-                          <a:cs typeface="Courier New" panose="02070309020205020404" pitchFamily="49" charset="0"/>
-                        </a:rPr>
-                        <a:t>+  if (!</a:t>
-                      </a:r>
-                      <a:r>
-                        <a:rPr lang="en-US" altLang="zh-CN" sz="800" b="0" i="0" u="none" strike="noStrike" baseline="0" dirty="0" err="1">
-                          <a:solidFill>
-                            <a:srgbClr val="0070C0"/>
-                          </a:solidFill>
-                          <a:latin typeface="Courier New" panose="02070309020205020404" pitchFamily="49" charset="0"/>
-                          <a:cs typeface="Courier New" panose="02070309020205020404" pitchFamily="49" charset="0"/>
-                        </a:rPr>
-                        <a:t>jobCounts.containsKey</a:t>
-                      </a:r>
-                      <a:r>
-                        <a:rPr lang="en-US" altLang="zh-CN" sz="800" b="0" i="0" u="none" strike="noStrike" baseline="0" dirty="0">
-                          <a:solidFill>
-                            <a:srgbClr val="0070C0"/>
-                          </a:solidFill>
-                          <a:latin typeface="Courier New" panose="02070309020205020404" pitchFamily="49" charset="0"/>
-                          <a:cs typeface="Courier New" panose="02070309020205020404" pitchFamily="49" charset="0"/>
-                        </a:rPr>
-                        <a:t>(</a:t>
-                      </a:r>
-                      <a:r>
-                        <a:rPr lang="en-US" altLang="zh-CN" sz="800" b="0" i="0" u="none" strike="noStrike" baseline="0" dirty="0" err="1">
-                          <a:solidFill>
-                            <a:srgbClr val="0070C0"/>
+                        <a:rPr lang="en-US" altLang="zh-CN" sz="1100" b="0" i="0" u="none" strike="noStrike" baseline="0" dirty="0">
+                          <a:solidFill>
+                            <a:srgbClr val="C00000"/>
+                          </a:solidFill>
+                          <a:latin typeface="Courier New" panose="02070309020205020404" pitchFamily="49" charset="0"/>
+                          <a:cs typeface="Courier New" panose="02070309020205020404" pitchFamily="49" charset="0"/>
+                        </a:rPr>
+                        <a:t>-synchronized (count) {</a:t>
+                      </a:r>
+                    </a:p>
+                    <a:p>
+                      <a:pPr marR="0" algn="l" rtl="0"/>
+                      <a:r>
+                        <a:rPr lang="en-US" altLang="zh-CN" sz="1100" b="0" i="0" u="none" strike="noStrike" baseline="0" dirty="0">
+                          <a:solidFill>
+                            <a:srgbClr val="C00000"/>
+                          </a:solidFill>
+                          <a:latin typeface="Courier New" panose="02070309020205020404" pitchFamily="49" charset="0"/>
+                          <a:cs typeface="Courier New" panose="02070309020205020404" pitchFamily="49" charset="0"/>
+                        </a:rPr>
+                        <a:t>-  Pair&lt;Job, String&gt; key =</a:t>
+                      </a:r>
+                    </a:p>
+                    <a:p>
+                      <a:pPr marR="0" algn="l" rtl="0"/>
+                      <a:r>
+                        <a:rPr lang="en-US" altLang="zh-CN" sz="1100" b="0" i="0" u="none" strike="noStrike" baseline="0" dirty="0">
+                          <a:solidFill>
+                            <a:srgbClr val="C00000"/>
+                          </a:solidFill>
+                          <a:latin typeface="Courier New" panose="02070309020205020404" pitchFamily="49" charset="0"/>
+                          <a:cs typeface="Courier New" panose="02070309020205020404" pitchFamily="49" charset="0"/>
+                        </a:rPr>
+                        <a:t>-    new </a:t>
+                      </a:r>
+                      <a:r>
+                        <a:rPr lang="en-US" altLang="zh-CN" sz="1100" b="0" i="0" u="none" strike="noStrike" baseline="0" dirty="0" err="1">
+                          <a:solidFill>
+                            <a:srgbClr val="C00000"/>
+                          </a:solidFill>
+                          <a:latin typeface="Courier New" panose="02070309020205020404" pitchFamily="49" charset="0"/>
+                          <a:cs typeface="Courier New" panose="02070309020205020404" pitchFamily="49" charset="0"/>
+                        </a:rPr>
+                        <a:t>ImmutablePair</a:t>
+                      </a:r>
+                      <a:r>
+                        <a:rPr lang="en-US" altLang="zh-CN" sz="1100" b="0" i="0" u="none" strike="noStrike" baseline="0" dirty="0">
+                          <a:solidFill>
+                            <a:srgbClr val="C00000"/>
+                          </a:solidFill>
+                          <a:latin typeface="Courier New" panose="02070309020205020404" pitchFamily="49" charset="0"/>
+                          <a:cs typeface="Courier New" panose="02070309020205020404" pitchFamily="49" charset="0"/>
+                        </a:rPr>
+                        <a:t>&lt;&gt;(</a:t>
+                      </a:r>
+                      <a:r>
+                        <a:rPr lang="en-US" altLang="zh-CN" sz="1100" b="0" i="0" u="none" strike="noStrike" baseline="0" dirty="0" err="1">
+                          <a:solidFill>
+                            <a:srgbClr val="C00000"/>
                           </a:solidFill>
                           <a:latin typeface="Courier New" panose="02070309020205020404" pitchFamily="49" charset="0"/>
                           <a:cs typeface="Courier New" panose="02070309020205020404" pitchFamily="49" charset="0"/>
@@ -5576,241 +5314,19 @@
                         <a:t>jobID</a:t>
                       </a:r>
                       <a:r>
-                        <a:rPr lang="en-US" altLang="zh-CN" sz="800" b="0" i="0" u="none" strike="noStrike" baseline="0" dirty="0">
-                          <a:solidFill>
-                            <a:srgbClr val="0070C0"/>
-                          </a:solidFill>
-                          <a:latin typeface="Courier New" panose="02070309020205020404" pitchFamily="49" charset="0"/>
-                          <a:cs typeface="Courier New" panose="02070309020205020404" pitchFamily="49" charset="0"/>
-                        </a:rPr>
-                        <a:t>)) {</a:t>
-                      </a:r>
-                    </a:p>
-                    <a:p>
-                      <a:pPr marR="0" algn="l" rtl="0"/>
-                      <a:r>
-                        <a:rPr lang="en-US" altLang="zh-CN" sz="800" b="0" i="0" u="none" strike="noStrike" baseline="0" dirty="0">
-                          <a:solidFill>
-                            <a:srgbClr val="0070C0"/>
-                          </a:solidFill>
-                          <a:latin typeface="Courier New" panose="02070309020205020404" pitchFamily="49" charset="0"/>
-                          <a:cs typeface="Courier New" panose="02070309020205020404" pitchFamily="49" charset="0"/>
-                        </a:rPr>
-                        <a:t>+    </a:t>
-                      </a:r>
-                      <a:r>
-                        <a:rPr lang="en-US" altLang="zh-CN" sz="800" b="0" i="0" u="none" strike="noStrike" baseline="0" dirty="0" err="1">
-                          <a:solidFill>
-                            <a:srgbClr val="0070C0"/>
-                          </a:solidFill>
-                          <a:latin typeface="Courier New" panose="02070309020205020404" pitchFamily="49" charset="0"/>
-                          <a:cs typeface="Courier New" panose="02070309020205020404" pitchFamily="49" charset="0"/>
-                        </a:rPr>
-                        <a:t>jobCounts.put</a:t>
-                      </a:r>
-                      <a:r>
-                        <a:rPr lang="en-US" altLang="zh-CN" sz="800" b="0" i="0" u="none" strike="noStrike" baseline="0" dirty="0">
-                          <a:solidFill>
-                            <a:srgbClr val="0070C0"/>
-                          </a:solidFill>
-                          <a:latin typeface="Courier New" panose="02070309020205020404" pitchFamily="49" charset="0"/>
-                          <a:cs typeface="Courier New" panose="02070309020205020404" pitchFamily="49" charset="0"/>
-                        </a:rPr>
-                        <a:t>(</a:t>
-                      </a:r>
-                      <a:r>
-                        <a:rPr lang="en-US" altLang="zh-CN" sz="800" b="0" i="0" u="none" strike="noStrike" baseline="0" dirty="0" err="1">
-                          <a:solidFill>
-                            <a:srgbClr val="0070C0"/>
-                          </a:solidFill>
-                          <a:latin typeface="Courier New" panose="02070309020205020404" pitchFamily="49" charset="0"/>
-                          <a:cs typeface="Courier New" panose="02070309020205020404" pitchFamily="49" charset="0"/>
-                        </a:rPr>
-                        <a:t>jobID</a:t>
-                      </a:r>
-                      <a:r>
-                        <a:rPr lang="en-US" altLang="zh-CN" sz="800" b="0" i="0" u="none" strike="noStrike" baseline="0" dirty="0">
-                          <a:solidFill>
-                            <a:srgbClr val="0070C0"/>
-                          </a:solidFill>
-                          <a:latin typeface="Courier New" panose="02070309020205020404" pitchFamily="49" charset="0"/>
-                          <a:cs typeface="Courier New" panose="02070309020205020404" pitchFamily="49" charset="0"/>
-                        </a:rPr>
-                        <a:t>, new </a:t>
-                      </a:r>
-                      <a:r>
-                        <a:rPr lang="en-US" altLang="zh-CN" sz="800" b="0" i="0" u="none" strike="noStrike" baseline="0" dirty="0" err="1">
-                          <a:solidFill>
-                            <a:srgbClr val="0070C0"/>
-                          </a:solidFill>
-                          <a:latin typeface="Courier New" panose="02070309020205020404" pitchFamily="49" charset="0"/>
-                          <a:cs typeface="Courier New" panose="02070309020205020404" pitchFamily="49" charset="0"/>
-                        </a:rPr>
-                        <a:t>HashMap</a:t>
-                      </a:r>
-                      <a:r>
-                        <a:rPr lang="en-US" altLang="zh-CN" sz="800" b="0" i="0" u="none" strike="noStrike" baseline="0" dirty="0">
-                          <a:solidFill>
-                            <a:srgbClr val="0070C0"/>
-                          </a:solidFill>
-                          <a:latin typeface="Courier New" panose="02070309020205020404" pitchFamily="49" charset="0"/>
-                          <a:cs typeface="Courier New" panose="02070309020205020404" pitchFamily="49" charset="0"/>
-                        </a:rPr>
-                        <a:t>&lt;&gt;());</a:t>
-                      </a:r>
-                    </a:p>
-                    <a:p>
-                      <a:pPr marR="0" algn="l" rtl="0"/>
-                      <a:r>
-                        <a:rPr lang="en-US" altLang="zh-CN" sz="800" b="0" i="0" u="none" strike="noStrike" baseline="0" dirty="0">
-                          <a:solidFill>
-                            <a:srgbClr val="0070C0"/>
-                          </a:solidFill>
-                          <a:latin typeface="Courier New" panose="02070309020205020404" pitchFamily="49" charset="0"/>
-                          <a:cs typeface="Courier New" panose="02070309020205020404" pitchFamily="49" charset="0"/>
-                        </a:rPr>
-                        <a:t>+  }</a:t>
-                      </a:r>
-                    </a:p>
-                    <a:p>
-                      <a:pPr marR="0" algn="l" rtl="0"/>
-                      <a:r>
-                        <a:rPr lang="en-US" altLang="zh-CN" sz="800" b="0" i="0" u="none" strike="noStrike" baseline="0" dirty="0">
-                          <a:solidFill>
-                            <a:srgbClr val="0070C0"/>
-                          </a:solidFill>
-                          <a:latin typeface="Courier New" panose="02070309020205020404" pitchFamily="49" charset="0"/>
-                          <a:cs typeface="Courier New" panose="02070309020205020404" pitchFamily="49" charset="0"/>
-                        </a:rPr>
-                        <a:t>+  Map&lt;String, Integer&gt; count = </a:t>
-                      </a:r>
-                      <a:r>
-                        <a:rPr lang="en-US" altLang="zh-CN" sz="800" b="0" i="0" u="none" strike="noStrike" baseline="0" dirty="0" err="1">
-                          <a:solidFill>
-                            <a:srgbClr val="0070C0"/>
-                          </a:solidFill>
-                          <a:latin typeface="Courier New" panose="02070309020205020404" pitchFamily="49" charset="0"/>
-                          <a:cs typeface="Courier New" panose="02070309020205020404" pitchFamily="49" charset="0"/>
-                        </a:rPr>
-                        <a:t>jobCounts.get</a:t>
-                      </a:r>
-                      <a:r>
-                        <a:rPr lang="en-US" altLang="zh-CN" sz="800" b="0" i="0" u="none" strike="noStrike" baseline="0" dirty="0">
-                          <a:solidFill>
-                            <a:srgbClr val="0070C0"/>
-                          </a:solidFill>
-                          <a:latin typeface="Courier New" panose="02070309020205020404" pitchFamily="49" charset="0"/>
-                          <a:cs typeface="Courier New" panose="02070309020205020404" pitchFamily="49" charset="0"/>
-                        </a:rPr>
-                        <a:t>(</a:t>
-                      </a:r>
-                      <a:r>
-                        <a:rPr lang="en-US" altLang="zh-CN" sz="800" b="0" i="0" u="none" strike="noStrike" baseline="0" dirty="0" err="1">
-                          <a:solidFill>
-                            <a:srgbClr val="0070C0"/>
-                          </a:solidFill>
-                          <a:latin typeface="Courier New" panose="02070309020205020404" pitchFamily="49" charset="0"/>
-                          <a:cs typeface="Courier New" panose="02070309020205020404" pitchFamily="49" charset="0"/>
-                        </a:rPr>
-                        <a:t>jobID</a:t>
-                      </a:r>
-                      <a:r>
-                        <a:rPr lang="en-US" altLang="zh-CN" sz="800" b="0" i="0" u="none" strike="noStrike" baseline="0" dirty="0">
-                          <a:solidFill>
-                            <a:srgbClr val="0070C0"/>
-                          </a:solidFill>
-                          <a:latin typeface="Courier New" panose="02070309020205020404" pitchFamily="49" charset="0"/>
-                          <a:cs typeface="Courier New" panose="02070309020205020404" pitchFamily="49" charset="0"/>
-                        </a:rPr>
-                        <a:t>);</a:t>
-                      </a:r>
-                    </a:p>
-                    <a:p>
-                      <a:pPr marR="0" algn="l" rtl="0"/>
-                      <a:r>
-                        <a:rPr lang="en-US" altLang="zh-CN" sz="800" b="0" i="0" u="none" strike="noStrike" baseline="0" dirty="0">
-                          <a:solidFill>
-                            <a:srgbClr val="0070C0"/>
-                          </a:solidFill>
-                          <a:latin typeface="Courier New" panose="02070309020205020404" pitchFamily="49" charset="0"/>
-                          <a:cs typeface="Courier New" panose="02070309020205020404" pitchFamily="49" charset="0"/>
-                        </a:rPr>
-                        <a:t>+  if (</a:t>
-                      </a:r>
-                      <a:r>
-                        <a:rPr lang="en-US" altLang="zh-CN" sz="800" b="0" i="0" u="none" strike="noStrike" baseline="0" dirty="0" err="1">
-                          <a:solidFill>
-                            <a:srgbClr val="0070C0"/>
-                          </a:solidFill>
-                          <a:latin typeface="Courier New" panose="02070309020205020404" pitchFamily="49" charset="0"/>
-                          <a:cs typeface="Courier New" panose="02070309020205020404" pitchFamily="49" charset="0"/>
-                        </a:rPr>
-                        <a:t>count.containsKey</a:t>
-                      </a:r>
-                      <a:r>
-                        <a:rPr lang="en-US" altLang="zh-CN" sz="800" b="0" i="0" u="none" strike="noStrike" baseline="0" dirty="0">
-                          <a:solidFill>
-                            <a:srgbClr val="0070C0"/>
-                          </a:solidFill>
-                          <a:latin typeface="Courier New" panose="02070309020205020404" pitchFamily="49" charset="0"/>
-                          <a:cs typeface="Courier New" panose="02070309020205020404" pitchFamily="49" charset="0"/>
-                        </a:rPr>
-                        <a:t>(name)) {</a:t>
-                      </a:r>
-                    </a:p>
-                    <a:p>
-                      <a:pPr marR="0" algn="l" rtl="0"/>
-                      <a:r>
-                        <a:rPr lang="en-US" altLang="zh-CN" sz="800" b="0" i="0" u="none" strike="noStrike" baseline="0" dirty="0">
-                          <a:solidFill>
-                            <a:srgbClr val="0070C0"/>
-                          </a:solidFill>
-                          <a:latin typeface="Courier New" panose="02070309020205020404" pitchFamily="49" charset="0"/>
-                          <a:cs typeface="Courier New" panose="02070309020205020404" pitchFamily="49" charset="0"/>
-                        </a:rPr>
-                        <a:t>+    </a:t>
-                      </a:r>
-                      <a:r>
-                        <a:rPr lang="en-US" altLang="zh-CN" sz="800" b="0" i="0" u="none" strike="noStrike" baseline="0" dirty="0" err="1">
-                          <a:solidFill>
-                            <a:srgbClr val="0070C0"/>
-                          </a:solidFill>
-                          <a:latin typeface="Courier New" panose="02070309020205020404" pitchFamily="49" charset="0"/>
-                          <a:cs typeface="Courier New" panose="02070309020205020404" pitchFamily="49" charset="0"/>
-                        </a:rPr>
-                        <a:t>count.put</a:t>
-                      </a:r>
-                      <a:r>
-                        <a:rPr lang="en-US" altLang="zh-CN" sz="800" b="0" i="0" u="none" strike="noStrike" baseline="0" dirty="0">
-                          <a:solidFill>
-                            <a:srgbClr val="0070C0"/>
-                          </a:solidFill>
-                          <a:latin typeface="Courier New" panose="02070309020205020404" pitchFamily="49" charset="0"/>
-                          <a:cs typeface="Courier New" panose="02070309020205020404" pitchFamily="49" charset="0"/>
-                        </a:rPr>
-                        <a:t>(name, </a:t>
-                      </a:r>
-                      <a:r>
-                        <a:rPr lang="en-US" altLang="zh-CN" sz="800" b="0" i="0" u="none" strike="noStrike" baseline="0" dirty="0" err="1">
-                          <a:solidFill>
-                            <a:srgbClr val="0070C0"/>
-                          </a:solidFill>
-                          <a:latin typeface="Courier New" panose="02070309020205020404" pitchFamily="49" charset="0"/>
-                          <a:cs typeface="Courier New" panose="02070309020205020404" pitchFamily="49" charset="0"/>
-                        </a:rPr>
-                        <a:t>count.get</a:t>
-                      </a:r>
-                      <a:r>
-                        <a:rPr lang="en-US" altLang="zh-CN" sz="800" b="0" i="0" u="none" strike="noStrike" baseline="0" dirty="0">
-                          <a:solidFill>
-                            <a:srgbClr val="0070C0"/>
-                          </a:solidFill>
-                          <a:latin typeface="Courier New" panose="02070309020205020404" pitchFamily="49" charset="0"/>
-                          <a:cs typeface="Courier New" panose="02070309020205020404" pitchFamily="49" charset="0"/>
-                        </a:rPr>
-                        <a:t>(name) + 1);</a:t>
-                      </a:r>
-                      <a:endParaRPr lang="en-US" altLang="zh-CN" sz="800" b="0" i="0" u="none" strike="noStrike" baseline="0" dirty="0">
+                        <a:rPr lang="en-US" altLang="zh-CN" sz="1100" b="0" i="0" u="none" strike="noStrike" baseline="0" dirty="0">
+                          <a:solidFill>
+                            <a:srgbClr val="C00000"/>
+                          </a:solidFill>
+                          <a:latin typeface="Courier New" panose="02070309020205020404" pitchFamily="49" charset="0"/>
+                          <a:cs typeface="Courier New" panose="02070309020205020404" pitchFamily="49" charset="0"/>
+                        </a:rPr>
+                        <a:t>, name);</a:t>
+                      </a:r>
+                    </a:p>
+                    <a:p>
+                      <a:pPr marR="0" algn="l" rtl="0"/>
+                      <a:endParaRPr lang="en-US" altLang="zh-CN" sz="1100" b="0" i="0" u="none" strike="noStrike" baseline="0" dirty="0">
                         <a:solidFill>
                           <a:srgbClr val="000000"/>
                         </a:solidFill>
@@ -5820,50 +5336,7 @@
                     </a:p>
                     <a:p>
                       <a:pPr marR="0" algn="l" rtl="0"/>
-                      <a:r>
-                        <a:rPr lang="en-US" altLang="zh-CN" sz="800" b="0" i="0" u="none" strike="noStrike" baseline="0" dirty="0">
-                          <a:solidFill>
-                            <a:srgbClr val="000000"/>
-                          </a:solidFill>
-                          <a:latin typeface="Courier New" panose="02070309020205020404" pitchFamily="49" charset="0"/>
-                          <a:cs typeface="Courier New" panose="02070309020205020404" pitchFamily="49" charset="0"/>
-                        </a:rPr>
-                        <a:t>   } else {</a:t>
-                      </a:r>
-                    </a:p>
-                    <a:p>
-                      <a:pPr marR="0" algn="l" rtl="0"/>
-                      <a:r>
-                        <a:rPr lang="en-US" altLang="zh-CN" sz="800" b="0" i="0" u="none" strike="noStrike" baseline="0" dirty="0">
-                          <a:solidFill>
-                            <a:srgbClr val="0070C0"/>
-                          </a:solidFill>
-                          <a:latin typeface="Courier New" panose="02070309020205020404" pitchFamily="49" charset="0"/>
-                          <a:cs typeface="Courier New" panose="02070309020205020404" pitchFamily="49" charset="0"/>
-                        </a:rPr>
-                        <a:t>+    </a:t>
-                      </a:r>
-                      <a:r>
-                        <a:rPr lang="en-US" altLang="zh-CN" sz="800" b="0" i="0" u="none" strike="noStrike" baseline="0" dirty="0" err="1">
-                          <a:solidFill>
-                            <a:srgbClr val="0070C0"/>
-                          </a:solidFill>
-                          <a:latin typeface="Courier New" panose="02070309020205020404" pitchFamily="49" charset="0"/>
-                          <a:cs typeface="Courier New" panose="02070309020205020404" pitchFamily="49" charset="0"/>
-                        </a:rPr>
-                        <a:t>count.put</a:t>
-                      </a:r>
-                      <a:r>
-                        <a:rPr lang="en-US" altLang="zh-CN" sz="800" b="0" i="0" u="none" strike="noStrike" baseline="0" dirty="0">
-                          <a:solidFill>
-                            <a:srgbClr val="0070C0"/>
-                          </a:solidFill>
-                          <a:latin typeface="Courier New" panose="02070309020205020404" pitchFamily="49" charset="0"/>
-                          <a:cs typeface="Courier New" panose="02070309020205020404" pitchFamily="49" charset="0"/>
-                        </a:rPr>
-                        <a:t>(name, 1);</a:t>
-                      </a:r>
-                      <a:endParaRPr lang="en-US" altLang="zh-CN" sz="800" b="0" i="0" u="none" strike="noStrike" baseline="0" dirty="0">
+                      <a:endParaRPr lang="en-US" altLang="zh-CN" sz="1100" b="0" i="0" u="none" strike="noStrike" baseline="0" dirty="0">
                         <a:solidFill>
                           <a:srgbClr val="000000"/>
                         </a:solidFill>
@@ -5873,8 +5346,171 @@
                     </a:p>
                     <a:p>
                       <a:pPr marR="0" algn="l" rtl="0"/>
-                      <a:r>
-                        <a:rPr lang="en-US" altLang="zh-CN" sz="800" b="0" i="0" u="none" strike="noStrike" baseline="0" dirty="0">
+                      <a:endParaRPr lang="en-US" altLang="zh-CN" sz="1100" b="0" i="0" u="none" strike="noStrike" baseline="0" dirty="0">
+                        <a:solidFill>
+                          <a:srgbClr val="000000"/>
+                        </a:solidFill>
+                        <a:latin typeface="Courier New" panose="02070309020205020404" pitchFamily="49" charset="0"/>
+                        <a:cs typeface="Courier New" panose="02070309020205020404" pitchFamily="49" charset="0"/>
+                      </a:endParaRPr>
+                    </a:p>
+                    <a:p>
+                      <a:pPr marR="0" algn="l" rtl="0"/>
+                      <a:r>
+                        <a:rPr lang="en-US" altLang="zh-CN" sz="1100" b="0" i="0" u="none" strike="noStrike" baseline="0" dirty="0">
+                          <a:solidFill>
+                            <a:srgbClr val="C00000"/>
+                          </a:solidFill>
+                          <a:latin typeface="Courier New" panose="02070309020205020404" pitchFamily="49" charset="0"/>
+                          <a:cs typeface="Courier New" panose="02070309020205020404" pitchFamily="49" charset="0"/>
+                        </a:rPr>
+                        <a:t>-  if (</a:t>
+                      </a:r>
+                      <a:r>
+                        <a:rPr lang="en-US" altLang="zh-CN" sz="1100" b="0" i="0" u="none" strike="noStrike" baseline="0" dirty="0" err="1">
+                          <a:solidFill>
+                            <a:srgbClr val="C00000"/>
+                          </a:solidFill>
+                          <a:latin typeface="Courier New" panose="02070309020205020404" pitchFamily="49" charset="0"/>
+                          <a:cs typeface="Courier New" panose="02070309020205020404" pitchFamily="49" charset="0"/>
+                        </a:rPr>
+                        <a:t>count.containsKey</a:t>
+                      </a:r>
+                      <a:r>
+                        <a:rPr lang="en-US" altLang="zh-CN" sz="1100" b="0" i="0" u="none" strike="noStrike" baseline="0" dirty="0">
+                          <a:solidFill>
+                            <a:srgbClr val="C00000"/>
+                          </a:solidFill>
+                          <a:latin typeface="Courier New" panose="02070309020205020404" pitchFamily="49" charset="0"/>
+                          <a:cs typeface="Courier New" panose="02070309020205020404" pitchFamily="49" charset="0"/>
+                        </a:rPr>
+                        <a:t>(key)) {</a:t>
+                      </a:r>
+                      <a:endParaRPr lang="en-US" altLang="zh-CN" sz="1100" b="0" i="0" u="none" strike="noStrike" baseline="0" dirty="0">
+                        <a:solidFill>
+                          <a:srgbClr val="000000"/>
+                        </a:solidFill>
+                        <a:latin typeface="Courier New" panose="02070309020205020404" pitchFamily="49" charset="0"/>
+                        <a:cs typeface="Courier New" panose="02070309020205020404" pitchFamily="49" charset="0"/>
+                      </a:endParaRPr>
+                    </a:p>
+                    <a:p>
+                      <a:pPr marR="0" algn="l" rtl="0"/>
+                      <a:r>
+                        <a:rPr lang="en-US" altLang="zh-CN" sz="1100" b="0" i="0" u="none" strike="noStrike" baseline="0" dirty="0">
+                          <a:solidFill>
+                            <a:srgbClr val="C00000"/>
+                          </a:solidFill>
+                          <a:latin typeface="Courier New" panose="02070309020205020404" pitchFamily="49" charset="0"/>
+                          <a:cs typeface="Courier New" panose="02070309020205020404" pitchFamily="49" charset="0"/>
+                        </a:rPr>
+                        <a:t>-    </a:t>
+                      </a:r>
+                      <a:r>
+                        <a:rPr lang="en-US" altLang="zh-CN" sz="1100" b="0" i="0" u="none" strike="noStrike" baseline="0" dirty="0" err="1">
+                          <a:solidFill>
+                            <a:srgbClr val="C00000"/>
+                          </a:solidFill>
+                          <a:latin typeface="Courier New" panose="02070309020205020404" pitchFamily="49" charset="0"/>
+                          <a:cs typeface="Courier New" panose="02070309020205020404" pitchFamily="49" charset="0"/>
+                        </a:rPr>
+                        <a:t>count.put</a:t>
+                      </a:r>
+                      <a:r>
+                        <a:rPr lang="en-US" altLang="zh-CN" sz="1100" b="0" i="0" u="none" strike="noStrike" baseline="0" dirty="0">
+                          <a:solidFill>
+                            <a:srgbClr val="C00000"/>
+                          </a:solidFill>
+                          <a:latin typeface="Courier New" panose="02070309020205020404" pitchFamily="49" charset="0"/>
+                          <a:cs typeface="Courier New" panose="02070309020205020404" pitchFamily="49" charset="0"/>
+                        </a:rPr>
+                        <a:t>(key, </a:t>
+                      </a:r>
+                      <a:r>
+                        <a:rPr lang="en-US" altLang="zh-CN" sz="1100" b="0" i="0" u="none" strike="noStrike" baseline="0" dirty="0" err="1">
+                          <a:solidFill>
+                            <a:srgbClr val="C00000"/>
+                          </a:solidFill>
+                          <a:latin typeface="Courier New" panose="02070309020205020404" pitchFamily="49" charset="0"/>
+                          <a:cs typeface="Courier New" panose="02070309020205020404" pitchFamily="49" charset="0"/>
+                        </a:rPr>
+                        <a:t>count.get</a:t>
+                      </a:r>
+                      <a:r>
+                        <a:rPr lang="en-US" altLang="zh-CN" sz="1100" b="0" i="0" u="none" strike="noStrike" baseline="0" dirty="0">
+                          <a:solidFill>
+                            <a:srgbClr val="C00000"/>
+                          </a:solidFill>
+                          <a:latin typeface="Courier New" panose="02070309020205020404" pitchFamily="49" charset="0"/>
+                          <a:cs typeface="Courier New" panose="02070309020205020404" pitchFamily="49" charset="0"/>
+                        </a:rPr>
+                        <a:t>(key) + 1);</a:t>
+                      </a:r>
+                      <a:endParaRPr lang="en-US" altLang="zh-CN" sz="1100" b="0" i="0" u="none" strike="noStrike" baseline="0" dirty="0">
+                        <a:solidFill>
+                          <a:srgbClr val="000000"/>
+                        </a:solidFill>
+                        <a:latin typeface="Courier New" panose="02070309020205020404" pitchFamily="49" charset="0"/>
+                        <a:cs typeface="Courier New" panose="02070309020205020404" pitchFamily="49" charset="0"/>
+                      </a:endParaRPr>
+                    </a:p>
+                    <a:p>
+                      <a:pPr marR="0" algn="l" rtl="0"/>
+                      <a:r>
+                        <a:rPr lang="en-US" altLang="zh-CN" sz="1100" b="0" i="0" u="none" strike="noStrike" baseline="0" dirty="0">
+                          <a:solidFill>
+                            <a:srgbClr val="000000"/>
+                          </a:solidFill>
+                          <a:latin typeface="Courier New" panose="02070309020205020404" pitchFamily="49" charset="0"/>
+                          <a:cs typeface="Courier New" panose="02070309020205020404" pitchFamily="49" charset="0"/>
+                        </a:rPr>
+                        <a:t>   } else {</a:t>
+                      </a:r>
+                    </a:p>
+                    <a:p>
+                      <a:pPr marR="0" algn="l" rtl="0"/>
+                      <a:r>
+                        <a:rPr lang="en-US" altLang="zh-CN" sz="1100" b="0" i="0" u="none" strike="noStrike" baseline="0" dirty="0">
+                          <a:solidFill>
+                            <a:srgbClr val="C00000"/>
+                          </a:solidFill>
+                          <a:latin typeface="Courier New" panose="02070309020205020404" pitchFamily="49" charset="0"/>
+                          <a:cs typeface="Courier New" panose="02070309020205020404" pitchFamily="49" charset="0"/>
+                        </a:rPr>
+                        <a:t>-    </a:t>
+                      </a:r>
+                      <a:r>
+                        <a:rPr lang="en-US" altLang="zh-CN" sz="1100" b="0" i="0" u="none" strike="noStrike" baseline="0" dirty="0" err="1">
+                          <a:solidFill>
+                            <a:srgbClr val="C00000"/>
+                          </a:solidFill>
+                          <a:latin typeface="Courier New" panose="02070309020205020404" pitchFamily="49" charset="0"/>
+                          <a:cs typeface="Courier New" panose="02070309020205020404" pitchFamily="49" charset="0"/>
+                        </a:rPr>
+                        <a:t>count.put</a:t>
+                      </a:r>
+                      <a:r>
+                        <a:rPr lang="en-US" altLang="zh-CN" sz="1100" b="0" i="0" u="none" strike="noStrike" baseline="0" dirty="0">
+                          <a:solidFill>
+                            <a:srgbClr val="C00000"/>
+                          </a:solidFill>
+                          <a:latin typeface="Courier New" panose="02070309020205020404" pitchFamily="49" charset="0"/>
+                          <a:cs typeface="Courier New" panose="02070309020205020404" pitchFamily="49" charset="0"/>
+                        </a:rPr>
+                        <a:t>(key, 1);</a:t>
+                      </a:r>
+                      <a:endParaRPr lang="en-US" altLang="zh-CN" sz="1100" b="0" i="0" u="none" strike="noStrike" baseline="0" dirty="0">
+                        <a:solidFill>
+                          <a:srgbClr val="000000"/>
+                        </a:solidFill>
+                        <a:latin typeface="Courier New" panose="02070309020205020404" pitchFamily="49" charset="0"/>
+                        <a:cs typeface="Courier New" panose="02070309020205020404" pitchFamily="49" charset="0"/>
+                      </a:endParaRPr>
+                    </a:p>
+                    <a:p>
+                      <a:pPr marR="0" algn="l" rtl="0"/>
+                      <a:r>
+                        <a:rPr lang="en-US" altLang="zh-CN" sz="1100" b="0" i="0" u="none" strike="noStrike" baseline="0" dirty="0">
                           <a:solidFill>
                             <a:srgbClr val="000000"/>
                           </a:solidFill>
@@ -5887,7 +5523,7 @@
                     <a:p>
                       <a:pPr marR="0" algn="l" rtl="0"/>
                       <a:r>
-                        <a:rPr lang="en-US" altLang="zh-CN" sz="800" b="0" i="0" u="none" strike="noStrike" baseline="0" dirty="0">
+                        <a:rPr lang="en-US" altLang="zh-CN" sz="1100" b="0" i="0" u="none" strike="noStrike" baseline="0" dirty="0">
                           <a:solidFill>
                             <a:srgbClr val="000000"/>
                           </a:solidFill>
@@ -5896,7 +5532,7 @@
                         </a:rPr>
                         <a:t> }</a:t>
                       </a:r>
-                      <a:endParaRPr lang="zh-CN" altLang="en-US" sz="800" dirty="0">
+                      <a:endParaRPr lang="zh-CN" altLang="en-US" sz="1100" dirty="0">
                         <a:latin typeface="Courier New" panose="02070309020205020404" pitchFamily="49" charset="0"/>
                         <a:cs typeface="Courier New" panose="02070309020205020404" pitchFamily="49" charset="0"/>
                       </a:endParaRPr>
@@ -5908,335 +5544,6 @@
                   <a:txBody>
                     <a:bodyPr/>
                     <a:lstStyle/>
-                    <a:p>
-                      <a:pPr marR="0" algn="l" rtl="0"/>
-                      <a:r>
-                        <a:rPr lang="en-US" altLang="zh-CN" sz="800" b="0" i="0" u="none" strike="noStrike" baseline="0" dirty="0">
-                          <a:solidFill>
-                            <a:srgbClr val="000000"/>
-                          </a:solidFill>
-                          <a:latin typeface="Courier New" panose="02070309020205020404" pitchFamily="49" charset="0"/>
-                          <a:cs typeface="Courier New" panose="02070309020205020404" pitchFamily="49" charset="0"/>
-                        </a:rPr>
-                        <a:t>synchronized (obj1) {</a:t>
-                      </a:r>
-                    </a:p>
-                    <a:p>
-                      <a:pPr marR="0" algn="l" rtl="0"/>
-                      <a:r>
-                        <a:rPr lang="en-US" altLang="zh-CN" sz="800" b="0" i="0" u="none" strike="noStrike" baseline="0" dirty="0">
-                          <a:solidFill>
-                            <a:srgbClr val="000000"/>
-                          </a:solidFill>
-                          <a:latin typeface="Courier New" panose="02070309020205020404" pitchFamily="49" charset="0"/>
-                          <a:cs typeface="Courier New" panose="02070309020205020404" pitchFamily="49" charset="0"/>
-                        </a:rPr>
-                        <a:t>  ...</a:t>
-                      </a:r>
-                    </a:p>
-                    <a:p>
-                      <a:pPr marR="0" algn="l" rtl="0"/>
-                      <a:r>
-                        <a:rPr lang="en-US" altLang="zh-CN" sz="800" b="0" i="0" u="none" strike="noStrike" baseline="0" dirty="0">
-                          <a:solidFill>
-                            <a:srgbClr val="000000"/>
-                          </a:solidFill>
-                          <a:latin typeface="Courier New" panose="02070309020205020404" pitchFamily="49" charset="0"/>
-                          <a:cs typeface="Courier New" panose="02070309020205020404" pitchFamily="49" charset="0"/>
-                        </a:rPr>
-                        <a:t>}</a:t>
-                      </a:r>
-                      <a:endParaRPr lang="zh-CN" altLang="en-US" sz="800" dirty="0">
-                        <a:latin typeface="Courier New" panose="02070309020205020404" pitchFamily="49" charset="0"/>
-                        <a:cs typeface="Courier New" panose="02070309020205020404" pitchFamily="49" charset="0"/>
-                      </a:endParaRPr>
-                    </a:p>
-                  </a:txBody>
-                  <a:tcPr anchor="ctr"/>
-                </a:tc>
-                <a:tc>
-                  <a:txBody>
-                    <a:bodyPr/>
-                    <a:lstStyle/>
-                    <a:p>
-                      <a:pPr marR="0" algn="l" rtl="0"/>
-                      <a:r>
-                        <a:rPr lang="en-US" altLang="zh-CN" sz="800" b="0" i="0" u="none" strike="noStrike" baseline="0" dirty="0">
-                          <a:solidFill>
-                            <a:srgbClr val="000000"/>
-                          </a:solidFill>
-                          <a:latin typeface="Courier New" panose="02070309020205020404" pitchFamily="49" charset="0"/>
-                          <a:cs typeface="Courier New" panose="02070309020205020404" pitchFamily="49" charset="0"/>
-                        </a:rPr>
-                        <a:t>synchronized (obj2) {</a:t>
-                      </a:r>
-                    </a:p>
-                    <a:p>
-                      <a:pPr marR="0" algn="l" rtl="0"/>
-                      <a:r>
-                        <a:rPr lang="en-US" altLang="zh-CN" sz="800" b="0" i="0" u="none" strike="noStrike" baseline="0" dirty="0">
-                          <a:solidFill>
-                            <a:srgbClr val="000000"/>
-                          </a:solidFill>
-                          <a:latin typeface="Courier New" panose="02070309020205020404" pitchFamily="49" charset="0"/>
-                          <a:cs typeface="Courier New" panose="02070309020205020404" pitchFamily="49" charset="0"/>
-                        </a:rPr>
-                        <a:t>  ...</a:t>
-                      </a:r>
-                    </a:p>
-                    <a:p>
-                      <a:pPr marR="0" algn="l" rtl="0"/>
-                      <a:r>
-                        <a:rPr lang="en-US" altLang="zh-CN" sz="800" b="0" i="0" u="none" strike="noStrike" baseline="0" dirty="0">
-                          <a:solidFill>
-                            <a:srgbClr val="000000"/>
-                          </a:solidFill>
-                          <a:latin typeface="Courier New" panose="02070309020205020404" pitchFamily="49" charset="0"/>
-                          <a:cs typeface="Courier New" panose="02070309020205020404" pitchFamily="49" charset="0"/>
-                        </a:rPr>
-                        <a:t>}</a:t>
-                      </a:r>
-                      <a:endParaRPr lang="zh-CN" altLang="en-US" sz="800" dirty="0">
-                        <a:latin typeface="Courier New" panose="02070309020205020404" pitchFamily="49" charset="0"/>
-                        <a:cs typeface="Courier New" panose="02070309020205020404" pitchFamily="49" charset="0"/>
-                      </a:endParaRPr>
-                    </a:p>
-                  </a:txBody>
-                  <a:tcPr anchor="ctr"/>
-                </a:tc>
-                <a:extLst>
-                  <a:ext uri="{0D108BD9-81ED-4DB2-BD59-A6C34878D82A}">
-                    <a16:rowId xmlns:a16="http://schemas.microsoft.com/office/drawing/2014/main" val="1325939187"/>
-                  </a:ext>
-                </a:extLst>
-              </a:tr>
-              <a:tr h="930608">
-                <a:tc>
-                  <a:txBody>
-                    <a:bodyPr/>
-                    <a:lstStyle/>
-                    <a:p>
-                      <a:pPr marR="0" algn="ctr" rtl="0"/>
-                      <a:r>
-                        <a:rPr lang="en-US" altLang="zh-CN" sz="800" dirty="0">
-                          <a:latin typeface="Courier New" panose="02070309020205020404" pitchFamily="49" charset="0"/>
-                          <a:cs typeface="Courier New" panose="02070309020205020404" pitchFamily="49" charset="0"/>
-                        </a:rPr>
-                        <a:t>4</a:t>
-                      </a:r>
-                      <a:endParaRPr lang="zh-CN" altLang="en-US" sz="800" dirty="0">
-                        <a:latin typeface="Courier New" panose="02070309020205020404" pitchFamily="49" charset="0"/>
-                        <a:cs typeface="Courier New" panose="02070309020205020404" pitchFamily="49" charset="0"/>
-                      </a:endParaRPr>
-                    </a:p>
-                  </a:txBody>
-                  <a:tcPr anchor="ctr"/>
-                </a:tc>
-                <a:tc>
-                  <a:txBody>
-                    <a:bodyPr/>
-                    <a:lstStyle/>
-                    <a:p>
-                      <a:pPr marR="0" algn="l" rtl="0"/>
-                      <a:endParaRPr lang="en-US" altLang="zh-CN" sz="800" dirty="0">
-                        <a:solidFill>
-                          <a:srgbClr val="FF0000"/>
-                        </a:solidFill>
-                        <a:latin typeface="Courier New" panose="02070309020205020404" pitchFamily="49" charset="0"/>
-                        <a:cs typeface="Courier New" panose="02070309020205020404" pitchFamily="49" charset="0"/>
-                      </a:endParaRPr>
-                    </a:p>
-                    <a:p>
-                      <a:pPr marR="0" algn="l" rtl="0"/>
-                      <a:r>
-                        <a:rPr lang="en-US" altLang="zh-CN" sz="800" dirty="0">
-                          <a:solidFill>
-                            <a:srgbClr val="FF0000"/>
-                          </a:solidFill>
-                          <a:latin typeface="Courier New" panose="02070309020205020404" pitchFamily="49" charset="0"/>
-                          <a:cs typeface="Courier New" panose="02070309020205020404" pitchFamily="49" charset="0"/>
-                        </a:rPr>
-                        <a:t>-public synchronized void reset() {</a:t>
-                      </a:r>
-                    </a:p>
-                    <a:p>
-                      <a:pPr marR="0" algn="l" rtl="0"/>
-                      <a:endParaRPr lang="en-US" altLang="zh-CN" sz="800" dirty="0">
-                        <a:solidFill>
-                          <a:srgbClr val="FF0000"/>
-                        </a:solidFill>
-                        <a:latin typeface="Courier New" panose="02070309020205020404" pitchFamily="49" charset="0"/>
-                        <a:cs typeface="Courier New" panose="02070309020205020404" pitchFamily="49" charset="0"/>
-                      </a:endParaRPr>
-                    </a:p>
-                    <a:p>
-                      <a:pPr marR="0" algn="l" rtl="0"/>
-                      <a:r>
-                        <a:rPr lang="en-US" altLang="zh-CN" sz="800" dirty="0">
-                          <a:latin typeface="Courier New" panose="02070309020205020404" pitchFamily="49" charset="0"/>
-                          <a:cs typeface="Courier New" panose="02070309020205020404" pitchFamily="49" charset="0"/>
-                        </a:rPr>
-                        <a:t>   </a:t>
-                      </a:r>
-                      <a:r>
-                        <a:rPr lang="en-US" altLang="zh-CN" sz="800" dirty="0" err="1">
-                          <a:latin typeface="Courier New" panose="02070309020205020404" pitchFamily="49" charset="0"/>
-                          <a:cs typeface="Courier New" panose="02070309020205020404" pitchFamily="49" charset="0"/>
-                        </a:rPr>
-                        <a:t>map.clear</a:t>
-                      </a:r>
-                      <a:r>
-                        <a:rPr lang="en-US" altLang="zh-CN" sz="800" dirty="0">
-                          <a:latin typeface="Courier New" panose="02070309020205020404" pitchFamily="49" charset="0"/>
-                          <a:cs typeface="Courier New" panose="02070309020205020404" pitchFamily="49" charset="0"/>
-                        </a:rPr>
-                        <a:t>();</a:t>
-                      </a:r>
-                    </a:p>
-                    <a:p>
-                      <a:pPr marR="0" algn="l" rtl="0"/>
-                      <a:r>
-                        <a:rPr lang="en-US" altLang="zh-CN" sz="800" dirty="0">
-                          <a:latin typeface="Courier New" panose="02070309020205020404" pitchFamily="49" charset="0"/>
-                          <a:cs typeface="Courier New" panose="02070309020205020404" pitchFamily="49" charset="0"/>
-                        </a:rPr>
-                        <a:t>   members = EMPTY_MEMBERS;</a:t>
-                      </a:r>
-                    </a:p>
-                    <a:p>
-                      <a:pPr marR="0" algn="l" rtl="0"/>
-                      <a:endParaRPr lang="en-US" altLang="zh-CN" sz="800" dirty="0">
-                        <a:latin typeface="Courier New" panose="02070309020205020404" pitchFamily="49" charset="0"/>
-                        <a:cs typeface="Courier New" panose="02070309020205020404" pitchFamily="49" charset="0"/>
-                      </a:endParaRPr>
-                    </a:p>
-                    <a:p>
-                      <a:pPr marR="0" algn="l" rtl="0"/>
-                      <a:r>
-                        <a:rPr lang="en-US" altLang="zh-CN" sz="800" dirty="0">
-                          <a:latin typeface="Courier New" panose="02070309020205020404" pitchFamily="49" charset="0"/>
-                          <a:cs typeface="Courier New" panose="02070309020205020404" pitchFamily="49" charset="0"/>
-                        </a:rPr>
-                        <a:t> }</a:t>
-                      </a:r>
-                    </a:p>
-                  </a:txBody>
-                  <a:tcPr/>
-                </a:tc>
-                <a:tc>
-                  <a:txBody>
-                    <a:bodyPr/>
-                    <a:lstStyle/>
-                    <a:p>
-                      <a:pPr marR="0" algn="l" rtl="0"/>
-                      <a:r>
-                        <a:rPr lang="en-US" altLang="zh-CN" sz="800" dirty="0">
-                          <a:solidFill>
-                            <a:srgbClr val="0070C0"/>
-                          </a:solidFill>
-                          <a:latin typeface="Courier New" panose="02070309020205020404" pitchFamily="49" charset="0"/>
-                          <a:cs typeface="Courier New" panose="02070309020205020404" pitchFamily="49" charset="0"/>
-                        </a:rPr>
-                        <a:t>+private final Object </a:t>
-                      </a:r>
-                      <a:r>
-                        <a:rPr lang="en-US" altLang="zh-CN" sz="800" dirty="0" err="1">
-                          <a:solidFill>
-                            <a:srgbClr val="0070C0"/>
-                          </a:solidFill>
-                          <a:latin typeface="Courier New" panose="02070309020205020404" pitchFamily="49" charset="0"/>
-                          <a:cs typeface="Courier New" panose="02070309020205020404" pitchFamily="49" charset="0"/>
-                        </a:rPr>
-                        <a:t>membersLock</a:t>
-                      </a:r>
-                      <a:r>
-                        <a:rPr lang="en-US" altLang="zh-CN" sz="800" dirty="0">
-                          <a:solidFill>
-                            <a:srgbClr val="0070C0"/>
-                          </a:solidFill>
-                          <a:latin typeface="Courier New" panose="02070309020205020404" pitchFamily="49" charset="0"/>
-                          <a:cs typeface="Courier New" panose="02070309020205020404" pitchFamily="49" charset="0"/>
-                        </a:rPr>
-                        <a:t> = new Object();</a:t>
-                      </a:r>
-                      <a:endParaRPr lang="en-US" altLang="zh-CN" sz="800" dirty="0">
-                        <a:solidFill>
-                          <a:srgbClr val="0070C0"/>
-                        </a:solidFill>
-                        <a:latin typeface="Courier New" panose="02070309020205020404" pitchFamily="49" charset="0"/>
-                        <a:cs typeface="Courier New" panose="02070309020205020404" pitchFamily="49" charset="0"/>
-                      </a:endParaRPr>
-                    </a:p>
-                    <a:p>
-                      <a:pPr marR="0" algn="l" rtl="0"/>
-                      <a:r>
-                        <a:rPr lang="en-US" altLang="zh-CN" sz="800" dirty="0">
-                          <a:solidFill>
-                            <a:srgbClr val="0070C0"/>
-                          </a:solidFill>
-                          <a:latin typeface="Courier New" panose="02070309020205020404" pitchFamily="49" charset="0"/>
-                          <a:cs typeface="Courier New" panose="02070309020205020404" pitchFamily="49" charset="0"/>
-                        </a:rPr>
-                        <a:t>+public void reset() {</a:t>
-                      </a:r>
-                    </a:p>
-                    <a:p>
-                      <a:pPr marR="0" algn="l" rtl="0"/>
-                      <a:r>
-                        <a:rPr lang="en-US" altLang="zh-CN" sz="800" dirty="0">
-                          <a:solidFill>
-                            <a:srgbClr val="0070C0"/>
-                          </a:solidFill>
-                          <a:latin typeface="Courier New" panose="02070309020205020404" pitchFamily="49" charset="0"/>
-                          <a:cs typeface="Courier New" panose="02070309020205020404" pitchFamily="49" charset="0"/>
-                        </a:rPr>
-                        <a:t>+  synchronized (</a:t>
-                      </a:r>
-                      <a:r>
-                        <a:rPr lang="en-US" altLang="zh-CN" sz="800" dirty="0" err="1">
-                          <a:solidFill>
-                            <a:srgbClr val="0070C0"/>
-                          </a:solidFill>
-                          <a:latin typeface="Courier New" panose="02070309020205020404" pitchFamily="49" charset="0"/>
-                          <a:cs typeface="Courier New" panose="02070309020205020404" pitchFamily="49" charset="0"/>
-                        </a:rPr>
-                        <a:t>membersLock</a:t>
-                      </a:r>
-                      <a:r>
-                        <a:rPr lang="en-US" altLang="zh-CN" sz="800" dirty="0">
-                          <a:solidFill>
-                            <a:srgbClr val="0070C0"/>
-                          </a:solidFill>
-                          <a:latin typeface="Courier New" panose="02070309020205020404" pitchFamily="49" charset="0"/>
-                          <a:cs typeface="Courier New" panose="02070309020205020404" pitchFamily="49" charset="0"/>
-                        </a:rPr>
-                        <a:t>) {</a:t>
-                      </a:r>
-                    </a:p>
-                    <a:p>
-                      <a:pPr marR="0" algn="l" rtl="0"/>
-                      <a:r>
-                        <a:rPr lang="en-US" altLang="zh-CN" sz="800" dirty="0">
-                          <a:latin typeface="Courier New" panose="02070309020205020404" pitchFamily="49" charset="0"/>
-                          <a:cs typeface="Courier New" panose="02070309020205020404" pitchFamily="49" charset="0"/>
-                        </a:rPr>
-                        <a:t>     </a:t>
-                      </a:r>
-                      <a:r>
-                        <a:rPr lang="en-US" altLang="zh-CN" sz="800" dirty="0" err="1">
-                          <a:latin typeface="Courier New" panose="02070309020205020404" pitchFamily="49" charset="0"/>
-                          <a:cs typeface="Courier New" panose="02070309020205020404" pitchFamily="49" charset="0"/>
-                        </a:rPr>
-                        <a:t>map.clear</a:t>
-                      </a:r>
-                      <a:r>
-                        <a:rPr lang="en-US" altLang="zh-CN" sz="800" dirty="0">
-                          <a:latin typeface="Courier New" panose="02070309020205020404" pitchFamily="49" charset="0"/>
-                          <a:cs typeface="Courier New" panose="02070309020205020404" pitchFamily="49" charset="0"/>
-                        </a:rPr>
-                        <a:t>();</a:t>
-                      </a:r>
-                    </a:p>
                     <a:p>
                       <a:pPr marL="0" marR="0" lvl="0" indent="0" algn="l" defTabSz="914400" rtl="0" eaLnBrk="1" fontAlgn="auto" latinLnBrk="0" hangingPunct="1">
                         <a:lnSpc>
@@ -6256,11 +5563,14 @@
                         <a:defRPr/>
                       </a:pPr>
                       <a:r>
-                        <a:rPr lang="en-US" altLang="zh-CN" sz="800" dirty="0">
-                          <a:latin typeface="Courier New" panose="02070309020205020404" pitchFamily="49" charset="0"/>
-                          <a:cs typeface="Courier New" panose="02070309020205020404" pitchFamily="49" charset="0"/>
-                        </a:rPr>
-                        <a:t>     members = EMPTY_MEMBERS;</a:t>
+                        <a:rPr lang="en-US" altLang="zh-CN" sz="1100" b="0" i="0" u="none" strike="noStrike" baseline="0" dirty="0">
+                          <a:solidFill>
+                            <a:srgbClr val="000000"/>
+                          </a:solidFill>
+                          <a:latin typeface="Courier New" panose="02070309020205020404" pitchFamily="49" charset="0"/>
+                          <a:cs typeface="Courier New" panose="02070309020205020404" pitchFamily="49" charset="0"/>
+                        </a:rPr>
+                        <a:t> private static final Object lock = new</a:t>
                       </a:r>
                     </a:p>
                     <a:p>
@@ -6282,14 +5592,1202 @@
                         <a:defRPr/>
                       </a:pPr>
                       <a:r>
-                        <a:rPr lang="en-US" altLang="zh-CN" sz="800" dirty="0">
+                        <a:rPr lang="en-US" altLang="zh-CN" sz="1100" b="0" i="0" u="none" strike="noStrike" baseline="0" dirty="0">
+                          <a:solidFill>
+                            <a:srgbClr val="000000"/>
+                          </a:solidFill>
+                          <a:latin typeface="Courier New" panose="02070309020205020404" pitchFamily="49" charset="0"/>
+                          <a:cs typeface="Courier New" panose="02070309020205020404" pitchFamily="49" charset="0"/>
+                        </a:rPr>
+                        <a:t>   Object();</a:t>
+                      </a:r>
+                    </a:p>
+                    <a:p>
+                      <a:pPr marR="0" algn="l" rtl="0"/>
+                      <a:r>
+                        <a:rPr lang="en-US" altLang="zh-CN" sz="1100" b="0" i="0" u="none" strike="noStrike" baseline="0" dirty="0">
+                          <a:solidFill>
+                            <a:srgbClr val="000000"/>
+                          </a:solidFill>
+                          <a:latin typeface="Courier New" panose="02070309020205020404" pitchFamily="49" charset="0"/>
+                          <a:cs typeface="Courier New" panose="02070309020205020404" pitchFamily="49" charset="0"/>
+                        </a:rPr>
+                        <a:t> private Map&lt;...&gt; count = new </a:t>
+                      </a:r>
+                      <a:r>
+                        <a:rPr lang="en-US" altLang="zh-CN" sz="1100" b="0" i="0" u="none" strike="noStrike" baseline="0" dirty="0" err="1">
+                          <a:solidFill>
+                            <a:srgbClr val="000000"/>
+                          </a:solidFill>
+                          <a:latin typeface="Courier New" panose="02070309020205020404" pitchFamily="49" charset="0"/>
+                          <a:cs typeface="Courier New" panose="02070309020205020404" pitchFamily="49" charset="0"/>
+                        </a:rPr>
+                        <a:t>HashMap</a:t>
+                      </a:r>
+                      <a:r>
+                        <a:rPr lang="en-US" altLang="zh-CN" sz="1100" b="0" i="0" u="none" strike="noStrike" baseline="0" dirty="0">
+                          <a:solidFill>
+                            <a:srgbClr val="000000"/>
+                          </a:solidFill>
+                          <a:latin typeface="Courier New" panose="02070309020205020404" pitchFamily="49" charset="0"/>
+                          <a:cs typeface="Courier New" panose="02070309020205020404" pitchFamily="49" charset="0"/>
+                        </a:rPr>
+                        <a:t>&lt;&gt;();</a:t>
+                      </a:r>
+                    </a:p>
+                    <a:p>
+                      <a:pPr marR="0" algn="l" rtl="0"/>
+                      <a:r>
+                        <a:rPr lang="en-US" altLang="zh-CN" sz="1100" b="0" i="0" u="none" strike="noStrike" baseline="0" dirty="0">
                           <a:solidFill>
                             <a:srgbClr val="0070C0"/>
                           </a:solidFill>
                           <a:latin typeface="Courier New" panose="02070309020205020404" pitchFamily="49" charset="0"/>
                           <a:cs typeface="Courier New" panose="02070309020205020404" pitchFamily="49" charset="0"/>
                         </a:rPr>
+                        <a:t>+synchronized(lock)</a:t>
+                      </a:r>
+                    </a:p>
+                    <a:p>
+                      <a:pPr marR="0" algn="l" rtl="0"/>
+                      <a:r>
+                        <a:rPr lang="en-US" altLang="zh-CN" sz="1100" b="0" i="0" u="none" strike="noStrike" baseline="0" dirty="0">
+                          <a:solidFill>
+                            <a:srgbClr val="0070C0"/>
+                          </a:solidFill>
+                          <a:latin typeface="Courier New" panose="02070309020205020404" pitchFamily="49" charset="0"/>
+                          <a:cs typeface="Courier New" panose="02070309020205020404" pitchFamily="49" charset="0"/>
+                        </a:rPr>
+                        <a:t>+  if (!</a:t>
+                      </a:r>
+                      <a:r>
+                        <a:rPr lang="en-US" altLang="zh-CN" sz="1100" b="0" i="0" u="none" strike="noStrike" baseline="0" dirty="0" err="1">
+                          <a:solidFill>
+                            <a:srgbClr val="0070C0"/>
+                          </a:solidFill>
+                          <a:latin typeface="Courier New" panose="02070309020205020404" pitchFamily="49" charset="0"/>
+                          <a:cs typeface="Courier New" panose="02070309020205020404" pitchFamily="49" charset="0"/>
+                        </a:rPr>
+                        <a:t>jobCounts.containsKey</a:t>
+                      </a:r>
+                      <a:r>
+                        <a:rPr lang="en-US" altLang="zh-CN" sz="1100" b="0" i="0" u="none" strike="noStrike" baseline="0" dirty="0">
+                          <a:solidFill>
+                            <a:srgbClr val="0070C0"/>
+                          </a:solidFill>
+                          <a:latin typeface="Courier New" panose="02070309020205020404" pitchFamily="49" charset="0"/>
+                          <a:cs typeface="Courier New" panose="02070309020205020404" pitchFamily="49" charset="0"/>
+                        </a:rPr>
+                        <a:t>(</a:t>
+                      </a:r>
+                      <a:r>
+                        <a:rPr lang="en-US" altLang="zh-CN" sz="1100" b="0" i="0" u="none" strike="noStrike" baseline="0" dirty="0" err="1">
+                          <a:solidFill>
+                            <a:srgbClr val="0070C0"/>
+                          </a:solidFill>
+                          <a:latin typeface="Courier New" panose="02070309020205020404" pitchFamily="49" charset="0"/>
+                          <a:cs typeface="Courier New" panose="02070309020205020404" pitchFamily="49" charset="0"/>
+                        </a:rPr>
+                        <a:t>jobID</a:t>
+                      </a:r>
+                      <a:r>
+                        <a:rPr lang="en-US" altLang="zh-CN" sz="1100" b="0" i="0" u="none" strike="noStrike" baseline="0" dirty="0">
+                          <a:solidFill>
+                            <a:srgbClr val="0070C0"/>
+                          </a:solidFill>
+                          <a:latin typeface="Courier New" panose="02070309020205020404" pitchFamily="49" charset="0"/>
+                          <a:cs typeface="Courier New" panose="02070309020205020404" pitchFamily="49" charset="0"/>
+                        </a:rPr>
+                        <a:t>)) {</a:t>
+                      </a:r>
+                    </a:p>
+                    <a:p>
+                      <a:pPr marR="0" algn="l" rtl="0"/>
+                      <a:r>
+                        <a:rPr lang="en-US" altLang="zh-CN" sz="1100" b="0" i="0" u="none" strike="noStrike" baseline="0" dirty="0">
+                          <a:solidFill>
+                            <a:srgbClr val="0070C0"/>
+                          </a:solidFill>
+                          <a:latin typeface="Courier New" panose="02070309020205020404" pitchFamily="49" charset="0"/>
+                          <a:cs typeface="Courier New" panose="02070309020205020404" pitchFamily="49" charset="0"/>
+                        </a:rPr>
+                        <a:t>+    </a:t>
+                      </a:r>
+                      <a:r>
+                        <a:rPr lang="en-US" altLang="zh-CN" sz="1100" b="0" i="0" u="none" strike="noStrike" baseline="0" dirty="0" err="1">
+                          <a:solidFill>
+                            <a:srgbClr val="0070C0"/>
+                          </a:solidFill>
+                          <a:latin typeface="Courier New" panose="02070309020205020404" pitchFamily="49" charset="0"/>
+                          <a:cs typeface="Courier New" panose="02070309020205020404" pitchFamily="49" charset="0"/>
+                        </a:rPr>
+                        <a:t>jobCounts.put</a:t>
+                      </a:r>
+                      <a:r>
+                        <a:rPr lang="en-US" altLang="zh-CN" sz="1100" b="0" i="0" u="none" strike="noStrike" baseline="0" dirty="0">
+                          <a:solidFill>
+                            <a:srgbClr val="0070C0"/>
+                          </a:solidFill>
+                          <a:latin typeface="Courier New" panose="02070309020205020404" pitchFamily="49" charset="0"/>
+                          <a:cs typeface="Courier New" panose="02070309020205020404" pitchFamily="49" charset="0"/>
+                        </a:rPr>
+                        <a:t>(</a:t>
+                      </a:r>
+                      <a:r>
+                        <a:rPr lang="en-US" altLang="zh-CN" sz="1100" b="0" i="0" u="none" strike="noStrike" baseline="0" dirty="0" err="1">
+                          <a:solidFill>
+                            <a:srgbClr val="0070C0"/>
+                          </a:solidFill>
+                          <a:latin typeface="Courier New" panose="02070309020205020404" pitchFamily="49" charset="0"/>
+                          <a:cs typeface="Courier New" panose="02070309020205020404" pitchFamily="49" charset="0"/>
+                        </a:rPr>
+                        <a:t>jobID</a:t>
+                      </a:r>
+                      <a:r>
+                        <a:rPr lang="en-US" altLang="zh-CN" sz="1100" b="0" i="0" u="none" strike="noStrike" baseline="0" dirty="0">
+                          <a:solidFill>
+                            <a:srgbClr val="0070C0"/>
+                          </a:solidFill>
+                          <a:latin typeface="Courier New" panose="02070309020205020404" pitchFamily="49" charset="0"/>
+                          <a:cs typeface="Courier New" panose="02070309020205020404" pitchFamily="49" charset="0"/>
+                        </a:rPr>
+                        <a:t>, new </a:t>
+                      </a:r>
+                      <a:r>
+                        <a:rPr lang="en-US" altLang="zh-CN" sz="1100" b="0" i="0" u="none" strike="noStrike" baseline="0" dirty="0" err="1">
+                          <a:solidFill>
+                            <a:srgbClr val="0070C0"/>
+                          </a:solidFill>
+                          <a:latin typeface="Courier New" panose="02070309020205020404" pitchFamily="49" charset="0"/>
+                          <a:cs typeface="Courier New" panose="02070309020205020404" pitchFamily="49" charset="0"/>
+                        </a:rPr>
+                        <a:t>HashMap</a:t>
+                      </a:r>
+                      <a:r>
+                        <a:rPr lang="en-US" altLang="zh-CN" sz="1100" b="0" i="0" u="none" strike="noStrike" baseline="0" dirty="0">
+                          <a:solidFill>
+                            <a:srgbClr val="0070C0"/>
+                          </a:solidFill>
+                          <a:latin typeface="Courier New" panose="02070309020205020404" pitchFamily="49" charset="0"/>
+                          <a:cs typeface="Courier New" panose="02070309020205020404" pitchFamily="49" charset="0"/>
+                        </a:rPr>
+                        <a:t>&lt;&gt;());</a:t>
+                      </a:r>
+                    </a:p>
+                    <a:p>
+                      <a:pPr marR="0" algn="l" rtl="0"/>
+                      <a:r>
+                        <a:rPr lang="en-US" altLang="zh-CN" sz="1100" b="0" i="0" u="none" strike="noStrike" baseline="0" dirty="0">
+                          <a:solidFill>
+                            <a:srgbClr val="0070C0"/>
+                          </a:solidFill>
+                          <a:latin typeface="Courier New" panose="02070309020205020404" pitchFamily="49" charset="0"/>
+                          <a:cs typeface="Courier New" panose="02070309020205020404" pitchFamily="49" charset="0"/>
+                        </a:rPr>
                         <a:t>+  }</a:t>
+                      </a:r>
+                    </a:p>
+                    <a:p>
+                      <a:pPr marR="0" algn="l" rtl="0"/>
+                      <a:r>
+                        <a:rPr lang="en-US" altLang="zh-CN" sz="1100" b="0" i="0" u="none" strike="noStrike" baseline="0" dirty="0">
+                          <a:solidFill>
+                            <a:srgbClr val="0070C0"/>
+                          </a:solidFill>
+                          <a:latin typeface="Courier New" panose="02070309020205020404" pitchFamily="49" charset="0"/>
+                          <a:cs typeface="Courier New" panose="02070309020205020404" pitchFamily="49" charset="0"/>
+                        </a:rPr>
+                        <a:t>+  Map&lt;String, Integer&gt; count =</a:t>
+                      </a:r>
+                    </a:p>
+                    <a:p>
+                      <a:pPr marR="0" algn="l" rtl="0"/>
+                      <a:r>
+                        <a:rPr lang="en-US" altLang="zh-CN" sz="1100" b="0" i="0" u="none" strike="noStrike" baseline="0" dirty="0">
+                          <a:solidFill>
+                            <a:srgbClr val="0070C0"/>
+                          </a:solidFill>
+                          <a:latin typeface="Courier New" panose="02070309020205020404" pitchFamily="49" charset="0"/>
+                          <a:cs typeface="Courier New" panose="02070309020205020404" pitchFamily="49" charset="0"/>
+                        </a:rPr>
+                        <a:t>+    </a:t>
+                      </a:r>
+                      <a:r>
+                        <a:rPr lang="en-US" altLang="zh-CN" sz="1100" b="0" i="0" u="none" strike="noStrike" baseline="0" dirty="0" err="1">
+                          <a:solidFill>
+                            <a:srgbClr val="0070C0"/>
+                          </a:solidFill>
+                          <a:latin typeface="Courier New" panose="02070309020205020404" pitchFamily="49" charset="0"/>
+                          <a:cs typeface="Courier New" panose="02070309020205020404" pitchFamily="49" charset="0"/>
+                        </a:rPr>
+                        <a:t>jobCounts.get</a:t>
+                      </a:r>
+                      <a:r>
+                        <a:rPr lang="en-US" altLang="zh-CN" sz="1100" b="0" i="0" u="none" strike="noStrike" baseline="0" dirty="0">
+                          <a:solidFill>
+                            <a:srgbClr val="0070C0"/>
+                          </a:solidFill>
+                          <a:latin typeface="Courier New" panose="02070309020205020404" pitchFamily="49" charset="0"/>
+                          <a:cs typeface="Courier New" panose="02070309020205020404" pitchFamily="49" charset="0"/>
+                        </a:rPr>
+                        <a:t>(</a:t>
+                      </a:r>
+                      <a:r>
+                        <a:rPr lang="en-US" altLang="zh-CN" sz="1100" b="0" i="0" u="none" strike="noStrike" baseline="0" dirty="0" err="1">
+                          <a:solidFill>
+                            <a:srgbClr val="0070C0"/>
+                          </a:solidFill>
+                          <a:latin typeface="Courier New" panose="02070309020205020404" pitchFamily="49" charset="0"/>
+                          <a:cs typeface="Courier New" panose="02070309020205020404" pitchFamily="49" charset="0"/>
+                        </a:rPr>
+                        <a:t>jobID</a:t>
+                      </a:r>
+                      <a:r>
+                        <a:rPr lang="en-US" altLang="zh-CN" sz="1100" b="0" i="0" u="none" strike="noStrike" baseline="0" dirty="0">
+                          <a:solidFill>
+                            <a:srgbClr val="0070C0"/>
+                          </a:solidFill>
+                          <a:latin typeface="Courier New" panose="02070309020205020404" pitchFamily="49" charset="0"/>
+                          <a:cs typeface="Courier New" panose="02070309020205020404" pitchFamily="49" charset="0"/>
+                        </a:rPr>
+                        <a:t>);</a:t>
+                      </a:r>
+                    </a:p>
+                    <a:p>
+                      <a:pPr marR="0" algn="l" rtl="0"/>
+                      <a:r>
+                        <a:rPr lang="en-US" altLang="zh-CN" sz="1100" b="0" i="0" u="none" strike="noStrike" baseline="0" dirty="0">
+                          <a:solidFill>
+                            <a:srgbClr val="0070C0"/>
+                          </a:solidFill>
+                          <a:latin typeface="Courier New" panose="02070309020205020404" pitchFamily="49" charset="0"/>
+                          <a:cs typeface="Courier New" panose="02070309020205020404" pitchFamily="49" charset="0"/>
+                        </a:rPr>
+                        <a:t>+  if (</a:t>
+                      </a:r>
+                      <a:r>
+                        <a:rPr lang="en-US" altLang="zh-CN" sz="1100" b="0" i="0" u="none" strike="noStrike" baseline="0" dirty="0" err="1">
+                          <a:solidFill>
+                            <a:srgbClr val="0070C0"/>
+                          </a:solidFill>
+                          <a:latin typeface="Courier New" panose="02070309020205020404" pitchFamily="49" charset="0"/>
+                          <a:cs typeface="Courier New" panose="02070309020205020404" pitchFamily="49" charset="0"/>
+                        </a:rPr>
+                        <a:t>count.containsKey</a:t>
+                      </a:r>
+                      <a:r>
+                        <a:rPr lang="en-US" altLang="zh-CN" sz="1100" b="0" i="0" u="none" strike="noStrike" baseline="0" dirty="0">
+                          <a:solidFill>
+                            <a:srgbClr val="0070C0"/>
+                          </a:solidFill>
+                          <a:latin typeface="Courier New" panose="02070309020205020404" pitchFamily="49" charset="0"/>
+                          <a:cs typeface="Courier New" panose="02070309020205020404" pitchFamily="49" charset="0"/>
+                        </a:rPr>
+                        <a:t>(name)) {</a:t>
+                      </a:r>
+                    </a:p>
+                    <a:p>
+                      <a:pPr marR="0" algn="l" rtl="0"/>
+                      <a:r>
+                        <a:rPr lang="en-US" altLang="zh-CN" sz="1100" b="0" i="0" u="none" strike="noStrike" baseline="0" dirty="0">
+                          <a:solidFill>
+                            <a:srgbClr val="0070C0"/>
+                          </a:solidFill>
+                          <a:latin typeface="Courier New" panose="02070309020205020404" pitchFamily="49" charset="0"/>
+                          <a:cs typeface="Courier New" panose="02070309020205020404" pitchFamily="49" charset="0"/>
+                        </a:rPr>
+                        <a:t>+    </a:t>
+                      </a:r>
+                      <a:r>
+                        <a:rPr lang="en-US" altLang="zh-CN" sz="1100" b="0" i="0" u="none" strike="noStrike" baseline="0" dirty="0" err="1">
+                          <a:solidFill>
+                            <a:srgbClr val="0070C0"/>
+                          </a:solidFill>
+                          <a:latin typeface="Courier New" panose="02070309020205020404" pitchFamily="49" charset="0"/>
+                          <a:cs typeface="Courier New" panose="02070309020205020404" pitchFamily="49" charset="0"/>
+                        </a:rPr>
+                        <a:t>count.put</a:t>
+                      </a:r>
+                      <a:r>
+                        <a:rPr lang="en-US" altLang="zh-CN" sz="1100" b="0" i="0" u="none" strike="noStrike" baseline="0" dirty="0">
+                          <a:solidFill>
+                            <a:srgbClr val="0070C0"/>
+                          </a:solidFill>
+                          <a:latin typeface="Courier New" panose="02070309020205020404" pitchFamily="49" charset="0"/>
+                          <a:cs typeface="Courier New" panose="02070309020205020404" pitchFamily="49" charset="0"/>
+                        </a:rPr>
+                        <a:t>(name, </a:t>
+                      </a:r>
+                      <a:r>
+                        <a:rPr lang="en-US" altLang="zh-CN" sz="1100" b="0" i="0" u="none" strike="noStrike" baseline="0" dirty="0" err="1">
+                          <a:solidFill>
+                            <a:srgbClr val="0070C0"/>
+                          </a:solidFill>
+                          <a:latin typeface="Courier New" panose="02070309020205020404" pitchFamily="49" charset="0"/>
+                          <a:cs typeface="Courier New" panose="02070309020205020404" pitchFamily="49" charset="0"/>
+                        </a:rPr>
+                        <a:t>count.get</a:t>
+                      </a:r>
+                      <a:r>
+                        <a:rPr lang="en-US" altLang="zh-CN" sz="1100" b="0" i="0" u="none" strike="noStrike" baseline="0" dirty="0">
+                          <a:solidFill>
+                            <a:srgbClr val="0070C0"/>
+                          </a:solidFill>
+                          <a:latin typeface="Courier New" panose="02070309020205020404" pitchFamily="49" charset="0"/>
+                          <a:cs typeface="Courier New" panose="02070309020205020404" pitchFamily="49" charset="0"/>
+                        </a:rPr>
+                        <a:t>(name) + 1);</a:t>
+                      </a:r>
+                      <a:endParaRPr lang="en-US" altLang="zh-CN" sz="1100" b="0" i="0" u="none" strike="noStrike" baseline="0" dirty="0">
+                        <a:solidFill>
+                          <a:srgbClr val="000000"/>
+                        </a:solidFill>
+                        <a:latin typeface="Courier New" panose="02070309020205020404" pitchFamily="49" charset="0"/>
+                        <a:cs typeface="Courier New" panose="02070309020205020404" pitchFamily="49" charset="0"/>
+                      </a:endParaRPr>
+                    </a:p>
+                    <a:p>
+                      <a:pPr marR="0" algn="l" rtl="0"/>
+                      <a:r>
+                        <a:rPr lang="en-US" altLang="zh-CN" sz="1100" b="0" i="0" u="none" strike="noStrike" baseline="0" dirty="0">
+                          <a:solidFill>
+                            <a:srgbClr val="000000"/>
+                          </a:solidFill>
+                          <a:latin typeface="Courier New" panose="02070309020205020404" pitchFamily="49" charset="0"/>
+                          <a:cs typeface="Courier New" panose="02070309020205020404" pitchFamily="49" charset="0"/>
+                        </a:rPr>
+                        <a:t>   } else {</a:t>
+                      </a:r>
+                    </a:p>
+                    <a:p>
+                      <a:pPr marR="0" algn="l" rtl="0"/>
+                      <a:r>
+                        <a:rPr lang="en-US" altLang="zh-CN" sz="1100" b="0" i="0" u="none" strike="noStrike" baseline="0" dirty="0">
+                          <a:solidFill>
+                            <a:srgbClr val="0070C0"/>
+                          </a:solidFill>
+                          <a:latin typeface="Courier New" panose="02070309020205020404" pitchFamily="49" charset="0"/>
+                          <a:cs typeface="Courier New" panose="02070309020205020404" pitchFamily="49" charset="0"/>
+                        </a:rPr>
+                        <a:t>+    </a:t>
+                      </a:r>
+                      <a:r>
+                        <a:rPr lang="en-US" altLang="zh-CN" sz="1100" b="0" i="0" u="none" strike="noStrike" baseline="0" dirty="0" err="1">
+                          <a:solidFill>
+                            <a:srgbClr val="0070C0"/>
+                          </a:solidFill>
+                          <a:latin typeface="Courier New" panose="02070309020205020404" pitchFamily="49" charset="0"/>
+                          <a:cs typeface="Courier New" panose="02070309020205020404" pitchFamily="49" charset="0"/>
+                        </a:rPr>
+                        <a:t>count.put</a:t>
+                      </a:r>
+                      <a:r>
+                        <a:rPr lang="en-US" altLang="zh-CN" sz="1100" b="0" i="0" u="none" strike="noStrike" baseline="0" dirty="0">
+                          <a:solidFill>
+                            <a:srgbClr val="0070C0"/>
+                          </a:solidFill>
+                          <a:latin typeface="Courier New" panose="02070309020205020404" pitchFamily="49" charset="0"/>
+                          <a:cs typeface="Courier New" panose="02070309020205020404" pitchFamily="49" charset="0"/>
+                        </a:rPr>
+                        <a:t>(name, 1);</a:t>
+                      </a:r>
+                      <a:endParaRPr lang="en-US" altLang="zh-CN" sz="1100" b="0" i="0" u="none" strike="noStrike" baseline="0" dirty="0">
+                        <a:solidFill>
+                          <a:srgbClr val="000000"/>
+                        </a:solidFill>
+                        <a:latin typeface="Courier New" panose="02070309020205020404" pitchFamily="49" charset="0"/>
+                        <a:cs typeface="Courier New" panose="02070309020205020404" pitchFamily="49" charset="0"/>
+                      </a:endParaRPr>
+                    </a:p>
+                    <a:p>
+                      <a:pPr marR="0" algn="l" rtl="0"/>
+                      <a:r>
+                        <a:rPr lang="en-US" altLang="zh-CN" sz="1100" b="0" i="0" u="none" strike="noStrike" baseline="0" dirty="0">
+                          <a:solidFill>
+                            <a:srgbClr val="000000"/>
+                          </a:solidFill>
+                          <a:latin typeface="Courier New" panose="02070309020205020404" pitchFamily="49" charset="0"/>
+                          <a:cs typeface="Courier New" panose="02070309020205020404" pitchFamily="49" charset="0"/>
+                        </a:rPr>
+                        <a:t>   }</a:t>
+                      </a:r>
+                    </a:p>
+                    <a:p>
+                      <a:pPr marR="0" algn="l" rtl="0"/>
+                      <a:r>
+                        <a:rPr lang="en-US" altLang="zh-CN" sz="1100" b="0" i="0" u="none" strike="noStrike" baseline="0" dirty="0">
+                          <a:solidFill>
+                            <a:srgbClr val="000000"/>
+                          </a:solidFill>
+                          <a:latin typeface="Courier New" panose="02070309020205020404" pitchFamily="49" charset="0"/>
+                          <a:cs typeface="Courier New" panose="02070309020205020404" pitchFamily="49" charset="0"/>
+                        </a:rPr>
+                        <a:t> }</a:t>
+                      </a:r>
+                      <a:endParaRPr lang="zh-CN" altLang="en-US" sz="1100" dirty="0">
+                        <a:latin typeface="Courier New" panose="02070309020205020404" pitchFamily="49" charset="0"/>
+                        <a:cs typeface="Courier New" panose="02070309020205020404" pitchFamily="49" charset="0"/>
+                      </a:endParaRPr>
+                    </a:p>
+                  </a:txBody>
+                  <a:tcPr/>
+                </a:tc>
+                <a:tc>
+                  <a:txBody>
+                    <a:bodyPr/>
+                    <a:lstStyle/>
+                    <a:p>
+                      <a:pPr marR="0" algn="l" rtl="0"/>
+                      <a:r>
+                        <a:rPr lang="en-US" altLang="zh-CN" sz="1100" b="0" i="0" u="none" strike="noStrike" baseline="0" dirty="0">
+                          <a:solidFill>
+                            <a:srgbClr val="000000"/>
+                          </a:solidFill>
+                          <a:latin typeface="Courier New" panose="02070309020205020404" pitchFamily="49" charset="0"/>
+                          <a:cs typeface="Courier New" panose="02070309020205020404" pitchFamily="49" charset="0"/>
+                        </a:rPr>
+                        <a:t>synchronized (obj1) {</a:t>
+                      </a:r>
+                    </a:p>
+                    <a:p>
+                      <a:pPr marR="0" algn="l" rtl="0"/>
+                      <a:r>
+                        <a:rPr lang="en-US" altLang="zh-CN" sz="1100" b="0" i="0" u="none" strike="noStrike" baseline="0" dirty="0">
+                          <a:solidFill>
+                            <a:srgbClr val="000000"/>
+                          </a:solidFill>
+                          <a:latin typeface="Courier New" panose="02070309020205020404" pitchFamily="49" charset="0"/>
+                          <a:cs typeface="Courier New" panose="02070309020205020404" pitchFamily="49" charset="0"/>
+                        </a:rPr>
+                        <a:t>  ...</a:t>
+                      </a:r>
+                    </a:p>
+                    <a:p>
+                      <a:pPr marR="0" algn="l" rtl="0"/>
+                      <a:r>
+                        <a:rPr lang="en-US" altLang="zh-CN" sz="1100" b="0" i="0" u="none" strike="noStrike" baseline="0" dirty="0">
+                          <a:solidFill>
+                            <a:srgbClr val="000000"/>
+                          </a:solidFill>
+                          <a:latin typeface="Courier New" panose="02070309020205020404" pitchFamily="49" charset="0"/>
+                          <a:cs typeface="Courier New" panose="02070309020205020404" pitchFamily="49" charset="0"/>
+                        </a:rPr>
+                        <a:t>}</a:t>
+                      </a:r>
+                      <a:endParaRPr lang="zh-CN" altLang="en-US" sz="1100" dirty="0">
+                        <a:latin typeface="Courier New" panose="02070309020205020404" pitchFamily="49" charset="0"/>
+                        <a:cs typeface="Courier New" panose="02070309020205020404" pitchFamily="49" charset="0"/>
+                      </a:endParaRPr>
+                    </a:p>
+                  </a:txBody>
+                  <a:tcPr anchor="ctr"/>
+                </a:tc>
+                <a:tc>
+                  <a:txBody>
+                    <a:bodyPr/>
+                    <a:lstStyle/>
+                    <a:p>
+                      <a:pPr marR="0" algn="l" rtl="0"/>
+                      <a:r>
+                        <a:rPr lang="en-US" altLang="zh-CN" sz="1100" b="0" i="0" u="none" strike="noStrike" baseline="0" dirty="0">
+                          <a:solidFill>
+                            <a:srgbClr val="000000"/>
+                          </a:solidFill>
+                          <a:latin typeface="Courier New" panose="02070309020205020404" pitchFamily="49" charset="0"/>
+                          <a:cs typeface="Courier New" panose="02070309020205020404" pitchFamily="49" charset="0"/>
+                        </a:rPr>
+                        <a:t>synchronized (obj2) {</a:t>
+                      </a:r>
+                    </a:p>
+                    <a:p>
+                      <a:pPr marR="0" algn="l" rtl="0"/>
+                      <a:r>
+                        <a:rPr lang="en-US" altLang="zh-CN" sz="1100" b="0" i="0" u="none" strike="noStrike" baseline="0" dirty="0">
+                          <a:solidFill>
+                            <a:srgbClr val="000000"/>
+                          </a:solidFill>
+                          <a:latin typeface="Courier New" panose="02070309020205020404" pitchFamily="49" charset="0"/>
+                          <a:cs typeface="Courier New" panose="02070309020205020404" pitchFamily="49" charset="0"/>
+                        </a:rPr>
+                        <a:t>  ...</a:t>
+                      </a:r>
+                    </a:p>
+                    <a:p>
+                      <a:pPr marR="0" algn="l" rtl="0"/>
+                      <a:r>
+                        <a:rPr lang="en-US" altLang="zh-CN" sz="1100" b="0" i="0" u="none" strike="noStrike" baseline="0" dirty="0">
+                          <a:solidFill>
+                            <a:srgbClr val="000000"/>
+                          </a:solidFill>
+                          <a:latin typeface="Courier New" panose="02070309020205020404" pitchFamily="49" charset="0"/>
+                          <a:cs typeface="Courier New" panose="02070309020205020404" pitchFamily="49" charset="0"/>
+                        </a:rPr>
+                        <a:t>}</a:t>
+                      </a:r>
+                      <a:endParaRPr lang="zh-CN" altLang="en-US" sz="1100" dirty="0">
+                        <a:latin typeface="Courier New" panose="02070309020205020404" pitchFamily="49" charset="0"/>
+                        <a:cs typeface="Courier New" panose="02070309020205020404" pitchFamily="49" charset="0"/>
+                      </a:endParaRPr>
+                    </a:p>
+                  </a:txBody>
+                  <a:tcPr anchor="ctr"/>
+                </a:tc>
+                <a:extLst>
+                  <a:ext uri="{0D108BD9-81ED-4DB2-BD59-A6C34878D82A}">
+                    <a16:rowId xmlns:a16="http://schemas.microsoft.com/office/drawing/2014/main" val="1325939187"/>
+                  </a:ext>
+                </a:extLst>
+              </a:tr>
+              <a:tr h="1765017">
+                <a:tc>
+                  <a:txBody>
+                    <a:bodyPr/>
+                    <a:lstStyle/>
+                    <a:p>
+                      <a:pPr marR="0" algn="ctr" rtl="0"/>
+                      <a:r>
+                        <a:rPr lang="en-US" altLang="zh-CN" sz="1100" dirty="0">
+                          <a:latin typeface="Courier New" panose="02070309020205020404" pitchFamily="49" charset="0"/>
+                          <a:cs typeface="Courier New" panose="02070309020205020404" pitchFamily="49" charset="0"/>
+                        </a:rPr>
+                        <a:t>4</a:t>
+                      </a:r>
+                      <a:endParaRPr lang="zh-CN" altLang="en-US" sz="1100" dirty="0">
+                        <a:latin typeface="Courier New" panose="02070309020205020404" pitchFamily="49" charset="0"/>
+                        <a:cs typeface="Courier New" panose="02070309020205020404" pitchFamily="49" charset="0"/>
+                      </a:endParaRPr>
+                    </a:p>
+                  </a:txBody>
+                  <a:tcPr anchor="ctr"/>
+                </a:tc>
+                <a:tc>
+                  <a:txBody>
+                    <a:bodyPr/>
+                    <a:lstStyle/>
+                    <a:p>
+                      <a:pPr marR="0" algn="l" rtl="0"/>
+                      <a:endParaRPr lang="en-US" altLang="zh-CN" sz="1100" dirty="0">
+                        <a:solidFill>
+                          <a:srgbClr val="FF0000"/>
+                        </a:solidFill>
+                        <a:latin typeface="Courier New" panose="02070309020205020404" pitchFamily="49" charset="0"/>
+                        <a:cs typeface="Courier New" panose="02070309020205020404" pitchFamily="49" charset="0"/>
+                      </a:endParaRPr>
+                    </a:p>
+                    <a:p>
+                      <a:pPr marR="0" algn="l" rtl="0"/>
+                      <a:r>
+                        <a:rPr lang="en-US" altLang="zh-CN" sz="1100" dirty="0">
+                          <a:solidFill>
+                            <a:srgbClr val="C00000"/>
+                          </a:solidFill>
+                          <a:latin typeface="Courier New" panose="02070309020205020404" pitchFamily="49" charset="0"/>
+                          <a:cs typeface="Courier New" panose="02070309020205020404" pitchFamily="49" charset="0"/>
+                        </a:rPr>
+                        <a:t>-static volatile Digester </a:t>
+                      </a:r>
+                      <a:r>
+                        <a:rPr lang="en-US" altLang="zh-CN" sz="1100" dirty="0" err="1">
+                          <a:solidFill>
+                            <a:srgbClr val="C00000"/>
+                          </a:solidFill>
+                          <a:latin typeface="Courier New" panose="02070309020205020404" pitchFamily="49" charset="0"/>
+                          <a:cs typeface="Courier New" panose="02070309020205020404" pitchFamily="49" charset="0"/>
+                        </a:rPr>
+                        <a:t>digester</a:t>
+                      </a:r>
+                      <a:r>
+                        <a:rPr lang="en-US" altLang="zh-CN" sz="1100" dirty="0">
+                          <a:solidFill>
+                            <a:srgbClr val="C00000"/>
+                          </a:solidFill>
+                          <a:latin typeface="Courier New" panose="02070309020205020404" pitchFamily="49" charset="0"/>
+                          <a:cs typeface="Courier New" panose="02070309020205020404" pitchFamily="49" charset="0"/>
+                        </a:rPr>
+                        <a:t> = null;</a:t>
+                      </a:r>
+                    </a:p>
+                    <a:p>
+                      <a:pPr marR="0" algn="l" rtl="0"/>
+                      <a:r>
+                        <a:rPr lang="en-US" altLang="zh-CN" sz="1100" dirty="0">
+                          <a:solidFill>
+                            <a:srgbClr val="FF0000"/>
+                          </a:solidFill>
+                          <a:latin typeface="Courier New" panose="02070309020205020404" pitchFamily="49" charset="0"/>
+                          <a:cs typeface="Courier New" panose="02070309020205020404" pitchFamily="49" charset="0"/>
+                        </a:rPr>
+                        <a:t>-if (digester == null) {</a:t>
+                      </a:r>
+                    </a:p>
+                    <a:p>
+                      <a:pPr marR="0" algn="l" rtl="0"/>
+                      <a:r>
+                        <a:rPr lang="en-US" altLang="zh-CN" sz="1100" dirty="0">
+                          <a:solidFill>
+                            <a:srgbClr val="FF0000"/>
+                          </a:solidFill>
+                          <a:latin typeface="Courier New" panose="02070309020205020404" pitchFamily="49" charset="0"/>
+                          <a:cs typeface="Courier New" panose="02070309020205020404" pitchFamily="49" charset="0"/>
+                        </a:rPr>
+                        <a:t>-  digester = </a:t>
+                      </a:r>
+                      <a:r>
+                        <a:rPr lang="en-US" altLang="zh-CN" sz="1100" dirty="0" err="1">
+                          <a:solidFill>
+                            <a:srgbClr val="FF0000"/>
+                          </a:solidFill>
+                          <a:latin typeface="Courier New" panose="02070309020205020404" pitchFamily="49" charset="0"/>
+                          <a:cs typeface="Courier New" panose="02070309020205020404" pitchFamily="49" charset="0"/>
+                        </a:rPr>
+                        <a:t>createDigester</a:t>
+                      </a:r>
+                      <a:r>
+                        <a:rPr lang="en-US" altLang="zh-CN" sz="1100" dirty="0">
+                          <a:solidFill>
+                            <a:srgbClr val="FF0000"/>
+                          </a:solidFill>
+                          <a:latin typeface="Courier New" panose="02070309020205020404" pitchFamily="49" charset="0"/>
+                          <a:cs typeface="Courier New" panose="02070309020205020404" pitchFamily="49" charset="0"/>
+                        </a:rPr>
+                        <a:t>();</a:t>
+                      </a:r>
+                    </a:p>
+                    <a:p>
+                      <a:pPr marR="0" algn="l" rtl="0"/>
+                      <a:r>
+                        <a:rPr lang="en-US" altLang="zh-CN" sz="1100" dirty="0">
+                          <a:solidFill>
+                            <a:srgbClr val="FF0000"/>
+                          </a:solidFill>
+                          <a:latin typeface="Courier New" panose="02070309020205020404" pitchFamily="49" charset="0"/>
+                          <a:cs typeface="Courier New" panose="02070309020205020404" pitchFamily="49" charset="0"/>
+                        </a:rPr>
+                        <a:t>-}</a:t>
+                      </a:r>
+                    </a:p>
+                    <a:p>
+                      <a:pPr marR="0" algn="l" rtl="0"/>
+                      <a:r>
+                        <a:rPr lang="en-US" altLang="zh-CN" sz="1100" dirty="0">
+                          <a:solidFill>
+                            <a:srgbClr val="FF0000"/>
+                          </a:solidFill>
+                          <a:latin typeface="Courier New" panose="02070309020205020404" pitchFamily="49" charset="0"/>
+                          <a:cs typeface="Courier New" panose="02070309020205020404" pitchFamily="49" charset="0"/>
+                        </a:rPr>
+                        <a:t>-synchronized (digester) {</a:t>
+                      </a:r>
+                    </a:p>
+                    <a:p>
+                      <a:pPr marR="0" algn="l" rtl="0"/>
+                      <a:endParaRPr lang="en-US" altLang="zh-CN" sz="1100" dirty="0">
+                        <a:solidFill>
+                          <a:srgbClr val="FF0000"/>
+                        </a:solidFill>
+                        <a:latin typeface="Courier New" panose="02070309020205020404" pitchFamily="49" charset="0"/>
+                        <a:cs typeface="Courier New" panose="02070309020205020404" pitchFamily="49" charset="0"/>
+                      </a:endParaRPr>
+                    </a:p>
+                    <a:p>
+                      <a:pPr marR="0" algn="l" rtl="0"/>
+                      <a:endParaRPr lang="en-US" altLang="zh-CN" sz="1100" dirty="0">
+                        <a:solidFill>
+                          <a:srgbClr val="FF0000"/>
+                        </a:solidFill>
+                        <a:latin typeface="Courier New" panose="02070309020205020404" pitchFamily="49" charset="0"/>
+                        <a:cs typeface="Courier New" panose="02070309020205020404" pitchFamily="49" charset="0"/>
+                      </a:endParaRPr>
+                    </a:p>
+                    <a:p>
+                      <a:pPr marR="0" algn="l" rtl="0"/>
+                      <a:endParaRPr lang="en-US" altLang="zh-CN" sz="1100" dirty="0">
+                        <a:solidFill>
+                          <a:srgbClr val="FF0000"/>
+                        </a:solidFill>
+                        <a:latin typeface="Courier New" panose="02070309020205020404" pitchFamily="49" charset="0"/>
+                        <a:cs typeface="Courier New" panose="02070309020205020404" pitchFamily="49" charset="0"/>
+                      </a:endParaRPr>
+                    </a:p>
+                    <a:p>
+                      <a:pPr marR="0" algn="l" rtl="0"/>
+                      <a:r>
+                        <a:rPr lang="en-US" altLang="zh-CN" sz="1100" dirty="0">
+                          <a:solidFill>
+                            <a:schemeClr val="tx1"/>
+                          </a:solidFill>
+                          <a:latin typeface="Courier New" panose="02070309020205020404" pitchFamily="49" charset="0"/>
+                          <a:cs typeface="Courier New" panose="02070309020205020404" pitchFamily="49" charset="0"/>
+                        </a:rPr>
+                        <a:t>   ...</a:t>
+                      </a:r>
+                    </a:p>
+                    <a:p>
+                      <a:pPr marR="0" algn="l" rtl="0"/>
+                      <a:r>
+                        <a:rPr lang="en-US" altLang="zh-CN" sz="1100" dirty="0">
+                          <a:solidFill>
+                            <a:schemeClr val="tx1"/>
+                          </a:solidFill>
+                          <a:latin typeface="Courier New" panose="02070309020205020404" pitchFamily="49" charset="0"/>
+                          <a:cs typeface="Courier New" panose="02070309020205020404" pitchFamily="49" charset="0"/>
+                        </a:rPr>
+                        <a:t> }</a:t>
+                      </a:r>
+                      <a:endParaRPr lang="zh-CN" altLang="en-US" sz="1100" dirty="0">
+                        <a:solidFill>
+                          <a:schemeClr val="tx1"/>
+                        </a:solidFill>
+                        <a:latin typeface="Courier New" panose="02070309020205020404" pitchFamily="49" charset="0"/>
+                        <a:cs typeface="Courier New" panose="02070309020205020404" pitchFamily="49" charset="0"/>
+                      </a:endParaRPr>
+                    </a:p>
+                  </a:txBody>
+                  <a:tcPr/>
+                </a:tc>
+                <a:tc>
+                  <a:txBody>
+                    <a:bodyPr/>
+                    <a:lstStyle/>
+                    <a:p>
+                      <a:pPr marR="0" algn="l" rtl="0"/>
+                      <a:r>
+                        <a:rPr lang="en-US" altLang="zh-CN" sz="1100" dirty="0">
+                          <a:latin typeface="Courier New" panose="02070309020205020404" pitchFamily="49" charset="0"/>
+                          <a:cs typeface="Courier New" panose="02070309020205020404" pitchFamily="49" charset="0"/>
+                        </a:rPr>
+                        <a:t>+static final Object </a:t>
+                      </a:r>
+                      <a:r>
+                        <a:rPr lang="en-US" altLang="zh-CN" sz="1100" dirty="0" err="1">
+                          <a:latin typeface="Courier New" panose="02070309020205020404" pitchFamily="49" charset="0"/>
+                          <a:cs typeface="Courier New" panose="02070309020205020404" pitchFamily="49" charset="0"/>
+                        </a:rPr>
+                        <a:t>dLock</a:t>
+                      </a:r>
+                      <a:r>
+                        <a:rPr lang="en-US" altLang="zh-CN" sz="1100" dirty="0">
+                          <a:latin typeface="Courier New" panose="02070309020205020404" pitchFamily="49" charset="0"/>
+                          <a:cs typeface="Courier New" panose="02070309020205020404" pitchFamily="49" charset="0"/>
+                        </a:rPr>
+                        <a:t> = new Object();</a:t>
+                      </a:r>
+                    </a:p>
+                    <a:p>
+                      <a:pPr marR="0" algn="l" rtl="0"/>
+                      <a:r>
+                        <a:rPr lang="en-US" altLang="zh-CN" sz="1100" dirty="0">
+                          <a:latin typeface="Courier New" panose="02070309020205020404" pitchFamily="49" charset="0"/>
+                          <a:cs typeface="Courier New" panose="02070309020205020404" pitchFamily="49" charset="0"/>
+                        </a:rPr>
+                        <a:t>+static Digester </a:t>
+                      </a:r>
+                      <a:r>
+                        <a:rPr lang="en-US" altLang="zh-CN" sz="1100" dirty="0" err="1">
+                          <a:latin typeface="Courier New" panose="02070309020205020404" pitchFamily="49" charset="0"/>
+                          <a:cs typeface="Courier New" panose="02070309020205020404" pitchFamily="49" charset="0"/>
+                        </a:rPr>
+                        <a:t>digester</a:t>
+                      </a:r>
+                      <a:r>
+                        <a:rPr lang="en-US" altLang="zh-CN" sz="1100" dirty="0">
+                          <a:latin typeface="Courier New" panose="02070309020205020404" pitchFamily="49" charset="0"/>
+                          <a:cs typeface="Courier New" panose="02070309020205020404" pitchFamily="49" charset="0"/>
+                        </a:rPr>
+                        <a:t> = null;</a:t>
+                      </a:r>
+                    </a:p>
+                    <a:p>
+                      <a:pPr marR="0" algn="l" rtl="0"/>
+                      <a:endParaRPr lang="en-US" altLang="zh-CN" sz="1100" dirty="0">
+                        <a:latin typeface="Courier New" panose="02070309020205020404" pitchFamily="49" charset="0"/>
+                        <a:cs typeface="Courier New" panose="02070309020205020404" pitchFamily="49" charset="0"/>
+                      </a:endParaRPr>
+                    </a:p>
+                    <a:p>
+                      <a:pPr marR="0" algn="l" rtl="0"/>
+                      <a:endParaRPr lang="en-US" altLang="zh-CN" sz="1100" dirty="0">
+                        <a:latin typeface="Courier New" panose="02070309020205020404" pitchFamily="49" charset="0"/>
+                        <a:cs typeface="Courier New" panose="02070309020205020404" pitchFamily="49" charset="0"/>
+                      </a:endParaRPr>
+                    </a:p>
+                    <a:p>
+                      <a:pPr marR="0" algn="l" rtl="0"/>
+                      <a:endParaRPr lang="en-US" altLang="zh-CN" sz="1100" dirty="0">
+                        <a:latin typeface="Courier New" panose="02070309020205020404" pitchFamily="49" charset="0"/>
+                        <a:cs typeface="Courier New" panose="02070309020205020404" pitchFamily="49" charset="0"/>
+                      </a:endParaRPr>
+                    </a:p>
+                    <a:p>
+                      <a:pPr marR="0" algn="l" rtl="0"/>
+                      <a:r>
+                        <a:rPr lang="en-US" altLang="zh-CN" sz="1100" dirty="0">
+                          <a:latin typeface="Courier New" panose="02070309020205020404" pitchFamily="49" charset="0"/>
+                          <a:cs typeface="Courier New" panose="02070309020205020404" pitchFamily="49" charset="0"/>
+                        </a:rPr>
+                        <a:t>+synchronized (</a:t>
+                      </a:r>
+                      <a:r>
+                        <a:rPr lang="en-US" altLang="zh-CN" sz="1100" dirty="0" err="1">
+                          <a:latin typeface="Courier New" panose="02070309020205020404" pitchFamily="49" charset="0"/>
+                          <a:cs typeface="Courier New" panose="02070309020205020404" pitchFamily="49" charset="0"/>
+                        </a:rPr>
+                        <a:t>dLock</a:t>
+                      </a:r>
+                      <a:r>
+                        <a:rPr lang="en-US" altLang="zh-CN" sz="1100" dirty="0">
+                          <a:latin typeface="Courier New" panose="02070309020205020404" pitchFamily="49" charset="0"/>
+                          <a:cs typeface="Courier New" panose="02070309020205020404" pitchFamily="49" charset="0"/>
+                        </a:rPr>
+                        <a:t>) {</a:t>
+                      </a:r>
+                    </a:p>
+                    <a:p>
+                      <a:pPr marR="0" algn="l" rtl="0"/>
+                      <a:r>
+                        <a:rPr lang="en-US" altLang="zh-CN" sz="1100" dirty="0">
+                          <a:latin typeface="Courier New" panose="02070309020205020404" pitchFamily="49" charset="0"/>
+                          <a:cs typeface="Courier New" panose="02070309020205020404" pitchFamily="49" charset="0"/>
+                        </a:rPr>
+                        <a:t>+  if (digester == null) {</a:t>
+                      </a:r>
+                    </a:p>
+                    <a:p>
+                      <a:pPr marR="0" algn="l" rtl="0"/>
+                      <a:r>
+                        <a:rPr lang="en-US" altLang="zh-CN" sz="1100" dirty="0">
+                          <a:latin typeface="Courier New" panose="02070309020205020404" pitchFamily="49" charset="0"/>
+                          <a:cs typeface="Courier New" panose="02070309020205020404" pitchFamily="49" charset="0"/>
+                        </a:rPr>
+                        <a:t>+    digester = </a:t>
+                      </a:r>
+                      <a:r>
+                        <a:rPr lang="en-US" altLang="zh-CN" sz="1100" dirty="0" err="1">
+                          <a:latin typeface="Courier New" panose="02070309020205020404" pitchFamily="49" charset="0"/>
+                          <a:cs typeface="Courier New" panose="02070309020205020404" pitchFamily="49" charset="0"/>
+                        </a:rPr>
+                        <a:t>createDigester</a:t>
+                      </a:r>
+                      <a:r>
+                        <a:rPr lang="en-US" altLang="zh-CN" sz="1100" dirty="0">
+                          <a:latin typeface="Courier New" panose="02070309020205020404" pitchFamily="49" charset="0"/>
+                          <a:cs typeface="Courier New" panose="02070309020205020404" pitchFamily="49" charset="0"/>
+                        </a:rPr>
+                        <a:t>();</a:t>
+                      </a:r>
+                    </a:p>
+                    <a:p>
+                      <a:pPr marR="0" algn="l" rtl="0"/>
+                      <a:r>
+                        <a:rPr lang="en-US" altLang="zh-CN" sz="1100" dirty="0">
+                          <a:latin typeface="Courier New" panose="02070309020205020404" pitchFamily="49" charset="0"/>
+                          <a:cs typeface="Courier New" panose="02070309020205020404" pitchFamily="49" charset="0"/>
+                        </a:rPr>
+                        <a:t>+  }</a:t>
+                      </a:r>
+                    </a:p>
+                    <a:p>
+                      <a:pPr marR="0" algn="l" rtl="0"/>
+                      <a:r>
+                        <a:rPr lang="en-US" altLang="zh-CN" sz="1100" dirty="0">
+                          <a:latin typeface="Courier New" panose="02070309020205020404" pitchFamily="49" charset="0"/>
+                          <a:cs typeface="Courier New" panose="02070309020205020404" pitchFamily="49" charset="0"/>
+                        </a:rPr>
+                        <a:t>   ...</a:t>
+                      </a:r>
+                    </a:p>
+                    <a:p>
+                      <a:pPr marR="0" algn="l" rtl="0"/>
+                      <a:r>
+                        <a:rPr lang="en-US" altLang="zh-CN" sz="1100">
+                          <a:latin typeface="Courier New" panose="02070309020205020404" pitchFamily="49" charset="0"/>
+                          <a:cs typeface="Courier New" panose="02070309020205020404" pitchFamily="49" charset="0"/>
+                        </a:rPr>
+                        <a:t> }</a:t>
+                      </a:r>
+                      <a:endParaRPr lang="en-US" altLang="zh-CN" sz="1100" dirty="0">
+                        <a:latin typeface="Courier New" panose="02070309020205020404" pitchFamily="49" charset="0"/>
+                        <a:cs typeface="Courier New" panose="02070309020205020404" pitchFamily="49" charset="0"/>
+                      </a:endParaRPr>
+                    </a:p>
+                  </a:txBody>
+                  <a:tcPr/>
+                </a:tc>
+                <a:tc>
+                  <a:txBody>
+                    <a:bodyPr/>
+                    <a:lstStyle/>
+                    <a:p>
+                      <a:pPr marR="0" algn="l" rtl="0"/>
+                      <a:endParaRPr lang="zh-CN" altLang="en-US" sz="1100" dirty="0">
+                        <a:latin typeface="Courier New" panose="02070309020205020404" pitchFamily="49" charset="0"/>
+                        <a:cs typeface="Courier New" panose="02070309020205020404" pitchFamily="49" charset="0"/>
+                      </a:endParaRPr>
+                    </a:p>
+                  </a:txBody>
+                  <a:tcPr anchor="ctr"/>
+                </a:tc>
+                <a:tc>
+                  <a:txBody>
+                    <a:bodyPr/>
+                    <a:lstStyle/>
+                    <a:p>
+                      <a:pPr marR="0" algn="l" rtl="0"/>
+                      <a:endParaRPr lang="zh-CN" altLang="en-US" sz="1100" dirty="0">
+                        <a:latin typeface="Courier New" panose="02070309020205020404" pitchFamily="49" charset="0"/>
+                        <a:cs typeface="Courier New" panose="02070309020205020404" pitchFamily="49" charset="0"/>
+                      </a:endParaRPr>
+                    </a:p>
+                  </a:txBody>
+                  <a:tcPr anchor="ctr"/>
+                </a:tc>
+                <a:extLst>
+                  <a:ext uri="{0D108BD9-81ED-4DB2-BD59-A6C34878D82A}">
+                    <a16:rowId xmlns:a16="http://schemas.microsoft.com/office/drawing/2014/main" val="3396948293"/>
+                  </a:ext>
+                </a:extLst>
+              </a:tr>
+              <a:tr h="1432560">
+                <a:tc>
+                  <a:txBody>
+                    <a:bodyPr/>
+                    <a:lstStyle/>
+                    <a:p>
+                      <a:pPr marR="0" algn="ctr" rtl="0"/>
+                      <a:r>
+                        <a:rPr lang="en-US" altLang="zh-CN" sz="1100" dirty="0">
+                          <a:latin typeface="Courier New" panose="02070309020205020404" pitchFamily="49" charset="0"/>
+                          <a:cs typeface="Courier New" panose="02070309020205020404" pitchFamily="49" charset="0"/>
+                        </a:rPr>
+                        <a:t>4</a:t>
+                      </a:r>
+                      <a:endParaRPr lang="zh-CN" altLang="en-US" sz="1100" dirty="0">
+                        <a:latin typeface="Courier New" panose="02070309020205020404" pitchFamily="49" charset="0"/>
+                        <a:cs typeface="Courier New" panose="02070309020205020404" pitchFamily="49" charset="0"/>
+                      </a:endParaRPr>
+                    </a:p>
+                  </a:txBody>
+                  <a:tcPr anchor="ctr"/>
+                </a:tc>
+                <a:tc>
+                  <a:txBody>
+                    <a:bodyPr/>
+                    <a:lstStyle/>
+                    <a:p>
+                      <a:pPr marR="0" algn="l" rtl="0"/>
+                      <a:r>
+                        <a:rPr lang="en-US" altLang="zh-CN" sz="1100" dirty="0">
+                          <a:solidFill>
+                            <a:srgbClr val="FF0000"/>
+                          </a:solidFill>
+                          <a:latin typeface="Courier New" panose="02070309020205020404" pitchFamily="49" charset="0"/>
+                          <a:cs typeface="Courier New" panose="02070309020205020404" pitchFamily="49" charset="0"/>
+                        </a:rPr>
+                        <a:t>-public synchronized void reset() {</a:t>
+                      </a:r>
+                    </a:p>
+                    <a:p>
+                      <a:pPr marR="0" algn="l" rtl="0"/>
+                      <a:endParaRPr lang="en-US" altLang="zh-CN" sz="1100" dirty="0">
+                        <a:solidFill>
+                          <a:srgbClr val="FF0000"/>
+                        </a:solidFill>
+                        <a:latin typeface="Courier New" panose="02070309020205020404" pitchFamily="49" charset="0"/>
+                        <a:cs typeface="Courier New" panose="02070309020205020404" pitchFamily="49" charset="0"/>
+                      </a:endParaRPr>
+                    </a:p>
+                    <a:p>
+                      <a:pPr marR="0" algn="l" rtl="0"/>
+                      <a:endParaRPr lang="en-US" altLang="zh-CN" sz="1100" dirty="0">
+                        <a:solidFill>
+                          <a:srgbClr val="FF0000"/>
+                        </a:solidFill>
+                        <a:latin typeface="Courier New" panose="02070309020205020404" pitchFamily="49" charset="0"/>
+                        <a:cs typeface="Courier New" panose="02070309020205020404" pitchFamily="49" charset="0"/>
+                      </a:endParaRPr>
+                    </a:p>
+                    <a:p>
+                      <a:pPr marR="0" algn="l" rtl="0"/>
+                      <a:endParaRPr lang="en-US" altLang="zh-CN" sz="1100" dirty="0">
+                        <a:solidFill>
+                          <a:srgbClr val="FF0000"/>
+                        </a:solidFill>
+                        <a:latin typeface="Courier New" panose="02070309020205020404" pitchFamily="49" charset="0"/>
+                        <a:cs typeface="Courier New" panose="02070309020205020404" pitchFamily="49" charset="0"/>
+                      </a:endParaRPr>
+                    </a:p>
+                    <a:p>
+                      <a:pPr marR="0" algn="l" rtl="0"/>
+                      <a:r>
+                        <a:rPr lang="en-US" altLang="zh-CN" sz="1100" dirty="0">
+                          <a:latin typeface="Courier New" panose="02070309020205020404" pitchFamily="49" charset="0"/>
+                          <a:cs typeface="Courier New" panose="02070309020205020404" pitchFamily="49" charset="0"/>
+                        </a:rPr>
+                        <a:t>   </a:t>
+                      </a:r>
+                      <a:r>
+                        <a:rPr lang="en-US" altLang="zh-CN" sz="1100" dirty="0" err="1">
+                          <a:latin typeface="Courier New" panose="02070309020205020404" pitchFamily="49" charset="0"/>
+                          <a:cs typeface="Courier New" panose="02070309020205020404" pitchFamily="49" charset="0"/>
+                        </a:rPr>
+                        <a:t>map.clear</a:t>
+                      </a:r>
+                      <a:r>
+                        <a:rPr lang="en-US" altLang="zh-CN" sz="1100" dirty="0">
+                          <a:latin typeface="Courier New" panose="02070309020205020404" pitchFamily="49" charset="0"/>
+                          <a:cs typeface="Courier New" panose="02070309020205020404" pitchFamily="49" charset="0"/>
+                        </a:rPr>
+                        <a:t>();</a:t>
+                      </a:r>
+                    </a:p>
+                    <a:p>
+                      <a:pPr marR="0" algn="l" rtl="0"/>
+                      <a:r>
+                        <a:rPr lang="en-US" altLang="zh-CN" sz="1100" dirty="0">
+                          <a:latin typeface="Courier New" panose="02070309020205020404" pitchFamily="49" charset="0"/>
+                          <a:cs typeface="Courier New" panose="02070309020205020404" pitchFamily="49" charset="0"/>
+                        </a:rPr>
+                        <a:t>   members = EMPTY_MEMBERS;</a:t>
+                      </a:r>
+                    </a:p>
+                    <a:p>
+                      <a:pPr marR="0" algn="l" rtl="0"/>
+                      <a:endParaRPr lang="en-US" altLang="zh-CN" sz="1100" dirty="0">
+                        <a:latin typeface="Courier New" panose="02070309020205020404" pitchFamily="49" charset="0"/>
+                        <a:cs typeface="Courier New" panose="02070309020205020404" pitchFamily="49" charset="0"/>
+                      </a:endParaRPr>
+                    </a:p>
+                    <a:p>
+                      <a:pPr marR="0" algn="l" rtl="0"/>
+                      <a:r>
+                        <a:rPr lang="en-US" altLang="zh-CN" sz="1100" dirty="0">
+                          <a:latin typeface="Courier New" panose="02070309020205020404" pitchFamily="49" charset="0"/>
+                          <a:cs typeface="Courier New" panose="02070309020205020404" pitchFamily="49" charset="0"/>
+                        </a:rPr>
+                        <a:t> }</a:t>
+                      </a:r>
+                    </a:p>
+                  </a:txBody>
+                  <a:tcPr/>
+                </a:tc>
+                <a:tc>
+                  <a:txBody>
+                    <a:bodyPr/>
+                    <a:lstStyle/>
+                    <a:p>
+                      <a:pPr marR="0" algn="l" rtl="0"/>
+                      <a:r>
+                        <a:rPr lang="en-US" altLang="zh-CN" sz="1100" dirty="0">
+                          <a:solidFill>
+                            <a:srgbClr val="0070C0"/>
+                          </a:solidFill>
+                          <a:latin typeface="Courier New" panose="02070309020205020404" pitchFamily="49" charset="0"/>
+                          <a:cs typeface="Courier New" panose="02070309020205020404" pitchFamily="49" charset="0"/>
+                        </a:rPr>
+                        <a:t>+private final Object </a:t>
+                      </a:r>
+                      <a:r>
+                        <a:rPr lang="en-US" altLang="zh-CN" sz="1100" dirty="0" err="1">
+                          <a:solidFill>
+                            <a:srgbClr val="0070C0"/>
+                          </a:solidFill>
+                          <a:latin typeface="Courier New" panose="02070309020205020404" pitchFamily="49" charset="0"/>
+                          <a:cs typeface="Courier New" panose="02070309020205020404" pitchFamily="49" charset="0"/>
+                        </a:rPr>
+                        <a:t>membersLock</a:t>
+                      </a:r>
+                      <a:r>
+                        <a:rPr lang="en-US" altLang="zh-CN" sz="1100" dirty="0">
+                          <a:solidFill>
+                            <a:srgbClr val="0070C0"/>
+                          </a:solidFill>
+                          <a:latin typeface="Courier New" panose="02070309020205020404" pitchFamily="49" charset="0"/>
+                          <a:cs typeface="Courier New" panose="02070309020205020404" pitchFamily="49" charset="0"/>
+                        </a:rPr>
+                        <a:t> = new</a:t>
+                      </a:r>
+                    </a:p>
+                    <a:p>
+                      <a:pPr marR="0" algn="l" rtl="0"/>
+                      <a:r>
+                        <a:rPr lang="en-US" altLang="zh-CN" sz="1100" dirty="0">
+                          <a:solidFill>
+                            <a:srgbClr val="0070C0"/>
+                          </a:solidFill>
+                          <a:latin typeface="Courier New" panose="02070309020205020404" pitchFamily="49" charset="0"/>
+                          <a:cs typeface="Courier New" panose="02070309020205020404" pitchFamily="49" charset="0"/>
+                        </a:rPr>
+                        <a:t>+  Object();</a:t>
+                      </a:r>
+                    </a:p>
+                    <a:p>
+                      <a:pPr marR="0" algn="l" rtl="0"/>
+                      <a:r>
+                        <a:rPr lang="en-US" altLang="zh-CN" sz="1100" dirty="0">
+                          <a:solidFill>
+                            <a:srgbClr val="0070C0"/>
+                          </a:solidFill>
+                          <a:latin typeface="Courier New" panose="02070309020205020404" pitchFamily="49" charset="0"/>
+                          <a:cs typeface="Courier New" panose="02070309020205020404" pitchFamily="49" charset="0"/>
+                        </a:rPr>
+                        <a:t>+public void reset() {</a:t>
+                      </a:r>
+                    </a:p>
+                    <a:p>
+                      <a:pPr marR="0" algn="l" rtl="0"/>
+                      <a:r>
+                        <a:rPr lang="en-US" altLang="zh-CN" sz="1100" dirty="0">
+                          <a:solidFill>
+                            <a:srgbClr val="0070C0"/>
+                          </a:solidFill>
+                          <a:latin typeface="Courier New" panose="02070309020205020404" pitchFamily="49" charset="0"/>
+                          <a:cs typeface="Courier New" panose="02070309020205020404" pitchFamily="49" charset="0"/>
+                        </a:rPr>
+                        <a:t>+  synchronized (</a:t>
+                      </a:r>
+                      <a:r>
+                        <a:rPr lang="en-US" altLang="zh-CN" sz="1100" dirty="0" err="1">
+                          <a:solidFill>
+                            <a:srgbClr val="0070C0"/>
+                          </a:solidFill>
+                          <a:latin typeface="Courier New" panose="02070309020205020404" pitchFamily="49" charset="0"/>
+                          <a:cs typeface="Courier New" panose="02070309020205020404" pitchFamily="49" charset="0"/>
+                        </a:rPr>
+                        <a:t>membersLock</a:t>
+                      </a:r>
+                      <a:r>
+                        <a:rPr lang="en-US" altLang="zh-CN" sz="1100" dirty="0">
+                          <a:solidFill>
+                            <a:srgbClr val="0070C0"/>
+                          </a:solidFill>
+                          <a:latin typeface="Courier New" panose="02070309020205020404" pitchFamily="49" charset="0"/>
+                          <a:cs typeface="Courier New" panose="02070309020205020404" pitchFamily="49" charset="0"/>
+                        </a:rPr>
+                        <a:t>) {</a:t>
+                      </a:r>
+                    </a:p>
+                    <a:p>
+                      <a:pPr marR="0" algn="l" rtl="0"/>
+                      <a:r>
+                        <a:rPr lang="en-US" altLang="zh-CN" sz="1100" dirty="0">
+                          <a:latin typeface="Courier New" panose="02070309020205020404" pitchFamily="49" charset="0"/>
+                          <a:cs typeface="Courier New" panose="02070309020205020404" pitchFamily="49" charset="0"/>
+                        </a:rPr>
+                        <a:t>     </a:t>
+                      </a:r>
+                      <a:r>
+                        <a:rPr lang="en-US" altLang="zh-CN" sz="1100" dirty="0" err="1">
+                          <a:latin typeface="Courier New" panose="02070309020205020404" pitchFamily="49" charset="0"/>
+                          <a:cs typeface="Courier New" panose="02070309020205020404" pitchFamily="49" charset="0"/>
+                        </a:rPr>
+                        <a:t>map.clear</a:t>
+                      </a:r>
+                      <a:r>
+                        <a:rPr lang="en-US" altLang="zh-CN" sz="1100" dirty="0">
+                          <a:latin typeface="Courier New" panose="02070309020205020404" pitchFamily="49" charset="0"/>
+                          <a:cs typeface="Courier New" panose="02070309020205020404" pitchFamily="49" charset="0"/>
+                        </a:rPr>
+                        <a:t>();</a:t>
                       </a:r>
                     </a:p>
                     <a:p>
@@ -6311,7 +6809,62 @@
                         <a:defRPr/>
                       </a:pPr>
                       <a:r>
-                        <a:rPr lang="en-US" altLang="zh-CN" sz="800" dirty="0">
+                        <a:rPr lang="en-US" altLang="zh-CN" sz="1100" dirty="0">
+                          <a:latin typeface="Courier New" panose="02070309020205020404" pitchFamily="49" charset="0"/>
+                          <a:cs typeface="Courier New" panose="02070309020205020404" pitchFamily="49" charset="0"/>
+                        </a:rPr>
+                        <a:t>     members = EMPTY_MEMBERS;</a:t>
+                      </a:r>
+                    </a:p>
+                    <a:p>
+                      <a:pPr marL="0" marR="0" lvl="0" indent="0" algn="l" defTabSz="914400" rtl="0" eaLnBrk="1" fontAlgn="auto" latinLnBrk="0" hangingPunct="1">
+                        <a:lnSpc>
+                          <a:spcPct val="100000"/>
+                        </a:lnSpc>
+                        <a:spcBef>
+                          <a:spcPts val="0"/>
+                        </a:spcBef>
+                        <a:spcAft>
+                          <a:spcPts val="0"/>
+                        </a:spcAft>
+                        <a:buClrTx/>
+                        <a:buSzTx/>
+                        <a:buFontTx/>
+                        <a:buNone/>
+                        <a:tabLst/>
+                        <a:defRPr/>
+                      </a:pPr>
+                      <a:r>
+                        <a:rPr lang="en-US" altLang="zh-CN" sz="1100" dirty="0">
+                          <a:solidFill>
+                            <a:srgbClr val="0070C0"/>
+                          </a:solidFill>
+                          <a:latin typeface="Courier New" panose="02070309020205020404" pitchFamily="49" charset="0"/>
+                          <a:cs typeface="Courier New" panose="02070309020205020404" pitchFamily="49" charset="0"/>
+                        </a:rPr>
+                        <a:t>+  }</a:t>
+                      </a:r>
+                    </a:p>
+                    <a:p>
+                      <a:pPr marL="0" marR="0" lvl="0" indent="0" algn="l" defTabSz="914400" rtl="0" eaLnBrk="1" fontAlgn="auto" latinLnBrk="0" hangingPunct="1">
+                        <a:lnSpc>
+                          <a:spcPct val="100000"/>
+                        </a:lnSpc>
+                        <a:spcBef>
+                          <a:spcPts val="0"/>
+                        </a:spcBef>
+                        <a:spcAft>
+                          <a:spcPts val="0"/>
+                        </a:spcAft>
+                        <a:buClrTx/>
+                        <a:buSzTx/>
+                        <a:buFontTx/>
+                        <a:buNone/>
+                        <a:tabLst/>
+                        <a:defRPr/>
+                      </a:pPr>
+                      <a:r>
+                        <a:rPr lang="en-US" altLang="zh-CN" sz="1100" dirty="0">
                           <a:latin typeface="Courier New" panose="02070309020205020404" pitchFamily="49" charset="0"/>
                           <a:cs typeface="Courier New" panose="02070309020205020404" pitchFamily="49" charset="0"/>
                         </a:rPr>
@@ -6328,7 +6881,7 @@
                     <a:p>
                       <a:pPr marR="0" algn="l" rtl="0"/>
                       <a:r>
-                        <a:rPr lang="en-US" altLang="zh-CN" sz="800" dirty="0">
+                        <a:rPr lang="en-US" altLang="zh-CN" sz="1100" dirty="0">
                           <a:latin typeface="Courier New" panose="02070309020205020404" pitchFamily="49" charset="0"/>
                           <a:cs typeface="Courier New" panose="02070309020205020404" pitchFamily="49" charset="0"/>
                         </a:rPr>
@@ -6338,7 +6891,7 @@
                     <a:p>
                       <a:pPr marR="0" algn="l" rtl="0"/>
                       <a:r>
-                        <a:rPr lang="en-US" altLang="zh-CN" sz="800" dirty="0">
+                        <a:rPr lang="en-US" altLang="zh-CN" sz="1100" dirty="0">
                           <a:latin typeface="Courier New" panose="02070309020205020404" pitchFamily="49" charset="0"/>
                           <a:cs typeface="Courier New" panose="02070309020205020404" pitchFamily="49" charset="0"/>
                         </a:rPr>
@@ -6348,13 +6901,13 @@
                     <a:p>
                       <a:pPr marR="0" algn="l" rtl="0"/>
                       <a:r>
-                        <a:rPr lang="en-US" altLang="zh-CN" sz="800" dirty="0">
+                        <a:rPr lang="en-US" altLang="zh-CN" sz="1100" dirty="0">
                           <a:latin typeface="Courier New" panose="02070309020205020404" pitchFamily="49" charset="0"/>
                           <a:cs typeface="Courier New" panose="02070309020205020404" pitchFamily="49" charset="0"/>
                         </a:rPr>
                         <a:t>}</a:t>
                       </a:r>
-                      <a:endParaRPr lang="zh-CN" altLang="en-US" sz="800" dirty="0">
+                      <a:endParaRPr lang="zh-CN" altLang="en-US" sz="1100" dirty="0">
                         <a:latin typeface="Courier New" panose="02070309020205020404" pitchFamily="49" charset="0"/>
                         <a:cs typeface="Courier New" panose="02070309020205020404" pitchFamily="49" charset="0"/>
                       </a:endParaRPr>
@@ -6369,7 +6922,7 @@
                     <a:p>
                       <a:pPr marR="0" algn="l" rtl="0"/>
                       <a:r>
-                        <a:rPr lang="en-US" altLang="zh-CN" sz="800" dirty="0">
+                        <a:rPr lang="en-US" altLang="zh-CN" sz="1100" dirty="0">
                           <a:latin typeface="Courier New" panose="02070309020205020404" pitchFamily="49" charset="0"/>
                           <a:cs typeface="Courier New" panose="02070309020205020404" pitchFamily="49" charset="0"/>
                         </a:rPr>
@@ -6379,21 +6932,21 @@
                     <a:p>
                       <a:pPr marR="0" algn="l" rtl="0"/>
                       <a:r>
-                        <a:rPr lang="en-US" altLang="zh-CN" sz="800" dirty="0">
+                        <a:rPr lang="en-US" altLang="zh-CN" sz="1100" dirty="0">
                           <a:latin typeface="Courier New" panose="02070309020205020404" pitchFamily="49" charset="0"/>
                           <a:cs typeface="Courier New" panose="02070309020205020404" pitchFamily="49" charset="0"/>
                         </a:rPr>
                         <a:t>  synchronized (</a:t>
                       </a:r>
                       <a:r>
-                        <a:rPr lang="en-US" altLang="zh-CN" sz="800" dirty="0" err="1">
+                        <a:rPr lang="en-US" altLang="zh-CN" sz="1100" dirty="0" err="1">
                           <a:latin typeface="Courier New" panose="02070309020205020404" pitchFamily="49" charset="0"/>
                           <a:cs typeface="Courier New" panose="02070309020205020404" pitchFamily="49" charset="0"/>
                         </a:rPr>
                         <a:t>obj</a:t>
                       </a:r>
                       <a:r>
-                        <a:rPr lang="en-US" altLang="zh-CN" sz="800" dirty="0">
+                        <a:rPr lang="en-US" altLang="zh-CN" sz="1100" dirty="0">
                           <a:latin typeface="Courier New" panose="02070309020205020404" pitchFamily="49" charset="0"/>
                           <a:cs typeface="Courier New" panose="02070309020205020404" pitchFamily="49" charset="0"/>
                         </a:rPr>
@@ -6403,7 +6956,7 @@
                     <a:p>
                       <a:pPr marR="0" algn="l" rtl="0"/>
                       <a:r>
-                        <a:rPr lang="en-US" altLang="zh-CN" sz="800" dirty="0">
+                        <a:rPr lang="en-US" altLang="zh-CN" sz="1100" dirty="0">
                           <a:latin typeface="Courier New" panose="02070309020205020404" pitchFamily="49" charset="0"/>
                           <a:cs typeface="Courier New" panose="02070309020205020404" pitchFamily="49" charset="0"/>
                         </a:rPr>
@@ -6413,7 +6966,7 @@
                     <a:p>
                       <a:pPr marR="0" algn="l" rtl="0"/>
                       <a:r>
-                        <a:rPr lang="en-US" altLang="zh-CN" sz="800" dirty="0">
+                        <a:rPr lang="en-US" altLang="zh-CN" sz="1100" dirty="0">
                           <a:latin typeface="Courier New" panose="02070309020205020404" pitchFamily="49" charset="0"/>
                           <a:cs typeface="Courier New" panose="02070309020205020404" pitchFamily="49" charset="0"/>
                         </a:rPr>
@@ -6423,13 +6976,13 @@
                     <a:p>
                       <a:pPr marR="0" algn="l" rtl="0"/>
                       <a:r>
-                        <a:rPr lang="en-US" altLang="zh-CN" sz="800" dirty="0">
+                        <a:rPr lang="en-US" altLang="zh-CN" sz="1100" dirty="0">
                           <a:latin typeface="Courier New" panose="02070309020205020404" pitchFamily="49" charset="0"/>
                           <a:cs typeface="Courier New" panose="02070309020205020404" pitchFamily="49" charset="0"/>
                         </a:rPr>
                         <a:t>}</a:t>
                       </a:r>
-                      <a:endParaRPr lang="zh-CN" altLang="en-US" sz="800" dirty="0">
+                      <a:endParaRPr lang="zh-CN" altLang="en-US" sz="1100" dirty="0">
                         <a:latin typeface="Courier New" panose="02070309020205020404" pitchFamily="49" charset="0"/>
                         <a:cs typeface="Courier New" panose="02070309020205020404" pitchFamily="49" charset="0"/>
                       </a:endParaRPr>
@@ -6443,7 +6996,7 @@
                   </a:ext>
                 </a:extLst>
               </a:tr>
-              <a:tr h="419100">
+              <a:tr h="762000">
                 <a:tc>
                   <a:txBody>
                     <a:bodyPr/>
@@ -6451,13 +7004,13 @@
                     <a:p>
                       <a:pPr marR="0" algn="ctr" rtl="0"/>
                       <a:r>
-                        <a:rPr lang="en-US" altLang="zh-CN" sz="800" dirty="0">
+                        <a:rPr lang="en-US" altLang="zh-CN" sz="1100" dirty="0">
                           <a:latin typeface="Courier New" panose="02070309020205020404" pitchFamily="49" charset="0"/>
                           <a:cs typeface="Courier New" panose="02070309020205020404" pitchFamily="49" charset="0"/>
                         </a:rPr>
                         <a:t>5</a:t>
                       </a:r>
-                      <a:endParaRPr lang="zh-CN" altLang="en-US" sz="800" dirty="0">
+                      <a:endParaRPr lang="zh-CN" altLang="en-US" sz="1100" dirty="0">
                         <a:latin typeface="Courier New" panose="02070309020205020404" pitchFamily="49" charset="0"/>
                         <a:cs typeface="Courier New" panose="02070309020205020404" pitchFamily="49" charset="0"/>
                       </a:endParaRPr>
@@ -6472,7 +7025,7 @@
                     <a:p>
                       <a:pPr marR="0" algn="l" rtl="0"/>
                       <a:r>
-                        <a:rPr lang="en-US" altLang="zh-CN" sz="800" dirty="0">
+                        <a:rPr lang="en-US" altLang="zh-CN" sz="1100" dirty="0">
                           <a:solidFill>
                             <a:srgbClr val="C00000"/>
                           </a:solidFill>
@@ -6482,7 +7035,7 @@
                         <a:t>-public </a:t>
                       </a:r>
                       <a:r>
-                        <a:rPr lang="en-US" altLang="zh-CN" sz="800" dirty="0" err="1">
+                        <a:rPr lang="en-US" altLang="zh-CN" sz="1100" dirty="0" err="1">
                           <a:solidFill>
                             <a:srgbClr val="C00000"/>
                           </a:solidFill>
@@ -6492,7 +7045,7 @@
                         <a:t>boolean</a:t>
                       </a:r>
                       <a:r>
-                        <a:rPr lang="en-US" altLang="zh-CN" sz="800" dirty="0">
+                        <a:rPr lang="en-US" altLang="zh-CN" sz="1100" dirty="0">
                           <a:solidFill>
                             <a:srgbClr val="C00000"/>
                           </a:solidFill>
@@ -6502,7 +7055,7 @@
                         <a:t> </a:t>
                       </a:r>
                       <a:r>
-                        <a:rPr lang="en-US" altLang="zh-CN" sz="800" dirty="0" err="1">
+                        <a:rPr lang="en-US" altLang="zh-CN" sz="1100" dirty="0" err="1">
                           <a:solidFill>
                             <a:srgbClr val="C00000"/>
                           </a:solidFill>
@@ -6512,7 +7065,7 @@
                         <a:t>isAccessed</a:t>
                       </a:r>
                       <a:r>
-                        <a:rPr lang="en-US" altLang="zh-CN" sz="800" dirty="0">
+                        <a:rPr lang="en-US" altLang="zh-CN" sz="1100" dirty="0">
                           <a:solidFill>
                             <a:srgbClr val="C00000"/>
                           </a:solidFill>
@@ -6525,21 +7078,21 @@
                     <a:p>
                       <a:pPr marR="0" algn="l" rtl="0"/>
                       <a:r>
-                        <a:rPr lang="en-US" altLang="zh-CN" sz="800" dirty="0">
+                        <a:rPr lang="en-US" altLang="zh-CN" sz="1100" dirty="0">
                           <a:latin typeface="Courier New" panose="02070309020205020404" pitchFamily="49" charset="0"/>
                           <a:cs typeface="Courier New" panose="02070309020205020404" pitchFamily="49" charset="0"/>
                         </a:rPr>
                         <a:t>   return </a:t>
                       </a:r>
                       <a:r>
-                        <a:rPr lang="en-US" altLang="zh-CN" sz="800" dirty="0" err="1">
+                        <a:rPr lang="en-US" altLang="zh-CN" sz="1100" dirty="0" err="1">
                           <a:latin typeface="Courier New" panose="02070309020205020404" pitchFamily="49" charset="0"/>
                           <a:cs typeface="Courier New" panose="02070309020205020404" pitchFamily="49" charset="0"/>
                         </a:rPr>
                         <a:t>this.accessed</a:t>
                       </a:r>
                       <a:r>
-                        <a:rPr lang="en-US" altLang="zh-CN" sz="800" dirty="0">
+                        <a:rPr lang="en-US" altLang="zh-CN" sz="1100" dirty="0">
                           <a:latin typeface="Courier New" panose="02070309020205020404" pitchFamily="49" charset="0"/>
                           <a:cs typeface="Courier New" panose="02070309020205020404" pitchFamily="49" charset="0"/>
                         </a:rPr>
@@ -6549,7 +7102,7 @@
                     <a:p>
                       <a:pPr marR="0" algn="l" rtl="0"/>
                       <a:r>
-                        <a:rPr lang="en-US" altLang="zh-CN" sz="800" dirty="0">
+                        <a:rPr lang="en-US" altLang="zh-CN" sz="1100" dirty="0">
                           <a:latin typeface="Courier New" panose="02070309020205020404" pitchFamily="49" charset="0"/>
                           <a:cs typeface="Courier New" panose="02070309020205020404" pitchFamily="49" charset="0"/>
                         </a:rPr>
@@ -6566,7 +7119,7 @@
                     <a:p>
                       <a:pPr marR="0" algn="l" rtl="0"/>
                       <a:r>
-                        <a:rPr lang="en-US" altLang="zh-CN" sz="800" dirty="0">
+                        <a:rPr lang="en-US" altLang="zh-CN" sz="1100" dirty="0">
                           <a:solidFill>
                             <a:srgbClr val="0070C0"/>
                           </a:solidFill>
@@ -6576,7 +7129,7 @@
                         <a:t>+public synchronized </a:t>
                       </a:r>
                       <a:r>
-                        <a:rPr lang="en-US" altLang="zh-CN" sz="800" dirty="0" err="1">
+                        <a:rPr lang="en-US" altLang="zh-CN" sz="1100" dirty="0" err="1">
                           <a:solidFill>
                             <a:srgbClr val="0070C0"/>
                           </a:solidFill>
@@ -6586,7 +7139,7 @@
                         <a:t>boolean</a:t>
                       </a:r>
                       <a:r>
-                        <a:rPr lang="en-US" altLang="zh-CN" sz="800" dirty="0">
+                        <a:rPr lang="en-US" altLang="zh-CN" sz="1100" dirty="0">
                           <a:solidFill>
                             <a:srgbClr val="0070C0"/>
                           </a:solidFill>
@@ -6596,7 +7149,7 @@
                         <a:t> </a:t>
                       </a:r>
                       <a:r>
-                        <a:rPr lang="en-US" altLang="zh-CN" sz="800" dirty="0" err="1">
+                        <a:rPr lang="en-US" altLang="zh-CN" sz="1100" dirty="0" err="1">
                           <a:solidFill>
                             <a:srgbClr val="0070C0"/>
                           </a:solidFill>
@@ -6606,7 +7159,7 @@
                         <a:t>isAccessed</a:t>
                       </a:r>
                       <a:r>
-                        <a:rPr lang="en-US" altLang="zh-CN" sz="800" dirty="0">
+                        <a:rPr lang="en-US" altLang="zh-CN" sz="1100" dirty="0">
                           <a:solidFill>
                             <a:srgbClr val="0070C0"/>
                           </a:solidFill>
@@ -6619,21 +7172,21 @@
                     <a:p>
                       <a:pPr marR="0" algn="l" rtl="0"/>
                       <a:r>
-                        <a:rPr lang="en-US" altLang="zh-CN" sz="800" dirty="0">
+                        <a:rPr lang="en-US" altLang="zh-CN" sz="1100" dirty="0">
                           <a:latin typeface="Courier New" panose="02070309020205020404" pitchFamily="49" charset="0"/>
                           <a:cs typeface="Courier New" panose="02070309020205020404" pitchFamily="49" charset="0"/>
                         </a:rPr>
                         <a:t>   return </a:t>
                       </a:r>
                       <a:r>
-                        <a:rPr lang="en-US" altLang="zh-CN" sz="800" dirty="0" err="1">
+                        <a:rPr lang="en-US" altLang="zh-CN" sz="1100" dirty="0" err="1">
                           <a:latin typeface="Courier New" panose="02070309020205020404" pitchFamily="49" charset="0"/>
                           <a:cs typeface="Courier New" panose="02070309020205020404" pitchFamily="49" charset="0"/>
                         </a:rPr>
                         <a:t>this.accessed</a:t>
                       </a:r>
                       <a:r>
-                        <a:rPr lang="en-US" altLang="zh-CN" sz="800" dirty="0">
+                        <a:rPr lang="en-US" altLang="zh-CN" sz="1100" dirty="0">
                           <a:latin typeface="Courier New" panose="02070309020205020404" pitchFamily="49" charset="0"/>
                           <a:cs typeface="Courier New" panose="02070309020205020404" pitchFamily="49" charset="0"/>
                         </a:rPr>
@@ -6643,13 +7196,13 @@
                     <a:p>
                       <a:pPr marR="0" algn="l" rtl="0"/>
                       <a:r>
-                        <a:rPr lang="en-US" altLang="zh-CN" sz="800" dirty="0">
+                        <a:rPr lang="en-US" altLang="zh-CN" sz="1100" dirty="0">
                           <a:latin typeface="Courier New" panose="02070309020205020404" pitchFamily="49" charset="0"/>
                           <a:cs typeface="Courier New" panose="02070309020205020404" pitchFamily="49" charset="0"/>
                         </a:rPr>
                         <a:t> }</a:t>
                       </a:r>
-                      <a:endParaRPr lang="zh-CN" altLang="en-US" sz="800" dirty="0">
+                      <a:endParaRPr lang="zh-CN" altLang="en-US" sz="1100" dirty="0">
                         <a:latin typeface="Courier New" panose="02070309020205020404" pitchFamily="49" charset="0"/>
                         <a:cs typeface="Courier New" panose="02070309020205020404" pitchFamily="49" charset="0"/>
                       </a:endParaRPr>
@@ -6664,7 +7217,7 @@
                     <a:p>
                       <a:pPr marR="0" algn="l" rtl="0"/>
                       <a:r>
-                        <a:rPr lang="en-US" altLang="zh-CN" sz="800" dirty="0">
+                        <a:rPr lang="en-US" altLang="zh-CN" sz="1100" dirty="0">
                           <a:latin typeface="Courier New" panose="02070309020205020404" pitchFamily="49" charset="0"/>
                           <a:cs typeface="Courier New" panose="02070309020205020404" pitchFamily="49" charset="0"/>
                         </a:rPr>
@@ -6674,7 +7227,7 @@
                     <a:p>
                       <a:pPr marR="0" algn="l" rtl="0"/>
                       <a:r>
-                        <a:rPr lang="en-US" altLang="zh-CN" sz="800" dirty="0">
+                        <a:rPr lang="en-US" altLang="zh-CN" sz="1100" dirty="0">
                           <a:latin typeface="Courier New" panose="02070309020205020404" pitchFamily="49" charset="0"/>
                           <a:cs typeface="Courier New" panose="02070309020205020404" pitchFamily="49" charset="0"/>
                         </a:rPr>
@@ -6684,13 +7237,13 @@
                     <a:p>
                       <a:pPr marR="0" algn="l" rtl="0"/>
                       <a:r>
-                        <a:rPr lang="en-US" altLang="zh-CN" sz="800" dirty="0">
+                        <a:rPr lang="en-US" altLang="zh-CN" sz="1100" dirty="0">
                           <a:latin typeface="Courier New" panose="02070309020205020404" pitchFamily="49" charset="0"/>
                           <a:cs typeface="Courier New" panose="02070309020205020404" pitchFamily="49" charset="0"/>
                         </a:rPr>
                         <a:t>}</a:t>
                       </a:r>
-                      <a:endParaRPr lang="zh-CN" altLang="en-US" sz="800" dirty="0">
+                      <a:endParaRPr lang="zh-CN" altLang="en-US" sz="1100" dirty="0">
                         <a:latin typeface="Courier New" panose="02070309020205020404" pitchFamily="49" charset="0"/>
                         <a:cs typeface="Courier New" panose="02070309020205020404" pitchFamily="49" charset="0"/>
                       </a:endParaRPr>
@@ -6705,7 +7258,7 @@
                     <a:p>
                       <a:pPr marR="0" algn="l" rtl="0"/>
                       <a:r>
-                        <a:rPr lang="en-US" altLang="zh-CN" sz="800" dirty="0">
+                        <a:rPr lang="en-US" altLang="zh-CN" sz="1100" dirty="0">
                           <a:latin typeface="Courier New" panose="02070309020205020404" pitchFamily="49" charset="0"/>
                           <a:cs typeface="Courier New" panose="02070309020205020404" pitchFamily="49" charset="0"/>
                         </a:rPr>
@@ -6715,7 +7268,7 @@
                     <a:p>
                       <a:pPr marR="0" algn="l" rtl="0"/>
                       <a:r>
-                        <a:rPr lang="en-US" altLang="zh-CN" sz="800" dirty="0">
+                        <a:rPr lang="en-US" altLang="zh-CN" sz="1100" dirty="0">
                           <a:latin typeface="Courier New" panose="02070309020205020404" pitchFamily="49" charset="0"/>
                           <a:cs typeface="Courier New" panose="02070309020205020404" pitchFamily="49" charset="0"/>
                         </a:rPr>
@@ -6725,13 +7278,13 @@
                     <a:p>
                       <a:pPr marR="0" algn="l" rtl="0"/>
                       <a:r>
-                        <a:rPr lang="en-US" altLang="zh-CN" sz="800" dirty="0">
+                        <a:rPr lang="en-US" altLang="zh-CN" sz="1100" dirty="0">
                           <a:latin typeface="Courier New" panose="02070309020205020404" pitchFamily="49" charset="0"/>
                           <a:cs typeface="Courier New" panose="02070309020205020404" pitchFamily="49" charset="0"/>
                         </a:rPr>
                         <a:t>}</a:t>
                       </a:r>
-                      <a:endParaRPr lang="zh-CN" altLang="en-US" sz="800" dirty="0">
+                      <a:endParaRPr lang="zh-CN" altLang="en-US" sz="1100" dirty="0">
                         <a:latin typeface="Courier New" panose="02070309020205020404" pitchFamily="49" charset="0"/>
                         <a:cs typeface="Courier New" panose="02070309020205020404" pitchFamily="49" charset="0"/>
                       </a:endParaRPr>
@@ -6745,7 +7298,7 @@
                   </a:ext>
                 </a:extLst>
               </a:tr>
-              <a:tr h="419100">
+              <a:tr h="2270760">
                 <a:tc>
                   <a:txBody>
                     <a:bodyPr/>
@@ -6753,13 +7306,13 @@
                     <a:p>
                       <a:pPr marR="0" algn="ctr" rtl="0"/>
                       <a:r>
-                        <a:rPr lang="en-US" altLang="zh-CN" sz="800" dirty="0">
+                        <a:rPr lang="en-US" altLang="zh-CN" sz="1100" dirty="0">
                           <a:latin typeface="Courier New" panose="02070309020205020404" pitchFamily="49" charset="0"/>
                           <a:cs typeface="Courier New" panose="02070309020205020404" pitchFamily="49" charset="0"/>
                         </a:rPr>
                         <a:t>6</a:t>
                       </a:r>
-                      <a:endParaRPr lang="zh-CN" altLang="en-US" sz="800" dirty="0">
+                      <a:endParaRPr lang="zh-CN" altLang="en-US" sz="1100" dirty="0">
                         <a:latin typeface="Courier New" panose="02070309020205020404" pitchFamily="49" charset="0"/>
                         <a:cs typeface="Courier New" panose="02070309020205020404" pitchFamily="49" charset="0"/>
                       </a:endParaRPr>
@@ -6774,7 +7327,7 @@
                     <a:p>
                       <a:pPr marR="0" algn="l" rtl="0"/>
                       <a:r>
-                        <a:rPr lang="en-US" altLang="zh-CN" sz="800" dirty="0">
+                        <a:rPr lang="en-US" altLang="zh-CN" sz="1100" dirty="0">
                           <a:solidFill>
                             <a:srgbClr val="C00000"/>
                           </a:solidFill>
@@ -6784,7 +7337,7 @@
                         <a:t>-synchronized (</a:t>
                       </a:r>
                       <a:r>
-                        <a:rPr lang="en-US" altLang="zh-CN" sz="800" dirty="0" err="1">
+                        <a:rPr lang="en-US" altLang="zh-CN" sz="1100" dirty="0" err="1">
                           <a:solidFill>
                             <a:srgbClr val="C00000"/>
                           </a:solidFill>
@@ -6794,7 +7347,7 @@
                         <a:t>this.channelLookup</a:t>
                       </a:r>
                       <a:r>
-                        <a:rPr lang="en-US" altLang="zh-CN" sz="800" dirty="0">
+                        <a:rPr lang="en-US" altLang="zh-CN" sz="1100" dirty="0">
                           <a:solidFill>
                             <a:srgbClr val="C00000"/>
                           </a:solidFill>
@@ -6807,7 +7360,7 @@
                     <a:p>
                       <a:pPr marR="0" algn="l" rtl="0"/>
                       <a:r>
-                        <a:rPr lang="en-US" altLang="zh-CN" sz="800" dirty="0">
+                        <a:rPr lang="en-US" altLang="zh-CN" sz="1100" dirty="0">
                           <a:solidFill>
                             <a:srgbClr val="C00000"/>
                           </a:solidFill>
@@ -6823,46 +7376,67 @@
                         <a:buNone/>
                       </a:pPr>
                       <a:r>
-                        <a:rPr lang="en-US" altLang="zh-CN" sz="800" dirty="0">
+                        <a:rPr lang="en-US" altLang="zh-CN" sz="1100" dirty="0">
                           <a:latin typeface="Courier New" panose="02070309020205020404" pitchFamily="49" charset="0"/>
                           <a:cs typeface="Courier New" panose="02070309020205020404" pitchFamily="49" charset="0"/>
                         </a:rPr>
                         <a:t>     </a:t>
                       </a:r>
                       <a:r>
-                        <a:rPr lang="en-US" altLang="zh-CN" sz="800" dirty="0" err="1">
+                        <a:rPr lang="en-US" altLang="zh-CN" sz="1100" dirty="0" err="1">
                           <a:latin typeface="Courier New" panose="02070309020205020404" pitchFamily="49" charset="0"/>
                           <a:cs typeface="Courier New" panose="02070309020205020404" pitchFamily="49" charset="0"/>
                         </a:rPr>
                         <a:t>lookupResponse</a:t>
                       </a:r>
                       <a:r>
-                        <a:rPr lang="en-US" altLang="zh-CN" sz="800" dirty="0">
+                        <a:rPr lang="en-US" altLang="zh-CN" sz="1100" dirty="0">
                           <a:latin typeface="Courier New" panose="02070309020205020404" pitchFamily="49" charset="0"/>
                           <a:cs typeface="Courier New" panose="02070309020205020404" pitchFamily="49" charset="0"/>
                         </a:rPr>
                         <a:t> = </a:t>
                       </a:r>
                       <a:r>
-                        <a:rPr lang="en-US" altLang="zh-CN" sz="800" dirty="0" err="1">
-                          <a:latin typeface="Courier New" panose="02070309020205020404" pitchFamily="49" charset="0"/>
-                          <a:cs typeface="Courier New" panose="02070309020205020404" pitchFamily="49" charset="0"/>
-                        </a:rPr>
-                        <a:t>A</a:t>
-                      </a:r>
-                      <a:r>
-                        <a:rPr lang="en-US" altLang="zh-CN" sz="800" dirty="0" err="1">
-                          <a:latin typeface="Courier New" panose="02070309020205020404" pitchFamily="49" charset="0"/>
-                          <a:cs typeface="Courier New" panose="02070309020205020404" pitchFamily="49" charset="0"/>
-                        </a:rPr>
-                        <a:t>kkaUtils</a:t>
-                      </a:r>
-                      <a:r>
-                        <a:rPr lang="en-US" altLang="zh-CN" sz="800" dirty="0">
-                          <a:latin typeface="Courier New" panose="02070309020205020404" pitchFamily="49" charset="0"/>
-                          <a:cs typeface="Courier New" panose="02070309020205020404" pitchFamily="49" charset="0"/>
-                        </a:rPr>
-                        <a:t>.</a:t>
+                        <a:rPr lang="en-US" altLang="zh-CN" sz="1100" dirty="0" err="1">
+                          <a:latin typeface="Courier New" panose="02070309020205020404" pitchFamily="49" charset="0"/>
+                          <a:cs typeface="Courier New" panose="02070309020205020404" pitchFamily="49" charset="0"/>
+                        </a:rPr>
+                        <a:t>AkkaUtils</a:t>
+                      </a:r>
+                      <a:r>
+                        <a:rPr lang="en-US" altLang="zh-CN" sz="1100" dirty="0">
+                          <a:latin typeface="Courier New" panose="02070309020205020404" pitchFamily="49" charset="0"/>
+                          <a:cs typeface="Courier New" panose="02070309020205020404" pitchFamily="49" charset="0"/>
+                        </a:rPr>
+                        <a:t>. &lt;</a:t>
+                      </a:r>
+                      <a:r>
+                        <a:rPr lang="en-US" altLang="zh-CN" sz="1100" dirty="0" err="1">
+                          <a:latin typeface="Courier New" panose="02070309020205020404" pitchFamily="49" charset="0"/>
+                          <a:cs typeface="Courier New" panose="02070309020205020404" pitchFamily="49" charset="0"/>
+                        </a:rPr>
+                        <a:t>JobManagerMessages.ConnectionInformation</a:t>
+                      </a:r>
+                      <a:r>
+                        <a:rPr lang="en-US" altLang="zh-CN" sz="1100" dirty="0">
+                          <a:latin typeface="Courier New" panose="02070309020205020404" pitchFamily="49" charset="0"/>
+                          <a:cs typeface="Courier New" panose="02070309020205020404" pitchFamily="49" charset="0"/>
+                        </a:rPr>
+                        <a:t>&gt;ask(</a:t>
+                      </a:r>
+                      <a:r>
+                        <a:rPr lang="en-US" altLang="zh-CN" sz="1100" dirty="0" err="1">
+                          <a:latin typeface="Courier New" panose="02070309020205020404" pitchFamily="49" charset="0"/>
+                          <a:cs typeface="Courier New" panose="02070309020205020404" pitchFamily="49" charset="0"/>
+                        </a:rPr>
+                        <a:t>channelLookup</a:t>
+                      </a:r>
+                      <a:r>
+                        <a:rPr lang="en-US" altLang="zh-CN" sz="1100" dirty="0">
+                          <a:latin typeface="Courier New" panose="02070309020205020404" pitchFamily="49" charset="0"/>
+                          <a:cs typeface="Courier New" panose="02070309020205020404" pitchFamily="49" charset="0"/>
+                        </a:rPr>
+                        <a:t>,</a:t>
                       </a:r>
                     </a:p>
                     <a:p>
@@ -6871,39 +7445,25 @@
                         <a:buNone/>
                       </a:pPr>
                       <a:r>
-                        <a:rPr lang="en-US" altLang="zh-CN" sz="800" dirty="0">
-                          <a:latin typeface="Courier New" panose="02070309020205020404" pitchFamily="49" charset="0"/>
-                          <a:cs typeface="Courier New" panose="02070309020205020404" pitchFamily="49" charset="0"/>
-                        </a:rPr>
-                        <a:t>       &lt;</a:t>
-                      </a:r>
-                      <a:r>
-                        <a:rPr lang="en-US" altLang="zh-CN" sz="800" dirty="0" err="1">
-                          <a:latin typeface="Courier New" panose="02070309020205020404" pitchFamily="49" charset="0"/>
-                          <a:cs typeface="Courier New" panose="02070309020205020404" pitchFamily="49" charset="0"/>
-                        </a:rPr>
-                        <a:t>JobManagerMessages.ConnectionInformation</a:t>
-                      </a:r>
-                      <a:r>
-                        <a:rPr lang="en-US" altLang="zh-CN" sz="800" dirty="0">
-                          <a:latin typeface="Courier New" panose="02070309020205020404" pitchFamily="49" charset="0"/>
-                          <a:cs typeface="Courier New" panose="02070309020205020404" pitchFamily="49" charset="0"/>
-                        </a:rPr>
-                        <a:t>&gt;ask(</a:t>
-                      </a:r>
-                      <a:r>
-                        <a:rPr lang="en-US" altLang="zh-CN" sz="800" dirty="0" err="1">
-                          <a:latin typeface="Courier New" panose="02070309020205020404" pitchFamily="49" charset="0"/>
-                          <a:cs typeface="Courier New" panose="02070309020205020404" pitchFamily="49" charset="0"/>
-                        </a:rPr>
-                        <a:t>channelLookup</a:t>
-                      </a:r>
-                      <a:r>
-                        <a:rPr lang="en-US" altLang="zh-CN" sz="800" dirty="0">
-                          <a:latin typeface="Courier New" panose="02070309020205020404" pitchFamily="49" charset="0"/>
-                          <a:cs typeface="Courier New" panose="02070309020205020404" pitchFamily="49" charset="0"/>
-                        </a:rPr>
-                        <a:t>,</a:t>
+                        <a:rPr lang="en-US" altLang="zh-CN" sz="1100" dirty="0">
+                          <a:latin typeface="Courier New" panose="02070309020205020404" pitchFamily="49" charset="0"/>
+                          <a:cs typeface="Courier New" panose="02070309020205020404" pitchFamily="49" charset="0"/>
+                        </a:rPr>
+                        <a:t>       new </a:t>
+                      </a:r>
+                      <a:r>
+                        <a:rPr lang="en-US" altLang="zh-CN" sz="1100" dirty="0" err="1">
+                          <a:latin typeface="Courier New" panose="02070309020205020404" pitchFamily="49" charset="0"/>
+                          <a:cs typeface="Courier New" panose="02070309020205020404" pitchFamily="49" charset="0"/>
+                        </a:rPr>
+                        <a:t>JobManagerMessages.LookupConnectionInformation</a:t>
+                      </a:r>
+                      <a:r>
+                        <a:rPr lang="en-US" altLang="zh-CN" sz="1100" dirty="0">
+                          <a:latin typeface="Courier New" panose="02070309020205020404" pitchFamily="49" charset="0"/>
+                          <a:cs typeface="Courier New" panose="02070309020205020404" pitchFamily="49" charset="0"/>
+                        </a:rPr>
+                        <a:t>(</a:t>
                       </a:r>
                     </a:p>
                     <a:p>
@@ -6912,76 +7472,49 @@
                         <a:buNone/>
                       </a:pPr>
                       <a:r>
-                        <a:rPr lang="en-US" altLang="zh-CN" sz="800" dirty="0">
-                          <a:latin typeface="Courier New" panose="02070309020205020404" pitchFamily="49" charset="0"/>
-                          <a:cs typeface="Courier New" panose="02070309020205020404" pitchFamily="49" charset="0"/>
-                        </a:rPr>
-                        <a:t>       new </a:t>
-                      </a:r>
-                      <a:r>
-                        <a:rPr lang="en-US" altLang="zh-CN" sz="800" dirty="0" err="1">
-                          <a:latin typeface="Courier New" panose="02070309020205020404" pitchFamily="49" charset="0"/>
-                          <a:cs typeface="Courier New" panose="02070309020205020404" pitchFamily="49" charset="0"/>
-                        </a:rPr>
-                        <a:t>JobManagerMessages.LookupConnectionInformation</a:t>
-                      </a:r>
-                      <a:r>
-                        <a:rPr lang="en-US" altLang="zh-CN" sz="800" dirty="0">
-                          <a:latin typeface="Courier New" panose="02070309020205020404" pitchFamily="49" charset="0"/>
-                          <a:cs typeface="Courier New" panose="02070309020205020404" pitchFamily="49" charset="0"/>
-                        </a:rPr>
-                        <a:t>(</a:t>
-                      </a:r>
-                    </a:p>
-                    <a:p>
-                      <a:pPr marL="0" marR="0" indent="0" algn="l" rtl="0">
-                        <a:buFontTx/>
-                        <a:buNone/>
-                      </a:pPr>
-                      <a:r>
-                        <a:rPr lang="en-US" altLang="zh-CN" sz="800" dirty="0">
+                        <a:rPr lang="en-US" altLang="zh-CN" sz="1100" dirty="0">
                           <a:latin typeface="Courier New" panose="02070309020205020404" pitchFamily="49" charset="0"/>
                           <a:cs typeface="Courier New" panose="02070309020205020404" pitchFamily="49" charset="0"/>
                         </a:rPr>
                         <a:t>       </a:t>
                       </a:r>
                       <a:r>
-                        <a:rPr lang="en-US" altLang="zh-CN" sz="800" dirty="0" err="1">
+                        <a:rPr lang="en-US" altLang="zh-CN" sz="1100" dirty="0" err="1">
                           <a:latin typeface="Courier New" panose="02070309020205020404" pitchFamily="49" charset="0"/>
                           <a:cs typeface="Courier New" panose="02070309020205020404" pitchFamily="49" charset="0"/>
                         </a:rPr>
                         <a:t>connectionInfo</a:t>
                       </a:r>
                       <a:r>
-                        <a:rPr lang="en-US" altLang="zh-CN" sz="800" dirty="0">
+                        <a:rPr lang="en-US" altLang="zh-CN" sz="1100" dirty="0">
                           <a:latin typeface="Courier New" panose="02070309020205020404" pitchFamily="49" charset="0"/>
                           <a:cs typeface="Courier New" panose="02070309020205020404" pitchFamily="49" charset="0"/>
                         </a:rPr>
                         <a:t>, </a:t>
                       </a:r>
                       <a:r>
-                        <a:rPr lang="en-US" altLang="zh-CN" sz="800" dirty="0" err="1">
+                        <a:rPr lang="en-US" altLang="zh-CN" sz="1100" dirty="0" err="1">
                           <a:latin typeface="Courier New" panose="02070309020205020404" pitchFamily="49" charset="0"/>
                           <a:cs typeface="Courier New" panose="02070309020205020404" pitchFamily="49" charset="0"/>
                         </a:rPr>
                         <a:t>jobID</a:t>
                       </a:r>
                       <a:r>
-                        <a:rPr lang="en-US" altLang="zh-CN" sz="800" dirty="0">
+                        <a:rPr lang="en-US" altLang="zh-CN" sz="1100" dirty="0">
                           <a:latin typeface="Courier New" panose="02070309020205020404" pitchFamily="49" charset="0"/>
                           <a:cs typeface="Courier New" panose="02070309020205020404" pitchFamily="49" charset="0"/>
                         </a:rPr>
                         <a:t>, </a:t>
                       </a:r>
                       <a:r>
-                        <a:rPr lang="en-US" altLang="zh-CN" sz="800" dirty="0" err="1">
+                        <a:rPr lang="en-US" altLang="zh-CN" sz="1100" dirty="0" err="1">
                           <a:latin typeface="Courier New" panose="02070309020205020404" pitchFamily="49" charset="0"/>
                           <a:cs typeface="Courier New" panose="02070309020205020404" pitchFamily="49" charset="0"/>
                         </a:rPr>
                         <a:t>sourceChannelID</a:t>
                       </a:r>
                       <a:r>
-                        <a:rPr lang="en-US" altLang="zh-CN" sz="800" dirty="0">
+                        <a:rPr lang="en-US" altLang="zh-CN" sz="1100" dirty="0">
                           <a:latin typeface="Courier New" panose="02070309020205020404" pitchFamily="49" charset="0"/>
                           <a:cs typeface="Courier New" panose="02070309020205020404" pitchFamily="49" charset="0"/>
                         </a:rPr>
@@ -6991,7 +7524,7 @@
                     <a:p>
                       <a:pPr marR="0" algn="l" rtl="0"/>
                       <a:r>
-                        <a:rPr lang="en-US" altLang="zh-CN" sz="800" dirty="0">
+                        <a:rPr lang="en-US" altLang="zh-CN" sz="1100" dirty="0">
                           <a:solidFill>
                             <a:srgbClr val="C00000"/>
                           </a:solidFill>
@@ -7001,7 +7534,7 @@
                         <a:t>-  }catch(</a:t>
                       </a:r>
                       <a:r>
-                        <a:rPr lang="en-US" altLang="zh-CN" sz="800" dirty="0" err="1">
+                        <a:rPr lang="en-US" altLang="zh-CN" sz="1100" dirty="0" err="1">
                           <a:solidFill>
                             <a:srgbClr val="C00000"/>
                           </a:solidFill>
@@ -7011,7 +7544,7 @@
                         <a:t>IOException</a:t>
                       </a:r>
                       <a:r>
-                        <a:rPr lang="en-US" altLang="zh-CN" sz="800" dirty="0">
+                        <a:rPr lang="en-US" altLang="zh-CN" sz="1100" dirty="0">
                           <a:solidFill>
                             <a:srgbClr val="C00000"/>
                           </a:solidFill>
@@ -7021,7 +7554,7 @@
                         <a:t> </a:t>
                       </a:r>
                       <a:r>
-                        <a:rPr lang="en-US" altLang="zh-CN" sz="800" dirty="0" err="1">
+                        <a:rPr lang="en-US" altLang="zh-CN" sz="1100" dirty="0" err="1">
                           <a:solidFill>
                             <a:srgbClr val="C00000"/>
                           </a:solidFill>
@@ -7031,7 +7564,7 @@
                         <a:t>ioe</a:t>
                       </a:r>
                       <a:r>
-                        <a:rPr lang="en-US" altLang="zh-CN" sz="800" dirty="0">
+                        <a:rPr lang="en-US" altLang="zh-CN" sz="1100" dirty="0">
                           <a:solidFill>
                             <a:srgbClr val="C00000"/>
                           </a:solidFill>
@@ -7044,7 +7577,7 @@
                     <a:p>
                       <a:pPr marR="0" algn="l" rtl="0"/>
                       <a:r>
-                        <a:rPr lang="en-US" altLang="zh-CN" sz="800" dirty="0">
+                        <a:rPr lang="en-US" altLang="zh-CN" sz="1100" dirty="0">
                           <a:solidFill>
                             <a:srgbClr val="C00000"/>
                           </a:solidFill>
@@ -7054,7 +7587,7 @@
                         <a:t>-    throw </a:t>
                       </a:r>
                       <a:r>
-                        <a:rPr lang="en-US" altLang="zh-CN" sz="800" dirty="0" err="1">
+                        <a:rPr lang="en-US" altLang="zh-CN" sz="1100" dirty="0" err="1">
                           <a:solidFill>
                             <a:srgbClr val="C00000"/>
                           </a:solidFill>
@@ -7064,7 +7597,7 @@
                         <a:t>ioe</a:t>
                       </a:r>
                       <a:r>
-                        <a:rPr lang="en-US" altLang="zh-CN" sz="800" dirty="0">
+                        <a:rPr lang="en-US" altLang="zh-CN" sz="1100" dirty="0">
                           <a:solidFill>
                             <a:srgbClr val="C00000"/>
                           </a:solidFill>
@@ -7077,7 +7610,7 @@
                     <a:p>
                       <a:pPr marR="0" algn="l" rtl="0"/>
                       <a:r>
-                        <a:rPr lang="en-US" altLang="zh-CN" sz="800" dirty="0">
+                        <a:rPr lang="en-US" altLang="zh-CN" sz="1100" dirty="0">
                           <a:solidFill>
                             <a:srgbClr val="C00000"/>
                           </a:solidFill>
@@ -7090,7 +7623,7 @@
                     <a:p>
                       <a:pPr marR="0" algn="l" rtl="0"/>
                       <a:r>
-                        <a:rPr lang="en-US" altLang="zh-CN" sz="800" dirty="0">
+                        <a:rPr lang="en-US" altLang="zh-CN" sz="1100" dirty="0">
                           <a:solidFill>
                             <a:srgbClr val="C00000"/>
                           </a:solidFill>
@@ -7099,13 +7632,6 @@
                         </a:rPr>
                         <a:t>-}</a:t>
                       </a:r>
-                      <a:endParaRPr lang="en-US" altLang="zh-CN" sz="800" dirty="0">
-                        <a:solidFill>
-                          <a:srgbClr val="C00000"/>
-                        </a:solidFill>
-                        <a:latin typeface="Courier New" panose="02070309020205020404" pitchFamily="49" charset="0"/>
-                        <a:cs typeface="Courier New" panose="02070309020205020404" pitchFamily="49" charset="0"/>
-                      </a:endParaRPr>
                     </a:p>
                   </a:txBody>
                   <a:tcPr/>
@@ -7119,7 +7645,7 @@
                         <a:buFontTx/>
                         <a:buNone/>
                       </a:pPr>
-                      <a:endParaRPr lang="en-US" altLang="zh-CN" sz="800" dirty="0">
+                      <a:endParaRPr lang="en-US" altLang="zh-CN" sz="1100" dirty="0">
                         <a:latin typeface="Courier New" panose="02070309020205020404" pitchFamily="49" charset="0"/>
                         <a:cs typeface="Courier New" panose="02070309020205020404" pitchFamily="49" charset="0"/>
                       </a:endParaRPr>
@@ -7129,7 +7655,7 @@
                         <a:buFontTx/>
                         <a:buNone/>
                       </a:pPr>
-                      <a:endParaRPr lang="en-US" altLang="zh-CN" sz="800" dirty="0">
+                      <a:endParaRPr lang="en-US" altLang="zh-CN" sz="1100" dirty="0">
                         <a:latin typeface="Courier New" panose="02070309020205020404" pitchFamily="49" charset="0"/>
                         <a:cs typeface="Courier New" panose="02070309020205020404" pitchFamily="49" charset="0"/>
                       </a:endParaRPr>
@@ -7140,32 +7666,60 @@
                         <a:buNone/>
                       </a:pPr>
                       <a:r>
-                        <a:rPr lang="en-US" altLang="zh-CN" sz="800" dirty="0" err="1">
+                        <a:rPr lang="en-US" altLang="zh-CN" sz="1100" dirty="0" err="1">
                           <a:latin typeface="Courier New" panose="02070309020205020404" pitchFamily="49" charset="0"/>
                           <a:cs typeface="Courier New" panose="02070309020205020404" pitchFamily="49" charset="0"/>
                         </a:rPr>
                         <a:t>lookupResponse</a:t>
                       </a:r>
                       <a:r>
-                        <a:rPr lang="en-US" altLang="zh-CN" sz="800" dirty="0">
+                        <a:rPr lang="en-US" altLang="zh-CN" sz="1100" dirty="0">
                           <a:latin typeface="Courier New" panose="02070309020205020404" pitchFamily="49" charset="0"/>
                           <a:cs typeface="Courier New" panose="02070309020205020404" pitchFamily="49" charset="0"/>
                         </a:rPr>
                         <a:t> = </a:t>
                       </a:r>
                       <a:r>
-                        <a:rPr lang="en-US" altLang="zh-CN" sz="800" dirty="0" err="1">
+                        <a:rPr lang="en-US" altLang="zh-CN" sz="1100" dirty="0" err="1">
                           <a:latin typeface="Courier New" panose="02070309020205020404" pitchFamily="49" charset="0"/>
                           <a:cs typeface="Courier New" panose="02070309020205020404" pitchFamily="49" charset="0"/>
                         </a:rPr>
                         <a:t>AkkaUtils</a:t>
                       </a:r>
                       <a:r>
-                        <a:rPr lang="en-US" altLang="zh-CN" sz="800" dirty="0">
-                          <a:latin typeface="Courier New" panose="02070309020205020404" pitchFamily="49" charset="0"/>
-                          <a:cs typeface="Courier New" panose="02070309020205020404" pitchFamily="49" charset="0"/>
-                        </a:rPr>
-                        <a:t>.</a:t>
+                        <a:rPr lang="en-US" altLang="zh-CN" sz="1100" dirty="0">
+                          <a:latin typeface="Courier New" panose="02070309020205020404" pitchFamily="49" charset="0"/>
+                          <a:cs typeface="Courier New" panose="02070309020205020404" pitchFamily="49" charset="0"/>
+                        </a:rPr>
+                        <a:t>. &lt;</a:t>
+                      </a:r>
+                      <a:r>
+                        <a:rPr lang="en-US" altLang="zh-CN" sz="1100" dirty="0" err="1">
+                          <a:latin typeface="Courier New" panose="02070309020205020404" pitchFamily="49" charset="0"/>
+                          <a:cs typeface="Courier New" panose="02070309020205020404" pitchFamily="49" charset="0"/>
+                        </a:rPr>
+                        <a:t>JobManagerMessages.ConnectionInformation</a:t>
+                      </a:r>
+                      <a:r>
+                        <a:rPr lang="en-US" altLang="zh-CN" sz="1100" dirty="0">
+                          <a:latin typeface="Courier New" panose="02070309020205020404" pitchFamily="49" charset="0"/>
+                          <a:cs typeface="Courier New" panose="02070309020205020404" pitchFamily="49" charset="0"/>
+                        </a:rPr>
+                        <a:t>&gt;ask(</a:t>
+                      </a:r>
+                      <a:r>
+                        <a:rPr lang="en-US" altLang="zh-CN" sz="1100" dirty="0" err="1">
+                          <a:latin typeface="Courier New" panose="02070309020205020404" pitchFamily="49" charset="0"/>
+                          <a:cs typeface="Courier New" panose="02070309020205020404" pitchFamily="49" charset="0"/>
+                        </a:rPr>
+                        <a:t>channelLookup</a:t>
+                      </a:r>
+                      <a:r>
+                        <a:rPr lang="en-US" altLang="zh-CN" sz="1100" dirty="0">
+                          <a:latin typeface="Courier New" panose="02070309020205020404" pitchFamily="49" charset="0"/>
+                          <a:cs typeface="Courier New" panose="02070309020205020404" pitchFamily="49" charset="0"/>
+                        </a:rPr>
+                        <a:t>,</a:t>
                       </a:r>
                     </a:p>
                     <a:p>
@@ -7174,39 +7728,25 @@
                         <a:buNone/>
                       </a:pPr>
                       <a:r>
-                        <a:rPr lang="en-US" altLang="zh-CN" sz="800" dirty="0">
-                          <a:latin typeface="Courier New" panose="02070309020205020404" pitchFamily="49" charset="0"/>
-                          <a:cs typeface="Courier New" panose="02070309020205020404" pitchFamily="49" charset="0"/>
-                        </a:rPr>
-                        <a:t>  &lt;</a:t>
-                      </a:r>
-                      <a:r>
-                        <a:rPr lang="en-US" altLang="zh-CN" sz="800" dirty="0" err="1">
-                          <a:latin typeface="Courier New" panose="02070309020205020404" pitchFamily="49" charset="0"/>
-                          <a:cs typeface="Courier New" panose="02070309020205020404" pitchFamily="49" charset="0"/>
-                        </a:rPr>
-                        <a:t>JobManagerMessages.ConnectionInformation</a:t>
-                      </a:r>
-                      <a:r>
-                        <a:rPr lang="en-US" altLang="zh-CN" sz="800" dirty="0">
-                          <a:latin typeface="Courier New" panose="02070309020205020404" pitchFamily="49" charset="0"/>
-                          <a:cs typeface="Courier New" panose="02070309020205020404" pitchFamily="49" charset="0"/>
-                        </a:rPr>
-                        <a:t>&gt;ask(</a:t>
-                      </a:r>
-                      <a:r>
-                        <a:rPr lang="en-US" altLang="zh-CN" sz="800" dirty="0" err="1">
-                          <a:latin typeface="Courier New" panose="02070309020205020404" pitchFamily="49" charset="0"/>
-                          <a:cs typeface="Courier New" panose="02070309020205020404" pitchFamily="49" charset="0"/>
-                        </a:rPr>
-                        <a:t>channelLookup</a:t>
-                      </a:r>
-                      <a:r>
-                        <a:rPr lang="en-US" altLang="zh-CN" sz="800" dirty="0">
-                          <a:latin typeface="Courier New" panose="02070309020205020404" pitchFamily="49" charset="0"/>
-                          <a:cs typeface="Courier New" panose="02070309020205020404" pitchFamily="49" charset="0"/>
-                        </a:rPr>
-                        <a:t>,</a:t>
+                        <a:rPr lang="en-US" altLang="zh-CN" sz="1100" dirty="0">
+                          <a:latin typeface="Courier New" panose="02070309020205020404" pitchFamily="49" charset="0"/>
+                          <a:cs typeface="Courier New" panose="02070309020205020404" pitchFamily="49" charset="0"/>
+                        </a:rPr>
+                        <a:t>  new </a:t>
+                      </a:r>
+                      <a:r>
+                        <a:rPr lang="en-US" altLang="zh-CN" sz="1100" dirty="0" err="1">
+                          <a:latin typeface="Courier New" panose="02070309020205020404" pitchFamily="49" charset="0"/>
+                          <a:cs typeface="Courier New" panose="02070309020205020404" pitchFamily="49" charset="0"/>
+                        </a:rPr>
+                        <a:t>JobManagerMessages.LookupConnectionInformation</a:t>
+                      </a:r>
+                      <a:r>
+                        <a:rPr lang="en-US" altLang="zh-CN" sz="1100" dirty="0">
+                          <a:latin typeface="Courier New" panose="02070309020205020404" pitchFamily="49" charset="0"/>
+                          <a:cs typeface="Courier New" panose="02070309020205020404" pitchFamily="49" charset="0"/>
+                        </a:rPr>
+                        <a:t>(</a:t>
                       </a:r>
                     </a:p>
                     <a:p>
@@ -7215,76 +7755,49 @@
                         <a:buNone/>
                       </a:pPr>
                       <a:r>
-                        <a:rPr lang="en-US" altLang="zh-CN" sz="800" dirty="0">
-                          <a:latin typeface="Courier New" panose="02070309020205020404" pitchFamily="49" charset="0"/>
-                          <a:cs typeface="Courier New" panose="02070309020205020404" pitchFamily="49" charset="0"/>
-                        </a:rPr>
-                        <a:t>  new </a:t>
-                      </a:r>
-                      <a:r>
-                        <a:rPr lang="en-US" altLang="zh-CN" sz="800" dirty="0" err="1">
-                          <a:latin typeface="Courier New" panose="02070309020205020404" pitchFamily="49" charset="0"/>
-                          <a:cs typeface="Courier New" panose="02070309020205020404" pitchFamily="49" charset="0"/>
-                        </a:rPr>
-                        <a:t>JobManagerMessages.LookupConnectionInformation</a:t>
-                      </a:r>
-                      <a:r>
-                        <a:rPr lang="en-US" altLang="zh-CN" sz="800" dirty="0">
-                          <a:latin typeface="Courier New" panose="02070309020205020404" pitchFamily="49" charset="0"/>
-                          <a:cs typeface="Courier New" panose="02070309020205020404" pitchFamily="49" charset="0"/>
-                        </a:rPr>
-                        <a:t>(</a:t>
-                      </a:r>
-                    </a:p>
-                    <a:p>
-                      <a:pPr marL="0" marR="0" indent="0" algn="l" rtl="0">
-                        <a:buFontTx/>
-                        <a:buNone/>
-                      </a:pPr>
-                      <a:r>
-                        <a:rPr lang="en-US" altLang="zh-CN" sz="800" dirty="0">
+                        <a:rPr lang="en-US" altLang="zh-CN" sz="1100" dirty="0">
                           <a:latin typeface="Courier New" panose="02070309020205020404" pitchFamily="49" charset="0"/>
                           <a:cs typeface="Courier New" panose="02070309020205020404" pitchFamily="49" charset="0"/>
                         </a:rPr>
                         <a:t>  </a:t>
                       </a:r>
                       <a:r>
-                        <a:rPr lang="en-US" altLang="zh-CN" sz="800" dirty="0" err="1">
+                        <a:rPr lang="en-US" altLang="zh-CN" sz="1100" dirty="0" err="1">
                           <a:latin typeface="Courier New" panose="02070309020205020404" pitchFamily="49" charset="0"/>
                           <a:cs typeface="Courier New" panose="02070309020205020404" pitchFamily="49" charset="0"/>
                         </a:rPr>
                         <a:t>connectionInfo</a:t>
                       </a:r>
                       <a:r>
-                        <a:rPr lang="en-US" altLang="zh-CN" sz="800" dirty="0">
+                        <a:rPr lang="en-US" altLang="zh-CN" sz="1100" dirty="0">
                           <a:latin typeface="Courier New" panose="02070309020205020404" pitchFamily="49" charset="0"/>
                           <a:cs typeface="Courier New" panose="02070309020205020404" pitchFamily="49" charset="0"/>
                         </a:rPr>
                         <a:t>, </a:t>
                       </a:r>
                       <a:r>
-                        <a:rPr lang="en-US" altLang="zh-CN" sz="800" dirty="0" err="1">
+                        <a:rPr lang="en-US" altLang="zh-CN" sz="1100" dirty="0" err="1">
                           <a:latin typeface="Courier New" panose="02070309020205020404" pitchFamily="49" charset="0"/>
                           <a:cs typeface="Courier New" panose="02070309020205020404" pitchFamily="49" charset="0"/>
                         </a:rPr>
                         <a:t>jobID</a:t>
                       </a:r>
                       <a:r>
-                        <a:rPr lang="en-US" altLang="zh-CN" sz="800" dirty="0">
+                        <a:rPr lang="en-US" altLang="zh-CN" sz="1100" dirty="0">
                           <a:latin typeface="Courier New" panose="02070309020205020404" pitchFamily="49" charset="0"/>
                           <a:cs typeface="Courier New" panose="02070309020205020404" pitchFamily="49" charset="0"/>
                         </a:rPr>
                         <a:t>, </a:t>
                       </a:r>
                       <a:r>
-                        <a:rPr lang="en-US" altLang="zh-CN" sz="800" dirty="0" err="1">
+                        <a:rPr lang="en-US" altLang="zh-CN" sz="1100" dirty="0" err="1">
                           <a:latin typeface="Courier New" panose="02070309020205020404" pitchFamily="49" charset="0"/>
                           <a:cs typeface="Courier New" panose="02070309020205020404" pitchFamily="49" charset="0"/>
                         </a:rPr>
                         <a:t>sourceChannelID</a:t>
                       </a:r>
                       <a:r>
-                        <a:rPr lang="en-US" altLang="zh-CN" sz="800" dirty="0">
+                        <a:rPr lang="en-US" altLang="zh-CN" sz="1100" dirty="0">
                           <a:latin typeface="Courier New" panose="02070309020205020404" pitchFamily="49" charset="0"/>
                           <a:cs typeface="Courier New" panose="02070309020205020404" pitchFamily="49" charset="0"/>
                         </a:rPr>
@@ -7293,7 +7806,7 @@
                     </a:p>
                     <a:p>
                       <a:pPr marR="0" algn="l" rtl="0"/>
-                      <a:endParaRPr lang="zh-CN" altLang="en-US" sz="800" dirty="0">
+                      <a:endParaRPr lang="zh-CN" altLang="en-US" sz="1100" dirty="0">
                         <a:latin typeface="Courier New" panose="02070309020205020404" pitchFamily="49" charset="0"/>
                         <a:cs typeface="Courier New" panose="02070309020205020404" pitchFamily="49" charset="0"/>
                       </a:endParaRPr>
@@ -7308,21 +7821,21 @@
                     <a:p>
                       <a:pPr marR="0" algn="l" rtl="0"/>
                       <a:r>
-                        <a:rPr lang="en-US" altLang="zh-CN" sz="800" dirty="0">
+                        <a:rPr lang="en-US" altLang="zh-CN" sz="1100" dirty="0">
                           <a:latin typeface="Courier New" panose="02070309020205020404" pitchFamily="49" charset="0"/>
                           <a:cs typeface="Courier New" panose="02070309020205020404" pitchFamily="49" charset="0"/>
                         </a:rPr>
                         <a:t>synchronized (</a:t>
                       </a:r>
                       <a:r>
-                        <a:rPr lang="en-US" altLang="zh-CN" sz="800" dirty="0" err="1">
+                        <a:rPr lang="en-US" altLang="zh-CN" sz="1100" dirty="0" err="1">
                           <a:latin typeface="Courier New" panose="02070309020205020404" pitchFamily="49" charset="0"/>
                           <a:cs typeface="Courier New" panose="02070309020205020404" pitchFamily="49" charset="0"/>
                         </a:rPr>
                         <a:t>obj</a:t>
                       </a:r>
                       <a:r>
-                        <a:rPr lang="en-US" altLang="zh-CN" sz="800" dirty="0">
+                        <a:rPr lang="en-US" altLang="zh-CN" sz="1100" dirty="0">
                           <a:latin typeface="Courier New" panose="02070309020205020404" pitchFamily="49" charset="0"/>
                           <a:cs typeface="Courier New" panose="02070309020205020404" pitchFamily="49" charset="0"/>
                         </a:rPr>
@@ -7332,7 +7845,7 @@
                     <a:p>
                       <a:pPr marR="0" algn="l" rtl="0"/>
                       <a:r>
-                        <a:rPr lang="en-US" altLang="zh-CN" sz="800" dirty="0">
+                        <a:rPr lang="en-US" altLang="zh-CN" sz="1100" dirty="0">
                           <a:latin typeface="Courier New" panose="02070309020205020404" pitchFamily="49" charset="0"/>
                           <a:cs typeface="Courier New" panose="02070309020205020404" pitchFamily="49" charset="0"/>
                         </a:rPr>
@@ -7342,13 +7855,13 @@
                     <a:p>
                       <a:pPr marR="0" algn="l" rtl="0"/>
                       <a:r>
-                        <a:rPr lang="en-US" altLang="zh-CN" sz="800" dirty="0">
+                        <a:rPr lang="en-US" altLang="zh-CN" sz="1100" dirty="0">
                           <a:latin typeface="Courier New" panose="02070309020205020404" pitchFamily="49" charset="0"/>
                           <a:cs typeface="Courier New" panose="02070309020205020404" pitchFamily="49" charset="0"/>
                         </a:rPr>
                         <a:t>}</a:t>
                       </a:r>
-                      <a:endParaRPr lang="zh-CN" altLang="en-US" sz="800" dirty="0">
+                      <a:endParaRPr lang="zh-CN" altLang="en-US" sz="1100" dirty="0">
                         <a:latin typeface="Courier New" panose="02070309020205020404" pitchFamily="49" charset="0"/>
                         <a:cs typeface="Courier New" panose="02070309020205020404" pitchFamily="49" charset="0"/>
                       </a:endParaRPr>
@@ -7363,13 +7876,13 @@
                     <a:p>
                       <a:pPr marR="0" algn="l" rtl="0"/>
                       <a:r>
-                        <a:rPr lang="en-US" altLang="zh-CN" sz="800" dirty="0">
+                        <a:rPr lang="en-US" altLang="zh-CN" sz="1100" dirty="0">
                           <a:latin typeface="Courier New" panose="02070309020205020404" pitchFamily="49" charset="0"/>
                           <a:cs typeface="Courier New" panose="02070309020205020404" pitchFamily="49" charset="0"/>
                         </a:rPr>
                         <a:t>...</a:t>
                       </a:r>
-                      <a:endParaRPr lang="zh-CN" altLang="en-US" sz="800" dirty="0">
+                      <a:endParaRPr lang="zh-CN" altLang="en-US" sz="1100" dirty="0">
                         <a:latin typeface="Courier New" panose="02070309020205020404" pitchFamily="49" charset="0"/>
                         <a:cs typeface="Courier New" panose="02070309020205020404" pitchFamily="49" charset="0"/>
                       </a:endParaRPr>
@@ -7391,13 +7904,13 @@
                     <a:p>
                       <a:pPr marR="0" algn="ctr" rtl="0"/>
                       <a:r>
-                        <a:rPr lang="en-US" altLang="zh-CN" sz="800" dirty="0">
+                        <a:rPr lang="en-US" altLang="zh-CN" sz="1100" dirty="0">
                           <a:latin typeface="Courier New" panose="02070309020205020404" pitchFamily="49" charset="0"/>
                           <a:cs typeface="Courier New" panose="02070309020205020404" pitchFamily="49" charset="0"/>
                         </a:rPr>
                         <a:t>7</a:t>
                       </a:r>
-                      <a:endParaRPr lang="zh-CN" altLang="en-US" sz="800" dirty="0">
+                      <a:endParaRPr lang="zh-CN" altLang="en-US" sz="1100" dirty="0">
                         <a:latin typeface="Courier New" panose="02070309020205020404" pitchFamily="49" charset="0"/>
                         <a:cs typeface="Courier New" panose="02070309020205020404" pitchFamily="49" charset="0"/>
                       </a:endParaRPr>
@@ -7411,7 +7924,7 @@
                     <a:lstStyle/>
                     <a:p>
                       <a:pPr marR="0" algn="l" rtl="0"/>
-                      <a:endParaRPr lang="en-US" altLang="zh-CN" sz="800" dirty="0">
+                      <a:endParaRPr lang="en-US" altLang="zh-CN" sz="1100" dirty="0">
                         <a:solidFill>
                           <a:schemeClr val="tx1"/>
                         </a:solidFill>
@@ -7428,7 +7941,7 @@
                     <a:lstStyle/>
                     <a:p>
                       <a:pPr marR="0" algn="l" rtl="0"/>
-                      <a:endParaRPr lang="zh-CN" altLang="en-US" sz="800" dirty="0">
+                      <a:endParaRPr lang="zh-CN" altLang="en-US" sz="1100" dirty="0">
                         <a:latin typeface="Courier New" panose="02070309020205020404" pitchFamily="49" charset="0"/>
                         <a:cs typeface="Courier New" panose="02070309020205020404" pitchFamily="49" charset="0"/>
                       </a:endParaRPr>
@@ -7442,7 +7955,7 @@
                     <a:lstStyle/>
                     <a:p>
                       <a:pPr marR="0" algn="l" rtl="0"/>
-                      <a:endParaRPr lang="zh-CN" altLang="en-US" sz="800" dirty="0">
+                      <a:endParaRPr lang="zh-CN" altLang="en-US" sz="1100" dirty="0">
                         <a:latin typeface="Courier New" panose="02070309020205020404" pitchFamily="49" charset="0"/>
                         <a:cs typeface="Courier New" panose="02070309020205020404" pitchFamily="49" charset="0"/>
                       </a:endParaRPr>
@@ -7456,7 +7969,7 @@
                     <a:lstStyle/>
                     <a:p>
                       <a:pPr marR="0" algn="l" rtl="0"/>
-                      <a:endParaRPr lang="zh-CN" altLang="en-US" sz="800" dirty="0">
+                      <a:endParaRPr lang="zh-CN" altLang="en-US" sz="1100" dirty="0">
                         <a:latin typeface="Courier New" panose="02070309020205020404" pitchFamily="49" charset="0"/>
                         <a:cs typeface="Courier New" panose="02070309020205020404" pitchFamily="49" charset="0"/>
                       </a:endParaRPr>
@@ -7470,7 +7983,7 @@
                   </a:ext>
                 </a:extLst>
               </a:tr>
-              <a:tr h="318466">
+              <a:tr h="1432560">
                 <a:tc>
                   <a:txBody>
                     <a:bodyPr/>
@@ -7478,13 +7991,13 @@
                     <a:p>
                       <a:pPr marR="0" algn="ctr" rtl="0"/>
                       <a:r>
-                        <a:rPr lang="en-US" altLang="zh-CN" sz="800" dirty="0">
+                        <a:rPr lang="en-US" altLang="zh-CN" sz="1100" dirty="0">
                           <a:latin typeface="Courier New" panose="02070309020205020404" pitchFamily="49" charset="0"/>
                           <a:cs typeface="Courier New" panose="02070309020205020404" pitchFamily="49" charset="0"/>
                         </a:rPr>
                         <a:t>8</a:t>
                       </a:r>
-                      <a:endParaRPr lang="zh-CN" altLang="en-US" sz="800" dirty="0">
+                      <a:endParaRPr lang="zh-CN" altLang="en-US" sz="1100" dirty="0">
                         <a:latin typeface="Courier New" panose="02070309020205020404" pitchFamily="49" charset="0"/>
                         <a:cs typeface="Courier New" panose="02070309020205020404" pitchFamily="49" charset="0"/>
                       </a:endParaRPr>
@@ -7499,7 +8012,7 @@
                     <a:p>
                       <a:pPr marR="0" algn="l" rtl="0"/>
                       <a:r>
-                        <a:rPr lang="en-US" altLang="zh-CN" sz="800" dirty="0">
+                        <a:rPr lang="en-US" altLang="zh-CN" sz="1100" dirty="0">
                           <a:solidFill>
                             <a:schemeClr val="tx1"/>
                           </a:solidFill>
@@ -7512,7 +8025,7 @@
                     <a:p>
                       <a:pPr marR="0" algn="l" rtl="0"/>
                       <a:r>
-                        <a:rPr lang="en-US" altLang="zh-CN" sz="800" dirty="0">
+                        <a:rPr lang="en-US" altLang="zh-CN" sz="1100" dirty="0">
                           <a:solidFill>
                             <a:schemeClr val="tx1"/>
                           </a:solidFill>
@@ -7525,7 +8038,7 @@
                     <a:p>
                       <a:pPr marR="0" algn="l" rtl="0"/>
                       <a:r>
-                        <a:rPr lang="en-US" altLang="zh-CN" sz="800" dirty="0">
+                        <a:rPr lang="en-US" altLang="zh-CN" sz="1100" dirty="0">
                           <a:solidFill>
                             <a:srgbClr val="C00000"/>
                           </a:solidFill>
@@ -7535,7 +8048,7 @@
                         <a:t>-    if (</a:t>
                       </a:r>
                       <a:r>
-                        <a:rPr lang="en-US" altLang="zh-CN" sz="800" dirty="0" err="1">
+                        <a:rPr lang="en-US" altLang="zh-CN" sz="1100" dirty="0" err="1">
                           <a:solidFill>
                             <a:srgbClr val="C00000"/>
                           </a:solidFill>
@@ -7545,7 +8058,7 @@
                         <a:t>spillWriter</a:t>
                       </a:r>
                       <a:r>
-                        <a:rPr lang="en-US" altLang="zh-CN" sz="800" dirty="0">
+                        <a:rPr lang="en-US" altLang="zh-CN" sz="1100" dirty="0">
                           <a:solidFill>
                             <a:srgbClr val="C00000"/>
                           </a:solidFill>
@@ -7558,7 +8071,7 @@
                     <a:p>
                       <a:pPr marR="0" algn="l" rtl="0"/>
                       <a:r>
-                        <a:rPr lang="en-US" altLang="zh-CN" sz="800" dirty="0">
+                        <a:rPr lang="en-US" altLang="zh-CN" sz="1100" dirty="0">
                           <a:solidFill>
                             <a:srgbClr val="C00000"/>
                           </a:solidFill>
@@ -7568,7 +8081,7 @@
                         <a:t>-      </a:t>
                       </a:r>
                       <a:r>
-                        <a:rPr lang="en-US" altLang="zh-CN" sz="800" dirty="0" err="1">
+                        <a:rPr lang="en-US" altLang="zh-CN" sz="1100" dirty="0" err="1">
                           <a:solidFill>
                             <a:srgbClr val="C00000"/>
                           </a:solidFill>
@@ -7578,7 +8091,7 @@
                         <a:t>spillWriter.close</a:t>
                       </a:r>
                       <a:r>
-                        <a:rPr lang="en-US" altLang="zh-CN" sz="800" dirty="0">
+                        <a:rPr lang="en-US" altLang="zh-CN" sz="1100" dirty="0">
                           <a:solidFill>
                             <a:srgbClr val="C00000"/>
                           </a:solidFill>
@@ -7591,7 +8104,7 @@
                     <a:p>
                       <a:pPr marR="0" algn="l" rtl="0"/>
                       <a:r>
-                        <a:rPr lang="en-US" altLang="zh-CN" sz="800" dirty="0">
+                        <a:rPr lang="en-US" altLang="zh-CN" sz="1100" dirty="0">
                           <a:solidFill>
                             <a:srgbClr val="C00000"/>
                           </a:solidFill>
@@ -7604,7 +8117,7 @@
                     <a:p>
                       <a:pPr marR="0" algn="l" rtl="0"/>
                       <a:r>
-                        <a:rPr lang="en-US" altLang="zh-CN" sz="800" dirty="0">
+                        <a:rPr lang="en-US" altLang="zh-CN" sz="1100" dirty="0">
                           <a:solidFill>
                             <a:schemeClr val="tx1"/>
                           </a:solidFill>
@@ -7614,7 +8127,7 @@
                         <a:t>     </a:t>
                       </a:r>
                       <a:r>
-                        <a:rPr lang="en-US" altLang="zh-CN" sz="800" dirty="0" err="1">
+                        <a:rPr lang="en-US" altLang="zh-CN" sz="1100" dirty="0" err="1">
                           <a:solidFill>
                             <a:schemeClr val="tx1"/>
                           </a:solidFill>
@@ -7624,7 +8137,7 @@
                         <a:t>isFinished</a:t>
                       </a:r>
                       <a:r>
-                        <a:rPr lang="en-US" altLang="zh-CN" sz="800" dirty="0">
+                        <a:rPr lang="en-US" altLang="zh-CN" sz="1100" dirty="0">
                           <a:solidFill>
                             <a:schemeClr val="tx1"/>
                           </a:solidFill>
@@ -7637,7 +8150,7 @@
                     <a:p>
                       <a:pPr marR="0" algn="l" rtl="0"/>
                       <a:r>
-                        <a:rPr lang="en-US" altLang="zh-CN" sz="800" dirty="0">
+                        <a:rPr lang="en-US" altLang="zh-CN" sz="1100" dirty="0">
                           <a:solidFill>
                             <a:schemeClr val="tx1"/>
                           </a:solidFill>
@@ -7650,7 +8163,7 @@
                     <a:p>
                       <a:pPr marR="0" algn="l" rtl="0"/>
                       <a:r>
-                        <a:rPr lang="en-US" altLang="zh-CN" sz="800" dirty="0">
+                        <a:rPr lang="en-US" altLang="zh-CN" sz="1100" dirty="0">
                           <a:solidFill>
                             <a:schemeClr val="tx1"/>
                           </a:solidFill>
@@ -7659,13 +8172,6 @@
                         </a:rPr>
                         <a:t> }</a:t>
                       </a:r>
-                      <a:endParaRPr lang="en-US" altLang="zh-CN" sz="800" dirty="0">
-                        <a:solidFill>
-                          <a:schemeClr val="tx1"/>
-                        </a:solidFill>
-                        <a:latin typeface="Courier New" panose="02070309020205020404" pitchFamily="49" charset="0"/>
-                        <a:cs typeface="Courier New" panose="02070309020205020404" pitchFamily="49" charset="0"/>
-                      </a:endParaRPr>
                     </a:p>
                   </a:txBody>
                   <a:tcPr/>
@@ -7677,7 +8183,7 @@
                     <a:p>
                       <a:pPr marR="0" algn="l" rtl="0"/>
                       <a:r>
-                        <a:rPr lang="en-US" altLang="zh-CN" sz="800" dirty="0">
+                        <a:rPr lang="en-US" altLang="zh-CN" sz="1100" dirty="0">
                           <a:latin typeface="Courier New" panose="02070309020205020404" pitchFamily="49" charset="0"/>
                           <a:cs typeface="Courier New" panose="02070309020205020404" pitchFamily="49" charset="0"/>
                         </a:rPr>
@@ -7687,7 +8193,7 @@
                     <a:p>
                       <a:pPr marR="0" algn="l" rtl="0"/>
                       <a:r>
-                        <a:rPr lang="en-US" altLang="zh-CN" sz="800" dirty="0">
+                        <a:rPr lang="en-US" altLang="zh-CN" sz="1100" dirty="0">
                           <a:latin typeface="Courier New" panose="02070309020205020404" pitchFamily="49" charset="0"/>
                           <a:cs typeface="Courier New" panose="02070309020205020404" pitchFamily="49" charset="0"/>
                         </a:rPr>
@@ -7697,21 +8203,21 @@
                     <a:p>
                       <a:pPr marR="0" algn="l" rtl="0"/>
                       <a:r>
-                        <a:rPr lang="en-US" altLang="zh-CN" sz="800" dirty="0">
+                        <a:rPr lang="en-US" altLang="zh-CN" sz="1100" dirty="0">
                           <a:latin typeface="Courier New" panose="02070309020205020404" pitchFamily="49" charset="0"/>
                           <a:cs typeface="Courier New" panose="02070309020205020404" pitchFamily="49" charset="0"/>
                         </a:rPr>
                         <a:t>     </a:t>
                       </a:r>
                       <a:r>
-                        <a:rPr lang="en-US" altLang="zh-CN" sz="800" dirty="0" err="1">
+                        <a:rPr lang="en-US" altLang="zh-CN" sz="1100" dirty="0" err="1">
                           <a:latin typeface="Courier New" panose="02070309020205020404" pitchFamily="49" charset="0"/>
                           <a:cs typeface="Courier New" panose="02070309020205020404" pitchFamily="49" charset="0"/>
                         </a:rPr>
                         <a:t>isFinished</a:t>
                       </a:r>
                       <a:r>
-                        <a:rPr lang="en-US" altLang="zh-CN" sz="800" dirty="0">
+                        <a:rPr lang="en-US" altLang="zh-CN" sz="1100" dirty="0">
                           <a:latin typeface="Courier New" panose="02070309020205020404" pitchFamily="49" charset="0"/>
                           <a:cs typeface="Courier New" panose="02070309020205020404" pitchFamily="49" charset="0"/>
                         </a:rPr>
@@ -7721,7 +8227,7 @@
                     <a:p>
                       <a:pPr marR="0" algn="l" rtl="0"/>
                       <a:r>
-                        <a:rPr lang="en-US" altLang="zh-CN" sz="800" dirty="0">
+                        <a:rPr lang="en-US" altLang="zh-CN" sz="1100" dirty="0">
                           <a:latin typeface="Courier New" panose="02070309020205020404" pitchFamily="49" charset="0"/>
                           <a:cs typeface="Courier New" panose="02070309020205020404" pitchFamily="49" charset="0"/>
                         </a:rPr>
@@ -7731,7 +8237,7 @@
                     <a:p>
                       <a:pPr marR="0" algn="l" rtl="0"/>
                       <a:r>
-                        <a:rPr lang="en-US" altLang="zh-CN" sz="800" dirty="0">
+                        <a:rPr lang="en-US" altLang="zh-CN" sz="1100" dirty="0">
                           <a:latin typeface="Courier New" panose="02070309020205020404" pitchFamily="49" charset="0"/>
                           <a:cs typeface="Courier New" panose="02070309020205020404" pitchFamily="49" charset="0"/>
                         </a:rPr>
@@ -7741,7 +8247,7 @@
                     <a:p>
                       <a:pPr marR="0" algn="l" rtl="0"/>
                       <a:r>
-                        <a:rPr lang="en-US" altLang="zh-CN" sz="800" dirty="0">
+                        <a:rPr lang="en-US" altLang="zh-CN" sz="1100" dirty="0">
                           <a:solidFill>
                             <a:srgbClr val="0070C0"/>
                           </a:solidFill>
@@ -7751,7 +8257,7 @@
                         <a:t>+if (</a:t>
                       </a:r>
                       <a:r>
-                        <a:rPr lang="en-US" altLang="zh-CN" sz="800" dirty="0" err="1">
+                        <a:rPr lang="en-US" altLang="zh-CN" sz="1100" dirty="0" err="1">
                           <a:solidFill>
                             <a:srgbClr val="0070C0"/>
                           </a:solidFill>
@@ -7761,7 +8267,7 @@
                         <a:t>spillWriter</a:t>
                       </a:r>
                       <a:r>
-                        <a:rPr lang="en-US" altLang="zh-CN" sz="800" dirty="0">
+                        <a:rPr lang="en-US" altLang="zh-CN" sz="1100" dirty="0">
                           <a:solidFill>
                             <a:srgbClr val="0070C0"/>
                           </a:solidFill>
@@ -7774,7 +8280,7 @@
                     <a:p>
                       <a:pPr marR="0" algn="l" rtl="0"/>
                       <a:r>
-                        <a:rPr lang="en-US" altLang="zh-CN" sz="800" dirty="0">
+                        <a:rPr lang="en-US" altLang="zh-CN" sz="1100" dirty="0">
                           <a:solidFill>
                             <a:srgbClr val="0070C0"/>
                           </a:solidFill>
@@ -7784,7 +8290,7 @@
                         <a:t>+  </a:t>
                       </a:r>
                       <a:r>
-                        <a:rPr lang="en-US" altLang="zh-CN" sz="800" dirty="0" err="1">
+                        <a:rPr lang="en-US" altLang="zh-CN" sz="1100" dirty="0" err="1">
                           <a:solidFill>
                             <a:srgbClr val="0070C0"/>
                           </a:solidFill>
@@ -7794,7 +8300,7 @@
                         <a:t>spillWriter.close</a:t>
                       </a:r>
                       <a:r>
-                        <a:rPr lang="en-US" altLang="zh-CN" sz="800" dirty="0">
+                        <a:rPr lang="en-US" altLang="zh-CN" sz="1100" dirty="0">
                           <a:solidFill>
                             <a:srgbClr val="0070C0"/>
                           </a:solidFill>
@@ -7807,7 +8313,7 @@
                     <a:p>
                       <a:pPr marR="0" algn="l" rtl="0"/>
                       <a:r>
-                        <a:rPr lang="en-US" altLang="zh-CN" sz="800" dirty="0">
+                        <a:rPr lang="en-US" altLang="zh-CN" sz="1100" dirty="0">
                           <a:solidFill>
                             <a:srgbClr val="0070C0"/>
                           </a:solidFill>
@@ -7827,21 +8333,21 @@
                     <a:p>
                       <a:pPr marR="0" algn="l" rtl="0"/>
                       <a:r>
-                        <a:rPr lang="en-US" altLang="zh-CN" sz="800" dirty="0">
+                        <a:rPr lang="en-US" altLang="zh-CN" sz="1100" dirty="0">
                           <a:latin typeface="Courier New" panose="02070309020205020404" pitchFamily="49" charset="0"/>
                           <a:cs typeface="Courier New" panose="02070309020205020404" pitchFamily="49" charset="0"/>
                         </a:rPr>
                         <a:t>synchronized (</a:t>
                       </a:r>
                       <a:r>
-                        <a:rPr lang="en-US" altLang="zh-CN" sz="800" dirty="0" err="1">
+                        <a:rPr lang="en-US" altLang="zh-CN" sz="1100" dirty="0" err="1">
                           <a:latin typeface="Courier New" panose="02070309020205020404" pitchFamily="49" charset="0"/>
                           <a:cs typeface="Courier New" panose="02070309020205020404" pitchFamily="49" charset="0"/>
                         </a:rPr>
                         <a:t>obj</a:t>
                       </a:r>
                       <a:r>
-                        <a:rPr lang="en-US" altLang="zh-CN" sz="800" dirty="0">
+                        <a:rPr lang="en-US" altLang="zh-CN" sz="1100" dirty="0">
                           <a:latin typeface="Courier New" panose="02070309020205020404" pitchFamily="49" charset="0"/>
                           <a:cs typeface="Courier New" panose="02070309020205020404" pitchFamily="49" charset="0"/>
                         </a:rPr>
@@ -7851,7 +8357,7 @@
                     <a:p>
                       <a:pPr marR="0" algn="l" rtl="0"/>
                       <a:r>
-                        <a:rPr lang="en-US" altLang="zh-CN" sz="800" dirty="0">
+                        <a:rPr lang="en-US" altLang="zh-CN" sz="1100" dirty="0">
                           <a:latin typeface="Courier New" panose="02070309020205020404" pitchFamily="49" charset="0"/>
                           <a:cs typeface="Courier New" panose="02070309020205020404" pitchFamily="49" charset="0"/>
                         </a:rPr>
@@ -7861,7 +8367,7 @@
                     <a:p>
                       <a:pPr marR="0" algn="l" rtl="0"/>
                       <a:r>
-                        <a:rPr lang="en-US" altLang="zh-CN" sz="800" dirty="0">
+                        <a:rPr lang="en-US" altLang="zh-CN" sz="1100" dirty="0">
                           <a:latin typeface="Courier New" panose="02070309020205020404" pitchFamily="49" charset="0"/>
                           <a:cs typeface="Courier New" panose="02070309020205020404" pitchFamily="49" charset="0"/>
                         </a:rPr>
@@ -7871,13 +8377,13 @@
                     <a:p>
                       <a:pPr marR="0" algn="l" rtl="0"/>
                       <a:r>
-                        <a:rPr lang="en-US" altLang="zh-CN" sz="800" dirty="0">
+                        <a:rPr lang="en-US" altLang="zh-CN" sz="1100" dirty="0">
                           <a:latin typeface="Courier New" panose="02070309020205020404" pitchFamily="49" charset="0"/>
                           <a:cs typeface="Courier New" panose="02070309020205020404" pitchFamily="49" charset="0"/>
                         </a:rPr>
                         <a:t>}</a:t>
                       </a:r>
-                      <a:endParaRPr lang="zh-CN" altLang="en-US" sz="800" dirty="0">
+                      <a:endParaRPr lang="zh-CN" altLang="en-US" sz="1100" dirty="0">
                         <a:latin typeface="Courier New" panose="02070309020205020404" pitchFamily="49" charset="0"/>
                         <a:cs typeface="Courier New" panose="02070309020205020404" pitchFamily="49" charset="0"/>
                       </a:endParaRPr>
@@ -7892,21 +8398,21 @@
                     <a:p>
                       <a:pPr marR="0" algn="l" rtl="0"/>
                       <a:r>
-                        <a:rPr lang="en-US" altLang="zh-CN" sz="800" dirty="0">
+                        <a:rPr lang="en-US" altLang="zh-CN" sz="1100" dirty="0">
                           <a:latin typeface="Courier New" panose="02070309020205020404" pitchFamily="49" charset="0"/>
                           <a:cs typeface="Courier New" panose="02070309020205020404" pitchFamily="49" charset="0"/>
                         </a:rPr>
                         <a:t>synchronized (</a:t>
                       </a:r>
                       <a:r>
-                        <a:rPr lang="en-US" altLang="zh-CN" sz="800" dirty="0" err="1">
+                        <a:rPr lang="en-US" altLang="zh-CN" sz="1100" dirty="0" err="1">
                           <a:latin typeface="Courier New" panose="02070309020205020404" pitchFamily="49" charset="0"/>
                           <a:cs typeface="Courier New" panose="02070309020205020404" pitchFamily="49" charset="0"/>
                         </a:rPr>
                         <a:t>obj</a:t>
                       </a:r>
                       <a:r>
-                        <a:rPr lang="en-US" altLang="zh-CN" sz="800" dirty="0">
+                        <a:rPr lang="en-US" altLang="zh-CN" sz="1100" dirty="0">
                           <a:latin typeface="Courier New" panose="02070309020205020404" pitchFamily="49" charset="0"/>
                           <a:cs typeface="Courier New" panose="02070309020205020404" pitchFamily="49" charset="0"/>
                         </a:rPr>
@@ -7916,7 +8422,7 @@
                     <a:p>
                       <a:pPr marR="0" algn="l" rtl="0"/>
                       <a:r>
-                        <a:rPr lang="en-US" altLang="zh-CN" sz="800" dirty="0">
+                        <a:rPr lang="en-US" altLang="zh-CN" sz="1100" dirty="0">
                           <a:latin typeface="Courier New" panose="02070309020205020404" pitchFamily="49" charset="0"/>
                           <a:cs typeface="Courier New" panose="02070309020205020404" pitchFamily="49" charset="0"/>
                         </a:rPr>
@@ -7926,7 +8432,7 @@
                     <a:p>
                       <a:pPr marR="0" algn="l" rtl="0"/>
                       <a:r>
-                        <a:rPr lang="en-US" altLang="zh-CN" sz="800" dirty="0">
+                        <a:rPr lang="en-US" altLang="zh-CN" sz="1100" dirty="0">
                           <a:latin typeface="Courier New" panose="02070309020205020404" pitchFamily="49" charset="0"/>
                           <a:cs typeface="Courier New" panose="02070309020205020404" pitchFamily="49" charset="0"/>
                         </a:rPr>
@@ -7936,13 +8442,13 @@
                     <a:p>
                       <a:pPr marR="0" algn="l" rtl="0"/>
                       <a:r>
-                        <a:rPr lang="en-US" altLang="zh-CN" sz="800" dirty="0">
+                        <a:rPr lang="en-US" altLang="zh-CN" sz="1100" dirty="0">
                           <a:latin typeface="Courier New" panose="02070309020205020404" pitchFamily="49" charset="0"/>
                           <a:cs typeface="Courier New" panose="02070309020205020404" pitchFamily="49" charset="0"/>
                         </a:rPr>
                         <a:t>statements2</a:t>
                       </a:r>
-                      <a:endParaRPr lang="zh-CN" altLang="en-US" sz="800" dirty="0">
+                      <a:endParaRPr lang="zh-CN" altLang="en-US" sz="1100" dirty="0">
                         <a:latin typeface="Courier New" panose="02070309020205020404" pitchFamily="49" charset="0"/>
                         <a:cs typeface="Courier New" panose="02070309020205020404" pitchFamily="49" charset="0"/>
                       </a:endParaRPr>
@@ -7964,13 +8470,13 @@
                     <a:p>
                       <a:pPr marR="0" algn="ctr" rtl="0"/>
                       <a:r>
-                        <a:rPr lang="en-US" altLang="zh-CN" sz="800" dirty="0">
+                        <a:rPr lang="en-US" altLang="zh-CN" sz="1100" dirty="0">
                           <a:latin typeface="Courier New" panose="02070309020205020404" pitchFamily="49" charset="0"/>
                           <a:cs typeface="Courier New" panose="02070309020205020404" pitchFamily="49" charset="0"/>
                         </a:rPr>
                         <a:t>9</a:t>
                       </a:r>
-                      <a:endParaRPr lang="zh-CN" altLang="en-US" sz="800" dirty="0">
+                      <a:endParaRPr lang="zh-CN" altLang="en-US" sz="1100" dirty="0">
                         <a:latin typeface="Courier New" panose="02070309020205020404" pitchFamily="49" charset="0"/>
                         <a:cs typeface="Courier New" panose="02070309020205020404" pitchFamily="49" charset="0"/>
                       </a:endParaRPr>
@@ -7984,7 +8490,7 @@
                     <a:lstStyle/>
                     <a:p>
                       <a:pPr marR="0" algn="l" rtl="0"/>
-                      <a:endParaRPr lang="en-US" altLang="zh-CN" sz="800" dirty="0">
+                      <a:endParaRPr lang="en-US" altLang="zh-CN" sz="1100" dirty="0">
                         <a:solidFill>
                           <a:schemeClr val="tx1"/>
                         </a:solidFill>
@@ -8001,7 +8507,7 @@
                     <a:lstStyle/>
                     <a:p>
                       <a:pPr marR="0" algn="l" rtl="0"/>
-                      <a:endParaRPr lang="en-US" altLang="zh-CN" sz="800" dirty="0">
+                      <a:endParaRPr lang="en-US" altLang="zh-CN" sz="1100" dirty="0">
                         <a:latin typeface="Courier New" panose="02070309020205020404" pitchFamily="49" charset="0"/>
                         <a:cs typeface="Courier New" panose="02070309020205020404" pitchFamily="49" charset="0"/>
                       </a:endParaRPr>
@@ -8015,7 +8521,7 @@
                     <a:lstStyle/>
                     <a:p>
                       <a:pPr marR="0" algn="l" rtl="0"/>
-                      <a:endParaRPr lang="zh-CN" altLang="en-US" sz="800" dirty="0">
+                      <a:endParaRPr lang="zh-CN" altLang="en-US" sz="1100" dirty="0">
                         <a:latin typeface="Courier New" panose="02070309020205020404" pitchFamily="49" charset="0"/>
                         <a:cs typeface="Courier New" panose="02070309020205020404" pitchFamily="49" charset="0"/>
                       </a:endParaRPr>
@@ -8029,7 +8535,7 @@
                     <a:lstStyle/>
                     <a:p>
                       <a:pPr marR="0" algn="l" rtl="0"/>
-                      <a:endParaRPr lang="zh-CN" altLang="en-US" sz="800" dirty="0">
+                      <a:endParaRPr lang="zh-CN" altLang="en-US" sz="1100" dirty="0">
                         <a:latin typeface="Courier New" panose="02070309020205020404" pitchFamily="49" charset="0"/>
                         <a:cs typeface="Courier New" panose="02070309020205020404" pitchFamily="49" charset="0"/>
                       </a:endParaRPr>
@@ -8043,7 +8549,7 @@
                   </a:ext>
                 </a:extLst>
               </a:tr>
-              <a:tr h="210820">
+              <a:tr h="2270760">
                 <a:tc>
                   <a:txBody>
                     <a:bodyPr/>
@@ -8051,13 +8557,13 @@
                     <a:p>
                       <a:pPr marR="0" algn="ctr" rtl="0"/>
                       <a:r>
-                        <a:rPr lang="en-US" altLang="zh-CN" sz="800" dirty="0">
+                        <a:rPr lang="en-US" altLang="zh-CN" sz="1100" dirty="0">
                           <a:latin typeface="Courier New" panose="02070309020205020404" pitchFamily="49" charset="0"/>
                           <a:cs typeface="Courier New" panose="02070309020205020404" pitchFamily="49" charset="0"/>
                         </a:rPr>
                         <a:t>10</a:t>
                       </a:r>
-                      <a:endParaRPr lang="zh-CN" altLang="en-US" sz="800" dirty="0">
+                      <a:endParaRPr lang="zh-CN" altLang="en-US" sz="1100" dirty="0">
                         <a:latin typeface="Courier New" panose="02070309020205020404" pitchFamily="49" charset="0"/>
                         <a:cs typeface="Courier New" panose="02070309020205020404" pitchFamily="49" charset="0"/>
                       </a:endParaRPr>
@@ -8072,7 +8578,7 @@
                     <a:p>
                       <a:pPr marR="0" algn="l" rtl="0"/>
                       <a:r>
-                        <a:rPr lang="en-US" altLang="zh-CN" sz="800" dirty="0">
+                        <a:rPr lang="en-US" altLang="zh-CN" sz="1100" dirty="0">
                           <a:solidFill>
                             <a:srgbClr val="C00000"/>
                           </a:solidFill>
@@ -8082,7 +8588,7 @@
                         <a:t>-protected Membership </a:t>
                       </a:r>
                       <a:r>
-                        <a:rPr lang="en-US" altLang="zh-CN" sz="800" dirty="0" err="1">
+                        <a:rPr lang="en-US" altLang="zh-CN" sz="1100" dirty="0" err="1">
                           <a:solidFill>
                             <a:srgbClr val="C00000"/>
                           </a:solidFill>
@@ -8092,7 +8598,7 @@
                         <a:t>membership</a:t>
                       </a:r>
                       <a:r>
-                        <a:rPr lang="en-US" altLang="zh-CN" sz="800" dirty="0">
+                        <a:rPr lang="en-US" altLang="zh-CN" sz="1100" dirty="0">
                           <a:solidFill>
                             <a:srgbClr val="C00000"/>
                           </a:solidFill>
@@ -8105,7 +8611,7 @@
                     <a:p>
                       <a:pPr marR="0" algn="l" rtl="0"/>
                       <a:r>
-                        <a:rPr lang="en-US" altLang="zh-CN" sz="800" dirty="0">
+                        <a:rPr lang="en-US" altLang="zh-CN" sz="1100" dirty="0">
                           <a:solidFill>
                             <a:srgbClr val="C00000"/>
                           </a:solidFill>
@@ -8115,7 +8621,7 @@
                         <a:t> </a:t>
                       </a:r>
                       <a:r>
-                        <a:rPr lang="en-US" altLang="zh-CN" sz="800" dirty="0">
+                        <a:rPr lang="en-US" altLang="zh-CN" sz="1100" dirty="0">
                           <a:solidFill>
                             <a:schemeClr val="tx1"/>
                           </a:solidFill>
@@ -8125,7 +8631,7 @@
                         <a:t>public </a:t>
                       </a:r>
                       <a:r>
-                        <a:rPr lang="en-US" altLang="zh-CN" sz="800" dirty="0" err="1">
+                        <a:rPr lang="en-US" altLang="zh-CN" sz="1100" dirty="0" err="1">
                           <a:solidFill>
                             <a:schemeClr val="tx1"/>
                           </a:solidFill>
@@ -8135,7 +8641,7 @@
                         <a:t>boolean</a:t>
                       </a:r>
                       <a:r>
-                        <a:rPr lang="en-US" altLang="zh-CN" sz="800" dirty="0">
+                        <a:rPr lang="en-US" altLang="zh-CN" sz="1100" dirty="0">
                           <a:solidFill>
                             <a:schemeClr val="tx1"/>
                           </a:solidFill>
@@ -8145,7 +8651,7 @@
                         <a:t> </a:t>
                       </a:r>
                       <a:r>
-                        <a:rPr lang="en-US" altLang="zh-CN" sz="800" dirty="0" err="1">
+                        <a:rPr lang="en-US" altLang="zh-CN" sz="1100" dirty="0" err="1">
                           <a:solidFill>
                             <a:schemeClr val="tx1"/>
                           </a:solidFill>
@@ -8155,7 +8661,7 @@
                         <a:t>hasMembers</a:t>
                       </a:r>
                       <a:r>
-                        <a:rPr lang="en-US" altLang="zh-CN" sz="800" dirty="0">
+                        <a:rPr lang="en-US" altLang="zh-CN" sz="1100" dirty="0">
                           <a:solidFill>
                             <a:schemeClr val="tx1"/>
                           </a:solidFill>
@@ -8168,7 +8674,7 @@
                     <a:p>
                       <a:pPr marR="0" algn="l" rtl="0"/>
                       <a:r>
-                        <a:rPr lang="en-US" altLang="zh-CN" sz="800" dirty="0">
+                        <a:rPr lang="en-US" altLang="zh-CN" sz="1100" dirty="0">
                           <a:solidFill>
                             <a:schemeClr val="tx1"/>
                           </a:solidFill>
@@ -8178,7 +8684,7 @@
                         <a:t>   if (membership == null) </a:t>
                       </a:r>
                       <a:r>
-                        <a:rPr lang="en-US" altLang="zh-CN" sz="800" dirty="0" err="1">
+                        <a:rPr lang="en-US" altLang="zh-CN" sz="1100" dirty="0" err="1">
                           <a:solidFill>
                             <a:schemeClr val="tx1"/>
                           </a:solidFill>
@@ -8188,7 +8694,7 @@
                         <a:t>setupMembership</a:t>
                       </a:r>
                       <a:r>
-                        <a:rPr lang="en-US" altLang="zh-CN" sz="800" dirty="0">
+                        <a:rPr lang="en-US" altLang="zh-CN" sz="1100" dirty="0">
                           <a:solidFill>
                             <a:schemeClr val="tx1"/>
                           </a:solidFill>
@@ -8201,7 +8707,7 @@
                     <a:p>
                       <a:pPr marR="0" algn="l" rtl="0"/>
                       <a:r>
-                        <a:rPr lang="en-US" altLang="zh-CN" sz="800" dirty="0">
+                        <a:rPr lang="en-US" altLang="zh-CN" sz="1100" dirty="0">
                           <a:solidFill>
                             <a:schemeClr val="tx1"/>
                           </a:solidFill>
@@ -8211,7 +8717,7 @@
                         <a:t>   return </a:t>
                       </a:r>
                       <a:r>
-                        <a:rPr lang="en-US" altLang="zh-CN" sz="800" dirty="0" err="1">
+                        <a:rPr lang="en-US" altLang="zh-CN" sz="1100" dirty="0" err="1">
                           <a:solidFill>
                             <a:schemeClr val="tx1"/>
                           </a:solidFill>
@@ -8221,7 +8727,7 @@
                         <a:t>membership.hasMembers</a:t>
                       </a:r>
                       <a:r>
-                        <a:rPr lang="en-US" altLang="zh-CN" sz="800" dirty="0">
+                        <a:rPr lang="en-US" altLang="zh-CN" sz="1100" dirty="0">
                           <a:solidFill>
                             <a:schemeClr val="tx1"/>
                           </a:solidFill>
@@ -8234,7 +8740,7 @@
                     <a:p>
                       <a:pPr marR="0" algn="l" rtl="0"/>
                       <a:r>
-                        <a:rPr lang="en-US" altLang="zh-CN" sz="800" dirty="0">
+                        <a:rPr lang="en-US" altLang="zh-CN" sz="1100" dirty="0">
                           <a:solidFill>
                             <a:schemeClr val="tx1"/>
                           </a:solidFill>
@@ -8247,7 +8753,7 @@
                     <a:p>
                       <a:pPr marR="0" algn="l" rtl="0"/>
                       <a:r>
-                        <a:rPr lang="en-US" altLang="zh-CN" sz="800" dirty="0">
+                        <a:rPr lang="en-US" altLang="zh-CN" sz="1100" dirty="0">
                           <a:solidFill>
                             <a:schemeClr val="tx1"/>
                           </a:solidFill>
@@ -8257,7 +8763,7 @@
                         <a:t> protected synchronized void </a:t>
                       </a:r>
                       <a:r>
-                        <a:rPr lang="en-US" altLang="zh-CN" sz="800" dirty="0" err="1">
+                        <a:rPr lang="en-US" altLang="zh-CN" sz="1100" dirty="0" err="1">
                           <a:solidFill>
                             <a:schemeClr val="tx1"/>
                           </a:solidFill>
@@ -8267,7 +8773,7 @@
                         <a:t>setupMembership</a:t>
                       </a:r>
                       <a:r>
-                        <a:rPr lang="en-US" altLang="zh-CN" sz="800" dirty="0">
+                        <a:rPr lang="en-US" altLang="zh-CN" sz="1100" dirty="0">
                           <a:solidFill>
                             <a:schemeClr val="tx1"/>
                           </a:solidFill>
@@ -8280,7 +8786,7 @@
                     <a:p>
                       <a:pPr marR="0" algn="l" rtl="0"/>
                       <a:r>
-                        <a:rPr lang="en-US" altLang="zh-CN" sz="800" dirty="0">
+                        <a:rPr lang="en-US" altLang="zh-CN" sz="1100" dirty="0">
                           <a:solidFill>
                             <a:schemeClr val="tx1"/>
                           </a:solidFill>
@@ -8293,7 +8799,7 @@
                     <a:p>
                       <a:pPr marR="0" algn="l" rtl="0"/>
                       <a:r>
-                        <a:rPr lang="en-US" altLang="zh-CN" sz="800" dirty="0">
+                        <a:rPr lang="en-US" altLang="zh-CN" sz="1100" dirty="0">
                           <a:solidFill>
                             <a:schemeClr val="tx1"/>
                           </a:solidFill>
@@ -8303,7 +8809,7 @@
                         <a:t>     membership = new Membership(</a:t>
                       </a:r>
                       <a:r>
-                        <a:rPr lang="en-US" altLang="zh-CN" sz="800" dirty="0" err="1">
+                        <a:rPr lang="en-US" altLang="zh-CN" sz="1100" dirty="0" err="1">
                           <a:solidFill>
                             <a:schemeClr val="tx1"/>
                           </a:solidFill>
@@ -8313,7 +8819,7 @@
                         <a:t>super.getLocalMember</a:t>
                       </a:r>
                       <a:r>
-                        <a:rPr lang="en-US" altLang="zh-CN" sz="800" dirty="0">
+                        <a:rPr lang="en-US" altLang="zh-CN" sz="1100" dirty="0">
                           <a:solidFill>
                             <a:schemeClr val="tx1"/>
                           </a:solidFill>
@@ -8326,7 +8832,7 @@
                     <a:p>
                       <a:pPr marR="0" algn="l" rtl="0"/>
                       <a:r>
-                        <a:rPr lang="en-US" altLang="zh-CN" sz="800" dirty="0">
+                        <a:rPr lang="en-US" altLang="zh-CN" sz="1100" dirty="0">
                           <a:solidFill>
                             <a:schemeClr val="tx1"/>
                           </a:solidFill>
@@ -8339,7 +8845,7 @@
                     <a:p>
                       <a:pPr marR="0" algn="l" rtl="0"/>
                       <a:r>
-                        <a:rPr lang="en-US" altLang="zh-CN" sz="800" dirty="0">
+                        <a:rPr lang="en-US" altLang="zh-CN" sz="1100" dirty="0">
                           <a:solidFill>
                             <a:schemeClr val="tx1"/>
                           </a:solidFill>
@@ -8348,13 +8854,6 @@
                         </a:rPr>
                         <a:t> }</a:t>
                       </a:r>
-                      <a:endParaRPr lang="en-US" altLang="zh-CN" sz="800" dirty="0">
-                        <a:solidFill>
-                          <a:schemeClr val="tx1"/>
-                        </a:solidFill>
-                        <a:latin typeface="Courier New" panose="02070309020205020404" pitchFamily="49" charset="0"/>
-                        <a:cs typeface="Courier New" panose="02070309020205020404" pitchFamily="49" charset="0"/>
-                      </a:endParaRPr>
                     </a:p>
                   </a:txBody>
                   <a:tcPr/>
@@ -8366,7 +8865,7 @@
                     <a:p>
                       <a:pPr marR="0" algn="l" rtl="0"/>
                       <a:r>
-                        <a:rPr lang="en-US" altLang="zh-CN" sz="800" dirty="0">
+                        <a:rPr lang="en-US" altLang="zh-CN" sz="1100" dirty="0">
                           <a:solidFill>
                             <a:srgbClr val="0070C0"/>
                           </a:solidFill>
@@ -8376,7 +8875,7 @@
                         <a:t>+protected volatile Membership </a:t>
                       </a:r>
                       <a:r>
-                        <a:rPr lang="en-US" altLang="zh-CN" sz="800" dirty="0" err="1">
+                        <a:rPr lang="en-US" altLang="zh-CN" sz="1100" dirty="0" err="1">
                           <a:solidFill>
                             <a:srgbClr val="0070C0"/>
                           </a:solidFill>
@@ -8386,7 +8885,7 @@
                         <a:t>membership</a:t>
                       </a:r>
                       <a:r>
-                        <a:rPr lang="en-US" altLang="zh-CN" sz="800" dirty="0">
+                        <a:rPr lang="en-US" altLang="zh-CN" sz="1100" dirty="0">
                           <a:solidFill>
                             <a:srgbClr val="0070C0"/>
                           </a:solidFill>
@@ -8399,7 +8898,7 @@
                     <a:p>
                       <a:pPr marR="0" algn="l" rtl="0"/>
                       <a:r>
-                        <a:rPr lang="en-US" altLang="zh-CN" sz="800" dirty="0">
+                        <a:rPr lang="en-US" altLang="zh-CN" sz="1100" dirty="0">
                           <a:solidFill>
                             <a:srgbClr val="0070C0"/>
                           </a:solidFill>
@@ -8409,7 +8908,7 @@
                         <a:t> </a:t>
                       </a:r>
                       <a:r>
-                        <a:rPr lang="en-US" altLang="zh-CN" sz="800" dirty="0">
+                        <a:rPr lang="en-US" altLang="zh-CN" sz="1100" dirty="0">
                           <a:solidFill>
                             <a:schemeClr val="tx1"/>
                           </a:solidFill>
@@ -8419,7 +8918,7 @@
                         <a:t>public </a:t>
                       </a:r>
                       <a:r>
-                        <a:rPr lang="en-US" altLang="zh-CN" sz="800" dirty="0" err="1">
+                        <a:rPr lang="en-US" altLang="zh-CN" sz="1100" dirty="0" err="1">
                           <a:solidFill>
                             <a:schemeClr val="tx1"/>
                           </a:solidFill>
@@ -8429,7 +8928,7 @@
                         <a:t>boolean</a:t>
                       </a:r>
                       <a:r>
-                        <a:rPr lang="en-US" altLang="zh-CN" sz="800" dirty="0">
+                        <a:rPr lang="en-US" altLang="zh-CN" sz="1100" dirty="0">
                           <a:solidFill>
                             <a:schemeClr val="tx1"/>
                           </a:solidFill>
@@ -8439,7 +8938,7 @@
                         <a:t> </a:t>
                       </a:r>
                       <a:r>
-                        <a:rPr lang="en-US" altLang="zh-CN" sz="800" dirty="0" err="1">
+                        <a:rPr lang="en-US" altLang="zh-CN" sz="1100" dirty="0" err="1">
                           <a:solidFill>
                             <a:schemeClr val="tx1"/>
                           </a:solidFill>
@@ -8449,7 +8948,7 @@
                         <a:t>hasMembers</a:t>
                       </a:r>
                       <a:r>
-                        <a:rPr lang="en-US" altLang="zh-CN" sz="800" dirty="0">
+                        <a:rPr lang="en-US" altLang="zh-CN" sz="1100" dirty="0">
                           <a:solidFill>
                             <a:schemeClr val="tx1"/>
                           </a:solidFill>
@@ -8462,7 +8961,7 @@
                     <a:p>
                       <a:pPr marR="0" algn="l" rtl="0"/>
                       <a:r>
-                        <a:rPr lang="en-US" altLang="zh-CN" sz="800" dirty="0">
+                        <a:rPr lang="en-US" altLang="zh-CN" sz="1100" dirty="0">
                           <a:solidFill>
                             <a:schemeClr val="tx1"/>
                           </a:solidFill>
@@ -8472,7 +8971,7 @@
                         <a:t>   if (membership == null) </a:t>
                       </a:r>
                       <a:r>
-                        <a:rPr lang="en-US" altLang="zh-CN" sz="800" dirty="0" err="1">
+                        <a:rPr lang="en-US" altLang="zh-CN" sz="1100" dirty="0" err="1">
                           <a:solidFill>
                             <a:schemeClr val="tx1"/>
                           </a:solidFill>
@@ -8482,7 +8981,7 @@
                         <a:t>setupMembership</a:t>
                       </a:r>
                       <a:r>
-                        <a:rPr lang="en-US" altLang="zh-CN" sz="800" dirty="0">
+                        <a:rPr lang="en-US" altLang="zh-CN" sz="1100" dirty="0">
                           <a:solidFill>
                             <a:schemeClr val="tx1"/>
                           </a:solidFill>
@@ -8495,7 +8994,7 @@
                     <a:p>
                       <a:pPr marR="0" algn="l" rtl="0"/>
                       <a:r>
-                        <a:rPr lang="en-US" altLang="zh-CN" sz="800" dirty="0">
+                        <a:rPr lang="en-US" altLang="zh-CN" sz="1100" dirty="0">
                           <a:solidFill>
                             <a:schemeClr val="tx1"/>
                           </a:solidFill>
@@ -8505,7 +9004,7 @@
                         <a:t>   return </a:t>
                       </a:r>
                       <a:r>
-                        <a:rPr lang="en-US" altLang="zh-CN" sz="800" dirty="0" err="1">
+                        <a:rPr lang="en-US" altLang="zh-CN" sz="1100" dirty="0" err="1">
                           <a:solidFill>
                             <a:schemeClr val="tx1"/>
                           </a:solidFill>
@@ -8515,7 +9014,7 @@
                         <a:t>membership.hasMembers</a:t>
                       </a:r>
                       <a:r>
-                        <a:rPr lang="en-US" altLang="zh-CN" sz="800" dirty="0">
+                        <a:rPr lang="en-US" altLang="zh-CN" sz="1100" dirty="0">
                           <a:solidFill>
                             <a:schemeClr val="tx1"/>
                           </a:solidFill>
@@ -8528,7 +9027,7 @@
                     <a:p>
                       <a:pPr marR="0" algn="l" rtl="0"/>
                       <a:r>
-                        <a:rPr lang="en-US" altLang="zh-CN" sz="800" dirty="0">
+                        <a:rPr lang="en-US" altLang="zh-CN" sz="1100" dirty="0">
                           <a:solidFill>
                             <a:schemeClr val="tx1"/>
                           </a:solidFill>
@@ -8541,7 +9040,7 @@
                     <a:p>
                       <a:pPr marR="0" algn="l" rtl="0"/>
                       <a:r>
-                        <a:rPr lang="en-US" altLang="zh-CN" sz="800" dirty="0">
+                        <a:rPr lang="en-US" altLang="zh-CN" sz="1100" dirty="0">
                           <a:solidFill>
                             <a:schemeClr val="tx1"/>
                           </a:solidFill>
@@ -8551,7 +9050,7 @@
                         <a:t> protected synchronized void </a:t>
                       </a:r>
                       <a:r>
-                        <a:rPr lang="en-US" altLang="zh-CN" sz="800" dirty="0" err="1">
+                        <a:rPr lang="en-US" altLang="zh-CN" sz="1100" dirty="0" err="1">
                           <a:solidFill>
                             <a:schemeClr val="tx1"/>
                           </a:solidFill>
@@ -8561,7 +9060,7 @@
                         <a:t>setupMembership</a:t>
                       </a:r>
                       <a:r>
-                        <a:rPr lang="en-US" altLang="zh-CN" sz="800" dirty="0">
+                        <a:rPr lang="en-US" altLang="zh-CN" sz="1100" dirty="0">
                           <a:solidFill>
                             <a:schemeClr val="tx1"/>
                           </a:solidFill>
@@ -8574,7 +9073,7 @@
                     <a:p>
                       <a:pPr marR="0" algn="l" rtl="0"/>
                       <a:r>
-                        <a:rPr lang="en-US" altLang="zh-CN" sz="800" dirty="0">
+                        <a:rPr lang="en-US" altLang="zh-CN" sz="1100" dirty="0">
                           <a:solidFill>
                             <a:schemeClr val="tx1"/>
                           </a:solidFill>
@@ -8587,7 +9086,7 @@
                     <a:p>
                       <a:pPr marR="0" algn="l" rtl="0"/>
                       <a:r>
-                        <a:rPr lang="en-US" altLang="zh-CN" sz="800" dirty="0">
+                        <a:rPr lang="en-US" altLang="zh-CN" sz="1100" dirty="0">
                           <a:solidFill>
                             <a:schemeClr val="tx1"/>
                           </a:solidFill>
@@ -8597,7 +9096,7 @@
                         <a:t>     membership = new Membership(</a:t>
                       </a:r>
                       <a:r>
-                        <a:rPr lang="en-US" altLang="zh-CN" sz="800" dirty="0" err="1">
+                        <a:rPr lang="en-US" altLang="zh-CN" sz="1100" dirty="0" err="1">
                           <a:solidFill>
                             <a:schemeClr val="tx1"/>
                           </a:solidFill>
@@ -8607,7 +9106,7 @@
                         <a:t>super.getLocalMember</a:t>
                       </a:r>
                       <a:r>
-                        <a:rPr lang="en-US" altLang="zh-CN" sz="800" dirty="0">
+                        <a:rPr lang="en-US" altLang="zh-CN" sz="1100" dirty="0">
                           <a:solidFill>
                             <a:schemeClr val="tx1"/>
                           </a:solidFill>
@@ -8620,7 +9119,7 @@
                     <a:p>
                       <a:pPr marR="0" algn="l" rtl="0"/>
                       <a:r>
-                        <a:rPr lang="en-US" altLang="zh-CN" sz="800" dirty="0">
+                        <a:rPr lang="en-US" altLang="zh-CN" sz="1100" dirty="0">
                           <a:solidFill>
                             <a:schemeClr val="tx1"/>
                           </a:solidFill>
@@ -8633,7 +9132,7 @@
                     <a:p>
                       <a:pPr marR="0" algn="l" rtl="0"/>
                       <a:r>
-                        <a:rPr lang="en-US" altLang="zh-CN" sz="800" dirty="0">
+                        <a:rPr lang="en-US" altLang="zh-CN" sz="1100" dirty="0">
                           <a:solidFill>
                             <a:schemeClr val="tx1"/>
                           </a:solidFill>
@@ -8653,13 +9152,13 @@
                     <a:p>
                       <a:pPr marR="0" algn="l" rtl="0"/>
                       <a:r>
-                        <a:rPr lang="en-US" altLang="zh-CN" sz="800" dirty="0">
+                        <a:rPr lang="en-US" altLang="zh-CN" sz="1100" dirty="0">
                           <a:latin typeface="Courier New" panose="02070309020205020404" pitchFamily="49" charset="0"/>
                           <a:cs typeface="Courier New" panose="02070309020205020404" pitchFamily="49" charset="0"/>
                         </a:rPr>
                         <a:t>T foo;</a:t>
                       </a:r>
-                      <a:endParaRPr lang="zh-CN" altLang="en-US" sz="800" dirty="0">
+                      <a:endParaRPr lang="zh-CN" altLang="en-US" sz="1100" dirty="0">
                         <a:latin typeface="Courier New" panose="02070309020205020404" pitchFamily="49" charset="0"/>
                         <a:cs typeface="Courier New" panose="02070309020205020404" pitchFamily="49" charset="0"/>
                       </a:endParaRPr>
@@ -8674,13 +9173,13 @@
                     <a:p>
                       <a:pPr marR="0" algn="l" rtl="0"/>
                       <a:r>
-                        <a:rPr lang="en-US" altLang="zh-CN" sz="800" dirty="0">
+                        <a:rPr lang="en-US" altLang="zh-CN" sz="1100" dirty="0">
                           <a:latin typeface="Courier New" panose="02070309020205020404" pitchFamily="49" charset="0"/>
                           <a:cs typeface="Courier New" panose="02070309020205020404" pitchFamily="49" charset="0"/>
                         </a:rPr>
                         <a:t>volatile T foo;</a:t>
                       </a:r>
-                      <a:endParaRPr lang="zh-CN" altLang="en-US" sz="800" dirty="0">
+                      <a:endParaRPr lang="zh-CN" altLang="en-US" sz="1100" dirty="0">
                         <a:latin typeface="Courier New" panose="02070309020205020404" pitchFamily="49" charset="0"/>
                         <a:cs typeface="Courier New" panose="02070309020205020404" pitchFamily="49" charset="0"/>
                       </a:endParaRPr>
@@ -8694,7 +9193,7 @@
                   </a:ext>
                 </a:extLst>
               </a:tr>
-              <a:tr h="210820">
+              <a:tr h="1097280">
                 <a:tc>
                   <a:txBody>
                     <a:bodyPr/>
@@ -8702,13 +9201,13 @@
                     <a:p>
                       <a:pPr marR="0" algn="ctr" rtl="0"/>
                       <a:r>
-                        <a:rPr lang="en-US" altLang="zh-CN" sz="800" dirty="0">
+                        <a:rPr lang="en-US" altLang="zh-CN" sz="1100" dirty="0">
                           <a:latin typeface="Courier New" panose="02070309020205020404" pitchFamily="49" charset="0"/>
                           <a:cs typeface="Courier New" panose="02070309020205020404" pitchFamily="49" charset="0"/>
                         </a:rPr>
                         <a:t>11</a:t>
                       </a:r>
-                      <a:endParaRPr lang="zh-CN" altLang="en-US" sz="800" dirty="0">
+                      <a:endParaRPr lang="zh-CN" altLang="en-US" sz="1100" dirty="0">
                         <a:latin typeface="Courier New" panose="02070309020205020404" pitchFamily="49" charset="0"/>
                         <a:cs typeface="Courier New" panose="02070309020205020404" pitchFamily="49" charset="0"/>
                       </a:endParaRPr>
@@ -8723,7 +9222,7 @@
                     <a:p>
                       <a:pPr marR="0" algn="l" rtl="0"/>
                       <a:r>
-                        <a:rPr lang="en-US" altLang="zh-CN" sz="800" dirty="0">
+                        <a:rPr lang="en-US" altLang="zh-CN" sz="1100" dirty="0">
                           <a:solidFill>
                             <a:srgbClr val="C00000"/>
                           </a:solidFill>
@@ -8733,7 +9232,7 @@
                         <a:t>-private volatile </a:t>
                       </a:r>
                       <a:r>
-                        <a:rPr lang="en-US" altLang="zh-CN" sz="800" dirty="0" err="1">
+                        <a:rPr lang="en-US" altLang="zh-CN" sz="1100" dirty="0" err="1">
                           <a:solidFill>
                             <a:srgbClr val="C00000"/>
                           </a:solidFill>
@@ -8743,7 +9242,7 @@
                         <a:t>int</a:t>
                       </a:r>
                       <a:r>
-                        <a:rPr lang="en-US" altLang="zh-CN" sz="800" dirty="0">
+                        <a:rPr lang="en-US" altLang="zh-CN" sz="1100" dirty="0">
                           <a:solidFill>
                             <a:srgbClr val="C00000"/>
                           </a:solidFill>
@@ -8753,7 +9252,7 @@
                         <a:t> </a:t>
                       </a:r>
                       <a:r>
-                        <a:rPr lang="en-US" altLang="zh-CN" sz="800" dirty="0" err="1">
+                        <a:rPr lang="en-US" altLang="zh-CN" sz="1100" dirty="0" err="1">
                           <a:solidFill>
                             <a:srgbClr val="C00000"/>
                           </a:solidFill>
@@ -8763,7 +9262,7 @@
                         <a:t>requestCount</a:t>
                       </a:r>
                       <a:r>
-                        <a:rPr lang="en-US" altLang="zh-CN" sz="800" dirty="0">
+                        <a:rPr lang="en-US" altLang="zh-CN" sz="1100" dirty="0">
                           <a:solidFill>
                             <a:srgbClr val="C00000"/>
                           </a:solidFill>
@@ -8775,7 +9274,7 @@
                     </a:p>
                     <a:p>
                       <a:pPr marR="0" algn="l" rtl="0"/>
-                      <a:endParaRPr lang="en-US" altLang="zh-CN" sz="800" dirty="0">
+                      <a:endParaRPr lang="en-US" altLang="zh-CN" sz="1100" dirty="0">
                         <a:solidFill>
                           <a:srgbClr val="C00000"/>
                         </a:solidFill>
@@ -8786,7 +9285,7 @@
                     <a:p>
                       <a:pPr marR="0" algn="l" rtl="0"/>
                       <a:r>
-                        <a:rPr lang="en-US" altLang="zh-CN" sz="800" dirty="0">
+                        <a:rPr lang="en-US" altLang="zh-CN" sz="1100" dirty="0">
                           <a:solidFill>
                             <a:srgbClr val="C00000"/>
                           </a:solidFill>
@@ -8796,7 +9295,7 @@
                         <a:t>-private volatile </a:t>
                       </a:r>
                       <a:r>
-                        <a:rPr lang="en-US" altLang="zh-CN" sz="800" dirty="0" err="1">
+                        <a:rPr lang="en-US" altLang="zh-CN" sz="1100" dirty="0" err="1">
                           <a:solidFill>
                             <a:srgbClr val="C00000"/>
                           </a:solidFill>
@@ -8806,7 +9305,7 @@
                         <a:t>int</a:t>
                       </a:r>
                       <a:r>
-                        <a:rPr lang="en-US" altLang="zh-CN" sz="800" dirty="0">
+                        <a:rPr lang="en-US" altLang="zh-CN" sz="1100" dirty="0">
                           <a:solidFill>
                             <a:srgbClr val="C00000"/>
                           </a:solidFill>
@@ -8816,7 +9315,7 @@
                         <a:t> </a:t>
                       </a:r>
                       <a:r>
-                        <a:rPr lang="en-US" altLang="zh-CN" sz="800" dirty="0" err="1">
+                        <a:rPr lang="en-US" altLang="zh-CN" sz="1100" dirty="0" err="1">
                           <a:solidFill>
                             <a:srgbClr val="C00000"/>
                           </a:solidFill>
@@ -8826,7 +9325,7 @@
                         <a:t>errorCount</a:t>
                       </a:r>
                       <a:r>
-                        <a:rPr lang="en-US" altLang="zh-CN" sz="800" dirty="0">
+                        <a:rPr lang="en-US" altLang="zh-CN" sz="1100" dirty="0">
                           <a:solidFill>
                             <a:srgbClr val="C00000"/>
                           </a:solidFill>
@@ -8838,7 +9337,7 @@
                     </a:p>
                     <a:p>
                       <a:pPr marR="0" algn="l" rtl="0"/>
-                      <a:endParaRPr lang="en-US" altLang="zh-CN" sz="800" dirty="0">
+                      <a:endParaRPr lang="en-US" altLang="zh-CN" sz="1100" dirty="0">
                         <a:solidFill>
                           <a:srgbClr val="C00000"/>
                         </a:solidFill>
@@ -8849,7 +9348,7 @@
                     <a:p>
                       <a:pPr marR="0" algn="l" rtl="0"/>
                       <a:r>
-                        <a:rPr lang="en-US" altLang="zh-CN" sz="800" dirty="0">
+                        <a:rPr lang="en-US" altLang="zh-CN" sz="1100" dirty="0">
                           <a:solidFill>
                             <a:srgbClr val="C00000"/>
                           </a:solidFill>
@@ -8859,7 +9358,7 @@
                         <a:t>-  </a:t>
                       </a:r>
                       <a:r>
-                        <a:rPr lang="en-US" altLang="zh-CN" sz="800" dirty="0" err="1">
+                        <a:rPr lang="en-US" altLang="zh-CN" sz="1100" dirty="0" err="1">
                           <a:solidFill>
                             <a:srgbClr val="C00000"/>
                           </a:solidFill>
@@ -8869,7 +9368,7 @@
                         <a:t>requestCount</a:t>
                       </a:r>
                       <a:r>
-                        <a:rPr lang="en-US" altLang="zh-CN" sz="800" dirty="0">
+                        <a:rPr lang="en-US" altLang="zh-CN" sz="1100" dirty="0">
                           <a:solidFill>
                             <a:srgbClr val="C00000"/>
                           </a:solidFill>
@@ -8878,13 +9377,6 @@
                         </a:rPr>
                         <a:t>++;</a:t>
                       </a:r>
-                      <a:endParaRPr lang="en-US" altLang="zh-CN" sz="800" dirty="0">
-                        <a:solidFill>
-                          <a:srgbClr val="C00000"/>
-                        </a:solidFill>
-                        <a:latin typeface="Courier New" panose="02070309020205020404" pitchFamily="49" charset="0"/>
-                        <a:cs typeface="Courier New" panose="02070309020205020404" pitchFamily="49" charset="0"/>
-                      </a:endParaRPr>
                     </a:p>
                   </a:txBody>
                   <a:tcPr/>
@@ -8896,7 +9388,7 @@
                     <a:p>
                       <a:pPr marR="0" algn="l" rtl="0"/>
                       <a:r>
-                        <a:rPr lang="en-US" altLang="zh-CN" sz="800" dirty="0">
+                        <a:rPr lang="en-US" altLang="zh-CN" sz="1100" dirty="0">
                           <a:solidFill>
                             <a:srgbClr val="0070C0"/>
                           </a:solidFill>
@@ -8906,7 +9398,7 @@
                         <a:t>+private final </a:t>
                       </a:r>
                       <a:r>
-                        <a:rPr lang="en-US" altLang="zh-CN" sz="800" dirty="0" err="1">
+                        <a:rPr lang="en-US" altLang="zh-CN" sz="1100" dirty="0" err="1">
                           <a:solidFill>
                             <a:srgbClr val="0070C0"/>
                           </a:solidFill>
@@ -8916,7 +9408,7 @@
                         <a:t>AtomicInteger</a:t>
                       </a:r>
                       <a:r>
-                        <a:rPr lang="en-US" altLang="zh-CN" sz="800" dirty="0">
+                        <a:rPr lang="en-US" altLang="zh-CN" sz="1100" dirty="0">
                           <a:solidFill>
                             <a:srgbClr val="0070C0"/>
                           </a:solidFill>
@@ -8926,7 +9418,7 @@
                         <a:t> </a:t>
                       </a:r>
                       <a:r>
-                        <a:rPr lang="en-US" altLang="zh-CN" sz="800" dirty="0" err="1">
+                        <a:rPr lang="en-US" altLang="zh-CN" sz="1100" dirty="0" err="1">
                           <a:solidFill>
                             <a:srgbClr val="0070C0"/>
                           </a:solidFill>
@@ -8936,7 +9428,7 @@
                         <a:t>requestCount</a:t>
                       </a:r>
                       <a:r>
-                        <a:rPr lang="en-US" altLang="zh-CN" sz="800" dirty="0">
+                        <a:rPr lang="en-US" altLang="zh-CN" sz="1100" dirty="0">
                           <a:solidFill>
                             <a:srgbClr val="0070C0"/>
                           </a:solidFill>
@@ -8949,7 +9441,7 @@
                     <a:p>
                       <a:pPr marR="0" algn="l" rtl="0"/>
                       <a:r>
-                        <a:rPr lang="en-US" altLang="zh-CN" sz="800" dirty="0">
+                        <a:rPr lang="en-US" altLang="zh-CN" sz="1100" dirty="0">
                           <a:solidFill>
                             <a:srgbClr val="0070C0"/>
                           </a:solidFill>
@@ -8959,7 +9451,7 @@
                         <a:t>+  new </a:t>
                       </a:r>
                       <a:r>
-                        <a:rPr lang="en-US" altLang="zh-CN" sz="800" dirty="0" err="1">
+                        <a:rPr lang="en-US" altLang="zh-CN" sz="1100" dirty="0" err="1">
                           <a:solidFill>
                             <a:srgbClr val="0070C0"/>
                           </a:solidFill>
@@ -8969,7 +9461,7 @@
                         <a:t>AtomicInteger</a:t>
                       </a:r>
                       <a:r>
-                        <a:rPr lang="en-US" altLang="zh-CN" sz="800" dirty="0">
+                        <a:rPr lang="en-US" altLang="zh-CN" sz="1100" dirty="0">
                           <a:solidFill>
                             <a:srgbClr val="0070C0"/>
                           </a:solidFill>
@@ -8982,7 +9474,7 @@
                     <a:p>
                       <a:pPr marR="0" algn="l" rtl="0"/>
                       <a:r>
-                        <a:rPr lang="en-US" altLang="zh-CN" sz="800" dirty="0">
+                        <a:rPr lang="en-US" altLang="zh-CN" sz="1100" dirty="0">
                           <a:solidFill>
                             <a:srgbClr val="0070C0"/>
                           </a:solidFill>
@@ -8992,7 +9484,7 @@
                         <a:t>+private final </a:t>
                       </a:r>
                       <a:r>
-                        <a:rPr lang="en-US" altLang="zh-CN" sz="800" dirty="0" err="1">
+                        <a:rPr lang="en-US" altLang="zh-CN" sz="1100" dirty="0" err="1">
                           <a:solidFill>
                             <a:srgbClr val="0070C0"/>
                           </a:solidFill>
@@ -9002,7 +9494,7 @@
                         <a:t>AtomicInteger</a:t>
                       </a:r>
                       <a:r>
-                        <a:rPr lang="en-US" altLang="zh-CN" sz="800" dirty="0">
+                        <a:rPr lang="en-US" altLang="zh-CN" sz="1100" dirty="0">
                           <a:solidFill>
                             <a:srgbClr val="0070C0"/>
                           </a:solidFill>
@@ -9012,7 +9504,7 @@
                         <a:t> </a:t>
                       </a:r>
                       <a:r>
-                        <a:rPr lang="en-US" altLang="zh-CN" sz="800" dirty="0" err="1">
+                        <a:rPr lang="en-US" altLang="zh-CN" sz="1100" dirty="0" err="1">
                           <a:solidFill>
                             <a:srgbClr val="0070C0"/>
                           </a:solidFill>
@@ -9022,7 +9514,7 @@
                         <a:t>errorCount</a:t>
                       </a:r>
                       <a:r>
-                        <a:rPr lang="en-US" altLang="zh-CN" sz="800" dirty="0">
+                        <a:rPr lang="en-US" altLang="zh-CN" sz="1100" dirty="0">
                           <a:solidFill>
                             <a:srgbClr val="0070C0"/>
                           </a:solidFill>
@@ -9032,7 +9524,7 @@
                         <a:t> = new </a:t>
                       </a:r>
                       <a:r>
-                        <a:rPr lang="en-US" altLang="zh-CN" sz="800" dirty="0" err="1">
+                        <a:rPr lang="en-US" altLang="zh-CN" sz="1100" dirty="0" err="1">
                           <a:solidFill>
                             <a:srgbClr val="0070C0"/>
                           </a:solidFill>
@@ -9042,7 +9534,7 @@
                         <a:t>AtomicInteger</a:t>
                       </a:r>
                       <a:r>
-                        <a:rPr lang="en-US" altLang="zh-CN" sz="800" dirty="0">
+                        <a:rPr lang="en-US" altLang="zh-CN" sz="1100" dirty="0">
                           <a:solidFill>
                             <a:srgbClr val="0070C0"/>
                           </a:solidFill>
@@ -9054,7 +9546,7 @@
                     </a:p>
                     <a:p>
                       <a:pPr marR="0" algn="l" rtl="0"/>
-                      <a:endParaRPr lang="en-US" altLang="zh-CN" sz="800" dirty="0">
+                      <a:endParaRPr lang="en-US" altLang="zh-CN" sz="1100" dirty="0">
                         <a:solidFill>
                           <a:srgbClr val="0070C0"/>
                         </a:solidFill>
@@ -9065,7 +9557,7 @@
                     <a:p>
                       <a:pPr marR="0" algn="l" rtl="0"/>
                       <a:r>
-                        <a:rPr lang="en-US" altLang="zh-CN" sz="800" dirty="0">
+                        <a:rPr lang="en-US" altLang="zh-CN" sz="1100" dirty="0">
                           <a:solidFill>
                             <a:srgbClr val="0070C0"/>
                           </a:solidFill>
@@ -9075,7 +9567,7 @@
                         <a:t>+  </a:t>
                       </a:r>
                       <a:r>
-                        <a:rPr lang="en-US" altLang="zh-CN" sz="800" dirty="0" err="1">
+                        <a:rPr lang="en-US" altLang="zh-CN" sz="1100" dirty="0" err="1">
                           <a:solidFill>
                             <a:srgbClr val="0070C0"/>
                           </a:solidFill>
@@ -9085,7 +9577,7 @@
                         <a:t>requestCount.incrementAndGet</a:t>
                       </a:r>
                       <a:r>
-                        <a:rPr lang="en-US" altLang="zh-CN" sz="800" dirty="0">
+                        <a:rPr lang="en-US" altLang="zh-CN" sz="1100" dirty="0">
                           <a:solidFill>
                             <a:srgbClr val="0070C0"/>
                           </a:solidFill>
@@ -9105,13 +9597,13 @@
                     <a:p>
                       <a:pPr marR="0" algn="l" rtl="0"/>
                       <a:r>
-                        <a:rPr lang="en-US" altLang="zh-CN" sz="800" dirty="0">
+                        <a:rPr lang="en-US" altLang="zh-CN" sz="1100" dirty="0">
                           <a:latin typeface="Courier New" panose="02070309020205020404" pitchFamily="49" charset="0"/>
                           <a:cs typeface="Courier New" panose="02070309020205020404" pitchFamily="49" charset="0"/>
                         </a:rPr>
                         <a:t>volatile T foo;</a:t>
                       </a:r>
-                      <a:endParaRPr lang="zh-CN" altLang="en-US" sz="800" dirty="0">
+                      <a:endParaRPr lang="zh-CN" altLang="en-US" sz="1100" dirty="0">
                         <a:latin typeface="Courier New" panose="02070309020205020404" pitchFamily="49" charset="0"/>
                         <a:cs typeface="Courier New" panose="02070309020205020404" pitchFamily="49" charset="0"/>
                       </a:endParaRPr>
@@ -9126,13 +9618,13 @@
                     <a:p>
                       <a:pPr marR="0" algn="l" rtl="0"/>
                       <a:r>
-                        <a:rPr lang="en-US" altLang="zh-CN" sz="800" dirty="0">
+                        <a:rPr lang="en-US" altLang="zh-CN" sz="1100" dirty="0">
                           <a:latin typeface="Courier New" panose="02070309020205020404" pitchFamily="49" charset="0"/>
                           <a:cs typeface="Courier New" panose="02070309020205020404" pitchFamily="49" charset="0"/>
                         </a:rPr>
                         <a:t>TT foo;</a:t>
                       </a:r>
-                      <a:endParaRPr lang="zh-CN" altLang="en-US" sz="800" dirty="0">
+                      <a:endParaRPr lang="zh-CN" altLang="en-US" sz="1100" dirty="0">
                         <a:latin typeface="Courier New" panose="02070309020205020404" pitchFamily="49" charset="0"/>
                         <a:cs typeface="Courier New" panose="02070309020205020404" pitchFamily="49" charset="0"/>
                       </a:endParaRPr>

--- a/visio/patterns.pptx
+++ b/visio/patterns.pptx
@@ -6,6 +6,7 @@
   </p:sldMasterIdLst>
   <p:sldIdLst>
     <p:sldId id="257" r:id="rId2"/>
+    <p:sldId id="258" r:id="rId3"/>
   </p:sldIdLst>
   <p:sldSz cx="12192000" cy="13716000"/>
   <p:notesSz cx="6858000" cy="9144000"/>
@@ -2981,14 +2982,14 @@
             <p:ph idx="1"/>
             <p:extLst>
               <p:ext uri="{D42A27DB-BD31-4B8C-83A1-F6EECF244321}">
-                <p14:modId xmlns:p14="http://schemas.microsoft.com/office/powerpoint/2010/main" val="1789477583"/>
+                <p14:modId xmlns:p14="http://schemas.microsoft.com/office/powerpoint/2010/main" val="2553133002"/>
               </p:ext>
             </p:extLst>
           </p:nvPr>
         </p:nvGraphicFramePr>
         <p:xfrm>
           <a:off x="0" y="1909"/>
-          <a:ext cx="12192000" cy="19862163"/>
+          <a:ext cx="12192000" cy="12325040"/>
         </p:xfrm>
         <a:graphic>
           <a:graphicData uri="http://schemas.openxmlformats.org/drawingml/2006/table">
@@ -3033,7 +3034,7 @@
                   </a:extLst>
                 </a:gridCol>
               </a:tblGrid>
-              <a:tr h="272717">
+              <a:tr h="360041">
                 <a:tc>
                   <a:txBody>
                     <a:bodyPr/>
@@ -6138,415 +6139,6 @@
                   </a:ext>
                 </a:extLst>
               </a:tr>
-              <a:tr h="1765017">
-                <a:tc>
-                  <a:txBody>
-                    <a:bodyPr/>
-                    <a:lstStyle/>
-                    <a:p>
-                      <a:pPr marR="0" algn="ctr" rtl="0"/>
-                      <a:r>
-                        <a:rPr lang="en-US" altLang="zh-CN" sz="1100" dirty="0">
-                          <a:latin typeface="Courier New" panose="02070309020205020404" pitchFamily="49" charset="0"/>
-                          <a:cs typeface="Courier New" panose="02070309020205020404" pitchFamily="49" charset="0"/>
-                        </a:rPr>
-                        <a:t>4</a:t>
-                      </a:r>
-                      <a:endParaRPr lang="zh-CN" altLang="en-US" sz="1100" dirty="0">
-                        <a:latin typeface="Courier New" panose="02070309020205020404" pitchFamily="49" charset="0"/>
-                        <a:cs typeface="Courier New" panose="02070309020205020404" pitchFamily="49" charset="0"/>
-                      </a:endParaRPr>
-                    </a:p>
-                  </a:txBody>
-                  <a:tcPr anchor="ctr"/>
-                </a:tc>
-                <a:tc>
-                  <a:txBody>
-                    <a:bodyPr/>
-                    <a:lstStyle/>
-                    <a:p>
-                      <a:pPr marR="0" algn="l" rtl="0"/>
-                      <a:endParaRPr lang="en-US" altLang="zh-CN" sz="1100" dirty="0">
-                        <a:solidFill>
-                          <a:srgbClr val="FF0000"/>
-                        </a:solidFill>
-                        <a:latin typeface="Courier New" panose="02070309020205020404" pitchFamily="49" charset="0"/>
-                        <a:cs typeface="Courier New" panose="02070309020205020404" pitchFamily="49" charset="0"/>
-                      </a:endParaRPr>
-                    </a:p>
-                    <a:p>
-                      <a:pPr marR="0" algn="l" rtl="0"/>
-                      <a:r>
-                        <a:rPr lang="en-US" altLang="zh-CN" sz="1100" dirty="0">
-                          <a:solidFill>
-                            <a:srgbClr val="C00000"/>
-                          </a:solidFill>
-                          <a:latin typeface="Courier New" panose="02070309020205020404" pitchFamily="49" charset="0"/>
-                          <a:cs typeface="Courier New" panose="02070309020205020404" pitchFamily="49" charset="0"/>
-                        </a:rPr>
-                        <a:t>-static volatile Digester </a:t>
-                      </a:r>
-                      <a:r>
-                        <a:rPr lang="en-US" altLang="zh-CN" sz="1100" dirty="0" err="1">
-                          <a:solidFill>
-                            <a:srgbClr val="C00000"/>
-                          </a:solidFill>
-                          <a:latin typeface="Courier New" panose="02070309020205020404" pitchFamily="49" charset="0"/>
-                          <a:cs typeface="Courier New" panose="02070309020205020404" pitchFamily="49" charset="0"/>
-                        </a:rPr>
-                        <a:t>digester</a:t>
-                      </a:r>
-                      <a:r>
-                        <a:rPr lang="en-US" altLang="zh-CN" sz="1100" dirty="0">
-                          <a:solidFill>
-                            <a:srgbClr val="C00000"/>
-                          </a:solidFill>
-                          <a:latin typeface="Courier New" panose="02070309020205020404" pitchFamily="49" charset="0"/>
-                          <a:cs typeface="Courier New" panose="02070309020205020404" pitchFamily="49" charset="0"/>
-                        </a:rPr>
-                        <a:t> = null;</a:t>
-                      </a:r>
-                    </a:p>
-                    <a:p>
-                      <a:pPr marR="0" algn="l" rtl="0"/>
-                      <a:r>
-                        <a:rPr lang="en-US" altLang="zh-CN" sz="1100" dirty="0">
-                          <a:solidFill>
-                            <a:srgbClr val="FF0000"/>
-                          </a:solidFill>
-                          <a:latin typeface="Courier New" panose="02070309020205020404" pitchFamily="49" charset="0"/>
-                          <a:cs typeface="Courier New" panose="02070309020205020404" pitchFamily="49" charset="0"/>
-                        </a:rPr>
-                        <a:t>-if (digester == null) {</a:t>
-                      </a:r>
-                    </a:p>
-                    <a:p>
-                      <a:pPr marR="0" algn="l" rtl="0"/>
-                      <a:r>
-                        <a:rPr lang="en-US" altLang="zh-CN" sz="1100" dirty="0">
-                          <a:solidFill>
-                            <a:srgbClr val="FF0000"/>
-                          </a:solidFill>
-                          <a:latin typeface="Courier New" panose="02070309020205020404" pitchFamily="49" charset="0"/>
-                          <a:cs typeface="Courier New" panose="02070309020205020404" pitchFamily="49" charset="0"/>
-                        </a:rPr>
-                        <a:t>-  digester = </a:t>
-                      </a:r>
-                      <a:r>
-                        <a:rPr lang="en-US" altLang="zh-CN" sz="1100" dirty="0" err="1">
-                          <a:solidFill>
-                            <a:srgbClr val="FF0000"/>
-                          </a:solidFill>
-                          <a:latin typeface="Courier New" panose="02070309020205020404" pitchFamily="49" charset="0"/>
-                          <a:cs typeface="Courier New" panose="02070309020205020404" pitchFamily="49" charset="0"/>
-                        </a:rPr>
-                        <a:t>createDigester</a:t>
-                      </a:r>
-                      <a:r>
-                        <a:rPr lang="en-US" altLang="zh-CN" sz="1100" dirty="0">
-                          <a:solidFill>
-                            <a:srgbClr val="FF0000"/>
-                          </a:solidFill>
-                          <a:latin typeface="Courier New" panose="02070309020205020404" pitchFamily="49" charset="0"/>
-                          <a:cs typeface="Courier New" panose="02070309020205020404" pitchFamily="49" charset="0"/>
-                        </a:rPr>
-                        <a:t>();</a:t>
-                      </a:r>
-                    </a:p>
-                    <a:p>
-                      <a:pPr marR="0" algn="l" rtl="0"/>
-                      <a:r>
-                        <a:rPr lang="en-US" altLang="zh-CN" sz="1100" dirty="0">
-                          <a:solidFill>
-                            <a:srgbClr val="FF0000"/>
-                          </a:solidFill>
-                          <a:latin typeface="Courier New" panose="02070309020205020404" pitchFamily="49" charset="0"/>
-                          <a:cs typeface="Courier New" panose="02070309020205020404" pitchFamily="49" charset="0"/>
-                        </a:rPr>
-                        <a:t>-}</a:t>
-                      </a:r>
-                    </a:p>
-                    <a:p>
-                      <a:pPr marR="0" algn="l" rtl="0"/>
-                      <a:r>
-                        <a:rPr lang="en-US" altLang="zh-CN" sz="1100" dirty="0">
-                          <a:solidFill>
-                            <a:srgbClr val="FF0000"/>
-                          </a:solidFill>
-                          <a:latin typeface="Courier New" panose="02070309020205020404" pitchFamily="49" charset="0"/>
-                          <a:cs typeface="Courier New" panose="02070309020205020404" pitchFamily="49" charset="0"/>
-                        </a:rPr>
-                        <a:t>-synchronized (digester) {</a:t>
-                      </a:r>
-                    </a:p>
-                    <a:p>
-                      <a:pPr marR="0" algn="l" rtl="0"/>
-                      <a:endParaRPr lang="en-US" altLang="zh-CN" sz="1100" dirty="0">
-                        <a:solidFill>
-                          <a:srgbClr val="FF0000"/>
-                        </a:solidFill>
-                        <a:latin typeface="Courier New" panose="02070309020205020404" pitchFamily="49" charset="0"/>
-                        <a:cs typeface="Courier New" panose="02070309020205020404" pitchFamily="49" charset="0"/>
-                      </a:endParaRPr>
-                    </a:p>
-                    <a:p>
-                      <a:pPr marR="0" algn="l" rtl="0"/>
-                      <a:endParaRPr lang="en-US" altLang="zh-CN" sz="1100" dirty="0">
-                        <a:solidFill>
-                          <a:srgbClr val="FF0000"/>
-                        </a:solidFill>
-                        <a:latin typeface="Courier New" panose="02070309020205020404" pitchFamily="49" charset="0"/>
-                        <a:cs typeface="Courier New" panose="02070309020205020404" pitchFamily="49" charset="0"/>
-                      </a:endParaRPr>
-                    </a:p>
-                    <a:p>
-                      <a:pPr marR="0" algn="l" rtl="0"/>
-                      <a:endParaRPr lang="en-US" altLang="zh-CN" sz="1100" dirty="0">
-                        <a:solidFill>
-                          <a:srgbClr val="FF0000"/>
-                        </a:solidFill>
-                        <a:latin typeface="Courier New" panose="02070309020205020404" pitchFamily="49" charset="0"/>
-                        <a:cs typeface="Courier New" panose="02070309020205020404" pitchFamily="49" charset="0"/>
-                      </a:endParaRPr>
-                    </a:p>
-                    <a:p>
-                      <a:pPr marR="0" algn="l" rtl="0"/>
-                      <a:r>
-                        <a:rPr lang="en-US" altLang="zh-CN" sz="1100" dirty="0">
-                          <a:solidFill>
-                            <a:schemeClr val="tx1"/>
-                          </a:solidFill>
-                          <a:latin typeface="Courier New" panose="02070309020205020404" pitchFamily="49" charset="0"/>
-                          <a:cs typeface="Courier New" panose="02070309020205020404" pitchFamily="49" charset="0"/>
-                        </a:rPr>
-                        <a:t>   ...</a:t>
-                      </a:r>
-                    </a:p>
-                    <a:p>
-                      <a:pPr marR="0" algn="l" rtl="0"/>
-                      <a:r>
-                        <a:rPr lang="en-US" altLang="zh-CN" sz="1100" dirty="0">
-                          <a:solidFill>
-                            <a:schemeClr val="tx1"/>
-                          </a:solidFill>
-                          <a:latin typeface="Courier New" panose="02070309020205020404" pitchFamily="49" charset="0"/>
-                          <a:cs typeface="Courier New" panose="02070309020205020404" pitchFamily="49" charset="0"/>
-                        </a:rPr>
-                        <a:t> }</a:t>
-                      </a:r>
-                      <a:endParaRPr lang="zh-CN" altLang="en-US" sz="1100" dirty="0">
-                        <a:solidFill>
-                          <a:schemeClr val="tx1"/>
-                        </a:solidFill>
-                        <a:latin typeface="Courier New" panose="02070309020205020404" pitchFamily="49" charset="0"/>
-                        <a:cs typeface="Courier New" panose="02070309020205020404" pitchFamily="49" charset="0"/>
-                      </a:endParaRPr>
-                    </a:p>
-                  </a:txBody>
-                  <a:tcPr/>
-                </a:tc>
-                <a:tc>
-                  <a:txBody>
-                    <a:bodyPr/>
-                    <a:lstStyle/>
-                    <a:p>
-                      <a:pPr marR="0" algn="l" rtl="0"/>
-                      <a:r>
-                        <a:rPr lang="en-US" altLang="zh-CN" sz="1100" dirty="0">
-                          <a:latin typeface="Courier New" panose="02070309020205020404" pitchFamily="49" charset="0"/>
-                          <a:cs typeface="Courier New" panose="02070309020205020404" pitchFamily="49" charset="0"/>
-                        </a:rPr>
-                        <a:t>+static final Object </a:t>
-                      </a:r>
-                      <a:r>
-                        <a:rPr lang="en-US" altLang="zh-CN" sz="1100" dirty="0" err="1">
-                          <a:latin typeface="Courier New" panose="02070309020205020404" pitchFamily="49" charset="0"/>
-                          <a:cs typeface="Courier New" panose="02070309020205020404" pitchFamily="49" charset="0"/>
-                        </a:rPr>
-                        <a:t>dLock</a:t>
-                      </a:r>
-                      <a:r>
-                        <a:rPr lang="en-US" altLang="zh-CN" sz="1100" dirty="0">
-                          <a:latin typeface="Courier New" panose="02070309020205020404" pitchFamily="49" charset="0"/>
-                          <a:cs typeface="Courier New" panose="02070309020205020404" pitchFamily="49" charset="0"/>
-                        </a:rPr>
-                        <a:t> = new Object();</a:t>
-                      </a:r>
-                    </a:p>
-                    <a:p>
-                      <a:pPr marR="0" algn="l" rtl="0"/>
-                      <a:r>
-                        <a:rPr lang="en-US" altLang="zh-CN" sz="1100" dirty="0">
-                          <a:latin typeface="Courier New" panose="02070309020205020404" pitchFamily="49" charset="0"/>
-                          <a:cs typeface="Courier New" panose="02070309020205020404" pitchFamily="49" charset="0"/>
-                        </a:rPr>
-                        <a:t>+static Digester </a:t>
-                      </a:r>
-                      <a:r>
-                        <a:rPr lang="en-US" altLang="zh-CN" sz="1100" dirty="0" err="1">
-                          <a:latin typeface="Courier New" panose="02070309020205020404" pitchFamily="49" charset="0"/>
-                          <a:cs typeface="Courier New" panose="02070309020205020404" pitchFamily="49" charset="0"/>
-                        </a:rPr>
-                        <a:t>digester</a:t>
-                      </a:r>
-                      <a:r>
-                        <a:rPr lang="en-US" altLang="zh-CN" sz="1100" dirty="0">
-                          <a:latin typeface="Courier New" panose="02070309020205020404" pitchFamily="49" charset="0"/>
-                          <a:cs typeface="Courier New" panose="02070309020205020404" pitchFamily="49" charset="0"/>
-                        </a:rPr>
-                        <a:t> = null;</a:t>
-                      </a:r>
-                    </a:p>
-                    <a:p>
-                      <a:pPr marR="0" algn="l" rtl="0"/>
-                      <a:endParaRPr lang="en-US" altLang="zh-CN" sz="1100" dirty="0">
-                        <a:latin typeface="Courier New" panose="02070309020205020404" pitchFamily="49" charset="0"/>
-                        <a:cs typeface="Courier New" panose="02070309020205020404" pitchFamily="49" charset="0"/>
-                      </a:endParaRPr>
-                    </a:p>
-                    <a:p>
-                      <a:pPr marR="0" algn="l" rtl="0"/>
-                      <a:endParaRPr lang="en-US" altLang="zh-CN" sz="1100" dirty="0">
-                        <a:latin typeface="Courier New" panose="02070309020205020404" pitchFamily="49" charset="0"/>
-                        <a:cs typeface="Courier New" panose="02070309020205020404" pitchFamily="49" charset="0"/>
-                      </a:endParaRPr>
-                    </a:p>
-                    <a:p>
-                      <a:pPr marR="0" algn="l" rtl="0"/>
-                      <a:endParaRPr lang="en-US" altLang="zh-CN" sz="1100" dirty="0">
-                        <a:latin typeface="Courier New" panose="02070309020205020404" pitchFamily="49" charset="0"/>
-                        <a:cs typeface="Courier New" panose="02070309020205020404" pitchFamily="49" charset="0"/>
-                      </a:endParaRPr>
-                    </a:p>
-                    <a:p>
-                      <a:pPr marR="0" algn="l" rtl="0"/>
-                      <a:r>
-                        <a:rPr lang="en-US" altLang="zh-CN" sz="1100" dirty="0">
-                          <a:latin typeface="Courier New" panose="02070309020205020404" pitchFamily="49" charset="0"/>
-                          <a:cs typeface="Courier New" panose="02070309020205020404" pitchFamily="49" charset="0"/>
-                        </a:rPr>
-                        <a:t>+synchronized (</a:t>
-                      </a:r>
-                      <a:r>
-                        <a:rPr lang="en-US" altLang="zh-CN" sz="1100" dirty="0" err="1">
-                          <a:latin typeface="Courier New" panose="02070309020205020404" pitchFamily="49" charset="0"/>
-                          <a:cs typeface="Courier New" panose="02070309020205020404" pitchFamily="49" charset="0"/>
-                        </a:rPr>
-                        <a:t>dLock</a:t>
-                      </a:r>
-                      <a:r>
-                        <a:rPr lang="en-US" altLang="zh-CN" sz="1100" dirty="0">
-                          <a:latin typeface="Courier New" panose="02070309020205020404" pitchFamily="49" charset="0"/>
-                          <a:cs typeface="Courier New" panose="02070309020205020404" pitchFamily="49" charset="0"/>
-                        </a:rPr>
-                        <a:t>) {</a:t>
-                      </a:r>
-                    </a:p>
-                    <a:p>
-                      <a:pPr marR="0" algn="l" rtl="0"/>
-                      <a:r>
-                        <a:rPr lang="en-US" altLang="zh-CN" sz="1100" dirty="0">
-                          <a:latin typeface="Courier New" panose="02070309020205020404" pitchFamily="49" charset="0"/>
-                          <a:cs typeface="Courier New" panose="02070309020205020404" pitchFamily="49" charset="0"/>
-                        </a:rPr>
-                        <a:t>+  if (digester == null) {</a:t>
-                      </a:r>
-                    </a:p>
-                    <a:p>
-                      <a:pPr marR="0" algn="l" rtl="0"/>
-                      <a:r>
-                        <a:rPr lang="en-US" altLang="zh-CN" sz="1100" dirty="0">
-                          <a:latin typeface="Courier New" panose="02070309020205020404" pitchFamily="49" charset="0"/>
-                          <a:cs typeface="Courier New" panose="02070309020205020404" pitchFamily="49" charset="0"/>
-                        </a:rPr>
-                        <a:t>+    digester = </a:t>
-                      </a:r>
-                      <a:r>
-                        <a:rPr lang="en-US" altLang="zh-CN" sz="1100" dirty="0" err="1">
-                          <a:latin typeface="Courier New" panose="02070309020205020404" pitchFamily="49" charset="0"/>
-                          <a:cs typeface="Courier New" panose="02070309020205020404" pitchFamily="49" charset="0"/>
-                        </a:rPr>
-                        <a:t>createDigester</a:t>
-                      </a:r>
-                      <a:r>
-                        <a:rPr lang="en-US" altLang="zh-CN" sz="1100" dirty="0">
-                          <a:latin typeface="Courier New" panose="02070309020205020404" pitchFamily="49" charset="0"/>
-                          <a:cs typeface="Courier New" panose="02070309020205020404" pitchFamily="49" charset="0"/>
-                        </a:rPr>
-                        <a:t>();</a:t>
-                      </a:r>
-                    </a:p>
-                    <a:p>
-                      <a:pPr marR="0" algn="l" rtl="0"/>
-                      <a:r>
-                        <a:rPr lang="en-US" altLang="zh-CN" sz="1100" dirty="0">
-                          <a:latin typeface="Courier New" panose="02070309020205020404" pitchFamily="49" charset="0"/>
-                          <a:cs typeface="Courier New" panose="02070309020205020404" pitchFamily="49" charset="0"/>
-                        </a:rPr>
-                        <a:t>+  }</a:t>
-                      </a:r>
-                    </a:p>
-                    <a:p>
-                      <a:pPr marR="0" algn="l" rtl="0"/>
-                      <a:r>
-                        <a:rPr lang="en-US" altLang="zh-CN" sz="1100" dirty="0">
-                          <a:latin typeface="Courier New" panose="02070309020205020404" pitchFamily="49" charset="0"/>
-                          <a:cs typeface="Courier New" panose="02070309020205020404" pitchFamily="49" charset="0"/>
-                        </a:rPr>
-                        <a:t>   ...</a:t>
-                      </a:r>
-                    </a:p>
-                    <a:p>
-                      <a:pPr marR="0" algn="l" rtl="0"/>
-                      <a:r>
-                        <a:rPr lang="en-US" altLang="zh-CN" sz="1100">
-                          <a:latin typeface="Courier New" panose="02070309020205020404" pitchFamily="49" charset="0"/>
-                          <a:cs typeface="Courier New" panose="02070309020205020404" pitchFamily="49" charset="0"/>
-                        </a:rPr>
-                        <a:t> }</a:t>
-                      </a:r>
-                      <a:endParaRPr lang="en-US" altLang="zh-CN" sz="1100" dirty="0">
-                        <a:latin typeface="Courier New" panose="02070309020205020404" pitchFamily="49" charset="0"/>
-                        <a:cs typeface="Courier New" panose="02070309020205020404" pitchFamily="49" charset="0"/>
-                      </a:endParaRPr>
-                    </a:p>
-                  </a:txBody>
-                  <a:tcPr/>
-                </a:tc>
-                <a:tc>
-                  <a:txBody>
-                    <a:bodyPr/>
-                    <a:lstStyle/>
-                    <a:p>
-                      <a:pPr marR="0" algn="l" rtl="0"/>
-                      <a:endParaRPr lang="zh-CN" altLang="en-US" sz="1100" dirty="0">
-                        <a:latin typeface="Courier New" panose="02070309020205020404" pitchFamily="49" charset="0"/>
-                        <a:cs typeface="Courier New" panose="02070309020205020404" pitchFamily="49" charset="0"/>
-                      </a:endParaRPr>
-                    </a:p>
-                  </a:txBody>
-                  <a:tcPr anchor="ctr"/>
-                </a:tc>
-                <a:tc>
-                  <a:txBody>
-                    <a:bodyPr/>
-                    <a:lstStyle/>
-                    <a:p>
-                      <a:pPr marR="0" algn="l" rtl="0"/>
-                      <a:endParaRPr lang="zh-CN" altLang="en-US" sz="1100" dirty="0">
-                        <a:latin typeface="Courier New" panose="02070309020205020404" pitchFamily="49" charset="0"/>
-                        <a:cs typeface="Courier New" panose="02070309020205020404" pitchFamily="49" charset="0"/>
-                      </a:endParaRPr>
-                    </a:p>
-                  </a:txBody>
-                  <a:tcPr anchor="ctr"/>
-                </a:tc>
-                <a:extLst>
-                  <a:ext uri="{0D108BD9-81ED-4DB2-BD59-A6C34878D82A}">
-                    <a16:rowId xmlns:a16="http://schemas.microsoft.com/office/drawing/2014/main" val="3396948293"/>
-                  </a:ext>
-                </a:extLst>
-              </a:tr>
               <a:tr h="1432560">
                 <a:tc>
                   <a:txBody>
@@ -7298,7 +6890,7 @@
                   </a:ext>
                 </a:extLst>
               </a:tr>
-              <a:tr h="2270760">
+              <a:tr h="2119959">
                 <a:tc>
                   <a:txBody>
                     <a:bodyPr/>
@@ -7436,20 +7028,7 @@
                           <a:latin typeface="Courier New" panose="02070309020205020404" pitchFamily="49" charset="0"/>
                           <a:cs typeface="Courier New" panose="02070309020205020404" pitchFamily="49" charset="0"/>
                         </a:rPr>
-                        <a:t>,</a:t>
-                      </a:r>
-                    </a:p>
-                    <a:p>
-                      <a:pPr marL="0" marR="0" indent="0" algn="l" rtl="0">
-                        <a:buFontTx/>
-                        <a:buNone/>
-                      </a:pPr>
-                      <a:r>
-                        <a:rPr lang="en-US" altLang="zh-CN" sz="1100" dirty="0">
-                          <a:latin typeface="Courier New" panose="02070309020205020404" pitchFamily="49" charset="0"/>
-                          <a:cs typeface="Courier New" panose="02070309020205020404" pitchFamily="49" charset="0"/>
-                        </a:rPr>
-                        <a:t>       new </a:t>
+                        <a:t>, new </a:t>
                       </a:r>
                       <a:r>
                         <a:rPr lang="en-US" altLang="zh-CN" sz="1100" dirty="0" err="1">
@@ -7464,19 +7043,6 @@
                           <a:cs typeface="Courier New" panose="02070309020205020404" pitchFamily="49" charset="0"/>
                         </a:rPr>
                         <a:t>(</a:t>
-                      </a:r>
-                    </a:p>
-                    <a:p>
-                      <a:pPr marL="0" marR="0" indent="0" algn="l" rtl="0">
-                        <a:buFontTx/>
-                        <a:buNone/>
-                      </a:pPr>
-                      <a:r>
-                        <a:rPr lang="en-US" altLang="zh-CN" sz="1100" dirty="0">
-                          <a:latin typeface="Courier New" panose="02070309020205020404" pitchFamily="49" charset="0"/>
-                          <a:cs typeface="Courier New" panose="02070309020205020404" pitchFamily="49" charset="0"/>
-                        </a:rPr>
-                        <a:t>       </a:t>
                       </a:r>
                       <a:r>
                         <a:rPr lang="en-US" altLang="zh-CN" sz="1100" dirty="0" err="1">
@@ -7719,20 +7285,7 @@
                           <a:latin typeface="Courier New" panose="02070309020205020404" pitchFamily="49" charset="0"/>
                           <a:cs typeface="Courier New" panose="02070309020205020404" pitchFamily="49" charset="0"/>
                         </a:rPr>
-                        <a:t>,</a:t>
-                      </a:r>
-                    </a:p>
-                    <a:p>
-                      <a:pPr marL="0" marR="0" indent="0" algn="l" rtl="0">
-                        <a:buFontTx/>
-                        <a:buNone/>
-                      </a:pPr>
-                      <a:r>
-                        <a:rPr lang="en-US" altLang="zh-CN" sz="1100" dirty="0">
-                          <a:latin typeface="Courier New" panose="02070309020205020404" pitchFamily="49" charset="0"/>
-                          <a:cs typeface="Courier New" panose="02070309020205020404" pitchFamily="49" charset="0"/>
-                        </a:rPr>
-                        <a:t>  new </a:t>
+                        <a:t>, new </a:t>
                       </a:r>
                       <a:r>
                         <a:rPr lang="en-US" altLang="zh-CN" sz="1100" dirty="0" err="1">
@@ -7746,20 +7299,7 @@
                           <a:latin typeface="Courier New" panose="02070309020205020404" pitchFamily="49" charset="0"/>
                           <a:cs typeface="Courier New" panose="02070309020205020404" pitchFamily="49" charset="0"/>
                         </a:rPr>
-                        <a:t>(</a:t>
-                      </a:r>
-                    </a:p>
-                    <a:p>
-                      <a:pPr marL="0" marR="0" indent="0" algn="l" rtl="0">
-                        <a:buFontTx/>
-                        <a:buNone/>
-                      </a:pPr>
-                      <a:r>
-                        <a:rPr lang="en-US" altLang="zh-CN" sz="1100" dirty="0">
-                          <a:latin typeface="Courier New" panose="02070309020205020404" pitchFamily="49" charset="0"/>
-                          <a:cs typeface="Courier New" panose="02070309020205020404" pitchFamily="49" charset="0"/>
-                        </a:rPr>
-                        <a:t>  </a:t>
+                        <a:t>(  </a:t>
                       </a:r>
                       <a:r>
                         <a:rPr lang="en-US" altLang="zh-CN" sz="1100" dirty="0" err="1">
@@ -7893,1748 +7433,6 @@
                 <a:extLst>
                   <a:ext uri="{0D108BD9-81ED-4DB2-BD59-A6C34878D82A}">
                     <a16:rowId xmlns:a16="http://schemas.microsoft.com/office/drawing/2014/main" val="1148156286"/>
-                  </a:ext>
-                </a:extLst>
-              </a:tr>
-              <a:tr h="419100">
-                <a:tc>
-                  <a:txBody>
-                    <a:bodyPr/>
-                    <a:lstStyle/>
-                    <a:p>
-                      <a:pPr marR="0" algn="ctr" rtl="0"/>
-                      <a:r>
-                        <a:rPr lang="en-US" altLang="zh-CN" sz="1100" dirty="0">
-                          <a:latin typeface="Courier New" panose="02070309020205020404" pitchFamily="49" charset="0"/>
-                          <a:cs typeface="Courier New" panose="02070309020205020404" pitchFamily="49" charset="0"/>
-                        </a:rPr>
-                        <a:t>7</a:t>
-                      </a:r>
-                      <a:endParaRPr lang="zh-CN" altLang="en-US" sz="1100" dirty="0">
-                        <a:latin typeface="Courier New" panose="02070309020205020404" pitchFamily="49" charset="0"/>
-                        <a:cs typeface="Courier New" panose="02070309020205020404" pitchFamily="49" charset="0"/>
-                      </a:endParaRPr>
-                    </a:p>
-                  </a:txBody>
-                  <a:tcPr anchor="ctr"/>
-                </a:tc>
-                <a:tc>
-                  <a:txBody>
-                    <a:bodyPr/>
-                    <a:lstStyle/>
-                    <a:p>
-                      <a:pPr marR="0" algn="l" rtl="0"/>
-                      <a:endParaRPr lang="en-US" altLang="zh-CN" sz="1100" dirty="0">
-                        <a:solidFill>
-                          <a:schemeClr val="tx1"/>
-                        </a:solidFill>
-                        <a:latin typeface="Courier New" panose="02070309020205020404" pitchFamily="49" charset="0"/>
-                        <a:cs typeface="Courier New" panose="02070309020205020404" pitchFamily="49" charset="0"/>
-                      </a:endParaRPr>
-                    </a:p>
-                  </a:txBody>
-                  <a:tcPr/>
-                </a:tc>
-                <a:tc>
-                  <a:txBody>
-                    <a:bodyPr/>
-                    <a:lstStyle/>
-                    <a:p>
-                      <a:pPr marR="0" algn="l" rtl="0"/>
-                      <a:endParaRPr lang="zh-CN" altLang="en-US" sz="1100" dirty="0">
-                        <a:latin typeface="Courier New" panose="02070309020205020404" pitchFamily="49" charset="0"/>
-                        <a:cs typeface="Courier New" panose="02070309020205020404" pitchFamily="49" charset="0"/>
-                      </a:endParaRPr>
-                    </a:p>
-                  </a:txBody>
-                  <a:tcPr/>
-                </a:tc>
-                <a:tc>
-                  <a:txBody>
-                    <a:bodyPr/>
-                    <a:lstStyle/>
-                    <a:p>
-                      <a:pPr marR="0" algn="l" rtl="0"/>
-                      <a:endParaRPr lang="zh-CN" altLang="en-US" sz="1100" dirty="0">
-                        <a:latin typeface="Courier New" panose="02070309020205020404" pitchFamily="49" charset="0"/>
-                        <a:cs typeface="Courier New" panose="02070309020205020404" pitchFamily="49" charset="0"/>
-                      </a:endParaRPr>
-                    </a:p>
-                  </a:txBody>
-                  <a:tcPr anchor="ctr"/>
-                </a:tc>
-                <a:tc>
-                  <a:txBody>
-                    <a:bodyPr/>
-                    <a:lstStyle/>
-                    <a:p>
-                      <a:pPr marR="0" algn="l" rtl="0"/>
-                      <a:endParaRPr lang="zh-CN" altLang="en-US" sz="1100" dirty="0">
-                        <a:latin typeface="Courier New" panose="02070309020205020404" pitchFamily="49" charset="0"/>
-                        <a:cs typeface="Courier New" panose="02070309020205020404" pitchFamily="49" charset="0"/>
-                      </a:endParaRPr>
-                    </a:p>
-                  </a:txBody>
-                  <a:tcPr anchor="ctr"/>
-                </a:tc>
-                <a:extLst>
-                  <a:ext uri="{0D108BD9-81ED-4DB2-BD59-A6C34878D82A}">
-                    <a16:rowId xmlns:a16="http://schemas.microsoft.com/office/drawing/2014/main" val="2079679044"/>
-                  </a:ext>
-                </a:extLst>
-              </a:tr>
-              <a:tr h="1432560">
-                <a:tc>
-                  <a:txBody>
-                    <a:bodyPr/>
-                    <a:lstStyle/>
-                    <a:p>
-                      <a:pPr marR="0" algn="ctr" rtl="0"/>
-                      <a:r>
-                        <a:rPr lang="en-US" altLang="zh-CN" sz="1100" dirty="0">
-                          <a:latin typeface="Courier New" panose="02070309020205020404" pitchFamily="49" charset="0"/>
-                          <a:cs typeface="Courier New" panose="02070309020205020404" pitchFamily="49" charset="0"/>
-                        </a:rPr>
-                        <a:t>8</a:t>
-                      </a:r>
-                      <a:endParaRPr lang="zh-CN" altLang="en-US" sz="1100" dirty="0">
-                        <a:latin typeface="Courier New" panose="02070309020205020404" pitchFamily="49" charset="0"/>
-                        <a:cs typeface="Courier New" panose="02070309020205020404" pitchFamily="49" charset="0"/>
-                      </a:endParaRPr>
-                    </a:p>
-                  </a:txBody>
-                  <a:tcPr anchor="ctr"/>
-                </a:tc>
-                <a:tc>
-                  <a:txBody>
-                    <a:bodyPr/>
-                    <a:lstStyle/>
-                    <a:p>
-                      <a:pPr marR="0" algn="l" rtl="0"/>
-                      <a:r>
-                        <a:rPr lang="en-US" altLang="zh-CN" sz="1100" dirty="0">
-                          <a:solidFill>
-                            <a:schemeClr val="tx1"/>
-                          </a:solidFill>
-                          <a:latin typeface="Courier New" panose="02070309020205020404" pitchFamily="49" charset="0"/>
-                          <a:cs typeface="Courier New" panose="02070309020205020404" pitchFamily="49" charset="0"/>
-                        </a:rPr>
-                        <a:t> synchronized (buffers) {</a:t>
-                      </a:r>
-                    </a:p>
-                    <a:p>
-                      <a:pPr marR="0" algn="l" rtl="0"/>
-                      <a:r>
-                        <a:rPr lang="en-US" altLang="zh-CN" sz="1100" dirty="0">
-                          <a:solidFill>
-                            <a:schemeClr val="tx1"/>
-                          </a:solidFill>
-                          <a:latin typeface="Courier New" panose="02070309020205020404" pitchFamily="49" charset="0"/>
-                          <a:cs typeface="Courier New" panose="02070309020205020404" pitchFamily="49" charset="0"/>
-                        </a:rPr>
-                        <a:t>   if (...) {</a:t>
-                      </a:r>
-                    </a:p>
-                    <a:p>
-                      <a:pPr marR="0" algn="l" rtl="0"/>
-                      <a:r>
-                        <a:rPr lang="en-US" altLang="zh-CN" sz="1100" dirty="0">
-                          <a:solidFill>
-                            <a:srgbClr val="C00000"/>
-                          </a:solidFill>
-                          <a:latin typeface="Courier New" panose="02070309020205020404" pitchFamily="49" charset="0"/>
-                          <a:cs typeface="Courier New" panose="02070309020205020404" pitchFamily="49" charset="0"/>
-                        </a:rPr>
-                        <a:t>-    if (</a:t>
-                      </a:r>
-                      <a:r>
-                        <a:rPr lang="en-US" altLang="zh-CN" sz="1100" dirty="0" err="1">
-                          <a:solidFill>
-                            <a:srgbClr val="C00000"/>
-                          </a:solidFill>
-                          <a:latin typeface="Courier New" panose="02070309020205020404" pitchFamily="49" charset="0"/>
-                          <a:cs typeface="Courier New" panose="02070309020205020404" pitchFamily="49" charset="0"/>
-                        </a:rPr>
-                        <a:t>spillWriter</a:t>
-                      </a:r>
-                      <a:r>
-                        <a:rPr lang="en-US" altLang="zh-CN" sz="1100" dirty="0">
-                          <a:solidFill>
-                            <a:srgbClr val="C00000"/>
-                          </a:solidFill>
-                          <a:latin typeface="Courier New" panose="02070309020205020404" pitchFamily="49" charset="0"/>
-                          <a:cs typeface="Courier New" panose="02070309020205020404" pitchFamily="49" charset="0"/>
-                        </a:rPr>
-                        <a:t> != null) {</a:t>
-                      </a:r>
-                    </a:p>
-                    <a:p>
-                      <a:pPr marR="0" algn="l" rtl="0"/>
-                      <a:r>
-                        <a:rPr lang="en-US" altLang="zh-CN" sz="1100" dirty="0">
-                          <a:solidFill>
-                            <a:srgbClr val="C00000"/>
-                          </a:solidFill>
-                          <a:latin typeface="Courier New" panose="02070309020205020404" pitchFamily="49" charset="0"/>
-                          <a:cs typeface="Courier New" panose="02070309020205020404" pitchFamily="49" charset="0"/>
-                        </a:rPr>
-                        <a:t>-      </a:t>
-                      </a:r>
-                      <a:r>
-                        <a:rPr lang="en-US" altLang="zh-CN" sz="1100" dirty="0" err="1">
-                          <a:solidFill>
-                            <a:srgbClr val="C00000"/>
-                          </a:solidFill>
-                          <a:latin typeface="Courier New" panose="02070309020205020404" pitchFamily="49" charset="0"/>
-                          <a:cs typeface="Courier New" panose="02070309020205020404" pitchFamily="49" charset="0"/>
-                        </a:rPr>
-                        <a:t>spillWriter.close</a:t>
-                      </a:r>
-                      <a:r>
-                        <a:rPr lang="en-US" altLang="zh-CN" sz="1100" dirty="0">
-                          <a:solidFill>
-                            <a:srgbClr val="C00000"/>
-                          </a:solidFill>
-                          <a:latin typeface="Courier New" panose="02070309020205020404" pitchFamily="49" charset="0"/>
-                          <a:cs typeface="Courier New" panose="02070309020205020404" pitchFamily="49" charset="0"/>
-                        </a:rPr>
-                        <a:t>();</a:t>
-                      </a:r>
-                    </a:p>
-                    <a:p>
-                      <a:pPr marR="0" algn="l" rtl="0"/>
-                      <a:r>
-                        <a:rPr lang="en-US" altLang="zh-CN" sz="1100" dirty="0">
-                          <a:solidFill>
-                            <a:srgbClr val="C00000"/>
-                          </a:solidFill>
-                          <a:latin typeface="Courier New" panose="02070309020205020404" pitchFamily="49" charset="0"/>
-                          <a:cs typeface="Courier New" panose="02070309020205020404" pitchFamily="49" charset="0"/>
-                        </a:rPr>
-                        <a:t>-    }</a:t>
-                      </a:r>
-                    </a:p>
-                    <a:p>
-                      <a:pPr marR="0" algn="l" rtl="0"/>
-                      <a:r>
-                        <a:rPr lang="en-US" altLang="zh-CN" sz="1100" dirty="0">
-                          <a:solidFill>
-                            <a:schemeClr val="tx1"/>
-                          </a:solidFill>
-                          <a:latin typeface="Courier New" panose="02070309020205020404" pitchFamily="49" charset="0"/>
-                          <a:cs typeface="Courier New" panose="02070309020205020404" pitchFamily="49" charset="0"/>
-                        </a:rPr>
-                        <a:t>     </a:t>
-                      </a:r>
-                      <a:r>
-                        <a:rPr lang="en-US" altLang="zh-CN" sz="1100" dirty="0" err="1">
-                          <a:solidFill>
-                            <a:schemeClr val="tx1"/>
-                          </a:solidFill>
-                          <a:latin typeface="Courier New" panose="02070309020205020404" pitchFamily="49" charset="0"/>
-                          <a:cs typeface="Courier New" panose="02070309020205020404" pitchFamily="49" charset="0"/>
-                        </a:rPr>
-                        <a:t>isFinished</a:t>
-                      </a:r>
-                      <a:r>
-                        <a:rPr lang="en-US" altLang="zh-CN" sz="1100" dirty="0">
-                          <a:solidFill>
-                            <a:schemeClr val="tx1"/>
-                          </a:solidFill>
-                          <a:latin typeface="Courier New" panose="02070309020205020404" pitchFamily="49" charset="0"/>
-                          <a:cs typeface="Courier New" panose="02070309020205020404" pitchFamily="49" charset="0"/>
-                        </a:rPr>
-                        <a:t> = true;</a:t>
-                      </a:r>
-                    </a:p>
-                    <a:p>
-                      <a:pPr marR="0" algn="l" rtl="0"/>
-                      <a:r>
-                        <a:rPr lang="en-US" altLang="zh-CN" sz="1100" dirty="0">
-                          <a:solidFill>
-                            <a:schemeClr val="tx1"/>
-                          </a:solidFill>
-                          <a:latin typeface="Courier New" panose="02070309020205020404" pitchFamily="49" charset="0"/>
-                          <a:cs typeface="Courier New" panose="02070309020205020404" pitchFamily="49" charset="0"/>
-                        </a:rPr>
-                        <a:t>   }</a:t>
-                      </a:r>
-                    </a:p>
-                    <a:p>
-                      <a:pPr marR="0" algn="l" rtl="0"/>
-                      <a:r>
-                        <a:rPr lang="en-US" altLang="zh-CN" sz="1100" dirty="0">
-                          <a:solidFill>
-                            <a:schemeClr val="tx1"/>
-                          </a:solidFill>
-                          <a:latin typeface="Courier New" panose="02070309020205020404" pitchFamily="49" charset="0"/>
-                          <a:cs typeface="Courier New" panose="02070309020205020404" pitchFamily="49" charset="0"/>
-                        </a:rPr>
-                        <a:t> }</a:t>
-                      </a:r>
-                    </a:p>
-                  </a:txBody>
-                  <a:tcPr/>
-                </a:tc>
-                <a:tc>
-                  <a:txBody>
-                    <a:bodyPr/>
-                    <a:lstStyle/>
-                    <a:p>
-                      <a:pPr marR="0" algn="l" rtl="0"/>
-                      <a:r>
-                        <a:rPr lang="en-US" altLang="zh-CN" sz="1100" dirty="0">
-                          <a:latin typeface="Courier New" panose="02070309020205020404" pitchFamily="49" charset="0"/>
-                          <a:cs typeface="Courier New" panose="02070309020205020404" pitchFamily="49" charset="0"/>
-                        </a:rPr>
-                        <a:t> synchronized (buffers) {</a:t>
-                      </a:r>
-                    </a:p>
-                    <a:p>
-                      <a:pPr marR="0" algn="l" rtl="0"/>
-                      <a:r>
-                        <a:rPr lang="en-US" altLang="zh-CN" sz="1100" dirty="0">
-                          <a:latin typeface="Courier New" panose="02070309020205020404" pitchFamily="49" charset="0"/>
-                          <a:cs typeface="Courier New" panose="02070309020205020404" pitchFamily="49" charset="0"/>
-                        </a:rPr>
-                        <a:t>   if (...) {</a:t>
-                      </a:r>
-                    </a:p>
-                    <a:p>
-                      <a:pPr marR="0" algn="l" rtl="0"/>
-                      <a:r>
-                        <a:rPr lang="en-US" altLang="zh-CN" sz="1100" dirty="0">
-                          <a:latin typeface="Courier New" panose="02070309020205020404" pitchFamily="49" charset="0"/>
-                          <a:cs typeface="Courier New" panose="02070309020205020404" pitchFamily="49" charset="0"/>
-                        </a:rPr>
-                        <a:t>     </a:t>
-                      </a:r>
-                      <a:r>
-                        <a:rPr lang="en-US" altLang="zh-CN" sz="1100" dirty="0" err="1">
-                          <a:latin typeface="Courier New" panose="02070309020205020404" pitchFamily="49" charset="0"/>
-                          <a:cs typeface="Courier New" panose="02070309020205020404" pitchFamily="49" charset="0"/>
-                        </a:rPr>
-                        <a:t>isFinished</a:t>
-                      </a:r>
-                      <a:r>
-                        <a:rPr lang="en-US" altLang="zh-CN" sz="1100" dirty="0">
-                          <a:latin typeface="Courier New" panose="02070309020205020404" pitchFamily="49" charset="0"/>
-                          <a:cs typeface="Courier New" panose="02070309020205020404" pitchFamily="49" charset="0"/>
-                        </a:rPr>
-                        <a:t> = true;</a:t>
-                      </a:r>
-                    </a:p>
-                    <a:p>
-                      <a:pPr marR="0" algn="l" rtl="0"/>
-                      <a:r>
-                        <a:rPr lang="en-US" altLang="zh-CN" sz="1100" dirty="0">
-                          <a:latin typeface="Courier New" panose="02070309020205020404" pitchFamily="49" charset="0"/>
-                          <a:cs typeface="Courier New" panose="02070309020205020404" pitchFamily="49" charset="0"/>
-                        </a:rPr>
-                        <a:t>   }</a:t>
-                      </a:r>
-                    </a:p>
-                    <a:p>
-                      <a:pPr marR="0" algn="l" rtl="0"/>
-                      <a:r>
-                        <a:rPr lang="en-US" altLang="zh-CN" sz="1100" dirty="0">
-                          <a:latin typeface="Courier New" panose="02070309020205020404" pitchFamily="49" charset="0"/>
-                          <a:cs typeface="Courier New" panose="02070309020205020404" pitchFamily="49" charset="0"/>
-                        </a:rPr>
-                        <a:t> }</a:t>
-                      </a:r>
-                    </a:p>
-                    <a:p>
-                      <a:pPr marR="0" algn="l" rtl="0"/>
-                      <a:r>
-                        <a:rPr lang="en-US" altLang="zh-CN" sz="1100" dirty="0">
-                          <a:solidFill>
-                            <a:srgbClr val="0070C0"/>
-                          </a:solidFill>
-                          <a:latin typeface="Courier New" panose="02070309020205020404" pitchFamily="49" charset="0"/>
-                          <a:cs typeface="Courier New" panose="02070309020205020404" pitchFamily="49" charset="0"/>
-                        </a:rPr>
-                        <a:t>+if (</a:t>
-                      </a:r>
-                      <a:r>
-                        <a:rPr lang="en-US" altLang="zh-CN" sz="1100" dirty="0" err="1">
-                          <a:solidFill>
-                            <a:srgbClr val="0070C0"/>
-                          </a:solidFill>
-                          <a:latin typeface="Courier New" panose="02070309020205020404" pitchFamily="49" charset="0"/>
-                          <a:cs typeface="Courier New" panose="02070309020205020404" pitchFamily="49" charset="0"/>
-                        </a:rPr>
-                        <a:t>spillWriter</a:t>
-                      </a:r>
-                      <a:r>
-                        <a:rPr lang="en-US" altLang="zh-CN" sz="1100" dirty="0">
-                          <a:solidFill>
-                            <a:srgbClr val="0070C0"/>
-                          </a:solidFill>
-                          <a:latin typeface="Courier New" panose="02070309020205020404" pitchFamily="49" charset="0"/>
-                          <a:cs typeface="Courier New" panose="02070309020205020404" pitchFamily="49" charset="0"/>
-                        </a:rPr>
-                        <a:t> != null) {</a:t>
-                      </a:r>
-                    </a:p>
-                    <a:p>
-                      <a:pPr marR="0" algn="l" rtl="0"/>
-                      <a:r>
-                        <a:rPr lang="en-US" altLang="zh-CN" sz="1100" dirty="0">
-                          <a:solidFill>
-                            <a:srgbClr val="0070C0"/>
-                          </a:solidFill>
-                          <a:latin typeface="Courier New" panose="02070309020205020404" pitchFamily="49" charset="0"/>
-                          <a:cs typeface="Courier New" panose="02070309020205020404" pitchFamily="49" charset="0"/>
-                        </a:rPr>
-                        <a:t>+  </a:t>
-                      </a:r>
-                      <a:r>
-                        <a:rPr lang="en-US" altLang="zh-CN" sz="1100" dirty="0" err="1">
-                          <a:solidFill>
-                            <a:srgbClr val="0070C0"/>
-                          </a:solidFill>
-                          <a:latin typeface="Courier New" panose="02070309020205020404" pitchFamily="49" charset="0"/>
-                          <a:cs typeface="Courier New" panose="02070309020205020404" pitchFamily="49" charset="0"/>
-                        </a:rPr>
-                        <a:t>spillWriter.close</a:t>
-                      </a:r>
-                      <a:r>
-                        <a:rPr lang="en-US" altLang="zh-CN" sz="1100" dirty="0">
-                          <a:solidFill>
-                            <a:srgbClr val="0070C0"/>
-                          </a:solidFill>
-                          <a:latin typeface="Courier New" panose="02070309020205020404" pitchFamily="49" charset="0"/>
-                          <a:cs typeface="Courier New" panose="02070309020205020404" pitchFamily="49" charset="0"/>
-                        </a:rPr>
-                        <a:t>();</a:t>
-                      </a:r>
-                    </a:p>
-                    <a:p>
-                      <a:pPr marR="0" algn="l" rtl="0"/>
-                      <a:r>
-                        <a:rPr lang="en-US" altLang="zh-CN" sz="1100" dirty="0">
-                          <a:solidFill>
-                            <a:srgbClr val="0070C0"/>
-                          </a:solidFill>
-                          <a:latin typeface="Courier New" panose="02070309020205020404" pitchFamily="49" charset="0"/>
-                          <a:cs typeface="Courier New" panose="02070309020205020404" pitchFamily="49" charset="0"/>
-                        </a:rPr>
-                        <a:t>+}</a:t>
-                      </a:r>
-                    </a:p>
-                  </a:txBody>
-                  <a:tcPr/>
-                </a:tc>
-                <a:tc>
-                  <a:txBody>
-                    <a:bodyPr/>
-                    <a:lstStyle/>
-                    <a:p>
-                      <a:pPr marR="0" algn="l" rtl="0"/>
-                      <a:r>
-                        <a:rPr lang="en-US" altLang="zh-CN" sz="1100" dirty="0">
-                          <a:latin typeface="Courier New" panose="02070309020205020404" pitchFamily="49" charset="0"/>
-                          <a:cs typeface="Courier New" panose="02070309020205020404" pitchFamily="49" charset="0"/>
-                        </a:rPr>
-                        <a:t>synchronized (</a:t>
-                      </a:r>
-                      <a:r>
-                        <a:rPr lang="en-US" altLang="zh-CN" sz="1100" dirty="0" err="1">
-                          <a:latin typeface="Courier New" panose="02070309020205020404" pitchFamily="49" charset="0"/>
-                          <a:cs typeface="Courier New" panose="02070309020205020404" pitchFamily="49" charset="0"/>
-                        </a:rPr>
-                        <a:t>obj</a:t>
-                      </a:r>
-                      <a:r>
-                        <a:rPr lang="en-US" altLang="zh-CN" sz="1100" dirty="0">
-                          <a:latin typeface="Courier New" panose="02070309020205020404" pitchFamily="49" charset="0"/>
-                          <a:cs typeface="Courier New" panose="02070309020205020404" pitchFamily="49" charset="0"/>
-                        </a:rPr>
-                        <a:t>) {</a:t>
-                      </a:r>
-                    </a:p>
-                    <a:p>
-                      <a:pPr marR="0" algn="l" rtl="0"/>
-                      <a:r>
-                        <a:rPr lang="en-US" altLang="zh-CN" sz="1100" dirty="0">
-                          <a:latin typeface="Courier New" panose="02070309020205020404" pitchFamily="49" charset="0"/>
-                          <a:cs typeface="Courier New" panose="02070309020205020404" pitchFamily="49" charset="0"/>
-                        </a:rPr>
-                        <a:t>  statements1</a:t>
-                      </a:r>
-                    </a:p>
-                    <a:p>
-                      <a:pPr marR="0" algn="l" rtl="0"/>
-                      <a:r>
-                        <a:rPr lang="en-US" altLang="zh-CN" sz="1100" dirty="0">
-                          <a:latin typeface="Courier New" panose="02070309020205020404" pitchFamily="49" charset="0"/>
-                          <a:cs typeface="Courier New" panose="02070309020205020404" pitchFamily="49" charset="0"/>
-                        </a:rPr>
-                        <a:t>  statements2</a:t>
-                      </a:r>
-                    </a:p>
-                    <a:p>
-                      <a:pPr marR="0" algn="l" rtl="0"/>
-                      <a:r>
-                        <a:rPr lang="en-US" altLang="zh-CN" sz="1100" dirty="0">
-                          <a:latin typeface="Courier New" panose="02070309020205020404" pitchFamily="49" charset="0"/>
-                          <a:cs typeface="Courier New" panose="02070309020205020404" pitchFamily="49" charset="0"/>
-                        </a:rPr>
-                        <a:t>}</a:t>
-                      </a:r>
-                      <a:endParaRPr lang="zh-CN" altLang="en-US" sz="1100" dirty="0">
-                        <a:latin typeface="Courier New" panose="02070309020205020404" pitchFamily="49" charset="0"/>
-                        <a:cs typeface="Courier New" panose="02070309020205020404" pitchFamily="49" charset="0"/>
-                      </a:endParaRPr>
-                    </a:p>
-                  </a:txBody>
-                  <a:tcPr anchor="ctr"/>
-                </a:tc>
-                <a:tc>
-                  <a:txBody>
-                    <a:bodyPr/>
-                    <a:lstStyle/>
-                    <a:p>
-                      <a:pPr marR="0" algn="l" rtl="0"/>
-                      <a:r>
-                        <a:rPr lang="en-US" altLang="zh-CN" sz="1100" dirty="0">
-                          <a:latin typeface="Courier New" panose="02070309020205020404" pitchFamily="49" charset="0"/>
-                          <a:cs typeface="Courier New" panose="02070309020205020404" pitchFamily="49" charset="0"/>
-                        </a:rPr>
-                        <a:t>synchronized (</a:t>
-                      </a:r>
-                      <a:r>
-                        <a:rPr lang="en-US" altLang="zh-CN" sz="1100" dirty="0" err="1">
-                          <a:latin typeface="Courier New" panose="02070309020205020404" pitchFamily="49" charset="0"/>
-                          <a:cs typeface="Courier New" panose="02070309020205020404" pitchFamily="49" charset="0"/>
-                        </a:rPr>
-                        <a:t>obj</a:t>
-                      </a:r>
-                      <a:r>
-                        <a:rPr lang="en-US" altLang="zh-CN" sz="1100" dirty="0">
-                          <a:latin typeface="Courier New" panose="02070309020205020404" pitchFamily="49" charset="0"/>
-                          <a:cs typeface="Courier New" panose="02070309020205020404" pitchFamily="49" charset="0"/>
-                        </a:rPr>
-                        <a:t>) {</a:t>
-                      </a:r>
-                    </a:p>
-                    <a:p>
-                      <a:pPr marR="0" algn="l" rtl="0"/>
-                      <a:r>
-                        <a:rPr lang="en-US" altLang="zh-CN" sz="1100" dirty="0">
-                          <a:latin typeface="Courier New" panose="02070309020205020404" pitchFamily="49" charset="0"/>
-                          <a:cs typeface="Courier New" panose="02070309020205020404" pitchFamily="49" charset="0"/>
-                        </a:rPr>
-                        <a:t>  statements1</a:t>
-                      </a:r>
-                    </a:p>
-                    <a:p>
-                      <a:pPr marR="0" algn="l" rtl="0"/>
-                      <a:r>
-                        <a:rPr lang="en-US" altLang="zh-CN" sz="1100" dirty="0">
-                          <a:latin typeface="Courier New" panose="02070309020205020404" pitchFamily="49" charset="0"/>
-                          <a:cs typeface="Courier New" panose="02070309020205020404" pitchFamily="49" charset="0"/>
-                        </a:rPr>
-                        <a:t>}</a:t>
-                      </a:r>
-                    </a:p>
-                    <a:p>
-                      <a:pPr marR="0" algn="l" rtl="0"/>
-                      <a:r>
-                        <a:rPr lang="en-US" altLang="zh-CN" sz="1100" dirty="0">
-                          <a:latin typeface="Courier New" panose="02070309020205020404" pitchFamily="49" charset="0"/>
-                          <a:cs typeface="Courier New" panose="02070309020205020404" pitchFamily="49" charset="0"/>
-                        </a:rPr>
-                        <a:t>statements2</a:t>
-                      </a:r>
-                      <a:endParaRPr lang="zh-CN" altLang="en-US" sz="1100" dirty="0">
-                        <a:latin typeface="Courier New" panose="02070309020205020404" pitchFamily="49" charset="0"/>
-                        <a:cs typeface="Courier New" panose="02070309020205020404" pitchFamily="49" charset="0"/>
-                      </a:endParaRPr>
-                    </a:p>
-                  </a:txBody>
-                  <a:tcPr anchor="ctr"/>
-                </a:tc>
-                <a:extLst>
-                  <a:ext uri="{0D108BD9-81ED-4DB2-BD59-A6C34878D82A}">
-                    <a16:rowId xmlns:a16="http://schemas.microsoft.com/office/drawing/2014/main" val="601023897"/>
-                  </a:ext>
-                </a:extLst>
-              </a:tr>
-              <a:tr h="318466">
-                <a:tc>
-                  <a:txBody>
-                    <a:bodyPr/>
-                    <a:lstStyle/>
-                    <a:p>
-                      <a:pPr marR="0" algn="ctr" rtl="0"/>
-                      <a:r>
-                        <a:rPr lang="en-US" altLang="zh-CN" sz="1100" dirty="0">
-                          <a:latin typeface="Courier New" panose="02070309020205020404" pitchFamily="49" charset="0"/>
-                          <a:cs typeface="Courier New" panose="02070309020205020404" pitchFamily="49" charset="0"/>
-                        </a:rPr>
-                        <a:t>9</a:t>
-                      </a:r>
-                      <a:endParaRPr lang="zh-CN" altLang="en-US" sz="1100" dirty="0">
-                        <a:latin typeface="Courier New" panose="02070309020205020404" pitchFamily="49" charset="0"/>
-                        <a:cs typeface="Courier New" panose="02070309020205020404" pitchFamily="49" charset="0"/>
-                      </a:endParaRPr>
-                    </a:p>
-                  </a:txBody>
-                  <a:tcPr anchor="ctr"/>
-                </a:tc>
-                <a:tc>
-                  <a:txBody>
-                    <a:bodyPr/>
-                    <a:lstStyle/>
-                    <a:p>
-                      <a:pPr marR="0" algn="l" rtl="0"/>
-                      <a:endParaRPr lang="en-US" altLang="zh-CN" sz="1100" dirty="0">
-                        <a:solidFill>
-                          <a:schemeClr val="tx1"/>
-                        </a:solidFill>
-                        <a:latin typeface="Courier New" panose="02070309020205020404" pitchFamily="49" charset="0"/>
-                        <a:cs typeface="Courier New" panose="02070309020205020404" pitchFamily="49" charset="0"/>
-                      </a:endParaRPr>
-                    </a:p>
-                  </a:txBody>
-                  <a:tcPr/>
-                </a:tc>
-                <a:tc>
-                  <a:txBody>
-                    <a:bodyPr/>
-                    <a:lstStyle/>
-                    <a:p>
-                      <a:pPr marR="0" algn="l" rtl="0"/>
-                      <a:endParaRPr lang="en-US" altLang="zh-CN" sz="1100" dirty="0">
-                        <a:latin typeface="Courier New" panose="02070309020205020404" pitchFamily="49" charset="0"/>
-                        <a:cs typeface="Courier New" panose="02070309020205020404" pitchFamily="49" charset="0"/>
-                      </a:endParaRPr>
-                    </a:p>
-                  </a:txBody>
-                  <a:tcPr/>
-                </a:tc>
-                <a:tc>
-                  <a:txBody>
-                    <a:bodyPr/>
-                    <a:lstStyle/>
-                    <a:p>
-                      <a:pPr marR="0" algn="l" rtl="0"/>
-                      <a:endParaRPr lang="zh-CN" altLang="en-US" sz="1100" dirty="0">
-                        <a:latin typeface="Courier New" panose="02070309020205020404" pitchFamily="49" charset="0"/>
-                        <a:cs typeface="Courier New" panose="02070309020205020404" pitchFamily="49" charset="0"/>
-                      </a:endParaRPr>
-                    </a:p>
-                  </a:txBody>
-                  <a:tcPr anchor="ctr"/>
-                </a:tc>
-                <a:tc>
-                  <a:txBody>
-                    <a:bodyPr/>
-                    <a:lstStyle/>
-                    <a:p>
-                      <a:pPr marR="0" algn="l" rtl="0"/>
-                      <a:endParaRPr lang="zh-CN" altLang="en-US" sz="1100" dirty="0">
-                        <a:latin typeface="Courier New" panose="02070309020205020404" pitchFamily="49" charset="0"/>
-                        <a:cs typeface="Courier New" panose="02070309020205020404" pitchFamily="49" charset="0"/>
-                      </a:endParaRPr>
-                    </a:p>
-                  </a:txBody>
-                  <a:tcPr anchor="ctr"/>
-                </a:tc>
-                <a:extLst>
-                  <a:ext uri="{0D108BD9-81ED-4DB2-BD59-A6C34878D82A}">
-                    <a16:rowId xmlns:a16="http://schemas.microsoft.com/office/drawing/2014/main" val="1089536710"/>
-                  </a:ext>
-                </a:extLst>
-              </a:tr>
-              <a:tr h="2270760">
-                <a:tc>
-                  <a:txBody>
-                    <a:bodyPr/>
-                    <a:lstStyle/>
-                    <a:p>
-                      <a:pPr marR="0" algn="ctr" rtl="0"/>
-                      <a:r>
-                        <a:rPr lang="en-US" altLang="zh-CN" sz="1100" dirty="0">
-                          <a:latin typeface="Courier New" panose="02070309020205020404" pitchFamily="49" charset="0"/>
-                          <a:cs typeface="Courier New" panose="02070309020205020404" pitchFamily="49" charset="0"/>
-                        </a:rPr>
-                        <a:t>10</a:t>
-                      </a:r>
-                      <a:endParaRPr lang="zh-CN" altLang="en-US" sz="1100" dirty="0">
-                        <a:latin typeface="Courier New" panose="02070309020205020404" pitchFamily="49" charset="0"/>
-                        <a:cs typeface="Courier New" panose="02070309020205020404" pitchFamily="49" charset="0"/>
-                      </a:endParaRPr>
-                    </a:p>
-                  </a:txBody>
-                  <a:tcPr anchor="ctr"/>
-                </a:tc>
-                <a:tc>
-                  <a:txBody>
-                    <a:bodyPr/>
-                    <a:lstStyle/>
-                    <a:p>
-                      <a:pPr marR="0" algn="l" rtl="0"/>
-                      <a:r>
-                        <a:rPr lang="en-US" altLang="zh-CN" sz="1100" dirty="0">
-                          <a:solidFill>
-                            <a:srgbClr val="C00000"/>
-                          </a:solidFill>
-                          <a:latin typeface="Courier New" panose="02070309020205020404" pitchFamily="49" charset="0"/>
-                          <a:cs typeface="Courier New" panose="02070309020205020404" pitchFamily="49" charset="0"/>
-                        </a:rPr>
-                        <a:t>-protected Membership </a:t>
-                      </a:r>
-                      <a:r>
-                        <a:rPr lang="en-US" altLang="zh-CN" sz="1100" dirty="0" err="1">
-                          <a:solidFill>
-                            <a:srgbClr val="C00000"/>
-                          </a:solidFill>
-                          <a:latin typeface="Courier New" panose="02070309020205020404" pitchFamily="49" charset="0"/>
-                          <a:cs typeface="Courier New" panose="02070309020205020404" pitchFamily="49" charset="0"/>
-                        </a:rPr>
-                        <a:t>membership</a:t>
-                      </a:r>
-                      <a:r>
-                        <a:rPr lang="en-US" altLang="zh-CN" sz="1100" dirty="0">
-                          <a:solidFill>
-                            <a:srgbClr val="C00000"/>
-                          </a:solidFill>
-                          <a:latin typeface="Courier New" panose="02070309020205020404" pitchFamily="49" charset="0"/>
-                          <a:cs typeface="Courier New" panose="02070309020205020404" pitchFamily="49" charset="0"/>
-                        </a:rPr>
-                        <a:t> = null;</a:t>
-                      </a:r>
-                    </a:p>
-                    <a:p>
-                      <a:pPr marR="0" algn="l" rtl="0"/>
-                      <a:r>
-                        <a:rPr lang="en-US" altLang="zh-CN" sz="1100" dirty="0">
-                          <a:solidFill>
-                            <a:srgbClr val="C00000"/>
-                          </a:solidFill>
-                          <a:latin typeface="Courier New" panose="02070309020205020404" pitchFamily="49" charset="0"/>
-                          <a:cs typeface="Courier New" panose="02070309020205020404" pitchFamily="49" charset="0"/>
-                        </a:rPr>
-                        <a:t> </a:t>
-                      </a:r>
-                      <a:r>
-                        <a:rPr lang="en-US" altLang="zh-CN" sz="1100" dirty="0">
-                          <a:solidFill>
-                            <a:schemeClr val="tx1"/>
-                          </a:solidFill>
-                          <a:latin typeface="Courier New" panose="02070309020205020404" pitchFamily="49" charset="0"/>
-                          <a:cs typeface="Courier New" panose="02070309020205020404" pitchFamily="49" charset="0"/>
-                        </a:rPr>
-                        <a:t>public </a:t>
-                      </a:r>
-                      <a:r>
-                        <a:rPr lang="en-US" altLang="zh-CN" sz="1100" dirty="0" err="1">
-                          <a:solidFill>
-                            <a:schemeClr val="tx1"/>
-                          </a:solidFill>
-                          <a:latin typeface="Courier New" panose="02070309020205020404" pitchFamily="49" charset="0"/>
-                          <a:cs typeface="Courier New" panose="02070309020205020404" pitchFamily="49" charset="0"/>
-                        </a:rPr>
-                        <a:t>boolean</a:t>
-                      </a:r>
-                      <a:r>
-                        <a:rPr lang="en-US" altLang="zh-CN" sz="1100" dirty="0">
-                          <a:solidFill>
-                            <a:schemeClr val="tx1"/>
-                          </a:solidFill>
-                          <a:latin typeface="Courier New" panose="02070309020205020404" pitchFamily="49" charset="0"/>
-                          <a:cs typeface="Courier New" panose="02070309020205020404" pitchFamily="49" charset="0"/>
-                        </a:rPr>
-                        <a:t> </a:t>
-                      </a:r>
-                      <a:r>
-                        <a:rPr lang="en-US" altLang="zh-CN" sz="1100" dirty="0" err="1">
-                          <a:solidFill>
-                            <a:schemeClr val="tx1"/>
-                          </a:solidFill>
-                          <a:latin typeface="Courier New" panose="02070309020205020404" pitchFamily="49" charset="0"/>
-                          <a:cs typeface="Courier New" panose="02070309020205020404" pitchFamily="49" charset="0"/>
-                        </a:rPr>
-                        <a:t>hasMembers</a:t>
-                      </a:r>
-                      <a:r>
-                        <a:rPr lang="en-US" altLang="zh-CN" sz="1100" dirty="0">
-                          <a:solidFill>
-                            <a:schemeClr val="tx1"/>
-                          </a:solidFill>
-                          <a:latin typeface="Courier New" panose="02070309020205020404" pitchFamily="49" charset="0"/>
-                          <a:cs typeface="Courier New" panose="02070309020205020404" pitchFamily="49" charset="0"/>
-                        </a:rPr>
-                        <a:t>() {</a:t>
-                      </a:r>
-                    </a:p>
-                    <a:p>
-                      <a:pPr marR="0" algn="l" rtl="0"/>
-                      <a:r>
-                        <a:rPr lang="en-US" altLang="zh-CN" sz="1100" dirty="0">
-                          <a:solidFill>
-                            <a:schemeClr val="tx1"/>
-                          </a:solidFill>
-                          <a:latin typeface="Courier New" panose="02070309020205020404" pitchFamily="49" charset="0"/>
-                          <a:cs typeface="Courier New" panose="02070309020205020404" pitchFamily="49" charset="0"/>
-                        </a:rPr>
-                        <a:t>   if (membership == null) </a:t>
-                      </a:r>
-                      <a:r>
-                        <a:rPr lang="en-US" altLang="zh-CN" sz="1100" dirty="0" err="1">
-                          <a:solidFill>
-                            <a:schemeClr val="tx1"/>
-                          </a:solidFill>
-                          <a:latin typeface="Courier New" panose="02070309020205020404" pitchFamily="49" charset="0"/>
-                          <a:cs typeface="Courier New" panose="02070309020205020404" pitchFamily="49" charset="0"/>
-                        </a:rPr>
-                        <a:t>setupMembership</a:t>
-                      </a:r>
-                      <a:r>
-                        <a:rPr lang="en-US" altLang="zh-CN" sz="1100" dirty="0">
-                          <a:solidFill>
-                            <a:schemeClr val="tx1"/>
-                          </a:solidFill>
-                          <a:latin typeface="Courier New" panose="02070309020205020404" pitchFamily="49" charset="0"/>
-                          <a:cs typeface="Courier New" panose="02070309020205020404" pitchFamily="49" charset="0"/>
-                        </a:rPr>
-                        <a:t>();</a:t>
-                      </a:r>
-                    </a:p>
-                    <a:p>
-                      <a:pPr marR="0" algn="l" rtl="0"/>
-                      <a:r>
-                        <a:rPr lang="en-US" altLang="zh-CN" sz="1100" dirty="0">
-                          <a:solidFill>
-                            <a:schemeClr val="tx1"/>
-                          </a:solidFill>
-                          <a:latin typeface="Courier New" panose="02070309020205020404" pitchFamily="49" charset="0"/>
-                          <a:cs typeface="Courier New" panose="02070309020205020404" pitchFamily="49" charset="0"/>
-                        </a:rPr>
-                        <a:t>   return </a:t>
-                      </a:r>
-                      <a:r>
-                        <a:rPr lang="en-US" altLang="zh-CN" sz="1100" dirty="0" err="1">
-                          <a:solidFill>
-                            <a:schemeClr val="tx1"/>
-                          </a:solidFill>
-                          <a:latin typeface="Courier New" panose="02070309020205020404" pitchFamily="49" charset="0"/>
-                          <a:cs typeface="Courier New" panose="02070309020205020404" pitchFamily="49" charset="0"/>
-                        </a:rPr>
-                        <a:t>membership.hasMembers</a:t>
-                      </a:r>
-                      <a:r>
-                        <a:rPr lang="en-US" altLang="zh-CN" sz="1100" dirty="0">
-                          <a:solidFill>
-                            <a:schemeClr val="tx1"/>
-                          </a:solidFill>
-                          <a:latin typeface="Courier New" panose="02070309020205020404" pitchFamily="49" charset="0"/>
-                          <a:cs typeface="Courier New" panose="02070309020205020404" pitchFamily="49" charset="0"/>
-                        </a:rPr>
-                        <a:t>();</a:t>
-                      </a:r>
-                    </a:p>
-                    <a:p>
-                      <a:pPr marR="0" algn="l" rtl="0"/>
-                      <a:r>
-                        <a:rPr lang="en-US" altLang="zh-CN" sz="1100" dirty="0">
-                          <a:solidFill>
-                            <a:schemeClr val="tx1"/>
-                          </a:solidFill>
-                          <a:latin typeface="Courier New" panose="02070309020205020404" pitchFamily="49" charset="0"/>
-                          <a:cs typeface="Courier New" panose="02070309020205020404" pitchFamily="49" charset="0"/>
-                        </a:rPr>
-                        <a:t> }</a:t>
-                      </a:r>
-                    </a:p>
-                    <a:p>
-                      <a:pPr marR="0" algn="l" rtl="0"/>
-                      <a:r>
-                        <a:rPr lang="en-US" altLang="zh-CN" sz="1100" dirty="0">
-                          <a:solidFill>
-                            <a:schemeClr val="tx1"/>
-                          </a:solidFill>
-                          <a:latin typeface="Courier New" panose="02070309020205020404" pitchFamily="49" charset="0"/>
-                          <a:cs typeface="Courier New" panose="02070309020205020404" pitchFamily="49" charset="0"/>
-                        </a:rPr>
-                        <a:t> protected synchronized void </a:t>
-                      </a:r>
-                      <a:r>
-                        <a:rPr lang="en-US" altLang="zh-CN" sz="1100" dirty="0" err="1">
-                          <a:solidFill>
-                            <a:schemeClr val="tx1"/>
-                          </a:solidFill>
-                          <a:latin typeface="Courier New" panose="02070309020205020404" pitchFamily="49" charset="0"/>
-                          <a:cs typeface="Courier New" panose="02070309020205020404" pitchFamily="49" charset="0"/>
-                        </a:rPr>
-                        <a:t>setupMembership</a:t>
-                      </a:r>
-                      <a:r>
-                        <a:rPr lang="en-US" altLang="zh-CN" sz="1100" dirty="0">
-                          <a:solidFill>
-                            <a:schemeClr val="tx1"/>
-                          </a:solidFill>
-                          <a:latin typeface="Courier New" panose="02070309020205020404" pitchFamily="49" charset="0"/>
-                          <a:cs typeface="Courier New" panose="02070309020205020404" pitchFamily="49" charset="0"/>
-                        </a:rPr>
-                        <a:t>() {</a:t>
-                      </a:r>
-                    </a:p>
-                    <a:p>
-                      <a:pPr marR="0" algn="l" rtl="0"/>
-                      <a:r>
-                        <a:rPr lang="en-US" altLang="zh-CN" sz="1100" dirty="0">
-                          <a:solidFill>
-                            <a:schemeClr val="tx1"/>
-                          </a:solidFill>
-                          <a:latin typeface="Courier New" panose="02070309020205020404" pitchFamily="49" charset="0"/>
-                          <a:cs typeface="Courier New" panose="02070309020205020404" pitchFamily="49" charset="0"/>
-                        </a:rPr>
-                        <a:t>   if ( membership == null ) {</a:t>
-                      </a:r>
-                    </a:p>
-                    <a:p>
-                      <a:pPr marR="0" algn="l" rtl="0"/>
-                      <a:r>
-                        <a:rPr lang="en-US" altLang="zh-CN" sz="1100" dirty="0">
-                          <a:solidFill>
-                            <a:schemeClr val="tx1"/>
-                          </a:solidFill>
-                          <a:latin typeface="Courier New" panose="02070309020205020404" pitchFamily="49" charset="0"/>
-                          <a:cs typeface="Courier New" panose="02070309020205020404" pitchFamily="49" charset="0"/>
-                        </a:rPr>
-                        <a:t>     membership = new Membership(</a:t>
-                      </a:r>
-                      <a:r>
-                        <a:rPr lang="en-US" altLang="zh-CN" sz="1100" dirty="0" err="1">
-                          <a:solidFill>
-                            <a:schemeClr val="tx1"/>
-                          </a:solidFill>
-                          <a:latin typeface="Courier New" panose="02070309020205020404" pitchFamily="49" charset="0"/>
-                          <a:cs typeface="Courier New" panose="02070309020205020404" pitchFamily="49" charset="0"/>
-                        </a:rPr>
-                        <a:t>super.getLocalMember</a:t>
-                      </a:r>
-                      <a:r>
-                        <a:rPr lang="en-US" altLang="zh-CN" sz="1100" dirty="0">
-                          <a:solidFill>
-                            <a:schemeClr val="tx1"/>
-                          </a:solidFill>
-                          <a:latin typeface="Courier New" panose="02070309020205020404" pitchFamily="49" charset="0"/>
-                          <a:cs typeface="Courier New" panose="02070309020205020404" pitchFamily="49" charset="0"/>
-                        </a:rPr>
-                        <a:t>(true));</a:t>
-                      </a:r>
-                    </a:p>
-                    <a:p>
-                      <a:pPr marR="0" algn="l" rtl="0"/>
-                      <a:r>
-                        <a:rPr lang="en-US" altLang="zh-CN" sz="1100" dirty="0">
-                          <a:solidFill>
-                            <a:schemeClr val="tx1"/>
-                          </a:solidFill>
-                          <a:latin typeface="Courier New" panose="02070309020205020404" pitchFamily="49" charset="0"/>
-                          <a:cs typeface="Courier New" panose="02070309020205020404" pitchFamily="49" charset="0"/>
-                        </a:rPr>
-                        <a:t>   }</a:t>
-                      </a:r>
-                    </a:p>
-                    <a:p>
-                      <a:pPr marR="0" algn="l" rtl="0"/>
-                      <a:r>
-                        <a:rPr lang="en-US" altLang="zh-CN" sz="1100" dirty="0">
-                          <a:solidFill>
-                            <a:schemeClr val="tx1"/>
-                          </a:solidFill>
-                          <a:latin typeface="Courier New" panose="02070309020205020404" pitchFamily="49" charset="0"/>
-                          <a:cs typeface="Courier New" panose="02070309020205020404" pitchFamily="49" charset="0"/>
-                        </a:rPr>
-                        <a:t> }</a:t>
-                      </a:r>
-                    </a:p>
-                  </a:txBody>
-                  <a:tcPr/>
-                </a:tc>
-                <a:tc>
-                  <a:txBody>
-                    <a:bodyPr/>
-                    <a:lstStyle/>
-                    <a:p>
-                      <a:pPr marR="0" algn="l" rtl="0"/>
-                      <a:r>
-                        <a:rPr lang="en-US" altLang="zh-CN" sz="1100" dirty="0">
-                          <a:solidFill>
-                            <a:srgbClr val="0070C0"/>
-                          </a:solidFill>
-                          <a:latin typeface="Courier New" panose="02070309020205020404" pitchFamily="49" charset="0"/>
-                          <a:cs typeface="Courier New" panose="02070309020205020404" pitchFamily="49" charset="0"/>
-                        </a:rPr>
-                        <a:t>+protected volatile Membership </a:t>
-                      </a:r>
-                      <a:r>
-                        <a:rPr lang="en-US" altLang="zh-CN" sz="1100" dirty="0" err="1">
-                          <a:solidFill>
-                            <a:srgbClr val="0070C0"/>
-                          </a:solidFill>
-                          <a:latin typeface="Courier New" panose="02070309020205020404" pitchFamily="49" charset="0"/>
-                          <a:cs typeface="Courier New" panose="02070309020205020404" pitchFamily="49" charset="0"/>
-                        </a:rPr>
-                        <a:t>membership</a:t>
-                      </a:r>
-                      <a:r>
-                        <a:rPr lang="en-US" altLang="zh-CN" sz="1100" dirty="0">
-                          <a:solidFill>
-                            <a:srgbClr val="0070C0"/>
-                          </a:solidFill>
-                          <a:latin typeface="Courier New" panose="02070309020205020404" pitchFamily="49" charset="0"/>
-                          <a:cs typeface="Courier New" panose="02070309020205020404" pitchFamily="49" charset="0"/>
-                        </a:rPr>
-                        <a:t> = null;</a:t>
-                      </a:r>
-                    </a:p>
-                    <a:p>
-                      <a:pPr marR="0" algn="l" rtl="0"/>
-                      <a:r>
-                        <a:rPr lang="en-US" altLang="zh-CN" sz="1100" dirty="0">
-                          <a:solidFill>
-                            <a:srgbClr val="0070C0"/>
-                          </a:solidFill>
-                          <a:latin typeface="Courier New" panose="02070309020205020404" pitchFamily="49" charset="0"/>
-                          <a:cs typeface="Courier New" panose="02070309020205020404" pitchFamily="49" charset="0"/>
-                        </a:rPr>
-                        <a:t> </a:t>
-                      </a:r>
-                      <a:r>
-                        <a:rPr lang="en-US" altLang="zh-CN" sz="1100" dirty="0">
-                          <a:solidFill>
-                            <a:schemeClr val="tx1"/>
-                          </a:solidFill>
-                          <a:latin typeface="Courier New" panose="02070309020205020404" pitchFamily="49" charset="0"/>
-                          <a:cs typeface="Courier New" panose="02070309020205020404" pitchFamily="49" charset="0"/>
-                        </a:rPr>
-                        <a:t>public </a:t>
-                      </a:r>
-                      <a:r>
-                        <a:rPr lang="en-US" altLang="zh-CN" sz="1100" dirty="0" err="1">
-                          <a:solidFill>
-                            <a:schemeClr val="tx1"/>
-                          </a:solidFill>
-                          <a:latin typeface="Courier New" panose="02070309020205020404" pitchFamily="49" charset="0"/>
-                          <a:cs typeface="Courier New" panose="02070309020205020404" pitchFamily="49" charset="0"/>
-                        </a:rPr>
-                        <a:t>boolean</a:t>
-                      </a:r>
-                      <a:r>
-                        <a:rPr lang="en-US" altLang="zh-CN" sz="1100" dirty="0">
-                          <a:solidFill>
-                            <a:schemeClr val="tx1"/>
-                          </a:solidFill>
-                          <a:latin typeface="Courier New" panose="02070309020205020404" pitchFamily="49" charset="0"/>
-                          <a:cs typeface="Courier New" panose="02070309020205020404" pitchFamily="49" charset="0"/>
-                        </a:rPr>
-                        <a:t> </a:t>
-                      </a:r>
-                      <a:r>
-                        <a:rPr lang="en-US" altLang="zh-CN" sz="1100" dirty="0" err="1">
-                          <a:solidFill>
-                            <a:schemeClr val="tx1"/>
-                          </a:solidFill>
-                          <a:latin typeface="Courier New" panose="02070309020205020404" pitchFamily="49" charset="0"/>
-                          <a:cs typeface="Courier New" panose="02070309020205020404" pitchFamily="49" charset="0"/>
-                        </a:rPr>
-                        <a:t>hasMembers</a:t>
-                      </a:r>
-                      <a:r>
-                        <a:rPr lang="en-US" altLang="zh-CN" sz="1100" dirty="0">
-                          <a:solidFill>
-                            <a:schemeClr val="tx1"/>
-                          </a:solidFill>
-                          <a:latin typeface="Courier New" panose="02070309020205020404" pitchFamily="49" charset="0"/>
-                          <a:cs typeface="Courier New" panose="02070309020205020404" pitchFamily="49" charset="0"/>
-                        </a:rPr>
-                        <a:t>() {</a:t>
-                      </a:r>
-                    </a:p>
-                    <a:p>
-                      <a:pPr marR="0" algn="l" rtl="0"/>
-                      <a:r>
-                        <a:rPr lang="en-US" altLang="zh-CN" sz="1100" dirty="0">
-                          <a:solidFill>
-                            <a:schemeClr val="tx1"/>
-                          </a:solidFill>
-                          <a:latin typeface="Courier New" panose="02070309020205020404" pitchFamily="49" charset="0"/>
-                          <a:cs typeface="Courier New" panose="02070309020205020404" pitchFamily="49" charset="0"/>
-                        </a:rPr>
-                        <a:t>   if (membership == null) </a:t>
-                      </a:r>
-                      <a:r>
-                        <a:rPr lang="en-US" altLang="zh-CN" sz="1100" dirty="0" err="1">
-                          <a:solidFill>
-                            <a:schemeClr val="tx1"/>
-                          </a:solidFill>
-                          <a:latin typeface="Courier New" panose="02070309020205020404" pitchFamily="49" charset="0"/>
-                          <a:cs typeface="Courier New" panose="02070309020205020404" pitchFamily="49" charset="0"/>
-                        </a:rPr>
-                        <a:t>setupMembership</a:t>
-                      </a:r>
-                      <a:r>
-                        <a:rPr lang="en-US" altLang="zh-CN" sz="1100" dirty="0">
-                          <a:solidFill>
-                            <a:schemeClr val="tx1"/>
-                          </a:solidFill>
-                          <a:latin typeface="Courier New" panose="02070309020205020404" pitchFamily="49" charset="0"/>
-                          <a:cs typeface="Courier New" panose="02070309020205020404" pitchFamily="49" charset="0"/>
-                        </a:rPr>
-                        <a:t>();</a:t>
-                      </a:r>
-                    </a:p>
-                    <a:p>
-                      <a:pPr marR="0" algn="l" rtl="0"/>
-                      <a:r>
-                        <a:rPr lang="en-US" altLang="zh-CN" sz="1100" dirty="0">
-                          <a:solidFill>
-                            <a:schemeClr val="tx1"/>
-                          </a:solidFill>
-                          <a:latin typeface="Courier New" panose="02070309020205020404" pitchFamily="49" charset="0"/>
-                          <a:cs typeface="Courier New" panose="02070309020205020404" pitchFamily="49" charset="0"/>
-                        </a:rPr>
-                        <a:t>   return </a:t>
-                      </a:r>
-                      <a:r>
-                        <a:rPr lang="en-US" altLang="zh-CN" sz="1100" dirty="0" err="1">
-                          <a:solidFill>
-                            <a:schemeClr val="tx1"/>
-                          </a:solidFill>
-                          <a:latin typeface="Courier New" panose="02070309020205020404" pitchFamily="49" charset="0"/>
-                          <a:cs typeface="Courier New" panose="02070309020205020404" pitchFamily="49" charset="0"/>
-                        </a:rPr>
-                        <a:t>membership.hasMembers</a:t>
-                      </a:r>
-                      <a:r>
-                        <a:rPr lang="en-US" altLang="zh-CN" sz="1100" dirty="0">
-                          <a:solidFill>
-                            <a:schemeClr val="tx1"/>
-                          </a:solidFill>
-                          <a:latin typeface="Courier New" panose="02070309020205020404" pitchFamily="49" charset="0"/>
-                          <a:cs typeface="Courier New" panose="02070309020205020404" pitchFamily="49" charset="0"/>
-                        </a:rPr>
-                        <a:t>();</a:t>
-                      </a:r>
-                    </a:p>
-                    <a:p>
-                      <a:pPr marR="0" algn="l" rtl="0"/>
-                      <a:r>
-                        <a:rPr lang="en-US" altLang="zh-CN" sz="1100" dirty="0">
-                          <a:solidFill>
-                            <a:schemeClr val="tx1"/>
-                          </a:solidFill>
-                          <a:latin typeface="Courier New" panose="02070309020205020404" pitchFamily="49" charset="0"/>
-                          <a:cs typeface="Courier New" panose="02070309020205020404" pitchFamily="49" charset="0"/>
-                        </a:rPr>
-                        <a:t> }</a:t>
-                      </a:r>
-                    </a:p>
-                    <a:p>
-                      <a:pPr marR="0" algn="l" rtl="0"/>
-                      <a:r>
-                        <a:rPr lang="en-US" altLang="zh-CN" sz="1100" dirty="0">
-                          <a:solidFill>
-                            <a:schemeClr val="tx1"/>
-                          </a:solidFill>
-                          <a:latin typeface="Courier New" panose="02070309020205020404" pitchFamily="49" charset="0"/>
-                          <a:cs typeface="Courier New" panose="02070309020205020404" pitchFamily="49" charset="0"/>
-                        </a:rPr>
-                        <a:t> protected synchronized void </a:t>
-                      </a:r>
-                      <a:r>
-                        <a:rPr lang="en-US" altLang="zh-CN" sz="1100" dirty="0" err="1">
-                          <a:solidFill>
-                            <a:schemeClr val="tx1"/>
-                          </a:solidFill>
-                          <a:latin typeface="Courier New" panose="02070309020205020404" pitchFamily="49" charset="0"/>
-                          <a:cs typeface="Courier New" panose="02070309020205020404" pitchFamily="49" charset="0"/>
-                        </a:rPr>
-                        <a:t>setupMembership</a:t>
-                      </a:r>
-                      <a:r>
-                        <a:rPr lang="en-US" altLang="zh-CN" sz="1100" dirty="0">
-                          <a:solidFill>
-                            <a:schemeClr val="tx1"/>
-                          </a:solidFill>
-                          <a:latin typeface="Courier New" panose="02070309020205020404" pitchFamily="49" charset="0"/>
-                          <a:cs typeface="Courier New" panose="02070309020205020404" pitchFamily="49" charset="0"/>
-                        </a:rPr>
-                        <a:t>() {</a:t>
-                      </a:r>
-                    </a:p>
-                    <a:p>
-                      <a:pPr marR="0" algn="l" rtl="0"/>
-                      <a:r>
-                        <a:rPr lang="en-US" altLang="zh-CN" sz="1100" dirty="0">
-                          <a:solidFill>
-                            <a:schemeClr val="tx1"/>
-                          </a:solidFill>
-                          <a:latin typeface="Courier New" panose="02070309020205020404" pitchFamily="49" charset="0"/>
-                          <a:cs typeface="Courier New" panose="02070309020205020404" pitchFamily="49" charset="0"/>
-                        </a:rPr>
-                        <a:t>   if ( membership == null ) {</a:t>
-                      </a:r>
-                    </a:p>
-                    <a:p>
-                      <a:pPr marR="0" algn="l" rtl="0"/>
-                      <a:r>
-                        <a:rPr lang="en-US" altLang="zh-CN" sz="1100" dirty="0">
-                          <a:solidFill>
-                            <a:schemeClr val="tx1"/>
-                          </a:solidFill>
-                          <a:latin typeface="Courier New" panose="02070309020205020404" pitchFamily="49" charset="0"/>
-                          <a:cs typeface="Courier New" panose="02070309020205020404" pitchFamily="49" charset="0"/>
-                        </a:rPr>
-                        <a:t>     membership = new Membership(</a:t>
-                      </a:r>
-                      <a:r>
-                        <a:rPr lang="en-US" altLang="zh-CN" sz="1100" dirty="0" err="1">
-                          <a:solidFill>
-                            <a:schemeClr val="tx1"/>
-                          </a:solidFill>
-                          <a:latin typeface="Courier New" panose="02070309020205020404" pitchFamily="49" charset="0"/>
-                          <a:cs typeface="Courier New" panose="02070309020205020404" pitchFamily="49" charset="0"/>
-                        </a:rPr>
-                        <a:t>super.getLocalMember</a:t>
-                      </a:r>
-                      <a:r>
-                        <a:rPr lang="en-US" altLang="zh-CN" sz="1100" dirty="0">
-                          <a:solidFill>
-                            <a:schemeClr val="tx1"/>
-                          </a:solidFill>
-                          <a:latin typeface="Courier New" panose="02070309020205020404" pitchFamily="49" charset="0"/>
-                          <a:cs typeface="Courier New" panose="02070309020205020404" pitchFamily="49" charset="0"/>
-                        </a:rPr>
-                        <a:t>(true));</a:t>
-                      </a:r>
-                    </a:p>
-                    <a:p>
-                      <a:pPr marR="0" algn="l" rtl="0"/>
-                      <a:r>
-                        <a:rPr lang="en-US" altLang="zh-CN" sz="1100" dirty="0">
-                          <a:solidFill>
-                            <a:schemeClr val="tx1"/>
-                          </a:solidFill>
-                          <a:latin typeface="Courier New" panose="02070309020205020404" pitchFamily="49" charset="0"/>
-                          <a:cs typeface="Courier New" panose="02070309020205020404" pitchFamily="49" charset="0"/>
-                        </a:rPr>
-                        <a:t>   }</a:t>
-                      </a:r>
-                    </a:p>
-                    <a:p>
-                      <a:pPr marR="0" algn="l" rtl="0"/>
-                      <a:r>
-                        <a:rPr lang="en-US" altLang="zh-CN" sz="1100" dirty="0">
-                          <a:solidFill>
-                            <a:schemeClr val="tx1"/>
-                          </a:solidFill>
-                          <a:latin typeface="Courier New" panose="02070309020205020404" pitchFamily="49" charset="0"/>
-                          <a:cs typeface="Courier New" panose="02070309020205020404" pitchFamily="49" charset="0"/>
-                        </a:rPr>
-                        <a:t> }</a:t>
-                      </a:r>
-                    </a:p>
-                  </a:txBody>
-                  <a:tcPr/>
-                </a:tc>
-                <a:tc>
-                  <a:txBody>
-                    <a:bodyPr/>
-                    <a:lstStyle/>
-                    <a:p>
-                      <a:pPr marR="0" algn="l" rtl="0"/>
-                      <a:r>
-                        <a:rPr lang="en-US" altLang="zh-CN" sz="1100" dirty="0">
-                          <a:latin typeface="Courier New" panose="02070309020205020404" pitchFamily="49" charset="0"/>
-                          <a:cs typeface="Courier New" panose="02070309020205020404" pitchFamily="49" charset="0"/>
-                        </a:rPr>
-                        <a:t>T foo;</a:t>
-                      </a:r>
-                      <a:endParaRPr lang="zh-CN" altLang="en-US" sz="1100" dirty="0">
-                        <a:latin typeface="Courier New" panose="02070309020205020404" pitchFamily="49" charset="0"/>
-                        <a:cs typeface="Courier New" panose="02070309020205020404" pitchFamily="49" charset="0"/>
-                      </a:endParaRPr>
-                    </a:p>
-                  </a:txBody>
-                  <a:tcPr anchor="ctr"/>
-                </a:tc>
-                <a:tc>
-                  <a:txBody>
-                    <a:bodyPr/>
-                    <a:lstStyle/>
-                    <a:p>
-                      <a:pPr marR="0" algn="l" rtl="0"/>
-                      <a:r>
-                        <a:rPr lang="en-US" altLang="zh-CN" sz="1100" dirty="0">
-                          <a:latin typeface="Courier New" panose="02070309020205020404" pitchFamily="49" charset="0"/>
-                          <a:cs typeface="Courier New" panose="02070309020205020404" pitchFamily="49" charset="0"/>
-                        </a:rPr>
-                        <a:t>volatile T foo;</a:t>
-                      </a:r>
-                      <a:endParaRPr lang="zh-CN" altLang="en-US" sz="1100" dirty="0">
-                        <a:latin typeface="Courier New" panose="02070309020205020404" pitchFamily="49" charset="0"/>
-                        <a:cs typeface="Courier New" panose="02070309020205020404" pitchFamily="49" charset="0"/>
-                      </a:endParaRPr>
-                    </a:p>
-                  </a:txBody>
-                  <a:tcPr anchor="ctr"/>
-                </a:tc>
-                <a:extLst>
-                  <a:ext uri="{0D108BD9-81ED-4DB2-BD59-A6C34878D82A}">
-                    <a16:rowId xmlns:a16="http://schemas.microsoft.com/office/drawing/2014/main" val="2734072075"/>
-                  </a:ext>
-                </a:extLst>
-              </a:tr>
-              <a:tr h="1097280">
-                <a:tc>
-                  <a:txBody>
-                    <a:bodyPr/>
-                    <a:lstStyle/>
-                    <a:p>
-                      <a:pPr marR="0" algn="ctr" rtl="0"/>
-                      <a:r>
-                        <a:rPr lang="en-US" altLang="zh-CN" sz="1100" dirty="0">
-                          <a:latin typeface="Courier New" panose="02070309020205020404" pitchFamily="49" charset="0"/>
-                          <a:cs typeface="Courier New" panose="02070309020205020404" pitchFamily="49" charset="0"/>
-                        </a:rPr>
-                        <a:t>11</a:t>
-                      </a:r>
-                      <a:endParaRPr lang="zh-CN" altLang="en-US" sz="1100" dirty="0">
-                        <a:latin typeface="Courier New" panose="02070309020205020404" pitchFamily="49" charset="0"/>
-                        <a:cs typeface="Courier New" panose="02070309020205020404" pitchFamily="49" charset="0"/>
-                      </a:endParaRPr>
-                    </a:p>
-                  </a:txBody>
-                  <a:tcPr anchor="ctr"/>
-                </a:tc>
-                <a:tc>
-                  <a:txBody>
-                    <a:bodyPr/>
-                    <a:lstStyle/>
-                    <a:p>
-                      <a:pPr marR="0" algn="l" rtl="0"/>
-                      <a:r>
-                        <a:rPr lang="en-US" altLang="zh-CN" sz="1100" dirty="0">
-                          <a:solidFill>
-                            <a:srgbClr val="C00000"/>
-                          </a:solidFill>
-                          <a:latin typeface="Courier New" panose="02070309020205020404" pitchFamily="49" charset="0"/>
-                          <a:cs typeface="Courier New" panose="02070309020205020404" pitchFamily="49" charset="0"/>
-                        </a:rPr>
-                        <a:t>-private volatile </a:t>
-                      </a:r>
-                      <a:r>
-                        <a:rPr lang="en-US" altLang="zh-CN" sz="1100" dirty="0" err="1">
-                          <a:solidFill>
-                            <a:srgbClr val="C00000"/>
-                          </a:solidFill>
-                          <a:latin typeface="Courier New" panose="02070309020205020404" pitchFamily="49" charset="0"/>
-                          <a:cs typeface="Courier New" panose="02070309020205020404" pitchFamily="49" charset="0"/>
-                        </a:rPr>
-                        <a:t>int</a:t>
-                      </a:r>
-                      <a:r>
-                        <a:rPr lang="en-US" altLang="zh-CN" sz="1100" dirty="0">
-                          <a:solidFill>
-                            <a:srgbClr val="C00000"/>
-                          </a:solidFill>
-                          <a:latin typeface="Courier New" panose="02070309020205020404" pitchFamily="49" charset="0"/>
-                          <a:cs typeface="Courier New" panose="02070309020205020404" pitchFamily="49" charset="0"/>
-                        </a:rPr>
-                        <a:t> </a:t>
-                      </a:r>
-                      <a:r>
-                        <a:rPr lang="en-US" altLang="zh-CN" sz="1100" dirty="0" err="1">
-                          <a:solidFill>
-                            <a:srgbClr val="C00000"/>
-                          </a:solidFill>
-                          <a:latin typeface="Courier New" panose="02070309020205020404" pitchFamily="49" charset="0"/>
-                          <a:cs typeface="Courier New" panose="02070309020205020404" pitchFamily="49" charset="0"/>
-                        </a:rPr>
-                        <a:t>requestCount</a:t>
-                      </a:r>
-                      <a:r>
-                        <a:rPr lang="en-US" altLang="zh-CN" sz="1100" dirty="0">
-                          <a:solidFill>
-                            <a:srgbClr val="C00000"/>
-                          </a:solidFill>
-                          <a:latin typeface="Courier New" panose="02070309020205020404" pitchFamily="49" charset="0"/>
-                          <a:cs typeface="Courier New" panose="02070309020205020404" pitchFamily="49" charset="0"/>
-                        </a:rPr>
-                        <a:t>;</a:t>
-                      </a:r>
-                    </a:p>
-                    <a:p>
-                      <a:pPr marR="0" algn="l" rtl="0"/>
-                      <a:endParaRPr lang="en-US" altLang="zh-CN" sz="1100" dirty="0">
-                        <a:solidFill>
-                          <a:srgbClr val="C00000"/>
-                        </a:solidFill>
-                        <a:latin typeface="Courier New" panose="02070309020205020404" pitchFamily="49" charset="0"/>
-                        <a:cs typeface="Courier New" panose="02070309020205020404" pitchFamily="49" charset="0"/>
-                      </a:endParaRPr>
-                    </a:p>
-                    <a:p>
-                      <a:pPr marR="0" algn="l" rtl="0"/>
-                      <a:r>
-                        <a:rPr lang="en-US" altLang="zh-CN" sz="1100" dirty="0">
-                          <a:solidFill>
-                            <a:srgbClr val="C00000"/>
-                          </a:solidFill>
-                          <a:latin typeface="Courier New" panose="02070309020205020404" pitchFamily="49" charset="0"/>
-                          <a:cs typeface="Courier New" panose="02070309020205020404" pitchFamily="49" charset="0"/>
-                        </a:rPr>
-                        <a:t>-private volatile </a:t>
-                      </a:r>
-                      <a:r>
-                        <a:rPr lang="en-US" altLang="zh-CN" sz="1100" dirty="0" err="1">
-                          <a:solidFill>
-                            <a:srgbClr val="C00000"/>
-                          </a:solidFill>
-                          <a:latin typeface="Courier New" panose="02070309020205020404" pitchFamily="49" charset="0"/>
-                          <a:cs typeface="Courier New" panose="02070309020205020404" pitchFamily="49" charset="0"/>
-                        </a:rPr>
-                        <a:t>int</a:t>
-                      </a:r>
-                      <a:r>
-                        <a:rPr lang="en-US" altLang="zh-CN" sz="1100" dirty="0">
-                          <a:solidFill>
-                            <a:srgbClr val="C00000"/>
-                          </a:solidFill>
-                          <a:latin typeface="Courier New" panose="02070309020205020404" pitchFamily="49" charset="0"/>
-                          <a:cs typeface="Courier New" panose="02070309020205020404" pitchFamily="49" charset="0"/>
-                        </a:rPr>
-                        <a:t> </a:t>
-                      </a:r>
-                      <a:r>
-                        <a:rPr lang="en-US" altLang="zh-CN" sz="1100" dirty="0" err="1">
-                          <a:solidFill>
-                            <a:srgbClr val="C00000"/>
-                          </a:solidFill>
-                          <a:latin typeface="Courier New" panose="02070309020205020404" pitchFamily="49" charset="0"/>
-                          <a:cs typeface="Courier New" panose="02070309020205020404" pitchFamily="49" charset="0"/>
-                        </a:rPr>
-                        <a:t>errorCount</a:t>
-                      </a:r>
-                      <a:r>
-                        <a:rPr lang="en-US" altLang="zh-CN" sz="1100" dirty="0">
-                          <a:solidFill>
-                            <a:srgbClr val="C00000"/>
-                          </a:solidFill>
-                          <a:latin typeface="Courier New" panose="02070309020205020404" pitchFamily="49" charset="0"/>
-                          <a:cs typeface="Courier New" panose="02070309020205020404" pitchFamily="49" charset="0"/>
-                        </a:rPr>
-                        <a:t>;</a:t>
-                      </a:r>
-                    </a:p>
-                    <a:p>
-                      <a:pPr marR="0" algn="l" rtl="0"/>
-                      <a:endParaRPr lang="en-US" altLang="zh-CN" sz="1100" dirty="0">
-                        <a:solidFill>
-                          <a:srgbClr val="C00000"/>
-                        </a:solidFill>
-                        <a:latin typeface="Courier New" panose="02070309020205020404" pitchFamily="49" charset="0"/>
-                        <a:cs typeface="Courier New" panose="02070309020205020404" pitchFamily="49" charset="0"/>
-                      </a:endParaRPr>
-                    </a:p>
-                    <a:p>
-                      <a:pPr marR="0" algn="l" rtl="0"/>
-                      <a:r>
-                        <a:rPr lang="en-US" altLang="zh-CN" sz="1100" dirty="0">
-                          <a:solidFill>
-                            <a:srgbClr val="C00000"/>
-                          </a:solidFill>
-                          <a:latin typeface="Courier New" panose="02070309020205020404" pitchFamily="49" charset="0"/>
-                          <a:cs typeface="Courier New" panose="02070309020205020404" pitchFamily="49" charset="0"/>
-                        </a:rPr>
-                        <a:t>-  </a:t>
-                      </a:r>
-                      <a:r>
-                        <a:rPr lang="en-US" altLang="zh-CN" sz="1100" dirty="0" err="1">
-                          <a:solidFill>
-                            <a:srgbClr val="C00000"/>
-                          </a:solidFill>
-                          <a:latin typeface="Courier New" panose="02070309020205020404" pitchFamily="49" charset="0"/>
-                          <a:cs typeface="Courier New" panose="02070309020205020404" pitchFamily="49" charset="0"/>
-                        </a:rPr>
-                        <a:t>requestCount</a:t>
-                      </a:r>
-                      <a:r>
-                        <a:rPr lang="en-US" altLang="zh-CN" sz="1100" dirty="0">
-                          <a:solidFill>
-                            <a:srgbClr val="C00000"/>
-                          </a:solidFill>
-                          <a:latin typeface="Courier New" panose="02070309020205020404" pitchFamily="49" charset="0"/>
-                          <a:cs typeface="Courier New" panose="02070309020205020404" pitchFamily="49" charset="0"/>
-                        </a:rPr>
-                        <a:t>++;</a:t>
-                      </a:r>
-                    </a:p>
-                  </a:txBody>
-                  <a:tcPr/>
-                </a:tc>
-                <a:tc>
-                  <a:txBody>
-                    <a:bodyPr/>
-                    <a:lstStyle/>
-                    <a:p>
-                      <a:pPr marR="0" algn="l" rtl="0"/>
-                      <a:r>
-                        <a:rPr lang="en-US" altLang="zh-CN" sz="1100" dirty="0">
-                          <a:solidFill>
-                            <a:srgbClr val="0070C0"/>
-                          </a:solidFill>
-                          <a:latin typeface="Courier New" panose="02070309020205020404" pitchFamily="49" charset="0"/>
-                          <a:cs typeface="Courier New" panose="02070309020205020404" pitchFamily="49" charset="0"/>
-                        </a:rPr>
-                        <a:t>+private final </a:t>
-                      </a:r>
-                      <a:r>
-                        <a:rPr lang="en-US" altLang="zh-CN" sz="1100" dirty="0" err="1">
-                          <a:solidFill>
-                            <a:srgbClr val="0070C0"/>
-                          </a:solidFill>
-                          <a:latin typeface="Courier New" panose="02070309020205020404" pitchFamily="49" charset="0"/>
-                          <a:cs typeface="Courier New" panose="02070309020205020404" pitchFamily="49" charset="0"/>
-                        </a:rPr>
-                        <a:t>AtomicInteger</a:t>
-                      </a:r>
-                      <a:r>
-                        <a:rPr lang="en-US" altLang="zh-CN" sz="1100" dirty="0">
-                          <a:solidFill>
-                            <a:srgbClr val="0070C0"/>
-                          </a:solidFill>
-                          <a:latin typeface="Courier New" panose="02070309020205020404" pitchFamily="49" charset="0"/>
-                          <a:cs typeface="Courier New" panose="02070309020205020404" pitchFamily="49" charset="0"/>
-                        </a:rPr>
-                        <a:t> </a:t>
-                      </a:r>
-                      <a:r>
-                        <a:rPr lang="en-US" altLang="zh-CN" sz="1100" dirty="0" err="1">
-                          <a:solidFill>
-                            <a:srgbClr val="0070C0"/>
-                          </a:solidFill>
-                          <a:latin typeface="Courier New" panose="02070309020205020404" pitchFamily="49" charset="0"/>
-                          <a:cs typeface="Courier New" panose="02070309020205020404" pitchFamily="49" charset="0"/>
-                        </a:rPr>
-                        <a:t>requestCount</a:t>
-                      </a:r>
-                      <a:r>
-                        <a:rPr lang="en-US" altLang="zh-CN" sz="1100" dirty="0">
-                          <a:solidFill>
-                            <a:srgbClr val="0070C0"/>
-                          </a:solidFill>
-                          <a:latin typeface="Courier New" panose="02070309020205020404" pitchFamily="49" charset="0"/>
-                          <a:cs typeface="Courier New" panose="02070309020205020404" pitchFamily="49" charset="0"/>
-                        </a:rPr>
-                        <a:t> =</a:t>
-                      </a:r>
-                    </a:p>
-                    <a:p>
-                      <a:pPr marR="0" algn="l" rtl="0"/>
-                      <a:r>
-                        <a:rPr lang="en-US" altLang="zh-CN" sz="1100" dirty="0">
-                          <a:solidFill>
-                            <a:srgbClr val="0070C0"/>
-                          </a:solidFill>
-                          <a:latin typeface="Courier New" panose="02070309020205020404" pitchFamily="49" charset="0"/>
-                          <a:cs typeface="Courier New" panose="02070309020205020404" pitchFamily="49" charset="0"/>
-                        </a:rPr>
-                        <a:t>+  new </a:t>
-                      </a:r>
-                      <a:r>
-                        <a:rPr lang="en-US" altLang="zh-CN" sz="1100" dirty="0" err="1">
-                          <a:solidFill>
-                            <a:srgbClr val="0070C0"/>
-                          </a:solidFill>
-                          <a:latin typeface="Courier New" panose="02070309020205020404" pitchFamily="49" charset="0"/>
-                          <a:cs typeface="Courier New" panose="02070309020205020404" pitchFamily="49" charset="0"/>
-                        </a:rPr>
-                        <a:t>AtomicInteger</a:t>
-                      </a:r>
-                      <a:r>
-                        <a:rPr lang="en-US" altLang="zh-CN" sz="1100" dirty="0">
-                          <a:solidFill>
-                            <a:srgbClr val="0070C0"/>
-                          </a:solidFill>
-                          <a:latin typeface="Courier New" panose="02070309020205020404" pitchFamily="49" charset="0"/>
-                          <a:cs typeface="Courier New" panose="02070309020205020404" pitchFamily="49" charset="0"/>
-                        </a:rPr>
-                        <a:t>(0);</a:t>
-                      </a:r>
-                    </a:p>
-                    <a:p>
-                      <a:pPr marR="0" algn="l" rtl="0"/>
-                      <a:r>
-                        <a:rPr lang="en-US" altLang="zh-CN" sz="1100" dirty="0">
-                          <a:solidFill>
-                            <a:srgbClr val="0070C0"/>
-                          </a:solidFill>
-                          <a:latin typeface="Courier New" panose="02070309020205020404" pitchFamily="49" charset="0"/>
-                          <a:cs typeface="Courier New" panose="02070309020205020404" pitchFamily="49" charset="0"/>
-                        </a:rPr>
-                        <a:t>+private final </a:t>
-                      </a:r>
-                      <a:r>
-                        <a:rPr lang="en-US" altLang="zh-CN" sz="1100" dirty="0" err="1">
-                          <a:solidFill>
-                            <a:srgbClr val="0070C0"/>
-                          </a:solidFill>
-                          <a:latin typeface="Courier New" panose="02070309020205020404" pitchFamily="49" charset="0"/>
-                          <a:cs typeface="Courier New" panose="02070309020205020404" pitchFamily="49" charset="0"/>
-                        </a:rPr>
-                        <a:t>AtomicInteger</a:t>
-                      </a:r>
-                      <a:r>
-                        <a:rPr lang="en-US" altLang="zh-CN" sz="1100" dirty="0">
-                          <a:solidFill>
-                            <a:srgbClr val="0070C0"/>
-                          </a:solidFill>
-                          <a:latin typeface="Courier New" panose="02070309020205020404" pitchFamily="49" charset="0"/>
-                          <a:cs typeface="Courier New" panose="02070309020205020404" pitchFamily="49" charset="0"/>
-                        </a:rPr>
-                        <a:t> </a:t>
-                      </a:r>
-                      <a:r>
-                        <a:rPr lang="en-US" altLang="zh-CN" sz="1100" dirty="0" err="1">
-                          <a:solidFill>
-                            <a:srgbClr val="0070C0"/>
-                          </a:solidFill>
-                          <a:latin typeface="Courier New" panose="02070309020205020404" pitchFamily="49" charset="0"/>
-                          <a:cs typeface="Courier New" panose="02070309020205020404" pitchFamily="49" charset="0"/>
-                        </a:rPr>
-                        <a:t>errorCount</a:t>
-                      </a:r>
-                      <a:r>
-                        <a:rPr lang="en-US" altLang="zh-CN" sz="1100" dirty="0">
-                          <a:solidFill>
-                            <a:srgbClr val="0070C0"/>
-                          </a:solidFill>
-                          <a:latin typeface="Courier New" panose="02070309020205020404" pitchFamily="49" charset="0"/>
-                          <a:cs typeface="Courier New" panose="02070309020205020404" pitchFamily="49" charset="0"/>
-                        </a:rPr>
-                        <a:t> = new </a:t>
-                      </a:r>
-                      <a:r>
-                        <a:rPr lang="en-US" altLang="zh-CN" sz="1100" dirty="0" err="1">
-                          <a:solidFill>
-                            <a:srgbClr val="0070C0"/>
-                          </a:solidFill>
-                          <a:latin typeface="Courier New" panose="02070309020205020404" pitchFamily="49" charset="0"/>
-                          <a:cs typeface="Courier New" panose="02070309020205020404" pitchFamily="49" charset="0"/>
-                        </a:rPr>
-                        <a:t>AtomicInteger</a:t>
-                      </a:r>
-                      <a:r>
-                        <a:rPr lang="en-US" altLang="zh-CN" sz="1100" dirty="0">
-                          <a:solidFill>
-                            <a:srgbClr val="0070C0"/>
-                          </a:solidFill>
-                          <a:latin typeface="Courier New" panose="02070309020205020404" pitchFamily="49" charset="0"/>
-                          <a:cs typeface="Courier New" panose="02070309020205020404" pitchFamily="49" charset="0"/>
-                        </a:rPr>
-                        <a:t>(0);</a:t>
-                      </a:r>
-                    </a:p>
-                    <a:p>
-                      <a:pPr marR="0" algn="l" rtl="0"/>
-                      <a:endParaRPr lang="en-US" altLang="zh-CN" sz="1100" dirty="0">
-                        <a:solidFill>
-                          <a:srgbClr val="0070C0"/>
-                        </a:solidFill>
-                        <a:latin typeface="Courier New" panose="02070309020205020404" pitchFamily="49" charset="0"/>
-                        <a:cs typeface="Courier New" panose="02070309020205020404" pitchFamily="49" charset="0"/>
-                      </a:endParaRPr>
-                    </a:p>
-                    <a:p>
-                      <a:pPr marR="0" algn="l" rtl="0"/>
-                      <a:r>
-                        <a:rPr lang="en-US" altLang="zh-CN" sz="1100" dirty="0">
-                          <a:solidFill>
-                            <a:srgbClr val="0070C0"/>
-                          </a:solidFill>
-                          <a:latin typeface="Courier New" panose="02070309020205020404" pitchFamily="49" charset="0"/>
-                          <a:cs typeface="Courier New" panose="02070309020205020404" pitchFamily="49" charset="0"/>
-                        </a:rPr>
-                        <a:t>+  </a:t>
-                      </a:r>
-                      <a:r>
-                        <a:rPr lang="en-US" altLang="zh-CN" sz="1100" dirty="0" err="1">
-                          <a:solidFill>
-                            <a:srgbClr val="0070C0"/>
-                          </a:solidFill>
-                          <a:latin typeface="Courier New" panose="02070309020205020404" pitchFamily="49" charset="0"/>
-                          <a:cs typeface="Courier New" panose="02070309020205020404" pitchFamily="49" charset="0"/>
-                        </a:rPr>
-                        <a:t>requestCount.incrementAndGet</a:t>
-                      </a:r>
-                      <a:r>
-                        <a:rPr lang="en-US" altLang="zh-CN" sz="1100" dirty="0">
-                          <a:solidFill>
-                            <a:srgbClr val="0070C0"/>
-                          </a:solidFill>
-                          <a:latin typeface="Courier New" panose="02070309020205020404" pitchFamily="49" charset="0"/>
-                          <a:cs typeface="Courier New" panose="02070309020205020404" pitchFamily="49" charset="0"/>
-                        </a:rPr>
-                        <a:t>();</a:t>
-                      </a:r>
-                    </a:p>
-                  </a:txBody>
-                  <a:tcPr/>
-                </a:tc>
-                <a:tc>
-                  <a:txBody>
-                    <a:bodyPr/>
-                    <a:lstStyle/>
-                    <a:p>
-                      <a:pPr marR="0" algn="l" rtl="0"/>
-                      <a:r>
-                        <a:rPr lang="en-US" altLang="zh-CN" sz="1100" dirty="0">
-                          <a:latin typeface="Courier New" panose="02070309020205020404" pitchFamily="49" charset="0"/>
-                          <a:cs typeface="Courier New" panose="02070309020205020404" pitchFamily="49" charset="0"/>
-                        </a:rPr>
-                        <a:t>volatile T foo;</a:t>
-                      </a:r>
-                      <a:endParaRPr lang="zh-CN" altLang="en-US" sz="1100" dirty="0">
-                        <a:latin typeface="Courier New" panose="02070309020205020404" pitchFamily="49" charset="0"/>
-                        <a:cs typeface="Courier New" panose="02070309020205020404" pitchFamily="49" charset="0"/>
-                      </a:endParaRPr>
-                    </a:p>
-                  </a:txBody>
-                  <a:tcPr anchor="ctr"/>
-                </a:tc>
-                <a:tc>
-                  <a:txBody>
-                    <a:bodyPr/>
-                    <a:lstStyle/>
-                    <a:p>
-                      <a:pPr marR="0" algn="l" rtl="0"/>
-                      <a:r>
-                        <a:rPr lang="en-US" altLang="zh-CN" sz="1100" dirty="0">
-                          <a:latin typeface="Courier New" panose="02070309020205020404" pitchFamily="49" charset="0"/>
-                          <a:cs typeface="Courier New" panose="02070309020205020404" pitchFamily="49" charset="0"/>
-                        </a:rPr>
-                        <a:t>TT foo;</a:t>
-                      </a:r>
-                      <a:endParaRPr lang="zh-CN" altLang="en-US" sz="1100" dirty="0">
-                        <a:latin typeface="Courier New" panose="02070309020205020404" pitchFamily="49" charset="0"/>
-                        <a:cs typeface="Courier New" panose="02070309020205020404" pitchFamily="49" charset="0"/>
-                      </a:endParaRPr>
-                    </a:p>
-                  </a:txBody>
-                  <a:tcPr anchor="ctr"/>
-                </a:tc>
-                <a:extLst>
-                  <a:ext uri="{0D108BD9-81ED-4DB2-BD59-A6C34878D82A}">
-                    <a16:rowId xmlns:a16="http://schemas.microsoft.com/office/drawing/2014/main" val="2138862068"/>
                   </a:ext>
                 </a:extLst>
               </a:tr>
@@ -9646,6 +7444,2373 @@
     <p:extLst>
       <p:ext uri="{BB962C8B-B14F-4D97-AF65-F5344CB8AC3E}">
         <p14:creationId xmlns:p14="http://schemas.microsoft.com/office/powerpoint/2010/main" val="3864545949"/>
+      </p:ext>
+    </p:extLst>
+  </p:cSld>
+  <p:clrMapOvr>
+    <a:masterClrMapping/>
+  </p:clrMapOvr>
+</p:sld>
+</file>
+
+<file path=ppt/slides/slide2.xml><?xml version="1.0" encoding="utf-8"?>
+<p:sld xmlns:a="http://schemas.openxmlformats.org/drawingml/2006/main" xmlns:r="http://schemas.openxmlformats.org/officeDocument/2006/relationships" xmlns:p="http://schemas.openxmlformats.org/presentationml/2006/main">
+  <p:cSld>
+    <p:spTree>
+      <p:nvGrpSpPr>
+        <p:cNvPr id="1" name=""/>
+        <p:cNvGrpSpPr/>
+        <p:nvPr/>
+      </p:nvGrpSpPr>
+      <p:grpSpPr>
+        <a:xfrm>
+          <a:off x="0" y="0"/>
+          <a:ext cx="0" cy="0"/>
+          <a:chOff x="0" y="0"/>
+          <a:chExt cx="0" cy="0"/>
+        </a:xfrm>
+      </p:grpSpPr>
+      <p:graphicFrame>
+        <p:nvGraphicFramePr>
+          <p:cNvPr id="4" name="内容占位符 3"/>
+          <p:cNvGraphicFramePr>
+            <a:graphicFrameLocks noGrp="1"/>
+          </p:cNvGraphicFramePr>
+          <p:nvPr>
+            <p:ph idx="1"/>
+            <p:extLst>
+              <p:ext uri="{D42A27DB-BD31-4B8C-83A1-F6EECF244321}">
+                <p14:modId xmlns:p14="http://schemas.microsoft.com/office/powerpoint/2010/main" val="3392688508"/>
+              </p:ext>
+            </p:extLst>
+          </p:nvPr>
+        </p:nvGraphicFramePr>
+        <p:xfrm>
+          <a:off x="0" y="0"/>
+          <a:ext cx="12192000" cy="6829756"/>
+        </p:xfrm>
+        <a:graphic>
+          <a:graphicData uri="http://schemas.openxmlformats.org/drawingml/2006/table">
+            <a:tbl>
+              <a:tblPr firstRow="1" bandRow="1">
+                <a:tableStyleId>{5940675A-B579-460E-94D1-54222C63F5DA}</a:tableStyleId>
+              </a:tblPr>
+              <a:tblGrid>
+                <a:gridCol w="371794">
+                  <a:extLst>
+                    <a:ext uri="{9D8B030D-6E8A-4147-A177-3AD203B41FA5}">
+                      <a16:colId xmlns:a16="http://schemas.microsoft.com/office/drawing/2014/main" val="979900478"/>
+                    </a:ext>
+                  </a:extLst>
+                </a:gridCol>
+                <a:gridCol w="4171631">
+                  <a:extLst>
+                    <a:ext uri="{9D8B030D-6E8A-4147-A177-3AD203B41FA5}">
+                      <a16:colId xmlns:a16="http://schemas.microsoft.com/office/drawing/2014/main" val="286836760"/>
+                    </a:ext>
+                  </a:extLst>
+                </a:gridCol>
+                <a:gridCol w="4143375">
+                  <a:extLst>
+                    <a:ext uri="{9D8B030D-6E8A-4147-A177-3AD203B41FA5}">
+                      <a16:colId xmlns:a16="http://schemas.microsoft.com/office/drawing/2014/main" val="3142399520"/>
+                    </a:ext>
+                  </a:extLst>
+                </a:gridCol>
+                <a:gridCol w="1739900">
+                  <a:extLst>
+                    <a:ext uri="{9D8B030D-6E8A-4147-A177-3AD203B41FA5}">
+                      <a16:colId xmlns:a16="http://schemas.microsoft.com/office/drawing/2014/main" val="2860468690"/>
+                    </a:ext>
+                  </a:extLst>
+                </a:gridCol>
+                <a:gridCol w="1765300">
+                  <a:extLst>
+                    <a:ext uri="{9D8B030D-6E8A-4147-A177-3AD203B41FA5}">
+                      <a16:colId xmlns:a16="http://schemas.microsoft.com/office/drawing/2014/main" val="572246273"/>
+                    </a:ext>
+                  </a:extLst>
+                </a:gridCol>
+              </a:tblGrid>
+              <a:tr h="361950">
+                <a:tc>
+                  <a:txBody>
+                    <a:bodyPr/>
+                    <a:lstStyle/>
+                    <a:p>
+                      <a:pPr marR="0" algn="ctr" rtl="0"/>
+                      <a:r>
+                        <a:rPr lang="en-US" altLang="zh-CN" sz="1100" dirty="0">
+                          <a:latin typeface="Courier New" panose="02070309020205020404" pitchFamily="49" charset="0"/>
+                          <a:cs typeface="Courier New" panose="02070309020205020404" pitchFamily="49" charset="0"/>
+                        </a:rPr>
+                        <a:t>#</a:t>
+                      </a:r>
+                      <a:endParaRPr lang="zh-CN" altLang="en-US" sz="1100" dirty="0">
+                        <a:latin typeface="Courier New" panose="02070309020205020404" pitchFamily="49" charset="0"/>
+                        <a:cs typeface="Courier New" panose="02070309020205020404" pitchFamily="49" charset="0"/>
+                      </a:endParaRPr>
+                    </a:p>
+                  </a:txBody>
+                  <a:tcPr anchor="ctr"/>
+                </a:tc>
+                <a:tc gridSpan="2">
+                  <a:txBody>
+                    <a:bodyPr/>
+                    <a:lstStyle/>
+                    <a:p>
+                      <a:pPr marR="0" algn="ctr" rtl="0"/>
+                      <a:r>
+                        <a:rPr lang="en-US" altLang="zh-CN" sz="1100" kern="1200" dirty="0">
+                          <a:solidFill>
+                            <a:schemeClr val="tx1"/>
+                          </a:solidFill>
+                          <a:latin typeface="Courier New" panose="02070309020205020404" pitchFamily="49" charset="0"/>
+                          <a:ea typeface="+mn-ea"/>
+                          <a:cs typeface="Courier New" panose="02070309020205020404" pitchFamily="49" charset="0"/>
+                        </a:rPr>
+                        <a:t>Source</a:t>
+                      </a:r>
+                    </a:p>
+                  </a:txBody>
+                  <a:tcPr anchor="ctr"/>
+                </a:tc>
+                <a:tc hMerge="1">
+                  <a:txBody>
+                    <a:bodyPr/>
+                    <a:lstStyle/>
+                    <a:p>
+                      <a:pPr marR="0" algn="l" rtl="0"/>
+                      <a:endParaRPr lang="zh-CN" altLang="en-US" sz="1100" dirty="0">
+                        <a:latin typeface="Courier New" panose="02070309020205020404" pitchFamily="49" charset="0"/>
+                        <a:cs typeface="Courier New" panose="02070309020205020404" pitchFamily="49" charset="0"/>
+                      </a:endParaRPr>
+                    </a:p>
+                  </a:txBody>
+                  <a:tcPr/>
+                </a:tc>
+                <a:tc gridSpan="2">
+                  <a:txBody>
+                    <a:bodyPr/>
+                    <a:lstStyle/>
+                    <a:p>
+                      <a:pPr marR="0" algn="ctr" rtl="0"/>
+                      <a:r>
+                        <a:rPr lang="en-US" altLang="zh-CN" sz="1100" dirty="0">
+                          <a:latin typeface="Courier New" panose="02070309020205020404" pitchFamily="49" charset="0"/>
+                          <a:cs typeface="Courier New" panose="02070309020205020404" pitchFamily="49" charset="0"/>
+                        </a:rPr>
+                        <a:t>Pattern</a:t>
+                      </a:r>
+                      <a:endParaRPr lang="zh-CN" altLang="en-US" sz="1100" dirty="0">
+                        <a:latin typeface="Courier New" panose="02070309020205020404" pitchFamily="49" charset="0"/>
+                        <a:cs typeface="Courier New" panose="02070309020205020404" pitchFamily="49" charset="0"/>
+                      </a:endParaRPr>
+                    </a:p>
+                  </a:txBody>
+                  <a:tcPr anchor="ctr"/>
+                </a:tc>
+                <a:tc hMerge="1">
+                  <a:txBody>
+                    <a:bodyPr/>
+                    <a:lstStyle/>
+                    <a:p>
+                      <a:pPr marR="0" algn="l" rtl="0"/>
+                      <a:endParaRPr lang="zh-CN" altLang="en-US" sz="1100" dirty="0">
+                        <a:latin typeface="Courier New" panose="02070309020205020404" pitchFamily="49" charset="0"/>
+                        <a:cs typeface="Courier New" panose="02070309020205020404" pitchFamily="49" charset="0"/>
+                      </a:endParaRPr>
+                    </a:p>
+                  </a:txBody>
+                  <a:tcPr anchor="ctr"/>
+                </a:tc>
+                <a:extLst>
+                  <a:ext uri="{0D108BD9-81ED-4DB2-BD59-A6C34878D82A}">
+                    <a16:rowId xmlns:a16="http://schemas.microsoft.com/office/drawing/2014/main" val="255238892"/>
+                  </a:ext>
+                </a:extLst>
+              </a:tr>
+              <a:tr h="419100">
+                <a:tc>
+                  <a:txBody>
+                    <a:bodyPr/>
+                    <a:lstStyle/>
+                    <a:p>
+                      <a:pPr marR="0" algn="ctr" rtl="0"/>
+                      <a:r>
+                        <a:rPr lang="en-US" altLang="zh-CN" sz="1100" dirty="0">
+                          <a:latin typeface="Courier New" panose="02070309020205020404" pitchFamily="49" charset="0"/>
+                          <a:cs typeface="Courier New" panose="02070309020205020404" pitchFamily="49" charset="0"/>
+                        </a:rPr>
+                        <a:t>7</a:t>
+                      </a:r>
+                      <a:endParaRPr lang="zh-CN" altLang="en-US" sz="1100" dirty="0">
+                        <a:latin typeface="Courier New" panose="02070309020205020404" pitchFamily="49" charset="0"/>
+                        <a:cs typeface="Courier New" panose="02070309020205020404" pitchFamily="49" charset="0"/>
+                      </a:endParaRPr>
+                    </a:p>
+                  </a:txBody>
+                  <a:tcPr anchor="ctr"/>
+                </a:tc>
+                <a:tc>
+                  <a:txBody>
+                    <a:bodyPr/>
+                    <a:lstStyle/>
+                    <a:p>
+                      <a:pPr marR="0" algn="l" rtl="0"/>
+                      <a:endParaRPr lang="en-US" altLang="zh-CN" sz="1100" dirty="0">
+                        <a:solidFill>
+                          <a:schemeClr val="tx1"/>
+                        </a:solidFill>
+                        <a:latin typeface="Courier New" panose="02070309020205020404" pitchFamily="49" charset="0"/>
+                        <a:cs typeface="Courier New" panose="02070309020205020404" pitchFamily="49" charset="0"/>
+                      </a:endParaRPr>
+                    </a:p>
+                  </a:txBody>
+                  <a:tcPr/>
+                </a:tc>
+                <a:tc>
+                  <a:txBody>
+                    <a:bodyPr/>
+                    <a:lstStyle/>
+                    <a:p>
+                      <a:pPr marR="0" algn="l" rtl="0"/>
+                      <a:endParaRPr lang="zh-CN" altLang="en-US" sz="1100" dirty="0">
+                        <a:latin typeface="Courier New" panose="02070309020205020404" pitchFamily="49" charset="0"/>
+                        <a:cs typeface="Courier New" panose="02070309020205020404" pitchFamily="49" charset="0"/>
+                      </a:endParaRPr>
+                    </a:p>
+                  </a:txBody>
+                  <a:tcPr/>
+                </a:tc>
+                <a:tc>
+                  <a:txBody>
+                    <a:bodyPr/>
+                    <a:lstStyle/>
+                    <a:p>
+                      <a:pPr marR="0" algn="l" rtl="0"/>
+                      <a:endParaRPr lang="zh-CN" altLang="en-US" sz="1100" dirty="0">
+                        <a:latin typeface="Courier New" panose="02070309020205020404" pitchFamily="49" charset="0"/>
+                        <a:cs typeface="Courier New" panose="02070309020205020404" pitchFamily="49" charset="0"/>
+                      </a:endParaRPr>
+                    </a:p>
+                  </a:txBody>
+                  <a:tcPr anchor="ctr"/>
+                </a:tc>
+                <a:tc>
+                  <a:txBody>
+                    <a:bodyPr/>
+                    <a:lstStyle/>
+                    <a:p>
+                      <a:pPr marR="0" algn="l" rtl="0"/>
+                      <a:endParaRPr lang="zh-CN" altLang="en-US" sz="1100" dirty="0">
+                        <a:latin typeface="Courier New" panose="02070309020205020404" pitchFamily="49" charset="0"/>
+                        <a:cs typeface="Courier New" panose="02070309020205020404" pitchFamily="49" charset="0"/>
+                      </a:endParaRPr>
+                    </a:p>
+                  </a:txBody>
+                  <a:tcPr anchor="ctr"/>
+                </a:tc>
+                <a:extLst>
+                  <a:ext uri="{0D108BD9-81ED-4DB2-BD59-A6C34878D82A}">
+                    <a16:rowId xmlns:a16="http://schemas.microsoft.com/office/drawing/2014/main" val="719721223"/>
+                  </a:ext>
+                </a:extLst>
+              </a:tr>
+              <a:tr h="1432560">
+                <a:tc>
+                  <a:txBody>
+                    <a:bodyPr/>
+                    <a:lstStyle/>
+                    <a:p>
+                      <a:pPr marR="0" algn="ctr" rtl="0"/>
+                      <a:r>
+                        <a:rPr lang="en-US" altLang="zh-CN" sz="1100" dirty="0">
+                          <a:latin typeface="Courier New" panose="02070309020205020404" pitchFamily="49" charset="0"/>
+                          <a:cs typeface="Courier New" panose="02070309020205020404" pitchFamily="49" charset="0"/>
+                        </a:rPr>
+                        <a:t>8</a:t>
+                      </a:r>
+                      <a:endParaRPr lang="zh-CN" altLang="en-US" sz="1100" dirty="0">
+                        <a:latin typeface="Courier New" panose="02070309020205020404" pitchFamily="49" charset="0"/>
+                        <a:cs typeface="Courier New" panose="02070309020205020404" pitchFamily="49" charset="0"/>
+                      </a:endParaRPr>
+                    </a:p>
+                  </a:txBody>
+                  <a:tcPr anchor="ctr"/>
+                </a:tc>
+                <a:tc>
+                  <a:txBody>
+                    <a:bodyPr/>
+                    <a:lstStyle/>
+                    <a:p>
+                      <a:pPr marR="0" algn="l" rtl="0"/>
+                      <a:r>
+                        <a:rPr lang="en-US" altLang="zh-CN" sz="1100" dirty="0">
+                          <a:solidFill>
+                            <a:schemeClr val="tx1"/>
+                          </a:solidFill>
+                          <a:latin typeface="Courier New" panose="02070309020205020404" pitchFamily="49" charset="0"/>
+                          <a:cs typeface="Courier New" panose="02070309020205020404" pitchFamily="49" charset="0"/>
+                        </a:rPr>
+                        <a:t> synchronized (buffers) {</a:t>
+                      </a:r>
+                    </a:p>
+                    <a:p>
+                      <a:pPr marR="0" algn="l" rtl="0"/>
+                      <a:r>
+                        <a:rPr lang="en-US" altLang="zh-CN" sz="1100" dirty="0">
+                          <a:solidFill>
+                            <a:schemeClr val="tx1"/>
+                          </a:solidFill>
+                          <a:latin typeface="Courier New" panose="02070309020205020404" pitchFamily="49" charset="0"/>
+                          <a:cs typeface="Courier New" panose="02070309020205020404" pitchFamily="49" charset="0"/>
+                        </a:rPr>
+                        <a:t>   if (...) {</a:t>
+                      </a:r>
+                    </a:p>
+                    <a:p>
+                      <a:pPr marR="0" algn="l" rtl="0"/>
+                      <a:r>
+                        <a:rPr lang="en-US" altLang="zh-CN" sz="1100" dirty="0">
+                          <a:solidFill>
+                            <a:srgbClr val="C00000"/>
+                          </a:solidFill>
+                          <a:latin typeface="Courier New" panose="02070309020205020404" pitchFamily="49" charset="0"/>
+                          <a:cs typeface="Courier New" panose="02070309020205020404" pitchFamily="49" charset="0"/>
+                        </a:rPr>
+                        <a:t>-    if (</a:t>
+                      </a:r>
+                      <a:r>
+                        <a:rPr lang="en-US" altLang="zh-CN" sz="1100" dirty="0" err="1">
+                          <a:solidFill>
+                            <a:srgbClr val="C00000"/>
+                          </a:solidFill>
+                          <a:latin typeface="Courier New" panose="02070309020205020404" pitchFamily="49" charset="0"/>
+                          <a:cs typeface="Courier New" panose="02070309020205020404" pitchFamily="49" charset="0"/>
+                        </a:rPr>
+                        <a:t>spillWriter</a:t>
+                      </a:r>
+                      <a:r>
+                        <a:rPr lang="en-US" altLang="zh-CN" sz="1100" dirty="0">
+                          <a:solidFill>
+                            <a:srgbClr val="C00000"/>
+                          </a:solidFill>
+                          <a:latin typeface="Courier New" panose="02070309020205020404" pitchFamily="49" charset="0"/>
+                          <a:cs typeface="Courier New" panose="02070309020205020404" pitchFamily="49" charset="0"/>
+                        </a:rPr>
+                        <a:t> != null) {</a:t>
+                      </a:r>
+                    </a:p>
+                    <a:p>
+                      <a:pPr marR="0" algn="l" rtl="0"/>
+                      <a:r>
+                        <a:rPr lang="en-US" altLang="zh-CN" sz="1100" dirty="0">
+                          <a:solidFill>
+                            <a:srgbClr val="C00000"/>
+                          </a:solidFill>
+                          <a:latin typeface="Courier New" panose="02070309020205020404" pitchFamily="49" charset="0"/>
+                          <a:cs typeface="Courier New" panose="02070309020205020404" pitchFamily="49" charset="0"/>
+                        </a:rPr>
+                        <a:t>-      </a:t>
+                      </a:r>
+                      <a:r>
+                        <a:rPr lang="en-US" altLang="zh-CN" sz="1100" dirty="0" err="1">
+                          <a:solidFill>
+                            <a:srgbClr val="C00000"/>
+                          </a:solidFill>
+                          <a:latin typeface="Courier New" panose="02070309020205020404" pitchFamily="49" charset="0"/>
+                          <a:cs typeface="Courier New" panose="02070309020205020404" pitchFamily="49" charset="0"/>
+                        </a:rPr>
+                        <a:t>spillWriter.close</a:t>
+                      </a:r>
+                      <a:r>
+                        <a:rPr lang="en-US" altLang="zh-CN" sz="1100" dirty="0">
+                          <a:solidFill>
+                            <a:srgbClr val="C00000"/>
+                          </a:solidFill>
+                          <a:latin typeface="Courier New" panose="02070309020205020404" pitchFamily="49" charset="0"/>
+                          <a:cs typeface="Courier New" panose="02070309020205020404" pitchFamily="49" charset="0"/>
+                        </a:rPr>
+                        <a:t>();</a:t>
+                      </a:r>
+                    </a:p>
+                    <a:p>
+                      <a:pPr marR="0" algn="l" rtl="0"/>
+                      <a:r>
+                        <a:rPr lang="en-US" altLang="zh-CN" sz="1100" dirty="0">
+                          <a:solidFill>
+                            <a:srgbClr val="C00000"/>
+                          </a:solidFill>
+                          <a:latin typeface="Courier New" panose="02070309020205020404" pitchFamily="49" charset="0"/>
+                          <a:cs typeface="Courier New" panose="02070309020205020404" pitchFamily="49" charset="0"/>
+                        </a:rPr>
+                        <a:t>-    }</a:t>
+                      </a:r>
+                    </a:p>
+                    <a:p>
+                      <a:pPr marR="0" algn="l" rtl="0"/>
+                      <a:r>
+                        <a:rPr lang="en-US" altLang="zh-CN" sz="1100" dirty="0">
+                          <a:solidFill>
+                            <a:schemeClr val="tx1"/>
+                          </a:solidFill>
+                          <a:latin typeface="Courier New" panose="02070309020205020404" pitchFamily="49" charset="0"/>
+                          <a:cs typeface="Courier New" panose="02070309020205020404" pitchFamily="49" charset="0"/>
+                        </a:rPr>
+                        <a:t>     </a:t>
+                      </a:r>
+                      <a:r>
+                        <a:rPr lang="en-US" altLang="zh-CN" sz="1100" dirty="0" err="1">
+                          <a:solidFill>
+                            <a:schemeClr val="tx1"/>
+                          </a:solidFill>
+                          <a:latin typeface="Courier New" panose="02070309020205020404" pitchFamily="49" charset="0"/>
+                          <a:cs typeface="Courier New" panose="02070309020205020404" pitchFamily="49" charset="0"/>
+                        </a:rPr>
+                        <a:t>isFinished</a:t>
+                      </a:r>
+                      <a:r>
+                        <a:rPr lang="en-US" altLang="zh-CN" sz="1100" dirty="0">
+                          <a:solidFill>
+                            <a:schemeClr val="tx1"/>
+                          </a:solidFill>
+                          <a:latin typeface="Courier New" panose="02070309020205020404" pitchFamily="49" charset="0"/>
+                          <a:cs typeface="Courier New" panose="02070309020205020404" pitchFamily="49" charset="0"/>
+                        </a:rPr>
+                        <a:t> = true;</a:t>
+                      </a:r>
+                    </a:p>
+                    <a:p>
+                      <a:pPr marR="0" algn="l" rtl="0"/>
+                      <a:r>
+                        <a:rPr lang="en-US" altLang="zh-CN" sz="1100" dirty="0">
+                          <a:solidFill>
+                            <a:schemeClr val="tx1"/>
+                          </a:solidFill>
+                          <a:latin typeface="Courier New" panose="02070309020205020404" pitchFamily="49" charset="0"/>
+                          <a:cs typeface="Courier New" panose="02070309020205020404" pitchFamily="49" charset="0"/>
+                        </a:rPr>
+                        <a:t>   }</a:t>
+                      </a:r>
+                    </a:p>
+                    <a:p>
+                      <a:pPr marR="0" algn="l" rtl="0"/>
+                      <a:r>
+                        <a:rPr lang="en-US" altLang="zh-CN" sz="1100" dirty="0">
+                          <a:solidFill>
+                            <a:schemeClr val="tx1"/>
+                          </a:solidFill>
+                          <a:latin typeface="Courier New" panose="02070309020205020404" pitchFamily="49" charset="0"/>
+                          <a:cs typeface="Courier New" panose="02070309020205020404" pitchFamily="49" charset="0"/>
+                        </a:rPr>
+                        <a:t> }</a:t>
+                      </a:r>
+                    </a:p>
+                  </a:txBody>
+                  <a:tcPr/>
+                </a:tc>
+                <a:tc>
+                  <a:txBody>
+                    <a:bodyPr/>
+                    <a:lstStyle/>
+                    <a:p>
+                      <a:pPr marR="0" algn="l" rtl="0"/>
+                      <a:r>
+                        <a:rPr lang="en-US" altLang="zh-CN" sz="1100" dirty="0">
+                          <a:latin typeface="Courier New" panose="02070309020205020404" pitchFamily="49" charset="0"/>
+                          <a:cs typeface="Courier New" panose="02070309020205020404" pitchFamily="49" charset="0"/>
+                        </a:rPr>
+                        <a:t> synchronized (buffers) {</a:t>
+                      </a:r>
+                    </a:p>
+                    <a:p>
+                      <a:pPr marR="0" algn="l" rtl="0"/>
+                      <a:r>
+                        <a:rPr lang="en-US" altLang="zh-CN" sz="1100" dirty="0">
+                          <a:latin typeface="Courier New" panose="02070309020205020404" pitchFamily="49" charset="0"/>
+                          <a:cs typeface="Courier New" panose="02070309020205020404" pitchFamily="49" charset="0"/>
+                        </a:rPr>
+                        <a:t>   if (...) {</a:t>
+                      </a:r>
+                    </a:p>
+                    <a:p>
+                      <a:pPr marR="0" algn="l" rtl="0"/>
+                      <a:r>
+                        <a:rPr lang="en-US" altLang="zh-CN" sz="1100" dirty="0">
+                          <a:latin typeface="Courier New" panose="02070309020205020404" pitchFamily="49" charset="0"/>
+                          <a:cs typeface="Courier New" panose="02070309020205020404" pitchFamily="49" charset="0"/>
+                        </a:rPr>
+                        <a:t>     </a:t>
+                      </a:r>
+                      <a:r>
+                        <a:rPr lang="en-US" altLang="zh-CN" sz="1100" dirty="0" err="1">
+                          <a:latin typeface="Courier New" panose="02070309020205020404" pitchFamily="49" charset="0"/>
+                          <a:cs typeface="Courier New" panose="02070309020205020404" pitchFamily="49" charset="0"/>
+                        </a:rPr>
+                        <a:t>isFinished</a:t>
+                      </a:r>
+                      <a:r>
+                        <a:rPr lang="en-US" altLang="zh-CN" sz="1100" dirty="0">
+                          <a:latin typeface="Courier New" panose="02070309020205020404" pitchFamily="49" charset="0"/>
+                          <a:cs typeface="Courier New" panose="02070309020205020404" pitchFamily="49" charset="0"/>
+                        </a:rPr>
+                        <a:t> = true;</a:t>
+                      </a:r>
+                    </a:p>
+                    <a:p>
+                      <a:pPr marR="0" algn="l" rtl="0"/>
+                      <a:r>
+                        <a:rPr lang="en-US" altLang="zh-CN" sz="1100" dirty="0">
+                          <a:latin typeface="Courier New" panose="02070309020205020404" pitchFamily="49" charset="0"/>
+                          <a:cs typeface="Courier New" panose="02070309020205020404" pitchFamily="49" charset="0"/>
+                        </a:rPr>
+                        <a:t>   }</a:t>
+                      </a:r>
+                    </a:p>
+                    <a:p>
+                      <a:pPr marR="0" algn="l" rtl="0"/>
+                      <a:r>
+                        <a:rPr lang="en-US" altLang="zh-CN" sz="1100" dirty="0">
+                          <a:latin typeface="Courier New" panose="02070309020205020404" pitchFamily="49" charset="0"/>
+                          <a:cs typeface="Courier New" panose="02070309020205020404" pitchFamily="49" charset="0"/>
+                        </a:rPr>
+                        <a:t> }</a:t>
+                      </a:r>
+                    </a:p>
+                    <a:p>
+                      <a:pPr marR="0" algn="l" rtl="0"/>
+                      <a:r>
+                        <a:rPr lang="en-US" altLang="zh-CN" sz="1100" dirty="0">
+                          <a:solidFill>
+                            <a:srgbClr val="0070C0"/>
+                          </a:solidFill>
+                          <a:latin typeface="Courier New" panose="02070309020205020404" pitchFamily="49" charset="0"/>
+                          <a:cs typeface="Courier New" panose="02070309020205020404" pitchFamily="49" charset="0"/>
+                        </a:rPr>
+                        <a:t>+if (</a:t>
+                      </a:r>
+                      <a:r>
+                        <a:rPr lang="en-US" altLang="zh-CN" sz="1100" dirty="0" err="1">
+                          <a:solidFill>
+                            <a:srgbClr val="0070C0"/>
+                          </a:solidFill>
+                          <a:latin typeface="Courier New" panose="02070309020205020404" pitchFamily="49" charset="0"/>
+                          <a:cs typeface="Courier New" panose="02070309020205020404" pitchFamily="49" charset="0"/>
+                        </a:rPr>
+                        <a:t>spillWriter</a:t>
+                      </a:r>
+                      <a:r>
+                        <a:rPr lang="en-US" altLang="zh-CN" sz="1100" dirty="0">
+                          <a:solidFill>
+                            <a:srgbClr val="0070C0"/>
+                          </a:solidFill>
+                          <a:latin typeface="Courier New" panose="02070309020205020404" pitchFamily="49" charset="0"/>
+                          <a:cs typeface="Courier New" panose="02070309020205020404" pitchFamily="49" charset="0"/>
+                        </a:rPr>
+                        <a:t> != null) {</a:t>
+                      </a:r>
+                    </a:p>
+                    <a:p>
+                      <a:pPr marR="0" algn="l" rtl="0"/>
+                      <a:r>
+                        <a:rPr lang="en-US" altLang="zh-CN" sz="1100" dirty="0">
+                          <a:solidFill>
+                            <a:srgbClr val="0070C0"/>
+                          </a:solidFill>
+                          <a:latin typeface="Courier New" panose="02070309020205020404" pitchFamily="49" charset="0"/>
+                          <a:cs typeface="Courier New" panose="02070309020205020404" pitchFamily="49" charset="0"/>
+                        </a:rPr>
+                        <a:t>+  </a:t>
+                      </a:r>
+                      <a:r>
+                        <a:rPr lang="en-US" altLang="zh-CN" sz="1100" dirty="0" err="1">
+                          <a:solidFill>
+                            <a:srgbClr val="0070C0"/>
+                          </a:solidFill>
+                          <a:latin typeface="Courier New" panose="02070309020205020404" pitchFamily="49" charset="0"/>
+                          <a:cs typeface="Courier New" panose="02070309020205020404" pitchFamily="49" charset="0"/>
+                        </a:rPr>
+                        <a:t>spillWriter.close</a:t>
+                      </a:r>
+                      <a:r>
+                        <a:rPr lang="en-US" altLang="zh-CN" sz="1100" dirty="0">
+                          <a:solidFill>
+                            <a:srgbClr val="0070C0"/>
+                          </a:solidFill>
+                          <a:latin typeface="Courier New" panose="02070309020205020404" pitchFamily="49" charset="0"/>
+                          <a:cs typeface="Courier New" panose="02070309020205020404" pitchFamily="49" charset="0"/>
+                        </a:rPr>
+                        <a:t>();</a:t>
+                      </a:r>
+                    </a:p>
+                    <a:p>
+                      <a:pPr marR="0" algn="l" rtl="0"/>
+                      <a:r>
+                        <a:rPr lang="en-US" altLang="zh-CN" sz="1100" dirty="0">
+                          <a:solidFill>
+                            <a:srgbClr val="0070C0"/>
+                          </a:solidFill>
+                          <a:latin typeface="Courier New" panose="02070309020205020404" pitchFamily="49" charset="0"/>
+                          <a:cs typeface="Courier New" panose="02070309020205020404" pitchFamily="49" charset="0"/>
+                        </a:rPr>
+                        <a:t>+}</a:t>
+                      </a:r>
+                    </a:p>
+                  </a:txBody>
+                  <a:tcPr/>
+                </a:tc>
+                <a:tc>
+                  <a:txBody>
+                    <a:bodyPr/>
+                    <a:lstStyle/>
+                    <a:p>
+                      <a:pPr marR="0" algn="l" rtl="0"/>
+                      <a:r>
+                        <a:rPr lang="en-US" altLang="zh-CN" sz="1100" dirty="0">
+                          <a:latin typeface="Courier New" panose="02070309020205020404" pitchFamily="49" charset="0"/>
+                          <a:cs typeface="Courier New" panose="02070309020205020404" pitchFamily="49" charset="0"/>
+                        </a:rPr>
+                        <a:t>synchronized (</a:t>
+                      </a:r>
+                      <a:r>
+                        <a:rPr lang="en-US" altLang="zh-CN" sz="1100" dirty="0" err="1">
+                          <a:latin typeface="Courier New" panose="02070309020205020404" pitchFamily="49" charset="0"/>
+                          <a:cs typeface="Courier New" panose="02070309020205020404" pitchFamily="49" charset="0"/>
+                        </a:rPr>
+                        <a:t>obj</a:t>
+                      </a:r>
+                      <a:r>
+                        <a:rPr lang="en-US" altLang="zh-CN" sz="1100" dirty="0">
+                          <a:latin typeface="Courier New" panose="02070309020205020404" pitchFamily="49" charset="0"/>
+                          <a:cs typeface="Courier New" panose="02070309020205020404" pitchFamily="49" charset="0"/>
+                        </a:rPr>
+                        <a:t>) {</a:t>
+                      </a:r>
+                    </a:p>
+                    <a:p>
+                      <a:pPr marR="0" algn="l" rtl="0"/>
+                      <a:r>
+                        <a:rPr lang="en-US" altLang="zh-CN" sz="1100" dirty="0">
+                          <a:latin typeface="Courier New" panose="02070309020205020404" pitchFamily="49" charset="0"/>
+                          <a:cs typeface="Courier New" panose="02070309020205020404" pitchFamily="49" charset="0"/>
+                        </a:rPr>
+                        <a:t>  statements1</a:t>
+                      </a:r>
+                    </a:p>
+                    <a:p>
+                      <a:pPr marR="0" algn="l" rtl="0"/>
+                      <a:r>
+                        <a:rPr lang="en-US" altLang="zh-CN" sz="1100" dirty="0">
+                          <a:latin typeface="Courier New" panose="02070309020205020404" pitchFamily="49" charset="0"/>
+                          <a:cs typeface="Courier New" panose="02070309020205020404" pitchFamily="49" charset="0"/>
+                        </a:rPr>
+                        <a:t>  statements2</a:t>
+                      </a:r>
+                    </a:p>
+                    <a:p>
+                      <a:pPr marR="0" algn="l" rtl="0"/>
+                      <a:r>
+                        <a:rPr lang="en-US" altLang="zh-CN" sz="1100" dirty="0">
+                          <a:latin typeface="Courier New" panose="02070309020205020404" pitchFamily="49" charset="0"/>
+                          <a:cs typeface="Courier New" panose="02070309020205020404" pitchFamily="49" charset="0"/>
+                        </a:rPr>
+                        <a:t>}</a:t>
+                      </a:r>
+                      <a:endParaRPr lang="zh-CN" altLang="en-US" sz="1100" dirty="0">
+                        <a:latin typeface="Courier New" panose="02070309020205020404" pitchFamily="49" charset="0"/>
+                        <a:cs typeface="Courier New" panose="02070309020205020404" pitchFamily="49" charset="0"/>
+                      </a:endParaRPr>
+                    </a:p>
+                  </a:txBody>
+                  <a:tcPr anchor="ctr"/>
+                </a:tc>
+                <a:tc>
+                  <a:txBody>
+                    <a:bodyPr/>
+                    <a:lstStyle/>
+                    <a:p>
+                      <a:pPr marR="0" algn="l" rtl="0"/>
+                      <a:r>
+                        <a:rPr lang="en-US" altLang="zh-CN" sz="1100" dirty="0">
+                          <a:latin typeface="Courier New" panose="02070309020205020404" pitchFamily="49" charset="0"/>
+                          <a:cs typeface="Courier New" panose="02070309020205020404" pitchFamily="49" charset="0"/>
+                        </a:rPr>
+                        <a:t>synchronized (</a:t>
+                      </a:r>
+                      <a:r>
+                        <a:rPr lang="en-US" altLang="zh-CN" sz="1100" dirty="0" err="1">
+                          <a:latin typeface="Courier New" panose="02070309020205020404" pitchFamily="49" charset="0"/>
+                          <a:cs typeface="Courier New" panose="02070309020205020404" pitchFamily="49" charset="0"/>
+                        </a:rPr>
+                        <a:t>obj</a:t>
+                      </a:r>
+                      <a:r>
+                        <a:rPr lang="en-US" altLang="zh-CN" sz="1100" dirty="0">
+                          <a:latin typeface="Courier New" panose="02070309020205020404" pitchFamily="49" charset="0"/>
+                          <a:cs typeface="Courier New" panose="02070309020205020404" pitchFamily="49" charset="0"/>
+                        </a:rPr>
+                        <a:t>) {</a:t>
+                      </a:r>
+                    </a:p>
+                    <a:p>
+                      <a:pPr marR="0" algn="l" rtl="0"/>
+                      <a:r>
+                        <a:rPr lang="en-US" altLang="zh-CN" sz="1100" dirty="0">
+                          <a:latin typeface="Courier New" panose="02070309020205020404" pitchFamily="49" charset="0"/>
+                          <a:cs typeface="Courier New" panose="02070309020205020404" pitchFamily="49" charset="0"/>
+                        </a:rPr>
+                        <a:t>  statements1</a:t>
+                      </a:r>
+                    </a:p>
+                    <a:p>
+                      <a:pPr marR="0" algn="l" rtl="0"/>
+                      <a:r>
+                        <a:rPr lang="en-US" altLang="zh-CN" sz="1100" dirty="0">
+                          <a:latin typeface="Courier New" panose="02070309020205020404" pitchFamily="49" charset="0"/>
+                          <a:cs typeface="Courier New" panose="02070309020205020404" pitchFamily="49" charset="0"/>
+                        </a:rPr>
+                        <a:t>}</a:t>
+                      </a:r>
+                    </a:p>
+                    <a:p>
+                      <a:pPr marR="0" algn="l" rtl="0"/>
+                      <a:r>
+                        <a:rPr lang="en-US" altLang="zh-CN" sz="1100" dirty="0">
+                          <a:latin typeface="Courier New" panose="02070309020205020404" pitchFamily="49" charset="0"/>
+                          <a:cs typeface="Courier New" panose="02070309020205020404" pitchFamily="49" charset="0"/>
+                        </a:rPr>
+                        <a:t>statements2</a:t>
+                      </a:r>
+                      <a:endParaRPr lang="zh-CN" altLang="en-US" sz="1100" dirty="0">
+                        <a:latin typeface="Courier New" panose="02070309020205020404" pitchFamily="49" charset="0"/>
+                        <a:cs typeface="Courier New" panose="02070309020205020404" pitchFamily="49" charset="0"/>
+                      </a:endParaRPr>
+                    </a:p>
+                  </a:txBody>
+                  <a:tcPr anchor="ctr"/>
+                </a:tc>
+                <a:extLst>
+                  <a:ext uri="{0D108BD9-81ED-4DB2-BD59-A6C34878D82A}">
+                    <a16:rowId xmlns:a16="http://schemas.microsoft.com/office/drawing/2014/main" val="2936119967"/>
+                  </a:ext>
+                </a:extLst>
+              </a:tr>
+              <a:tr h="318466">
+                <a:tc>
+                  <a:txBody>
+                    <a:bodyPr/>
+                    <a:lstStyle/>
+                    <a:p>
+                      <a:pPr marR="0" algn="ctr" rtl="0"/>
+                      <a:r>
+                        <a:rPr lang="en-US" altLang="zh-CN" sz="1100" dirty="0">
+                          <a:latin typeface="Courier New" panose="02070309020205020404" pitchFamily="49" charset="0"/>
+                          <a:cs typeface="Courier New" panose="02070309020205020404" pitchFamily="49" charset="0"/>
+                        </a:rPr>
+                        <a:t>9</a:t>
+                      </a:r>
+                      <a:endParaRPr lang="zh-CN" altLang="en-US" sz="1100" dirty="0">
+                        <a:latin typeface="Courier New" panose="02070309020205020404" pitchFamily="49" charset="0"/>
+                        <a:cs typeface="Courier New" panose="02070309020205020404" pitchFamily="49" charset="0"/>
+                      </a:endParaRPr>
+                    </a:p>
+                  </a:txBody>
+                  <a:tcPr anchor="ctr"/>
+                </a:tc>
+                <a:tc>
+                  <a:txBody>
+                    <a:bodyPr/>
+                    <a:lstStyle/>
+                    <a:p>
+                      <a:pPr marR="0" algn="l" rtl="0"/>
+                      <a:endParaRPr lang="en-US" altLang="zh-CN" sz="1100" dirty="0">
+                        <a:solidFill>
+                          <a:schemeClr val="tx1"/>
+                        </a:solidFill>
+                        <a:latin typeface="Courier New" panose="02070309020205020404" pitchFamily="49" charset="0"/>
+                        <a:cs typeface="Courier New" panose="02070309020205020404" pitchFamily="49" charset="0"/>
+                      </a:endParaRPr>
+                    </a:p>
+                  </a:txBody>
+                  <a:tcPr/>
+                </a:tc>
+                <a:tc>
+                  <a:txBody>
+                    <a:bodyPr/>
+                    <a:lstStyle/>
+                    <a:p>
+                      <a:pPr marR="0" algn="l" rtl="0"/>
+                      <a:endParaRPr lang="en-US" altLang="zh-CN" sz="1100" dirty="0">
+                        <a:latin typeface="Courier New" panose="02070309020205020404" pitchFamily="49" charset="0"/>
+                        <a:cs typeface="Courier New" panose="02070309020205020404" pitchFamily="49" charset="0"/>
+                      </a:endParaRPr>
+                    </a:p>
+                  </a:txBody>
+                  <a:tcPr/>
+                </a:tc>
+                <a:tc>
+                  <a:txBody>
+                    <a:bodyPr/>
+                    <a:lstStyle/>
+                    <a:p>
+                      <a:pPr marR="0" algn="l" rtl="0"/>
+                      <a:endParaRPr lang="zh-CN" altLang="en-US" sz="1100" dirty="0">
+                        <a:latin typeface="Courier New" panose="02070309020205020404" pitchFamily="49" charset="0"/>
+                        <a:cs typeface="Courier New" panose="02070309020205020404" pitchFamily="49" charset="0"/>
+                      </a:endParaRPr>
+                    </a:p>
+                  </a:txBody>
+                  <a:tcPr anchor="ctr"/>
+                </a:tc>
+                <a:tc>
+                  <a:txBody>
+                    <a:bodyPr/>
+                    <a:lstStyle/>
+                    <a:p>
+                      <a:pPr marR="0" algn="l" rtl="0"/>
+                      <a:endParaRPr lang="zh-CN" altLang="en-US" sz="1100" dirty="0">
+                        <a:latin typeface="Courier New" panose="02070309020205020404" pitchFamily="49" charset="0"/>
+                        <a:cs typeface="Courier New" panose="02070309020205020404" pitchFamily="49" charset="0"/>
+                      </a:endParaRPr>
+                    </a:p>
+                  </a:txBody>
+                  <a:tcPr anchor="ctr"/>
+                </a:tc>
+                <a:extLst>
+                  <a:ext uri="{0D108BD9-81ED-4DB2-BD59-A6C34878D82A}">
+                    <a16:rowId xmlns:a16="http://schemas.microsoft.com/office/drawing/2014/main" val="3620141435"/>
+                  </a:ext>
+                </a:extLst>
+              </a:tr>
+              <a:tr h="2270760">
+                <a:tc>
+                  <a:txBody>
+                    <a:bodyPr/>
+                    <a:lstStyle/>
+                    <a:p>
+                      <a:pPr marR="0" algn="ctr" rtl="0"/>
+                      <a:r>
+                        <a:rPr lang="en-US" altLang="zh-CN" sz="1100" dirty="0">
+                          <a:latin typeface="Courier New" panose="02070309020205020404" pitchFamily="49" charset="0"/>
+                          <a:cs typeface="Courier New" panose="02070309020205020404" pitchFamily="49" charset="0"/>
+                        </a:rPr>
+                        <a:t>10</a:t>
+                      </a:r>
+                      <a:endParaRPr lang="zh-CN" altLang="en-US" sz="1100" dirty="0">
+                        <a:latin typeface="Courier New" panose="02070309020205020404" pitchFamily="49" charset="0"/>
+                        <a:cs typeface="Courier New" panose="02070309020205020404" pitchFamily="49" charset="0"/>
+                      </a:endParaRPr>
+                    </a:p>
+                  </a:txBody>
+                  <a:tcPr anchor="ctr"/>
+                </a:tc>
+                <a:tc>
+                  <a:txBody>
+                    <a:bodyPr/>
+                    <a:lstStyle/>
+                    <a:p>
+                      <a:pPr marR="0" algn="l" rtl="0"/>
+                      <a:r>
+                        <a:rPr lang="en-US" altLang="zh-CN" sz="1100" dirty="0">
+                          <a:solidFill>
+                            <a:srgbClr val="C00000"/>
+                          </a:solidFill>
+                          <a:latin typeface="Courier New" panose="02070309020205020404" pitchFamily="49" charset="0"/>
+                          <a:cs typeface="Courier New" panose="02070309020205020404" pitchFamily="49" charset="0"/>
+                        </a:rPr>
+                        <a:t>-protected Membership </a:t>
+                      </a:r>
+                      <a:r>
+                        <a:rPr lang="en-US" altLang="zh-CN" sz="1100" dirty="0" err="1">
+                          <a:solidFill>
+                            <a:srgbClr val="C00000"/>
+                          </a:solidFill>
+                          <a:latin typeface="Courier New" panose="02070309020205020404" pitchFamily="49" charset="0"/>
+                          <a:cs typeface="Courier New" panose="02070309020205020404" pitchFamily="49" charset="0"/>
+                        </a:rPr>
+                        <a:t>membership</a:t>
+                      </a:r>
+                      <a:r>
+                        <a:rPr lang="en-US" altLang="zh-CN" sz="1100" dirty="0">
+                          <a:solidFill>
+                            <a:srgbClr val="C00000"/>
+                          </a:solidFill>
+                          <a:latin typeface="Courier New" panose="02070309020205020404" pitchFamily="49" charset="0"/>
+                          <a:cs typeface="Courier New" panose="02070309020205020404" pitchFamily="49" charset="0"/>
+                        </a:rPr>
+                        <a:t> = null;</a:t>
+                      </a:r>
+                    </a:p>
+                    <a:p>
+                      <a:pPr marR="0" algn="l" rtl="0"/>
+                      <a:r>
+                        <a:rPr lang="en-US" altLang="zh-CN" sz="1100" dirty="0">
+                          <a:solidFill>
+                            <a:srgbClr val="C00000"/>
+                          </a:solidFill>
+                          <a:latin typeface="Courier New" panose="02070309020205020404" pitchFamily="49" charset="0"/>
+                          <a:cs typeface="Courier New" panose="02070309020205020404" pitchFamily="49" charset="0"/>
+                        </a:rPr>
+                        <a:t> </a:t>
+                      </a:r>
+                      <a:r>
+                        <a:rPr lang="en-US" altLang="zh-CN" sz="1100" dirty="0">
+                          <a:solidFill>
+                            <a:schemeClr val="tx1"/>
+                          </a:solidFill>
+                          <a:latin typeface="Courier New" panose="02070309020205020404" pitchFamily="49" charset="0"/>
+                          <a:cs typeface="Courier New" panose="02070309020205020404" pitchFamily="49" charset="0"/>
+                        </a:rPr>
+                        <a:t>public </a:t>
+                      </a:r>
+                      <a:r>
+                        <a:rPr lang="en-US" altLang="zh-CN" sz="1100" dirty="0" err="1">
+                          <a:solidFill>
+                            <a:schemeClr val="tx1"/>
+                          </a:solidFill>
+                          <a:latin typeface="Courier New" panose="02070309020205020404" pitchFamily="49" charset="0"/>
+                          <a:cs typeface="Courier New" panose="02070309020205020404" pitchFamily="49" charset="0"/>
+                        </a:rPr>
+                        <a:t>boolean</a:t>
+                      </a:r>
+                      <a:r>
+                        <a:rPr lang="en-US" altLang="zh-CN" sz="1100" dirty="0">
+                          <a:solidFill>
+                            <a:schemeClr val="tx1"/>
+                          </a:solidFill>
+                          <a:latin typeface="Courier New" panose="02070309020205020404" pitchFamily="49" charset="0"/>
+                          <a:cs typeface="Courier New" panose="02070309020205020404" pitchFamily="49" charset="0"/>
+                        </a:rPr>
+                        <a:t> </a:t>
+                      </a:r>
+                      <a:r>
+                        <a:rPr lang="en-US" altLang="zh-CN" sz="1100" dirty="0" err="1">
+                          <a:solidFill>
+                            <a:schemeClr val="tx1"/>
+                          </a:solidFill>
+                          <a:latin typeface="Courier New" panose="02070309020205020404" pitchFamily="49" charset="0"/>
+                          <a:cs typeface="Courier New" panose="02070309020205020404" pitchFamily="49" charset="0"/>
+                        </a:rPr>
+                        <a:t>hasMembers</a:t>
+                      </a:r>
+                      <a:r>
+                        <a:rPr lang="en-US" altLang="zh-CN" sz="1100" dirty="0">
+                          <a:solidFill>
+                            <a:schemeClr val="tx1"/>
+                          </a:solidFill>
+                          <a:latin typeface="Courier New" panose="02070309020205020404" pitchFamily="49" charset="0"/>
+                          <a:cs typeface="Courier New" panose="02070309020205020404" pitchFamily="49" charset="0"/>
+                        </a:rPr>
+                        <a:t>() {</a:t>
+                      </a:r>
+                    </a:p>
+                    <a:p>
+                      <a:pPr marR="0" algn="l" rtl="0"/>
+                      <a:r>
+                        <a:rPr lang="en-US" altLang="zh-CN" sz="1100" dirty="0">
+                          <a:solidFill>
+                            <a:schemeClr val="tx1"/>
+                          </a:solidFill>
+                          <a:latin typeface="Courier New" panose="02070309020205020404" pitchFamily="49" charset="0"/>
+                          <a:cs typeface="Courier New" panose="02070309020205020404" pitchFamily="49" charset="0"/>
+                        </a:rPr>
+                        <a:t>   if (membership == null) </a:t>
+                      </a:r>
+                      <a:r>
+                        <a:rPr lang="en-US" altLang="zh-CN" sz="1100" dirty="0" err="1">
+                          <a:solidFill>
+                            <a:schemeClr val="tx1"/>
+                          </a:solidFill>
+                          <a:latin typeface="Courier New" panose="02070309020205020404" pitchFamily="49" charset="0"/>
+                          <a:cs typeface="Courier New" panose="02070309020205020404" pitchFamily="49" charset="0"/>
+                        </a:rPr>
+                        <a:t>setupMembership</a:t>
+                      </a:r>
+                      <a:r>
+                        <a:rPr lang="en-US" altLang="zh-CN" sz="1100" dirty="0">
+                          <a:solidFill>
+                            <a:schemeClr val="tx1"/>
+                          </a:solidFill>
+                          <a:latin typeface="Courier New" panose="02070309020205020404" pitchFamily="49" charset="0"/>
+                          <a:cs typeface="Courier New" panose="02070309020205020404" pitchFamily="49" charset="0"/>
+                        </a:rPr>
+                        <a:t>();</a:t>
+                      </a:r>
+                    </a:p>
+                    <a:p>
+                      <a:pPr marR="0" algn="l" rtl="0"/>
+                      <a:r>
+                        <a:rPr lang="en-US" altLang="zh-CN" sz="1100" dirty="0">
+                          <a:solidFill>
+                            <a:schemeClr val="tx1"/>
+                          </a:solidFill>
+                          <a:latin typeface="Courier New" panose="02070309020205020404" pitchFamily="49" charset="0"/>
+                          <a:cs typeface="Courier New" panose="02070309020205020404" pitchFamily="49" charset="0"/>
+                        </a:rPr>
+                        <a:t>   return </a:t>
+                      </a:r>
+                      <a:r>
+                        <a:rPr lang="en-US" altLang="zh-CN" sz="1100" dirty="0" err="1">
+                          <a:solidFill>
+                            <a:schemeClr val="tx1"/>
+                          </a:solidFill>
+                          <a:latin typeface="Courier New" panose="02070309020205020404" pitchFamily="49" charset="0"/>
+                          <a:cs typeface="Courier New" panose="02070309020205020404" pitchFamily="49" charset="0"/>
+                        </a:rPr>
+                        <a:t>membership.hasMembers</a:t>
+                      </a:r>
+                      <a:r>
+                        <a:rPr lang="en-US" altLang="zh-CN" sz="1100" dirty="0">
+                          <a:solidFill>
+                            <a:schemeClr val="tx1"/>
+                          </a:solidFill>
+                          <a:latin typeface="Courier New" panose="02070309020205020404" pitchFamily="49" charset="0"/>
+                          <a:cs typeface="Courier New" panose="02070309020205020404" pitchFamily="49" charset="0"/>
+                        </a:rPr>
+                        <a:t>();</a:t>
+                      </a:r>
+                    </a:p>
+                    <a:p>
+                      <a:pPr marR="0" algn="l" rtl="0"/>
+                      <a:r>
+                        <a:rPr lang="en-US" altLang="zh-CN" sz="1100" dirty="0">
+                          <a:solidFill>
+                            <a:schemeClr val="tx1"/>
+                          </a:solidFill>
+                          <a:latin typeface="Courier New" panose="02070309020205020404" pitchFamily="49" charset="0"/>
+                          <a:cs typeface="Courier New" panose="02070309020205020404" pitchFamily="49" charset="0"/>
+                        </a:rPr>
+                        <a:t> }</a:t>
+                      </a:r>
+                    </a:p>
+                    <a:p>
+                      <a:pPr marR="0" algn="l" rtl="0"/>
+                      <a:r>
+                        <a:rPr lang="en-US" altLang="zh-CN" sz="1100" dirty="0">
+                          <a:solidFill>
+                            <a:schemeClr val="tx1"/>
+                          </a:solidFill>
+                          <a:latin typeface="Courier New" panose="02070309020205020404" pitchFamily="49" charset="0"/>
+                          <a:cs typeface="Courier New" panose="02070309020205020404" pitchFamily="49" charset="0"/>
+                        </a:rPr>
+                        <a:t> protected synchronized void </a:t>
+                      </a:r>
+                      <a:r>
+                        <a:rPr lang="en-US" altLang="zh-CN" sz="1100" dirty="0" err="1">
+                          <a:solidFill>
+                            <a:schemeClr val="tx1"/>
+                          </a:solidFill>
+                          <a:latin typeface="Courier New" panose="02070309020205020404" pitchFamily="49" charset="0"/>
+                          <a:cs typeface="Courier New" panose="02070309020205020404" pitchFamily="49" charset="0"/>
+                        </a:rPr>
+                        <a:t>setupMembership</a:t>
+                      </a:r>
+                      <a:r>
+                        <a:rPr lang="en-US" altLang="zh-CN" sz="1100" dirty="0">
+                          <a:solidFill>
+                            <a:schemeClr val="tx1"/>
+                          </a:solidFill>
+                          <a:latin typeface="Courier New" panose="02070309020205020404" pitchFamily="49" charset="0"/>
+                          <a:cs typeface="Courier New" panose="02070309020205020404" pitchFamily="49" charset="0"/>
+                        </a:rPr>
+                        <a:t>() {</a:t>
+                      </a:r>
+                    </a:p>
+                    <a:p>
+                      <a:pPr marR="0" algn="l" rtl="0"/>
+                      <a:r>
+                        <a:rPr lang="en-US" altLang="zh-CN" sz="1100" dirty="0">
+                          <a:solidFill>
+                            <a:schemeClr val="tx1"/>
+                          </a:solidFill>
+                          <a:latin typeface="Courier New" panose="02070309020205020404" pitchFamily="49" charset="0"/>
+                          <a:cs typeface="Courier New" panose="02070309020205020404" pitchFamily="49" charset="0"/>
+                        </a:rPr>
+                        <a:t>   if ( membership == null ) {</a:t>
+                      </a:r>
+                    </a:p>
+                    <a:p>
+                      <a:pPr marR="0" algn="l" rtl="0"/>
+                      <a:r>
+                        <a:rPr lang="en-US" altLang="zh-CN" sz="1100" dirty="0">
+                          <a:solidFill>
+                            <a:schemeClr val="tx1"/>
+                          </a:solidFill>
+                          <a:latin typeface="Courier New" panose="02070309020205020404" pitchFamily="49" charset="0"/>
+                          <a:cs typeface="Courier New" panose="02070309020205020404" pitchFamily="49" charset="0"/>
+                        </a:rPr>
+                        <a:t>     membership = new Membership(</a:t>
+                      </a:r>
+                      <a:r>
+                        <a:rPr lang="en-US" altLang="zh-CN" sz="1100" dirty="0" err="1">
+                          <a:solidFill>
+                            <a:schemeClr val="tx1"/>
+                          </a:solidFill>
+                          <a:latin typeface="Courier New" panose="02070309020205020404" pitchFamily="49" charset="0"/>
+                          <a:cs typeface="Courier New" panose="02070309020205020404" pitchFamily="49" charset="0"/>
+                        </a:rPr>
+                        <a:t>super.getLocalMember</a:t>
+                      </a:r>
+                      <a:r>
+                        <a:rPr lang="en-US" altLang="zh-CN" sz="1100" dirty="0">
+                          <a:solidFill>
+                            <a:schemeClr val="tx1"/>
+                          </a:solidFill>
+                          <a:latin typeface="Courier New" panose="02070309020205020404" pitchFamily="49" charset="0"/>
+                          <a:cs typeface="Courier New" panose="02070309020205020404" pitchFamily="49" charset="0"/>
+                        </a:rPr>
+                        <a:t>(true));</a:t>
+                      </a:r>
+                    </a:p>
+                    <a:p>
+                      <a:pPr marR="0" algn="l" rtl="0"/>
+                      <a:r>
+                        <a:rPr lang="en-US" altLang="zh-CN" sz="1100" dirty="0">
+                          <a:solidFill>
+                            <a:schemeClr val="tx1"/>
+                          </a:solidFill>
+                          <a:latin typeface="Courier New" panose="02070309020205020404" pitchFamily="49" charset="0"/>
+                          <a:cs typeface="Courier New" panose="02070309020205020404" pitchFamily="49" charset="0"/>
+                        </a:rPr>
+                        <a:t>   }</a:t>
+                      </a:r>
+                    </a:p>
+                    <a:p>
+                      <a:pPr marR="0" algn="l" rtl="0"/>
+                      <a:r>
+                        <a:rPr lang="en-US" altLang="zh-CN" sz="1100" dirty="0">
+                          <a:solidFill>
+                            <a:schemeClr val="tx1"/>
+                          </a:solidFill>
+                          <a:latin typeface="Courier New" panose="02070309020205020404" pitchFamily="49" charset="0"/>
+                          <a:cs typeface="Courier New" panose="02070309020205020404" pitchFamily="49" charset="0"/>
+                        </a:rPr>
+                        <a:t> }</a:t>
+                      </a:r>
+                    </a:p>
+                  </a:txBody>
+                  <a:tcPr/>
+                </a:tc>
+                <a:tc>
+                  <a:txBody>
+                    <a:bodyPr/>
+                    <a:lstStyle/>
+                    <a:p>
+                      <a:pPr marR="0" algn="l" rtl="0"/>
+                      <a:r>
+                        <a:rPr lang="en-US" altLang="zh-CN" sz="1100" dirty="0">
+                          <a:solidFill>
+                            <a:srgbClr val="0070C0"/>
+                          </a:solidFill>
+                          <a:latin typeface="Courier New" panose="02070309020205020404" pitchFamily="49" charset="0"/>
+                          <a:cs typeface="Courier New" panose="02070309020205020404" pitchFamily="49" charset="0"/>
+                        </a:rPr>
+                        <a:t>+protected volatile Membership </a:t>
+                      </a:r>
+                      <a:r>
+                        <a:rPr lang="en-US" altLang="zh-CN" sz="1100" dirty="0" err="1">
+                          <a:solidFill>
+                            <a:srgbClr val="0070C0"/>
+                          </a:solidFill>
+                          <a:latin typeface="Courier New" panose="02070309020205020404" pitchFamily="49" charset="0"/>
+                          <a:cs typeface="Courier New" panose="02070309020205020404" pitchFamily="49" charset="0"/>
+                        </a:rPr>
+                        <a:t>membership</a:t>
+                      </a:r>
+                      <a:r>
+                        <a:rPr lang="en-US" altLang="zh-CN" sz="1100" dirty="0">
+                          <a:solidFill>
+                            <a:srgbClr val="0070C0"/>
+                          </a:solidFill>
+                          <a:latin typeface="Courier New" panose="02070309020205020404" pitchFamily="49" charset="0"/>
+                          <a:cs typeface="Courier New" panose="02070309020205020404" pitchFamily="49" charset="0"/>
+                        </a:rPr>
+                        <a:t> = null;</a:t>
+                      </a:r>
+                    </a:p>
+                    <a:p>
+                      <a:pPr marR="0" algn="l" rtl="0"/>
+                      <a:r>
+                        <a:rPr lang="en-US" altLang="zh-CN" sz="1100" dirty="0">
+                          <a:solidFill>
+                            <a:srgbClr val="0070C0"/>
+                          </a:solidFill>
+                          <a:latin typeface="Courier New" panose="02070309020205020404" pitchFamily="49" charset="0"/>
+                          <a:cs typeface="Courier New" panose="02070309020205020404" pitchFamily="49" charset="0"/>
+                        </a:rPr>
+                        <a:t> </a:t>
+                      </a:r>
+                      <a:r>
+                        <a:rPr lang="en-US" altLang="zh-CN" sz="1100" dirty="0">
+                          <a:solidFill>
+                            <a:schemeClr val="tx1"/>
+                          </a:solidFill>
+                          <a:latin typeface="Courier New" panose="02070309020205020404" pitchFamily="49" charset="0"/>
+                          <a:cs typeface="Courier New" panose="02070309020205020404" pitchFamily="49" charset="0"/>
+                        </a:rPr>
+                        <a:t>public </a:t>
+                      </a:r>
+                      <a:r>
+                        <a:rPr lang="en-US" altLang="zh-CN" sz="1100" dirty="0" err="1">
+                          <a:solidFill>
+                            <a:schemeClr val="tx1"/>
+                          </a:solidFill>
+                          <a:latin typeface="Courier New" panose="02070309020205020404" pitchFamily="49" charset="0"/>
+                          <a:cs typeface="Courier New" panose="02070309020205020404" pitchFamily="49" charset="0"/>
+                        </a:rPr>
+                        <a:t>boolean</a:t>
+                      </a:r>
+                      <a:r>
+                        <a:rPr lang="en-US" altLang="zh-CN" sz="1100" dirty="0">
+                          <a:solidFill>
+                            <a:schemeClr val="tx1"/>
+                          </a:solidFill>
+                          <a:latin typeface="Courier New" panose="02070309020205020404" pitchFamily="49" charset="0"/>
+                          <a:cs typeface="Courier New" panose="02070309020205020404" pitchFamily="49" charset="0"/>
+                        </a:rPr>
+                        <a:t> </a:t>
+                      </a:r>
+                      <a:r>
+                        <a:rPr lang="en-US" altLang="zh-CN" sz="1100" dirty="0" err="1">
+                          <a:solidFill>
+                            <a:schemeClr val="tx1"/>
+                          </a:solidFill>
+                          <a:latin typeface="Courier New" panose="02070309020205020404" pitchFamily="49" charset="0"/>
+                          <a:cs typeface="Courier New" panose="02070309020205020404" pitchFamily="49" charset="0"/>
+                        </a:rPr>
+                        <a:t>hasMembers</a:t>
+                      </a:r>
+                      <a:r>
+                        <a:rPr lang="en-US" altLang="zh-CN" sz="1100" dirty="0">
+                          <a:solidFill>
+                            <a:schemeClr val="tx1"/>
+                          </a:solidFill>
+                          <a:latin typeface="Courier New" panose="02070309020205020404" pitchFamily="49" charset="0"/>
+                          <a:cs typeface="Courier New" panose="02070309020205020404" pitchFamily="49" charset="0"/>
+                        </a:rPr>
+                        <a:t>() {</a:t>
+                      </a:r>
+                    </a:p>
+                    <a:p>
+                      <a:pPr marR="0" algn="l" rtl="0"/>
+                      <a:r>
+                        <a:rPr lang="en-US" altLang="zh-CN" sz="1100" dirty="0">
+                          <a:solidFill>
+                            <a:schemeClr val="tx1"/>
+                          </a:solidFill>
+                          <a:latin typeface="Courier New" panose="02070309020205020404" pitchFamily="49" charset="0"/>
+                          <a:cs typeface="Courier New" panose="02070309020205020404" pitchFamily="49" charset="0"/>
+                        </a:rPr>
+                        <a:t>   if (membership == null) </a:t>
+                      </a:r>
+                      <a:r>
+                        <a:rPr lang="en-US" altLang="zh-CN" sz="1100" dirty="0" err="1">
+                          <a:solidFill>
+                            <a:schemeClr val="tx1"/>
+                          </a:solidFill>
+                          <a:latin typeface="Courier New" panose="02070309020205020404" pitchFamily="49" charset="0"/>
+                          <a:cs typeface="Courier New" panose="02070309020205020404" pitchFamily="49" charset="0"/>
+                        </a:rPr>
+                        <a:t>setupMembership</a:t>
+                      </a:r>
+                      <a:r>
+                        <a:rPr lang="en-US" altLang="zh-CN" sz="1100" dirty="0">
+                          <a:solidFill>
+                            <a:schemeClr val="tx1"/>
+                          </a:solidFill>
+                          <a:latin typeface="Courier New" panose="02070309020205020404" pitchFamily="49" charset="0"/>
+                          <a:cs typeface="Courier New" panose="02070309020205020404" pitchFamily="49" charset="0"/>
+                        </a:rPr>
+                        <a:t>();</a:t>
+                      </a:r>
+                    </a:p>
+                    <a:p>
+                      <a:pPr marR="0" algn="l" rtl="0"/>
+                      <a:r>
+                        <a:rPr lang="en-US" altLang="zh-CN" sz="1100" dirty="0">
+                          <a:solidFill>
+                            <a:schemeClr val="tx1"/>
+                          </a:solidFill>
+                          <a:latin typeface="Courier New" panose="02070309020205020404" pitchFamily="49" charset="0"/>
+                          <a:cs typeface="Courier New" panose="02070309020205020404" pitchFamily="49" charset="0"/>
+                        </a:rPr>
+                        <a:t>   return </a:t>
+                      </a:r>
+                      <a:r>
+                        <a:rPr lang="en-US" altLang="zh-CN" sz="1100" dirty="0" err="1">
+                          <a:solidFill>
+                            <a:schemeClr val="tx1"/>
+                          </a:solidFill>
+                          <a:latin typeface="Courier New" panose="02070309020205020404" pitchFamily="49" charset="0"/>
+                          <a:cs typeface="Courier New" panose="02070309020205020404" pitchFamily="49" charset="0"/>
+                        </a:rPr>
+                        <a:t>membership.hasMembers</a:t>
+                      </a:r>
+                      <a:r>
+                        <a:rPr lang="en-US" altLang="zh-CN" sz="1100" dirty="0">
+                          <a:solidFill>
+                            <a:schemeClr val="tx1"/>
+                          </a:solidFill>
+                          <a:latin typeface="Courier New" panose="02070309020205020404" pitchFamily="49" charset="0"/>
+                          <a:cs typeface="Courier New" panose="02070309020205020404" pitchFamily="49" charset="0"/>
+                        </a:rPr>
+                        <a:t>();</a:t>
+                      </a:r>
+                    </a:p>
+                    <a:p>
+                      <a:pPr marR="0" algn="l" rtl="0"/>
+                      <a:r>
+                        <a:rPr lang="en-US" altLang="zh-CN" sz="1100" dirty="0">
+                          <a:solidFill>
+                            <a:schemeClr val="tx1"/>
+                          </a:solidFill>
+                          <a:latin typeface="Courier New" panose="02070309020205020404" pitchFamily="49" charset="0"/>
+                          <a:cs typeface="Courier New" panose="02070309020205020404" pitchFamily="49" charset="0"/>
+                        </a:rPr>
+                        <a:t> }</a:t>
+                      </a:r>
+                    </a:p>
+                    <a:p>
+                      <a:pPr marR="0" algn="l" rtl="0"/>
+                      <a:r>
+                        <a:rPr lang="en-US" altLang="zh-CN" sz="1100" dirty="0">
+                          <a:solidFill>
+                            <a:schemeClr val="tx1"/>
+                          </a:solidFill>
+                          <a:latin typeface="Courier New" panose="02070309020205020404" pitchFamily="49" charset="0"/>
+                          <a:cs typeface="Courier New" panose="02070309020205020404" pitchFamily="49" charset="0"/>
+                        </a:rPr>
+                        <a:t> protected synchronized void </a:t>
+                      </a:r>
+                      <a:r>
+                        <a:rPr lang="en-US" altLang="zh-CN" sz="1100" dirty="0" err="1">
+                          <a:solidFill>
+                            <a:schemeClr val="tx1"/>
+                          </a:solidFill>
+                          <a:latin typeface="Courier New" panose="02070309020205020404" pitchFamily="49" charset="0"/>
+                          <a:cs typeface="Courier New" panose="02070309020205020404" pitchFamily="49" charset="0"/>
+                        </a:rPr>
+                        <a:t>setupMembership</a:t>
+                      </a:r>
+                      <a:r>
+                        <a:rPr lang="en-US" altLang="zh-CN" sz="1100" dirty="0">
+                          <a:solidFill>
+                            <a:schemeClr val="tx1"/>
+                          </a:solidFill>
+                          <a:latin typeface="Courier New" panose="02070309020205020404" pitchFamily="49" charset="0"/>
+                          <a:cs typeface="Courier New" panose="02070309020205020404" pitchFamily="49" charset="0"/>
+                        </a:rPr>
+                        <a:t>() {</a:t>
+                      </a:r>
+                    </a:p>
+                    <a:p>
+                      <a:pPr marR="0" algn="l" rtl="0"/>
+                      <a:r>
+                        <a:rPr lang="en-US" altLang="zh-CN" sz="1100" dirty="0">
+                          <a:solidFill>
+                            <a:schemeClr val="tx1"/>
+                          </a:solidFill>
+                          <a:latin typeface="Courier New" panose="02070309020205020404" pitchFamily="49" charset="0"/>
+                          <a:cs typeface="Courier New" panose="02070309020205020404" pitchFamily="49" charset="0"/>
+                        </a:rPr>
+                        <a:t>   if ( membership == null ) {</a:t>
+                      </a:r>
+                    </a:p>
+                    <a:p>
+                      <a:pPr marR="0" algn="l" rtl="0"/>
+                      <a:r>
+                        <a:rPr lang="en-US" altLang="zh-CN" sz="1100" dirty="0">
+                          <a:solidFill>
+                            <a:schemeClr val="tx1"/>
+                          </a:solidFill>
+                          <a:latin typeface="Courier New" panose="02070309020205020404" pitchFamily="49" charset="0"/>
+                          <a:cs typeface="Courier New" panose="02070309020205020404" pitchFamily="49" charset="0"/>
+                        </a:rPr>
+                        <a:t>     membership = new Membership(</a:t>
+                      </a:r>
+                      <a:r>
+                        <a:rPr lang="en-US" altLang="zh-CN" sz="1100" dirty="0" err="1">
+                          <a:solidFill>
+                            <a:schemeClr val="tx1"/>
+                          </a:solidFill>
+                          <a:latin typeface="Courier New" panose="02070309020205020404" pitchFamily="49" charset="0"/>
+                          <a:cs typeface="Courier New" panose="02070309020205020404" pitchFamily="49" charset="0"/>
+                        </a:rPr>
+                        <a:t>super.getLocalMember</a:t>
+                      </a:r>
+                      <a:r>
+                        <a:rPr lang="en-US" altLang="zh-CN" sz="1100" dirty="0">
+                          <a:solidFill>
+                            <a:schemeClr val="tx1"/>
+                          </a:solidFill>
+                          <a:latin typeface="Courier New" panose="02070309020205020404" pitchFamily="49" charset="0"/>
+                          <a:cs typeface="Courier New" panose="02070309020205020404" pitchFamily="49" charset="0"/>
+                        </a:rPr>
+                        <a:t>(true));</a:t>
+                      </a:r>
+                    </a:p>
+                    <a:p>
+                      <a:pPr marR="0" algn="l" rtl="0"/>
+                      <a:r>
+                        <a:rPr lang="en-US" altLang="zh-CN" sz="1100" dirty="0">
+                          <a:solidFill>
+                            <a:schemeClr val="tx1"/>
+                          </a:solidFill>
+                          <a:latin typeface="Courier New" panose="02070309020205020404" pitchFamily="49" charset="0"/>
+                          <a:cs typeface="Courier New" panose="02070309020205020404" pitchFamily="49" charset="0"/>
+                        </a:rPr>
+                        <a:t>   }</a:t>
+                      </a:r>
+                    </a:p>
+                    <a:p>
+                      <a:pPr marR="0" algn="l" rtl="0"/>
+                      <a:r>
+                        <a:rPr lang="en-US" altLang="zh-CN" sz="1100" dirty="0">
+                          <a:solidFill>
+                            <a:schemeClr val="tx1"/>
+                          </a:solidFill>
+                          <a:latin typeface="Courier New" panose="02070309020205020404" pitchFamily="49" charset="0"/>
+                          <a:cs typeface="Courier New" panose="02070309020205020404" pitchFamily="49" charset="0"/>
+                        </a:rPr>
+                        <a:t> }</a:t>
+                      </a:r>
+                    </a:p>
+                  </a:txBody>
+                  <a:tcPr/>
+                </a:tc>
+                <a:tc>
+                  <a:txBody>
+                    <a:bodyPr/>
+                    <a:lstStyle/>
+                    <a:p>
+                      <a:pPr marR="0" algn="l" rtl="0"/>
+                      <a:r>
+                        <a:rPr lang="en-US" altLang="zh-CN" sz="1100" dirty="0">
+                          <a:latin typeface="Courier New" panose="02070309020205020404" pitchFamily="49" charset="0"/>
+                          <a:cs typeface="Courier New" panose="02070309020205020404" pitchFamily="49" charset="0"/>
+                        </a:rPr>
+                        <a:t>T foo;</a:t>
+                      </a:r>
+                      <a:endParaRPr lang="zh-CN" altLang="en-US" sz="1100" dirty="0">
+                        <a:latin typeface="Courier New" panose="02070309020205020404" pitchFamily="49" charset="0"/>
+                        <a:cs typeface="Courier New" panose="02070309020205020404" pitchFamily="49" charset="0"/>
+                      </a:endParaRPr>
+                    </a:p>
+                  </a:txBody>
+                  <a:tcPr anchor="ctr"/>
+                </a:tc>
+                <a:tc>
+                  <a:txBody>
+                    <a:bodyPr/>
+                    <a:lstStyle/>
+                    <a:p>
+                      <a:pPr marR="0" algn="l" rtl="0"/>
+                      <a:r>
+                        <a:rPr lang="en-US" altLang="zh-CN" sz="1100" dirty="0">
+                          <a:latin typeface="Courier New" panose="02070309020205020404" pitchFamily="49" charset="0"/>
+                          <a:cs typeface="Courier New" panose="02070309020205020404" pitchFamily="49" charset="0"/>
+                        </a:rPr>
+                        <a:t>volatile T foo;</a:t>
+                      </a:r>
+                      <a:endParaRPr lang="zh-CN" altLang="en-US" sz="1100" dirty="0">
+                        <a:latin typeface="Courier New" panose="02070309020205020404" pitchFamily="49" charset="0"/>
+                        <a:cs typeface="Courier New" panose="02070309020205020404" pitchFamily="49" charset="0"/>
+                      </a:endParaRPr>
+                    </a:p>
+                  </a:txBody>
+                  <a:tcPr anchor="ctr"/>
+                </a:tc>
+                <a:extLst>
+                  <a:ext uri="{0D108BD9-81ED-4DB2-BD59-A6C34878D82A}">
+                    <a16:rowId xmlns:a16="http://schemas.microsoft.com/office/drawing/2014/main" val="3067181177"/>
+                  </a:ext>
+                </a:extLst>
+              </a:tr>
+              <a:tr h="893114">
+                <a:tc>
+                  <a:txBody>
+                    <a:bodyPr/>
+                    <a:lstStyle/>
+                    <a:p>
+                      <a:pPr marR="0" algn="ctr" rtl="0"/>
+                      <a:r>
+                        <a:rPr lang="en-US" altLang="zh-CN" sz="1100" dirty="0">
+                          <a:latin typeface="Courier New" panose="02070309020205020404" pitchFamily="49" charset="0"/>
+                          <a:cs typeface="Courier New" panose="02070309020205020404" pitchFamily="49" charset="0"/>
+                        </a:rPr>
+                        <a:t>11</a:t>
+                      </a:r>
+                      <a:endParaRPr lang="zh-CN" altLang="en-US" sz="1100" dirty="0">
+                        <a:latin typeface="Courier New" panose="02070309020205020404" pitchFamily="49" charset="0"/>
+                        <a:cs typeface="Courier New" panose="02070309020205020404" pitchFamily="49" charset="0"/>
+                      </a:endParaRPr>
+                    </a:p>
+                  </a:txBody>
+                  <a:tcPr anchor="ctr"/>
+                </a:tc>
+                <a:tc>
+                  <a:txBody>
+                    <a:bodyPr/>
+                    <a:lstStyle/>
+                    <a:p>
+                      <a:pPr marR="0" algn="l" rtl="0"/>
+                      <a:r>
+                        <a:rPr lang="en-US" altLang="zh-CN" sz="1100" dirty="0">
+                          <a:solidFill>
+                            <a:srgbClr val="C00000"/>
+                          </a:solidFill>
+                          <a:latin typeface="Courier New" panose="02070309020205020404" pitchFamily="49" charset="0"/>
+                          <a:cs typeface="Courier New" panose="02070309020205020404" pitchFamily="49" charset="0"/>
+                        </a:rPr>
+                        <a:t>-private volatile </a:t>
+                      </a:r>
+                      <a:r>
+                        <a:rPr lang="en-US" altLang="zh-CN" sz="1100" dirty="0" err="1">
+                          <a:solidFill>
+                            <a:srgbClr val="C00000"/>
+                          </a:solidFill>
+                          <a:latin typeface="Courier New" panose="02070309020205020404" pitchFamily="49" charset="0"/>
+                          <a:cs typeface="Courier New" panose="02070309020205020404" pitchFamily="49" charset="0"/>
+                        </a:rPr>
+                        <a:t>int</a:t>
+                      </a:r>
+                      <a:r>
+                        <a:rPr lang="en-US" altLang="zh-CN" sz="1100" dirty="0">
+                          <a:solidFill>
+                            <a:srgbClr val="C00000"/>
+                          </a:solidFill>
+                          <a:latin typeface="Courier New" panose="02070309020205020404" pitchFamily="49" charset="0"/>
+                          <a:cs typeface="Courier New" panose="02070309020205020404" pitchFamily="49" charset="0"/>
+                        </a:rPr>
+                        <a:t> </a:t>
+                      </a:r>
+                      <a:r>
+                        <a:rPr lang="en-US" altLang="zh-CN" sz="1100" dirty="0" err="1">
+                          <a:solidFill>
+                            <a:srgbClr val="C00000"/>
+                          </a:solidFill>
+                          <a:latin typeface="Courier New" panose="02070309020205020404" pitchFamily="49" charset="0"/>
+                          <a:cs typeface="Courier New" panose="02070309020205020404" pitchFamily="49" charset="0"/>
+                        </a:rPr>
+                        <a:t>requestCount</a:t>
+                      </a:r>
+                      <a:r>
+                        <a:rPr lang="en-US" altLang="zh-CN" sz="1100" dirty="0">
+                          <a:solidFill>
+                            <a:srgbClr val="C00000"/>
+                          </a:solidFill>
+                          <a:latin typeface="Courier New" panose="02070309020205020404" pitchFamily="49" charset="0"/>
+                          <a:cs typeface="Courier New" panose="02070309020205020404" pitchFamily="49" charset="0"/>
+                        </a:rPr>
+                        <a:t>;</a:t>
+                      </a:r>
+                    </a:p>
+                    <a:p>
+                      <a:pPr marR="0" algn="l" rtl="0"/>
+                      <a:endParaRPr lang="en-US" altLang="zh-CN" sz="1100" dirty="0">
+                        <a:solidFill>
+                          <a:srgbClr val="C00000"/>
+                        </a:solidFill>
+                        <a:latin typeface="Courier New" panose="02070309020205020404" pitchFamily="49" charset="0"/>
+                        <a:cs typeface="Courier New" panose="02070309020205020404" pitchFamily="49" charset="0"/>
+                      </a:endParaRPr>
+                    </a:p>
+                    <a:p>
+                      <a:pPr marR="0" algn="l" rtl="0"/>
+                      <a:r>
+                        <a:rPr lang="en-US" altLang="zh-CN" sz="1100" dirty="0">
+                          <a:solidFill>
+                            <a:srgbClr val="C00000"/>
+                          </a:solidFill>
+                          <a:latin typeface="Courier New" panose="02070309020205020404" pitchFamily="49" charset="0"/>
+                          <a:cs typeface="Courier New" panose="02070309020205020404" pitchFamily="49" charset="0"/>
+                        </a:rPr>
+                        <a:t>-private volatile </a:t>
+                      </a:r>
+                      <a:r>
+                        <a:rPr lang="en-US" altLang="zh-CN" sz="1100" dirty="0" err="1">
+                          <a:solidFill>
+                            <a:srgbClr val="C00000"/>
+                          </a:solidFill>
+                          <a:latin typeface="Courier New" panose="02070309020205020404" pitchFamily="49" charset="0"/>
+                          <a:cs typeface="Courier New" panose="02070309020205020404" pitchFamily="49" charset="0"/>
+                        </a:rPr>
+                        <a:t>int</a:t>
+                      </a:r>
+                      <a:r>
+                        <a:rPr lang="en-US" altLang="zh-CN" sz="1100" dirty="0">
+                          <a:solidFill>
+                            <a:srgbClr val="C00000"/>
+                          </a:solidFill>
+                          <a:latin typeface="Courier New" panose="02070309020205020404" pitchFamily="49" charset="0"/>
+                          <a:cs typeface="Courier New" panose="02070309020205020404" pitchFamily="49" charset="0"/>
+                        </a:rPr>
+                        <a:t> </a:t>
+                      </a:r>
+                      <a:r>
+                        <a:rPr lang="en-US" altLang="zh-CN" sz="1100" dirty="0" err="1">
+                          <a:solidFill>
+                            <a:srgbClr val="C00000"/>
+                          </a:solidFill>
+                          <a:latin typeface="Courier New" panose="02070309020205020404" pitchFamily="49" charset="0"/>
+                          <a:cs typeface="Courier New" panose="02070309020205020404" pitchFamily="49" charset="0"/>
+                        </a:rPr>
+                        <a:t>errorCount</a:t>
+                      </a:r>
+                      <a:r>
+                        <a:rPr lang="en-US" altLang="zh-CN" sz="1100" dirty="0">
+                          <a:solidFill>
+                            <a:srgbClr val="C00000"/>
+                          </a:solidFill>
+                          <a:latin typeface="Courier New" panose="02070309020205020404" pitchFamily="49" charset="0"/>
+                          <a:cs typeface="Courier New" panose="02070309020205020404" pitchFamily="49" charset="0"/>
+                        </a:rPr>
+                        <a:t>;</a:t>
+                      </a:r>
+                    </a:p>
+                    <a:p>
+                      <a:pPr marR="0" algn="l" rtl="0"/>
+                      <a:endParaRPr lang="en-US" altLang="zh-CN" sz="1100" dirty="0">
+                        <a:solidFill>
+                          <a:srgbClr val="C00000"/>
+                        </a:solidFill>
+                        <a:latin typeface="Courier New" panose="02070309020205020404" pitchFamily="49" charset="0"/>
+                        <a:cs typeface="Courier New" panose="02070309020205020404" pitchFamily="49" charset="0"/>
+                      </a:endParaRPr>
+                    </a:p>
+                    <a:p>
+                      <a:pPr marR="0" algn="l" rtl="0"/>
+                      <a:r>
+                        <a:rPr lang="en-US" altLang="zh-CN" sz="1100" dirty="0">
+                          <a:solidFill>
+                            <a:srgbClr val="C00000"/>
+                          </a:solidFill>
+                          <a:latin typeface="Courier New" panose="02070309020205020404" pitchFamily="49" charset="0"/>
+                          <a:cs typeface="Courier New" panose="02070309020205020404" pitchFamily="49" charset="0"/>
+                        </a:rPr>
+                        <a:t>-  </a:t>
+                      </a:r>
+                      <a:r>
+                        <a:rPr lang="en-US" altLang="zh-CN" sz="1100" dirty="0" err="1">
+                          <a:solidFill>
+                            <a:srgbClr val="C00000"/>
+                          </a:solidFill>
+                          <a:latin typeface="Courier New" panose="02070309020205020404" pitchFamily="49" charset="0"/>
+                          <a:cs typeface="Courier New" panose="02070309020205020404" pitchFamily="49" charset="0"/>
+                        </a:rPr>
+                        <a:t>requestCount</a:t>
+                      </a:r>
+                      <a:r>
+                        <a:rPr lang="en-US" altLang="zh-CN" sz="1100" dirty="0">
+                          <a:solidFill>
+                            <a:srgbClr val="C00000"/>
+                          </a:solidFill>
+                          <a:latin typeface="Courier New" panose="02070309020205020404" pitchFamily="49" charset="0"/>
+                          <a:cs typeface="Courier New" panose="02070309020205020404" pitchFamily="49" charset="0"/>
+                        </a:rPr>
+                        <a:t>++;</a:t>
+                      </a:r>
+                    </a:p>
+                  </a:txBody>
+                  <a:tcPr/>
+                </a:tc>
+                <a:tc>
+                  <a:txBody>
+                    <a:bodyPr/>
+                    <a:lstStyle/>
+                    <a:p>
+                      <a:pPr marR="0" algn="l" rtl="0"/>
+                      <a:r>
+                        <a:rPr lang="en-US" altLang="zh-CN" sz="1100" dirty="0">
+                          <a:solidFill>
+                            <a:srgbClr val="0070C0"/>
+                          </a:solidFill>
+                          <a:latin typeface="Courier New" panose="02070309020205020404" pitchFamily="49" charset="0"/>
+                          <a:cs typeface="Courier New" panose="02070309020205020404" pitchFamily="49" charset="0"/>
+                        </a:rPr>
+                        <a:t>+private final </a:t>
+                      </a:r>
+                      <a:r>
+                        <a:rPr lang="en-US" altLang="zh-CN" sz="1100" dirty="0" err="1">
+                          <a:solidFill>
+                            <a:srgbClr val="0070C0"/>
+                          </a:solidFill>
+                          <a:latin typeface="Courier New" panose="02070309020205020404" pitchFamily="49" charset="0"/>
+                          <a:cs typeface="Courier New" panose="02070309020205020404" pitchFamily="49" charset="0"/>
+                        </a:rPr>
+                        <a:t>AtomicInteger</a:t>
+                      </a:r>
+                      <a:r>
+                        <a:rPr lang="en-US" altLang="zh-CN" sz="1100" dirty="0">
+                          <a:solidFill>
+                            <a:srgbClr val="0070C0"/>
+                          </a:solidFill>
+                          <a:latin typeface="Courier New" panose="02070309020205020404" pitchFamily="49" charset="0"/>
+                          <a:cs typeface="Courier New" panose="02070309020205020404" pitchFamily="49" charset="0"/>
+                        </a:rPr>
+                        <a:t> </a:t>
+                      </a:r>
+                      <a:r>
+                        <a:rPr lang="en-US" altLang="zh-CN" sz="1100" dirty="0" err="1">
+                          <a:solidFill>
+                            <a:srgbClr val="0070C0"/>
+                          </a:solidFill>
+                          <a:latin typeface="Courier New" panose="02070309020205020404" pitchFamily="49" charset="0"/>
+                          <a:cs typeface="Courier New" panose="02070309020205020404" pitchFamily="49" charset="0"/>
+                        </a:rPr>
+                        <a:t>requestCount</a:t>
+                      </a:r>
+                      <a:r>
+                        <a:rPr lang="en-US" altLang="zh-CN" sz="1100" dirty="0">
+                          <a:solidFill>
+                            <a:srgbClr val="0070C0"/>
+                          </a:solidFill>
+                          <a:latin typeface="Courier New" panose="02070309020205020404" pitchFamily="49" charset="0"/>
+                          <a:cs typeface="Courier New" panose="02070309020205020404" pitchFamily="49" charset="0"/>
+                        </a:rPr>
+                        <a:t> =</a:t>
+                      </a:r>
+                    </a:p>
+                    <a:p>
+                      <a:pPr marR="0" algn="l" rtl="0"/>
+                      <a:r>
+                        <a:rPr lang="en-US" altLang="zh-CN" sz="1100" dirty="0">
+                          <a:solidFill>
+                            <a:srgbClr val="0070C0"/>
+                          </a:solidFill>
+                          <a:latin typeface="Courier New" panose="02070309020205020404" pitchFamily="49" charset="0"/>
+                          <a:cs typeface="Courier New" panose="02070309020205020404" pitchFamily="49" charset="0"/>
+                        </a:rPr>
+                        <a:t>+  new </a:t>
+                      </a:r>
+                      <a:r>
+                        <a:rPr lang="en-US" altLang="zh-CN" sz="1100" dirty="0" err="1">
+                          <a:solidFill>
+                            <a:srgbClr val="0070C0"/>
+                          </a:solidFill>
+                          <a:latin typeface="Courier New" panose="02070309020205020404" pitchFamily="49" charset="0"/>
+                          <a:cs typeface="Courier New" panose="02070309020205020404" pitchFamily="49" charset="0"/>
+                        </a:rPr>
+                        <a:t>AtomicInteger</a:t>
+                      </a:r>
+                      <a:r>
+                        <a:rPr lang="en-US" altLang="zh-CN" sz="1100" dirty="0">
+                          <a:solidFill>
+                            <a:srgbClr val="0070C0"/>
+                          </a:solidFill>
+                          <a:latin typeface="Courier New" panose="02070309020205020404" pitchFamily="49" charset="0"/>
+                          <a:cs typeface="Courier New" panose="02070309020205020404" pitchFamily="49" charset="0"/>
+                        </a:rPr>
+                        <a:t>(0);</a:t>
+                      </a:r>
+                    </a:p>
+                    <a:p>
+                      <a:pPr marR="0" algn="l" rtl="0"/>
+                      <a:r>
+                        <a:rPr lang="en-US" altLang="zh-CN" sz="1100" dirty="0">
+                          <a:solidFill>
+                            <a:srgbClr val="0070C0"/>
+                          </a:solidFill>
+                          <a:latin typeface="Courier New" panose="02070309020205020404" pitchFamily="49" charset="0"/>
+                          <a:cs typeface="Courier New" panose="02070309020205020404" pitchFamily="49" charset="0"/>
+                        </a:rPr>
+                        <a:t>+private final </a:t>
+                      </a:r>
+                      <a:r>
+                        <a:rPr lang="en-US" altLang="zh-CN" sz="1100" dirty="0" err="1">
+                          <a:solidFill>
+                            <a:srgbClr val="0070C0"/>
+                          </a:solidFill>
+                          <a:latin typeface="Courier New" panose="02070309020205020404" pitchFamily="49" charset="0"/>
+                          <a:cs typeface="Courier New" panose="02070309020205020404" pitchFamily="49" charset="0"/>
+                        </a:rPr>
+                        <a:t>AtomicInteger</a:t>
+                      </a:r>
+                      <a:r>
+                        <a:rPr lang="en-US" altLang="zh-CN" sz="1100" dirty="0">
+                          <a:solidFill>
+                            <a:srgbClr val="0070C0"/>
+                          </a:solidFill>
+                          <a:latin typeface="Courier New" panose="02070309020205020404" pitchFamily="49" charset="0"/>
+                          <a:cs typeface="Courier New" panose="02070309020205020404" pitchFamily="49" charset="0"/>
+                        </a:rPr>
+                        <a:t> </a:t>
+                      </a:r>
+                      <a:r>
+                        <a:rPr lang="en-US" altLang="zh-CN" sz="1100" dirty="0" err="1">
+                          <a:solidFill>
+                            <a:srgbClr val="0070C0"/>
+                          </a:solidFill>
+                          <a:latin typeface="Courier New" panose="02070309020205020404" pitchFamily="49" charset="0"/>
+                          <a:cs typeface="Courier New" panose="02070309020205020404" pitchFamily="49" charset="0"/>
+                        </a:rPr>
+                        <a:t>errorCount</a:t>
+                      </a:r>
+                      <a:r>
+                        <a:rPr lang="en-US" altLang="zh-CN" sz="1100" dirty="0">
+                          <a:solidFill>
+                            <a:srgbClr val="0070C0"/>
+                          </a:solidFill>
+                          <a:latin typeface="Courier New" panose="02070309020205020404" pitchFamily="49" charset="0"/>
+                          <a:cs typeface="Courier New" panose="02070309020205020404" pitchFamily="49" charset="0"/>
+                        </a:rPr>
+                        <a:t> =</a:t>
+                      </a:r>
+                    </a:p>
+                    <a:p>
+                      <a:pPr marR="0" algn="l" rtl="0"/>
+                      <a:r>
+                        <a:rPr lang="en-US" altLang="zh-CN" sz="1100" dirty="0">
+                          <a:solidFill>
+                            <a:srgbClr val="0070C0"/>
+                          </a:solidFill>
+                          <a:latin typeface="Courier New" panose="02070309020205020404" pitchFamily="49" charset="0"/>
+                          <a:cs typeface="Courier New" panose="02070309020205020404" pitchFamily="49" charset="0"/>
+                        </a:rPr>
+                        <a:t>+  new </a:t>
+                      </a:r>
+                      <a:r>
+                        <a:rPr lang="en-US" altLang="zh-CN" sz="1100" dirty="0" err="1">
+                          <a:solidFill>
+                            <a:srgbClr val="0070C0"/>
+                          </a:solidFill>
+                          <a:latin typeface="Courier New" panose="02070309020205020404" pitchFamily="49" charset="0"/>
+                          <a:cs typeface="Courier New" panose="02070309020205020404" pitchFamily="49" charset="0"/>
+                        </a:rPr>
+                        <a:t>AtomicInteger</a:t>
+                      </a:r>
+                      <a:r>
+                        <a:rPr lang="en-US" altLang="zh-CN" sz="1100" dirty="0">
+                          <a:solidFill>
+                            <a:srgbClr val="0070C0"/>
+                          </a:solidFill>
+                          <a:latin typeface="Courier New" panose="02070309020205020404" pitchFamily="49" charset="0"/>
+                          <a:cs typeface="Courier New" panose="02070309020205020404" pitchFamily="49" charset="0"/>
+                        </a:rPr>
+                        <a:t>(0);</a:t>
+                      </a:r>
+                    </a:p>
+                    <a:p>
+                      <a:pPr marR="0" algn="l" rtl="0"/>
+                      <a:r>
+                        <a:rPr lang="en-US" altLang="zh-CN" sz="1100" dirty="0">
+                          <a:solidFill>
+                            <a:srgbClr val="0070C0"/>
+                          </a:solidFill>
+                          <a:latin typeface="Courier New" panose="02070309020205020404" pitchFamily="49" charset="0"/>
+                          <a:cs typeface="Courier New" panose="02070309020205020404" pitchFamily="49" charset="0"/>
+                        </a:rPr>
+                        <a:t>+  </a:t>
+                      </a:r>
+                      <a:r>
+                        <a:rPr lang="en-US" altLang="zh-CN" sz="1100" dirty="0" err="1">
+                          <a:solidFill>
+                            <a:srgbClr val="0070C0"/>
+                          </a:solidFill>
+                          <a:latin typeface="Courier New" panose="02070309020205020404" pitchFamily="49" charset="0"/>
+                          <a:cs typeface="Courier New" panose="02070309020205020404" pitchFamily="49" charset="0"/>
+                        </a:rPr>
+                        <a:t>requestCount.incrementAndGet</a:t>
+                      </a:r>
+                      <a:r>
+                        <a:rPr lang="en-US" altLang="zh-CN" sz="1100" dirty="0">
+                          <a:solidFill>
+                            <a:srgbClr val="0070C0"/>
+                          </a:solidFill>
+                          <a:latin typeface="Courier New" panose="02070309020205020404" pitchFamily="49" charset="0"/>
+                          <a:cs typeface="Courier New" panose="02070309020205020404" pitchFamily="49" charset="0"/>
+                        </a:rPr>
+                        <a:t>();</a:t>
+                      </a:r>
+                    </a:p>
+                  </a:txBody>
+                  <a:tcPr/>
+                </a:tc>
+                <a:tc>
+                  <a:txBody>
+                    <a:bodyPr/>
+                    <a:lstStyle/>
+                    <a:p>
+                      <a:pPr marR="0" algn="l" rtl="0"/>
+                      <a:r>
+                        <a:rPr lang="en-US" altLang="zh-CN" sz="1100" dirty="0">
+                          <a:latin typeface="Courier New" panose="02070309020205020404" pitchFamily="49" charset="0"/>
+                          <a:cs typeface="Courier New" panose="02070309020205020404" pitchFamily="49" charset="0"/>
+                        </a:rPr>
+                        <a:t>volatile T foo;</a:t>
+                      </a:r>
+                      <a:endParaRPr lang="zh-CN" altLang="en-US" sz="1100" dirty="0">
+                        <a:latin typeface="Courier New" panose="02070309020205020404" pitchFamily="49" charset="0"/>
+                        <a:cs typeface="Courier New" panose="02070309020205020404" pitchFamily="49" charset="0"/>
+                      </a:endParaRPr>
+                    </a:p>
+                  </a:txBody>
+                  <a:tcPr anchor="ctr"/>
+                </a:tc>
+                <a:tc>
+                  <a:txBody>
+                    <a:bodyPr/>
+                    <a:lstStyle/>
+                    <a:p>
+                      <a:pPr marR="0" algn="l" rtl="0"/>
+                      <a:r>
+                        <a:rPr lang="en-US" altLang="zh-CN" sz="1100" dirty="0">
+                          <a:latin typeface="Courier New" panose="02070309020205020404" pitchFamily="49" charset="0"/>
+                          <a:cs typeface="Courier New" panose="02070309020205020404" pitchFamily="49" charset="0"/>
+                        </a:rPr>
+                        <a:t>TT foo;</a:t>
+                      </a:r>
+                      <a:endParaRPr lang="zh-CN" altLang="en-US" sz="1100" dirty="0">
+                        <a:latin typeface="Courier New" panose="02070309020205020404" pitchFamily="49" charset="0"/>
+                        <a:cs typeface="Courier New" panose="02070309020205020404" pitchFamily="49" charset="0"/>
+                      </a:endParaRPr>
+                    </a:p>
+                  </a:txBody>
+                  <a:tcPr anchor="ctr"/>
+                </a:tc>
+                <a:extLst>
+                  <a:ext uri="{0D108BD9-81ED-4DB2-BD59-A6C34878D82A}">
+                    <a16:rowId xmlns:a16="http://schemas.microsoft.com/office/drawing/2014/main" val="3351539951"/>
+                  </a:ext>
+                </a:extLst>
+              </a:tr>
+              <a:tr h="893114">
+                <a:tc>
+                  <a:txBody>
+                    <a:bodyPr/>
+                    <a:lstStyle/>
+                    <a:p>
+                      <a:pPr marR="0" algn="ctr" rtl="0"/>
+                      <a:r>
+                        <a:rPr lang="en-US" altLang="zh-CN" sz="1100" dirty="0">
+                          <a:latin typeface="Courier New" panose="02070309020205020404" pitchFamily="49" charset="0"/>
+                          <a:cs typeface="Courier New" panose="02070309020205020404" pitchFamily="49" charset="0"/>
+                        </a:rPr>
+                        <a:t>12</a:t>
+                      </a:r>
+                      <a:endParaRPr lang="zh-CN" altLang="en-US" sz="1100" dirty="0">
+                        <a:latin typeface="Courier New" panose="02070309020205020404" pitchFamily="49" charset="0"/>
+                        <a:cs typeface="Courier New" panose="02070309020205020404" pitchFamily="49" charset="0"/>
+                      </a:endParaRPr>
+                    </a:p>
+                  </a:txBody>
+                  <a:tcPr anchor="ctr"/>
+                </a:tc>
+                <a:tc>
+                  <a:txBody>
+                    <a:bodyPr/>
+                    <a:lstStyle/>
+                    <a:p>
+                      <a:pPr marL="0" marR="0" indent="0" algn="l" rtl="0">
+                        <a:buFontTx/>
+                        <a:buNone/>
+                      </a:pPr>
+                      <a:r>
+                        <a:rPr lang="en-US" altLang="zh-CN" sz="1100" dirty="0">
+                          <a:solidFill>
+                            <a:srgbClr val="C00000"/>
+                          </a:solidFill>
+                          <a:latin typeface="Courier New" panose="02070309020205020404" pitchFamily="49" charset="0"/>
+                          <a:cs typeface="Courier New" panose="02070309020205020404" pitchFamily="49" charset="0"/>
+                        </a:rPr>
+                        <a:t>-private volatile long </a:t>
+                      </a:r>
+                      <a:r>
+                        <a:rPr lang="en-US" altLang="zh-CN" sz="1100" dirty="0" err="1">
+                          <a:solidFill>
+                            <a:srgbClr val="C00000"/>
+                          </a:solidFill>
+                          <a:latin typeface="Courier New" panose="02070309020205020404" pitchFamily="49" charset="0"/>
+                          <a:cs typeface="Courier New" panose="02070309020205020404" pitchFamily="49" charset="0"/>
+                        </a:rPr>
+                        <a:t>genstamp</a:t>
+                      </a:r>
+                      <a:r>
+                        <a:rPr lang="en-US" altLang="zh-CN" sz="1100" dirty="0">
+                          <a:solidFill>
+                            <a:srgbClr val="C00000"/>
+                          </a:solidFill>
+                          <a:latin typeface="Courier New" panose="02070309020205020404" pitchFamily="49" charset="0"/>
+                          <a:cs typeface="Courier New" panose="02070309020205020404" pitchFamily="49" charset="0"/>
+                        </a:rPr>
+                        <a:t>;</a:t>
+                      </a:r>
+                    </a:p>
+                    <a:p>
+                      <a:pPr marL="0" marR="0" indent="0" algn="l" rtl="0">
+                        <a:buFontTx/>
+                        <a:buNone/>
+                      </a:pPr>
+                      <a:endParaRPr lang="en-US" altLang="zh-CN" sz="1100" dirty="0">
+                        <a:solidFill>
+                          <a:srgbClr val="C00000"/>
+                        </a:solidFill>
+                        <a:latin typeface="Courier New" panose="02070309020205020404" pitchFamily="49" charset="0"/>
+                        <a:cs typeface="Courier New" panose="02070309020205020404" pitchFamily="49" charset="0"/>
+                      </a:endParaRPr>
+                    </a:p>
+                    <a:p>
+                      <a:pPr marL="0" marR="0" indent="0" algn="l" rtl="0">
+                        <a:buFontTx/>
+                        <a:buNone/>
+                      </a:pPr>
+                      <a:r>
+                        <a:rPr lang="en-US" altLang="zh-CN" sz="1100" dirty="0">
+                          <a:solidFill>
+                            <a:srgbClr val="C00000"/>
+                          </a:solidFill>
+                          <a:latin typeface="Courier New" panose="02070309020205020404" pitchFamily="49" charset="0"/>
+                          <a:cs typeface="Courier New" panose="02070309020205020404" pitchFamily="49" charset="0"/>
+                        </a:rPr>
+                        <a:t>-public synchronized long </a:t>
+                      </a:r>
+                      <a:r>
+                        <a:rPr lang="en-US" altLang="zh-CN" sz="1100" dirty="0" err="1">
+                          <a:solidFill>
+                            <a:srgbClr val="C00000"/>
+                          </a:solidFill>
+                          <a:latin typeface="Courier New" panose="02070309020205020404" pitchFamily="49" charset="0"/>
+                          <a:cs typeface="Courier New" panose="02070309020205020404" pitchFamily="49" charset="0"/>
+                        </a:rPr>
+                        <a:t>nextStamp</a:t>
+                      </a:r>
+                      <a:r>
+                        <a:rPr lang="en-US" altLang="zh-CN" sz="1100" dirty="0">
+                          <a:solidFill>
+                            <a:srgbClr val="C00000"/>
+                          </a:solidFill>
+                          <a:latin typeface="Courier New" panose="02070309020205020404" pitchFamily="49" charset="0"/>
+                          <a:cs typeface="Courier New" panose="02070309020205020404" pitchFamily="49" charset="0"/>
+                        </a:rPr>
+                        <a:t>() {</a:t>
+                      </a:r>
+                    </a:p>
+                    <a:p>
+                      <a:pPr marL="0" marR="0" indent="0" algn="l" rtl="0">
+                        <a:buFontTx/>
+                        <a:buNone/>
+                      </a:pPr>
+                      <a:r>
+                        <a:rPr lang="en-US" altLang="zh-CN" sz="1100" dirty="0">
+                          <a:solidFill>
+                            <a:srgbClr val="C00000"/>
+                          </a:solidFill>
+                          <a:latin typeface="Courier New" panose="02070309020205020404" pitchFamily="49" charset="0"/>
+                          <a:cs typeface="Courier New" panose="02070309020205020404" pitchFamily="49" charset="0"/>
+                        </a:rPr>
+                        <a:t>-  </a:t>
+                      </a:r>
+                      <a:r>
+                        <a:rPr lang="en-US" altLang="zh-CN" sz="1100" dirty="0" err="1">
+                          <a:solidFill>
+                            <a:srgbClr val="C00000"/>
+                          </a:solidFill>
+                          <a:latin typeface="Courier New" panose="02070309020205020404" pitchFamily="49" charset="0"/>
+                          <a:cs typeface="Courier New" panose="02070309020205020404" pitchFamily="49" charset="0"/>
+                        </a:rPr>
+                        <a:t>this.genstamp</a:t>
+                      </a:r>
+                      <a:r>
+                        <a:rPr lang="en-US" altLang="zh-CN" sz="1100" dirty="0">
+                          <a:solidFill>
+                            <a:srgbClr val="C00000"/>
+                          </a:solidFill>
+                          <a:latin typeface="Courier New" panose="02070309020205020404" pitchFamily="49" charset="0"/>
+                          <a:cs typeface="Courier New" panose="02070309020205020404" pitchFamily="49" charset="0"/>
+                        </a:rPr>
+                        <a:t>++;</a:t>
+                      </a:r>
+                    </a:p>
+                    <a:p>
+                      <a:pPr marL="0" marR="0" indent="0" algn="l" rtl="0">
+                        <a:buFontTx/>
+                        <a:buNone/>
+                      </a:pPr>
+                      <a:r>
+                        <a:rPr lang="en-US" altLang="zh-CN" sz="1100" dirty="0">
+                          <a:solidFill>
+                            <a:srgbClr val="C00000"/>
+                          </a:solidFill>
+                          <a:latin typeface="Courier New" panose="02070309020205020404" pitchFamily="49" charset="0"/>
+                          <a:cs typeface="Courier New" panose="02070309020205020404" pitchFamily="49" charset="0"/>
+                        </a:rPr>
+                        <a:t>-  return </a:t>
+                      </a:r>
+                      <a:r>
+                        <a:rPr lang="en-US" altLang="zh-CN" sz="1100" dirty="0" err="1">
+                          <a:solidFill>
+                            <a:srgbClr val="C00000"/>
+                          </a:solidFill>
+                          <a:latin typeface="Courier New" panose="02070309020205020404" pitchFamily="49" charset="0"/>
+                          <a:cs typeface="Courier New" panose="02070309020205020404" pitchFamily="49" charset="0"/>
+                        </a:rPr>
+                        <a:t>this.genstamp</a:t>
+                      </a:r>
+                      <a:r>
+                        <a:rPr lang="en-US" altLang="zh-CN" sz="1100" dirty="0">
+                          <a:solidFill>
+                            <a:srgbClr val="C00000"/>
+                          </a:solidFill>
+                          <a:latin typeface="Courier New" panose="02070309020205020404" pitchFamily="49" charset="0"/>
+                          <a:cs typeface="Courier New" panose="02070309020205020404" pitchFamily="49" charset="0"/>
+                        </a:rPr>
+                        <a:t>;</a:t>
+                      </a:r>
+                    </a:p>
+                    <a:p>
+                      <a:pPr marL="0" marR="0" indent="0" algn="l" rtl="0">
+                        <a:buFontTx/>
+                        <a:buNone/>
+                      </a:pPr>
+                      <a:r>
+                        <a:rPr lang="en-US" altLang="zh-CN" sz="1100" dirty="0">
+                          <a:solidFill>
+                            <a:srgbClr val="C00000"/>
+                          </a:solidFill>
+                          <a:latin typeface="Courier New" panose="02070309020205020404" pitchFamily="49" charset="0"/>
+                          <a:cs typeface="Courier New" panose="02070309020205020404" pitchFamily="49" charset="0"/>
+                        </a:rPr>
+                        <a:t> </a:t>
+                      </a:r>
+                      <a:r>
+                        <a:rPr lang="en-US" altLang="zh-CN" sz="1100" dirty="0">
+                          <a:solidFill>
+                            <a:schemeClr val="tx1"/>
+                          </a:solidFill>
+                          <a:latin typeface="Courier New" panose="02070309020205020404" pitchFamily="49" charset="0"/>
+                          <a:cs typeface="Courier New" panose="02070309020205020404" pitchFamily="49" charset="0"/>
+                        </a:rPr>
+                        <a:t>}</a:t>
+                      </a:r>
+                    </a:p>
+                  </a:txBody>
+                  <a:tcPr/>
+                </a:tc>
+                <a:tc>
+                  <a:txBody>
+                    <a:bodyPr/>
+                    <a:lstStyle/>
+                    <a:p>
+                      <a:pPr marR="0" algn="l" rtl="0"/>
+                      <a:r>
+                        <a:rPr lang="en-US" altLang="zh-CN" sz="1100" dirty="0">
+                          <a:solidFill>
+                            <a:srgbClr val="0070C0"/>
+                          </a:solidFill>
+                          <a:latin typeface="Courier New" panose="02070309020205020404" pitchFamily="49" charset="0"/>
+                          <a:cs typeface="Courier New" panose="02070309020205020404" pitchFamily="49" charset="0"/>
+                        </a:rPr>
+                        <a:t>+private </a:t>
+                      </a:r>
+                      <a:r>
+                        <a:rPr lang="en-US" altLang="zh-CN" sz="1100" dirty="0" err="1">
+                          <a:solidFill>
+                            <a:srgbClr val="0070C0"/>
+                          </a:solidFill>
+                          <a:latin typeface="Courier New" panose="02070309020205020404" pitchFamily="49" charset="0"/>
+                          <a:cs typeface="Courier New" panose="02070309020205020404" pitchFamily="49" charset="0"/>
+                        </a:rPr>
+                        <a:t>AtomicLong</a:t>
+                      </a:r>
+                      <a:r>
+                        <a:rPr lang="en-US" altLang="zh-CN" sz="1100" dirty="0">
+                          <a:solidFill>
+                            <a:srgbClr val="0070C0"/>
+                          </a:solidFill>
+                          <a:latin typeface="Courier New" panose="02070309020205020404" pitchFamily="49" charset="0"/>
+                          <a:cs typeface="Courier New" panose="02070309020205020404" pitchFamily="49" charset="0"/>
+                        </a:rPr>
+                        <a:t> </a:t>
+                      </a:r>
+                      <a:r>
+                        <a:rPr lang="en-US" altLang="zh-CN" sz="1100" dirty="0" err="1">
+                          <a:solidFill>
+                            <a:srgbClr val="0070C0"/>
+                          </a:solidFill>
+                          <a:latin typeface="Courier New" panose="02070309020205020404" pitchFamily="49" charset="0"/>
+                          <a:cs typeface="Courier New" panose="02070309020205020404" pitchFamily="49" charset="0"/>
+                        </a:rPr>
+                        <a:t>genstamp</a:t>
+                      </a:r>
+                      <a:r>
+                        <a:rPr lang="en-US" altLang="zh-CN" sz="1100" dirty="0">
+                          <a:solidFill>
+                            <a:srgbClr val="0070C0"/>
+                          </a:solidFill>
+                          <a:latin typeface="Courier New" panose="02070309020205020404" pitchFamily="49" charset="0"/>
+                          <a:cs typeface="Courier New" panose="02070309020205020404" pitchFamily="49" charset="0"/>
+                        </a:rPr>
+                        <a:t> =</a:t>
+                      </a:r>
+                    </a:p>
+                    <a:p>
+                      <a:pPr marR="0" algn="l" rtl="0"/>
+                      <a:r>
+                        <a:rPr lang="en-US" altLang="zh-CN" sz="1100" dirty="0">
+                          <a:solidFill>
+                            <a:srgbClr val="0070C0"/>
+                          </a:solidFill>
+                          <a:latin typeface="Courier New" panose="02070309020205020404" pitchFamily="49" charset="0"/>
+                          <a:cs typeface="Courier New" panose="02070309020205020404" pitchFamily="49" charset="0"/>
+                        </a:rPr>
+                        <a:t>+  new </a:t>
+                      </a:r>
+                      <a:r>
+                        <a:rPr lang="en-US" altLang="zh-CN" sz="1100" dirty="0" err="1">
+                          <a:solidFill>
+                            <a:srgbClr val="0070C0"/>
+                          </a:solidFill>
+                          <a:latin typeface="Courier New" panose="02070309020205020404" pitchFamily="49" charset="0"/>
+                          <a:cs typeface="Courier New" panose="02070309020205020404" pitchFamily="49" charset="0"/>
+                        </a:rPr>
+                        <a:t>AtomicLong</a:t>
+                      </a:r>
+                      <a:r>
+                        <a:rPr lang="en-US" altLang="zh-CN" sz="1100" dirty="0">
+                          <a:solidFill>
+                            <a:srgbClr val="0070C0"/>
+                          </a:solidFill>
+                          <a:latin typeface="Courier New" panose="02070309020205020404" pitchFamily="49" charset="0"/>
+                          <a:cs typeface="Courier New" panose="02070309020205020404" pitchFamily="49" charset="0"/>
+                        </a:rPr>
+                        <a:t>();</a:t>
+                      </a:r>
+                    </a:p>
+                    <a:p>
+                      <a:pPr marR="0" algn="l" rtl="0"/>
+                      <a:r>
+                        <a:rPr lang="en-US" altLang="zh-CN" sz="1100" dirty="0">
+                          <a:solidFill>
+                            <a:srgbClr val="0070C0"/>
+                          </a:solidFill>
+                          <a:latin typeface="Courier New" panose="02070309020205020404" pitchFamily="49" charset="0"/>
+                          <a:cs typeface="Courier New" panose="02070309020205020404" pitchFamily="49" charset="0"/>
+                        </a:rPr>
+                        <a:t>+public long </a:t>
+                      </a:r>
+                      <a:r>
+                        <a:rPr lang="en-US" altLang="zh-CN" sz="1100" dirty="0" err="1">
+                          <a:solidFill>
+                            <a:srgbClr val="0070C0"/>
+                          </a:solidFill>
+                          <a:latin typeface="Courier New" panose="02070309020205020404" pitchFamily="49" charset="0"/>
+                          <a:cs typeface="Courier New" panose="02070309020205020404" pitchFamily="49" charset="0"/>
+                        </a:rPr>
+                        <a:t>nextStamp</a:t>
+                      </a:r>
+                      <a:r>
+                        <a:rPr lang="en-US" altLang="zh-CN" sz="1100" dirty="0">
+                          <a:solidFill>
+                            <a:srgbClr val="0070C0"/>
+                          </a:solidFill>
+                          <a:latin typeface="Courier New" panose="02070309020205020404" pitchFamily="49" charset="0"/>
+                          <a:cs typeface="Courier New" panose="02070309020205020404" pitchFamily="49" charset="0"/>
+                        </a:rPr>
+                        <a:t>() {</a:t>
+                      </a:r>
+                    </a:p>
+                    <a:p>
+                      <a:pPr marR="0" algn="l" rtl="0"/>
+                      <a:r>
+                        <a:rPr lang="en-US" altLang="zh-CN" sz="1100" dirty="0">
+                          <a:solidFill>
+                            <a:srgbClr val="0070C0"/>
+                          </a:solidFill>
+                          <a:latin typeface="Courier New" panose="02070309020205020404" pitchFamily="49" charset="0"/>
+                          <a:cs typeface="Courier New" panose="02070309020205020404" pitchFamily="49" charset="0"/>
+                        </a:rPr>
+                        <a:t>+  return </a:t>
+                      </a:r>
+                      <a:r>
+                        <a:rPr lang="en-US" altLang="zh-CN" sz="1100" dirty="0" err="1">
+                          <a:solidFill>
+                            <a:srgbClr val="0070C0"/>
+                          </a:solidFill>
+                          <a:latin typeface="Courier New" panose="02070309020205020404" pitchFamily="49" charset="0"/>
+                          <a:cs typeface="Courier New" panose="02070309020205020404" pitchFamily="49" charset="0"/>
+                        </a:rPr>
+                        <a:t>genstamp.incrementAndGet</a:t>
+                      </a:r>
+                      <a:r>
+                        <a:rPr lang="en-US" altLang="zh-CN" sz="1100" dirty="0">
+                          <a:solidFill>
+                            <a:srgbClr val="0070C0"/>
+                          </a:solidFill>
+                          <a:latin typeface="Courier New" panose="02070309020205020404" pitchFamily="49" charset="0"/>
+                          <a:cs typeface="Courier New" panose="02070309020205020404" pitchFamily="49" charset="0"/>
+                        </a:rPr>
+                        <a:t>();</a:t>
+                      </a:r>
+                    </a:p>
+                    <a:p>
+                      <a:pPr marR="0" algn="l" rtl="0"/>
+                      <a:endParaRPr lang="en-US" altLang="zh-CN" sz="1100" dirty="0">
+                        <a:solidFill>
+                          <a:srgbClr val="0070C0"/>
+                        </a:solidFill>
+                        <a:latin typeface="Courier New" panose="02070309020205020404" pitchFamily="49" charset="0"/>
+                        <a:cs typeface="Courier New" panose="02070309020205020404" pitchFamily="49" charset="0"/>
+                      </a:endParaRPr>
+                    </a:p>
+                    <a:p>
+                      <a:pPr marR="0" algn="l" rtl="0"/>
+                      <a:r>
+                        <a:rPr lang="en-US" altLang="zh-CN" sz="1100" dirty="0">
+                          <a:solidFill>
+                            <a:schemeClr val="tx1"/>
+                          </a:solidFill>
+                          <a:latin typeface="Courier New" panose="02070309020205020404" pitchFamily="49" charset="0"/>
+                          <a:cs typeface="Courier New" panose="02070309020205020404" pitchFamily="49" charset="0"/>
+                        </a:rPr>
+                        <a:t>}</a:t>
+                      </a:r>
+                    </a:p>
+                  </a:txBody>
+                  <a:tcPr/>
+                </a:tc>
+                <a:tc>
+                  <a:txBody>
+                    <a:bodyPr/>
+                    <a:lstStyle/>
+                    <a:p>
+                      <a:pPr marR="0" algn="l" rtl="0"/>
+                      <a:endParaRPr lang="zh-CN" altLang="en-US" sz="1100" dirty="0">
+                        <a:latin typeface="Courier New" panose="02070309020205020404" pitchFamily="49" charset="0"/>
+                        <a:cs typeface="Courier New" panose="02070309020205020404" pitchFamily="49" charset="0"/>
+                      </a:endParaRPr>
+                    </a:p>
+                  </a:txBody>
+                  <a:tcPr anchor="ctr"/>
+                </a:tc>
+                <a:tc>
+                  <a:txBody>
+                    <a:bodyPr/>
+                    <a:lstStyle/>
+                    <a:p>
+                      <a:pPr marR="0" algn="l" rtl="0"/>
+                      <a:endParaRPr lang="zh-CN" altLang="en-US" sz="1100" dirty="0">
+                        <a:latin typeface="Courier New" panose="02070309020205020404" pitchFamily="49" charset="0"/>
+                        <a:cs typeface="Courier New" panose="02070309020205020404" pitchFamily="49" charset="0"/>
+                      </a:endParaRPr>
+                    </a:p>
+                  </a:txBody>
+                  <a:tcPr anchor="ctr"/>
+                </a:tc>
+                <a:extLst>
+                  <a:ext uri="{0D108BD9-81ED-4DB2-BD59-A6C34878D82A}">
+                    <a16:rowId xmlns:a16="http://schemas.microsoft.com/office/drawing/2014/main" val="3805773755"/>
+                  </a:ext>
+                </a:extLst>
+              </a:tr>
+            </a:tbl>
+          </a:graphicData>
+        </a:graphic>
+      </p:graphicFrame>
+    </p:spTree>
+    <p:extLst>
+      <p:ext uri="{BB962C8B-B14F-4D97-AF65-F5344CB8AC3E}">
+        <p14:creationId xmlns:p14="http://schemas.microsoft.com/office/powerpoint/2010/main" val="3727762375"/>
       </p:ext>
     </p:extLst>
   </p:cSld>

--- a/visio/patterns.pptx
+++ b/visio/patterns.pptx
@@ -2982,14 +2982,14 @@
             <p:ph idx="1"/>
             <p:extLst>
               <p:ext uri="{D42A27DB-BD31-4B8C-83A1-F6EECF244321}">
-                <p14:modId xmlns:p14="http://schemas.microsoft.com/office/powerpoint/2010/main" val="2553133002"/>
+                <p14:modId xmlns:p14="http://schemas.microsoft.com/office/powerpoint/2010/main" val="2873778408"/>
               </p:ext>
             </p:extLst>
           </p:nvPr>
         </p:nvGraphicFramePr>
         <p:xfrm>
           <a:off x="0" y="1909"/>
-          <a:ext cx="12192000" cy="12325040"/>
+          <a:ext cx="12172950" cy="12483159"/>
         </p:xfrm>
         <a:graphic>
           <a:graphicData uri="http://schemas.openxmlformats.org/drawingml/2006/table">
@@ -3005,28 +3005,28 @@
                     </a:ext>
                   </a:extLst>
                 </a:gridCol>
-                <a:gridCol w="4171631">
+                <a:gridCol w="4274343">
                   <a:extLst>
                     <a:ext uri="{9D8B030D-6E8A-4147-A177-3AD203B41FA5}">
                       <a16:colId xmlns:a16="http://schemas.microsoft.com/office/drawing/2014/main" val="1129046455"/>
                     </a:ext>
                   </a:extLst>
                 </a:gridCol>
-                <a:gridCol w="4143375">
+                <a:gridCol w="4088288">
                   <a:extLst>
                     <a:ext uri="{9D8B030D-6E8A-4147-A177-3AD203B41FA5}">
                       <a16:colId xmlns:a16="http://schemas.microsoft.com/office/drawing/2014/main" val="2369603338"/>
                     </a:ext>
                   </a:extLst>
                 </a:gridCol>
-                <a:gridCol w="1739900">
+                <a:gridCol w="1794987">
                   <a:extLst>
                     <a:ext uri="{9D8B030D-6E8A-4147-A177-3AD203B41FA5}">
                       <a16:colId xmlns:a16="http://schemas.microsoft.com/office/drawing/2014/main" val="2935269635"/>
                     </a:ext>
                   </a:extLst>
                 </a:gridCol>
-                <a:gridCol w="1765300">
+                <a:gridCol w="1643538">
                   <a:extLst>
                     <a:ext uri="{9D8B030D-6E8A-4147-A177-3AD203B41FA5}">
                       <a16:colId xmlns:a16="http://schemas.microsoft.com/office/drawing/2014/main" val="3987723325"/>
@@ -3034,8 +3034,8 @@
                   </a:extLst>
                 </a:gridCol>
               </a:tblGrid>
-              <a:tr h="360041">
-                <a:tc>
+              <a:tr h="180021">
+                <a:tc rowSpan="2">
                   <a:txBody>
                     <a:bodyPr/>
                     <a:lstStyle/>
@@ -3123,6 +3123,107 @@
                 <a:extLst>
                   <a:ext uri="{0D108BD9-81ED-4DB2-BD59-A6C34878D82A}">
                     <a16:rowId xmlns:a16="http://schemas.microsoft.com/office/drawing/2014/main" val="436986935"/>
+                  </a:ext>
+                </a:extLst>
+              </a:tr>
+              <a:tr h="0">
+                <a:tc vMerge="1">
+                  <a:txBody>
+                    <a:bodyPr/>
+                    <a:lstStyle/>
+                    <a:p>
+                      <a:endParaRPr lang="zh-CN" altLang="en-US"/>
+                    </a:p>
+                  </a:txBody>
+                  <a:tcPr/>
+                </a:tc>
+                <a:tc>
+                  <a:txBody>
+                    <a:bodyPr/>
+                    <a:lstStyle/>
+                    <a:p>
+                      <a:pPr algn="ctr"/>
+                      <a:r>
+                        <a:rPr lang="en-US" altLang="zh-CN" sz="1100" b="0" i="0" dirty="0">
+                          <a:latin typeface="Courier New" panose="02070309020205020404" pitchFamily="49" charset="0"/>
+                          <a:cs typeface="Courier New" panose="02070309020205020404" pitchFamily="49" charset="0"/>
+                        </a:rPr>
+                        <a:t>Original</a:t>
+                      </a:r>
+                      <a:endParaRPr lang="zh-CN" altLang="en-US" sz="1100" b="0" i="0" dirty="0">
+                        <a:latin typeface="Courier New" panose="02070309020205020404" pitchFamily="49" charset="0"/>
+                        <a:cs typeface="Courier New" panose="02070309020205020404" pitchFamily="49" charset="0"/>
+                      </a:endParaRPr>
+                    </a:p>
+                  </a:txBody>
+                  <a:tcPr anchor="ctr"/>
+                </a:tc>
+                <a:tc>
+                  <a:txBody>
+                    <a:bodyPr/>
+                    <a:lstStyle/>
+                    <a:p>
+                      <a:pPr algn="ctr"/>
+                      <a:r>
+                        <a:rPr lang="en-US" altLang="zh-CN" sz="1100" b="0" i="0" dirty="0">
+                          <a:latin typeface="Courier New" panose="02070309020205020404" pitchFamily="49" charset="0"/>
+                          <a:cs typeface="Courier New" panose="02070309020205020404" pitchFamily="49" charset="0"/>
+                        </a:rPr>
+                        <a:t>Modified</a:t>
+                      </a:r>
+                      <a:endParaRPr lang="zh-CN" altLang="en-US" sz="1100" b="0" i="0" dirty="0">
+                        <a:latin typeface="Courier New" panose="02070309020205020404" pitchFamily="49" charset="0"/>
+                        <a:cs typeface="Courier New" panose="02070309020205020404" pitchFamily="49" charset="0"/>
+                      </a:endParaRPr>
+                    </a:p>
+                  </a:txBody>
+                  <a:tcPr anchor="ctr"/>
+                </a:tc>
+                <a:tc>
+                  <a:txBody>
+                    <a:bodyPr/>
+                    <a:lstStyle/>
+                    <a:p>
+                      <a:pPr marR="0" algn="ctr" rtl="0"/>
+                      <a:r>
+                        <a:rPr lang="en-US" altLang="zh-CN" sz="1100" b="0" i="0" dirty="0">
+                          <a:latin typeface="Courier New" panose="02070309020205020404" pitchFamily="49" charset="0"/>
+                          <a:cs typeface="Courier New" panose="02070309020205020404" pitchFamily="49" charset="0"/>
+                        </a:rPr>
+                        <a:t>Original</a:t>
+                      </a:r>
+                      <a:endParaRPr lang="zh-CN" altLang="en-US" sz="1100" b="0" i="0" dirty="0">
+                        <a:latin typeface="Courier New" panose="02070309020205020404" pitchFamily="49" charset="0"/>
+                        <a:cs typeface="Courier New" panose="02070309020205020404" pitchFamily="49" charset="0"/>
+                      </a:endParaRPr>
+                    </a:p>
+                  </a:txBody>
+                  <a:tcPr anchor="ctr"/>
+                </a:tc>
+                <a:tc>
+                  <a:txBody>
+                    <a:bodyPr/>
+                    <a:lstStyle/>
+                    <a:p>
+                      <a:pPr algn="ctr"/>
+                      <a:r>
+                        <a:rPr lang="en-US" altLang="zh-CN" sz="1100" b="0" i="0" dirty="0">
+                          <a:latin typeface="Courier New" panose="02070309020205020404" pitchFamily="49" charset="0"/>
+                          <a:cs typeface="Courier New" panose="02070309020205020404" pitchFamily="49" charset="0"/>
+                        </a:rPr>
+                        <a:t>Modified</a:t>
+                      </a:r>
+                      <a:endParaRPr lang="zh-CN" altLang="en-US" sz="1100" b="0" i="0" dirty="0">
+                        <a:latin typeface="Courier New" panose="02070309020205020404" pitchFamily="49" charset="0"/>
+                        <a:cs typeface="Courier New" panose="02070309020205020404" pitchFamily="49" charset="0"/>
+                      </a:endParaRPr>
+                    </a:p>
+                  </a:txBody>
+                  <a:tcPr anchor="ctr"/>
+                </a:tc>
+                <a:extLst>
+                  <a:ext uri="{0D108BD9-81ED-4DB2-BD59-A6C34878D82A}">
+                    <a16:rowId xmlns:a16="http://schemas.microsoft.com/office/drawing/2014/main" val="2327670510"/>
                   </a:ext>
                 </a:extLst>
               </a:tr>

--- a/visio/patterns.pptx
+++ b/visio/patterns.pptx
@@ -244,7 +244,7 @@
           <a:p>
             <a:fld id="{9A9588F4-A4CE-45D6-BF9E-2ECB20C17A22}" type="datetimeFigureOut">
               <a:rPr lang="zh-CN" altLang="en-US" smtClean="0"/>
-              <a:t>2017/4/4</a:t>
+              <a:t>2017/4/5</a:t>
             </a:fld>
             <a:endParaRPr lang="zh-CN" altLang="en-US"/>
           </a:p>
@@ -414,7 +414,7 @@
           <a:p>
             <a:fld id="{9A9588F4-A4CE-45D6-BF9E-2ECB20C17A22}" type="datetimeFigureOut">
               <a:rPr lang="zh-CN" altLang="en-US" smtClean="0"/>
-              <a:t>2017/4/4</a:t>
+              <a:t>2017/4/5</a:t>
             </a:fld>
             <a:endParaRPr lang="zh-CN" altLang="en-US"/>
           </a:p>
@@ -594,7 +594,7 @@
           <a:p>
             <a:fld id="{9A9588F4-A4CE-45D6-BF9E-2ECB20C17A22}" type="datetimeFigureOut">
               <a:rPr lang="zh-CN" altLang="en-US" smtClean="0"/>
-              <a:t>2017/4/4</a:t>
+              <a:t>2017/4/5</a:t>
             </a:fld>
             <a:endParaRPr lang="zh-CN" altLang="en-US"/>
           </a:p>
@@ -764,7 +764,7 @@
           <a:p>
             <a:fld id="{9A9588F4-A4CE-45D6-BF9E-2ECB20C17A22}" type="datetimeFigureOut">
               <a:rPr lang="zh-CN" altLang="en-US" smtClean="0"/>
-              <a:t>2017/4/4</a:t>
+              <a:t>2017/4/5</a:t>
             </a:fld>
             <a:endParaRPr lang="zh-CN" altLang="en-US"/>
           </a:p>
@@ -1008,7 +1008,7 @@
           <a:p>
             <a:fld id="{9A9588F4-A4CE-45D6-BF9E-2ECB20C17A22}" type="datetimeFigureOut">
               <a:rPr lang="zh-CN" altLang="en-US" smtClean="0"/>
-              <a:t>2017/4/4</a:t>
+              <a:t>2017/4/5</a:t>
             </a:fld>
             <a:endParaRPr lang="zh-CN" altLang="en-US"/>
           </a:p>
@@ -1240,7 +1240,7 @@
           <a:p>
             <a:fld id="{9A9588F4-A4CE-45D6-BF9E-2ECB20C17A22}" type="datetimeFigureOut">
               <a:rPr lang="zh-CN" altLang="en-US" smtClean="0"/>
-              <a:t>2017/4/4</a:t>
+              <a:t>2017/4/5</a:t>
             </a:fld>
             <a:endParaRPr lang="zh-CN" altLang="en-US"/>
           </a:p>
@@ -1607,7 +1607,7 @@
           <a:p>
             <a:fld id="{9A9588F4-A4CE-45D6-BF9E-2ECB20C17A22}" type="datetimeFigureOut">
               <a:rPr lang="zh-CN" altLang="en-US" smtClean="0"/>
-              <a:t>2017/4/4</a:t>
+              <a:t>2017/4/5</a:t>
             </a:fld>
             <a:endParaRPr lang="zh-CN" altLang="en-US"/>
           </a:p>
@@ -1725,7 +1725,7 @@
           <a:p>
             <a:fld id="{9A9588F4-A4CE-45D6-BF9E-2ECB20C17A22}" type="datetimeFigureOut">
               <a:rPr lang="zh-CN" altLang="en-US" smtClean="0"/>
-              <a:t>2017/4/4</a:t>
+              <a:t>2017/4/5</a:t>
             </a:fld>
             <a:endParaRPr lang="zh-CN" altLang="en-US"/>
           </a:p>
@@ -1820,7 +1820,7 @@
           <a:p>
             <a:fld id="{9A9588F4-A4CE-45D6-BF9E-2ECB20C17A22}" type="datetimeFigureOut">
               <a:rPr lang="zh-CN" altLang="en-US" smtClean="0"/>
-              <a:t>2017/4/4</a:t>
+              <a:t>2017/4/5</a:t>
             </a:fld>
             <a:endParaRPr lang="zh-CN" altLang="en-US"/>
           </a:p>
@@ -2097,7 +2097,7 @@
           <a:p>
             <a:fld id="{9A9588F4-A4CE-45D6-BF9E-2ECB20C17A22}" type="datetimeFigureOut">
               <a:rPr lang="zh-CN" altLang="en-US" smtClean="0"/>
-              <a:t>2017/4/4</a:t>
+              <a:t>2017/4/5</a:t>
             </a:fld>
             <a:endParaRPr lang="zh-CN" altLang="en-US"/>
           </a:p>
@@ -2354,7 +2354,7 @@
           <a:p>
             <a:fld id="{9A9588F4-A4CE-45D6-BF9E-2ECB20C17A22}" type="datetimeFigureOut">
               <a:rPr lang="zh-CN" altLang="en-US" smtClean="0"/>
-              <a:t>2017/4/4</a:t>
+              <a:t>2017/4/5</a:t>
             </a:fld>
             <a:endParaRPr lang="zh-CN" altLang="en-US"/>
           </a:p>
@@ -2567,7 +2567,7 @@
           <a:p>
             <a:fld id="{9A9588F4-A4CE-45D6-BF9E-2ECB20C17A22}" type="datetimeFigureOut">
               <a:rPr lang="zh-CN" altLang="en-US" smtClean="0"/>
-              <a:t>2017/4/4</a:t>
+              <a:t>2017/4/5</a:t>
             </a:fld>
             <a:endParaRPr lang="zh-CN" altLang="en-US"/>
           </a:p>
@@ -2982,14 +2982,14 @@
             <p:ph idx="1"/>
             <p:extLst>
               <p:ext uri="{D42A27DB-BD31-4B8C-83A1-F6EECF244321}">
-                <p14:modId xmlns:p14="http://schemas.microsoft.com/office/powerpoint/2010/main" val="2873778408"/>
+                <p14:modId xmlns:p14="http://schemas.microsoft.com/office/powerpoint/2010/main" val="774177259"/>
               </p:ext>
             </p:extLst>
           </p:nvPr>
         </p:nvGraphicFramePr>
         <p:xfrm>
           <a:off x="0" y="1909"/>
-          <a:ext cx="12172950" cy="12483159"/>
+          <a:ext cx="12184380" cy="12483159"/>
         </p:xfrm>
         <a:graphic>
           <a:graphicData uri="http://schemas.openxmlformats.org/drawingml/2006/table">
@@ -3001,35 +3001,35 @@
                 <a:gridCol w="371794">
                   <a:extLst>
                     <a:ext uri="{9D8B030D-6E8A-4147-A177-3AD203B41FA5}">
-                      <a16:colId xmlns:a16="http://schemas.microsoft.com/office/drawing/2014/main" val="1495994520"/>
+                      <a16:colId xmlns:a16="http://schemas.microsoft.com/office/drawing/2014/main" xmlns="" val="1495994520"/>
                     </a:ext>
                   </a:extLst>
                 </a:gridCol>
                 <a:gridCol w="4274343">
                   <a:extLst>
                     <a:ext uri="{9D8B030D-6E8A-4147-A177-3AD203B41FA5}">
-                      <a16:colId xmlns:a16="http://schemas.microsoft.com/office/drawing/2014/main" val="1129046455"/>
+                      <a16:colId xmlns:a16="http://schemas.microsoft.com/office/drawing/2014/main" xmlns="" val="1129046455"/>
                     </a:ext>
                   </a:extLst>
                 </a:gridCol>
                 <a:gridCol w="4088288">
                   <a:extLst>
                     <a:ext uri="{9D8B030D-6E8A-4147-A177-3AD203B41FA5}">
-                      <a16:colId xmlns:a16="http://schemas.microsoft.com/office/drawing/2014/main" val="2369603338"/>
+                      <a16:colId xmlns:a16="http://schemas.microsoft.com/office/drawing/2014/main" xmlns="" val="2369603338"/>
                     </a:ext>
                   </a:extLst>
                 </a:gridCol>
                 <a:gridCol w="1794987">
                   <a:extLst>
                     <a:ext uri="{9D8B030D-6E8A-4147-A177-3AD203B41FA5}">
-                      <a16:colId xmlns:a16="http://schemas.microsoft.com/office/drawing/2014/main" val="2935269635"/>
+                      <a16:colId xmlns:a16="http://schemas.microsoft.com/office/drawing/2014/main" xmlns="" val="2935269635"/>
                     </a:ext>
                   </a:extLst>
                 </a:gridCol>
-                <a:gridCol w="1643538">
+                <a:gridCol w="1654968">
                   <a:extLst>
                     <a:ext uri="{9D8B030D-6E8A-4147-A177-3AD203B41FA5}">
-                      <a16:colId xmlns:a16="http://schemas.microsoft.com/office/drawing/2014/main" val="3987723325"/>
+                      <a16:colId xmlns:a16="http://schemas.microsoft.com/office/drawing/2014/main" xmlns="" val="3987723325"/>
                     </a:ext>
                   </a:extLst>
                 </a:gridCol>
@@ -3122,7 +3122,7 @@
                 </a:tc>
                 <a:extLst>
                   <a:ext uri="{0D108BD9-81ED-4DB2-BD59-A6C34878D82A}">
-                    <a16:rowId xmlns:a16="http://schemas.microsoft.com/office/drawing/2014/main" val="436986935"/>
+                    <a16:rowId xmlns:a16="http://schemas.microsoft.com/office/drawing/2014/main" xmlns="" val="436986935"/>
                   </a:ext>
                 </a:extLst>
               </a:tr>
@@ -3223,7 +3223,7 @@
                 </a:tc>
                 <a:extLst>
                   <a:ext uri="{0D108BD9-81ED-4DB2-BD59-A6C34878D82A}">
-                    <a16:rowId xmlns:a16="http://schemas.microsoft.com/office/drawing/2014/main" val="2327670510"/>
+                    <a16:rowId xmlns:a16="http://schemas.microsoft.com/office/drawing/2014/main" xmlns="" val="2327670510"/>
                   </a:ext>
                 </a:extLst>
               </a:tr>
@@ -3896,7 +3896,7 @@
                 </a:tc>
                 <a:extLst>
                   <a:ext uri="{0D108BD9-81ED-4DB2-BD59-A6C34878D82A}">
-                    <a16:rowId xmlns:a16="http://schemas.microsoft.com/office/drawing/2014/main" val="491477770"/>
+                    <a16:rowId xmlns:a16="http://schemas.microsoft.com/office/drawing/2014/main" xmlns="" val="491477770"/>
                   </a:ext>
                 </a:extLst>
               </a:tr>
@@ -5226,7 +5226,7 @@
                 </a:tc>
                 <a:extLst>
                   <a:ext uri="{0D108BD9-81ED-4DB2-BD59-A6C34878D82A}">
-                    <a16:rowId xmlns:a16="http://schemas.microsoft.com/office/drawing/2014/main" val="2969912682"/>
+                    <a16:rowId xmlns:a16="http://schemas.microsoft.com/office/drawing/2014/main" xmlns="" val="2969912682"/>
                   </a:ext>
                 </a:extLst>
               </a:tr>
@@ -6236,7 +6236,7 @@
                 </a:tc>
                 <a:extLst>
                   <a:ext uri="{0D108BD9-81ED-4DB2-BD59-A6C34878D82A}">
-                    <a16:rowId xmlns:a16="http://schemas.microsoft.com/office/drawing/2014/main" val="1325939187"/>
+                    <a16:rowId xmlns:a16="http://schemas.microsoft.com/office/drawing/2014/main" xmlns="" val="1325939187"/>
                   </a:ext>
                 </a:extLst>
               </a:tr>
@@ -6685,7 +6685,7 @@
                 </a:tc>
                 <a:extLst>
                   <a:ext uri="{0D108BD9-81ED-4DB2-BD59-A6C34878D82A}">
-                    <a16:rowId xmlns:a16="http://schemas.microsoft.com/office/drawing/2014/main" val="3985160712"/>
+                    <a16:rowId xmlns:a16="http://schemas.microsoft.com/office/drawing/2014/main" xmlns="" val="3985160712"/>
                   </a:ext>
                 </a:extLst>
               </a:tr>
@@ -6987,7 +6987,7 @@
                 </a:tc>
                 <a:extLst>
                   <a:ext uri="{0D108BD9-81ED-4DB2-BD59-A6C34878D82A}">
-                    <a16:rowId xmlns:a16="http://schemas.microsoft.com/office/drawing/2014/main" val="2999866162"/>
+                    <a16:rowId xmlns:a16="http://schemas.microsoft.com/office/drawing/2014/main" xmlns="" val="2999866162"/>
                   </a:ext>
                 </a:extLst>
               </a:tr>
@@ -7533,7 +7533,7 @@
                 </a:tc>
                 <a:extLst>
                   <a:ext uri="{0D108BD9-81ED-4DB2-BD59-A6C34878D82A}">
-                    <a16:rowId xmlns:a16="http://schemas.microsoft.com/office/drawing/2014/main" val="1148156286"/>
+                    <a16:rowId xmlns:a16="http://schemas.microsoft.com/office/drawing/2014/main" xmlns="" val="1148156286"/>
                   </a:ext>
                 </a:extLst>
               </a:tr>
@@ -7581,14 +7581,14 @@
             <p:ph idx="1"/>
             <p:extLst>
               <p:ext uri="{D42A27DB-BD31-4B8C-83A1-F6EECF244321}">
-                <p14:modId xmlns:p14="http://schemas.microsoft.com/office/powerpoint/2010/main" val="3392688508"/>
+                <p14:modId xmlns:p14="http://schemas.microsoft.com/office/powerpoint/2010/main" val="1688864260"/>
               </p:ext>
             </p:extLst>
           </p:nvPr>
         </p:nvGraphicFramePr>
         <p:xfrm>
           <a:off x="0" y="0"/>
-          <a:ext cx="12192000" cy="6829756"/>
+          <a:ext cx="12192000" cy="8681416"/>
         </p:xfrm>
         <a:graphic>
           <a:graphicData uri="http://schemas.openxmlformats.org/drawingml/2006/table">
@@ -7600,35 +7600,35 @@
                 <a:gridCol w="371794">
                   <a:extLst>
                     <a:ext uri="{9D8B030D-6E8A-4147-A177-3AD203B41FA5}">
-                      <a16:colId xmlns:a16="http://schemas.microsoft.com/office/drawing/2014/main" val="979900478"/>
+                      <a16:colId xmlns:a16="http://schemas.microsoft.com/office/drawing/2014/main" xmlns="" val="979900478"/>
                     </a:ext>
                   </a:extLst>
                 </a:gridCol>
                 <a:gridCol w="4171631">
                   <a:extLst>
                     <a:ext uri="{9D8B030D-6E8A-4147-A177-3AD203B41FA5}">
-                      <a16:colId xmlns:a16="http://schemas.microsoft.com/office/drawing/2014/main" val="286836760"/>
+                      <a16:colId xmlns:a16="http://schemas.microsoft.com/office/drawing/2014/main" xmlns="" val="286836760"/>
                     </a:ext>
                   </a:extLst>
                 </a:gridCol>
                 <a:gridCol w="4143375">
                   <a:extLst>
                     <a:ext uri="{9D8B030D-6E8A-4147-A177-3AD203B41FA5}">
-                      <a16:colId xmlns:a16="http://schemas.microsoft.com/office/drawing/2014/main" val="3142399520"/>
+                      <a16:colId xmlns:a16="http://schemas.microsoft.com/office/drawing/2014/main" xmlns="" val="3142399520"/>
                     </a:ext>
                   </a:extLst>
                 </a:gridCol>
                 <a:gridCol w="1739900">
                   <a:extLst>
                     <a:ext uri="{9D8B030D-6E8A-4147-A177-3AD203B41FA5}">
-                      <a16:colId xmlns:a16="http://schemas.microsoft.com/office/drawing/2014/main" val="2860468690"/>
+                      <a16:colId xmlns:a16="http://schemas.microsoft.com/office/drawing/2014/main" xmlns="" val="2860468690"/>
                     </a:ext>
                   </a:extLst>
                 </a:gridCol>
                 <a:gridCol w="1765300">
                   <a:extLst>
                     <a:ext uri="{9D8B030D-6E8A-4147-A177-3AD203B41FA5}">
-                      <a16:colId xmlns:a16="http://schemas.microsoft.com/office/drawing/2014/main" val="572246273"/>
+                      <a16:colId xmlns:a16="http://schemas.microsoft.com/office/drawing/2014/main" xmlns="" val="572246273"/>
                     </a:ext>
                   </a:extLst>
                 </a:gridCol>
@@ -7727,7 +7727,7 @@
                 </a:tc>
                 <a:extLst>
                   <a:ext uri="{0D108BD9-81ED-4DB2-BD59-A6C34878D82A}">
-                    <a16:rowId xmlns:a16="http://schemas.microsoft.com/office/drawing/2014/main" val="255238892"/>
+                    <a16:rowId xmlns:a16="http://schemas.microsoft.com/office/drawing/2014/main" xmlns="" val="255238892"/>
                   </a:ext>
                 </a:extLst>
               </a:tr>
@@ -7759,13 +7759,393 @@
                     <a:lstStyle/>
                     <a:p>
                       <a:pPr marR="0" algn="l" rtl="0"/>
-                      <a:endParaRPr lang="en-US" altLang="zh-CN" sz="1100" dirty="0">
+                      <a:r>
+                        <a:rPr lang="en-US" altLang="zh-CN" sz="1100" dirty="0" smtClean="0">
+                          <a:solidFill>
+                            <a:srgbClr val="C00000"/>
+                          </a:solidFill>
+                          <a:latin typeface="Courier New" panose="02070309020205020404" pitchFamily="49" charset="0"/>
+                          <a:cs typeface="Courier New" panose="02070309020205020404" pitchFamily="49" charset="0"/>
+                        </a:rPr>
+                        <a:t>-synchronized void </a:t>
+                      </a:r>
+                      <a:r>
+                        <a:rPr lang="en-US" altLang="zh-CN" sz="1100" dirty="0" err="1" smtClean="0">
+                          <a:solidFill>
+                            <a:srgbClr val="C00000"/>
+                          </a:solidFill>
+                          <a:latin typeface="Courier New" panose="02070309020205020404" pitchFamily="49" charset="0"/>
+                          <a:cs typeface="Courier New" panose="02070309020205020404" pitchFamily="49" charset="0"/>
+                        </a:rPr>
+                        <a:t>enqueue</a:t>
+                      </a:r>
+                      <a:r>
+                        <a:rPr lang="en-US" altLang="zh-CN" sz="1100" dirty="0" smtClean="0">
+                          <a:solidFill>
+                            <a:srgbClr val="C00000"/>
+                          </a:solidFill>
+                          <a:latin typeface="Courier New" panose="02070309020205020404" pitchFamily="49" charset="0"/>
+                          <a:cs typeface="Courier New" panose="02070309020205020404" pitchFamily="49" charset="0"/>
+                        </a:rPr>
+                        <a:t>(final long </a:t>
+                      </a:r>
+                      <a:r>
+                        <a:rPr lang="en-US" altLang="zh-CN" sz="1100" dirty="0" err="1" smtClean="0">
+                          <a:solidFill>
+                            <a:srgbClr val="C00000"/>
+                          </a:solidFill>
+                          <a:latin typeface="Courier New" panose="02070309020205020404" pitchFamily="49" charset="0"/>
+                          <a:cs typeface="Courier New" panose="02070309020205020404" pitchFamily="49" charset="0"/>
+                        </a:rPr>
+                        <a:t>seqno</a:t>
+                      </a:r>
+                      <a:r>
+                        <a:rPr lang="en-US" altLang="zh-CN" sz="1100" dirty="0" smtClean="0">
+                          <a:solidFill>
+                            <a:srgbClr val="C00000"/>
+                          </a:solidFill>
+                          <a:latin typeface="Courier New" panose="02070309020205020404" pitchFamily="49" charset="0"/>
+                          <a:cs typeface="Courier New" panose="02070309020205020404" pitchFamily="49" charset="0"/>
+                        </a:rPr>
+                        <a:t>,</a:t>
+                      </a:r>
+                      <a:endParaRPr lang="en-US" altLang="zh-CN" sz="1100" baseline="0" dirty="0" smtClean="0">
+                        <a:solidFill>
+                          <a:srgbClr val="C00000"/>
+                        </a:solidFill>
+                        <a:latin typeface="Courier New" panose="02070309020205020404" pitchFamily="49" charset="0"/>
+                        <a:cs typeface="Courier New" panose="02070309020205020404" pitchFamily="49" charset="0"/>
+                      </a:endParaRPr>
+                    </a:p>
+                    <a:p>
+                      <a:pPr marL="0" marR="0" indent="0" algn="l" rtl="0">
+                        <a:buFontTx/>
+                        <a:buNone/>
+                      </a:pPr>
+                      <a:r>
+                        <a:rPr lang="en-US" altLang="zh-CN" sz="1100" dirty="0" smtClean="0">
+                          <a:solidFill>
+                            <a:schemeClr val="tx1"/>
+                          </a:solidFill>
+                          <a:latin typeface="Courier New" panose="02070309020205020404" pitchFamily="49" charset="0"/>
+                          <a:cs typeface="Courier New" panose="02070309020205020404" pitchFamily="49" charset="0"/>
+                        </a:rPr>
+                        <a:t>   final </a:t>
+                      </a:r>
+                      <a:r>
+                        <a:rPr lang="en-US" altLang="zh-CN" sz="1100" dirty="0" err="1" smtClean="0">
+                          <a:solidFill>
+                            <a:schemeClr val="tx1"/>
+                          </a:solidFill>
+                          <a:latin typeface="Courier New" panose="02070309020205020404" pitchFamily="49" charset="0"/>
+                          <a:cs typeface="Courier New" panose="02070309020205020404" pitchFamily="49" charset="0"/>
+                        </a:rPr>
+                        <a:t>boolean</a:t>
+                      </a:r>
+                      <a:r>
+                        <a:rPr lang="en-US" altLang="zh-CN" sz="1100" dirty="0" smtClean="0">
+                          <a:solidFill>
+                            <a:schemeClr val="tx1"/>
+                          </a:solidFill>
+                          <a:latin typeface="Courier New" panose="02070309020205020404" pitchFamily="49" charset="0"/>
+                          <a:cs typeface="Courier New" panose="02070309020205020404" pitchFamily="49" charset="0"/>
+                        </a:rPr>
+                        <a:t> </a:t>
+                      </a:r>
+                      <a:r>
+                        <a:rPr lang="en-US" altLang="zh-CN" sz="1100" dirty="0" err="1" smtClean="0">
+                          <a:solidFill>
+                            <a:schemeClr val="tx1"/>
+                          </a:solidFill>
+                          <a:latin typeface="Courier New" panose="02070309020205020404" pitchFamily="49" charset="0"/>
+                          <a:cs typeface="Courier New" panose="02070309020205020404" pitchFamily="49" charset="0"/>
+                        </a:rPr>
+                        <a:t>lastPacketInBlock</a:t>
+                      </a:r>
+                      <a:r>
+                        <a:rPr lang="en-US" altLang="zh-CN" sz="1100" dirty="0" smtClean="0">
+                          <a:solidFill>
+                            <a:schemeClr val="tx1"/>
+                          </a:solidFill>
+                          <a:latin typeface="Courier New" panose="02070309020205020404" pitchFamily="49" charset="0"/>
+                          <a:cs typeface="Courier New" panose="02070309020205020404" pitchFamily="49" charset="0"/>
+                        </a:rPr>
+                        <a:t>,</a:t>
+                      </a:r>
+                    </a:p>
+                    <a:p>
+                      <a:pPr marL="0" marR="0" indent="0" algn="l" rtl="0">
+                        <a:buFontTx/>
+                        <a:buNone/>
+                      </a:pPr>
+                      <a:r>
+                        <a:rPr lang="en-US" altLang="zh-CN" sz="1100" dirty="0" smtClean="0">
+                          <a:solidFill>
+                            <a:schemeClr val="tx1"/>
+                          </a:solidFill>
+                          <a:latin typeface="Courier New" panose="02070309020205020404" pitchFamily="49" charset="0"/>
+                          <a:cs typeface="Courier New" panose="02070309020205020404" pitchFamily="49" charset="0"/>
+                        </a:rPr>
+                        <a:t>   final long </a:t>
+                      </a:r>
+                      <a:r>
+                        <a:rPr lang="en-US" altLang="zh-CN" sz="1100" dirty="0" err="1" smtClean="0">
+                          <a:solidFill>
+                            <a:schemeClr val="tx1"/>
+                          </a:solidFill>
+                          <a:latin typeface="Courier New" panose="02070309020205020404" pitchFamily="49" charset="0"/>
+                          <a:cs typeface="Courier New" panose="02070309020205020404" pitchFamily="49" charset="0"/>
+                        </a:rPr>
+                        <a:t>offsetInBlock</a:t>
+                      </a:r>
+                      <a:r>
+                        <a:rPr lang="en-US" altLang="zh-CN" sz="1100" dirty="0" smtClean="0">
+                          <a:solidFill>
+                            <a:schemeClr val="tx1"/>
+                          </a:solidFill>
+                          <a:latin typeface="Courier New" panose="02070309020205020404" pitchFamily="49" charset="0"/>
+                          <a:cs typeface="Courier New" panose="02070309020205020404" pitchFamily="49" charset="0"/>
+                        </a:rPr>
+                        <a:t>) {</a:t>
+                      </a:r>
+                    </a:p>
+                    <a:p>
+                      <a:pPr marL="0" marR="0" indent="0" algn="l" rtl="0">
+                        <a:buFontTx/>
+                        <a:buNone/>
+                      </a:pPr>
+                      <a:r>
+                        <a:rPr lang="en-US" altLang="zh-CN" sz="1100" dirty="0" smtClean="0">
+                          <a:solidFill>
+                            <a:srgbClr val="C00000"/>
+                          </a:solidFill>
+                          <a:latin typeface="Courier New" panose="02070309020205020404" pitchFamily="49" charset="0"/>
+                          <a:cs typeface="Courier New" panose="02070309020205020404" pitchFamily="49" charset="0"/>
+                        </a:rPr>
+                        <a:t>-  if</a:t>
+                      </a:r>
+                      <a:r>
+                        <a:rPr lang="en-US" altLang="zh-CN" sz="1100" baseline="0" dirty="0" smtClean="0">
+                          <a:solidFill>
+                            <a:srgbClr val="C00000"/>
+                          </a:solidFill>
+                          <a:latin typeface="Courier New" panose="02070309020205020404" pitchFamily="49" charset="0"/>
+                          <a:cs typeface="Courier New" panose="02070309020205020404" pitchFamily="49" charset="0"/>
+                        </a:rPr>
+                        <a:t> (running) {</a:t>
+                      </a:r>
+                    </a:p>
+                    <a:p>
+                      <a:pPr marL="0" marR="0" indent="0" algn="l" rtl="0">
+                        <a:buFontTx/>
+                        <a:buNone/>
+                      </a:pPr>
+                      <a:r>
+                        <a:rPr lang="en-US" altLang="zh-CN" sz="1100" baseline="0" dirty="0" smtClean="0">
+                          <a:solidFill>
+                            <a:schemeClr val="tx1"/>
+                          </a:solidFill>
+                          <a:latin typeface="Courier New" panose="02070309020205020404" pitchFamily="49" charset="0"/>
+                          <a:cs typeface="Courier New" panose="02070309020205020404" pitchFamily="49" charset="0"/>
+                        </a:rPr>
+                        <a:t> </a:t>
+                      </a:r>
+                      <a:r>
+                        <a:rPr lang="en-US" altLang="zh-CN" sz="1100" dirty="0" smtClean="0">
+                          <a:solidFill>
+                            <a:schemeClr val="tx1"/>
+                          </a:solidFill>
+                          <a:latin typeface="Courier New" panose="02070309020205020404" pitchFamily="49" charset="0"/>
+                          <a:cs typeface="Courier New" panose="02070309020205020404" pitchFamily="49" charset="0"/>
+                        </a:rPr>
+                        <a:t>    final</a:t>
+                      </a:r>
+                      <a:r>
+                        <a:rPr lang="en-US" altLang="zh-CN" sz="1100" baseline="0" dirty="0" smtClean="0">
+                          <a:solidFill>
+                            <a:schemeClr val="tx1"/>
+                          </a:solidFill>
+                          <a:latin typeface="Courier New" panose="02070309020205020404" pitchFamily="49" charset="0"/>
+                          <a:cs typeface="Courier New" panose="02070309020205020404" pitchFamily="49" charset="0"/>
+                        </a:rPr>
+                        <a:t> Packet p = new Packet(...);</a:t>
+                      </a:r>
+                    </a:p>
+                    <a:p>
+                      <a:pPr marL="0" marR="0" indent="0" algn="l" rtl="0">
+                        <a:buFontTx/>
+                        <a:buNone/>
+                      </a:pPr>
+                      <a:r>
+                        <a:rPr lang="en-US" altLang="zh-CN" sz="1100" baseline="0" dirty="0" smtClean="0">
+                          <a:solidFill>
+                            <a:schemeClr val="tx1"/>
+                          </a:solidFill>
+                          <a:latin typeface="Courier New" panose="02070309020205020404" pitchFamily="49" charset="0"/>
+                          <a:cs typeface="Courier New" panose="02070309020205020404" pitchFamily="49" charset="0"/>
+                        </a:rPr>
+                        <a:t>     </a:t>
+                      </a:r>
+                      <a:r>
+                        <a:rPr lang="en-US" altLang="zh-CN" sz="1100" baseline="0" dirty="0" err="1" smtClean="0">
+                          <a:solidFill>
+                            <a:schemeClr val="tx1"/>
+                          </a:solidFill>
+                          <a:latin typeface="Courier New" panose="02070309020205020404" pitchFamily="49" charset="0"/>
+                          <a:cs typeface="Courier New" panose="02070309020205020404" pitchFamily="49" charset="0"/>
+                        </a:rPr>
+                        <a:t>LOG.debug</a:t>
+                      </a:r>
+                      <a:r>
+                        <a:rPr lang="en-US" altLang="zh-CN" sz="1100" baseline="0" dirty="0" smtClean="0">
+                          <a:solidFill>
+                            <a:schemeClr val="tx1"/>
+                          </a:solidFill>
+                          <a:latin typeface="Courier New" panose="02070309020205020404" pitchFamily="49" charset="0"/>
+                          <a:cs typeface="Courier New" panose="02070309020205020404" pitchFamily="49" charset="0"/>
+                        </a:rPr>
+                        <a:t>(...);</a:t>
+                      </a:r>
+                    </a:p>
+                    <a:p>
+                      <a:pPr marL="0" marR="0" indent="0" algn="l" rtl="0">
+                        <a:buFontTx/>
+                        <a:buNone/>
+                      </a:pPr>
+                      <a:endParaRPr lang="en-US" altLang="zh-CN" sz="1100" baseline="0" dirty="0" smtClean="0">
                         <a:solidFill>
                           <a:schemeClr val="tx1"/>
                         </a:solidFill>
                         <a:latin typeface="Courier New" panose="02070309020205020404" pitchFamily="49" charset="0"/>
                         <a:cs typeface="Courier New" panose="02070309020205020404" pitchFamily="49" charset="0"/>
                       </a:endParaRPr>
+                    </a:p>
+                    <a:p>
+                      <a:pPr marL="0" marR="0" indent="0" algn="l" rtl="0">
+                        <a:buFontTx/>
+                        <a:buNone/>
+                      </a:pPr>
+                      <a:endParaRPr lang="en-US" altLang="zh-CN" sz="1100" baseline="0" dirty="0" smtClean="0">
+                        <a:solidFill>
+                          <a:schemeClr val="tx1"/>
+                        </a:solidFill>
+                        <a:latin typeface="Courier New" panose="02070309020205020404" pitchFamily="49" charset="0"/>
+                        <a:cs typeface="Courier New" panose="02070309020205020404" pitchFamily="49" charset="0"/>
+                      </a:endParaRPr>
+                    </a:p>
+                    <a:p>
+                      <a:pPr marL="0" marR="0" indent="0" algn="l" rtl="0">
+                        <a:buFontTx/>
+                        <a:buNone/>
+                      </a:pPr>
+                      <a:r>
+                        <a:rPr lang="en-US" altLang="zh-CN" sz="1100" baseline="0" dirty="0" smtClean="0">
+                          <a:solidFill>
+                            <a:schemeClr val="tx1"/>
+                          </a:solidFill>
+                          <a:latin typeface="Courier New" panose="02070309020205020404" pitchFamily="49" charset="0"/>
+                          <a:cs typeface="Courier New" panose="02070309020205020404" pitchFamily="49" charset="0"/>
+                        </a:rPr>
+                        <a:t>     </a:t>
+                      </a:r>
+                      <a:r>
+                        <a:rPr lang="en-US" altLang="zh-CN" sz="1100" baseline="0" dirty="0" err="1" smtClean="0">
+                          <a:solidFill>
+                            <a:schemeClr val="tx1"/>
+                          </a:solidFill>
+                          <a:latin typeface="Courier New" panose="02070309020205020404" pitchFamily="49" charset="0"/>
+                          <a:cs typeface="Courier New" panose="02070309020205020404" pitchFamily="49" charset="0"/>
+                        </a:rPr>
+                        <a:t>ackQueue.addLast</a:t>
+                      </a:r>
+                      <a:r>
+                        <a:rPr lang="en-US" altLang="zh-CN" sz="1100" baseline="0" dirty="0" smtClean="0">
+                          <a:solidFill>
+                            <a:schemeClr val="tx1"/>
+                          </a:solidFill>
+                          <a:latin typeface="Courier New" panose="02070309020205020404" pitchFamily="49" charset="0"/>
+                          <a:cs typeface="Courier New" panose="02070309020205020404" pitchFamily="49" charset="0"/>
+                        </a:rPr>
+                        <a:t>(p);</a:t>
+                      </a:r>
+                    </a:p>
+                    <a:p>
+                      <a:pPr marL="0" marR="0" indent="0" algn="l" rtl="0">
+                        <a:buFontTx/>
+                        <a:buNone/>
+                      </a:pPr>
+                      <a:r>
+                        <a:rPr lang="en-US" altLang="zh-CN" sz="1100" baseline="0" dirty="0" smtClean="0">
+                          <a:solidFill>
+                            <a:schemeClr val="tx1"/>
+                          </a:solidFill>
+                          <a:latin typeface="Courier New" panose="02070309020205020404" pitchFamily="49" charset="0"/>
+                          <a:cs typeface="Courier New" panose="02070309020205020404" pitchFamily="49" charset="0"/>
+                        </a:rPr>
+                        <a:t>     </a:t>
+                      </a:r>
+                      <a:r>
+                        <a:rPr lang="en-US" altLang="zh-CN" sz="1100" baseline="0" dirty="0" err="1" smtClean="0">
+                          <a:solidFill>
+                            <a:schemeClr val="tx1"/>
+                          </a:solidFill>
+                          <a:latin typeface="Courier New" panose="02070309020205020404" pitchFamily="49" charset="0"/>
+                          <a:cs typeface="Courier New" panose="02070309020205020404" pitchFamily="49" charset="0"/>
+                        </a:rPr>
+                        <a:t>notifyAll</a:t>
+                      </a:r>
+                      <a:r>
+                        <a:rPr lang="en-US" altLang="zh-CN" sz="1100" baseline="0" dirty="0" smtClean="0">
+                          <a:solidFill>
+                            <a:schemeClr val="tx1"/>
+                          </a:solidFill>
+                          <a:latin typeface="Courier New" panose="02070309020205020404" pitchFamily="49" charset="0"/>
+                          <a:cs typeface="Courier New" panose="02070309020205020404" pitchFamily="49" charset="0"/>
+                        </a:rPr>
+                        <a:t>();</a:t>
+                      </a:r>
+                    </a:p>
+                    <a:p>
+                      <a:pPr marL="0" marR="0" indent="0" algn="l" rtl="0">
+                        <a:buFontTx/>
+                        <a:buNone/>
+                      </a:pPr>
+                      <a:r>
+                        <a:rPr lang="en-US" altLang="zh-CN" sz="1100" baseline="0" dirty="0" smtClean="0">
+                          <a:solidFill>
+                            <a:schemeClr val="tx1"/>
+                          </a:solidFill>
+                          <a:latin typeface="Courier New" panose="02070309020205020404" pitchFamily="49" charset="0"/>
+                          <a:cs typeface="Courier New" panose="02070309020205020404" pitchFamily="49" charset="0"/>
+                        </a:rPr>
+                        <a:t> </a:t>
+                      </a:r>
+                      <a:r>
+                        <a:rPr lang="en-US" altLang="zh-CN" sz="1100" dirty="0" smtClean="0">
+                          <a:solidFill>
+                            <a:schemeClr val="tx1"/>
+                          </a:solidFill>
+                          <a:latin typeface="Courier New" panose="02070309020205020404" pitchFamily="49" charset="0"/>
+                          <a:cs typeface="Courier New" panose="02070309020205020404" pitchFamily="49" charset="0"/>
+                        </a:rPr>
+                        <a:t>  }</a:t>
+                      </a:r>
+                    </a:p>
+                    <a:p>
+                      <a:pPr marL="0" marR="0" indent="0" algn="l" rtl="0">
+                        <a:buFontTx/>
+                        <a:buNone/>
+                      </a:pPr>
+                      <a:r>
+                        <a:rPr lang="en-US" altLang="zh-CN" sz="1100" dirty="0" smtClean="0">
+                          <a:solidFill>
+                            <a:schemeClr val="tx1"/>
+                          </a:solidFill>
+                          <a:latin typeface="Courier New" panose="02070309020205020404" pitchFamily="49" charset="0"/>
+                          <a:cs typeface="Courier New" panose="02070309020205020404" pitchFamily="49" charset="0"/>
+                        </a:rPr>
+                        <a:t> }</a:t>
+                      </a:r>
                     </a:p>
                   </a:txBody>
                   <a:tcPr/>
@@ -7776,7 +8156,393 @@
                     <a:lstStyle/>
                     <a:p>
                       <a:pPr marR="0" algn="l" rtl="0"/>
+                      <a:r>
+                        <a:rPr lang="en-US" altLang="zh-CN" sz="1100" dirty="0" smtClean="0">
+                          <a:solidFill>
+                            <a:srgbClr val="0070C0"/>
+                          </a:solidFill>
+                          <a:latin typeface="Courier New" panose="02070309020205020404" pitchFamily="49" charset="0"/>
+                          <a:cs typeface="Courier New" panose="02070309020205020404" pitchFamily="49" charset="0"/>
+                        </a:rPr>
+                        <a:t>+void </a:t>
+                      </a:r>
+                      <a:r>
+                        <a:rPr lang="en-US" altLang="zh-CN" sz="1100" dirty="0" err="1" smtClean="0">
+                          <a:solidFill>
+                            <a:srgbClr val="0070C0"/>
+                          </a:solidFill>
+                          <a:latin typeface="Courier New" panose="02070309020205020404" pitchFamily="49" charset="0"/>
+                          <a:cs typeface="Courier New" panose="02070309020205020404" pitchFamily="49" charset="0"/>
+                        </a:rPr>
+                        <a:t>enqueue</a:t>
+                      </a:r>
+                      <a:r>
+                        <a:rPr lang="en-US" altLang="zh-CN" sz="1100" dirty="0" smtClean="0">
+                          <a:solidFill>
+                            <a:srgbClr val="0070C0"/>
+                          </a:solidFill>
+                          <a:latin typeface="Courier New" panose="02070309020205020404" pitchFamily="49" charset="0"/>
+                          <a:cs typeface="Courier New" panose="02070309020205020404" pitchFamily="49" charset="0"/>
+                        </a:rPr>
+                        <a:t>(final long </a:t>
+                      </a:r>
+                      <a:r>
+                        <a:rPr lang="en-US" altLang="zh-CN" sz="1100" dirty="0" err="1" smtClean="0">
+                          <a:solidFill>
+                            <a:srgbClr val="0070C0"/>
+                          </a:solidFill>
+                          <a:latin typeface="Courier New" panose="02070309020205020404" pitchFamily="49" charset="0"/>
+                          <a:cs typeface="Courier New" panose="02070309020205020404" pitchFamily="49" charset="0"/>
+                        </a:rPr>
+                        <a:t>seqno</a:t>
+                      </a:r>
+                      <a:r>
+                        <a:rPr lang="en-US" altLang="zh-CN" sz="1100" dirty="0" smtClean="0">
+                          <a:solidFill>
+                            <a:srgbClr val="0070C0"/>
+                          </a:solidFill>
+                          <a:latin typeface="Courier New" panose="02070309020205020404" pitchFamily="49" charset="0"/>
+                          <a:cs typeface="Courier New" panose="02070309020205020404" pitchFamily="49" charset="0"/>
+                        </a:rPr>
+                        <a:t>,</a:t>
+                      </a:r>
+                    </a:p>
+                    <a:p>
+                      <a:pPr marL="0" marR="0" indent="0" algn="l" rtl="0">
+                        <a:buFontTx/>
+                        <a:buNone/>
+                      </a:pPr>
+                      <a:r>
+                        <a:rPr lang="en-US" altLang="zh-CN" sz="1100" dirty="0" smtClean="0">
+                          <a:solidFill>
+                            <a:schemeClr val="tx1"/>
+                          </a:solidFill>
+                          <a:latin typeface="Courier New" panose="02070309020205020404" pitchFamily="49" charset="0"/>
+                          <a:cs typeface="Courier New" panose="02070309020205020404" pitchFamily="49" charset="0"/>
+                        </a:rPr>
+                        <a:t>   final </a:t>
+                      </a:r>
+                      <a:r>
+                        <a:rPr lang="en-US" altLang="zh-CN" sz="1100" dirty="0" err="1" smtClean="0">
+                          <a:solidFill>
+                            <a:schemeClr val="tx1"/>
+                          </a:solidFill>
+                          <a:latin typeface="Courier New" panose="02070309020205020404" pitchFamily="49" charset="0"/>
+                          <a:cs typeface="Courier New" panose="02070309020205020404" pitchFamily="49" charset="0"/>
+                        </a:rPr>
+                        <a:t>boolean</a:t>
+                      </a:r>
+                      <a:r>
+                        <a:rPr lang="en-US" altLang="zh-CN" sz="1100" dirty="0" smtClean="0">
+                          <a:solidFill>
+                            <a:schemeClr val="tx1"/>
+                          </a:solidFill>
+                          <a:latin typeface="Courier New" panose="02070309020205020404" pitchFamily="49" charset="0"/>
+                          <a:cs typeface="Courier New" panose="02070309020205020404" pitchFamily="49" charset="0"/>
+                        </a:rPr>
+                        <a:t> </a:t>
+                      </a:r>
+                      <a:r>
+                        <a:rPr lang="en-US" altLang="zh-CN" sz="1100" dirty="0" err="1" smtClean="0">
+                          <a:solidFill>
+                            <a:schemeClr val="tx1"/>
+                          </a:solidFill>
+                          <a:latin typeface="Courier New" panose="02070309020205020404" pitchFamily="49" charset="0"/>
+                          <a:cs typeface="Courier New" panose="02070309020205020404" pitchFamily="49" charset="0"/>
+                        </a:rPr>
+                        <a:t>lastPacketInBlock</a:t>
+                      </a:r>
+                      <a:r>
+                        <a:rPr lang="en-US" altLang="zh-CN" sz="1100" dirty="0" smtClean="0">
+                          <a:solidFill>
+                            <a:schemeClr val="tx1"/>
+                          </a:solidFill>
+                          <a:latin typeface="Courier New" panose="02070309020205020404" pitchFamily="49" charset="0"/>
+                          <a:cs typeface="Courier New" panose="02070309020205020404" pitchFamily="49" charset="0"/>
+                        </a:rPr>
+                        <a:t>,</a:t>
+                      </a:r>
+                    </a:p>
+                    <a:p>
+                      <a:pPr marL="0" marR="0" indent="0" algn="l" rtl="0">
+                        <a:buFontTx/>
+                        <a:buNone/>
+                      </a:pPr>
+                      <a:r>
+                        <a:rPr lang="en-US" altLang="zh-CN" sz="1100" dirty="0" smtClean="0">
+                          <a:solidFill>
+                            <a:schemeClr val="tx1"/>
+                          </a:solidFill>
+                          <a:latin typeface="Courier New" panose="02070309020205020404" pitchFamily="49" charset="0"/>
+                          <a:cs typeface="Courier New" panose="02070309020205020404" pitchFamily="49" charset="0"/>
+                        </a:rPr>
+                        <a:t>   final long </a:t>
+                      </a:r>
+                      <a:r>
+                        <a:rPr lang="en-US" altLang="zh-CN" sz="1100" dirty="0" err="1" smtClean="0">
+                          <a:solidFill>
+                            <a:schemeClr val="tx1"/>
+                          </a:solidFill>
+                          <a:latin typeface="Courier New" panose="02070309020205020404" pitchFamily="49" charset="0"/>
+                          <a:cs typeface="Courier New" panose="02070309020205020404" pitchFamily="49" charset="0"/>
+                        </a:rPr>
+                        <a:t>offsetInBlock</a:t>
+                      </a:r>
+                      <a:r>
+                        <a:rPr lang="en-US" altLang="zh-CN" sz="1100" dirty="0" smtClean="0">
+                          <a:solidFill>
+                            <a:schemeClr val="tx1"/>
+                          </a:solidFill>
+                          <a:latin typeface="Courier New" panose="02070309020205020404" pitchFamily="49" charset="0"/>
+                          <a:cs typeface="Courier New" panose="02070309020205020404" pitchFamily="49" charset="0"/>
+                        </a:rPr>
+                        <a:t>) {</a:t>
+                      </a:r>
+                    </a:p>
+                    <a:p>
+                      <a:pPr marL="0" marR="0" indent="0" algn="l" rtl="0">
+                        <a:buFontTx/>
+                        <a:buNone/>
+                      </a:pPr>
+                      <a:endParaRPr lang="en-US" altLang="zh-CN" sz="1100" dirty="0" smtClean="0">
+                        <a:solidFill>
+                          <a:schemeClr val="tx1"/>
+                        </a:solidFill>
+                        <a:latin typeface="Courier New" panose="02070309020205020404" pitchFamily="49" charset="0"/>
+                        <a:cs typeface="Courier New" panose="02070309020205020404" pitchFamily="49" charset="0"/>
+                      </a:endParaRPr>
+                    </a:p>
+                    <a:p>
+                      <a:pPr marL="0" marR="0" indent="0" algn="l" defTabSz="1219170" rtl="0" eaLnBrk="1" fontAlgn="auto" latinLnBrk="0" hangingPunct="1">
+                        <a:lnSpc>
+                          <a:spcPct val="100000"/>
+                        </a:lnSpc>
+                        <a:spcBef>
+                          <a:spcPts val="0"/>
+                        </a:spcBef>
+                        <a:spcAft>
+                          <a:spcPts val="0"/>
+                        </a:spcAft>
+                        <a:buClrTx/>
+                        <a:buSzTx/>
+                        <a:buFontTx/>
+                        <a:buNone/>
+                        <a:tabLst/>
+                        <a:defRPr/>
+                      </a:pPr>
+                      <a:r>
+                        <a:rPr lang="en-US" altLang="zh-CN" sz="1100" dirty="0" smtClean="0">
+                          <a:solidFill>
+                            <a:schemeClr val="tx1"/>
+                          </a:solidFill>
+                          <a:latin typeface="Courier New" panose="02070309020205020404" pitchFamily="49" charset="0"/>
+                          <a:cs typeface="Courier New" panose="02070309020205020404" pitchFamily="49" charset="0"/>
+                        </a:rPr>
+                        <a:t>   final </a:t>
+                      </a:r>
+                      <a:r>
+                        <a:rPr lang="en-US" altLang="zh-CN" sz="1100" baseline="0" dirty="0" smtClean="0">
+                          <a:solidFill>
+                            <a:schemeClr val="tx1"/>
+                          </a:solidFill>
+                          <a:latin typeface="Courier New" panose="02070309020205020404" pitchFamily="49" charset="0"/>
+                          <a:cs typeface="Courier New" panose="02070309020205020404" pitchFamily="49" charset="0"/>
+                        </a:rPr>
+                        <a:t>Packet p = new Packet(...);</a:t>
+                      </a:r>
+                    </a:p>
+                    <a:p>
+                      <a:pPr marL="0" marR="0" indent="0" algn="l" rtl="0">
+                        <a:buFontTx/>
+                        <a:buNone/>
+                      </a:pPr>
+                      <a:r>
+                        <a:rPr lang="en-US" altLang="zh-CN" sz="1100" dirty="0" smtClean="0">
+                          <a:latin typeface="Courier New" panose="02070309020205020404" pitchFamily="49" charset="0"/>
+                          <a:cs typeface="Courier New" panose="02070309020205020404" pitchFamily="49" charset="0"/>
+                        </a:rPr>
+                        <a:t>   </a:t>
+                      </a:r>
+                      <a:r>
+                        <a:rPr lang="en-US" altLang="zh-CN" sz="1100" dirty="0" err="1" smtClean="0">
+                          <a:latin typeface="Courier New" panose="02070309020205020404" pitchFamily="49" charset="0"/>
+                          <a:cs typeface="Courier New" panose="02070309020205020404" pitchFamily="49" charset="0"/>
+                        </a:rPr>
+                        <a:t>LOG.debug</a:t>
+                      </a:r>
+                      <a:r>
+                        <a:rPr lang="en-US" altLang="zh-CN" sz="1100" dirty="0" smtClean="0">
+                          <a:latin typeface="Courier New" panose="02070309020205020404" pitchFamily="49" charset="0"/>
+                          <a:cs typeface="Courier New" panose="02070309020205020404" pitchFamily="49" charset="0"/>
+                        </a:rPr>
+                        <a:t>(...);</a:t>
+                      </a:r>
+                    </a:p>
+                    <a:p>
+                      <a:pPr marL="0" marR="0" indent="0" algn="l" rtl="0">
+                        <a:buFontTx/>
+                        <a:buNone/>
+                      </a:pPr>
+                      <a:r>
+                        <a:rPr lang="en-US" altLang="zh-CN" sz="1100" dirty="0" smtClean="0">
+                          <a:solidFill>
+                            <a:srgbClr val="0070C0"/>
+                          </a:solidFill>
+                          <a:latin typeface="Courier New" panose="02070309020205020404" pitchFamily="49" charset="0"/>
+                          <a:cs typeface="Courier New" panose="02070309020205020404" pitchFamily="49" charset="0"/>
+                        </a:rPr>
+                        <a:t>+  synchronized</a:t>
+                      </a:r>
+                      <a:r>
+                        <a:rPr lang="en-US" altLang="zh-CN" sz="1100" baseline="0" dirty="0" smtClean="0">
+                          <a:solidFill>
+                            <a:srgbClr val="0070C0"/>
+                          </a:solidFill>
+                          <a:latin typeface="Courier New" panose="02070309020205020404" pitchFamily="49" charset="0"/>
+                          <a:cs typeface="Courier New" panose="02070309020205020404" pitchFamily="49" charset="0"/>
+                        </a:rPr>
+                        <a:t> (this)</a:t>
+                      </a:r>
+                    </a:p>
+                    <a:p>
+                      <a:pPr marL="0" marR="0" indent="0" algn="l" rtl="0">
+                        <a:buFontTx/>
+                        <a:buNone/>
+                      </a:pPr>
+                      <a:r>
+                        <a:rPr lang="en-US" altLang="zh-CN" sz="1100" baseline="0" dirty="0" smtClean="0">
+                          <a:solidFill>
+                            <a:srgbClr val="0070C0"/>
+                          </a:solidFill>
+                          <a:latin typeface="Courier New" panose="02070309020205020404" pitchFamily="49" charset="0"/>
+                          <a:cs typeface="Courier New" panose="02070309020205020404" pitchFamily="49" charset="0"/>
+                        </a:rPr>
+                        <a:t>+    if (running) {</a:t>
+                      </a:r>
+                    </a:p>
+                    <a:p>
+                      <a:pPr marL="0" marR="0" indent="0" algn="l" rtl="0">
+                        <a:buFontTx/>
+                        <a:buNone/>
+                      </a:pPr>
+                      <a:r>
+                        <a:rPr lang="en-US" altLang="zh-CN" sz="1100" dirty="0" smtClean="0">
+                          <a:solidFill>
+                            <a:srgbClr val="0070C0"/>
+                          </a:solidFill>
+                          <a:latin typeface="Courier New" panose="02070309020205020404" pitchFamily="49" charset="0"/>
+                          <a:cs typeface="Courier New" panose="02070309020205020404" pitchFamily="49" charset="0"/>
+                        </a:rPr>
+                        <a:t>+      </a:t>
+                      </a:r>
+                      <a:r>
+                        <a:rPr lang="en-US" altLang="zh-CN" sz="1100" dirty="0" err="1" smtClean="0">
+                          <a:solidFill>
+                            <a:srgbClr val="0070C0"/>
+                          </a:solidFill>
+                          <a:latin typeface="Courier New" panose="02070309020205020404" pitchFamily="49" charset="0"/>
+                          <a:cs typeface="Courier New" panose="02070309020205020404" pitchFamily="49" charset="0"/>
+                        </a:rPr>
+                        <a:t>ackQueue.addLast</a:t>
+                      </a:r>
+                      <a:r>
+                        <a:rPr lang="en-US" altLang="zh-CN" sz="1100" dirty="0" smtClean="0">
+                          <a:solidFill>
+                            <a:srgbClr val="0070C0"/>
+                          </a:solidFill>
+                          <a:latin typeface="Courier New" panose="02070309020205020404" pitchFamily="49" charset="0"/>
+                          <a:cs typeface="Courier New" panose="02070309020205020404" pitchFamily="49" charset="0"/>
+                        </a:rPr>
+                        <a:t>(p);</a:t>
+                      </a:r>
+                    </a:p>
+                    <a:p>
+                      <a:pPr marL="0" marR="0" indent="0" algn="l" rtl="0">
+                        <a:buFontTx/>
+                        <a:buNone/>
+                      </a:pPr>
+                      <a:r>
+                        <a:rPr lang="en-US" altLang="zh-CN" sz="1100" dirty="0" smtClean="0">
+                          <a:solidFill>
+                            <a:srgbClr val="0070C0"/>
+                          </a:solidFill>
+                          <a:latin typeface="Courier New" panose="02070309020205020404" pitchFamily="49" charset="0"/>
+                          <a:cs typeface="Courier New" panose="02070309020205020404" pitchFamily="49" charset="0"/>
+                        </a:rPr>
+                        <a:t>+      </a:t>
+                      </a:r>
+                      <a:r>
+                        <a:rPr lang="en-US" altLang="zh-CN" sz="1100" dirty="0" err="1" smtClean="0">
+                          <a:solidFill>
+                            <a:srgbClr val="0070C0"/>
+                          </a:solidFill>
+                          <a:latin typeface="Courier New" panose="02070309020205020404" pitchFamily="49" charset="0"/>
+                          <a:cs typeface="Courier New" panose="02070309020205020404" pitchFamily="49" charset="0"/>
+                        </a:rPr>
+                        <a:t>notifyAll</a:t>
+                      </a:r>
+                      <a:r>
+                        <a:rPr lang="en-US" altLang="zh-CN" sz="1100" dirty="0" smtClean="0">
+                          <a:solidFill>
+                            <a:srgbClr val="0070C0"/>
+                          </a:solidFill>
+                          <a:latin typeface="Courier New" panose="02070309020205020404" pitchFamily="49" charset="0"/>
+                          <a:cs typeface="Courier New" panose="02070309020205020404" pitchFamily="49" charset="0"/>
+                        </a:rPr>
+                        <a:t>();</a:t>
+                      </a:r>
+                    </a:p>
+                    <a:p>
+                      <a:pPr marL="0" marR="0" indent="0" algn="l" rtl="0">
+                        <a:buFontTx/>
+                        <a:buNone/>
+                      </a:pPr>
+                      <a:r>
+                        <a:rPr lang="en-US" altLang="zh-CN" sz="1100" dirty="0" smtClean="0">
+                          <a:solidFill>
+                            <a:schemeClr val="tx1"/>
+                          </a:solidFill>
+                          <a:latin typeface="Courier New" panose="02070309020205020404" pitchFamily="49" charset="0"/>
+                          <a:cs typeface="Courier New" panose="02070309020205020404" pitchFamily="49" charset="0"/>
+                        </a:rPr>
+                        <a:t>     }</a:t>
+                      </a:r>
+                    </a:p>
+                    <a:p>
+                      <a:pPr marL="0" marR="0" indent="0" algn="l" rtl="0">
+                        <a:buFontTx/>
+                        <a:buNone/>
+                      </a:pPr>
+                      <a:r>
+                        <a:rPr lang="en-US" altLang="zh-CN" sz="1100" dirty="0" smtClean="0">
+                          <a:solidFill>
+                            <a:schemeClr val="tx1"/>
+                          </a:solidFill>
+                          <a:latin typeface="Courier New" panose="02070309020205020404" pitchFamily="49" charset="0"/>
+                          <a:cs typeface="Courier New" panose="02070309020205020404" pitchFamily="49" charset="0"/>
+                        </a:rPr>
+                        <a:t>   }</a:t>
+                      </a:r>
+                    </a:p>
+                    <a:p>
+                      <a:pPr marL="0" marR="0" indent="0" algn="l" rtl="0">
+                        <a:buFontTx/>
+                        <a:buNone/>
+                      </a:pPr>
+                      <a:r>
+                        <a:rPr lang="en-US" altLang="zh-CN" sz="1100" dirty="0" smtClean="0">
+                          <a:solidFill>
+                            <a:schemeClr val="tx1"/>
+                          </a:solidFill>
+                          <a:latin typeface="Courier New" panose="02070309020205020404" pitchFamily="49" charset="0"/>
+                          <a:cs typeface="Courier New" panose="02070309020205020404" pitchFamily="49" charset="0"/>
+                        </a:rPr>
+                        <a:t> }</a:t>
+                      </a:r>
                       <a:endParaRPr lang="zh-CN" altLang="en-US" sz="1100" dirty="0">
+                        <a:solidFill>
+                          <a:schemeClr val="tx1"/>
+                        </a:solidFill>
                         <a:latin typeface="Courier New" panose="02070309020205020404" pitchFamily="49" charset="0"/>
                         <a:cs typeface="Courier New" panose="02070309020205020404" pitchFamily="49" charset="0"/>
                       </a:endParaRPr>
@@ -7790,6 +8556,64 @@
                     <a:lstStyle/>
                     <a:p>
                       <a:pPr marR="0" algn="l" rtl="0"/>
+                      <a:r>
+                        <a:rPr lang="en-US" altLang="zh-CN" sz="1100" dirty="0" smtClean="0">
+                          <a:latin typeface="Courier New" panose="02070309020205020404" pitchFamily="49" charset="0"/>
+                          <a:cs typeface="Courier New" panose="02070309020205020404" pitchFamily="49" charset="0"/>
+                        </a:rPr>
+                        <a:t>synchronized</a:t>
+                      </a:r>
+                      <a:r>
+                        <a:rPr lang="en-US" altLang="zh-CN" sz="1100" baseline="0" dirty="0" smtClean="0">
+                          <a:latin typeface="Courier New" panose="02070309020205020404" pitchFamily="49" charset="0"/>
+                          <a:cs typeface="Courier New" panose="02070309020205020404" pitchFamily="49" charset="0"/>
+                        </a:rPr>
+                        <a:t> (</a:t>
+                      </a:r>
+                      <a:r>
+                        <a:rPr lang="en-US" altLang="zh-CN" sz="1100" baseline="0" dirty="0" err="1" smtClean="0">
+                          <a:latin typeface="Courier New" panose="02070309020205020404" pitchFamily="49" charset="0"/>
+                          <a:cs typeface="Courier New" panose="02070309020205020404" pitchFamily="49" charset="0"/>
+                        </a:rPr>
+                        <a:t>obj</a:t>
+                      </a:r>
+                      <a:r>
+                        <a:rPr lang="en-US" altLang="zh-CN" sz="1100" baseline="0" dirty="0" smtClean="0">
+                          <a:latin typeface="Courier New" panose="02070309020205020404" pitchFamily="49" charset="0"/>
+                          <a:cs typeface="Courier New" panose="02070309020205020404" pitchFamily="49" charset="0"/>
+                        </a:rPr>
+                        <a:t>) {</a:t>
+                      </a:r>
+                    </a:p>
+                    <a:p>
+                      <a:pPr marR="0" algn="l" rtl="0"/>
+                      <a:r>
+                        <a:rPr lang="en-US" altLang="zh-CN" sz="1100" baseline="0" dirty="0" smtClean="0">
+                          <a:latin typeface="Courier New" panose="02070309020205020404" pitchFamily="49" charset="0"/>
+                          <a:cs typeface="Courier New" panose="02070309020205020404" pitchFamily="49" charset="0"/>
+                        </a:rPr>
+                        <a:t>  statements1</a:t>
+                      </a:r>
+                    </a:p>
+                    <a:p>
+                      <a:pPr marR="0" algn="l" rtl="0"/>
+                      <a:r>
+                        <a:rPr lang="en-US" altLang="zh-CN" sz="1100" baseline="0" dirty="0" smtClean="0">
+                          <a:latin typeface="Courier New" panose="02070309020205020404" pitchFamily="49" charset="0"/>
+                          <a:cs typeface="Courier New" panose="02070309020205020404" pitchFamily="49" charset="0"/>
+                        </a:rPr>
+                        <a:t>  statements2</a:t>
+                      </a:r>
+                    </a:p>
+                    <a:p>
+                      <a:pPr marR="0" algn="l" rtl="0"/>
+                      <a:r>
+                        <a:rPr lang="en-US" altLang="zh-CN" sz="1100" baseline="0" dirty="0" smtClean="0">
+                          <a:latin typeface="Courier New" panose="02070309020205020404" pitchFamily="49" charset="0"/>
+                          <a:cs typeface="Courier New" panose="02070309020205020404" pitchFamily="49" charset="0"/>
+                        </a:rPr>
+                        <a:t>}</a:t>
+                      </a:r>
                       <a:endParaRPr lang="zh-CN" altLang="en-US" sz="1100" dirty="0">
                         <a:latin typeface="Courier New" panose="02070309020205020404" pitchFamily="49" charset="0"/>
                         <a:cs typeface="Courier New" panose="02070309020205020404" pitchFamily="49" charset="0"/>
@@ -7804,17 +8628,71 @@
                     <a:lstStyle/>
                     <a:p>
                       <a:pPr marR="0" algn="l" rtl="0"/>
-                      <a:endParaRPr lang="zh-CN" altLang="en-US" sz="1100" dirty="0">
-                        <a:latin typeface="Courier New" panose="02070309020205020404" pitchFamily="49" charset="0"/>
-                        <a:cs typeface="Courier New" panose="02070309020205020404" pitchFamily="49" charset="0"/>
-                      </a:endParaRPr>
+                      <a:r>
+                        <a:rPr lang="en-US" altLang="zh-CN" sz="1100" dirty="0" smtClean="0">
+                          <a:latin typeface="Courier New" panose="02070309020205020404" pitchFamily="49" charset="0"/>
+                          <a:cs typeface="Courier New" panose="02070309020205020404" pitchFamily="49" charset="0"/>
+                        </a:rPr>
+                        <a:t>statements1</a:t>
+                      </a:r>
+                    </a:p>
+                    <a:p>
+                      <a:pPr marR="0" algn="l" rtl="0"/>
+                      <a:r>
+                        <a:rPr lang="en-US" altLang="zh-CN" sz="1100" dirty="0" smtClean="0">
+                          <a:latin typeface="Courier New" panose="02070309020205020404" pitchFamily="49" charset="0"/>
+                          <a:cs typeface="Courier New" panose="02070309020205020404" pitchFamily="49" charset="0"/>
+                        </a:rPr>
+                        <a:t>synchronized</a:t>
+                      </a:r>
+                      <a:r>
+                        <a:rPr lang="en-US" altLang="zh-CN" sz="1100" baseline="0" dirty="0" smtClean="0">
+                          <a:latin typeface="Courier New" panose="02070309020205020404" pitchFamily="49" charset="0"/>
+                          <a:cs typeface="Courier New" panose="02070309020205020404" pitchFamily="49" charset="0"/>
+                        </a:rPr>
+                        <a:t> (</a:t>
+                      </a:r>
+                      <a:r>
+                        <a:rPr lang="en-US" altLang="zh-CN" sz="1100" baseline="0" dirty="0" err="1" smtClean="0">
+                          <a:latin typeface="Courier New" panose="02070309020205020404" pitchFamily="49" charset="0"/>
+                          <a:cs typeface="Courier New" panose="02070309020205020404" pitchFamily="49" charset="0"/>
+                        </a:rPr>
+                        <a:t>obj</a:t>
+                      </a:r>
+                      <a:r>
+                        <a:rPr lang="en-US" altLang="zh-CN" sz="1100" baseline="0" dirty="0" smtClean="0">
+                          <a:latin typeface="Courier New" panose="02070309020205020404" pitchFamily="49" charset="0"/>
+                          <a:cs typeface="Courier New" panose="02070309020205020404" pitchFamily="49" charset="0"/>
+                        </a:rPr>
+                        <a:t>) {</a:t>
+                      </a:r>
+                    </a:p>
+                    <a:p>
+                      <a:pPr marR="0" algn="l" rtl="0"/>
+                      <a:r>
+                        <a:rPr lang="en-US" altLang="zh-CN" sz="1100" baseline="0" dirty="0" smtClean="0">
+                          <a:latin typeface="Courier New" panose="02070309020205020404" pitchFamily="49" charset="0"/>
+                          <a:cs typeface="Courier New" panose="02070309020205020404" pitchFamily="49" charset="0"/>
+                        </a:rPr>
+                        <a:t>  statements2</a:t>
+                      </a:r>
+                    </a:p>
+                    <a:p>
+                      <a:pPr marR="0" algn="l" rtl="0"/>
+                      <a:r>
+                        <a:rPr lang="en-US" altLang="zh-CN" sz="1100" baseline="0" dirty="0" smtClean="0">
+                          <a:latin typeface="Courier New" panose="02070309020205020404" pitchFamily="49" charset="0"/>
+                          <a:cs typeface="Courier New" panose="02070309020205020404" pitchFamily="49" charset="0"/>
+                        </a:rPr>
+                        <a:t>}</a:t>
+                      </a:r>
                     </a:p>
                   </a:txBody>
                   <a:tcPr anchor="ctr"/>
                 </a:tc>
                 <a:extLst>
                   <a:ext uri="{0D108BD9-81ED-4DB2-BD59-A6C34878D82A}">
-                    <a16:rowId xmlns:a16="http://schemas.microsoft.com/office/drawing/2014/main" val="719721223"/>
+                    <a16:rowId xmlns:a16="http://schemas.microsoft.com/office/drawing/2014/main" xmlns="" val="719721223"/>
                   </a:ext>
                 </a:extLst>
               </a:tr>
@@ -8261,8 +9139,19 @@
                           <a:latin typeface="Courier New" panose="02070309020205020404" pitchFamily="49" charset="0"/>
                           <a:cs typeface="Courier New" panose="02070309020205020404" pitchFamily="49" charset="0"/>
                         </a:rPr>
-                        <a:t>  statements1</a:t>
-                      </a:r>
+                        <a:t>  </a:t>
+                      </a:r>
+                      <a:r>
+                        <a:rPr lang="en-US" altLang="zh-CN" sz="1100" dirty="0" smtClean="0">
+                          <a:latin typeface="Courier New" panose="02070309020205020404" pitchFamily="49" charset="0"/>
+                          <a:cs typeface="Courier New" panose="02070309020205020404" pitchFamily="49" charset="0"/>
+                        </a:rPr>
+                        <a:t>statements2</a:t>
+                      </a:r>
+                      <a:endParaRPr lang="en-US" altLang="zh-CN" sz="1100" dirty="0">
+                        <a:latin typeface="Courier New" panose="02070309020205020404" pitchFamily="49" charset="0"/>
+                        <a:cs typeface="Courier New" panose="02070309020205020404" pitchFamily="49" charset="0"/>
+                      </a:endParaRPr>
                     </a:p>
                     <a:p>
                       <a:pPr marR="0" algn="l" rtl="0"/>
@@ -8277,11 +9166,11 @@
                     <a:p>
                       <a:pPr marR="0" algn="l" rtl="0"/>
                       <a:r>
-                        <a:rPr lang="en-US" altLang="zh-CN" sz="1100" dirty="0">
-                          <a:latin typeface="Courier New" panose="02070309020205020404" pitchFamily="49" charset="0"/>
-                          <a:cs typeface="Courier New" panose="02070309020205020404" pitchFamily="49" charset="0"/>
-                        </a:rPr>
-                        <a:t>statements2</a:t>
+                        <a:rPr lang="en-US" altLang="zh-CN" sz="1100" dirty="0" smtClean="0">
+                          <a:latin typeface="Courier New" panose="02070309020205020404" pitchFamily="49" charset="0"/>
+                          <a:cs typeface="Courier New" panose="02070309020205020404" pitchFamily="49" charset="0"/>
+                        </a:rPr>
+                        <a:t>statements1</a:t>
                       </a:r>
                       <a:endParaRPr lang="zh-CN" altLang="en-US" sz="1100" dirty="0">
                         <a:latin typeface="Courier New" panose="02070309020205020404" pitchFamily="49" charset="0"/>
@@ -8293,7 +9182,7 @@
                 </a:tc>
                 <a:extLst>
                   <a:ext uri="{0D108BD9-81ED-4DB2-BD59-A6C34878D82A}">
-                    <a16:rowId xmlns:a16="http://schemas.microsoft.com/office/drawing/2014/main" val="2936119967"/>
+                    <a16:rowId xmlns:a16="http://schemas.microsoft.com/office/drawing/2014/main" xmlns="" val="2936119967"/>
                   </a:ext>
                 </a:extLst>
               </a:tr>
@@ -8380,7 +9269,7 @@
                 </a:tc>
                 <a:extLst>
                   <a:ext uri="{0D108BD9-81ED-4DB2-BD59-A6C34878D82A}">
-                    <a16:rowId xmlns:a16="http://schemas.microsoft.com/office/drawing/2014/main" val="3620141435"/>
+                    <a16:rowId xmlns:a16="http://schemas.microsoft.com/office/drawing/2014/main" xmlns="" val="3620141435"/>
                   </a:ext>
                 </a:extLst>
               </a:tr>
@@ -9024,7 +9913,7 @@
                 </a:tc>
                 <a:extLst>
                   <a:ext uri="{0D108BD9-81ED-4DB2-BD59-A6C34878D82A}">
-                    <a16:rowId xmlns:a16="http://schemas.microsoft.com/office/drawing/2014/main" val="3067181177"/>
+                    <a16:rowId xmlns:a16="http://schemas.microsoft.com/office/drawing/2014/main" xmlns="" val="3067181177"/>
                   </a:ext>
                 </a:extLst>
               </a:tr>
@@ -9472,7 +10361,7 @@
                 </a:tc>
                 <a:extLst>
                   <a:ext uri="{0D108BD9-81ED-4DB2-BD59-A6C34878D82A}">
-                    <a16:rowId xmlns:a16="http://schemas.microsoft.com/office/drawing/2014/main" val="3351539951"/>
+                    <a16:rowId xmlns:a16="http://schemas.microsoft.com/office/drawing/2014/main" xmlns="" val="3351539951"/>
                   </a:ext>
                 </a:extLst>
               </a:tr>
@@ -9900,7 +10789,7 @@
                 </a:tc>
                 <a:extLst>
                   <a:ext uri="{0D108BD9-81ED-4DB2-BD59-A6C34878D82A}">
-                    <a16:rowId xmlns:a16="http://schemas.microsoft.com/office/drawing/2014/main" val="3805773755"/>
+                    <a16:rowId xmlns:a16="http://schemas.microsoft.com/office/drawing/2014/main" xmlns="" val="3805773755"/>
                   </a:ext>
                 </a:extLst>
               </a:tr>

--- a/visio/patterns.pptx
+++ b/visio/patterns.pptx
@@ -2,13 +2,13 @@
 <file path=ppt/presentation.xml><?xml version="1.0" encoding="utf-8"?>
 <p:presentation xmlns:a="http://schemas.openxmlformats.org/drawingml/2006/main" xmlns:r="http://schemas.openxmlformats.org/officeDocument/2006/relationships" xmlns:p="http://schemas.openxmlformats.org/presentationml/2006/main" saveSubsetFonts="1">
   <p:sldMasterIdLst>
-    <p:sldMasterId id="2147483684" r:id="rId1"/>
+    <p:sldMasterId id="2147483696" r:id="rId1"/>
   </p:sldMasterIdLst>
   <p:sldIdLst>
     <p:sldId id="257" r:id="rId2"/>
     <p:sldId id="258" r:id="rId3"/>
   </p:sldIdLst>
-  <p:sldSz cx="12192000" cy="13716000"/>
+  <p:sldSz cx="12192000" cy="12801600"/>
   <p:notesSz cx="6858000" cy="9144000"/>
   <p:defaultTextStyle>
     <a:defPPr>
@@ -142,8 +142,8 @@
         </p:nvSpPr>
         <p:spPr>
           <a:xfrm>
-            <a:off x="914400" y="2244726"/>
-            <a:ext cx="10363200" cy="4775200"/>
+            <a:off x="914400" y="2095078"/>
+            <a:ext cx="10363200" cy="4456853"/>
           </a:xfrm>
         </p:spPr>
         <p:txBody>
@@ -155,7 +155,7 @@
           </a:lstStyle>
           <a:p>
             <a:r>
-              <a:rPr lang="zh-CN" altLang="en-US"/>
+              <a:rPr lang="zh-CN" altLang="en-US" smtClean="0"/>
               <a:t>单击此处编辑母版标题样式</a:t>
             </a:r>
             <a:endParaRPr lang="en-US" dirty="0"/>
@@ -174,8 +174,8 @@
         </p:nvSpPr>
         <p:spPr>
           <a:xfrm>
-            <a:off x="1524000" y="7204076"/>
-            <a:ext cx="9144000" cy="3311524"/>
+            <a:off x="1524000" y="6723804"/>
+            <a:ext cx="9144000" cy="3090756"/>
           </a:xfrm>
         </p:spPr>
         <p:txBody>
@@ -220,8 +220,8 @@
           </a:lstStyle>
           <a:p>
             <a:r>
-              <a:rPr lang="zh-CN" altLang="en-US"/>
-              <a:t>单击以编辑母版副标题样式</a:t>
+              <a:rPr lang="zh-CN" altLang="en-US" smtClean="0"/>
+              <a:t>单击此处编辑母版副标题样式</a:t>
             </a:r>
             <a:endParaRPr lang="en-US" dirty="0"/>
           </a:p>
@@ -295,7 +295,7 @@
     </p:spTree>
     <p:extLst>
       <p:ext uri="{BB962C8B-B14F-4D97-AF65-F5344CB8AC3E}">
-        <p14:creationId xmlns:p14="http://schemas.microsoft.com/office/powerpoint/2010/main" val="2720782387"/>
+        <p14:creationId xmlns:p14="http://schemas.microsoft.com/office/powerpoint/2010/main" val="1664290060"/>
       </p:ext>
     </p:extLst>
   </p:cSld>
@@ -338,7 +338,7 @@
           <a:lstStyle/>
           <a:p>
             <a:r>
-              <a:rPr lang="zh-CN" altLang="en-US"/>
+              <a:rPr lang="zh-CN" altLang="en-US" smtClean="0"/>
               <a:t>单击此处编辑母版标题样式</a:t>
             </a:r>
             <a:endParaRPr lang="en-US" dirty="0"/>
@@ -362,35 +362,35 @@
           <a:p>
             <a:pPr lvl="0"/>
             <a:r>
-              <a:rPr lang="zh-CN" altLang="en-US"/>
-              <a:t>编辑母版文本样式</a:t>
+              <a:rPr lang="zh-CN" altLang="en-US" smtClean="0"/>
+              <a:t>单击此处编辑母版文本样式</a:t>
             </a:r>
           </a:p>
           <a:p>
             <a:pPr lvl="1"/>
             <a:r>
-              <a:rPr lang="zh-CN" altLang="en-US"/>
+              <a:rPr lang="zh-CN" altLang="en-US" smtClean="0"/>
               <a:t>第二级</a:t>
             </a:r>
           </a:p>
           <a:p>
             <a:pPr lvl="2"/>
             <a:r>
-              <a:rPr lang="zh-CN" altLang="en-US"/>
+              <a:rPr lang="zh-CN" altLang="en-US" smtClean="0"/>
               <a:t>第三级</a:t>
             </a:r>
           </a:p>
           <a:p>
             <a:pPr lvl="3"/>
             <a:r>
-              <a:rPr lang="zh-CN" altLang="en-US"/>
+              <a:rPr lang="zh-CN" altLang="en-US" smtClean="0"/>
               <a:t>第四级</a:t>
             </a:r>
           </a:p>
           <a:p>
             <a:pPr lvl="4"/>
             <a:r>
-              <a:rPr lang="zh-CN" altLang="en-US"/>
+              <a:rPr lang="zh-CN" altLang="en-US" smtClean="0"/>
               <a:t>第五级</a:t>
             </a:r>
             <a:endParaRPr lang="en-US" dirty="0"/>
@@ -465,7 +465,7 @@
     </p:spTree>
     <p:extLst>
       <p:ext uri="{BB962C8B-B14F-4D97-AF65-F5344CB8AC3E}">
-        <p14:creationId xmlns:p14="http://schemas.microsoft.com/office/powerpoint/2010/main" val="2233686393"/>
+        <p14:creationId xmlns:p14="http://schemas.microsoft.com/office/powerpoint/2010/main" val="198778662"/>
       </p:ext>
     </p:extLst>
   </p:cSld>
@@ -477,7 +477,7 @@
 
 <file path=ppt/slideLayouts/slideLayout11.xml><?xml version="1.0" encoding="utf-8"?>
 <p:sldLayout xmlns:a="http://schemas.openxmlformats.org/drawingml/2006/main" xmlns:r="http://schemas.openxmlformats.org/officeDocument/2006/relationships" xmlns:p="http://schemas.openxmlformats.org/presentationml/2006/main" type="vertTitleAndTx" preserve="1">
-  <p:cSld name="竖排标题与文本">
+  <p:cSld name="垂直排列标题与&#10;文本">
     <p:spTree>
       <p:nvGrpSpPr>
         <p:cNvPr id="1" name=""/>
@@ -504,8 +504,8 @@
         </p:nvSpPr>
         <p:spPr>
           <a:xfrm>
-            <a:off x="8724901" y="730250"/>
-            <a:ext cx="2628900" cy="11623676"/>
+            <a:off x="8724901" y="681567"/>
+            <a:ext cx="2628900" cy="10848764"/>
           </a:xfrm>
         </p:spPr>
         <p:txBody>
@@ -513,7 +513,7 @@
           <a:lstStyle/>
           <a:p>
             <a:r>
-              <a:rPr lang="zh-CN" altLang="en-US"/>
+              <a:rPr lang="zh-CN" altLang="en-US" smtClean="0"/>
               <a:t>单击此处编辑母版标题样式</a:t>
             </a:r>
             <a:endParaRPr lang="en-US" dirty="0"/>
@@ -532,8 +532,8 @@
         </p:nvSpPr>
         <p:spPr>
           <a:xfrm>
-            <a:off x="838201" y="730250"/>
-            <a:ext cx="7734300" cy="11623676"/>
+            <a:off x="838201" y="681567"/>
+            <a:ext cx="7734300" cy="10848764"/>
           </a:xfrm>
         </p:spPr>
         <p:txBody>
@@ -542,35 +542,35 @@
           <a:p>
             <a:pPr lvl="0"/>
             <a:r>
-              <a:rPr lang="zh-CN" altLang="en-US"/>
-              <a:t>编辑母版文本样式</a:t>
+              <a:rPr lang="zh-CN" altLang="en-US" smtClean="0"/>
+              <a:t>单击此处编辑母版文本样式</a:t>
             </a:r>
           </a:p>
           <a:p>
             <a:pPr lvl="1"/>
             <a:r>
-              <a:rPr lang="zh-CN" altLang="en-US"/>
+              <a:rPr lang="zh-CN" altLang="en-US" smtClean="0"/>
               <a:t>第二级</a:t>
             </a:r>
           </a:p>
           <a:p>
             <a:pPr lvl="2"/>
             <a:r>
-              <a:rPr lang="zh-CN" altLang="en-US"/>
+              <a:rPr lang="zh-CN" altLang="en-US" smtClean="0"/>
               <a:t>第三级</a:t>
             </a:r>
           </a:p>
           <a:p>
             <a:pPr lvl="3"/>
             <a:r>
-              <a:rPr lang="zh-CN" altLang="en-US"/>
+              <a:rPr lang="zh-CN" altLang="en-US" smtClean="0"/>
               <a:t>第四级</a:t>
             </a:r>
           </a:p>
           <a:p>
             <a:pPr lvl="4"/>
             <a:r>
-              <a:rPr lang="zh-CN" altLang="en-US"/>
+              <a:rPr lang="zh-CN" altLang="en-US" smtClean="0"/>
               <a:t>第五级</a:t>
             </a:r>
             <a:endParaRPr lang="en-US" dirty="0"/>
@@ -645,7 +645,7 @@
     </p:spTree>
     <p:extLst>
       <p:ext uri="{BB962C8B-B14F-4D97-AF65-F5344CB8AC3E}">
-        <p14:creationId xmlns:p14="http://schemas.microsoft.com/office/powerpoint/2010/main" val="184070001"/>
+        <p14:creationId xmlns:p14="http://schemas.microsoft.com/office/powerpoint/2010/main" val="742014475"/>
       </p:ext>
     </p:extLst>
   </p:cSld>
@@ -688,7 +688,7 @@
           <a:lstStyle/>
           <a:p>
             <a:r>
-              <a:rPr lang="zh-CN" altLang="en-US"/>
+              <a:rPr lang="zh-CN" altLang="en-US" smtClean="0"/>
               <a:t>单击此处编辑母版标题样式</a:t>
             </a:r>
             <a:endParaRPr lang="en-US" dirty="0"/>
@@ -712,35 +712,35 @@
           <a:p>
             <a:pPr lvl="0"/>
             <a:r>
-              <a:rPr lang="zh-CN" altLang="en-US"/>
-              <a:t>编辑母版文本样式</a:t>
+              <a:rPr lang="zh-CN" altLang="en-US" smtClean="0"/>
+              <a:t>单击此处编辑母版文本样式</a:t>
             </a:r>
           </a:p>
           <a:p>
             <a:pPr lvl="1"/>
             <a:r>
-              <a:rPr lang="zh-CN" altLang="en-US"/>
+              <a:rPr lang="zh-CN" altLang="en-US" smtClean="0"/>
               <a:t>第二级</a:t>
             </a:r>
           </a:p>
           <a:p>
             <a:pPr lvl="2"/>
             <a:r>
-              <a:rPr lang="zh-CN" altLang="en-US"/>
+              <a:rPr lang="zh-CN" altLang="en-US" smtClean="0"/>
               <a:t>第三级</a:t>
             </a:r>
           </a:p>
           <a:p>
             <a:pPr lvl="3"/>
             <a:r>
-              <a:rPr lang="zh-CN" altLang="en-US"/>
+              <a:rPr lang="zh-CN" altLang="en-US" smtClean="0"/>
               <a:t>第四级</a:t>
             </a:r>
           </a:p>
           <a:p>
             <a:pPr lvl="4"/>
             <a:r>
-              <a:rPr lang="zh-CN" altLang="en-US"/>
+              <a:rPr lang="zh-CN" altLang="en-US" smtClean="0"/>
               <a:t>第五级</a:t>
             </a:r>
             <a:endParaRPr lang="en-US" dirty="0"/>
@@ -815,7 +815,7 @@
     </p:spTree>
     <p:extLst>
       <p:ext uri="{BB962C8B-B14F-4D97-AF65-F5344CB8AC3E}">
-        <p14:creationId xmlns:p14="http://schemas.microsoft.com/office/powerpoint/2010/main" val="2878548476"/>
+        <p14:creationId xmlns:p14="http://schemas.microsoft.com/office/powerpoint/2010/main" val="11279095"/>
       </p:ext>
     </p:extLst>
   </p:cSld>
@@ -854,8 +854,8 @@
         </p:nvSpPr>
         <p:spPr>
           <a:xfrm>
-            <a:off x="831851" y="3419479"/>
-            <a:ext cx="10515600" cy="5705474"/>
+            <a:off x="831851" y="3191514"/>
+            <a:ext cx="10515600" cy="5325109"/>
           </a:xfrm>
         </p:spPr>
         <p:txBody>
@@ -867,7 +867,7 @@
           </a:lstStyle>
           <a:p>
             <a:r>
-              <a:rPr lang="zh-CN" altLang="en-US"/>
+              <a:rPr lang="zh-CN" altLang="en-US" smtClean="0"/>
               <a:t>单击此处编辑母版标题样式</a:t>
             </a:r>
             <a:endParaRPr lang="en-US" dirty="0"/>
@@ -886,8 +886,8 @@
         </p:nvSpPr>
         <p:spPr>
           <a:xfrm>
-            <a:off x="831851" y="9178929"/>
-            <a:ext cx="10515600" cy="3000374"/>
+            <a:off x="831851" y="8567000"/>
+            <a:ext cx="10515600" cy="2800349"/>
           </a:xfrm>
         </p:spPr>
         <p:txBody>
@@ -985,8 +985,8 @@
           <a:p>
             <a:pPr lvl="0"/>
             <a:r>
-              <a:rPr lang="zh-CN" altLang="en-US"/>
-              <a:t>编辑母版文本样式</a:t>
+              <a:rPr lang="zh-CN" altLang="en-US" smtClean="0"/>
+              <a:t>单击此处编辑母版文本样式</a:t>
             </a:r>
           </a:p>
         </p:txBody>
@@ -1059,7 +1059,7 @@
     </p:spTree>
     <p:extLst>
       <p:ext uri="{BB962C8B-B14F-4D97-AF65-F5344CB8AC3E}">
-        <p14:creationId xmlns:p14="http://schemas.microsoft.com/office/powerpoint/2010/main" val="2724291492"/>
+        <p14:creationId xmlns:p14="http://schemas.microsoft.com/office/powerpoint/2010/main" val="285330389"/>
       </p:ext>
     </p:extLst>
   </p:cSld>
@@ -1102,7 +1102,7 @@
           <a:lstStyle/>
           <a:p>
             <a:r>
-              <a:rPr lang="zh-CN" altLang="en-US"/>
+              <a:rPr lang="zh-CN" altLang="en-US" smtClean="0"/>
               <a:t>单击此处编辑母版标题样式</a:t>
             </a:r>
             <a:endParaRPr lang="en-US" dirty="0"/>
@@ -1121,8 +1121,8 @@
         </p:nvSpPr>
         <p:spPr>
           <a:xfrm>
-            <a:off x="838200" y="3651250"/>
-            <a:ext cx="5181600" cy="8702676"/>
+            <a:off x="838200" y="3407833"/>
+            <a:ext cx="5181600" cy="8122498"/>
           </a:xfrm>
         </p:spPr>
         <p:txBody>
@@ -1131,35 +1131,35 @@
           <a:p>
             <a:pPr lvl="0"/>
             <a:r>
-              <a:rPr lang="zh-CN" altLang="en-US"/>
-              <a:t>编辑母版文本样式</a:t>
+              <a:rPr lang="zh-CN" altLang="en-US" smtClean="0"/>
+              <a:t>单击此处编辑母版文本样式</a:t>
             </a:r>
           </a:p>
           <a:p>
             <a:pPr lvl="1"/>
             <a:r>
-              <a:rPr lang="zh-CN" altLang="en-US"/>
+              <a:rPr lang="zh-CN" altLang="en-US" smtClean="0"/>
               <a:t>第二级</a:t>
             </a:r>
           </a:p>
           <a:p>
             <a:pPr lvl="2"/>
             <a:r>
-              <a:rPr lang="zh-CN" altLang="en-US"/>
+              <a:rPr lang="zh-CN" altLang="en-US" smtClean="0"/>
               <a:t>第三级</a:t>
             </a:r>
           </a:p>
           <a:p>
             <a:pPr lvl="3"/>
             <a:r>
-              <a:rPr lang="zh-CN" altLang="en-US"/>
+              <a:rPr lang="zh-CN" altLang="en-US" smtClean="0"/>
               <a:t>第四级</a:t>
             </a:r>
           </a:p>
           <a:p>
             <a:pPr lvl="4"/>
             <a:r>
-              <a:rPr lang="zh-CN" altLang="en-US"/>
+              <a:rPr lang="zh-CN" altLang="en-US" smtClean="0"/>
               <a:t>第五级</a:t>
             </a:r>
             <a:endParaRPr lang="en-US" dirty="0"/>
@@ -1178,8 +1178,8 @@
         </p:nvSpPr>
         <p:spPr>
           <a:xfrm>
-            <a:off x="6172200" y="3651250"/>
-            <a:ext cx="5181600" cy="8702676"/>
+            <a:off x="6172200" y="3407833"/>
+            <a:ext cx="5181600" cy="8122498"/>
           </a:xfrm>
         </p:spPr>
         <p:txBody>
@@ -1188,35 +1188,35 @@
           <a:p>
             <a:pPr lvl="0"/>
             <a:r>
-              <a:rPr lang="zh-CN" altLang="en-US"/>
-              <a:t>编辑母版文本样式</a:t>
+              <a:rPr lang="zh-CN" altLang="en-US" smtClean="0"/>
+              <a:t>单击此处编辑母版文本样式</a:t>
             </a:r>
           </a:p>
           <a:p>
             <a:pPr lvl="1"/>
             <a:r>
-              <a:rPr lang="zh-CN" altLang="en-US"/>
+              <a:rPr lang="zh-CN" altLang="en-US" smtClean="0"/>
               <a:t>第二级</a:t>
             </a:r>
           </a:p>
           <a:p>
             <a:pPr lvl="2"/>
             <a:r>
-              <a:rPr lang="zh-CN" altLang="en-US"/>
+              <a:rPr lang="zh-CN" altLang="en-US" smtClean="0"/>
               <a:t>第三级</a:t>
             </a:r>
           </a:p>
           <a:p>
             <a:pPr lvl="3"/>
             <a:r>
-              <a:rPr lang="zh-CN" altLang="en-US"/>
+              <a:rPr lang="zh-CN" altLang="en-US" smtClean="0"/>
               <a:t>第四级</a:t>
             </a:r>
           </a:p>
           <a:p>
             <a:pPr lvl="4"/>
             <a:r>
-              <a:rPr lang="zh-CN" altLang="en-US"/>
+              <a:rPr lang="zh-CN" altLang="en-US" smtClean="0"/>
               <a:t>第五级</a:t>
             </a:r>
             <a:endParaRPr lang="en-US" dirty="0"/>
@@ -1291,7 +1291,7 @@
     </p:spTree>
     <p:extLst>
       <p:ext uri="{BB962C8B-B14F-4D97-AF65-F5344CB8AC3E}">
-        <p14:creationId xmlns:p14="http://schemas.microsoft.com/office/powerpoint/2010/main" val="309250834"/>
+        <p14:creationId xmlns:p14="http://schemas.microsoft.com/office/powerpoint/2010/main" val="693860475"/>
       </p:ext>
     </p:extLst>
   </p:cSld>
@@ -1330,8 +1330,8 @@
         </p:nvSpPr>
         <p:spPr>
           <a:xfrm>
-            <a:off x="839788" y="730253"/>
-            <a:ext cx="10515600" cy="2651126"/>
+            <a:off x="839788" y="681570"/>
+            <a:ext cx="10515600" cy="2474384"/>
           </a:xfrm>
         </p:spPr>
         <p:txBody>
@@ -1339,7 +1339,7 @@
           <a:lstStyle/>
           <a:p>
             <a:r>
-              <a:rPr lang="zh-CN" altLang="en-US"/>
+              <a:rPr lang="zh-CN" altLang="en-US" smtClean="0"/>
               <a:t>单击此处编辑母版标题样式</a:t>
             </a:r>
             <a:endParaRPr lang="en-US" dirty="0"/>
@@ -1358,8 +1358,8 @@
         </p:nvSpPr>
         <p:spPr>
           <a:xfrm>
-            <a:off x="839789" y="3362326"/>
-            <a:ext cx="5157787" cy="1647824"/>
+            <a:off x="839789" y="3138171"/>
+            <a:ext cx="5157787" cy="1537969"/>
           </a:xfrm>
         </p:spPr>
         <p:txBody>
@@ -1405,8 +1405,8 @@
           <a:p>
             <a:pPr lvl="0"/>
             <a:r>
-              <a:rPr lang="zh-CN" altLang="en-US"/>
-              <a:t>编辑母版文本样式</a:t>
+              <a:rPr lang="zh-CN" altLang="en-US" smtClean="0"/>
+              <a:t>单击此处编辑母版文本样式</a:t>
             </a:r>
           </a:p>
         </p:txBody>
@@ -1423,8 +1423,8 @@
         </p:nvSpPr>
         <p:spPr>
           <a:xfrm>
-            <a:off x="839789" y="5010150"/>
-            <a:ext cx="5157787" cy="7369176"/>
+            <a:off x="839789" y="4676140"/>
+            <a:ext cx="5157787" cy="6877898"/>
           </a:xfrm>
         </p:spPr>
         <p:txBody>
@@ -1433,35 +1433,35 @@
           <a:p>
             <a:pPr lvl="0"/>
             <a:r>
-              <a:rPr lang="zh-CN" altLang="en-US"/>
-              <a:t>编辑母版文本样式</a:t>
+              <a:rPr lang="zh-CN" altLang="en-US" smtClean="0"/>
+              <a:t>单击此处编辑母版文本样式</a:t>
             </a:r>
           </a:p>
           <a:p>
             <a:pPr lvl="1"/>
             <a:r>
-              <a:rPr lang="zh-CN" altLang="en-US"/>
+              <a:rPr lang="zh-CN" altLang="en-US" smtClean="0"/>
               <a:t>第二级</a:t>
             </a:r>
           </a:p>
           <a:p>
             <a:pPr lvl="2"/>
             <a:r>
-              <a:rPr lang="zh-CN" altLang="en-US"/>
+              <a:rPr lang="zh-CN" altLang="en-US" smtClean="0"/>
               <a:t>第三级</a:t>
             </a:r>
           </a:p>
           <a:p>
             <a:pPr lvl="3"/>
             <a:r>
-              <a:rPr lang="zh-CN" altLang="en-US"/>
+              <a:rPr lang="zh-CN" altLang="en-US" smtClean="0"/>
               <a:t>第四级</a:t>
             </a:r>
           </a:p>
           <a:p>
             <a:pPr lvl="4"/>
             <a:r>
-              <a:rPr lang="zh-CN" altLang="en-US"/>
+              <a:rPr lang="zh-CN" altLang="en-US" smtClean="0"/>
               <a:t>第五级</a:t>
             </a:r>
             <a:endParaRPr lang="en-US" dirty="0"/>
@@ -1480,8 +1480,8 @@
         </p:nvSpPr>
         <p:spPr>
           <a:xfrm>
-            <a:off x="6172201" y="3362326"/>
-            <a:ext cx="5183188" cy="1647824"/>
+            <a:off x="6172201" y="3138171"/>
+            <a:ext cx="5183188" cy="1537969"/>
           </a:xfrm>
         </p:spPr>
         <p:txBody>
@@ -1527,8 +1527,8 @@
           <a:p>
             <a:pPr lvl="0"/>
             <a:r>
-              <a:rPr lang="zh-CN" altLang="en-US"/>
-              <a:t>编辑母版文本样式</a:t>
+              <a:rPr lang="zh-CN" altLang="en-US" smtClean="0"/>
+              <a:t>单击此处编辑母版文本样式</a:t>
             </a:r>
           </a:p>
         </p:txBody>
@@ -1545,8 +1545,8 @@
         </p:nvSpPr>
         <p:spPr>
           <a:xfrm>
-            <a:off x="6172201" y="5010150"/>
-            <a:ext cx="5183188" cy="7369176"/>
+            <a:off x="6172201" y="4676140"/>
+            <a:ext cx="5183188" cy="6877898"/>
           </a:xfrm>
         </p:spPr>
         <p:txBody>
@@ -1555,35 +1555,35 @@
           <a:p>
             <a:pPr lvl="0"/>
             <a:r>
-              <a:rPr lang="zh-CN" altLang="en-US"/>
-              <a:t>编辑母版文本样式</a:t>
+              <a:rPr lang="zh-CN" altLang="en-US" smtClean="0"/>
+              <a:t>单击此处编辑母版文本样式</a:t>
             </a:r>
           </a:p>
           <a:p>
             <a:pPr lvl="1"/>
             <a:r>
-              <a:rPr lang="zh-CN" altLang="en-US"/>
+              <a:rPr lang="zh-CN" altLang="en-US" smtClean="0"/>
               <a:t>第二级</a:t>
             </a:r>
           </a:p>
           <a:p>
             <a:pPr lvl="2"/>
             <a:r>
-              <a:rPr lang="zh-CN" altLang="en-US"/>
+              <a:rPr lang="zh-CN" altLang="en-US" smtClean="0"/>
               <a:t>第三级</a:t>
             </a:r>
           </a:p>
           <a:p>
             <a:pPr lvl="3"/>
             <a:r>
-              <a:rPr lang="zh-CN" altLang="en-US"/>
+              <a:rPr lang="zh-CN" altLang="en-US" smtClean="0"/>
               <a:t>第四级</a:t>
             </a:r>
           </a:p>
           <a:p>
             <a:pPr lvl="4"/>
             <a:r>
-              <a:rPr lang="zh-CN" altLang="en-US"/>
+              <a:rPr lang="zh-CN" altLang="en-US" smtClean="0"/>
               <a:t>第五级</a:t>
             </a:r>
             <a:endParaRPr lang="en-US" dirty="0"/>
@@ -1658,7 +1658,7 @@
     </p:spTree>
     <p:extLst>
       <p:ext uri="{BB962C8B-B14F-4D97-AF65-F5344CB8AC3E}">
-        <p14:creationId xmlns:p14="http://schemas.microsoft.com/office/powerpoint/2010/main" val="269984974"/>
+        <p14:creationId xmlns:p14="http://schemas.microsoft.com/office/powerpoint/2010/main" val="1101564682"/>
       </p:ext>
     </p:extLst>
   </p:cSld>
@@ -1701,7 +1701,7 @@
           <a:lstStyle/>
           <a:p>
             <a:r>
-              <a:rPr lang="zh-CN" altLang="en-US"/>
+              <a:rPr lang="zh-CN" altLang="en-US" smtClean="0"/>
               <a:t>单击此处编辑母版标题样式</a:t>
             </a:r>
             <a:endParaRPr lang="en-US" dirty="0"/>
@@ -1776,7 +1776,7 @@
     </p:spTree>
     <p:extLst>
       <p:ext uri="{BB962C8B-B14F-4D97-AF65-F5344CB8AC3E}">
-        <p14:creationId xmlns:p14="http://schemas.microsoft.com/office/powerpoint/2010/main" val="398035292"/>
+        <p14:creationId xmlns:p14="http://schemas.microsoft.com/office/powerpoint/2010/main" val="603650964"/>
       </p:ext>
     </p:extLst>
   </p:cSld>
@@ -1871,7 +1871,7 @@
     </p:spTree>
     <p:extLst>
       <p:ext uri="{BB962C8B-B14F-4D97-AF65-F5344CB8AC3E}">
-        <p14:creationId xmlns:p14="http://schemas.microsoft.com/office/powerpoint/2010/main" val="1148231567"/>
+        <p14:creationId xmlns:p14="http://schemas.microsoft.com/office/powerpoint/2010/main" val="199925099"/>
       </p:ext>
     </p:extLst>
   </p:cSld>
@@ -1910,8 +1910,8 @@
         </p:nvSpPr>
         <p:spPr>
           <a:xfrm>
-            <a:off x="839788" y="914400"/>
-            <a:ext cx="3932237" cy="3200400"/>
+            <a:off x="839788" y="853440"/>
+            <a:ext cx="3932237" cy="2987040"/>
           </a:xfrm>
         </p:spPr>
         <p:txBody>
@@ -1923,7 +1923,7 @@
           </a:lstStyle>
           <a:p>
             <a:r>
-              <a:rPr lang="zh-CN" altLang="en-US"/>
+              <a:rPr lang="zh-CN" altLang="en-US" smtClean="0"/>
               <a:t>单击此处编辑母版标题样式</a:t>
             </a:r>
             <a:endParaRPr lang="en-US" dirty="0"/>
@@ -1942,8 +1942,8 @@
         </p:nvSpPr>
         <p:spPr>
           <a:xfrm>
-            <a:off x="5183188" y="1974853"/>
-            <a:ext cx="6172200" cy="9747250"/>
+            <a:off x="5183188" y="1843196"/>
+            <a:ext cx="6172200" cy="9097433"/>
           </a:xfrm>
         </p:spPr>
         <p:txBody>
@@ -1980,35 +1980,35 @@
           <a:p>
             <a:pPr lvl="0"/>
             <a:r>
-              <a:rPr lang="zh-CN" altLang="en-US"/>
-              <a:t>编辑母版文本样式</a:t>
+              <a:rPr lang="zh-CN" altLang="en-US" smtClean="0"/>
+              <a:t>单击此处编辑母版文本样式</a:t>
             </a:r>
           </a:p>
           <a:p>
             <a:pPr lvl="1"/>
             <a:r>
-              <a:rPr lang="zh-CN" altLang="en-US"/>
+              <a:rPr lang="zh-CN" altLang="en-US" smtClean="0"/>
               <a:t>第二级</a:t>
             </a:r>
           </a:p>
           <a:p>
             <a:pPr lvl="2"/>
             <a:r>
-              <a:rPr lang="zh-CN" altLang="en-US"/>
+              <a:rPr lang="zh-CN" altLang="en-US" smtClean="0"/>
               <a:t>第三级</a:t>
             </a:r>
           </a:p>
           <a:p>
             <a:pPr lvl="3"/>
             <a:r>
-              <a:rPr lang="zh-CN" altLang="en-US"/>
+              <a:rPr lang="zh-CN" altLang="en-US" smtClean="0"/>
               <a:t>第四级</a:t>
             </a:r>
           </a:p>
           <a:p>
             <a:pPr lvl="4"/>
             <a:r>
-              <a:rPr lang="zh-CN" altLang="en-US"/>
+              <a:rPr lang="zh-CN" altLang="en-US" smtClean="0"/>
               <a:t>第五级</a:t>
             </a:r>
             <a:endParaRPr lang="en-US" dirty="0"/>
@@ -2027,8 +2027,8 @@
         </p:nvSpPr>
         <p:spPr>
           <a:xfrm>
-            <a:off x="839788" y="4114800"/>
-            <a:ext cx="3932237" cy="7623176"/>
+            <a:off x="839788" y="3840480"/>
+            <a:ext cx="3932237" cy="7114964"/>
           </a:xfrm>
         </p:spPr>
         <p:txBody>
@@ -2074,8 +2074,8 @@
           <a:p>
             <a:pPr lvl="0"/>
             <a:r>
-              <a:rPr lang="zh-CN" altLang="en-US"/>
-              <a:t>编辑母版文本样式</a:t>
+              <a:rPr lang="zh-CN" altLang="en-US" smtClean="0"/>
+              <a:t>单击此处编辑母版文本样式</a:t>
             </a:r>
           </a:p>
         </p:txBody>
@@ -2148,7 +2148,7 @@
     </p:spTree>
     <p:extLst>
       <p:ext uri="{BB962C8B-B14F-4D97-AF65-F5344CB8AC3E}">
-        <p14:creationId xmlns:p14="http://schemas.microsoft.com/office/powerpoint/2010/main" val="1583055769"/>
+        <p14:creationId xmlns:p14="http://schemas.microsoft.com/office/powerpoint/2010/main" val="2520649938"/>
       </p:ext>
     </p:extLst>
   </p:cSld>
@@ -2187,8 +2187,8 @@
         </p:nvSpPr>
         <p:spPr>
           <a:xfrm>
-            <a:off x="839788" y="914400"/>
-            <a:ext cx="3932237" cy="3200400"/>
+            <a:off x="839788" y="853440"/>
+            <a:ext cx="3932237" cy="2987040"/>
           </a:xfrm>
         </p:spPr>
         <p:txBody>
@@ -2200,7 +2200,7 @@
           </a:lstStyle>
           <a:p>
             <a:r>
-              <a:rPr lang="zh-CN" altLang="en-US"/>
+              <a:rPr lang="zh-CN" altLang="en-US" smtClean="0"/>
               <a:t>单击此处编辑母版标题样式</a:t>
             </a:r>
             <a:endParaRPr lang="en-US" dirty="0"/>
@@ -2219,8 +2219,8 @@
         </p:nvSpPr>
         <p:spPr>
           <a:xfrm>
-            <a:off x="5183188" y="1974853"/>
-            <a:ext cx="6172200" cy="9747250"/>
+            <a:off x="5183188" y="1843196"/>
+            <a:ext cx="6172200" cy="9097433"/>
           </a:xfrm>
         </p:spPr>
         <p:txBody>
@@ -2265,7 +2265,7 @@
           </a:lstStyle>
           <a:p>
             <a:r>
-              <a:rPr lang="zh-CN" altLang="en-US"/>
+              <a:rPr lang="zh-CN" altLang="en-US" smtClean="0"/>
               <a:t>单击图标添加图片</a:t>
             </a:r>
             <a:endParaRPr lang="en-US" dirty="0"/>
@@ -2284,8 +2284,8 @@
         </p:nvSpPr>
         <p:spPr>
           <a:xfrm>
-            <a:off x="839788" y="4114800"/>
-            <a:ext cx="3932237" cy="7623176"/>
+            <a:off x="839788" y="3840480"/>
+            <a:ext cx="3932237" cy="7114964"/>
           </a:xfrm>
         </p:spPr>
         <p:txBody>
@@ -2331,8 +2331,8 @@
           <a:p>
             <a:pPr lvl="0"/>
             <a:r>
-              <a:rPr lang="zh-CN" altLang="en-US"/>
-              <a:t>编辑母版文本样式</a:t>
+              <a:rPr lang="zh-CN" altLang="en-US" smtClean="0"/>
+              <a:t>单击此处编辑母版文本样式</a:t>
             </a:r>
           </a:p>
         </p:txBody>
@@ -2405,7 +2405,7 @@
     </p:spTree>
     <p:extLst>
       <p:ext uri="{BB962C8B-B14F-4D97-AF65-F5344CB8AC3E}">
-        <p14:creationId xmlns:p14="http://schemas.microsoft.com/office/powerpoint/2010/main" val="1444507875"/>
+        <p14:creationId xmlns:p14="http://schemas.microsoft.com/office/powerpoint/2010/main" val="117097457"/>
       </p:ext>
     </p:extLst>
   </p:cSld>
@@ -2449,8 +2449,8 @@
         </p:nvSpPr>
         <p:spPr>
           <a:xfrm>
-            <a:off x="838200" y="730253"/>
-            <a:ext cx="10515600" cy="2651126"/>
+            <a:off x="838200" y="681570"/>
+            <a:ext cx="10515600" cy="2474384"/>
           </a:xfrm>
           <a:prstGeom prst="rect">
             <a:avLst/>
@@ -2463,7 +2463,7 @@
           <a:lstStyle/>
           <a:p>
             <a:r>
-              <a:rPr lang="zh-CN" altLang="en-US"/>
+              <a:rPr lang="zh-CN" altLang="en-US" smtClean="0"/>
               <a:t>单击此处编辑母版标题样式</a:t>
             </a:r>
             <a:endParaRPr lang="en-US" dirty="0"/>
@@ -2482,8 +2482,8 @@
         </p:nvSpPr>
         <p:spPr>
           <a:xfrm>
-            <a:off x="838200" y="3651250"/>
-            <a:ext cx="10515600" cy="8702676"/>
+            <a:off x="838200" y="3407833"/>
+            <a:ext cx="10515600" cy="8122498"/>
           </a:xfrm>
           <a:prstGeom prst="rect">
             <a:avLst/>
@@ -2497,35 +2497,35 @@
           <a:p>
             <a:pPr lvl="0"/>
             <a:r>
-              <a:rPr lang="zh-CN" altLang="en-US"/>
-              <a:t>编辑母版文本样式</a:t>
+              <a:rPr lang="zh-CN" altLang="en-US" smtClean="0"/>
+              <a:t>单击此处编辑母版文本样式</a:t>
             </a:r>
           </a:p>
           <a:p>
             <a:pPr lvl="1"/>
             <a:r>
-              <a:rPr lang="zh-CN" altLang="en-US"/>
+              <a:rPr lang="zh-CN" altLang="en-US" smtClean="0"/>
               <a:t>第二级</a:t>
             </a:r>
           </a:p>
           <a:p>
             <a:pPr lvl="2"/>
             <a:r>
-              <a:rPr lang="zh-CN" altLang="en-US"/>
+              <a:rPr lang="zh-CN" altLang="en-US" smtClean="0"/>
               <a:t>第三级</a:t>
             </a:r>
           </a:p>
           <a:p>
             <a:pPr lvl="3"/>
             <a:r>
-              <a:rPr lang="zh-CN" altLang="en-US"/>
+              <a:rPr lang="zh-CN" altLang="en-US" smtClean="0"/>
               <a:t>第四级</a:t>
             </a:r>
           </a:p>
           <a:p>
             <a:pPr lvl="4"/>
             <a:r>
-              <a:rPr lang="zh-CN" altLang="en-US"/>
+              <a:rPr lang="zh-CN" altLang="en-US" smtClean="0"/>
               <a:t>第五级</a:t>
             </a:r>
             <a:endParaRPr lang="en-US" dirty="0"/>
@@ -2544,8 +2544,8 @@
         </p:nvSpPr>
         <p:spPr>
           <a:xfrm>
-            <a:off x="838200" y="12712703"/>
-            <a:ext cx="2743200" cy="730250"/>
+            <a:off x="838200" y="11865189"/>
+            <a:ext cx="2743200" cy="681567"/>
           </a:xfrm>
           <a:prstGeom prst="rect">
             <a:avLst/>
@@ -2585,8 +2585,8 @@
         </p:nvSpPr>
         <p:spPr>
           <a:xfrm>
-            <a:off x="4038600" y="12712703"/>
-            <a:ext cx="4114800" cy="730250"/>
+            <a:off x="4038600" y="11865189"/>
+            <a:ext cx="4114800" cy="681567"/>
           </a:xfrm>
           <a:prstGeom prst="rect">
             <a:avLst/>
@@ -2622,8 +2622,8 @@
         </p:nvSpPr>
         <p:spPr>
           <a:xfrm>
-            <a:off x="8610600" y="12712703"/>
-            <a:ext cx="2743200" cy="730250"/>
+            <a:off x="8610600" y="11865189"/>
+            <a:ext cx="2743200" cy="681567"/>
           </a:xfrm>
           <a:prstGeom prst="rect">
             <a:avLst/>
@@ -2654,23 +2654,23 @@
     </p:spTree>
     <p:extLst>
       <p:ext uri="{BB962C8B-B14F-4D97-AF65-F5344CB8AC3E}">
-        <p14:creationId xmlns:p14="http://schemas.microsoft.com/office/powerpoint/2010/main" val="4270185750"/>
+        <p14:creationId xmlns:p14="http://schemas.microsoft.com/office/powerpoint/2010/main" val="2527247980"/>
       </p:ext>
     </p:extLst>
   </p:cSld>
   <p:clrMap bg1="lt1" tx1="dk1" bg2="lt2" tx2="dk2" accent1="accent1" accent2="accent2" accent3="accent3" accent4="accent4" accent5="accent5" accent6="accent6" hlink="hlink" folHlink="folHlink"/>
   <p:sldLayoutIdLst>
-    <p:sldLayoutId id="2147483685" r:id="rId1"/>
-    <p:sldLayoutId id="2147483686" r:id="rId2"/>
-    <p:sldLayoutId id="2147483687" r:id="rId3"/>
-    <p:sldLayoutId id="2147483688" r:id="rId4"/>
-    <p:sldLayoutId id="2147483689" r:id="rId5"/>
-    <p:sldLayoutId id="2147483690" r:id="rId6"/>
-    <p:sldLayoutId id="2147483691" r:id="rId7"/>
-    <p:sldLayoutId id="2147483692" r:id="rId8"/>
-    <p:sldLayoutId id="2147483693" r:id="rId9"/>
-    <p:sldLayoutId id="2147483694" r:id="rId10"/>
-    <p:sldLayoutId id="2147483695" r:id="rId11"/>
+    <p:sldLayoutId id="2147483697" r:id="rId1"/>
+    <p:sldLayoutId id="2147483698" r:id="rId2"/>
+    <p:sldLayoutId id="2147483699" r:id="rId3"/>
+    <p:sldLayoutId id="2147483700" r:id="rId4"/>
+    <p:sldLayoutId id="2147483701" r:id="rId5"/>
+    <p:sldLayoutId id="2147483702" r:id="rId6"/>
+    <p:sldLayoutId id="2147483703" r:id="rId7"/>
+    <p:sldLayoutId id="2147483704" r:id="rId8"/>
+    <p:sldLayoutId id="2147483705" r:id="rId9"/>
+    <p:sldLayoutId id="2147483706" r:id="rId10"/>
+    <p:sldLayoutId id="2147483707" r:id="rId11"/>
   </p:sldLayoutIdLst>
   <p:txStyles>
     <p:titleStyle>
@@ -2982,13 +2982,13 @@
             <p:ph idx="1"/>
             <p:extLst>
               <p:ext uri="{D42A27DB-BD31-4B8C-83A1-F6EECF244321}">
-                <p14:modId xmlns:p14="http://schemas.microsoft.com/office/powerpoint/2010/main" val="774177259"/>
+                <p14:modId xmlns:p14="http://schemas.microsoft.com/office/powerpoint/2010/main" val="479003811"/>
               </p:ext>
             </p:extLst>
           </p:nvPr>
         </p:nvGraphicFramePr>
         <p:xfrm>
-          <a:off x="0" y="1909"/>
+          <a:off x="0" y="131449"/>
           <a:ext cx="12184380" cy="12483159"/>
         </p:xfrm>
         <a:graphic>
@@ -7581,14 +7581,14 @@
             <p:ph idx="1"/>
             <p:extLst>
               <p:ext uri="{D42A27DB-BD31-4B8C-83A1-F6EECF244321}">
-                <p14:modId xmlns:p14="http://schemas.microsoft.com/office/powerpoint/2010/main" val="1688864260"/>
+                <p14:modId xmlns:p14="http://schemas.microsoft.com/office/powerpoint/2010/main" val="558404951"/>
               </p:ext>
             </p:extLst>
           </p:nvPr>
         </p:nvGraphicFramePr>
         <p:xfrm>
-          <a:off x="0" y="0"/>
-          <a:ext cx="12192000" cy="8681416"/>
+          <a:off x="0" y="510540"/>
+          <a:ext cx="12184380" cy="8656320"/>
         </p:xfrm>
         <a:graphic>
           <a:graphicData uri="http://schemas.openxmlformats.org/drawingml/2006/table">
@@ -7604,37 +7604,25 @@
                     </a:ext>
                   </a:extLst>
                 </a:gridCol>
-                <a:gridCol w="4171631">
+                <a:gridCol w="4208859">
                   <a:extLst>
                     <a:ext uri="{9D8B030D-6E8A-4147-A177-3AD203B41FA5}">
                       <a16:colId xmlns:a16="http://schemas.microsoft.com/office/drawing/2014/main" xmlns="" val="286836760"/>
                     </a:ext>
                   </a:extLst>
                 </a:gridCol>
-                <a:gridCol w="4143375">
-                  <a:extLst>
-                    <a:ext uri="{9D8B030D-6E8A-4147-A177-3AD203B41FA5}">
-                      <a16:colId xmlns:a16="http://schemas.microsoft.com/office/drawing/2014/main" xmlns="" val="3142399520"/>
-                    </a:ext>
-                  </a:extLst>
-                </a:gridCol>
-                <a:gridCol w="1739900">
+                <a:gridCol w="4208859"/>
+                <a:gridCol w="1697434">
                   <a:extLst>
                     <a:ext uri="{9D8B030D-6E8A-4147-A177-3AD203B41FA5}">
                       <a16:colId xmlns:a16="http://schemas.microsoft.com/office/drawing/2014/main" xmlns="" val="2860468690"/>
                     </a:ext>
                   </a:extLst>
                 </a:gridCol>
-                <a:gridCol w="1765300">
-                  <a:extLst>
-                    <a:ext uri="{9D8B030D-6E8A-4147-A177-3AD203B41FA5}">
-                      <a16:colId xmlns:a16="http://schemas.microsoft.com/office/drawing/2014/main" xmlns="" val="572246273"/>
-                    </a:ext>
-                  </a:extLst>
-                </a:gridCol>
+                <a:gridCol w="1697434"/>
               </a:tblGrid>
-              <a:tr h="361950">
-                <a:tc>
+              <a:tr h="180975">
+                <a:tc rowSpan="2">
                   <a:txBody>
                     <a:bodyPr/>
                     <a:lstStyle/>
@@ -7681,11 +7669,7 @@
                     <a:bodyPr/>
                     <a:lstStyle/>
                     <a:p>
-                      <a:pPr marR="0" algn="l" rtl="0"/>
-                      <a:endParaRPr lang="zh-CN" altLang="en-US" sz="1100" dirty="0">
-                        <a:latin typeface="Courier New" panose="02070309020205020404" pitchFamily="49" charset="0"/>
-                        <a:cs typeface="Courier New" panose="02070309020205020404" pitchFamily="49" charset="0"/>
-                      </a:endParaRPr>
+                      <a:endParaRPr lang="zh-CN" altLang="en-US"/>
                     </a:p>
                   </a:txBody>
                   <a:tcPr/>
@@ -7716,20 +7700,128 @@
                     <a:bodyPr/>
                     <a:lstStyle/>
                     <a:p>
-                      <a:pPr marR="0" algn="l" rtl="0"/>
-                      <a:endParaRPr lang="zh-CN" altLang="en-US" sz="1100" dirty="0">
-                        <a:latin typeface="Courier New" panose="02070309020205020404" pitchFamily="49" charset="0"/>
-                        <a:cs typeface="Courier New" panose="02070309020205020404" pitchFamily="49" charset="0"/>
-                      </a:endParaRPr>
+                      <a:endParaRPr lang="zh-CN" altLang="en-US"/>
                     </a:p>
                   </a:txBody>
-                  <a:tcPr anchor="ctr"/>
+                  <a:tcPr/>
                 </a:tc>
                 <a:extLst>
                   <a:ext uri="{0D108BD9-81ED-4DB2-BD59-A6C34878D82A}">
                     <a16:rowId xmlns:a16="http://schemas.microsoft.com/office/drawing/2014/main" xmlns="" val="255238892"/>
                   </a:ext>
                 </a:extLst>
+              </a:tr>
+              <a:tr h="180975">
+                <a:tc vMerge="1">
+                  <a:txBody>
+                    <a:bodyPr/>
+                    <a:lstStyle/>
+                    <a:p>
+                      <a:endParaRPr lang="zh-CN" altLang="en-US"/>
+                    </a:p>
+                  </a:txBody>
+                  <a:tcPr/>
+                </a:tc>
+                <a:tc>
+                  <a:txBody>
+                    <a:bodyPr/>
+                    <a:lstStyle/>
+                    <a:p>
+                      <a:pPr marR="0" algn="ctr" rtl="0"/>
+                      <a:r>
+                        <a:rPr lang="en-US" altLang="zh-CN" sz="1100" kern="1200" dirty="0" smtClean="0">
+                          <a:solidFill>
+                            <a:schemeClr val="tx1"/>
+                          </a:solidFill>
+                          <a:latin typeface="Courier New" panose="02070309020205020404" pitchFamily="49" charset="0"/>
+                          <a:ea typeface="+mn-ea"/>
+                          <a:cs typeface="Courier New" panose="02070309020205020404" pitchFamily="49" charset="0"/>
+                        </a:rPr>
+                        <a:t>Original</a:t>
+                      </a:r>
+                      <a:endParaRPr lang="en-US" altLang="zh-CN" sz="1100" kern="1200" dirty="0">
+                        <a:solidFill>
+                          <a:schemeClr val="tx1"/>
+                        </a:solidFill>
+                        <a:latin typeface="Courier New" panose="02070309020205020404" pitchFamily="49" charset="0"/>
+                        <a:ea typeface="+mn-ea"/>
+                        <a:cs typeface="Courier New" panose="02070309020205020404" pitchFamily="49" charset="0"/>
+                      </a:endParaRPr>
+                    </a:p>
+                  </a:txBody>
+                  <a:tcPr anchor="ctr"/>
+                </a:tc>
+                <a:tc>
+                  <a:txBody>
+                    <a:bodyPr/>
+                    <a:lstStyle/>
+                    <a:p>
+                      <a:pPr marR="0" algn="ctr" rtl="0"/>
+                      <a:r>
+                        <a:rPr lang="en-US" altLang="zh-CN" sz="1100" kern="1200" dirty="0" smtClean="0">
+                          <a:solidFill>
+                            <a:schemeClr val="tx1"/>
+                          </a:solidFill>
+                          <a:latin typeface="Courier New" panose="02070309020205020404" pitchFamily="49" charset="0"/>
+                          <a:ea typeface="+mn-ea"/>
+                          <a:cs typeface="Courier New" panose="02070309020205020404" pitchFamily="49" charset="0"/>
+                        </a:rPr>
+                        <a:t>Modified</a:t>
+                      </a:r>
+                      <a:endParaRPr lang="en-US" altLang="zh-CN" sz="1100" kern="1200" dirty="0">
+                        <a:solidFill>
+                          <a:schemeClr val="tx1"/>
+                        </a:solidFill>
+                        <a:latin typeface="Courier New" panose="02070309020205020404" pitchFamily="49" charset="0"/>
+                        <a:ea typeface="+mn-ea"/>
+                        <a:cs typeface="Courier New" panose="02070309020205020404" pitchFamily="49" charset="0"/>
+                      </a:endParaRPr>
+                    </a:p>
+                  </a:txBody>
+                  <a:tcPr anchor="ctr"/>
+                </a:tc>
+                <a:tc>
+                  <a:txBody>
+                    <a:bodyPr/>
+                    <a:lstStyle/>
+                    <a:p>
+                      <a:pPr marR="0" algn="ctr" rtl="0"/>
+                      <a:r>
+                        <a:rPr lang="en-US" altLang="zh-CN" sz="1100" dirty="0" smtClean="0">
+                          <a:latin typeface="Courier New" panose="02070309020205020404" pitchFamily="49" charset="0"/>
+                          <a:cs typeface="Courier New" panose="02070309020205020404" pitchFamily="49" charset="0"/>
+                        </a:rPr>
+                        <a:t>Original</a:t>
+                      </a:r>
+                      <a:endParaRPr lang="zh-CN" altLang="en-US" sz="1100" dirty="0">
+                        <a:latin typeface="Courier New" panose="02070309020205020404" pitchFamily="49" charset="0"/>
+                        <a:cs typeface="Courier New" panose="02070309020205020404" pitchFamily="49" charset="0"/>
+                      </a:endParaRPr>
+                    </a:p>
+                  </a:txBody>
+                  <a:tcPr anchor="ctr"/>
+                </a:tc>
+                <a:tc>
+                  <a:txBody>
+                    <a:bodyPr/>
+                    <a:lstStyle/>
+                    <a:p>
+                      <a:pPr marR="0" algn="ctr" rtl="0"/>
+                      <a:r>
+                        <a:rPr lang="en-US" altLang="zh-CN" sz="1100" dirty="0" smtClean="0">
+                          <a:latin typeface="Courier New" panose="02070309020205020404" pitchFamily="49" charset="0"/>
+                          <a:cs typeface="Courier New" panose="02070309020205020404" pitchFamily="49" charset="0"/>
+                        </a:rPr>
+                        <a:t>Modified</a:t>
+                      </a:r>
+                      <a:endParaRPr lang="zh-CN" altLang="en-US" sz="1100" dirty="0">
+                        <a:latin typeface="Courier New" panose="02070309020205020404" pitchFamily="49" charset="0"/>
+                        <a:cs typeface="Courier New" panose="02070309020205020404" pitchFamily="49" charset="0"/>
+                      </a:endParaRPr>
+                    </a:p>
+                  </a:txBody>
+                  <a:tcPr anchor="ctr"/>
+                </a:tc>
               </a:tr>
               <a:tr h="419100">
                 <a:tc>
@@ -9230,11 +9322,7 @@
                     <a:bodyPr/>
                     <a:lstStyle/>
                     <a:p>
-                      <a:pPr marR="0" algn="l" rtl="0"/>
-                      <a:endParaRPr lang="en-US" altLang="zh-CN" sz="1100" dirty="0">
-                        <a:latin typeface="Courier New" panose="02070309020205020404" pitchFamily="49" charset="0"/>
-                        <a:cs typeface="Courier New" panose="02070309020205020404" pitchFamily="49" charset="0"/>
-                      </a:endParaRPr>
+                      <a:endParaRPr lang="zh-CN" altLang="en-US"/>
                     </a:p>
                   </a:txBody>
                   <a:tcPr/>
@@ -9258,11 +9346,7 @@
                     <a:bodyPr/>
                     <a:lstStyle/>
                     <a:p>
-                      <a:pPr marR="0" algn="l" rtl="0"/>
-                      <a:endParaRPr lang="zh-CN" altLang="en-US" sz="1100" dirty="0">
-                        <a:latin typeface="Courier New" panose="02070309020205020404" pitchFamily="49" charset="0"/>
-                        <a:cs typeface="Courier New" panose="02070309020205020404" pitchFamily="49" charset="0"/>
-                      </a:endParaRPr>
+                      <a:endParaRPr lang="zh-CN" altLang="en-US"/>
                     </a:p>
                   </a:txBody>
                   <a:tcPr anchor="ctr"/>
@@ -9273,7 +9357,7 @@
                   </a:ext>
                 </a:extLst>
               </a:tr>
-              <a:tr h="2270760">
+              <a:tr h="1950720">
                 <a:tc>
                   <a:txBody>
                     <a:bodyPr/>
@@ -9302,14 +9386,14 @@
                     <a:p>
                       <a:pPr marR="0" algn="l" rtl="0"/>
                       <a:r>
-                        <a:rPr lang="en-US" altLang="zh-CN" sz="1100" dirty="0">
-                          <a:solidFill>
-                            <a:srgbClr val="C00000"/>
-                          </a:solidFill>
-                          <a:latin typeface="Courier New" panose="02070309020205020404" pitchFamily="49" charset="0"/>
-                          <a:cs typeface="Courier New" panose="02070309020205020404" pitchFamily="49" charset="0"/>
-                        </a:rPr>
-                        <a:t>-protected Membership </a:t>
+                        <a:rPr lang="en-US" altLang="zh-CN" sz="1100" dirty="0" smtClean="0">
+                          <a:solidFill>
+                            <a:srgbClr val="C00000"/>
+                          </a:solidFill>
+                          <a:latin typeface="Courier New" panose="02070309020205020404" pitchFamily="49" charset="0"/>
+                          <a:cs typeface="Courier New" panose="02070309020205020404" pitchFamily="49" charset="0"/>
+                        </a:rPr>
+                        <a:t>-Membership </a:t>
                       </a:r>
                       <a:r>
                         <a:rPr lang="en-US" altLang="zh-CN" sz="1100" dirty="0" err="1">
@@ -9477,14 +9561,24 @@
                     <a:p>
                       <a:pPr marR="0" algn="l" rtl="0"/>
                       <a:r>
-                        <a:rPr lang="en-US" altLang="zh-CN" sz="1100" dirty="0">
+                        <a:rPr lang="en-US" altLang="zh-CN" sz="1100" dirty="0" smtClean="0">
                           <a:solidFill>
                             <a:schemeClr val="tx1"/>
                           </a:solidFill>
                           <a:latin typeface="Courier New" panose="02070309020205020404" pitchFamily="49" charset="0"/>
                           <a:cs typeface="Courier New" panose="02070309020205020404" pitchFamily="49" charset="0"/>
                         </a:rPr>
-                        <a:t> protected synchronized void </a:t>
+                        <a:t> synchronized </a:t>
+                      </a:r>
+                      <a:r>
+                        <a:rPr lang="en-US" altLang="zh-CN" sz="1100" dirty="0">
+                          <a:solidFill>
+                            <a:schemeClr val="tx1"/>
+                          </a:solidFill>
+                          <a:latin typeface="Courier New" panose="02070309020205020404" pitchFamily="49" charset="0"/>
+                          <a:cs typeface="Courier New" panose="02070309020205020404" pitchFamily="49" charset="0"/>
+                        </a:rPr>
+                        <a:t>void </a:t>
                       </a:r>
                       <a:r>
                         <a:rPr lang="en-US" altLang="zh-CN" sz="1100" dirty="0" err="1">
@@ -9530,27 +9624,60 @@
                           <a:latin typeface="Courier New" panose="02070309020205020404" pitchFamily="49" charset="0"/>
                           <a:cs typeface="Courier New" panose="02070309020205020404" pitchFamily="49" charset="0"/>
                         </a:rPr>
-                        <a:t>     membership = new Membership(</a:t>
-                      </a:r>
-                      <a:r>
-                        <a:rPr lang="en-US" altLang="zh-CN" sz="1100" dirty="0" err="1">
+                        <a:t>     membership = new Membership</a:t>
+                      </a:r>
+                      <a:r>
+                        <a:rPr lang="en-US" altLang="zh-CN" sz="1100" dirty="0" smtClean="0">
                           <a:solidFill>
                             <a:schemeClr val="tx1"/>
                           </a:solidFill>
                           <a:latin typeface="Courier New" panose="02070309020205020404" pitchFamily="49" charset="0"/>
                           <a:cs typeface="Courier New" panose="02070309020205020404" pitchFamily="49" charset="0"/>
                         </a:rPr>
+                        <a:t>(</a:t>
+                      </a:r>
+                    </a:p>
+                    <a:p>
+                      <a:pPr marR="0" algn="l" rtl="0"/>
+                      <a:r>
+                        <a:rPr lang="en-US" altLang="zh-CN" sz="1100" dirty="0" smtClean="0">
+                          <a:solidFill>
+                            <a:schemeClr val="tx1"/>
+                          </a:solidFill>
+                          <a:latin typeface="Courier New" panose="02070309020205020404" pitchFamily="49" charset="0"/>
+                          <a:cs typeface="Courier New" panose="02070309020205020404" pitchFamily="49" charset="0"/>
+                        </a:rPr>
+                        <a:t>       </a:t>
+                      </a:r>
+                      <a:r>
+                        <a:rPr lang="en-US" altLang="zh-CN" sz="1100" dirty="0" err="1" smtClean="0">
+                          <a:solidFill>
+                            <a:schemeClr val="tx1"/>
+                          </a:solidFill>
+                          <a:latin typeface="Courier New" panose="02070309020205020404" pitchFamily="49" charset="0"/>
+                          <a:cs typeface="Courier New" panose="02070309020205020404" pitchFamily="49" charset="0"/>
+                        </a:rPr>
                         <a:t>super.getLocalMember</a:t>
                       </a:r>
                       <a:r>
-                        <a:rPr lang="en-US" altLang="zh-CN" sz="1100" dirty="0">
+                        <a:rPr lang="en-US" altLang="zh-CN" sz="1100" dirty="0" smtClean="0">
                           <a:solidFill>
                             <a:schemeClr val="tx1"/>
                           </a:solidFill>
                           <a:latin typeface="Courier New" panose="02070309020205020404" pitchFamily="49" charset="0"/>
                           <a:cs typeface="Courier New" panose="02070309020205020404" pitchFamily="49" charset="0"/>
                         </a:rPr>
-                        <a:t>(true));</a:t>
+                        <a:t>(true</a:t>
+                      </a:r>
+                      <a:r>
+                        <a:rPr lang="en-US" altLang="zh-CN" sz="1100" dirty="0">
+                          <a:solidFill>
+                            <a:schemeClr val="tx1"/>
+                          </a:solidFill>
+                          <a:latin typeface="Courier New" panose="02070309020205020404" pitchFamily="49" charset="0"/>
+                          <a:cs typeface="Courier New" panose="02070309020205020404" pitchFamily="49" charset="0"/>
+                        </a:rPr>
+                        <a:t>));</a:t>
                       </a:r>
                     </a:p>
                     <a:p>
@@ -9589,14 +9716,24 @@
                     <a:p>
                       <a:pPr marR="0" algn="l" rtl="0"/>
                       <a:r>
-                        <a:rPr lang="en-US" altLang="zh-CN" sz="1100" dirty="0">
-                          <a:solidFill>
-                            <a:srgbClr val="0070C0"/>
-                          </a:solidFill>
-                          <a:latin typeface="Courier New" panose="02070309020205020404" pitchFamily="49" charset="0"/>
-                          <a:cs typeface="Courier New" panose="02070309020205020404" pitchFamily="49" charset="0"/>
-                        </a:rPr>
-                        <a:t>+protected volatile Membership </a:t>
+                        <a:rPr lang="en-US" altLang="zh-CN" sz="1100" dirty="0" smtClean="0">
+                          <a:solidFill>
+                            <a:srgbClr val="0070C0"/>
+                          </a:solidFill>
+                          <a:latin typeface="Courier New" panose="02070309020205020404" pitchFamily="49" charset="0"/>
+                          <a:cs typeface="Courier New" panose="02070309020205020404" pitchFamily="49" charset="0"/>
+                        </a:rPr>
+                        <a:t>+volatile </a:t>
+                      </a:r>
+                      <a:r>
+                        <a:rPr lang="en-US" altLang="zh-CN" sz="1100" dirty="0">
+                          <a:solidFill>
+                            <a:srgbClr val="0070C0"/>
+                          </a:solidFill>
+                          <a:latin typeface="Courier New" panose="02070309020205020404" pitchFamily="49" charset="0"/>
+                          <a:cs typeface="Courier New" panose="02070309020205020404" pitchFamily="49" charset="0"/>
+                        </a:rPr>
+                        <a:t>Membership </a:t>
                       </a:r>
                       <a:r>
                         <a:rPr lang="en-US" altLang="zh-CN" sz="1100" dirty="0" err="1">
@@ -9764,14 +9901,24 @@
                     <a:p>
                       <a:pPr marR="0" algn="l" rtl="0"/>
                       <a:r>
-                        <a:rPr lang="en-US" altLang="zh-CN" sz="1100" dirty="0">
+                        <a:rPr lang="en-US" altLang="zh-CN" sz="1100" dirty="0" smtClean="0">
                           <a:solidFill>
                             <a:schemeClr val="tx1"/>
                           </a:solidFill>
                           <a:latin typeface="Courier New" panose="02070309020205020404" pitchFamily="49" charset="0"/>
                           <a:cs typeface="Courier New" panose="02070309020205020404" pitchFamily="49" charset="0"/>
                         </a:rPr>
-                        <a:t> protected synchronized void </a:t>
+                        <a:t> synchronized </a:t>
+                      </a:r>
+                      <a:r>
+                        <a:rPr lang="en-US" altLang="zh-CN" sz="1100" dirty="0">
+                          <a:solidFill>
+                            <a:schemeClr val="tx1"/>
+                          </a:solidFill>
+                          <a:latin typeface="Courier New" panose="02070309020205020404" pitchFamily="49" charset="0"/>
+                          <a:cs typeface="Courier New" panose="02070309020205020404" pitchFamily="49" charset="0"/>
+                        </a:rPr>
+                        <a:t>void </a:t>
                       </a:r>
                       <a:r>
                         <a:rPr lang="en-US" altLang="zh-CN" sz="1100" dirty="0" err="1">
@@ -9817,27 +9964,60 @@
                           <a:latin typeface="Courier New" panose="02070309020205020404" pitchFamily="49" charset="0"/>
                           <a:cs typeface="Courier New" panose="02070309020205020404" pitchFamily="49" charset="0"/>
                         </a:rPr>
-                        <a:t>     membership = new Membership(</a:t>
-                      </a:r>
-                      <a:r>
-                        <a:rPr lang="en-US" altLang="zh-CN" sz="1100" dirty="0" err="1">
+                        <a:t>     membership = new Membership</a:t>
+                      </a:r>
+                      <a:r>
+                        <a:rPr lang="en-US" altLang="zh-CN" sz="1100" dirty="0" smtClean="0">
                           <a:solidFill>
                             <a:schemeClr val="tx1"/>
                           </a:solidFill>
                           <a:latin typeface="Courier New" panose="02070309020205020404" pitchFamily="49" charset="0"/>
                           <a:cs typeface="Courier New" panose="02070309020205020404" pitchFamily="49" charset="0"/>
                         </a:rPr>
+                        <a:t>(</a:t>
+                      </a:r>
+                    </a:p>
+                    <a:p>
+                      <a:pPr marR="0" algn="l" rtl="0"/>
+                      <a:r>
+                        <a:rPr lang="en-US" altLang="zh-CN" sz="1100" dirty="0" smtClean="0">
+                          <a:solidFill>
+                            <a:schemeClr val="tx1"/>
+                          </a:solidFill>
+                          <a:latin typeface="Courier New" panose="02070309020205020404" pitchFamily="49" charset="0"/>
+                          <a:cs typeface="Courier New" panose="02070309020205020404" pitchFamily="49" charset="0"/>
+                        </a:rPr>
+                        <a:t>       </a:t>
+                      </a:r>
+                      <a:r>
+                        <a:rPr lang="en-US" altLang="zh-CN" sz="1100" dirty="0" err="1" smtClean="0">
+                          <a:solidFill>
+                            <a:schemeClr val="tx1"/>
+                          </a:solidFill>
+                          <a:latin typeface="Courier New" panose="02070309020205020404" pitchFamily="49" charset="0"/>
+                          <a:cs typeface="Courier New" panose="02070309020205020404" pitchFamily="49" charset="0"/>
+                        </a:rPr>
                         <a:t>super.getLocalMember</a:t>
                       </a:r>
                       <a:r>
-                        <a:rPr lang="en-US" altLang="zh-CN" sz="1100" dirty="0">
+                        <a:rPr lang="en-US" altLang="zh-CN" sz="1100" dirty="0" smtClean="0">
                           <a:solidFill>
                             <a:schemeClr val="tx1"/>
                           </a:solidFill>
                           <a:latin typeface="Courier New" panose="02070309020205020404" pitchFamily="49" charset="0"/>
                           <a:cs typeface="Courier New" panose="02070309020205020404" pitchFamily="49" charset="0"/>
                         </a:rPr>
-                        <a:t>(true));</a:t>
+                        <a:t>(true</a:t>
+                      </a:r>
+                      <a:r>
+                        <a:rPr lang="en-US" altLang="zh-CN" sz="1100" dirty="0">
+                          <a:solidFill>
+                            <a:schemeClr val="tx1"/>
+                          </a:solidFill>
+                          <a:latin typeface="Courier New" panose="02070309020205020404" pitchFamily="49" charset="0"/>
+                          <a:cs typeface="Courier New" panose="02070309020205020404" pitchFamily="49" charset="0"/>
+                        </a:rPr>
+                        <a:t>));</a:t>
                       </a:r>
                     </a:p>
                     <a:p>
@@ -10778,11 +10958,7 @@
                     <a:bodyPr/>
                     <a:lstStyle/>
                     <a:p>
-                      <a:pPr marR="0" algn="l" rtl="0"/>
-                      <a:endParaRPr lang="zh-CN" altLang="en-US" sz="1100" dirty="0">
-                        <a:latin typeface="Courier New" panose="02070309020205020404" pitchFamily="49" charset="0"/>
-                        <a:cs typeface="Courier New" panose="02070309020205020404" pitchFamily="49" charset="0"/>
-                      </a:endParaRPr>
+                      <a:endParaRPr lang="zh-CN" altLang="en-US"/>
                     </a:p>
                   </a:txBody>
                   <a:tcPr anchor="ctr"/>
@@ -10813,7 +10989,7 @@
 <file path=ppt/theme/theme1.xml><?xml version="1.0" encoding="utf-8"?>
 <a:theme xmlns:a="http://schemas.openxmlformats.org/drawingml/2006/main" name="Office 主题​​">
   <a:themeElements>
-    <a:clrScheme name="Office 主题​​">
+    <a:clrScheme name="Office 主题">
       <a:dk1>
         <a:sysClr val="windowText" lastClr="000000"/>
       </a:dk1>
@@ -10827,7 +11003,7 @@
         <a:srgbClr val="E7E6E6"/>
       </a:lt2>
       <a:accent1>
-        <a:srgbClr val="4472C4"/>
+        <a:srgbClr val="5B9BD5"/>
       </a:accent1>
       <a:accent2>
         <a:srgbClr val="ED7D31"/>
@@ -10839,7 +11015,7 @@
         <a:srgbClr val="FFC000"/>
       </a:accent4>
       <a:accent5>
-        <a:srgbClr val="5B9BD5"/>
+        <a:srgbClr val="4472C4"/>
       </a:accent5>
       <a:accent6>
         <a:srgbClr val="70AD47"/>
@@ -10851,14 +11027,14 @@
         <a:srgbClr val="954F72"/>
       </a:folHlink>
     </a:clrScheme>
-    <a:fontScheme name="Office 主题​​">
+    <a:fontScheme name="Office 主题">
       <a:majorFont>
         <a:latin typeface="Calibri Light" panose="020F0302020204030204"/>
         <a:ea typeface=""/>
         <a:cs typeface=""/>
-        <a:font script="Jpan" typeface="游ゴシック Light"/>
+        <a:font script="Jpan" typeface="ＭＳ Ｐゴシック"/>
         <a:font script="Hang" typeface="맑은 고딕"/>
-        <a:font script="Hans" typeface="等线 Light"/>
+        <a:font script="Hans" typeface="宋体"/>
         <a:font script="Hant" typeface="新細明體"/>
         <a:font script="Arab" typeface="Times New Roman"/>
         <a:font script="Hebr" typeface="Times New Roman"/>
@@ -10891,9 +11067,9 @@
         <a:latin typeface="Calibri" panose="020F0502020204030204"/>
         <a:ea typeface=""/>
         <a:cs typeface=""/>
-        <a:font script="Jpan" typeface="游ゴシック"/>
+        <a:font script="Jpan" typeface="ＭＳ Ｐゴシック"/>
         <a:font script="Hang" typeface="맑은 고딕"/>
-        <a:font script="Hans" typeface="等线"/>
+        <a:font script="Hans" typeface="宋体"/>
         <a:font script="Hant" typeface="新細明體"/>
         <a:font script="Arab" typeface="Arial"/>
         <a:font script="Hebr" typeface="Arial"/>
@@ -10923,7 +11099,7 @@
         <a:font script="Geor" typeface="Sylfaen"/>
       </a:minorFont>
     </a:fontScheme>
-    <a:fmtScheme name="Office 主题​​">
+    <a:fmtScheme name="Office 主题">
       <a:fillStyleLst>
         <a:solidFill>
           <a:schemeClr val="phClr"/>

--- a/visio/patterns.pptx
+++ b/visio/patterns.pptx
@@ -2,13 +2,13 @@
 <file path=ppt/presentation.xml><?xml version="1.0" encoding="utf-8"?>
 <p:presentation xmlns:a="http://schemas.openxmlformats.org/drawingml/2006/main" xmlns:r="http://schemas.openxmlformats.org/officeDocument/2006/relationships" xmlns:p="http://schemas.openxmlformats.org/presentationml/2006/main" saveSubsetFonts="1">
   <p:sldMasterIdLst>
-    <p:sldMasterId id="2147483696" r:id="rId1"/>
+    <p:sldMasterId id="2147483732" r:id="rId1"/>
   </p:sldMasterIdLst>
   <p:sldIdLst>
     <p:sldId id="257" r:id="rId2"/>
     <p:sldId id="258" r:id="rId3"/>
   </p:sldIdLst>
-  <p:sldSz cx="12192000" cy="12801600"/>
+  <p:sldSz cx="12192000" cy="8686800"/>
   <p:notesSz cx="6858000" cy="9144000"/>
   <p:defaultTextStyle>
     <a:defPPr>
@@ -142,15 +142,15 @@
         </p:nvSpPr>
         <p:spPr>
           <a:xfrm>
-            <a:off x="914400" y="2095078"/>
-            <a:ext cx="10363200" cy="4456853"/>
+            <a:off x="914400" y="1421660"/>
+            <a:ext cx="10363200" cy="3024293"/>
           </a:xfrm>
         </p:spPr>
         <p:txBody>
           <a:bodyPr anchor="b"/>
           <a:lstStyle>
             <a:lvl1pPr algn="ctr">
-              <a:defRPr sz="8000"/>
+              <a:defRPr sz="7600"/>
             </a:lvl1pPr>
           </a:lstStyle>
           <a:p>
@@ -174,8 +174,8 @@
         </p:nvSpPr>
         <p:spPr>
           <a:xfrm>
-            <a:off x="1524000" y="6723804"/>
-            <a:ext cx="9144000" cy="3090756"/>
+            <a:off x="1524000" y="4562581"/>
+            <a:ext cx="9144000" cy="2097299"/>
           </a:xfrm>
         </p:spPr>
         <p:txBody>
@@ -183,39 +183,39 @@
           <a:lstStyle>
             <a:lvl1pPr marL="0" indent="0" algn="ctr">
               <a:buNone/>
-              <a:defRPr sz="3200"/>
+              <a:defRPr sz="3040"/>
             </a:lvl1pPr>
-            <a:lvl2pPr marL="609585" indent="0" algn="ctr">
+            <a:lvl2pPr marL="579135" indent="0" algn="ctr">
               <a:buNone/>
-              <a:defRPr sz="2667"/>
+              <a:defRPr sz="2533"/>
             </a:lvl2pPr>
-            <a:lvl3pPr marL="1219170" indent="0" algn="ctr">
+            <a:lvl3pPr marL="1158270" indent="0" algn="ctr">
               <a:buNone/>
-              <a:defRPr sz="2400"/>
+              <a:defRPr sz="2280"/>
             </a:lvl3pPr>
-            <a:lvl4pPr marL="1828754" indent="0" algn="ctr">
+            <a:lvl4pPr marL="1737406" indent="0" algn="ctr">
               <a:buNone/>
-              <a:defRPr sz="2133"/>
+              <a:defRPr sz="2027"/>
             </a:lvl4pPr>
-            <a:lvl5pPr marL="2438339" indent="0" algn="ctr">
+            <a:lvl5pPr marL="2316541" indent="0" algn="ctr">
               <a:buNone/>
-              <a:defRPr sz="2133"/>
+              <a:defRPr sz="2027"/>
             </a:lvl5pPr>
-            <a:lvl6pPr marL="3047924" indent="0" algn="ctr">
+            <a:lvl6pPr marL="2895676" indent="0" algn="ctr">
               <a:buNone/>
-              <a:defRPr sz="2133"/>
+              <a:defRPr sz="2027"/>
             </a:lvl6pPr>
-            <a:lvl7pPr marL="3657509" indent="0" algn="ctr">
+            <a:lvl7pPr marL="3474811" indent="0" algn="ctr">
               <a:buNone/>
-              <a:defRPr sz="2133"/>
+              <a:defRPr sz="2027"/>
             </a:lvl7pPr>
-            <a:lvl8pPr marL="4267093" indent="0" algn="ctr">
+            <a:lvl8pPr marL="4053947" indent="0" algn="ctr">
               <a:buNone/>
-              <a:defRPr sz="2133"/>
+              <a:defRPr sz="2027"/>
             </a:lvl8pPr>
-            <a:lvl9pPr marL="4876678" indent="0" algn="ctr">
+            <a:lvl9pPr marL="4633082" indent="0" algn="ctr">
               <a:buNone/>
-              <a:defRPr sz="2133"/>
+              <a:defRPr sz="2027"/>
             </a:lvl9pPr>
           </a:lstStyle>
           <a:p>
@@ -295,7 +295,7 @@
     </p:spTree>
     <p:extLst>
       <p:ext uri="{BB962C8B-B14F-4D97-AF65-F5344CB8AC3E}">
-        <p14:creationId xmlns:p14="http://schemas.microsoft.com/office/powerpoint/2010/main" val="1664290060"/>
+        <p14:creationId xmlns:p14="http://schemas.microsoft.com/office/powerpoint/2010/main" val="2118669556"/>
       </p:ext>
     </p:extLst>
   </p:cSld>
@@ -465,7 +465,7 @@
     </p:spTree>
     <p:extLst>
       <p:ext uri="{BB962C8B-B14F-4D97-AF65-F5344CB8AC3E}">
-        <p14:creationId xmlns:p14="http://schemas.microsoft.com/office/powerpoint/2010/main" val="198778662"/>
+        <p14:creationId xmlns:p14="http://schemas.microsoft.com/office/powerpoint/2010/main" val="1018672496"/>
       </p:ext>
     </p:extLst>
   </p:cSld>
@@ -504,8 +504,8 @@
         </p:nvSpPr>
         <p:spPr>
           <a:xfrm>
-            <a:off x="8724901" y="681567"/>
-            <a:ext cx="2628900" cy="10848764"/>
+            <a:off x="8724901" y="462492"/>
+            <a:ext cx="2628900" cy="7361661"/>
           </a:xfrm>
         </p:spPr>
         <p:txBody>
@@ -532,8 +532,8 @@
         </p:nvSpPr>
         <p:spPr>
           <a:xfrm>
-            <a:off x="838201" y="681567"/>
-            <a:ext cx="7734300" cy="10848764"/>
+            <a:off x="838201" y="462492"/>
+            <a:ext cx="7734300" cy="7361661"/>
           </a:xfrm>
         </p:spPr>
         <p:txBody>
@@ -645,7 +645,7 @@
     </p:spTree>
     <p:extLst>
       <p:ext uri="{BB962C8B-B14F-4D97-AF65-F5344CB8AC3E}">
-        <p14:creationId xmlns:p14="http://schemas.microsoft.com/office/powerpoint/2010/main" val="742014475"/>
+        <p14:creationId xmlns:p14="http://schemas.microsoft.com/office/powerpoint/2010/main" val="360022722"/>
       </p:ext>
     </p:extLst>
   </p:cSld>
@@ -815,7 +815,7 @@
     </p:spTree>
     <p:extLst>
       <p:ext uri="{BB962C8B-B14F-4D97-AF65-F5344CB8AC3E}">
-        <p14:creationId xmlns:p14="http://schemas.microsoft.com/office/powerpoint/2010/main" val="11279095"/>
+        <p14:creationId xmlns:p14="http://schemas.microsoft.com/office/powerpoint/2010/main" val="980152421"/>
       </p:ext>
     </p:extLst>
   </p:cSld>
@@ -854,15 +854,15 @@
         </p:nvSpPr>
         <p:spPr>
           <a:xfrm>
-            <a:off x="831851" y="3191514"/>
-            <a:ext cx="10515600" cy="5325109"/>
+            <a:off x="831851" y="2165670"/>
+            <a:ext cx="10515600" cy="3613467"/>
           </a:xfrm>
         </p:spPr>
         <p:txBody>
           <a:bodyPr anchor="b"/>
           <a:lstStyle>
             <a:lvl1pPr>
-              <a:defRPr sz="8000"/>
+              <a:defRPr sz="7600"/>
             </a:lvl1pPr>
           </a:lstStyle>
           <a:p>
@@ -886,8 +886,8 @@
         </p:nvSpPr>
         <p:spPr>
           <a:xfrm>
-            <a:off x="831851" y="8567000"/>
-            <a:ext cx="10515600" cy="2800349"/>
+            <a:off x="831851" y="5813322"/>
+            <a:ext cx="10515600" cy="1900237"/>
           </a:xfrm>
         </p:spPr>
         <p:txBody>
@@ -895,15 +895,15 @@
           <a:lstStyle>
             <a:lvl1pPr marL="0" indent="0">
               <a:buNone/>
-              <a:defRPr sz="3200">
+              <a:defRPr sz="3040">
                 <a:solidFill>
                   <a:schemeClr val="tx1"/>
                 </a:solidFill>
               </a:defRPr>
             </a:lvl1pPr>
-            <a:lvl2pPr marL="609585" indent="0">
+            <a:lvl2pPr marL="579135" indent="0">
               <a:buNone/>
-              <a:defRPr sz="2667">
+              <a:defRPr sz="2533">
                 <a:solidFill>
                   <a:schemeClr val="tx1">
                     <a:tint val="75000"/>
@@ -911,9 +911,9 @@
                 </a:solidFill>
               </a:defRPr>
             </a:lvl2pPr>
-            <a:lvl3pPr marL="1219170" indent="0">
+            <a:lvl3pPr marL="1158270" indent="0">
               <a:buNone/>
-              <a:defRPr sz="2400">
+              <a:defRPr sz="2280">
                 <a:solidFill>
                   <a:schemeClr val="tx1">
                     <a:tint val="75000"/>
@@ -921,9 +921,9 @@
                 </a:solidFill>
               </a:defRPr>
             </a:lvl3pPr>
-            <a:lvl4pPr marL="1828754" indent="0">
+            <a:lvl4pPr marL="1737406" indent="0">
               <a:buNone/>
-              <a:defRPr sz="2133">
+              <a:defRPr sz="2027">
                 <a:solidFill>
                   <a:schemeClr val="tx1">
                     <a:tint val="75000"/>
@@ -931,9 +931,9 @@
                 </a:solidFill>
               </a:defRPr>
             </a:lvl4pPr>
-            <a:lvl5pPr marL="2438339" indent="0">
+            <a:lvl5pPr marL="2316541" indent="0">
               <a:buNone/>
-              <a:defRPr sz="2133">
+              <a:defRPr sz="2027">
                 <a:solidFill>
                   <a:schemeClr val="tx1">
                     <a:tint val="75000"/>
@@ -941,9 +941,9 @@
                 </a:solidFill>
               </a:defRPr>
             </a:lvl5pPr>
-            <a:lvl6pPr marL="3047924" indent="0">
+            <a:lvl6pPr marL="2895676" indent="0">
               <a:buNone/>
-              <a:defRPr sz="2133">
+              <a:defRPr sz="2027">
                 <a:solidFill>
                   <a:schemeClr val="tx1">
                     <a:tint val="75000"/>
@@ -951,9 +951,9 @@
                 </a:solidFill>
               </a:defRPr>
             </a:lvl6pPr>
-            <a:lvl7pPr marL="3657509" indent="0">
+            <a:lvl7pPr marL="3474811" indent="0">
               <a:buNone/>
-              <a:defRPr sz="2133">
+              <a:defRPr sz="2027">
                 <a:solidFill>
                   <a:schemeClr val="tx1">
                     <a:tint val="75000"/>
@@ -961,9 +961,9 @@
                 </a:solidFill>
               </a:defRPr>
             </a:lvl7pPr>
-            <a:lvl8pPr marL="4267093" indent="0">
+            <a:lvl8pPr marL="4053947" indent="0">
               <a:buNone/>
-              <a:defRPr sz="2133">
+              <a:defRPr sz="2027">
                 <a:solidFill>
                   <a:schemeClr val="tx1">
                     <a:tint val="75000"/>
@@ -971,9 +971,9 @@
                 </a:solidFill>
               </a:defRPr>
             </a:lvl8pPr>
-            <a:lvl9pPr marL="4876678" indent="0">
+            <a:lvl9pPr marL="4633082" indent="0">
               <a:buNone/>
-              <a:defRPr sz="2133">
+              <a:defRPr sz="2027">
                 <a:solidFill>
                   <a:schemeClr val="tx1">
                     <a:tint val="75000"/>
@@ -1059,7 +1059,7 @@
     </p:spTree>
     <p:extLst>
       <p:ext uri="{BB962C8B-B14F-4D97-AF65-F5344CB8AC3E}">
-        <p14:creationId xmlns:p14="http://schemas.microsoft.com/office/powerpoint/2010/main" val="285330389"/>
+        <p14:creationId xmlns:p14="http://schemas.microsoft.com/office/powerpoint/2010/main" val="56930872"/>
       </p:ext>
     </p:extLst>
   </p:cSld>
@@ -1121,8 +1121,8 @@
         </p:nvSpPr>
         <p:spPr>
           <a:xfrm>
-            <a:off x="838200" y="3407833"/>
-            <a:ext cx="5181600" cy="8122498"/>
+            <a:off x="838200" y="2312458"/>
+            <a:ext cx="5181600" cy="5511695"/>
           </a:xfrm>
         </p:spPr>
         <p:txBody>
@@ -1178,8 +1178,8 @@
         </p:nvSpPr>
         <p:spPr>
           <a:xfrm>
-            <a:off x="6172200" y="3407833"/>
-            <a:ext cx="5181600" cy="8122498"/>
+            <a:off x="6172200" y="2312458"/>
+            <a:ext cx="5181600" cy="5511695"/>
           </a:xfrm>
         </p:spPr>
         <p:txBody>
@@ -1291,7 +1291,7 @@
     </p:spTree>
     <p:extLst>
       <p:ext uri="{BB962C8B-B14F-4D97-AF65-F5344CB8AC3E}">
-        <p14:creationId xmlns:p14="http://schemas.microsoft.com/office/powerpoint/2010/main" val="693860475"/>
+        <p14:creationId xmlns:p14="http://schemas.microsoft.com/office/powerpoint/2010/main" val="4214248336"/>
       </p:ext>
     </p:extLst>
   </p:cSld>
@@ -1330,8 +1330,8 @@
         </p:nvSpPr>
         <p:spPr>
           <a:xfrm>
-            <a:off x="839788" y="681570"/>
-            <a:ext cx="10515600" cy="2474384"/>
+            <a:off x="839788" y="462494"/>
+            <a:ext cx="10515600" cy="1679046"/>
           </a:xfrm>
         </p:spPr>
         <p:txBody>
@@ -1358,8 +1358,8 @@
         </p:nvSpPr>
         <p:spPr>
           <a:xfrm>
-            <a:off x="839789" y="3138171"/>
-            <a:ext cx="5157787" cy="1537969"/>
+            <a:off x="839789" y="2129473"/>
+            <a:ext cx="5157787" cy="1043622"/>
           </a:xfrm>
         </p:spPr>
         <p:txBody>
@@ -1367,39 +1367,39 @@
           <a:lstStyle>
             <a:lvl1pPr marL="0" indent="0">
               <a:buNone/>
-              <a:defRPr sz="3200" b="1"/>
+              <a:defRPr sz="3040" b="1"/>
             </a:lvl1pPr>
-            <a:lvl2pPr marL="609585" indent="0">
+            <a:lvl2pPr marL="579135" indent="0">
               <a:buNone/>
-              <a:defRPr sz="2667" b="1"/>
+              <a:defRPr sz="2533" b="1"/>
             </a:lvl2pPr>
-            <a:lvl3pPr marL="1219170" indent="0">
+            <a:lvl3pPr marL="1158270" indent="0">
               <a:buNone/>
-              <a:defRPr sz="2400" b="1"/>
+              <a:defRPr sz="2280" b="1"/>
             </a:lvl3pPr>
-            <a:lvl4pPr marL="1828754" indent="0">
+            <a:lvl4pPr marL="1737406" indent="0">
               <a:buNone/>
-              <a:defRPr sz="2133" b="1"/>
+              <a:defRPr sz="2027" b="1"/>
             </a:lvl4pPr>
-            <a:lvl5pPr marL="2438339" indent="0">
+            <a:lvl5pPr marL="2316541" indent="0">
               <a:buNone/>
-              <a:defRPr sz="2133" b="1"/>
+              <a:defRPr sz="2027" b="1"/>
             </a:lvl5pPr>
-            <a:lvl6pPr marL="3047924" indent="0">
+            <a:lvl6pPr marL="2895676" indent="0">
               <a:buNone/>
-              <a:defRPr sz="2133" b="1"/>
+              <a:defRPr sz="2027" b="1"/>
             </a:lvl6pPr>
-            <a:lvl7pPr marL="3657509" indent="0">
+            <a:lvl7pPr marL="3474811" indent="0">
               <a:buNone/>
-              <a:defRPr sz="2133" b="1"/>
+              <a:defRPr sz="2027" b="1"/>
             </a:lvl7pPr>
-            <a:lvl8pPr marL="4267093" indent="0">
+            <a:lvl8pPr marL="4053947" indent="0">
               <a:buNone/>
-              <a:defRPr sz="2133" b="1"/>
+              <a:defRPr sz="2027" b="1"/>
             </a:lvl8pPr>
-            <a:lvl9pPr marL="4876678" indent="0">
+            <a:lvl9pPr marL="4633082" indent="0">
               <a:buNone/>
-              <a:defRPr sz="2133" b="1"/>
+              <a:defRPr sz="2027" b="1"/>
             </a:lvl9pPr>
           </a:lstStyle>
           <a:p>
@@ -1423,8 +1423,8 @@
         </p:nvSpPr>
         <p:spPr>
           <a:xfrm>
-            <a:off x="839789" y="4676140"/>
-            <a:ext cx="5157787" cy="6877898"/>
+            <a:off x="839789" y="3173095"/>
+            <a:ext cx="5157787" cy="4667145"/>
           </a:xfrm>
         </p:spPr>
         <p:txBody>
@@ -1480,8 +1480,8 @@
         </p:nvSpPr>
         <p:spPr>
           <a:xfrm>
-            <a:off x="6172201" y="3138171"/>
-            <a:ext cx="5183188" cy="1537969"/>
+            <a:off x="6172201" y="2129473"/>
+            <a:ext cx="5183188" cy="1043622"/>
           </a:xfrm>
         </p:spPr>
         <p:txBody>
@@ -1489,39 +1489,39 @@
           <a:lstStyle>
             <a:lvl1pPr marL="0" indent="0">
               <a:buNone/>
-              <a:defRPr sz="3200" b="1"/>
+              <a:defRPr sz="3040" b="1"/>
             </a:lvl1pPr>
-            <a:lvl2pPr marL="609585" indent="0">
+            <a:lvl2pPr marL="579135" indent="0">
               <a:buNone/>
-              <a:defRPr sz="2667" b="1"/>
+              <a:defRPr sz="2533" b="1"/>
             </a:lvl2pPr>
-            <a:lvl3pPr marL="1219170" indent="0">
+            <a:lvl3pPr marL="1158270" indent="0">
               <a:buNone/>
-              <a:defRPr sz="2400" b="1"/>
+              <a:defRPr sz="2280" b="1"/>
             </a:lvl3pPr>
-            <a:lvl4pPr marL="1828754" indent="0">
+            <a:lvl4pPr marL="1737406" indent="0">
               <a:buNone/>
-              <a:defRPr sz="2133" b="1"/>
+              <a:defRPr sz="2027" b="1"/>
             </a:lvl4pPr>
-            <a:lvl5pPr marL="2438339" indent="0">
+            <a:lvl5pPr marL="2316541" indent="0">
               <a:buNone/>
-              <a:defRPr sz="2133" b="1"/>
+              <a:defRPr sz="2027" b="1"/>
             </a:lvl5pPr>
-            <a:lvl6pPr marL="3047924" indent="0">
+            <a:lvl6pPr marL="2895676" indent="0">
               <a:buNone/>
-              <a:defRPr sz="2133" b="1"/>
+              <a:defRPr sz="2027" b="1"/>
             </a:lvl6pPr>
-            <a:lvl7pPr marL="3657509" indent="0">
+            <a:lvl7pPr marL="3474811" indent="0">
               <a:buNone/>
-              <a:defRPr sz="2133" b="1"/>
+              <a:defRPr sz="2027" b="1"/>
             </a:lvl7pPr>
-            <a:lvl8pPr marL="4267093" indent="0">
+            <a:lvl8pPr marL="4053947" indent="0">
               <a:buNone/>
-              <a:defRPr sz="2133" b="1"/>
+              <a:defRPr sz="2027" b="1"/>
             </a:lvl8pPr>
-            <a:lvl9pPr marL="4876678" indent="0">
+            <a:lvl9pPr marL="4633082" indent="0">
               <a:buNone/>
-              <a:defRPr sz="2133" b="1"/>
+              <a:defRPr sz="2027" b="1"/>
             </a:lvl9pPr>
           </a:lstStyle>
           <a:p>
@@ -1545,8 +1545,8 @@
         </p:nvSpPr>
         <p:spPr>
           <a:xfrm>
-            <a:off x="6172201" y="4676140"/>
-            <a:ext cx="5183188" cy="6877898"/>
+            <a:off x="6172201" y="3173095"/>
+            <a:ext cx="5183188" cy="4667145"/>
           </a:xfrm>
         </p:spPr>
         <p:txBody>
@@ -1658,7 +1658,7 @@
     </p:spTree>
     <p:extLst>
       <p:ext uri="{BB962C8B-B14F-4D97-AF65-F5344CB8AC3E}">
-        <p14:creationId xmlns:p14="http://schemas.microsoft.com/office/powerpoint/2010/main" val="1101564682"/>
+        <p14:creationId xmlns:p14="http://schemas.microsoft.com/office/powerpoint/2010/main" val="941688940"/>
       </p:ext>
     </p:extLst>
   </p:cSld>
@@ -1776,7 +1776,7 @@
     </p:spTree>
     <p:extLst>
       <p:ext uri="{BB962C8B-B14F-4D97-AF65-F5344CB8AC3E}">
-        <p14:creationId xmlns:p14="http://schemas.microsoft.com/office/powerpoint/2010/main" val="603650964"/>
+        <p14:creationId xmlns:p14="http://schemas.microsoft.com/office/powerpoint/2010/main" val="178463988"/>
       </p:ext>
     </p:extLst>
   </p:cSld>
@@ -1871,7 +1871,7 @@
     </p:spTree>
     <p:extLst>
       <p:ext uri="{BB962C8B-B14F-4D97-AF65-F5344CB8AC3E}">
-        <p14:creationId xmlns:p14="http://schemas.microsoft.com/office/powerpoint/2010/main" val="199925099"/>
+        <p14:creationId xmlns:p14="http://schemas.microsoft.com/office/powerpoint/2010/main" val="4145974358"/>
       </p:ext>
     </p:extLst>
   </p:cSld>
@@ -1910,15 +1910,15 @@
         </p:nvSpPr>
         <p:spPr>
           <a:xfrm>
-            <a:off x="839788" y="853440"/>
-            <a:ext cx="3932237" cy="2987040"/>
+            <a:off x="839788" y="579120"/>
+            <a:ext cx="3932237" cy="2026920"/>
           </a:xfrm>
         </p:spPr>
         <p:txBody>
           <a:bodyPr anchor="b"/>
           <a:lstStyle>
             <a:lvl1pPr>
-              <a:defRPr sz="4267"/>
+              <a:defRPr sz="4053"/>
             </a:lvl1pPr>
           </a:lstStyle>
           <a:p>
@@ -1942,39 +1942,39 @@
         </p:nvSpPr>
         <p:spPr>
           <a:xfrm>
-            <a:off x="5183188" y="1843196"/>
-            <a:ext cx="6172200" cy="9097433"/>
+            <a:off x="5183188" y="1250740"/>
+            <a:ext cx="6172200" cy="6173258"/>
           </a:xfrm>
         </p:spPr>
         <p:txBody>
           <a:bodyPr/>
           <a:lstStyle>
             <a:lvl1pPr>
-              <a:defRPr sz="4267"/>
+              <a:defRPr sz="4053"/>
             </a:lvl1pPr>
             <a:lvl2pPr>
-              <a:defRPr sz="3733"/>
+              <a:defRPr sz="3547"/>
             </a:lvl2pPr>
             <a:lvl3pPr>
-              <a:defRPr sz="3200"/>
+              <a:defRPr sz="3040"/>
             </a:lvl3pPr>
             <a:lvl4pPr>
-              <a:defRPr sz="2667"/>
+              <a:defRPr sz="2533"/>
             </a:lvl4pPr>
             <a:lvl5pPr>
-              <a:defRPr sz="2667"/>
+              <a:defRPr sz="2533"/>
             </a:lvl5pPr>
             <a:lvl6pPr>
-              <a:defRPr sz="2667"/>
+              <a:defRPr sz="2533"/>
             </a:lvl6pPr>
             <a:lvl7pPr>
-              <a:defRPr sz="2667"/>
+              <a:defRPr sz="2533"/>
             </a:lvl7pPr>
             <a:lvl8pPr>
-              <a:defRPr sz="2667"/>
+              <a:defRPr sz="2533"/>
             </a:lvl8pPr>
             <a:lvl9pPr>
-              <a:defRPr sz="2667"/>
+              <a:defRPr sz="2533"/>
             </a:lvl9pPr>
           </a:lstStyle>
           <a:p>
@@ -2027,8 +2027,8 @@
         </p:nvSpPr>
         <p:spPr>
           <a:xfrm>
-            <a:off x="839788" y="3840480"/>
-            <a:ext cx="3932237" cy="7114964"/>
+            <a:off x="839788" y="2606040"/>
+            <a:ext cx="3932237" cy="4828011"/>
           </a:xfrm>
         </p:spPr>
         <p:txBody>
@@ -2036,39 +2036,39 @@
           <a:lstStyle>
             <a:lvl1pPr marL="0" indent="0">
               <a:buNone/>
-              <a:defRPr sz="2133"/>
+              <a:defRPr sz="2027"/>
             </a:lvl1pPr>
-            <a:lvl2pPr marL="609585" indent="0">
+            <a:lvl2pPr marL="579135" indent="0">
               <a:buNone/>
-              <a:defRPr sz="1867"/>
+              <a:defRPr sz="1773"/>
             </a:lvl2pPr>
-            <a:lvl3pPr marL="1219170" indent="0">
+            <a:lvl3pPr marL="1158270" indent="0">
               <a:buNone/>
-              <a:defRPr sz="1600"/>
+              <a:defRPr sz="1520"/>
             </a:lvl3pPr>
-            <a:lvl4pPr marL="1828754" indent="0">
+            <a:lvl4pPr marL="1737406" indent="0">
               <a:buNone/>
-              <a:defRPr sz="1333"/>
+              <a:defRPr sz="1267"/>
             </a:lvl4pPr>
-            <a:lvl5pPr marL="2438339" indent="0">
+            <a:lvl5pPr marL="2316541" indent="0">
               <a:buNone/>
-              <a:defRPr sz="1333"/>
+              <a:defRPr sz="1267"/>
             </a:lvl5pPr>
-            <a:lvl6pPr marL="3047924" indent="0">
+            <a:lvl6pPr marL="2895676" indent="0">
               <a:buNone/>
-              <a:defRPr sz="1333"/>
+              <a:defRPr sz="1267"/>
             </a:lvl6pPr>
-            <a:lvl7pPr marL="3657509" indent="0">
+            <a:lvl7pPr marL="3474811" indent="0">
               <a:buNone/>
-              <a:defRPr sz="1333"/>
+              <a:defRPr sz="1267"/>
             </a:lvl7pPr>
-            <a:lvl8pPr marL="4267093" indent="0">
+            <a:lvl8pPr marL="4053947" indent="0">
               <a:buNone/>
-              <a:defRPr sz="1333"/>
+              <a:defRPr sz="1267"/>
             </a:lvl8pPr>
-            <a:lvl9pPr marL="4876678" indent="0">
+            <a:lvl9pPr marL="4633082" indent="0">
               <a:buNone/>
-              <a:defRPr sz="1333"/>
+              <a:defRPr sz="1267"/>
             </a:lvl9pPr>
           </a:lstStyle>
           <a:p>
@@ -2148,7 +2148,7 @@
     </p:spTree>
     <p:extLst>
       <p:ext uri="{BB962C8B-B14F-4D97-AF65-F5344CB8AC3E}">
-        <p14:creationId xmlns:p14="http://schemas.microsoft.com/office/powerpoint/2010/main" val="2520649938"/>
+        <p14:creationId xmlns:p14="http://schemas.microsoft.com/office/powerpoint/2010/main" val="2584738240"/>
       </p:ext>
     </p:extLst>
   </p:cSld>
@@ -2187,15 +2187,15 @@
         </p:nvSpPr>
         <p:spPr>
           <a:xfrm>
-            <a:off x="839788" y="853440"/>
-            <a:ext cx="3932237" cy="2987040"/>
+            <a:off x="839788" y="579120"/>
+            <a:ext cx="3932237" cy="2026920"/>
           </a:xfrm>
         </p:spPr>
         <p:txBody>
           <a:bodyPr anchor="b"/>
           <a:lstStyle>
             <a:lvl1pPr>
-              <a:defRPr sz="4267"/>
+              <a:defRPr sz="4053"/>
             </a:lvl1pPr>
           </a:lstStyle>
           <a:p>
@@ -2219,8 +2219,8 @@
         </p:nvSpPr>
         <p:spPr>
           <a:xfrm>
-            <a:off x="5183188" y="1843196"/>
-            <a:ext cx="6172200" cy="9097433"/>
+            <a:off x="5183188" y="1250740"/>
+            <a:ext cx="6172200" cy="6173258"/>
           </a:xfrm>
         </p:spPr>
         <p:txBody>
@@ -2228,39 +2228,39 @@
           <a:lstStyle>
             <a:lvl1pPr marL="0" indent="0">
               <a:buNone/>
-              <a:defRPr sz="4267"/>
+              <a:defRPr sz="4053"/>
             </a:lvl1pPr>
-            <a:lvl2pPr marL="609585" indent="0">
+            <a:lvl2pPr marL="579135" indent="0">
               <a:buNone/>
-              <a:defRPr sz="3733"/>
+              <a:defRPr sz="3547"/>
             </a:lvl2pPr>
-            <a:lvl3pPr marL="1219170" indent="0">
+            <a:lvl3pPr marL="1158270" indent="0">
               <a:buNone/>
-              <a:defRPr sz="3200"/>
+              <a:defRPr sz="3040"/>
             </a:lvl3pPr>
-            <a:lvl4pPr marL="1828754" indent="0">
+            <a:lvl4pPr marL="1737406" indent="0">
               <a:buNone/>
-              <a:defRPr sz="2667"/>
+              <a:defRPr sz="2533"/>
             </a:lvl4pPr>
-            <a:lvl5pPr marL="2438339" indent="0">
+            <a:lvl5pPr marL="2316541" indent="0">
               <a:buNone/>
-              <a:defRPr sz="2667"/>
+              <a:defRPr sz="2533"/>
             </a:lvl5pPr>
-            <a:lvl6pPr marL="3047924" indent="0">
+            <a:lvl6pPr marL="2895676" indent="0">
               <a:buNone/>
-              <a:defRPr sz="2667"/>
+              <a:defRPr sz="2533"/>
             </a:lvl6pPr>
-            <a:lvl7pPr marL="3657509" indent="0">
+            <a:lvl7pPr marL="3474811" indent="0">
               <a:buNone/>
-              <a:defRPr sz="2667"/>
+              <a:defRPr sz="2533"/>
             </a:lvl7pPr>
-            <a:lvl8pPr marL="4267093" indent="0">
+            <a:lvl8pPr marL="4053947" indent="0">
               <a:buNone/>
-              <a:defRPr sz="2667"/>
+              <a:defRPr sz="2533"/>
             </a:lvl8pPr>
-            <a:lvl9pPr marL="4876678" indent="0">
+            <a:lvl9pPr marL="4633082" indent="0">
               <a:buNone/>
-              <a:defRPr sz="2667"/>
+              <a:defRPr sz="2533"/>
             </a:lvl9pPr>
           </a:lstStyle>
           <a:p>
@@ -2284,8 +2284,8 @@
         </p:nvSpPr>
         <p:spPr>
           <a:xfrm>
-            <a:off x="839788" y="3840480"/>
-            <a:ext cx="3932237" cy="7114964"/>
+            <a:off x="839788" y="2606040"/>
+            <a:ext cx="3932237" cy="4828011"/>
           </a:xfrm>
         </p:spPr>
         <p:txBody>
@@ -2293,39 +2293,39 @@
           <a:lstStyle>
             <a:lvl1pPr marL="0" indent="0">
               <a:buNone/>
-              <a:defRPr sz="2133"/>
+              <a:defRPr sz="2027"/>
             </a:lvl1pPr>
-            <a:lvl2pPr marL="609585" indent="0">
+            <a:lvl2pPr marL="579135" indent="0">
               <a:buNone/>
-              <a:defRPr sz="1867"/>
+              <a:defRPr sz="1773"/>
             </a:lvl2pPr>
-            <a:lvl3pPr marL="1219170" indent="0">
+            <a:lvl3pPr marL="1158270" indent="0">
               <a:buNone/>
-              <a:defRPr sz="1600"/>
+              <a:defRPr sz="1520"/>
             </a:lvl3pPr>
-            <a:lvl4pPr marL="1828754" indent="0">
+            <a:lvl4pPr marL="1737406" indent="0">
               <a:buNone/>
-              <a:defRPr sz="1333"/>
+              <a:defRPr sz="1267"/>
             </a:lvl4pPr>
-            <a:lvl5pPr marL="2438339" indent="0">
+            <a:lvl5pPr marL="2316541" indent="0">
               <a:buNone/>
-              <a:defRPr sz="1333"/>
+              <a:defRPr sz="1267"/>
             </a:lvl5pPr>
-            <a:lvl6pPr marL="3047924" indent="0">
+            <a:lvl6pPr marL="2895676" indent="0">
               <a:buNone/>
-              <a:defRPr sz="1333"/>
+              <a:defRPr sz="1267"/>
             </a:lvl6pPr>
-            <a:lvl7pPr marL="3657509" indent="0">
+            <a:lvl7pPr marL="3474811" indent="0">
               <a:buNone/>
-              <a:defRPr sz="1333"/>
+              <a:defRPr sz="1267"/>
             </a:lvl7pPr>
-            <a:lvl8pPr marL="4267093" indent="0">
+            <a:lvl8pPr marL="4053947" indent="0">
               <a:buNone/>
-              <a:defRPr sz="1333"/>
+              <a:defRPr sz="1267"/>
             </a:lvl8pPr>
-            <a:lvl9pPr marL="4876678" indent="0">
+            <a:lvl9pPr marL="4633082" indent="0">
               <a:buNone/>
-              <a:defRPr sz="1333"/>
+              <a:defRPr sz="1267"/>
             </a:lvl9pPr>
           </a:lstStyle>
           <a:p>
@@ -2405,7 +2405,7 @@
     </p:spTree>
     <p:extLst>
       <p:ext uri="{BB962C8B-B14F-4D97-AF65-F5344CB8AC3E}">
-        <p14:creationId xmlns:p14="http://schemas.microsoft.com/office/powerpoint/2010/main" val="117097457"/>
+        <p14:creationId xmlns:p14="http://schemas.microsoft.com/office/powerpoint/2010/main" val="3906722648"/>
       </p:ext>
     </p:extLst>
   </p:cSld>
@@ -2449,8 +2449,8 @@
         </p:nvSpPr>
         <p:spPr>
           <a:xfrm>
-            <a:off x="838200" y="681570"/>
-            <a:ext cx="10515600" cy="2474384"/>
+            <a:off x="838200" y="462494"/>
+            <a:ext cx="10515600" cy="1679046"/>
           </a:xfrm>
           <a:prstGeom prst="rect">
             <a:avLst/>
@@ -2482,8 +2482,8 @@
         </p:nvSpPr>
         <p:spPr>
           <a:xfrm>
-            <a:off x="838200" y="3407833"/>
-            <a:ext cx="10515600" cy="8122498"/>
+            <a:off x="838200" y="2312458"/>
+            <a:ext cx="10515600" cy="5511695"/>
           </a:xfrm>
           <a:prstGeom prst="rect">
             <a:avLst/>
@@ -2544,8 +2544,8 @@
         </p:nvSpPr>
         <p:spPr>
           <a:xfrm>
-            <a:off x="838200" y="11865189"/>
-            <a:ext cx="2743200" cy="681567"/>
+            <a:off x="838200" y="8051378"/>
+            <a:ext cx="2743200" cy="462492"/>
           </a:xfrm>
           <a:prstGeom prst="rect">
             <a:avLst/>
@@ -2555,7 +2555,7 @@
           <a:bodyPr vert="horz" lIns="91440" tIns="45720" rIns="91440" bIns="45720" rtlCol="0" anchor="ctr"/>
           <a:lstStyle>
             <a:lvl1pPr algn="l">
-              <a:defRPr sz="1600">
+              <a:defRPr sz="1520">
                 <a:solidFill>
                   <a:schemeClr val="tx1">
                     <a:tint val="75000"/>
@@ -2585,8 +2585,8 @@
         </p:nvSpPr>
         <p:spPr>
           <a:xfrm>
-            <a:off x="4038600" y="11865189"/>
-            <a:ext cx="4114800" cy="681567"/>
+            <a:off x="4038600" y="8051378"/>
+            <a:ext cx="4114800" cy="462492"/>
           </a:xfrm>
           <a:prstGeom prst="rect">
             <a:avLst/>
@@ -2596,7 +2596,7 @@
           <a:bodyPr vert="horz" lIns="91440" tIns="45720" rIns="91440" bIns="45720" rtlCol="0" anchor="ctr"/>
           <a:lstStyle>
             <a:lvl1pPr algn="ctr">
-              <a:defRPr sz="1600">
+              <a:defRPr sz="1520">
                 <a:solidFill>
                   <a:schemeClr val="tx1">
                     <a:tint val="75000"/>
@@ -2622,8 +2622,8 @@
         </p:nvSpPr>
         <p:spPr>
           <a:xfrm>
-            <a:off x="8610600" y="11865189"/>
-            <a:ext cx="2743200" cy="681567"/>
+            <a:off x="8610600" y="8051378"/>
+            <a:ext cx="2743200" cy="462492"/>
           </a:xfrm>
           <a:prstGeom prst="rect">
             <a:avLst/>
@@ -2633,7 +2633,7 @@
           <a:bodyPr vert="horz" lIns="91440" tIns="45720" rIns="91440" bIns="45720" rtlCol="0" anchor="ctr"/>
           <a:lstStyle>
             <a:lvl1pPr algn="r">
-              <a:defRPr sz="1600">
+              <a:defRPr sz="1520">
                 <a:solidFill>
                   <a:schemeClr val="tx1">
                     <a:tint val="75000"/>
@@ -2654,27 +2654,27 @@
     </p:spTree>
     <p:extLst>
       <p:ext uri="{BB962C8B-B14F-4D97-AF65-F5344CB8AC3E}">
-        <p14:creationId xmlns:p14="http://schemas.microsoft.com/office/powerpoint/2010/main" val="2527247980"/>
+        <p14:creationId xmlns:p14="http://schemas.microsoft.com/office/powerpoint/2010/main" val="2422049696"/>
       </p:ext>
     </p:extLst>
   </p:cSld>
   <p:clrMap bg1="lt1" tx1="dk1" bg2="lt2" tx2="dk2" accent1="accent1" accent2="accent2" accent3="accent3" accent4="accent4" accent5="accent5" accent6="accent6" hlink="hlink" folHlink="folHlink"/>
   <p:sldLayoutIdLst>
-    <p:sldLayoutId id="2147483697" r:id="rId1"/>
-    <p:sldLayoutId id="2147483698" r:id="rId2"/>
-    <p:sldLayoutId id="2147483699" r:id="rId3"/>
-    <p:sldLayoutId id="2147483700" r:id="rId4"/>
-    <p:sldLayoutId id="2147483701" r:id="rId5"/>
-    <p:sldLayoutId id="2147483702" r:id="rId6"/>
-    <p:sldLayoutId id="2147483703" r:id="rId7"/>
-    <p:sldLayoutId id="2147483704" r:id="rId8"/>
-    <p:sldLayoutId id="2147483705" r:id="rId9"/>
-    <p:sldLayoutId id="2147483706" r:id="rId10"/>
-    <p:sldLayoutId id="2147483707" r:id="rId11"/>
+    <p:sldLayoutId id="2147483733" r:id="rId1"/>
+    <p:sldLayoutId id="2147483734" r:id="rId2"/>
+    <p:sldLayoutId id="2147483735" r:id="rId3"/>
+    <p:sldLayoutId id="2147483736" r:id="rId4"/>
+    <p:sldLayoutId id="2147483737" r:id="rId5"/>
+    <p:sldLayoutId id="2147483738" r:id="rId6"/>
+    <p:sldLayoutId id="2147483739" r:id="rId7"/>
+    <p:sldLayoutId id="2147483740" r:id="rId8"/>
+    <p:sldLayoutId id="2147483741" r:id="rId9"/>
+    <p:sldLayoutId id="2147483742" r:id="rId10"/>
+    <p:sldLayoutId id="2147483743" r:id="rId11"/>
   </p:sldLayoutIdLst>
   <p:txStyles>
     <p:titleStyle>
-      <a:lvl1pPr algn="l" defTabSz="1219170" rtl="0" eaLnBrk="1" latinLnBrk="0" hangingPunct="1">
+      <a:lvl1pPr algn="l" defTabSz="1158270" rtl="0" eaLnBrk="1" latinLnBrk="0" hangingPunct="1">
         <a:lnSpc>
           <a:spcPct val="90000"/>
         </a:lnSpc>
@@ -2682,7 +2682,7 @@
           <a:spcPct val="0"/>
         </a:spcBef>
         <a:buNone/>
-        <a:defRPr sz="5867" kern="1200">
+        <a:defRPr sz="5573" kern="1200">
           <a:solidFill>
             <a:schemeClr val="tx1"/>
           </a:solidFill>
@@ -2693,16 +2693,16 @@
       </a:lvl1pPr>
     </p:titleStyle>
     <p:bodyStyle>
-      <a:lvl1pPr marL="304792" indent="-304792" algn="l" defTabSz="1219170" rtl="0" eaLnBrk="1" latinLnBrk="0" hangingPunct="1">
+      <a:lvl1pPr marL="289568" indent="-289568" algn="l" defTabSz="1158270" rtl="0" eaLnBrk="1" latinLnBrk="0" hangingPunct="1">
         <a:lnSpc>
           <a:spcPct val="90000"/>
         </a:lnSpc>
         <a:spcBef>
-          <a:spcPts val="1333"/>
+          <a:spcPts val="1267"/>
         </a:spcBef>
         <a:buFont typeface="Arial" panose="020B0604020202020204" pitchFamily="34" charset="0"/>
         <a:buChar char="•"/>
-        <a:defRPr sz="3733" kern="1200">
+        <a:defRPr sz="3547" kern="1200">
           <a:solidFill>
             <a:schemeClr val="tx1"/>
           </a:solidFill>
@@ -2711,16 +2711,16 @@
           <a:cs typeface="+mn-cs"/>
         </a:defRPr>
       </a:lvl1pPr>
-      <a:lvl2pPr marL="914377" indent="-304792" algn="l" defTabSz="1219170" rtl="0" eaLnBrk="1" latinLnBrk="0" hangingPunct="1">
+      <a:lvl2pPr marL="868703" indent="-289568" algn="l" defTabSz="1158270" rtl="0" eaLnBrk="1" latinLnBrk="0" hangingPunct="1">
         <a:lnSpc>
           <a:spcPct val="90000"/>
         </a:lnSpc>
         <a:spcBef>
-          <a:spcPts val="667"/>
+          <a:spcPts val="633"/>
         </a:spcBef>
         <a:buFont typeface="Arial" panose="020B0604020202020204" pitchFamily="34" charset="0"/>
         <a:buChar char="•"/>
-        <a:defRPr sz="3200" kern="1200">
+        <a:defRPr sz="3040" kern="1200">
           <a:solidFill>
             <a:schemeClr val="tx1"/>
           </a:solidFill>
@@ -2729,16 +2729,16 @@
           <a:cs typeface="+mn-cs"/>
         </a:defRPr>
       </a:lvl2pPr>
-      <a:lvl3pPr marL="1523962" indent="-304792" algn="l" defTabSz="1219170" rtl="0" eaLnBrk="1" latinLnBrk="0" hangingPunct="1">
+      <a:lvl3pPr marL="1447838" indent="-289568" algn="l" defTabSz="1158270" rtl="0" eaLnBrk="1" latinLnBrk="0" hangingPunct="1">
         <a:lnSpc>
           <a:spcPct val="90000"/>
         </a:lnSpc>
         <a:spcBef>
-          <a:spcPts val="667"/>
+          <a:spcPts val="633"/>
         </a:spcBef>
         <a:buFont typeface="Arial" panose="020B0604020202020204" pitchFamily="34" charset="0"/>
         <a:buChar char="•"/>
-        <a:defRPr sz="2667" kern="1200">
+        <a:defRPr sz="2533" kern="1200">
           <a:solidFill>
             <a:schemeClr val="tx1"/>
           </a:solidFill>
@@ -2747,16 +2747,16 @@
           <a:cs typeface="+mn-cs"/>
         </a:defRPr>
       </a:lvl3pPr>
-      <a:lvl4pPr marL="2133547" indent="-304792" algn="l" defTabSz="1219170" rtl="0" eaLnBrk="1" latinLnBrk="0" hangingPunct="1">
+      <a:lvl4pPr marL="2026973" indent="-289568" algn="l" defTabSz="1158270" rtl="0" eaLnBrk="1" latinLnBrk="0" hangingPunct="1">
         <a:lnSpc>
           <a:spcPct val="90000"/>
         </a:lnSpc>
         <a:spcBef>
-          <a:spcPts val="667"/>
+          <a:spcPts val="633"/>
         </a:spcBef>
         <a:buFont typeface="Arial" panose="020B0604020202020204" pitchFamily="34" charset="0"/>
         <a:buChar char="•"/>
-        <a:defRPr sz="2400" kern="1200">
+        <a:defRPr sz="2280" kern="1200">
           <a:solidFill>
             <a:schemeClr val="tx1"/>
           </a:solidFill>
@@ -2765,16 +2765,16 @@
           <a:cs typeface="+mn-cs"/>
         </a:defRPr>
       </a:lvl4pPr>
-      <a:lvl5pPr marL="2743131" indent="-304792" algn="l" defTabSz="1219170" rtl="0" eaLnBrk="1" latinLnBrk="0" hangingPunct="1">
+      <a:lvl5pPr marL="2606109" indent="-289568" algn="l" defTabSz="1158270" rtl="0" eaLnBrk="1" latinLnBrk="0" hangingPunct="1">
         <a:lnSpc>
           <a:spcPct val="90000"/>
         </a:lnSpc>
         <a:spcBef>
-          <a:spcPts val="667"/>
+          <a:spcPts val="633"/>
         </a:spcBef>
         <a:buFont typeface="Arial" panose="020B0604020202020204" pitchFamily="34" charset="0"/>
         <a:buChar char="•"/>
-        <a:defRPr sz="2400" kern="1200">
+        <a:defRPr sz="2280" kern="1200">
           <a:solidFill>
             <a:schemeClr val="tx1"/>
           </a:solidFill>
@@ -2783,16 +2783,16 @@
           <a:cs typeface="+mn-cs"/>
         </a:defRPr>
       </a:lvl5pPr>
-      <a:lvl6pPr marL="3352716" indent="-304792" algn="l" defTabSz="1219170" rtl="0" eaLnBrk="1" latinLnBrk="0" hangingPunct="1">
+      <a:lvl6pPr marL="3185244" indent="-289568" algn="l" defTabSz="1158270" rtl="0" eaLnBrk="1" latinLnBrk="0" hangingPunct="1">
         <a:lnSpc>
           <a:spcPct val="90000"/>
         </a:lnSpc>
         <a:spcBef>
-          <a:spcPts val="667"/>
+          <a:spcPts val="633"/>
         </a:spcBef>
         <a:buFont typeface="Arial" panose="020B0604020202020204" pitchFamily="34" charset="0"/>
         <a:buChar char="•"/>
-        <a:defRPr sz="2400" kern="1200">
+        <a:defRPr sz="2280" kern="1200">
           <a:solidFill>
             <a:schemeClr val="tx1"/>
           </a:solidFill>
@@ -2801,16 +2801,16 @@
           <a:cs typeface="+mn-cs"/>
         </a:defRPr>
       </a:lvl6pPr>
-      <a:lvl7pPr marL="3962301" indent="-304792" algn="l" defTabSz="1219170" rtl="0" eaLnBrk="1" latinLnBrk="0" hangingPunct="1">
+      <a:lvl7pPr marL="3764379" indent="-289568" algn="l" defTabSz="1158270" rtl="0" eaLnBrk="1" latinLnBrk="0" hangingPunct="1">
         <a:lnSpc>
           <a:spcPct val="90000"/>
         </a:lnSpc>
         <a:spcBef>
-          <a:spcPts val="667"/>
+          <a:spcPts val="633"/>
         </a:spcBef>
         <a:buFont typeface="Arial" panose="020B0604020202020204" pitchFamily="34" charset="0"/>
         <a:buChar char="•"/>
-        <a:defRPr sz="2400" kern="1200">
+        <a:defRPr sz="2280" kern="1200">
           <a:solidFill>
             <a:schemeClr val="tx1"/>
           </a:solidFill>
@@ -2819,16 +2819,16 @@
           <a:cs typeface="+mn-cs"/>
         </a:defRPr>
       </a:lvl7pPr>
-      <a:lvl8pPr marL="4571886" indent="-304792" algn="l" defTabSz="1219170" rtl="0" eaLnBrk="1" latinLnBrk="0" hangingPunct="1">
+      <a:lvl8pPr marL="4343514" indent="-289568" algn="l" defTabSz="1158270" rtl="0" eaLnBrk="1" latinLnBrk="0" hangingPunct="1">
         <a:lnSpc>
           <a:spcPct val="90000"/>
         </a:lnSpc>
         <a:spcBef>
-          <a:spcPts val="667"/>
+          <a:spcPts val="633"/>
         </a:spcBef>
         <a:buFont typeface="Arial" panose="020B0604020202020204" pitchFamily="34" charset="0"/>
         <a:buChar char="•"/>
-        <a:defRPr sz="2400" kern="1200">
+        <a:defRPr sz="2280" kern="1200">
           <a:solidFill>
             <a:schemeClr val="tx1"/>
           </a:solidFill>
@@ -2837,16 +2837,16 @@
           <a:cs typeface="+mn-cs"/>
         </a:defRPr>
       </a:lvl8pPr>
-      <a:lvl9pPr marL="5181470" indent="-304792" algn="l" defTabSz="1219170" rtl="0" eaLnBrk="1" latinLnBrk="0" hangingPunct="1">
+      <a:lvl9pPr marL="4922650" indent="-289568" algn="l" defTabSz="1158270" rtl="0" eaLnBrk="1" latinLnBrk="0" hangingPunct="1">
         <a:lnSpc>
           <a:spcPct val="90000"/>
         </a:lnSpc>
         <a:spcBef>
-          <a:spcPts val="667"/>
+          <a:spcPts val="633"/>
         </a:spcBef>
         <a:buFont typeface="Arial" panose="020B0604020202020204" pitchFamily="34" charset="0"/>
         <a:buChar char="•"/>
-        <a:defRPr sz="2400" kern="1200">
+        <a:defRPr sz="2280" kern="1200">
           <a:solidFill>
             <a:schemeClr val="tx1"/>
           </a:solidFill>
@@ -2860,8 +2860,8 @@
       <a:defPPr>
         <a:defRPr lang="en-US"/>
       </a:defPPr>
-      <a:lvl1pPr marL="0" algn="l" defTabSz="1219170" rtl="0" eaLnBrk="1" latinLnBrk="0" hangingPunct="1">
-        <a:defRPr sz="2400" kern="1200">
+      <a:lvl1pPr marL="0" algn="l" defTabSz="1158270" rtl="0" eaLnBrk="1" latinLnBrk="0" hangingPunct="1">
+        <a:defRPr sz="2280" kern="1200">
           <a:solidFill>
             <a:schemeClr val="tx1"/>
           </a:solidFill>
@@ -2870,8 +2870,8 @@
           <a:cs typeface="+mn-cs"/>
         </a:defRPr>
       </a:lvl1pPr>
-      <a:lvl2pPr marL="609585" algn="l" defTabSz="1219170" rtl="0" eaLnBrk="1" latinLnBrk="0" hangingPunct="1">
-        <a:defRPr sz="2400" kern="1200">
+      <a:lvl2pPr marL="579135" algn="l" defTabSz="1158270" rtl="0" eaLnBrk="1" latinLnBrk="0" hangingPunct="1">
+        <a:defRPr sz="2280" kern="1200">
           <a:solidFill>
             <a:schemeClr val="tx1"/>
           </a:solidFill>
@@ -2880,8 +2880,8 @@
           <a:cs typeface="+mn-cs"/>
         </a:defRPr>
       </a:lvl2pPr>
-      <a:lvl3pPr marL="1219170" algn="l" defTabSz="1219170" rtl="0" eaLnBrk="1" latinLnBrk="0" hangingPunct="1">
-        <a:defRPr sz="2400" kern="1200">
+      <a:lvl3pPr marL="1158270" algn="l" defTabSz="1158270" rtl="0" eaLnBrk="1" latinLnBrk="0" hangingPunct="1">
+        <a:defRPr sz="2280" kern="1200">
           <a:solidFill>
             <a:schemeClr val="tx1"/>
           </a:solidFill>
@@ -2890,8 +2890,8 @@
           <a:cs typeface="+mn-cs"/>
         </a:defRPr>
       </a:lvl3pPr>
-      <a:lvl4pPr marL="1828754" algn="l" defTabSz="1219170" rtl="0" eaLnBrk="1" latinLnBrk="0" hangingPunct="1">
-        <a:defRPr sz="2400" kern="1200">
+      <a:lvl4pPr marL="1737406" algn="l" defTabSz="1158270" rtl="0" eaLnBrk="1" latinLnBrk="0" hangingPunct="1">
+        <a:defRPr sz="2280" kern="1200">
           <a:solidFill>
             <a:schemeClr val="tx1"/>
           </a:solidFill>
@@ -2900,8 +2900,8 @@
           <a:cs typeface="+mn-cs"/>
         </a:defRPr>
       </a:lvl4pPr>
-      <a:lvl5pPr marL="2438339" algn="l" defTabSz="1219170" rtl="0" eaLnBrk="1" latinLnBrk="0" hangingPunct="1">
-        <a:defRPr sz="2400" kern="1200">
+      <a:lvl5pPr marL="2316541" algn="l" defTabSz="1158270" rtl="0" eaLnBrk="1" latinLnBrk="0" hangingPunct="1">
+        <a:defRPr sz="2280" kern="1200">
           <a:solidFill>
             <a:schemeClr val="tx1"/>
           </a:solidFill>
@@ -2910,8 +2910,8 @@
           <a:cs typeface="+mn-cs"/>
         </a:defRPr>
       </a:lvl5pPr>
-      <a:lvl6pPr marL="3047924" algn="l" defTabSz="1219170" rtl="0" eaLnBrk="1" latinLnBrk="0" hangingPunct="1">
-        <a:defRPr sz="2400" kern="1200">
+      <a:lvl6pPr marL="2895676" algn="l" defTabSz="1158270" rtl="0" eaLnBrk="1" latinLnBrk="0" hangingPunct="1">
+        <a:defRPr sz="2280" kern="1200">
           <a:solidFill>
             <a:schemeClr val="tx1"/>
           </a:solidFill>
@@ -2920,8 +2920,8 @@
           <a:cs typeface="+mn-cs"/>
         </a:defRPr>
       </a:lvl6pPr>
-      <a:lvl7pPr marL="3657509" algn="l" defTabSz="1219170" rtl="0" eaLnBrk="1" latinLnBrk="0" hangingPunct="1">
-        <a:defRPr sz="2400" kern="1200">
+      <a:lvl7pPr marL="3474811" algn="l" defTabSz="1158270" rtl="0" eaLnBrk="1" latinLnBrk="0" hangingPunct="1">
+        <a:defRPr sz="2280" kern="1200">
           <a:solidFill>
             <a:schemeClr val="tx1"/>
           </a:solidFill>
@@ -2930,8 +2930,8 @@
           <a:cs typeface="+mn-cs"/>
         </a:defRPr>
       </a:lvl7pPr>
-      <a:lvl8pPr marL="4267093" algn="l" defTabSz="1219170" rtl="0" eaLnBrk="1" latinLnBrk="0" hangingPunct="1">
-        <a:defRPr sz="2400" kern="1200">
+      <a:lvl8pPr marL="4053947" algn="l" defTabSz="1158270" rtl="0" eaLnBrk="1" latinLnBrk="0" hangingPunct="1">
+        <a:defRPr sz="2280" kern="1200">
           <a:solidFill>
             <a:schemeClr val="tx1"/>
           </a:solidFill>
@@ -2940,8 +2940,8 @@
           <a:cs typeface="+mn-cs"/>
         </a:defRPr>
       </a:lvl8pPr>
-      <a:lvl9pPr marL="4876678" algn="l" defTabSz="1219170" rtl="0" eaLnBrk="1" latinLnBrk="0" hangingPunct="1">
-        <a:defRPr sz="2400" kern="1200">
+      <a:lvl9pPr marL="4633082" algn="l" defTabSz="1158270" rtl="0" eaLnBrk="1" latinLnBrk="0" hangingPunct="1">
+        <a:defRPr sz="2280" kern="1200">
           <a:solidFill>
             <a:schemeClr val="tx1"/>
           </a:solidFill>
@@ -2988,8 +2988,8 @@
           </p:nvPr>
         </p:nvGraphicFramePr>
         <p:xfrm>
-          <a:off x="0" y="131449"/>
-          <a:ext cx="12184380" cy="12483159"/>
+          <a:off x="3" y="-1925950"/>
+          <a:ext cx="12184381" cy="13379116"/>
         </p:xfrm>
         <a:graphic>
           <a:graphicData uri="http://schemas.openxmlformats.org/drawingml/2006/table">
@@ -3019,7 +3019,7 @@
                     </a:ext>
                   </a:extLst>
                 </a:gridCol>
-                <a:gridCol w="1794987">
+                <a:gridCol w="1794988">
                   <a:extLst>
                     <a:ext uri="{9D8B030D-6E8A-4147-A177-3AD203B41FA5}">
                       <a16:colId xmlns:a16="http://schemas.microsoft.com/office/drawing/2014/main" xmlns="" val="2935269635"/>
@@ -3034,7 +3034,7 @@
                   </a:extLst>
                 </a:gridCol>
               </a:tblGrid>
-              <a:tr h="180021">
+              <a:tr h="264695">
                 <a:tc rowSpan="2">
                   <a:txBody>
                     <a:bodyPr/>
@@ -3126,7 +3126,7 @@
                   </a:ext>
                 </a:extLst>
               </a:tr>
-              <a:tr h="0">
+              <a:tr h="264695">
                 <a:tc vMerge="1">
                   <a:txBody>
                     <a:bodyPr/>
@@ -3227,7 +3227,7 @@
                   </a:ext>
                 </a:extLst>
               </a:tr>
-              <a:tr h="1264920">
+              <a:tr h="1304223">
                 <a:tc>
                   <a:txBody>
                     <a:bodyPr/>
@@ -3900,7 +3900,7 @@
                   </a:ext>
                 </a:extLst>
               </a:tr>
-              <a:tr h="3779520">
+              <a:tr h="4422808">
                 <a:tc>
                   <a:txBody>
                     <a:bodyPr/>
@@ -5230,7 +5230,7 @@
                   </a:ext>
                 </a:extLst>
               </a:tr>
-              <a:tr h="2606040">
+              <a:tr h="2690261">
                 <a:tc>
                   <a:txBody>
                     <a:bodyPr/>
@@ -6240,7 +6240,7 @@
                   </a:ext>
                 </a:extLst>
               </a:tr>
-              <a:tr h="1432560">
+              <a:tr h="1477478">
                 <a:tc>
                   <a:txBody>
                     <a:bodyPr/>
@@ -6689,7 +6689,7 @@
                   </a:ext>
                 </a:extLst>
               </a:tr>
-              <a:tr h="762000">
+              <a:tr h="784459">
                 <a:tc>
                   <a:txBody>
                     <a:bodyPr/>
@@ -6991,7 +6991,7 @@
                   </a:ext>
                 </a:extLst>
               </a:tr>
-              <a:tr h="2119959">
+              <a:tr h="2170497">
                 <a:tc>
                   <a:txBody>
                     <a:bodyPr/>
@@ -7581,14 +7581,14 @@
             <p:ph idx="1"/>
             <p:extLst>
               <p:ext uri="{D42A27DB-BD31-4B8C-83A1-F6EECF244321}">
-                <p14:modId xmlns:p14="http://schemas.microsoft.com/office/powerpoint/2010/main" val="558404951"/>
+                <p14:modId xmlns:p14="http://schemas.microsoft.com/office/powerpoint/2010/main" val="699957434"/>
               </p:ext>
             </p:extLst>
           </p:nvPr>
         </p:nvGraphicFramePr>
         <p:xfrm>
-          <a:off x="0" y="510540"/>
-          <a:ext cx="12184380" cy="8656320"/>
+          <a:off x="1" y="114301"/>
+          <a:ext cx="12184380" cy="8436544"/>
         </p:xfrm>
         <a:graphic>
           <a:graphicData uri="http://schemas.openxmlformats.org/drawingml/2006/table">
@@ -7621,7 +7621,7 @@
                 </a:gridCol>
                 <a:gridCol w="1697434"/>
               </a:tblGrid>
-              <a:tr h="180975">
+              <a:tr h="264695">
                 <a:tc rowSpan="2">
                   <a:txBody>
                     <a:bodyPr/>
@@ -7711,7 +7711,7 @@
                   </a:ext>
                 </a:extLst>
               </a:tr>
-              <a:tr h="180975">
+              <a:tr h="264695">
                 <a:tc vMerge="1">
                   <a:txBody>
                     <a:bodyPr/>
@@ -7823,7 +7823,7 @@
                   <a:tcPr anchor="ctr"/>
                 </a:tc>
               </a:tr>
-              <a:tr h="419100">
+              <a:tr h="2343752">
                 <a:tc>
                   <a:txBody>
                     <a:bodyPr/>
@@ -8788,7 +8788,7 @@
                   </a:ext>
                 </a:extLst>
               </a:tr>
-              <a:tr h="1432560">
+              <a:tr h="1477478">
                 <a:tc>
                   <a:txBody>
                     <a:bodyPr/>
@@ -9278,7 +9278,7 @@
                   </a:ext>
                 </a:extLst>
               </a:tr>
-              <a:tr h="318466">
+              <a:tr h="1997242">
                 <a:tc>
                   <a:txBody>
                     <a:bodyPr/>
@@ -9286,90 +9286,11 @@
                     <a:p>
                       <a:pPr marR="0" algn="ctr" rtl="0"/>
                       <a:r>
-                        <a:rPr lang="en-US" altLang="zh-CN" sz="1100" dirty="0">
+                        <a:rPr lang="en-US" altLang="zh-CN" sz="1100" dirty="0" smtClean="0">
                           <a:latin typeface="Courier New" panose="02070309020205020404" pitchFamily="49" charset="0"/>
                           <a:cs typeface="Courier New" panose="02070309020205020404" pitchFamily="49" charset="0"/>
                         </a:rPr>
                         <a:t>9</a:t>
-                      </a:r>
-                      <a:endParaRPr lang="zh-CN" altLang="en-US" sz="1100" dirty="0">
-                        <a:latin typeface="Courier New" panose="02070309020205020404" pitchFamily="49" charset="0"/>
-                        <a:cs typeface="Courier New" panose="02070309020205020404" pitchFamily="49" charset="0"/>
-                      </a:endParaRPr>
-                    </a:p>
-                  </a:txBody>
-                  <a:tcPr anchor="ctr"/>
-                </a:tc>
-                <a:tc>
-                  <a:txBody>
-                    <a:bodyPr/>
-                    <a:lstStyle/>
-                    <a:p>
-                      <a:pPr marR="0" algn="l" rtl="0"/>
-                      <a:endParaRPr lang="en-US" altLang="zh-CN" sz="1100" dirty="0">
-                        <a:solidFill>
-                          <a:schemeClr val="tx1"/>
-                        </a:solidFill>
-                        <a:latin typeface="Courier New" panose="02070309020205020404" pitchFamily="49" charset="0"/>
-                        <a:cs typeface="Courier New" panose="02070309020205020404" pitchFamily="49" charset="0"/>
-                      </a:endParaRPr>
-                    </a:p>
-                  </a:txBody>
-                  <a:tcPr/>
-                </a:tc>
-                <a:tc>
-                  <a:txBody>
-                    <a:bodyPr/>
-                    <a:lstStyle/>
-                    <a:p>
-                      <a:endParaRPr lang="zh-CN" altLang="en-US"/>
-                    </a:p>
-                  </a:txBody>
-                  <a:tcPr/>
-                </a:tc>
-                <a:tc>
-                  <a:txBody>
-                    <a:bodyPr/>
-                    <a:lstStyle/>
-                    <a:p>
-                      <a:pPr marR="0" algn="l" rtl="0"/>
-                      <a:endParaRPr lang="zh-CN" altLang="en-US" sz="1100" dirty="0">
-                        <a:latin typeface="Courier New" panose="02070309020205020404" pitchFamily="49" charset="0"/>
-                        <a:cs typeface="Courier New" panose="02070309020205020404" pitchFamily="49" charset="0"/>
-                      </a:endParaRPr>
-                    </a:p>
-                  </a:txBody>
-                  <a:tcPr anchor="ctr"/>
-                </a:tc>
-                <a:tc>
-                  <a:txBody>
-                    <a:bodyPr/>
-                    <a:lstStyle/>
-                    <a:p>
-                      <a:endParaRPr lang="zh-CN" altLang="en-US"/>
-                    </a:p>
-                  </a:txBody>
-                  <a:tcPr anchor="ctr"/>
-                </a:tc>
-                <a:extLst>
-                  <a:ext uri="{0D108BD9-81ED-4DB2-BD59-A6C34878D82A}">
-                    <a16:rowId xmlns:a16="http://schemas.microsoft.com/office/drawing/2014/main" xmlns="" val="3620141435"/>
-                  </a:ext>
-                </a:extLst>
-              </a:tr>
-              <a:tr h="1950720">
-                <a:tc>
-                  <a:txBody>
-                    <a:bodyPr/>
-                    <a:lstStyle/>
-                    <a:p>
-                      <a:pPr marR="0" algn="ctr" rtl="0"/>
-                      <a:r>
-                        <a:rPr lang="en-US" altLang="zh-CN" sz="1100" dirty="0">
-                          <a:latin typeface="Courier New" panose="02070309020205020404" pitchFamily="49" charset="0"/>
-                          <a:cs typeface="Courier New" panose="02070309020205020404" pitchFamily="49" charset="0"/>
-                        </a:rPr>
-                        <a:t>10</a:t>
                       </a:r>
                       <a:endParaRPr lang="zh-CN" altLang="en-US" sz="1100" dirty="0">
                         <a:latin typeface="Courier New" panose="02070309020205020404" pitchFamily="49" charset="0"/>
@@ -10097,7 +10018,7 @@
                   </a:ext>
                 </a:extLst>
               </a:tr>
-              <a:tr h="893114">
+              <a:tr h="957714">
                 <a:tc>
                   <a:txBody>
                     <a:bodyPr/>
@@ -10105,11 +10026,11 @@
                     <a:p>
                       <a:pPr marR="0" algn="ctr" rtl="0"/>
                       <a:r>
-                        <a:rPr lang="en-US" altLang="zh-CN" sz="1100" dirty="0">
-                          <a:latin typeface="Courier New" panose="02070309020205020404" pitchFamily="49" charset="0"/>
-                          <a:cs typeface="Courier New" panose="02070309020205020404" pitchFamily="49" charset="0"/>
-                        </a:rPr>
-                        <a:t>11</a:t>
+                        <a:rPr lang="en-US" altLang="zh-CN" sz="1100" dirty="0" smtClean="0">
+                          <a:latin typeface="Courier New" panose="02070309020205020404" pitchFamily="49" charset="0"/>
+                          <a:cs typeface="Courier New" panose="02070309020205020404" pitchFamily="49" charset="0"/>
+                        </a:rPr>
+                        <a:t>10</a:t>
                       </a:r>
                       <a:endParaRPr lang="zh-CN" altLang="en-US" sz="1100" dirty="0">
                         <a:latin typeface="Courier New" panose="02070309020205020404" pitchFamily="49" charset="0"/>
@@ -10545,7 +10466,7 @@
                   </a:ext>
                 </a:extLst>
               </a:tr>
-              <a:tr h="893114">
+              <a:tr h="1130968">
                 <a:tc>
                   <a:txBody>
                     <a:bodyPr/>
@@ -10553,11 +10474,11 @@
                     <a:p>
                       <a:pPr marR="0" algn="ctr" rtl="0"/>
                       <a:r>
-                        <a:rPr lang="en-US" altLang="zh-CN" sz="1100" dirty="0">
-                          <a:latin typeface="Courier New" panose="02070309020205020404" pitchFamily="49" charset="0"/>
-                          <a:cs typeface="Courier New" panose="02070309020205020404" pitchFamily="49" charset="0"/>
-                        </a:rPr>
-                        <a:t>12</a:t>
+                        <a:rPr lang="en-US" altLang="zh-CN" sz="1100" dirty="0" smtClean="0">
+                          <a:latin typeface="Courier New" panose="02070309020205020404" pitchFamily="49" charset="0"/>
+                          <a:cs typeface="Courier New" panose="02070309020205020404" pitchFamily="49" charset="0"/>
+                        </a:rPr>
+                        <a:t>11</a:t>
                       </a:r>
                       <a:endParaRPr lang="zh-CN" altLang="en-US" sz="1100" dirty="0">
                         <a:latin typeface="Courier New" panose="02070309020205020404" pitchFamily="49" charset="0"/>
@@ -10958,7 +10879,7 @@
                     <a:bodyPr/>
                     <a:lstStyle/>
                     <a:p>
-                      <a:endParaRPr lang="zh-CN" altLang="en-US"/>
+                      <a:endParaRPr lang="zh-CN" altLang="en-US" sz="2400" dirty="0"/>
                     </a:p>
                   </a:txBody>
                   <a:tcPr anchor="ctr"/>

--- a/visio/patterns.pptx
+++ b/visio/patterns.pptx
@@ -2,13 +2,13 @@
 <file path=ppt/presentation.xml><?xml version="1.0" encoding="utf-8"?>
 <p:presentation xmlns:a="http://schemas.openxmlformats.org/drawingml/2006/main" xmlns:r="http://schemas.openxmlformats.org/officeDocument/2006/relationships" xmlns:p="http://schemas.openxmlformats.org/presentationml/2006/main" saveSubsetFonts="1">
   <p:sldMasterIdLst>
-    <p:sldMasterId id="2147483732" r:id="rId1"/>
+    <p:sldMasterId id="2147483744" r:id="rId1"/>
   </p:sldMasterIdLst>
   <p:sldIdLst>
     <p:sldId id="257" r:id="rId2"/>
     <p:sldId id="258" r:id="rId3"/>
   </p:sldIdLst>
-  <p:sldSz cx="12192000" cy="8686800"/>
+  <p:sldSz cx="12192000" cy="14538325"/>
   <p:notesSz cx="6858000" cy="9144000"/>
   <p:defaultTextStyle>
     <a:defPPr>
@@ -142,15 +142,15 @@
         </p:nvSpPr>
         <p:spPr>
           <a:xfrm>
-            <a:off x="914400" y="1421660"/>
-            <a:ext cx="10363200" cy="3024293"/>
+            <a:off x="914400" y="2379306"/>
+            <a:ext cx="10363200" cy="5061491"/>
           </a:xfrm>
         </p:spPr>
         <p:txBody>
           <a:bodyPr anchor="b"/>
           <a:lstStyle>
             <a:lvl1pPr algn="ctr">
-              <a:defRPr sz="7600"/>
+              <a:defRPr sz="8000"/>
             </a:lvl1pPr>
           </a:lstStyle>
           <a:p>
@@ -174,8 +174,8 @@
         </p:nvSpPr>
         <p:spPr>
           <a:xfrm>
-            <a:off x="1524000" y="4562581"/>
-            <a:ext cx="9144000" cy="2097299"/>
+            <a:off x="1524000" y="7635987"/>
+            <a:ext cx="9144000" cy="3510062"/>
           </a:xfrm>
         </p:spPr>
         <p:txBody>
@@ -183,39 +183,39 @@
           <a:lstStyle>
             <a:lvl1pPr marL="0" indent="0" algn="ctr">
               <a:buNone/>
-              <a:defRPr sz="3040"/>
+              <a:defRPr sz="3200"/>
             </a:lvl1pPr>
-            <a:lvl2pPr marL="579135" indent="0" algn="ctr">
+            <a:lvl2pPr marL="609585" indent="0" algn="ctr">
               <a:buNone/>
-              <a:defRPr sz="2533"/>
+              <a:defRPr sz="2667"/>
             </a:lvl2pPr>
-            <a:lvl3pPr marL="1158270" indent="0" algn="ctr">
+            <a:lvl3pPr marL="1219170" indent="0" algn="ctr">
               <a:buNone/>
-              <a:defRPr sz="2280"/>
+              <a:defRPr sz="2400"/>
             </a:lvl3pPr>
-            <a:lvl4pPr marL="1737406" indent="0" algn="ctr">
+            <a:lvl4pPr marL="1828754" indent="0" algn="ctr">
               <a:buNone/>
-              <a:defRPr sz="2027"/>
+              <a:defRPr sz="2133"/>
             </a:lvl4pPr>
-            <a:lvl5pPr marL="2316541" indent="0" algn="ctr">
+            <a:lvl5pPr marL="2438339" indent="0" algn="ctr">
               <a:buNone/>
-              <a:defRPr sz="2027"/>
+              <a:defRPr sz="2133"/>
             </a:lvl5pPr>
-            <a:lvl6pPr marL="2895676" indent="0" algn="ctr">
+            <a:lvl6pPr marL="3047924" indent="0" algn="ctr">
               <a:buNone/>
-              <a:defRPr sz="2027"/>
+              <a:defRPr sz="2133"/>
             </a:lvl6pPr>
-            <a:lvl7pPr marL="3474811" indent="0" algn="ctr">
+            <a:lvl7pPr marL="3657509" indent="0" algn="ctr">
               <a:buNone/>
-              <a:defRPr sz="2027"/>
+              <a:defRPr sz="2133"/>
             </a:lvl7pPr>
-            <a:lvl8pPr marL="4053947" indent="0" algn="ctr">
+            <a:lvl8pPr marL="4267093" indent="0" algn="ctr">
               <a:buNone/>
-              <a:defRPr sz="2027"/>
+              <a:defRPr sz="2133"/>
             </a:lvl8pPr>
-            <a:lvl9pPr marL="4633082" indent="0" algn="ctr">
+            <a:lvl9pPr marL="4876678" indent="0" algn="ctr">
               <a:buNone/>
-              <a:defRPr sz="2027"/>
+              <a:defRPr sz="2133"/>
             </a:lvl9pPr>
           </a:lstStyle>
           <a:p>
@@ -244,7 +244,7 @@
           <a:p>
             <a:fld id="{9A9588F4-A4CE-45D6-BF9E-2ECB20C17A22}" type="datetimeFigureOut">
               <a:rPr lang="zh-CN" altLang="en-US" smtClean="0"/>
-              <a:t>2017/4/5</a:t>
+              <a:t>2017/4/6</a:t>
             </a:fld>
             <a:endParaRPr lang="zh-CN" altLang="en-US"/>
           </a:p>
@@ -295,7 +295,7 @@
     </p:spTree>
     <p:extLst>
       <p:ext uri="{BB962C8B-B14F-4D97-AF65-F5344CB8AC3E}">
-        <p14:creationId xmlns:p14="http://schemas.microsoft.com/office/powerpoint/2010/main" val="2118669556"/>
+        <p14:creationId xmlns:p14="http://schemas.microsoft.com/office/powerpoint/2010/main" val="2816721818"/>
       </p:ext>
     </p:extLst>
   </p:cSld>
@@ -414,7 +414,7 @@
           <a:p>
             <a:fld id="{9A9588F4-A4CE-45D6-BF9E-2ECB20C17A22}" type="datetimeFigureOut">
               <a:rPr lang="zh-CN" altLang="en-US" smtClean="0"/>
-              <a:t>2017/4/5</a:t>
+              <a:t>2017/4/6</a:t>
             </a:fld>
             <a:endParaRPr lang="zh-CN" altLang="en-US"/>
           </a:p>
@@ -465,7 +465,7 @@
     </p:spTree>
     <p:extLst>
       <p:ext uri="{BB962C8B-B14F-4D97-AF65-F5344CB8AC3E}">
-        <p14:creationId xmlns:p14="http://schemas.microsoft.com/office/powerpoint/2010/main" val="1018672496"/>
+        <p14:creationId xmlns:p14="http://schemas.microsoft.com/office/powerpoint/2010/main" val="2977084"/>
       </p:ext>
     </p:extLst>
   </p:cSld>
@@ -504,8 +504,8 @@
         </p:nvSpPr>
         <p:spPr>
           <a:xfrm>
-            <a:off x="8724901" y="462492"/>
-            <a:ext cx="2628900" cy="7361661"/>
+            <a:off x="8724901" y="774031"/>
+            <a:ext cx="2628900" cy="12320558"/>
           </a:xfrm>
         </p:spPr>
         <p:txBody>
@@ -532,8 +532,8 @@
         </p:nvSpPr>
         <p:spPr>
           <a:xfrm>
-            <a:off x="838201" y="462492"/>
-            <a:ext cx="7734300" cy="7361661"/>
+            <a:off x="838201" y="774031"/>
+            <a:ext cx="7734300" cy="12320558"/>
           </a:xfrm>
         </p:spPr>
         <p:txBody>
@@ -594,7 +594,7 @@
           <a:p>
             <a:fld id="{9A9588F4-A4CE-45D6-BF9E-2ECB20C17A22}" type="datetimeFigureOut">
               <a:rPr lang="zh-CN" altLang="en-US" smtClean="0"/>
-              <a:t>2017/4/5</a:t>
+              <a:t>2017/4/6</a:t>
             </a:fld>
             <a:endParaRPr lang="zh-CN" altLang="en-US"/>
           </a:p>
@@ -645,7 +645,7 @@
     </p:spTree>
     <p:extLst>
       <p:ext uri="{BB962C8B-B14F-4D97-AF65-F5344CB8AC3E}">
-        <p14:creationId xmlns:p14="http://schemas.microsoft.com/office/powerpoint/2010/main" val="360022722"/>
+        <p14:creationId xmlns:p14="http://schemas.microsoft.com/office/powerpoint/2010/main" val="1665838495"/>
       </p:ext>
     </p:extLst>
   </p:cSld>
@@ -764,7 +764,7 @@
           <a:p>
             <a:fld id="{9A9588F4-A4CE-45D6-BF9E-2ECB20C17A22}" type="datetimeFigureOut">
               <a:rPr lang="zh-CN" altLang="en-US" smtClean="0"/>
-              <a:t>2017/4/5</a:t>
+              <a:t>2017/4/6</a:t>
             </a:fld>
             <a:endParaRPr lang="zh-CN" altLang="en-US"/>
           </a:p>
@@ -815,7 +815,7 @@
     </p:spTree>
     <p:extLst>
       <p:ext uri="{BB962C8B-B14F-4D97-AF65-F5344CB8AC3E}">
-        <p14:creationId xmlns:p14="http://schemas.microsoft.com/office/powerpoint/2010/main" val="980152421"/>
+        <p14:creationId xmlns:p14="http://schemas.microsoft.com/office/powerpoint/2010/main" val="3493105935"/>
       </p:ext>
     </p:extLst>
   </p:cSld>
@@ -854,15 +854,15 @@
         </p:nvSpPr>
         <p:spPr>
           <a:xfrm>
-            <a:off x="831851" y="2165670"/>
-            <a:ext cx="10515600" cy="3613467"/>
+            <a:off x="831851" y="3624490"/>
+            <a:ext cx="10515600" cy="6047538"/>
           </a:xfrm>
         </p:spPr>
         <p:txBody>
           <a:bodyPr anchor="b"/>
           <a:lstStyle>
             <a:lvl1pPr>
-              <a:defRPr sz="7600"/>
+              <a:defRPr sz="8000"/>
             </a:lvl1pPr>
           </a:lstStyle>
           <a:p>
@@ -886,8 +886,8 @@
         </p:nvSpPr>
         <p:spPr>
           <a:xfrm>
-            <a:off x="831851" y="5813322"/>
-            <a:ext cx="10515600" cy="1900237"/>
+            <a:off x="831851" y="9729240"/>
+            <a:ext cx="10515600" cy="3180258"/>
           </a:xfrm>
         </p:spPr>
         <p:txBody>
@@ -895,15 +895,15 @@
           <a:lstStyle>
             <a:lvl1pPr marL="0" indent="0">
               <a:buNone/>
-              <a:defRPr sz="3040">
+              <a:defRPr sz="3200">
                 <a:solidFill>
                   <a:schemeClr val="tx1"/>
                 </a:solidFill>
               </a:defRPr>
             </a:lvl1pPr>
-            <a:lvl2pPr marL="579135" indent="0">
+            <a:lvl2pPr marL="609585" indent="0">
               <a:buNone/>
-              <a:defRPr sz="2533">
+              <a:defRPr sz="2667">
                 <a:solidFill>
                   <a:schemeClr val="tx1">
                     <a:tint val="75000"/>
@@ -911,9 +911,9 @@
                 </a:solidFill>
               </a:defRPr>
             </a:lvl2pPr>
-            <a:lvl3pPr marL="1158270" indent="0">
+            <a:lvl3pPr marL="1219170" indent="0">
               <a:buNone/>
-              <a:defRPr sz="2280">
+              <a:defRPr sz="2400">
                 <a:solidFill>
                   <a:schemeClr val="tx1">
                     <a:tint val="75000"/>
@@ -921,9 +921,9 @@
                 </a:solidFill>
               </a:defRPr>
             </a:lvl3pPr>
-            <a:lvl4pPr marL="1737406" indent="0">
+            <a:lvl4pPr marL="1828754" indent="0">
               <a:buNone/>
-              <a:defRPr sz="2027">
+              <a:defRPr sz="2133">
                 <a:solidFill>
                   <a:schemeClr val="tx1">
                     <a:tint val="75000"/>
@@ -931,9 +931,9 @@
                 </a:solidFill>
               </a:defRPr>
             </a:lvl4pPr>
-            <a:lvl5pPr marL="2316541" indent="0">
+            <a:lvl5pPr marL="2438339" indent="0">
               <a:buNone/>
-              <a:defRPr sz="2027">
+              <a:defRPr sz="2133">
                 <a:solidFill>
                   <a:schemeClr val="tx1">
                     <a:tint val="75000"/>
@@ -941,9 +941,9 @@
                 </a:solidFill>
               </a:defRPr>
             </a:lvl5pPr>
-            <a:lvl6pPr marL="2895676" indent="0">
+            <a:lvl6pPr marL="3047924" indent="0">
               <a:buNone/>
-              <a:defRPr sz="2027">
+              <a:defRPr sz="2133">
                 <a:solidFill>
                   <a:schemeClr val="tx1">
                     <a:tint val="75000"/>
@@ -951,9 +951,9 @@
                 </a:solidFill>
               </a:defRPr>
             </a:lvl6pPr>
-            <a:lvl7pPr marL="3474811" indent="0">
+            <a:lvl7pPr marL="3657509" indent="0">
               <a:buNone/>
-              <a:defRPr sz="2027">
+              <a:defRPr sz="2133">
                 <a:solidFill>
                   <a:schemeClr val="tx1">
                     <a:tint val="75000"/>
@@ -961,9 +961,9 @@
                 </a:solidFill>
               </a:defRPr>
             </a:lvl7pPr>
-            <a:lvl8pPr marL="4053947" indent="0">
+            <a:lvl8pPr marL="4267093" indent="0">
               <a:buNone/>
-              <a:defRPr sz="2027">
+              <a:defRPr sz="2133">
                 <a:solidFill>
                   <a:schemeClr val="tx1">
                     <a:tint val="75000"/>
@@ -971,9 +971,9 @@
                 </a:solidFill>
               </a:defRPr>
             </a:lvl8pPr>
-            <a:lvl9pPr marL="4633082" indent="0">
+            <a:lvl9pPr marL="4876678" indent="0">
               <a:buNone/>
-              <a:defRPr sz="2027">
+              <a:defRPr sz="2133">
                 <a:solidFill>
                   <a:schemeClr val="tx1">
                     <a:tint val="75000"/>
@@ -1008,7 +1008,7 @@
           <a:p>
             <a:fld id="{9A9588F4-A4CE-45D6-BF9E-2ECB20C17A22}" type="datetimeFigureOut">
               <a:rPr lang="zh-CN" altLang="en-US" smtClean="0"/>
-              <a:t>2017/4/5</a:t>
+              <a:t>2017/4/6</a:t>
             </a:fld>
             <a:endParaRPr lang="zh-CN" altLang="en-US"/>
           </a:p>
@@ -1059,7 +1059,7 @@
     </p:spTree>
     <p:extLst>
       <p:ext uri="{BB962C8B-B14F-4D97-AF65-F5344CB8AC3E}">
-        <p14:creationId xmlns:p14="http://schemas.microsoft.com/office/powerpoint/2010/main" val="56930872"/>
+        <p14:creationId xmlns:p14="http://schemas.microsoft.com/office/powerpoint/2010/main" val="3002503097"/>
       </p:ext>
     </p:extLst>
   </p:cSld>
@@ -1121,8 +1121,8 @@
         </p:nvSpPr>
         <p:spPr>
           <a:xfrm>
-            <a:off x="838200" y="2312458"/>
-            <a:ext cx="5181600" cy="5511695"/>
+            <a:off x="838200" y="3870156"/>
+            <a:ext cx="5181600" cy="9224434"/>
           </a:xfrm>
         </p:spPr>
         <p:txBody>
@@ -1178,8 +1178,8 @@
         </p:nvSpPr>
         <p:spPr>
           <a:xfrm>
-            <a:off x="6172200" y="2312458"/>
-            <a:ext cx="5181600" cy="5511695"/>
+            <a:off x="6172200" y="3870156"/>
+            <a:ext cx="5181600" cy="9224434"/>
           </a:xfrm>
         </p:spPr>
         <p:txBody>
@@ -1240,7 +1240,7 @@
           <a:p>
             <a:fld id="{9A9588F4-A4CE-45D6-BF9E-2ECB20C17A22}" type="datetimeFigureOut">
               <a:rPr lang="zh-CN" altLang="en-US" smtClean="0"/>
-              <a:t>2017/4/5</a:t>
+              <a:t>2017/4/6</a:t>
             </a:fld>
             <a:endParaRPr lang="zh-CN" altLang="en-US"/>
           </a:p>
@@ -1291,7 +1291,7 @@
     </p:spTree>
     <p:extLst>
       <p:ext uri="{BB962C8B-B14F-4D97-AF65-F5344CB8AC3E}">
-        <p14:creationId xmlns:p14="http://schemas.microsoft.com/office/powerpoint/2010/main" val="4214248336"/>
+        <p14:creationId xmlns:p14="http://schemas.microsoft.com/office/powerpoint/2010/main" val="4239688593"/>
       </p:ext>
     </p:extLst>
   </p:cSld>
@@ -1330,8 +1330,8 @@
         </p:nvSpPr>
         <p:spPr>
           <a:xfrm>
-            <a:off x="839788" y="462494"/>
-            <a:ext cx="10515600" cy="1679046"/>
+            <a:off x="839788" y="774034"/>
+            <a:ext cx="10515600" cy="2810071"/>
           </a:xfrm>
         </p:spPr>
         <p:txBody>
@@ -1358,8 +1358,8 @@
         </p:nvSpPr>
         <p:spPr>
           <a:xfrm>
-            <a:off x="839789" y="2129473"/>
-            <a:ext cx="5157787" cy="1043622"/>
+            <a:off x="839789" y="3563910"/>
+            <a:ext cx="5157787" cy="1746617"/>
           </a:xfrm>
         </p:spPr>
         <p:txBody>
@@ -1367,39 +1367,39 @@
           <a:lstStyle>
             <a:lvl1pPr marL="0" indent="0">
               <a:buNone/>
-              <a:defRPr sz="3040" b="1"/>
+              <a:defRPr sz="3200" b="1"/>
             </a:lvl1pPr>
-            <a:lvl2pPr marL="579135" indent="0">
+            <a:lvl2pPr marL="609585" indent="0">
               <a:buNone/>
-              <a:defRPr sz="2533" b="1"/>
+              <a:defRPr sz="2667" b="1"/>
             </a:lvl2pPr>
-            <a:lvl3pPr marL="1158270" indent="0">
+            <a:lvl3pPr marL="1219170" indent="0">
               <a:buNone/>
-              <a:defRPr sz="2280" b="1"/>
+              <a:defRPr sz="2400" b="1"/>
             </a:lvl3pPr>
-            <a:lvl4pPr marL="1737406" indent="0">
+            <a:lvl4pPr marL="1828754" indent="0">
               <a:buNone/>
-              <a:defRPr sz="2027" b="1"/>
+              <a:defRPr sz="2133" b="1"/>
             </a:lvl4pPr>
-            <a:lvl5pPr marL="2316541" indent="0">
+            <a:lvl5pPr marL="2438339" indent="0">
               <a:buNone/>
-              <a:defRPr sz="2027" b="1"/>
+              <a:defRPr sz="2133" b="1"/>
             </a:lvl5pPr>
-            <a:lvl6pPr marL="2895676" indent="0">
+            <a:lvl6pPr marL="3047924" indent="0">
               <a:buNone/>
-              <a:defRPr sz="2027" b="1"/>
+              <a:defRPr sz="2133" b="1"/>
             </a:lvl6pPr>
-            <a:lvl7pPr marL="3474811" indent="0">
+            <a:lvl7pPr marL="3657509" indent="0">
               <a:buNone/>
-              <a:defRPr sz="2027" b="1"/>
+              <a:defRPr sz="2133" b="1"/>
             </a:lvl7pPr>
-            <a:lvl8pPr marL="4053947" indent="0">
+            <a:lvl8pPr marL="4267093" indent="0">
               <a:buNone/>
-              <a:defRPr sz="2027" b="1"/>
+              <a:defRPr sz="2133" b="1"/>
             </a:lvl8pPr>
-            <a:lvl9pPr marL="4633082" indent="0">
+            <a:lvl9pPr marL="4876678" indent="0">
               <a:buNone/>
-              <a:defRPr sz="2027" b="1"/>
+              <a:defRPr sz="2133" b="1"/>
             </a:lvl9pPr>
           </a:lstStyle>
           <a:p>
@@ -1423,8 +1423,8 @@
         </p:nvSpPr>
         <p:spPr>
           <a:xfrm>
-            <a:off x="839789" y="3173095"/>
-            <a:ext cx="5157787" cy="4667145"/>
+            <a:off x="839789" y="5310527"/>
+            <a:ext cx="5157787" cy="7810985"/>
           </a:xfrm>
         </p:spPr>
         <p:txBody>
@@ -1480,8 +1480,8 @@
         </p:nvSpPr>
         <p:spPr>
           <a:xfrm>
-            <a:off x="6172201" y="2129473"/>
-            <a:ext cx="5183188" cy="1043622"/>
+            <a:off x="6172201" y="3563910"/>
+            <a:ext cx="5183188" cy="1746617"/>
           </a:xfrm>
         </p:spPr>
         <p:txBody>
@@ -1489,39 +1489,39 @@
           <a:lstStyle>
             <a:lvl1pPr marL="0" indent="0">
               <a:buNone/>
-              <a:defRPr sz="3040" b="1"/>
+              <a:defRPr sz="3200" b="1"/>
             </a:lvl1pPr>
-            <a:lvl2pPr marL="579135" indent="0">
+            <a:lvl2pPr marL="609585" indent="0">
               <a:buNone/>
-              <a:defRPr sz="2533" b="1"/>
+              <a:defRPr sz="2667" b="1"/>
             </a:lvl2pPr>
-            <a:lvl3pPr marL="1158270" indent="0">
+            <a:lvl3pPr marL="1219170" indent="0">
               <a:buNone/>
-              <a:defRPr sz="2280" b="1"/>
+              <a:defRPr sz="2400" b="1"/>
             </a:lvl3pPr>
-            <a:lvl4pPr marL="1737406" indent="0">
+            <a:lvl4pPr marL="1828754" indent="0">
               <a:buNone/>
-              <a:defRPr sz="2027" b="1"/>
+              <a:defRPr sz="2133" b="1"/>
             </a:lvl4pPr>
-            <a:lvl5pPr marL="2316541" indent="0">
+            <a:lvl5pPr marL="2438339" indent="0">
               <a:buNone/>
-              <a:defRPr sz="2027" b="1"/>
+              <a:defRPr sz="2133" b="1"/>
             </a:lvl5pPr>
-            <a:lvl6pPr marL="2895676" indent="0">
+            <a:lvl6pPr marL="3047924" indent="0">
               <a:buNone/>
-              <a:defRPr sz="2027" b="1"/>
+              <a:defRPr sz="2133" b="1"/>
             </a:lvl6pPr>
-            <a:lvl7pPr marL="3474811" indent="0">
+            <a:lvl7pPr marL="3657509" indent="0">
               <a:buNone/>
-              <a:defRPr sz="2027" b="1"/>
+              <a:defRPr sz="2133" b="1"/>
             </a:lvl7pPr>
-            <a:lvl8pPr marL="4053947" indent="0">
+            <a:lvl8pPr marL="4267093" indent="0">
               <a:buNone/>
-              <a:defRPr sz="2027" b="1"/>
+              <a:defRPr sz="2133" b="1"/>
             </a:lvl8pPr>
-            <a:lvl9pPr marL="4633082" indent="0">
+            <a:lvl9pPr marL="4876678" indent="0">
               <a:buNone/>
-              <a:defRPr sz="2027" b="1"/>
+              <a:defRPr sz="2133" b="1"/>
             </a:lvl9pPr>
           </a:lstStyle>
           <a:p>
@@ -1545,8 +1545,8 @@
         </p:nvSpPr>
         <p:spPr>
           <a:xfrm>
-            <a:off x="6172201" y="3173095"/>
-            <a:ext cx="5183188" cy="4667145"/>
+            <a:off x="6172201" y="5310527"/>
+            <a:ext cx="5183188" cy="7810985"/>
           </a:xfrm>
         </p:spPr>
         <p:txBody>
@@ -1607,7 +1607,7 @@
           <a:p>
             <a:fld id="{9A9588F4-A4CE-45D6-BF9E-2ECB20C17A22}" type="datetimeFigureOut">
               <a:rPr lang="zh-CN" altLang="en-US" smtClean="0"/>
-              <a:t>2017/4/5</a:t>
+              <a:t>2017/4/6</a:t>
             </a:fld>
             <a:endParaRPr lang="zh-CN" altLang="en-US"/>
           </a:p>
@@ -1658,7 +1658,7 @@
     </p:spTree>
     <p:extLst>
       <p:ext uri="{BB962C8B-B14F-4D97-AF65-F5344CB8AC3E}">
-        <p14:creationId xmlns:p14="http://schemas.microsoft.com/office/powerpoint/2010/main" val="941688940"/>
+        <p14:creationId xmlns:p14="http://schemas.microsoft.com/office/powerpoint/2010/main" val="1164285773"/>
       </p:ext>
     </p:extLst>
   </p:cSld>
@@ -1725,7 +1725,7 @@
           <a:p>
             <a:fld id="{9A9588F4-A4CE-45D6-BF9E-2ECB20C17A22}" type="datetimeFigureOut">
               <a:rPr lang="zh-CN" altLang="en-US" smtClean="0"/>
-              <a:t>2017/4/5</a:t>
+              <a:t>2017/4/6</a:t>
             </a:fld>
             <a:endParaRPr lang="zh-CN" altLang="en-US"/>
           </a:p>
@@ -1776,7 +1776,7 @@
     </p:spTree>
     <p:extLst>
       <p:ext uri="{BB962C8B-B14F-4D97-AF65-F5344CB8AC3E}">
-        <p14:creationId xmlns:p14="http://schemas.microsoft.com/office/powerpoint/2010/main" val="178463988"/>
+        <p14:creationId xmlns:p14="http://schemas.microsoft.com/office/powerpoint/2010/main" val="4205206089"/>
       </p:ext>
     </p:extLst>
   </p:cSld>
@@ -1820,7 +1820,7 @@
           <a:p>
             <a:fld id="{9A9588F4-A4CE-45D6-BF9E-2ECB20C17A22}" type="datetimeFigureOut">
               <a:rPr lang="zh-CN" altLang="en-US" smtClean="0"/>
-              <a:t>2017/4/5</a:t>
+              <a:t>2017/4/6</a:t>
             </a:fld>
             <a:endParaRPr lang="zh-CN" altLang="en-US"/>
           </a:p>
@@ -1871,7 +1871,7 @@
     </p:spTree>
     <p:extLst>
       <p:ext uri="{BB962C8B-B14F-4D97-AF65-F5344CB8AC3E}">
-        <p14:creationId xmlns:p14="http://schemas.microsoft.com/office/powerpoint/2010/main" val="4145974358"/>
+        <p14:creationId xmlns:p14="http://schemas.microsoft.com/office/powerpoint/2010/main" val="752583777"/>
       </p:ext>
     </p:extLst>
   </p:cSld>
@@ -1910,15 +1910,15 @@
         </p:nvSpPr>
         <p:spPr>
           <a:xfrm>
-            <a:off x="839788" y="579120"/>
-            <a:ext cx="3932237" cy="2026920"/>
+            <a:off x="839788" y="969222"/>
+            <a:ext cx="3932237" cy="3392276"/>
           </a:xfrm>
         </p:spPr>
         <p:txBody>
           <a:bodyPr anchor="b"/>
           <a:lstStyle>
             <a:lvl1pPr>
-              <a:defRPr sz="4053"/>
+              <a:defRPr sz="4267"/>
             </a:lvl1pPr>
           </a:lstStyle>
           <a:p>
@@ -1942,39 +1942,39 @@
         </p:nvSpPr>
         <p:spPr>
           <a:xfrm>
-            <a:off x="5183188" y="1250740"/>
-            <a:ext cx="6172200" cy="6173258"/>
+            <a:off x="5183188" y="2093253"/>
+            <a:ext cx="6172200" cy="10331634"/>
           </a:xfrm>
         </p:spPr>
         <p:txBody>
           <a:bodyPr/>
           <a:lstStyle>
             <a:lvl1pPr>
-              <a:defRPr sz="4053"/>
+              <a:defRPr sz="4267"/>
             </a:lvl1pPr>
             <a:lvl2pPr>
-              <a:defRPr sz="3547"/>
+              <a:defRPr sz="3733"/>
             </a:lvl2pPr>
             <a:lvl3pPr>
-              <a:defRPr sz="3040"/>
+              <a:defRPr sz="3200"/>
             </a:lvl3pPr>
             <a:lvl4pPr>
-              <a:defRPr sz="2533"/>
+              <a:defRPr sz="2667"/>
             </a:lvl4pPr>
             <a:lvl5pPr>
-              <a:defRPr sz="2533"/>
+              <a:defRPr sz="2667"/>
             </a:lvl5pPr>
             <a:lvl6pPr>
-              <a:defRPr sz="2533"/>
+              <a:defRPr sz="2667"/>
             </a:lvl6pPr>
             <a:lvl7pPr>
-              <a:defRPr sz="2533"/>
+              <a:defRPr sz="2667"/>
             </a:lvl7pPr>
             <a:lvl8pPr>
-              <a:defRPr sz="2533"/>
+              <a:defRPr sz="2667"/>
             </a:lvl8pPr>
             <a:lvl9pPr>
-              <a:defRPr sz="2533"/>
+              <a:defRPr sz="2667"/>
             </a:lvl9pPr>
           </a:lstStyle>
           <a:p>
@@ -2027,8 +2027,8 @@
         </p:nvSpPr>
         <p:spPr>
           <a:xfrm>
-            <a:off x="839788" y="2606040"/>
-            <a:ext cx="3932237" cy="4828011"/>
+            <a:off x="839788" y="4361497"/>
+            <a:ext cx="3932237" cy="8080214"/>
           </a:xfrm>
         </p:spPr>
         <p:txBody>
@@ -2036,39 +2036,39 @@
           <a:lstStyle>
             <a:lvl1pPr marL="0" indent="0">
               <a:buNone/>
-              <a:defRPr sz="2027"/>
+              <a:defRPr sz="2133"/>
             </a:lvl1pPr>
-            <a:lvl2pPr marL="579135" indent="0">
+            <a:lvl2pPr marL="609585" indent="0">
               <a:buNone/>
-              <a:defRPr sz="1773"/>
+              <a:defRPr sz="1867"/>
             </a:lvl2pPr>
-            <a:lvl3pPr marL="1158270" indent="0">
+            <a:lvl3pPr marL="1219170" indent="0">
               <a:buNone/>
-              <a:defRPr sz="1520"/>
+              <a:defRPr sz="1600"/>
             </a:lvl3pPr>
-            <a:lvl4pPr marL="1737406" indent="0">
+            <a:lvl4pPr marL="1828754" indent="0">
               <a:buNone/>
-              <a:defRPr sz="1267"/>
+              <a:defRPr sz="1333"/>
             </a:lvl4pPr>
-            <a:lvl5pPr marL="2316541" indent="0">
+            <a:lvl5pPr marL="2438339" indent="0">
               <a:buNone/>
-              <a:defRPr sz="1267"/>
+              <a:defRPr sz="1333"/>
             </a:lvl5pPr>
-            <a:lvl6pPr marL="2895676" indent="0">
+            <a:lvl6pPr marL="3047924" indent="0">
               <a:buNone/>
-              <a:defRPr sz="1267"/>
+              <a:defRPr sz="1333"/>
             </a:lvl6pPr>
-            <a:lvl7pPr marL="3474811" indent="0">
+            <a:lvl7pPr marL="3657509" indent="0">
               <a:buNone/>
-              <a:defRPr sz="1267"/>
+              <a:defRPr sz="1333"/>
             </a:lvl7pPr>
-            <a:lvl8pPr marL="4053947" indent="0">
+            <a:lvl8pPr marL="4267093" indent="0">
               <a:buNone/>
-              <a:defRPr sz="1267"/>
+              <a:defRPr sz="1333"/>
             </a:lvl8pPr>
-            <a:lvl9pPr marL="4633082" indent="0">
+            <a:lvl9pPr marL="4876678" indent="0">
               <a:buNone/>
-              <a:defRPr sz="1267"/>
+              <a:defRPr sz="1333"/>
             </a:lvl9pPr>
           </a:lstStyle>
           <a:p>
@@ -2097,7 +2097,7 @@
           <a:p>
             <a:fld id="{9A9588F4-A4CE-45D6-BF9E-2ECB20C17A22}" type="datetimeFigureOut">
               <a:rPr lang="zh-CN" altLang="en-US" smtClean="0"/>
-              <a:t>2017/4/5</a:t>
+              <a:t>2017/4/6</a:t>
             </a:fld>
             <a:endParaRPr lang="zh-CN" altLang="en-US"/>
           </a:p>
@@ -2148,7 +2148,7 @@
     </p:spTree>
     <p:extLst>
       <p:ext uri="{BB962C8B-B14F-4D97-AF65-F5344CB8AC3E}">
-        <p14:creationId xmlns:p14="http://schemas.microsoft.com/office/powerpoint/2010/main" val="2584738240"/>
+        <p14:creationId xmlns:p14="http://schemas.microsoft.com/office/powerpoint/2010/main" val="3596755858"/>
       </p:ext>
     </p:extLst>
   </p:cSld>
@@ -2187,15 +2187,15 @@
         </p:nvSpPr>
         <p:spPr>
           <a:xfrm>
-            <a:off x="839788" y="579120"/>
-            <a:ext cx="3932237" cy="2026920"/>
+            <a:off x="839788" y="969222"/>
+            <a:ext cx="3932237" cy="3392276"/>
           </a:xfrm>
         </p:spPr>
         <p:txBody>
           <a:bodyPr anchor="b"/>
           <a:lstStyle>
             <a:lvl1pPr>
-              <a:defRPr sz="4053"/>
+              <a:defRPr sz="4267"/>
             </a:lvl1pPr>
           </a:lstStyle>
           <a:p>
@@ -2219,8 +2219,8 @@
         </p:nvSpPr>
         <p:spPr>
           <a:xfrm>
-            <a:off x="5183188" y="1250740"/>
-            <a:ext cx="6172200" cy="6173258"/>
+            <a:off x="5183188" y="2093253"/>
+            <a:ext cx="6172200" cy="10331634"/>
           </a:xfrm>
         </p:spPr>
         <p:txBody>
@@ -2228,39 +2228,39 @@
           <a:lstStyle>
             <a:lvl1pPr marL="0" indent="0">
               <a:buNone/>
-              <a:defRPr sz="4053"/>
+              <a:defRPr sz="4267"/>
             </a:lvl1pPr>
-            <a:lvl2pPr marL="579135" indent="0">
+            <a:lvl2pPr marL="609585" indent="0">
               <a:buNone/>
-              <a:defRPr sz="3547"/>
+              <a:defRPr sz="3733"/>
             </a:lvl2pPr>
-            <a:lvl3pPr marL="1158270" indent="0">
+            <a:lvl3pPr marL="1219170" indent="0">
               <a:buNone/>
-              <a:defRPr sz="3040"/>
+              <a:defRPr sz="3200"/>
             </a:lvl3pPr>
-            <a:lvl4pPr marL="1737406" indent="0">
+            <a:lvl4pPr marL="1828754" indent="0">
               <a:buNone/>
-              <a:defRPr sz="2533"/>
+              <a:defRPr sz="2667"/>
             </a:lvl4pPr>
-            <a:lvl5pPr marL="2316541" indent="0">
+            <a:lvl5pPr marL="2438339" indent="0">
               <a:buNone/>
-              <a:defRPr sz="2533"/>
+              <a:defRPr sz="2667"/>
             </a:lvl5pPr>
-            <a:lvl6pPr marL="2895676" indent="0">
+            <a:lvl6pPr marL="3047924" indent="0">
               <a:buNone/>
-              <a:defRPr sz="2533"/>
+              <a:defRPr sz="2667"/>
             </a:lvl6pPr>
-            <a:lvl7pPr marL="3474811" indent="0">
+            <a:lvl7pPr marL="3657509" indent="0">
               <a:buNone/>
-              <a:defRPr sz="2533"/>
+              <a:defRPr sz="2667"/>
             </a:lvl7pPr>
-            <a:lvl8pPr marL="4053947" indent="0">
+            <a:lvl8pPr marL="4267093" indent="0">
               <a:buNone/>
-              <a:defRPr sz="2533"/>
+              <a:defRPr sz="2667"/>
             </a:lvl8pPr>
-            <a:lvl9pPr marL="4633082" indent="0">
+            <a:lvl9pPr marL="4876678" indent="0">
               <a:buNone/>
-              <a:defRPr sz="2533"/>
+              <a:defRPr sz="2667"/>
             </a:lvl9pPr>
           </a:lstStyle>
           <a:p>
@@ -2284,8 +2284,8 @@
         </p:nvSpPr>
         <p:spPr>
           <a:xfrm>
-            <a:off x="839788" y="2606040"/>
-            <a:ext cx="3932237" cy="4828011"/>
+            <a:off x="839788" y="4361497"/>
+            <a:ext cx="3932237" cy="8080214"/>
           </a:xfrm>
         </p:spPr>
         <p:txBody>
@@ -2293,39 +2293,39 @@
           <a:lstStyle>
             <a:lvl1pPr marL="0" indent="0">
               <a:buNone/>
-              <a:defRPr sz="2027"/>
+              <a:defRPr sz="2133"/>
             </a:lvl1pPr>
-            <a:lvl2pPr marL="579135" indent="0">
+            <a:lvl2pPr marL="609585" indent="0">
               <a:buNone/>
-              <a:defRPr sz="1773"/>
+              <a:defRPr sz="1867"/>
             </a:lvl2pPr>
-            <a:lvl3pPr marL="1158270" indent="0">
+            <a:lvl3pPr marL="1219170" indent="0">
               <a:buNone/>
-              <a:defRPr sz="1520"/>
+              <a:defRPr sz="1600"/>
             </a:lvl3pPr>
-            <a:lvl4pPr marL="1737406" indent="0">
+            <a:lvl4pPr marL="1828754" indent="0">
               <a:buNone/>
-              <a:defRPr sz="1267"/>
+              <a:defRPr sz="1333"/>
             </a:lvl4pPr>
-            <a:lvl5pPr marL="2316541" indent="0">
+            <a:lvl5pPr marL="2438339" indent="0">
               <a:buNone/>
-              <a:defRPr sz="1267"/>
+              <a:defRPr sz="1333"/>
             </a:lvl5pPr>
-            <a:lvl6pPr marL="2895676" indent="0">
+            <a:lvl6pPr marL="3047924" indent="0">
               <a:buNone/>
-              <a:defRPr sz="1267"/>
+              <a:defRPr sz="1333"/>
             </a:lvl6pPr>
-            <a:lvl7pPr marL="3474811" indent="0">
+            <a:lvl7pPr marL="3657509" indent="0">
               <a:buNone/>
-              <a:defRPr sz="1267"/>
+              <a:defRPr sz="1333"/>
             </a:lvl7pPr>
-            <a:lvl8pPr marL="4053947" indent="0">
+            <a:lvl8pPr marL="4267093" indent="0">
               <a:buNone/>
-              <a:defRPr sz="1267"/>
+              <a:defRPr sz="1333"/>
             </a:lvl8pPr>
-            <a:lvl9pPr marL="4633082" indent="0">
+            <a:lvl9pPr marL="4876678" indent="0">
               <a:buNone/>
-              <a:defRPr sz="1267"/>
+              <a:defRPr sz="1333"/>
             </a:lvl9pPr>
           </a:lstStyle>
           <a:p>
@@ -2354,7 +2354,7 @@
           <a:p>
             <a:fld id="{9A9588F4-A4CE-45D6-BF9E-2ECB20C17A22}" type="datetimeFigureOut">
               <a:rPr lang="zh-CN" altLang="en-US" smtClean="0"/>
-              <a:t>2017/4/5</a:t>
+              <a:t>2017/4/6</a:t>
             </a:fld>
             <a:endParaRPr lang="zh-CN" altLang="en-US"/>
           </a:p>
@@ -2405,7 +2405,7 @@
     </p:spTree>
     <p:extLst>
       <p:ext uri="{BB962C8B-B14F-4D97-AF65-F5344CB8AC3E}">
-        <p14:creationId xmlns:p14="http://schemas.microsoft.com/office/powerpoint/2010/main" val="3906722648"/>
+        <p14:creationId xmlns:p14="http://schemas.microsoft.com/office/powerpoint/2010/main" val="1484455567"/>
       </p:ext>
     </p:extLst>
   </p:cSld>
@@ -2449,8 +2449,8 @@
         </p:nvSpPr>
         <p:spPr>
           <a:xfrm>
-            <a:off x="838200" y="462494"/>
-            <a:ext cx="10515600" cy="1679046"/>
+            <a:off x="838200" y="774034"/>
+            <a:ext cx="10515600" cy="2810071"/>
           </a:xfrm>
           <a:prstGeom prst="rect">
             <a:avLst/>
@@ -2482,8 +2482,8 @@
         </p:nvSpPr>
         <p:spPr>
           <a:xfrm>
-            <a:off x="838200" y="2312458"/>
-            <a:ext cx="10515600" cy="5511695"/>
+            <a:off x="838200" y="3870156"/>
+            <a:ext cx="10515600" cy="9224434"/>
           </a:xfrm>
           <a:prstGeom prst="rect">
             <a:avLst/>
@@ -2544,8 +2544,8 @@
         </p:nvSpPr>
         <p:spPr>
           <a:xfrm>
-            <a:off x="838200" y="8051378"/>
-            <a:ext cx="2743200" cy="462492"/>
+            <a:off x="838200" y="13474877"/>
+            <a:ext cx="2743200" cy="774031"/>
           </a:xfrm>
           <a:prstGeom prst="rect">
             <a:avLst/>
@@ -2555,7 +2555,7 @@
           <a:bodyPr vert="horz" lIns="91440" tIns="45720" rIns="91440" bIns="45720" rtlCol="0" anchor="ctr"/>
           <a:lstStyle>
             <a:lvl1pPr algn="l">
-              <a:defRPr sz="1520">
+              <a:defRPr sz="1600">
                 <a:solidFill>
                   <a:schemeClr val="tx1">
                     <a:tint val="75000"/>
@@ -2567,7 +2567,7 @@
           <a:p>
             <a:fld id="{9A9588F4-A4CE-45D6-BF9E-2ECB20C17A22}" type="datetimeFigureOut">
               <a:rPr lang="zh-CN" altLang="en-US" smtClean="0"/>
-              <a:t>2017/4/5</a:t>
+              <a:t>2017/4/6</a:t>
             </a:fld>
             <a:endParaRPr lang="zh-CN" altLang="en-US"/>
           </a:p>
@@ -2585,8 +2585,8 @@
         </p:nvSpPr>
         <p:spPr>
           <a:xfrm>
-            <a:off x="4038600" y="8051378"/>
-            <a:ext cx="4114800" cy="462492"/>
+            <a:off x="4038600" y="13474877"/>
+            <a:ext cx="4114800" cy="774031"/>
           </a:xfrm>
           <a:prstGeom prst="rect">
             <a:avLst/>
@@ -2596,7 +2596,7 @@
           <a:bodyPr vert="horz" lIns="91440" tIns="45720" rIns="91440" bIns="45720" rtlCol="0" anchor="ctr"/>
           <a:lstStyle>
             <a:lvl1pPr algn="ctr">
-              <a:defRPr sz="1520">
+              <a:defRPr sz="1600">
                 <a:solidFill>
                   <a:schemeClr val="tx1">
                     <a:tint val="75000"/>
@@ -2622,8 +2622,8 @@
         </p:nvSpPr>
         <p:spPr>
           <a:xfrm>
-            <a:off x="8610600" y="8051378"/>
-            <a:ext cx="2743200" cy="462492"/>
+            <a:off x="8610600" y="13474877"/>
+            <a:ext cx="2743200" cy="774031"/>
           </a:xfrm>
           <a:prstGeom prst="rect">
             <a:avLst/>
@@ -2633,7 +2633,7 @@
           <a:bodyPr vert="horz" lIns="91440" tIns="45720" rIns="91440" bIns="45720" rtlCol="0" anchor="ctr"/>
           <a:lstStyle>
             <a:lvl1pPr algn="r">
-              <a:defRPr sz="1520">
+              <a:defRPr sz="1600">
                 <a:solidFill>
                   <a:schemeClr val="tx1">
                     <a:tint val="75000"/>
@@ -2654,27 +2654,27 @@
     </p:spTree>
     <p:extLst>
       <p:ext uri="{BB962C8B-B14F-4D97-AF65-F5344CB8AC3E}">
-        <p14:creationId xmlns:p14="http://schemas.microsoft.com/office/powerpoint/2010/main" val="2422049696"/>
+        <p14:creationId xmlns:p14="http://schemas.microsoft.com/office/powerpoint/2010/main" val="3415118009"/>
       </p:ext>
     </p:extLst>
   </p:cSld>
   <p:clrMap bg1="lt1" tx1="dk1" bg2="lt2" tx2="dk2" accent1="accent1" accent2="accent2" accent3="accent3" accent4="accent4" accent5="accent5" accent6="accent6" hlink="hlink" folHlink="folHlink"/>
   <p:sldLayoutIdLst>
-    <p:sldLayoutId id="2147483733" r:id="rId1"/>
-    <p:sldLayoutId id="2147483734" r:id="rId2"/>
-    <p:sldLayoutId id="2147483735" r:id="rId3"/>
-    <p:sldLayoutId id="2147483736" r:id="rId4"/>
-    <p:sldLayoutId id="2147483737" r:id="rId5"/>
-    <p:sldLayoutId id="2147483738" r:id="rId6"/>
-    <p:sldLayoutId id="2147483739" r:id="rId7"/>
-    <p:sldLayoutId id="2147483740" r:id="rId8"/>
-    <p:sldLayoutId id="2147483741" r:id="rId9"/>
-    <p:sldLayoutId id="2147483742" r:id="rId10"/>
-    <p:sldLayoutId id="2147483743" r:id="rId11"/>
+    <p:sldLayoutId id="2147483745" r:id="rId1"/>
+    <p:sldLayoutId id="2147483746" r:id="rId2"/>
+    <p:sldLayoutId id="2147483747" r:id="rId3"/>
+    <p:sldLayoutId id="2147483748" r:id="rId4"/>
+    <p:sldLayoutId id="2147483749" r:id="rId5"/>
+    <p:sldLayoutId id="2147483750" r:id="rId6"/>
+    <p:sldLayoutId id="2147483751" r:id="rId7"/>
+    <p:sldLayoutId id="2147483752" r:id="rId8"/>
+    <p:sldLayoutId id="2147483753" r:id="rId9"/>
+    <p:sldLayoutId id="2147483754" r:id="rId10"/>
+    <p:sldLayoutId id="2147483755" r:id="rId11"/>
   </p:sldLayoutIdLst>
   <p:txStyles>
     <p:titleStyle>
-      <a:lvl1pPr algn="l" defTabSz="1158270" rtl="0" eaLnBrk="1" latinLnBrk="0" hangingPunct="1">
+      <a:lvl1pPr algn="l" defTabSz="1219170" rtl="0" eaLnBrk="1" latinLnBrk="0" hangingPunct="1">
         <a:lnSpc>
           <a:spcPct val="90000"/>
         </a:lnSpc>
@@ -2682,7 +2682,7 @@
           <a:spcPct val="0"/>
         </a:spcBef>
         <a:buNone/>
-        <a:defRPr sz="5573" kern="1200">
+        <a:defRPr sz="5867" kern="1200">
           <a:solidFill>
             <a:schemeClr val="tx1"/>
           </a:solidFill>
@@ -2693,16 +2693,16 @@
       </a:lvl1pPr>
     </p:titleStyle>
     <p:bodyStyle>
-      <a:lvl1pPr marL="289568" indent="-289568" algn="l" defTabSz="1158270" rtl="0" eaLnBrk="1" latinLnBrk="0" hangingPunct="1">
+      <a:lvl1pPr marL="304792" indent="-304792" algn="l" defTabSz="1219170" rtl="0" eaLnBrk="1" latinLnBrk="0" hangingPunct="1">
         <a:lnSpc>
           <a:spcPct val="90000"/>
         </a:lnSpc>
         <a:spcBef>
-          <a:spcPts val="1267"/>
+          <a:spcPts val="1333"/>
         </a:spcBef>
         <a:buFont typeface="Arial" panose="020B0604020202020204" pitchFamily="34" charset="0"/>
         <a:buChar char="•"/>
-        <a:defRPr sz="3547" kern="1200">
+        <a:defRPr sz="3733" kern="1200">
           <a:solidFill>
             <a:schemeClr val="tx1"/>
           </a:solidFill>
@@ -2711,16 +2711,16 @@
           <a:cs typeface="+mn-cs"/>
         </a:defRPr>
       </a:lvl1pPr>
-      <a:lvl2pPr marL="868703" indent="-289568" algn="l" defTabSz="1158270" rtl="0" eaLnBrk="1" latinLnBrk="0" hangingPunct="1">
+      <a:lvl2pPr marL="914377" indent="-304792" algn="l" defTabSz="1219170" rtl="0" eaLnBrk="1" latinLnBrk="0" hangingPunct="1">
         <a:lnSpc>
           <a:spcPct val="90000"/>
         </a:lnSpc>
         <a:spcBef>
-          <a:spcPts val="633"/>
+          <a:spcPts val="667"/>
         </a:spcBef>
         <a:buFont typeface="Arial" panose="020B0604020202020204" pitchFamily="34" charset="0"/>
         <a:buChar char="•"/>
-        <a:defRPr sz="3040" kern="1200">
+        <a:defRPr sz="3200" kern="1200">
           <a:solidFill>
             <a:schemeClr val="tx1"/>
           </a:solidFill>
@@ -2729,16 +2729,16 @@
           <a:cs typeface="+mn-cs"/>
         </a:defRPr>
       </a:lvl2pPr>
-      <a:lvl3pPr marL="1447838" indent="-289568" algn="l" defTabSz="1158270" rtl="0" eaLnBrk="1" latinLnBrk="0" hangingPunct="1">
+      <a:lvl3pPr marL="1523962" indent="-304792" algn="l" defTabSz="1219170" rtl="0" eaLnBrk="1" latinLnBrk="0" hangingPunct="1">
         <a:lnSpc>
           <a:spcPct val="90000"/>
         </a:lnSpc>
         <a:spcBef>
-          <a:spcPts val="633"/>
+          <a:spcPts val="667"/>
         </a:spcBef>
         <a:buFont typeface="Arial" panose="020B0604020202020204" pitchFamily="34" charset="0"/>
         <a:buChar char="•"/>
-        <a:defRPr sz="2533" kern="1200">
+        <a:defRPr sz="2667" kern="1200">
           <a:solidFill>
             <a:schemeClr val="tx1"/>
           </a:solidFill>
@@ -2747,16 +2747,16 @@
           <a:cs typeface="+mn-cs"/>
         </a:defRPr>
       </a:lvl3pPr>
-      <a:lvl4pPr marL="2026973" indent="-289568" algn="l" defTabSz="1158270" rtl="0" eaLnBrk="1" latinLnBrk="0" hangingPunct="1">
+      <a:lvl4pPr marL="2133547" indent="-304792" algn="l" defTabSz="1219170" rtl="0" eaLnBrk="1" latinLnBrk="0" hangingPunct="1">
         <a:lnSpc>
           <a:spcPct val="90000"/>
         </a:lnSpc>
         <a:spcBef>
-          <a:spcPts val="633"/>
+          <a:spcPts val="667"/>
         </a:spcBef>
         <a:buFont typeface="Arial" panose="020B0604020202020204" pitchFamily="34" charset="0"/>
         <a:buChar char="•"/>
-        <a:defRPr sz="2280" kern="1200">
+        <a:defRPr sz="2400" kern="1200">
           <a:solidFill>
             <a:schemeClr val="tx1"/>
           </a:solidFill>
@@ -2765,16 +2765,16 @@
           <a:cs typeface="+mn-cs"/>
         </a:defRPr>
       </a:lvl4pPr>
-      <a:lvl5pPr marL="2606109" indent="-289568" algn="l" defTabSz="1158270" rtl="0" eaLnBrk="1" latinLnBrk="0" hangingPunct="1">
+      <a:lvl5pPr marL="2743131" indent="-304792" algn="l" defTabSz="1219170" rtl="0" eaLnBrk="1" latinLnBrk="0" hangingPunct="1">
         <a:lnSpc>
           <a:spcPct val="90000"/>
         </a:lnSpc>
         <a:spcBef>
-          <a:spcPts val="633"/>
+          <a:spcPts val="667"/>
         </a:spcBef>
         <a:buFont typeface="Arial" panose="020B0604020202020204" pitchFamily="34" charset="0"/>
         <a:buChar char="•"/>
-        <a:defRPr sz="2280" kern="1200">
+        <a:defRPr sz="2400" kern="1200">
           <a:solidFill>
             <a:schemeClr val="tx1"/>
           </a:solidFill>
@@ -2783,16 +2783,16 @@
           <a:cs typeface="+mn-cs"/>
         </a:defRPr>
       </a:lvl5pPr>
-      <a:lvl6pPr marL="3185244" indent="-289568" algn="l" defTabSz="1158270" rtl="0" eaLnBrk="1" latinLnBrk="0" hangingPunct="1">
+      <a:lvl6pPr marL="3352716" indent="-304792" algn="l" defTabSz="1219170" rtl="0" eaLnBrk="1" latinLnBrk="0" hangingPunct="1">
         <a:lnSpc>
           <a:spcPct val="90000"/>
         </a:lnSpc>
         <a:spcBef>
-          <a:spcPts val="633"/>
+          <a:spcPts val="667"/>
         </a:spcBef>
         <a:buFont typeface="Arial" panose="020B0604020202020204" pitchFamily="34" charset="0"/>
         <a:buChar char="•"/>
-        <a:defRPr sz="2280" kern="1200">
+        <a:defRPr sz="2400" kern="1200">
           <a:solidFill>
             <a:schemeClr val="tx1"/>
           </a:solidFill>
@@ -2801,16 +2801,16 @@
           <a:cs typeface="+mn-cs"/>
         </a:defRPr>
       </a:lvl6pPr>
-      <a:lvl7pPr marL="3764379" indent="-289568" algn="l" defTabSz="1158270" rtl="0" eaLnBrk="1" latinLnBrk="0" hangingPunct="1">
+      <a:lvl7pPr marL="3962301" indent="-304792" algn="l" defTabSz="1219170" rtl="0" eaLnBrk="1" latinLnBrk="0" hangingPunct="1">
         <a:lnSpc>
           <a:spcPct val="90000"/>
         </a:lnSpc>
         <a:spcBef>
-          <a:spcPts val="633"/>
+          <a:spcPts val="667"/>
         </a:spcBef>
         <a:buFont typeface="Arial" panose="020B0604020202020204" pitchFamily="34" charset="0"/>
         <a:buChar char="•"/>
-        <a:defRPr sz="2280" kern="1200">
+        <a:defRPr sz="2400" kern="1200">
           <a:solidFill>
             <a:schemeClr val="tx1"/>
           </a:solidFill>
@@ -2819,16 +2819,16 @@
           <a:cs typeface="+mn-cs"/>
         </a:defRPr>
       </a:lvl7pPr>
-      <a:lvl8pPr marL="4343514" indent="-289568" algn="l" defTabSz="1158270" rtl="0" eaLnBrk="1" latinLnBrk="0" hangingPunct="1">
+      <a:lvl8pPr marL="4571886" indent="-304792" algn="l" defTabSz="1219170" rtl="0" eaLnBrk="1" latinLnBrk="0" hangingPunct="1">
         <a:lnSpc>
           <a:spcPct val="90000"/>
         </a:lnSpc>
         <a:spcBef>
-          <a:spcPts val="633"/>
+          <a:spcPts val="667"/>
         </a:spcBef>
         <a:buFont typeface="Arial" panose="020B0604020202020204" pitchFamily="34" charset="0"/>
         <a:buChar char="•"/>
-        <a:defRPr sz="2280" kern="1200">
+        <a:defRPr sz="2400" kern="1200">
           <a:solidFill>
             <a:schemeClr val="tx1"/>
           </a:solidFill>
@@ -2837,16 +2837,16 @@
           <a:cs typeface="+mn-cs"/>
         </a:defRPr>
       </a:lvl8pPr>
-      <a:lvl9pPr marL="4922650" indent="-289568" algn="l" defTabSz="1158270" rtl="0" eaLnBrk="1" latinLnBrk="0" hangingPunct="1">
+      <a:lvl9pPr marL="5181470" indent="-304792" algn="l" defTabSz="1219170" rtl="0" eaLnBrk="1" latinLnBrk="0" hangingPunct="1">
         <a:lnSpc>
           <a:spcPct val="90000"/>
         </a:lnSpc>
         <a:spcBef>
-          <a:spcPts val="633"/>
+          <a:spcPts val="667"/>
         </a:spcBef>
         <a:buFont typeface="Arial" panose="020B0604020202020204" pitchFamily="34" charset="0"/>
         <a:buChar char="•"/>
-        <a:defRPr sz="2280" kern="1200">
+        <a:defRPr sz="2400" kern="1200">
           <a:solidFill>
             <a:schemeClr val="tx1"/>
           </a:solidFill>
@@ -2860,8 +2860,8 @@
       <a:defPPr>
         <a:defRPr lang="en-US"/>
       </a:defPPr>
-      <a:lvl1pPr marL="0" algn="l" defTabSz="1158270" rtl="0" eaLnBrk="1" latinLnBrk="0" hangingPunct="1">
-        <a:defRPr sz="2280" kern="1200">
+      <a:lvl1pPr marL="0" algn="l" defTabSz="1219170" rtl="0" eaLnBrk="1" latinLnBrk="0" hangingPunct="1">
+        <a:defRPr sz="2400" kern="1200">
           <a:solidFill>
             <a:schemeClr val="tx1"/>
           </a:solidFill>
@@ -2870,8 +2870,8 @@
           <a:cs typeface="+mn-cs"/>
         </a:defRPr>
       </a:lvl1pPr>
-      <a:lvl2pPr marL="579135" algn="l" defTabSz="1158270" rtl="0" eaLnBrk="1" latinLnBrk="0" hangingPunct="1">
-        <a:defRPr sz="2280" kern="1200">
+      <a:lvl2pPr marL="609585" algn="l" defTabSz="1219170" rtl="0" eaLnBrk="1" latinLnBrk="0" hangingPunct="1">
+        <a:defRPr sz="2400" kern="1200">
           <a:solidFill>
             <a:schemeClr val="tx1"/>
           </a:solidFill>
@@ -2880,8 +2880,8 @@
           <a:cs typeface="+mn-cs"/>
         </a:defRPr>
       </a:lvl2pPr>
-      <a:lvl3pPr marL="1158270" algn="l" defTabSz="1158270" rtl="0" eaLnBrk="1" latinLnBrk="0" hangingPunct="1">
-        <a:defRPr sz="2280" kern="1200">
+      <a:lvl3pPr marL="1219170" algn="l" defTabSz="1219170" rtl="0" eaLnBrk="1" latinLnBrk="0" hangingPunct="1">
+        <a:defRPr sz="2400" kern="1200">
           <a:solidFill>
             <a:schemeClr val="tx1"/>
           </a:solidFill>
@@ -2890,8 +2890,8 @@
           <a:cs typeface="+mn-cs"/>
         </a:defRPr>
       </a:lvl3pPr>
-      <a:lvl4pPr marL="1737406" algn="l" defTabSz="1158270" rtl="0" eaLnBrk="1" latinLnBrk="0" hangingPunct="1">
-        <a:defRPr sz="2280" kern="1200">
+      <a:lvl4pPr marL="1828754" algn="l" defTabSz="1219170" rtl="0" eaLnBrk="1" latinLnBrk="0" hangingPunct="1">
+        <a:defRPr sz="2400" kern="1200">
           <a:solidFill>
             <a:schemeClr val="tx1"/>
           </a:solidFill>
@@ -2900,8 +2900,8 @@
           <a:cs typeface="+mn-cs"/>
         </a:defRPr>
       </a:lvl4pPr>
-      <a:lvl5pPr marL="2316541" algn="l" defTabSz="1158270" rtl="0" eaLnBrk="1" latinLnBrk="0" hangingPunct="1">
-        <a:defRPr sz="2280" kern="1200">
+      <a:lvl5pPr marL="2438339" algn="l" defTabSz="1219170" rtl="0" eaLnBrk="1" latinLnBrk="0" hangingPunct="1">
+        <a:defRPr sz="2400" kern="1200">
           <a:solidFill>
             <a:schemeClr val="tx1"/>
           </a:solidFill>
@@ -2910,8 +2910,8 @@
           <a:cs typeface="+mn-cs"/>
         </a:defRPr>
       </a:lvl5pPr>
-      <a:lvl6pPr marL="2895676" algn="l" defTabSz="1158270" rtl="0" eaLnBrk="1" latinLnBrk="0" hangingPunct="1">
-        <a:defRPr sz="2280" kern="1200">
+      <a:lvl6pPr marL="3047924" algn="l" defTabSz="1219170" rtl="0" eaLnBrk="1" latinLnBrk="0" hangingPunct="1">
+        <a:defRPr sz="2400" kern="1200">
           <a:solidFill>
             <a:schemeClr val="tx1"/>
           </a:solidFill>
@@ -2920,8 +2920,8 @@
           <a:cs typeface="+mn-cs"/>
         </a:defRPr>
       </a:lvl6pPr>
-      <a:lvl7pPr marL="3474811" algn="l" defTabSz="1158270" rtl="0" eaLnBrk="1" latinLnBrk="0" hangingPunct="1">
-        <a:defRPr sz="2280" kern="1200">
+      <a:lvl7pPr marL="3657509" algn="l" defTabSz="1219170" rtl="0" eaLnBrk="1" latinLnBrk="0" hangingPunct="1">
+        <a:defRPr sz="2400" kern="1200">
           <a:solidFill>
             <a:schemeClr val="tx1"/>
           </a:solidFill>
@@ -2930,8 +2930,8 @@
           <a:cs typeface="+mn-cs"/>
         </a:defRPr>
       </a:lvl7pPr>
-      <a:lvl8pPr marL="4053947" algn="l" defTabSz="1158270" rtl="0" eaLnBrk="1" latinLnBrk="0" hangingPunct="1">
-        <a:defRPr sz="2280" kern="1200">
+      <a:lvl8pPr marL="4267093" algn="l" defTabSz="1219170" rtl="0" eaLnBrk="1" latinLnBrk="0" hangingPunct="1">
+        <a:defRPr sz="2400" kern="1200">
           <a:solidFill>
             <a:schemeClr val="tx1"/>
           </a:solidFill>
@@ -2940,8 +2940,8 @@
           <a:cs typeface="+mn-cs"/>
         </a:defRPr>
       </a:lvl8pPr>
-      <a:lvl9pPr marL="4633082" algn="l" defTabSz="1158270" rtl="0" eaLnBrk="1" latinLnBrk="0" hangingPunct="1">
-        <a:defRPr sz="2280" kern="1200">
+      <a:lvl9pPr marL="4876678" algn="l" defTabSz="1219170" rtl="0" eaLnBrk="1" latinLnBrk="0" hangingPunct="1">
+        <a:defRPr sz="2400" kern="1200">
           <a:solidFill>
             <a:schemeClr val="tx1"/>
           </a:solidFill>
@@ -2982,14 +2982,14 @@
             <p:ph idx="1"/>
             <p:extLst>
               <p:ext uri="{D42A27DB-BD31-4B8C-83A1-F6EECF244321}">
-                <p14:modId xmlns:p14="http://schemas.microsoft.com/office/powerpoint/2010/main" val="479003811"/>
+                <p14:modId xmlns:p14="http://schemas.microsoft.com/office/powerpoint/2010/main" val="3390760082"/>
               </p:ext>
             </p:extLst>
           </p:nvPr>
         </p:nvGraphicFramePr>
         <p:xfrm>
-          <a:off x="3" y="-1925950"/>
-          <a:ext cx="12184381" cy="13379116"/>
+          <a:off x="4" y="259584"/>
+          <a:ext cx="12184381" cy="14123582"/>
         </p:xfrm>
         <a:graphic>
           <a:graphicData uri="http://schemas.openxmlformats.org/drawingml/2006/table">
@@ -3001,35 +3001,35 @@
                 <a:gridCol w="371794">
                   <a:extLst>
                     <a:ext uri="{9D8B030D-6E8A-4147-A177-3AD203B41FA5}">
-                      <a16:colId xmlns:a16="http://schemas.microsoft.com/office/drawing/2014/main" xmlns="" val="1495994520"/>
+                      <a16:colId xmlns="" xmlns:a16="http://schemas.microsoft.com/office/drawing/2014/main" val="1495994520"/>
                     </a:ext>
                   </a:extLst>
                 </a:gridCol>
                 <a:gridCol w="4274343">
                   <a:extLst>
                     <a:ext uri="{9D8B030D-6E8A-4147-A177-3AD203B41FA5}">
-                      <a16:colId xmlns:a16="http://schemas.microsoft.com/office/drawing/2014/main" xmlns="" val="1129046455"/>
+                      <a16:colId xmlns="" xmlns:a16="http://schemas.microsoft.com/office/drawing/2014/main" val="1129046455"/>
                     </a:ext>
                   </a:extLst>
                 </a:gridCol>
                 <a:gridCol w="4088288">
                   <a:extLst>
                     <a:ext uri="{9D8B030D-6E8A-4147-A177-3AD203B41FA5}">
-                      <a16:colId xmlns:a16="http://schemas.microsoft.com/office/drawing/2014/main" xmlns="" val="2369603338"/>
+                      <a16:colId xmlns="" xmlns:a16="http://schemas.microsoft.com/office/drawing/2014/main" val="2369603338"/>
                     </a:ext>
                   </a:extLst>
                 </a:gridCol>
                 <a:gridCol w="1794988">
                   <a:extLst>
                     <a:ext uri="{9D8B030D-6E8A-4147-A177-3AD203B41FA5}">
-                      <a16:colId xmlns:a16="http://schemas.microsoft.com/office/drawing/2014/main" xmlns="" val="2935269635"/>
+                      <a16:colId xmlns="" xmlns:a16="http://schemas.microsoft.com/office/drawing/2014/main" val="2935269635"/>
                     </a:ext>
                   </a:extLst>
                 </a:gridCol>
                 <a:gridCol w="1654968">
                   <a:extLst>
                     <a:ext uri="{9D8B030D-6E8A-4147-A177-3AD203B41FA5}">
-                      <a16:colId xmlns:a16="http://schemas.microsoft.com/office/drawing/2014/main" xmlns="" val="3987723325"/>
+                      <a16:colId xmlns="" xmlns:a16="http://schemas.microsoft.com/office/drawing/2014/main" val="3987723325"/>
                     </a:ext>
                   </a:extLst>
                 </a:gridCol>
@@ -3043,14 +3043,14 @@
                       <a:pPr algn="ctr"/>
                       <a:r>
                         <a:rPr lang="en-US" altLang="zh-CN" sz="1100" dirty="0">
-                          <a:latin typeface="Courier New" panose="02070309020205020404" pitchFamily="49" charset="0"/>
-                          <a:cs typeface="Courier New" panose="02070309020205020404" pitchFamily="49" charset="0"/>
+                          <a:latin typeface="Times New Roman" panose="02020603050405020304" pitchFamily="18" charset="0"/>
+                          <a:cs typeface="Times New Roman" panose="02020603050405020304" pitchFamily="18" charset="0"/>
                         </a:rPr>
                         <a:t>#</a:t>
                       </a:r>
                       <a:endParaRPr lang="zh-CN" altLang="en-US" sz="1100" dirty="0">
-                        <a:latin typeface="Courier New" panose="02070309020205020404" pitchFamily="49" charset="0"/>
-                        <a:cs typeface="Courier New" panose="02070309020205020404" pitchFamily="49" charset="0"/>
+                        <a:latin typeface="Times New Roman" panose="02020603050405020304" pitchFamily="18" charset="0"/>
+                        <a:cs typeface="Times New Roman" panose="02020603050405020304" pitchFamily="18" charset="0"/>
                       </a:endParaRPr>
                     </a:p>
                   </a:txBody>
@@ -3064,14 +3064,14 @@
                       <a:pPr algn="ctr"/>
                       <a:r>
                         <a:rPr lang="en-US" altLang="zh-CN" sz="1100" dirty="0">
-                          <a:latin typeface="Courier New" panose="02070309020205020404" pitchFamily="49" charset="0"/>
-                          <a:cs typeface="Courier New" panose="02070309020205020404" pitchFamily="49" charset="0"/>
+                          <a:latin typeface="Times New Roman" panose="02020603050405020304" pitchFamily="18" charset="0"/>
+                          <a:cs typeface="Times New Roman" panose="02020603050405020304" pitchFamily="18" charset="0"/>
                         </a:rPr>
                         <a:t>Source</a:t>
                       </a:r>
                       <a:endParaRPr lang="zh-CN" altLang="en-US" sz="1100" dirty="0">
-                        <a:latin typeface="Courier New" panose="02070309020205020404" pitchFamily="49" charset="0"/>
-                        <a:cs typeface="Courier New" panose="02070309020205020404" pitchFamily="49" charset="0"/>
+                        <a:latin typeface="Times New Roman" panose="02020603050405020304" pitchFamily="18" charset="0"/>
+                        <a:cs typeface="Times New Roman" panose="02020603050405020304" pitchFamily="18" charset="0"/>
                       </a:endParaRPr>
                     </a:p>
                   </a:txBody>
@@ -3096,14 +3096,14 @@
                       <a:pPr marR="0" algn="ctr" rtl="0"/>
                       <a:r>
                         <a:rPr lang="en-US" altLang="zh-CN" sz="1100" dirty="0">
-                          <a:latin typeface="Courier New" panose="02070309020205020404" pitchFamily="49" charset="0"/>
-                          <a:cs typeface="Courier New" panose="02070309020205020404" pitchFamily="49" charset="0"/>
+                          <a:latin typeface="Times New Roman" panose="02020603050405020304" pitchFamily="18" charset="0"/>
+                          <a:cs typeface="Times New Roman" panose="02020603050405020304" pitchFamily="18" charset="0"/>
                         </a:rPr>
                         <a:t>Pattern</a:t>
                       </a:r>
                       <a:endParaRPr lang="zh-CN" altLang="en-US" sz="1100" dirty="0">
-                        <a:latin typeface="Courier New" panose="02070309020205020404" pitchFamily="49" charset="0"/>
-                        <a:cs typeface="Courier New" panose="02070309020205020404" pitchFamily="49" charset="0"/>
+                        <a:latin typeface="Times New Roman" panose="02020603050405020304" pitchFamily="18" charset="0"/>
+                        <a:cs typeface="Times New Roman" panose="02020603050405020304" pitchFamily="18" charset="0"/>
                       </a:endParaRPr>
                     </a:p>
                   </a:txBody>
@@ -3122,7 +3122,7 @@
                 </a:tc>
                 <a:extLst>
                   <a:ext uri="{0D108BD9-81ED-4DB2-BD59-A6C34878D82A}">
-                    <a16:rowId xmlns:a16="http://schemas.microsoft.com/office/drawing/2014/main" xmlns="" val="436986935"/>
+                    <a16:rowId xmlns="" xmlns:a16="http://schemas.microsoft.com/office/drawing/2014/main" val="436986935"/>
                   </a:ext>
                 </a:extLst>
               </a:tr>
@@ -3145,14 +3145,14 @@
                       <a:pPr algn="ctr"/>
                       <a:r>
                         <a:rPr lang="en-US" altLang="zh-CN" sz="1100" b="0" i="0" dirty="0">
-                          <a:latin typeface="Courier New" panose="02070309020205020404" pitchFamily="49" charset="0"/>
-                          <a:cs typeface="Courier New" panose="02070309020205020404" pitchFamily="49" charset="0"/>
+                          <a:latin typeface="Times New Roman" panose="02020603050405020304" pitchFamily="18" charset="0"/>
+                          <a:cs typeface="Times New Roman" panose="02020603050405020304" pitchFamily="18" charset="0"/>
                         </a:rPr>
                         <a:t>Original</a:t>
                       </a:r>
                       <a:endParaRPr lang="zh-CN" altLang="en-US" sz="1100" b="0" i="0" dirty="0">
-                        <a:latin typeface="Courier New" panose="02070309020205020404" pitchFamily="49" charset="0"/>
-                        <a:cs typeface="Courier New" panose="02070309020205020404" pitchFamily="49" charset="0"/>
+                        <a:latin typeface="Times New Roman" panose="02020603050405020304" pitchFamily="18" charset="0"/>
+                        <a:cs typeface="Times New Roman" panose="02020603050405020304" pitchFamily="18" charset="0"/>
                       </a:endParaRPr>
                     </a:p>
                   </a:txBody>
@@ -3166,14 +3166,14 @@
                       <a:pPr algn="ctr"/>
                       <a:r>
                         <a:rPr lang="en-US" altLang="zh-CN" sz="1100" b="0" i="0" dirty="0">
-                          <a:latin typeface="Courier New" panose="02070309020205020404" pitchFamily="49" charset="0"/>
-                          <a:cs typeface="Courier New" panose="02070309020205020404" pitchFamily="49" charset="0"/>
+                          <a:latin typeface="Times New Roman" panose="02020603050405020304" pitchFamily="18" charset="0"/>
+                          <a:cs typeface="Times New Roman" panose="02020603050405020304" pitchFamily="18" charset="0"/>
                         </a:rPr>
                         <a:t>Modified</a:t>
                       </a:r>
                       <a:endParaRPr lang="zh-CN" altLang="en-US" sz="1100" b="0" i="0" dirty="0">
-                        <a:latin typeface="Courier New" panose="02070309020205020404" pitchFamily="49" charset="0"/>
-                        <a:cs typeface="Courier New" panose="02070309020205020404" pitchFamily="49" charset="0"/>
+                        <a:latin typeface="Times New Roman" panose="02020603050405020304" pitchFamily="18" charset="0"/>
+                        <a:cs typeface="Times New Roman" panose="02020603050405020304" pitchFamily="18" charset="0"/>
                       </a:endParaRPr>
                     </a:p>
                   </a:txBody>
@@ -3187,14 +3187,14 @@
                       <a:pPr marR="0" algn="ctr" rtl="0"/>
                       <a:r>
                         <a:rPr lang="en-US" altLang="zh-CN" sz="1100" b="0" i="0" dirty="0">
-                          <a:latin typeface="Courier New" panose="02070309020205020404" pitchFamily="49" charset="0"/>
-                          <a:cs typeface="Courier New" panose="02070309020205020404" pitchFamily="49" charset="0"/>
+                          <a:latin typeface="Times New Roman" panose="02020603050405020304" pitchFamily="18" charset="0"/>
+                          <a:cs typeface="Times New Roman" panose="02020603050405020304" pitchFamily="18" charset="0"/>
                         </a:rPr>
                         <a:t>Original</a:t>
                       </a:r>
                       <a:endParaRPr lang="zh-CN" altLang="en-US" sz="1100" b="0" i="0" dirty="0">
-                        <a:latin typeface="Courier New" panose="02070309020205020404" pitchFamily="49" charset="0"/>
-                        <a:cs typeface="Courier New" panose="02070309020205020404" pitchFamily="49" charset="0"/>
+                        <a:latin typeface="Times New Roman" panose="02020603050405020304" pitchFamily="18" charset="0"/>
+                        <a:cs typeface="Times New Roman" panose="02020603050405020304" pitchFamily="18" charset="0"/>
                       </a:endParaRPr>
                     </a:p>
                   </a:txBody>
@@ -3208,14 +3208,14 @@
                       <a:pPr algn="ctr"/>
                       <a:r>
                         <a:rPr lang="en-US" altLang="zh-CN" sz="1100" b="0" i="0" dirty="0">
-                          <a:latin typeface="Courier New" panose="02070309020205020404" pitchFamily="49" charset="0"/>
-                          <a:cs typeface="Courier New" panose="02070309020205020404" pitchFamily="49" charset="0"/>
+                          <a:latin typeface="Times New Roman" panose="02020603050405020304" pitchFamily="18" charset="0"/>
+                          <a:cs typeface="Times New Roman" panose="02020603050405020304" pitchFamily="18" charset="0"/>
                         </a:rPr>
                         <a:t>Modified</a:t>
                       </a:r>
                       <a:endParaRPr lang="zh-CN" altLang="en-US" sz="1100" b="0" i="0" dirty="0">
-                        <a:latin typeface="Courier New" panose="02070309020205020404" pitchFamily="49" charset="0"/>
-                        <a:cs typeface="Courier New" panose="02070309020205020404" pitchFamily="49" charset="0"/>
+                        <a:latin typeface="Times New Roman" panose="02020603050405020304" pitchFamily="18" charset="0"/>
+                        <a:cs typeface="Times New Roman" panose="02020603050405020304" pitchFamily="18" charset="0"/>
                       </a:endParaRPr>
                     </a:p>
                   </a:txBody>
@@ -3223,7 +3223,7 @@
                 </a:tc>
                 <a:extLst>
                   <a:ext uri="{0D108BD9-81ED-4DB2-BD59-A6C34878D82A}">
-                    <a16:rowId xmlns:a16="http://schemas.microsoft.com/office/drawing/2014/main" xmlns="" val="2327670510"/>
+                    <a16:rowId xmlns="" xmlns:a16="http://schemas.microsoft.com/office/drawing/2014/main" val="2327670510"/>
                   </a:ext>
                 </a:extLst>
               </a:tr>
@@ -3236,14 +3236,14 @@
                       <a:pPr algn="ctr"/>
                       <a:r>
                         <a:rPr lang="en-US" altLang="zh-CN" sz="1100" dirty="0">
-                          <a:latin typeface="Courier New" panose="02070309020205020404" pitchFamily="49" charset="0"/>
-                          <a:cs typeface="Courier New" panose="02070309020205020404" pitchFamily="49" charset="0"/>
+                          <a:latin typeface="Times New Roman" panose="02020603050405020304" pitchFamily="18" charset="0"/>
+                          <a:cs typeface="Times New Roman" panose="02020603050405020304" pitchFamily="18" charset="0"/>
                         </a:rPr>
                         <a:t>1</a:t>
                       </a:r>
                       <a:endParaRPr lang="zh-CN" altLang="en-US" sz="1100" dirty="0">
-                        <a:latin typeface="Courier New" panose="02070309020205020404" pitchFamily="49" charset="0"/>
-                        <a:cs typeface="Courier New" panose="02070309020205020404" pitchFamily="49" charset="0"/>
+                        <a:latin typeface="Times New Roman" panose="02020603050405020304" pitchFamily="18" charset="0"/>
+                        <a:cs typeface="Times New Roman" panose="02020603050405020304" pitchFamily="18" charset="0"/>
                       </a:endParaRPr>
                     </a:p>
                   </a:txBody>
@@ -3896,11 +3896,11 @@
                 </a:tc>
                 <a:extLst>
                   <a:ext uri="{0D108BD9-81ED-4DB2-BD59-A6C34878D82A}">
-                    <a16:rowId xmlns:a16="http://schemas.microsoft.com/office/drawing/2014/main" xmlns="" val="491477770"/>
+                    <a16:rowId xmlns="" xmlns:a16="http://schemas.microsoft.com/office/drawing/2014/main" val="491477770"/>
                   </a:ext>
                 </a:extLst>
               </a:tr>
-              <a:tr h="4422808">
+              <a:tr h="3824550">
                 <a:tc>
                   <a:txBody>
                     <a:bodyPr/>
@@ -3909,14 +3909,14 @@
                       <a:pPr marR="0" algn="ctr" rtl="0"/>
                       <a:r>
                         <a:rPr lang="en-US" altLang="zh-CN" sz="1100" dirty="0">
-                          <a:latin typeface="Courier New" panose="02070309020205020404" pitchFamily="49" charset="0"/>
-                          <a:cs typeface="Courier New" panose="02070309020205020404" pitchFamily="49" charset="0"/>
+                          <a:latin typeface="Times New Roman" panose="02020603050405020304" pitchFamily="18" charset="0"/>
+                          <a:cs typeface="Times New Roman" panose="02020603050405020304" pitchFamily="18" charset="0"/>
                         </a:rPr>
                         <a:t>2</a:t>
                       </a:r>
                       <a:endParaRPr lang="zh-CN" altLang="en-US" sz="1100" dirty="0">
-                        <a:latin typeface="Courier New" panose="02070309020205020404" pitchFamily="49" charset="0"/>
-                        <a:cs typeface="Courier New" panose="02070309020205020404" pitchFamily="49" charset="0"/>
+                        <a:latin typeface="Times New Roman" panose="02020603050405020304" pitchFamily="18" charset="0"/>
+                        <a:cs typeface="Times New Roman" panose="02020603050405020304" pitchFamily="18" charset="0"/>
                       </a:endParaRPr>
                     </a:p>
                   </a:txBody>
@@ -5226,7 +5226,7 @@
                 </a:tc>
                 <a:extLst>
                   <a:ext uri="{0D108BD9-81ED-4DB2-BD59-A6C34878D82A}">
-                    <a16:rowId xmlns:a16="http://schemas.microsoft.com/office/drawing/2014/main" xmlns="" val="2969912682"/>
+                    <a16:rowId xmlns="" xmlns:a16="http://schemas.microsoft.com/office/drawing/2014/main" val="2969912682"/>
                   </a:ext>
                 </a:extLst>
               </a:tr>
@@ -5239,14 +5239,14 @@
                       <a:pPr marR="0" algn="ctr" rtl="0"/>
                       <a:r>
                         <a:rPr lang="en-US" altLang="zh-CN" sz="1100" dirty="0">
-                          <a:latin typeface="Courier New" panose="02070309020205020404" pitchFamily="49" charset="0"/>
-                          <a:cs typeface="Courier New" panose="02070309020205020404" pitchFamily="49" charset="0"/>
+                          <a:latin typeface="Times New Roman" panose="02020603050405020304" pitchFamily="18" charset="0"/>
+                          <a:cs typeface="Times New Roman" panose="02020603050405020304" pitchFamily="18" charset="0"/>
                         </a:rPr>
                         <a:t>3</a:t>
                       </a:r>
                       <a:endParaRPr lang="zh-CN" altLang="en-US" sz="1100" dirty="0">
-                        <a:latin typeface="Courier New" panose="02070309020205020404" pitchFamily="49" charset="0"/>
-                        <a:cs typeface="Courier New" panose="02070309020205020404" pitchFamily="49" charset="0"/>
+                        <a:latin typeface="Times New Roman" panose="02020603050405020304" pitchFamily="18" charset="0"/>
+                        <a:cs typeface="Times New Roman" panose="02020603050405020304" pitchFamily="18" charset="0"/>
                       </a:endParaRPr>
                     </a:p>
                   </a:txBody>
@@ -6236,9 +6236,1325 @@
                 </a:tc>
                 <a:extLst>
                   <a:ext uri="{0D108BD9-81ED-4DB2-BD59-A6C34878D82A}">
-                    <a16:rowId xmlns:a16="http://schemas.microsoft.com/office/drawing/2014/main" xmlns="" val="1325939187"/>
+                    <a16:rowId xmlns="" xmlns:a16="http://schemas.microsoft.com/office/drawing/2014/main" val="1325939187"/>
                   </a:ext>
                 </a:extLst>
+              </a:tr>
+              <a:tr h="691114">
+                <a:tc>
+                  <a:txBody>
+                    <a:bodyPr/>
+                    <a:lstStyle/>
+                    <a:p>
+                      <a:pPr marR="0" algn="ctr" rtl="0"/>
+                      <a:r>
+                        <a:rPr lang="en-US" altLang="zh-CN" sz="1100" dirty="0">
+                          <a:latin typeface="Times New Roman" panose="02020603050405020304" pitchFamily="18" charset="0"/>
+                          <a:cs typeface="Times New Roman" panose="02020603050405020304" pitchFamily="18" charset="0"/>
+                        </a:rPr>
+                        <a:t>5</a:t>
+                      </a:r>
+                      <a:endParaRPr lang="zh-CN" altLang="en-US" sz="1100" dirty="0">
+                        <a:latin typeface="Times New Roman" panose="02020603050405020304" pitchFamily="18" charset="0"/>
+                        <a:cs typeface="Times New Roman" panose="02020603050405020304" pitchFamily="18" charset="0"/>
+                      </a:endParaRPr>
+                    </a:p>
+                  </a:txBody>
+                  <a:tcPr anchor="ctr"/>
+                </a:tc>
+                <a:tc>
+                  <a:txBody>
+                    <a:bodyPr/>
+                    <a:lstStyle/>
+                    <a:p>
+                      <a:pPr marR="0" algn="l" rtl="0"/>
+                      <a:r>
+                        <a:rPr lang="en-US" altLang="zh-CN" sz="1100" dirty="0">
+                          <a:solidFill>
+                            <a:srgbClr val="C00000"/>
+                          </a:solidFill>
+                          <a:latin typeface="Courier New" panose="02070309020205020404" pitchFamily="49" charset="0"/>
+                          <a:cs typeface="Courier New" panose="02070309020205020404" pitchFamily="49" charset="0"/>
+                        </a:rPr>
+                        <a:t>-public </a:t>
+                      </a:r>
+                      <a:r>
+                        <a:rPr lang="en-US" altLang="zh-CN" sz="1100" dirty="0" err="1">
+                          <a:solidFill>
+                            <a:srgbClr val="C00000"/>
+                          </a:solidFill>
+                          <a:latin typeface="Courier New" panose="02070309020205020404" pitchFamily="49" charset="0"/>
+                          <a:cs typeface="Courier New" panose="02070309020205020404" pitchFamily="49" charset="0"/>
+                        </a:rPr>
+                        <a:t>boolean</a:t>
+                      </a:r>
+                      <a:r>
+                        <a:rPr lang="en-US" altLang="zh-CN" sz="1100" dirty="0">
+                          <a:solidFill>
+                            <a:srgbClr val="C00000"/>
+                          </a:solidFill>
+                          <a:latin typeface="Courier New" panose="02070309020205020404" pitchFamily="49" charset="0"/>
+                          <a:cs typeface="Courier New" panose="02070309020205020404" pitchFamily="49" charset="0"/>
+                        </a:rPr>
+                        <a:t> </a:t>
+                      </a:r>
+                      <a:r>
+                        <a:rPr lang="en-US" altLang="zh-CN" sz="1100" dirty="0" err="1">
+                          <a:solidFill>
+                            <a:srgbClr val="C00000"/>
+                          </a:solidFill>
+                          <a:latin typeface="Courier New" panose="02070309020205020404" pitchFamily="49" charset="0"/>
+                          <a:cs typeface="Courier New" panose="02070309020205020404" pitchFamily="49" charset="0"/>
+                        </a:rPr>
+                        <a:t>isAccessed</a:t>
+                      </a:r>
+                      <a:r>
+                        <a:rPr lang="en-US" altLang="zh-CN" sz="1100" dirty="0">
+                          <a:solidFill>
+                            <a:srgbClr val="C00000"/>
+                          </a:solidFill>
+                          <a:latin typeface="Courier New" panose="02070309020205020404" pitchFamily="49" charset="0"/>
+                          <a:cs typeface="Courier New" panose="02070309020205020404" pitchFamily="49" charset="0"/>
+                        </a:rPr>
+                        <a:t>() {</a:t>
+                      </a:r>
+                    </a:p>
+                    <a:p>
+                      <a:pPr marR="0" algn="l" rtl="0"/>
+                      <a:r>
+                        <a:rPr lang="en-US" altLang="zh-CN" sz="1100" dirty="0">
+                          <a:latin typeface="Courier New" panose="02070309020205020404" pitchFamily="49" charset="0"/>
+                          <a:cs typeface="Courier New" panose="02070309020205020404" pitchFamily="49" charset="0"/>
+                        </a:rPr>
+                        <a:t>   return </a:t>
+                      </a:r>
+                      <a:r>
+                        <a:rPr lang="en-US" altLang="zh-CN" sz="1100" dirty="0" err="1">
+                          <a:latin typeface="Courier New" panose="02070309020205020404" pitchFamily="49" charset="0"/>
+                          <a:cs typeface="Courier New" panose="02070309020205020404" pitchFamily="49" charset="0"/>
+                        </a:rPr>
+                        <a:t>this.accessed</a:t>
+                      </a:r>
+                      <a:r>
+                        <a:rPr lang="en-US" altLang="zh-CN" sz="1100" dirty="0">
+                          <a:latin typeface="Courier New" panose="02070309020205020404" pitchFamily="49" charset="0"/>
+                          <a:cs typeface="Courier New" panose="02070309020205020404" pitchFamily="49" charset="0"/>
+                        </a:rPr>
+                        <a:t>;</a:t>
+                      </a:r>
+                    </a:p>
+                    <a:p>
+                      <a:pPr marR="0" algn="l" rtl="0"/>
+                      <a:r>
+                        <a:rPr lang="en-US" altLang="zh-CN" sz="1100" dirty="0">
+                          <a:latin typeface="Courier New" panose="02070309020205020404" pitchFamily="49" charset="0"/>
+                          <a:cs typeface="Courier New" panose="02070309020205020404" pitchFamily="49" charset="0"/>
+                        </a:rPr>
+                        <a:t> }</a:t>
+                      </a:r>
+                    </a:p>
+                  </a:txBody>
+                  <a:tcPr/>
+                </a:tc>
+                <a:tc>
+                  <a:txBody>
+                    <a:bodyPr/>
+                    <a:lstStyle/>
+                    <a:p>
+                      <a:pPr marR="0" algn="l" rtl="0"/>
+                      <a:r>
+                        <a:rPr lang="en-US" altLang="zh-CN" sz="1100" dirty="0">
+                          <a:solidFill>
+                            <a:srgbClr val="0070C0"/>
+                          </a:solidFill>
+                          <a:latin typeface="Courier New" panose="02070309020205020404" pitchFamily="49" charset="0"/>
+                          <a:cs typeface="Courier New" panose="02070309020205020404" pitchFamily="49" charset="0"/>
+                        </a:rPr>
+                        <a:t>+public synchronized </a:t>
+                      </a:r>
+                      <a:r>
+                        <a:rPr lang="en-US" altLang="zh-CN" sz="1100" dirty="0" err="1">
+                          <a:solidFill>
+                            <a:srgbClr val="0070C0"/>
+                          </a:solidFill>
+                          <a:latin typeface="Courier New" panose="02070309020205020404" pitchFamily="49" charset="0"/>
+                          <a:cs typeface="Courier New" panose="02070309020205020404" pitchFamily="49" charset="0"/>
+                        </a:rPr>
+                        <a:t>boolean</a:t>
+                      </a:r>
+                      <a:r>
+                        <a:rPr lang="en-US" altLang="zh-CN" sz="1100" dirty="0">
+                          <a:solidFill>
+                            <a:srgbClr val="0070C0"/>
+                          </a:solidFill>
+                          <a:latin typeface="Courier New" panose="02070309020205020404" pitchFamily="49" charset="0"/>
+                          <a:cs typeface="Courier New" panose="02070309020205020404" pitchFamily="49" charset="0"/>
+                        </a:rPr>
+                        <a:t> </a:t>
+                      </a:r>
+                      <a:r>
+                        <a:rPr lang="en-US" altLang="zh-CN" sz="1100" dirty="0" err="1">
+                          <a:solidFill>
+                            <a:srgbClr val="0070C0"/>
+                          </a:solidFill>
+                          <a:latin typeface="Courier New" panose="02070309020205020404" pitchFamily="49" charset="0"/>
+                          <a:cs typeface="Courier New" panose="02070309020205020404" pitchFamily="49" charset="0"/>
+                        </a:rPr>
+                        <a:t>isAccessed</a:t>
+                      </a:r>
+                      <a:r>
+                        <a:rPr lang="en-US" altLang="zh-CN" sz="1100" dirty="0">
+                          <a:solidFill>
+                            <a:srgbClr val="0070C0"/>
+                          </a:solidFill>
+                          <a:latin typeface="Courier New" panose="02070309020205020404" pitchFamily="49" charset="0"/>
+                          <a:cs typeface="Courier New" panose="02070309020205020404" pitchFamily="49" charset="0"/>
+                        </a:rPr>
+                        <a:t>() {</a:t>
+                      </a:r>
+                    </a:p>
+                    <a:p>
+                      <a:pPr marR="0" algn="l" rtl="0"/>
+                      <a:r>
+                        <a:rPr lang="en-US" altLang="zh-CN" sz="1100" dirty="0">
+                          <a:latin typeface="Courier New" panose="02070309020205020404" pitchFamily="49" charset="0"/>
+                          <a:cs typeface="Courier New" panose="02070309020205020404" pitchFamily="49" charset="0"/>
+                        </a:rPr>
+                        <a:t>   return </a:t>
+                      </a:r>
+                      <a:r>
+                        <a:rPr lang="en-US" altLang="zh-CN" sz="1100" dirty="0" err="1">
+                          <a:latin typeface="Courier New" panose="02070309020205020404" pitchFamily="49" charset="0"/>
+                          <a:cs typeface="Courier New" panose="02070309020205020404" pitchFamily="49" charset="0"/>
+                        </a:rPr>
+                        <a:t>this.accessed</a:t>
+                      </a:r>
+                      <a:r>
+                        <a:rPr lang="en-US" altLang="zh-CN" sz="1100" dirty="0">
+                          <a:latin typeface="Courier New" panose="02070309020205020404" pitchFamily="49" charset="0"/>
+                          <a:cs typeface="Courier New" panose="02070309020205020404" pitchFamily="49" charset="0"/>
+                        </a:rPr>
+                        <a:t>;</a:t>
+                      </a:r>
+                    </a:p>
+                    <a:p>
+                      <a:pPr marR="0" algn="l" rtl="0"/>
+                      <a:r>
+                        <a:rPr lang="en-US" altLang="zh-CN" sz="1100" dirty="0">
+                          <a:latin typeface="Courier New" panose="02070309020205020404" pitchFamily="49" charset="0"/>
+                          <a:cs typeface="Courier New" panose="02070309020205020404" pitchFamily="49" charset="0"/>
+                        </a:rPr>
+                        <a:t> }</a:t>
+                      </a:r>
+                      <a:endParaRPr lang="zh-CN" altLang="en-US" sz="1100" dirty="0">
+                        <a:latin typeface="Courier New" panose="02070309020205020404" pitchFamily="49" charset="0"/>
+                        <a:cs typeface="Courier New" panose="02070309020205020404" pitchFamily="49" charset="0"/>
+                      </a:endParaRPr>
+                    </a:p>
+                  </a:txBody>
+                  <a:tcPr/>
+                </a:tc>
+                <a:tc>
+                  <a:txBody>
+                    <a:bodyPr/>
+                    <a:lstStyle/>
+                    <a:p>
+                      <a:pPr marR="0" algn="l" rtl="0"/>
+                      <a:r>
+                        <a:rPr lang="en-US" altLang="zh-CN" sz="1100" dirty="0">
+                          <a:latin typeface="Courier New" panose="02070309020205020404" pitchFamily="49" charset="0"/>
+                          <a:cs typeface="Courier New" panose="02070309020205020404" pitchFamily="49" charset="0"/>
+                        </a:rPr>
+                        <a:t>void foo() {</a:t>
+                      </a:r>
+                    </a:p>
+                    <a:p>
+                      <a:pPr marR="0" algn="l" rtl="0"/>
+                      <a:r>
+                        <a:rPr lang="en-US" altLang="zh-CN" sz="1100" dirty="0">
+                          <a:latin typeface="Courier New" panose="02070309020205020404" pitchFamily="49" charset="0"/>
+                          <a:cs typeface="Courier New" panose="02070309020205020404" pitchFamily="49" charset="0"/>
+                        </a:rPr>
+                        <a:t>  ...</a:t>
+                      </a:r>
+                    </a:p>
+                    <a:p>
+                      <a:pPr marR="0" algn="l" rtl="0"/>
+                      <a:r>
+                        <a:rPr lang="en-US" altLang="zh-CN" sz="1100" dirty="0">
+                          <a:latin typeface="Courier New" panose="02070309020205020404" pitchFamily="49" charset="0"/>
+                          <a:cs typeface="Courier New" panose="02070309020205020404" pitchFamily="49" charset="0"/>
+                        </a:rPr>
+                        <a:t>}</a:t>
+                      </a:r>
+                      <a:endParaRPr lang="zh-CN" altLang="en-US" sz="1100" dirty="0">
+                        <a:latin typeface="Courier New" panose="02070309020205020404" pitchFamily="49" charset="0"/>
+                        <a:cs typeface="Courier New" panose="02070309020205020404" pitchFamily="49" charset="0"/>
+                      </a:endParaRPr>
+                    </a:p>
+                  </a:txBody>
+                  <a:tcPr anchor="ctr"/>
+                </a:tc>
+                <a:tc>
+                  <a:txBody>
+                    <a:bodyPr/>
+                    <a:lstStyle/>
+                    <a:p>
+                      <a:pPr marR="0" algn="l" rtl="0"/>
+                      <a:r>
+                        <a:rPr lang="en-US" altLang="zh-CN" sz="1100" dirty="0">
+                          <a:latin typeface="Courier New" panose="02070309020205020404" pitchFamily="49" charset="0"/>
+                          <a:cs typeface="Courier New" panose="02070309020205020404" pitchFamily="49" charset="0"/>
+                        </a:rPr>
+                        <a:t>synchronized void foo() {</a:t>
+                      </a:r>
+                    </a:p>
+                    <a:p>
+                      <a:pPr marR="0" algn="l" rtl="0"/>
+                      <a:r>
+                        <a:rPr lang="en-US" altLang="zh-CN" sz="1100" dirty="0">
+                          <a:latin typeface="Courier New" panose="02070309020205020404" pitchFamily="49" charset="0"/>
+                          <a:cs typeface="Courier New" panose="02070309020205020404" pitchFamily="49" charset="0"/>
+                        </a:rPr>
+                        <a:t>  ...</a:t>
+                      </a:r>
+                    </a:p>
+                    <a:p>
+                      <a:pPr marR="0" algn="l" rtl="0"/>
+                      <a:r>
+                        <a:rPr lang="en-US" altLang="zh-CN" sz="1100" dirty="0">
+                          <a:latin typeface="Courier New" panose="02070309020205020404" pitchFamily="49" charset="0"/>
+                          <a:cs typeface="Courier New" panose="02070309020205020404" pitchFamily="49" charset="0"/>
+                        </a:rPr>
+                        <a:t>}</a:t>
+                      </a:r>
+                      <a:endParaRPr lang="zh-CN" altLang="en-US" sz="1100" dirty="0">
+                        <a:latin typeface="Courier New" panose="02070309020205020404" pitchFamily="49" charset="0"/>
+                        <a:cs typeface="Courier New" panose="02070309020205020404" pitchFamily="49" charset="0"/>
+                      </a:endParaRPr>
+                    </a:p>
+                  </a:txBody>
+                  <a:tcPr anchor="ctr"/>
+                </a:tc>
+              </a:tr>
+              <a:tr h="691114">
+                <a:tc>
+                  <a:txBody>
+                    <a:bodyPr/>
+                    <a:lstStyle/>
+                    <a:p>
+                      <a:pPr marR="0" algn="ctr" rtl="0"/>
+                      <a:r>
+                        <a:rPr lang="en-US" altLang="zh-CN" sz="1100" dirty="0">
+                          <a:latin typeface="Times New Roman" panose="02020603050405020304" pitchFamily="18" charset="0"/>
+                          <a:cs typeface="Times New Roman" panose="02020603050405020304" pitchFamily="18" charset="0"/>
+                        </a:rPr>
+                        <a:t>6</a:t>
+                      </a:r>
+                      <a:endParaRPr lang="zh-CN" altLang="en-US" sz="1100" dirty="0">
+                        <a:latin typeface="Times New Roman" panose="02020603050405020304" pitchFamily="18" charset="0"/>
+                        <a:cs typeface="Times New Roman" panose="02020603050405020304" pitchFamily="18" charset="0"/>
+                      </a:endParaRPr>
+                    </a:p>
+                  </a:txBody>
+                  <a:tcPr anchor="ctr"/>
+                </a:tc>
+                <a:tc>
+                  <a:txBody>
+                    <a:bodyPr/>
+                    <a:lstStyle/>
+                    <a:p>
+                      <a:pPr marR="0" algn="l" rtl="0"/>
+                      <a:r>
+                        <a:rPr lang="en-US" altLang="zh-CN" sz="1100" dirty="0">
+                          <a:solidFill>
+                            <a:srgbClr val="C00000"/>
+                          </a:solidFill>
+                          <a:latin typeface="Courier New" panose="02070309020205020404" pitchFamily="49" charset="0"/>
+                          <a:cs typeface="Courier New" panose="02070309020205020404" pitchFamily="49" charset="0"/>
+                        </a:rPr>
+                        <a:t>-synchronized (</a:t>
+                      </a:r>
+                      <a:r>
+                        <a:rPr lang="en-US" altLang="zh-CN" sz="1100" dirty="0" err="1">
+                          <a:solidFill>
+                            <a:srgbClr val="C00000"/>
+                          </a:solidFill>
+                          <a:latin typeface="Courier New" panose="02070309020205020404" pitchFamily="49" charset="0"/>
+                          <a:cs typeface="Courier New" panose="02070309020205020404" pitchFamily="49" charset="0"/>
+                        </a:rPr>
+                        <a:t>this.channelLookup</a:t>
+                      </a:r>
+                      <a:r>
+                        <a:rPr lang="en-US" altLang="zh-CN" sz="1100" dirty="0">
+                          <a:solidFill>
+                            <a:srgbClr val="C00000"/>
+                          </a:solidFill>
+                          <a:latin typeface="Courier New" panose="02070309020205020404" pitchFamily="49" charset="0"/>
+                          <a:cs typeface="Courier New" panose="02070309020205020404" pitchFamily="49" charset="0"/>
+                        </a:rPr>
+                        <a:t>) {</a:t>
+                      </a:r>
+                    </a:p>
+                    <a:p>
+                      <a:pPr marR="0" algn="l" rtl="0"/>
+                      <a:r>
+                        <a:rPr lang="en-US" altLang="zh-CN" sz="1100" dirty="0">
+                          <a:solidFill>
+                            <a:srgbClr val="C00000"/>
+                          </a:solidFill>
+                          <a:latin typeface="Courier New" panose="02070309020205020404" pitchFamily="49" charset="0"/>
+                          <a:cs typeface="Courier New" panose="02070309020205020404" pitchFamily="49" charset="0"/>
+                        </a:rPr>
+                        <a:t>-  try{</a:t>
+                      </a:r>
+                    </a:p>
+                    <a:p>
+                      <a:pPr marL="0" marR="0" indent="0" algn="l" rtl="0">
+                        <a:buFontTx/>
+                        <a:buNone/>
+                      </a:pPr>
+                      <a:r>
+                        <a:rPr lang="en-US" altLang="zh-CN" sz="1100" dirty="0">
+                          <a:latin typeface="Courier New" panose="02070309020205020404" pitchFamily="49" charset="0"/>
+                          <a:cs typeface="Courier New" panose="02070309020205020404" pitchFamily="49" charset="0"/>
+                        </a:rPr>
+                        <a:t>     </a:t>
+                      </a:r>
+                      <a:r>
+                        <a:rPr lang="en-US" altLang="zh-CN" sz="1100" dirty="0" err="1">
+                          <a:latin typeface="Courier New" panose="02070309020205020404" pitchFamily="49" charset="0"/>
+                          <a:cs typeface="Courier New" panose="02070309020205020404" pitchFamily="49" charset="0"/>
+                        </a:rPr>
+                        <a:t>lookupResponse</a:t>
+                      </a:r>
+                      <a:r>
+                        <a:rPr lang="en-US" altLang="zh-CN" sz="1100" dirty="0">
+                          <a:latin typeface="Courier New" panose="02070309020205020404" pitchFamily="49" charset="0"/>
+                          <a:cs typeface="Courier New" panose="02070309020205020404" pitchFamily="49" charset="0"/>
+                        </a:rPr>
+                        <a:t> = </a:t>
+                      </a:r>
+                      <a:r>
+                        <a:rPr lang="en-US" altLang="zh-CN" sz="1100" dirty="0" err="1">
+                          <a:latin typeface="Courier New" panose="02070309020205020404" pitchFamily="49" charset="0"/>
+                          <a:cs typeface="Courier New" panose="02070309020205020404" pitchFamily="49" charset="0"/>
+                        </a:rPr>
+                        <a:t>AkkaUtils</a:t>
+                      </a:r>
+                      <a:r>
+                        <a:rPr lang="en-US" altLang="zh-CN" sz="1100" dirty="0">
+                          <a:latin typeface="Courier New" panose="02070309020205020404" pitchFamily="49" charset="0"/>
+                          <a:cs typeface="Courier New" panose="02070309020205020404" pitchFamily="49" charset="0"/>
+                        </a:rPr>
+                        <a:t>. &lt;</a:t>
+                      </a:r>
+                      <a:r>
+                        <a:rPr lang="en-US" altLang="zh-CN" sz="1100" dirty="0" err="1">
+                          <a:latin typeface="Courier New" panose="02070309020205020404" pitchFamily="49" charset="0"/>
+                          <a:cs typeface="Courier New" panose="02070309020205020404" pitchFamily="49" charset="0"/>
+                        </a:rPr>
+                        <a:t>JobManagerMessages.ConnectionInformation</a:t>
+                      </a:r>
+                      <a:r>
+                        <a:rPr lang="en-US" altLang="zh-CN" sz="1100" dirty="0">
+                          <a:latin typeface="Courier New" panose="02070309020205020404" pitchFamily="49" charset="0"/>
+                          <a:cs typeface="Courier New" panose="02070309020205020404" pitchFamily="49" charset="0"/>
+                        </a:rPr>
+                        <a:t>&gt;ask(</a:t>
+                      </a:r>
+                      <a:r>
+                        <a:rPr lang="en-US" altLang="zh-CN" sz="1100" dirty="0" err="1">
+                          <a:latin typeface="Courier New" panose="02070309020205020404" pitchFamily="49" charset="0"/>
+                          <a:cs typeface="Courier New" panose="02070309020205020404" pitchFamily="49" charset="0"/>
+                        </a:rPr>
+                        <a:t>channelLookup</a:t>
+                      </a:r>
+                      <a:r>
+                        <a:rPr lang="en-US" altLang="zh-CN" sz="1100" dirty="0">
+                          <a:latin typeface="Courier New" panose="02070309020205020404" pitchFamily="49" charset="0"/>
+                          <a:cs typeface="Courier New" panose="02070309020205020404" pitchFamily="49" charset="0"/>
+                        </a:rPr>
+                        <a:t>, new </a:t>
+                      </a:r>
+                      <a:r>
+                        <a:rPr lang="en-US" altLang="zh-CN" sz="1100" dirty="0" err="1">
+                          <a:latin typeface="Courier New" panose="02070309020205020404" pitchFamily="49" charset="0"/>
+                          <a:cs typeface="Courier New" panose="02070309020205020404" pitchFamily="49" charset="0"/>
+                        </a:rPr>
+                        <a:t>JobManagerMessages.LookupConnectionInformation</a:t>
+                      </a:r>
+                      <a:r>
+                        <a:rPr lang="en-US" altLang="zh-CN" sz="1100" dirty="0">
+                          <a:latin typeface="Courier New" panose="02070309020205020404" pitchFamily="49" charset="0"/>
+                          <a:cs typeface="Courier New" panose="02070309020205020404" pitchFamily="49" charset="0"/>
+                        </a:rPr>
+                        <a:t>(</a:t>
+                      </a:r>
+                      <a:r>
+                        <a:rPr lang="en-US" altLang="zh-CN" sz="1100" dirty="0" err="1">
+                          <a:latin typeface="Courier New" panose="02070309020205020404" pitchFamily="49" charset="0"/>
+                          <a:cs typeface="Courier New" panose="02070309020205020404" pitchFamily="49" charset="0"/>
+                        </a:rPr>
+                        <a:t>connectionInfo</a:t>
+                      </a:r>
+                      <a:r>
+                        <a:rPr lang="en-US" altLang="zh-CN" sz="1100" dirty="0">
+                          <a:latin typeface="Courier New" panose="02070309020205020404" pitchFamily="49" charset="0"/>
+                          <a:cs typeface="Courier New" panose="02070309020205020404" pitchFamily="49" charset="0"/>
+                        </a:rPr>
+                        <a:t>, </a:t>
+                      </a:r>
+                      <a:r>
+                        <a:rPr lang="en-US" altLang="zh-CN" sz="1100" dirty="0" err="1">
+                          <a:latin typeface="Courier New" panose="02070309020205020404" pitchFamily="49" charset="0"/>
+                          <a:cs typeface="Courier New" panose="02070309020205020404" pitchFamily="49" charset="0"/>
+                        </a:rPr>
+                        <a:t>jobID</a:t>
+                      </a:r>
+                      <a:r>
+                        <a:rPr lang="en-US" altLang="zh-CN" sz="1100" dirty="0">
+                          <a:latin typeface="Courier New" panose="02070309020205020404" pitchFamily="49" charset="0"/>
+                          <a:cs typeface="Courier New" panose="02070309020205020404" pitchFamily="49" charset="0"/>
+                        </a:rPr>
+                        <a:t>, </a:t>
+                      </a:r>
+                      <a:r>
+                        <a:rPr lang="en-US" altLang="zh-CN" sz="1100" dirty="0" err="1">
+                          <a:latin typeface="Courier New" panose="02070309020205020404" pitchFamily="49" charset="0"/>
+                          <a:cs typeface="Courier New" panose="02070309020205020404" pitchFamily="49" charset="0"/>
+                        </a:rPr>
+                        <a:t>sourceChannelID</a:t>
+                      </a:r>
+                      <a:r>
+                        <a:rPr lang="en-US" altLang="zh-CN" sz="1100" dirty="0">
+                          <a:latin typeface="Courier New" panose="02070309020205020404" pitchFamily="49" charset="0"/>
+                          <a:cs typeface="Courier New" panose="02070309020205020404" pitchFamily="49" charset="0"/>
+                        </a:rPr>
+                        <a:t>), timeout).response();</a:t>
+                      </a:r>
+                    </a:p>
+                    <a:p>
+                      <a:pPr marR="0" algn="l" rtl="0"/>
+                      <a:r>
+                        <a:rPr lang="en-US" altLang="zh-CN" sz="1100" dirty="0">
+                          <a:solidFill>
+                            <a:srgbClr val="C00000"/>
+                          </a:solidFill>
+                          <a:latin typeface="Courier New" panose="02070309020205020404" pitchFamily="49" charset="0"/>
+                          <a:cs typeface="Courier New" panose="02070309020205020404" pitchFamily="49" charset="0"/>
+                        </a:rPr>
+                        <a:t>-  }catch(</a:t>
+                      </a:r>
+                      <a:r>
+                        <a:rPr lang="en-US" altLang="zh-CN" sz="1100" dirty="0" err="1">
+                          <a:solidFill>
+                            <a:srgbClr val="C00000"/>
+                          </a:solidFill>
+                          <a:latin typeface="Courier New" panose="02070309020205020404" pitchFamily="49" charset="0"/>
+                          <a:cs typeface="Courier New" panose="02070309020205020404" pitchFamily="49" charset="0"/>
+                        </a:rPr>
+                        <a:t>IOException</a:t>
+                      </a:r>
+                      <a:r>
+                        <a:rPr lang="en-US" altLang="zh-CN" sz="1100" dirty="0">
+                          <a:solidFill>
+                            <a:srgbClr val="C00000"/>
+                          </a:solidFill>
+                          <a:latin typeface="Courier New" panose="02070309020205020404" pitchFamily="49" charset="0"/>
+                          <a:cs typeface="Courier New" panose="02070309020205020404" pitchFamily="49" charset="0"/>
+                        </a:rPr>
+                        <a:t> </a:t>
+                      </a:r>
+                      <a:r>
+                        <a:rPr lang="en-US" altLang="zh-CN" sz="1100" dirty="0" err="1">
+                          <a:solidFill>
+                            <a:srgbClr val="C00000"/>
+                          </a:solidFill>
+                          <a:latin typeface="Courier New" panose="02070309020205020404" pitchFamily="49" charset="0"/>
+                          <a:cs typeface="Courier New" panose="02070309020205020404" pitchFamily="49" charset="0"/>
+                        </a:rPr>
+                        <a:t>ioe</a:t>
+                      </a:r>
+                      <a:r>
+                        <a:rPr lang="en-US" altLang="zh-CN" sz="1100" dirty="0">
+                          <a:solidFill>
+                            <a:srgbClr val="C00000"/>
+                          </a:solidFill>
+                          <a:latin typeface="Courier New" panose="02070309020205020404" pitchFamily="49" charset="0"/>
+                          <a:cs typeface="Courier New" panose="02070309020205020404" pitchFamily="49" charset="0"/>
+                        </a:rPr>
+                        <a:t>) {</a:t>
+                      </a:r>
+                    </a:p>
+                    <a:p>
+                      <a:pPr marR="0" algn="l" rtl="0"/>
+                      <a:r>
+                        <a:rPr lang="en-US" altLang="zh-CN" sz="1100" dirty="0">
+                          <a:solidFill>
+                            <a:srgbClr val="C00000"/>
+                          </a:solidFill>
+                          <a:latin typeface="Courier New" panose="02070309020205020404" pitchFamily="49" charset="0"/>
+                          <a:cs typeface="Courier New" panose="02070309020205020404" pitchFamily="49" charset="0"/>
+                        </a:rPr>
+                        <a:t>-    throw </a:t>
+                      </a:r>
+                      <a:r>
+                        <a:rPr lang="en-US" altLang="zh-CN" sz="1100" dirty="0" err="1">
+                          <a:solidFill>
+                            <a:srgbClr val="C00000"/>
+                          </a:solidFill>
+                          <a:latin typeface="Courier New" panose="02070309020205020404" pitchFamily="49" charset="0"/>
+                          <a:cs typeface="Courier New" panose="02070309020205020404" pitchFamily="49" charset="0"/>
+                        </a:rPr>
+                        <a:t>ioe</a:t>
+                      </a:r>
+                      <a:r>
+                        <a:rPr lang="en-US" altLang="zh-CN" sz="1100" dirty="0">
+                          <a:solidFill>
+                            <a:srgbClr val="C00000"/>
+                          </a:solidFill>
+                          <a:latin typeface="Courier New" panose="02070309020205020404" pitchFamily="49" charset="0"/>
+                          <a:cs typeface="Courier New" panose="02070309020205020404" pitchFamily="49" charset="0"/>
+                        </a:rPr>
+                        <a:t>;</a:t>
+                      </a:r>
+                    </a:p>
+                    <a:p>
+                      <a:pPr marR="0" algn="l" rtl="0"/>
+                      <a:r>
+                        <a:rPr lang="en-US" altLang="zh-CN" sz="1100" dirty="0">
+                          <a:solidFill>
+                            <a:srgbClr val="C00000"/>
+                          </a:solidFill>
+                          <a:latin typeface="Courier New" panose="02070309020205020404" pitchFamily="49" charset="0"/>
+                          <a:cs typeface="Courier New" panose="02070309020205020404" pitchFamily="49" charset="0"/>
+                        </a:rPr>
+                        <a:t>-  }</a:t>
+                      </a:r>
+                    </a:p>
+                    <a:p>
+                      <a:pPr marR="0" algn="l" rtl="0"/>
+                      <a:r>
+                        <a:rPr lang="en-US" altLang="zh-CN" sz="1100" dirty="0">
+                          <a:solidFill>
+                            <a:srgbClr val="C00000"/>
+                          </a:solidFill>
+                          <a:latin typeface="Courier New" panose="02070309020205020404" pitchFamily="49" charset="0"/>
+                          <a:cs typeface="Courier New" panose="02070309020205020404" pitchFamily="49" charset="0"/>
+                        </a:rPr>
+                        <a:t>-}</a:t>
+                      </a:r>
+                    </a:p>
+                  </a:txBody>
+                  <a:tcPr/>
+                </a:tc>
+                <a:tc>
+                  <a:txBody>
+                    <a:bodyPr/>
+                    <a:lstStyle/>
+                    <a:p>
+                      <a:pPr marL="0" marR="0" indent="0" algn="l" rtl="0">
+                        <a:buFontTx/>
+                        <a:buNone/>
+                      </a:pPr>
+                      <a:endParaRPr lang="en-US" altLang="zh-CN" sz="1100" dirty="0">
+                        <a:latin typeface="Courier New" panose="02070309020205020404" pitchFamily="49" charset="0"/>
+                        <a:cs typeface="Courier New" panose="02070309020205020404" pitchFamily="49" charset="0"/>
+                      </a:endParaRPr>
+                    </a:p>
+                    <a:p>
+                      <a:pPr marL="0" marR="0" indent="0" algn="l" rtl="0">
+                        <a:buFontTx/>
+                        <a:buNone/>
+                      </a:pPr>
+                      <a:endParaRPr lang="en-US" altLang="zh-CN" sz="1100" dirty="0">
+                        <a:latin typeface="Courier New" panose="02070309020205020404" pitchFamily="49" charset="0"/>
+                        <a:cs typeface="Courier New" panose="02070309020205020404" pitchFamily="49" charset="0"/>
+                      </a:endParaRPr>
+                    </a:p>
+                    <a:p>
+                      <a:pPr marL="0" marR="0" indent="0" algn="l" rtl="0">
+                        <a:buFontTx/>
+                        <a:buNone/>
+                      </a:pPr>
+                      <a:r>
+                        <a:rPr lang="en-US" altLang="zh-CN" sz="1100" dirty="0" err="1">
+                          <a:latin typeface="Courier New" panose="02070309020205020404" pitchFamily="49" charset="0"/>
+                          <a:cs typeface="Courier New" panose="02070309020205020404" pitchFamily="49" charset="0"/>
+                        </a:rPr>
+                        <a:t>lookupResponse</a:t>
+                      </a:r>
+                      <a:r>
+                        <a:rPr lang="en-US" altLang="zh-CN" sz="1100" dirty="0">
+                          <a:latin typeface="Courier New" panose="02070309020205020404" pitchFamily="49" charset="0"/>
+                          <a:cs typeface="Courier New" panose="02070309020205020404" pitchFamily="49" charset="0"/>
+                        </a:rPr>
+                        <a:t> = </a:t>
+                      </a:r>
+                      <a:r>
+                        <a:rPr lang="en-US" altLang="zh-CN" sz="1100" dirty="0" err="1">
+                          <a:latin typeface="Courier New" panose="02070309020205020404" pitchFamily="49" charset="0"/>
+                          <a:cs typeface="Courier New" panose="02070309020205020404" pitchFamily="49" charset="0"/>
+                        </a:rPr>
+                        <a:t>AkkaUtils</a:t>
+                      </a:r>
+                      <a:r>
+                        <a:rPr lang="en-US" altLang="zh-CN" sz="1100" dirty="0">
+                          <a:latin typeface="Courier New" panose="02070309020205020404" pitchFamily="49" charset="0"/>
+                          <a:cs typeface="Courier New" panose="02070309020205020404" pitchFamily="49" charset="0"/>
+                        </a:rPr>
+                        <a:t>. &lt;</a:t>
+                      </a:r>
+                      <a:r>
+                        <a:rPr lang="en-US" altLang="zh-CN" sz="1100" dirty="0" err="1">
+                          <a:latin typeface="Courier New" panose="02070309020205020404" pitchFamily="49" charset="0"/>
+                          <a:cs typeface="Courier New" panose="02070309020205020404" pitchFamily="49" charset="0"/>
+                        </a:rPr>
+                        <a:t>JobManagerMessages.ConnectionInformation</a:t>
+                      </a:r>
+                      <a:r>
+                        <a:rPr lang="en-US" altLang="zh-CN" sz="1100" dirty="0">
+                          <a:latin typeface="Courier New" panose="02070309020205020404" pitchFamily="49" charset="0"/>
+                          <a:cs typeface="Courier New" panose="02070309020205020404" pitchFamily="49" charset="0"/>
+                        </a:rPr>
+                        <a:t>&gt;ask(</a:t>
+                      </a:r>
+                      <a:r>
+                        <a:rPr lang="en-US" altLang="zh-CN" sz="1100" dirty="0" err="1">
+                          <a:latin typeface="Courier New" panose="02070309020205020404" pitchFamily="49" charset="0"/>
+                          <a:cs typeface="Courier New" panose="02070309020205020404" pitchFamily="49" charset="0"/>
+                        </a:rPr>
+                        <a:t>channelLookup</a:t>
+                      </a:r>
+                      <a:r>
+                        <a:rPr lang="en-US" altLang="zh-CN" sz="1100" dirty="0">
+                          <a:latin typeface="Courier New" panose="02070309020205020404" pitchFamily="49" charset="0"/>
+                          <a:cs typeface="Courier New" panose="02070309020205020404" pitchFamily="49" charset="0"/>
+                        </a:rPr>
+                        <a:t>, new </a:t>
+                      </a:r>
+                      <a:r>
+                        <a:rPr lang="en-US" altLang="zh-CN" sz="1100" dirty="0" err="1">
+                          <a:latin typeface="Courier New" panose="02070309020205020404" pitchFamily="49" charset="0"/>
+                          <a:cs typeface="Courier New" panose="02070309020205020404" pitchFamily="49" charset="0"/>
+                        </a:rPr>
+                        <a:t>JobManagerMessages.LookupConnectionInformation</a:t>
+                      </a:r>
+                      <a:r>
+                        <a:rPr lang="en-US" altLang="zh-CN" sz="1100" dirty="0">
+                          <a:latin typeface="Courier New" panose="02070309020205020404" pitchFamily="49" charset="0"/>
+                          <a:cs typeface="Courier New" panose="02070309020205020404" pitchFamily="49" charset="0"/>
+                        </a:rPr>
+                        <a:t>(  </a:t>
+                      </a:r>
+                      <a:r>
+                        <a:rPr lang="en-US" altLang="zh-CN" sz="1100" dirty="0" err="1">
+                          <a:latin typeface="Courier New" panose="02070309020205020404" pitchFamily="49" charset="0"/>
+                          <a:cs typeface="Courier New" panose="02070309020205020404" pitchFamily="49" charset="0"/>
+                        </a:rPr>
+                        <a:t>connectionInfo</a:t>
+                      </a:r>
+                      <a:r>
+                        <a:rPr lang="en-US" altLang="zh-CN" sz="1100" dirty="0">
+                          <a:latin typeface="Courier New" panose="02070309020205020404" pitchFamily="49" charset="0"/>
+                          <a:cs typeface="Courier New" panose="02070309020205020404" pitchFamily="49" charset="0"/>
+                        </a:rPr>
+                        <a:t>, </a:t>
+                      </a:r>
+                      <a:r>
+                        <a:rPr lang="en-US" altLang="zh-CN" sz="1100" dirty="0" err="1">
+                          <a:latin typeface="Courier New" panose="02070309020205020404" pitchFamily="49" charset="0"/>
+                          <a:cs typeface="Courier New" panose="02070309020205020404" pitchFamily="49" charset="0"/>
+                        </a:rPr>
+                        <a:t>jobID</a:t>
+                      </a:r>
+                      <a:r>
+                        <a:rPr lang="en-US" altLang="zh-CN" sz="1100" dirty="0">
+                          <a:latin typeface="Courier New" panose="02070309020205020404" pitchFamily="49" charset="0"/>
+                          <a:cs typeface="Courier New" panose="02070309020205020404" pitchFamily="49" charset="0"/>
+                        </a:rPr>
+                        <a:t>, </a:t>
+                      </a:r>
+                      <a:r>
+                        <a:rPr lang="en-US" altLang="zh-CN" sz="1100" dirty="0" err="1">
+                          <a:latin typeface="Courier New" panose="02070309020205020404" pitchFamily="49" charset="0"/>
+                          <a:cs typeface="Courier New" panose="02070309020205020404" pitchFamily="49" charset="0"/>
+                        </a:rPr>
+                        <a:t>sourceChannelID</a:t>
+                      </a:r>
+                      <a:r>
+                        <a:rPr lang="en-US" altLang="zh-CN" sz="1100" dirty="0">
+                          <a:latin typeface="Courier New" panose="02070309020205020404" pitchFamily="49" charset="0"/>
+                          <a:cs typeface="Courier New" panose="02070309020205020404" pitchFamily="49" charset="0"/>
+                        </a:rPr>
+                        <a:t>), timeout).response();</a:t>
+                      </a:r>
+                    </a:p>
+                  </a:txBody>
+                  <a:tcPr/>
+                </a:tc>
+                <a:tc>
+                  <a:txBody>
+                    <a:bodyPr/>
+                    <a:lstStyle/>
+                    <a:p>
+                      <a:pPr marR="0" algn="l" rtl="0"/>
+                      <a:r>
+                        <a:rPr lang="en-US" altLang="zh-CN" sz="1100" dirty="0">
+                          <a:latin typeface="Courier New" panose="02070309020205020404" pitchFamily="49" charset="0"/>
+                          <a:cs typeface="Courier New" panose="02070309020205020404" pitchFamily="49" charset="0"/>
+                        </a:rPr>
+                        <a:t>synchronized (</a:t>
+                      </a:r>
+                      <a:r>
+                        <a:rPr lang="en-US" altLang="zh-CN" sz="1100" dirty="0" err="1">
+                          <a:latin typeface="Courier New" panose="02070309020205020404" pitchFamily="49" charset="0"/>
+                          <a:cs typeface="Courier New" panose="02070309020205020404" pitchFamily="49" charset="0"/>
+                        </a:rPr>
+                        <a:t>obj</a:t>
+                      </a:r>
+                      <a:r>
+                        <a:rPr lang="en-US" altLang="zh-CN" sz="1100" dirty="0">
+                          <a:latin typeface="Courier New" panose="02070309020205020404" pitchFamily="49" charset="0"/>
+                          <a:cs typeface="Courier New" panose="02070309020205020404" pitchFamily="49" charset="0"/>
+                        </a:rPr>
+                        <a:t>) {</a:t>
+                      </a:r>
+                    </a:p>
+                    <a:p>
+                      <a:pPr marR="0" algn="l" rtl="0"/>
+                      <a:r>
+                        <a:rPr lang="en-US" altLang="zh-CN" sz="1100" dirty="0">
+                          <a:latin typeface="Courier New" panose="02070309020205020404" pitchFamily="49" charset="0"/>
+                          <a:cs typeface="Courier New" panose="02070309020205020404" pitchFamily="49" charset="0"/>
+                        </a:rPr>
+                        <a:t>  ...</a:t>
+                      </a:r>
+                    </a:p>
+                    <a:p>
+                      <a:pPr marR="0" algn="l" rtl="0"/>
+                      <a:r>
+                        <a:rPr lang="en-US" altLang="zh-CN" sz="1100" dirty="0">
+                          <a:latin typeface="Courier New" panose="02070309020205020404" pitchFamily="49" charset="0"/>
+                          <a:cs typeface="Courier New" panose="02070309020205020404" pitchFamily="49" charset="0"/>
+                        </a:rPr>
+                        <a:t>}</a:t>
+                      </a:r>
+                      <a:endParaRPr lang="zh-CN" altLang="en-US" sz="1100" dirty="0">
+                        <a:latin typeface="Courier New" panose="02070309020205020404" pitchFamily="49" charset="0"/>
+                        <a:cs typeface="Courier New" panose="02070309020205020404" pitchFamily="49" charset="0"/>
+                      </a:endParaRPr>
+                    </a:p>
+                  </a:txBody>
+                  <a:tcPr anchor="ctr"/>
+                </a:tc>
+                <a:tc>
+                  <a:txBody>
+                    <a:bodyPr/>
+                    <a:lstStyle/>
+                    <a:p>
+                      <a:pPr marR="0" algn="l" rtl="0"/>
+                      <a:r>
+                        <a:rPr lang="en-US" altLang="zh-CN" sz="1100" dirty="0">
+                          <a:latin typeface="Courier New" panose="02070309020205020404" pitchFamily="49" charset="0"/>
+                          <a:cs typeface="Courier New" panose="02070309020205020404" pitchFamily="49" charset="0"/>
+                        </a:rPr>
+                        <a:t>...</a:t>
+                      </a:r>
+                      <a:endParaRPr lang="zh-CN" altLang="en-US" sz="1100" dirty="0">
+                        <a:latin typeface="Courier New" panose="02070309020205020404" pitchFamily="49" charset="0"/>
+                        <a:cs typeface="Courier New" panose="02070309020205020404" pitchFamily="49" charset="0"/>
+                      </a:endParaRPr>
+                    </a:p>
+                  </a:txBody>
+                  <a:tcPr anchor="ctr"/>
+                </a:tc>
+              </a:tr>
+              <a:tr h="691114">
+                <a:tc>
+                  <a:txBody>
+                    <a:bodyPr/>
+                    <a:lstStyle/>
+                    <a:p>
+                      <a:pPr marR="0" algn="ctr" rtl="0"/>
+                      <a:r>
+                        <a:rPr lang="en-US" altLang="zh-CN" sz="1100" dirty="0">
+                          <a:latin typeface="Courier New" panose="02070309020205020404" pitchFamily="49" charset="0"/>
+                          <a:cs typeface="Courier New" panose="02070309020205020404" pitchFamily="49" charset="0"/>
+                        </a:rPr>
+                        <a:t>8</a:t>
+                      </a:r>
+                      <a:endParaRPr lang="zh-CN" altLang="en-US" sz="1100" dirty="0">
+                        <a:latin typeface="Courier New" panose="02070309020205020404" pitchFamily="49" charset="0"/>
+                        <a:cs typeface="Courier New" panose="02070309020205020404" pitchFamily="49" charset="0"/>
+                      </a:endParaRPr>
+                    </a:p>
+                  </a:txBody>
+                  <a:tcPr anchor="ctr"/>
+                </a:tc>
+                <a:tc>
+                  <a:txBody>
+                    <a:bodyPr/>
+                    <a:lstStyle/>
+                    <a:p>
+                      <a:pPr marR="0" algn="l" rtl="0"/>
+                      <a:r>
+                        <a:rPr lang="en-US" altLang="zh-CN" sz="1100" dirty="0">
+                          <a:solidFill>
+                            <a:schemeClr val="tx1"/>
+                          </a:solidFill>
+                          <a:latin typeface="Courier New" panose="02070309020205020404" pitchFamily="49" charset="0"/>
+                          <a:cs typeface="Courier New" panose="02070309020205020404" pitchFamily="49" charset="0"/>
+                        </a:rPr>
+                        <a:t> synchronized (buffers) {</a:t>
+                      </a:r>
+                    </a:p>
+                    <a:p>
+                      <a:pPr marR="0" algn="l" rtl="0"/>
+                      <a:r>
+                        <a:rPr lang="en-US" altLang="zh-CN" sz="1100" dirty="0">
+                          <a:solidFill>
+                            <a:schemeClr val="tx1"/>
+                          </a:solidFill>
+                          <a:latin typeface="Courier New" panose="02070309020205020404" pitchFamily="49" charset="0"/>
+                          <a:cs typeface="Courier New" panose="02070309020205020404" pitchFamily="49" charset="0"/>
+                        </a:rPr>
+                        <a:t>   if (...) {</a:t>
+                      </a:r>
+                    </a:p>
+                    <a:p>
+                      <a:pPr marR="0" algn="l" rtl="0"/>
+                      <a:r>
+                        <a:rPr lang="en-US" altLang="zh-CN" sz="1100" dirty="0">
+                          <a:solidFill>
+                            <a:srgbClr val="C00000"/>
+                          </a:solidFill>
+                          <a:latin typeface="Courier New" panose="02070309020205020404" pitchFamily="49" charset="0"/>
+                          <a:cs typeface="Courier New" panose="02070309020205020404" pitchFamily="49" charset="0"/>
+                        </a:rPr>
+                        <a:t>-    if (</a:t>
+                      </a:r>
+                      <a:r>
+                        <a:rPr lang="en-US" altLang="zh-CN" sz="1100" dirty="0" err="1">
+                          <a:solidFill>
+                            <a:srgbClr val="C00000"/>
+                          </a:solidFill>
+                          <a:latin typeface="Courier New" panose="02070309020205020404" pitchFamily="49" charset="0"/>
+                          <a:cs typeface="Courier New" panose="02070309020205020404" pitchFamily="49" charset="0"/>
+                        </a:rPr>
+                        <a:t>spillWriter</a:t>
+                      </a:r>
+                      <a:r>
+                        <a:rPr lang="en-US" altLang="zh-CN" sz="1100" dirty="0">
+                          <a:solidFill>
+                            <a:srgbClr val="C00000"/>
+                          </a:solidFill>
+                          <a:latin typeface="Courier New" panose="02070309020205020404" pitchFamily="49" charset="0"/>
+                          <a:cs typeface="Courier New" panose="02070309020205020404" pitchFamily="49" charset="0"/>
+                        </a:rPr>
+                        <a:t> != null) {</a:t>
+                      </a:r>
+                    </a:p>
+                    <a:p>
+                      <a:pPr marR="0" algn="l" rtl="0"/>
+                      <a:r>
+                        <a:rPr lang="en-US" altLang="zh-CN" sz="1100" dirty="0">
+                          <a:solidFill>
+                            <a:srgbClr val="C00000"/>
+                          </a:solidFill>
+                          <a:latin typeface="Courier New" panose="02070309020205020404" pitchFamily="49" charset="0"/>
+                          <a:cs typeface="Courier New" panose="02070309020205020404" pitchFamily="49" charset="0"/>
+                        </a:rPr>
+                        <a:t>-      </a:t>
+                      </a:r>
+                      <a:r>
+                        <a:rPr lang="en-US" altLang="zh-CN" sz="1100" dirty="0" err="1">
+                          <a:solidFill>
+                            <a:srgbClr val="C00000"/>
+                          </a:solidFill>
+                          <a:latin typeface="Courier New" panose="02070309020205020404" pitchFamily="49" charset="0"/>
+                          <a:cs typeface="Courier New" panose="02070309020205020404" pitchFamily="49" charset="0"/>
+                        </a:rPr>
+                        <a:t>spillWriter.close</a:t>
+                      </a:r>
+                      <a:r>
+                        <a:rPr lang="en-US" altLang="zh-CN" sz="1100" dirty="0">
+                          <a:solidFill>
+                            <a:srgbClr val="C00000"/>
+                          </a:solidFill>
+                          <a:latin typeface="Courier New" panose="02070309020205020404" pitchFamily="49" charset="0"/>
+                          <a:cs typeface="Courier New" panose="02070309020205020404" pitchFamily="49" charset="0"/>
+                        </a:rPr>
+                        <a:t>();</a:t>
+                      </a:r>
+                    </a:p>
+                    <a:p>
+                      <a:pPr marR="0" algn="l" rtl="0"/>
+                      <a:r>
+                        <a:rPr lang="en-US" altLang="zh-CN" sz="1100" dirty="0">
+                          <a:solidFill>
+                            <a:srgbClr val="C00000"/>
+                          </a:solidFill>
+                          <a:latin typeface="Courier New" panose="02070309020205020404" pitchFamily="49" charset="0"/>
+                          <a:cs typeface="Courier New" panose="02070309020205020404" pitchFamily="49" charset="0"/>
+                        </a:rPr>
+                        <a:t>-    }</a:t>
+                      </a:r>
+                    </a:p>
+                    <a:p>
+                      <a:pPr marR="0" algn="l" rtl="0"/>
+                      <a:r>
+                        <a:rPr lang="en-US" altLang="zh-CN" sz="1100" dirty="0">
+                          <a:solidFill>
+                            <a:schemeClr val="tx1"/>
+                          </a:solidFill>
+                          <a:latin typeface="Courier New" panose="02070309020205020404" pitchFamily="49" charset="0"/>
+                          <a:cs typeface="Courier New" panose="02070309020205020404" pitchFamily="49" charset="0"/>
+                        </a:rPr>
+                        <a:t>     </a:t>
+                      </a:r>
+                      <a:r>
+                        <a:rPr lang="en-US" altLang="zh-CN" sz="1100" dirty="0" err="1">
+                          <a:solidFill>
+                            <a:schemeClr val="tx1"/>
+                          </a:solidFill>
+                          <a:latin typeface="Courier New" panose="02070309020205020404" pitchFamily="49" charset="0"/>
+                          <a:cs typeface="Courier New" panose="02070309020205020404" pitchFamily="49" charset="0"/>
+                        </a:rPr>
+                        <a:t>isFinished</a:t>
+                      </a:r>
+                      <a:r>
+                        <a:rPr lang="en-US" altLang="zh-CN" sz="1100" dirty="0">
+                          <a:solidFill>
+                            <a:schemeClr val="tx1"/>
+                          </a:solidFill>
+                          <a:latin typeface="Courier New" panose="02070309020205020404" pitchFamily="49" charset="0"/>
+                          <a:cs typeface="Courier New" panose="02070309020205020404" pitchFamily="49" charset="0"/>
+                        </a:rPr>
+                        <a:t> = true;</a:t>
+                      </a:r>
+                    </a:p>
+                    <a:p>
+                      <a:pPr marR="0" algn="l" rtl="0"/>
+                      <a:r>
+                        <a:rPr lang="en-US" altLang="zh-CN" sz="1100" dirty="0">
+                          <a:solidFill>
+                            <a:schemeClr val="tx1"/>
+                          </a:solidFill>
+                          <a:latin typeface="Courier New" panose="02070309020205020404" pitchFamily="49" charset="0"/>
+                          <a:cs typeface="Courier New" panose="02070309020205020404" pitchFamily="49" charset="0"/>
+                        </a:rPr>
+                        <a:t>   }</a:t>
+                      </a:r>
+                    </a:p>
+                    <a:p>
+                      <a:pPr marR="0" algn="l" rtl="0"/>
+                      <a:r>
+                        <a:rPr lang="en-US" altLang="zh-CN" sz="1100" dirty="0">
+                          <a:solidFill>
+                            <a:schemeClr val="tx1"/>
+                          </a:solidFill>
+                          <a:latin typeface="Courier New" panose="02070309020205020404" pitchFamily="49" charset="0"/>
+                          <a:cs typeface="Courier New" panose="02070309020205020404" pitchFamily="49" charset="0"/>
+                        </a:rPr>
+                        <a:t> }</a:t>
+                      </a:r>
+                    </a:p>
+                  </a:txBody>
+                  <a:tcPr/>
+                </a:tc>
+                <a:tc>
+                  <a:txBody>
+                    <a:bodyPr/>
+                    <a:lstStyle/>
+                    <a:p>
+                      <a:pPr marR="0" algn="l" rtl="0"/>
+                      <a:r>
+                        <a:rPr lang="en-US" altLang="zh-CN" sz="1100" dirty="0">
+                          <a:latin typeface="Courier New" panose="02070309020205020404" pitchFamily="49" charset="0"/>
+                          <a:cs typeface="Courier New" panose="02070309020205020404" pitchFamily="49" charset="0"/>
+                        </a:rPr>
+                        <a:t> synchronized (buffers) {</a:t>
+                      </a:r>
+                    </a:p>
+                    <a:p>
+                      <a:pPr marR="0" algn="l" rtl="0"/>
+                      <a:r>
+                        <a:rPr lang="en-US" altLang="zh-CN" sz="1100" dirty="0">
+                          <a:latin typeface="Courier New" panose="02070309020205020404" pitchFamily="49" charset="0"/>
+                          <a:cs typeface="Courier New" panose="02070309020205020404" pitchFamily="49" charset="0"/>
+                        </a:rPr>
+                        <a:t>   if (...) {</a:t>
+                      </a:r>
+                    </a:p>
+                    <a:p>
+                      <a:pPr marR="0" algn="l" rtl="0"/>
+                      <a:r>
+                        <a:rPr lang="en-US" altLang="zh-CN" sz="1100" dirty="0">
+                          <a:latin typeface="Courier New" panose="02070309020205020404" pitchFamily="49" charset="0"/>
+                          <a:cs typeface="Courier New" panose="02070309020205020404" pitchFamily="49" charset="0"/>
+                        </a:rPr>
+                        <a:t>     </a:t>
+                      </a:r>
+                      <a:r>
+                        <a:rPr lang="en-US" altLang="zh-CN" sz="1100" dirty="0" err="1">
+                          <a:latin typeface="Courier New" panose="02070309020205020404" pitchFamily="49" charset="0"/>
+                          <a:cs typeface="Courier New" panose="02070309020205020404" pitchFamily="49" charset="0"/>
+                        </a:rPr>
+                        <a:t>isFinished</a:t>
+                      </a:r>
+                      <a:r>
+                        <a:rPr lang="en-US" altLang="zh-CN" sz="1100" dirty="0">
+                          <a:latin typeface="Courier New" panose="02070309020205020404" pitchFamily="49" charset="0"/>
+                          <a:cs typeface="Courier New" panose="02070309020205020404" pitchFamily="49" charset="0"/>
+                        </a:rPr>
+                        <a:t> = true;</a:t>
+                      </a:r>
+                    </a:p>
+                    <a:p>
+                      <a:pPr marR="0" algn="l" rtl="0"/>
+                      <a:r>
+                        <a:rPr lang="en-US" altLang="zh-CN" sz="1100" dirty="0">
+                          <a:latin typeface="Courier New" panose="02070309020205020404" pitchFamily="49" charset="0"/>
+                          <a:cs typeface="Courier New" panose="02070309020205020404" pitchFamily="49" charset="0"/>
+                        </a:rPr>
+                        <a:t>   }</a:t>
+                      </a:r>
+                    </a:p>
+                    <a:p>
+                      <a:pPr marR="0" algn="l" rtl="0"/>
+                      <a:r>
+                        <a:rPr lang="en-US" altLang="zh-CN" sz="1100" dirty="0">
+                          <a:latin typeface="Courier New" panose="02070309020205020404" pitchFamily="49" charset="0"/>
+                          <a:cs typeface="Courier New" panose="02070309020205020404" pitchFamily="49" charset="0"/>
+                        </a:rPr>
+                        <a:t> }</a:t>
+                      </a:r>
+                    </a:p>
+                    <a:p>
+                      <a:pPr marR="0" algn="l" rtl="0"/>
+                      <a:r>
+                        <a:rPr lang="en-US" altLang="zh-CN" sz="1100" dirty="0">
+                          <a:solidFill>
+                            <a:srgbClr val="0070C0"/>
+                          </a:solidFill>
+                          <a:latin typeface="Courier New" panose="02070309020205020404" pitchFamily="49" charset="0"/>
+                          <a:cs typeface="Courier New" panose="02070309020205020404" pitchFamily="49" charset="0"/>
+                        </a:rPr>
+                        <a:t>+if (</a:t>
+                      </a:r>
+                      <a:r>
+                        <a:rPr lang="en-US" altLang="zh-CN" sz="1100" dirty="0" err="1">
+                          <a:solidFill>
+                            <a:srgbClr val="0070C0"/>
+                          </a:solidFill>
+                          <a:latin typeface="Courier New" panose="02070309020205020404" pitchFamily="49" charset="0"/>
+                          <a:cs typeface="Courier New" panose="02070309020205020404" pitchFamily="49" charset="0"/>
+                        </a:rPr>
+                        <a:t>spillWriter</a:t>
+                      </a:r>
+                      <a:r>
+                        <a:rPr lang="en-US" altLang="zh-CN" sz="1100" dirty="0">
+                          <a:solidFill>
+                            <a:srgbClr val="0070C0"/>
+                          </a:solidFill>
+                          <a:latin typeface="Courier New" panose="02070309020205020404" pitchFamily="49" charset="0"/>
+                          <a:cs typeface="Courier New" panose="02070309020205020404" pitchFamily="49" charset="0"/>
+                        </a:rPr>
+                        <a:t> != null) {</a:t>
+                      </a:r>
+                    </a:p>
+                    <a:p>
+                      <a:pPr marR="0" algn="l" rtl="0"/>
+                      <a:r>
+                        <a:rPr lang="en-US" altLang="zh-CN" sz="1100" dirty="0">
+                          <a:solidFill>
+                            <a:srgbClr val="0070C0"/>
+                          </a:solidFill>
+                          <a:latin typeface="Courier New" panose="02070309020205020404" pitchFamily="49" charset="0"/>
+                          <a:cs typeface="Courier New" panose="02070309020205020404" pitchFamily="49" charset="0"/>
+                        </a:rPr>
+                        <a:t>+  </a:t>
+                      </a:r>
+                      <a:r>
+                        <a:rPr lang="en-US" altLang="zh-CN" sz="1100" dirty="0" err="1">
+                          <a:solidFill>
+                            <a:srgbClr val="0070C0"/>
+                          </a:solidFill>
+                          <a:latin typeface="Courier New" panose="02070309020205020404" pitchFamily="49" charset="0"/>
+                          <a:cs typeface="Courier New" panose="02070309020205020404" pitchFamily="49" charset="0"/>
+                        </a:rPr>
+                        <a:t>spillWriter.close</a:t>
+                      </a:r>
+                      <a:r>
+                        <a:rPr lang="en-US" altLang="zh-CN" sz="1100" dirty="0">
+                          <a:solidFill>
+                            <a:srgbClr val="0070C0"/>
+                          </a:solidFill>
+                          <a:latin typeface="Courier New" panose="02070309020205020404" pitchFamily="49" charset="0"/>
+                          <a:cs typeface="Courier New" panose="02070309020205020404" pitchFamily="49" charset="0"/>
+                        </a:rPr>
+                        <a:t>();</a:t>
+                      </a:r>
+                    </a:p>
+                    <a:p>
+                      <a:pPr marR="0" algn="l" rtl="0"/>
+                      <a:r>
+                        <a:rPr lang="en-US" altLang="zh-CN" sz="1100" dirty="0">
+                          <a:solidFill>
+                            <a:srgbClr val="0070C0"/>
+                          </a:solidFill>
+                          <a:latin typeface="Courier New" panose="02070309020205020404" pitchFamily="49" charset="0"/>
+                          <a:cs typeface="Courier New" panose="02070309020205020404" pitchFamily="49" charset="0"/>
+                        </a:rPr>
+                        <a:t>+}</a:t>
+                      </a:r>
+                    </a:p>
+                  </a:txBody>
+                  <a:tcPr/>
+                </a:tc>
+                <a:tc>
+                  <a:txBody>
+                    <a:bodyPr/>
+                    <a:lstStyle/>
+                    <a:p>
+                      <a:pPr marR="0" algn="l" rtl="0"/>
+                      <a:r>
+                        <a:rPr lang="en-US" altLang="zh-CN" sz="1100" dirty="0">
+                          <a:latin typeface="Courier New" panose="02070309020205020404" pitchFamily="49" charset="0"/>
+                          <a:cs typeface="Courier New" panose="02070309020205020404" pitchFamily="49" charset="0"/>
+                        </a:rPr>
+                        <a:t>synchronized (</a:t>
+                      </a:r>
+                      <a:r>
+                        <a:rPr lang="en-US" altLang="zh-CN" sz="1100" dirty="0" err="1">
+                          <a:latin typeface="Courier New" panose="02070309020205020404" pitchFamily="49" charset="0"/>
+                          <a:cs typeface="Courier New" panose="02070309020205020404" pitchFamily="49" charset="0"/>
+                        </a:rPr>
+                        <a:t>obj</a:t>
+                      </a:r>
+                      <a:r>
+                        <a:rPr lang="en-US" altLang="zh-CN" sz="1100" dirty="0">
+                          <a:latin typeface="Courier New" panose="02070309020205020404" pitchFamily="49" charset="0"/>
+                          <a:cs typeface="Courier New" panose="02070309020205020404" pitchFamily="49" charset="0"/>
+                        </a:rPr>
+                        <a:t>) {</a:t>
+                      </a:r>
+                    </a:p>
+                    <a:p>
+                      <a:pPr marR="0" algn="l" rtl="0"/>
+                      <a:r>
+                        <a:rPr lang="en-US" altLang="zh-CN" sz="1100" dirty="0">
+                          <a:latin typeface="Courier New" panose="02070309020205020404" pitchFamily="49" charset="0"/>
+                          <a:cs typeface="Courier New" panose="02070309020205020404" pitchFamily="49" charset="0"/>
+                        </a:rPr>
+                        <a:t>  statements1</a:t>
+                      </a:r>
+                    </a:p>
+                    <a:p>
+                      <a:pPr marR="0" algn="l" rtl="0"/>
+                      <a:r>
+                        <a:rPr lang="en-US" altLang="zh-CN" sz="1100" dirty="0">
+                          <a:latin typeface="Courier New" panose="02070309020205020404" pitchFamily="49" charset="0"/>
+                          <a:cs typeface="Courier New" panose="02070309020205020404" pitchFamily="49" charset="0"/>
+                        </a:rPr>
+                        <a:t>  statements2</a:t>
+                      </a:r>
+                    </a:p>
+                    <a:p>
+                      <a:pPr marR="0" algn="l" rtl="0"/>
+                      <a:r>
+                        <a:rPr lang="en-US" altLang="zh-CN" sz="1100" dirty="0">
+                          <a:latin typeface="Courier New" panose="02070309020205020404" pitchFamily="49" charset="0"/>
+                          <a:cs typeface="Courier New" panose="02070309020205020404" pitchFamily="49" charset="0"/>
+                        </a:rPr>
+                        <a:t>}</a:t>
+                      </a:r>
+                      <a:endParaRPr lang="zh-CN" altLang="en-US" sz="1100" dirty="0">
+                        <a:latin typeface="Courier New" panose="02070309020205020404" pitchFamily="49" charset="0"/>
+                        <a:cs typeface="Courier New" panose="02070309020205020404" pitchFamily="49" charset="0"/>
+                      </a:endParaRPr>
+                    </a:p>
+                  </a:txBody>
+                  <a:tcPr anchor="ctr"/>
+                </a:tc>
+                <a:tc>
+                  <a:txBody>
+                    <a:bodyPr/>
+                    <a:lstStyle/>
+                    <a:p>
+                      <a:pPr marR="0" algn="l" rtl="0"/>
+                      <a:r>
+                        <a:rPr lang="en-US" altLang="zh-CN" sz="1100" dirty="0">
+                          <a:latin typeface="Courier New" panose="02070309020205020404" pitchFamily="49" charset="0"/>
+                          <a:cs typeface="Courier New" panose="02070309020205020404" pitchFamily="49" charset="0"/>
+                        </a:rPr>
+                        <a:t>synchronized (</a:t>
+                      </a:r>
+                      <a:r>
+                        <a:rPr lang="en-US" altLang="zh-CN" sz="1100" dirty="0" err="1">
+                          <a:latin typeface="Courier New" panose="02070309020205020404" pitchFamily="49" charset="0"/>
+                          <a:cs typeface="Courier New" panose="02070309020205020404" pitchFamily="49" charset="0"/>
+                        </a:rPr>
+                        <a:t>obj</a:t>
+                      </a:r>
+                      <a:r>
+                        <a:rPr lang="en-US" altLang="zh-CN" sz="1100" dirty="0">
+                          <a:latin typeface="Courier New" panose="02070309020205020404" pitchFamily="49" charset="0"/>
+                          <a:cs typeface="Courier New" panose="02070309020205020404" pitchFamily="49" charset="0"/>
+                        </a:rPr>
+                        <a:t>) {</a:t>
+                      </a:r>
+                    </a:p>
+                    <a:p>
+                      <a:pPr marR="0" algn="l" rtl="0"/>
+                      <a:r>
+                        <a:rPr lang="en-US" altLang="zh-CN" sz="1100" dirty="0">
+                          <a:latin typeface="Courier New" panose="02070309020205020404" pitchFamily="49" charset="0"/>
+                          <a:cs typeface="Courier New" panose="02070309020205020404" pitchFamily="49" charset="0"/>
+                        </a:rPr>
+                        <a:t>  </a:t>
+                      </a:r>
+                      <a:r>
+                        <a:rPr lang="en-US" altLang="zh-CN" sz="1100" dirty="0" smtClean="0">
+                          <a:latin typeface="Courier New" panose="02070309020205020404" pitchFamily="49" charset="0"/>
+                          <a:cs typeface="Courier New" panose="02070309020205020404" pitchFamily="49" charset="0"/>
+                        </a:rPr>
+                        <a:t>statements2</a:t>
+                      </a:r>
+                      <a:endParaRPr lang="en-US" altLang="zh-CN" sz="1100" dirty="0">
+                        <a:latin typeface="Courier New" panose="02070309020205020404" pitchFamily="49" charset="0"/>
+                        <a:cs typeface="Courier New" panose="02070309020205020404" pitchFamily="49" charset="0"/>
+                      </a:endParaRPr>
+                    </a:p>
+                    <a:p>
+                      <a:pPr marR="0" algn="l" rtl="0"/>
+                      <a:r>
+                        <a:rPr lang="en-US" altLang="zh-CN" sz="1100" dirty="0">
+                          <a:latin typeface="Courier New" panose="02070309020205020404" pitchFamily="49" charset="0"/>
+                          <a:cs typeface="Courier New" panose="02070309020205020404" pitchFamily="49" charset="0"/>
+                        </a:rPr>
+                        <a:t>}</a:t>
+                      </a:r>
+                    </a:p>
+                    <a:p>
+                      <a:pPr marR="0" algn="l" rtl="0"/>
+                      <a:r>
+                        <a:rPr lang="en-US" altLang="zh-CN" sz="1100" dirty="0" smtClean="0">
+                          <a:latin typeface="Courier New" panose="02070309020205020404" pitchFamily="49" charset="0"/>
+                          <a:cs typeface="Courier New" panose="02070309020205020404" pitchFamily="49" charset="0"/>
+                        </a:rPr>
+                        <a:t>statements1</a:t>
+                      </a:r>
+                      <a:endParaRPr lang="zh-CN" altLang="en-US" sz="1100" dirty="0">
+                        <a:latin typeface="Courier New" panose="02070309020205020404" pitchFamily="49" charset="0"/>
+                        <a:cs typeface="Courier New" panose="02070309020205020404" pitchFamily="49" charset="0"/>
+                      </a:endParaRPr>
+                    </a:p>
+                  </a:txBody>
+                  <a:tcPr anchor="ctr"/>
+                </a:tc>
               </a:tr>
               <a:tr h="1477478">
                 <a:tc>
@@ -6249,14 +7565,14 @@
                       <a:pPr marR="0" algn="ctr" rtl="0"/>
                       <a:r>
                         <a:rPr lang="en-US" altLang="zh-CN" sz="1100" dirty="0">
-                          <a:latin typeface="Courier New" panose="02070309020205020404" pitchFamily="49" charset="0"/>
-                          <a:cs typeface="Courier New" panose="02070309020205020404" pitchFamily="49" charset="0"/>
+                          <a:latin typeface="Times New Roman" panose="02020603050405020304" pitchFamily="18" charset="0"/>
+                          <a:cs typeface="Times New Roman" panose="02020603050405020304" pitchFamily="18" charset="0"/>
                         </a:rPr>
                         <a:t>4</a:t>
                       </a:r>
                       <a:endParaRPr lang="zh-CN" altLang="en-US" sz="1100" dirty="0">
-                        <a:latin typeface="Courier New" panose="02070309020205020404" pitchFamily="49" charset="0"/>
-                        <a:cs typeface="Courier New" panose="02070309020205020404" pitchFamily="49" charset="0"/>
+                        <a:latin typeface="Times New Roman" panose="02020603050405020304" pitchFamily="18" charset="0"/>
+                        <a:cs typeface="Times New Roman" panose="02020603050405020304" pitchFamily="18" charset="0"/>
                       </a:endParaRPr>
                     </a:p>
                   </a:txBody>
@@ -6685,855 +8001,7 @@
                 </a:tc>
                 <a:extLst>
                   <a:ext uri="{0D108BD9-81ED-4DB2-BD59-A6C34878D82A}">
-                    <a16:rowId xmlns:a16="http://schemas.microsoft.com/office/drawing/2014/main" xmlns="" val="3985160712"/>
-                  </a:ext>
-                </a:extLst>
-              </a:tr>
-              <a:tr h="784459">
-                <a:tc>
-                  <a:txBody>
-                    <a:bodyPr/>
-                    <a:lstStyle/>
-                    <a:p>
-                      <a:pPr marR="0" algn="ctr" rtl="0"/>
-                      <a:r>
-                        <a:rPr lang="en-US" altLang="zh-CN" sz="1100" dirty="0">
-                          <a:latin typeface="Courier New" panose="02070309020205020404" pitchFamily="49" charset="0"/>
-                          <a:cs typeface="Courier New" panose="02070309020205020404" pitchFamily="49" charset="0"/>
-                        </a:rPr>
-                        <a:t>5</a:t>
-                      </a:r>
-                      <a:endParaRPr lang="zh-CN" altLang="en-US" sz="1100" dirty="0">
-                        <a:latin typeface="Courier New" panose="02070309020205020404" pitchFamily="49" charset="0"/>
-                        <a:cs typeface="Courier New" panose="02070309020205020404" pitchFamily="49" charset="0"/>
-                      </a:endParaRPr>
-                    </a:p>
-                  </a:txBody>
-                  <a:tcPr anchor="ctr"/>
-                </a:tc>
-                <a:tc>
-                  <a:txBody>
-                    <a:bodyPr/>
-                    <a:lstStyle/>
-                    <a:p>
-                      <a:pPr marR="0" algn="l" rtl="0"/>
-                      <a:r>
-                        <a:rPr lang="en-US" altLang="zh-CN" sz="1100" dirty="0">
-                          <a:solidFill>
-                            <a:srgbClr val="C00000"/>
-                          </a:solidFill>
-                          <a:latin typeface="Courier New" panose="02070309020205020404" pitchFamily="49" charset="0"/>
-                          <a:cs typeface="Courier New" panose="02070309020205020404" pitchFamily="49" charset="0"/>
-                        </a:rPr>
-                        <a:t>-public </a:t>
-                      </a:r>
-                      <a:r>
-                        <a:rPr lang="en-US" altLang="zh-CN" sz="1100" dirty="0" err="1">
-                          <a:solidFill>
-                            <a:srgbClr val="C00000"/>
-                          </a:solidFill>
-                          <a:latin typeface="Courier New" panose="02070309020205020404" pitchFamily="49" charset="0"/>
-                          <a:cs typeface="Courier New" panose="02070309020205020404" pitchFamily="49" charset="0"/>
-                        </a:rPr>
-                        <a:t>boolean</a:t>
-                      </a:r>
-                      <a:r>
-                        <a:rPr lang="en-US" altLang="zh-CN" sz="1100" dirty="0">
-                          <a:solidFill>
-                            <a:srgbClr val="C00000"/>
-                          </a:solidFill>
-                          <a:latin typeface="Courier New" panose="02070309020205020404" pitchFamily="49" charset="0"/>
-                          <a:cs typeface="Courier New" panose="02070309020205020404" pitchFamily="49" charset="0"/>
-                        </a:rPr>
-                        <a:t> </a:t>
-                      </a:r>
-                      <a:r>
-                        <a:rPr lang="en-US" altLang="zh-CN" sz="1100" dirty="0" err="1">
-                          <a:solidFill>
-                            <a:srgbClr val="C00000"/>
-                          </a:solidFill>
-                          <a:latin typeface="Courier New" panose="02070309020205020404" pitchFamily="49" charset="0"/>
-                          <a:cs typeface="Courier New" panose="02070309020205020404" pitchFamily="49" charset="0"/>
-                        </a:rPr>
-                        <a:t>isAccessed</a:t>
-                      </a:r>
-                      <a:r>
-                        <a:rPr lang="en-US" altLang="zh-CN" sz="1100" dirty="0">
-                          <a:solidFill>
-                            <a:srgbClr val="C00000"/>
-                          </a:solidFill>
-                          <a:latin typeface="Courier New" panose="02070309020205020404" pitchFamily="49" charset="0"/>
-                          <a:cs typeface="Courier New" panose="02070309020205020404" pitchFamily="49" charset="0"/>
-                        </a:rPr>
-                        <a:t>() {</a:t>
-                      </a:r>
-                    </a:p>
-                    <a:p>
-                      <a:pPr marR="0" algn="l" rtl="0"/>
-                      <a:r>
-                        <a:rPr lang="en-US" altLang="zh-CN" sz="1100" dirty="0">
-                          <a:latin typeface="Courier New" panose="02070309020205020404" pitchFamily="49" charset="0"/>
-                          <a:cs typeface="Courier New" panose="02070309020205020404" pitchFamily="49" charset="0"/>
-                        </a:rPr>
-                        <a:t>   return </a:t>
-                      </a:r>
-                      <a:r>
-                        <a:rPr lang="en-US" altLang="zh-CN" sz="1100" dirty="0" err="1">
-                          <a:latin typeface="Courier New" panose="02070309020205020404" pitchFamily="49" charset="0"/>
-                          <a:cs typeface="Courier New" panose="02070309020205020404" pitchFamily="49" charset="0"/>
-                        </a:rPr>
-                        <a:t>this.accessed</a:t>
-                      </a:r>
-                      <a:r>
-                        <a:rPr lang="en-US" altLang="zh-CN" sz="1100" dirty="0">
-                          <a:latin typeface="Courier New" panose="02070309020205020404" pitchFamily="49" charset="0"/>
-                          <a:cs typeface="Courier New" panose="02070309020205020404" pitchFamily="49" charset="0"/>
-                        </a:rPr>
-                        <a:t>;</a:t>
-                      </a:r>
-                    </a:p>
-                    <a:p>
-                      <a:pPr marR="0" algn="l" rtl="0"/>
-                      <a:r>
-                        <a:rPr lang="en-US" altLang="zh-CN" sz="1100" dirty="0">
-                          <a:latin typeface="Courier New" panose="02070309020205020404" pitchFamily="49" charset="0"/>
-                          <a:cs typeface="Courier New" panose="02070309020205020404" pitchFamily="49" charset="0"/>
-                        </a:rPr>
-                        <a:t> }</a:t>
-                      </a:r>
-                    </a:p>
-                  </a:txBody>
-                  <a:tcPr/>
-                </a:tc>
-                <a:tc>
-                  <a:txBody>
-                    <a:bodyPr/>
-                    <a:lstStyle/>
-                    <a:p>
-                      <a:pPr marR="0" algn="l" rtl="0"/>
-                      <a:r>
-                        <a:rPr lang="en-US" altLang="zh-CN" sz="1100" dirty="0">
-                          <a:solidFill>
-                            <a:srgbClr val="0070C0"/>
-                          </a:solidFill>
-                          <a:latin typeface="Courier New" panose="02070309020205020404" pitchFamily="49" charset="0"/>
-                          <a:cs typeface="Courier New" panose="02070309020205020404" pitchFamily="49" charset="0"/>
-                        </a:rPr>
-                        <a:t>+public synchronized </a:t>
-                      </a:r>
-                      <a:r>
-                        <a:rPr lang="en-US" altLang="zh-CN" sz="1100" dirty="0" err="1">
-                          <a:solidFill>
-                            <a:srgbClr val="0070C0"/>
-                          </a:solidFill>
-                          <a:latin typeface="Courier New" panose="02070309020205020404" pitchFamily="49" charset="0"/>
-                          <a:cs typeface="Courier New" panose="02070309020205020404" pitchFamily="49" charset="0"/>
-                        </a:rPr>
-                        <a:t>boolean</a:t>
-                      </a:r>
-                      <a:r>
-                        <a:rPr lang="en-US" altLang="zh-CN" sz="1100" dirty="0">
-                          <a:solidFill>
-                            <a:srgbClr val="0070C0"/>
-                          </a:solidFill>
-                          <a:latin typeface="Courier New" panose="02070309020205020404" pitchFamily="49" charset="0"/>
-                          <a:cs typeface="Courier New" panose="02070309020205020404" pitchFamily="49" charset="0"/>
-                        </a:rPr>
-                        <a:t> </a:t>
-                      </a:r>
-                      <a:r>
-                        <a:rPr lang="en-US" altLang="zh-CN" sz="1100" dirty="0" err="1">
-                          <a:solidFill>
-                            <a:srgbClr val="0070C0"/>
-                          </a:solidFill>
-                          <a:latin typeface="Courier New" panose="02070309020205020404" pitchFamily="49" charset="0"/>
-                          <a:cs typeface="Courier New" panose="02070309020205020404" pitchFamily="49" charset="0"/>
-                        </a:rPr>
-                        <a:t>isAccessed</a:t>
-                      </a:r>
-                      <a:r>
-                        <a:rPr lang="en-US" altLang="zh-CN" sz="1100" dirty="0">
-                          <a:solidFill>
-                            <a:srgbClr val="0070C0"/>
-                          </a:solidFill>
-                          <a:latin typeface="Courier New" panose="02070309020205020404" pitchFamily="49" charset="0"/>
-                          <a:cs typeface="Courier New" panose="02070309020205020404" pitchFamily="49" charset="0"/>
-                        </a:rPr>
-                        <a:t>() {</a:t>
-                      </a:r>
-                    </a:p>
-                    <a:p>
-                      <a:pPr marR="0" algn="l" rtl="0"/>
-                      <a:r>
-                        <a:rPr lang="en-US" altLang="zh-CN" sz="1100" dirty="0">
-                          <a:latin typeface="Courier New" panose="02070309020205020404" pitchFamily="49" charset="0"/>
-                          <a:cs typeface="Courier New" panose="02070309020205020404" pitchFamily="49" charset="0"/>
-                        </a:rPr>
-                        <a:t>   return </a:t>
-                      </a:r>
-                      <a:r>
-                        <a:rPr lang="en-US" altLang="zh-CN" sz="1100" dirty="0" err="1">
-                          <a:latin typeface="Courier New" panose="02070309020205020404" pitchFamily="49" charset="0"/>
-                          <a:cs typeface="Courier New" panose="02070309020205020404" pitchFamily="49" charset="0"/>
-                        </a:rPr>
-                        <a:t>this.accessed</a:t>
-                      </a:r>
-                      <a:r>
-                        <a:rPr lang="en-US" altLang="zh-CN" sz="1100" dirty="0">
-                          <a:latin typeface="Courier New" panose="02070309020205020404" pitchFamily="49" charset="0"/>
-                          <a:cs typeface="Courier New" panose="02070309020205020404" pitchFamily="49" charset="0"/>
-                        </a:rPr>
-                        <a:t>;</a:t>
-                      </a:r>
-                    </a:p>
-                    <a:p>
-                      <a:pPr marR="0" algn="l" rtl="0"/>
-                      <a:r>
-                        <a:rPr lang="en-US" altLang="zh-CN" sz="1100" dirty="0">
-                          <a:latin typeface="Courier New" panose="02070309020205020404" pitchFamily="49" charset="0"/>
-                          <a:cs typeface="Courier New" panose="02070309020205020404" pitchFamily="49" charset="0"/>
-                        </a:rPr>
-                        <a:t> }</a:t>
-                      </a:r>
-                      <a:endParaRPr lang="zh-CN" altLang="en-US" sz="1100" dirty="0">
-                        <a:latin typeface="Courier New" panose="02070309020205020404" pitchFamily="49" charset="0"/>
-                        <a:cs typeface="Courier New" panose="02070309020205020404" pitchFamily="49" charset="0"/>
-                      </a:endParaRPr>
-                    </a:p>
-                  </a:txBody>
-                  <a:tcPr/>
-                </a:tc>
-                <a:tc>
-                  <a:txBody>
-                    <a:bodyPr/>
-                    <a:lstStyle/>
-                    <a:p>
-                      <a:pPr marR="0" algn="l" rtl="0"/>
-                      <a:r>
-                        <a:rPr lang="en-US" altLang="zh-CN" sz="1100" dirty="0">
-                          <a:latin typeface="Courier New" panose="02070309020205020404" pitchFamily="49" charset="0"/>
-                          <a:cs typeface="Courier New" panose="02070309020205020404" pitchFamily="49" charset="0"/>
-                        </a:rPr>
-                        <a:t>void foo() {</a:t>
-                      </a:r>
-                    </a:p>
-                    <a:p>
-                      <a:pPr marR="0" algn="l" rtl="0"/>
-                      <a:r>
-                        <a:rPr lang="en-US" altLang="zh-CN" sz="1100" dirty="0">
-                          <a:latin typeface="Courier New" panose="02070309020205020404" pitchFamily="49" charset="0"/>
-                          <a:cs typeface="Courier New" panose="02070309020205020404" pitchFamily="49" charset="0"/>
-                        </a:rPr>
-                        <a:t>  ...</a:t>
-                      </a:r>
-                    </a:p>
-                    <a:p>
-                      <a:pPr marR="0" algn="l" rtl="0"/>
-                      <a:r>
-                        <a:rPr lang="en-US" altLang="zh-CN" sz="1100" dirty="0">
-                          <a:latin typeface="Courier New" panose="02070309020205020404" pitchFamily="49" charset="0"/>
-                          <a:cs typeface="Courier New" panose="02070309020205020404" pitchFamily="49" charset="0"/>
-                        </a:rPr>
-                        <a:t>}</a:t>
-                      </a:r>
-                      <a:endParaRPr lang="zh-CN" altLang="en-US" sz="1100" dirty="0">
-                        <a:latin typeface="Courier New" panose="02070309020205020404" pitchFamily="49" charset="0"/>
-                        <a:cs typeface="Courier New" panose="02070309020205020404" pitchFamily="49" charset="0"/>
-                      </a:endParaRPr>
-                    </a:p>
-                  </a:txBody>
-                  <a:tcPr anchor="ctr"/>
-                </a:tc>
-                <a:tc>
-                  <a:txBody>
-                    <a:bodyPr/>
-                    <a:lstStyle/>
-                    <a:p>
-                      <a:pPr marR="0" algn="l" rtl="0"/>
-                      <a:r>
-                        <a:rPr lang="en-US" altLang="zh-CN" sz="1100" dirty="0">
-                          <a:latin typeface="Courier New" panose="02070309020205020404" pitchFamily="49" charset="0"/>
-                          <a:cs typeface="Courier New" panose="02070309020205020404" pitchFamily="49" charset="0"/>
-                        </a:rPr>
-                        <a:t>synchronized void foo() {</a:t>
-                      </a:r>
-                    </a:p>
-                    <a:p>
-                      <a:pPr marR="0" algn="l" rtl="0"/>
-                      <a:r>
-                        <a:rPr lang="en-US" altLang="zh-CN" sz="1100" dirty="0">
-                          <a:latin typeface="Courier New" panose="02070309020205020404" pitchFamily="49" charset="0"/>
-                          <a:cs typeface="Courier New" panose="02070309020205020404" pitchFamily="49" charset="0"/>
-                        </a:rPr>
-                        <a:t>  ...</a:t>
-                      </a:r>
-                    </a:p>
-                    <a:p>
-                      <a:pPr marR="0" algn="l" rtl="0"/>
-                      <a:r>
-                        <a:rPr lang="en-US" altLang="zh-CN" sz="1100" dirty="0">
-                          <a:latin typeface="Courier New" panose="02070309020205020404" pitchFamily="49" charset="0"/>
-                          <a:cs typeface="Courier New" panose="02070309020205020404" pitchFamily="49" charset="0"/>
-                        </a:rPr>
-                        <a:t>}</a:t>
-                      </a:r>
-                      <a:endParaRPr lang="zh-CN" altLang="en-US" sz="1100" dirty="0">
-                        <a:latin typeface="Courier New" panose="02070309020205020404" pitchFamily="49" charset="0"/>
-                        <a:cs typeface="Courier New" panose="02070309020205020404" pitchFamily="49" charset="0"/>
-                      </a:endParaRPr>
-                    </a:p>
-                  </a:txBody>
-                  <a:tcPr anchor="ctr"/>
-                </a:tc>
-                <a:extLst>
-                  <a:ext uri="{0D108BD9-81ED-4DB2-BD59-A6C34878D82A}">
-                    <a16:rowId xmlns:a16="http://schemas.microsoft.com/office/drawing/2014/main" xmlns="" val="2999866162"/>
-                  </a:ext>
-                </a:extLst>
-              </a:tr>
-              <a:tr h="2170497">
-                <a:tc>
-                  <a:txBody>
-                    <a:bodyPr/>
-                    <a:lstStyle/>
-                    <a:p>
-                      <a:pPr marR="0" algn="ctr" rtl="0"/>
-                      <a:r>
-                        <a:rPr lang="en-US" altLang="zh-CN" sz="1100" dirty="0">
-                          <a:latin typeface="Courier New" panose="02070309020205020404" pitchFamily="49" charset="0"/>
-                          <a:cs typeface="Courier New" panose="02070309020205020404" pitchFamily="49" charset="0"/>
-                        </a:rPr>
-                        <a:t>6</a:t>
-                      </a:r>
-                      <a:endParaRPr lang="zh-CN" altLang="en-US" sz="1100" dirty="0">
-                        <a:latin typeface="Courier New" panose="02070309020205020404" pitchFamily="49" charset="0"/>
-                        <a:cs typeface="Courier New" panose="02070309020205020404" pitchFamily="49" charset="0"/>
-                      </a:endParaRPr>
-                    </a:p>
-                  </a:txBody>
-                  <a:tcPr anchor="ctr"/>
-                </a:tc>
-                <a:tc>
-                  <a:txBody>
-                    <a:bodyPr/>
-                    <a:lstStyle/>
-                    <a:p>
-                      <a:pPr marR="0" algn="l" rtl="0"/>
-                      <a:r>
-                        <a:rPr lang="en-US" altLang="zh-CN" sz="1100" dirty="0">
-                          <a:solidFill>
-                            <a:srgbClr val="C00000"/>
-                          </a:solidFill>
-                          <a:latin typeface="Courier New" panose="02070309020205020404" pitchFamily="49" charset="0"/>
-                          <a:cs typeface="Courier New" panose="02070309020205020404" pitchFamily="49" charset="0"/>
-                        </a:rPr>
-                        <a:t>-synchronized (</a:t>
-                      </a:r>
-                      <a:r>
-                        <a:rPr lang="en-US" altLang="zh-CN" sz="1100" dirty="0" err="1">
-                          <a:solidFill>
-                            <a:srgbClr val="C00000"/>
-                          </a:solidFill>
-                          <a:latin typeface="Courier New" panose="02070309020205020404" pitchFamily="49" charset="0"/>
-                          <a:cs typeface="Courier New" panose="02070309020205020404" pitchFamily="49" charset="0"/>
-                        </a:rPr>
-                        <a:t>this.channelLookup</a:t>
-                      </a:r>
-                      <a:r>
-                        <a:rPr lang="en-US" altLang="zh-CN" sz="1100" dirty="0">
-                          <a:solidFill>
-                            <a:srgbClr val="C00000"/>
-                          </a:solidFill>
-                          <a:latin typeface="Courier New" panose="02070309020205020404" pitchFamily="49" charset="0"/>
-                          <a:cs typeface="Courier New" panose="02070309020205020404" pitchFamily="49" charset="0"/>
-                        </a:rPr>
-                        <a:t>) {</a:t>
-                      </a:r>
-                    </a:p>
-                    <a:p>
-                      <a:pPr marR="0" algn="l" rtl="0"/>
-                      <a:r>
-                        <a:rPr lang="en-US" altLang="zh-CN" sz="1100" dirty="0">
-                          <a:solidFill>
-                            <a:srgbClr val="C00000"/>
-                          </a:solidFill>
-                          <a:latin typeface="Courier New" panose="02070309020205020404" pitchFamily="49" charset="0"/>
-                          <a:cs typeface="Courier New" panose="02070309020205020404" pitchFamily="49" charset="0"/>
-                        </a:rPr>
-                        <a:t>-  try{</a:t>
-                      </a:r>
-                    </a:p>
-                    <a:p>
-                      <a:pPr marL="0" marR="0" indent="0" algn="l" rtl="0">
-                        <a:buFontTx/>
-                        <a:buNone/>
-                      </a:pPr>
-                      <a:r>
-                        <a:rPr lang="en-US" altLang="zh-CN" sz="1100" dirty="0">
-                          <a:latin typeface="Courier New" panose="02070309020205020404" pitchFamily="49" charset="0"/>
-                          <a:cs typeface="Courier New" panose="02070309020205020404" pitchFamily="49" charset="0"/>
-                        </a:rPr>
-                        <a:t>     </a:t>
-                      </a:r>
-                      <a:r>
-                        <a:rPr lang="en-US" altLang="zh-CN" sz="1100" dirty="0" err="1">
-                          <a:latin typeface="Courier New" panose="02070309020205020404" pitchFamily="49" charset="0"/>
-                          <a:cs typeface="Courier New" panose="02070309020205020404" pitchFamily="49" charset="0"/>
-                        </a:rPr>
-                        <a:t>lookupResponse</a:t>
-                      </a:r>
-                      <a:r>
-                        <a:rPr lang="en-US" altLang="zh-CN" sz="1100" dirty="0">
-                          <a:latin typeface="Courier New" panose="02070309020205020404" pitchFamily="49" charset="0"/>
-                          <a:cs typeface="Courier New" panose="02070309020205020404" pitchFamily="49" charset="0"/>
-                        </a:rPr>
-                        <a:t> = </a:t>
-                      </a:r>
-                      <a:r>
-                        <a:rPr lang="en-US" altLang="zh-CN" sz="1100" dirty="0" err="1">
-                          <a:latin typeface="Courier New" panose="02070309020205020404" pitchFamily="49" charset="0"/>
-                          <a:cs typeface="Courier New" panose="02070309020205020404" pitchFamily="49" charset="0"/>
-                        </a:rPr>
-                        <a:t>AkkaUtils</a:t>
-                      </a:r>
-                      <a:r>
-                        <a:rPr lang="en-US" altLang="zh-CN" sz="1100" dirty="0">
-                          <a:latin typeface="Courier New" panose="02070309020205020404" pitchFamily="49" charset="0"/>
-                          <a:cs typeface="Courier New" panose="02070309020205020404" pitchFamily="49" charset="0"/>
-                        </a:rPr>
-                        <a:t>. &lt;</a:t>
-                      </a:r>
-                      <a:r>
-                        <a:rPr lang="en-US" altLang="zh-CN" sz="1100" dirty="0" err="1">
-                          <a:latin typeface="Courier New" panose="02070309020205020404" pitchFamily="49" charset="0"/>
-                          <a:cs typeface="Courier New" panose="02070309020205020404" pitchFamily="49" charset="0"/>
-                        </a:rPr>
-                        <a:t>JobManagerMessages.ConnectionInformation</a:t>
-                      </a:r>
-                      <a:r>
-                        <a:rPr lang="en-US" altLang="zh-CN" sz="1100" dirty="0">
-                          <a:latin typeface="Courier New" panose="02070309020205020404" pitchFamily="49" charset="0"/>
-                          <a:cs typeface="Courier New" panose="02070309020205020404" pitchFamily="49" charset="0"/>
-                        </a:rPr>
-                        <a:t>&gt;ask(</a:t>
-                      </a:r>
-                      <a:r>
-                        <a:rPr lang="en-US" altLang="zh-CN" sz="1100" dirty="0" err="1">
-                          <a:latin typeface="Courier New" panose="02070309020205020404" pitchFamily="49" charset="0"/>
-                          <a:cs typeface="Courier New" panose="02070309020205020404" pitchFamily="49" charset="0"/>
-                        </a:rPr>
-                        <a:t>channelLookup</a:t>
-                      </a:r>
-                      <a:r>
-                        <a:rPr lang="en-US" altLang="zh-CN" sz="1100" dirty="0">
-                          <a:latin typeface="Courier New" panose="02070309020205020404" pitchFamily="49" charset="0"/>
-                          <a:cs typeface="Courier New" panose="02070309020205020404" pitchFamily="49" charset="0"/>
-                        </a:rPr>
-                        <a:t>, new </a:t>
-                      </a:r>
-                      <a:r>
-                        <a:rPr lang="en-US" altLang="zh-CN" sz="1100" dirty="0" err="1">
-                          <a:latin typeface="Courier New" panose="02070309020205020404" pitchFamily="49" charset="0"/>
-                          <a:cs typeface="Courier New" panose="02070309020205020404" pitchFamily="49" charset="0"/>
-                        </a:rPr>
-                        <a:t>JobManagerMessages.LookupConnectionInformation</a:t>
-                      </a:r>
-                      <a:r>
-                        <a:rPr lang="en-US" altLang="zh-CN" sz="1100" dirty="0">
-                          <a:latin typeface="Courier New" panose="02070309020205020404" pitchFamily="49" charset="0"/>
-                          <a:cs typeface="Courier New" panose="02070309020205020404" pitchFamily="49" charset="0"/>
-                        </a:rPr>
-                        <a:t>(</a:t>
-                      </a:r>
-                      <a:r>
-                        <a:rPr lang="en-US" altLang="zh-CN" sz="1100" dirty="0" err="1">
-                          <a:latin typeface="Courier New" panose="02070309020205020404" pitchFamily="49" charset="0"/>
-                          <a:cs typeface="Courier New" panose="02070309020205020404" pitchFamily="49" charset="0"/>
-                        </a:rPr>
-                        <a:t>connectionInfo</a:t>
-                      </a:r>
-                      <a:r>
-                        <a:rPr lang="en-US" altLang="zh-CN" sz="1100" dirty="0">
-                          <a:latin typeface="Courier New" panose="02070309020205020404" pitchFamily="49" charset="0"/>
-                          <a:cs typeface="Courier New" panose="02070309020205020404" pitchFamily="49" charset="0"/>
-                        </a:rPr>
-                        <a:t>, </a:t>
-                      </a:r>
-                      <a:r>
-                        <a:rPr lang="en-US" altLang="zh-CN" sz="1100" dirty="0" err="1">
-                          <a:latin typeface="Courier New" panose="02070309020205020404" pitchFamily="49" charset="0"/>
-                          <a:cs typeface="Courier New" panose="02070309020205020404" pitchFamily="49" charset="0"/>
-                        </a:rPr>
-                        <a:t>jobID</a:t>
-                      </a:r>
-                      <a:r>
-                        <a:rPr lang="en-US" altLang="zh-CN" sz="1100" dirty="0">
-                          <a:latin typeface="Courier New" panose="02070309020205020404" pitchFamily="49" charset="0"/>
-                          <a:cs typeface="Courier New" panose="02070309020205020404" pitchFamily="49" charset="0"/>
-                        </a:rPr>
-                        <a:t>, </a:t>
-                      </a:r>
-                      <a:r>
-                        <a:rPr lang="en-US" altLang="zh-CN" sz="1100" dirty="0" err="1">
-                          <a:latin typeface="Courier New" panose="02070309020205020404" pitchFamily="49" charset="0"/>
-                          <a:cs typeface="Courier New" panose="02070309020205020404" pitchFamily="49" charset="0"/>
-                        </a:rPr>
-                        <a:t>sourceChannelID</a:t>
-                      </a:r>
-                      <a:r>
-                        <a:rPr lang="en-US" altLang="zh-CN" sz="1100" dirty="0">
-                          <a:latin typeface="Courier New" panose="02070309020205020404" pitchFamily="49" charset="0"/>
-                          <a:cs typeface="Courier New" panose="02070309020205020404" pitchFamily="49" charset="0"/>
-                        </a:rPr>
-                        <a:t>), timeout).response();</a:t>
-                      </a:r>
-                    </a:p>
-                    <a:p>
-                      <a:pPr marR="0" algn="l" rtl="0"/>
-                      <a:r>
-                        <a:rPr lang="en-US" altLang="zh-CN" sz="1100" dirty="0">
-                          <a:solidFill>
-                            <a:srgbClr val="C00000"/>
-                          </a:solidFill>
-                          <a:latin typeface="Courier New" panose="02070309020205020404" pitchFamily="49" charset="0"/>
-                          <a:cs typeface="Courier New" panose="02070309020205020404" pitchFamily="49" charset="0"/>
-                        </a:rPr>
-                        <a:t>-  }catch(</a:t>
-                      </a:r>
-                      <a:r>
-                        <a:rPr lang="en-US" altLang="zh-CN" sz="1100" dirty="0" err="1">
-                          <a:solidFill>
-                            <a:srgbClr val="C00000"/>
-                          </a:solidFill>
-                          <a:latin typeface="Courier New" panose="02070309020205020404" pitchFamily="49" charset="0"/>
-                          <a:cs typeface="Courier New" panose="02070309020205020404" pitchFamily="49" charset="0"/>
-                        </a:rPr>
-                        <a:t>IOException</a:t>
-                      </a:r>
-                      <a:r>
-                        <a:rPr lang="en-US" altLang="zh-CN" sz="1100" dirty="0">
-                          <a:solidFill>
-                            <a:srgbClr val="C00000"/>
-                          </a:solidFill>
-                          <a:latin typeface="Courier New" panose="02070309020205020404" pitchFamily="49" charset="0"/>
-                          <a:cs typeface="Courier New" panose="02070309020205020404" pitchFamily="49" charset="0"/>
-                        </a:rPr>
-                        <a:t> </a:t>
-                      </a:r>
-                      <a:r>
-                        <a:rPr lang="en-US" altLang="zh-CN" sz="1100" dirty="0" err="1">
-                          <a:solidFill>
-                            <a:srgbClr val="C00000"/>
-                          </a:solidFill>
-                          <a:latin typeface="Courier New" panose="02070309020205020404" pitchFamily="49" charset="0"/>
-                          <a:cs typeface="Courier New" panose="02070309020205020404" pitchFamily="49" charset="0"/>
-                        </a:rPr>
-                        <a:t>ioe</a:t>
-                      </a:r>
-                      <a:r>
-                        <a:rPr lang="en-US" altLang="zh-CN" sz="1100" dirty="0">
-                          <a:solidFill>
-                            <a:srgbClr val="C00000"/>
-                          </a:solidFill>
-                          <a:latin typeface="Courier New" panose="02070309020205020404" pitchFamily="49" charset="0"/>
-                          <a:cs typeface="Courier New" panose="02070309020205020404" pitchFamily="49" charset="0"/>
-                        </a:rPr>
-                        <a:t>) {</a:t>
-                      </a:r>
-                    </a:p>
-                    <a:p>
-                      <a:pPr marR="0" algn="l" rtl="0"/>
-                      <a:r>
-                        <a:rPr lang="en-US" altLang="zh-CN" sz="1100" dirty="0">
-                          <a:solidFill>
-                            <a:srgbClr val="C00000"/>
-                          </a:solidFill>
-                          <a:latin typeface="Courier New" panose="02070309020205020404" pitchFamily="49" charset="0"/>
-                          <a:cs typeface="Courier New" panose="02070309020205020404" pitchFamily="49" charset="0"/>
-                        </a:rPr>
-                        <a:t>-    throw </a:t>
-                      </a:r>
-                      <a:r>
-                        <a:rPr lang="en-US" altLang="zh-CN" sz="1100" dirty="0" err="1">
-                          <a:solidFill>
-                            <a:srgbClr val="C00000"/>
-                          </a:solidFill>
-                          <a:latin typeface="Courier New" panose="02070309020205020404" pitchFamily="49" charset="0"/>
-                          <a:cs typeface="Courier New" panose="02070309020205020404" pitchFamily="49" charset="0"/>
-                        </a:rPr>
-                        <a:t>ioe</a:t>
-                      </a:r>
-                      <a:r>
-                        <a:rPr lang="en-US" altLang="zh-CN" sz="1100" dirty="0">
-                          <a:solidFill>
-                            <a:srgbClr val="C00000"/>
-                          </a:solidFill>
-                          <a:latin typeface="Courier New" panose="02070309020205020404" pitchFamily="49" charset="0"/>
-                          <a:cs typeface="Courier New" panose="02070309020205020404" pitchFamily="49" charset="0"/>
-                        </a:rPr>
-                        <a:t>;</a:t>
-                      </a:r>
-                    </a:p>
-                    <a:p>
-                      <a:pPr marR="0" algn="l" rtl="0"/>
-                      <a:r>
-                        <a:rPr lang="en-US" altLang="zh-CN" sz="1100" dirty="0">
-                          <a:solidFill>
-                            <a:srgbClr val="C00000"/>
-                          </a:solidFill>
-                          <a:latin typeface="Courier New" panose="02070309020205020404" pitchFamily="49" charset="0"/>
-                          <a:cs typeface="Courier New" panose="02070309020205020404" pitchFamily="49" charset="0"/>
-                        </a:rPr>
-                        <a:t>-  }</a:t>
-                      </a:r>
-                    </a:p>
-                    <a:p>
-                      <a:pPr marR="0" algn="l" rtl="0"/>
-                      <a:r>
-                        <a:rPr lang="en-US" altLang="zh-CN" sz="1100" dirty="0">
-                          <a:solidFill>
-                            <a:srgbClr val="C00000"/>
-                          </a:solidFill>
-                          <a:latin typeface="Courier New" panose="02070309020205020404" pitchFamily="49" charset="0"/>
-                          <a:cs typeface="Courier New" panose="02070309020205020404" pitchFamily="49" charset="0"/>
-                        </a:rPr>
-                        <a:t>-}</a:t>
-                      </a:r>
-                    </a:p>
-                  </a:txBody>
-                  <a:tcPr/>
-                </a:tc>
-                <a:tc>
-                  <a:txBody>
-                    <a:bodyPr/>
-                    <a:lstStyle/>
-                    <a:p>
-                      <a:pPr marL="0" marR="0" indent="0" algn="l" rtl="0">
-                        <a:buFontTx/>
-                        <a:buNone/>
-                      </a:pPr>
-                      <a:endParaRPr lang="en-US" altLang="zh-CN" sz="1100" dirty="0">
-                        <a:latin typeface="Courier New" panose="02070309020205020404" pitchFamily="49" charset="0"/>
-                        <a:cs typeface="Courier New" panose="02070309020205020404" pitchFamily="49" charset="0"/>
-                      </a:endParaRPr>
-                    </a:p>
-                    <a:p>
-                      <a:pPr marL="0" marR="0" indent="0" algn="l" rtl="0">
-                        <a:buFontTx/>
-                        <a:buNone/>
-                      </a:pPr>
-                      <a:endParaRPr lang="en-US" altLang="zh-CN" sz="1100" dirty="0">
-                        <a:latin typeface="Courier New" panose="02070309020205020404" pitchFamily="49" charset="0"/>
-                        <a:cs typeface="Courier New" panose="02070309020205020404" pitchFamily="49" charset="0"/>
-                      </a:endParaRPr>
-                    </a:p>
-                    <a:p>
-                      <a:pPr marL="0" marR="0" indent="0" algn="l" rtl="0">
-                        <a:buFontTx/>
-                        <a:buNone/>
-                      </a:pPr>
-                      <a:r>
-                        <a:rPr lang="en-US" altLang="zh-CN" sz="1100" dirty="0" err="1">
-                          <a:latin typeface="Courier New" panose="02070309020205020404" pitchFamily="49" charset="0"/>
-                          <a:cs typeface="Courier New" panose="02070309020205020404" pitchFamily="49" charset="0"/>
-                        </a:rPr>
-                        <a:t>lookupResponse</a:t>
-                      </a:r>
-                      <a:r>
-                        <a:rPr lang="en-US" altLang="zh-CN" sz="1100" dirty="0">
-                          <a:latin typeface="Courier New" panose="02070309020205020404" pitchFamily="49" charset="0"/>
-                          <a:cs typeface="Courier New" panose="02070309020205020404" pitchFamily="49" charset="0"/>
-                        </a:rPr>
-                        <a:t> = </a:t>
-                      </a:r>
-                      <a:r>
-                        <a:rPr lang="en-US" altLang="zh-CN" sz="1100" dirty="0" err="1">
-                          <a:latin typeface="Courier New" panose="02070309020205020404" pitchFamily="49" charset="0"/>
-                          <a:cs typeface="Courier New" panose="02070309020205020404" pitchFamily="49" charset="0"/>
-                        </a:rPr>
-                        <a:t>AkkaUtils</a:t>
-                      </a:r>
-                      <a:r>
-                        <a:rPr lang="en-US" altLang="zh-CN" sz="1100" dirty="0">
-                          <a:latin typeface="Courier New" panose="02070309020205020404" pitchFamily="49" charset="0"/>
-                          <a:cs typeface="Courier New" panose="02070309020205020404" pitchFamily="49" charset="0"/>
-                        </a:rPr>
-                        <a:t>. &lt;</a:t>
-                      </a:r>
-                      <a:r>
-                        <a:rPr lang="en-US" altLang="zh-CN" sz="1100" dirty="0" err="1">
-                          <a:latin typeface="Courier New" panose="02070309020205020404" pitchFamily="49" charset="0"/>
-                          <a:cs typeface="Courier New" panose="02070309020205020404" pitchFamily="49" charset="0"/>
-                        </a:rPr>
-                        <a:t>JobManagerMessages.ConnectionInformation</a:t>
-                      </a:r>
-                      <a:r>
-                        <a:rPr lang="en-US" altLang="zh-CN" sz="1100" dirty="0">
-                          <a:latin typeface="Courier New" panose="02070309020205020404" pitchFamily="49" charset="0"/>
-                          <a:cs typeface="Courier New" panose="02070309020205020404" pitchFamily="49" charset="0"/>
-                        </a:rPr>
-                        <a:t>&gt;ask(</a:t>
-                      </a:r>
-                      <a:r>
-                        <a:rPr lang="en-US" altLang="zh-CN" sz="1100" dirty="0" err="1">
-                          <a:latin typeface="Courier New" panose="02070309020205020404" pitchFamily="49" charset="0"/>
-                          <a:cs typeface="Courier New" panose="02070309020205020404" pitchFamily="49" charset="0"/>
-                        </a:rPr>
-                        <a:t>channelLookup</a:t>
-                      </a:r>
-                      <a:r>
-                        <a:rPr lang="en-US" altLang="zh-CN" sz="1100" dirty="0">
-                          <a:latin typeface="Courier New" panose="02070309020205020404" pitchFamily="49" charset="0"/>
-                          <a:cs typeface="Courier New" panose="02070309020205020404" pitchFamily="49" charset="0"/>
-                        </a:rPr>
-                        <a:t>, new </a:t>
-                      </a:r>
-                      <a:r>
-                        <a:rPr lang="en-US" altLang="zh-CN" sz="1100" dirty="0" err="1">
-                          <a:latin typeface="Courier New" panose="02070309020205020404" pitchFamily="49" charset="0"/>
-                          <a:cs typeface="Courier New" panose="02070309020205020404" pitchFamily="49" charset="0"/>
-                        </a:rPr>
-                        <a:t>JobManagerMessages.LookupConnectionInformation</a:t>
-                      </a:r>
-                      <a:r>
-                        <a:rPr lang="en-US" altLang="zh-CN" sz="1100" dirty="0">
-                          <a:latin typeface="Courier New" panose="02070309020205020404" pitchFamily="49" charset="0"/>
-                          <a:cs typeface="Courier New" panose="02070309020205020404" pitchFamily="49" charset="0"/>
-                        </a:rPr>
-                        <a:t>(  </a:t>
-                      </a:r>
-                      <a:r>
-                        <a:rPr lang="en-US" altLang="zh-CN" sz="1100" dirty="0" err="1">
-                          <a:latin typeface="Courier New" panose="02070309020205020404" pitchFamily="49" charset="0"/>
-                          <a:cs typeface="Courier New" panose="02070309020205020404" pitchFamily="49" charset="0"/>
-                        </a:rPr>
-                        <a:t>connectionInfo</a:t>
-                      </a:r>
-                      <a:r>
-                        <a:rPr lang="en-US" altLang="zh-CN" sz="1100" dirty="0">
-                          <a:latin typeface="Courier New" panose="02070309020205020404" pitchFamily="49" charset="0"/>
-                          <a:cs typeface="Courier New" panose="02070309020205020404" pitchFamily="49" charset="0"/>
-                        </a:rPr>
-                        <a:t>, </a:t>
-                      </a:r>
-                      <a:r>
-                        <a:rPr lang="en-US" altLang="zh-CN" sz="1100" dirty="0" err="1">
-                          <a:latin typeface="Courier New" panose="02070309020205020404" pitchFamily="49" charset="0"/>
-                          <a:cs typeface="Courier New" panose="02070309020205020404" pitchFamily="49" charset="0"/>
-                        </a:rPr>
-                        <a:t>jobID</a:t>
-                      </a:r>
-                      <a:r>
-                        <a:rPr lang="en-US" altLang="zh-CN" sz="1100" dirty="0">
-                          <a:latin typeface="Courier New" panose="02070309020205020404" pitchFamily="49" charset="0"/>
-                          <a:cs typeface="Courier New" panose="02070309020205020404" pitchFamily="49" charset="0"/>
-                        </a:rPr>
-                        <a:t>, </a:t>
-                      </a:r>
-                      <a:r>
-                        <a:rPr lang="en-US" altLang="zh-CN" sz="1100" dirty="0" err="1">
-                          <a:latin typeface="Courier New" panose="02070309020205020404" pitchFamily="49" charset="0"/>
-                          <a:cs typeface="Courier New" panose="02070309020205020404" pitchFamily="49" charset="0"/>
-                        </a:rPr>
-                        <a:t>sourceChannelID</a:t>
-                      </a:r>
-                      <a:r>
-                        <a:rPr lang="en-US" altLang="zh-CN" sz="1100" dirty="0">
-                          <a:latin typeface="Courier New" panose="02070309020205020404" pitchFamily="49" charset="0"/>
-                          <a:cs typeface="Courier New" panose="02070309020205020404" pitchFamily="49" charset="0"/>
-                        </a:rPr>
-                        <a:t>), timeout).response();</a:t>
-                      </a:r>
-                    </a:p>
-                    <a:p>
-                      <a:pPr marR="0" algn="l" rtl="0"/>
-                      <a:endParaRPr lang="zh-CN" altLang="en-US" sz="1100" dirty="0">
-                        <a:latin typeface="Courier New" panose="02070309020205020404" pitchFamily="49" charset="0"/>
-                        <a:cs typeface="Courier New" panose="02070309020205020404" pitchFamily="49" charset="0"/>
-                      </a:endParaRPr>
-                    </a:p>
-                  </a:txBody>
-                  <a:tcPr/>
-                </a:tc>
-                <a:tc>
-                  <a:txBody>
-                    <a:bodyPr/>
-                    <a:lstStyle/>
-                    <a:p>
-                      <a:pPr marR="0" algn="l" rtl="0"/>
-                      <a:r>
-                        <a:rPr lang="en-US" altLang="zh-CN" sz="1100" dirty="0">
-                          <a:latin typeface="Courier New" panose="02070309020205020404" pitchFamily="49" charset="0"/>
-                          <a:cs typeface="Courier New" panose="02070309020205020404" pitchFamily="49" charset="0"/>
-                        </a:rPr>
-                        <a:t>synchronized (</a:t>
-                      </a:r>
-                      <a:r>
-                        <a:rPr lang="en-US" altLang="zh-CN" sz="1100" dirty="0" err="1">
-                          <a:latin typeface="Courier New" panose="02070309020205020404" pitchFamily="49" charset="0"/>
-                          <a:cs typeface="Courier New" panose="02070309020205020404" pitchFamily="49" charset="0"/>
-                        </a:rPr>
-                        <a:t>obj</a:t>
-                      </a:r>
-                      <a:r>
-                        <a:rPr lang="en-US" altLang="zh-CN" sz="1100" dirty="0">
-                          <a:latin typeface="Courier New" panose="02070309020205020404" pitchFamily="49" charset="0"/>
-                          <a:cs typeface="Courier New" panose="02070309020205020404" pitchFamily="49" charset="0"/>
-                        </a:rPr>
-                        <a:t>) {</a:t>
-                      </a:r>
-                    </a:p>
-                    <a:p>
-                      <a:pPr marR="0" algn="l" rtl="0"/>
-                      <a:r>
-                        <a:rPr lang="en-US" altLang="zh-CN" sz="1100" dirty="0">
-                          <a:latin typeface="Courier New" panose="02070309020205020404" pitchFamily="49" charset="0"/>
-                          <a:cs typeface="Courier New" panose="02070309020205020404" pitchFamily="49" charset="0"/>
-                        </a:rPr>
-                        <a:t>  ...</a:t>
-                      </a:r>
-                    </a:p>
-                    <a:p>
-                      <a:pPr marR="0" algn="l" rtl="0"/>
-                      <a:r>
-                        <a:rPr lang="en-US" altLang="zh-CN" sz="1100" dirty="0">
-                          <a:latin typeface="Courier New" panose="02070309020205020404" pitchFamily="49" charset="0"/>
-                          <a:cs typeface="Courier New" panose="02070309020205020404" pitchFamily="49" charset="0"/>
-                        </a:rPr>
-                        <a:t>}</a:t>
-                      </a:r>
-                      <a:endParaRPr lang="zh-CN" altLang="en-US" sz="1100" dirty="0">
-                        <a:latin typeface="Courier New" panose="02070309020205020404" pitchFamily="49" charset="0"/>
-                        <a:cs typeface="Courier New" panose="02070309020205020404" pitchFamily="49" charset="0"/>
-                      </a:endParaRPr>
-                    </a:p>
-                  </a:txBody>
-                  <a:tcPr anchor="ctr"/>
-                </a:tc>
-                <a:tc>
-                  <a:txBody>
-                    <a:bodyPr/>
-                    <a:lstStyle/>
-                    <a:p>
-                      <a:pPr marR="0" algn="l" rtl="0"/>
-                      <a:r>
-                        <a:rPr lang="en-US" altLang="zh-CN" sz="1100" dirty="0">
-                          <a:latin typeface="Courier New" panose="02070309020205020404" pitchFamily="49" charset="0"/>
-                          <a:cs typeface="Courier New" panose="02070309020205020404" pitchFamily="49" charset="0"/>
-                        </a:rPr>
-                        <a:t>...</a:t>
-                      </a:r>
-                      <a:endParaRPr lang="zh-CN" altLang="en-US" sz="1100" dirty="0">
-                        <a:latin typeface="Courier New" panose="02070309020205020404" pitchFamily="49" charset="0"/>
-                        <a:cs typeface="Courier New" panose="02070309020205020404" pitchFamily="49" charset="0"/>
-                      </a:endParaRPr>
-                    </a:p>
-                  </a:txBody>
-                  <a:tcPr anchor="ctr"/>
-                </a:tc>
-                <a:extLst>
-                  <a:ext uri="{0D108BD9-81ED-4DB2-BD59-A6C34878D82A}">
-                    <a16:rowId xmlns:a16="http://schemas.microsoft.com/office/drawing/2014/main" xmlns="" val="1148156286"/>
+                    <a16:rowId xmlns="" xmlns:a16="http://schemas.microsoft.com/office/drawing/2014/main" val="3985160712"/>
                   </a:ext>
                 </a:extLst>
               </a:tr>
@@ -7581,14 +8049,14 @@
             <p:ph idx="1"/>
             <p:extLst>
               <p:ext uri="{D42A27DB-BD31-4B8C-83A1-F6EECF244321}">
-                <p14:modId xmlns:p14="http://schemas.microsoft.com/office/powerpoint/2010/main" val="699957434"/>
+                <p14:modId xmlns:p14="http://schemas.microsoft.com/office/powerpoint/2010/main" val="177337848"/>
               </p:ext>
             </p:extLst>
           </p:nvPr>
         </p:nvGraphicFramePr>
         <p:xfrm>
-          <a:off x="1" y="114301"/>
-          <a:ext cx="12184380" cy="8436544"/>
+          <a:off x="1" y="3040063"/>
+          <a:ext cx="12184380" cy="7305576"/>
         </p:xfrm>
         <a:graphic>
           <a:graphicData uri="http://schemas.openxmlformats.org/drawingml/2006/table">
@@ -7600,14 +8068,14 @@
                 <a:gridCol w="371794">
                   <a:extLst>
                     <a:ext uri="{9D8B030D-6E8A-4147-A177-3AD203B41FA5}">
-                      <a16:colId xmlns:a16="http://schemas.microsoft.com/office/drawing/2014/main" xmlns="" val="979900478"/>
+                      <a16:colId xmlns="" xmlns:a16="http://schemas.microsoft.com/office/drawing/2014/main" val="979900478"/>
                     </a:ext>
                   </a:extLst>
                 </a:gridCol>
                 <a:gridCol w="4208859">
                   <a:extLst>
                     <a:ext uri="{9D8B030D-6E8A-4147-A177-3AD203B41FA5}">
-                      <a16:colId xmlns:a16="http://schemas.microsoft.com/office/drawing/2014/main" xmlns="" val="286836760"/>
+                      <a16:colId xmlns="" xmlns:a16="http://schemas.microsoft.com/office/drawing/2014/main" val="286836760"/>
                     </a:ext>
                   </a:extLst>
                 </a:gridCol>
@@ -7615,7 +8083,7 @@
                 <a:gridCol w="1697434">
                   <a:extLst>
                     <a:ext uri="{9D8B030D-6E8A-4147-A177-3AD203B41FA5}">
-                      <a16:colId xmlns:a16="http://schemas.microsoft.com/office/drawing/2014/main" xmlns="" val="2860468690"/>
+                      <a16:colId xmlns="" xmlns:a16="http://schemas.microsoft.com/office/drawing/2014/main" val="2860468690"/>
                     </a:ext>
                   </a:extLst>
                 </a:gridCol>
@@ -7707,7 +8175,7 @@
                 </a:tc>
                 <a:extLst>
                   <a:ext uri="{0D108BD9-81ED-4DB2-BD59-A6C34878D82A}">
-                    <a16:rowId xmlns:a16="http://schemas.microsoft.com/office/drawing/2014/main" xmlns="" val="255238892"/>
+                    <a16:rowId xmlns="" xmlns:a16="http://schemas.microsoft.com/office/drawing/2014/main" val="255238892"/>
                   </a:ext>
                 </a:extLst>
               </a:tr>
@@ -8784,7 +9252,7 @@
                 </a:tc>
                 <a:extLst>
                   <a:ext uri="{0D108BD9-81ED-4DB2-BD59-A6C34878D82A}">
-                    <a16:rowId xmlns:a16="http://schemas.microsoft.com/office/drawing/2014/main" xmlns="" val="719721223"/>
+                    <a16:rowId xmlns="" xmlns:a16="http://schemas.microsoft.com/office/drawing/2014/main" val="719721223"/>
                   </a:ext>
                 </a:extLst>
               </a:tr>
@@ -9274,7 +9742,7 @@
                 </a:tc>
                 <a:extLst>
                   <a:ext uri="{0D108BD9-81ED-4DB2-BD59-A6C34878D82A}">
-                    <a16:rowId xmlns:a16="http://schemas.microsoft.com/office/drawing/2014/main" xmlns="" val="2936119967"/>
+                    <a16:rowId xmlns="" xmlns:a16="http://schemas.microsoft.com/office/drawing/2014/main" val="2936119967"/>
                   </a:ext>
                 </a:extLst>
               </a:tr>
@@ -10014,7 +10482,7 @@
                 </a:tc>
                 <a:extLst>
                   <a:ext uri="{0D108BD9-81ED-4DB2-BD59-A6C34878D82A}">
-                    <a16:rowId xmlns:a16="http://schemas.microsoft.com/office/drawing/2014/main" xmlns="" val="3067181177"/>
+                    <a16:rowId xmlns="" xmlns:a16="http://schemas.microsoft.com/office/drawing/2014/main" val="3067181177"/>
                   </a:ext>
                 </a:extLst>
               </a:tr>
@@ -10462,431 +10930,7 @@
                 </a:tc>
                 <a:extLst>
                   <a:ext uri="{0D108BD9-81ED-4DB2-BD59-A6C34878D82A}">
-                    <a16:rowId xmlns:a16="http://schemas.microsoft.com/office/drawing/2014/main" xmlns="" val="3351539951"/>
-                  </a:ext>
-                </a:extLst>
-              </a:tr>
-              <a:tr h="1130968">
-                <a:tc>
-                  <a:txBody>
-                    <a:bodyPr/>
-                    <a:lstStyle/>
-                    <a:p>
-                      <a:pPr marR="0" algn="ctr" rtl="0"/>
-                      <a:r>
-                        <a:rPr lang="en-US" altLang="zh-CN" sz="1100" dirty="0" smtClean="0">
-                          <a:latin typeface="Courier New" panose="02070309020205020404" pitchFamily="49" charset="0"/>
-                          <a:cs typeface="Courier New" panose="02070309020205020404" pitchFamily="49" charset="0"/>
-                        </a:rPr>
-                        <a:t>11</a:t>
-                      </a:r>
-                      <a:endParaRPr lang="zh-CN" altLang="en-US" sz="1100" dirty="0">
-                        <a:latin typeface="Courier New" panose="02070309020205020404" pitchFamily="49" charset="0"/>
-                        <a:cs typeface="Courier New" panose="02070309020205020404" pitchFamily="49" charset="0"/>
-                      </a:endParaRPr>
-                    </a:p>
-                  </a:txBody>
-                  <a:tcPr anchor="ctr"/>
-                </a:tc>
-                <a:tc>
-                  <a:txBody>
-                    <a:bodyPr/>
-                    <a:lstStyle/>
-                    <a:p>
-                      <a:pPr marL="0" marR="0" indent="0" algn="l" rtl="0">
-                        <a:buFontTx/>
-                        <a:buNone/>
-                      </a:pPr>
-                      <a:r>
-                        <a:rPr lang="en-US" altLang="zh-CN" sz="1100" dirty="0">
-                          <a:solidFill>
-                            <a:srgbClr val="C00000"/>
-                          </a:solidFill>
-                          <a:latin typeface="Courier New" panose="02070309020205020404" pitchFamily="49" charset="0"/>
-                          <a:cs typeface="Courier New" panose="02070309020205020404" pitchFamily="49" charset="0"/>
-                        </a:rPr>
-                        <a:t>-private volatile long </a:t>
-                      </a:r>
-                      <a:r>
-                        <a:rPr lang="en-US" altLang="zh-CN" sz="1100" dirty="0" err="1">
-                          <a:solidFill>
-                            <a:srgbClr val="C00000"/>
-                          </a:solidFill>
-                          <a:latin typeface="Courier New" panose="02070309020205020404" pitchFamily="49" charset="0"/>
-                          <a:cs typeface="Courier New" panose="02070309020205020404" pitchFamily="49" charset="0"/>
-                        </a:rPr>
-                        <a:t>genstamp</a:t>
-                      </a:r>
-                      <a:r>
-                        <a:rPr lang="en-US" altLang="zh-CN" sz="1100" dirty="0">
-                          <a:solidFill>
-                            <a:srgbClr val="C00000"/>
-                          </a:solidFill>
-                          <a:latin typeface="Courier New" panose="02070309020205020404" pitchFamily="49" charset="0"/>
-                          <a:cs typeface="Courier New" panose="02070309020205020404" pitchFamily="49" charset="0"/>
-                        </a:rPr>
-                        <a:t>;</a:t>
-                      </a:r>
-                    </a:p>
-                    <a:p>
-                      <a:pPr marL="0" marR="0" indent="0" algn="l" rtl="0">
-                        <a:buFontTx/>
-                        <a:buNone/>
-                      </a:pPr>
-                      <a:endParaRPr lang="en-US" altLang="zh-CN" sz="1100" dirty="0">
-                        <a:solidFill>
-                          <a:srgbClr val="C00000"/>
-                        </a:solidFill>
-                        <a:latin typeface="Courier New" panose="02070309020205020404" pitchFamily="49" charset="0"/>
-                        <a:cs typeface="Courier New" panose="02070309020205020404" pitchFamily="49" charset="0"/>
-                      </a:endParaRPr>
-                    </a:p>
-                    <a:p>
-                      <a:pPr marL="0" marR="0" indent="0" algn="l" rtl="0">
-                        <a:buFontTx/>
-                        <a:buNone/>
-                      </a:pPr>
-                      <a:r>
-                        <a:rPr lang="en-US" altLang="zh-CN" sz="1100" dirty="0">
-                          <a:solidFill>
-                            <a:srgbClr val="C00000"/>
-                          </a:solidFill>
-                          <a:latin typeface="Courier New" panose="02070309020205020404" pitchFamily="49" charset="0"/>
-                          <a:cs typeface="Courier New" panose="02070309020205020404" pitchFamily="49" charset="0"/>
-                        </a:rPr>
-                        <a:t>-public synchronized long </a:t>
-                      </a:r>
-                      <a:r>
-                        <a:rPr lang="en-US" altLang="zh-CN" sz="1100" dirty="0" err="1">
-                          <a:solidFill>
-                            <a:srgbClr val="C00000"/>
-                          </a:solidFill>
-                          <a:latin typeface="Courier New" panose="02070309020205020404" pitchFamily="49" charset="0"/>
-                          <a:cs typeface="Courier New" panose="02070309020205020404" pitchFamily="49" charset="0"/>
-                        </a:rPr>
-                        <a:t>nextStamp</a:t>
-                      </a:r>
-                      <a:r>
-                        <a:rPr lang="en-US" altLang="zh-CN" sz="1100" dirty="0">
-                          <a:solidFill>
-                            <a:srgbClr val="C00000"/>
-                          </a:solidFill>
-                          <a:latin typeface="Courier New" panose="02070309020205020404" pitchFamily="49" charset="0"/>
-                          <a:cs typeface="Courier New" panose="02070309020205020404" pitchFamily="49" charset="0"/>
-                        </a:rPr>
-                        <a:t>() {</a:t>
-                      </a:r>
-                    </a:p>
-                    <a:p>
-                      <a:pPr marL="0" marR="0" indent="0" algn="l" rtl="0">
-                        <a:buFontTx/>
-                        <a:buNone/>
-                      </a:pPr>
-                      <a:r>
-                        <a:rPr lang="en-US" altLang="zh-CN" sz="1100" dirty="0">
-                          <a:solidFill>
-                            <a:srgbClr val="C00000"/>
-                          </a:solidFill>
-                          <a:latin typeface="Courier New" panose="02070309020205020404" pitchFamily="49" charset="0"/>
-                          <a:cs typeface="Courier New" panose="02070309020205020404" pitchFamily="49" charset="0"/>
-                        </a:rPr>
-                        <a:t>-  </a:t>
-                      </a:r>
-                      <a:r>
-                        <a:rPr lang="en-US" altLang="zh-CN" sz="1100" dirty="0" err="1">
-                          <a:solidFill>
-                            <a:srgbClr val="C00000"/>
-                          </a:solidFill>
-                          <a:latin typeface="Courier New" panose="02070309020205020404" pitchFamily="49" charset="0"/>
-                          <a:cs typeface="Courier New" panose="02070309020205020404" pitchFamily="49" charset="0"/>
-                        </a:rPr>
-                        <a:t>this.genstamp</a:t>
-                      </a:r>
-                      <a:r>
-                        <a:rPr lang="en-US" altLang="zh-CN" sz="1100" dirty="0">
-                          <a:solidFill>
-                            <a:srgbClr val="C00000"/>
-                          </a:solidFill>
-                          <a:latin typeface="Courier New" panose="02070309020205020404" pitchFamily="49" charset="0"/>
-                          <a:cs typeface="Courier New" panose="02070309020205020404" pitchFamily="49" charset="0"/>
-                        </a:rPr>
-                        <a:t>++;</a:t>
-                      </a:r>
-                    </a:p>
-                    <a:p>
-                      <a:pPr marL="0" marR="0" indent="0" algn="l" rtl="0">
-                        <a:buFontTx/>
-                        <a:buNone/>
-                      </a:pPr>
-                      <a:r>
-                        <a:rPr lang="en-US" altLang="zh-CN" sz="1100" dirty="0">
-                          <a:solidFill>
-                            <a:srgbClr val="C00000"/>
-                          </a:solidFill>
-                          <a:latin typeface="Courier New" panose="02070309020205020404" pitchFamily="49" charset="0"/>
-                          <a:cs typeface="Courier New" panose="02070309020205020404" pitchFamily="49" charset="0"/>
-                        </a:rPr>
-                        <a:t>-  return </a:t>
-                      </a:r>
-                      <a:r>
-                        <a:rPr lang="en-US" altLang="zh-CN" sz="1100" dirty="0" err="1">
-                          <a:solidFill>
-                            <a:srgbClr val="C00000"/>
-                          </a:solidFill>
-                          <a:latin typeface="Courier New" panose="02070309020205020404" pitchFamily="49" charset="0"/>
-                          <a:cs typeface="Courier New" panose="02070309020205020404" pitchFamily="49" charset="0"/>
-                        </a:rPr>
-                        <a:t>this.genstamp</a:t>
-                      </a:r>
-                      <a:r>
-                        <a:rPr lang="en-US" altLang="zh-CN" sz="1100" dirty="0">
-                          <a:solidFill>
-                            <a:srgbClr val="C00000"/>
-                          </a:solidFill>
-                          <a:latin typeface="Courier New" panose="02070309020205020404" pitchFamily="49" charset="0"/>
-                          <a:cs typeface="Courier New" panose="02070309020205020404" pitchFamily="49" charset="0"/>
-                        </a:rPr>
-                        <a:t>;</a:t>
-                      </a:r>
-                    </a:p>
-                    <a:p>
-                      <a:pPr marL="0" marR="0" indent="0" algn="l" rtl="0">
-                        <a:buFontTx/>
-                        <a:buNone/>
-                      </a:pPr>
-                      <a:r>
-                        <a:rPr lang="en-US" altLang="zh-CN" sz="1100" dirty="0">
-                          <a:solidFill>
-                            <a:srgbClr val="C00000"/>
-                          </a:solidFill>
-                          <a:latin typeface="Courier New" panose="02070309020205020404" pitchFamily="49" charset="0"/>
-                          <a:cs typeface="Courier New" panose="02070309020205020404" pitchFamily="49" charset="0"/>
-                        </a:rPr>
-                        <a:t> </a:t>
-                      </a:r>
-                      <a:r>
-                        <a:rPr lang="en-US" altLang="zh-CN" sz="1100" dirty="0">
-                          <a:solidFill>
-                            <a:schemeClr val="tx1"/>
-                          </a:solidFill>
-                          <a:latin typeface="Courier New" panose="02070309020205020404" pitchFamily="49" charset="0"/>
-                          <a:cs typeface="Courier New" panose="02070309020205020404" pitchFamily="49" charset="0"/>
-                        </a:rPr>
-                        <a:t>}</a:t>
-                      </a:r>
-                    </a:p>
-                  </a:txBody>
-                  <a:tcPr/>
-                </a:tc>
-                <a:tc>
-                  <a:txBody>
-                    <a:bodyPr/>
-                    <a:lstStyle/>
-                    <a:p>
-                      <a:pPr marR="0" algn="l" rtl="0"/>
-                      <a:r>
-                        <a:rPr lang="en-US" altLang="zh-CN" sz="1100" dirty="0">
-                          <a:solidFill>
-                            <a:srgbClr val="0070C0"/>
-                          </a:solidFill>
-                          <a:latin typeface="Courier New" panose="02070309020205020404" pitchFamily="49" charset="0"/>
-                          <a:cs typeface="Courier New" panose="02070309020205020404" pitchFamily="49" charset="0"/>
-                        </a:rPr>
-                        <a:t>+private </a:t>
-                      </a:r>
-                      <a:r>
-                        <a:rPr lang="en-US" altLang="zh-CN" sz="1100" dirty="0" err="1">
-                          <a:solidFill>
-                            <a:srgbClr val="0070C0"/>
-                          </a:solidFill>
-                          <a:latin typeface="Courier New" panose="02070309020205020404" pitchFamily="49" charset="0"/>
-                          <a:cs typeface="Courier New" panose="02070309020205020404" pitchFamily="49" charset="0"/>
-                        </a:rPr>
-                        <a:t>AtomicLong</a:t>
-                      </a:r>
-                      <a:r>
-                        <a:rPr lang="en-US" altLang="zh-CN" sz="1100" dirty="0">
-                          <a:solidFill>
-                            <a:srgbClr val="0070C0"/>
-                          </a:solidFill>
-                          <a:latin typeface="Courier New" panose="02070309020205020404" pitchFamily="49" charset="0"/>
-                          <a:cs typeface="Courier New" panose="02070309020205020404" pitchFamily="49" charset="0"/>
-                        </a:rPr>
-                        <a:t> </a:t>
-                      </a:r>
-                      <a:r>
-                        <a:rPr lang="en-US" altLang="zh-CN" sz="1100" dirty="0" err="1">
-                          <a:solidFill>
-                            <a:srgbClr val="0070C0"/>
-                          </a:solidFill>
-                          <a:latin typeface="Courier New" panose="02070309020205020404" pitchFamily="49" charset="0"/>
-                          <a:cs typeface="Courier New" panose="02070309020205020404" pitchFamily="49" charset="0"/>
-                        </a:rPr>
-                        <a:t>genstamp</a:t>
-                      </a:r>
-                      <a:r>
-                        <a:rPr lang="en-US" altLang="zh-CN" sz="1100" dirty="0">
-                          <a:solidFill>
-                            <a:srgbClr val="0070C0"/>
-                          </a:solidFill>
-                          <a:latin typeface="Courier New" panose="02070309020205020404" pitchFamily="49" charset="0"/>
-                          <a:cs typeface="Courier New" panose="02070309020205020404" pitchFamily="49" charset="0"/>
-                        </a:rPr>
-                        <a:t> =</a:t>
-                      </a:r>
-                    </a:p>
-                    <a:p>
-                      <a:pPr marR="0" algn="l" rtl="0"/>
-                      <a:r>
-                        <a:rPr lang="en-US" altLang="zh-CN" sz="1100" dirty="0">
-                          <a:solidFill>
-                            <a:srgbClr val="0070C0"/>
-                          </a:solidFill>
-                          <a:latin typeface="Courier New" panose="02070309020205020404" pitchFamily="49" charset="0"/>
-                          <a:cs typeface="Courier New" panose="02070309020205020404" pitchFamily="49" charset="0"/>
-                        </a:rPr>
-                        <a:t>+  new </a:t>
-                      </a:r>
-                      <a:r>
-                        <a:rPr lang="en-US" altLang="zh-CN" sz="1100" dirty="0" err="1">
-                          <a:solidFill>
-                            <a:srgbClr val="0070C0"/>
-                          </a:solidFill>
-                          <a:latin typeface="Courier New" panose="02070309020205020404" pitchFamily="49" charset="0"/>
-                          <a:cs typeface="Courier New" panose="02070309020205020404" pitchFamily="49" charset="0"/>
-                        </a:rPr>
-                        <a:t>AtomicLong</a:t>
-                      </a:r>
-                      <a:r>
-                        <a:rPr lang="en-US" altLang="zh-CN" sz="1100" dirty="0">
-                          <a:solidFill>
-                            <a:srgbClr val="0070C0"/>
-                          </a:solidFill>
-                          <a:latin typeface="Courier New" panose="02070309020205020404" pitchFamily="49" charset="0"/>
-                          <a:cs typeface="Courier New" panose="02070309020205020404" pitchFamily="49" charset="0"/>
-                        </a:rPr>
-                        <a:t>();</a:t>
-                      </a:r>
-                    </a:p>
-                    <a:p>
-                      <a:pPr marR="0" algn="l" rtl="0"/>
-                      <a:r>
-                        <a:rPr lang="en-US" altLang="zh-CN" sz="1100" dirty="0">
-                          <a:solidFill>
-                            <a:srgbClr val="0070C0"/>
-                          </a:solidFill>
-                          <a:latin typeface="Courier New" panose="02070309020205020404" pitchFamily="49" charset="0"/>
-                          <a:cs typeface="Courier New" panose="02070309020205020404" pitchFamily="49" charset="0"/>
-                        </a:rPr>
-                        <a:t>+public long </a:t>
-                      </a:r>
-                      <a:r>
-                        <a:rPr lang="en-US" altLang="zh-CN" sz="1100" dirty="0" err="1">
-                          <a:solidFill>
-                            <a:srgbClr val="0070C0"/>
-                          </a:solidFill>
-                          <a:latin typeface="Courier New" panose="02070309020205020404" pitchFamily="49" charset="0"/>
-                          <a:cs typeface="Courier New" panose="02070309020205020404" pitchFamily="49" charset="0"/>
-                        </a:rPr>
-                        <a:t>nextStamp</a:t>
-                      </a:r>
-                      <a:r>
-                        <a:rPr lang="en-US" altLang="zh-CN" sz="1100" dirty="0">
-                          <a:solidFill>
-                            <a:srgbClr val="0070C0"/>
-                          </a:solidFill>
-                          <a:latin typeface="Courier New" panose="02070309020205020404" pitchFamily="49" charset="0"/>
-                          <a:cs typeface="Courier New" panose="02070309020205020404" pitchFamily="49" charset="0"/>
-                        </a:rPr>
-                        <a:t>() {</a:t>
-                      </a:r>
-                    </a:p>
-                    <a:p>
-                      <a:pPr marR="0" algn="l" rtl="0"/>
-                      <a:r>
-                        <a:rPr lang="en-US" altLang="zh-CN" sz="1100" dirty="0">
-                          <a:solidFill>
-                            <a:srgbClr val="0070C0"/>
-                          </a:solidFill>
-                          <a:latin typeface="Courier New" panose="02070309020205020404" pitchFamily="49" charset="0"/>
-                          <a:cs typeface="Courier New" panose="02070309020205020404" pitchFamily="49" charset="0"/>
-                        </a:rPr>
-                        <a:t>+  return </a:t>
-                      </a:r>
-                      <a:r>
-                        <a:rPr lang="en-US" altLang="zh-CN" sz="1100" dirty="0" err="1">
-                          <a:solidFill>
-                            <a:srgbClr val="0070C0"/>
-                          </a:solidFill>
-                          <a:latin typeface="Courier New" panose="02070309020205020404" pitchFamily="49" charset="0"/>
-                          <a:cs typeface="Courier New" panose="02070309020205020404" pitchFamily="49" charset="0"/>
-                        </a:rPr>
-                        <a:t>genstamp.incrementAndGet</a:t>
-                      </a:r>
-                      <a:r>
-                        <a:rPr lang="en-US" altLang="zh-CN" sz="1100" dirty="0">
-                          <a:solidFill>
-                            <a:srgbClr val="0070C0"/>
-                          </a:solidFill>
-                          <a:latin typeface="Courier New" panose="02070309020205020404" pitchFamily="49" charset="0"/>
-                          <a:cs typeface="Courier New" panose="02070309020205020404" pitchFamily="49" charset="0"/>
-                        </a:rPr>
-                        <a:t>();</a:t>
-                      </a:r>
-                    </a:p>
-                    <a:p>
-                      <a:pPr marR="0" algn="l" rtl="0"/>
-                      <a:endParaRPr lang="en-US" altLang="zh-CN" sz="1100" dirty="0">
-                        <a:solidFill>
-                          <a:srgbClr val="0070C0"/>
-                        </a:solidFill>
-                        <a:latin typeface="Courier New" panose="02070309020205020404" pitchFamily="49" charset="0"/>
-                        <a:cs typeface="Courier New" panose="02070309020205020404" pitchFamily="49" charset="0"/>
-                      </a:endParaRPr>
-                    </a:p>
-                    <a:p>
-                      <a:pPr marR="0" algn="l" rtl="0"/>
-                      <a:r>
-                        <a:rPr lang="en-US" altLang="zh-CN" sz="1100" dirty="0">
-                          <a:solidFill>
-                            <a:schemeClr val="tx1"/>
-                          </a:solidFill>
-                          <a:latin typeface="Courier New" panose="02070309020205020404" pitchFamily="49" charset="0"/>
-                          <a:cs typeface="Courier New" panose="02070309020205020404" pitchFamily="49" charset="0"/>
-                        </a:rPr>
-                        <a:t>}</a:t>
-                      </a:r>
-                    </a:p>
-                  </a:txBody>
-                  <a:tcPr/>
-                </a:tc>
-                <a:tc>
-                  <a:txBody>
-                    <a:bodyPr/>
-                    <a:lstStyle/>
-                    <a:p>
-                      <a:pPr marR="0" algn="l" rtl="0"/>
-                      <a:endParaRPr lang="zh-CN" altLang="en-US" sz="1100" dirty="0">
-                        <a:latin typeface="Courier New" panose="02070309020205020404" pitchFamily="49" charset="0"/>
-                        <a:cs typeface="Courier New" panose="02070309020205020404" pitchFamily="49" charset="0"/>
-                      </a:endParaRPr>
-                    </a:p>
-                  </a:txBody>
-                  <a:tcPr anchor="ctr"/>
-                </a:tc>
-                <a:tc>
-                  <a:txBody>
-                    <a:bodyPr/>
-                    <a:lstStyle/>
-                    <a:p>
-                      <a:endParaRPr lang="zh-CN" altLang="en-US" sz="2400" dirty="0"/>
-                    </a:p>
-                  </a:txBody>
-                  <a:tcPr anchor="ctr"/>
-                </a:tc>
-                <a:extLst>
-                  <a:ext uri="{0D108BD9-81ED-4DB2-BD59-A6C34878D82A}">
-                    <a16:rowId xmlns:a16="http://schemas.microsoft.com/office/drawing/2014/main" xmlns="" val="3805773755"/>
+                    <a16:rowId xmlns="" xmlns:a16="http://schemas.microsoft.com/office/drawing/2014/main" val="3351539951"/>
                   </a:ext>
                 </a:extLst>
               </a:tr>

--- a/visio/patterns.pptx
+++ b/visio/patterns.pptx
@@ -2982,7 +2982,7 @@
             <p:ph idx="1"/>
             <p:extLst>
               <p:ext uri="{D42A27DB-BD31-4B8C-83A1-F6EECF244321}">
-                <p14:modId xmlns:p14="http://schemas.microsoft.com/office/powerpoint/2010/main" val="3390760082"/>
+                <p14:modId xmlns:p14="http://schemas.microsoft.com/office/powerpoint/2010/main" val="2203489437"/>
               </p:ext>
             </p:extLst>
           </p:nvPr>
@@ -6248,11 +6248,11 @@
                     <a:p>
                       <a:pPr marR="0" algn="ctr" rtl="0"/>
                       <a:r>
-                        <a:rPr lang="en-US" altLang="zh-CN" sz="1100" dirty="0">
+                        <a:rPr lang="en-US" altLang="zh-CN" sz="1100" dirty="0" smtClean="0">
                           <a:latin typeface="Times New Roman" panose="02020603050405020304" pitchFamily="18" charset="0"/>
                           <a:cs typeface="Times New Roman" panose="02020603050405020304" pitchFamily="18" charset="0"/>
                         </a:rPr>
-                        <a:t>5</a:t>
+                        <a:t>4</a:t>
                       </a:r>
                       <a:endParaRPr lang="zh-CN" altLang="en-US" sz="1100" dirty="0">
                         <a:latin typeface="Times New Roman" panose="02020603050405020304" pitchFamily="18" charset="0"/>
@@ -6545,11 +6545,11 @@
                     <a:p>
                       <a:pPr marR="0" algn="ctr" rtl="0"/>
                       <a:r>
-                        <a:rPr lang="en-US" altLang="zh-CN" sz="1100" dirty="0">
+                        <a:rPr lang="en-US" altLang="zh-CN" sz="1100" dirty="0" smtClean="0">
                           <a:latin typeface="Times New Roman" panose="02020603050405020304" pitchFamily="18" charset="0"/>
                           <a:cs typeface="Times New Roman" panose="02020603050405020304" pitchFamily="18" charset="0"/>
                         </a:rPr>
-                        <a:t>6</a:t>
+                        <a:t>5</a:t>
                       </a:r>
                       <a:endParaRPr lang="zh-CN" altLang="en-US" sz="1100" dirty="0">
                         <a:latin typeface="Times New Roman" panose="02020603050405020304" pitchFamily="18" charset="0"/>
@@ -7079,15 +7079,15 @@
                     <a:p>
                       <a:pPr marR="0" algn="ctr" rtl="0"/>
                       <a:r>
-                        <a:rPr lang="en-US" altLang="zh-CN" sz="1100" dirty="0">
-                          <a:latin typeface="Courier New" panose="02070309020205020404" pitchFamily="49" charset="0"/>
-                          <a:cs typeface="Courier New" panose="02070309020205020404" pitchFamily="49" charset="0"/>
-                        </a:rPr>
-                        <a:t>8</a:t>
+                        <a:rPr lang="en-US" altLang="zh-CN" sz="1100" dirty="0" smtClean="0">
+                          <a:latin typeface="Times New Roman" panose="02020603050405020304" pitchFamily="18" charset="0"/>
+                          <a:cs typeface="Times New Roman" panose="02020603050405020304" pitchFamily="18" charset="0"/>
+                        </a:rPr>
+                        <a:t>6</a:t>
                       </a:r>
                       <a:endParaRPr lang="zh-CN" altLang="en-US" sz="1100" dirty="0">
-                        <a:latin typeface="Courier New" panose="02070309020205020404" pitchFamily="49" charset="0"/>
-                        <a:cs typeface="Courier New" panose="02070309020205020404" pitchFamily="49" charset="0"/>
+                        <a:latin typeface="Times New Roman" panose="02020603050405020304" pitchFamily="18" charset="0"/>
+                        <a:cs typeface="Times New Roman" panose="02020603050405020304" pitchFamily="18" charset="0"/>
                       </a:endParaRPr>
                     </a:p>
                   </a:txBody>
@@ -7564,11 +7564,11 @@
                     <a:p>
                       <a:pPr marR="0" algn="ctr" rtl="0"/>
                       <a:r>
-                        <a:rPr lang="en-US" altLang="zh-CN" sz="1100" dirty="0">
+                        <a:rPr lang="en-US" altLang="zh-CN" sz="1100" dirty="0" smtClean="0">
                           <a:latin typeface="Times New Roman" panose="02020603050405020304" pitchFamily="18" charset="0"/>
                           <a:cs typeface="Times New Roman" panose="02020603050405020304" pitchFamily="18" charset="0"/>
                         </a:rPr>
-                        <a:t>4</a:t>
+                        <a:t>7</a:t>
                       </a:r>
                       <a:endParaRPr lang="zh-CN" altLang="en-US" sz="1100" dirty="0">
                         <a:latin typeface="Times New Roman" panose="02020603050405020304" pitchFamily="18" charset="0"/>

--- a/visio/patterns.pptx
+++ b/visio/patterns.pptx
@@ -2,13 +2,13 @@
 <file path=ppt/presentation.xml><?xml version="1.0" encoding="utf-8"?>
 <p:presentation xmlns:a="http://schemas.openxmlformats.org/drawingml/2006/main" xmlns:r="http://schemas.openxmlformats.org/officeDocument/2006/relationships" xmlns:p="http://schemas.openxmlformats.org/presentationml/2006/main" saveSubsetFonts="1">
   <p:sldMasterIdLst>
-    <p:sldMasterId id="2147483744" r:id="rId1"/>
+    <p:sldMasterId id="2147483816" r:id="rId1"/>
   </p:sldMasterIdLst>
   <p:sldIdLst>
     <p:sldId id="257" r:id="rId2"/>
     <p:sldId id="258" r:id="rId3"/>
   </p:sldIdLst>
-  <p:sldSz cx="12192000" cy="14538325"/>
+  <p:sldSz cx="12192000" cy="7407275"/>
   <p:notesSz cx="6858000" cy="9144000"/>
   <p:defaultTextStyle>
     <a:defPPr>
@@ -142,15 +142,15 @@
         </p:nvSpPr>
         <p:spPr>
           <a:xfrm>
-            <a:off x="914400" y="2379306"/>
-            <a:ext cx="10363200" cy="5061491"/>
+            <a:off x="1524000" y="1212256"/>
+            <a:ext cx="9144000" cy="2578829"/>
           </a:xfrm>
         </p:spPr>
         <p:txBody>
           <a:bodyPr anchor="b"/>
           <a:lstStyle>
             <a:lvl1pPr algn="ctr">
-              <a:defRPr sz="8000"/>
+              <a:defRPr sz="6000"/>
             </a:lvl1pPr>
           </a:lstStyle>
           <a:p>
@@ -174,8 +174,8 @@
         </p:nvSpPr>
         <p:spPr>
           <a:xfrm>
-            <a:off x="1524000" y="7635987"/>
-            <a:ext cx="9144000" cy="3510062"/>
+            <a:off x="1524000" y="3890535"/>
+            <a:ext cx="9144000" cy="1788376"/>
           </a:xfrm>
         </p:spPr>
         <p:txBody>
@@ -183,39 +183,39 @@
           <a:lstStyle>
             <a:lvl1pPr marL="0" indent="0" algn="ctr">
               <a:buNone/>
-              <a:defRPr sz="3200"/>
+              <a:defRPr sz="2400"/>
             </a:lvl1pPr>
-            <a:lvl2pPr marL="609585" indent="0" algn="ctr">
+            <a:lvl2pPr marL="457200" indent="0" algn="ctr">
               <a:buNone/>
-              <a:defRPr sz="2667"/>
+              <a:defRPr sz="2000"/>
             </a:lvl2pPr>
-            <a:lvl3pPr marL="1219170" indent="0" algn="ctr">
+            <a:lvl3pPr marL="914400" indent="0" algn="ctr">
               <a:buNone/>
-              <a:defRPr sz="2400"/>
+              <a:defRPr sz="1800"/>
             </a:lvl3pPr>
-            <a:lvl4pPr marL="1828754" indent="0" algn="ctr">
+            <a:lvl4pPr marL="1371600" indent="0" algn="ctr">
               <a:buNone/>
-              <a:defRPr sz="2133"/>
+              <a:defRPr sz="1600"/>
             </a:lvl4pPr>
-            <a:lvl5pPr marL="2438339" indent="0" algn="ctr">
+            <a:lvl5pPr marL="1828800" indent="0" algn="ctr">
               <a:buNone/>
-              <a:defRPr sz="2133"/>
+              <a:defRPr sz="1600"/>
             </a:lvl5pPr>
-            <a:lvl6pPr marL="3047924" indent="0" algn="ctr">
+            <a:lvl6pPr marL="2286000" indent="0" algn="ctr">
               <a:buNone/>
-              <a:defRPr sz="2133"/>
+              <a:defRPr sz="1600"/>
             </a:lvl6pPr>
-            <a:lvl7pPr marL="3657509" indent="0" algn="ctr">
+            <a:lvl7pPr marL="2743200" indent="0" algn="ctr">
               <a:buNone/>
-              <a:defRPr sz="2133"/>
+              <a:defRPr sz="1600"/>
             </a:lvl7pPr>
-            <a:lvl8pPr marL="4267093" indent="0" algn="ctr">
+            <a:lvl8pPr marL="3200400" indent="0" algn="ctr">
               <a:buNone/>
-              <a:defRPr sz="2133"/>
+              <a:defRPr sz="1600"/>
             </a:lvl8pPr>
-            <a:lvl9pPr marL="4876678" indent="0" algn="ctr">
+            <a:lvl9pPr marL="3657600" indent="0" algn="ctr">
               <a:buNone/>
-              <a:defRPr sz="2133"/>
+              <a:defRPr sz="1600"/>
             </a:lvl9pPr>
           </a:lstStyle>
           <a:p>
@@ -244,7 +244,7 @@
           <a:p>
             <a:fld id="{9A9588F4-A4CE-45D6-BF9E-2ECB20C17A22}" type="datetimeFigureOut">
               <a:rPr lang="zh-CN" altLang="en-US" smtClean="0"/>
-              <a:t>2017/4/6</a:t>
+              <a:t>2017/7/3</a:t>
             </a:fld>
             <a:endParaRPr lang="zh-CN" altLang="en-US"/>
           </a:p>
@@ -295,7 +295,7 @@
     </p:spTree>
     <p:extLst>
       <p:ext uri="{BB962C8B-B14F-4D97-AF65-F5344CB8AC3E}">
-        <p14:creationId xmlns:p14="http://schemas.microsoft.com/office/powerpoint/2010/main" val="2816721818"/>
+        <p14:creationId xmlns:p14="http://schemas.microsoft.com/office/powerpoint/2010/main" val="4269603206"/>
       </p:ext>
     </p:extLst>
   </p:cSld>
@@ -414,7 +414,7 @@
           <a:p>
             <a:fld id="{9A9588F4-A4CE-45D6-BF9E-2ECB20C17A22}" type="datetimeFigureOut">
               <a:rPr lang="zh-CN" altLang="en-US" smtClean="0"/>
-              <a:t>2017/4/6</a:t>
+              <a:t>2017/7/3</a:t>
             </a:fld>
             <a:endParaRPr lang="zh-CN" altLang="en-US"/>
           </a:p>
@@ -465,7 +465,7 @@
     </p:spTree>
     <p:extLst>
       <p:ext uri="{BB962C8B-B14F-4D97-AF65-F5344CB8AC3E}">
-        <p14:creationId xmlns:p14="http://schemas.microsoft.com/office/powerpoint/2010/main" val="2977084"/>
+        <p14:creationId xmlns:p14="http://schemas.microsoft.com/office/powerpoint/2010/main" val="4064349906"/>
       </p:ext>
     </p:extLst>
   </p:cSld>
@@ -504,8 +504,8 @@
         </p:nvSpPr>
         <p:spPr>
           <a:xfrm>
-            <a:off x="8724901" y="774031"/>
-            <a:ext cx="2628900" cy="12320558"/>
+            <a:off x="8724900" y="394369"/>
+            <a:ext cx="2628900" cy="6277323"/>
           </a:xfrm>
         </p:spPr>
         <p:txBody>
@@ -532,8 +532,8 @@
         </p:nvSpPr>
         <p:spPr>
           <a:xfrm>
-            <a:off x="838201" y="774031"/>
-            <a:ext cx="7734300" cy="12320558"/>
+            <a:off x="838200" y="394369"/>
+            <a:ext cx="7734300" cy="6277323"/>
           </a:xfrm>
         </p:spPr>
         <p:txBody>
@@ -594,7 +594,7 @@
           <a:p>
             <a:fld id="{9A9588F4-A4CE-45D6-BF9E-2ECB20C17A22}" type="datetimeFigureOut">
               <a:rPr lang="zh-CN" altLang="en-US" smtClean="0"/>
-              <a:t>2017/4/6</a:t>
+              <a:t>2017/7/3</a:t>
             </a:fld>
             <a:endParaRPr lang="zh-CN" altLang="en-US"/>
           </a:p>
@@ -645,7 +645,7 @@
     </p:spTree>
     <p:extLst>
       <p:ext uri="{BB962C8B-B14F-4D97-AF65-F5344CB8AC3E}">
-        <p14:creationId xmlns:p14="http://schemas.microsoft.com/office/powerpoint/2010/main" val="1665838495"/>
+        <p14:creationId xmlns:p14="http://schemas.microsoft.com/office/powerpoint/2010/main" val="1584499185"/>
       </p:ext>
     </p:extLst>
   </p:cSld>
@@ -764,7 +764,7 @@
           <a:p>
             <a:fld id="{9A9588F4-A4CE-45D6-BF9E-2ECB20C17A22}" type="datetimeFigureOut">
               <a:rPr lang="zh-CN" altLang="en-US" smtClean="0"/>
-              <a:t>2017/4/6</a:t>
+              <a:t>2017/7/3</a:t>
             </a:fld>
             <a:endParaRPr lang="zh-CN" altLang="en-US"/>
           </a:p>
@@ -815,7 +815,7 @@
     </p:spTree>
     <p:extLst>
       <p:ext uri="{BB962C8B-B14F-4D97-AF65-F5344CB8AC3E}">
-        <p14:creationId xmlns:p14="http://schemas.microsoft.com/office/powerpoint/2010/main" val="3493105935"/>
+        <p14:creationId xmlns:p14="http://schemas.microsoft.com/office/powerpoint/2010/main" val="1596302920"/>
       </p:ext>
     </p:extLst>
   </p:cSld>
@@ -854,15 +854,15 @@
         </p:nvSpPr>
         <p:spPr>
           <a:xfrm>
-            <a:off x="831851" y="3624490"/>
-            <a:ext cx="10515600" cy="6047538"/>
+            <a:off x="831850" y="1846676"/>
+            <a:ext cx="10515600" cy="3081220"/>
           </a:xfrm>
         </p:spPr>
         <p:txBody>
           <a:bodyPr anchor="b"/>
           <a:lstStyle>
             <a:lvl1pPr>
-              <a:defRPr sz="8000"/>
+              <a:defRPr sz="6000"/>
             </a:lvl1pPr>
           </a:lstStyle>
           <a:p>
@@ -886,32 +886,14 @@
         </p:nvSpPr>
         <p:spPr>
           <a:xfrm>
-            <a:off x="831851" y="9729240"/>
-            <a:ext cx="10515600" cy="3180258"/>
+            <a:off x="831850" y="4957045"/>
+            <a:ext cx="10515600" cy="1620341"/>
           </a:xfrm>
         </p:spPr>
         <p:txBody>
           <a:bodyPr/>
           <a:lstStyle>
             <a:lvl1pPr marL="0" indent="0">
-              <a:buNone/>
-              <a:defRPr sz="3200">
-                <a:solidFill>
-                  <a:schemeClr val="tx1"/>
-                </a:solidFill>
-              </a:defRPr>
-            </a:lvl1pPr>
-            <a:lvl2pPr marL="609585" indent="0">
-              <a:buNone/>
-              <a:defRPr sz="2667">
-                <a:solidFill>
-                  <a:schemeClr val="tx1">
-                    <a:tint val="75000"/>
-                  </a:schemeClr>
-                </a:solidFill>
-              </a:defRPr>
-            </a:lvl2pPr>
-            <a:lvl3pPr marL="1219170" indent="0">
               <a:buNone/>
               <a:defRPr sz="2400">
                 <a:solidFill>
@@ -920,10 +902,30 @@
                   </a:schemeClr>
                 </a:solidFill>
               </a:defRPr>
+            </a:lvl1pPr>
+            <a:lvl2pPr marL="457200" indent="0">
+              <a:buNone/>
+              <a:defRPr sz="2000">
+                <a:solidFill>
+                  <a:schemeClr val="tx1">
+                    <a:tint val="75000"/>
+                  </a:schemeClr>
+                </a:solidFill>
+              </a:defRPr>
+            </a:lvl2pPr>
+            <a:lvl3pPr marL="914400" indent="0">
+              <a:buNone/>
+              <a:defRPr sz="1800">
+                <a:solidFill>
+                  <a:schemeClr val="tx1">
+                    <a:tint val="75000"/>
+                  </a:schemeClr>
+                </a:solidFill>
+              </a:defRPr>
             </a:lvl3pPr>
-            <a:lvl4pPr marL="1828754" indent="0">
+            <a:lvl4pPr marL="1371600" indent="0">
               <a:buNone/>
-              <a:defRPr sz="2133">
+              <a:defRPr sz="1600">
                 <a:solidFill>
                   <a:schemeClr val="tx1">
                     <a:tint val="75000"/>
@@ -931,9 +933,9 @@
                 </a:solidFill>
               </a:defRPr>
             </a:lvl4pPr>
-            <a:lvl5pPr marL="2438339" indent="0">
+            <a:lvl5pPr marL="1828800" indent="0">
               <a:buNone/>
-              <a:defRPr sz="2133">
+              <a:defRPr sz="1600">
                 <a:solidFill>
                   <a:schemeClr val="tx1">
                     <a:tint val="75000"/>
@@ -941,9 +943,9 @@
                 </a:solidFill>
               </a:defRPr>
             </a:lvl5pPr>
-            <a:lvl6pPr marL="3047924" indent="0">
+            <a:lvl6pPr marL="2286000" indent="0">
               <a:buNone/>
-              <a:defRPr sz="2133">
+              <a:defRPr sz="1600">
                 <a:solidFill>
                   <a:schemeClr val="tx1">
                     <a:tint val="75000"/>
@@ -951,9 +953,9 @@
                 </a:solidFill>
               </a:defRPr>
             </a:lvl6pPr>
-            <a:lvl7pPr marL="3657509" indent="0">
+            <a:lvl7pPr marL="2743200" indent="0">
               <a:buNone/>
-              <a:defRPr sz="2133">
+              <a:defRPr sz="1600">
                 <a:solidFill>
                   <a:schemeClr val="tx1">
                     <a:tint val="75000"/>
@@ -961,9 +963,9 @@
                 </a:solidFill>
               </a:defRPr>
             </a:lvl7pPr>
-            <a:lvl8pPr marL="4267093" indent="0">
+            <a:lvl8pPr marL="3200400" indent="0">
               <a:buNone/>
-              <a:defRPr sz="2133">
+              <a:defRPr sz="1600">
                 <a:solidFill>
                   <a:schemeClr val="tx1">
                     <a:tint val="75000"/>
@@ -971,9 +973,9 @@
                 </a:solidFill>
               </a:defRPr>
             </a:lvl8pPr>
-            <a:lvl9pPr marL="4876678" indent="0">
+            <a:lvl9pPr marL="3657600" indent="0">
               <a:buNone/>
-              <a:defRPr sz="2133">
+              <a:defRPr sz="1600">
                 <a:solidFill>
                   <a:schemeClr val="tx1">
                     <a:tint val="75000"/>
@@ -1008,7 +1010,7 @@
           <a:p>
             <a:fld id="{9A9588F4-A4CE-45D6-BF9E-2ECB20C17A22}" type="datetimeFigureOut">
               <a:rPr lang="zh-CN" altLang="en-US" smtClean="0"/>
-              <a:t>2017/4/6</a:t>
+              <a:t>2017/7/3</a:t>
             </a:fld>
             <a:endParaRPr lang="zh-CN" altLang="en-US"/>
           </a:p>
@@ -1059,7 +1061,7 @@
     </p:spTree>
     <p:extLst>
       <p:ext uri="{BB962C8B-B14F-4D97-AF65-F5344CB8AC3E}">
-        <p14:creationId xmlns:p14="http://schemas.microsoft.com/office/powerpoint/2010/main" val="3002503097"/>
+        <p14:creationId xmlns:p14="http://schemas.microsoft.com/office/powerpoint/2010/main" val="488583080"/>
       </p:ext>
     </p:extLst>
   </p:cSld>
@@ -1121,8 +1123,8 @@
         </p:nvSpPr>
         <p:spPr>
           <a:xfrm>
-            <a:off x="838200" y="3870156"/>
-            <a:ext cx="5181600" cy="9224434"/>
+            <a:off x="838200" y="1971844"/>
+            <a:ext cx="5181600" cy="4699848"/>
           </a:xfrm>
         </p:spPr>
         <p:txBody>
@@ -1178,8 +1180,8 @@
         </p:nvSpPr>
         <p:spPr>
           <a:xfrm>
-            <a:off x="6172200" y="3870156"/>
-            <a:ext cx="5181600" cy="9224434"/>
+            <a:off x="6172200" y="1971844"/>
+            <a:ext cx="5181600" cy="4699848"/>
           </a:xfrm>
         </p:spPr>
         <p:txBody>
@@ -1240,7 +1242,7 @@
           <a:p>
             <a:fld id="{9A9588F4-A4CE-45D6-BF9E-2ECB20C17A22}" type="datetimeFigureOut">
               <a:rPr lang="zh-CN" altLang="en-US" smtClean="0"/>
-              <a:t>2017/4/6</a:t>
+              <a:t>2017/7/3</a:t>
             </a:fld>
             <a:endParaRPr lang="zh-CN" altLang="en-US"/>
           </a:p>
@@ -1291,7 +1293,7 @@
     </p:spTree>
     <p:extLst>
       <p:ext uri="{BB962C8B-B14F-4D97-AF65-F5344CB8AC3E}">
-        <p14:creationId xmlns:p14="http://schemas.microsoft.com/office/powerpoint/2010/main" val="4239688593"/>
+        <p14:creationId xmlns:p14="http://schemas.microsoft.com/office/powerpoint/2010/main" val="37256022"/>
       </p:ext>
     </p:extLst>
   </p:cSld>
@@ -1330,8 +1332,8 @@
         </p:nvSpPr>
         <p:spPr>
           <a:xfrm>
-            <a:off x="839788" y="774034"/>
-            <a:ext cx="10515600" cy="2810071"/>
+            <a:off x="839788" y="394369"/>
+            <a:ext cx="10515600" cy="1431731"/>
           </a:xfrm>
         </p:spPr>
         <p:txBody>
@@ -1358,8 +1360,8 @@
         </p:nvSpPr>
         <p:spPr>
           <a:xfrm>
-            <a:off x="839789" y="3563910"/>
-            <a:ext cx="5157787" cy="1746617"/>
+            <a:off x="839789" y="1815812"/>
+            <a:ext cx="5157787" cy="889901"/>
           </a:xfrm>
         </p:spPr>
         <p:txBody>
@@ -1367,39 +1369,39 @@
           <a:lstStyle>
             <a:lvl1pPr marL="0" indent="0">
               <a:buNone/>
-              <a:defRPr sz="3200" b="1"/>
+              <a:defRPr sz="2400" b="1"/>
             </a:lvl1pPr>
-            <a:lvl2pPr marL="609585" indent="0">
+            <a:lvl2pPr marL="457200" indent="0">
               <a:buNone/>
-              <a:defRPr sz="2667" b="1"/>
+              <a:defRPr sz="2000" b="1"/>
             </a:lvl2pPr>
-            <a:lvl3pPr marL="1219170" indent="0">
+            <a:lvl3pPr marL="914400" indent="0">
               <a:buNone/>
-              <a:defRPr sz="2400" b="1"/>
+              <a:defRPr sz="1800" b="1"/>
             </a:lvl3pPr>
-            <a:lvl4pPr marL="1828754" indent="0">
+            <a:lvl4pPr marL="1371600" indent="0">
               <a:buNone/>
-              <a:defRPr sz="2133" b="1"/>
+              <a:defRPr sz="1600" b="1"/>
             </a:lvl4pPr>
-            <a:lvl5pPr marL="2438339" indent="0">
+            <a:lvl5pPr marL="1828800" indent="0">
               <a:buNone/>
-              <a:defRPr sz="2133" b="1"/>
+              <a:defRPr sz="1600" b="1"/>
             </a:lvl5pPr>
-            <a:lvl6pPr marL="3047924" indent="0">
+            <a:lvl6pPr marL="2286000" indent="0">
               <a:buNone/>
-              <a:defRPr sz="2133" b="1"/>
+              <a:defRPr sz="1600" b="1"/>
             </a:lvl6pPr>
-            <a:lvl7pPr marL="3657509" indent="0">
+            <a:lvl7pPr marL="2743200" indent="0">
               <a:buNone/>
-              <a:defRPr sz="2133" b="1"/>
+              <a:defRPr sz="1600" b="1"/>
             </a:lvl7pPr>
-            <a:lvl8pPr marL="4267093" indent="0">
+            <a:lvl8pPr marL="3200400" indent="0">
               <a:buNone/>
-              <a:defRPr sz="2133" b="1"/>
+              <a:defRPr sz="1600" b="1"/>
             </a:lvl8pPr>
-            <a:lvl9pPr marL="4876678" indent="0">
+            <a:lvl9pPr marL="3657600" indent="0">
               <a:buNone/>
-              <a:defRPr sz="2133" b="1"/>
+              <a:defRPr sz="1600" b="1"/>
             </a:lvl9pPr>
           </a:lstStyle>
           <a:p>
@@ -1423,8 +1425,8 @@
         </p:nvSpPr>
         <p:spPr>
           <a:xfrm>
-            <a:off x="839789" y="5310527"/>
-            <a:ext cx="5157787" cy="7810985"/>
+            <a:off x="839789" y="2705713"/>
+            <a:ext cx="5157787" cy="3979696"/>
           </a:xfrm>
         </p:spPr>
         <p:txBody>
@@ -1480,8 +1482,8 @@
         </p:nvSpPr>
         <p:spPr>
           <a:xfrm>
-            <a:off x="6172201" y="3563910"/>
-            <a:ext cx="5183188" cy="1746617"/>
+            <a:off x="6172200" y="1815812"/>
+            <a:ext cx="5183188" cy="889901"/>
           </a:xfrm>
         </p:spPr>
         <p:txBody>
@@ -1489,39 +1491,39 @@
           <a:lstStyle>
             <a:lvl1pPr marL="0" indent="0">
               <a:buNone/>
-              <a:defRPr sz="3200" b="1"/>
+              <a:defRPr sz="2400" b="1"/>
             </a:lvl1pPr>
-            <a:lvl2pPr marL="609585" indent="0">
+            <a:lvl2pPr marL="457200" indent="0">
               <a:buNone/>
-              <a:defRPr sz="2667" b="1"/>
+              <a:defRPr sz="2000" b="1"/>
             </a:lvl2pPr>
-            <a:lvl3pPr marL="1219170" indent="0">
+            <a:lvl3pPr marL="914400" indent="0">
               <a:buNone/>
-              <a:defRPr sz="2400" b="1"/>
+              <a:defRPr sz="1800" b="1"/>
             </a:lvl3pPr>
-            <a:lvl4pPr marL="1828754" indent="0">
+            <a:lvl4pPr marL="1371600" indent="0">
               <a:buNone/>
-              <a:defRPr sz="2133" b="1"/>
+              <a:defRPr sz="1600" b="1"/>
             </a:lvl4pPr>
-            <a:lvl5pPr marL="2438339" indent="0">
+            <a:lvl5pPr marL="1828800" indent="0">
               <a:buNone/>
-              <a:defRPr sz="2133" b="1"/>
+              <a:defRPr sz="1600" b="1"/>
             </a:lvl5pPr>
-            <a:lvl6pPr marL="3047924" indent="0">
+            <a:lvl6pPr marL="2286000" indent="0">
               <a:buNone/>
-              <a:defRPr sz="2133" b="1"/>
+              <a:defRPr sz="1600" b="1"/>
             </a:lvl6pPr>
-            <a:lvl7pPr marL="3657509" indent="0">
+            <a:lvl7pPr marL="2743200" indent="0">
               <a:buNone/>
-              <a:defRPr sz="2133" b="1"/>
+              <a:defRPr sz="1600" b="1"/>
             </a:lvl7pPr>
-            <a:lvl8pPr marL="4267093" indent="0">
+            <a:lvl8pPr marL="3200400" indent="0">
               <a:buNone/>
-              <a:defRPr sz="2133" b="1"/>
+              <a:defRPr sz="1600" b="1"/>
             </a:lvl8pPr>
-            <a:lvl9pPr marL="4876678" indent="0">
+            <a:lvl9pPr marL="3657600" indent="0">
               <a:buNone/>
-              <a:defRPr sz="2133" b="1"/>
+              <a:defRPr sz="1600" b="1"/>
             </a:lvl9pPr>
           </a:lstStyle>
           <a:p>
@@ -1545,8 +1547,8 @@
         </p:nvSpPr>
         <p:spPr>
           <a:xfrm>
-            <a:off x="6172201" y="5310527"/>
-            <a:ext cx="5183188" cy="7810985"/>
+            <a:off x="6172200" y="2705713"/>
+            <a:ext cx="5183188" cy="3979696"/>
           </a:xfrm>
         </p:spPr>
         <p:txBody>
@@ -1607,7 +1609,7 @@
           <a:p>
             <a:fld id="{9A9588F4-A4CE-45D6-BF9E-2ECB20C17A22}" type="datetimeFigureOut">
               <a:rPr lang="zh-CN" altLang="en-US" smtClean="0"/>
-              <a:t>2017/4/6</a:t>
+              <a:t>2017/7/3</a:t>
             </a:fld>
             <a:endParaRPr lang="zh-CN" altLang="en-US"/>
           </a:p>
@@ -1658,7 +1660,7 @@
     </p:spTree>
     <p:extLst>
       <p:ext uri="{BB962C8B-B14F-4D97-AF65-F5344CB8AC3E}">
-        <p14:creationId xmlns:p14="http://schemas.microsoft.com/office/powerpoint/2010/main" val="1164285773"/>
+        <p14:creationId xmlns:p14="http://schemas.microsoft.com/office/powerpoint/2010/main" val="3968581267"/>
       </p:ext>
     </p:extLst>
   </p:cSld>
@@ -1725,7 +1727,7 @@
           <a:p>
             <a:fld id="{9A9588F4-A4CE-45D6-BF9E-2ECB20C17A22}" type="datetimeFigureOut">
               <a:rPr lang="zh-CN" altLang="en-US" smtClean="0"/>
-              <a:t>2017/4/6</a:t>
+              <a:t>2017/7/3</a:t>
             </a:fld>
             <a:endParaRPr lang="zh-CN" altLang="en-US"/>
           </a:p>
@@ -1776,7 +1778,7 @@
     </p:spTree>
     <p:extLst>
       <p:ext uri="{BB962C8B-B14F-4D97-AF65-F5344CB8AC3E}">
-        <p14:creationId xmlns:p14="http://schemas.microsoft.com/office/powerpoint/2010/main" val="4205206089"/>
+        <p14:creationId xmlns:p14="http://schemas.microsoft.com/office/powerpoint/2010/main" val="393979981"/>
       </p:ext>
     </p:extLst>
   </p:cSld>
@@ -1820,7 +1822,7 @@
           <a:p>
             <a:fld id="{9A9588F4-A4CE-45D6-BF9E-2ECB20C17A22}" type="datetimeFigureOut">
               <a:rPr lang="zh-CN" altLang="en-US" smtClean="0"/>
-              <a:t>2017/4/6</a:t>
+              <a:t>2017/7/3</a:t>
             </a:fld>
             <a:endParaRPr lang="zh-CN" altLang="en-US"/>
           </a:p>
@@ -1871,7 +1873,7 @@
     </p:spTree>
     <p:extLst>
       <p:ext uri="{BB962C8B-B14F-4D97-AF65-F5344CB8AC3E}">
-        <p14:creationId xmlns:p14="http://schemas.microsoft.com/office/powerpoint/2010/main" val="752583777"/>
+        <p14:creationId xmlns:p14="http://schemas.microsoft.com/office/powerpoint/2010/main" val="1346934430"/>
       </p:ext>
     </p:extLst>
   </p:cSld>
@@ -1910,15 +1912,15 @@
         </p:nvSpPr>
         <p:spPr>
           <a:xfrm>
-            <a:off x="839788" y="969222"/>
-            <a:ext cx="3932237" cy="3392276"/>
+            <a:off x="839789" y="493818"/>
+            <a:ext cx="3932237" cy="1728364"/>
           </a:xfrm>
         </p:spPr>
         <p:txBody>
           <a:bodyPr anchor="b"/>
           <a:lstStyle>
             <a:lvl1pPr>
-              <a:defRPr sz="4267"/>
+              <a:defRPr sz="3200"/>
             </a:lvl1pPr>
           </a:lstStyle>
           <a:p>
@@ -1942,39 +1944,39 @@
         </p:nvSpPr>
         <p:spPr>
           <a:xfrm>
-            <a:off x="5183188" y="2093253"/>
-            <a:ext cx="6172200" cy="10331634"/>
+            <a:off x="5183188" y="1066511"/>
+            <a:ext cx="6172200" cy="5263966"/>
           </a:xfrm>
         </p:spPr>
         <p:txBody>
           <a:bodyPr/>
           <a:lstStyle>
             <a:lvl1pPr>
-              <a:defRPr sz="4267"/>
+              <a:defRPr sz="3200"/>
             </a:lvl1pPr>
             <a:lvl2pPr>
-              <a:defRPr sz="3733"/>
+              <a:defRPr sz="2800"/>
             </a:lvl2pPr>
             <a:lvl3pPr>
-              <a:defRPr sz="3200"/>
+              <a:defRPr sz="2400"/>
             </a:lvl3pPr>
             <a:lvl4pPr>
-              <a:defRPr sz="2667"/>
+              <a:defRPr sz="2000"/>
             </a:lvl4pPr>
             <a:lvl5pPr>
-              <a:defRPr sz="2667"/>
+              <a:defRPr sz="2000"/>
             </a:lvl5pPr>
             <a:lvl6pPr>
-              <a:defRPr sz="2667"/>
+              <a:defRPr sz="2000"/>
             </a:lvl6pPr>
             <a:lvl7pPr>
-              <a:defRPr sz="2667"/>
+              <a:defRPr sz="2000"/>
             </a:lvl7pPr>
             <a:lvl8pPr>
-              <a:defRPr sz="2667"/>
+              <a:defRPr sz="2000"/>
             </a:lvl8pPr>
             <a:lvl9pPr>
-              <a:defRPr sz="2667"/>
+              <a:defRPr sz="2000"/>
             </a:lvl9pPr>
           </a:lstStyle>
           <a:p>
@@ -2027,8 +2029,8 @@
         </p:nvSpPr>
         <p:spPr>
           <a:xfrm>
-            <a:off x="839788" y="4361497"/>
-            <a:ext cx="3932237" cy="8080214"/>
+            <a:off x="839789" y="2222182"/>
+            <a:ext cx="3932237" cy="4116868"/>
           </a:xfrm>
         </p:spPr>
         <p:txBody>
@@ -2036,39 +2038,39 @@
           <a:lstStyle>
             <a:lvl1pPr marL="0" indent="0">
               <a:buNone/>
-              <a:defRPr sz="2133"/>
+              <a:defRPr sz="1600"/>
             </a:lvl1pPr>
-            <a:lvl2pPr marL="609585" indent="0">
+            <a:lvl2pPr marL="457200" indent="0">
               <a:buNone/>
-              <a:defRPr sz="1867"/>
+              <a:defRPr sz="1400"/>
             </a:lvl2pPr>
-            <a:lvl3pPr marL="1219170" indent="0">
+            <a:lvl3pPr marL="914400" indent="0">
               <a:buNone/>
-              <a:defRPr sz="1600"/>
+              <a:defRPr sz="1200"/>
             </a:lvl3pPr>
-            <a:lvl4pPr marL="1828754" indent="0">
+            <a:lvl4pPr marL="1371600" indent="0">
               <a:buNone/>
-              <a:defRPr sz="1333"/>
+              <a:defRPr sz="1000"/>
             </a:lvl4pPr>
-            <a:lvl5pPr marL="2438339" indent="0">
+            <a:lvl5pPr marL="1828800" indent="0">
               <a:buNone/>
-              <a:defRPr sz="1333"/>
+              <a:defRPr sz="1000"/>
             </a:lvl5pPr>
-            <a:lvl6pPr marL="3047924" indent="0">
+            <a:lvl6pPr marL="2286000" indent="0">
               <a:buNone/>
-              <a:defRPr sz="1333"/>
+              <a:defRPr sz="1000"/>
             </a:lvl6pPr>
-            <a:lvl7pPr marL="3657509" indent="0">
+            <a:lvl7pPr marL="2743200" indent="0">
               <a:buNone/>
-              <a:defRPr sz="1333"/>
+              <a:defRPr sz="1000"/>
             </a:lvl7pPr>
-            <a:lvl8pPr marL="4267093" indent="0">
+            <a:lvl8pPr marL="3200400" indent="0">
               <a:buNone/>
-              <a:defRPr sz="1333"/>
+              <a:defRPr sz="1000"/>
             </a:lvl8pPr>
-            <a:lvl9pPr marL="4876678" indent="0">
+            <a:lvl9pPr marL="3657600" indent="0">
               <a:buNone/>
-              <a:defRPr sz="1333"/>
+              <a:defRPr sz="1000"/>
             </a:lvl9pPr>
           </a:lstStyle>
           <a:p>
@@ -2097,7 +2099,7 @@
           <a:p>
             <a:fld id="{9A9588F4-A4CE-45D6-BF9E-2ECB20C17A22}" type="datetimeFigureOut">
               <a:rPr lang="zh-CN" altLang="en-US" smtClean="0"/>
-              <a:t>2017/4/6</a:t>
+              <a:t>2017/7/3</a:t>
             </a:fld>
             <a:endParaRPr lang="zh-CN" altLang="en-US"/>
           </a:p>
@@ -2148,7 +2150,7 @@
     </p:spTree>
     <p:extLst>
       <p:ext uri="{BB962C8B-B14F-4D97-AF65-F5344CB8AC3E}">
-        <p14:creationId xmlns:p14="http://schemas.microsoft.com/office/powerpoint/2010/main" val="3596755858"/>
+        <p14:creationId xmlns:p14="http://schemas.microsoft.com/office/powerpoint/2010/main" val="1320181730"/>
       </p:ext>
     </p:extLst>
   </p:cSld>
@@ -2187,15 +2189,15 @@
         </p:nvSpPr>
         <p:spPr>
           <a:xfrm>
-            <a:off x="839788" y="969222"/>
-            <a:ext cx="3932237" cy="3392276"/>
+            <a:off x="839789" y="493818"/>
+            <a:ext cx="3932237" cy="1728364"/>
           </a:xfrm>
         </p:spPr>
         <p:txBody>
           <a:bodyPr anchor="b"/>
           <a:lstStyle>
             <a:lvl1pPr>
-              <a:defRPr sz="4267"/>
+              <a:defRPr sz="3200"/>
             </a:lvl1pPr>
           </a:lstStyle>
           <a:p>
@@ -2219,8 +2221,8 @@
         </p:nvSpPr>
         <p:spPr>
           <a:xfrm>
-            <a:off x="5183188" y="2093253"/>
-            <a:ext cx="6172200" cy="10331634"/>
+            <a:off x="5183188" y="1066511"/>
+            <a:ext cx="6172200" cy="5263966"/>
           </a:xfrm>
         </p:spPr>
         <p:txBody>
@@ -2228,39 +2230,39 @@
           <a:lstStyle>
             <a:lvl1pPr marL="0" indent="0">
               <a:buNone/>
-              <a:defRPr sz="4267"/>
+              <a:defRPr sz="3200"/>
             </a:lvl1pPr>
-            <a:lvl2pPr marL="609585" indent="0">
+            <a:lvl2pPr marL="457200" indent="0">
               <a:buNone/>
-              <a:defRPr sz="3733"/>
+              <a:defRPr sz="2800"/>
             </a:lvl2pPr>
-            <a:lvl3pPr marL="1219170" indent="0">
+            <a:lvl3pPr marL="914400" indent="0">
               <a:buNone/>
-              <a:defRPr sz="3200"/>
+              <a:defRPr sz="2400"/>
             </a:lvl3pPr>
-            <a:lvl4pPr marL="1828754" indent="0">
+            <a:lvl4pPr marL="1371600" indent="0">
               <a:buNone/>
-              <a:defRPr sz="2667"/>
+              <a:defRPr sz="2000"/>
             </a:lvl4pPr>
-            <a:lvl5pPr marL="2438339" indent="0">
+            <a:lvl5pPr marL="1828800" indent="0">
               <a:buNone/>
-              <a:defRPr sz="2667"/>
+              <a:defRPr sz="2000"/>
             </a:lvl5pPr>
-            <a:lvl6pPr marL="3047924" indent="0">
+            <a:lvl6pPr marL="2286000" indent="0">
               <a:buNone/>
-              <a:defRPr sz="2667"/>
+              <a:defRPr sz="2000"/>
             </a:lvl6pPr>
-            <a:lvl7pPr marL="3657509" indent="0">
+            <a:lvl7pPr marL="2743200" indent="0">
               <a:buNone/>
-              <a:defRPr sz="2667"/>
+              <a:defRPr sz="2000"/>
             </a:lvl7pPr>
-            <a:lvl8pPr marL="4267093" indent="0">
+            <a:lvl8pPr marL="3200400" indent="0">
               <a:buNone/>
-              <a:defRPr sz="2667"/>
+              <a:defRPr sz="2000"/>
             </a:lvl8pPr>
-            <a:lvl9pPr marL="4876678" indent="0">
+            <a:lvl9pPr marL="3657600" indent="0">
               <a:buNone/>
-              <a:defRPr sz="2667"/>
+              <a:defRPr sz="2000"/>
             </a:lvl9pPr>
           </a:lstStyle>
           <a:p>
@@ -2284,8 +2286,8 @@
         </p:nvSpPr>
         <p:spPr>
           <a:xfrm>
-            <a:off x="839788" y="4361497"/>
-            <a:ext cx="3932237" cy="8080214"/>
+            <a:off x="839789" y="2222182"/>
+            <a:ext cx="3932237" cy="4116868"/>
           </a:xfrm>
         </p:spPr>
         <p:txBody>
@@ -2293,39 +2295,39 @@
           <a:lstStyle>
             <a:lvl1pPr marL="0" indent="0">
               <a:buNone/>
-              <a:defRPr sz="2133"/>
+              <a:defRPr sz="1600"/>
             </a:lvl1pPr>
-            <a:lvl2pPr marL="609585" indent="0">
+            <a:lvl2pPr marL="457200" indent="0">
               <a:buNone/>
-              <a:defRPr sz="1867"/>
+              <a:defRPr sz="1400"/>
             </a:lvl2pPr>
-            <a:lvl3pPr marL="1219170" indent="0">
+            <a:lvl3pPr marL="914400" indent="0">
               <a:buNone/>
-              <a:defRPr sz="1600"/>
+              <a:defRPr sz="1200"/>
             </a:lvl3pPr>
-            <a:lvl4pPr marL="1828754" indent="0">
+            <a:lvl4pPr marL="1371600" indent="0">
               <a:buNone/>
-              <a:defRPr sz="1333"/>
+              <a:defRPr sz="1000"/>
             </a:lvl4pPr>
-            <a:lvl5pPr marL="2438339" indent="0">
+            <a:lvl5pPr marL="1828800" indent="0">
               <a:buNone/>
-              <a:defRPr sz="1333"/>
+              <a:defRPr sz="1000"/>
             </a:lvl5pPr>
-            <a:lvl6pPr marL="3047924" indent="0">
+            <a:lvl6pPr marL="2286000" indent="0">
               <a:buNone/>
-              <a:defRPr sz="1333"/>
+              <a:defRPr sz="1000"/>
             </a:lvl6pPr>
-            <a:lvl7pPr marL="3657509" indent="0">
+            <a:lvl7pPr marL="2743200" indent="0">
               <a:buNone/>
-              <a:defRPr sz="1333"/>
+              <a:defRPr sz="1000"/>
             </a:lvl7pPr>
-            <a:lvl8pPr marL="4267093" indent="0">
+            <a:lvl8pPr marL="3200400" indent="0">
               <a:buNone/>
-              <a:defRPr sz="1333"/>
+              <a:defRPr sz="1000"/>
             </a:lvl8pPr>
-            <a:lvl9pPr marL="4876678" indent="0">
+            <a:lvl9pPr marL="3657600" indent="0">
               <a:buNone/>
-              <a:defRPr sz="1333"/>
+              <a:defRPr sz="1000"/>
             </a:lvl9pPr>
           </a:lstStyle>
           <a:p>
@@ -2354,7 +2356,7 @@
           <a:p>
             <a:fld id="{9A9588F4-A4CE-45D6-BF9E-2ECB20C17A22}" type="datetimeFigureOut">
               <a:rPr lang="zh-CN" altLang="en-US" smtClean="0"/>
-              <a:t>2017/4/6</a:t>
+              <a:t>2017/7/3</a:t>
             </a:fld>
             <a:endParaRPr lang="zh-CN" altLang="en-US"/>
           </a:p>
@@ -2405,7 +2407,7 @@
     </p:spTree>
     <p:extLst>
       <p:ext uri="{BB962C8B-B14F-4D97-AF65-F5344CB8AC3E}">
-        <p14:creationId xmlns:p14="http://schemas.microsoft.com/office/powerpoint/2010/main" val="1484455567"/>
+        <p14:creationId xmlns:p14="http://schemas.microsoft.com/office/powerpoint/2010/main" val="1512599521"/>
       </p:ext>
     </p:extLst>
   </p:cSld>
@@ -2449,8 +2451,8 @@
         </p:nvSpPr>
         <p:spPr>
           <a:xfrm>
-            <a:off x="838200" y="774034"/>
-            <a:ext cx="10515600" cy="2810071"/>
+            <a:off x="838200" y="394369"/>
+            <a:ext cx="10515600" cy="1431731"/>
           </a:xfrm>
           <a:prstGeom prst="rect">
             <a:avLst/>
@@ -2482,8 +2484,8 @@
         </p:nvSpPr>
         <p:spPr>
           <a:xfrm>
-            <a:off x="838200" y="3870156"/>
-            <a:ext cx="10515600" cy="9224434"/>
+            <a:off x="838200" y="1971844"/>
+            <a:ext cx="10515600" cy="4699848"/>
           </a:xfrm>
           <a:prstGeom prst="rect">
             <a:avLst/>
@@ -2544,8 +2546,8 @@
         </p:nvSpPr>
         <p:spPr>
           <a:xfrm>
-            <a:off x="838200" y="13474877"/>
-            <a:ext cx="2743200" cy="774031"/>
+            <a:off x="838200" y="6865447"/>
+            <a:ext cx="2743200" cy="394369"/>
           </a:xfrm>
           <a:prstGeom prst="rect">
             <a:avLst/>
@@ -2555,7 +2557,7 @@
           <a:bodyPr vert="horz" lIns="91440" tIns="45720" rIns="91440" bIns="45720" rtlCol="0" anchor="ctr"/>
           <a:lstStyle>
             <a:lvl1pPr algn="l">
-              <a:defRPr sz="1600">
+              <a:defRPr sz="1200">
                 <a:solidFill>
                   <a:schemeClr val="tx1">
                     <a:tint val="75000"/>
@@ -2567,7 +2569,7 @@
           <a:p>
             <a:fld id="{9A9588F4-A4CE-45D6-BF9E-2ECB20C17A22}" type="datetimeFigureOut">
               <a:rPr lang="zh-CN" altLang="en-US" smtClean="0"/>
-              <a:t>2017/4/6</a:t>
+              <a:t>2017/7/3</a:t>
             </a:fld>
             <a:endParaRPr lang="zh-CN" altLang="en-US"/>
           </a:p>
@@ -2585,8 +2587,8 @@
         </p:nvSpPr>
         <p:spPr>
           <a:xfrm>
-            <a:off x="4038600" y="13474877"/>
-            <a:ext cx="4114800" cy="774031"/>
+            <a:off x="4038600" y="6865447"/>
+            <a:ext cx="4114800" cy="394369"/>
           </a:xfrm>
           <a:prstGeom prst="rect">
             <a:avLst/>
@@ -2596,7 +2598,7 @@
           <a:bodyPr vert="horz" lIns="91440" tIns="45720" rIns="91440" bIns="45720" rtlCol="0" anchor="ctr"/>
           <a:lstStyle>
             <a:lvl1pPr algn="ctr">
-              <a:defRPr sz="1600">
+              <a:defRPr sz="1200">
                 <a:solidFill>
                   <a:schemeClr val="tx1">
                     <a:tint val="75000"/>
@@ -2622,8 +2624,8 @@
         </p:nvSpPr>
         <p:spPr>
           <a:xfrm>
-            <a:off x="8610600" y="13474877"/>
-            <a:ext cx="2743200" cy="774031"/>
+            <a:off x="8610600" y="6865447"/>
+            <a:ext cx="2743200" cy="394369"/>
           </a:xfrm>
           <a:prstGeom prst="rect">
             <a:avLst/>
@@ -2633,7 +2635,7 @@
           <a:bodyPr vert="horz" lIns="91440" tIns="45720" rIns="91440" bIns="45720" rtlCol="0" anchor="ctr"/>
           <a:lstStyle>
             <a:lvl1pPr algn="r">
-              <a:defRPr sz="1600">
+              <a:defRPr sz="1200">
                 <a:solidFill>
                   <a:schemeClr val="tx1">
                     <a:tint val="75000"/>
@@ -2654,27 +2656,27 @@
     </p:spTree>
     <p:extLst>
       <p:ext uri="{BB962C8B-B14F-4D97-AF65-F5344CB8AC3E}">
-        <p14:creationId xmlns:p14="http://schemas.microsoft.com/office/powerpoint/2010/main" val="3415118009"/>
+        <p14:creationId xmlns:p14="http://schemas.microsoft.com/office/powerpoint/2010/main" val="3137411960"/>
       </p:ext>
     </p:extLst>
   </p:cSld>
   <p:clrMap bg1="lt1" tx1="dk1" bg2="lt2" tx2="dk2" accent1="accent1" accent2="accent2" accent3="accent3" accent4="accent4" accent5="accent5" accent6="accent6" hlink="hlink" folHlink="folHlink"/>
   <p:sldLayoutIdLst>
-    <p:sldLayoutId id="2147483745" r:id="rId1"/>
-    <p:sldLayoutId id="2147483746" r:id="rId2"/>
-    <p:sldLayoutId id="2147483747" r:id="rId3"/>
-    <p:sldLayoutId id="2147483748" r:id="rId4"/>
-    <p:sldLayoutId id="2147483749" r:id="rId5"/>
-    <p:sldLayoutId id="2147483750" r:id="rId6"/>
-    <p:sldLayoutId id="2147483751" r:id="rId7"/>
-    <p:sldLayoutId id="2147483752" r:id="rId8"/>
-    <p:sldLayoutId id="2147483753" r:id="rId9"/>
-    <p:sldLayoutId id="2147483754" r:id="rId10"/>
-    <p:sldLayoutId id="2147483755" r:id="rId11"/>
+    <p:sldLayoutId id="2147483817" r:id="rId1"/>
+    <p:sldLayoutId id="2147483818" r:id="rId2"/>
+    <p:sldLayoutId id="2147483819" r:id="rId3"/>
+    <p:sldLayoutId id="2147483820" r:id="rId4"/>
+    <p:sldLayoutId id="2147483821" r:id="rId5"/>
+    <p:sldLayoutId id="2147483822" r:id="rId6"/>
+    <p:sldLayoutId id="2147483823" r:id="rId7"/>
+    <p:sldLayoutId id="2147483824" r:id="rId8"/>
+    <p:sldLayoutId id="2147483825" r:id="rId9"/>
+    <p:sldLayoutId id="2147483826" r:id="rId10"/>
+    <p:sldLayoutId id="2147483827" r:id="rId11"/>
   </p:sldLayoutIdLst>
   <p:txStyles>
     <p:titleStyle>
-      <a:lvl1pPr algn="l" defTabSz="1219170" rtl="0" eaLnBrk="1" latinLnBrk="0" hangingPunct="1">
+      <a:lvl1pPr algn="l" defTabSz="914400" rtl="0" eaLnBrk="1" latinLnBrk="0" hangingPunct="1">
         <a:lnSpc>
           <a:spcPct val="90000"/>
         </a:lnSpc>
@@ -2682,7 +2684,7 @@
           <a:spcPct val="0"/>
         </a:spcBef>
         <a:buNone/>
-        <a:defRPr sz="5867" kern="1200">
+        <a:defRPr sz="4400" kern="1200">
           <a:solidFill>
             <a:schemeClr val="tx1"/>
           </a:solidFill>
@@ -2693,16 +2695,16 @@
       </a:lvl1pPr>
     </p:titleStyle>
     <p:bodyStyle>
-      <a:lvl1pPr marL="304792" indent="-304792" algn="l" defTabSz="1219170" rtl="0" eaLnBrk="1" latinLnBrk="0" hangingPunct="1">
+      <a:lvl1pPr marL="228600" indent="-228600" algn="l" defTabSz="914400" rtl="0" eaLnBrk="1" latinLnBrk="0" hangingPunct="1">
         <a:lnSpc>
           <a:spcPct val="90000"/>
         </a:lnSpc>
         <a:spcBef>
-          <a:spcPts val="1333"/>
+          <a:spcPts val="1000"/>
         </a:spcBef>
         <a:buFont typeface="Arial" panose="020B0604020202020204" pitchFamily="34" charset="0"/>
         <a:buChar char="•"/>
-        <a:defRPr sz="3733" kern="1200">
+        <a:defRPr sz="2800" kern="1200">
           <a:solidFill>
             <a:schemeClr val="tx1"/>
           </a:solidFill>
@@ -2711,48 +2713,12 @@
           <a:cs typeface="+mn-cs"/>
         </a:defRPr>
       </a:lvl1pPr>
-      <a:lvl2pPr marL="914377" indent="-304792" algn="l" defTabSz="1219170" rtl="0" eaLnBrk="1" latinLnBrk="0" hangingPunct="1">
+      <a:lvl2pPr marL="685800" indent="-228600" algn="l" defTabSz="914400" rtl="0" eaLnBrk="1" latinLnBrk="0" hangingPunct="1">
         <a:lnSpc>
           <a:spcPct val="90000"/>
         </a:lnSpc>
         <a:spcBef>
-          <a:spcPts val="667"/>
-        </a:spcBef>
-        <a:buFont typeface="Arial" panose="020B0604020202020204" pitchFamily="34" charset="0"/>
-        <a:buChar char="•"/>
-        <a:defRPr sz="3200" kern="1200">
-          <a:solidFill>
-            <a:schemeClr val="tx1"/>
-          </a:solidFill>
-          <a:latin typeface="+mn-lt"/>
-          <a:ea typeface="+mn-ea"/>
-          <a:cs typeface="+mn-cs"/>
-        </a:defRPr>
-      </a:lvl2pPr>
-      <a:lvl3pPr marL="1523962" indent="-304792" algn="l" defTabSz="1219170" rtl="0" eaLnBrk="1" latinLnBrk="0" hangingPunct="1">
-        <a:lnSpc>
-          <a:spcPct val="90000"/>
-        </a:lnSpc>
-        <a:spcBef>
-          <a:spcPts val="667"/>
-        </a:spcBef>
-        <a:buFont typeface="Arial" panose="020B0604020202020204" pitchFamily="34" charset="0"/>
-        <a:buChar char="•"/>
-        <a:defRPr sz="2667" kern="1200">
-          <a:solidFill>
-            <a:schemeClr val="tx1"/>
-          </a:solidFill>
-          <a:latin typeface="+mn-lt"/>
-          <a:ea typeface="+mn-ea"/>
-          <a:cs typeface="+mn-cs"/>
-        </a:defRPr>
-      </a:lvl3pPr>
-      <a:lvl4pPr marL="2133547" indent="-304792" algn="l" defTabSz="1219170" rtl="0" eaLnBrk="1" latinLnBrk="0" hangingPunct="1">
-        <a:lnSpc>
-          <a:spcPct val="90000"/>
-        </a:lnSpc>
-        <a:spcBef>
-          <a:spcPts val="667"/>
+          <a:spcPts val="500"/>
         </a:spcBef>
         <a:buFont typeface="Arial" panose="020B0604020202020204" pitchFamily="34" charset="0"/>
         <a:buChar char="•"/>
@@ -2764,17 +2730,53 @@
           <a:ea typeface="+mn-ea"/>
           <a:cs typeface="+mn-cs"/>
         </a:defRPr>
-      </a:lvl4pPr>
-      <a:lvl5pPr marL="2743131" indent="-304792" algn="l" defTabSz="1219170" rtl="0" eaLnBrk="1" latinLnBrk="0" hangingPunct="1">
+      </a:lvl2pPr>
+      <a:lvl3pPr marL="1143000" indent="-228600" algn="l" defTabSz="914400" rtl="0" eaLnBrk="1" latinLnBrk="0" hangingPunct="1">
         <a:lnSpc>
           <a:spcPct val="90000"/>
         </a:lnSpc>
         <a:spcBef>
-          <a:spcPts val="667"/>
+          <a:spcPts val="500"/>
         </a:spcBef>
         <a:buFont typeface="Arial" panose="020B0604020202020204" pitchFamily="34" charset="0"/>
         <a:buChar char="•"/>
-        <a:defRPr sz="2400" kern="1200">
+        <a:defRPr sz="2000" kern="1200">
+          <a:solidFill>
+            <a:schemeClr val="tx1"/>
+          </a:solidFill>
+          <a:latin typeface="+mn-lt"/>
+          <a:ea typeface="+mn-ea"/>
+          <a:cs typeface="+mn-cs"/>
+        </a:defRPr>
+      </a:lvl3pPr>
+      <a:lvl4pPr marL="1600200" indent="-228600" algn="l" defTabSz="914400" rtl="0" eaLnBrk="1" latinLnBrk="0" hangingPunct="1">
+        <a:lnSpc>
+          <a:spcPct val="90000"/>
+        </a:lnSpc>
+        <a:spcBef>
+          <a:spcPts val="500"/>
+        </a:spcBef>
+        <a:buFont typeface="Arial" panose="020B0604020202020204" pitchFamily="34" charset="0"/>
+        <a:buChar char="•"/>
+        <a:defRPr sz="1800" kern="1200">
+          <a:solidFill>
+            <a:schemeClr val="tx1"/>
+          </a:solidFill>
+          <a:latin typeface="+mn-lt"/>
+          <a:ea typeface="+mn-ea"/>
+          <a:cs typeface="+mn-cs"/>
+        </a:defRPr>
+      </a:lvl4pPr>
+      <a:lvl5pPr marL="2057400" indent="-228600" algn="l" defTabSz="914400" rtl="0" eaLnBrk="1" latinLnBrk="0" hangingPunct="1">
+        <a:lnSpc>
+          <a:spcPct val="90000"/>
+        </a:lnSpc>
+        <a:spcBef>
+          <a:spcPts val="500"/>
+        </a:spcBef>
+        <a:buFont typeface="Arial" panose="020B0604020202020204" pitchFamily="34" charset="0"/>
+        <a:buChar char="•"/>
+        <a:defRPr sz="1800" kern="1200">
           <a:solidFill>
             <a:schemeClr val="tx1"/>
           </a:solidFill>
@@ -2783,16 +2785,16 @@
           <a:cs typeface="+mn-cs"/>
         </a:defRPr>
       </a:lvl5pPr>
-      <a:lvl6pPr marL="3352716" indent="-304792" algn="l" defTabSz="1219170" rtl="0" eaLnBrk="1" latinLnBrk="0" hangingPunct="1">
+      <a:lvl6pPr marL="2514600" indent="-228600" algn="l" defTabSz="914400" rtl="0" eaLnBrk="1" latinLnBrk="0" hangingPunct="1">
         <a:lnSpc>
           <a:spcPct val="90000"/>
         </a:lnSpc>
         <a:spcBef>
-          <a:spcPts val="667"/>
+          <a:spcPts val="500"/>
         </a:spcBef>
         <a:buFont typeface="Arial" panose="020B0604020202020204" pitchFamily="34" charset="0"/>
         <a:buChar char="•"/>
-        <a:defRPr sz="2400" kern="1200">
+        <a:defRPr sz="1800" kern="1200">
           <a:solidFill>
             <a:schemeClr val="tx1"/>
           </a:solidFill>
@@ -2801,16 +2803,16 @@
           <a:cs typeface="+mn-cs"/>
         </a:defRPr>
       </a:lvl6pPr>
-      <a:lvl7pPr marL="3962301" indent="-304792" algn="l" defTabSz="1219170" rtl="0" eaLnBrk="1" latinLnBrk="0" hangingPunct="1">
+      <a:lvl7pPr marL="2971800" indent="-228600" algn="l" defTabSz="914400" rtl="0" eaLnBrk="1" latinLnBrk="0" hangingPunct="1">
         <a:lnSpc>
           <a:spcPct val="90000"/>
         </a:lnSpc>
         <a:spcBef>
-          <a:spcPts val="667"/>
+          <a:spcPts val="500"/>
         </a:spcBef>
         <a:buFont typeface="Arial" panose="020B0604020202020204" pitchFamily="34" charset="0"/>
         <a:buChar char="•"/>
-        <a:defRPr sz="2400" kern="1200">
+        <a:defRPr sz="1800" kern="1200">
           <a:solidFill>
             <a:schemeClr val="tx1"/>
           </a:solidFill>
@@ -2819,16 +2821,16 @@
           <a:cs typeface="+mn-cs"/>
         </a:defRPr>
       </a:lvl7pPr>
-      <a:lvl8pPr marL="4571886" indent="-304792" algn="l" defTabSz="1219170" rtl="0" eaLnBrk="1" latinLnBrk="0" hangingPunct="1">
+      <a:lvl8pPr marL="3429000" indent="-228600" algn="l" defTabSz="914400" rtl="0" eaLnBrk="1" latinLnBrk="0" hangingPunct="1">
         <a:lnSpc>
           <a:spcPct val="90000"/>
         </a:lnSpc>
         <a:spcBef>
-          <a:spcPts val="667"/>
+          <a:spcPts val="500"/>
         </a:spcBef>
         <a:buFont typeface="Arial" panose="020B0604020202020204" pitchFamily="34" charset="0"/>
         <a:buChar char="•"/>
-        <a:defRPr sz="2400" kern="1200">
+        <a:defRPr sz="1800" kern="1200">
           <a:solidFill>
             <a:schemeClr val="tx1"/>
           </a:solidFill>
@@ -2837,16 +2839,16 @@
           <a:cs typeface="+mn-cs"/>
         </a:defRPr>
       </a:lvl8pPr>
-      <a:lvl9pPr marL="5181470" indent="-304792" algn="l" defTabSz="1219170" rtl="0" eaLnBrk="1" latinLnBrk="0" hangingPunct="1">
+      <a:lvl9pPr marL="3886200" indent="-228600" algn="l" defTabSz="914400" rtl="0" eaLnBrk="1" latinLnBrk="0" hangingPunct="1">
         <a:lnSpc>
           <a:spcPct val="90000"/>
         </a:lnSpc>
         <a:spcBef>
-          <a:spcPts val="667"/>
+          <a:spcPts val="500"/>
         </a:spcBef>
         <a:buFont typeface="Arial" panose="020B0604020202020204" pitchFamily="34" charset="0"/>
         <a:buChar char="•"/>
-        <a:defRPr sz="2400" kern="1200">
+        <a:defRPr sz="1800" kern="1200">
           <a:solidFill>
             <a:schemeClr val="tx1"/>
           </a:solidFill>
@@ -2860,8 +2862,8 @@
       <a:defPPr>
         <a:defRPr lang="en-US"/>
       </a:defPPr>
-      <a:lvl1pPr marL="0" algn="l" defTabSz="1219170" rtl="0" eaLnBrk="1" latinLnBrk="0" hangingPunct="1">
-        <a:defRPr sz="2400" kern="1200">
+      <a:lvl1pPr marL="0" algn="l" defTabSz="914400" rtl="0" eaLnBrk="1" latinLnBrk="0" hangingPunct="1">
+        <a:defRPr sz="1800" kern="1200">
           <a:solidFill>
             <a:schemeClr val="tx1"/>
           </a:solidFill>
@@ -2870,8 +2872,8 @@
           <a:cs typeface="+mn-cs"/>
         </a:defRPr>
       </a:lvl1pPr>
-      <a:lvl2pPr marL="609585" algn="l" defTabSz="1219170" rtl="0" eaLnBrk="1" latinLnBrk="0" hangingPunct="1">
-        <a:defRPr sz="2400" kern="1200">
+      <a:lvl2pPr marL="457200" algn="l" defTabSz="914400" rtl="0" eaLnBrk="1" latinLnBrk="0" hangingPunct="1">
+        <a:defRPr sz="1800" kern="1200">
           <a:solidFill>
             <a:schemeClr val="tx1"/>
           </a:solidFill>
@@ -2880,8 +2882,8 @@
           <a:cs typeface="+mn-cs"/>
         </a:defRPr>
       </a:lvl2pPr>
-      <a:lvl3pPr marL="1219170" algn="l" defTabSz="1219170" rtl="0" eaLnBrk="1" latinLnBrk="0" hangingPunct="1">
-        <a:defRPr sz="2400" kern="1200">
+      <a:lvl3pPr marL="914400" algn="l" defTabSz="914400" rtl="0" eaLnBrk="1" latinLnBrk="0" hangingPunct="1">
+        <a:defRPr sz="1800" kern="1200">
           <a:solidFill>
             <a:schemeClr val="tx1"/>
           </a:solidFill>
@@ -2890,8 +2892,8 @@
           <a:cs typeface="+mn-cs"/>
         </a:defRPr>
       </a:lvl3pPr>
-      <a:lvl4pPr marL="1828754" algn="l" defTabSz="1219170" rtl="0" eaLnBrk="1" latinLnBrk="0" hangingPunct="1">
-        <a:defRPr sz="2400" kern="1200">
+      <a:lvl4pPr marL="1371600" algn="l" defTabSz="914400" rtl="0" eaLnBrk="1" latinLnBrk="0" hangingPunct="1">
+        <a:defRPr sz="1800" kern="1200">
           <a:solidFill>
             <a:schemeClr val="tx1"/>
           </a:solidFill>
@@ -2900,8 +2902,8 @@
           <a:cs typeface="+mn-cs"/>
         </a:defRPr>
       </a:lvl4pPr>
-      <a:lvl5pPr marL="2438339" algn="l" defTabSz="1219170" rtl="0" eaLnBrk="1" latinLnBrk="0" hangingPunct="1">
-        <a:defRPr sz="2400" kern="1200">
+      <a:lvl5pPr marL="1828800" algn="l" defTabSz="914400" rtl="0" eaLnBrk="1" latinLnBrk="0" hangingPunct="1">
+        <a:defRPr sz="1800" kern="1200">
           <a:solidFill>
             <a:schemeClr val="tx1"/>
           </a:solidFill>
@@ -2910,8 +2912,8 @@
           <a:cs typeface="+mn-cs"/>
         </a:defRPr>
       </a:lvl5pPr>
-      <a:lvl6pPr marL="3047924" algn="l" defTabSz="1219170" rtl="0" eaLnBrk="1" latinLnBrk="0" hangingPunct="1">
-        <a:defRPr sz="2400" kern="1200">
+      <a:lvl6pPr marL="2286000" algn="l" defTabSz="914400" rtl="0" eaLnBrk="1" latinLnBrk="0" hangingPunct="1">
+        <a:defRPr sz="1800" kern="1200">
           <a:solidFill>
             <a:schemeClr val="tx1"/>
           </a:solidFill>
@@ -2920,8 +2922,8 @@
           <a:cs typeface="+mn-cs"/>
         </a:defRPr>
       </a:lvl6pPr>
-      <a:lvl7pPr marL="3657509" algn="l" defTabSz="1219170" rtl="0" eaLnBrk="1" latinLnBrk="0" hangingPunct="1">
-        <a:defRPr sz="2400" kern="1200">
+      <a:lvl7pPr marL="2743200" algn="l" defTabSz="914400" rtl="0" eaLnBrk="1" latinLnBrk="0" hangingPunct="1">
+        <a:defRPr sz="1800" kern="1200">
           <a:solidFill>
             <a:schemeClr val="tx1"/>
           </a:solidFill>
@@ -2930,8 +2932,8 @@
           <a:cs typeface="+mn-cs"/>
         </a:defRPr>
       </a:lvl7pPr>
-      <a:lvl8pPr marL="4267093" algn="l" defTabSz="1219170" rtl="0" eaLnBrk="1" latinLnBrk="0" hangingPunct="1">
-        <a:defRPr sz="2400" kern="1200">
+      <a:lvl8pPr marL="3200400" algn="l" defTabSz="914400" rtl="0" eaLnBrk="1" latinLnBrk="0" hangingPunct="1">
+        <a:defRPr sz="1800" kern="1200">
           <a:solidFill>
             <a:schemeClr val="tx1"/>
           </a:solidFill>
@@ -2940,8 +2942,8 @@
           <a:cs typeface="+mn-cs"/>
         </a:defRPr>
       </a:lvl8pPr>
-      <a:lvl9pPr marL="4876678" algn="l" defTabSz="1219170" rtl="0" eaLnBrk="1" latinLnBrk="0" hangingPunct="1">
-        <a:defRPr sz="2400" kern="1200">
+      <a:lvl9pPr marL="3657600" algn="l" defTabSz="914400" rtl="0" eaLnBrk="1" latinLnBrk="0" hangingPunct="1">
+        <a:defRPr sz="1800" kern="1200">
           <a:solidFill>
             <a:schemeClr val="tx1"/>
           </a:solidFill>
@@ -2982,14 +2984,14 @@
             <p:ph idx="1"/>
             <p:extLst>
               <p:ext uri="{D42A27DB-BD31-4B8C-83A1-F6EECF244321}">
-                <p14:modId xmlns:p14="http://schemas.microsoft.com/office/powerpoint/2010/main" val="2203489437"/>
+                <p14:modId xmlns:p14="http://schemas.microsoft.com/office/powerpoint/2010/main" val="2863858655"/>
               </p:ext>
             </p:extLst>
           </p:nvPr>
         </p:nvGraphicFramePr>
         <p:xfrm>
-          <a:off x="4" y="259584"/>
-          <a:ext cx="12184381" cy="14123582"/>
+          <a:off x="15" y="-3721570"/>
+          <a:ext cx="12184383" cy="14848183"/>
         </p:xfrm>
         <a:graphic>
           <a:graphicData uri="http://schemas.openxmlformats.org/drawingml/2006/table">
@@ -2998,38 +3000,38 @@
                 <a:tableStyleId>{5940675A-B579-460E-94D1-54222C63F5DA}</a:tableStyleId>
               </a:tblPr>
               <a:tblGrid>
-                <a:gridCol w="371794">
+                <a:gridCol w="371795">
                   <a:extLst>
                     <a:ext uri="{9D8B030D-6E8A-4147-A177-3AD203B41FA5}">
-                      <a16:colId xmlns="" xmlns:a16="http://schemas.microsoft.com/office/drawing/2014/main" val="1495994520"/>
+                      <a16:colId xmlns:a16="http://schemas.microsoft.com/office/drawing/2014/main" xmlns="" val="1495994520"/>
                     </a:ext>
                   </a:extLst>
                 </a:gridCol>
-                <a:gridCol w="4274343">
+                <a:gridCol w="4274344">
                   <a:extLst>
                     <a:ext uri="{9D8B030D-6E8A-4147-A177-3AD203B41FA5}">
-                      <a16:colId xmlns="" xmlns:a16="http://schemas.microsoft.com/office/drawing/2014/main" val="1129046455"/>
+                      <a16:colId xmlns:a16="http://schemas.microsoft.com/office/drawing/2014/main" xmlns="" val="1129046455"/>
                     </a:ext>
                   </a:extLst>
                 </a:gridCol>
                 <a:gridCol w="4088288">
                   <a:extLst>
                     <a:ext uri="{9D8B030D-6E8A-4147-A177-3AD203B41FA5}">
-                      <a16:colId xmlns="" xmlns:a16="http://schemas.microsoft.com/office/drawing/2014/main" val="2369603338"/>
+                      <a16:colId xmlns:a16="http://schemas.microsoft.com/office/drawing/2014/main" xmlns="" val="2369603338"/>
                     </a:ext>
                   </a:extLst>
                 </a:gridCol>
                 <a:gridCol w="1794988">
                   <a:extLst>
                     <a:ext uri="{9D8B030D-6E8A-4147-A177-3AD203B41FA5}">
-                      <a16:colId xmlns="" xmlns:a16="http://schemas.microsoft.com/office/drawing/2014/main" val="2935269635"/>
+                      <a16:colId xmlns:a16="http://schemas.microsoft.com/office/drawing/2014/main" xmlns="" val="2935269635"/>
                     </a:ext>
                   </a:extLst>
                 </a:gridCol>
                 <a:gridCol w="1654968">
                   <a:extLst>
                     <a:ext uri="{9D8B030D-6E8A-4147-A177-3AD203B41FA5}">
-                      <a16:colId xmlns="" xmlns:a16="http://schemas.microsoft.com/office/drawing/2014/main" val="3987723325"/>
+                      <a16:colId xmlns:a16="http://schemas.microsoft.com/office/drawing/2014/main" xmlns="" val="3987723325"/>
                     </a:ext>
                   </a:extLst>
                 </a:gridCol>
@@ -3063,11 +3065,11 @@
                     <a:p>
                       <a:pPr algn="ctr"/>
                       <a:r>
-                        <a:rPr lang="en-US" altLang="zh-CN" sz="1100" dirty="0">
+                        <a:rPr lang="en-US" altLang="zh-CN" sz="1100" dirty="0" smtClean="0">
                           <a:latin typeface="Times New Roman" panose="02020603050405020304" pitchFamily="18" charset="0"/>
                           <a:cs typeface="Times New Roman" panose="02020603050405020304" pitchFamily="18" charset="0"/>
                         </a:rPr>
-                        <a:t>Source</a:t>
+                        <a:t>Source Code</a:t>
                       </a:r>
                       <a:endParaRPr lang="zh-CN" altLang="en-US" sz="1100" dirty="0">
                         <a:latin typeface="Times New Roman" panose="02020603050405020304" pitchFamily="18" charset="0"/>
@@ -3095,11 +3097,18 @@
                     <a:p>
                       <a:pPr marR="0" algn="ctr" rtl="0"/>
                       <a:r>
-                        <a:rPr lang="en-US" altLang="zh-CN" sz="1100" dirty="0">
+                        <a:rPr lang="en-US" altLang="zh-CN" sz="1100" dirty="0" smtClean="0">
                           <a:latin typeface="Times New Roman" panose="02020603050405020304" pitchFamily="18" charset="0"/>
                           <a:cs typeface="Times New Roman" panose="02020603050405020304" pitchFamily="18" charset="0"/>
                         </a:rPr>
-                        <a:t>Pattern</a:t>
+                        <a:t>Simplified</a:t>
+                      </a:r>
+                      <a:r>
+                        <a:rPr lang="en-US" altLang="zh-CN" sz="1100" baseline="0" dirty="0" smtClean="0">
+                          <a:latin typeface="Times New Roman" panose="02020603050405020304" pitchFamily="18" charset="0"/>
+                          <a:cs typeface="Times New Roman" panose="02020603050405020304" pitchFamily="18" charset="0"/>
+                        </a:rPr>
+                        <a:t> Code</a:t>
                       </a:r>
                       <a:endParaRPr lang="zh-CN" altLang="en-US" sz="1100" dirty="0">
                         <a:latin typeface="Times New Roman" panose="02020603050405020304" pitchFamily="18" charset="0"/>
@@ -3122,7 +3131,7 @@
                 </a:tc>
                 <a:extLst>
                   <a:ext uri="{0D108BD9-81ED-4DB2-BD59-A6C34878D82A}">
-                    <a16:rowId xmlns="" xmlns:a16="http://schemas.microsoft.com/office/drawing/2014/main" val="436986935"/>
+                    <a16:rowId xmlns:a16="http://schemas.microsoft.com/office/drawing/2014/main" xmlns="" val="436986935"/>
                   </a:ext>
                 </a:extLst>
               </a:tr>
@@ -3223,7 +3232,7 @@
                 </a:tc>
                 <a:extLst>
                   <a:ext uri="{0D108BD9-81ED-4DB2-BD59-A6C34878D82A}">
-                    <a16:rowId xmlns="" xmlns:a16="http://schemas.microsoft.com/office/drawing/2014/main" val="2327670510"/>
+                    <a16:rowId xmlns:a16="http://schemas.microsoft.com/office/drawing/2014/main" xmlns="" val="2327670510"/>
                   </a:ext>
                 </a:extLst>
               </a:tr>
@@ -3795,14 +3804,14 @@
                         <a:t>  </a:t>
                       </a:r>
                       <a:r>
-                        <a:rPr lang="en-US" altLang="zh-CN" sz="1100" b="0" i="0" u="none" strike="noStrike" baseline="0" dirty="0" err="1">
+                        <a:rPr lang="en-US" altLang="zh-CN" sz="1100" b="0" i="0" u="none" strike="noStrike" baseline="0" dirty="0" err="1" smtClean="0">
                           <a:solidFill>
                             <a:srgbClr val="000000"/>
                           </a:solidFill>
                           <a:latin typeface="Courier New" panose="02070309020205020404" pitchFamily="49" charset="0"/>
                           <a:cs typeface="Courier New" panose="02070309020205020404" pitchFamily="49" charset="0"/>
                         </a:rPr>
-                        <a:t>lock.lock</a:t>
+                        <a:t>obj.lock</a:t>
                       </a:r>
                       <a:r>
                         <a:rPr lang="en-US" altLang="zh-CN" sz="1100" b="0" i="0" u="none" strike="noStrike" baseline="0" dirty="0">
@@ -3854,14 +3863,14 @@
                         <a:t>  </a:t>
                       </a:r>
                       <a:r>
-                        <a:rPr lang="en-US" altLang="zh-CN" sz="1100" b="0" i="0" u="none" strike="noStrike" baseline="0" dirty="0" err="1">
+                        <a:rPr lang="en-US" altLang="zh-CN" sz="1100" b="0" i="0" u="none" strike="noStrike" baseline="0" dirty="0" err="1" smtClean="0">
                           <a:solidFill>
                             <a:srgbClr val="000000"/>
                           </a:solidFill>
                           <a:latin typeface="Courier New" panose="02070309020205020404" pitchFamily="49" charset="0"/>
                           <a:cs typeface="Courier New" panose="02070309020205020404" pitchFamily="49" charset="0"/>
                         </a:rPr>
-                        <a:t>lock.unlock</a:t>
+                        <a:t>obj.unlock</a:t>
                       </a:r>
                       <a:r>
                         <a:rPr lang="en-US" altLang="zh-CN" sz="1100" b="0" i="0" u="none" strike="noStrike" baseline="0" dirty="0">
@@ -3896,11 +3905,11 @@
                 </a:tc>
                 <a:extLst>
                   <a:ext uri="{0D108BD9-81ED-4DB2-BD59-A6C34878D82A}">
-                    <a16:rowId xmlns="" xmlns:a16="http://schemas.microsoft.com/office/drawing/2014/main" val="491477770"/>
+                    <a16:rowId xmlns:a16="http://schemas.microsoft.com/office/drawing/2014/main" xmlns="" val="491477770"/>
                   </a:ext>
                 </a:extLst>
               </a:tr>
-              <a:tr h="3824550">
+              <a:tr h="4418518">
                 <a:tc>
                   <a:txBody>
                     <a:bodyPr/>
@@ -5226,7 +5235,7 @@
                 </a:tc>
                 <a:extLst>
                   <a:ext uri="{0D108BD9-81ED-4DB2-BD59-A6C34878D82A}">
-                    <a16:rowId xmlns="" xmlns:a16="http://schemas.microsoft.com/office/drawing/2014/main" val="2969912682"/>
+                    <a16:rowId xmlns:a16="http://schemas.microsoft.com/office/drawing/2014/main" xmlns="" val="2969912682"/>
                   </a:ext>
                 </a:extLst>
               </a:tr>
@@ -6236,11 +6245,11 @@
                 </a:tc>
                 <a:extLst>
                   <a:ext uri="{0D108BD9-81ED-4DB2-BD59-A6C34878D82A}">
-                    <a16:rowId xmlns="" xmlns:a16="http://schemas.microsoft.com/office/drawing/2014/main" val="1325939187"/>
+                    <a16:rowId xmlns:a16="http://schemas.microsoft.com/office/drawing/2014/main" xmlns="" val="1325939187"/>
                   </a:ext>
                 </a:extLst>
               </a:tr>
-              <a:tr h="691114">
+              <a:tr h="783772">
                 <a:tc>
                   <a:txBody>
                     <a:bodyPr/>
@@ -6537,7 +6546,7 @@
                   <a:tcPr anchor="ctr"/>
                 </a:tc>
               </a:tr>
-              <a:tr h="691114">
+              <a:tr h="2168436">
                 <a:tc>
                   <a:txBody>
                     <a:bodyPr/>
@@ -7071,7 +7080,7 @@
                   <a:tcPr anchor="ctr"/>
                 </a:tc>
               </a:tr>
-              <a:tr h="691114">
+              <a:tr h="1476104">
                 <a:tc>
                   <a:txBody>
                     <a:bodyPr/>
@@ -7556,7 +7565,7 @@
                   <a:tcPr anchor="ctr"/>
                 </a:tc>
               </a:tr>
-              <a:tr h="1477478">
+              <a:tr h="1477479">
                 <a:tc>
                   <a:txBody>
                     <a:bodyPr/>
@@ -8001,7 +8010,7 @@
                 </a:tc>
                 <a:extLst>
                   <a:ext uri="{0D108BD9-81ED-4DB2-BD59-A6C34878D82A}">
-                    <a16:rowId xmlns="" xmlns:a16="http://schemas.microsoft.com/office/drawing/2014/main" val="3985160712"/>
+                    <a16:rowId xmlns:a16="http://schemas.microsoft.com/office/drawing/2014/main" xmlns="" val="3985160712"/>
                   </a:ext>
                 </a:extLst>
               </a:tr>
@@ -8049,14 +8058,14 @@
             <p:ph idx="1"/>
             <p:extLst>
               <p:ext uri="{D42A27DB-BD31-4B8C-83A1-F6EECF244321}">
-                <p14:modId xmlns:p14="http://schemas.microsoft.com/office/powerpoint/2010/main" val="177337848"/>
+                <p14:modId xmlns:p14="http://schemas.microsoft.com/office/powerpoint/2010/main" val="3420928693"/>
               </p:ext>
             </p:extLst>
           </p:nvPr>
         </p:nvGraphicFramePr>
         <p:xfrm>
-          <a:off x="1" y="3040063"/>
-          <a:ext cx="12184380" cy="7305576"/>
+          <a:off x="5" y="46039"/>
+          <a:ext cx="12184381" cy="7305576"/>
         </p:xfrm>
         <a:graphic>
           <a:graphicData uri="http://schemas.openxmlformats.org/drawingml/2006/table">
@@ -8065,17 +8074,17 @@
                 <a:tableStyleId>{5940675A-B579-460E-94D1-54222C63F5DA}</a:tableStyleId>
               </a:tblPr>
               <a:tblGrid>
-                <a:gridCol w="371794">
+                <a:gridCol w="371795">
                   <a:extLst>
                     <a:ext uri="{9D8B030D-6E8A-4147-A177-3AD203B41FA5}">
-                      <a16:colId xmlns="" xmlns:a16="http://schemas.microsoft.com/office/drawing/2014/main" val="979900478"/>
+                      <a16:colId xmlns:a16="http://schemas.microsoft.com/office/drawing/2014/main" xmlns="" val="979900478"/>
                     </a:ext>
                   </a:extLst>
                 </a:gridCol>
                 <a:gridCol w="4208859">
                   <a:extLst>
                     <a:ext uri="{9D8B030D-6E8A-4147-A177-3AD203B41FA5}">
-                      <a16:colId xmlns="" xmlns:a16="http://schemas.microsoft.com/office/drawing/2014/main" val="286836760"/>
+                      <a16:colId xmlns:a16="http://schemas.microsoft.com/office/drawing/2014/main" xmlns="" val="286836760"/>
                     </a:ext>
                   </a:extLst>
                 </a:gridCol>
@@ -8083,7 +8092,7 @@
                 <a:gridCol w="1697434">
                   <a:extLst>
                     <a:ext uri="{9D8B030D-6E8A-4147-A177-3AD203B41FA5}">
-                      <a16:colId xmlns="" xmlns:a16="http://schemas.microsoft.com/office/drawing/2014/main" val="2860468690"/>
+                      <a16:colId xmlns:a16="http://schemas.microsoft.com/office/drawing/2014/main" xmlns="" val="2860468690"/>
                     </a:ext>
                   </a:extLst>
                 </a:gridCol>
@@ -8098,14 +8107,14 @@
                       <a:pPr marR="0" algn="ctr" rtl="0"/>
                       <a:r>
                         <a:rPr lang="en-US" altLang="zh-CN" sz="1100" dirty="0">
-                          <a:latin typeface="Courier New" panose="02070309020205020404" pitchFamily="49" charset="0"/>
-                          <a:cs typeface="Courier New" panose="02070309020205020404" pitchFamily="49" charset="0"/>
+                          <a:latin typeface="Times New Roman" panose="02020603050405020304" pitchFamily="18" charset="0"/>
+                          <a:cs typeface="Times New Roman" panose="02020603050405020304" pitchFamily="18" charset="0"/>
                         </a:rPr>
                         <a:t>#</a:t>
                       </a:r>
                       <a:endParaRPr lang="zh-CN" altLang="en-US" sz="1100" dirty="0">
-                        <a:latin typeface="Courier New" panose="02070309020205020404" pitchFamily="49" charset="0"/>
-                        <a:cs typeface="Courier New" panose="02070309020205020404" pitchFamily="49" charset="0"/>
+                        <a:latin typeface="Times New Roman" panose="02020603050405020304" pitchFamily="18" charset="0"/>
+                        <a:cs typeface="Times New Roman" panose="02020603050405020304" pitchFamily="18" charset="0"/>
                       </a:endParaRPr>
                     </a:p>
                   </a:txBody>
@@ -8118,16 +8127,24 @@
                     <a:p>
                       <a:pPr marR="0" algn="ctr" rtl="0"/>
                       <a:r>
-                        <a:rPr lang="en-US" altLang="zh-CN" sz="1100" kern="1200" dirty="0">
+                        <a:rPr lang="en-US" altLang="zh-CN" sz="1100" kern="1200" dirty="0" smtClean="0">
                           <a:solidFill>
                             <a:schemeClr val="tx1"/>
                           </a:solidFill>
-                          <a:latin typeface="Courier New" panose="02070309020205020404" pitchFamily="49" charset="0"/>
+                          <a:latin typeface="Times New Roman" panose="02020603050405020304" pitchFamily="18" charset="0"/>
                           <a:ea typeface="+mn-ea"/>
-                          <a:cs typeface="Courier New" panose="02070309020205020404" pitchFamily="49" charset="0"/>
-                        </a:rPr>
-                        <a:t>Source</a:t>
-                      </a:r>
+                          <a:cs typeface="Times New Roman" panose="02020603050405020304" pitchFamily="18" charset="0"/>
+                        </a:rPr>
+                        <a:t>Source Code</a:t>
+                      </a:r>
+                      <a:endParaRPr lang="en-US" altLang="zh-CN" sz="1100" kern="1200" dirty="0">
+                        <a:solidFill>
+                          <a:schemeClr val="tx1"/>
+                        </a:solidFill>
+                        <a:latin typeface="Times New Roman" panose="02020603050405020304" pitchFamily="18" charset="0"/>
+                        <a:ea typeface="+mn-ea"/>
+                        <a:cs typeface="Times New Roman" panose="02020603050405020304" pitchFamily="18" charset="0"/>
+                      </a:endParaRPr>
                     </a:p>
                   </a:txBody>
                   <a:tcPr anchor="ctr"/>
@@ -8149,15 +8166,22 @@
                     <a:p>
                       <a:pPr marR="0" algn="ctr" rtl="0"/>
                       <a:r>
-                        <a:rPr lang="en-US" altLang="zh-CN" sz="1100" dirty="0">
-                          <a:latin typeface="Courier New" panose="02070309020205020404" pitchFamily="49" charset="0"/>
-                          <a:cs typeface="Courier New" panose="02070309020205020404" pitchFamily="49" charset="0"/>
-                        </a:rPr>
-                        <a:t>Pattern</a:t>
+                        <a:rPr lang="en-US" altLang="zh-CN" sz="1100" dirty="0" err="1" smtClean="0">
+                          <a:latin typeface="Times New Roman" panose="02020603050405020304" pitchFamily="18" charset="0"/>
+                          <a:cs typeface="Times New Roman" panose="02020603050405020304" pitchFamily="18" charset="0"/>
+                        </a:rPr>
+                        <a:t>eSimplified</a:t>
+                      </a:r>
+                      <a:r>
+                        <a:rPr lang="en-US" altLang="zh-CN" sz="1100" dirty="0" smtClean="0">
+                          <a:latin typeface="Times New Roman" panose="02020603050405020304" pitchFamily="18" charset="0"/>
+                          <a:cs typeface="Times New Roman" panose="02020603050405020304" pitchFamily="18" charset="0"/>
+                        </a:rPr>
+                        <a:t> Code</a:t>
                       </a:r>
                       <a:endParaRPr lang="zh-CN" altLang="en-US" sz="1100" dirty="0">
-                        <a:latin typeface="Courier New" panose="02070309020205020404" pitchFamily="49" charset="0"/>
-                        <a:cs typeface="Courier New" panose="02070309020205020404" pitchFamily="49" charset="0"/>
+                        <a:latin typeface="Times New Roman" panose="02020603050405020304" pitchFamily="18" charset="0"/>
+                        <a:cs typeface="Times New Roman" panose="02020603050405020304" pitchFamily="18" charset="0"/>
                       </a:endParaRPr>
                     </a:p>
                   </a:txBody>
@@ -8175,7 +8199,7 @@
                 </a:tc>
                 <a:extLst>
                   <a:ext uri="{0D108BD9-81ED-4DB2-BD59-A6C34878D82A}">
-                    <a16:rowId xmlns="" xmlns:a16="http://schemas.microsoft.com/office/drawing/2014/main" val="255238892"/>
+                    <a16:rowId xmlns:a16="http://schemas.microsoft.com/office/drawing/2014/main" xmlns="" val="255238892"/>
                   </a:ext>
                 </a:extLst>
               </a:tr>
@@ -8201,9 +8225,9 @@
                           <a:solidFill>
                             <a:schemeClr val="tx1"/>
                           </a:solidFill>
-                          <a:latin typeface="Courier New" panose="02070309020205020404" pitchFamily="49" charset="0"/>
+                          <a:latin typeface="Times New Roman" panose="02020603050405020304" pitchFamily="18" charset="0"/>
                           <a:ea typeface="+mn-ea"/>
-                          <a:cs typeface="Courier New" panose="02070309020205020404" pitchFamily="49" charset="0"/>
+                          <a:cs typeface="Times New Roman" panose="02020603050405020304" pitchFamily="18" charset="0"/>
                         </a:rPr>
                         <a:t>Original</a:t>
                       </a:r>
@@ -8211,9 +8235,9 @@
                         <a:solidFill>
                           <a:schemeClr val="tx1"/>
                         </a:solidFill>
-                        <a:latin typeface="Courier New" panose="02070309020205020404" pitchFamily="49" charset="0"/>
+                        <a:latin typeface="Times New Roman" panose="02020603050405020304" pitchFamily="18" charset="0"/>
                         <a:ea typeface="+mn-ea"/>
-                        <a:cs typeface="Courier New" panose="02070309020205020404" pitchFamily="49" charset="0"/>
+                        <a:cs typeface="Times New Roman" panose="02020603050405020304" pitchFamily="18" charset="0"/>
                       </a:endParaRPr>
                     </a:p>
                   </a:txBody>
@@ -8230,9 +8254,9 @@
                           <a:solidFill>
                             <a:schemeClr val="tx1"/>
                           </a:solidFill>
-                          <a:latin typeface="Courier New" panose="02070309020205020404" pitchFamily="49" charset="0"/>
+                          <a:latin typeface="Times New Roman" panose="02020603050405020304" pitchFamily="18" charset="0"/>
                           <a:ea typeface="+mn-ea"/>
-                          <a:cs typeface="Courier New" panose="02070309020205020404" pitchFamily="49" charset="0"/>
+                          <a:cs typeface="Times New Roman" panose="02020603050405020304" pitchFamily="18" charset="0"/>
                         </a:rPr>
                         <a:t>Modified</a:t>
                       </a:r>
@@ -8240,9 +8264,9 @@
                         <a:solidFill>
                           <a:schemeClr val="tx1"/>
                         </a:solidFill>
-                        <a:latin typeface="Courier New" panose="02070309020205020404" pitchFamily="49" charset="0"/>
+                        <a:latin typeface="Times New Roman" panose="02020603050405020304" pitchFamily="18" charset="0"/>
                         <a:ea typeface="+mn-ea"/>
-                        <a:cs typeface="Courier New" panose="02070309020205020404" pitchFamily="49" charset="0"/>
+                        <a:cs typeface="Times New Roman" panose="02020603050405020304" pitchFamily="18" charset="0"/>
                       </a:endParaRPr>
                     </a:p>
                   </a:txBody>
@@ -8256,14 +8280,14 @@
                       <a:pPr marR="0" algn="ctr" rtl="0"/>
                       <a:r>
                         <a:rPr lang="en-US" altLang="zh-CN" sz="1100" dirty="0" smtClean="0">
-                          <a:latin typeface="Courier New" panose="02070309020205020404" pitchFamily="49" charset="0"/>
-                          <a:cs typeface="Courier New" panose="02070309020205020404" pitchFamily="49" charset="0"/>
+                          <a:latin typeface="Times New Roman" panose="02020603050405020304" pitchFamily="18" charset="0"/>
+                          <a:cs typeface="Times New Roman" panose="02020603050405020304" pitchFamily="18" charset="0"/>
                         </a:rPr>
                         <a:t>Original</a:t>
                       </a:r>
                       <a:endParaRPr lang="zh-CN" altLang="en-US" sz="1100" dirty="0">
-                        <a:latin typeface="Courier New" panose="02070309020205020404" pitchFamily="49" charset="0"/>
-                        <a:cs typeface="Courier New" panose="02070309020205020404" pitchFamily="49" charset="0"/>
+                        <a:latin typeface="Times New Roman" panose="02020603050405020304" pitchFamily="18" charset="0"/>
+                        <a:cs typeface="Times New Roman" panose="02020603050405020304" pitchFamily="18" charset="0"/>
                       </a:endParaRPr>
                     </a:p>
                   </a:txBody>
@@ -8277,14 +8301,14 @@
                       <a:pPr marR="0" algn="ctr" rtl="0"/>
                       <a:r>
                         <a:rPr lang="en-US" altLang="zh-CN" sz="1100" dirty="0" smtClean="0">
-                          <a:latin typeface="Courier New" panose="02070309020205020404" pitchFamily="49" charset="0"/>
-                          <a:cs typeface="Courier New" panose="02070309020205020404" pitchFamily="49" charset="0"/>
+                          <a:latin typeface="Times New Roman" panose="02020603050405020304" pitchFamily="18" charset="0"/>
+                          <a:cs typeface="Times New Roman" panose="02020603050405020304" pitchFamily="18" charset="0"/>
                         </a:rPr>
                         <a:t>Modified</a:t>
                       </a:r>
                       <a:endParaRPr lang="zh-CN" altLang="en-US" sz="1100" dirty="0">
-                        <a:latin typeface="Courier New" panose="02070309020205020404" pitchFamily="49" charset="0"/>
-                        <a:cs typeface="Courier New" panose="02070309020205020404" pitchFamily="49" charset="0"/>
+                        <a:latin typeface="Times New Roman" panose="02020603050405020304" pitchFamily="18" charset="0"/>
+                        <a:cs typeface="Times New Roman" panose="02020603050405020304" pitchFamily="18" charset="0"/>
                       </a:endParaRPr>
                     </a:p>
                   </a:txBody>
@@ -8300,14 +8324,14 @@
                       <a:pPr marR="0" algn="ctr" rtl="0"/>
                       <a:r>
                         <a:rPr lang="en-US" altLang="zh-CN" sz="1100" dirty="0">
-                          <a:latin typeface="Courier New" panose="02070309020205020404" pitchFamily="49" charset="0"/>
-                          <a:cs typeface="Courier New" panose="02070309020205020404" pitchFamily="49" charset="0"/>
+                          <a:latin typeface="Times New Roman" panose="02020603050405020304" pitchFamily="18" charset="0"/>
+                          <a:cs typeface="Times New Roman" panose="02020603050405020304" pitchFamily="18" charset="0"/>
                         </a:rPr>
                         <a:t>7</a:t>
                       </a:r>
                       <a:endParaRPr lang="zh-CN" altLang="en-US" sz="1100" dirty="0">
-                        <a:latin typeface="Courier New" panose="02070309020205020404" pitchFamily="49" charset="0"/>
-                        <a:cs typeface="Courier New" panose="02070309020205020404" pitchFamily="49" charset="0"/>
+                        <a:latin typeface="Times New Roman" panose="02020603050405020304" pitchFamily="18" charset="0"/>
+                        <a:cs typeface="Times New Roman" panose="02020603050405020304" pitchFamily="18" charset="0"/>
                       </a:endParaRPr>
                     </a:p>
                   </a:txBody>
@@ -9128,21 +9152,21 @@
                           <a:latin typeface="Courier New" panose="02070309020205020404" pitchFamily="49" charset="0"/>
                           <a:cs typeface="Courier New" panose="02070309020205020404" pitchFamily="49" charset="0"/>
                         </a:rPr>
-                        <a:t> (</a:t>
-                      </a:r>
-                      <a:r>
-                        <a:rPr lang="en-US" altLang="zh-CN" sz="1100" baseline="0" dirty="0" err="1" smtClean="0">
-                          <a:latin typeface="Courier New" panose="02070309020205020404" pitchFamily="49" charset="0"/>
-                          <a:cs typeface="Courier New" panose="02070309020205020404" pitchFamily="49" charset="0"/>
-                        </a:rPr>
-                        <a:t>obj</a:t>
+                        <a:t> </a:t>
                       </a:r>
                       <a:r>
                         <a:rPr lang="en-US" altLang="zh-CN" sz="1100" baseline="0" dirty="0" smtClean="0">
                           <a:latin typeface="Courier New" panose="02070309020205020404" pitchFamily="49" charset="0"/>
                           <a:cs typeface="Courier New" panose="02070309020205020404" pitchFamily="49" charset="0"/>
                         </a:rPr>
-                        <a:t>) {</a:t>
+                        <a:t>void foo() </a:t>
+                      </a:r>
+                      <a:r>
+                        <a:rPr lang="en-US" altLang="zh-CN" sz="1100" baseline="0" dirty="0" smtClean="0">
+                          <a:latin typeface="Courier New" panose="02070309020205020404" pitchFamily="49" charset="0"/>
+                          <a:cs typeface="Courier New" panose="02070309020205020404" pitchFamily="49" charset="0"/>
+                        </a:rPr>
+                        <a:t>{</a:t>
                       </a:r>
                     </a:p>
                     <a:p>
@@ -9252,11 +9276,11 @@
                 </a:tc>
                 <a:extLst>
                   <a:ext uri="{0D108BD9-81ED-4DB2-BD59-A6C34878D82A}">
-                    <a16:rowId xmlns="" xmlns:a16="http://schemas.microsoft.com/office/drawing/2014/main" val="719721223"/>
+                    <a16:rowId xmlns:a16="http://schemas.microsoft.com/office/drawing/2014/main" xmlns="" val="719721223"/>
                   </a:ext>
                 </a:extLst>
               </a:tr>
-              <a:tr h="1477478">
+              <a:tr h="1477479">
                 <a:tc>
                   <a:txBody>
                     <a:bodyPr/>
@@ -9265,14 +9289,14 @@
                       <a:pPr marR="0" algn="ctr" rtl="0"/>
                       <a:r>
                         <a:rPr lang="en-US" altLang="zh-CN" sz="1100" dirty="0">
-                          <a:latin typeface="Courier New" panose="02070309020205020404" pitchFamily="49" charset="0"/>
-                          <a:cs typeface="Courier New" panose="02070309020205020404" pitchFamily="49" charset="0"/>
+                          <a:latin typeface="Times New Roman" panose="02020603050405020304" pitchFamily="18" charset="0"/>
+                          <a:cs typeface="Times New Roman" panose="02020603050405020304" pitchFamily="18" charset="0"/>
                         </a:rPr>
                         <a:t>8</a:t>
                       </a:r>
                       <a:endParaRPr lang="zh-CN" altLang="en-US" sz="1100" dirty="0">
-                        <a:latin typeface="Courier New" panose="02070309020205020404" pitchFamily="49" charset="0"/>
-                        <a:cs typeface="Courier New" panose="02070309020205020404" pitchFamily="49" charset="0"/>
+                        <a:latin typeface="Times New Roman" panose="02020603050405020304" pitchFamily="18" charset="0"/>
+                        <a:cs typeface="Times New Roman" panose="02020603050405020304" pitchFamily="18" charset="0"/>
                       </a:endParaRPr>
                     </a:p>
                   </a:txBody>
@@ -9742,11 +9766,11 @@
                 </a:tc>
                 <a:extLst>
                   <a:ext uri="{0D108BD9-81ED-4DB2-BD59-A6C34878D82A}">
-                    <a16:rowId xmlns="" xmlns:a16="http://schemas.microsoft.com/office/drawing/2014/main" val="2936119967"/>
+                    <a16:rowId xmlns:a16="http://schemas.microsoft.com/office/drawing/2014/main" xmlns="" val="2936119967"/>
                   </a:ext>
                 </a:extLst>
               </a:tr>
-              <a:tr h="1997242">
+              <a:tr h="1997241">
                 <a:tc>
                   <a:txBody>
                     <a:bodyPr/>
@@ -9755,14 +9779,14 @@
                       <a:pPr marR="0" algn="ctr" rtl="0"/>
                       <a:r>
                         <a:rPr lang="en-US" altLang="zh-CN" sz="1100" dirty="0" smtClean="0">
-                          <a:latin typeface="Courier New" panose="02070309020205020404" pitchFamily="49" charset="0"/>
-                          <a:cs typeface="Courier New" panose="02070309020205020404" pitchFamily="49" charset="0"/>
+                          <a:latin typeface="Times New Roman" panose="02020603050405020304" pitchFamily="18" charset="0"/>
+                          <a:cs typeface="Times New Roman" panose="02020603050405020304" pitchFamily="18" charset="0"/>
                         </a:rPr>
                         <a:t>9</a:t>
                       </a:r>
                       <a:endParaRPr lang="zh-CN" altLang="en-US" sz="1100" dirty="0">
-                        <a:latin typeface="Courier New" panose="02070309020205020404" pitchFamily="49" charset="0"/>
-                        <a:cs typeface="Courier New" panose="02070309020205020404" pitchFamily="49" charset="0"/>
+                        <a:latin typeface="Times New Roman" panose="02020603050405020304" pitchFamily="18" charset="0"/>
+                        <a:cs typeface="Times New Roman" panose="02020603050405020304" pitchFamily="18" charset="0"/>
                       </a:endParaRPr>
                     </a:p>
                   </a:txBody>
@@ -10482,7 +10506,7 @@
                 </a:tc>
                 <a:extLst>
                   <a:ext uri="{0D108BD9-81ED-4DB2-BD59-A6C34878D82A}">
-                    <a16:rowId xmlns="" xmlns:a16="http://schemas.microsoft.com/office/drawing/2014/main" val="3067181177"/>
+                    <a16:rowId xmlns:a16="http://schemas.microsoft.com/office/drawing/2014/main" xmlns="" val="3067181177"/>
                   </a:ext>
                 </a:extLst>
               </a:tr>
@@ -10495,14 +10519,14 @@
                       <a:pPr marR="0" algn="ctr" rtl="0"/>
                       <a:r>
                         <a:rPr lang="en-US" altLang="zh-CN" sz="1100" dirty="0" smtClean="0">
-                          <a:latin typeface="Courier New" panose="02070309020205020404" pitchFamily="49" charset="0"/>
-                          <a:cs typeface="Courier New" panose="02070309020205020404" pitchFamily="49" charset="0"/>
+                          <a:latin typeface="Times New Roman" panose="02020603050405020304" pitchFamily="18" charset="0"/>
+                          <a:cs typeface="Times New Roman" panose="02020603050405020304" pitchFamily="18" charset="0"/>
                         </a:rPr>
                         <a:t>10</a:t>
                       </a:r>
                       <a:endParaRPr lang="zh-CN" altLang="en-US" sz="1100" dirty="0">
-                        <a:latin typeface="Courier New" panose="02070309020205020404" pitchFamily="49" charset="0"/>
-                        <a:cs typeface="Courier New" panose="02070309020205020404" pitchFamily="49" charset="0"/>
+                        <a:latin typeface="Times New Roman" panose="02020603050405020304" pitchFamily="18" charset="0"/>
+                        <a:cs typeface="Times New Roman" panose="02020603050405020304" pitchFamily="18" charset="0"/>
                       </a:endParaRPr>
                     </a:p>
                   </a:txBody>
@@ -10930,7 +10954,7 @@
                 </a:tc>
                 <a:extLst>
                   <a:ext uri="{0D108BD9-81ED-4DB2-BD59-A6C34878D82A}">
-                    <a16:rowId xmlns="" xmlns:a16="http://schemas.microsoft.com/office/drawing/2014/main" val="3351539951"/>
+                    <a16:rowId xmlns:a16="http://schemas.microsoft.com/office/drawing/2014/main" xmlns="" val="3351539951"/>
                   </a:ext>
                 </a:extLst>
               </a:tr>

--- a/visio/patterns.pptx
+++ b/visio/patterns.pptx
@@ -2,13 +2,13 @@
 <file path=ppt/presentation.xml><?xml version="1.0" encoding="utf-8"?>
 <p:presentation xmlns:a="http://schemas.openxmlformats.org/drawingml/2006/main" xmlns:r="http://schemas.openxmlformats.org/officeDocument/2006/relationships" xmlns:p="http://schemas.openxmlformats.org/presentationml/2006/main" saveSubsetFonts="1">
   <p:sldMasterIdLst>
-    <p:sldMasterId id="2147483816" r:id="rId1"/>
+    <p:sldMasterId id="2147483852" r:id="rId1"/>
   </p:sldMasterIdLst>
   <p:sldIdLst>
     <p:sldId id="257" r:id="rId2"/>
     <p:sldId id="258" r:id="rId3"/>
   </p:sldIdLst>
-  <p:sldSz cx="12192000" cy="7407275"/>
+  <p:sldSz cx="12192000" cy="14995525"/>
   <p:notesSz cx="6858000" cy="9144000"/>
   <p:defaultTextStyle>
     <a:defPPr>
@@ -142,15 +142,15 @@
         </p:nvSpPr>
         <p:spPr>
           <a:xfrm>
-            <a:off x="1524000" y="1212256"/>
-            <a:ext cx="9144000" cy="2578829"/>
+            <a:off x="914400" y="2454130"/>
+            <a:ext cx="10363200" cy="5220664"/>
           </a:xfrm>
         </p:spPr>
         <p:txBody>
           <a:bodyPr anchor="b"/>
           <a:lstStyle>
             <a:lvl1pPr algn="ctr">
-              <a:defRPr sz="6000"/>
+              <a:defRPr sz="8000"/>
             </a:lvl1pPr>
           </a:lstStyle>
           <a:p>
@@ -174,8 +174,8 @@
         </p:nvSpPr>
         <p:spPr>
           <a:xfrm>
-            <a:off x="1524000" y="3890535"/>
-            <a:ext cx="9144000" cy="1788376"/>
+            <a:off x="1524000" y="7876123"/>
+            <a:ext cx="9144000" cy="3620446"/>
           </a:xfrm>
         </p:spPr>
         <p:txBody>
@@ -183,39 +183,39 @@
           <a:lstStyle>
             <a:lvl1pPr marL="0" indent="0" algn="ctr">
               <a:buNone/>
+              <a:defRPr sz="3200"/>
+            </a:lvl1pPr>
+            <a:lvl2pPr marL="609585" indent="0" algn="ctr">
+              <a:buNone/>
+              <a:defRPr sz="2667"/>
+            </a:lvl2pPr>
+            <a:lvl3pPr marL="1219170" indent="0" algn="ctr">
+              <a:buNone/>
               <a:defRPr sz="2400"/>
-            </a:lvl1pPr>
-            <a:lvl2pPr marL="457200" indent="0" algn="ctr">
+            </a:lvl3pPr>
+            <a:lvl4pPr marL="1828754" indent="0" algn="ctr">
               <a:buNone/>
-              <a:defRPr sz="2000"/>
-            </a:lvl2pPr>
-            <a:lvl3pPr marL="914400" indent="0" algn="ctr">
+              <a:defRPr sz="2133"/>
+            </a:lvl4pPr>
+            <a:lvl5pPr marL="2438339" indent="0" algn="ctr">
               <a:buNone/>
-              <a:defRPr sz="1800"/>
-            </a:lvl3pPr>
-            <a:lvl4pPr marL="1371600" indent="0" algn="ctr">
+              <a:defRPr sz="2133"/>
+            </a:lvl5pPr>
+            <a:lvl6pPr marL="3047924" indent="0" algn="ctr">
               <a:buNone/>
-              <a:defRPr sz="1600"/>
-            </a:lvl4pPr>
-            <a:lvl5pPr marL="1828800" indent="0" algn="ctr">
+              <a:defRPr sz="2133"/>
+            </a:lvl6pPr>
+            <a:lvl7pPr marL="3657509" indent="0" algn="ctr">
               <a:buNone/>
-              <a:defRPr sz="1600"/>
-            </a:lvl5pPr>
-            <a:lvl6pPr marL="2286000" indent="0" algn="ctr">
+              <a:defRPr sz="2133"/>
+            </a:lvl7pPr>
+            <a:lvl8pPr marL="4267093" indent="0" algn="ctr">
               <a:buNone/>
-              <a:defRPr sz="1600"/>
-            </a:lvl6pPr>
-            <a:lvl7pPr marL="2743200" indent="0" algn="ctr">
+              <a:defRPr sz="2133"/>
+            </a:lvl8pPr>
+            <a:lvl9pPr marL="4876678" indent="0" algn="ctr">
               <a:buNone/>
-              <a:defRPr sz="1600"/>
-            </a:lvl7pPr>
-            <a:lvl8pPr marL="3200400" indent="0" algn="ctr">
-              <a:buNone/>
-              <a:defRPr sz="1600"/>
-            </a:lvl8pPr>
-            <a:lvl9pPr marL="3657600" indent="0" algn="ctr">
-              <a:buNone/>
-              <a:defRPr sz="1600"/>
+              <a:defRPr sz="2133"/>
             </a:lvl9pPr>
           </a:lstStyle>
           <a:p>
@@ -295,7 +295,7 @@
     </p:spTree>
     <p:extLst>
       <p:ext uri="{BB962C8B-B14F-4D97-AF65-F5344CB8AC3E}">
-        <p14:creationId xmlns:p14="http://schemas.microsoft.com/office/powerpoint/2010/main" val="4269603206"/>
+        <p14:creationId xmlns:p14="http://schemas.microsoft.com/office/powerpoint/2010/main" val="1838628427"/>
       </p:ext>
     </p:extLst>
   </p:cSld>
@@ -465,7 +465,7 @@
     </p:spTree>
     <p:extLst>
       <p:ext uri="{BB962C8B-B14F-4D97-AF65-F5344CB8AC3E}">
-        <p14:creationId xmlns:p14="http://schemas.microsoft.com/office/powerpoint/2010/main" val="4064349906"/>
+        <p14:creationId xmlns:p14="http://schemas.microsoft.com/office/powerpoint/2010/main" val="1021252282"/>
       </p:ext>
     </p:extLst>
   </p:cSld>
@@ -504,8 +504,8 @@
         </p:nvSpPr>
         <p:spPr>
           <a:xfrm>
-            <a:off x="8724900" y="394369"/>
-            <a:ext cx="2628900" cy="6277323"/>
+            <a:off x="8724901" y="798373"/>
+            <a:ext cx="2628900" cy="12708014"/>
           </a:xfrm>
         </p:spPr>
         <p:txBody>
@@ -532,8 +532,8 @@
         </p:nvSpPr>
         <p:spPr>
           <a:xfrm>
-            <a:off x="838200" y="394369"/>
-            <a:ext cx="7734300" cy="6277323"/>
+            <a:off x="838201" y="798373"/>
+            <a:ext cx="7734300" cy="12708014"/>
           </a:xfrm>
         </p:spPr>
         <p:txBody>
@@ -645,7 +645,7 @@
     </p:spTree>
     <p:extLst>
       <p:ext uri="{BB962C8B-B14F-4D97-AF65-F5344CB8AC3E}">
-        <p14:creationId xmlns:p14="http://schemas.microsoft.com/office/powerpoint/2010/main" val="1584499185"/>
+        <p14:creationId xmlns:p14="http://schemas.microsoft.com/office/powerpoint/2010/main" val="2836657912"/>
       </p:ext>
     </p:extLst>
   </p:cSld>
@@ -815,7 +815,7 @@
     </p:spTree>
     <p:extLst>
       <p:ext uri="{BB962C8B-B14F-4D97-AF65-F5344CB8AC3E}">
-        <p14:creationId xmlns:p14="http://schemas.microsoft.com/office/powerpoint/2010/main" val="1596302920"/>
+        <p14:creationId xmlns:p14="http://schemas.microsoft.com/office/powerpoint/2010/main" val="2542689861"/>
       </p:ext>
     </p:extLst>
   </p:cSld>
@@ -854,15 +854,15 @@
         </p:nvSpPr>
         <p:spPr>
           <a:xfrm>
-            <a:off x="831850" y="1846676"/>
-            <a:ext cx="10515600" cy="3081220"/>
+            <a:off x="831851" y="3738472"/>
+            <a:ext cx="10515600" cy="6237721"/>
           </a:xfrm>
         </p:spPr>
         <p:txBody>
           <a:bodyPr anchor="b"/>
           <a:lstStyle>
             <a:lvl1pPr>
-              <a:defRPr sz="6000"/>
+              <a:defRPr sz="8000"/>
             </a:lvl1pPr>
           </a:lstStyle>
           <a:p>
@@ -886,14 +886,32 @@
         </p:nvSpPr>
         <p:spPr>
           <a:xfrm>
-            <a:off x="831850" y="4957045"/>
-            <a:ext cx="10515600" cy="1620341"/>
+            <a:off x="831851" y="10035204"/>
+            <a:ext cx="10515600" cy="3280270"/>
           </a:xfrm>
         </p:spPr>
         <p:txBody>
           <a:bodyPr/>
           <a:lstStyle>
             <a:lvl1pPr marL="0" indent="0">
+              <a:buNone/>
+              <a:defRPr sz="3200">
+                <a:solidFill>
+                  <a:schemeClr val="tx1"/>
+                </a:solidFill>
+              </a:defRPr>
+            </a:lvl1pPr>
+            <a:lvl2pPr marL="609585" indent="0">
+              <a:buNone/>
+              <a:defRPr sz="2667">
+                <a:solidFill>
+                  <a:schemeClr val="tx1">
+                    <a:tint val="75000"/>
+                  </a:schemeClr>
+                </a:solidFill>
+              </a:defRPr>
+            </a:lvl2pPr>
+            <a:lvl3pPr marL="1219170" indent="0">
               <a:buNone/>
               <a:defRPr sz="2400">
                 <a:solidFill>
@@ -902,30 +920,10 @@
                   </a:schemeClr>
                 </a:solidFill>
               </a:defRPr>
-            </a:lvl1pPr>
-            <a:lvl2pPr marL="457200" indent="0">
+            </a:lvl3pPr>
+            <a:lvl4pPr marL="1828754" indent="0">
               <a:buNone/>
-              <a:defRPr sz="2000">
-                <a:solidFill>
-                  <a:schemeClr val="tx1">
-                    <a:tint val="75000"/>
-                  </a:schemeClr>
-                </a:solidFill>
-              </a:defRPr>
-            </a:lvl2pPr>
-            <a:lvl3pPr marL="914400" indent="0">
-              <a:buNone/>
-              <a:defRPr sz="1800">
-                <a:solidFill>
-                  <a:schemeClr val="tx1">
-                    <a:tint val="75000"/>
-                  </a:schemeClr>
-                </a:solidFill>
-              </a:defRPr>
-            </a:lvl3pPr>
-            <a:lvl4pPr marL="1371600" indent="0">
-              <a:buNone/>
-              <a:defRPr sz="1600">
+              <a:defRPr sz="2133">
                 <a:solidFill>
                   <a:schemeClr val="tx1">
                     <a:tint val="75000"/>
@@ -933,9 +931,9 @@
                 </a:solidFill>
               </a:defRPr>
             </a:lvl4pPr>
-            <a:lvl5pPr marL="1828800" indent="0">
+            <a:lvl5pPr marL="2438339" indent="0">
               <a:buNone/>
-              <a:defRPr sz="1600">
+              <a:defRPr sz="2133">
                 <a:solidFill>
                   <a:schemeClr val="tx1">
                     <a:tint val="75000"/>
@@ -943,9 +941,9 @@
                 </a:solidFill>
               </a:defRPr>
             </a:lvl5pPr>
-            <a:lvl6pPr marL="2286000" indent="0">
+            <a:lvl6pPr marL="3047924" indent="0">
               <a:buNone/>
-              <a:defRPr sz="1600">
+              <a:defRPr sz="2133">
                 <a:solidFill>
                   <a:schemeClr val="tx1">
                     <a:tint val="75000"/>
@@ -953,9 +951,9 @@
                 </a:solidFill>
               </a:defRPr>
             </a:lvl6pPr>
-            <a:lvl7pPr marL="2743200" indent="0">
+            <a:lvl7pPr marL="3657509" indent="0">
               <a:buNone/>
-              <a:defRPr sz="1600">
+              <a:defRPr sz="2133">
                 <a:solidFill>
                   <a:schemeClr val="tx1">
                     <a:tint val="75000"/>
@@ -963,9 +961,9 @@
                 </a:solidFill>
               </a:defRPr>
             </a:lvl7pPr>
-            <a:lvl8pPr marL="3200400" indent="0">
+            <a:lvl8pPr marL="4267093" indent="0">
               <a:buNone/>
-              <a:defRPr sz="1600">
+              <a:defRPr sz="2133">
                 <a:solidFill>
                   <a:schemeClr val="tx1">
                     <a:tint val="75000"/>
@@ -973,9 +971,9 @@
                 </a:solidFill>
               </a:defRPr>
             </a:lvl8pPr>
-            <a:lvl9pPr marL="3657600" indent="0">
+            <a:lvl9pPr marL="4876678" indent="0">
               <a:buNone/>
-              <a:defRPr sz="1600">
+              <a:defRPr sz="2133">
                 <a:solidFill>
                   <a:schemeClr val="tx1">
                     <a:tint val="75000"/>
@@ -1061,7 +1059,7 @@
     </p:spTree>
     <p:extLst>
       <p:ext uri="{BB962C8B-B14F-4D97-AF65-F5344CB8AC3E}">
-        <p14:creationId xmlns:p14="http://schemas.microsoft.com/office/powerpoint/2010/main" val="488583080"/>
+        <p14:creationId xmlns:p14="http://schemas.microsoft.com/office/powerpoint/2010/main" val="3716648271"/>
       </p:ext>
     </p:extLst>
   </p:cSld>
@@ -1123,8 +1121,8 @@
         </p:nvSpPr>
         <p:spPr>
           <a:xfrm>
-            <a:off x="838200" y="1971844"/>
-            <a:ext cx="5181600" cy="4699848"/>
+            <a:off x="838200" y="3991864"/>
+            <a:ext cx="5181600" cy="9514523"/>
           </a:xfrm>
         </p:spPr>
         <p:txBody>
@@ -1180,8 +1178,8 @@
         </p:nvSpPr>
         <p:spPr>
           <a:xfrm>
-            <a:off x="6172200" y="1971844"/>
-            <a:ext cx="5181600" cy="4699848"/>
+            <a:off x="6172200" y="3991864"/>
+            <a:ext cx="5181600" cy="9514523"/>
           </a:xfrm>
         </p:spPr>
         <p:txBody>
@@ -1293,7 +1291,7 @@
     </p:spTree>
     <p:extLst>
       <p:ext uri="{BB962C8B-B14F-4D97-AF65-F5344CB8AC3E}">
-        <p14:creationId xmlns:p14="http://schemas.microsoft.com/office/powerpoint/2010/main" val="37256022"/>
+        <p14:creationId xmlns:p14="http://schemas.microsoft.com/office/powerpoint/2010/main" val="2664987026"/>
       </p:ext>
     </p:extLst>
   </p:cSld>
@@ -1332,8 +1330,8 @@
         </p:nvSpPr>
         <p:spPr>
           <a:xfrm>
-            <a:off x="839788" y="394369"/>
-            <a:ext cx="10515600" cy="1431731"/>
+            <a:off x="839788" y="798376"/>
+            <a:ext cx="10515600" cy="2898442"/>
           </a:xfrm>
         </p:spPr>
         <p:txBody>
@@ -1360,8 +1358,8 @@
         </p:nvSpPr>
         <p:spPr>
           <a:xfrm>
-            <a:off x="839789" y="1815812"/>
-            <a:ext cx="5157787" cy="889901"/>
+            <a:off x="839789" y="3675987"/>
+            <a:ext cx="5157787" cy="1801545"/>
           </a:xfrm>
         </p:spPr>
         <p:txBody>
@@ -1369,39 +1367,39 @@
           <a:lstStyle>
             <a:lvl1pPr marL="0" indent="0">
               <a:buNone/>
+              <a:defRPr sz="3200" b="1"/>
+            </a:lvl1pPr>
+            <a:lvl2pPr marL="609585" indent="0">
+              <a:buNone/>
+              <a:defRPr sz="2667" b="1"/>
+            </a:lvl2pPr>
+            <a:lvl3pPr marL="1219170" indent="0">
+              <a:buNone/>
               <a:defRPr sz="2400" b="1"/>
-            </a:lvl1pPr>
-            <a:lvl2pPr marL="457200" indent="0">
+            </a:lvl3pPr>
+            <a:lvl4pPr marL="1828754" indent="0">
               <a:buNone/>
-              <a:defRPr sz="2000" b="1"/>
-            </a:lvl2pPr>
-            <a:lvl3pPr marL="914400" indent="0">
+              <a:defRPr sz="2133" b="1"/>
+            </a:lvl4pPr>
+            <a:lvl5pPr marL="2438339" indent="0">
               <a:buNone/>
-              <a:defRPr sz="1800" b="1"/>
-            </a:lvl3pPr>
-            <a:lvl4pPr marL="1371600" indent="0">
+              <a:defRPr sz="2133" b="1"/>
+            </a:lvl5pPr>
+            <a:lvl6pPr marL="3047924" indent="0">
               <a:buNone/>
-              <a:defRPr sz="1600" b="1"/>
-            </a:lvl4pPr>
-            <a:lvl5pPr marL="1828800" indent="0">
+              <a:defRPr sz="2133" b="1"/>
+            </a:lvl6pPr>
+            <a:lvl7pPr marL="3657509" indent="0">
               <a:buNone/>
-              <a:defRPr sz="1600" b="1"/>
-            </a:lvl5pPr>
-            <a:lvl6pPr marL="2286000" indent="0">
+              <a:defRPr sz="2133" b="1"/>
+            </a:lvl7pPr>
+            <a:lvl8pPr marL="4267093" indent="0">
               <a:buNone/>
-              <a:defRPr sz="1600" b="1"/>
-            </a:lvl6pPr>
-            <a:lvl7pPr marL="2743200" indent="0">
+              <a:defRPr sz="2133" b="1"/>
+            </a:lvl8pPr>
+            <a:lvl9pPr marL="4876678" indent="0">
               <a:buNone/>
-              <a:defRPr sz="1600" b="1"/>
-            </a:lvl7pPr>
-            <a:lvl8pPr marL="3200400" indent="0">
-              <a:buNone/>
-              <a:defRPr sz="1600" b="1"/>
-            </a:lvl8pPr>
-            <a:lvl9pPr marL="3657600" indent="0">
-              <a:buNone/>
-              <a:defRPr sz="1600" b="1"/>
+              <a:defRPr sz="2133" b="1"/>
             </a:lvl9pPr>
           </a:lstStyle>
           <a:p>
@@ -1425,8 +1423,8 @@
         </p:nvSpPr>
         <p:spPr>
           <a:xfrm>
-            <a:off x="839789" y="2705713"/>
-            <a:ext cx="5157787" cy="3979696"/>
+            <a:off x="839789" y="5477532"/>
+            <a:ext cx="5157787" cy="8056625"/>
           </a:xfrm>
         </p:spPr>
         <p:txBody>
@@ -1482,8 +1480,8 @@
         </p:nvSpPr>
         <p:spPr>
           <a:xfrm>
-            <a:off x="6172200" y="1815812"/>
-            <a:ext cx="5183188" cy="889901"/>
+            <a:off x="6172201" y="3675987"/>
+            <a:ext cx="5183188" cy="1801545"/>
           </a:xfrm>
         </p:spPr>
         <p:txBody>
@@ -1491,39 +1489,39 @@
           <a:lstStyle>
             <a:lvl1pPr marL="0" indent="0">
               <a:buNone/>
+              <a:defRPr sz="3200" b="1"/>
+            </a:lvl1pPr>
+            <a:lvl2pPr marL="609585" indent="0">
+              <a:buNone/>
+              <a:defRPr sz="2667" b="1"/>
+            </a:lvl2pPr>
+            <a:lvl3pPr marL="1219170" indent="0">
+              <a:buNone/>
               <a:defRPr sz="2400" b="1"/>
-            </a:lvl1pPr>
-            <a:lvl2pPr marL="457200" indent="0">
+            </a:lvl3pPr>
+            <a:lvl4pPr marL="1828754" indent="0">
               <a:buNone/>
-              <a:defRPr sz="2000" b="1"/>
-            </a:lvl2pPr>
-            <a:lvl3pPr marL="914400" indent="0">
+              <a:defRPr sz="2133" b="1"/>
+            </a:lvl4pPr>
+            <a:lvl5pPr marL="2438339" indent="0">
               <a:buNone/>
-              <a:defRPr sz="1800" b="1"/>
-            </a:lvl3pPr>
-            <a:lvl4pPr marL="1371600" indent="0">
+              <a:defRPr sz="2133" b="1"/>
+            </a:lvl5pPr>
+            <a:lvl6pPr marL="3047924" indent="0">
               <a:buNone/>
-              <a:defRPr sz="1600" b="1"/>
-            </a:lvl4pPr>
-            <a:lvl5pPr marL="1828800" indent="0">
+              <a:defRPr sz="2133" b="1"/>
+            </a:lvl6pPr>
+            <a:lvl7pPr marL="3657509" indent="0">
               <a:buNone/>
-              <a:defRPr sz="1600" b="1"/>
-            </a:lvl5pPr>
-            <a:lvl6pPr marL="2286000" indent="0">
+              <a:defRPr sz="2133" b="1"/>
+            </a:lvl7pPr>
+            <a:lvl8pPr marL="4267093" indent="0">
               <a:buNone/>
-              <a:defRPr sz="1600" b="1"/>
-            </a:lvl6pPr>
-            <a:lvl7pPr marL="2743200" indent="0">
+              <a:defRPr sz="2133" b="1"/>
+            </a:lvl8pPr>
+            <a:lvl9pPr marL="4876678" indent="0">
               <a:buNone/>
-              <a:defRPr sz="1600" b="1"/>
-            </a:lvl7pPr>
-            <a:lvl8pPr marL="3200400" indent="0">
-              <a:buNone/>
-              <a:defRPr sz="1600" b="1"/>
-            </a:lvl8pPr>
-            <a:lvl9pPr marL="3657600" indent="0">
-              <a:buNone/>
-              <a:defRPr sz="1600" b="1"/>
+              <a:defRPr sz="2133" b="1"/>
             </a:lvl9pPr>
           </a:lstStyle>
           <a:p>
@@ -1547,8 +1545,8 @@
         </p:nvSpPr>
         <p:spPr>
           <a:xfrm>
-            <a:off x="6172200" y="2705713"/>
-            <a:ext cx="5183188" cy="3979696"/>
+            <a:off x="6172201" y="5477532"/>
+            <a:ext cx="5183188" cy="8056625"/>
           </a:xfrm>
         </p:spPr>
         <p:txBody>
@@ -1660,7 +1658,7 @@
     </p:spTree>
     <p:extLst>
       <p:ext uri="{BB962C8B-B14F-4D97-AF65-F5344CB8AC3E}">
-        <p14:creationId xmlns:p14="http://schemas.microsoft.com/office/powerpoint/2010/main" val="3968581267"/>
+        <p14:creationId xmlns:p14="http://schemas.microsoft.com/office/powerpoint/2010/main" val="2214427659"/>
       </p:ext>
     </p:extLst>
   </p:cSld>
@@ -1778,7 +1776,7 @@
     </p:spTree>
     <p:extLst>
       <p:ext uri="{BB962C8B-B14F-4D97-AF65-F5344CB8AC3E}">
-        <p14:creationId xmlns:p14="http://schemas.microsoft.com/office/powerpoint/2010/main" val="393979981"/>
+        <p14:creationId xmlns:p14="http://schemas.microsoft.com/office/powerpoint/2010/main" val="2535045318"/>
       </p:ext>
     </p:extLst>
   </p:cSld>
@@ -1873,7 +1871,7 @@
     </p:spTree>
     <p:extLst>
       <p:ext uri="{BB962C8B-B14F-4D97-AF65-F5344CB8AC3E}">
-        <p14:creationId xmlns:p14="http://schemas.microsoft.com/office/powerpoint/2010/main" val="1346934430"/>
+        <p14:creationId xmlns:p14="http://schemas.microsoft.com/office/powerpoint/2010/main" val="3147841089"/>
       </p:ext>
     </p:extLst>
   </p:cSld>
@@ -1912,15 +1910,15 @@
         </p:nvSpPr>
         <p:spPr>
           <a:xfrm>
-            <a:off x="839789" y="493818"/>
-            <a:ext cx="3932237" cy="1728364"/>
+            <a:off x="839788" y="999702"/>
+            <a:ext cx="3932237" cy="3498956"/>
           </a:xfrm>
         </p:spPr>
         <p:txBody>
           <a:bodyPr anchor="b"/>
           <a:lstStyle>
             <a:lvl1pPr>
-              <a:defRPr sz="3200"/>
+              <a:defRPr sz="4267"/>
             </a:lvl1pPr>
           </a:lstStyle>
           <a:p>
@@ -1944,39 +1942,39 @@
         </p:nvSpPr>
         <p:spPr>
           <a:xfrm>
-            <a:off x="5183188" y="1066511"/>
-            <a:ext cx="6172200" cy="5263966"/>
+            <a:off x="5183188" y="2159081"/>
+            <a:ext cx="6172200" cy="10656542"/>
           </a:xfrm>
         </p:spPr>
         <p:txBody>
           <a:bodyPr/>
           <a:lstStyle>
             <a:lvl1pPr>
-              <a:defRPr sz="3200"/>
+              <a:defRPr sz="4267"/>
             </a:lvl1pPr>
             <a:lvl2pPr>
-              <a:defRPr sz="2800"/>
+              <a:defRPr sz="3733"/>
             </a:lvl2pPr>
             <a:lvl3pPr>
-              <a:defRPr sz="2400"/>
+              <a:defRPr sz="3200"/>
             </a:lvl3pPr>
             <a:lvl4pPr>
-              <a:defRPr sz="2000"/>
+              <a:defRPr sz="2667"/>
             </a:lvl4pPr>
             <a:lvl5pPr>
-              <a:defRPr sz="2000"/>
+              <a:defRPr sz="2667"/>
             </a:lvl5pPr>
             <a:lvl6pPr>
-              <a:defRPr sz="2000"/>
+              <a:defRPr sz="2667"/>
             </a:lvl6pPr>
             <a:lvl7pPr>
-              <a:defRPr sz="2000"/>
+              <a:defRPr sz="2667"/>
             </a:lvl7pPr>
             <a:lvl8pPr>
-              <a:defRPr sz="2000"/>
+              <a:defRPr sz="2667"/>
             </a:lvl8pPr>
             <a:lvl9pPr>
-              <a:defRPr sz="2000"/>
+              <a:defRPr sz="2667"/>
             </a:lvl9pPr>
           </a:lstStyle>
           <a:p>
@@ -2029,8 +2027,8 @@
         </p:nvSpPr>
         <p:spPr>
           <a:xfrm>
-            <a:off x="839789" y="2222182"/>
-            <a:ext cx="3932237" cy="4116868"/>
+            <a:off x="839788" y="4498657"/>
+            <a:ext cx="3932237" cy="8334320"/>
           </a:xfrm>
         </p:spPr>
         <p:txBody>
@@ -2038,39 +2036,39 @@
           <a:lstStyle>
             <a:lvl1pPr marL="0" indent="0">
               <a:buNone/>
+              <a:defRPr sz="2133"/>
+            </a:lvl1pPr>
+            <a:lvl2pPr marL="609585" indent="0">
+              <a:buNone/>
+              <a:defRPr sz="1867"/>
+            </a:lvl2pPr>
+            <a:lvl3pPr marL="1219170" indent="0">
+              <a:buNone/>
               <a:defRPr sz="1600"/>
-            </a:lvl1pPr>
-            <a:lvl2pPr marL="457200" indent="0">
+            </a:lvl3pPr>
+            <a:lvl4pPr marL="1828754" indent="0">
               <a:buNone/>
-              <a:defRPr sz="1400"/>
-            </a:lvl2pPr>
-            <a:lvl3pPr marL="914400" indent="0">
+              <a:defRPr sz="1333"/>
+            </a:lvl4pPr>
+            <a:lvl5pPr marL="2438339" indent="0">
               <a:buNone/>
-              <a:defRPr sz="1200"/>
-            </a:lvl3pPr>
-            <a:lvl4pPr marL="1371600" indent="0">
+              <a:defRPr sz="1333"/>
+            </a:lvl5pPr>
+            <a:lvl6pPr marL="3047924" indent="0">
               <a:buNone/>
-              <a:defRPr sz="1000"/>
-            </a:lvl4pPr>
-            <a:lvl5pPr marL="1828800" indent="0">
+              <a:defRPr sz="1333"/>
+            </a:lvl6pPr>
+            <a:lvl7pPr marL="3657509" indent="0">
               <a:buNone/>
-              <a:defRPr sz="1000"/>
-            </a:lvl5pPr>
-            <a:lvl6pPr marL="2286000" indent="0">
+              <a:defRPr sz="1333"/>
+            </a:lvl7pPr>
+            <a:lvl8pPr marL="4267093" indent="0">
               <a:buNone/>
-              <a:defRPr sz="1000"/>
-            </a:lvl6pPr>
-            <a:lvl7pPr marL="2743200" indent="0">
+              <a:defRPr sz="1333"/>
+            </a:lvl8pPr>
+            <a:lvl9pPr marL="4876678" indent="0">
               <a:buNone/>
-              <a:defRPr sz="1000"/>
-            </a:lvl7pPr>
-            <a:lvl8pPr marL="3200400" indent="0">
-              <a:buNone/>
-              <a:defRPr sz="1000"/>
-            </a:lvl8pPr>
-            <a:lvl9pPr marL="3657600" indent="0">
-              <a:buNone/>
-              <a:defRPr sz="1000"/>
+              <a:defRPr sz="1333"/>
             </a:lvl9pPr>
           </a:lstStyle>
           <a:p>
@@ -2150,7 +2148,7 @@
     </p:spTree>
     <p:extLst>
       <p:ext uri="{BB962C8B-B14F-4D97-AF65-F5344CB8AC3E}">
-        <p14:creationId xmlns:p14="http://schemas.microsoft.com/office/powerpoint/2010/main" val="1320181730"/>
+        <p14:creationId xmlns:p14="http://schemas.microsoft.com/office/powerpoint/2010/main" val="111454347"/>
       </p:ext>
     </p:extLst>
   </p:cSld>
@@ -2189,15 +2187,15 @@
         </p:nvSpPr>
         <p:spPr>
           <a:xfrm>
-            <a:off x="839789" y="493818"/>
-            <a:ext cx="3932237" cy="1728364"/>
+            <a:off x="839788" y="999702"/>
+            <a:ext cx="3932237" cy="3498956"/>
           </a:xfrm>
         </p:spPr>
         <p:txBody>
           <a:bodyPr anchor="b"/>
           <a:lstStyle>
             <a:lvl1pPr>
-              <a:defRPr sz="3200"/>
+              <a:defRPr sz="4267"/>
             </a:lvl1pPr>
           </a:lstStyle>
           <a:p>
@@ -2221,8 +2219,8 @@
         </p:nvSpPr>
         <p:spPr>
           <a:xfrm>
-            <a:off x="5183188" y="1066511"/>
-            <a:ext cx="6172200" cy="5263966"/>
+            <a:off x="5183188" y="2159081"/>
+            <a:ext cx="6172200" cy="10656542"/>
           </a:xfrm>
         </p:spPr>
         <p:txBody>
@@ -2230,39 +2228,39 @@
           <a:lstStyle>
             <a:lvl1pPr marL="0" indent="0">
               <a:buNone/>
+              <a:defRPr sz="4267"/>
+            </a:lvl1pPr>
+            <a:lvl2pPr marL="609585" indent="0">
+              <a:buNone/>
+              <a:defRPr sz="3733"/>
+            </a:lvl2pPr>
+            <a:lvl3pPr marL="1219170" indent="0">
+              <a:buNone/>
               <a:defRPr sz="3200"/>
-            </a:lvl1pPr>
-            <a:lvl2pPr marL="457200" indent="0">
+            </a:lvl3pPr>
+            <a:lvl4pPr marL="1828754" indent="0">
               <a:buNone/>
-              <a:defRPr sz="2800"/>
-            </a:lvl2pPr>
-            <a:lvl3pPr marL="914400" indent="0">
+              <a:defRPr sz="2667"/>
+            </a:lvl4pPr>
+            <a:lvl5pPr marL="2438339" indent="0">
               <a:buNone/>
-              <a:defRPr sz="2400"/>
-            </a:lvl3pPr>
-            <a:lvl4pPr marL="1371600" indent="0">
+              <a:defRPr sz="2667"/>
+            </a:lvl5pPr>
+            <a:lvl6pPr marL="3047924" indent="0">
               <a:buNone/>
-              <a:defRPr sz="2000"/>
-            </a:lvl4pPr>
-            <a:lvl5pPr marL="1828800" indent="0">
+              <a:defRPr sz="2667"/>
+            </a:lvl6pPr>
+            <a:lvl7pPr marL="3657509" indent="0">
               <a:buNone/>
-              <a:defRPr sz="2000"/>
-            </a:lvl5pPr>
-            <a:lvl6pPr marL="2286000" indent="0">
+              <a:defRPr sz="2667"/>
+            </a:lvl7pPr>
+            <a:lvl8pPr marL="4267093" indent="0">
               <a:buNone/>
-              <a:defRPr sz="2000"/>
-            </a:lvl6pPr>
-            <a:lvl7pPr marL="2743200" indent="0">
+              <a:defRPr sz="2667"/>
+            </a:lvl8pPr>
+            <a:lvl9pPr marL="4876678" indent="0">
               <a:buNone/>
-              <a:defRPr sz="2000"/>
-            </a:lvl7pPr>
-            <a:lvl8pPr marL="3200400" indent="0">
-              <a:buNone/>
-              <a:defRPr sz="2000"/>
-            </a:lvl8pPr>
-            <a:lvl9pPr marL="3657600" indent="0">
-              <a:buNone/>
-              <a:defRPr sz="2000"/>
+              <a:defRPr sz="2667"/>
             </a:lvl9pPr>
           </a:lstStyle>
           <a:p>
@@ -2286,8 +2284,8 @@
         </p:nvSpPr>
         <p:spPr>
           <a:xfrm>
-            <a:off x="839789" y="2222182"/>
-            <a:ext cx="3932237" cy="4116868"/>
+            <a:off x="839788" y="4498657"/>
+            <a:ext cx="3932237" cy="8334320"/>
           </a:xfrm>
         </p:spPr>
         <p:txBody>
@@ -2295,39 +2293,39 @@
           <a:lstStyle>
             <a:lvl1pPr marL="0" indent="0">
               <a:buNone/>
+              <a:defRPr sz="2133"/>
+            </a:lvl1pPr>
+            <a:lvl2pPr marL="609585" indent="0">
+              <a:buNone/>
+              <a:defRPr sz="1867"/>
+            </a:lvl2pPr>
+            <a:lvl3pPr marL="1219170" indent="0">
+              <a:buNone/>
               <a:defRPr sz="1600"/>
-            </a:lvl1pPr>
-            <a:lvl2pPr marL="457200" indent="0">
+            </a:lvl3pPr>
+            <a:lvl4pPr marL="1828754" indent="0">
               <a:buNone/>
-              <a:defRPr sz="1400"/>
-            </a:lvl2pPr>
-            <a:lvl3pPr marL="914400" indent="0">
+              <a:defRPr sz="1333"/>
+            </a:lvl4pPr>
+            <a:lvl5pPr marL="2438339" indent="0">
               <a:buNone/>
-              <a:defRPr sz="1200"/>
-            </a:lvl3pPr>
-            <a:lvl4pPr marL="1371600" indent="0">
+              <a:defRPr sz="1333"/>
+            </a:lvl5pPr>
+            <a:lvl6pPr marL="3047924" indent="0">
               <a:buNone/>
-              <a:defRPr sz="1000"/>
-            </a:lvl4pPr>
-            <a:lvl5pPr marL="1828800" indent="0">
+              <a:defRPr sz="1333"/>
+            </a:lvl6pPr>
+            <a:lvl7pPr marL="3657509" indent="0">
               <a:buNone/>
-              <a:defRPr sz="1000"/>
-            </a:lvl5pPr>
-            <a:lvl6pPr marL="2286000" indent="0">
+              <a:defRPr sz="1333"/>
+            </a:lvl7pPr>
+            <a:lvl8pPr marL="4267093" indent="0">
               <a:buNone/>
-              <a:defRPr sz="1000"/>
-            </a:lvl6pPr>
-            <a:lvl7pPr marL="2743200" indent="0">
+              <a:defRPr sz="1333"/>
+            </a:lvl8pPr>
+            <a:lvl9pPr marL="4876678" indent="0">
               <a:buNone/>
-              <a:defRPr sz="1000"/>
-            </a:lvl7pPr>
-            <a:lvl8pPr marL="3200400" indent="0">
-              <a:buNone/>
-              <a:defRPr sz="1000"/>
-            </a:lvl8pPr>
-            <a:lvl9pPr marL="3657600" indent="0">
-              <a:buNone/>
-              <a:defRPr sz="1000"/>
+              <a:defRPr sz="1333"/>
             </a:lvl9pPr>
           </a:lstStyle>
           <a:p>
@@ -2407,7 +2405,7 @@
     </p:spTree>
     <p:extLst>
       <p:ext uri="{BB962C8B-B14F-4D97-AF65-F5344CB8AC3E}">
-        <p14:creationId xmlns:p14="http://schemas.microsoft.com/office/powerpoint/2010/main" val="1512599521"/>
+        <p14:creationId xmlns:p14="http://schemas.microsoft.com/office/powerpoint/2010/main" val="70522271"/>
       </p:ext>
     </p:extLst>
   </p:cSld>
@@ -2451,8 +2449,8 @@
         </p:nvSpPr>
         <p:spPr>
           <a:xfrm>
-            <a:off x="838200" y="394369"/>
-            <a:ext cx="10515600" cy="1431731"/>
+            <a:off x="838200" y="798376"/>
+            <a:ext cx="10515600" cy="2898442"/>
           </a:xfrm>
           <a:prstGeom prst="rect">
             <a:avLst/>
@@ -2484,8 +2482,8 @@
         </p:nvSpPr>
         <p:spPr>
           <a:xfrm>
-            <a:off x="838200" y="1971844"/>
-            <a:ext cx="10515600" cy="4699848"/>
+            <a:off x="838200" y="3991864"/>
+            <a:ext cx="10515600" cy="9514523"/>
           </a:xfrm>
           <a:prstGeom prst="rect">
             <a:avLst/>
@@ -2546,8 +2544,8 @@
         </p:nvSpPr>
         <p:spPr>
           <a:xfrm>
-            <a:off x="838200" y="6865447"/>
-            <a:ext cx="2743200" cy="394369"/>
+            <a:off x="838200" y="13898633"/>
+            <a:ext cx="2743200" cy="798373"/>
           </a:xfrm>
           <a:prstGeom prst="rect">
             <a:avLst/>
@@ -2557,7 +2555,7 @@
           <a:bodyPr vert="horz" lIns="91440" tIns="45720" rIns="91440" bIns="45720" rtlCol="0" anchor="ctr"/>
           <a:lstStyle>
             <a:lvl1pPr algn="l">
-              <a:defRPr sz="1200">
+              <a:defRPr sz="1600">
                 <a:solidFill>
                   <a:schemeClr val="tx1">
                     <a:tint val="75000"/>
@@ -2587,8 +2585,8 @@
         </p:nvSpPr>
         <p:spPr>
           <a:xfrm>
-            <a:off x="4038600" y="6865447"/>
-            <a:ext cx="4114800" cy="394369"/>
+            <a:off x="4038600" y="13898633"/>
+            <a:ext cx="4114800" cy="798373"/>
           </a:xfrm>
           <a:prstGeom prst="rect">
             <a:avLst/>
@@ -2598,7 +2596,7 @@
           <a:bodyPr vert="horz" lIns="91440" tIns="45720" rIns="91440" bIns="45720" rtlCol="0" anchor="ctr"/>
           <a:lstStyle>
             <a:lvl1pPr algn="ctr">
-              <a:defRPr sz="1200">
+              <a:defRPr sz="1600">
                 <a:solidFill>
                   <a:schemeClr val="tx1">
                     <a:tint val="75000"/>
@@ -2624,8 +2622,8 @@
         </p:nvSpPr>
         <p:spPr>
           <a:xfrm>
-            <a:off x="8610600" y="6865447"/>
-            <a:ext cx="2743200" cy="394369"/>
+            <a:off x="8610600" y="13898633"/>
+            <a:ext cx="2743200" cy="798373"/>
           </a:xfrm>
           <a:prstGeom prst="rect">
             <a:avLst/>
@@ -2635,7 +2633,7 @@
           <a:bodyPr vert="horz" lIns="91440" tIns="45720" rIns="91440" bIns="45720" rtlCol="0" anchor="ctr"/>
           <a:lstStyle>
             <a:lvl1pPr algn="r">
-              <a:defRPr sz="1200">
+              <a:defRPr sz="1600">
                 <a:solidFill>
                   <a:schemeClr val="tx1">
                     <a:tint val="75000"/>
@@ -2656,27 +2654,27 @@
     </p:spTree>
     <p:extLst>
       <p:ext uri="{BB962C8B-B14F-4D97-AF65-F5344CB8AC3E}">
-        <p14:creationId xmlns:p14="http://schemas.microsoft.com/office/powerpoint/2010/main" val="3137411960"/>
+        <p14:creationId xmlns:p14="http://schemas.microsoft.com/office/powerpoint/2010/main" val="4190645913"/>
       </p:ext>
     </p:extLst>
   </p:cSld>
   <p:clrMap bg1="lt1" tx1="dk1" bg2="lt2" tx2="dk2" accent1="accent1" accent2="accent2" accent3="accent3" accent4="accent4" accent5="accent5" accent6="accent6" hlink="hlink" folHlink="folHlink"/>
   <p:sldLayoutIdLst>
-    <p:sldLayoutId id="2147483817" r:id="rId1"/>
-    <p:sldLayoutId id="2147483818" r:id="rId2"/>
-    <p:sldLayoutId id="2147483819" r:id="rId3"/>
-    <p:sldLayoutId id="2147483820" r:id="rId4"/>
-    <p:sldLayoutId id="2147483821" r:id="rId5"/>
-    <p:sldLayoutId id="2147483822" r:id="rId6"/>
-    <p:sldLayoutId id="2147483823" r:id="rId7"/>
-    <p:sldLayoutId id="2147483824" r:id="rId8"/>
-    <p:sldLayoutId id="2147483825" r:id="rId9"/>
-    <p:sldLayoutId id="2147483826" r:id="rId10"/>
-    <p:sldLayoutId id="2147483827" r:id="rId11"/>
+    <p:sldLayoutId id="2147483853" r:id="rId1"/>
+    <p:sldLayoutId id="2147483854" r:id="rId2"/>
+    <p:sldLayoutId id="2147483855" r:id="rId3"/>
+    <p:sldLayoutId id="2147483856" r:id="rId4"/>
+    <p:sldLayoutId id="2147483857" r:id="rId5"/>
+    <p:sldLayoutId id="2147483858" r:id="rId6"/>
+    <p:sldLayoutId id="2147483859" r:id="rId7"/>
+    <p:sldLayoutId id="2147483860" r:id="rId8"/>
+    <p:sldLayoutId id="2147483861" r:id="rId9"/>
+    <p:sldLayoutId id="2147483862" r:id="rId10"/>
+    <p:sldLayoutId id="2147483863" r:id="rId11"/>
   </p:sldLayoutIdLst>
   <p:txStyles>
     <p:titleStyle>
-      <a:lvl1pPr algn="l" defTabSz="914400" rtl="0" eaLnBrk="1" latinLnBrk="0" hangingPunct="1">
+      <a:lvl1pPr algn="l" defTabSz="1219170" rtl="0" eaLnBrk="1" latinLnBrk="0" hangingPunct="1">
         <a:lnSpc>
           <a:spcPct val="90000"/>
         </a:lnSpc>
@@ -2684,7 +2682,7 @@
           <a:spcPct val="0"/>
         </a:spcBef>
         <a:buNone/>
-        <a:defRPr sz="4400" kern="1200">
+        <a:defRPr sz="5867" kern="1200">
           <a:solidFill>
             <a:schemeClr val="tx1"/>
           </a:solidFill>
@@ -2695,16 +2693,16 @@
       </a:lvl1pPr>
     </p:titleStyle>
     <p:bodyStyle>
-      <a:lvl1pPr marL="228600" indent="-228600" algn="l" defTabSz="914400" rtl="0" eaLnBrk="1" latinLnBrk="0" hangingPunct="1">
+      <a:lvl1pPr marL="304792" indent="-304792" algn="l" defTabSz="1219170" rtl="0" eaLnBrk="1" latinLnBrk="0" hangingPunct="1">
         <a:lnSpc>
           <a:spcPct val="90000"/>
         </a:lnSpc>
         <a:spcBef>
-          <a:spcPts val="1000"/>
+          <a:spcPts val="1333"/>
         </a:spcBef>
         <a:buFont typeface="Arial" panose="020B0604020202020204" pitchFamily="34" charset="0"/>
         <a:buChar char="•"/>
-        <a:defRPr sz="2800" kern="1200">
+        <a:defRPr sz="3733" kern="1200">
           <a:solidFill>
             <a:schemeClr val="tx1"/>
           </a:solidFill>
@@ -2713,12 +2711,48 @@
           <a:cs typeface="+mn-cs"/>
         </a:defRPr>
       </a:lvl1pPr>
-      <a:lvl2pPr marL="685800" indent="-228600" algn="l" defTabSz="914400" rtl="0" eaLnBrk="1" latinLnBrk="0" hangingPunct="1">
+      <a:lvl2pPr marL="914377" indent="-304792" algn="l" defTabSz="1219170" rtl="0" eaLnBrk="1" latinLnBrk="0" hangingPunct="1">
         <a:lnSpc>
           <a:spcPct val="90000"/>
         </a:lnSpc>
         <a:spcBef>
-          <a:spcPts val="500"/>
+          <a:spcPts val="667"/>
+        </a:spcBef>
+        <a:buFont typeface="Arial" panose="020B0604020202020204" pitchFamily="34" charset="0"/>
+        <a:buChar char="•"/>
+        <a:defRPr sz="3200" kern="1200">
+          <a:solidFill>
+            <a:schemeClr val="tx1"/>
+          </a:solidFill>
+          <a:latin typeface="+mn-lt"/>
+          <a:ea typeface="+mn-ea"/>
+          <a:cs typeface="+mn-cs"/>
+        </a:defRPr>
+      </a:lvl2pPr>
+      <a:lvl3pPr marL="1523962" indent="-304792" algn="l" defTabSz="1219170" rtl="0" eaLnBrk="1" latinLnBrk="0" hangingPunct="1">
+        <a:lnSpc>
+          <a:spcPct val="90000"/>
+        </a:lnSpc>
+        <a:spcBef>
+          <a:spcPts val="667"/>
+        </a:spcBef>
+        <a:buFont typeface="Arial" panose="020B0604020202020204" pitchFamily="34" charset="0"/>
+        <a:buChar char="•"/>
+        <a:defRPr sz="2667" kern="1200">
+          <a:solidFill>
+            <a:schemeClr val="tx1"/>
+          </a:solidFill>
+          <a:latin typeface="+mn-lt"/>
+          <a:ea typeface="+mn-ea"/>
+          <a:cs typeface="+mn-cs"/>
+        </a:defRPr>
+      </a:lvl3pPr>
+      <a:lvl4pPr marL="2133547" indent="-304792" algn="l" defTabSz="1219170" rtl="0" eaLnBrk="1" latinLnBrk="0" hangingPunct="1">
+        <a:lnSpc>
+          <a:spcPct val="90000"/>
+        </a:lnSpc>
+        <a:spcBef>
+          <a:spcPts val="667"/>
         </a:spcBef>
         <a:buFont typeface="Arial" panose="020B0604020202020204" pitchFamily="34" charset="0"/>
         <a:buChar char="•"/>
@@ -2730,53 +2764,17 @@
           <a:ea typeface="+mn-ea"/>
           <a:cs typeface="+mn-cs"/>
         </a:defRPr>
-      </a:lvl2pPr>
-      <a:lvl3pPr marL="1143000" indent="-228600" algn="l" defTabSz="914400" rtl="0" eaLnBrk="1" latinLnBrk="0" hangingPunct="1">
+      </a:lvl4pPr>
+      <a:lvl5pPr marL="2743131" indent="-304792" algn="l" defTabSz="1219170" rtl="0" eaLnBrk="1" latinLnBrk="0" hangingPunct="1">
         <a:lnSpc>
           <a:spcPct val="90000"/>
         </a:lnSpc>
         <a:spcBef>
-          <a:spcPts val="500"/>
+          <a:spcPts val="667"/>
         </a:spcBef>
         <a:buFont typeface="Arial" panose="020B0604020202020204" pitchFamily="34" charset="0"/>
         <a:buChar char="•"/>
-        <a:defRPr sz="2000" kern="1200">
-          <a:solidFill>
-            <a:schemeClr val="tx1"/>
-          </a:solidFill>
-          <a:latin typeface="+mn-lt"/>
-          <a:ea typeface="+mn-ea"/>
-          <a:cs typeface="+mn-cs"/>
-        </a:defRPr>
-      </a:lvl3pPr>
-      <a:lvl4pPr marL="1600200" indent="-228600" algn="l" defTabSz="914400" rtl="0" eaLnBrk="1" latinLnBrk="0" hangingPunct="1">
-        <a:lnSpc>
-          <a:spcPct val="90000"/>
-        </a:lnSpc>
-        <a:spcBef>
-          <a:spcPts val="500"/>
-        </a:spcBef>
-        <a:buFont typeface="Arial" panose="020B0604020202020204" pitchFamily="34" charset="0"/>
-        <a:buChar char="•"/>
-        <a:defRPr sz="1800" kern="1200">
-          <a:solidFill>
-            <a:schemeClr val="tx1"/>
-          </a:solidFill>
-          <a:latin typeface="+mn-lt"/>
-          <a:ea typeface="+mn-ea"/>
-          <a:cs typeface="+mn-cs"/>
-        </a:defRPr>
-      </a:lvl4pPr>
-      <a:lvl5pPr marL="2057400" indent="-228600" algn="l" defTabSz="914400" rtl="0" eaLnBrk="1" latinLnBrk="0" hangingPunct="1">
-        <a:lnSpc>
-          <a:spcPct val="90000"/>
-        </a:lnSpc>
-        <a:spcBef>
-          <a:spcPts val="500"/>
-        </a:spcBef>
-        <a:buFont typeface="Arial" panose="020B0604020202020204" pitchFamily="34" charset="0"/>
-        <a:buChar char="•"/>
-        <a:defRPr sz="1800" kern="1200">
+        <a:defRPr sz="2400" kern="1200">
           <a:solidFill>
             <a:schemeClr val="tx1"/>
           </a:solidFill>
@@ -2785,16 +2783,16 @@
           <a:cs typeface="+mn-cs"/>
         </a:defRPr>
       </a:lvl5pPr>
-      <a:lvl6pPr marL="2514600" indent="-228600" algn="l" defTabSz="914400" rtl="0" eaLnBrk="1" latinLnBrk="0" hangingPunct="1">
+      <a:lvl6pPr marL="3352716" indent="-304792" algn="l" defTabSz="1219170" rtl="0" eaLnBrk="1" latinLnBrk="0" hangingPunct="1">
         <a:lnSpc>
           <a:spcPct val="90000"/>
         </a:lnSpc>
         <a:spcBef>
-          <a:spcPts val="500"/>
+          <a:spcPts val="667"/>
         </a:spcBef>
         <a:buFont typeface="Arial" panose="020B0604020202020204" pitchFamily="34" charset="0"/>
         <a:buChar char="•"/>
-        <a:defRPr sz="1800" kern="1200">
+        <a:defRPr sz="2400" kern="1200">
           <a:solidFill>
             <a:schemeClr val="tx1"/>
           </a:solidFill>
@@ -2803,16 +2801,16 @@
           <a:cs typeface="+mn-cs"/>
         </a:defRPr>
       </a:lvl6pPr>
-      <a:lvl7pPr marL="2971800" indent="-228600" algn="l" defTabSz="914400" rtl="0" eaLnBrk="1" latinLnBrk="0" hangingPunct="1">
+      <a:lvl7pPr marL="3962301" indent="-304792" algn="l" defTabSz="1219170" rtl="0" eaLnBrk="1" latinLnBrk="0" hangingPunct="1">
         <a:lnSpc>
           <a:spcPct val="90000"/>
         </a:lnSpc>
         <a:spcBef>
-          <a:spcPts val="500"/>
+          <a:spcPts val="667"/>
         </a:spcBef>
         <a:buFont typeface="Arial" panose="020B0604020202020204" pitchFamily="34" charset="0"/>
         <a:buChar char="•"/>
-        <a:defRPr sz="1800" kern="1200">
+        <a:defRPr sz="2400" kern="1200">
           <a:solidFill>
             <a:schemeClr val="tx1"/>
           </a:solidFill>
@@ -2821,16 +2819,16 @@
           <a:cs typeface="+mn-cs"/>
         </a:defRPr>
       </a:lvl7pPr>
-      <a:lvl8pPr marL="3429000" indent="-228600" algn="l" defTabSz="914400" rtl="0" eaLnBrk="1" latinLnBrk="0" hangingPunct="1">
+      <a:lvl8pPr marL="4571886" indent="-304792" algn="l" defTabSz="1219170" rtl="0" eaLnBrk="1" latinLnBrk="0" hangingPunct="1">
         <a:lnSpc>
           <a:spcPct val="90000"/>
         </a:lnSpc>
         <a:spcBef>
-          <a:spcPts val="500"/>
+          <a:spcPts val="667"/>
         </a:spcBef>
         <a:buFont typeface="Arial" panose="020B0604020202020204" pitchFamily="34" charset="0"/>
         <a:buChar char="•"/>
-        <a:defRPr sz="1800" kern="1200">
+        <a:defRPr sz="2400" kern="1200">
           <a:solidFill>
             <a:schemeClr val="tx1"/>
           </a:solidFill>
@@ -2839,16 +2837,16 @@
           <a:cs typeface="+mn-cs"/>
         </a:defRPr>
       </a:lvl8pPr>
-      <a:lvl9pPr marL="3886200" indent="-228600" algn="l" defTabSz="914400" rtl="0" eaLnBrk="1" latinLnBrk="0" hangingPunct="1">
+      <a:lvl9pPr marL="5181470" indent="-304792" algn="l" defTabSz="1219170" rtl="0" eaLnBrk="1" latinLnBrk="0" hangingPunct="1">
         <a:lnSpc>
           <a:spcPct val="90000"/>
         </a:lnSpc>
         <a:spcBef>
-          <a:spcPts val="500"/>
+          <a:spcPts val="667"/>
         </a:spcBef>
         <a:buFont typeface="Arial" panose="020B0604020202020204" pitchFamily="34" charset="0"/>
         <a:buChar char="•"/>
-        <a:defRPr sz="1800" kern="1200">
+        <a:defRPr sz="2400" kern="1200">
           <a:solidFill>
             <a:schemeClr val="tx1"/>
           </a:solidFill>
@@ -2862,8 +2860,8 @@
       <a:defPPr>
         <a:defRPr lang="en-US"/>
       </a:defPPr>
-      <a:lvl1pPr marL="0" algn="l" defTabSz="914400" rtl="0" eaLnBrk="1" latinLnBrk="0" hangingPunct="1">
-        <a:defRPr sz="1800" kern="1200">
+      <a:lvl1pPr marL="0" algn="l" defTabSz="1219170" rtl="0" eaLnBrk="1" latinLnBrk="0" hangingPunct="1">
+        <a:defRPr sz="2400" kern="1200">
           <a:solidFill>
             <a:schemeClr val="tx1"/>
           </a:solidFill>
@@ -2872,8 +2870,8 @@
           <a:cs typeface="+mn-cs"/>
         </a:defRPr>
       </a:lvl1pPr>
-      <a:lvl2pPr marL="457200" algn="l" defTabSz="914400" rtl="0" eaLnBrk="1" latinLnBrk="0" hangingPunct="1">
-        <a:defRPr sz="1800" kern="1200">
+      <a:lvl2pPr marL="609585" algn="l" defTabSz="1219170" rtl="0" eaLnBrk="1" latinLnBrk="0" hangingPunct="1">
+        <a:defRPr sz="2400" kern="1200">
           <a:solidFill>
             <a:schemeClr val="tx1"/>
           </a:solidFill>
@@ -2882,8 +2880,8 @@
           <a:cs typeface="+mn-cs"/>
         </a:defRPr>
       </a:lvl2pPr>
-      <a:lvl3pPr marL="914400" algn="l" defTabSz="914400" rtl="0" eaLnBrk="1" latinLnBrk="0" hangingPunct="1">
-        <a:defRPr sz="1800" kern="1200">
+      <a:lvl3pPr marL="1219170" algn="l" defTabSz="1219170" rtl="0" eaLnBrk="1" latinLnBrk="0" hangingPunct="1">
+        <a:defRPr sz="2400" kern="1200">
           <a:solidFill>
             <a:schemeClr val="tx1"/>
           </a:solidFill>
@@ -2892,8 +2890,8 @@
           <a:cs typeface="+mn-cs"/>
         </a:defRPr>
       </a:lvl3pPr>
-      <a:lvl4pPr marL="1371600" algn="l" defTabSz="914400" rtl="0" eaLnBrk="1" latinLnBrk="0" hangingPunct="1">
-        <a:defRPr sz="1800" kern="1200">
+      <a:lvl4pPr marL="1828754" algn="l" defTabSz="1219170" rtl="0" eaLnBrk="1" latinLnBrk="0" hangingPunct="1">
+        <a:defRPr sz="2400" kern="1200">
           <a:solidFill>
             <a:schemeClr val="tx1"/>
           </a:solidFill>
@@ -2902,8 +2900,8 @@
           <a:cs typeface="+mn-cs"/>
         </a:defRPr>
       </a:lvl4pPr>
-      <a:lvl5pPr marL="1828800" algn="l" defTabSz="914400" rtl="0" eaLnBrk="1" latinLnBrk="0" hangingPunct="1">
-        <a:defRPr sz="1800" kern="1200">
+      <a:lvl5pPr marL="2438339" algn="l" defTabSz="1219170" rtl="0" eaLnBrk="1" latinLnBrk="0" hangingPunct="1">
+        <a:defRPr sz="2400" kern="1200">
           <a:solidFill>
             <a:schemeClr val="tx1"/>
           </a:solidFill>
@@ -2912,8 +2910,8 @@
           <a:cs typeface="+mn-cs"/>
         </a:defRPr>
       </a:lvl5pPr>
-      <a:lvl6pPr marL="2286000" algn="l" defTabSz="914400" rtl="0" eaLnBrk="1" latinLnBrk="0" hangingPunct="1">
-        <a:defRPr sz="1800" kern="1200">
+      <a:lvl6pPr marL="3047924" algn="l" defTabSz="1219170" rtl="0" eaLnBrk="1" latinLnBrk="0" hangingPunct="1">
+        <a:defRPr sz="2400" kern="1200">
           <a:solidFill>
             <a:schemeClr val="tx1"/>
           </a:solidFill>
@@ -2922,8 +2920,8 @@
           <a:cs typeface="+mn-cs"/>
         </a:defRPr>
       </a:lvl6pPr>
-      <a:lvl7pPr marL="2743200" algn="l" defTabSz="914400" rtl="0" eaLnBrk="1" latinLnBrk="0" hangingPunct="1">
-        <a:defRPr sz="1800" kern="1200">
+      <a:lvl7pPr marL="3657509" algn="l" defTabSz="1219170" rtl="0" eaLnBrk="1" latinLnBrk="0" hangingPunct="1">
+        <a:defRPr sz="2400" kern="1200">
           <a:solidFill>
             <a:schemeClr val="tx1"/>
           </a:solidFill>
@@ -2932,8 +2930,8 @@
           <a:cs typeface="+mn-cs"/>
         </a:defRPr>
       </a:lvl7pPr>
-      <a:lvl8pPr marL="3200400" algn="l" defTabSz="914400" rtl="0" eaLnBrk="1" latinLnBrk="0" hangingPunct="1">
-        <a:defRPr sz="1800" kern="1200">
+      <a:lvl8pPr marL="4267093" algn="l" defTabSz="1219170" rtl="0" eaLnBrk="1" latinLnBrk="0" hangingPunct="1">
+        <a:defRPr sz="2400" kern="1200">
           <a:solidFill>
             <a:schemeClr val="tx1"/>
           </a:solidFill>
@@ -2942,8 +2940,8 @@
           <a:cs typeface="+mn-cs"/>
         </a:defRPr>
       </a:lvl8pPr>
-      <a:lvl9pPr marL="3657600" algn="l" defTabSz="914400" rtl="0" eaLnBrk="1" latinLnBrk="0" hangingPunct="1">
-        <a:defRPr sz="1800" kern="1200">
+      <a:lvl9pPr marL="4876678" algn="l" defTabSz="1219170" rtl="0" eaLnBrk="1" latinLnBrk="0" hangingPunct="1">
+        <a:defRPr sz="2400" kern="1200">
           <a:solidFill>
             <a:schemeClr val="tx1"/>
           </a:solidFill>
@@ -2990,7 +2988,7 @@
           </p:nvPr>
         </p:nvGraphicFramePr>
         <p:xfrm>
-          <a:off x="15" y="-3721570"/>
+          <a:off x="18" y="72557"/>
           <a:ext cx="12184383" cy="14848183"/>
         </p:xfrm>
         <a:graphic>
@@ -8058,13 +8056,13 @@
             <p:ph idx="1"/>
             <p:extLst>
               <p:ext uri="{D42A27DB-BD31-4B8C-83A1-F6EECF244321}">
-                <p14:modId xmlns:p14="http://schemas.microsoft.com/office/powerpoint/2010/main" val="3420928693"/>
+                <p14:modId xmlns:p14="http://schemas.microsoft.com/office/powerpoint/2010/main" val="832216617"/>
               </p:ext>
             </p:extLst>
           </p:nvPr>
         </p:nvGraphicFramePr>
         <p:xfrm>
-          <a:off x="5" y="46039"/>
+          <a:off x="8" y="3840164"/>
           <a:ext cx="12184381" cy="7305576"/>
         </p:xfrm>
         <a:graphic>
@@ -8166,18 +8164,11 @@
                     <a:p>
                       <a:pPr marR="0" algn="ctr" rtl="0"/>
                       <a:r>
-                        <a:rPr lang="en-US" altLang="zh-CN" sz="1100" dirty="0" err="1" smtClean="0">
-                          <a:latin typeface="Times New Roman" panose="02020603050405020304" pitchFamily="18" charset="0"/>
-                          <a:cs typeface="Times New Roman" panose="02020603050405020304" pitchFamily="18" charset="0"/>
-                        </a:rPr>
-                        <a:t>eSimplified</a:t>
-                      </a:r>
-                      <a:r>
                         <a:rPr lang="en-US" altLang="zh-CN" sz="1100" dirty="0" smtClean="0">
                           <a:latin typeface="Times New Roman" panose="02020603050405020304" pitchFamily="18" charset="0"/>
                           <a:cs typeface="Times New Roman" panose="02020603050405020304" pitchFamily="18" charset="0"/>
                         </a:rPr>
-                        <a:t> Code</a:t>
+                        <a:t>Simplified Code</a:t>
                       </a:r>
                       <a:endParaRPr lang="zh-CN" altLang="en-US" sz="1100" dirty="0">
                         <a:latin typeface="Times New Roman" panose="02020603050405020304" pitchFamily="18" charset="0"/>
@@ -9152,21 +9143,7 @@
                           <a:latin typeface="Courier New" panose="02070309020205020404" pitchFamily="49" charset="0"/>
                           <a:cs typeface="Courier New" panose="02070309020205020404" pitchFamily="49" charset="0"/>
                         </a:rPr>
-                        <a:t> </a:t>
-                      </a:r>
-                      <a:r>
-                        <a:rPr lang="en-US" altLang="zh-CN" sz="1100" baseline="0" dirty="0" smtClean="0">
-                          <a:latin typeface="Courier New" panose="02070309020205020404" pitchFamily="49" charset="0"/>
-                          <a:cs typeface="Courier New" panose="02070309020205020404" pitchFamily="49" charset="0"/>
-                        </a:rPr>
-                        <a:t>void foo() </a:t>
-                      </a:r>
-                      <a:r>
-                        <a:rPr lang="en-US" altLang="zh-CN" sz="1100" baseline="0" dirty="0" smtClean="0">
-                          <a:latin typeface="Courier New" panose="02070309020205020404" pitchFamily="49" charset="0"/>
-                          <a:cs typeface="Courier New" panose="02070309020205020404" pitchFamily="49" charset="0"/>
-                        </a:rPr>
-                        <a:t>{</a:t>
+                        <a:t> void foo() {</a:t>
                       </a:r>
                     </a:p>
                     <a:p>

--- a/visio/patterns.pptx
+++ b/visio/patterns.pptx
@@ -2,13 +2,13 @@
 <file path=ppt/presentation.xml><?xml version="1.0" encoding="utf-8"?>
 <p:presentation xmlns:a="http://schemas.openxmlformats.org/drawingml/2006/main" xmlns:r="http://schemas.openxmlformats.org/officeDocument/2006/relationships" xmlns:p="http://schemas.openxmlformats.org/presentationml/2006/main" saveSubsetFonts="1">
   <p:sldMasterIdLst>
-    <p:sldMasterId id="2147483852" r:id="rId1"/>
+    <p:sldMasterId id="2147483864" r:id="rId1"/>
   </p:sldMasterIdLst>
   <p:sldIdLst>
     <p:sldId id="257" r:id="rId2"/>
     <p:sldId id="258" r:id="rId3"/>
   </p:sldIdLst>
-  <p:sldSz cx="12192000" cy="14995525"/>
+  <p:sldSz cx="12192000" cy="14905038"/>
   <p:notesSz cx="6858000" cy="9144000"/>
   <p:defaultTextStyle>
     <a:defPPr>
@@ -142,8 +142,8 @@
         </p:nvSpPr>
         <p:spPr>
           <a:xfrm>
-            <a:off x="914400" y="2454130"/>
-            <a:ext cx="10363200" cy="5220664"/>
+            <a:off x="914400" y="2439321"/>
+            <a:ext cx="10363200" cy="5189161"/>
           </a:xfrm>
         </p:spPr>
         <p:txBody>
@@ -174,8 +174,8 @@
         </p:nvSpPr>
         <p:spPr>
           <a:xfrm>
-            <a:off x="1524000" y="7876123"/>
-            <a:ext cx="9144000" cy="3620446"/>
+            <a:off x="1524000" y="7828596"/>
+            <a:ext cx="9144000" cy="3598600"/>
           </a:xfrm>
         </p:spPr>
         <p:txBody>
@@ -295,7 +295,7 @@
     </p:spTree>
     <p:extLst>
       <p:ext uri="{BB962C8B-B14F-4D97-AF65-F5344CB8AC3E}">
-        <p14:creationId xmlns:p14="http://schemas.microsoft.com/office/powerpoint/2010/main" val="1838628427"/>
+        <p14:creationId xmlns:p14="http://schemas.microsoft.com/office/powerpoint/2010/main" val="424062096"/>
       </p:ext>
     </p:extLst>
   </p:cSld>
@@ -465,7 +465,7 @@
     </p:spTree>
     <p:extLst>
       <p:ext uri="{BB962C8B-B14F-4D97-AF65-F5344CB8AC3E}">
-        <p14:creationId xmlns:p14="http://schemas.microsoft.com/office/powerpoint/2010/main" val="1021252282"/>
+        <p14:creationId xmlns:p14="http://schemas.microsoft.com/office/powerpoint/2010/main" val="1720677964"/>
       </p:ext>
     </p:extLst>
   </p:cSld>
@@ -504,8 +504,8 @@
         </p:nvSpPr>
         <p:spPr>
           <a:xfrm>
-            <a:off x="8724901" y="798373"/>
-            <a:ext cx="2628900" cy="12708014"/>
+            <a:off x="8724901" y="793555"/>
+            <a:ext cx="2628900" cy="12631331"/>
           </a:xfrm>
         </p:spPr>
         <p:txBody>
@@ -532,8 +532,8 @@
         </p:nvSpPr>
         <p:spPr>
           <a:xfrm>
-            <a:off x="838201" y="798373"/>
-            <a:ext cx="7734300" cy="12708014"/>
+            <a:off x="838201" y="793555"/>
+            <a:ext cx="7734300" cy="12631331"/>
           </a:xfrm>
         </p:spPr>
         <p:txBody>
@@ -645,7 +645,7 @@
     </p:spTree>
     <p:extLst>
       <p:ext uri="{BB962C8B-B14F-4D97-AF65-F5344CB8AC3E}">
-        <p14:creationId xmlns:p14="http://schemas.microsoft.com/office/powerpoint/2010/main" val="2836657912"/>
+        <p14:creationId xmlns:p14="http://schemas.microsoft.com/office/powerpoint/2010/main" val="3723980288"/>
       </p:ext>
     </p:extLst>
   </p:cSld>
@@ -712,35 +712,35 @@
           <a:p>
             <a:pPr lvl="0"/>
             <a:r>
-              <a:rPr lang="zh-CN" altLang="en-US" smtClean="0"/>
+              <a:rPr lang="zh-CN" altLang="en-US" dirty="0" smtClean="0"/>
               <a:t>单击此处编辑母版文本样式</a:t>
             </a:r>
           </a:p>
           <a:p>
             <a:pPr lvl="1"/>
             <a:r>
-              <a:rPr lang="zh-CN" altLang="en-US" smtClean="0"/>
+              <a:rPr lang="zh-CN" altLang="en-US" dirty="0" smtClean="0"/>
               <a:t>第二级</a:t>
             </a:r>
           </a:p>
           <a:p>
             <a:pPr lvl="2"/>
             <a:r>
-              <a:rPr lang="zh-CN" altLang="en-US" smtClean="0"/>
+              <a:rPr lang="zh-CN" altLang="en-US" dirty="0" smtClean="0"/>
               <a:t>第三级</a:t>
             </a:r>
           </a:p>
           <a:p>
             <a:pPr lvl="3"/>
             <a:r>
-              <a:rPr lang="zh-CN" altLang="en-US" smtClean="0"/>
+              <a:rPr lang="zh-CN" altLang="en-US" dirty="0" smtClean="0"/>
               <a:t>第四级</a:t>
             </a:r>
           </a:p>
           <a:p>
             <a:pPr lvl="4"/>
             <a:r>
-              <a:rPr lang="zh-CN" altLang="en-US" smtClean="0"/>
+              <a:rPr lang="zh-CN" altLang="en-US" dirty="0" smtClean="0"/>
               <a:t>第五级</a:t>
             </a:r>
             <a:endParaRPr lang="en-US" dirty="0"/>
@@ -815,7 +815,7 @@
     </p:spTree>
     <p:extLst>
       <p:ext uri="{BB962C8B-B14F-4D97-AF65-F5344CB8AC3E}">
-        <p14:creationId xmlns:p14="http://schemas.microsoft.com/office/powerpoint/2010/main" val="2542689861"/>
+        <p14:creationId xmlns:p14="http://schemas.microsoft.com/office/powerpoint/2010/main" val="4121262505"/>
       </p:ext>
     </p:extLst>
   </p:cSld>
@@ -854,8 +854,8 @@
         </p:nvSpPr>
         <p:spPr>
           <a:xfrm>
-            <a:off x="831851" y="3738472"/>
-            <a:ext cx="10515600" cy="6237721"/>
+            <a:off x="831851" y="3715913"/>
+            <a:ext cx="10515600" cy="6200081"/>
           </a:xfrm>
         </p:spPr>
         <p:txBody>
@@ -886,8 +886,8 @@
         </p:nvSpPr>
         <p:spPr>
           <a:xfrm>
-            <a:off x="831851" y="10035204"/>
-            <a:ext cx="10515600" cy="3280270"/>
+            <a:off x="831851" y="9974649"/>
+            <a:ext cx="10515600" cy="3260476"/>
           </a:xfrm>
         </p:spPr>
         <p:txBody>
@@ -1059,7 +1059,7 @@
     </p:spTree>
     <p:extLst>
       <p:ext uri="{BB962C8B-B14F-4D97-AF65-F5344CB8AC3E}">
-        <p14:creationId xmlns:p14="http://schemas.microsoft.com/office/powerpoint/2010/main" val="3716648271"/>
+        <p14:creationId xmlns:p14="http://schemas.microsoft.com/office/powerpoint/2010/main" val="1009043516"/>
       </p:ext>
     </p:extLst>
   </p:cSld>
@@ -1121,8 +1121,8 @@
         </p:nvSpPr>
         <p:spPr>
           <a:xfrm>
-            <a:off x="838200" y="3991864"/>
-            <a:ext cx="5181600" cy="9514523"/>
+            <a:off x="838200" y="3967776"/>
+            <a:ext cx="5181600" cy="9457110"/>
           </a:xfrm>
         </p:spPr>
         <p:txBody>
@@ -1178,8 +1178,8 @@
         </p:nvSpPr>
         <p:spPr>
           <a:xfrm>
-            <a:off x="6172200" y="3991864"/>
-            <a:ext cx="5181600" cy="9514523"/>
+            <a:off x="6172200" y="3967776"/>
+            <a:ext cx="5181600" cy="9457110"/>
           </a:xfrm>
         </p:spPr>
         <p:txBody>
@@ -1291,7 +1291,7 @@
     </p:spTree>
     <p:extLst>
       <p:ext uri="{BB962C8B-B14F-4D97-AF65-F5344CB8AC3E}">
-        <p14:creationId xmlns:p14="http://schemas.microsoft.com/office/powerpoint/2010/main" val="2664987026"/>
+        <p14:creationId xmlns:p14="http://schemas.microsoft.com/office/powerpoint/2010/main" val="388535538"/>
       </p:ext>
     </p:extLst>
   </p:cSld>
@@ -1330,8 +1330,8 @@
         </p:nvSpPr>
         <p:spPr>
           <a:xfrm>
-            <a:off x="839788" y="798376"/>
-            <a:ext cx="10515600" cy="2898442"/>
+            <a:off x="839788" y="793558"/>
+            <a:ext cx="10515600" cy="2880952"/>
           </a:xfrm>
         </p:spPr>
         <p:txBody>
@@ -1358,8 +1358,8 @@
         </p:nvSpPr>
         <p:spPr>
           <a:xfrm>
-            <a:off x="839789" y="3675987"/>
-            <a:ext cx="5157787" cy="1801545"/>
+            <a:off x="839789" y="3653805"/>
+            <a:ext cx="5157787" cy="1790674"/>
           </a:xfrm>
         </p:spPr>
         <p:txBody>
@@ -1423,8 +1423,8 @@
         </p:nvSpPr>
         <p:spPr>
           <a:xfrm>
-            <a:off x="839789" y="5477532"/>
-            <a:ext cx="5157787" cy="8056625"/>
+            <a:off x="839789" y="5444479"/>
+            <a:ext cx="5157787" cy="8008009"/>
           </a:xfrm>
         </p:spPr>
         <p:txBody>
@@ -1480,8 +1480,8 @@
         </p:nvSpPr>
         <p:spPr>
           <a:xfrm>
-            <a:off x="6172201" y="3675987"/>
-            <a:ext cx="5183188" cy="1801545"/>
+            <a:off x="6172201" y="3653805"/>
+            <a:ext cx="5183188" cy="1790674"/>
           </a:xfrm>
         </p:spPr>
         <p:txBody>
@@ -1545,8 +1545,8 @@
         </p:nvSpPr>
         <p:spPr>
           <a:xfrm>
-            <a:off x="6172201" y="5477532"/>
-            <a:ext cx="5183188" cy="8056625"/>
+            <a:off x="6172201" y="5444479"/>
+            <a:ext cx="5183188" cy="8008009"/>
           </a:xfrm>
         </p:spPr>
         <p:txBody>
@@ -1658,7 +1658,7 @@
     </p:spTree>
     <p:extLst>
       <p:ext uri="{BB962C8B-B14F-4D97-AF65-F5344CB8AC3E}">
-        <p14:creationId xmlns:p14="http://schemas.microsoft.com/office/powerpoint/2010/main" val="2214427659"/>
+        <p14:creationId xmlns:p14="http://schemas.microsoft.com/office/powerpoint/2010/main" val="255690623"/>
       </p:ext>
     </p:extLst>
   </p:cSld>
@@ -1776,7 +1776,7 @@
     </p:spTree>
     <p:extLst>
       <p:ext uri="{BB962C8B-B14F-4D97-AF65-F5344CB8AC3E}">
-        <p14:creationId xmlns:p14="http://schemas.microsoft.com/office/powerpoint/2010/main" val="2535045318"/>
+        <p14:creationId xmlns:p14="http://schemas.microsoft.com/office/powerpoint/2010/main" val="2592423284"/>
       </p:ext>
     </p:extLst>
   </p:cSld>
@@ -1871,7 +1871,7 @@
     </p:spTree>
     <p:extLst>
       <p:ext uri="{BB962C8B-B14F-4D97-AF65-F5344CB8AC3E}">
-        <p14:creationId xmlns:p14="http://schemas.microsoft.com/office/powerpoint/2010/main" val="3147841089"/>
+        <p14:creationId xmlns:p14="http://schemas.microsoft.com/office/powerpoint/2010/main" val="316961728"/>
       </p:ext>
     </p:extLst>
   </p:cSld>
@@ -1910,8 +1910,8 @@
         </p:nvSpPr>
         <p:spPr>
           <a:xfrm>
-            <a:off x="839788" y="999702"/>
-            <a:ext cx="3932237" cy="3498956"/>
+            <a:off x="839788" y="993669"/>
+            <a:ext cx="3932237" cy="3477842"/>
           </a:xfrm>
         </p:spPr>
         <p:txBody>
@@ -1942,8 +1942,8 @@
         </p:nvSpPr>
         <p:spPr>
           <a:xfrm>
-            <a:off x="5183188" y="2159081"/>
-            <a:ext cx="6172200" cy="10656542"/>
+            <a:off x="5183188" y="2146053"/>
+            <a:ext cx="6172200" cy="10592238"/>
           </a:xfrm>
         </p:spPr>
         <p:txBody>
@@ -2027,8 +2027,8 @@
         </p:nvSpPr>
         <p:spPr>
           <a:xfrm>
-            <a:off x="839788" y="4498657"/>
-            <a:ext cx="3932237" cy="8334320"/>
+            <a:off x="839788" y="4471511"/>
+            <a:ext cx="3932237" cy="8284028"/>
           </a:xfrm>
         </p:spPr>
         <p:txBody>
@@ -2148,7 +2148,7 @@
     </p:spTree>
     <p:extLst>
       <p:ext uri="{BB962C8B-B14F-4D97-AF65-F5344CB8AC3E}">
-        <p14:creationId xmlns:p14="http://schemas.microsoft.com/office/powerpoint/2010/main" val="111454347"/>
+        <p14:creationId xmlns:p14="http://schemas.microsoft.com/office/powerpoint/2010/main" val="3526519734"/>
       </p:ext>
     </p:extLst>
   </p:cSld>
@@ -2187,8 +2187,8 @@
         </p:nvSpPr>
         <p:spPr>
           <a:xfrm>
-            <a:off x="839788" y="999702"/>
-            <a:ext cx="3932237" cy="3498956"/>
+            <a:off x="839788" y="993669"/>
+            <a:ext cx="3932237" cy="3477842"/>
           </a:xfrm>
         </p:spPr>
         <p:txBody>
@@ -2219,8 +2219,8 @@
         </p:nvSpPr>
         <p:spPr>
           <a:xfrm>
-            <a:off x="5183188" y="2159081"/>
-            <a:ext cx="6172200" cy="10656542"/>
+            <a:off x="5183188" y="2146053"/>
+            <a:ext cx="6172200" cy="10592238"/>
           </a:xfrm>
         </p:spPr>
         <p:txBody>
@@ -2284,8 +2284,8 @@
         </p:nvSpPr>
         <p:spPr>
           <a:xfrm>
-            <a:off x="839788" y="4498657"/>
-            <a:ext cx="3932237" cy="8334320"/>
+            <a:off x="839788" y="4471511"/>
+            <a:ext cx="3932237" cy="8284028"/>
           </a:xfrm>
         </p:spPr>
         <p:txBody>
@@ -2405,7 +2405,7 @@
     </p:spTree>
     <p:extLst>
       <p:ext uri="{BB962C8B-B14F-4D97-AF65-F5344CB8AC3E}">
-        <p14:creationId xmlns:p14="http://schemas.microsoft.com/office/powerpoint/2010/main" val="70522271"/>
+        <p14:creationId xmlns:p14="http://schemas.microsoft.com/office/powerpoint/2010/main" val="2117652498"/>
       </p:ext>
     </p:extLst>
   </p:cSld>
@@ -2449,8 +2449,8 @@
         </p:nvSpPr>
         <p:spPr>
           <a:xfrm>
-            <a:off x="838200" y="798376"/>
-            <a:ext cx="10515600" cy="2898442"/>
+            <a:off x="838200" y="793558"/>
+            <a:ext cx="10515600" cy="2880952"/>
           </a:xfrm>
           <a:prstGeom prst="rect">
             <a:avLst/>
@@ -2482,8 +2482,8 @@
         </p:nvSpPr>
         <p:spPr>
           <a:xfrm>
-            <a:off x="838200" y="3991864"/>
-            <a:ext cx="10515600" cy="9514523"/>
+            <a:off x="838200" y="3967776"/>
+            <a:ext cx="10515600" cy="9457110"/>
           </a:xfrm>
           <a:prstGeom prst="rect">
             <a:avLst/>
@@ -2544,8 +2544,8 @@
         </p:nvSpPr>
         <p:spPr>
           <a:xfrm>
-            <a:off x="838200" y="13898633"/>
-            <a:ext cx="2743200" cy="798373"/>
+            <a:off x="838200" y="13814765"/>
+            <a:ext cx="2743200" cy="793555"/>
           </a:xfrm>
           <a:prstGeom prst="rect">
             <a:avLst/>
@@ -2585,8 +2585,8 @@
         </p:nvSpPr>
         <p:spPr>
           <a:xfrm>
-            <a:off x="4038600" y="13898633"/>
-            <a:ext cx="4114800" cy="798373"/>
+            <a:off x="4038600" y="13814765"/>
+            <a:ext cx="4114800" cy="793555"/>
           </a:xfrm>
           <a:prstGeom prst="rect">
             <a:avLst/>
@@ -2622,8 +2622,8 @@
         </p:nvSpPr>
         <p:spPr>
           <a:xfrm>
-            <a:off x="8610600" y="13898633"/>
-            <a:ext cx="2743200" cy="798373"/>
+            <a:off x="8610600" y="13814765"/>
+            <a:ext cx="2743200" cy="793555"/>
           </a:xfrm>
           <a:prstGeom prst="rect">
             <a:avLst/>
@@ -2654,23 +2654,23 @@
     </p:spTree>
     <p:extLst>
       <p:ext uri="{BB962C8B-B14F-4D97-AF65-F5344CB8AC3E}">
-        <p14:creationId xmlns:p14="http://schemas.microsoft.com/office/powerpoint/2010/main" val="4190645913"/>
+        <p14:creationId xmlns:p14="http://schemas.microsoft.com/office/powerpoint/2010/main" val="391950150"/>
       </p:ext>
     </p:extLst>
   </p:cSld>
   <p:clrMap bg1="lt1" tx1="dk1" bg2="lt2" tx2="dk2" accent1="accent1" accent2="accent2" accent3="accent3" accent4="accent4" accent5="accent5" accent6="accent6" hlink="hlink" folHlink="folHlink"/>
   <p:sldLayoutIdLst>
-    <p:sldLayoutId id="2147483853" r:id="rId1"/>
-    <p:sldLayoutId id="2147483854" r:id="rId2"/>
-    <p:sldLayoutId id="2147483855" r:id="rId3"/>
-    <p:sldLayoutId id="2147483856" r:id="rId4"/>
-    <p:sldLayoutId id="2147483857" r:id="rId5"/>
-    <p:sldLayoutId id="2147483858" r:id="rId6"/>
-    <p:sldLayoutId id="2147483859" r:id="rId7"/>
-    <p:sldLayoutId id="2147483860" r:id="rId8"/>
-    <p:sldLayoutId id="2147483861" r:id="rId9"/>
-    <p:sldLayoutId id="2147483862" r:id="rId10"/>
-    <p:sldLayoutId id="2147483863" r:id="rId11"/>
+    <p:sldLayoutId id="2147483865" r:id="rId1"/>
+    <p:sldLayoutId id="2147483866" r:id="rId2"/>
+    <p:sldLayoutId id="2147483867" r:id="rId3"/>
+    <p:sldLayoutId id="2147483868" r:id="rId4"/>
+    <p:sldLayoutId id="2147483869" r:id="rId5"/>
+    <p:sldLayoutId id="2147483870" r:id="rId6"/>
+    <p:sldLayoutId id="2147483871" r:id="rId7"/>
+    <p:sldLayoutId id="2147483872" r:id="rId8"/>
+    <p:sldLayoutId id="2147483873" r:id="rId9"/>
+    <p:sldLayoutId id="2147483874" r:id="rId10"/>
+    <p:sldLayoutId id="2147483875" r:id="rId11"/>
   </p:sldLayoutIdLst>
   <p:txStyles>
     <p:titleStyle>
@@ -2982,13 +2982,13 @@
             <p:ph idx="1"/>
             <p:extLst>
               <p:ext uri="{D42A27DB-BD31-4B8C-83A1-F6EECF244321}">
-                <p14:modId xmlns:p14="http://schemas.microsoft.com/office/powerpoint/2010/main" val="2863858655"/>
+                <p14:modId xmlns:p14="http://schemas.microsoft.com/office/powerpoint/2010/main" val="121141564"/>
               </p:ext>
             </p:extLst>
           </p:nvPr>
         </p:nvGraphicFramePr>
         <p:xfrm>
-          <a:off x="18" y="72557"/>
+          <a:off x="18" y="43939"/>
           <a:ext cx="12184383" cy="14848183"/>
         </p:xfrm>
         <a:graphic>
@@ -3001,35 +3001,35 @@
                 <a:gridCol w="371795">
                   <a:extLst>
                     <a:ext uri="{9D8B030D-6E8A-4147-A177-3AD203B41FA5}">
-                      <a16:colId xmlns:a16="http://schemas.microsoft.com/office/drawing/2014/main" xmlns="" val="1495994520"/>
+                      <a16:colId xmlns="" xmlns:a16="http://schemas.microsoft.com/office/drawing/2014/main" val="1495994520"/>
                     </a:ext>
                   </a:extLst>
                 </a:gridCol>
                 <a:gridCol w="4274344">
                   <a:extLst>
                     <a:ext uri="{9D8B030D-6E8A-4147-A177-3AD203B41FA5}">
-                      <a16:colId xmlns:a16="http://schemas.microsoft.com/office/drawing/2014/main" xmlns="" val="1129046455"/>
+                      <a16:colId xmlns="" xmlns:a16="http://schemas.microsoft.com/office/drawing/2014/main" val="1129046455"/>
                     </a:ext>
                   </a:extLst>
                 </a:gridCol>
                 <a:gridCol w="4088288">
                   <a:extLst>
                     <a:ext uri="{9D8B030D-6E8A-4147-A177-3AD203B41FA5}">
-                      <a16:colId xmlns:a16="http://schemas.microsoft.com/office/drawing/2014/main" xmlns="" val="2369603338"/>
+                      <a16:colId xmlns="" xmlns:a16="http://schemas.microsoft.com/office/drawing/2014/main" val="2369603338"/>
                     </a:ext>
                   </a:extLst>
                 </a:gridCol>
                 <a:gridCol w="1794988">
                   <a:extLst>
                     <a:ext uri="{9D8B030D-6E8A-4147-A177-3AD203B41FA5}">
-                      <a16:colId xmlns:a16="http://schemas.microsoft.com/office/drawing/2014/main" xmlns="" val="2935269635"/>
+                      <a16:colId xmlns="" xmlns:a16="http://schemas.microsoft.com/office/drawing/2014/main" val="2935269635"/>
                     </a:ext>
                   </a:extLst>
                 </a:gridCol>
                 <a:gridCol w="1654968">
                   <a:extLst>
                     <a:ext uri="{9D8B030D-6E8A-4147-A177-3AD203B41FA5}">
-                      <a16:colId xmlns:a16="http://schemas.microsoft.com/office/drawing/2014/main" xmlns="" val="3987723325"/>
+                      <a16:colId xmlns="" xmlns:a16="http://schemas.microsoft.com/office/drawing/2014/main" val="3987723325"/>
                     </a:ext>
                   </a:extLst>
                 </a:gridCol>
@@ -3129,7 +3129,7 @@
                 </a:tc>
                 <a:extLst>
                   <a:ext uri="{0D108BD9-81ED-4DB2-BD59-A6C34878D82A}">
-                    <a16:rowId xmlns:a16="http://schemas.microsoft.com/office/drawing/2014/main" xmlns="" val="436986935"/>
+                    <a16:rowId xmlns="" xmlns:a16="http://schemas.microsoft.com/office/drawing/2014/main" val="436986935"/>
                   </a:ext>
                 </a:extLst>
               </a:tr>
@@ -3230,7 +3230,7 @@
                 </a:tc>
                 <a:extLst>
                   <a:ext uri="{0D108BD9-81ED-4DB2-BD59-A6C34878D82A}">
-                    <a16:rowId xmlns:a16="http://schemas.microsoft.com/office/drawing/2014/main" xmlns="" val="2327670510"/>
+                    <a16:rowId xmlns="" xmlns:a16="http://schemas.microsoft.com/office/drawing/2014/main" val="2327670510"/>
                   </a:ext>
                 </a:extLst>
               </a:tr>
@@ -3903,7 +3903,7 @@
                 </a:tc>
                 <a:extLst>
                   <a:ext uri="{0D108BD9-81ED-4DB2-BD59-A6C34878D82A}">
-                    <a16:rowId xmlns:a16="http://schemas.microsoft.com/office/drawing/2014/main" xmlns="" val="491477770"/>
+                    <a16:rowId xmlns="" xmlns:a16="http://schemas.microsoft.com/office/drawing/2014/main" val="491477770"/>
                   </a:ext>
                 </a:extLst>
               </a:tr>
@@ -5233,7 +5233,7 @@
                 </a:tc>
                 <a:extLst>
                   <a:ext uri="{0D108BD9-81ED-4DB2-BD59-A6C34878D82A}">
-                    <a16:rowId xmlns:a16="http://schemas.microsoft.com/office/drawing/2014/main" xmlns="" val="2969912682"/>
+                    <a16:rowId xmlns="" xmlns:a16="http://schemas.microsoft.com/office/drawing/2014/main" val="2969912682"/>
                   </a:ext>
                 </a:extLst>
               </a:tr>
@@ -6243,7 +6243,7 @@
                 </a:tc>
                 <a:extLst>
                   <a:ext uri="{0D108BD9-81ED-4DB2-BD59-A6C34878D82A}">
-                    <a16:rowId xmlns:a16="http://schemas.microsoft.com/office/drawing/2014/main" xmlns="" val="1325939187"/>
+                    <a16:rowId xmlns="" xmlns:a16="http://schemas.microsoft.com/office/drawing/2014/main" val="1325939187"/>
                   </a:ext>
                 </a:extLst>
               </a:tr>
@@ -8008,7 +8008,7 @@
                 </a:tc>
                 <a:extLst>
                   <a:ext uri="{0D108BD9-81ED-4DB2-BD59-A6C34878D82A}">
-                    <a16:rowId xmlns:a16="http://schemas.microsoft.com/office/drawing/2014/main" xmlns="" val="3985160712"/>
+                    <a16:rowId xmlns="" xmlns:a16="http://schemas.microsoft.com/office/drawing/2014/main" val="3985160712"/>
                   </a:ext>
                 </a:extLst>
               </a:tr>
@@ -8062,7 +8062,7 @@
           </p:nvPr>
         </p:nvGraphicFramePr>
         <p:xfrm>
-          <a:off x="8" y="3840164"/>
+          <a:off x="10" y="3794921"/>
           <a:ext cx="12184381" cy="7305576"/>
         </p:xfrm>
         <a:graphic>
@@ -8075,14 +8075,14 @@
                 <a:gridCol w="371795">
                   <a:extLst>
                     <a:ext uri="{9D8B030D-6E8A-4147-A177-3AD203B41FA5}">
-                      <a16:colId xmlns:a16="http://schemas.microsoft.com/office/drawing/2014/main" xmlns="" val="979900478"/>
+                      <a16:colId xmlns="" xmlns:a16="http://schemas.microsoft.com/office/drawing/2014/main" val="979900478"/>
                     </a:ext>
                   </a:extLst>
                 </a:gridCol>
                 <a:gridCol w="4208859">
                   <a:extLst>
                     <a:ext uri="{9D8B030D-6E8A-4147-A177-3AD203B41FA5}">
-                      <a16:colId xmlns:a16="http://schemas.microsoft.com/office/drawing/2014/main" xmlns="" val="286836760"/>
+                      <a16:colId xmlns="" xmlns:a16="http://schemas.microsoft.com/office/drawing/2014/main" val="286836760"/>
                     </a:ext>
                   </a:extLst>
                 </a:gridCol>
@@ -8090,7 +8090,7 @@
                 <a:gridCol w="1697434">
                   <a:extLst>
                     <a:ext uri="{9D8B030D-6E8A-4147-A177-3AD203B41FA5}">
-                      <a16:colId xmlns:a16="http://schemas.microsoft.com/office/drawing/2014/main" xmlns="" val="2860468690"/>
+                      <a16:colId xmlns="" xmlns:a16="http://schemas.microsoft.com/office/drawing/2014/main" val="2860468690"/>
                     </a:ext>
                   </a:extLst>
                 </a:gridCol>
@@ -8190,7 +8190,7 @@
                 </a:tc>
                 <a:extLst>
                   <a:ext uri="{0D108BD9-81ED-4DB2-BD59-A6C34878D82A}">
-                    <a16:rowId xmlns:a16="http://schemas.microsoft.com/office/drawing/2014/main" xmlns="" val="255238892"/>
+                    <a16:rowId xmlns="" xmlns:a16="http://schemas.microsoft.com/office/drawing/2014/main" val="255238892"/>
                   </a:ext>
                 </a:extLst>
               </a:tr>
@@ -9253,7 +9253,7 @@
                 </a:tc>
                 <a:extLst>
                   <a:ext uri="{0D108BD9-81ED-4DB2-BD59-A6C34878D82A}">
-                    <a16:rowId xmlns:a16="http://schemas.microsoft.com/office/drawing/2014/main" xmlns="" val="719721223"/>
+                    <a16:rowId xmlns="" xmlns:a16="http://schemas.microsoft.com/office/drawing/2014/main" val="719721223"/>
                   </a:ext>
                 </a:extLst>
               </a:tr>
@@ -9743,7 +9743,7 @@
                 </a:tc>
                 <a:extLst>
                   <a:ext uri="{0D108BD9-81ED-4DB2-BD59-A6C34878D82A}">
-                    <a16:rowId xmlns:a16="http://schemas.microsoft.com/office/drawing/2014/main" xmlns="" val="2936119967"/>
+                    <a16:rowId xmlns="" xmlns:a16="http://schemas.microsoft.com/office/drawing/2014/main" val="2936119967"/>
                   </a:ext>
                 </a:extLst>
               </a:tr>
@@ -10483,7 +10483,7 @@
                 </a:tc>
                 <a:extLst>
                   <a:ext uri="{0D108BD9-81ED-4DB2-BD59-A6C34878D82A}">
-                    <a16:rowId xmlns:a16="http://schemas.microsoft.com/office/drawing/2014/main" xmlns="" val="3067181177"/>
+                    <a16:rowId xmlns="" xmlns:a16="http://schemas.microsoft.com/office/drawing/2014/main" val="3067181177"/>
                   </a:ext>
                 </a:extLst>
               </a:tr>
@@ -10931,7 +10931,7 @@
                 </a:tc>
                 <a:extLst>
                   <a:ext uri="{0D108BD9-81ED-4DB2-BD59-A6C34878D82A}">
-                    <a16:rowId xmlns:a16="http://schemas.microsoft.com/office/drawing/2014/main" xmlns="" val="3351539951"/>
+                    <a16:rowId xmlns="" xmlns:a16="http://schemas.microsoft.com/office/drawing/2014/main" val="3351539951"/>
                   </a:ext>
                 </a:extLst>
               </a:tr>

--- a/visio/patterns.pptx
+++ b/visio/patterns.pptx
@@ -2,13 +2,13 @@
 <file path=ppt/presentation.xml><?xml version="1.0" encoding="utf-8"?>
 <p:presentation xmlns:a="http://schemas.openxmlformats.org/drawingml/2006/main" xmlns:r="http://schemas.openxmlformats.org/officeDocument/2006/relationships" xmlns:p="http://schemas.openxmlformats.org/presentationml/2006/main" saveSubsetFonts="1">
   <p:sldMasterIdLst>
-    <p:sldMasterId id="2147483912" r:id="rId1"/>
+    <p:sldMasterId id="2147483948" r:id="rId1"/>
   </p:sldMasterIdLst>
   <p:sldIdLst>
     <p:sldId id="257" r:id="rId2"/>
     <p:sldId id="258" r:id="rId3"/>
   </p:sldIdLst>
-  <p:sldSz cx="12192000" cy="12069763"/>
+  <p:sldSz cx="12192000" cy="10790238"/>
   <p:notesSz cx="6858000" cy="9144000"/>
   <p:defaultTextStyle>
     <a:defPPr>
@@ -146,8 +146,8 @@
         </p:nvSpPr>
         <p:spPr>
           <a:xfrm>
-            <a:off x="914400" y="1975307"/>
-            <a:ext cx="10363200" cy="4202066"/>
+            <a:off x="914400" y="1765903"/>
+            <a:ext cx="10363200" cy="3756601"/>
           </a:xfrm>
         </p:spPr>
         <p:txBody>
@@ -178,8 +178,8 @@
         </p:nvSpPr>
         <p:spPr>
           <a:xfrm>
-            <a:off x="1524000" y="6339420"/>
-            <a:ext cx="9144000" cy="2914065"/>
+            <a:off x="1524000" y="5667374"/>
+            <a:ext cx="9144000" cy="2605142"/>
           </a:xfrm>
         </p:spPr>
         <p:txBody>
@@ -299,7 +299,7 @@
     </p:spTree>
     <p:extLst>
       <p:ext uri="{BB962C8B-B14F-4D97-AF65-F5344CB8AC3E}">
-        <p14:creationId xmlns:p14="http://schemas.microsoft.com/office/powerpoint/2010/main" val="1160293579"/>
+        <p14:creationId xmlns:p14="http://schemas.microsoft.com/office/powerpoint/2010/main" val="438609802"/>
       </p:ext>
     </p:extLst>
   </p:cSld>
@@ -469,7 +469,7 @@
     </p:spTree>
     <p:extLst>
       <p:ext uri="{BB962C8B-B14F-4D97-AF65-F5344CB8AC3E}">
-        <p14:creationId xmlns:p14="http://schemas.microsoft.com/office/powerpoint/2010/main" val="431650352"/>
+        <p14:creationId xmlns:p14="http://schemas.microsoft.com/office/powerpoint/2010/main" val="3251628697"/>
       </p:ext>
     </p:extLst>
   </p:cSld>
@@ -508,8 +508,8 @@
         </p:nvSpPr>
         <p:spPr>
           <a:xfrm>
-            <a:off x="8724901" y="642603"/>
-            <a:ext cx="2628900" cy="10228566"/>
+            <a:off x="8724901" y="574480"/>
+            <a:ext cx="2628900" cy="9144228"/>
           </a:xfrm>
         </p:spPr>
         <p:txBody>
@@ -536,8 +536,8 @@
         </p:nvSpPr>
         <p:spPr>
           <a:xfrm>
-            <a:off x="838201" y="642603"/>
-            <a:ext cx="7734300" cy="10228566"/>
+            <a:off x="838201" y="574480"/>
+            <a:ext cx="7734300" cy="9144228"/>
           </a:xfrm>
         </p:spPr>
         <p:txBody>
@@ -649,7 +649,7 @@
     </p:spTree>
     <p:extLst>
       <p:ext uri="{BB962C8B-B14F-4D97-AF65-F5344CB8AC3E}">
-        <p14:creationId xmlns:p14="http://schemas.microsoft.com/office/powerpoint/2010/main" val="3295386126"/>
+        <p14:creationId xmlns:p14="http://schemas.microsoft.com/office/powerpoint/2010/main" val="2936499241"/>
       </p:ext>
     </p:extLst>
   </p:cSld>
@@ -819,7 +819,7 @@
     </p:spTree>
     <p:extLst>
       <p:ext uri="{BB962C8B-B14F-4D97-AF65-F5344CB8AC3E}">
-        <p14:creationId xmlns:p14="http://schemas.microsoft.com/office/powerpoint/2010/main" val="2375648266"/>
+        <p14:creationId xmlns:p14="http://schemas.microsoft.com/office/powerpoint/2010/main" val="3858093613"/>
       </p:ext>
     </p:extLst>
   </p:cSld>
@@ -858,8 +858,8 @@
         </p:nvSpPr>
         <p:spPr>
           <a:xfrm>
-            <a:off x="831851" y="3009063"/>
-            <a:ext cx="10515600" cy="5020685"/>
+            <a:off x="831851" y="2690070"/>
+            <a:ext cx="10515600" cy="4488438"/>
           </a:xfrm>
         </p:spPr>
         <p:txBody>
@@ -890,8 +890,8 @@
         </p:nvSpPr>
         <p:spPr>
           <a:xfrm>
-            <a:off x="831851" y="8077245"/>
-            <a:ext cx="10515600" cy="2640260"/>
+            <a:off x="831851" y="7220970"/>
+            <a:ext cx="10515600" cy="2360364"/>
           </a:xfrm>
         </p:spPr>
         <p:txBody>
@@ -1063,7 +1063,7 @@
     </p:spTree>
     <p:extLst>
       <p:ext uri="{BB962C8B-B14F-4D97-AF65-F5344CB8AC3E}">
-        <p14:creationId xmlns:p14="http://schemas.microsoft.com/office/powerpoint/2010/main" val="1642877671"/>
+        <p14:creationId xmlns:p14="http://schemas.microsoft.com/office/powerpoint/2010/main" val="2333041605"/>
       </p:ext>
     </p:extLst>
   </p:cSld>
@@ -1125,8 +1125,8 @@
         </p:nvSpPr>
         <p:spPr>
           <a:xfrm>
-            <a:off x="838200" y="3213015"/>
-            <a:ext cx="5181600" cy="7658154"/>
+            <a:off x="838200" y="2872401"/>
+            <a:ext cx="5181600" cy="6846307"/>
           </a:xfrm>
         </p:spPr>
         <p:txBody>
@@ -1182,8 +1182,8 @@
         </p:nvSpPr>
         <p:spPr>
           <a:xfrm>
-            <a:off x="6172200" y="3213015"/>
-            <a:ext cx="5181600" cy="7658154"/>
+            <a:off x="6172200" y="2872401"/>
+            <a:ext cx="5181600" cy="6846307"/>
           </a:xfrm>
         </p:spPr>
         <p:txBody>
@@ -1295,7 +1295,7 @@
     </p:spTree>
     <p:extLst>
       <p:ext uri="{BB962C8B-B14F-4D97-AF65-F5344CB8AC3E}">
-        <p14:creationId xmlns:p14="http://schemas.microsoft.com/office/powerpoint/2010/main" val="4097543529"/>
+        <p14:creationId xmlns:p14="http://schemas.microsoft.com/office/powerpoint/2010/main" val="924788461"/>
       </p:ext>
     </p:extLst>
   </p:cSld>
@@ -1334,8 +1334,8 @@
         </p:nvSpPr>
         <p:spPr>
           <a:xfrm>
-            <a:off x="839788" y="642606"/>
-            <a:ext cx="10515600" cy="2332930"/>
+            <a:off x="839788" y="574483"/>
+            <a:ext cx="10515600" cy="2085614"/>
           </a:xfrm>
         </p:spPr>
         <p:txBody>
@@ -1362,8 +1362,8 @@
         </p:nvSpPr>
         <p:spPr>
           <a:xfrm>
-            <a:off x="839789" y="2958769"/>
-            <a:ext cx="5157787" cy="1450047"/>
+            <a:off x="839789" y="2645108"/>
+            <a:ext cx="5157787" cy="1296326"/>
           </a:xfrm>
         </p:spPr>
         <p:txBody>
@@ -1427,8 +1427,8 @@
         </p:nvSpPr>
         <p:spPr>
           <a:xfrm>
-            <a:off x="839789" y="4408816"/>
-            <a:ext cx="5157787" cy="6484705"/>
+            <a:off x="839789" y="3941434"/>
+            <a:ext cx="5157787" cy="5797256"/>
           </a:xfrm>
         </p:spPr>
         <p:txBody>
@@ -1484,8 +1484,8 @@
         </p:nvSpPr>
         <p:spPr>
           <a:xfrm>
-            <a:off x="6172201" y="2958769"/>
-            <a:ext cx="5183188" cy="1450047"/>
+            <a:off x="6172201" y="2645108"/>
+            <a:ext cx="5183188" cy="1296326"/>
           </a:xfrm>
         </p:spPr>
         <p:txBody>
@@ -1549,8 +1549,8 @@
         </p:nvSpPr>
         <p:spPr>
           <a:xfrm>
-            <a:off x="6172201" y="4408816"/>
-            <a:ext cx="5183188" cy="6484705"/>
+            <a:off x="6172201" y="3941434"/>
+            <a:ext cx="5183188" cy="5797256"/>
           </a:xfrm>
         </p:spPr>
         <p:txBody>
@@ -1662,7 +1662,7 @@
     </p:spTree>
     <p:extLst>
       <p:ext uri="{BB962C8B-B14F-4D97-AF65-F5344CB8AC3E}">
-        <p14:creationId xmlns:p14="http://schemas.microsoft.com/office/powerpoint/2010/main" val="1143361456"/>
+        <p14:creationId xmlns:p14="http://schemas.microsoft.com/office/powerpoint/2010/main" val="1917200835"/>
       </p:ext>
     </p:extLst>
   </p:cSld>
@@ -1780,7 +1780,7 @@
     </p:spTree>
     <p:extLst>
       <p:ext uri="{BB962C8B-B14F-4D97-AF65-F5344CB8AC3E}">
-        <p14:creationId xmlns:p14="http://schemas.microsoft.com/office/powerpoint/2010/main" val="3888118010"/>
+        <p14:creationId xmlns:p14="http://schemas.microsoft.com/office/powerpoint/2010/main" val="4046018318"/>
       </p:ext>
     </p:extLst>
   </p:cSld>
@@ -1875,7 +1875,7 @@
     </p:spTree>
     <p:extLst>
       <p:ext uri="{BB962C8B-B14F-4D97-AF65-F5344CB8AC3E}">
-        <p14:creationId xmlns:p14="http://schemas.microsoft.com/office/powerpoint/2010/main" val="1478075849"/>
+        <p14:creationId xmlns:p14="http://schemas.microsoft.com/office/powerpoint/2010/main" val="1790845798"/>
       </p:ext>
     </p:extLst>
   </p:cSld>
@@ -1914,8 +1914,8 @@
         </p:nvSpPr>
         <p:spPr>
           <a:xfrm>
-            <a:off x="839788" y="804651"/>
-            <a:ext cx="3932237" cy="2816278"/>
+            <a:off x="839788" y="719349"/>
+            <a:ext cx="3932237" cy="2517722"/>
           </a:xfrm>
         </p:spPr>
         <p:txBody>
@@ -1946,8 +1946,8 @@
         </p:nvSpPr>
         <p:spPr>
           <a:xfrm>
-            <a:off x="5183188" y="1737825"/>
-            <a:ext cx="6172200" cy="8577355"/>
+            <a:off x="5183188" y="1553597"/>
+            <a:ext cx="6172200" cy="7668063"/>
           </a:xfrm>
         </p:spPr>
         <p:txBody>
@@ -2031,8 +2031,8 @@
         </p:nvSpPr>
         <p:spPr>
           <a:xfrm>
-            <a:off x="839788" y="3620929"/>
-            <a:ext cx="3932237" cy="6708219"/>
+            <a:off x="839788" y="3237071"/>
+            <a:ext cx="3932237" cy="5997075"/>
           </a:xfrm>
         </p:spPr>
         <p:txBody>
@@ -2152,7 +2152,7 @@
     </p:spTree>
     <p:extLst>
       <p:ext uri="{BB962C8B-B14F-4D97-AF65-F5344CB8AC3E}">
-        <p14:creationId xmlns:p14="http://schemas.microsoft.com/office/powerpoint/2010/main" val="887033340"/>
+        <p14:creationId xmlns:p14="http://schemas.microsoft.com/office/powerpoint/2010/main" val="3541393336"/>
       </p:ext>
     </p:extLst>
   </p:cSld>
@@ -2191,8 +2191,8 @@
         </p:nvSpPr>
         <p:spPr>
           <a:xfrm>
-            <a:off x="839788" y="804651"/>
-            <a:ext cx="3932237" cy="2816278"/>
+            <a:off x="839788" y="719349"/>
+            <a:ext cx="3932237" cy="2517722"/>
           </a:xfrm>
         </p:spPr>
         <p:txBody>
@@ -2223,8 +2223,8 @@
         </p:nvSpPr>
         <p:spPr>
           <a:xfrm>
-            <a:off x="5183188" y="1737825"/>
-            <a:ext cx="6172200" cy="8577355"/>
+            <a:off x="5183188" y="1553597"/>
+            <a:ext cx="6172200" cy="7668063"/>
           </a:xfrm>
         </p:spPr>
         <p:txBody>
@@ -2288,8 +2288,8 @@
         </p:nvSpPr>
         <p:spPr>
           <a:xfrm>
-            <a:off x="839788" y="3620929"/>
-            <a:ext cx="3932237" cy="6708219"/>
+            <a:off x="839788" y="3237071"/>
+            <a:ext cx="3932237" cy="5997075"/>
           </a:xfrm>
         </p:spPr>
         <p:txBody>
@@ -2409,7 +2409,7 @@
     </p:spTree>
     <p:extLst>
       <p:ext uri="{BB962C8B-B14F-4D97-AF65-F5344CB8AC3E}">
-        <p14:creationId xmlns:p14="http://schemas.microsoft.com/office/powerpoint/2010/main" val="3567331137"/>
+        <p14:creationId xmlns:p14="http://schemas.microsoft.com/office/powerpoint/2010/main" val="3575342993"/>
       </p:ext>
     </p:extLst>
   </p:cSld>
@@ -2453,8 +2453,8 @@
         </p:nvSpPr>
         <p:spPr>
           <a:xfrm>
-            <a:off x="838200" y="642606"/>
-            <a:ext cx="10515600" cy="2332930"/>
+            <a:off x="838200" y="574483"/>
+            <a:ext cx="10515600" cy="2085614"/>
           </a:xfrm>
           <a:prstGeom prst="rect">
             <a:avLst/>
@@ -2486,8 +2486,8 @@
         </p:nvSpPr>
         <p:spPr>
           <a:xfrm>
-            <a:off x="838200" y="3213015"/>
-            <a:ext cx="10515600" cy="7658154"/>
+            <a:off x="838200" y="2872401"/>
+            <a:ext cx="10515600" cy="6846307"/>
           </a:xfrm>
           <a:prstGeom prst="rect">
             <a:avLst/>
@@ -2548,8 +2548,8 @@
         </p:nvSpPr>
         <p:spPr>
           <a:xfrm>
-            <a:off x="838200" y="11186885"/>
-            <a:ext cx="2743200" cy="642603"/>
+            <a:off x="838200" y="10000955"/>
+            <a:ext cx="2743200" cy="574480"/>
           </a:xfrm>
           <a:prstGeom prst="rect">
             <a:avLst/>
@@ -2589,8 +2589,8 @@
         </p:nvSpPr>
         <p:spPr>
           <a:xfrm>
-            <a:off x="4038600" y="11186885"/>
-            <a:ext cx="4114800" cy="642603"/>
+            <a:off x="4038600" y="10000955"/>
+            <a:ext cx="4114800" cy="574480"/>
           </a:xfrm>
           <a:prstGeom prst="rect">
             <a:avLst/>
@@ -2626,8 +2626,8 @@
         </p:nvSpPr>
         <p:spPr>
           <a:xfrm>
-            <a:off x="8610600" y="11186885"/>
-            <a:ext cx="2743200" cy="642603"/>
+            <a:off x="8610600" y="10000955"/>
+            <a:ext cx="2743200" cy="574480"/>
           </a:xfrm>
           <a:prstGeom prst="rect">
             <a:avLst/>
@@ -2658,23 +2658,23 @@
     </p:spTree>
     <p:extLst>
       <p:ext uri="{BB962C8B-B14F-4D97-AF65-F5344CB8AC3E}">
-        <p14:creationId xmlns:p14="http://schemas.microsoft.com/office/powerpoint/2010/main" val="2134701416"/>
+        <p14:creationId xmlns:p14="http://schemas.microsoft.com/office/powerpoint/2010/main" val="3601304485"/>
       </p:ext>
     </p:extLst>
   </p:cSld>
   <p:clrMap bg1="lt1" tx1="dk1" bg2="lt2" tx2="dk2" accent1="accent1" accent2="accent2" accent3="accent3" accent4="accent4" accent5="accent5" accent6="accent6" hlink="hlink" folHlink="folHlink"/>
   <p:sldLayoutIdLst>
-    <p:sldLayoutId id="2147483913" r:id="rId1"/>
-    <p:sldLayoutId id="2147483914" r:id="rId2"/>
-    <p:sldLayoutId id="2147483915" r:id="rId3"/>
-    <p:sldLayoutId id="2147483916" r:id="rId4"/>
-    <p:sldLayoutId id="2147483917" r:id="rId5"/>
-    <p:sldLayoutId id="2147483918" r:id="rId6"/>
-    <p:sldLayoutId id="2147483919" r:id="rId7"/>
-    <p:sldLayoutId id="2147483920" r:id="rId8"/>
-    <p:sldLayoutId id="2147483921" r:id="rId9"/>
-    <p:sldLayoutId id="2147483922" r:id="rId10"/>
-    <p:sldLayoutId id="2147483923" r:id="rId11"/>
+    <p:sldLayoutId id="2147483949" r:id="rId1"/>
+    <p:sldLayoutId id="2147483950" r:id="rId2"/>
+    <p:sldLayoutId id="2147483951" r:id="rId3"/>
+    <p:sldLayoutId id="2147483952" r:id="rId4"/>
+    <p:sldLayoutId id="2147483953" r:id="rId5"/>
+    <p:sldLayoutId id="2147483954" r:id="rId6"/>
+    <p:sldLayoutId id="2147483955" r:id="rId7"/>
+    <p:sldLayoutId id="2147483956" r:id="rId8"/>
+    <p:sldLayoutId id="2147483957" r:id="rId9"/>
+    <p:sldLayoutId id="2147483958" r:id="rId10"/>
+    <p:sldLayoutId id="2147483959" r:id="rId11"/>
   </p:sldLayoutIdLst>
   <p:txStyles>
     <p:titleStyle>
@@ -2986,14 +2986,14 @@
             <p:ph idx="1"/>
             <p:extLst>
               <p:ext uri="{D42A27DB-BD31-4B8C-83A1-F6EECF244321}">
-                <p14:modId xmlns:p14="http://schemas.microsoft.com/office/powerpoint/2010/main" val="1392714920"/>
+                <p14:modId xmlns:p14="http://schemas.microsoft.com/office/powerpoint/2010/main" val="2521013377"/>
               </p:ext>
             </p:extLst>
           </p:nvPr>
         </p:nvGraphicFramePr>
         <p:xfrm>
-          <a:off x="22" y="15221"/>
-          <a:ext cx="12184383" cy="12024312"/>
+          <a:off x="25" y="13634"/>
+          <a:ext cx="12184383" cy="10759392"/>
         </p:xfrm>
         <a:graphic>
           <a:graphicData uri="http://schemas.openxmlformats.org/drawingml/2006/table">
@@ -5966,455 +5966,6 @@
                   </a:ext>
                 </a:extLst>
               </a:tr>
-              <a:tr h="1242060">
-                <a:tc>
-                  <a:txBody>
-                    <a:bodyPr/>
-                    <a:lstStyle/>
-                    <a:p>
-                      <a:pPr marR="0" algn="ctr" rtl="0"/>
-                      <a:r>
-                        <a:rPr lang="en-US" altLang="zh-CN" sz="1100" dirty="0">
-                          <a:latin typeface="Times New Roman" panose="02020603050405020304" pitchFamily="18" charset="0"/>
-                          <a:cs typeface="Times New Roman" panose="02020603050405020304" pitchFamily="18" charset="0"/>
-                        </a:rPr>
-                        <a:t>5</a:t>
-                      </a:r>
-                      <a:endParaRPr lang="zh-CN" altLang="en-US" sz="1100" dirty="0">
-                        <a:latin typeface="Times New Roman" panose="02020603050405020304" pitchFamily="18" charset="0"/>
-                        <a:cs typeface="Times New Roman" panose="02020603050405020304" pitchFamily="18" charset="0"/>
-                      </a:endParaRPr>
-                    </a:p>
-                  </a:txBody>
-                  <a:tcPr anchor="ctr"/>
-                </a:tc>
-                <a:tc>
-                  <a:txBody>
-                    <a:bodyPr/>
-                    <a:lstStyle/>
-                    <a:p>
-                      <a:pPr marR="0" algn="l" rtl="0"/>
-                      <a:r>
-                        <a:rPr lang="en-US" altLang="zh-CN" sz="1100" dirty="0">
-                          <a:solidFill>
-                            <a:srgbClr val="C00000"/>
-                          </a:solidFill>
-                          <a:latin typeface="Courier New" panose="02070309020205020404" pitchFamily="49" charset="0"/>
-                          <a:cs typeface="Courier New" panose="02070309020205020404" pitchFamily="49" charset="0"/>
-                        </a:rPr>
-                        <a:t>-synchronized (</a:t>
-                      </a:r>
-                      <a:r>
-                        <a:rPr lang="en-US" altLang="zh-CN" sz="1100" dirty="0" err="1">
-                          <a:solidFill>
-                            <a:srgbClr val="C00000"/>
-                          </a:solidFill>
-                          <a:latin typeface="Courier New" panose="02070309020205020404" pitchFamily="49" charset="0"/>
-                          <a:cs typeface="Courier New" panose="02070309020205020404" pitchFamily="49" charset="0"/>
-                        </a:rPr>
-                        <a:t>this.channelLookup</a:t>
-                      </a:r>
-                      <a:r>
-                        <a:rPr lang="en-US" altLang="zh-CN" sz="1100" dirty="0">
-                          <a:solidFill>
-                            <a:srgbClr val="C00000"/>
-                          </a:solidFill>
-                          <a:latin typeface="Courier New" panose="02070309020205020404" pitchFamily="49" charset="0"/>
-                          <a:cs typeface="Courier New" panose="02070309020205020404" pitchFamily="49" charset="0"/>
-                        </a:rPr>
-                        <a:t>) { try {</a:t>
-                      </a:r>
-                    </a:p>
-                    <a:p>
-                      <a:pPr marL="0" marR="0" indent="0" algn="l" rtl="0">
-                        <a:buFontTx/>
-                        <a:buNone/>
-                      </a:pPr>
-                      <a:r>
-                        <a:rPr lang="en-US" altLang="zh-CN" sz="1100" dirty="0">
-                          <a:latin typeface="Courier New" panose="02070309020205020404" pitchFamily="49" charset="0"/>
-                          <a:cs typeface="Courier New" panose="02070309020205020404" pitchFamily="49" charset="0"/>
-                        </a:rPr>
-                        <a:t>   </a:t>
-                      </a:r>
-                      <a:r>
-                        <a:rPr lang="en-US" altLang="zh-CN" sz="1100" dirty="0" err="1">
-                          <a:latin typeface="Courier New" panose="02070309020205020404" pitchFamily="49" charset="0"/>
-                          <a:cs typeface="Courier New" panose="02070309020205020404" pitchFamily="49" charset="0"/>
-                        </a:rPr>
-                        <a:t>lookupResponse</a:t>
-                      </a:r>
-                      <a:r>
-                        <a:rPr lang="en-US" altLang="zh-CN" sz="1100" dirty="0">
-                          <a:latin typeface="Courier New" panose="02070309020205020404" pitchFamily="49" charset="0"/>
-                          <a:cs typeface="Courier New" panose="02070309020205020404" pitchFamily="49" charset="0"/>
-                        </a:rPr>
-                        <a:t> = </a:t>
-                      </a:r>
-                      <a:r>
-                        <a:rPr lang="en-US" altLang="zh-CN" sz="1100" dirty="0" err="1">
-                          <a:latin typeface="Courier New" panose="02070309020205020404" pitchFamily="49" charset="0"/>
-                          <a:cs typeface="Courier New" panose="02070309020205020404" pitchFamily="49" charset="0"/>
-                        </a:rPr>
-                        <a:t>AkkaUtils</a:t>
-                      </a:r>
-                      <a:r>
-                        <a:rPr lang="en-US" altLang="zh-CN" sz="1100" dirty="0">
-                          <a:latin typeface="Courier New" panose="02070309020205020404" pitchFamily="49" charset="0"/>
-                          <a:cs typeface="Courier New" panose="02070309020205020404" pitchFamily="49" charset="0"/>
-                        </a:rPr>
-                        <a:t>. &lt;...&gt;ask(</a:t>
-                      </a:r>
-                      <a:r>
-                        <a:rPr lang="en-US" altLang="zh-CN" sz="1100" dirty="0" err="1">
-                          <a:latin typeface="Courier New" panose="02070309020205020404" pitchFamily="49" charset="0"/>
-                          <a:cs typeface="Courier New" panose="02070309020205020404" pitchFamily="49" charset="0"/>
-                        </a:rPr>
-                        <a:t>channelLookup</a:t>
-                      </a:r>
-                      <a:r>
-                        <a:rPr lang="en-US" altLang="zh-CN" sz="1100" dirty="0">
-                          <a:latin typeface="Courier New" panose="02070309020205020404" pitchFamily="49" charset="0"/>
-                          <a:cs typeface="Courier New" panose="02070309020205020404" pitchFamily="49" charset="0"/>
-                        </a:rPr>
-                        <a:t>, new </a:t>
-                      </a:r>
-                      <a:r>
-                        <a:rPr lang="en-US" altLang="zh-CN" sz="1100" dirty="0" err="1">
-                          <a:latin typeface="Courier New" panose="02070309020205020404" pitchFamily="49" charset="0"/>
-                          <a:cs typeface="Courier New" panose="02070309020205020404" pitchFamily="49" charset="0"/>
-                        </a:rPr>
-                        <a:t>JobManagerMessages.LookupConnectionInformation</a:t>
-                      </a:r>
-                      <a:r>
-                        <a:rPr lang="en-US" altLang="zh-CN" sz="1100" dirty="0">
-                          <a:latin typeface="Courier New" panose="02070309020205020404" pitchFamily="49" charset="0"/>
-                          <a:cs typeface="Courier New" panose="02070309020205020404" pitchFamily="49" charset="0"/>
-                        </a:rPr>
-                        <a:t>(</a:t>
-                      </a:r>
-                      <a:r>
-                        <a:rPr lang="en-US" altLang="zh-CN" sz="1100" dirty="0" err="1">
-                          <a:latin typeface="Courier New" panose="02070309020205020404" pitchFamily="49" charset="0"/>
-                          <a:cs typeface="Courier New" panose="02070309020205020404" pitchFamily="49" charset="0"/>
-                        </a:rPr>
-                        <a:t>connectionInfo</a:t>
-                      </a:r>
-                      <a:r>
-                        <a:rPr lang="en-US" altLang="zh-CN" sz="1100" dirty="0">
-                          <a:latin typeface="Courier New" panose="02070309020205020404" pitchFamily="49" charset="0"/>
-                          <a:cs typeface="Courier New" panose="02070309020205020404" pitchFamily="49" charset="0"/>
-                        </a:rPr>
-                        <a:t>, </a:t>
-                      </a:r>
-                      <a:r>
-                        <a:rPr lang="en-US" altLang="zh-CN" sz="1100" dirty="0" err="1">
-                          <a:latin typeface="Courier New" panose="02070309020205020404" pitchFamily="49" charset="0"/>
-                          <a:cs typeface="Courier New" panose="02070309020205020404" pitchFamily="49" charset="0"/>
-                        </a:rPr>
-                        <a:t>jobID</a:t>
-                      </a:r>
-                      <a:r>
-                        <a:rPr lang="en-US" altLang="zh-CN" sz="1100" dirty="0">
-                          <a:latin typeface="Courier New" panose="02070309020205020404" pitchFamily="49" charset="0"/>
-                          <a:cs typeface="Courier New" panose="02070309020205020404" pitchFamily="49" charset="0"/>
-                        </a:rPr>
-                        <a:t>, </a:t>
-                      </a:r>
-                      <a:r>
-                        <a:rPr lang="en-US" altLang="zh-CN" sz="1100" dirty="0" err="1">
-                          <a:latin typeface="Courier New" panose="02070309020205020404" pitchFamily="49" charset="0"/>
-                          <a:cs typeface="Courier New" panose="02070309020205020404" pitchFamily="49" charset="0"/>
-                        </a:rPr>
-                        <a:t>sourceChannelID</a:t>
-                      </a:r>
-                      <a:r>
-                        <a:rPr lang="en-US" altLang="zh-CN" sz="1100" dirty="0">
-                          <a:latin typeface="Courier New" panose="02070309020205020404" pitchFamily="49" charset="0"/>
-                          <a:cs typeface="Courier New" panose="02070309020205020404" pitchFamily="49" charset="0"/>
-                        </a:rPr>
-                        <a:t>), timeout).response();</a:t>
-                      </a:r>
-                    </a:p>
-                    <a:p>
-                      <a:pPr marR="0" algn="l" rtl="0"/>
-                      <a:r>
-                        <a:rPr lang="en-US" altLang="zh-CN" sz="1100" dirty="0">
-                          <a:solidFill>
-                            <a:srgbClr val="C00000"/>
-                          </a:solidFill>
-                          <a:latin typeface="Courier New" panose="02070309020205020404" pitchFamily="49" charset="0"/>
-                          <a:cs typeface="Courier New" panose="02070309020205020404" pitchFamily="49" charset="0"/>
-                        </a:rPr>
-                        <a:t>-  } catch(</a:t>
-                      </a:r>
-                      <a:r>
-                        <a:rPr lang="en-US" altLang="zh-CN" sz="1100" dirty="0" err="1">
-                          <a:solidFill>
-                            <a:srgbClr val="C00000"/>
-                          </a:solidFill>
-                          <a:latin typeface="Courier New" panose="02070309020205020404" pitchFamily="49" charset="0"/>
-                          <a:cs typeface="Courier New" panose="02070309020205020404" pitchFamily="49" charset="0"/>
-                        </a:rPr>
-                        <a:t>IOException</a:t>
-                      </a:r>
-                      <a:r>
-                        <a:rPr lang="en-US" altLang="zh-CN" sz="1100" dirty="0">
-                          <a:solidFill>
-                            <a:srgbClr val="C00000"/>
-                          </a:solidFill>
-                          <a:latin typeface="Courier New" panose="02070309020205020404" pitchFamily="49" charset="0"/>
-                          <a:cs typeface="Courier New" panose="02070309020205020404" pitchFamily="49" charset="0"/>
-                        </a:rPr>
-                        <a:t> </a:t>
-                      </a:r>
-                      <a:r>
-                        <a:rPr lang="en-US" altLang="zh-CN" sz="1100" dirty="0" err="1">
-                          <a:solidFill>
-                            <a:srgbClr val="C00000"/>
-                          </a:solidFill>
-                          <a:latin typeface="Courier New" panose="02070309020205020404" pitchFamily="49" charset="0"/>
-                          <a:cs typeface="Courier New" panose="02070309020205020404" pitchFamily="49" charset="0"/>
-                        </a:rPr>
-                        <a:t>ioe</a:t>
-                      </a:r>
-                      <a:r>
-                        <a:rPr lang="en-US" altLang="zh-CN" sz="1100" dirty="0">
-                          <a:solidFill>
-                            <a:srgbClr val="C00000"/>
-                          </a:solidFill>
-                          <a:latin typeface="Courier New" panose="02070309020205020404" pitchFamily="49" charset="0"/>
-                          <a:cs typeface="Courier New" panose="02070309020205020404" pitchFamily="49" charset="0"/>
-                        </a:rPr>
-                        <a:t>) {throw </a:t>
-                      </a:r>
-                      <a:r>
-                        <a:rPr lang="en-US" altLang="zh-CN" sz="1100" dirty="0" err="1">
-                          <a:solidFill>
-                            <a:srgbClr val="C00000"/>
-                          </a:solidFill>
-                          <a:latin typeface="Courier New" panose="02070309020205020404" pitchFamily="49" charset="0"/>
-                          <a:cs typeface="Courier New" panose="02070309020205020404" pitchFamily="49" charset="0"/>
-                        </a:rPr>
-                        <a:t>ioe</a:t>
-                      </a:r>
-                      <a:r>
-                        <a:rPr lang="en-US" altLang="zh-CN" sz="1100" dirty="0">
-                          <a:solidFill>
-                            <a:srgbClr val="C00000"/>
-                          </a:solidFill>
-                          <a:latin typeface="Courier New" panose="02070309020205020404" pitchFamily="49" charset="0"/>
-                          <a:cs typeface="Courier New" panose="02070309020205020404" pitchFamily="49" charset="0"/>
-                        </a:rPr>
-                        <a:t>;}}</a:t>
-                      </a:r>
-                    </a:p>
-                  </a:txBody>
-                  <a:tcPr/>
-                </a:tc>
-                <a:tc>
-                  <a:txBody>
-                    <a:bodyPr/>
-                    <a:lstStyle/>
-                    <a:p>
-                      <a:pPr marL="0" marR="0" indent="0" algn="l" rtl="0">
-                        <a:buFontTx/>
-                        <a:buNone/>
-                      </a:pPr>
-                      <a:endParaRPr lang="en-US" altLang="zh-CN" sz="1100" dirty="0">
-                        <a:latin typeface="Courier New" panose="02070309020205020404" pitchFamily="49" charset="0"/>
-                        <a:cs typeface="Courier New" panose="02070309020205020404" pitchFamily="49" charset="0"/>
-                      </a:endParaRPr>
-                    </a:p>
-                    <a:p>
-                      <a:pPr marL="0" marR="0" indent="0" algn="l" rtl="0">
-                        <a:buFontTx/>
-                        <a:buNone/>
-                      </a:pPr>
-                      <a:r>
-                        <a:rPr lang="en-US" altLang="zh-CN" sz="1100" dirty="0" err="1">
-                          <a:latin typeface="Courier New" panose="02070309020205020404" pitchFamily="49" charset="0"/>
-                          <a:cs typeface="Courier New" panose="02070309020205020404" pitchFamily="49" charset="0"/>
-                        </a:rPr>
-                        <a:t>lookupResponse</a:t>
-                      </a:r>
-                      <a:r>
-                        <a:rPr lang="en-US" altLang="zh-CN" sz="1100" dirty="0">
-                          <a:latin typeface="Courier New" panose="02070309020205020404" pitchFamily="49" charset="0"/>
-                          <a:cs typeface="Courier New" panose="02070309020205020404" pitchFamily="49" charset="0"/>
-                        </a:rPr>
-                        <a:t> = </a:t>
-                      </a:r>
-                      <a:r>
-                        <a:rPr lang="en-US" altLang="zh-CN" sz="1100" dirty="0" err="1">
-                          <a:latin typeface="Courier New" panose="02070309020205020404" pitchFamily="49" charset="0"/>
-                          <a:cs typeface="Courier New" panose="02070309020205020404" pitchFamily="49" charset="0"/>
-                        </a:rPr>
-                        <a:t>AkkaUtils</a:t>
-                      </a:r>
-                      <a:r>
-                        <a:rPr lang="en-US" altLang="zh-CN" sz="1100" dirty="0">
-                          <a:latin typeface="Courier New" panose="02070309020205020404" pitchFamily="49" charset="0"/>
-                          <a:cs typeface="Courier New" panose="02070309020205020404" pitchFamily="49" charset="0"/>
-                        </a:rPr>
-                        <a:t>. &lt;...&gt;ask(</a:t>
-                      </a:r>
-                      <a:r>
-                        <a:rPr lang="en-US" altLang="zh-CN" sz="1100" dirty="0" err="1">
-                          <a:latin typeface="Courier New" panose="02070309020205020404" pitchFamily="49" charset="0"/>
-                          <a:cs typeface="Courier New" panose="02070309020205020404" pitchFamily="49" charset="0"/>
-                        </a:rPr>
-                        <a:t>channelLookup</a:t>
-                      </a:r>
-                      <a:r>
-                        <a:rPr lang="en-US" altLang="zh-CN" sz="1100" dirty="0">
-                          <a:latin typeface="Courier New" panose="02070309020205020404" pitchFamily="49" charset="0"/>
-                          <a:cs typeface="Courier New" panose="02070309020205020404" pitchFamily="49" charset="0"/>
-                        </a:rPr>
-                        <a:t>, new </a:t>
-                      </a:r>
-                      <a:r>
-                        <a:rPr lang="en-US" altLang="zh-CN" sz="1100" dirty="0" err="1">
-                          <a:latin typeface="Courier New" panose="02070309020205020404" pitchFamily="49" charset="0"/>
-                          <a:cs typeface="Courier New" panose="02070309020205020404" pitchFamily="49" charset="0"/>
-                        </a:rPr>
-                        <a:t>JobManagerMessages.LookupConnectionInformation</a:t>
-                      </a:r>
-                      <a:r>
-                        <a:rPr lang="en-US" altLang="zh-CN" sz="1100" dirty="0">
-                          <a:latin typeface="Courier New" panose="02070309020205020404" pitchFamily="49" charset="0"/>
-                          <a:cs typeface="Courier New" panose="02070309020205020404" pitchFamily="49" charset="0"/>
-                        </a:rPr>
-                        <a:t>(  </a:t>
-                      </a:r>
-                      <a:r>
-                        <a:rPr lang="en-US" altLang="zh-CN" sz="1100" dirty="0" err="1">
-                          <a:latin typeface="Courier New" panose="02070309020205020404" pitchFamily="49" charset="0"/>
-                          <a:cs typeface="Courier New" panose="02070309020205020404" pitchFamily="49" charset="0"/>
-                        </a:rPr>
-                        <a:t>connectionInfo</a:t>
-                      </a:r>
-                      <a:r>
-                        <a:rPr lang="en-US" altLang="zh-CN" sz="1100" dirty="0">
-                          <a:latin typeface="Courier New" panose="02070309020205020404" pitchFamily="49" charset="0"/>
-                          <a:cs typeface="Courier New" panose="02070309020205020404" pitchFamily="49" charset="0"/>
-                        </a:rPr>
-                        <a:t>, </a:t>
-                      </a:r>
-                      <a:r>
-                        <a:rPr lang="en-US" altLang="zh-CN" sz="1100" dirty="0" err="1">
-                          <a:latin typeface="Courier New" panose="02070309020205020404" pitchFamily="49" charset="0"/>
-                          <a:cs typeface="Courier New" panose="02070309020205020404" pitchFamily="49" charset="0"/>
-                        </a:rPr>
-                        <a:t>jobID</a:t>
-                      </a:r>
-                      <a:r>
-                        <a:rPr lang="en-US" altLang="zh-CN" sz="1100" dirty="0">
-                          <a:latin typeface="Courier New" panose="02070309020205020404" pitchFamily="49" charset="0"/>
-                          <a:cs typeface="Courier New" panose="02070309020205020404" pitchFamily="49" charset="0"/>
-                        </a:rPr>
-                        <a:t>, </a:t>
-                      </a:r>
-                      <a:r>
-                        <a:rPr lang="en-US" altLang="zh-CN" sz="1100" dirty="0" err="1">
-                          <a:latin typeface="Courier New" panose="02070309020205020404" pitchFamily="49" charset="0"/>
-                          <a:cs typeface="Courier New" panose="02070309020205020404" pitchFamily="49" charset="0"/>
-                        </a:rPr>
-                        <a:t>sourceChannelID</a:t>
-                      </a:r>
-                      <a:r>
-                        <a:rPr lang="en-US" altLang="zh-CN" sz="1100" dirty="0">
-                          <a:latin typeface="Courier New" panose="02070309020205020404" pitchFamily="49" charset="0"/>
-                          <a:cs typeface="Courier New" panose="02070309020205020404" pitchFamily="49" charset="0"/>
-                        </a:rPr>
-                        <a:t>), timeout).response();</a:t>
-                      </a:r>
-                    </a:p>
-                  </a:txBody>
-                  <a:tcPr/>
-                </a:tc>
-                <a:tc>
-                  <a:txBody>
-                    <a:bodyPr/>
-                    <a:lstStyle/>
-                    <a:p>
-                      <a:pPr marR="0" algn="l" rtl="0"/>
-                      <a:r>
-                        <a:rPr lang="en-US" altLang="zh-CN" sz="1100" dirty="0">
-                          <a:latin typeface="Courier New" panose="02070309020205020404" pitchFamily="49" charset="0"/>
-                          <a:cs typeface="Courier New" panose="02070309020205020404" pitchFamily="49" charset="0"/>
-                        </a:rPr>
-                        <a:t>synchronized (</a:t>
-                      </a:r>
-                      <a:r>
-                        <a:rPr lang="en-US" altLang="zh-CN" sz="1100" dirty="0" err="1">
-                          <a:latin typeface="Courier New" panose="02070309020205020404" pitchFamily="49" charset="0"/>
-                          <a:cs typeface="Courier New" panose="02070309020205020404" pitchFamily="49" charset="0"/>
-                        </a:rPr>
-                        <a:t>obj</a:t>
-                      </a:r>
-                      <a:r>
-                        <a:rPr lang="en-US" altLang="zh-CN" sz="1100" dirty="0">
-                          <a:latin typeface="Courier New" panose="02070309020205020404" pitchFamily="49" charset="0"/>
-                          <a:cs typeface="Courier New" panose="02070309020205020404" pitchFamily="49" charset="0"/>
-                        </a:rPr>
-                        <a:t>) {</a:t>
-                      </a:r>
-                    </a:p>
-                    <a:p>
-                      <a:pPr marR="0" algn="l" rtl="0"/>
-                      <a:r>
-                        <a:rPr lang="en-US" altLang="zh-CN" sz="1100" dirty="0">
-                          <a:latin typeface="Courier New" panose="02070309020205020404" pitchFamily="49" charset="0"/>
-                          <a:cs typeface="Courier New" panose="02070309020205020404" pitchFamily="49" charset="0"/>
-                        </a:rPr>
-                        <a:t>  ...</a:t>
-                      </a:r>
-                    </a:p>
-                    <a:p>
-                      <a:pPr marR="0" algn="l" rtl="0"/>
-                      <a:r>
-                        <a:rPr lang="en-US" altLang="zh-CN" sz="1100" dirty="0">
-                          <a:latin typeface="Courier New" panose="02070309020205020404" pitchFamily="49" charset="0"/>
-                          <a:cs typeface="Courier New" panose="02070309020205020404" pitchFamily="49" charset="0"/>
-                        </a:rPr>
-                        <a:t>}</a:t>
-                      </a:r>
-                      <a:endParaRPr lang="zh-CN" altLang="en-US" sz="1100" dirty="0">
-                        <a:latin typeface="Courier New" panose="02070309020205020404" pitchFamily="49" charset="0"/>
-                        <a:cs typeface="Courier New" panose="02070309020205020404" pitchFamily="49" charset="0"/>
-                      </a:endParaRPr>
-                    </a:p>
-                  </a:txBody>
-                  <a:tcPr anchor="ctr"/>
-                </a:tc>
-                <a:tc>
-                  <a:txBody>
-                    <a:bodyPr/>
-                    <a:lstStyle/>
-                    <a:p>
-                      <a:pPr marR="0" algn="l" rtl="0"/>
-                      <a:r>
-                        <a:rPr lang="en-US" altLang="zh-CN" sz="1100" dirty="0">
-                          <a:latin typeface="Courier New" panose="02070309020205020404" pitchFamily="49" charset="0"/>
-                          <a:cs typeface="Courier New" panose="02070309020205020404" pitchFamily="49" charset="0"/>
-                        </a:rPr>
-                        <a:t>...</a:t>
-                      </a:r>
-                      <a:endParaRPr lang="zh-CN" altLang="en-US" sz="1100" dirty="0">
-                        <a:latin typeface="Courier New" panose="02070309020205020404" pitchFamily="49" charset="0"/>
-                        <a:cs typeface="Courier New" panose="02070309020205020404" pitchFamily="49" charset="0"/>
-                      </a:endParaRPr>
-                    </a:p>
-                  </a:txBody>
-                  <a:tcPr anchor="ctr"/>
-                </a:tc>
-                <a:extLst>
-                  <a:ext uri="{0D108BD9-81ED-4DB2-BD59-A6C34878D82A}">
-                    <a16:rowId xmlns:a16="http://schemas.microsoft.com/office/drawing/2014/main" val="10006"/>
-                  </a:ext>
-                </a:extLst>
-              </a:tr>
               <a:tr h="916229">
                 <a:tc>
                   <a:txBody>
@@ -6427,7 +5978,7 @@
                           <a:latin typeface="Times New Roman" panose="02020603050405020304" pitchFamily="18" charset="0"/>
                           <a:cs typeface="Times New Roman" panose="02020603050405020304" pitchFamily="18" charset="0"/>
                         </a:rPr>
-                        <a:t>6</a:t>
+                        <a:t>5</a:t>
                       </a:r>
                       <a:endParaRPr lang="zh-CN" altLang="en-US" sz="1100" dirty="0">
                         <a:latin typeface="Times New Roman" panose="02020603050405020304" pitchFamily="18" charset="0"/>
@@ -6811,7 +6362,7 @@
                           <a:latin typeface="Times New Roman" panose="02020603050405020304" pitchFamily="18" charset="0"/>
                           <a:cs typeface="Times New Roman" panose="02020603050405020304" pitchFamily="18" charset="0"/>
                         </a:rPr>
-                        <a:t>7</a:t>
+                        <a:t>6</a:t>
                       </a:r>
                       <a:endParaRPr lang="zh-CN" altLang="en-US" sz="1100" dirty="0">
                         <a:latin typeface="Times New Roman" panose="02020603050405020304" pitchFamily="18" charset="0"/>
@@ -7122,7 +6673,7 @@
                           <a:latin typeface="Times New Roman" panose="02020603050405020304" pitchFamily="18" charset="0"/>
                           <a:cs typeface="Times New Roman" panose="02020603050405020304" pitchFamily="18" charset="0"/>
                         </a:rPr>
-                        <a:t>8</a:t>
+                        <a:t>7</a:t>
                       </a:r>
                       <a:endParaRPr lang="zh-CN" altLang="en-US" sz="1100" dirty="0">
                         <a:latin typeface="Times New Roman" panose="02020603050405020304" pitchFamily="18" charset="0"/>
@@ -7932,7 +7483,7 @@
                           <a:latin typeface="Times New Roman" panose="02020603050405020304" pitchFamily="18" charset="0"/>
                           <a:cs typeface="Times New Roman" panose="02020603050405020304" pitchFamily="18" charset="0"/>
                         </a:rPr>
-                        <a:t>9</a:t>
+                        <a:t>8</a:t>
                       </a:r>
                       <a:endParaRPr lang="zh-CN" altLang="en-US" sz="1100" dirty="0">
                         <a:latin typeface="Times New Roman" panose="02020603050405020304" pitchFamily="18" charset="0"/>
@@ -8458,7 +8009,7 @@
                           <a:latin typeface="Times New Roman" panose="02020603050405020304" pitchFamily="18" charset="0"/>
                           <a:cs typeface="Times New Roman" panose="02020603050405020304" pitchFamily="18" charset="0"/>
                         </a:rPr>
-                        <a:t>10</a:t>
+                        <a:t>9</a:t>
                       </a:r>
                       <a:endParaRPr lang="zh-CN" altLang="en-US" sz="1100" dirty="0">
                         <a:latin typeface="Times New Roman" panose="02020603050405020304" pitchFamily="18" charset="0"/>
@@ -8795,7 +8346,7 @@
           </p:nvPr>
         </p:nvGraphicFramePr>
         <p:xfrm>
-          <a:off x="14" y="2377283"/>
+          <a:off x="17" y="1737521"/>
           <a:ext cx="12184381" cy="7305576"/>
         </p:xfrm>
         <a:graphic>
